--- a/TreinamentoJavaSeOca/documentos/apresentação/OCA.pptx
+++ b/TreinamentoJavaSeOca/documentos/apresentação/OCA.pptx
@@ -8075,22 +8075,24 @@
         </p:nvSpPr>
         <p:spPr/>
         <p:txBody>
-          <a:bodyPr/>
-          <a:lstStyle/>
-          <a:p>
-            <a:r>
-              <a:rPr lang="pt-BR" dirty="0" smtClean="0"/>
+          <a:bodyPr>
+            <a:normAutofit/>
+          </a:bodyPr>
+          <a:lstStyle/>
+          <a:p>
+            <a:r>
+              <a:rPr lang="pt-BR" sz="3800" dirty="0" smtClean="0"/>
               <a:t>Literais, </a:t>
             </a:r>
             <a:r>
-              <a:rPr lang="pt-BR" dirty="0" err="1" smtClean="0"/>
+              <a:rPr lang="pt-BR" sz="3800" dirty="0" err="1" smtClean="0"/>
               <a:t>Assignmentes</a:t>
             </a:r>
             <a:r>
-              <a:rPr lang="pt-BR" dirty="0" smtClean="0"/>
+              <a:rPr lang="pt-BR" sz="3800" dirty="0" smtClean="0"/>
               <a:t> e Variáveis</a:t>
             </a:r>
-            <a:endParaRPr lang="pt-BR" dirty="0"/>
+            <a:endParaRPr lang="pt-BR" sz="3800" dirty="0"/>
           </a:p>
         </p:txBody>
       </p:sp>
@@ -10012,7 +10014,11 @@
                 <a:cs typeface="Calibri" charset="0"/>
               </a:defRPr>
             </a:pPr>
-            <a:endParaRPr lang="pt-BR"/>
+            <a:r>
+              <a:rPr lang="pt-BR" sz="1200" dirty="0"/>
+              <a:t>Java SE OCA</a:t>
+            </a:r>
+            <a:endParaRPr lang="pt-BR" dirty="0"/>
           </a:p>
         </p:txBody>
       </p:sp>

--- a/TreinamentoJavaSeOca/documentos/apresentação/OCA.pptx
+++ b/TreinamentoJavaSeOca/documentos/apresentação/OCA.pptx
@@ -5,10 +5,10 @@
     <p:sldMasterId id="2147483661" r:id="rId1"/>
   </p:sldMasterIdLst>
   <p:notesMasterIdLst>
-    <p:notesMasterId r:id="rId51"/>
+    <p:notesMasterId r:id="rId52"/>
   </p:notesMasterIdLst>
   <p:handoutMasterIdLst>
-    <p:handoutMasterId r:id="rId52"/>
+    <p:handoutMasterId r:id="rId53"/>
   </p:handoutMasterIdLst>
   <p:sldIdLst>
     <p:sldId id="1140" r:id="rId2"/>
@@ -36,30 +36,31 @@
     <p:sldId id="1203" r:id="rId24"/>
     <p:sldId id="1204" r:id="rId25"/>
     <p:sldId id="1205" r:id="rId26"/>
-    <p:sldId id="1165" r:id="rId27"/>
-    <p:sldId id="1202" r:id="rId28"/>
-    <p:sldId id="1166" r:id="rId29"/>
-    <p:sldId id="1167" r:id="rId30"/>
-    <p:sldId id="1168" r:id="rId31"/>
-    <p:sldId id="1169" r:id="rId32"/>
-    <p:sldId id="1170" r:id="rId33"/>
-    <p:sldId id="1171" r:id="rId34"/>
-    <p:sldId id="1172" r:id="rId35"/>
-    <p:sldId id="1173" r:id="rId36"/>
-    <p:sldId id="1174" r:id="rId37"/>
-    <p:sldId id="1175" r:id="rId38"/>
-    <p:sldId id="1176" r:id="rId39"/>
-    <p:sldId id="1177" r:id="rId40"/>
-    <p:sldId id="1178" r:id="rId41"/>
-    <p:sldId id="1179" r:id="rId42"/>
-    <p:sldId id="1180" r:id="rId43"/>
-    <p:sldId id="1181" r:id="rId44"/>
-    <p:sldId id="1182" r:id="rId45"/>
-    <p:sldId id="1183" r:id="rId46"/>
-    <p:sldId id="1184" r:id="rId47"/>
-    <p:sldId id="1185" r:id="rId48"/>
-    <p:sldId id="1186" r:id="rId49"/>
-    <p:sldId id="1187" r:id="rId50"/>
+    <p:sldId id="1207" r:id="rId27"/>
+    <p:sldId id="1165" r:id="rId28"/>
+    <p:sldId id="1202" r:id="rId29"/>
+    <p:sldId id="1166" r:id="rId30"/>
+    <p:sldId id="1167" r:id="rId31"/>
+    <p:sldId id="1168" r:id="rId32"/>
+    <p:sldId id="1169" r:id="rId33"/>
+    <p:sldId id="1170" r:id="rId34"/>
+    <p:sldId id="1171" r:id="rId35"/>
+    <p:sldId id="1172" r:id="rId36"/>
+    <p:sldId id="1173" r:id="rId37"/>
+    <p:sldId id="1174" r:id="rId38"/>
+    <p:sldId id="1175" r:id="rId39"/>
+    <p:sldId id="1176" r:id="rId40"/>
+    <p:sldId id="1177" r:id="rId41"/>
+    <p:sldId id="1178" r:id="rId42"/>
+    <p:sldId id="1179" r:id="rId43"/>
+    <p:sldId id="1180" r:id="rId44"/>
+    <p:sldId id="1181" r:id="rId45"/>
+    <p:sldId id="1182" r:id="rId46"/>
+    <p:sldId id="1183" r:id="rId47"/>
+    <p:sldId id="1184" r:id="rId48"/>
+    <p:sldId id="1185" r:id="rId49"/>
+    <p:sldId id="1186" r:id="rId50"/>
+    <p:sldId id="1187" r:id="rId51"/>
   </p:sldIdLst>
   <p:sldSz cx="9144000" cy="6858000" type="screen4x3"/>
   <p:notesSz cx="6797675" cy="9928225"/>
@@ -724,7 +725,7 @@
             <a:spLocks noGrp="1" noChangeArrowheads="1"/>
             <a:extLst>
               <a:ext uri="smNativeData">
-                <pr:smNativeData xmlns="" xmlns:pr="smNativeData" val="SMDATA_12_7hxgVxMAAAAlAAAAZAAAAA0AAAAAkAAAAEgAAACQAAAASAAAAAAAAAAAAAAAAAAAAAEAAABQAAAAAAAAAAAA4D8AAAAAAADgPwAAAAAAAOA/AAAAAAAA4D8AAAAAAADgPwAAAAAAAOA/AAAAAAAA4D8AAAAAAADgPwAAAAAAAOA/AAAAAAAA4D8CAAAAjAAAAAAAAAAAAAAA////DP///wgAAAAAAAAAAAAAAAAAAAAAAAAAAAAAAAAAAAAAZAAAAAEAAABAAAAAAAAAAAAAAAAAAAAAAAAAAAAAAAAAAAAAAAAAAAAAAAAAAAAAAAAAAAAAAAAAAAAAAAAAAAAAAAAAAAAAAAAAAAAAAAAAAAAAAAAAAAAAAAAAAAAAFAAAADwAAAAAAAAAAAAAAAZJjAkUAAAAAQAAABQAAAAUAAAAFAAAAAEAAAAAAAAAZAAAAGQAAAAAAAAAZAAAAGQAAAAVAAAAYAAAAAAAAAAAAAAADwAAACADAAAAAAAAAAAAAAEAAACgMgAAVgcAAKr4//8BAAAAf39/AAEAAABkAAAAAAAAABQAAABAHwAAAAAAACYAAAAAAAAAwOD//wAAAAAmAAAAZAAAABYAAABMAAAAAAAAAAAAAAAEAAAAAAAAAAEAAACWlpYKAAAAACgAAAAoAAAAZAAAAGQAAAAAAAAAzMzMAAAAAABQAAAAUAAAAGQAAABkAAAAAAAAABcAAAAUAAAAAAAAAAAAAAD/fwAA/38AAAAAAAAJAAAABAAAAAAAAAAMAAAAEAAAAAAAAAAAAAAAAAAAAAAAAAAeAAAAaAAAAAAAAAAAAAAAAAAAAAAAAAAAAAAAECcAABAnAAAAAAAAAAAAAAAAAAAAAAAAAAAAAAAAAAAAAAAAAAAAABQAAAAAAAAAwMD/AAAAAABkAAAAMgAAAAAAAABkAAAAAAAAAH9/fwAKAAAAHwAAAFQAAAAAAAAFAAAAAQAAAAAAAAAAAAAAAAAAAAAAAAAAAAAAAAAAAAAAAAAAAAAAAn9/fwAAAAADzMzMAMDA/wB/f38AAAAAAAAAAAAAAAAAAAAAAAAAAAAhAAAAGAAAABQAAAA4BAAAwAMAANAvAAAIBwAAEAAAAA=="/>
+                <pr:smNativeData xmlns:pr="smNativeData" xmlns="" val="SMDATA_12_7hxgVxMAAAAlAAAAZAAAAA0AAAAAkAAAAEgAAACQAAAASAAAAAAAAAAAAAAAAAAAAAEAAABQAAAAAAAAAAAA4D8AAAAAAADgPwAAAAAAAOA/AAAAAAAA4D8AAAAAAADgPwAAAAAAAOA/AAAAAAAA4D8AAAAAAADgPwAAAAAAAOA/AAAAAAAA4D8CAAAAjAAAAAAAAAAAAAAA////DP///wgAAAAAAAAAAAAAAAAAAAAAAAAAAAAAAAAAAAAAZAAAAAEAAABAAAAAAAAAAAAAAAAAAAAAAAAAAAAAAAAAAAAAAAAAAAAAAAAAAAAAAAAAAAAAAAAAAAAAAAAAAAAAAAAAAAAAAAAAAAAAAAAAAAAAAAAAAAAAAAAAAAAAFAAAADwAAAAAAAAAAAAAAAZJjAkUAAAAAQAAABQAAAAUAAAAFAAAAAEAAAAAAAAAZAAAAGQAAAAAAAAAZAAAAGQAAAAVAAAAYAAAAAAAAAAAAAAADwAAACADAAAAAAAAAAAAAAEAAACgMgAAVgcAAKr4//8BAAAAf39/AAEAAABkAAAAAAAAABQAAABAHwAAAAAAACYAAAAAAAAAwOD//wAAAAAmAAAAZAAAABYAAABMAAAAAAAAAAAAAAAEAAAAAAAAAAEAAACWlpYKAAAAACgAAAAoAAAAZAAAAGQAAAAAAAAAzMzMAAAAAABQAAAAUAAAAGQAAABkAAAAAAAAABcAAAAUAAAAAAAAAAAAAAD/fwAA/38AAAAAAAAJAAAABAAAAAAAAAAMAAAAEAAAAAAAAAAAAAAAAAAAAAAAAAAeAAAAaAAAAAAAAAAAAAAAAAAAAAAAAAAAAAAAECcAABAnAAAAAAAAAAAAAAAAAAAAAAAAAAAAAAAAAAAAAAAAAAAAABQAAAAAAAAAwMD/AAAAAABkAAAAMgAAAAAAAABkAAAAAAAAAH9/fwAKAAAAHwAAAFQAAAAAAAAFAAAAAQAAAAAAAAAAAAAAAAAAAAAAAAAAAAAAAAAAAAAAAAAAAAAAAn9/fwAAAAADzMzMAMDA/wB/f38AAAAAAAAAAAAAAAAAAAAAAAAAAAAhAAAAGAAAABQAAAA4BAAAwAMAANAvAAAIBwAAEAAAAA=="/>
               </a:ext>
             </a:extLst>
           </p:cNvSpPr>
@@ -1618,7 +1619,7 @@
             <a:spLocks noGrp="1" noChangeArrowheads="1"/>
             <a:extLst>
               <a:ext uri="smNativeData">
-                <pr:smNativeData xmlns="" xmlns:pr="smNativeData" val="SMDATA_12_7hxgVxMAAAAlAAAAZAAAAA0AAAAAkAAAAEgAAACQAAAASAAAAAAAAAABAAAAAAAAAAEAAABQAAAAAAAAAAAA4D8AAAAAAADgPwAAAAAAAOA/AAAAAAAA4D8AAAAAAADgPwAAAAAAAOA/AAAAAAAA4D8AAAAAAADgPwAAAAAAAOA/AAAAAAAA4D8CAAAAjAAAAAAAAAAAAAAA////AP///wgAAAAAAAAAAAAAAAAAAAAAAAAAAAAAAAAAAAAAeAAAAAEAAABAAAAAAAAAAAAAAABaAAAAAAAAAAAAAAAAAAAAAAAAAAAAAAAAAAAAAAAAAAAAAAAAAAAAAAAAAAAAAAAAAAAAAAAAAAAAAAAAAAAAAAAAAAAAAAAAAAAAFAAAADwAAAAAAAAAAAAAAAAAAAAPAAAAAQAAACMAAAAjAAAAIwAAAB4AAAAAAAAAZAAAAGQAAAAAAAAAZAAAAGQAAAAVAAAAYAAAAAAAAAAAAAAADwAAACADAAAAAAAAAAAAAAEAAACgMgAAVgcAAKr4//8BAAAAf39/AAEAAABkAAAAAAAAABQAAABAHwAAAAAAACYAAAAAAAAAwOD//wAAAAAmAAAAZAAAABYAAABMAAAAAAAAAAAAAAAEAAAAAAAAAAEAAADn5uYKAAAAACgAAAAoAAAAZAAAAGQAAAAAAAAAzMzMAAAAAABQAAAAUAAAAGQAAABkAAAAAAAAABcAAAAUAAAAAAAAAAAAAAD/fwAA/38AAAAAAAAJAAAABAAAAAAAAAAMAAAAEAAAAAAAAAAAAAAAAAAAAAAAAAAeAAAAaAAAAAAAAAAAAAAAAAAAAAAAAAAAAAAAECcAABAnAAAAAAAAAAAAAAAAAAAAAAAAAAAAAAAAAAAAAAAAAAAAABQAAAAAAAAAwMD/AAAAAABkAAAAMgAAAAAAAABkAAAAAAAAAH9/fwAKAAAAHwAAAFQAAAD///8AAAAAAQAAAAAAAAAAAAAAAAAAAAAAAAAAAAAAAAAAAAAAAAAAAAAAAH9/fwAAAAADzMzMAMDA/wB/f38AAAAAAAAAAAAAAAAAAAAAAAAAAAAhAAAAGAAAABQAAAAoBQAAPwIAANhFAABnCgAAEAAAAA=="/>
+                <pr:smNativeData xmlns:pr="smNativeData" xmlns="" val="SMDATA_12_7hxgVxMAAAAlAAAAZAAAAA0AAAAAkAAAAEgAAACQAAAASAAAAAAAAAABAAAAAAAAAAEAAABQAAAAAAAAAAAA4D8AAAAAAADgPwAAAAAAAOA/AAAAAAAA4D8AAAAAAADgPwAAAAAAAOA/AAAAAAAA4D8AAAAAAADgPwAAAAAAAOA/AAAAAAAA4D8CAAAAjAAAAAAAAAAAAAAA////AP///wgAAAAAAAAAAAAAAAAAAAAAAAAAAAAAAAAAAAAAeAAAAAEAAABAAAAAAAAAAAAAAABaAAAAAAAAAAAAAAAAAAAAAAAAAAAAAAAAAAAAAAAAAAAAAAAAAAAAAAAAAAAAAAAAAAAAAAAAAAAAAAAAAAAAAAAAAAAAAAAAAAAAFAAAADwAAAAAAAAAAAAAAAAAAAAPAAAAAQAAACMAAAAjAAAAIwAAAB4AAAAAAAAAZAAAAGQAAAAAAAAAZAAAAGQAAAAVAAAAYAAAAAAAAAAAAAAADwAAACADAAAAAAAAAAAAAAEAAACgMgAAVgcAAKr4//8BAAAAf39/AAEAAABkAAAAAAAAABQAAABAHwAAAAAAACYAAAAAAAAAwOD//wAAAAAmAAAAZAAAABYAAABMAAAAAAAAAAAAAAAEAAAAAAAAAAEAAADn5uYKAAAAACgAAAAoAAAAZAAAAGQAAAAAAAAAzMzMAAAAAABQAAAAUAAAAGQAAABkAAAAAAAAABcAAAAUAAAAAAAAAAAAAAD/fwAA/38AAAAAAAAJAAAABAAAAAAAAAAMAAAAEAAAAAAAAAAAAAAAAAAAAAAAAAAeAAAAaAAAAAAAAAAAAAAAAAAAAAAAAAAAAAAAECcAABAnAAAAAAAAAAAAAAAAAAAAAAAAAAAAAAAAAAAAAAAAAAAAABQAAAAAAAAAwMD/AAAAAABkAAAAMgAAAAAAAABkAAAAAAAAAH9/fwAKAAAAHwAAAFQAAAD///8AAAAAAQAAAAAAAAAAAAAAAAAAAAAAAAAAAAAAAAAAAAAAAAAAAAAAAH9/fwAAAAADzMzMAMDA/wB/f38AAAAAAAAAAAAAAAAAAAAAAAAAAAAhAAAAGAAAABQAAAAoBQAAPwIAANhFAABnCgAAEAAAAA=="/>
               </a:ext>
             </a:extLst>
           </p:cNvSpPr>
@@ -1665,7 +1666,7 @@
             <a:spLocks noGrp="1" noChangeArrowheads="1"/>
             <a:extLst>
               <a:ext uri="smNativeData">
-                <pr:smNativeData xmlns="" xmlns:pr="smNativeData" val="SMDATA_12_7hxgVxMAAAAlAAAAZAAAAA0AAAAAkAAAAEgAAACQAAAASAAAAAAAAAAAAAAAAAAAAAEAAABQAAAAAAAAAAAA4D8AAAAAAADgPwAAAAAAAOA/AAAAAAAA4D8AAAAAAADgPwAAAAAAAOA/AAAAAAAA4D8AAAAAAADgPwAAAAAAAOA/AAAAAAAA4D8CAAAAjAAAAAAAAAAAAAAA////AP///wgAAAAAAAAAAAAAAAAAAAAAAAAAAAAAAAAAAAAAeAAAAAEAAABAAAAAAAAAAAAAAABaAAAAAAAAAAAAAAAAAAAAAAAAAAAAAAAAAAAAAAAAAAAAAAAAAAAAAAAAAAAAAAAAAAAAAAAAAAAAAAAAAAAAAAAAAAAAAAAAAAAAFAAAADwAAAAAAAAAAAAAAAAAAAAPAAAAAQAAACMAAAAjAAAAIwAAAB4AAAAAAAAAZAAAAGQAAAAAAAAAZAAAAGQAAAAVAAAAYAAAAAAAAAAAAAAADwAAACADAAAAAAAAAAAAAAEAAACgMgAAVgcAAKr4//8BAAAAf39/AAEAAABkAAAAAAAAABQAAABAHwAAAAAAACYAAAAAAAAAwOD//wAAAAAmAAAAZAAAABYAAABMAAAAAAAAAAAAAAAEAAAAAAAAAAEAAADn5uYKAAAAACgAAAAoAAAAZAAAAGQAAAAAAAAAzMzMAAAAAABQAAAAUAAAAGQAAABkAAAAAAAAABcAAAAUAAAAAAAAAAAAAAD/fwAA/38AAAAAAAAJAAAABAAAAAAAAAAMAAAAEAAAAAAAAAAAAAAAAAAAAAAAAAAeAAAAaAAAAAAAAAAAAAAAAAAAAAAAAAAAAAAAECcAABAnAAAAAAAAAAAAAAAAAAAAAAAAAAAAAAAAAAAAAAAAAAAAABQAAAAAAAAAwMD/AAAAAABkAAAAMgAAAAAAAABkAAAAAAAAAH9/fwAKAAAAHwAAAFQAAAD///8AAAAAAQAAAAAAAAAAAAAAAAAAAAAAAAAAAAAAAAAAAAAAAAAAAAAAAH9/fwAAAAADzMzMAMDA/wB/f38AAAAAAAAAAAAAAAAAAAAAAAAAAAAhAAAAGAAAABQAAAAoBQAAOwsAANhFAAAAJgAAEAAAAA=="/>
+                <pr:smNativeData xmlns:pr="smNativeData" xmlns="" val="SMDATA_12_7hxgVxMAAAAlAAAAZAAAAA0AAAAAkAAAAEgAAACQAAAASAAAAAAAAAAAAAAAAAAAAAEAAABQAAAAAAAAAAAA4D8AAAAAAADgPwAAAAAAAOA/AAAAAAAA4D8AAAAAAADgPwAAAAAAAOA/AAAAAAAA4D8AAAAAAADgPwAAAAAAAOA/AAAAAAAA4D8CAAAAjAAAAAAAAAAAAAAA////AP///wgAAAAAAAAAAAAAAAAAAAAAAAAAAAAAAAAAAAAAeAAAAAEAAABAAAAAAAAAAAAAAABaAAAAAAAAAAAAAAAAAAAAAAAAAAAAAAAAAAAAAAAAAAAAAAAAAAAAAAAAAAAAAAAAAAAAAAAAAAAAAAAAAAAAAAAAAAAAAAAAAAAAFAAAADwAAAAAAAAAAAAAAAAAAAAPAAAAAQAAACMAAAAjAAAAIwAAAB4AAAAAAAAAZAAAAGQAAAAAAAAAZAAAAGQAAAAVAAAAYAAAAAAAAAAAAAAADwAAACADAAAAAAAAAAAAAAEAAACgMgAAVgcAAKr4//8BAAAAf39/AAEAAABkAAAAAAAAABQAAABAHwAAAAAAACYAAAAAAAAAwOD//wAAAAAmAAAAZAAAABYAAABMAAAAAAAAAAAAAAAEAAAAAAAAAAEAAADn5uYKAAAAACgAAAAoAAAAZAAAAGQAAAAAAAAAzMzMAAAAAABQAAAAUAAAAGQAAABkAAAAAAAAABcAAAAUAAAAAAAAAAAAAAD/fwAA/38AAAAAAAAJAAAABAAAAAAAAAAMAAAAEAAAAAAAAAAAAAAAAAAAAAAAAAAeAAAAaAAAAAAAAAAAAAAAAAAAAAAAAAAAAAAAECcAABAnAAAAAAAAAAAAAAAAAAAAAAAAAAAAAAAAAAAAAAAAAAAAABQAAAAAAAAAwMD/AAAAAABkAAAAMgAAAAAAAABkAAAAAAAAAH9/fwAKAAAAHwAAAFQAAAD///8AAAAAAQAAAAAAAAAAAAAAAAAAAAAAAAAAAAAAAAAAAAAAAAAAAAAAAH9/fwAAAAADzMzMAMDA/wB/f38AAAAAAAAAAAAAAAAAAAAAAAAAAAAhAAAAGAAAABQAAAAoBQAAOwsAANhFAAAAJgAAEAAAAA=="/>
               </a:ext>
             </a:extLst>
           </p:cNvSpPr>
@@ -1712,7 +1713,7 @@
             <a:spLocks noGrp="1" noChangeArrowheads="1"/>
             <a:extLst>
               <a:ext uri="smNativeData">
-                <pr:smNativeData xmlns="" xmlns:pr="smNativeData" val="SMDATA_12_7hxgVxMAAAAlAAAAZAAAAA0AAAAAkAAAAEgAAACQAAAASAAAAAAAAAABAAAAAAAAAAEAAABQAAAAAAAAAAAA4D8AAAAAAADgPwAAAAAAAOA/AAAAAAAA4D8AAAAAAADgPwAAAAAAAOA/AAAAAAAA4D8AAAAAAADgPwAAAAAAAOA/AAAAAAAA4D8CAAAAjAAAAAAAAAAAAAAA////AP///wgAAAAAAAAAAAAAAAAAAAAAAAAAAAAAAAAAAAAAeAAAAAEAAABAAAAAAAAAAAAAAABaAAAAAAAAAAAAAAAAAAAAAAAAAAAAAAAAAAAAAAAAAAAAAAAAAAAAAAAAAAAAAAAAAAAAAAAAAAAAAAAAAAAAAAAAAAAAAAAAAAAAFAAAADwAAAAAAAAAAAAAAAAAAAAPAAAAAQAAACMAAAAjAAAAIwAAAB4AAAAAAAAAZAAAAGQAAAAAAAAAZAAAAGQAAAAVAAAAYAAAAAAAAAAAAAAADwAAACADAAAAAAAAAAAAAAEAAACgMgAAVgcAAKr4//8BAAAAf39/AAEAAABkAAAAAAAAABQAAABAHwAAAAAAACYAAAAAAAAAwOD//wAAAAAmAAAAZAAAABYAAABMAAAAAAAAAAAAAAAEAAAAAAAAAAEAAADn5uYKAAAAACgAAAAoAAAAZAAAAGQAAAAAAAAAzMzMAAAAAABQAAAAUAAAAGQAAABkAAAAAAAAABcAAAAUAAAAAAAAAAAAAAD/fwAA/38AAAAAAAAJAAAABAAAAAAAAAAMAAAAEAAAAAAAAAAAAAAAAAAAAAAAAAAeAAAAaAAAAAAAAAAAAAAAAAAAAAAAAAAAAAAAECcAABAnAAAAAAAAAAAAAAAAAAAAAAAAAAAAAAAAAAAAAAAAAAAAABQAAAAAAAAAwMD/AAAAAABkAAAAMgAAAAAAAABkAAAAAAAAAH9/fwAKAAAAHwAAAFQAAAD///8A////AQAAAAAAAAAAAAAAAAAAAAAAAAAAAAAAAAAAAAAAAAAAAAAAAH9/fwDn5uYDzMzMAMDA/wB/f38AAAAAAAAAAAAAAAAAAAAAAAAAAAAhAAAAGAAAABQAAAD4NAAAGicAANhFAABZKQAAEAAAAA=="/>
+                <pr:smNativeData xmlns:pr="smNativeData" xmlns="" val="SMDATA_12_7hxgVxMAAAAlAAAAZAAAAA0AAAAAkAAAAEgAAACQAAAASAAAAAAAAAABAAAAAAAAAAEAAABQAAAAAAAAAAAA4D8AAAAAAADgPwAAAAAAAOA/AAAAAAAA4D8AAAAAAADgPwAAAAAAAOA/AAAAAAAA4D8AAAAAAADgPwAAAAAAAOA/AAAAAAAA4D8CAAAAjAAAAAAAAAAAAAAA////AP///wgAAAAAAAAAAAAAAAAAAAAAAAAAAAAAAAAAAAAAeAAAAAEAAABAAAAAAAAAAAAAAABaAAAAAAAAAAAAAAAAAAAAAAAAAAAAAAAAAAAAAAAAAAAAAAAAAAAAAAAAAAAAAAAAAAAAAAAAAAAAAAAAAAAAAAAAAAAAAAAAAAAAFAAAADwAAAAAAAAAAAAAAAAAAAAPAAAAAQAAACMAAAAjAAAAIwAAAB4AAAAAAAAAZAAAAGQAAAAAAAAAZAAAAGQAAAAVAAAAYAAAAAAAAAAAAAAADwAAACADAAAAAAAAAAAAAAEAAACgMgAAVgcAAKr4//8BAAAAf39/AAEAAABkAAAAAAAAABQAAABAHwAAAAAAACYAAAAAAAAAwOD//wAAAAAmAAAAZAAAABYAAABMAAAAAAAAAAAAAAAEAAAAAAAAAAEAAADn5uYKAAAAACgAAAAoAAAAZAAAAGQAAAAAAAAAzMzMAAAAAABQAAAAUAAAAGQAAABkAAAAAAAAABcAAAAUAAAAAAAAAAAAAAD/fwAA/38AAAAAAAAJAAAABAAAAAAAAAAMAAAAEAAAAAAAAAAAAAAAAAAAAAAAAAAeAAAAaAAAAAAAAAAAAAAAAAAAAAAAAAAAAAAAECcAABAnAAAAAAAAAAAAAAAAAAAAAAAAAAAAAAAAAAAAAAAAAAAAABQAAAAAAAAAwMD/AAAAAABkAAAAMgAAAAAAAABkAAAAAAAAAH9/fwAKAAAAHwAAAFQAAAD///8A////AQAAAAAAAAAAAAAAAAAAAAAAAAAAAAAAAAAAAAAAAAAAAAAAAH9/fwDn5uYDzMzMAMDA/wB/f38AAAAAAAAAAAAAAAAAAAAAAAAAAAAhAAAAGAAAABQAAAD4NAAAGicAANhFAABZKQAAEAAAAA=="/>
               </a:ext>
             </a:extLst>
           </p:cNvSpPr>
@@ -1769,7 +1770,7 @@
             <a:spLocks noGrp="1" noChangeArrowheads="1"/>
             <a:extLst>
               <a:ext uri="smNativeData">
-                <pr:smNativeData xmlns="" xmlns:pr="smNativeData" val="SMDATA_12_7hxgVxMAAAAlAAAAZAAAAA0AAAAAkAAAAEgAAACQAAAASAAAAAAAAAABAAAAAAAAAAEAAABQAAAAAAAAAAAA4D8AAAAAAADgPwAAAAAAAOA/AAAAAAAA4D8AAAAAAADgPwAAAAAAAOA/AAAAAAAA4D8AAAAAAADgPwAAAAAAAOA/AAAAAAAA4D8CAAAAjAAAAAAAAAAAAAAA////AP///wgAAAAAAAAAAAAAAAAAAAAAAAAAAAAAAAAAAAAAeAAAAAEAAABAAAAAAAAAAAAAAABaAAAAAAAAAAAAAAAAAAAAAAAAAAAAAAAAAAAAAAAAAAAAAAAAAAAAAAAAAAAAAAAAAAAAAAAAAAAAAAAAAAAAAAAAAAAAAAAAAAAAFAAAADwAAAAAAAAAAAAAAAAAAAAPAAAAAQAAACMAAAAjAAAAIwAAAB4AAAAAAAAAZAAAAGQAAAAAAAAAZAAAAGQAAAAVAAAAYAAAAAAAAAAAAAAADwAAACADAAAAAAAAAAAAAAEAAACgMgAAVgcAAKr4//8BAAAAf39/AAEAAABkAAAAAAAAABQAAABAHwAAAAAAACYAAAAAAAAAwOD//wAAAAAmAAAAZAAAABYAAABMAAAAAAAAAAAAAAAEAAAAAAAAAAEAAADn5uYKAAAAACgAAAAoAAAAZAAAAGQAAAAAAAAAzMzMAAAAAABQAAAAUAAAAGQAAABkAAAAAAAAABcAAAAUAAAAAAAAAAAAAAD/fwAA/38AAAAAAAAJAAAABAAAAAAAAAAMAAAAEAAAAAAAAAAAAAAAAAAAAAAAAAAeAAAAaAAAAAAAAAAAAAAAAAAAAAAAAAAAAAAAECcAABAnAAAAAAAAAAAAAAAAAAAAAAAAAAAAAAAAAAAAAAAAAAAAABQAAAAAAAAAwMD/AAAAAABkAAAAMgAAAAAAAABkAAAAAAAAAH9/fwAKAAAAHwAAAFQAAAD///8A////AQAAAAAAAAAAAAAAAAAAAAAAAAAAAAAAAAAAAAAAAAAAAAAAAH9/fwDn5uYDzMzMAMDA/wB/f38AAAAAAAAAAAAAAAAAAAAAAAAAAAAhAAAAGAAAABQAAADYGAAAGicAACgyAABZKQAAEAAAAA=="/>
+                <pr:smNativeData xmlns:pr="smNativeData" xmlns="" val="SMDATA_12_7hxgVxMAAAAlAAAAZAAAAA0AAAAAkAAAAEgAAACQAAAASAAAAAAAAAABAAAAAAAAAAEAAABQAAAAAAAAAAAA4D8AAAAAAADgPwAAAAAAAOA/AAAAAAAA4D8AAAAAAADgPwAAAAAAAOA/AAAAAAAA4D8AAAAAAADgPwAAAAAAAOA/AAAAAAAA4D8CAAAAjAAAAAAAAAAAAAAA////AP///wgAAAAAAAAAAAAAAAAAAAAAAAAAAAAAAAAAAAAAeAAAAAEAAABAAAAAAAAAAAAAAABaAAAAAAAAAAAAAAAAAAAAAAAAAAAAAAAAAAAAAAAAAAAAAAAAAAAAAAAAAAAAAAAAAAAAAAAAAAAAAAAAAAAAAAAAAAAAAAAAAAAAFAAAADwAAAAAAAAAAAAAAAAAAAAPAAAAAQAAACMAAAAjAAAAIwAAAB4AAAAAAAAAZAAAAGQAAAAAAAAAZAAAAGQAAAAVAAAAYAAAAAAAAAAAAAAADwAAACADAAAAAAAAAAAAAAEAAACgMgAAVgcAAKr4//8BAAAAf39/AAEAAABkAAAAAAAAABQAAABAHwAAAAAAACYAAAAAAAAAwOD//wAAAAAmAAAAZAAAABYAAABMAAAAAAAAAAAAAAAEAAAAAAAAAAEAAADn5uYKAAAAACgAAAAoAAAAZAAAAGQAAAAAAAAAzMzMAAAAAABQAAAAUAAAAGQAAABkAAAAAAAAABcAAAAUAAAAAAAAAAAAAAD/fwAA/38AAAAAAAAJAAAABAAAAAAAAAAMAAAAEAAAAAAAAAAAAAAAAAAAAAAAAAAeAAAAaAAAAAAAAAAAAAAAAAAAAAAAAAAAAAAAECcAABAnAAAAAAAAAAAAAAAAAAAAAAAAAAAAAAAAAAAAAAAAAAAAABQAAAAAAAAAwMD/AAAAAABkAAAAMgAAAAAAAABkAAAAAAAAAH9/fwAKAAAAHwAAAFQAAAD///8A////AQAAAAAAAAAAAAAAAAAAAAAAAAAAAAAAAAAAAAAAAAAAAAAAAH9/fwDn5uYDzMzMAMDA/wB/f38AAAAAAAAAAAAAAAAAAAAAAAAAAAAhAAAAGAAAABQAAADYGAAAGicAACgyAABZKQAAEAAAAA=="/>
               </a:ext>
             </a:extLst>
           </p:cNvSpPr>
@@ -1823,7 +1824,7 @@
             <a:spLocks noGrp="1" noChangeArrowheads="1"/>
             <a:extLst>
               <a:ext uri="smNativeData">
-                <pr:smNativeData xmlns="" xmlns:pr="smNativeData" val="SMDATA_12_7hxgVxMAAAAlAAAAZAAAAA0AAAAAkAAAAEgAAACQAAAASAAAAAAAAAABAAAAAAAAAAEAAABQAAAAAAAAAAAA4D8AAAAAAADgPwAAAAAAAOA/AAAAAAAA4D8AAAAAAADgPwAAAAAAAOA/AAAAAAAA4D8AAAAAAADgPwAAAAAAAOA/AAAAAAAA4D8CAAAAjAAAAAAAAAAAAAAA////AP///wgAAAAAAAAAAAAAAAAAAAAAAAAAAAAAAAAAAAAAeAAAAAEAAABAAAAAAAAAAAAAAABaAAAAAAAAAAAAAAAAAAAAAAAAAAAAAAAAAAAAAAAAAAAAAAAAAAAAAAAAAAAAAAAAAAAAAAAAAAAAAAAAAAAAAAAAAAAAAAAAAAAAFAAAADwAAAAAAAAAAAAAAAAAAAAPAAAAAQAAACMAAAAjAAAAIwAAAB4AAAAAAAAAZAAAAGQAAAAAAAAAZAAAAGQAAAAVAAAAYAAAAAAAAAAAAAAADwAAACADAAAAAAAAAAAAAAEAAACgMgAAVgcAAKr4//8BAAAAf39/AAEAAABkAAAAAAAAABQAAABAHwAAAAAAACYAAAAAAAAAwOD//wAAAAAmAAAAZAAAABYAAABMAAAAAAAAAAAAAAAEAAAAAAAAAAEAAADn5uYKAAAAACgAAAAoAAAAZAAAAGQAAAAAAAAAzMzMAAAAAABQAAAAUAAAAGQAAABkAAAAAAAAABcAAAAUAAAAAAAAAAAAAAD/fwAA/38AAAAAAAAJAAAABAAAAAAAAAAMAAAAEAAAAAAAAAAAAAAAAAAAAAAAAAAeAAAAaAAAAAAAAAAAAAAAAAAAAAAAAAAAAAAAECcAABAnAAAAAAAAAAAAAAAAAAAAAAAAAAAAAAAAAAAAAAAAAAAAABQAAAAAAAAAwMD/AAAAAABkAAAAMgAAAAAAAABkAAAAAAAAAH9/fwAKAAAAHwAAAFQAAAD///8A////AQAAAAAAAAAAAAAAAAAAAAAAAAAAAAAAAAAAAAAAAAAAAAAAAH9/fwDn5uYDzMzMAMDA/wB/f38AAAAAAAAAAAAAAAAAAAAAAAAAAAAhAAAAGAAAABQAAAAoBQAAGicAAAgWAABZKQAAEAAAAA=="/>
+                <pr:smNativeData xmlns:pr="smNativeData" xmlns="" val="SMDATA_12_7hxgVxMAAAAlAAAAZAAAAA0AAAAAkAAAAEgAAACQAAAASAAAAAAAAAABAAAAAAAAAAEAAABQAAAAAAAAAAAA4D8AAAAAAADgPwAAAAAAAOA/AAAAAAAA4D8AAAAAAADgPwAAAAAAAOA/AAAAAAAA4D8AAAAAAADgPwAAAAAAAOA/AAAAAAAA4D8CAAAAjAAAAAAAAAAAAAAA////AP///wgAAAAAAAAAAAAAAAAAAAAAAAAAAAAAAAAAAAAAeAAAAAEAAABAAAAAAAAAAAAAAABaAAAAAAAAAAAAAAAAAAAAAAAAAAAAAAAAAAAAAAAAAAAAAAAAAAAAAAAAAAAAAAAAAAAAAAAAAAAAAAAAAAAAAAAAAAAAAAAAAAAAFAAAADwAAAAAAAAAAAAAAAAAAAAPAAAAAQAAACMAAAAjAAAAIwAAAB4AAAAAAAAAZAAAAGQAAAAAAAAAZAAAAGQAAAAVAAAAYAAAAAAAAAAAAAAADwAAACADAAAAAAAAAAAAAAEAAACgMgAAVgcAAKr4//8BAAAAf39/AAEAAABkAAAAAAAAABQAAABAHwAAAAAAACYAAAAAAAAAwOD//wAAAAAmAAAAZAAAABYAAABMAAAAAAAAAAAAAAAEAAAAAAAAAAEAAADn5uYKAAAAACgAAAAoAAAAZAAAAGQAAAAAAAAAzMzMAAAAAABQAAAAUAAAAGQAAABkAAAAAAAAABcAAAAUAAAAAAAAAAAAAAD/fwAA/38AAAAAAAAJAAAABAAAAAAAAAAMAAAAEAAAAAAAAAAAAAAAAAAAAAAAAAAeAAAAaAAAAAAAAAAAAAAAAAAAAAAAAAAAAAAAECcAABAnAAAAAAAAAAAAAAAAAAAAAAAAAAAAAAAAAAAAAAAAAAAAABQAAAAAAAAAwMD/AAAAAABkAAAAMgAAAAAAAABkAAAAAAAAAH9/fwAKAAAAHwAAAFQAAAD///8A////AQAAAAAAAAAAAAAAAAAAAAAAAAAAAAAAAAAAAAAAAAAAAAAAAH9/fwDn5uYDzMzMAMDA/wB/f38AAAAAAAAAAAAAAAAAAAAAAAAAAAAhAAAAGAAAABQAAAAoBQAAGicAAAgWAABZKQAAEAAAAA=="/>
               </a:ext>
             </a:extLst>
           </p:cNvSpPr>
@@ -2622,7 +2623,7 @@
           <p:cNvGrpSpPr>
             <a:extLst>
               <a:ext uri="smNativeData">
-                <pr:smNativeData xmlns="" xmlns:pr="smNativeData" val="SMDATA_6_7hxgVxMAAAAlAAAAAQAAAA8BAAAAkAAAAEgAAACQAAAASAAAAAAAAAAAAAAAAAAAABcAAAAUAAAAAAAAAAAAAAD/fwAA/38AAAAAAAAJAAAABAAAAAAAAAAMAAAAEAAAAAAAAAAAAAAAAAAAAAAAAAAfAAAAVAAAAAAAAAAAAAAAAAAAAAAAAAAAAAAAAAAAAAAAAAAAAAAAAAAAAAAAAAAAAAAAAAAAAAAAAAAAAAAAAAAAAAAAAAAAAAAAAAAAAAAAAAAAAAAAAAAAACEAAAAYAAAAFAAAAAAAAACEIQAAAEsAAEMmAAAQAAAA"/>
+                <pr:smNativeData xmlns:pr="smNativeData" xmlns="" val="SMDATA_6_7hxgVxMAAAAlAAAAAQAAAA8BAAAAkAAAAEgAAACQAAAASAAAAAAAAAAAAAAAAAAAABcAAAAUAAAAAAAAAAAAAAD/fwAA/38AAAAAAAAJAAAABAAAAAAAAAAMAAAAEAAAAAAAAAAAAAAAAAAAAAAAAAAfAAAAVAAAAAAAAAAAAAAAAAAAAAAAAAAAAAAAAAAAAAAAAAAAAAAAAAAAAAAAAAAAAAAAAAAAAAAAAAAAAAAAAAAAAAAAAAAAAAAAAAAAAAAAAAAAAAAAAAAAACEAAAAYAAAAFAAAAAAAAACEIQAAAEsAAEMmAAAQAAAA"/>
               </a:ext>
             </a:extLst>
           </p:cNvGrpSpPr>
@@ -2672,7 +2673,7 @@
             <p:cNvSpPr>
               <a:extLst>
                 <a:ext uri="smNativeData">
-                  <pr:smNativeData xmlns="" xmlns:pr="smNativeData" val="SMDATA_12_7hxgVxMAAAAlAAAAZAAAAA0AAAAAkAAAAEgAAACQAAAASAAAAAAAAAABAAAAAAAAAAEAAABQAAAAAAAAAAAA4D8AAAAAAADgPwAAAAAAAOA/AAAAAAAA4D8AAAAAAADgPwAAAAAAAOA/AAAAAAAA4D8AAAAAAADgPwAAAAAAAOA/AAAAAAAA4D8CAAAAjAAAAAEAAAAAAAAAVII1AP///wgAAAAAAAAAAAAAAAAAAAAAAAAAAAAAAAAAAAAAeAAAAAEAAABAAAAAAAAAAAAAAABaAAAAAAAAAAAAAAAAAAAAAAAAAAAAAAAAAAAAAAAAAAAAAAAAAAAAAAAAAAAAAAAAAAAAAAAAAAAAAAAAAAAAAAAAAAAAAAAAAAAAFAAAADwAAAAAAAAAAAAAAAZJjAkUAAAAAQAAABQAAAAUAAAAFAAAAAEAAAAAAAAAZAAAAGQAAAAAAAAAZAAAAGQAAAAVAAAAYAAAAAAAAAAAAAAADwAAACADAAAAAAAAAAAAAAEAAACgMgAAVgcAAKr4//8BAAAAf39/AAEAAABkAAAAAAAAABQAAABAHwAAAAAAACYAAAAAAAAAwOD//wAAAAAmAAAAZAAAABYAAABMAAAAAAAAAAAAAAAEAAAAAAAAAAEAAACWlpYKAAAAACgAAAAoAAAAZAAAAGQAAAAAAAAAzMzMAAAAAABQAAAAUAAAAGQAAABkAAAAAAAAABcAAAAUAAAAAAAAAAAAAAD/fwAA/38AAAAAAAAJAAAABAAAAAAAAAAMAAAAEAAAAAAAAAAAAAAAAAAAAAAAAAAeAAAAaAAAAAAAAAAAAAAAAAAAAAAAAAAAAAAAECcAABAnAAAAAAAAAAAAAAAAAAAAAAAAAAAAAAAAAAAAAAAAAAAAABQAAAAAAAAAwMD/AAAAAABkAAAAMgAAAAAAAABkAAAAAAAAAH9/fwAKAAAAHwAAAFQAAABUgjUA////AQAAAAAAAAAAAAAAAAAAAAAAAAAAAAAAAAAAAAAAAAAAAAAAAn9/fwDn5uYDzMzMAMDA/wB/f38AAAAAAAAAAAAAAAAAAAAAAAAAAAAhAAAAGAAAABQAAADLEgAAhiEAAABLAABDJgAAAAAAAA=="/>
+                  <pr:smNativeData xmlns:pr="smNativeData" xmlns="" val="SMDATA_12_7hxgVxMAAAAlAAAAZAAAAA0AAAAAkAAAAEgAAACQAAAASAAAAAAAAAABAAAAAAAAAAEAAABQAAAAAAAAAAAA4D8AAAAAAADgPwAAAAAAAOA/AAAAAAAA4D8AAAAAAADgPwAAAAAAAOA/AAAAAAAA4D8AAAAAAADgPwAAAAAAAOA/AAAAAAAA4D8CAAAAjAAAAAEAAAAAAAAAVII1AP///wgAAAAAAAAAAAAAAAAAAAAAAAAAAAAAAAAAAAAAeAAAAAEAAABAAAAAAAAAAAAAAABaAAAAAAAAAAAAAAAAAAAAAAAAAAAAAAAAAAAAAAAAAAAAAAAAAAAAAAAAAAAAAAAAAAAAAAAAAAAAAAAAAAAAAAAAAAAAAAAAAAAAFAAAADwAAAAAAAAAAAAAAAZJjAkUAAAAAQAAABQAAAAUAAAAFAAAAAEAAAAAAAAAZAAAAGQAAAAAAAAAZAAAAGQAAAAVAAAAYAAAAAAAAAAAAAAADwAAACADAAAAAAAAAAAAAAEAAACgMgAAVgcAAKr4//8BAAAAf39/AAEAAABkAAAAAAAAABQAAABAHwAAAAAAACYAAAAAAAAAwOD//wAAAAAmAAAAZAAAABYAAABMAAAAAAAAAAAAAAAEAAAAAAAAAAEAAACWlpYKAAAAACgAAAAoAAAAZAAAAGQAAAAAAAAAzMzMAAAAAABQAAAAUAAAAGQAAABkAAAAAAAAABcAAAAUAAAAAAAAAAAAAAD/fwAA/38AAAAAAAAJAAAABAAAAAAAAAAMAAAAEAAAAAAAAAAAAAAAAAAAAAAAAAAeAAAAaAAAAAAAAAAAAAAAAAAAAAAAAAAAAAAAECcAABAnAAAAAAAAAAAAAAAAAAAAAAAAAAAAAAAAAAAAAAAAAAAAABQAAAAAAAAAwMD/AAAAAABkAAAAMgAAAAAAAABkAAAAAAAAAH9/fwAKAAAAHwAAAFQAAABUgjUA////AQAAAAAAAAAAAAAAAAAAAAAAAAAAAAAAAAAAAAAAAAAAAAAAAn9/fwDn5uYDzMzMAMDA/wB/f38AAAAAAAAAAAAAAAAAAAAAAAAAAAAhAAAAGAAAABQAAADLEgAAhiEAAABLAABDJgAAAAAAAA=="/>
                 </a:ext>
               </a:extLst>
             </p:cNvSpPr>
@@ -2823,7 +2824,7 @@
             <p:cNvSpPr>
               <a:extLst>
                 <a:ext uri="smNativeData">
-                  <pr:smNativeData xmlns="" xmlns:pr="smNativeData" val="SMDATA_12_7hxgVxMAAAAlAAAAZAAAAA0AAAAAkAAAAEgAAACQAAAASAAAAAAAAAABAAAAAAAAAAEAAABQAAAAAAAAAAAA4D8AAAAAAADgPwAAAAAAAOA/AAAAAAAA4D8AAAAAAADgPwAAAAAAAOA/AAAAAAAA4D8AAAAAAADgPwAAAAAAAOA/AAAAAAAA4D8CAAAAjAAAAAEAAAAAAAAA/8AAAP///wgAAAAAAAAAAAAAAAAAAAAAAAAAAAAAAAAAAAAAeAAAAAEAAABAAAAAAAAAAAAAAABaAAAAAAAAAAAAAAAAAAAAAAAAAAAAAAAAAAAAAAAAAAAAAAAAAAAAAAAAAAAAAAAAAAAAAAAAAAAAAAAAAAAAAAAAAAAAAAAAAAAAFAAAADwAAAAAAAAAAAAAAAZJjAkUAAAAAQAAABQAAAAUAAAAFAAAAAEAAAAAAAAAZAAAAGQAAAAAAAAAZAAAAGQAAAAVAAAAYAAAAAAAAAAAAAAADwAAACADAAAAAAAAAAAAAAEAAACgMgAAVgcAAKr4//8BAAAAf39/AAEAAABkAAAAAAAAABQAAABAHwAAAAAAACYAAAAAAAAAwOD//wAAAAAmAAAAZAAAABYAAABMAAAAAAAAAAAAAAAEAAAAAAAAAAEAAACWlpYKAAAAACgAAAAoAAAAZAAAAGQAAAAAAAAAzMzMAAAAAABQAAAAUAAAAGQAAABkAAAAAAAAABcAAAAUAAAAAAAAAAAAAAD/fwAA/38AAAAAAAAJAAAABAAAAAAAAAAMAAAAEAAAAAAAAAAAAAAAAAAAAAAAAAAeAAAAaAAAAAAAAAAAAAAAAAAAAAAAAAAAAAAAECcAABAnAAAAAAAAAAAAAAAAAAAAAAAAAAAAAAAAAAAAAAAAAAAAABQAAAAAAAAAwMD/AAAAAABkAAAAMgAAAAAAAABkAAAAAAAAAH9/fwAKAAAAHwAAAFQAAAD/wAAA////AQAAAAAAAAAAAAAAAAAAAAAAAAAAAAAAAAAAAAAAAAAAAAAAAn9/fwDn5uYDzMzMAMDA/wB/f38AAAAAAAAAAAAAAAAAAAAAAAAAAAAhAAAAGAAAABQAAAAAAAAAhCEAAMsSAABBJgAAAAAAAA=="/>
+                  <pr:smNativeData xmlns:pr="smNativeData" xmlns="" val="SMDATA_12_7hxgVxMAAAAlAAAAZAAAAA0AAAAAkAAAAEgAAACQAAAASAAAAAAAAAABAAAAAAAAAAEAAABQAAAAAAAAAAAA4D8AAAAAAADgPwAAAAAAAOA/AAAAAAAA4D8AAAAAAADgPwAAAAAAAOA/AAAAAAAA4D8AAAAAAADgPwAAAAAAAOA/AAAAAAAA4D8CAAAAjAAAAAEAAAAAAAAA/8AAAP///wgAAAAAAAAAAAAAAAAAAAAAAAAAAAAAAAAAAAAAeAAAAAEAAABAAAAAAAAAAAAAAABaAAAAAAAAAAAAAAAAAAAAAAAAAAAAAAAAAAAAAAAAAAAAAAAAAAAAAAAAAAAAAAAAAAAAAAAAAAAAAAAAAAAAAAAAAAAAAAAAAAAAFAAAADwAAAAAAAAAAAAAAAZJjAkUAAAAAQAAABQAAAAUAAAAFAAAAAEAAAAAAAAAZAAAAGQAAAAAAAAAZAAAAGQAAAAVAAAAYAAAAAAAAAAAAAAADwAAACADAAAAAAAAAAAAAAEAAACgMgAAVgcAAKr4//8BAAAAf39/AAEAAABkAAAAAAAAABQAAABAHwAAAAAAACYAAAAAAAAAwOD//wAAAAAmAAAAZAAAABYAAABMAAAAAAAAAAAAAAAEAAAAAAAAAAEAAACWlpYKAAAAACgAAAAoAAAAZAAAAGQAAAAAAAAAzMzMAAAAAABQAAAAUAAAAGQAAABkAAAAAAAAABcAAAAUAAAAAAAAAAAAAAD/fwAA/38AAAAAAAAJAAAABAAAAAAAAAAMAAAAEAAAAAAAAAAAAAAAAAAAAAAAAAAeAAAAaAAAAAAAAAAAAAAAAAAAAAAAAAAAAAAAECcAABAnAAAAAAAAAAAAAAAAAAAAAAAAAAAAAAAAAAAAAAAAAAAAABQAAAAAAAAAwMD/AAAAAABkAAAAMgAAAAAAAABkAAAAAAAAAH9/fwAKAAAAHwAAAFQAAAD/wAAA////AQAAAAAAAAAAAAAAAAAAAAAAAAAAAAAAAAAAAAAAAAAAAAAAAn9/fwDn5uYDzMzMAMDA/wB/f38AAAAAAAAAAAAAAAAAAAAAAAAAAAAhAAAAGAAAABQAAAAAAAAAhCEAAMsSAABBJgAAAAAAAA=="/>
                 </a:ext>
               </a:extLst>
             </p:cNvSpPr>
@@ -2976,7 +2977,7 @@
             <a:spLocks noGrp="1" noChangeArrowheads="1"/>
             <a:extLst>
               <a:ext uri="smNativeData">
-                <pr:smNativeData xmlns="" xmlns:pr="smNativeData" val="SMDATA_12_7hxgVxMAAAAlAAAAZAAAAA0AAAAAkAAAAEgAAACQAAAASAAAAAAAAAACAAAAAAAAAAEAAABQAAAAAAAAAAAA4D8AAAAAAADgPwAAAAAAAOA/AAAAAAAA4D8AAAAAAADgPwAAAAAAAOA/AAAAAAAA4D8AAAAAAADgPwAAAAAAAOA/AAAAAAAA4D8CAAAAjAAAAAAAAAAAAAAA////DP///wgAAAAAAAAAAAAAAAAAAAAAAAAAAAAAAAAAAAAAZAAAAAEAAABAAAAAAAAAAAAAAAAAAAAAAAAAAAAAAAAAAAAAAAAAAAAAAAAAAAAAAAAAAAAAAAAAAAAAAAAAAAAAAAAAAAAAAAAAAAAAAAAAAAAAAAAAAAAAAAAAAAAAFAAAADwAAAAAAAAAAAAAAAZJjAkUAAAAAQAAABQAAAAUAAAAFAAAAAEAAAAAAAAAZAAAAGQAAAAAAAAAZAAAAGQAAAAVAAAAYAAAAAAAAAAAAAAADwAAACADAAAAAAAAAAAAAAEAAACgMgAAVgcAAKr4//8BAAAAf39/AAEAAABkAAAAAAAAABQAAABAHwAAAAAAACYAAAAAAAAAwOD//wAAAAAmAAAAZAAAABYAAABMAAAAAAAAAAAAAAAEAAAAAAAAAAEAAACWlpYKAAAAACgAAAAoAAAAZAAAAGQAAAAAAAAAzMzMAAAAAABQAAAAUAAAAGQAAABkAAAAAAAAABcAAAAUAAAAAAAAAAAAAAD/fwAA/38AAAAAAAAJAAAABAAAAAAAAAAMAAAAEAAAAAAAAAAAAAAAAAAAAAAAAAAeAAAAaAAAAAAAAAAAAAAAAAAAAAAAAAAAAAAAECcAABAnAAAAAAAAAAAAAAAAAAAAAAAAAAAAAAAAAAAAAAAAAAAAABQAAAAAAAAAwMD/AAAAAABkAAAAMgAAAAAAAABkAAAAAAAAAH9/fwAKAAAAHwAAAFQAAABbm9UF////AQAAAAAAAAAAAAAAAAAAAAAAAAAAAAAAAAAAAAAAAAAAAAAAAn9/fwDn5uYDzMzMAMDA/wB/f38AAAAAAAAAAAAAAAAAAAAAAAAAAAAhAAAAGAAAABQAAADLEgAAFQkAAItHAABTHgAAAAAAAA=="/>
+                <pr:smNativeData xmlns:pr="smNativeData" xmlns="" val="SMDATA_12_7hxgVxMAAAAlAAAAZAAAAA0AAAAAkAAAAEgAAACQAAAASAAAAAAAAAACAAAAAAAAAAEAAABQAAAAAAAAAAAA4D8AAAAAAADgPwAAAAAAAOA/AAAAAAAA4D8AAAAAAADgPwAAAAAAAOA/AAAAAAAA4D8AAAAAAADgPwAAAAAAAOA/AAAAAAAA4D8CAAAAjAAAAAAAAAAAAAAA////DP///wgAAAAAAAAAAAAAAAAAAAAAAAAAAAAAAAAAAAAAZAAAAAEAAABAAAAAAAAAAAAAAAAAAAAAAAAAAAAAAAAAAAAAAAAAAAAAAAAAAAAAAAAAAAAAAAAAAAAAAAAAAAAAAAAAAAAAAAAAAAAAAAAAAAAAAAAAAAAAAAAAAAAAFAAAADwAAAAAAAAAAAAAAAZJjAkUAAAAAQAAABQAAAAUAAAAFAAAAAEAAAAAAAAAZAAAAGQAAAAAAAAAZAAAAGQAAAAVAAAAYAAAAAAAAAAAAAAADwAAACADAAAAAAAAAAAAAAEAAACgMgAAVgcAAKr4//8BAAAAf39/AAEAAABkAAAAAAAAABQAAABAHwAAAAAAACYAAAAAAAAAwOD//wAAAAAmAAAAZAAAABYAAABMAAAAAAAAAAAAAAAEAAAAAAAAAAEAAACWlpYKAAAAACgAAAAoAAAAZAAAAGQAAAAAAAAAzMzMAAAAAABQAAAAUAAAAGQAAABkAAAAAAAAABcAAAAUAAAAAAAAAAAAAAD/fwAA/38AAAAAAAAJAAAABAAAAAAAAAAMAAAAEAAAAAAAAAAAAAAAAAAAAAAAAAAeAAAAaAAAAAAAAAAAAAAAAAAAAAAAAAAAAAAAECcAABAnAAAAAAAAAAAAAAAAAAAAAAAAAAAAAAAAAAAAAAAAAAAAABQAAAAAAAAAwMD/AAAAAABkAAAAMgAAAAAAAABkAAAAAAAAAH9/fwAKAAAAHwAAAFQAAABbm9UF////AQAAAAAAAAAAAAAAAAAAAAAAAAAAAAAAAAAAAAAAAAAAAAAAAn9/fwDn5uYDzMzMAMDA/wB/f38AAAAAAAAAAAAAAAAAAAAAAAAAAAAhAAAAGAAAABQAAADLEgAAFQkAAItHAABTHgAAAAAAAA=="/>
               </a:ext>
             </a:extLst>
           </p:cNvSpPr>
@@ -3039,7 +3040,7 @@
             <a:spLocks noGrp="1" noChangeArrowheads="1"/>
             <a:extLst>
               <a:ext uri="smNativeData">
-                <pr:smNativeData xmlns="" xmlns:pr="smNativeData" val="SMDATA_12_7hxgVxMAAAAlAAAAZAAAAA0AAAAAkAAAAEgAAACQAAAASAAAAAAAAAAAAAAAAAAAAAEAAABQAAAAAAAAAAAA4D8AAAAAAADgPwAAAAAAAOA/AAAAAAAA4D8AAAAAAADgPwAAAAAAAOA/AAAAAAAA4D8AAAAAAADgPwAAAAAAAOA/AAAAAAAA4D8CAAAAjAAAAAAAAAAAAAAA////DP///wgAAAAAAAAAAAAAAAAAAAAAAAAAAAAAAAAAAAAAZAAAAAEAAABAAAAAAAAAAAAAAAAAAAAAAAAAAAAAAAAAAAAAAAAAAAAAAAAAAAAAAAAAAAAAAAAAAAAAAAAAAAAAAAAAAAAAAAAAAAAAAAAAAAAAAAAAAAAAAAAAAAAAFAAAADwAAAAAAAAAAAAAAAZJjAkUAAAAAQAAABQAAAAUAAAAFAAAAAEAAAAAAAAAZAAAAGQAAAAAAAAAZAAAAGQAAAAVAAAAYAAAAAAAAAAAAAAADwAAACADAAAAAAAAAAAAAAEAAACgMgAAVgcAAKr4//8BAAAAf39/AAEAAABkAAAAAAAAABQAAABAHwAAAAAAACYAAAAAAAAAwOD//wAAAAAmAAAAZAAAABYAAABMAAAAAAAAAAAAAAAEAAAAAAAAAAEAAACWlpYKAAAAACgAAAAoAAAAZAAAAGQAAAAAAAAAzMzMAAAAAABQAAAAUAAAAGQAAABkAAAAAAAAABcAAAAUAAAAAAAAAAAAAAD/fwAA/38AAAAAAAAJAAAABAAAAAAAAAAMAAAAEAAAAAAAAAAAAAAAAAAAAAAAAAAeAAAAaAAAAAAAAAAAAAAAAAAAAAAAAAAAAAAAECcAABAnAAAAAAAAAAAAAAAAAAAAAAAAAAAAAAAAAAAAAAAAAAAAABQAAAAAAAAAwMD/AAAAAABkAAAAMgAAAAAAAABkAAAAAAAAAH9/fwAKAAAAHwAAAFQAAABbm9UF////AQAAAAAAAAAAAAAAAAAAAAAAAAAAAAAAAAAAAAAAAAAAAAAAAn9/fwDn5uYDzMzMAMDA/wB/f38AAAAAAAAAAAAAAAAAAAAAAAAAAAAhAAAAGAAAABQAAADAEgAAzyEAAABLAAAWJgAAEAAAAA=="/>
+                <pr:smNativeData xmlns:pr="smNativeData" xmlns="" val="SMDATA_12_7hxgVxMAAAAlAAAAZAAAAA0AAAAAkAAAAEgAAACQAAAASAAAAAAAAAAAAAAAAAAAAAEAAABQAAAAAAAAAAAA4D8AAAAAAADgPwAAAAAAAOA/AAAAAAAA4D8AAAAAAADgPwAAAAAAAOA/AAAAAAAA4D8AAAAAAADgPwAAAAAAAOA/AAAAAAAA4D8CAAAAjAAAAAAAAAAAAAAA////DP///wgAAAAAAAAAAAAAAAAAAAAAAAAAAAAAAAAAAAAAZAAAAAEAAABAAAAAAAAAAAAAAAAAAAAAAAAAAAAAAAAAAAAAAAAAAAAAAAAAAAAAAAAAAAAAAAAAAAAAAAAAAAAAAAAAAAAAAAAAAAAAAAAAAAAAAAAAAAAAAAAAAAAAFAAAADwAAAAAAAAAAAAAAAZJjAkUAAAAAQAAABQAAAAUAAAAFAAAAAEAAAAAAAAAZAAAAGQAAAAAAAAAZAAAAGQAAAAVAAAAYAAAAAAAAAAAAAAADwAAACADAAAAAAAAAAAAAAEAAACgMgAAVgcAAKr4//8BAAAAf39/AAEAAABkAAAAAAAAABQAAABAHwAAAAAAACYAAAAAAAAAwOD//wAAAAAmAAAAZAAAABYAAABMAAAAAAAAAAAAAAAEAAAAAAAAAAEAAACWlpYKAAAAACgAAAAoAAAAZAAAAGQAAAAAAAAAzMzMAAAAAABQAAAAUAAAAGQAAABkAAAAAAAAABcAAAAUAAAAAAAAAAAAAAD/fwAA/38AAAAAAAAJAAAABAAAAAAAAAAMAAAAEAAAAAAAAAAAAAAAAAAAAAAAAAAeAAAAaAAAAAAAAAAAAAAAAAAAAAAAAAAAAAAAECcAABAnAAAAAAAAAAAAAAAAAAAAAAAAAAAAAAAAAAAAAAAAAAAAABQAAAAAAAAAwMD/AAAAAABkAAAAMgAAAAAAAABkAAAAAAAAAH9/fwAKAAAAHwAAAFQAAABbm9UF////AQAAAAAAAAAAAAAAAAAAAAAAAAAAAAAAAAAAAAAAAAAAAAAAAn9/fwDn5uYDzMzMAMDA/wB/f38AAAAAAAAAAAAAAAAAAAAAAAAAAAAhAAAAGAAAABQAAADAEgAAzyEAAABLAAAWJgAAEAAAAA=="/>
               </a:ext>
             </a:extLst>
           </p:cNvSpPr>
@@ -3315,7 +3316,7 @@
       </p:sp>
       <p:sp>
         <p:nvSpPr>
-          <p:cNvPr id="4" name="Espaço Reservado para Rodapé 3"/>
+          <p:cNvPr id="7" name="Espaço Reservado para Rodapé 3"/>
           <p:cNvSpPr>
             <a:spLocks noGrp="1"/>
           </p:cNvSpPr>
@@ -3326,19 +3327,39 @@
         <p:spPr>
           <a:xfrm>
             <a:off x="3028950" y="6356351"/>
-            <a:ext cx="3847306" cy="365125"/>
+            <a:ext cx="3086100" cy="365125"/>
           </a:xfrm>
         </p:spPr>
         <p:txBody>
           <a:bodyPr/>
           <a:lstStyle/>
           <a:p>
+            <a:pPr algn="ctr">
+              <a:defRPr sz="1200">
+                <a:solidFill>
+                  <a:srgbClr val="8C8C8C"/>
+                </a:solidFill>
+                <a:latin typeface="Tw Cen MT" charset="0"/>
+                <a:ea typeface="Calibri" charset="0"/>
+                <a:cs typeface="Calibri" charset="0"/>
+              </a:defRPr>
+            </a:pPr>
             <a:r>
               <a:rPr lang="pt-BR" dirty="0"/>
               <a:t>Declarações e Controle de Acesso</a:t>
             </a:r>
           </a:p>
           <a:p>
+            <a:pPr algn="ctr">
+              <a:defRPr sz="1200">
+                <a:solidFill>
+                  <a:srgbClr val="8C8C8C"/>
+                </a:solidFill>
+                <a:latin typeface="Tw Cen MT" charset="0"/>
+                <a:ea typeface="Calibri" charset="0"/>
+                <a:cs typeface="Calibri" charset="0"/>
+              </a:defRPr>
+            </a:pPr>
             <a:endParaRPr lang="pt-BR" dirty="0"/>
           </a:p>
         </p:txBody>
@@ -4934,7 +4955,23 @@
                 <a:cs typeface="Calibri" charset="0"/>
               </a:defRPr>
             </a:pPr>
-            <a:endParaRPr lang="pt-BR"/>
+            <a:r>
+              <a:rPr lang="pt-BR" dirty="0"/>
+              <a:t>Declarações e Controle de Acesso</a:t>
+            </a:r>
+          </a:p>
+          <a:p>
+            <a:pPr algn="ctr">
+              <a:defRPr sz="1200">
+                <a:solidFill>
+                  <a:srgbClr val="8C8C8C"/>
+                </a:solidFill>
+                <a:latin typeface="Tw Cen MT" charset="0"/>
+                <a:ea typeface="Calibri" charset="0"/>
+                <a:cs typeface="Calibri" charset="0"/>
+              </a:defRPr>
+            </a:pPr>
+            <a:endParaRPr lang="pt-BR" dirty="0"/>
           </a:p>
         </p:txBody>
       </p:sp>
@@ -5257,25 +5294,53 @@
       </p:sp>
       <p:sp>
         <p:nvSpPr>
-          <p:cNvPr id="4" name="Espaço Reservado para Rodapé 3"/>
-          <p:cNvSpPr>
-            <a:spLocks noGrp="1"/>
-          </p:cNvSpPr>
-          <p:nvPr>
-            <p:ph type="ftr" sz="quarter" idx="11"/>
-          </p:nvPr>
-        </p:nvSpPr>
-        <p:spPr/>
-        <p:txBody>
-          <a:bodyPr/>
-          <a:lstStyle/>
-          <a:p>
+          <p:cNvPr id="7" name="Espaço Reservado para Rodapé 3"/>
+          <p:cNvSpPr>
+            <a:spLocks noGrp="1"/>
+          </p:cNvSpPr>
+          <p:nvPr>
+            <p:ph type="ftr" sz="quarter" idx="4294967295"/>
+          </p:nvPr>
+        </p:nvSpPr>
+        <p:spPr>
+          <a:xfrm>
+            <a:off x="3028950" y="6356351"/>
+            <a:ext cx="3086100" cy="365125"/>
+          </a:xfrm>
+          <a:prstGeom prst="rect">
+            <a:avLst/>
+          </a:prstGeom>
+        </p:spPr>
+        <p:txBody>
+          <a:bodyPr/>
+          <a:lstStyle/>
+          <a:p>
+            <a:pPr algn="ctr">
+              <a:defRPr sz="1200">
+                <a:solidFill>
+                  <a:srgbClr val="8C8C8C"/>
+                </a:solidFill>
+                <a:latin typeface="Tw Cen MT" charset="0"/>
+                <a:ea typeface="Calibri" charset="0"/>
+                <a:cs typeface="Calibri" charset="0"/>
+              </a:defRPr>
+            </a:pPr>
             <a:r>
               <a:rPr lang="pt-BR" dirty="0"/>
               <a:t>Declarações e Controle de Acesso</a:t>
             </a:r>
           </a:p>
           <a:p>
+            <a:pPr algn="ctr">
+              <a:defRPr sz="1200">
+                <a:solidFill>
+                  <a:srgbClr val="8C8C8C"/>
+                </a:solidFill>
+                <a:latin typeface="Tw Cen MT" charset="0"/>
+                <a:ea typeface="Calibri" charset="0"/>
+                <a:cs typeface="Calibri" charset="0"/>
+              </a:defRPr>
+            </a:pPr>
             <a:endParaRPr lang="pt-BR" dirty="0"/>
           </a:p>
         </p:txBody>
@@ -5363,25 +5428,6 @@
           </a:p>
         </p:txBody>
       </p:sp>
-      <p:sp>
-        <p:nvSpPr>
-          <p:cNvPr id="4" name="Espaço Reservado para Rodapé 3"/>
-          <p:cNvSpPr>
-            <a:spLocks noGrp="1"/>
-          </p:cNvSpPr>
-          <p:nvPr>
-            <p:ph type="ftr" sz="quarter" idx="11"/>
-          </p:nvPr>
-        </p:nvSpPr>
-        <p:spPr/>
-        <p:txBody>
-          <a:bodyPr/>
-          <a:lstStyle/>
-          <a:p>
-            <a:endParaRPr lang="pt-BR"/>
-          </a:p>
-        </p:txBody>
-      </p:sp>
     </p:spTree>
     <p:extLst>
       <p:ext uri="{BB962C8B-B14F-4D97-AF65-F5344CB8AC3E}">
@@ -5572,7 +5618,7 @@
       </p:sp>
       <p:sp>
         <p:nvSpPr>
-          <p:cNvPr id="4" name="Espaço Reservado para Rodapé 3"/>
+          <p:cNvPr id="7" name="Espaço Reservado para Rodapé 3"/>
           <p:cNvSpPr>
             <a:spLocks noGrp="1"/>
           </p:cNvSpPr>
@@ -5583,19 +5629,39 @@
         <p:spPr>
           <a:xfrm>
             <a:off x="3028950" y="6356351"/>
-            <a:ext cx="3487266" cy="365125"/>
+            <a:ext cx="3086100" cy="365125"/>
           </a:xfrm>
         </p:spPr>
         <p:txBody>
           <a:bodyPr/>
           <a:lstStyle/>
           <a:p>
+            <a:pPr algn="ctr">
+              <a:defRPr sz="1200">
+                <a:solidFill>
+                  <a:srgbClr val="8C8C8C"/>
+                </a:solidFill>
+                <a:latin typeface="Tw Cen MT" charset="0"/>
+                <a:ea typeface="Calibri" charset="0"/>
+                <a:cs typeface="Calibri" charset="0"/>
+              </a:defRPr>
+            </a:pPr>
             <a:r>
               <a:rPr lang="pt-BR" dirty="0"/>
               <a:t>Declarações e Controle de Acesso</a:t>
             </a:r>
           </a:p>
           <a:p>
+            <a:pPr algn="ctr">
+              <a:defRPr sz="1200">
+                <a:solidFill>
+                  <a:srgbClr val="8C8C8C"/>
+                </a:solidFill>
+                <a:latin typeface="Tw Cen MT" charset="0"/>
+                <a:ea typeface="Calibri" charset="0"/>
+                <a:cs typeface="Calibri" charset="0"/>
+              </a:defRPr>
+            </a:pPr>
             <a:endParaRPr lang="pt-BR" dirty="0"/>
           </a:p>
         </p:txBody>
@@ -5846,30 +5912,53 @@
       </p:sp>
       <p:sp>
         <p:nvSpPr>
-          <p:cNvPr id="4" name="Espaço Reservado para Rodapé 3"/>
-          <p:cNvSpPr>
-            <a:spLocks noGrp="1"/>
-          </p:cNvSpPr>
-          <p:nvPr>
-            <p:ph type="ftr" sz="quarter" idx="11"/>
+          <p:cNvPr id="5" name="Espaço Reservado para Rodapé 3"/>
+          <p:cNvSpPr>
+            <a:spLocks noGrp="1"/>
+          </p:cNvSpPr>
+          <p:nvPr>
+            <p:ph type="ftr" sz="quarter" idx="4294967295"/>
           </p:nvPr>
         </p:nvSpPr>
         <p:spPr>
           <a:xfrm>
-            <a:off x="1941910" y="6135809"/>
-            <a:ext cx="5714999" cy="365125"/>
+            <a:off x="3028950" y="6356351"/>
+            <a:ext cx="3086100" cy="365125"/>
           </a:xfrm>
+          <a:prstGeom prst="rect">
+            <a:avLst/>
+          </a:prstGeom>
         </p:spPr>
         <p:txBody>
           <a:bodyPr/>
           <a:lstStyle/>
           <a:p>
+            <a:pPr algn="ctr">
+              <a:defRPr sz="1200">
+                <a:solidFill>
+                  <a:srgbClr val="8C8C8C"/>
+                </a:solidFill>
+                <a:latin typeface="Tw Cen MT" charset="0"/>
+                <a:ea typeface="Calibri" charset="0"/>
+                <a:cs typeface="Calibri" charset="0"/>
+              </a:defRPr>
+            </a:pPr>
             <a:r>
               <a:rPr lang="pt-BR" dirty="0"/>
               <a:t>Declarações e Controle de Acesso</a:t>
             </a:r>
           </a:p>
           <a:p>
+            <a:pPr algn="ctr">
+              <a:defRPr sz="1200">
+                <a:solidFill>
+                  <a:srgbClr val="8C8C8C"/>
+                </a:solidFill>
+                <a:latin typeface="Tw Cen MT" charset="0"/>
+                <a:ea typeface="Calibri" charset="0"/>
+                <a:cs typeface="Calibri" charset="0"/>
+              </a:defRPr>
+            </a:pPr>
             <a:endParaRPr lang="pt-BR" dirty="0"/>
           </a:p>
         </p:txBody>
@@ -6073,7 +6162,7 @@
       </p:sp>
       <p:sp>
         <p:nvSpPr>
-          <p:cNvPr id="4" name="Espaço Reservado para Rodapé 3"/>
+          <p:cNvPr id="7" name="Espaço Reservado para Rodapé 3"/>
           <p:cNvSpPr>
             <a:spLocks noGrp="1"/>
           </p:cNvSpPr>
@@ -6084,19 +6173,39 @@
         <p:spPr>
           <a:xfrm>
             <a:off x="3028950" y="6356351"/>
-            <a:ext cx="4135338" cy="365125"/>
+            <a:ext cx="3086100" cy="365125"/>
           </a:xfrm>
         </p:spPr>
         <p:txBody>
           <a:bodyPr/>
           <a:lstStyle/>
           <a:p>
+            <a:pPr algn="ctr">
+              <a:defRPr sz="1200">
+                <a:solidFill>
+                  <a:srgbClr val="8C8C8C"/>
+                </a:solidFill>
+                <a:latin typeface="Tw Cen MT" charset="0"/>
+                <a:ea typeface="Calibri" charset="0"/>
+                <a:cs typeface="Calibri" charset="0"/>
+              </a:defRPr>
+            </a:pPr>
             <a:r>
               <a:rPr lang="pt-BR" dirty="0"/>
               <a:t>Declarações e Controle de Acesso</a:t>
             </a:r>
           </a:p>
           <a:p>
+            <a:pPr algn="ctr">
+              <a:defRPr sz="1200">
+                <a:solidFill>
+                  <a:srgbClr val="8C8C8C"/>
+                </a:solidFill>
+                <a:latin typeface="Tw Cen MT" charset="0"/>
+                <a:ea typeface="Calibri" charset="0"/>
+                <a:cs typeface="Calibri" charset="0"/>
+              </a:defRPr>
+            </a:pPr>
             <a:endParaRPr lang="pt-BR" dirty="0"/>
           </a:p>
         </p:txBody>
@@ -6406,6 +6515,78 @@
           <a:bodyPr/>
           <a:lstStyle/>
           <a:p>
+            <a:pPr algn="just"/>
+            <a:r>
+              <a:rPr lang="pt-BR" dirty="0" smtClean="0"/>
+              <a:t>Cada vez que criamos um objeto, seu construtor </a:t>
+            </a:r>
+            <a:r>
+              <a:rPr lang="pt-BR" b="1" dirty="0" smtClean="0"/>
+              <a:t>é sempre invocado</a:t>
+            </a:r>
+          </a:p>
+          <a:p>
+            <a:pPr algn="just"/>
+            <a:r>
+              <a:rPr lang="pt-BR" dirty="0" smtClean="0"/>
+              <a:t>Toda a classe tem um construtor, </a:t>
+            </a:r>
+            <a:r>
+              <a:rPr lang="pt-BR" b="1" dirty="0" smtClean="0"/>
+              <a:t>mesmo que você não o declare</a:t>
+            </a:r>
+            <a:r>
+              <a:rPr lang="pt-BR" dirty="0" smtClean="0"/>
+              <a:t> (construtor padrão)</a:t>
+            </a:r>
+          </a:p>
+          <a:p>
+            <a:pPr algn="just"/>
+            <a:r>
+              <a:rPr lang="pt-BR" dirty="0" smtClean="0"/>
+              <a:t>Construtor </a:t>
+            </a:r>
+            <a:r>
+              <a:rPr lang="pt-BR" b="1" dirty="0" smtClean="0"/>
+              <a:t>nunca terá um retorno </a:t>
+            </a:r>
+            <a:r>
+              <a:rPr lang="pt-BR" dirty="0" smtClean="0"/>
+              <a:t>e sempre deverá ser </a:t>
+            </a:r>
+            <a:r>
+              <a:rPr lang="pt-BR" b="1" dirty="0" smtClean="0"/>
+              <a:t>declarado com o nome da classe</a:t>
+            </a:r>
+          </a:p>
+          <a:p>
+            <a:pPr algn="just"/>
+            <a:r>
+              <a:rPr lang="pt-BR" dirty="0" smtClean="0"/>
+              <a:t>Construtores não podem ser </a:t>
+            </a:r>
+            <a:r>
+              <a:rPr lang="pt-BR" dirty="0" err="1" smtClean="0"/>
+              <a:t>static</a:t>
+            </a:r>
+            <a:r>
+              <a:rPr lang="pt-BR" dirty="0" smtClean="0"/>
+              <a:t>, nem final ou abstract</a:t>
+            </a:r>
+          </a:p>
+          <a:p>
+            <a:pPr algn="just"/>
+            <a:r>
+              <a:rPr lang="pt-BR" dirty="0" smtClean="0"/>
+              <a:t>Construtores </a:t>
+            </a:r>
+            <a:r>
+              <a:rPr lang="pt-BR" b="1" dirty="0" smtClean="0"/>
+              <a:t>podem ser sobrecarregados</a:t>
+            </a:r>
+          </a:p>
+          <a:p>
+            <a:pPr algn="just"/>
             <a:endParaRPr lang="pt-BR" dirty="0"/>
           </a:p>
         </p:txBody>
@@ -6492,54 +6673,192 @@
             <a:spLocks noGrp="1"/>
           </p:cNvSpPr>
           <p:nvPr>
-            <p:ph type="ctrTitle"/>
-          </p:nvPr>
-        </p:nvSpPr>
-        <p:spPr/>
-        <p:txBody>
-          <a:bodyPr/>
-          <a:lstStyle/>
-          <a:p>
-            <a:r>
-              <a:rPr lang="pt-BR" dirty="0" smtClean="0"/>
-              <a:t>Declaração e Uso de </a:t>
-            </a:r>
-            <a:r>
-              <a:rPr lang="pt-BR" dirty="0" err="1" smtClean="0"/>
-              <a:t>enums</a:t>
-            </a:r>
-            <a:endParaRPr lang="pt-BR" dirty="0"/>
-          </a:p>
-        </p:txBody>
-      </p:sp>
-      <p:sp>
-        <p:nvSpPr>
-          <p:cNvPr id="3" name="Subtítulo 2"/>
-          <p:cNvSpPr>
-            <a:spLocks noGrp="1"/>
-          </p:cNvSpPr>
-          <p:nvPr>
-            <p:ph type="subTitle" idx="1"/>
-          </p:nvPr>
-        </p:nvSpPr>
-        <p:spPr/>
-        <p:txBody>
-          <a:bodyPr/>
-          <a:lstStyle/>
-          <a:p>
-            <a:r>
-              <a:rPr lang="pt-BR" dirty="0" smtClean="0"/>
-              <a:t>OCA </a:t>
-            </a:r>
-            <a:r>
-              <a:rPr lang="pt-BR" dirty="0" err="1" smtClean="0"/>
-              <a:t>Objective</a:t>
-            </a:r>
-            <a:r>
-              <a:rPr lang="pt-BR" dirty="0" smtClean="0"/>
-              <a:t> 1.2</a:t>
-            </a:r>
-            <a:endParaRPr lang="pt-BR" dirty="0"/>
+            <p:ph type="title"/>
+          </p:nvPr>
+        </p:nvSpPr>
+        <p:spPr/>
+        <p:txBody>
+          <a:bodyPr/>
+          <a:lstStyle/>
+          <a:p>
+            <a:r>
+              <a:rPr lang="pt-BR" dirty="0" smtClean="0"/>
+              <a:t>Declaração de variáveis</a:t>
+            </a:r>
+            <a:endParaRPr lang="pt-BR" dirty="0"/>
+          </a:p>
+        </p:txBody>
+      </p:sp>
+      <p:sp>
+        <p:nvSpPr>
+          <p:cNvPr id="3" name="Espaço Reservado para Conteúdo 2"/>
+          <p:cNvSpPr>
+            <a:spLocks noGrp="1"/>
+          </p:cNvSpPr>
+          <p:nvPr>
+            <p:ph idx="1"/>
+          </p:nvPr>
+        </p:nvSpPr>
+        <p:spPr/>
+        <p:txBody>
+          <a:bodyPr/>
+          <a:lstStyle/>
+          <a:p>
+            <a:pPr algn="just"/>
+            <a:r>
+              <a:rPr lang="pt-BR" sz="2100" dirty="0" smtClean="0"/>
+              <a:t>Existem dois tipos de de variáveis: </a:t>
+            </a:r>
+            <a:r>
+              <a:rPr lang="pt-BR" sz="2100" b="1" dirty="0" smtClean="0"/>
+              <a:t>primitivas</a:t>
+            </a:r>
+            <a:r>
+              <a:rPr lang="pt-BR" sz="2100" dirty="0" smtClean="0"/>
+              <a:t> (</a:t>
+            </a:r>
+            <a:r>
+              <a:rPr lang="pt-BR" sz="2100" dirty="0"/>
+              <a:t>char, </a:t>
+            </a:r>
+            <a:r>
+              <a:rPr lang="pt-BR" sz="2100" dirty="0" err="1"/>
+              <a:t>boolean</a:t>
+            </a:r>
+            <a:r>
+              <a:rPr lang="pt-BR" sz="2100" dirty="0"/>
+              <a:t>, byte, short, </a:t>
+            </a:r>
+            <a:r>
+              <a:rPr lang="pt-BR" sz="2100" dirty="0" err="1"/>
+              <a:t>int</a:t>
+            </a:r>
+            <a:r>
+              <a:rPr lang="pt-BR" sz="2100" dirty="0"/>
+              <a:t>, </a:t>
+            </a:r>
+            <a:r>
+              <a:rPr lang="pt-BR" sz="2100" dirty="0" err="1"/>
+              <a:t>long</a:t>
+            </a:r>
+            <a:r>
+              <a:rPr lang="pt-BR" sz="2100" dirty="0"/>
+              <a:t>, </a:t>
+            </a:r>
+            <a:r>
+              <a:rPr lang="pt-BR" sz="2100" dirty="0" err="1"/>
+              <a:t>double</a:t>
+            </a:r>
+            <a:r>
+              <a:rPr lang="pt-BR" sz="2100" dirty="0"/>
+              <a:t> ou </a:t>
+            </a:r>
+            <a:r>
+              <a:rPr lang="pt-BR" sz="2100" dirty="0" err="1" smtClean="0"/>
+              <a:t>float</a:t>
+            </a:r>
+            <a:r>
+              <a:rPr lang="pt-BR" sz="2100" dirty="0" smtClean="0"/>
+              <a:t>), </a:t>
+            </a:r>
+            <a:r>
+              <a:rPr lang="pt-BR" sz="2100" b="1" dirty="0" smtClean="0"/>
+              <a:t>de referência </a:t>
+            </a:r>
+            <a:r>
+              <a:rPr lang="pt-BR" sz="2100" dirty="0" smtClean="0"/>
+              <a:t>(objeto) ou </a:t>
+            </a:r>
+            <a:r>
+              <a:rPr lang="pt-BR" sz="2100" b="1" dirty="0" err="1" smtClean="0"/>
+              <a:t>arrays</a:t>
+            </a:r>
+            <a:r>
+              <a:rPr lang="pt-BR" sz="2100" dirty="0" smtClean="0"/>
+              <a:t> dimensionais/bidimensionais e estes tipos podem ser usados como variáveis de classe, de instância, parâmetros de métodos ou variáveis local de método.  Java permite declarações múltiplas </a:t>
+            </a:r>
+            <a:r>
+              <a:rPr lang="pt-BR" sz="2100" b="1" dirty="0" err="1" smtClean="0"/>
+              <a:t>inline</a:t>
+            </a:r>
+            <a:endParaRPr lang="pt-BR" sz="2100" b="1" dirty="0" smtClean="0"/>
+          </a:p>
+          <a:p>
+            <a:pPr algn="just"/>
+            <a:r>
+              <a:rPr lang="pt-BR" sz="2100" dirty="0" smtClean="0"/>
+              <a:t>Variáveis </a:t>
+            </a:r>
+            <a:r>
+              <a:rPr lang="pt-BR" sz="2100" b="1" dirty="0" smtClean="0"/>
+              <a:t>final primitivas tem seu valor imutável </a:t>
+            </a:r>
+            <a:r>
+              <a:rPr lang="pt-BR" sz="2100" dirty="0" smtClean="0"/>
+              <a:t>e as de </a:t>
+            </a:r>
+            <a:r>
+              <a:rPr lang="pt-BR" sz="2100" b="1" dirty="0" smtClean="0"/>
+              <a:t>referência não permitem mudar a referência apontada</a:t>
+            </a:r>
+          </a:p>
+          <a:p>
+            <a:pPr algn="just"/>
+            <a:r>
+              <a:rPr lang="pt-BR" sz="2100" dirty="0" smtClean="0"/>
+              <a:t>Variáveis </a:t>
+            </a:r>
+            <a:r>
+              <a:rPr lang="pt-BR" sz="2100" i="1" dirty="0" smtClean="0"/>
+              <a:t>transiente</a:t>
+            </a:r>
+            <a:r>
+              <a:rPr lang="pt-BR" sz="2100" dirty="0" smtClean="0"/>
+              <a:t> (apenas aplicável a variável de instância e fora do exame)</a:t>
+            </a:r>
+          </a:p>
+          <a:p>
+            <a:pPr algn="just"/>
+            <a:r>
+              <a:rPr lang="pt-BR" sz="2100" dirty="0" smtClean="0"/>
+              <a:t>Variáveis </a:t>
+            </a:r>
+            <a:r>
+              <a:rPr lang="pt-BR" sz="2100" i="1" dirty="0" err="1" smtClean="0"/>
+              <a:t>volatile</a:t>
+            </a:r>
+            <a:r>
+              <a:rPr lang="pt-BR" sz="2100" dirty="0" smtClean="0"/>
+              <a:t> (apenas </a:t>
+            </a:r>
+            <a:r>
+              <a:rPr lang="pt-BR" sz="2100" dirty="0"/>
+              <a:t>aplicável a variável de instância e fora do </a:t>
+            </a:r>
+            <a:r>
+              <a:rPr lang="pt-BR" sz="2100" dirty="0" smtClean="0"/>
+              <a:t>exame)</a:t>
+            </a:r>
+          </a:p>
+          <a:p>
+            <a:pPr algn="just"/>
+            <a:r>
+              <a:rPr lang="pt-BR" sz="2100" dirty="0" smtClean="0"/>
+              <a:t>Variáveis </a:t>
+            </a:r>
+            <a:r>
+              <a:rPr lang="pt-BR" sz="2100" i="1" dirty="0" err="1" smtClean="0"/>
+              <a:t>static</a:t>
+            </a:r>
+            <a:r>
+              <a:rPr lang="pt-BR" sz="2100" dirty="0" smtClean="0"/>
+              <a:t> existirão independentemente de haver instância da classe e é </a:t>
+            </a:r>
+            <a:r>
+              <a:rPr lang="pt-BR" sz="2100" b="1" dirty="0" smtClean="0"/>
+              <a:t>compartilhada dentre as possíveis instância criadas</a:t>
+            </a:r>
+            <a:endParaRPr lang="pt-BR" sz="2100" b="1" dirty="0"/>
           </a:p>
         </p:txBody>
       </p:sp>
@@ -6550,20 +6869,40 @@
             <a:spLocks noGrp="1"/>
           </p:cNvSpPr>
           <p:nvPr>
-            <p:ph type="ftr" sz="quarter" idx="11"/>
-          </p:nvPr>
-        </p:nvSpPr>
-        <p:spPr/>
-        <p:txBody>
-          <a:bodyPr/>
-          <a:lstStyle/>
-          <a:p>
+            <p:ph type="ftr" sz="quarter" idx="13"/>
+          </p:nvPr>
+        </p:nvSpPr>
+        <p:spPr/>
+        <p:txBody>
+          <a:bodyPr/>
+          <a:lstStyle/>
+          <a:p>
+            <a:pPr algn="ctr">
+              <a:defRPr sz="1200">
+                <a:solidFill>
+                  <a:srgbClr val="8C8C8C"/>
+                </a:solidFill>
+                <a:latin typeface="Tw Cen MT" charset="0"/>
+                <a:ea typeface="Calibri" charset="0"/>
+                <a:cs typeface="Calibri" charset="0"/>
+              </a:defRPr>
+            </a:pPr>
             <a:r>
               <a:rPr lang="pt-BR" dirty="0"/>
               <a:t>Declarações e Controle de Acesso</a:t>
             </a:r>
           </a:p>
           <a:p>
+            <a:pPr algn="ctr">
+              <a:defRPr sz="1200">
+                <a:solidFill>
+                  <a:srgbClr val="8C8C8C"/>
+                </a:solidFill>
+                <a:latin typeface="Tw Cen MT" charset="0"/>
+                <a:ea typeface="Calibri" charset="0"/>
+                <a:cs typeface="Calibri" charset="0"/>
+              </a:defRPr>
+            </a:pPr>
             <a:endParaRPr lang="pt-BR" dirty="0"/>
           </a:p>
         </p:txBody>
@@ -6571,20 +6910,13 @@
     </p:spTree>
     <p:extLst>
       <p:ext uri="{BB962C8B-B14F-4D97-AF65-F5344CB8AC3E}">
-        <p14:creationId xmlns:p14="http://schemas.microsoft.com/office/powerpoint/2010/main" val="2285274704"/>
+        <p14:creationId xmlns:p14="http://schemas.microsoft.com/office/powerpoint/2010/main" val="1012675684"/>
       </p:ext>
     </p:extLst>
   </p:cSld>
   <p:clrMapOvr>
     <a:masterClrMapping/>
   </p:clrMapOvr>
-  <p:timing>
-    <p:tnLst>
-      <p:par>
-        <p:cTn id="1" dur="indefinite" restart="never" nodeType="tmRoot"/>
-      </p:par>
-    </p:tnLst>
-  </p:timing>
 </p:sld>
 </file>
 
@@ -6607,53 +6939,76 @@
       </p:grpSpPr>
       <p:sp>
         <p:nvSpPr>
-          <p:cNvPr id="3" name="Espaço Reservado para Conteúdo 2"/>
-          <p:cNvSpPr>
-            <a:spLocks noGrp="1"/>
-          </p:cNvSpPr>
-          <p:nvPr>
-            <p:ph idx="1"/>
+          <p:cNvPr id="2" name="Título 1"/>
+          <p:cNvSpPr>
+            <a:spLocks noGrp="1"/>
+          </p:cNvSpPr>
+          <p:nvPr>
+            <p:ph type="ctrTitle"/>
+          </p:nvPr>
+        </p:nvSpPr>
+        <p:spPr/>
+        <p:txBody>
+          <a:bodyPr/>
+          <a:lstStyle/>
+          <a:p>
+            <a:r>
+              <a:rPr lang="pt-BR" dirty="0" smtClean="0"/>
+              <a:t>Declaração e Uso de </a:t>
+            </a:r>
+            <a:r>
+              <a:rPr lang="pt-BR" dirty="0" err="1" smtClean="0"/>
+              <a:t>enums</a:t>
+            </a:r>
+            <a:endParaRPr lang="pt-BR" dirty="0"/>
+          </a:p>
+        </p:txBody>
+      </p:sp>
+      <p:sp>
+        <p:nvSpPr>
+          <p:cNvPr id="3" name="Subtítulo 2"/>
+          <p:cNvSpPr>
+            <a:spLocks noGrp="1"/>
+          </p:cNvSpPr>
+          <p:nvPr>
+            <p:ph type="subTitle" idx="1"/>
+          </p:nvPr>
+        </p:nvSpPr>
+        <p:spPr/>
+        <p:txBody>
+          <a:bodyPr/>
+          <a:lstStyle/>
+          <a:p>
+            <a:r>
+              <a:rPr lang="pt-BR" dirty="0" smtClean="0"/>
+              <a:t>OCA </a:t>
+            </a:r>
+            <a:r>
+              <a:rPr lang="pt-BR" dirty="0" err="1" smtClean="0"/>
+              <a:t>Objective</a:t>
+            </a:r>
+            <a:r>
+              <a:rPr lang="pt-BR" dirty="0" smtClean="0"/>
+              <a:t> 1.2</a:t>
+            </a:r>
+            <a:endParaRPr lang="pt-BR" dirty="0"/>
+          </a:p>
+        </p:txBody>
+      </p:sp>
+      <p:sp>
+        <p:nvSpPr>
+          <p:cNvPr id="5" name="Espaço Reservado para Rodapé 3"/>
+          <p:cNvSpPr>
+            <a:spLocks noGrp="1"/>
+          </p:cNvSpPr>
+          <p:nvPr>
+            <p:ph type="ftr" sz="quarter" idx="4294967295"/>
           </p:nvPr>
         </p:nvSpPr>
         <p:spPr>
           <a:xfrm>
-            <a:off x="628650" y="2113658"/>
-            <a:ext cx="7886700" cy="3907630"/>
-          </a:xfrm>
-        </p:spPr>
-        <p:txBody>
-          <a:bodyPr/>
-          <a:lstStyle/>
-          <a:p>
-            <a:pPr marL="0" indent="0" algn="r">
-              <a:buNone/>
-            </a:pPr>
-            <a:endParaRPr lang="pt-BR" sz="6600" dirty="0" smtClean="0"/>
-          </a:p>
-          <a:p>
-            <a:pPr marL="0" indent="0" algn="r">
-              <a:buNone/>
-            </a:pPr>
-            <a:r>
-              <a:rPr lang="pt-BR" sz="6600" dirty="0" smtClean="0"/>
-              <a:t>Pra encerrar o capítulo...</a:t>
-            </a:r>
-            <a:endParaRPr lang="pt-BR" sz="6600" dirty="0"/>
-          </a:p>
-        </p:txBody>
-      </p:sp>
-      <p:sp>
-        <p:nvSpPr>
-          <p:cNvPr id="5" name="Espaço Reservado para Rodapé 3"/>
-          <p:cNvSpPr txBox="1">
-            <a:spLocks/>
-          </p:cNvSpPr>
-          <p:nvPr/>
-        </p:nvSpPr>
-        <p:spPr>
-          <a:xfrm>
-            <a:off x="1941910" y="6135809"/>
-            <a:ext cx="5714999" cy="365125"/>
+            <a:off x="3028950" y="6356351"/>
+            <a:ext cx="3086100" cy="365125"/>
           </a:xfrm>
           <a:prstGeom prst="rect">
             <a:avLst/>
@@ -6661,108 +7016,34 @@
         </p:spPr>
         <p:txBody>
           <a:bodyPr/>
-          <a:lstStyle>
-            <a:defPPr>
-              <a:defRPr lang="pt-BR"/>
-            </a:defPPr>
-            <a:lvl1pPr marL="0" algn="l" defTabSz="914400" rtl="0" eaLnBrk="1" latinLnBrk="0" hangingPunct="1">
-              <a:defRPr sz="1800" kern="1200">
+          <a:lstStyle/>
+          <a:p>
+            <a:pPr algn="ctr">
+              <a:defRPr sz="1200">
                 <a:solidFill>
-                  <a:schemeClr val="tx1"/>
+                  <a:srgbClr val="8C8C8C"/>
                 </a:solidFill>
-                <a:latin typeface="+mn-lt"/>
-                <a:ea typeface="+mn-ea"/>
-                <a:cs typeface="+mn-cs"/>
+                <a:latin typeface="Tw Cen MT" charset="0"/>
+                <a:ea typeface="Calibri" charset="0"/>
+                <a:cs typeface="Calibri" charset="0"/>
               </a:defRPr>
-            </a:lvl1pPr>
-            <a:lvl2pPr marL="457200" algn="l" defTabSz="914400" rtl="0" eaLnBrk="1" latinLnBrk="0" hangingPunct="1">
-              <a:defRPr sz="1800" kern="1200">
+            </a:pPr>
+            <a:r>
+              <a:rPr lang="pt-BR" dirty="0"/>
+              <a:t>Declarações e Controle de Acesso</a:t>
+            </a:r>
+          </a:p>
+          <a:p>
+            <a:pPr algn="ctr">
+              <a:defRPr sz="1200">
                 <a:solidFill>
-                  <a:schemeClr val="tx1"/>
+                  <a:srgbClr val="8C8C8C"/>
                 </a:solidFill>
-                <a:latin typeface="+mn-lt"/>
-                <a:ea typeface="+mn-ea"/>
-                <a:cs typeface="+mn-cs"/>
+                <a:latin typeface="Tw Cen MT" charset="0"/>
+                <a:ea typeface="Calibri" charset="0"/>
+                <a:cs typeface="Calibri" charset="0"/>
               </a:defRPr>
-            </a:lvl2pPr>
-            <a:lvl3pPr marL="914400" algn="l" defTabSz="914400" rtl="0" eaLnBrk="1" latinLnBrk="0" hangingPunct="1">
-              <a:defRPr sz="1800" kern="1200">
-                <a:solidFill>
-                  <a:schemeClr val="tx1"/>
-                </a:solidFill>
-                <a:latin typeface="+mn-lt"/>
-                <a:ea typeface="+mn-ea"/>
-                <a:cs typeface="+mn-cs"/>
-              </a:defRPr>
-            </a:lvl3pPr>
-            <a:lvl4pPr marL="1371600" algn="l" defTabSz="914400" rtl="0" eaLnBrk="1" latinLnBrk="0" hangingPunct="1">
-              <a:defRPr sz="1800" kern="1200">
-                <a:solidFill>
-                  <a:schemeClr val="tx1"/>
-                </a:solidFill>
-                <a:latin typeface="+mn-lt"/>
-                <a:ea typeface="+mn-ea"/>
-                <a:cs typeface="+mn-cs"/>
-              </a:defRPr>
-            </a:lvl4pPr>
-            <a:lvl5pPr marL="1828800" algn="l" defTabSz="914400" rtl="0" eaLnBrk="1" latinLnBrk="0" hangingPunct="1">
-              <a:defRPr sz="1800" kern="1200">
-                <a:solidFill>
-                  <a:schemeClr val="tx1"/>
-                </a:solidFill>
-                <a:latin typeface="+mn-lt"/>
-                <a:ea typeface="+mn-ea"/>
-                <a:cs typeface="+mn-cs"/>
-              </a:defRPr>
-            </a:lvl5pPr>
-            <a:lvl6pPr marL="2286000" algn="l" defTabSz="914400" rtl="0" eaLnBrk="1" latinLnBrk="0" hangingPunct="1">
-              <a:defRPr sz="1800" kern="1200">
-                <a:solidFill>
-                  <a:schemeClr val="tx1"/>
-                </a:solidFill>
-                <a:latin typeface="+mn-lt"/>
-                <a:ea typeface="+mn-ea"/>
-                <a:cs typeface="+mn-cs"/>
-              </a:defRPr>
-            </a:lvl6pPr>
-            <a:lvl7pPr marL="2743200" algn="l" defTabSz="914400" rtl="0" eaLnBrk="1" latinLnBrk="0" hangingPunct="1">
-              <a:defRPr sz="1800" kern="1200">
-                <a:solidFill>
-                  <a:schemeClr val="tx1"/>
-                </a:solidFill>
-                <a:latin typeface="+mn-lt"/>
-                <a:ea typeface="+mn-ea"/>
-                <a:cs typeface="+mn-cs"/>
-              </a:defRPr>
-            </a:lvl7pPr>
-            <a:lvl8pPr marL="3200400" algn="l" defTabSz="914400" rtl="0" eaLnBrk="1" latinLnBrk="0" hangingPunct="1">
-              <a:defRPr sz="1800" kern="1200">
-                <a:solidFill>
-                  <a:schemeClr val="tx1"/>
-                </a:solidFill>
-                <a:latin typeface="+mn-lt"/>
-                <a:ea typeface="+mn-ea"/>
-                <a:cs typeface="+mn-cs"/>
-              </a:defRPr>
-            </a:lvl8pPr>
-            <a:lvl9pPr marL="3657600" algn="l" defTabSz="914400" rtl="0" eaLnBrk="1" latinLnBrk="0" hangingPunct="1">
-              <a:defRPr sz="1800" kern="1200">
-                <a:solidFill>
-                  <a:schemeClr val="tx1"/>
-                </a:solidFill>
-                <a:latin typeface="+mn-lt"/>
-                <a:ea typeface="+mn-ea"/>
-                <a:cs typeface="+mn-cs"/>
-              </a:defRPr>
-            </a:lvl9pPr>
-          </a:lstStyle>
-          <a:p>
-            <a:r>
-              <a:rPr lang="pt-BR" dirty="0" smtClean="0"/>
-              <a:t>Declarações e Controle de Acesso</a:t>
-            </a:r>
-          </a:p>
-          <a:p>
+            </a:pPr>
             <a:endParaRPr lang="pt-BR" dirty="0"/>
           </a:p>
         </p:txBody>
@@ -6770,7 +7051,7 @@
     </p:spTree>
     <p:extLst>
       <p:ext uri="{BB962C8B-B14F-4D97-AF65-F5344CB8AC3E}">
-        <p14:creationId xmlns:p14="http://schemas.microsoft.com/office/powerpoint/2010/main" val="2727298243"/>
+        <p14:creationId xmlns:p14="http://schemas.microsoft.com/office/powerpoint/2010/main" val="2285274704"/>
       </p:ext>
     </p:extLst>
   </p:cSld>
@@ -6806,63 +7087,38 @@
       </p:grpSpPr>
       <p:sp>
         <p:nvSpPr>
-          <p:cNvPr id="2" name="Título 1"/>
-          <p:cNvSpPr>
-            <a:spLocks noGrp="1"/>
-          </p:cNvSpPr>
-          <p:nvPr>
-            <p:ph type="ctrTitle"/>
-          </p:nvPr>
-        </p:nvSpPr>
-        <p:spPr/>
-        <p:txBody>
-          <a:bodyPr/>
-          <a:lstStyle/>
-          <a:p>
-            <a:r>
-              <a:rPr lang="pt-BR" dirty="0" smtClean="0"/>
-              <a:t>Encapsulamento</a:t>
-            </a:r>
-            <a:endParaRPr lang="pt-BR" dirty="0"/>
-          </a:p>
-        </p:txBody>
-      </p:sp>
-      <p:sp>
-        <p:nvSpPr>
-          <p:cNvPr id="3" name="Subtítulo 2"/>
-          <p:cNvSpPr>
-            <a:spLocks noGrp="1"/>
-          </p:cNvSpPr>
-          <p:nvPr>
-            <p:ph type="subTitle" idx="1"/>
-          </p:nvPr>
-        </p:nvSpPr>
-        <p:spPr/>
-        <p:txBody>
-          <a:bodyPr/>
-          <a:lstStyle/>
-          <a:p>
-            <a:r>
-              <a:rPr lang="pt-BR" dirty="0" smtClean="0"/>
-              <a:t>OCA </a:t>
-            </a:r>
-            <a:r>
-              <a:rPr lang="pt-BR" dirty="0" err="1" smtClean="0"/>
-              <a:t>Objectives</a:t>
-            </a:r>
-            <a:r>
-              <a:rPr lang="pt-BR" dirty="0" smtClean="0"/>
-              <a:t> 6.1 </a:t>
-            </a:r>
-            <a:r>
-              <a:rPr lang="pt-BR" dirty="0" err="1" smtClean="0"/>
-              <a:t>and</a:t>
-            </a:r>
-            <a:r>
-              <a:rPr lang="pt-BR" dirty="0" smtClean="0"/>
-              <a:t> 6.7</a:t>
-            </a:r>
-            <a:endParaRPr lang="pt-BR" dirty="0"/>
+          <p:cNvPr id="3" name="Espaço Reservado para Conteúdo 2"/>
+          <p:cNvSpPr>
+            <a:spLocks noGrp="1"/>
+          </p:cNvSpPr>
+          <p:nvPr>
+            <p:ph idx="1"/>
+          </p:nvPr>
+        </p:nvSpPr>
+        <p:spPr>
+          <a:xfrm>
+            <a:off x="628650" y="2113658"/>
+            <a:ext cx="7886700" cy="3907630"/>
+          </a:xfrm>
+        </p:spPr>
+        <p:txBody>
+          <a:bodyPr/>
+          <a:lstStyle/>
+          <a:p>
+            <a:pPr marL="0" indent="0" algn="r">
+              <a:buNone/>
+            </a:pPr>
+            <a:endParaRPr lang="pt-BR" sz="6600" dirty="0" smtClean="0"/>
+          </a:p>
+          <a:p>
+            <a:pPr marL="0" indent="0" algn="r">
+              <a:buNone/>
+            </a:pPr>
+            <a:r>
+              <a:rPr lang="pt-BR" sz="6600" dirty="0" smtClean="0"/>
+              <a:t>Pra encerrar o capítulo...</a:t>
+            </a:r>
+            <a:endParaRPr lang="pt-BR" sz="6600" dirty="0"/>
           </a:p>
         </p:txBody>
       </p:sp>
@@ -6873,18 +7129,45 @@
             <a:spLocks noGrp="1"/>
           </p:cNvSpPr>
           <p:nvPr>
-            <p:ph type="ftr" sz="quarter" idx="11"/>
-          </p:nvPr>
-        </p:nvSpPr>
-        <p:spPr/>
-        <p:txBody>
-          <a:bodyPr/>
-          <a:lstStyle/>
-          <a:p>
-            <a:r>
-              <a:rPr lang="pt-BR" dirty="0" smtClean="0"/>
-              <a:t>Orientação a Objeto</a:t>
-            </a:r>
+            <p:ph type="ftr" sz="quarter" idx="13"/>
+          </p:nvPr>
+        </p:nvSpPr>
+        <p:spPr>
+          <a:xfrm>
+            <a:off x="3028950" y="6356351"/>
+            <a:ext cx="3086100" cy="365125"/>
+          </a:xfrm>
+        </p:spPr>
+        <p:txBody>
+          <a:bodyPr/>
+          <a:lstStyle/>
+          <a:p>
+            <a:pPr algn="ctr">
+              <a:defRPr sz="1200">
+                <a:solidFill>
+                  <a:srgbClr val="8C8C8C"/>
+                </a:solidFill>
+                <a:latin typeface="Tw Cen MT" charset="0"/>
+                <a:ea typeface="Calibri" charset="0"/>
+                <a:cs typeface="Calibri" charset="0"/>
+              </a:defRPr>
+            </a:pPr>
+            <a:r>
+              <a:rPr lang="pt-BR" dirty="0"/>
+              <a:t>Declarações e Controle de Acesso</a:t>
+            </a:r>
+          </a:p>
+          <a:p>
+            <a:pPr algn="ctr">
+              <a:defRPr sz="1200">
+                <a:solidFill>
+                  <a:srgbClr val="8C8C8C"/>
+                </a:solidFill>
+                <a:latin typeface="Tw Cen MT" charset="0"/>
+                <a:ea typeface="Calibri" charset="0"/>
+                <a:cs typeface="Calibri" charset="0"/>
+              </a:defRPr>
+            </a:pPr>
             <a:endParaRPr lang="pt-BR" dirty="0"/>
           </a:p>
         </p:txBody>
@@ -6892,7 +7175,7 @@
     </p:spTree>
     <p:extLst>
       <p:ext uri="{BB962C8B-B14F-4D97-AF65-F5344CB8AC3E}">
-        <p14:creationId xmlns:p14="http://schemas.microsoft.com/office/powerpoint/2010/main" val="744643749"/>
+        <p14:creationId xmlns:p14="http://schemas.microsoft.com/office/powerpoint/2010/main" val="2727298243"/>
       </p:ext>
     </p:extLst>
   </p:cSld>
@@ -6943,7 +7226,7 @@
           <a:p>
             <a:r>
               <a:rPr lang="pt-BR" dirty="0" smtClean="0"/>
-              <a:t>Herança e Polimorfismo</a:t>
+              <a:t>Encapsulamento</a:t>
             </a:r>
             <a:endParaRPr lang="pt-BR" dirty="0"/>
           </a:p>
@@ -6974,7 +7257,7 @@
             </a:r>
             <a:r>
               <a:rPr lang="pt-BR" dirty="0" smtClean="0"/>
-              <a:t> 7.1, 7.2 </a:t>
+              <a:t> 6.1 </a:t>
             </a:r>
             <a:r>
               <a:rPr lang="pt-BR" dirty="0" err="1" smtClean="0"/>
@@ -6982,7 +7265,7 @@
             </a:r>
             <a:r>
               <a:rPr lang="pt-BR" dirty="0" smtClean="0"/>
-              <a:t> 7.3</a:t>
+              <a:t> 6.7</a:t>
             </a:r>
             <a:endParaRPr lang="pt-BR" dirty="0"/>
           </a:p>
@@ -7004,11 +7287,9 @@
           <a:lstStyle/>
           <a:p>
             <a:r>
-              <a:rPr lang="pt-BR" dirty="0"/>
+              <a:rPr lang="pt-BR" dirty="0" smtClean="0"/>
               <a:t>Orientação a Objeto</a:t>
             </a:r>
-          </a:p>
-          <a:p>
             <a:endParaRPr lang="pt-BR" dirty="0"/>
           </a:p>
         </p:txBody>
@@ -7016,7 +7297,7 @@
     </p:spTree>
     <p:extLst>
       <p:ext uri="{BB962C8B-B14F-4D97-AF65-F5344CB8AC3E}">
-        <p14:creationId xmlns:p14="http://schemas.microsoft.com/office/powerpoint/2010/main" val="86249347"/>
+        <p14:creationId xmlns:p14="http://schemas.microsoft.com/office/powerpoint/2010/main" val="744643749"/>
       </p:ext>
     </p:extLst>
   </p:cSld>
@@ -7164,6 +7445,44 @@
           </a:p>
         </p:txBody>
       </p:sp>
+      <p:sp>
+        <p:nvSpPr>
+          <p:cNvPr id="4" name="Espaço Reservado para Rodapé 3"/>
+          <p:cNvSpPr>
+            <a:spLocks noGrp="1"/>
+          </p:cNvSpPr>
+          <p:nvPr>
+            <p:ph type="ftr" sz="quarter" idx="13"/>
+          </p:nvPr>
+        </p:nvSpPr>
+        <p:spPr>
+          <a:xfrm>
+            <a:off x="3028950" y="6356351"/>
+            <a:ext cx="3086100" cy="365125"/>
+          </a:xfrm>
+        </p:spPr>
+        <p:txBody>
+          <a:bodyPr/>
+          <a:lstStyle/>
+          <a:p>
+            <a:pPr algn="ctr">
+              <a:defRPr sz="1200">
+                <a:solidFill>
+                  <a:srgbClr val="8C8C8C"/>
+                </a:solidFill>
+                <a:latin typeface="Tw Cen MT" charset="0"/>
+                <a:ea typeface="Calibri" charset="0"/>
+                <a:cs typeface="Calibri" charset="0"/>
+              </a:defRPr>
+            </a:pPr>
+            <a:r>
+              <a:rPr lang="pt-BR" dirty="0"/>
+              <a:t>Introdução</a:t>
+            </a:r>
+            <a:endParaRPr lang="pt-BR" dirty="0"/>
+          </a:p>
+        </p:txBody>
+      </p:sp>
     </p:spTree>
     <p:extLst>
       <p:ext uri="{BB962C8B-B14F-4D97-AF65-F5344CB8AC3E}">
@@ -7218,7 +7537,7 @@
           <a:p>
             <a:r>
               <a:rPr lang="pt-BR" dirty="0" smtClean="0"/>
-              <a:t>Polimorfismo</a:t>
+              <a:t>Herança e Polimorfismo</a:t>
             </a:r>
             <a:endParaRPr lang="pt-BR" dirty="0"/>
           </a:p>
@@ -7241,7 +7560,7 @@
           <a:p>
             <a:r>
               <a:rPr lang="pt-BR" dirty="0" smtClean="0"/>
-              <a:t>Oca </a:t>
+              <a:t>OCA </a:t>
             </a:r>
             <a:r>
               <a:rPr lang="pt-BR" dirty="0" err="1" smtClean="0"/>
@@ -7249,7 +7568,7 @@
             </a:r>
             <a:r>
               <a:rPr lang="pt-BR" dirty="0" smtClean="0"/>
-              <a:t> 7.2 </a:t>
+              <a:t> 7.1, 7.2 </a:t>
             </a:r>
             <a:r>
               <a:rPr lang="pt-BR" dirty="0" err="1" smtClean="0"/>
@@ -7291,7 +7610,7 @@
     </p:spTree>
     <p:extLst>
       <p:ext uri="{BB962C8B-B14F-4D97-AF65-F5344CB8AC3E}">
-        <p14:creationId xmlns:p14="http://schemas.microsoft.com/office/powerpoint/2010/main" val="331758530"/>
+        <p14:creationId xmlns:p14="http://schemas.microsoft.com/office/powerpoint/2010/main" val="86249347"/>
       </p:ext>
     </p:extLst>
   </p:cSld>
@@ -7341,12 +7660,8 @@
           <a:lstStyle/>
           <a:p>
             <a:r>
-              <a:rPr lang="pt-BR" dirty="0" err="1" smtClean="0"/>
-              <a:t>Sobrescrição</a:t>
-            </a:r>
-            <a:r>
-              <a:rPr lang="pt-BR" dirty="0" smtClean="0"/>
-              <a:t> e Sobrecarga</a:t>
+              <a:rPr lang="pt-BR" dirty="0" smtClean="0"/>
+              <a:t>Polimorfismo</a:t>
             </a:r>
             <a:endParaRPr lang="pt-BR" dirty="0"/>
           </a:p>
@@ -7377,7 +7692,7 @@
             </a:r>
             <a:r>
               <a:rPr lang="pt-BR" dirty="0" smtClean="0"/>
-              <a:t> 6.1, 6.3, 7.2 </a:t>
+              <a:t> 7.2 </a:t>
             </a:r>
             <a:r>
               <a:rPr lang="pt-BR" dirty="0" err="1" smtClean="0"/>
@@ -7419,7 +7734,7 @@
     </p:spTree>
     <p:extLst>
       <p:ext uri="{BB962C8B-B14F-4D97-AF65-F5344CB8AC3E}">
-        <p14:creationId xmlns:p14="http://schemas.microsoft.com/office/powerpoint/2010/main" val="4043444102"/>
+        <p14:creationId xmlns:p14="http://schemas.microsoft.com/office/powerpoint/2010/main" val="331758530"/>
       </p:ext>
     </p:extLst>
   </p:cSld>
@@ -7470,11 +7785,11 @@
           <a:p>
             <a:r>
               <a:rPr lang="pt-BR" dirty="0" err="1" smtClean="0"/>
-              <a:t>Casting</a:t>
-            </a:r>
-            <a:r>
-              <a:rPr lang="pt-BR" dirty="0" smtClean="0"/>
-              <a:t> (Conversão)</a:t>
+              <a:t>Sobrescrição</a:t>
+            </a:r>
+            <a:r>
+              <a:rPr lang="pt-BR" dirty="0" smtClean="0"/>
+              <a:t> e Sobrecarga</a:t>
             </a:r>
             <a:endParaRPr lang="pt-BR" dirty="0"/>
           </a:p>
@@ -7505,7 +7820,7 @@
             </a:r>
             <a:r>
               <a:rPr lang="pt-BR" dirty="0" smtClean="0"/>
-              <a:t> 7.3 </a:t>
+              <a:t> 6.1, 6.3, 7.2 </a:t>
             </a:r>
             <a:r>
               <a:rPr lang="pt-BR" dirty="0" err="1" smtClean="0"/>
@@ -7513,7 +7828,7 @@
             </a:r>
             <a:r>
               <a:rPr lang="pt-BR" dirty="0" smtClean="0"/>
-              <a:t> 7.4</a:t>
+              <a:t> 7.3</a:t>
             </a:r>
             <a:endParaRPr lang="pt-BR" dirty="0"/>
           </a:p>
@@ -7547,7 +7862,7 @@
     </p:spTree>
     <p:extLst>
       <p:ext uri="{BB962C8B-B14F-4D97-AF65-F5344CB8AC3E}">
-        <p14:creationId xmlns:p14="http://schemas.microsoft.com/office/powerpoint/2010/main" val="633171714"/>
+        <p14:creationId xmlns:p14="http://schemas.microsoft.com/office/powerpoint/2010/main" val="4043444102"/>
       </p:ext>
     </p:extLst>
   </p:cSld>
@@ -7597,8 +7912,12 @@
           <a:lstStyle/>
           <a:p>
             <a:r>
-              <a:rPr lang="pt-BR" dirty="0" smtClean="0"/>
-              <a:t>Implementando Interfaces</a:t>
+              <a:rPr lang="pt-BR" dirty="0" err="1" smtClean="0"/>
+              <a:t>Casting</a:t>
+            </a:r>
+            <a:r>
+              <a:rPr lang="pt-BR" dirty="0" smtClean="0"/>
+              <a:t> (Conversão)</a:t>
             </a:r>
             <a:endParaRPr lang="pt-BR" dirty="0"/>
           </a:p>
@@ -7621,15 +7940,23 @@
           <a:p>
             <a:r>
               <a:rPr lang="pt-BR" dirty="0" smtClean="0"/>
-              <a:t>OCA </a:t>
+              <a:t>Oca </a:t>
             </a:r>
             <a:r>
               <a:rPr lang="pt-BR" dirty="0" err="1" smtClean="0"/>
-              <a:t>Objective</a:t>
-            </a:r>
-            <a:r>
-              <a:rPr lang="pt-BR" dirty="0" smtClean="0"/>
-              <a:t> 7.6</a:t>
+              <a:t>Objectives</a:t>
+            </a:r>
+            <a:r>
+              <a:rPr lang="pt-BR" dirty="0" smtClean="0"/>
+              <a:t> 7.3 </a:t>
+            </a:r>
+            <a:r>
+              <a:rPr lang="pt-BR" dirty="0" err="1" smtClean="0"/>
+              <a:t>and</a:t>
+            </a:r>
+            <a:r>
+              <a:rPr lang="pt-BR" dirty="0" smtClean="0"/>
+              <a:t> 7.4</a:t>
             </a:r>
             <a:endParaRPr lang="pt-BR" dirty="0"/>
           </a:p>
@@ -7650,14 +7977,20 @@
           <a:bodyPr/>
           <a:lstStyle/>
           <a:p>
-            <a:endParaRPr lang="pt-BR"/>
+            <a:r>
+              <a:rPr lang="pt-BR" dirty="0"/>
+              <a:t>Orientação a Objeto</a:t>
+            </a:r>
+          </a:p>
+          <a:p>
+            <a:endParaRPr lang="pt-BR" dirty="0"/>
           </a:p>
         </p:txBody>
       </p:sp>
     </p:spTree>
     <p:extLst>
       <p:ext uri="{BB962C8B-B14F-4D97-AF65-F5344CB8AC3E}">
-        <p14:creationId xmlns:p14="http://schemas.microsoft.com/office/powerpoint/2010/main" val="375912055"/>
+        <p14:creationId xmlns:p14="http://schemas.microsoft.com/office/powerpoint/2010/main" val="633171714"/>
       </p:ext>
     </p:extLst>
   </p:cSld>
@@ -7708,7 +8041,7 @@
           <a:p>
             <a:r>
               <a:rPr lang="pt-BR" dirty="0" smtClean="0"/>
-              <a:t>Tipos de Retornos Válidos</a:t>
+              <a:t>Implementando Interfaces</a:t>
             </a:r>
             <a:endParaRPr lang="pt-BR" dirty="0"/>
           </a:p>
@@ -7735,19 +8068,11 @@
             </a:r>
             <a:r>
               <a:rPr lang="pt-BR" dirty="0" err="1" smtClean="0"/>
-              <a:t>Objectives</a:t>
-            </a:r>
-            <a:r>
-              <a:rPr lang="pt-BR" dirty="0" smtClean="0"/>
-              <a:t> 2.2, 2.5, 6.1 </a:t>
-            </a:r>
-            <a:r>
-              <a:rPr lang="pt-BR" dirty="0" err="1" smtClean="0"/>
-              <a:t>and</a:t>
-            </a:r>
-            <a:r>
-              <a:rPr lang="pt-BR" dirty="0" smtClean="0"/>
-              <a:t> 6.3</a:t>
+              <a:t>Objective</a:t>
+            </a:r>
+            <a:r>
+              <a:rPr lang="pt-BR" dirty="0" smtClean="0"/>
+              <a:t> 7.6</a:t>
             </a:r>
             <a:endParaRPr lang="pt-BR" dirty="0"/>
           </a:p>
@@ -7768,20 +8093,14 @@
           <a:bodyPr/>
           <a:lstStyle/>
           <a:p>
-            <a:r>
-              <a:rPr lang="pt-BR" dirty="0"/>
-              <a:t>Orientação a Objeto</a:t>
-            </a:r>
-          </a:p>
-          <a:p>
-            <a:endParaRPr lang="pt-BR" dirty="0"/>
+            <a:endParaRPr lang="pt-BR"/>
           </a:p>
         </p:txBody>
       </p:sp>
     </p:spTree>
     <p:extLst>
       <p:ext uri="{BB962C8B-B14F-4D97-AF65-F5344CB8AC3E}">
-        <p14:creationId xmlns:p14="http://schemas.microsoft.com/office/powerpoint/2010/main" val="4268053431"/>
+        <p14:creationId xmlns:p14="http://schemas.microsoft.com/office/powerpoint/2010/main" val="375912055"/>
       </p:ext>
     </p:extLst>
   </p:cSld>
@@ -7832,7 +8151,7 @@
           <a:p>
             <a:r>
               <a:rPr lang="pt-BR" dirty="0" smtClean="0"/>
-              <a:t>Construtores e Instanciação</a:t>
+              <a:t>Tipos de Retornos Válidos</a:t>
             </a:r>
             <a:endParaRPr lang="pt-BR" dirty="0"/>
           </a:p>
@@ -7863,7 +8182,7 @@
             </a:r>
             <a:r>
               <a:rPr lang="pt-BR" dirty="0" smtClean="0"/>
-              <a:t> 6.4, 6.5 </a:t>
+              <a:t> 2.2, 2.5, 6.1 </a:t>
             </a:r>
             <a:r>
               <a:rPr lang="pt-BR" dirty="0" err="1" smtClean="0"/>
@@ -7871,7 +8190,7 @@
             </a:r>
             <a:r>
               <a:rPr lang="pt-BR" dirty="0" smtClean="0"/>
-              <a:t> 7.5</a:t>
+              <a:t> 6.3</a:t>
             </a:r>
             <a:endParaRPr lang="pt-BR" dirty="0"/>
           </a:p>
@@ -7905,7 +8224,7 @@
     </p:spTree>
     <p:extLst>
       <p:ext uri="{BB962C8B-B14F-4D97-AF65-F5344CB8AC3E}">
-        <p14:creationId xmlns:p14="http://schemas.microsoft.com/office/powerpoint/2010/main" val="2974867849"/>
+        <p14:creationId xmlns:p14="http://schemas.microsoft.com/office/powerpoint/2010/main" val="4268053431"/>
       </p:ext>
     </p:extLst>
   </p:cSld>
@@ -7956,15 +8275,7 @@
           <a:p>
             <a:r>
               <a:rPr lang="pt-BR" dirty="0" smtClean="0"/>
-              <a:t>Estáticos (</a:t>
-            </a:r>
-            <a:r>
-              <a:rPr lang="pt-BR" dirty="0" err="1" smtClean="0"/>
-              <a:t>Static</a:t>
-            </a:r>
-            <a:r>
-              <a:rPr lang="pt-BR" dirty="0" smtClean="0"/>
-              <a:t>)</a:t>
+              <a:t>Construtores e Instanciação</a:t>
             </a:r>
             <a:endParaRPr lang="pt-BR" dirty="0"/>
           </a:p>
@@ -7995,7 +8306,15 @@
             </a:r>
             <a:r>
               <a:rPr lang="pt-BR" dirty="0" smtClean="0"/>
-              <a:t> 6.2</a:t>
+              <a:t> 6.4, 6.5 </a:t>
+            </a:r>
+            <a:r>
+              <a:rPr lang="pt-BR" dirty="0" err="1" smtClean="0"/>
+              <a:t>and</a:t>
+            </a:r>
+            <a:r>
+              <a:rPr lang="pt-BR" dirty="0" smtClean="0"/>
+              <a:t> 7.5</a:t>
             </a:r>
             <a:endParaRPr lang="pt-BR" dirty="0"/>
           </a:p>
@@ -8029,7 +8348,7 @@
     </p:spTree>
     <p:extLst>
       <p:ext uri="{BB962C8B-B14F-4D97-AF65-F5344CB8AC3E}">
-        <p14:creationId xmlns:p14="http://schemas.microsoft.com/office/powerpoint/2010/main" val="3849763999"/>
+        <p14:creationId xmlns:p14="http://schemas.microsoft.com/office/powerpoint/2010/main" val="2974867849"/>
       </p:ext>
     </p:extLst>
   </p:cSld>
@@ -8075,24 +8394,22 @@
         </p:nvSpPr>
         <p:spPr/>
         <p:txBody>
-          <a:bodyPr>
-            <a:normAutofit/>
-          </a:bodyPr>
-          <a:lstStyle/>
-          <a:p>
-            <a:r>
-              <a:rPr lang="pt-BR" sz="3800" dirty="0" smtClean="0"/>
-              <a:t>Literais, </a:t>
-            </a:r>
-            <a:r>
-              <a:rPr lang="pt-BR" sz="3800" dirty="0" err="1" smtClean="0"/>
-              <a:t>Assignmentes</a:t>
-            </a:r>
-            <a:r>
-              <a:rPr lang="pt-BR" sz="3800" dirty="0" smtClean="0"/>
-              <a:t> e Variáveis</a:t>
-            </a:r>
-            <a:endParaRPr lang="pt-BR" sz="3800" dirty="0"/>
+          <a:bodyPr/>
+          <a:lstStyle/>
+          <a:p>
+            <a:r>
+              <a:rPr lang="pt-BR" dirty="0" smtClean="0"/>
+              <a:t>Estáticos (</a:t>
+            </a:r>
+            <a:r>
+              <a:rPr lang="pt-BR" dirty="0" err="1" smtClean="0"/>
+              <a:t>Static</a:t>
+            </a:r>
+            <a:r>
+              <a:rPr lang="pt-BR" dirty="0" smtClean="0"/>
+              <a:t>)</a:t>
+            </a:r>
+            <a:endParaRPr lang="pt-BR" dirty="0"/>
           </a:p>
         </p:txBody>
       </p:sp>
@@ -8121,15 +8438,7 @@
             </a:r>
             <a:r>
               <a:rPr lang="pt-BR" dirty="0" smtClean="0"/>
-              <a:t> 2.1, 2.2, 2.3 </a:t>
-            </a:r>
-            <a:r>
-              <a:rPr lang="pt-BR" dirty="0" err="1" smtClean="0"/>
-              <a:t>and</a:t>
-            </a:r>
-            <a:r>
-              <a:rPr lang="pt-BR" dirty="0" smtClean="0"/>
-              <a:t> 1.2 upgrade</a:t>
+              <a:t> 6.2</a:t>
             </a:r>
             <a:endParaRPr lang="pt-BR" dirty="0"/>
           </a:p>
@@ -8151,9 +8460,11 @@
           <a:lstStyle/>
           <a:p>
             <a:r>
-              <a:rPr lang="pt-BR" dirty="0" err="1" smtClean="0"/>
-              <a:t>Assignments</a:t>
-            </a:r>
+              <a:rPr lang="pt-BR" dirty="0"/>
+              <a:t>Orientação a Objeto</a:t>
+            </a:r>
+          </a:p>
+          <a:p>
             <a:endParaRPr lang="pt-BR" dirty="0"/>
           </a:p>
         </p:txBody>
@@ -8161,7 +8472,7 @@
     </p:spTree>
     <p:extLst>
       <p:ext uri="{BB962C8B-B14F-4D97-AF65-F5344CB8AC3E}">
-        <p14:creationId xmlns:p14="http://schemas.microsoft.com/office/powerpoint/2010/main" val="3169057604"/>
+        <p14:creationId xmlns:p14="http://schemas.microsoft.com/office/powerpoint/2010/main" val="3849763999"/>
       </p:ext>
     </p:extLst>
   </p:cSld>
@@ -8207,14 +8518,24 @@
         </p:nvSpPr>
         <p:spPr/>
         <p:txBody>
-          <a:bodyPr/>
-          <a:lstStyle/>
-          <a:p>
-            <a:r>
-              <a:rPr lang="pt-BR" dirty="0" smtClean="0"/>
-              <a:t>Escopo</a:t>
-            </a:r>
-            <a:endParaRPr lang="pt-BR" dirty="0"/>
+          <a:bodyPr>
+            <a:normAutofit/>
+          </a:bodyPr>
+          <a:lstStyle/>
+          <a:p>
+            <a:r>
+              <a:rPr lang="pt-BR" sz="3800" dirty="0" smtClean="0"/>
+              <a:t>Literais, </a:t>
+            </a:r>
+            <a:r>
+              <a:rPr lang="pt-BR" sz="3800" dirty="0" err="1" smtClean="0"/>
+              <a:t>Assignmentes</a:t>
+            </a:r>
+            <a:r>
+              <a:rPr lang="pt-BR" sz="3800" dirty="0" smtClean="0"/>
+              <a:t> e Variáveis</a:t>
+            </a:r>
+            <a:endParaRPr lang="pt-BR" sz="3800" dirty="0"/>
           </a:p>
         </p:txBody>
       </p:sp>
@@ -8243,7 +8564,7 @@
             </a:r>
             <a:r>
               <a:rPr lang="pt-BR" dirty="0" smtClean="0"/>
-              <a:t> 1.1 </a:t>
+              <a:t> 2.1, 2.2, 2.3 </a:t>
             </a:r>
             <a:r>
               <a:rPr lang="pt-BR" dirty="0" err="1" smtClean="0"/>
@@ -8251,7 +8572,7 @@
             </a:r>
             <a:r>
               <a:rPr lang="pt-BR" dirty="0" smtClean="0"/>
-              <a:t> 2.5</a:t>
+              <a:t> 1.2 upgrade</a:t>
             </a:r>
             <a:endParaRPr lang="pt-BR" dirty="0"/>
           </a:p>
@@ -8273,12 +8594,9 @@
           <a:lstStyle/>
           <a:p>
             <a:r>
-              <a:rPr lang="pt-BR" dirty="0" err="1"/>
+              <a:rPr lang="pt-BR" dirty="0" err="1" smtClean="0"/>
               <a:t>Assignments</a:t>
             </a:r>
-            <a:endParaRPr lang="pt-BR" dirty="0"/>
-          </a:p>
-          <a:p>
             <a:endParaRPr lang="pt-BR" dirty="0"/>
           </a:p>
         </p:txBody>
@@ -8286,7 +8604,7 @@
     </p:spTree>
     <p:extLst>
       <p:ext uri="{BB962C8B-B14F-4D97-AF65-F5344CB8AC3E}">
-        <p14:creationId xmlns:p14="http://schemas.microsoft.com/office/powerpoint/2010/main" val="193317867"/>
+        <p14:creationId xmlns:p14="http://schemas.microsoft.com/office/powerpoint/2010/main" val="3169057604"/>
       </p:ext>
     </p:extLst>
   </p:cSld>
@@ -8337,7 +8655,7 @@
           <a:p>
             <a:r>
               <a:rPr lang="pt-BR" dirty="0" smtClean="0"/>
-              <a:t>Inicialização de Variáveis</a:t>
+              <a:t>Escopo</a:t>
             </a:r>
             <a:endParaRPr lang="pt-BR" dirty="0"/>
           </a:p>
@@ -8364,11 +8682,19 @@
             </a:r>
             <a:r>
               <a:rPr lang="pt-BR" dirty="0" err="1" smtClean="0"/>
-              <a:t>Objective</a:t>
-            </a:r>
-            <a:r>
-              <a:rPr lang="pt-BR" dirty="0" smtClean="0"/>
-              <a:t> 2.1</a:t>
+              <a:t>Objectives</a:t>
+            </a:r>
+            <a:r>
+              <a:rPr lang="pt-BR" dirty="0" smtClean="0"/>
+              <a:t> 1.1 </a:t>
+            </a:r>
+            <a:r>
+              <a:rPr lang="pt-BR" dirty="0" err="1" smtClean="0"/>
+              <a:t>and</a:t>
+            </a:r>
+            <a:r>
+              <a:rPr lang="pt-BR" dirty="0" smtClean="0"/>
+              <a:t> 2.5</a:t>
             </a:r>
             <a:endParaRPr lang="pt-BR" dirty="0"/>
           </a:p>
@@ -8393,6 +8719,9 @@
               <a:rPr lang="pt-BR" dirty="0" err="1"/>
               <a:t>Assignments</a:t>
             </a:r>
+            <a:endParaRPr lang="pt-BR" dirty="0"/>
+          </a:p>
+          <a:p>
             <a:endParaRPr lang="pt-BR" dirty="0"/>
           </a:p>
         </p:txBody>
@@ -8400,7 +8729,7 @@
     </p:spTree>
     <p:extLst>
       <p:ext uri="{BB962C8B-B14F-4D97-AF65-F5344CB8AC3E}">
-        <p14:creationId xmlns:p14="http://schemas.microsoft.com/office/powerpoint/2010/main" val="3261889034"/>
+        <p14:creationId xmlns:p14="http://schemas.microsoft.com/office/powerpoint/2010/main" val="193317867"/>
       </p:ext>
     </p:extLst>
   </p:cSld>
@@ -8627,7 +8956,11 @@
                 <a:cs typeface="Calibri" charset="0"/>
               </a:defRPr>
             </a:pPr>
-            <a:endParaRPr lang="pt-BR"/>
+            <a:r>
+              <a:rPr lang="pt-BR" dirty="0"/>
+              <a:t>Introdução</a:t>
+            </a:r>
+            <a:endParaRPr lang="pt-BR" dirty="0"/>
           </a:p>
         </p:txBody>
       </p:sp>
@@ -8685,7 +9018,7 @@
           <a:p>
             <a:r>
               <a:rPr lang="pt-BR" dirty="0" smtClean="0"/>
-              <a:t>Passando Variáveis para Métodos</a:t>
+              <a:t>Inicialização de Variáveis</a:t>
             </a:r>
             <a:endParaRPr lang="pt-BR" dirty="0"/>
           </a:p>
@@ -8716,7 +9049,7 @@
             </a:r>
             <a:r>
               <a:rPr lang="pt-BR" dirty="0" smtClean="0"/>
-              <a:t> 6.8</a:t>
+              <a:t> 2.1</a:t>
             </a:r>
             <a:endParaRPr lang="pt-BR" dirty="0"/>
           </a:p>
@@ -8748,7 +9081,7 @@
     </p:spTree>
     <p:extLst>
       <p:ext uri="{BB962C8B-B14F-4D97-AF65-F5344CB8AC3E}">
-        <p14:creationId xmlns:p14="http://schemas.microsoft.com/office/powerpoint/2010/main" val="2287116038"/>
+        <p14:creationId xmlns:p14="http://schemas.microsoft.com/office/powerpoint/2010/main" val="3261889034"/>
       </p:ext>
     </p:extLst>
   </p:cSld>
@@ -8799,7 +9132,7 @@
           <a:p>
             <a:r>
               <a:rPr lang="pt-BR" dirty="0" smtClean="0"/>
-              <a:t>Coletor de Lixo</a:t>
+              <a:t>Passando Variáveis para Métodos</a:t>
             </a:r>
             <a:endParaRPr lang="pt-BR" dirty="0"/>
           </a:p>
@@ -8830,7 +9163,7 @@
             </a:r>
             <a:r>
               <a:rPr lang="pt-BR" dirty="0" smtClean="0"/>
-              <a:t> 2.4</a:t>
+              <a:t> 6.8</a:t>
             </a:r>
             <a:endParaRPr lang="pt-BR" dirty="0"/>
           </a:p>
@@ -8862,7 +9195,7 @@
     </p:spTree>
     <p:extLst>
       <p:ext uri="{BB962C8B-B14F-4D97-AF65-F5344CB8AC3E}">
-        <p14:creationId xmlns:p14="http://schemas.microsoft.com/office/powerpoint/2010/main" val="1564616669"/>
+        <p14:creationId xmlns:p14="http://schemas.microsoft.com/office/powerpoint/2010/main" val="2287116038"/>
       </p:ext>
     </p:extLst>
   </p:cSld>
@@ -8913,7 +9246,7 @@
           <a:p>
             <a:r>
               <a:rPr lang="pt-BR" dirty="0" smtClean="0"/>
-              <a:t>Operadores em Java</a:t>
+              <a:t>Coletor de Lixo</a:t>
             </a:r>
             <a:endParaRPr lang="pt-BR" dirty="0"/>
           </a:p>
@@ -8940,19 +9273,11 @@
             </a:r>
             <a:r>
               <a:rPr lang="pt-BR" dirty="0" err="1" smtClean="0"/>
-              <a:t>Objectives</a:t>
-            </a:r>
-            <a:r>
-              <a:rPr lang="pt-BR" dirty="0" smtClean="0"/>
-              <a:t> 3.1, 3.2 </a:t>
-            </a:r>
-            <a:r>
-              <a:rPr lang="pt-BR" dirty="0" err="1" smtClean="0"/>
-              <a:t>and</a:t>
-            </a:r>
-            <a:r>
-              <a:rPr lang="pt-BR" dirty="0" smtClean="0"/>
-              <a:t> 3.3</a:t>
+              <a:t>Objective</a:t>
+            </a:r>
+            <a:r>
+              <a:rPr lang="pt-BR" dirty="0" smtClean="0"/>
+              <a:t> 2.4</a:t>
             </a:r>
             <a:endParaRPr lang="pt-BR" dirty="0"/>
           </a:p>
@@ -8974,8 +9299,8 @@
           <a:lstStyle/>
           <a:p>
             <a:r>
-              <a:rPr lang="pt-BR" dirty="0" smtClean="0"/>
-              <a:t>Operadores</a:t>
+              <a:rPr lang="pt-BR" dirty="0" err="1"/>
+              <a:t>Assignments</a:t>
             </a:r>
             <a:endParaRPr lang="pt-BR" dirty="0"/>
           </a:p>
@@ -8984,7 +9309,7 @@
     </p:spTree>
     <p:extLst>
       <p:ext uri="{BB962C8B-B14F-4D97-AF65-F5344CB8AC3E}">
-        <p14:creationId xmlns:p14="http://schemas.microsoft.com/office/powerpoint/2010/main" val="1039160923"/>
+        <p14:creationId xmlns:p14="http://schemas.microsoft.com/office/powerpoint/2010/main" val="1564616669"/>
       </p:ext>
     </p:extLst>
   </p:cSld>
@@ -9035,19 +9360,7 @@
           <a:p>
             <a:r>
               <a:rPr lang="pt-BR" dirty="0" smtClean="0"/>
-              <a:t>Usando </a:t>
-            </a:r>
-            <a:r>
-              <a:rPr lang="pt-BR" dirty="0" err="1" smtClean="0"/>
-              <a:t>Strings</a:t>
-            </a:r>
-            <a:r>
-              <a:rPr lang="pt-BR" dirty="0" smtClean="0"/>
-              <a:t> e </a:t>
-            </a:r>
-            <a:r>
-              <a:rPr lang="pt-BR" dirty="0" err="1" smtClean="0"/>
-              <a:t>StringBuilder</a:t>
+              <a:t>Operadores em Java</a:t>
             </a:r>
             <a:endParaRPr lang="pt-BR" dirty="0"/>
           </a:p>
@@ -9078,7 +9391,7 @@
             </a:r>
             <a:r>
               <a:rPr lang="pt-BR" dirty="0" smtClean="0"/>
-              <a:t> 2.7 </a:t>
+              <a:t> 3.1, 3.2 </a:t>
             </a:r>
             <a:r>
               <a:rPr lang="pt-BR" dirty="0" err="1" smtClean="0"/>
@@ -9086,7 +9399,7 @@
             </a:r>
             <a:r>
               <a:rPr lang="pt-BR" dirty="0" smtClean="0"/>
-              <a:t> 2.6</a:t>
+              <a:t> 3.3</a:t>
             </a:r>
             <a:endParaRPr lang="pt-BR" dirty="0"/>
           </a:p>
@@ -9109,27 +9422,7 @@
           <a:p>
             <a:r>
               <a:rPr lang="pt-BR" dirty="0" smtClean="0"/>
-              <a:t>Trabalhando com </a:t>
-            </a:r>
-            <a:r>
-              <a:rPr lang="pt-BR" dirty="0" err="1" smtClean="0"/>
-              <a:t>Strings</a:t>
-            </a:r>
-            <a:r>
-              <a:rPr lang="pt-BR" dirty="0" smtClean="0"/>
-              <a:t>, </a:t>
-            </a:r>
-            <a:r>
-              <a:rPr lang="pt-BR" dirty="0" err="1" smtClean="0"/>
-              <a:t>Arrays</a:t>
-            </a:r>
-            <a:r>
-              <a:rPr lang="pt-BR" dirty="0" smtClean="0"/>
-              <a:t> e </a:t>
-            </a:r>
-            <a:r>
-              <a:rPr lang="pt-BR" dirty="0" err="1" smtClean="0"/>
-              <a:t>ArrayLists</a:t>
+              <a:t>Operadores</a:t>
             </a:r>
             <a:endParaRPr lang="pt-BR" dirty="0"/>
           </a:p>
@@ -9138,7 +9431,7 @@
     </p:spTree>
     <p:extLst>
       <p:ext uri="{BB962C8B-B14F-4D97-AF65-F5344CB8AC3E}">
-        <p14:creationId xmlns:p14="http://schemas.microsoft.com/office/powerpoint/2010/main" val="1074513946"/>
+        <p14:creationId xmlns:p14="http://schemas.microsoft.com/office/powerpoint/2010/main" val="1039160923"/>
       </p:ext>
     </p:extLst>
   </p:cSld>
@@ -9193,7 +9486,15 @@
             </a:r>
             <a:r>
               <a:rPr lang="pt-BR" dirty="0" err="1" smtClean="0"/>
-              <a:t>Arrays</a:t>
+              <a:t>Strings</a:t>
+            </a:r>
+            <a:r>
+              <a:rPr lang="pt-BR" dirty="0" smtClean="0"/>
+              <a:t> e </a:t>
+            </a:r>
+            <a:r>
+              <a:rPr lang="pt-BR" dirty="0" err="1" smtClean="0"/>
+              <a:t>StringBuilder</a:t>
             </a:r>
             <a:endParaRPr lang="pt-BR" dirty="0"/>
           </a:p>
@@ -9224,7 +9525,7 @@
             </a:r>
             <a:r>
               <a:rPr lang="pt-BR" dirty="0" smtClean="0"/>
-              <a:t> 4.1 </a:t>
+              <a:t> 2.7 </a:t>
             </a:r>
             <a:r>
               <a:rPr lang="pt-BR" dirty="0" err="1" smtClean="0"/>
@@ -9232,7 +9533,7 @@
             </a:r>
             <a:r>
               <a:rPr lang="pt-BR" dirty="0" smtClean="0"/>
-              <a:t> 4.2</a:t>
+              <a:t> 2.6</a:t>
             </a:r>
             <a:endParaRPr lang="pt-BR" dirty="0"/>
           </a:p>
@@ -9254,32 +9555,29 @@
           <a:lstStyle/>
           <a:p>
             <a:r>
-              <a:rPr lang="pt-BR" dirty="0"/>
+              <a:rPr lang="pt-BR" dirty="0" smtClean="0"/>
               <a:t>Trabalhando com </a:t>
             </a:r>
             <a:r>
-              <a:rPr lang="pt-BR" dirty="0" err="1"/>
+              <a:rPr lang="pt-BR" dirty="0" err="1" smtClean="0"/>
               <a:t>Strings</a:t>
             </a:r>
             <a:r>
-              <a:rPr lang="pt-BR" dirty="0"/>
+              <a:rPr lang="pt-BR" dirty="0" smtClean="0"/>
               <a:t>, </a:t>
             </a:r>
             <a:r>
-              <a:rPr lang="pt-BR" dirty="0" err="1"/>
+              <a:rPr lang="pt-BR" dirty="0" err="1" smtClean="0"/>
               <a:t>Arrays</a:t>
             </a:r>
             <a:r>
-              <a:rPr lang="pt-BR" dirty="0"/>
+              <a:rPr lang="pt-BR" dirty="0" smtClean="0"/>
               <a:t> e </a:t>
             </a:r>
             <a:r>
-              <a:rPr lang="pt-BR" dirty="0" err="1"/>
+              <a:rPr lang="pt-BR" dirty="0" err="1" smtClean="0"/>
               <a:t>ArrayLists</a:t>
             </a:r>
-            <a:endParaRPr lang="pt-BR" dirty="0"/>
-          </a:p>
-          <a:p>
             <a:endParaRPr lang="pt-BR" dirty="0"/>
           </a:p>
         </p:txBody>
@@ -9287,7 +9585,7 @@
     </p:spTree>
     <p:extLst>
       <p:ext uri="{BB962C8B-B14F-4D97-AF65-F5344CB8AC3E}">
-        <p14:creationId xmlns:p14="http://schemas.microsoft.com/office/powerpoint/2010/main" val="1389997935"/>
+        <p14:creationId xmlns:p14="http://schemas.microsoft.com/office/powerpoint/2010/main" val="1074513946"/>
       </p:ext>
     </p:extLst>
   </p:cSld>
@@ -9342,7 +9640,7 @@
             </a:r>
             <a:r>
               <a:rPr lang="pt-BR" dirty="0" err="1" smtClean="0"/>
-              <a:t>ArrayList</a:t>
+              <a:t>Arrays</a:t>
             </a:r>
             <a:endParaRPr lang="pt-BR" dirty="0"/>
           </a:p>
@@ -9369,11 +9667,19 @@
             </a:r>
             <a:r>
               <a:rPr lang="pt-BR" dirty="0" err="1" smtClean="0"/>
-              <a:t>Objective</a:t>
-            </a:r>
-            <a:r>
-              <a:rPr lang="pt-BR" dirty="0" smtClean="0"/>
-              <a:t> 4.3</a:t>
+              <a:t>Objectives</a:t>
+            </a:r>
+            <a:r>
+              <a:rPr lang="pt-BR" dirty="0" smtClean="0"/>
+              <a:t> 4.1 </a:t>
+            </a:r>
+            <a:r>
+              <a:rPr lang="pt-BR" dirty="0" err="1" smtClean="0"/>
+              <a:t>and</a:t>
+            </a:r>
+            <a:r>
+              <a:rPr lang="pt-BR" dirty="0" smtClean="0"/>
+              <a:t> 4.2</a:t>
             </a:r>
             <a:endParaRPr lang="pt-BR" dirty="0"/>
           </a:p>
@@ -9428,7 +9734,7 @@
     </p:spTree>
     <p:extLst>
       <p:ext uri="{BB962C8B-B14F-4D97-AF65-F5344CB8AC3E}">
-        <p14:creationId xmlns:p14="http://schemas.microsoft.com/office/powerpoint/2010/main" val="2158061903"/>
+        <p14:creationId xmlns:p14="http://schemas.microsoft.com/office/powerpoint/2010/main" val="1389997935"/>
       </p:ext>
     </p:extLst>
   </p:cSld>
@@ -9483,11 +9789,7 @@
             </a:r>
             <a:r>
               <a:rPr lang="pt-BR" dirty="0" err="1" smtClean="0"/>
-              <a:t>if</a:t>
-            </a:r>
-            <a:r>
-              <a:rPr lang="pt-BR" dirty="0" smtClean="0"/>
-              <a:t> e switch</a:t>
+              <a:t>ArrayList</a:t>
             </a:r>
             <a:endParaRPr lang="pt-BR" dirty="0"/>
           </a:p>
@@ -9514,11 +9816,11 @@
             </a:r>
             <a:r>
               <a:rPr lang="pt-BR" dirty="0" err="1" smtClean="0"/>
-              <a:t>Objectives</a:t>
-            </a:r>
-            <a:r>
-              <a:rPr lang="pt-BR" dirty="0" smtClean="0"/>
-              <a:t> 3.4, 3.5 e 1.1 upgrade</a:t>
+              <a:t>Objective</a:t>
+            </a:r>
+            <a:r>
+              <a:rPr lang="pt-BR" dirty="0" smtClean="0"/>
+              <a:t> 4.3</a:t>
             </a:r>
             <a:endParaRPr lang="pt-BR" dirty="0"/>
           </a:p>
@@ -9540,9 +9842,32 @@
           <a:lstStyle/>
           <a:p>
             <a:r>
-              <a:rPr lang="pt-BR" dirty="0" smtClean="0"/>
-              <a:t>Controle de Fluxo e Exceções</a:t>
-            </a:r>
+              <a:rPr lang="pt-BR" dirty="0"/>
+              <a:t>Trabalhando com </a:t>
+            </a:r>
+            <a:r>
+              <a:rPr lang="pt-BR" dirty="0" err="1"/>
+              <a:t>Strings</a:t>
+            </a:r>
+            <a:r>
+              <a:rPr lang="pt-BR" dirty="0"/>
+              <a:t>, </a:t>
+            </a:r>
+            <a:r>
+              <a:rPr lang="pt-BR" dirty="0" err="1"/>
+              <a:t>Arrays</a:t>
+            </a:r>
+            <a:r>
+              <a:rPr lang="pt-BR" dirty="0"/>
+              <a:t> e </a:t>
+            </a:r>
+            <a:r>
+              <a:rPr lang="pt-BR" dirty="0" err="1"/>
+              <a:t>ArrayLists</a:t>
+            </a:r>
+            <a:endParaRPr lang="pt-BR" dirty="0"/>
+          </a:p>
+          <a:p>
             <a:endParaRPr lang="pt-BR" dirty="0"/>
           </a:p>
         </p:txBody>
@@ -9550,7 +9875,7 @@
     </p:spTree>
     <p:extLst>
       <p:ext uri="{BB962C8B-B14F-4D97-AF65-F5344CB8AC3E}">
-        <p14:creationId xmlns:p14="http://schemas.microsoft.com/office/powerpoint/2010/main" val="532384450"/>
+        <p14:creationId xmlns:p14="http://schemas.microsoft.com/office/powerpoint/2010/main" val="2158061903"/>
       </p:ext>
     </p:extLst>
   </p:cSld>
@@ -9601,7 +9926,15 @@
           <a:p>
             <a:r>
               <a:rPr lang="pt-BR" dirty="0" smtClean="0"/>
-              <a:t>Criando Loops</a:t>
+              <a:t>Usando </a:t>
+            </a:r>
+            <a:r>
+              <a:rPr lang="pt-BR" dirty="0" err="1" smtClean="0"/>
+              <a:t>if</a:t>
+            </a:r>
+            <a:r>
+              <a:rPr lang="pt-BR" dirty="0" smtClean="0"/>
+              <a:t> e switch</a:t>
             </a:r>
             <a:endParaRPr lang="pt-BR" dirty="0"/>
           </a:p>
@@ -9632,15 +9965,7 @@
             </a:r>
             <a:r>
               <a:rPr lang="pt-BR" dirty="0" smtClean="0"/>
-              <a:t> 5.1, 5.2, 5.3, 5.4 </a:t>
-            </a:r>
-            <a:r>
-              <a:rPr lang="pt-BR" dirty="0" err="1" smtClean="0"/>
-              <a:t>and</a:t>
-            </a:r>
-            <a:r>
-              <a:rPr lang="pt-BR" dirty="0" smtClean="0"/>
-              <a:t> 5.5</a:t>
+              <a:t> 3.4, 3.5 e 1.1 upgrade</a:t>
             </a:r>
             <a:endParaRPr lang="pt-BR" dirty="0"/>
           </a:p>
@@ -9662,11 +9987,9 @@
           <a:lstStyle/>
           <a:p>
             <a:r>
-              <a:rPr lang="pt-BR" dirty="0"/>
+              <a:rPr lang="pt-BR" dirty="0" smtClean="0"/>
               <a:t>Controle de Fluxo e Exceções</a:t>
             </a:r>
-          </a:p>
-          <a:p>
             <a:endParaRPr lang="pt-BR" dirty="0"/>
           </a:p>
         </p:txBody>
@@ -9674,7 +9997,7 @@
     </p:spTree>
     <p:extLst>
       <p:ext uri="{BB962C8B-B14F-4D97-AF65-F5344CB8AC3E}">
-        <p14:creationId xmlns:p14="http://schemas.microsoft.com/office/powerpoint/2010/main" val="2470865896"/>
+        <p14:creationId xmlns:p14="http://schemas.microsoft.com/office/powerpoint/2010/main" val="532384450"/>
       </p:ext>
     </p:extLst>
   </p:cSld>
@@ -9725,7 +10048,7 @@
           <a:p>
             <a:r>
               <a:rPr lang="pt-BR" dirty="0" smtClean="0"/>
-              <a:t>Manipulando Exceções</a:t>
+              <a:t>Criando Loops</a:t>
             </a:r>
             <a:endParaRPr lang="pt-BR" dirty="0"/>
           </a:p>
@@ -9756,7 +10079,7 @@
             </a:r>
             <a:r>
               <a:rPr lang="pt-BR" dirty="0" smtClean="0"/>
-              <a:t> 8.1, 8.2, 8.3 </a:t>
+              <a:t> 5.1, 5.2, 5.3, 5.4 </a:t>
             </a:r>
             <a:r>
               <a:rPr lang="pt-BR" dirty="0" err="1" smtClean="0"/>
@@ -9764,7 +10087,7 @@
             </a:r>
             <a:r>
               <a:rPr lang="pt-BR" dirty="0" smtClean="0"/>
-              <a:t> 8.4</a:t>
+              <a:t> 5.5</a:t>
             </a:r>
             <a:endParaRPr lang="pt-BR" dirty="0"/>
           </a:p>
@@ -9798,7 +10121,7 @@
     </p:spTree>
     <p:extLst>
       <p:ext uri="{BB962C8B-B14F-4D97-AF65-F5344CB8AC3E}">
-        <p14:creationId xmlns:p14="http://schemas.microsoft.com/office/powerpoint/2010/main" val="3021261354"/>
+        <p14:creationId xmlns:p14="http://schemas.microsoft.com/office/powerpoint/2010/main" val="2470865896"/>
       </p:ext>
     </p:extLst>
   </p:cSld>
@@ -9849,42 +10172,46 @@
           <a:p>
             <a:r>
               <a:rPr lang="pt-BR" dirty="0" smtClean="0"/>
-              <a:t>Exceções Comuns e </a:t>
+              <a:t>Manipulando Exceções</a:t>
+            </a:r>
+            <a:endParaRPr lang="pt-BR" dirty="0"/>
+          </a:p>
+        </p:txBody>
+      </p:sp>
+      <p:sp>
+        <p:nvSpPr>
+          <p:cNvPr id="3" name="Subtítulo 2"/>
+          <p:cNvSpPr>
+            <a:spLocks noGrp="1"/>
+          </p:cNvSpPr>
+          <p:nvPr>
+            <p:ph type="subTitle" idx="1"/>
+          </p:nvPr>
+        </p:nvSpPr>
+        <p:spPr/>
+        <p:txBody>
+          <a:bodyPr/>
+          <a:lstStyle/>
+          <a:p>
+            <a:r>
+              <a:rPr lang="pt-BR" dirty="0" smtClean="0"/>
+              <a:t>OCA </a:t>
             </a:r>
             <a:r>
               <a:rPr lang="pt-BR" dirty="0" err="1" smtClean="0"/>
-              <a:t>Errors</a:t>
-            </a:r>
-            <a:endParaRPr lang="pt-BR" dirty="0"/>
-          </a:p>
-        </p:txBody>
-      </p:sp>
-      <p:sp>
-        <p:nvSpPr>
-          <p:cNvPr id="3" name="Subtítulo 2"/>
-          <p:cNvSpPr>
-            <a:spLocks noGrp="1"/>
-          </p:cNvSpPr>
-          <p:nvPr>
-            <p:ph type="subTitle" idx="1"/>
-          </p:nvPr>
-        </p:nvSpPr>
-        <p:spPr/>
-        <p:txBody>
-          <a:bodyPr/>
-          <a:lstStyle/>
-          <a:p>
-            <a:r>
-              <a:rPr lang="pt-BR" dirty="0" smtClean="0"/>
-              <a:t>OCA </a:t>
+              <a:t>Objectives</a:t>
+            </a:r>
+            <a:r>
+              <a:rPr lang="pt-BR" dirty="0" smtClean="0"/>
+              <a:t> 8.1, 8.2, 8.3 </a:t>
             </a:r>
             <a:r>
               <a:rPr lang="pt-BR" dirty="0" err="1" smtClean="0"/>
-              <a:t>Objective</a:t>
-            </a:r>
-            <a:r>
-              <a:rPr lang="pt-BR" dirty="0" smtClean="0"/>
-              <a:t> 8.5</a:t>
+              <a:t>and</a:t>
+            </a:r>
+            <a:r>
+              <a:rPr lang="pt-BR" dirty="0" smtClean="0"/>
+              <a:t> 8.4</a:t>
             </a:r>
             <a:endParaRPr lang="pt-BR" dirty="0"/>
           </a:p>
@@ -9918,7 +10245,7 @@
     </p:spTree>
     <p:extLst>
       <p:ext uri="{BB962C8B-B14F-4D97-AF65-F5344CB8AC3E}">
-        <p14:creationId xmlns:p14="http://schemas.microsoft.com/office/powerpoint/2010/main" val="3694482267"/>
+        <p14:creationId xmlns:p14="http://schemas.microsoft.com/office/powerpoint/2010/main" val="3021261354"/>
       </p:ext>
     </p:extLst>
   </p:cSld>
@@ -10015,8 +10342,8 @@
               </a:defRPr>
             </a:pPr>
             <a:r>
-              <a:rPr lang="pt-BR" sz="1200" dirty="0"/>
-              <a:t>Java SE OCA</a:t>
+              <a:rPr lang="pt-BR" dirty="0"/>
+              <a:t>Introdução</a:t>
             </a:r>
             <a:endParaRPr lang="pt-BR" dirty="0"/>
           </a:p>
@@ -10026,6 +10353,126 @@
     <p:extLst>
       <p:ext uri="{BB962C8B-B14F-4D97-AF65-F5344CB8AC3E}">
         <p14:creationId xmlns:p14="http://schemas.microsoft.com/office/powerpoint/2010/main" val="4153556991"/>
+      </p:ext>
+    </p:extLst>
+  </p:cSld>
+  <p:clrMapOvr>
+    <a:masterClrMapping/>
+  </p:clrMapOvr>
+  <p:timing>
+    <p:tnLst>
+      <p:par>
+        <p:cTn id="1" dur="indefinite" restart="never" nodeType="tmRoot"/>
+      </p:par>
+    </p:tnLst>
+  </p:timing>
+</p:sld>
+</file>
+
+<file path=ppt/slides/slide50.xml><?xml version="1.0" encoding="utf-8"?>
+<p:sld xmlns:a="http://schemas.openxmlformats.org/drawingml/2006/main" xmlns:r="http://schemas.openxmlformats.org/officeDocument/2006/relationships" xmlns:p="http://schemas.openxmlformats.org/presentationml/2006/main">
+  <p:cSld>
+    <p:spTree>
+      <p:nvGrpSpPr>
+        <p:cNvPr id="1" name=""/>
+        <p:cNvGrpSpPr/>
+        <p:nvPr/>
+      </p:nvGrpSpPr>
+      <p:grpSpPr>
+        <a:xfrm>
+          <a:off x="0" y="0"/>
+          <a:ext cx="0" cy="0"/>
+          <a:chOff x="0" y="0"/>
+          <a:chExt cx="0" cy="0"/>
+        </a:xfrm>
+      </p:grpSpPr>
+      <p:sp>
+        <p:nvSpPr>
+          <p:cNvPr id="2" name="Título 1"/>
+          <p:cNvSpPr>
+            <a:spLocks noGrp="1"/>
+          </p:cNvSpPr>
+          <p:nvPr>
+            <p:ph type="ctrTitle"/>
+          </p:nvPr>
+        </p:nvSpPr>
+        <p:spPr/>
+        <p:txBody>
+          <a:bodyPr/>
+          <a:lstStyle/>
+          <a:p>
+            <a:r>
+              <a:rPr lang="pt-BR" dirty="0" smtClean="0"/>
+              <a:t>Exceções Comuns e </a:t>
+            </a:r>
+            <a:r>
+              <a:rPr lang="pt-BR" dirty="0" err="1" smtClean="0"/>
+              <a:t>Errors</a:t>
+            </a:r>
+            <a:endParaRPr lang="pt-BR" dirty="0"/>
+          </a:p>
+        </p:txBody>
+      </p:sp>
+      <p:sp>
+        <p:nvSpPr>
+          <p:cNvPr id="3" name="Subtítulo 2"/>
+          <p:cNvSpPr>
+            <a:spLocks noGrp="1"/>
+          </p:cNvSpPr>
+          <p:nvPr>
+            <p:ph type="subTitle" idx="1"/>
+          </p:nvPr>
+        </p:nvSpPr>
+        <p:spPr/>
+        <p:txBody>
+          <a:bodyPr/>
+          <a:lstStyle/>
+          <a:p>
+            <a:r>
+              <a:rPr lang="pt-BR" dirty="0" smtClean="0"/>
+              <a:t>OCA </a:t>
+            </a:r>
+            <a:r>
+              <a:rPr lang="pt-BR" dirty="0" err="1" smtClean="0"/>
+              <a:t>Objective</a:t>
+            </a:r>
+            <a:r>
+              <a:rPr lang="pt-BR" dirty="0" smtClean="0"/>
+              <a:t> 8.5</a:t>
+            </a:r>
+            <a:endParaRPr lang="pt-BR" dirty="0"/>
+          </a:p>
+        </p:txBody>
+      </p:sp>
+      <p:sp>
+        <p:nvSpPr>
+          <p:cNvPr id="4" name="Espaço Reservado para Rodapé 3"/>
+          <p:cNvSpPr>
+            <a:spLocks noGrp="1"/>
+          </p:cNvSpPr>
+          <p:nvPr>
+            <p:ph type="ftr" sz="quarter" idx="11"/>
+          </p:nvPr>
+        </p:nvSpPr>
+        <p:spPr/>
+        <p:txBody>
+          <a:bodyPr/>
+          <a:lstStyle/>
+          <a:p>
+            <a:r>
+              <a:rPr lang="pt-BR" dirty="0"/>
+              <a:t>Controle de Fluxo e Exceções</a:t>
+            </a:r>
+          </a:p>
+          <a:p>
+            <a:endParaRPr lang="pt-BR" dirty="0"/>
+          </a:p>
+        </p:txBody>
+      </p:sp>
+    </p:spTree>
+    <p:extLst>
+      <p:ext uri="{BB962C8B-B14F-4D97-AF65-F5344CB8AC3E}">
+        <p14:creationId xmlns:p14="http://schemas.microsoft.com/office/powerpoint/2010/main" val="3694482267"/>
       </p:ext>
     </p:extLst>
   </p:cSld>
@@ -10129,24 +10576,26 @@
       </p:sp>
       <p:sp>
         <p:nvSpPr>
-          <p:cNvPr id="4" name="Espaço Reservado para Rodapé 3"/>
-          <p:cNvSpPr>
-            <a:spLocks noGrp="1"/>
-          </p:cNvSpPr>
-          <p:nvPr>
-            <p:ph type="ftr" sz="quarter" idx="11"/>
-          </p:nvPr>
-        </p:nvSpPr>
-        <p:spPr/>
-        <p:txBody>
-          <a:bodyPr/>
-          <a:lstStyle/>
-          <a:p>
-            <a:r>
-              <a:rPr lang="pt-BR" dirty="0"/>
-              <a:t>Declarações e Controle de Acesso</a:t>
-            </a:r>
-          </a:p>
+          <p:cNvPr id="7" name="Espaço Reservado para Rodapé 3"/>
+          <p:cNvSpPr>
+            <a:spLocks noGrp="1"/>
+          </p:cNvSpPr>
+          <p:nvPr>
+            <p:ph type="ftr" sz="quarter" idx="4294967295"/>
+          </p:nvPr>
+        </p:nvSpPr>
+        <p:spPr>
+          <a:xfrm>
+            <a:off x="3028950" y="6356351"/>
+            <a:ext cx="3086100" cy="365125"/>
+          </a:xfrm>
+          <a:prstGeom prst="rect">
+            <a:avLst/>
+          </a:prstGeom>
+        </p:spPr>
+        <p:txBody>
+          <a:bodyPr/>
+          <a:lstStyle/>
           <a:p>
             <a:pPr algn="ctr">
               <a:defRPr sz="1200">
@@ -10158,6 +10607,14 @@
                 <a:cs typeface="Calibri" charset="0"/>
               </a:defRPr>
             </a:pPr>
+            <a:r>
+              <a:rPr lang="pt-BR" dirty="0"/>
+              <a:t>Declarações e Controle de </a:t>
+            </a:r>
+            <a:r>
+              <a:rPr lang="pt-BR" dirty="0" smtClean="0"/>
+              <a:t>Acesso</a:t>
+            </a:r>
             <a:endParaRPr lang="pt-BR" dirty="0"/>
           </a:p>
         </p:txBody>
@@ -10293,7 +10750,7 @@
       </p:sp>
       <p:sp>
         <p:nvSpPr>
-          <p:cNvPr id="4" name="Espaço Reservado para Rodapé 3"/>
+          <p:cNvPr id="7" name="Espaço Reservado para Rodapé 3"/>
           <p:cNvSpPr>
             <a:spLocks noGrp="1"/>
           </p:cNvSpPr>
@@ -10304,19 +10761,39 @@
         <p:spPr>
           <a:xfrm>
             <a:off x="3028950" y="6356351"/>
-            <a:ext cx="3847306" cy="365125"/>
+            <a:ext cx="3086100" cy="365125"/>
           </a:xfrm>
         </p:spPr>
         <p:txBody>
           <a:bodyPr/>
           <a:lstStyle/>
           <a:p>
+            <a:pPr algn="ctr">
+              <a:defRPr sz="1200">
+                <a:solidFill>
+                  <a:srgbClr val="8C8C8C"/>
+                </a:solidFill>
+                <a:latin typeface="Tw Cen MT" charset="0"/>
+                <a:ea typeface="Calibri" charset="0"/>
+                <a:cs typeface="Calibri" charset="0"/>
+              </a:defRPr>
+            </a:pPr>
             <a:r>
               <a:rPr lang="pt-BR" dirty="0"/>
               <a:t>Declarações e Controle de Acesso</a:t>
             </a:r>
           </a:p>
           <a:p>
+            <a:pPr algn="ctr">
+              <a:defRPr sz="1200">
+                <a:solidFill>
+                  <a:srgbClr val="8C8C8C"/>
+                </a:solidFill>
+                <a:latin typeface="Tw Cen MT" charset="0"/>
+                <a:ea typeface="Calibri" charset="0"/>
+                <a:cs typeface="Calibri" charset="0"/>
+              </a:defRPr>
+            </a:pPr>
             <a:endParaRPr lang="pt-BR" dirty="0"/>
           </a:p>
         </p:txBody>
@@ -10595,25 +11072,53 @@
       </p:sp>
       <p:sp>
         <p:nvSpPr>
-          <p:cNvPr id="4" name="Espaço Reservado para Rodapé 3"/>
-          <p:cNvSpPr>
-            <a:spLocks noGrp="1"/>
-          </p:cNvSpPr>
-          <p:nvPr>
-            <p:ph type="ftr" sz="quarter" idx="11"/>
-          </p:nvPr>
-        </p:nvSpPr>
-        <p:spPr/>
-        <p:txBody>
-          <a:bodyPr/>
-          <a:lstStyle/>
-          <a:p>
+          <p:cNvPr id="5" name="Espaço Reservado para Rodapé 3"/>
+          <p:cNvSpPr>
+            <a:spLocks noGrp="1"/>
+          </p:cNvSpPr>
+          <p:nvPr>
+            <p:ph type="ftr" sz="quarter" idx="4294967295"/>
+          </p:nvPr>
+        </p:nvSpPr>
+        <p:spPr>
+          <a:xfrm>
+            <a:off x="3028950" y="6356351"/>
+            <a:ext cx="3086100" cy="365125"/>
+          </a:xfrm>
+          <a:prstGeom prst="rect">
+            <a:avLst/>
+          </a:prstGeom>
+        </p:spPr>
+        <p:txBody>
+          <a:bodyPr/>
+          <a:lstStyle/>
+          <a:p>
+            <a:pPr algn="ctr">
+              <a:defRPr sz="1200">
+                <a:solidFill>
+                  <a:srgbClr val="8C8C8C"/>
+                </a:solidFill>
+                <a:latin typeface="Tw Cen MT" charset="0"/>
+                <a:ea typeface="Calibri" charset="0"/>
+                <a:cs typeface="Calibri" charset="0"/>
+              </a:defRPr>
+            </a:pPr>
             <a:r>
               <a:rPr lang="pt-BR" dirty="0"/>
               <a:t>Declarações e Controle de Acesso</a:t>
             </a:r>
           </a:p>
           <a:p>
+            <a:pPr algn="ctr">
+              <a:defRPr sz="1200">
+                <a:solidFill>
+                  <a:srgbClr val="8C8C8C"/>
+                </a:solidFill>
+                <a:latin typeface="Tw Cen MT" charset="0"/>
+                <a:ea typeface="Calibri" charset="0"/>
+                <a:cs typeface="Calibri" charset="0"/>
+              </a:defRPr>
+            </a:pPr>
             <a:endParaRPr lang="pt-BR" dirty="0"/>
           </a:p>
         </p:txBody>

--- a/TreinamentoJavaSeOca/documentos/apresentação/OCA.pptx
+++ b/TreinamentoJavaSeOca/documentos/apresentação/OCA.pptx
@@ -5,10 +5,10 @@
     <p:sldMasterId id="2147483661" r:id="rId1"/>
   </p:sldMasterIdLst>
   <p:notesMasterIdLst>
-    <p:notesMasterId r:id="rId52"/>
+    <p:notesMasterId r:id="rId53"/>
   </p:notesMasterIdLst>
   <p:handoutMasterIdLst>
-    <p:handoutMasterId r:id="rId53"/>
+    <p:handoutMasterId r:id="rId54"/>
   </p:handoutMasterIdLst>
   <p:sldIdLst>
     <p:sldId id="1140" r:id="rId2"/>
@@ -38,29 +38,30 @@
     <p:sldId id="1205" r:id="rId26"/>
     <p:sldId id="1207" r:id="rId27"/>
     <p:sldId id="1165" r:id="rId28"/>
-    <p:sldId id="1202" r:id="rId29"/>
-    <p:sldId id="1166" r:id="rId30"/>
-    <p:sldId id="1167" r:id="rId31"/>
-    <p:sldId id="1168" r:id="rId32"/>
-    <p:sldId id="1169" r:id="rId33"/>
-    <p:sldId id="1170" r:id="rId34"/>
-    <p:sldId id="1171" r:id="rId35"/>
-    <p:sldId id="1172" r:id="rId36"/>
-    <p:sldId id="1173" r:id="rId37"/>
-    <p:sldId id="1174" r:id="rId38"/>
-    <p:sldId id="1175" r:id="rId39"/>
-    <p:sldId id="1176" r:id="rId40"/>
-    <p:sldId id="1177" r:id="rId41"/>
-    <p:sldId id="1178" r:id="rId42"/>
-    <p:sldId id="1179" r:id="rId43"/>
-    <p:sldId id="1180" r:id="rId44"/>
-    <p:sldId id="1181" r:id="rId45"/>
-    <p:sldId id="1182" r:id="rId46"/>
-    <p:sldId id="1183" r:id="rId47"/>
-    <p:sldId id="1184" r:id="rId48"/>
-    <p:sldId id="1185" r:id="rId49"/>
-    <p:sldId id="1186" r:id="rId50"/>
-    <p:sldId id="1187" r:id="rId51"/>
+    <p:sldId id="1208" r:id="rId29"/>
+    <p:sldId id="1202" r:id="rId30"/>
+    <p:sldId id="1166" r:id="rId31"/>
+    <p:sldId id="1167" r:id="rId32"/>
+    <p:sldId id="1168" r:id="rId33"/>
+    <p:sldId id="1169" r:id="rId34"/>
+    <p:sldId id="1170" r:id="rId35"/>
+    <p:sldId id="1171" r:id="rId36"/>
+    <p:sldId id="1172" r:id="rId37"/>
+    <p:sldId id="1173" r:id="rId38"/>
+    <p:sldId id="1174" r:id="rId39"/>
+    <p:sldId id="1175" r:id="rId40"/>
+    <p:sldId id="1176" r:id="rId41"/>
+    <p:sldId id="1177" r:id="rId42"/>
+    <p:sldId id="1178" r:id="rId43"/>
+    <p:sldId id="1179" r:id="rId44"/>
+    <p:sldId id="1180" r:id="rId45"/>
+    <p:sldId id="1181" r:id="rId46"/>
+    <p:sldId id="1182" r:id="rId47"/>
+    <p:sldId id="1183" r:id="rId48"/>
+    <p:sldId id="1184" r:id="rId49"/>
+    <p:sldId id="1185" r:id="rId50"/>
+    <p:sldId id="1186" r:id="rId51"/>
+    <p:sldId id="1187" r:id="rId52"/>
   </p:sldIdLst>
   <p:sldSz cx="9144000" cy="6858000" type="screen4x3"/>
   <p:notesSz cx="6797675" cy="9928225"/>
@@ -260,7 +261,7 @@
           <a:p>
             <a:fld id="{72522EA8-AF65-4008-82EE-AEE6414B708A}" type="datetimeFigureOut">
               <a:rPr lang="pt-BR" smtClean="0"/>
-              <a:t>04/08/2016</a:t>
+              <a:t>05/08/2016</a:t>
             </a:fld>
             <a:endParaRPr lang="pt-BR"/>
           </a:p>
@@ -425,7 +426,7 @@
           <a:p>
             <a:fld id="{7B4FF0CD-9C9F-49AC-9576-0191D2CC62A3}" type="datetimeFigureOut">
               <a:rPr lang="pt-BR" smtClean="0"/>
-              <a:t>04/08/2016</a:t>
+              <a:t>05/08/2016</a:t>
             </a:fld>
             <a:endParaRPr lang="pt-BR"/>
           </a:p>
@@ -725,7 +726,7 @@
             <a:spLocks noGrp="1" noChangeArrowheads="1"/>
             <a:extLst>
               <a:ext uri="smNativeData">
-                <pr:smNativeData xmlns:pr="smNativeData" xmlns="" val="SMDATA_12_7hxgVxMAAAAlAAAAZAAAAA0AAAAAkAAAAEgAAACQAAAASAAAAAAAAAAAAAAAAAAAAAEAAABQAAAAAAAAAAAA4D8AAAAAAADgPwAAAAAAAOA/AAAAAAAA4D8AAAAAAADgPwAAAAAAAOA/AAAAAAAA4D8AAAAAAADgPwAAAAAAAOA/AAAAAAAA4D8CAAAAjAAAAAAAAAAAAAAA////DP///wgAAAAAAAAAAAAAAAAAAAAAAAAAAAAAAAAAAAAAZAAAAAEAAABAAAAAAAAAAAAAAAAAAAAAAAAAAAAAAAAAAAAAAAAAAAAAAAAAAAAAAAAAAAAAAAAAAAAAAAAAAAAAAAAAAAAAAAAAAAAAAAAAAAAAAAAAAAAAAAAAAAAAFAAAADwAAAAAAAAAAAAAAAZJjAkUAAAAAQAAABQAAAAUAAAAFAAAAAEAAAAAAAAAZAAAAGQAAAAAAAAAZAAAAGQAAAAVAAAAYAAAAAAAAAAAAAAADwAAACADAAAAAAAAAAAAAAEAAACgMgAAVgcAAKr4//8BAAAAf39/AAEAAABkAAAAAAAAABQAAABAHwAAAAAAACYAAAAAAAAAwOD//wAAAAAmAAAAZAAAABYAAABMAAAAAAAAAAAAAAAEAAAAAAAAAAEAAACWlpYKAAAAACgAAAAoAAAAZAAAAGQAAAAAAAAAzMzMAAAAAABQAAAAUAAAAGQAAABkAAAAAAAAABcAAAAUAAAAAAAAAAAAAAD/fwAA/38AAAAAAAAJAAAABAAAAAAAAAAMAAAAEAAAAAAAAAAAAAAAAAAAAAAAAAAeAAAAaAAAAAAAAAAAAAAAAAAAAAAAAAAAAAAAECcAABAnAAAAAAAAAAAAAAAAAAAAAAAAAAAAAAAAAAAAAAAAAAAAABQAAAAAAAAAwMD/AAAAAABkAAAAMgAAAAAAAABkAAAAAAAAAH9/fwAKAAAAHwAAAFQAAAAAAAAFAAAAAQAAAAAAAAAAAAAAAAAAAAAAAAAAAAAAAAAAAAAAAAAAAAAAAn9/fwAAAAADzMzMAMDA/wB/f38AAAAAAAAAAAAAAAAAAAAAAAAAAAAhAAAAGAAAABQAAAA4BAAAwAMAANAvAAAIBwAAEAAAAA=="/>
+                <pr:smNativeData xmlns="" xmlns:pr="smNativeData" val="SMDATA_12_7hxgVxMAAAAlAAAAZAAAAA0AAAAAkAAAAEgAAACQAAAASAAAAAAAAAAAAAAAAAAAAAEAAABQAAAAAAAAAAAA4D8AAAAAAADgPwAAAAAAAOA/AAAAAAAA4D8AAAAAAADgPwAAAAAAAOA/AAAAAAAA4D8AAAAAAADgPwAAAAAAAOA/AAAAAAAA4D8CAAAAjAAAAAAAAAAAAAAA////DP///wgAAAAAAAAAAAAAAAAAAAAAAAAAAAAAAAAAAAAAZAAAAAEAAABAAAAAAAAAAAAAAAAAAAAAAAAAAAAAAAAAAAAAAAAAAAAAAAAAAAAAAAAAAAAAAAAAAAAAAAAAAAAAAAAAAAAAAAAAAAAAAAAAAAAAAAAAAAAAAAAAAAAAFAAAADwAAAAAAAAAAAAAAAZJjAkUAAAAAQAAABQAAAAUAAAAFAAAAAEAAAAAAAAAZAAAAGQAAAAAAAAAZAAAAGQAAAAVAAAAYAAAAAAAAAAAAAAADwAAACADAAAAAAAAAAAAAAEAAACgMgAAVgcAAKr4//8BAAAAf39/AAEAAABkAAAAAAAAABQAAABAHwAAAAAAACYAAAAAAAAAwOD//wAAAAAmAAAAZAAAABYAAABMAAAAAAAAAAAAAAAEAAAAAAAAAAEAAACWlpYKAAAAACgAAAAoAAAAZAAAAGQAAAAAAAAAzMzMAAAAAABQAAAAUAAAAGQAAABkAAAAAAAAABcAAAAUAAAAAAAAAAAAAAD/fwAA/38AAAAAAAAJAAAABAAAAAAAAAAMAAAAEAAAAAAAAAAAAAAAAAAAAAAAAAAeAAAAaAAAAAAAAAAAAAAAAAAAAAAAAAAAAAAAECcAABAnAAAAAAAAAAAAAAAAAAAAAAAAAAAAAAAAAAAAAAAAAAAAABQAAAAAAAAAwMD/AAAAAABkAAAAMgAAAAAAAABkAAAAAAAAAH9/fwAKAAAAHwAAAFQAAAAAAAAFAAAAAQAAAAAAAAAAAAAAAAAAAAAAAAAAAAAAAAAAAAAAAAAAAAAAAn9/fwAAAAADzMzMAMDA/wB/f38AAAAAAAAAAAAAAAAAAAAAAAAAAAAhAAAAGAAAABQAAAA4BAAAwAMAANAvAAAIBwAAEAAAAA=="/>
               </a:ext>
             </a:extLst>
           </p:cNvSpPr>
@@ -1436,7 +1437,7 @@
           <a:p>
             <a:fld id="{47A45E42-5C18-486B-B418-DCDD32841B52}" type="datetimeFigureOut">
               <a:rPr lang="pt-BR" smtClean="0"/>
-              <a:t>04/08/2016</a:t>
+              <a:t>05/08/2016</a:t>
             </a:fld>
             <a:endParaRPr lang="pt-BR"/>
           </a:p>
@@ -1619,7 +1620,7 @@
             <a:spLocks noGrp="1" noChangeArrowheads="1"/>
             <a:extLst>
               <a:ext uri="smNativeData">
-                <pr:smNativeData xmlns:pr="smNativeData" xmlns="" val="SMDATA_12_7hxgVxMAAAAlAAAAZAAAAA0AAAAAkAAAAEgAAACQAAAASAAAAAAAAAABAAAAAAAAAAEAAABQAAAAAAAAAAAA4D8AAAAAAADgPwAAAAAAAOA/AAAAAAAA4D8AAAAAAADgPwAAAAAAAOA/AAAAAAAA4D8AAAAAAADgPwAAAAAAAOA/AAAAAAAA4D8CAAAAjAAAAAAAAAAAAAAA////AP///wgAAAAAAAAAAAAAAAAAAAAAAAAAAAAAAAAAAAAAeAAAAAEAAABAAAAAAAAAAAAAAABaAAAAAAAAAAAAAAAAAAAAAAAAAAAAAAAAAAAAAAAAAAAAAAAAAAAAAAAAAAAAAAAAAAAAAAAAAAAAAAAAAAAAAAAAAAAAAAAAAAAAFAAAADwAAAAAAAAAAAAAAAAAAAAPAAAAAQAAACMAAAAjAAAAIwAAAB4AAAAAAAAAZAAAAGQAAAAAAAAAZAAAAGQAAAAVAAAAYAAAAAAAAAAAAAAADwAAACADAAAAAAAAAAAAAAEAAACgMgAAVgcAAKr4//8BAAAAf39/AAEAAABkAAAAAAAAABQAAABAHwAAAAAAACYAAAAAAAAAwOD//wAAAAAmAAAAZAAAABYAAABMAAAAAAAAAAAAAAAEAAAAAAAAAAEAAADn5uYKAAAAACgAAAAoAAAAZAAAAGQAAAAAAAAAzMzMAAAAAABQAAAAUAAAAGQAAABkAAAAAAAAABcAAAAUAAAAAAAAAAAAAAD/fwAA/38AAAAAAAAJAAAABAAAAAAAAAAMAAAAEAAAAAAAAAAAAAAAAAAAAAAAAAAeAAAAaAAAAAAAAAAAAAAAAAAAAAAAAAAAAAAAECcAABAnAAAAAAAAAAAAAAAAAAAAAAAAAAAAAAAAAAAAAAAAAAAAABQAAAAAAAAAwMD/AAAAAABkAAAAMgAAAAAAAABkAAAAAAAAAH9/fwAKAAAAHwAAAFQAAAD///8AAAAAAQAAAAAAAAAAAAAAAAAAAAAAAAAAAAAAAAAAAAAAAAAAAAAAAH9/fwAAAAADzMzMAMDA/wB/f38AAAAAAAAAAAAAAAAAAAAAAAAAAAAhAAAAGAAAABQAAAAoBQAAPwIAANhFAABnCgAAEAAAAA=="/>
+                <pr:smNativeData xmlns="" xmlns:pr="smNativeData" val="SMDATA_12_7hxgVxMAAAAlAAAAZAAAAA0AAAAAkAAAAEgAAACQAAAASAAAAAAAAAABAAAAAAAAAAEAAABQAAAAAAAAAAAA4D8AAAAAAADgPwAAAAAAAOA/AAAAAAAA4D8AAAAAAADgPwAAAAAAAOA/AAAAAAAA4D8AAAAAAADgPwAAAAAAAOA/AAAAAAAA4D8CAAAAjAAAAAAAAAAAAAAA////AP///wgAAAAAAAAAAAAAAAAAAAAAAAAAAAAAAAAAAAAAeAAAAAEAAABAAAAAAAAAAAAAAABaAAAAAAAAAAAAAAAAAAAAAAAAAAAAAAAAAAAAAAAAAAAAAAAAAAAAAAAAAAAAAAAAAAAAAAAAAAAAAAAAAAAAAAAAAAAAAAAAAAAAFAAAADwAAAAAAAAAAAAAAAAAAAAPAAAAAQAAACMAAAAjAAAAIwAAAB4AAAAAAAAAZAAAAGQAAAAAAAAAZAAAAGQAAAAVAAAAYAAAAAAAAAAAAAAADwAAACADAAAAAAAAAAAAAAEAAACgMgAAVgcAAKr4//8BAAAAf39/AAEAAABkAAAAAAAAABQAAABAHwAAAAAAACYAAAAAAAAAwOD//wAAAAAmAAAAZAAAABYAAABMAAAAAAAAAAAAAAAEAAAAAAAAAAEAAADn5uYKAAAAACgAAAAoAAAAZAAAAGQAAAAAAAAAzMzMAAAAAABQAAAAUAAAAGQAAABkAAAAAAAAABcAAAAUAAAAAAAAAAAAAAD/fwAA/38AAAAAAAAJAAAABAAAAAAAAAAMAAAAEAAAAAAAAAAAAAAAAAAAAAAAAAAeAAAAaAAAAAAAAAAAAAAAAAAAAAAAAAAAAAAAECcAABAnAAAAAAAAAAAAAAAAAAAAAAAAAAAAAAAAAAAAAAAAAAAAABQAAAAAAAAAwMD/AAAAAABkAAAAMgAAAAAAAABkAAAAAAAAAH9/fwAKAAAAHwAAAFQAAAD///8AAAAAAQAAAAAAAAAAAAAAAAAAAAAAAAAAAAAAAAAAAAAAAAAAAAAAAH9/fwAAAAADzMzMAMDA/wB/f38AAAAAAAAAAAAAAAAAAAAAAAAAAAAhAAAAGAAAABQAAAAoBQAAPwIAANhFAABnCgAAEAAAAA=="/>
               </a:ext>
             </a:extLst>
           </p:cNvSpPr>
@@ -1666,7 +1667,7 @@
             <a:spLocks noGrp="1" noChangeArrowheads="1"/>
             <a:extLst>
               <a:ext uri="smNativeData">
-                <pr:smNativeData xmlns:pr="smNativeData" xmlns="" val="SMDATA_12_7hxgVxMAAAAlAAAAZAAAAA0AAAAAkAAAAEgAAACQAAAASAAAAAAAAAAAAAAAAAAAAAEAAABQAAAAAAAAAAAA4D8AAAAAAADgPwAAAAAAAOA/AAAAAAAA4D8AAAAAAADgPwAAAAAAAOA/AAAAAAAA4D8AAAAAAADgPwAAAAAAAOA/AAAAAAAA4D8CAAAAjAAAAAAAAAAAAAAA////AP///wgAAAAAAAAAAAAAAAAAAAAAAAAAAAAAAAAAAAAAeAAAAAEAAABAAAAAAAAAAAAAAABaAAAAAAAAAAAAAAAAAAAAAAAAAAAAAAAAAAAAAAAAAAAAAAAAAAAAAAAAAAAAAAAAAAAAAAAAAAAAAAAAAAAAAAAAAAAAAAAAAAAAFAAAADwAAAAAAAAAAAAAAAAAAAAPAAAAAQAAACMAAAAjAAAAIwAAAB4AAAAAAAAAZAAAAGQAAAAAAAAAZAAAAGQAAAAVAAAAYAAAAAAAAAAAAAAADwAAACADAAAAAAAAAAAAAAEAAACgMgAAVgcAAKr4//8BAAAAf39/AAEAAABkAAAAAAAAABQAAABAHwAAAAAAACYAAAAAAAAAwOD//wAAAAAmAAAAZAAAABYAAABMAAAAAAAAAAAAAAAEAAAAAAAAAAEAAADn5uYKAAAAACgAAAAoAAAAZAAAAGQAAAAAAAAAzMzMAAAAAABQAAAAUAAAAGQAAABkAAAAAAAAABcAAAAUAAAAAAAAAAAAAAD/fwAA/38AAAAAAAAJAAAABAAAAAAAAAAMAAAAEAAAAAAAAAAAAAAAAAAAAAAAAAAeAAAAaAAAAAAAAAAAAAAAAAAAAAAAAAAAAAAAECcAABAnAAAAAAAAAAAAAAAAAAAAAAAAAAAAAAAAAAAAAAAAAAAAABQAAAAAAAAAwMD/AAAAAABkAAAAMgAAAAAAAABkAAAAAAAAAH9/fwAKAAAAHwAAAFQAAAD///8AAAAAAQAAAAAAAAAAAAAAAAAAAAAAAAAAAAAAAAAAAAAAAAAAAAAAAH9/fwAAAAADzMzMAMDA/wB/f38AAAAAAAAAAAAAAAAAAAAAAAAAAAAhAAAAGAAAABQAAAAoBQAAOwsAANhFAAAAJgAAEAAAAA=="/>
+                <pr:smNativeData xmlns="" xmlns:pr="smNativeData" val="SMDATA_12_7hxgVxMAAAAlAAAAZAAAAA0AAAAAkAAAAEgAAACQAAAASAAAAAAAAAAAAAAAAAAAAAEAAABQAAAAAAAAAAAA4D8AAAAAAADgPwAAAAAAAOA/AAAAAAAA4D8AAAAAAADgPwAAAAAAAOA/AAAAAAAA4D8AAAAAAADgPwAAAAAAAOA/AAAAAAAA4D8CAAAAjAAAAAAAAAAAAAAA////AP///wgAAAAAAAAAAAAAAAAAAAAAAAAAAAAAAAAAAAAAeAAAAAEAAABAAAAAAAAAAAAAAABaAAAAAAAAAAAAAAAAAAAAAAAAAAAAAAAAAAAAAAAAAAAAAAAAAAAAAAAAAAAAAAAAAAAAAAAAAAAAAAAAAAAAAAAAAAAAAAAAAAAAFAAAADwAAAAAAAAAAAAAAAAAAAAPAAAAAQAAACMAAAAjAAAAIwAAAB4AAAAAAAAAZAAAAGQAAAAAAAAAZAAAAGQAAAAVAAAAYAAAAAAAAAAAAAAADwAAACADAAAAAAAAAAAAAAEAAACgMgAAVgcAAKr4//8BAAAAf39/AAEAAABkAAAAAAAAABQAAABAHwAAAAAAACYAAAAAAAAAwOD//wAAAAAmAAAAZAAAABYAAABMAAAAAAAAAAAAAAAEAAAAAAAAAAEAAADn5uYKAAAAACgAAAAoAAAAZAAAAGQAAAAAAAAAzMzMAAAAAABQAAAAUAAAAGQAAABkAAAAAAAAABcAAAAUAAAAAAAAAAAAAAD/fwAA/38AAAAAAAAJAAAABAAAAAAAAAAMAAAAEAAAAAAAAAAAAAAAAAAAAAAAAAAeAAAAaAAAAAAAAAAAAAAAAAAAAAAAAAAAAAAAECcAABAnAAAAAAAAAAAAAAAAAAAAAAAAAAAAAAAAAAAAAAAAAAAAABQAAAAAAAAAwMD/AAAAAABkAAAAMgAAAAAAAABkAAAAAAAAAH9/fwAKAAAAHwAAAFQAAAD///8AAAAAAQAAAAAAAAAAAAAAAAAAAAAAAAAAAAAAAAAAAAAAAAAAAAAAAH9/fwAAAAADzMzMAMDA/wB/f38AAAAAAAAAAAAAAAAAAAAAAAAAAAAhAAAAGAAAABQAAAAoBQAAOwsAANhFAAAAJgAAEAAAAA=="/>
               </a:ext>
             </a:extLst>
           </p:cNvSpPr>
@@ -1713,7 +1714,7 @@
             <a:spLocks noGrp="1" noChangeArrowheads="1"/>
             <a:extLst>
               <a:ext uri="smNativeData">
-                <pr:smNativeData xmlns:pr="smNativeData" xmlns="" val="SMDATA_12_7hxgVxMAAAAlAAAAZAAAAA0AAAAAkAAAAEgAAACQAAAASAAAAAAAAAABAAAAAAAAAAEAAABQAAAAAAAAAAAA4D8AAAAAAADgPwAAAAAAAOA/AAAAAAAA4D8AAAAAAADgPwAAAAAAAOA/AAAAAAAA4D8AAAAAAADgPwAAAAAAAOA/AAAAAAAA4D8CAAAAjAAAAAAAAAAAAAAA////AP///wgAAAAAAAAAAAAAAAAAAAAAAAAAAAAAAAAAAAAAeAAAAAEAAABAAAAAAAAAAAAAAABaAAAAAAAAAAAAAAAAAAAAAAAAAAAAAAAAAAAAAAAAAAAAAAAAAAAAAAAAAAAAAAAAAAAAAAAAAAAAAAAAAAAAAAAAAAAAAAAAAAAAFAAAADwAAAAAAAAAAAAAAAAAAAAPAAAAAQAAACMAAAAjAAAAIwAAAB4AAAAAAAAAZAAAAGQAAAAAAAAAZAAAAGQAAAAVAAAAYAAAAAAAAAAAAAAADwAAACADAAAAAAAAAAAAAAEAAACgMgAAVgcAAKr4//8BAAAAf39/AAEAAABkAAAAAAAAABQAAABAHwAAAAAAACYAAAAAAAAAwOD//wAAAAAmAAAAZAAAABYAAABMAAAAAAAAAAAAAAAEAAAAAAAAAAEAAADn5uYKAAAAACgAAAAoAAAAZAAAAGQAAAAAAAAAzMzMAAAAAABQAAAAUAAAAGQAAABkAAAAAAAAABcAAAAUAAAAAAAAAAAAAAD/fwAA/38AAAAAAAAJAAAABAAAAAAAAAAMAAAAEAAAAAAAAAAAAAAAAAAAAAAAAAAeAAAAaAAAAAAAAAAAAAAAAAAAAAAAAAAAAAAAECcAABAnAAAAAAAAAAAAAAAAAAAAAAAAAAAAAAAAAAAAAAAAAAAAABQAAAAAAAAAwMD/AAAAAABkAAAAMgAAAAAAAABkAAAAAAAAAH9/fwAKAAAAHwAAAFQAAAD///8A////AQAAAAAAAAAAAAAAAAAAAAAAAAAAAAAAAAAAAAAAAAAAAAAAAH9/fwDn5uYDzMzMAMDA/wB/f38AAAAAAAAAAAAAAAAAAAAAAAAAAAAhAAAAGAAAABQAAAD4NAAAGicAANhFAABZKQAAEAAAAA=="/>
+                <pr:smNativeData xmlns="" xmlns:pr="smNativeData" val="SMDATA_12_7hxgVxMAAAAlAAAAZAAAAA0AAAAAkAAAAEgAAACQAAAASAAAAAAAAAABAAAAAAAAAAEAAABQAAAAAAAAAAAA4D8AAAAAAADgPwAAAAAAAOA/AAAAAAAA4D8AAAAAAADgPwAAAAAAAOA/AAAAAAAA4D8AAAAAAADgPwAAAAAAAOA/AAAAAAAA4D8CAAAAjAAAAAAAAAAAAAAA////AP///wgAAAAAAAAAAAAAAAAAAAAAAAAAAAAAAAAAAAAAeAAAAAEAAABAAAAAAAAAAAAAAABaAAAAAAAAAAAAAAAAAAAAAAAAAAAAAAAAAAAAAAAAAAAAAAAAAAAAAAAAAAAAAAAAAAAAAAAAAAAAAAAAAAAAAAAAAAAAAAAAAAAAFAAAADwAAAAAAAAAAAAAAAAAAAAPAAAAAQAAACMAAAAjAAAAIwAAAB4AAAAAAAAAZAAAAGQAAAAAAAAAZAAAAGQAAAAVAAAAYAAAAAAAAAAAAAAADwAAACADAAAAAAAAAAAAAAEAAACgMgAAVgcAAKr4//8BAAAAf39/AAEAAABkAAAAAAAAABQAAABAHwAAAAAAACYAAAAAAAAAwOD//wAAAAAmAAAAZAAAABYAAABMAAAAAAAAAAAAAAAEAAAAAAAAAAEAAADn5uYKAAAAACgAAAAoAAAAZAAAAGQAAAAAAAAAzMzMAAAAAABQAAAAUAAAAGQAAABkAAAAAAAAABcAAAAUAAAAAAAAAAAAAAD/fwAA/38AAAAAAAAJAAAABAAAAAAAAAAMAAAAEAAAAAAAAAAAAAAAAAAAAAAAAAAeAAAAaAAAAAAAAAAAAAAAAAAAAAAAAAAAAAAAECcAABAnAAAAAAAAAAAAAAAAAAAAAAAAAAAAAAAAAAAAAAAAAAAAABQAAAAAAAAAwMD/AAAAAABkAAAAMgAAAAAAAABkAAAAAAAAAH9/fwAKAAAAHwAAAFQAAAD///8A////AQAAAAAAAAAAAAAAAAAAAAAAAAAAAAAAAAAAAAAAAAAAAAAAAH9/fwDn5uYDzMzMAMDA/wB/f38AAAAAAAAAAAAAAAAAAAAAAAAAAAAhAAAAGAAAABQAAAD4NAAAGicAANhFAABZKQAAEAAAAA=="/>
               </a:ext>
             </a:extLst>
           </p:cNvSpPr>
@@ -1770,7 +1771,7 @@
             <a:spLocks noGrp="1" noChangeArrowheads="1"/>
             <a:extLst>
               <a:ext uri="smNativeData">
-                <pr:smNativeData xmlns:pr="smNativeData" xmlns="" val="SMDATA_12_7hxgVxMAAAAlAAAAZAAAAA0AAAAAkAAAAEgAAACQAAAASAAAAAAAAAABAAAAAAAAAAEAAABQAAAAAAAAAAAA4D8AAAAAAADgPwAAAAAAAOA/AAAAAAAA4D8AAAAAAADgPwAAAAAAAOA/AAAAAAAA4D8AAAAAAADgPwAAAAAAAOA/AAAAAAAA4D8CAAAAjAAAAAAAAAAAAAAA////AP///wgAAAAAAAAAAAAAAAAAAAAAAAAAAAAAAAAAAAAAeAAAAAEAAABAAAAAAAAAAAAAAABaAAAAAAAAAAAAAAAAAAAAAAAAAAAAAAAAAAAAAAAAAAAAAAAAAAAAAAAAAAAAAAAAAAAAAAAAAAAAAAAAAAAAAAAAAAAAAAAAAAAAFAAAADwAAAAAAAAAAAAAAAAAAAAPAAAAAQAAACMAAAAjAAAAIwAAAB4AAAAAAAAAZAAAAGQAAAAAAAAAZAAAAGQAAAAVAAAAYAAAAAAAAAAAAAAADwAAACADAAAAAAAAAAAAAAEAAACgMgAAVgcAAKr4//8BAAAAf39/AAEAAABkAAAAAAAAABQAAABAHwAAAAAAACYAAAAAAAAAwOD//wAAAAAmAAAAZAAAABYAAABMAAAAAAAAAAAAAAAEAAAAAAAAAAEAAADn5uYKAAAAACgAAAAoAAAAZAAAAGQAAAAAAAAAzMzMAAAAAABQAAAAUAAAAGQAAABkAAAAAAAAABcAAAAUAAAAAAAAAAAAAAD/fwAA/38AAAAAAAAJAAAABAAAAAAAAAAMAAAAEAAAAAAAAAAAAAAAAAAAAAAAAAAeAAAAaAAAAAAAAAAAAAAAAAAAAAAAAAAAAAAAECcAABAnAAAAAAAAAAAAAAAAAAAAAAAAAAAAAAAAAAAAAAAAAAAAABQAAAAAAAAAwMD/AAAAAABkAAAAMgAAAAAAAABkAAAAAAAAAH9/fwAKAAAAHwAAAFQAAAD///8A////AQAAAAAAAAAAAAAAAAAAAAAAAAAAAAAAAAAAAAAAAAAAAAAAAH9/fwDn5uYDzMzMAMDA/wB/f38AAAAAAAAAAAAAAAAAAAAAAAAAAAAhAAAAGAAAABQAAADYGAAAGicAACgyAABZKQAAEAAAAA=="/>
+                <pr:smNativeData xmlns="" xmlns:pr="smNativeData" val="SMDATA_12_7hxgVxMAAAAlAAAAZAAAAA0AAAAAkAAAAEgAAACQAAAASAAAAAAAAAABAAAAAAAAAAEAAABQAAAAAAAAAAAA4D8AAAAAAADgPwAAAAAAAOA/AAAAAAAA4D8AAAAAAADgPwAAAAAAAOA/AAAAAAAA4D8AAAAAAADgPwAAAAAAAOA/AAAAAAAA4D8CAAAAjAAAAAAAAAAAAAAA////AP///wgAAAAAAAAAAAAAAAAAAAAAAAAAAAAAAAAAAAAAeAAAAAEAAABAAAAAAAAAAAAAAABaAAAAAAAAAAAAAAAAAAAAAAAAAAAAAAAAAAAAAAAAAAAAAAAAAAAAAAAAAAAAAAAAAAAAAAAAAAAAAAAAAAAAAAAAAAAAAAAAAAAAFAAAADwAAAAAAAAAAAAAAAAAAAAPAAAAAQAAACMAAAAjAAAAIwAAAB4AAAAAAAAAZAAAAGQAAAAAAAAAZAAAAGQAAAAVAAAAYAAAAAAAAAAAAAAADwAAACADAAAAAAAAAAAAAAEAAACgMgAAVgcAAKr4//8BAAAAf39/AAEAAABkAAAAAAAAABQAAABAHwAAAAAAACYAAAAAAAAAwOD//wAAAAAmAAAAZAAAABYAAABMAAAAAAAAAAAAAAAEAAAAAAAAAAEAAADn5uYKAAAAACgAAAAoAAAAZAAAAGQAAAAAAAAAzMzMAAAAAABQAAAAUAAAAGQAAABkAAAAAAAAABcAAAAUAAAAAAAAAAAAAAD/fwAA/38AAAAAAAAJAAAABAAAAAAAAAAMAAAAEAAAAAAAAAAAAAAAAAAAAAAAAAAeAAAAaAAAAAAAAAAAAAAAAAAAAAAAAAAAAAAAECcAABAnAAAAAAAAAAAAAAAAAAAAAAAAAAAAAAAAAAAAAAAAAAAAABQAAAAAAAAAwMD/AAAAAABkAAAAMgAAAAAAAABkAAAAAAAAAH9/fwAKAAAAHwAAAFQAAAD///8A////AQAAAAAAAAAAAAAAAAAAAAAAAAAAAAAAAAAAAAAAAAAAAAAAAH9/fwDn5uYDzMzMAMDA/wB/f38AAAAAAAAAAAAAAAAAAAAAAAAAAAAhAAAAGAAAABQAAADYGAAAGicAACgyAABZKQAAEAAAAA=="/>
               </a:ext>
             </a:extLst>
           </p:cNvSpPr>
@@ -1824,7 +1825,7 @@
             <a:spLocks noGrp="1" noChangeArrowheads="1"/>
             <a:extLst>
               <a:ext uri="smNativeData">
-                <pr:smNativeData xmlns:pr="smNativeData" xmlns="" val="SMDATA_12_7hxgVxMAAAAlAAAAZAAAAA0AAAAAkAAAAEgAAACQAAAASAAAAAAAAAABAAAAAAAAAAEAAABQAAAAAAAAAAAA4D8AAAAAAADgPwAAAAAAAOA/AAAAAAAA4D8AAAAAAADgPwAAAAAAAOA/AAAAAAAA4D8AAAAAAADgPwAAAAAAAOA/AAAAAAAA4D8CAAAAjAAAAAAAAAAAAAAA////AP///wgAAAAAAAAAAAAAAAAAAAAAAAAAAAAAAAAAAAAAeAAAAAEAAABAAAAAAAAAAAAAAABaAAAAAAAAAAAAAAAAAAAAAAAAAAAAAAAAAAAAAAAAAAAAAAAAAAAAAAAAAAAAAAAAAAAAAAAAAAAAAAAAAAAAAAAAAAAAAAAAAAAAFAAAADwAAAAAAAAAAAAAAAAAAAAPAAAAAQAAACMAAAAjAAAAIwAAAB4AAAAAAAAAZAAAAGQAAAAAAAAAZAAAAGQAAAAVAAAAYAAAAAAAAAAAAAAADwAAACADAAAAAAAAAAAAAAEAAACgMgAAVgcAAKr4//8BAAAAf39/AAEAAABkAAAAAAAAABQAAABAHwAAAAAAACYAAAAAAAAAwOD//wAAAAAmAAAAZAAAABYAAABMAAAAAAAAAAAAAAAEAAAAAAAAAAEAAADn5uYKAAAAACgAAAAoAAAAZAAAAGQAAAAAAAAAzMzMAAAAAABQAAAAUAAAAGQAAABkAAAAAAAAABcAAAAUAAAAAAAAAAAAAAD/fwAA/38AAAAAAAAJAAAABAAAAAAAAAAMAAAAEAAAAAAAAAAAAAAAAAAAAAAAAAAeAAAAaAAAAAAAAAAAAAAAAAAAAAAAAAAAAAAAECcAABAnAAAAAAAAAAAAAAAAAAAAAAAAAAAAAAAAAAAAAAAAAAAAABQAAAAAAAAAwMD/AAAAAABkAAAAMgAAAAAAAABkAAAAAAAAAH9/fwAKAAAAHwAAAFQAAAD///8A////AQAAAAAAAAAAAAAAAAAAAAAAAAAAAAAAAAAAAAAAAAAAAAAAAH9/fwDn5uYDzMzMAMDA/wB/f38AAAAAAAAAAAAAAAAAAAAAAAAAAAAhAAAAGAAAABQAAAAoBQAAGicAAAgWAABZKQAAEAAAAA=="/>
+                <pr:smNativeData xmlns="" xmlns:pr="smNativeData" val="SMDATA_12_7hxgVxMAAAAlAAAAZAAAAA0AAAAAkAAAAEgAAACQAAAASAAAAAAAAAABAAAAAAAAAAEAAABQAAAAAAAAAAAA4D8AAAAAAADgPwAAAAAAAOA/AAAAAAAA4D8AAAAAAADgPwAAAAAAAOA/AAAAAAAA4D8AAAAAAADgPwAAAAAAAOA/AAAAAAAA4D8CAAAAjAAAAAAAAAAAAAAA////AP///wgAAAAAAAAAAAAAAAAAAAAAAAAAAAAAAAAAAAAAeAAAAAEAAABAAAAAAAAAAAAAAABaAAAAAAAAAAAAAAAAAAAAAAAAAAAAAAAAAAAAAAAAAAAAAAAAAAAAAAAAAAAAAAAAAAAAAAAAAAAAAAAAAAAAAAAAAAAAAAAAAAAAFAAAADwAAAAAAAAAAAAAAAAAAAAPAAAAAQAAACMAAAAjAAAAIwAAAB4AAAAAAAAAZAAAAGQAAAAAAAAAZAAAAGQAAAAVAAAAYAAAAAAAAAAAAAAADwAAACADAAAAAAAAAAAAAAEAAACgMgAAVgcAAKr4//8BAAAAf39/AAEAAABkAAAAAAAAABQAAABAHwAAAAAAACYAAAAAAAAAwOD//wAAAAAmAAAAZAAAABYAAABMAAAAAAAAAAAAAAAEAAAAAAAAAAEAAADn5uYKAAAAACgAAAAoAAAAZAAAAGQAAAAAAAAAzMzMAAAAAABQAAAAUAAAAGQAAABkAAAAAAAAABcAAAAUAAAAAAAAAAAAAAD/fwAA/38AAAAAAAAJAAAABAAAAAAAAAAMAAAAEAAAAAAAAAAAAAAAAAAAAAAAAAAeAAAAaAAAAAAAAAAAAAAAAAAAAAAAAAAAAAAAECcAABAnAAAAAAAAAAAAAAAAAAAAAAAAAAAAAAAAAAAAAAAAAAAAABQAAAAAAAAAwMD/AAAAAABkAAAAMgAAAAAAAABkAAAAAAAAAH9/fwAKAAAAHwAAAFQAAAD///8A////AQAAAAAAAAAAAAAAAAAAAAAAAAAAAAAAAAAAAAAAAAAAAAAAAH9/fwDn5uYDzMzMAMDA/wB/f38AAAAAAAAAAAAAAAAAAAAAAAAAAAAhAAAAGAAAABQAAAAoBQAAGicAAAgWAABZKQAAEAAAAA=="/>
               </a:ext>
             </a:extLst>
           </p:cNvSpPr>
@@ -2623,7 +2624,7 @@
           <p:cNvGrpSpPr>
             <a:extLst>
               <a:ext uri="smNativeData">
-                <pr:smNativeData xmlns:pr="smNativeData" xmlns="" val="SMDATA_6_7hxgVxMAAAAlAAAAAQAAAA8BAAAAkAAAAEgAAACQAAAASAAAAAAAAAAAAAAAAAAAABcAAAAUAAAAAAAAAAAAAAD/fwAA/38AAAAAAAAJAAAABAAAAAAAAAAMAAAAEAAAAAAAAAAAAAAAAAAAAAAAAAAfAAAAVAAAAAAAAAAAAAAAAAAAAAAAAAAAAAAAAAAAAAAAAAAAAAAAAAAAAAAAAAAAAAAAAAAAAAAAAAAAAAAAAAAAAAAAAAAAAAAAAAAAAAAAAAAAAAAAAAAAACEAAAAYAAAAFAAAAAAAAACEIQAAAEsAAEMmAAAQAAAA"/>
+                <pr:smNativeData xmlns="" xmlns:pr="smNativeData" val="SMDATA_6_7hxgVxMAAAAlAAAAAQAAAA8BAAAAkAAAAEgAAACQAAAASAAAAAAAAAAAAAAAAAAAABcAAAAUAAAAAAAAAAAAAAD/fwAA/38AAAAAAAAJAAAABAAAAAAAAAAMAAAAEAAAAAAAAAAAAAAAAAAAAAAAAAAfAAAAVAAAAAAAAAAAAAAAAAAAAAAAAAAAAAAAAAAAAAAAAAAAAAAAAAAAAAAAAAAAAAAAAAAAAAAAAAAAAAAAAAAAAAAAAAAAAAAAAAAAAAAAAAAAAAAAAAAAACEAAAAYAAAAFAAAAAAAAACEIQAAAEsAAEMmAAAQAAAA"/>
               </a:ext>
             </a:extLst>
           </p:cNvGrpSpPr>
@@ -2673,7 +2674,7 @@
             <p:cNvSpPr>
               <a:extLst>
                 <a:ext uri="smNativeData">
-                  <pr:smNativeData xmlns:pr="smNativeData" xmlns="" val="SMDATA_12_7hxgVxMAAAAlAAAAZAAAAA0AAAAAkAAAAEgAAACQAAAASAAAAAAAAAABAAAAAAAAAAEAAABQAAAAAAAAAAAA4D8AAAAAAADgPwAAAAAAAOA/AAAAAAAA4D8AAAAAAADgPwAAAAAAAOA/AAAAAAAA4D8AAAAAAADgPwAAAAAAAOA/AAAAAAAA4D8CAAAAjAAAAAEAAAAAAAAAVII1AP///wgAAAAAAAAAAAAAAAAAAAAAAAAAAAAAAAAAAAAAeAAAAAEAAABAAAAAAAAAAAAAAABaAAAAAAAAAAAAAAAAAAAAAAAAAAAAAAAAAAAAAAAAAAAAAAAAAAAAAAAAAAAAAAAAAAAAAAAAAAAAAAAAAAAAAAAAAAAAAAAAAAAAFAAAADwAAAAAAAAAAAAAAAZJjAkUAAAAAQAAABQAAAAUAAAAFAAAAAEAAAAAAAAAZAAAAGQAAAAAAAAAZAAAAGQAAAAVAAAAYAAAAAAAAAAAAAAADwAAACADAAAAAAAAAAAAAAEAAACgMgAAVgcAAKr4//8BAAAAf39/AAEAAABkAAAAAAAAABQAAABAHwAAAAAAACYAAAAAAAAAwOD//wAAAAAmAAAAZAAAABYAAABMAAAAAAAAAAAAAAAEAAAAAAAAAAEAAACWlpYKAAAAACgAAAAoAAAAZAAAAGQAAAAAAAAAzMzMAAAAAABQAAAAUAAAAGQAAABkAAAAAAAAABcAAAAUAAAAAAAAAAAAAAD/fwAA/38AAAAAAAAJAAAABAAAAAAAAAAMAAAAEAAAAAAAAAAAAAAAAAAAAAAAAAAeAAAAaAAAAAAAAAAAAAAAAAAAAAAAAAAAAAAAECcAABAnAAAAAAAAAAAAAAAAAAAAAAAAAAAAAAAAAAAAAAAAAAAAABQAAAAAAAAAwMD/AAAAAABkAAAAMgAAAAAAAABkAAAAAAAAAH9/fwAKAAAAHwAAAFQAAABUgjUA////AQAAAAAAAAAAAAAAAAAAAAAAAAAAAAAAAAAAAAAAAAAAAAAAAn9/fwDn5uYDzMzMAMDA/wB/f38AAAAAAAAAAAAAAAAAAAAAAAAAAAAhAAAAGAAAABQAAADLEgAAhiEAAABLAABDJgAAAAAAAA=="/>
+                  <pr:smNativeData xmlns="" xmlns:pr="smNativeData" val="SMDATA_12_7hxgVxMAAAAlAAAAZAAAAA0AAAAAkAAAAEgAAACQAAAASAAAAAAAAAABAAAAAAAAAAEAAABQAAAAAAAAAAAA4D8AAAAAAADgPwAAAAAAAOA/AAAAAAAA4D8AAAAAAADgPwAAAAAAAOA/AAAAAAAA4D8AAAAAAADgPwAAAAAAAOA/AAAAAAAA4D8CAAAAjAAAAAEAAAAAAAAAVII1AP///wgAAAAAAAAAAAAAAAAAAAAAAAAAAAAAAAAAAAAAeAAAAAEAAABAAAAAAAAAAAAAAABaAAAAAAAAAAAAAAAAAAAAAAAAAAAAAAAAAAAAAAAAAAAAAAAAAAAAAAAAAAAAAAAAAAAAAAAAAAAAAAAAAAAAAAAAAAAAAAAAAAAAFAAAADwAAAAAAAAAAAAAAAZJjAkUAAAAAQAAABQAAAAUAAAAFAAAAAEAAAAAAAAAZAAAAGQAAAAAAAAAZAAAAGQAAAAVAAAAYAAAAAAAAAAAAAAADwAAACADAAAAAAAAAAAAAAEAAACgMgAAVgcAAKr4//8BAAAAf39/AAEAAABkAAAAAAAAABQAAABAHwAAAAAAACYAAAAAAAAAwOD//wAAAAAmAAAAZAAAABYAAABMAAAAAAAAAAAAAAAEAAAAAAAAAAEAAACWlpYKAAAAACgAAAAoAAAAZAAAAGQAAAAAAAAAzMzMAAAAAABQAAAAUAAAAGQAAABkAAAAAAAAABcAAAAUAAAAAAAAAAAAAAD/fwAA/38AAAAAAAAJAAAABAAAAAAAAAAMAAAAEAAAAAAAAAAAAAAAAAAAAAAAAAAeAAAAaAAAAAAAAAAAAAAAAAAAAAAAAAAAAAAAECcAABAnAAAAAAAAAAAAAAAAAAAAAAAAAAAAAAAAAAAAAAAAAAAAABQAAAAAAAAAwMD/AAAAAABkAAAAMgAAAAAAAABkAAAAAAAAAH9/fwAKAAAAHwAAAFQAAABUgjUA////AQAAAAAAAAAAAAAAAAAAAAAAAAAAAAAAAAAAAAAAAAAAAAAAAn9/fwDn5uYDzMzMAMDA/wB/f38AAAAAAAAAAAAAAAAAAAAAAAAAAAAhAAAAGAAAABQAAADLEgAAhiEAAABLAABDJgAAAAAAAA=="/>
                 </a:ext>
               </a:extLst>
             </p:cNvSpPr>
@@ -2824,7 +2825,7 @@
             <p:cNvSpPr>
               <a:extLst>
                 <a:ext uri="smNativeData">
-                  <pr:smNativeData xmlns:pr="smNativeData" xmlns="" val="SMDATA_12_7hxgVxMAAAAlAAAAZAAAAA0AAAAAkAAAAEgAAACQAAAASAAAAAAAAAABAAAAAAAAAAEAAABQAAAAAAAAAAAA4D8AAAAAAADgPwAAAAAAAOA/AAAAAAAA4D8AAAAAAADgPwAAAAAAAOA/AAAAAAAA4D8AAAAAAADgPwAAAAAAAOA/AAAAAAAA4D8CAAAAjAAAAAEAAAAAAAAA/8AAAP///wgAAAAAAAAAAAAAAAAAAAAAAAAAAAAAAAAAAAAAeAAAAAEAAABAAAAAAAAAAAAAAABaAAAAAAAAAAAAAAAAAAAAAAAAAAAAAAAAAAAAAAAAAAAAAAAAAAAAAAAAAAAAAAAAAAAAAAAAAAAAAAAAAAAAAAAAAAAAAAAAAAAAFAAAADwAAAAAAAAAAAAAAAZJjAkUAAAAAQAAABQAAAAUAAAAFAAAAAEAAAAAAAAAZAAAAGQAAAAAAAAAZAAAAGQAAAAVAAAAYAAAAAAAAAAAAAAADwAAACADAAAAAAAAAAAAAAEAAACgMgAAVgcAAKr4//8BAAAAf39/AAEAAABkAAAAAAAAABQAAABAHwAAAAAAACYAAAAAAAAAwOD//wAAAAAmAAAAZAAAABYAAABMAAAAAAAAAAAAAAAEAAAAAAAAAAEAAACWlpYKAAAAACgAAAAoAAAAZAAAAGQAAAAAAAAAzMzMAAAAAABQAAAAUAAAAGQAAABkAAAAAAAAABcAAAAUAAAAAAAAAAAAAAD/fwAA/38AAAAAAAAJAAAABAAAAAAAAAAMAAAAEAAAAAAAAAAAAAAAAAAAAAAAAAAeAAAAaAAAAAAAAAAAAAAAAAAAAAAAAAAAAAAAECcAABAnAAAAAAAAAAAAAAAAAAAAAAAAAAAAAAAAAAAAAAAAAAAAABQAAAAAAAAAwMD/AAAAAABkAAAAMgAAAAAAAABkAAAAAAAAAH9/fwAKAAAAHwAAAFQAAAD/wAAA////AQAAAAAAAAAAAAAAAAAAAAAAAAAAAAAAAAAAAAAAAAAAAAAAAn9/fwDn5uYDzMzMAMDA/wB/f38AAAAAAAAAAAAAAAAAAAAAAAAAAAAhAAAAGAAAABQAAAAAAAAAhCEAAMsSAABBJgAAAAAAAA=="/>
+                  <pr:smNativeData xmlns="" xmlns:pr="smNativeData" val="SMDATA_12_7hxgVxMAAAAlAAAAZAAAAA0AAAAAkAAAAEgAAACQAAAASAAAAAAAAAABAAAAAAAAAAEAAABQAAAAAAAAAAAA4D8AAAAAAADgPwAAAAAAAOA/AAAAAAAA4D8AAAAAAADgPwAAAAAAAOA/AAAAAAAA4D8AAAAAAADgPwAAAAAAAOA/AAAAAAAA4D8CAAAAjAAAAAEAAAAAAAAA/8AAAP///wgAAAAAAAAAAAAAAAAAAAAAAAAAAAAAAAAAAAAAeAAAAAEAAABAAAAAAAAAAAAAAABaAAAAAAAAAAAAAAAAAAAAAAAAAAAAAAAAAAAAAAAAAAAAAAAAAAAAAAAAAAAAAAAAAAAAAAAAAAAAAAAAAAAAAAAAAAAAAAAAAAAAFAAAADwAAAAAAAAAAAAAAAZJjAkUAAAAAQAAABQAAAAUAAAAFAAAAAEAAAAAAAAAZAAAAGQAAAAAAAAAZAAAAGQAAAAVAAAAYAAAAAAAAAAAAAAADwAAACADAAAAAAAAAAAAAAEAAACgMgAAVgcAAKr4//8BAAAAf39/AAEAAABkAAAAAAAAABQAAABAHwAAAAAAACYAAAAAAAAAwOD//wAAAAAmAAAAZAAAABYAAABMAAAAAAAAAAAAAAAEAAAAAAAAAAEAAACWlpYKAAAAACgAAAAoAAAAZAAAAGQAAAAAAAAAzMzMAAAAAABQAAAAUAAAAGQAAABkAAAAAAAAABcAAAAUAAAAAAAAAAAAAAD/fwAA/38AAAAAAAAJAAAABAAAAAAAAAAMAAAAEAAAAAAAAAAAAAAAAAAAAAAAAAAeAAAAaAAAAAAAAAAAAAAAAAAAAAAAAAAAAAAAECcAABAnAAAAAAAAAAAAAAAAAAAAAAAAAAAAAAAAAAAAAAAAAAAAABQAAAAAAAAAwMD/AAAAAABkAAAAMgAAAAAAAABkAAAAAAAAAH9/fwAKAAAAHwAAAFQAAAD/wAAA////AQAAAAAAAAAAAAAAAAAAAAAAAAAAAAAAAAAAAAAAAAAAAAAAAn9/fwDn5uYDzMzMAMDA/wB/f38AAAAAAAAAAAAAAAAAAAAAAAAAAAAhAAAAGAAAABQAAAAAAAAAhCEAAMsSAABBJgAAAAAAAA=="/>
                 </a:ext>
               </a:extLst>
             </p:cNvSpPr>
@@ -2977,7 +2978,7 @@
             <a:spLocks noGrp="1" noChangeArrowheads="1"/>
             <a:extLst>
               <a:ext uri="smNativeData">
-                <pr:smNativeData xmlns:pr="smNativeData" xmlns="" val="SMDATA_12_7hxgVxMAAAAlAAAAZAAAAA0AAAAAkAAAAEgAAACQAAAASAAAAAAAAAACAAAAAAAAAAEAAABQAAAAAAAAAAAA4D8AAAAAAADgPwAAAAAAAOA/AAAAAAAA4D8AAAAAAADgPwAAAAAAAOA/AAAAAAAA4D8AAAAAAADgPwAAAAAAAOA/AAAAAAAA4D8CAAAAjAAAAAAAAAAAAAAA////DP///wgAAAAAAAAAAAAAAAAAAAAAAAAAAAAAAAAAAAAAZAAAAAEAAABAAAAAAAAAAAAAAAAAAAAAAAAAAAAAAAAAAAAAAAAAAAAAAAAAAAAAAAAAAAAAAAAAAAAAAAAAAAAAAAAAAAAAAAAAAAAAAAAAAAAAAAAAAAAAAAAAAAAAFAAAADwAAAAAAAAAAAAAAAZJjAkUAAAAAQAAABQAAAAUAAAAFAAAAAEAAAAAAAAAZAAAAGQAAAAAAAAAZAAAAGQAAAAVAAAAYAAAAAAAAAAAAAAADwAAACADAAAAAAAAAAAAAAEAAACgMgAAVgcAAKr4//8BAAAAf39/AAEAAABkAAAAAAAAABQAAABAHwAAAAAAACYAAAAAAAAAwOD//wAAAAAmAAAAZAAAABYAAABMAAAAAAAAAAAAAAAEAAAAAAAAAAEAAACWlpYKAAAAACgAAAAoAAAAZAAAAGQAAAAAAAAAzMzMAAAAAABQAAAAUAAAAGQAAABkAAAAAAAAABcAAAAUAAAAAAAAAAAAAAD/fwAA/38AAAAAAAAJAAAABAAAAAAAAAAMAAAAEAAAAAAAAAAAAAAAAAAAAAAAAAAeAAAAaAAAAAAAAAAAAAAAAAAAAAAAAAAAAAAAECcAABAnAAAAAAAAAAAAAAAAAAAAAAAAAAAAAAAAAAAAAAAAAAAAABQAAAAAAAAAwMD/AAAAAABkAAAAMgAAAAAAAABkAAAAAAAAAH9/fwAKAAAAHwAAAFQAAABbm9UF////AQAAAAAAAAAAAAAAAAAAAAAAAAAAAAAAAAAAAAAAAAAAAAAAAn9/fwDn5uYDzMzMAMDA/wB/f38AAAAAAAAAAAAAAAAAAAAAAAAAAAAhAAAAGAAAABQAAADLEgAAFQkAAItHAABTHgAAAAAAAA=="/>
+                <pr:smNativeData xmlns="" xmlns:pr="smNativeData" val="SMDATA_12_7hxgVxMAAAAlAAAAZAAAAA0AAAAAkAAAAEgAAACQAAAASAAAAAAAAAACAAAAAAAAAAEAAABQAAAAAAAAAAAA4D8AAAAAAADgPwAAAAAAAOA/AAAAAAAA4D8AAAAAAADgPwAAAAAAAOA/AAAAAAAA4D8AAAAAAADgPwAAAAAAAOA/AAAAAAAA4D8CAAAAjAAAAAAAAAAAAAAA////DP///wgAAAAAAAAAAAAAAAAAAAAAAAAAAAAAAAAAAAAAZAAAAAEAAABAAAAAAAAAAAAAAAAAAAAAAAAAAAAAAAAAAAAAAAAAAAAAAAAAAAAAAAAAAAAAAAAAAAAAAAAAAAAAAAAAAAAAAAAAAAAAAAAAAAAAAAAAAAAAAAAAAAAAFAAAADwAAAAAAAAAAAAAAAZJjAkUAAAAAQAAABQAAAAUAAAAFAAAAAEAAAAAAAAAZAAAAGQAAAAAAAAAZAAAAGQAAAAVAAAAYAAAAAAAAAAAAAAADwAAACADAAAAAAAAAAAAAAEAAACgMgAAVgcAAKr4//8BAAAAf39/AAEAAABkAAAAAAAAABQAAABAHwAAAAAAACYAAAAAAAAAwOD//wAAAAAmAAAAZAAAABYAAABMAAAAAAAAAAAAAAAEAAAAAAAAAAEAAACWlpYKAAAAACgAAAAoAAAAZAAAAGQAAAAAAAAAzMzMAAAAAABQAAAAUAAAAGQAAABkAAAAAAAAABcAAAAUAAAAAAAAAAAAAAD/fwAA/38AAAAAAAAJAAAABAAAAAAAAAAMAAAAEAAAAAAAAAAAAAAAAAAAAAAAAAAeAAAAaAAAAAAAAAAAAAAAAAAAAAAAAAAAAAAAECcAABAnAAAAAAAAAAAAAAAAAAAAAAAAAAAAAAAAAAAAAAAAAAAAABQAAAAAAAAAwMD/AAAAAABkAAAAMgAAAAAAAABkAAAAAAAAAH9/fwAKAAAAHwAAAFQAAABbm9UF////AQAAAAAAAAAAAAAAAAAAAAAAAAAAAAAAAAAAAAAAAAAAAAAAAn9/fwDn5uYDzMzMAMDA/wB/f38AAAAAAAAAAAAAAAAAAAAAAAAAAAAhAAAAGAAAABQAAADLEgAAFQkAAItHAABTHgAAAAAAAA=="/>
               </a:ext>
             </a:extLst>
           </p:cNvSpPr>
@@ -3040,7 +3041,7 @@
             <a:spLocks noGrp="1" noChangeArrowheads="1"/>
             <a:extLst>
               <a:ext uri="smNativeData">
-                <pr:smNativeData xmlns:pr="smNativeData" xmlns="" val="SMDATA_12_7hxgVxMAAAAlAAAAZAAAAA0AAAAAkAAAAEgAAACQAAAASAAAAAAAAAAAAAAAAAAAAAEAAABQAAAAAAAAAAAA4D8AAAAAAADgPwAAAAAAAOA/AAAAAAAA4D8AAAAAAADgPwAAAAAAAOA/AAAAAAAA4D8AAAAAAADgPwAAAAAAAOA/AAAAAAAA4D8CAAAAjAAAAAAAAAAAAAAA////DP///wgAAAAAAAAAAAAAAAAAAAAAAAAAAAAAAAAAAAAAZAAAAAEAAABAAAAAAAAAAAAAAAAAAAAAAAAAAAAAAAAAAAAAAAAAAAAAAAAAAAAAAAAAAAAAAAAAAAAAAAAAAAAAAAAAAAAAAAAAAAAAAAAAAAAAAAAAAAAAAAAAAAAAFAAAADwAAAAAAAAAAAAAAAZJjAkUAAAAAQAAABQAAAAUAAAAFAAAAAEAAAAAAAAAZAAAAGQAAAAAAAAAZAAAAGQAAAAVAAAAYAAAAAAAAAAAAAAADwAAACADAAAAAAAAAAAAAAEAAACgMgAAVgcAAKr4//8BAAAAf39/AAEAAABkAAAAAAAAABQAAABAHwAAAAAAACYAAAAAAAAAwOD//wAAAAAmAAAAZAAAABYAAABMAAAAAAAAAAAAAAAEAAAAAAAAAAEAAACWlpYKAAAAACgAAAAoAAAAZAAAAGQAAAAAAAAAzMzMAAAAAABQAAAAUAAAAGQAAABkAAAAAAAAABcAAAAUAAAAAAAAAAAAAAD/fwAA/38AAAAAAAAJAAAABAAAAAAAAAAMAAAAEAAAAAAAAAAAAAAAAAAAAAAAAAAeAAAAaAAAAAAAAAAAAAAAAAAAAAAAAAAAAAAAECcAABAnAAAAAAAAAAAAAAAAAAAAAAAAAAAAAAAAAAAAAAAAAAAAABQAAAAAAAAAwMD/AAAAAABkAAAAMgAAAAAAAABkAAAAAAAAAH9/fwAKAAAAHwAAAFQAAABbm9UF////AQAAAAAAAAAAAAAAAAAAAAAAAAAAAAAAAAAAAAAAAAAAAAAAAn9/fwDn5uYDzMzMAMDA/wB/f38AAAAAAAAAAAAAAAAAAAAAAAAAAAAhAAAAGAAAABQAAADAEgAAzyEAAABLAAAWJgAAEAAAAA=="/>
+                <pr:smNativeData xmlns="" xmlns:pr="smNativeData" val="SMDATA_12_7hxgVxMAAAAlAAAAZAAAAA0AAAAAkAAAAEgAAACQAAAASAAAAAAAAAAAAAAAAAAAAAEAAABQAAAAAAAAAAAA4D8AAAAAAADgPwAAAAAAAOA/AAAAAAAA4D8AAAAAAADgPwAAAAAAAOA/AAAAAAAA4D8AAAAAAADgPwAAAAAAAOA/AAAAAAAA4D8CAAAAjAAAAAAAAAAAAAAA////DP///wgAAAAAAAAAAAAAAAAAAAAAAAAAAAAAAAAAAAAAZAAAAAEAAABAAAAAAAAAAAAAAAAAAAAAAAAAAAAAAAAAAAAAAAAAAAAAAAAAAAAAAAAAAAAAAAAAAAAAAAAAAAAAAAAAAAAAAAAAAAAAAAAAAAAAAAAAAAAAAAAAAAAAFAAAADwAAAAAAAAAAAAAAAZJjAkUAAAAAQAAABQAAAAUAAAAFAAAAAEAAAAAAAAAZAAAAGQAAAAAAAAAZAAAAGQAAAAVAAAAYAAAAAAAAAAAAAAADwAAACADAAAAAAAAAAAAAAEAAACgMgAAVgcAAKr4//8BAAAAf39/AAEAAABkAAAAAAAAABQAAABAHwAAAAAAACYAAAAAAAAAwOD//wAAAAAmAAAAZAAAABYAAABMAAAAAAAAAAAAAAAEAAAAAAAAAAEAAACWlpYKAAAAACgAAAAoAAAAZAAAAGQAAAAAAAAAzMzMAAAAAABQAAAAUAAAAGQAAABkAAAAAAAAABcAAAAUAAAAAAAAAAAAAAD/fwAA/38AAAAAAAAJAAAABAAAAAAAAAAMAAAAEAAAAAAAAAAAAAAAAAAAAAAAAAAeAAAAaAAAAAAAAAAAAAAAAAAAAAAAAAAAAAAAECcAABAnAAAAAAAAAAAAAAAAAAAAAAAAAAAAAAAAAAAAAAAAAAAAABQAAAAAAAAAwMD/AAAAAABkAAAAMgAAAAAAAABkAAAAAAAAAH9/fwAKAAAAHwAAAFQAAABbm9UF////AQAAAAAAAAAAAAAAAAAAAAAAAAAAAAAAAAAAAAAAAAAAAAAAAn9/fwDn5uYDzMzMAMDA/wB/f38AAAAAAAAAAAAAAAAAAAAAAAAAAAAhAAAAGAAAABQAAADAEgAAzyEAAABLAAAWJgAAEAAAAA=="/>
               </a:ext>
             </a:extLst>
           </p:cNvSpPr>
@@ -7087,7 +7088,34 @@
       </p:grpSpPr>
       <p:sp>
         <p:nvSpPr>
-          <p:cNvPr id="3" name="Espaço Reservado para Conteúdo 2"/>
+          <p:cNvPr id="5" name="Título 4"/>
+          <p:cNvSpPr>
+            <a:spLocks noGrp="1"/>
+          </p:cNvSpPr>
+          <p:nvPr>
+            <p:ph type="title"/>
+          </p:nvPr>
+        </p:nvSpPr>
+        <p:spPr/>
+        <p:txBody>
+          <a:bodyPr/>
+          <a:lstStyle/>
+          <a:p>
+            <a:r>
+              <a:rPr lang="pt-BR" dirty="0" smtClean="0"/>
+              <a:t>Declarando </a:t>
+            </a:r>
+            <a:r>
+              <a:rPr lang="pt-BR" dirty="0" err="1" smtClean="0"/>
+              <a:t>enums</a:t>
+            </a:r>
+            <a:endParaRPr lang="pt-BR" dirty="0"/>
+          </a:p>
+        </p:txBody>
+      </p:sp>
+      <p:sp>
+        <p:nvSpPr>
+          <p:cNvPr id="6" name="Espaço Reservado para Conteúdo 5"/>
           <p:cNvSpPr>
             <a:spLocks noGrp="1"/>
           </p:cNvSpPr>
@@ -7095,30 +7123,45 @@
             <p:ph idx="1"/>
           </p:nvPr>
         </p:nvSpPr>
-        <p:spPr>
-          <a:xfrm>
-            <a:off x="628650" y="2113658"/>
-            <a:ext cx="7886700" cy="3907630"/>
-          </a:xfrm>
-        </p:spPr>
-        <p:txBody>
-          <a:bodyPr/>
-          <a:lstStyle/>
-          <a:p>
-            <a:pPr marL="0" indent="0" algn="r">
-              <a:buNone/>
-            </a:pPr>
-            <a:endParaRPr lang="pt-BR" sz="6600" dirty="0" smtClean="0"/>
-          </a:p>
-          <a:p>
-            <a:pPr marL="0" indent="0" algn="r">
-              <a:buNone/>
-            </a:pPr>
-            <a:r>
-              <a:rPr lang="pt-BR" sz="6600" dirty="0" smtClean="0"/>
-              <a:t>Pra encerrar o capítulo...</a:t>
-            </a:r>
-            <a:endParaRPr lang="pt-BR" sz="6600" dirty="0"/>
+        <p:spPr/>
+        <p:txBody>
+          <a:bodyPr/>
+          <a:lstStyle/>
+          <a:p>
+            <a:pPr algn="just"/>
+            <a:r>
+              <a:rPr lang="pt-BR" dirty="0" smtClean="0"/>
+              <a:t>Utilizado quando precisamos de uma lista enumerada (predefinida) de opções</a:t>
+            </a:r>
+          </a:p>
+          <a:p>
+            <a:pPr algn="just"/>
+            <a:r>
+              <a:rPr lang="pt-BR" dirty="0" smtClean="0"/>
+              <a:t>Pode ser declarado em seu próprio arquivo ou dentro de um arquivo de classe</a:t>
+            </a:r>
+          </a:p>
+          <a:p>
+            <a:pPr algn="just"/>
+            <a:r>
+              <a:rPr lang="pt-BR" dirty="0" smtClean="0"/>
+              <a:t>São aplicáveis os mesmos modificadores que seriam para uma declaração de classe</a:t>
+            </a:r>
+          </a:p>
+          <a:p>
+            <a:pPr algn="just"/>
+            <a:r>
+              <a:rPr lang="pt-BR" dirty="0" smtClean="0"/>
+              <a:t>É possível aplicarmos construtor(es) com argumentos, mas nunca o invocaremos diretamente</a:t>
+            </a:r>
+          </a:p>
+          <a:p>
+            <a:pPr algn="just"/>
+            <a:endParaRPr lang="pt-BR" dirty="0" smtClean="0"/>
+          </a:p>
+          <a:p>
+            <a:pPr algn="just"/>
+            <a:endParaRPr lang="pt-BR" dirty="0"/>
           </a:p>
         </p:txBody>
       </p:sp>
@@ -7132,63 +7175,25 @@
             <p:ph type="ftr" sz="quarter" idx="13"/>
           </p:nvPr>
         </p:nvSpPr>
-        <p:spPr>
-          <a:xfrm>
-            <a:off x="3028950" y="6356351"/>
-            <a:ext cx="3086100" cy="365125"/>
-          </a:xfrm>
-        </p:spPr>
-        <p:txBody>
-          <a:bodyPr/>
-          <a:lstStyle/>
-          <a:p>
-            <a:pPr algn="ctr">
-              <a:defRPr sz="1200">
-                <a:solidFill>
-                  <a:srgbClr val="8C8C8C"/>
-                </a:solidFill>
-                <a:latin typeface="Tw Cen MT" charset="0"/>
-                <a:ea typeface="Calibri" charset="0"/>
-                <a:cs typeface="Calibri" charset="0"/>
-              </a:defRPr>
-            </a:pPr>
-            <a:r>
-              <a:rPr lang="pt-BR" dirty="0"/>
-              <a:t>Declarações e Controle de Acesso</a:t>
-            </a:r>
-          </a:p>
-          <a:p>
-            <a:pPr algn="ctr">
-              <a:defRPr sz="1200">
-                <a:solidFill>
-                  <a:srgbClr val="8C8C8C"/>
-                </a:solidFill>
-                <a:latin typeface="Tw Cen MT" charset="0"/>
-                <a:ea typeface="Calibri" charset="0"/>
-                <a:cs typeface="Calibri" charset="0"/>
-              </a:defRPr>
-            </a:pPr>
-            <a:endParaRPr lang="pt-BR" dirty="0"/>
+        <p:spPr/>
+        <p:txBody>
+          <a:bodyPr/>
+          <a:lstStyle/>
+          <a:p>
+            <a:endParaRPr lang="pt-BR"/>
           </a:p>
         </p:txBody>
       </p:sp>
     </p:spTree>
     <p:extLst>
       <p:ext uri="{BB962C8B-B14F-4D97-AF65-F5344CB8AC3E}">
-        <p14:creationId xmlns:p14="http://schemas.microsoft.com/office/powerpoint/2010/main" val="2727298243"/>
+        <p14:creationId xmlns:p14="http://schemas.microsoft.com/office/powerpoint/2010/main" val="791922645"/>
       </p:ext>
     </p:extLst>
   </p:cSld>
   <p:clrMapOvr>
     <a:masterClrMapping/>
   </p:clrMapOvr>
-  <p:timing>
-    <p:tnLst>
-      <p:par>
-        <p:cTn id="1" dur="indefinite" restart="never" nodeType="tmRoot"/>
-      </p:par>
-    </p:tnLst>
-  </p:timing>
 </p:sld>
 </file>
 
@@ -7211,63 +7216,42 @@
       </p:grpSpPr>
       <p:sp>
         <p:nvSpPr>
-          <p:cNvPr id="2" name="Título 1"/>
-          <p:cNvSpPr>
-            <a:spLocks noGrp="1"/>
-          </p:cNvSpPr>
-          <p:nvPr>
-            <p:ph type="ctrTitle"/>
-          </p:nvPr>
-        </p:nvSpPr>
-        <p:spPr/>
-        <p:txBody>
-          <a:bodyPr/>
-          <a:lstStyle/>
-          <a:p>
-            <a:r>
-              <a:rPr lang="pt-BR" dirty="0" smtClean="0"/>
-              <a:t>Encapsulamento</a:t>
-            </a:r>
-            <a:endParaRPr lang="pt-BR" dirty="0"/>
-          </a:p>
-        </p:txBody>
-      </p:sp>
-      <p:sp>
-        <p:nvSpPr>
-          <p:cNvPr id="3" name="Subtítulo 2"/>
-          <p:cNvSpPr>
-            <a:spLocks noGrp="1"/>
-          </p:cNvSpPr>
-          <p:nvPr>
-            <p:ph type="subTitle" idx="1"/>
-          </p:nvPr>
-        </p:nvSpPr>
-        <p:spPr/>
-        <p:txBody>
-          <a:bodyPr/>
-          <a:lstStyle/>
-          <a:p>
-            <a:r>
-              <a:rPr lang="pt-BR" dirty="0" smtClean="0"/>
-              <a:t>OCA </a:t>
-            </a:r>
-            <a:r>
-              <a:rPr lang="pt-BR" dirty="0" err="1" smtClean="0"/>
-              <a:t>Objectives</a:t>
-            </a:r>
-            <a:r>
-              <a:rPr lang="pt-BR" dirty="0" smtClean="0"/>
-              <a:t> 6.1 </a:t>
-            </a:r>
-            <a:r>
-              <a:rPr lang="pt-BR" dirty="0" err="1" smtClean="0"/>
-              <a:t>and</a:t>
-            </a:r>
-            <a:r>
-              <a:rPr lang="pt-BR" dirty="0" smtClean="0"/>
-              <a:t> 6.7</a:t>
-            </a:r>
-            <a:endParaRPr lang="pt-BR" dirty="0"/>
+          <p:cNvPr id="3" name="Espaço Reservado para Conteúdo 2"/>
+          <p:cNvSpPr>
+            <a:spLocks noGrp="1"/>
+          </p:cNvSpPr>
+          <p:nvPr>
+            <p:ph idx="1"/>
+          </p:nvPr>
+        </p:nvSpPr>
+        <p:spPr>
+          <a:xfrm>
+            <a:off x="628650" y="2113658"/>
+            <a:ext cx="7886700" cy="3907630"/>
+          </a:xfrm>
+        </p:spPr>
+        <p:txBody>
+          <a:bodyPr/>
+          <a:lstStyle/>
+          <a:p>
+            <a:pPr marL="0" indent="0" algn="r">
+              <a:buNone/>
+            </a:pPr>
+            <a:endParaRPr lang="pt-BR" sz="6600" dirty="0" smtClean="0"/>
+          </a:p>
+          <a:p>
+            <a:pPr marL="0" indent="0" algn="r">
+              <a:buNone/>
+            </a:pPr>
+            <a:r>
+              <a:rPr lang="pt-BR" sz="6600" dirty="0" smtClean="0"/>
+              <a:t>Alguns exercícios para </a:t>
+            </a:r>
+            <a:r>
+              <a:rPr lang="pt-BR" sz="6600" dirty="0" smtClean="0"/>
+              <a:t>encerrar o capítulo...</a:t>
+            </a:r>
+            <a:endParaRPr lang="pt-BR" sz="6600" dirty="0"/>
           </a:p>
         </p:txBody>
       </p:sp>
@@ -7278,18 +7262,45 @@
             <a:spLocks noGrp="1"/>
           </p:cNvSpPr>
           <p:nvPr>
-            <p:ph type="ftr" sz="quarter" idx="11"/>
-          </p:nvPr>
-        </p:nvSpPr>
-        <p:spPr/>
-        <p:txBody>
-          <a:bodyPr/>
-          <a:lstStyle/>
-          <a:p>
-            <a:r>
-              <a:rPr lang="pt-BR" dirty="0" smtClean="0"/>
-              <a:t>Orientação a Objeto</a:t>
-            </a:r>
+            <p:ph type="ftr" sz="quarter" idx="13"/>
+          </p:nvPr>
+        </p:nvSpPr>
+        <p:spPr>
+          <a:xfrm>
+            <a:off x="3028950" y="6356351"/>
+            <a:ext cx="3086100" cy="365125"/>
+          </a:xfrm>
+        </p:spPr>
+        <p:txBody>
+          <a:bodyPr/>
+          <a:lstStyle/>
+          <a:p>
+            <a:pPr algn="ctr">
+              <a:defRPr sz="1200">
+                <a:solidFill>
+                  <a:srgbClr val="8C8C8C"/>
+                </a:solidFill>
+                <a:latin typeface="Tw Cen MT" charset="0"/>
+                <a:ea typeface="Calibri" charset="0"/>
+                <a:cs typeface="Calibri" charset="0"/>
+              </a:defRPr>
+            </a:pPr>
+            <a:r>
+              <a:rPr lang="pt-BR" dirty="0"/>
+              <a:t>Declarações e Controle de Acesso</a:t>
+            </a:r>
+          </a:p>
+          <a:p>
+            <a:pPr algn="ctr">
+              <a:defRPr sz="1200">
+                <a:solidFill>
+                  <a:srgbClr val="8C8C8C"/>
+                </a:solidFill>
+                <a:latin typeface="Tw Cen MT" charset="0"/>
+                <a:ea typeface="Calibri" charset="0"/>
+                <a:cs typeface="Calibri" charset="0"/>
+              </a:defRPr>
+            </a:pPr>
             <a:endParaRPr lang="pt-BR" dirty="0"/>
           </a:p>
         </p:txBody>
@@ -7297,7 +7308,7 @@
     </p:spTree>
     <p:extLst>
       <p:ext uri="{BB962C8B-B14F-4D97-AF65-F5344CB8AC3E}">
-        <p14:creationId xmlns:p14="http://schemas.microsoft.com/office/powerpoint/2010/main" val="744643749"/>
+        <p14:creationId xmlns:p14="http://schemas.microsoft.com/office/powerpoint/2010/main" val="2727298243"/>
       </p:ext>
     </p:extLst>
   </p:cSld>
@@ -7479,7 +7490,6 @@
               <a:rPr lang="pt-BR" dirty="0"/>
               <a:t>Introdução</a:t>
             </a:r>
-            <a:endParaRPr lang="pt-BR" dirty="0"/>
           </a:p>
         </p:txBody>
       </p:sp>
@@ -7537,7 +7547,7 @@
           <a:p>
             <a:r>
               <a:rPr lang="pt-BR" dirty="0" smtClean="0"/>
-              <a:t>Herança e Polimorfismo</a:t>
+              <a:t>Encapsulamento</a:t>
             </a:r>
             <a:endParaRPr lang="pt-BR" dirty="0"/>
           </a:p>
@@ -7568,7 +7578,7 @@
             </a:r>
             <a:r>
               <a:rPr lang="pt-BR" dirty="0" smtClean="0"/>
-              <a:t> 7.1, 7.2 </a:t>
+              <a:t> 6.1 </a:t>
             </a:r>
             <a:r>
               <a:rPr lang="pt-BR" dirty="0" err="1" smtClean="0"/>
@@ -7576,7 +7586,7 @@
             </a:r>
             <a:r>
               <a:rPr lang="pt-BR" dirty="0" smtClean="0"/>
-              <a:t> 7.3</a:t>
+              <a:t> 6.7</a:t>
             </a:r>
             <a:endParaRPr lang="pt-BR" dirty="0"/>
           </a:p>
@@ -7598,11 +7608,9 @@
           <a:lstStyle/>
           <a:p>
             <a:r>
-              <a:rPr lang="pt-BR" dirty="0"/>
+              <a:rPr lang="pt-BR" dirty="0" smtClean="0"/>
               <a:t>Orientação a Objeto</a:t>
             </a:r>
-          </a:p>
-          <a:p>
             <a:endParaRPr lang="pt-BR" dirty="0"/>
           </a:p>
         </p:txBody>
@@ -7610,7 +7618,7 @@
     </p:spTree>
     <p:extLst>
       <p:ext uri="{BB962C8B-B14F-4D97-AF65-F5344CB8AC3E}">
-        <p14:creationId xmlns:p14="http://schemas.microsoft.com/office/powerpoint/2010/main" val="86249347"/>
+        <p14:creationId xmlns:p14="http://schemas.microsoft.com/office/powerpoint/2010/main" val="744643749"/>
       </p:ext>
     </p:extLst>
   </p:cSld>
@@ -7661,7 +7669,7 @@
           <a:p>
             <a:r>
               <a:rPr lang="pt-BR" dirty="0" smtClean="0"/>
-              <a:t>Polimorfismo</a:t>
+              <a:t>Herança e Polimorfismo</a:t>
             </a:r>
             <a:endParaRPr lang="pt-BR" dirty="0"/>
           </a:p>
@@ -7684,7 +7692,7 @@
           <a:p>
             <a:r>
               <a:rPr lang="pt-BR" dirty="0" smtClean="0"/>
-              <a:t>Oca </a:t>
+              <a:t>OCA </a:t>
             </a:r>
             <a:r>
               <a:rPr lang="pt-BR" dirty="0" err="1" smtClean="0"/>
@@ -7692,7 +7700,7 @@
             </a:r>
             <a:r>
               <a:rPr lang="pt-BR" dirty="0" smtClean="0"/>
-              <a:t> 7.2 </a:t>
+              <a:t> 7.1, 7.2 </a:t>
             </a:r>
             <a:r>
               <a:rPr lang="pt-BR" dirty="0" err="1" smtClean="0"/>
@@ -7734,7 +7742,7 @@
     </p:spTree>
     <p:extLst>
       <p:ext uri="{BB962C8B-B14F-4D97-AF65-F5344CB8AC3E}">
-        <p14:creationId xmlns:p14="http://schemas.microsoft.com/office/powerpoint/2010/main" val="331758530"/>
+        <p14:creationId xmlns:p14="http://schemas.microsoft.com/office/powerpoint/2010/main" val="86249347"/>
       </p:ext>
     </p:extLst>
   </p:cSld>
@@ -7784,12 +7792,8 @@
           <a:lstStyle/>
           <a:p>
             <a:r>
-              <a:rPr lang="pt-BR" dirty="0" err="1" smtClean="0"/>
-              <a:t>Sobrescrição</a:t>
-            </a:r>
-            <a:r>
-              <a:rPr lang="pt-BR" dirty="0" smtClean="0"/>
-              <a:t> e Sobrecarga</a:t>
+              <a:rPr lang="pt-BR" dirty="0" smtClean="0"/>
+              <a:t>Polimorfismo</a:t>
             </a:r>
             <a:endParaRPr lang="pt-BR" dirty="0"/>
           </a:p>
@@ -7820,7 +7824,7 @@
             </a:r>
             <a:r>
               <a:rPr lang="pt-BR" dirty="0" smtClean="0"/>
-              <a:t> 6.1, 6.3, 7.2 </a:t>
+              <a:t> 7.2 </a:t>
             </a:r>
             <a:r>
               <a:rPr lang="pt-BR" dirty="0" err="1" smtClean="0"/>
@@ -7862,7 +7866,7 @@
     </p:spTree>
     <p:extLst>
       <p:ext uri="{BB962C8B-B14F-4D97-AF65-F5344CB8AC3E}">
-        <p14:creationId xmlns:p14="http://schemas.microsoft.com/office/powerpoint/2010/main" val="4043444102"/>
+        <p14:creationId xmlns:p14="http://schemas.microsoft.com/office/powerpoint/2010/main" val="331758530"/>
       </p:ext>
     </p:extLst>
   </p:cSld>
@@ -7913,11 +7917,11 @@
           <a:p>
             <a:r>
               <a:rPr lang="pt-BR" dirty="0" err="1" smtClean="0"/>
-              <a:t>Casting</a:t>
-            </a:r>
-            <a:r>
-              <a:rPr lang="pt-BR" dirty="0" smtClean="0"/>
-              <a:t> (Conversão)</a:t>
+              <a:t>Sobrescrição</a:t>
+            </a:r>
+            <a:r>
+              <a:rPr lang="pt-BR" dirty="0" smtClean="0"/>
+              <a:t> e Sobrecarga</a:t>
             </a:r>
             <a:endParaRPr lang="pt-BR" dirty="0"/>
           </a:p>
@@ -7948,7 +7952,7 @@
             </a:r>
             <a:r>
               <a:rPr lang="pt-BR" dirty="0" smtClean="0"/>
-              <a:t> 7.3 </a:t>
+              <a:t> 6.1, 6.3, 7.2 </a:t>
             </a:r>
             <a:r>
               <a:rPr lang="pt-BR" dirty="0" err="1" smtClean="0"/>
@@ -7956,7 +7960,7 @@
             </a:r>
             <a:r>
               <a:rPr lang="pt-BR" dirty="0" smtClean="0"/>
-              <a:t> 7.4</a:t>
+              <a:t> 7.3</a:t>
             </a:r>
             <a:endParaRPr lang="pt-BR" dirty="0"/>
           </a:p>
@@ -7990,7 +7994,7 @@
     </p:spTree>
     <p:extLst>
       <p:ext uri="{BB962C8B-B14F-4D97-AF65-F5344CB8AC3E}">
-        <p14:creationId xmlns:p14="http://schemas.microsoft.com/office/powerpoint/2010/main" val="633171714"/>
+        <p14:creationId xmlns:p14="http://schemas.microsoft.com/office/powerpoint/2010/main" val="4043444102"/>
       </p:ext>
     </p:extLst>
   </p:cSld>
@@ -8040,8 +8044,12 @@
           <a:lstStyle/>
           <a:p>
             <a:r>
-              <a:rPr lang="pt-BR" dirty="0" smtClean="0"/>
-              <a:t>Implementando Interfaces</a:t>
+              <a:rPr lang="pt-BR" dirty="0" err="1" smtClean="0"/>
+              <a:t>Casting</a:t>
+            </a:r>
+            <a:r>
+              <a:rPr lang="pt-BR" dirty="0" smtClean="0"/>
+              <a:t> (Conversão)</a:t>
             </a:r>
             <a:endParaRPr lang="pt-BR" dirty="0"/>
           </a:p>
@@ -8064,15 +8072,23 @@
           <a:p>
             <a:r>
               <a:rPr lang="pt-BR" dirty="0" smtClean="0"/>
-              <a:t>OCA </a:t>
+              <a:t>Oca </a:t>
             </a:r>
             <a:r>
               <a:rPr lang="pt-BR" dirty="0" err="1" smtClean="0"/>
-              <a:t>Objective</a:t>
-            </a:r>
-            <a:r>
-              <a:rPr lang="pt-BR" dirty="0" smtClean="0"/>
-              <a:t> 7.6</a:t>
+              <a:t>Objectives</a:t>
+            </a:r>
+            <a:r>
+              <a:rPr lang="pt-BR" dirty="0" smtClean="0"/>
+              <a:t> 7.3 </a:t>
+            </a:r>
+            <a:r>
+              <a:rPr lang="pt-BR" dirty="0" err="1" smtClean="0"/>
+              <a:t>and</a:t>
+            </a:r>
+            <a:r>
+              <a:rPr lang="pt-BR" dirty="0" smtClean="0"/>
+              <a:t> 7.4</a:t>
             </a:r>
             <a:endParaRPr lang="pt-BR" dirty="0"/>
           </a:p>
@@ -8093,14 +8109,20 @@
           <a:bodyPr/>
           <a:lstStyle/>
           <a:p>
-            <a:endParaRPr lang="pt-BR"/>
+            <a:r>
+              <a:rPr lang="pt-BR" dirty="0"/>
+              <a:t>Orientação a Objeto</a:t>
+            </a:r>
+          </a:p>
+          <a:p>
+            <a:endParaRPr lang="pt-BR" dirty="0"/>
           </a:p>
         </p:txBody>
       </p:sp>
     </p:spTree>
     <p:extLst>
       <p:ext uri="{BB962C8B-B14F-4D97-AF65-F5344CB8AC3E}">
-        <p14:creationId xmlns:p14="http://schemas.microsoft.com/office/powerpoint/2010/main" val="375912055"/>
+        <p14:creationId xmlns:p14="http://schemas.microsoft.com/office/powerpoint/2010/main" val="633171714"/>
       </p:ext>
     </p:extLst>
   </p:cSld>
@@ -8151,7 +8173,7 @@
           <a:p>
             <a:r>
               <a:rPr lang="pt-BR" dirty="0" smtClean="0"/>
-              <a:t>Tipos de Retornos Válidos</a:t>
+              <a:t>Implementando Interfaces</a:t>
             </a:r>
             <a:endParaRPr lang="pt-BR" dirty="0"/>
           </a:p>
@@ -8178,19 +8200,11 @@
             </a:r>
             <a:r>
               <a:rPr lang="pt-BR" dirty="0" err="1" smtClean="0"/>
-              <a:t>Objectives</a:t>
-            </a:r>
-            <a:r>
-              <a:rPr lang="pt-BR" dirty="0" smtClean="0"/>
-              <a:t> 2.2, 2.5, 6.1 </a:t>
-            </a:r>
-            <a:r>
-              <a:rPr lang="pt-BR" dirty="0" err="1" smtClean="0"/>
-              <a:t>and</a:t>
-            </a:r>
-            <a:r>
-              <a:rPr lang="pt-BR" dirty="0" smtClean="0"/>
-              <a:t> 6.3</a:t>
+              <a:t>Objective</a:t>
+            </a:r>
+            <a:r>
+              <a:rPr lang="pt-BR" dirty="0" smtClean="0"/>
+              <a:t> 7.6</a:t>
             </a:r>
             <a:endParaRPr lang="pt-BR" dirty="0"/>
           </a:p>
@@ -8211,20 +8225,14 @@
           <a:bodyPr/>
           <a:lstStyle/>
           <a:p>
-            <a:r>
-              <a:rPr lang="pt-BR" dirty="0"/>
-              <a:t>Orientação a Objeto</a:t>
-            </a:r>
-          </a:p>
-          <a:p>
-            <a:endParaRPr lang="pt-BR" dirty="0"/>
+            <a:endParaRPr lang="pt-BR"/>
           </a:p>
         </p:txBody>
       </p:sp>
     </p:spTree>
     <p:extLst>
       <p:ext uri="{BB962C8B-B14F-4D97-AF65-F5344CB8AC3E}">
-        <p14:creationId xmlns:p14="http://schemas.microsoft.com/office/powerpoint/2010/main" val="4268053431"/>
+        <p14:creationId xmlns:p14="http://schemas.microsoft.com/office/powerpoint/2010/main" val="375912055"/>
       </p:ext>
     </p:extLst>
   </p:cSld>
@@ -8275,7 +8283,7 @@
           <a:p>
             <a:r>
               <a:rPr lang="pt-BR" dirty="0" smtClean="0"/>
-              <a:t>Construtores e Instanciação</a:t>
+              <a:t>Tipos de Retornos Válidos</a:t>
             </a:r>
             <a:endParaRPr lang="pt-BR" dirty="0"/>
           </a:p>
@@ -8306,7 +8314,7 @@
             </a:r>
             <a:r>
               <a:rPr lang="pt-BR" dirty="0" smtClean="0"/>
-              <a:t> 6.4, 6.5 </a:t>
+              <a:t> 2.2, 2.5, 6.1 </a:t>
             </a:r>
             <a:r>
               <a:rPr lang="pt-BR" dirty="0" err="1" smtClean="0"/>
@@ -8314,7 +8322,7 @@
             </a:r>
             <a:r>
               <a:rPr lang="pt-BR" dirty="0" smtClean="0"/>
-              <a:t> 7.5</a:t>
+              <a:t> 6.3</a:t>
             </a:r>
             <a:endParaRPr lang="pt-BR" dirty="0"/>
           </a:p>
@@ -8348,7 +8356,7 @@
     </p:spTree>
     <p:extLst>
       <p:ext uri="{BB962C8B-B14F-4D97-AF65-F5344CB8AC3E}">
-        <p14:creationId xmlns:p14="http://schemas.microsoft.com/office/powerpoint/2010/main" val="2974867849"/>
+        <p14:creationId xmlns:p14="http://schemas.microsoft.com/office/powerpoint/2010/main" val="4268053431"/>
       </p:ext>
     </p:extLst>
   </p:cSld>
@@ -8399,15 +8407,7 @@
           <a:p>
             <a:r>
               <a:rPr lang="pt-BR" dirty="0" smtClean="0"/>
-              <a:t>Estáticos (</a:t>
-            </a:r>
-            <a:r>
-              <a:rPr lang="pt-BR" dirty="0" err="1" smtClean="0"/>
-              <a:t>Static</a:t>
-            </a:r>
-            <a:r>
-              <a:rPr lang="pt-BR" dirty="0" smtClean="0"/>
-              <a:t>)</a:t>
+              <a:t>Construtores e Instanciação</a:t>
             </a:r>
             <a:endParaRPr lang="pt-BR" dirty="0"/>
           </a:p>
@@ -8438,7 +8438,15 @@
             </a:r>
             <a:r>
               <a:rPr lang="pt-BR" dirty="0" smtClean="0"/>
-              <a:t> 6.2</a:t>
+              <a:t> 6.4, 6.5 </a:t>
+            </a:r>
+            <a:r>
+              <a:rPr lang="pt-BR" dirty="0" err="1" smtClean="0"/>
+              <a:t>and</a:t>
+            </a:r>
+            <a:r>
+              <a:rPr lang="pt-BR" dirty="0" smtClean="0"/>
+              <a:t> 7.5</a:t>
             </a:r>
             <a:endParaRPr lang="pt-BR" dirty="0"/>
           </a:p>
@@ -8472,7 +8480,7 @@
     </p:spTree>
     <p:extLst>
       <p:ext uri="{BB962C8B-B14F-4D97-AF65-F5344CB8AC3E}">
-        <p14:creationId xmlns:p14="http://schemas.microsoft.com/office/powerpoint/2010/main" val="3849763999"/>
+        <p14:creationId xmlns:p14="http://schemas.microsoft.com/office/powerpoint/2010/main" val="2974867849"/>
       </p:ext>
     </p:extLst>
   </p:cSld>
@@ -8518,24 +8526,22 @@
         </p:nvSpPr>
         <p:spPr/>
         <p:txBody>
-          <a:bodyPr>
-            <a:normAutofit/>
-          </a:bodyPr>
-          <a:lstStyle/>
-          <a:p>
-            <a:r>
-              <a:rPr lang="pt-BR" sz="3800" dirty="0" smtClean="0"/>
-              <a:t>Literais, </a:t>
-            </a:r>
-            <a:r>
-              <a:rPr lang="pt-BR" sz="3800" dirty="0" err="1" smtClean="0"/>
-              <a:t>Assignmentes</a:t>
-            </a:r>
-            <a:r>
-              <a:rPr lang="pt-BR" sz="3800" dirty="0" smtClean="0"/>
-              <a:t> e Variáveis</a:t>
-            </a:r>
-            <a:endParaRPr lang="pt-BR" sz="3800" dirty="0"/>
+          <a:bodyPr/>
+          <a:lstStyle/>
+          <a:p>
+            <a:r>
+              <a:rPr lang="pt-BR" dirty="0" smtClean="0"/>
+              <a:t>Estáticos (</a:t>
+            </a:r>
+            <a:r>
+              <a:rPr lang="pt-BR" dirty="0" err="1" smtClean="0"/>
+              <a:t>Static</a:t>
+            </a:r>
+            <a:r>
+              <a:rPr lang="pt-BR" dirty="0" smtClean="0"/>
+              <a:t>)</a:t>
+            </a:r>
+            <a:endParaRPr lang="pt-BR" dirty="0"/>
           </a:p>
         </p:txBody>
       </p:sp>
@@ -8564,15 +8570,7 @@
             </a:r>
             <a:r>
               <a:rPr lang="pt-BR" dirty="0" smtClean="0"/>
-              <a:t> 2.1, 2.2, 2.3 </a:t>
-            </a:r>
-            <a:r>
-              <a:rPr lang="pt-BR" dirty="0" err="1" smtClean="0"/>
-              <a:t>and</a:t>
-            </a:r>
-            <a:r>
-              <a:rPr lang="pt-BR" dirty="0" smtClean="0"/>
-              <a:t> 1.2 upgrade</a:t>
+              <a:t> 6.2</a:t>
             </a:r>
             <a:endParaRPr lang="pt-BR" dirty="0"/>
           </a:p>
@@ -8594,9 +8592,11 @@
           <a:lstStyle/>
           <a:p>
             <a:r>
-              <a:rPr lang="pt-BR" dirty="0" err="1" smtClean="0"/>
-              <a:t>Assignments</a:t>
-            </a:r>
+              <a:rPr lang="pt-BR" dirty="0"/>
+              <a:t>Orientação a Objeto</a:t>
+            </a:r>
+          </a:p>
+          <a:p>
             <a:endParaRPr lang="pt-BR" dirty="0"/>
           </a:p>
         </p:txBody>
@@ -8604,7 +8604,7 @@
     </p:spTree>
     <p:extLst>
       <p:ext uri="{BB962C8B-B14F-4D97-AF65-F5344CB8AC3E}">
-        <p14:creationId xmlns:p14="http://schemas.microsoft.com/office/powerpoint/2010/main" val="3169057604"/>
+        <p14:creationId xmlns:p14="http://schemas.microsoft.com/office/powerpoint/2010/main" val="3849763999"/>
       </p:ext>
     </p:extLst>
   </p:cSld>
@@ -8650,14 +8650,24 @@
         </p:nvSpPr>
         <p:spPr/>
         <p:txBody>
-          <a:bodyPr/>
-          <a:lstStyle/>
-          <a:p>
-            <a:r>
-              <a:rPr lang="pt-BR" dirty="0" smtClean="0"/>
-              <a:t>Escopo</a:t>
-            </a:r>
-            <a:endParaRPr lang="pt-BR" dirty="0"/>
+          <a:bodyPr>
+            <a:normAutofit/>
+          </a:bodyPr>
+          <a:lstStyle/>
+          <a:p>
+            <a:r>
+              <a:rPr lang="pt-BR" sz="3800" dirty="0" smtClean="0"/>
+              <a:t>Literais, </a:t>
+            </a:r>
+            <a:r>
+              <a:rPr lang="pt-BR" sz="3800" dirty="0" err="1" smtClean="0"/>
+              <a:t>Assignmentes</a:t>
+            </a:r>
+            <a:r>
+              <a:rPr lang="pt-BR" sz="3800" dirty="0" smtClean="0"/>
+              <a:t> e Variáveis</a:t>
+            </a:r>
+            <a:endParaRPr lang="pt-BR" sz="3800" dirty="0"/>
           </a:p>
         </p:txBody>
       </p:sp>
@@ -8686,7 +8696,7 @@
             </a:r>
             <a:r>
               <a:rPr lang="pt-BR" dirty="0" smtClean="0"/>
-              <a:t> 1.1 </a:t>
+              <a:t> 2.1, 2.2, 2.3 </a:t>
             </a:r>
             <a:r>
               <a:rPr lang="pt-BR" dirty="0" err="1" smtClean="0"/>
@@ -8694,7 +8704,7 @@
             </a:r>
             <a:r>
               <a:rPr lang="pt-BR" dirty="0" smtClean="0"/>
-              <a:t> 2.5</a:t>
+              <a:t> 1.2 upgrade</a:t>
             </a:r>
             <a:endParaRPr lang="pt-BR" dirty="0"/>
           </a:p>
@@ -8716,12 +8726,9 @@
           <a:lstStyle/>
           <a:p>
             <a:r>
-              <a:rPr lang="pt-BR" dirty="0" err="1"/>
+              <a:rPr lang="pt-BR" dirty="0" err="1" smtClean="0"/>
               <a:t>Assignments</a:t>
             </a:r>
-            <a:endParaRPr lang="pt-BR" dirty="0"/>
-          </a:p>
-          <a:p>
             <a:endParaRPr lang="pt-BR" dirty="0"/>
           </a:p>
         </p:txBody>
@@ -8729,7 +8736,7 @@
     </p:spTree>
     <p:extLst>
       <p:ext uri="{BB962C8B-B14F-4D97-AF65-F5344CB8AC3E}">
-        <p14:creationId xmlns:p14="http://schemas.microsoft.com/office/powerpoint/2010/main" val="193317867"/>
+        <p14:creationId xmlns:p14="http://schemas.microsoft.com/office/powerpoint/2010/main" val="3169057604"/>
       </p:ext>
     </p:extLst>
   </p:cSld>
@@ -8960,7 +8967,6 @@
               <a:rPr lang="pt-BR" dirty="0"/>
               <a:t>Introdução</a:t>
             </a:r>
-            <a:endParaRPr lang="pt-BR" dirty="0"/>
           </a:p>
         </p:txBody>
       </p:sp>
@@ -9018,7 +9024,7 @@
           <a:p>
             <a:r>
               <a:rPr lang="pt-BR" dirty="0" smtClean="0"/>
-              <a:t>Inicialização de Variáveis</a:t>
+              <a:t>Escopo</a:t>
             </a:r>
             <a:endParaRPr lang="pt-BR" dirty="0"/>
           </a:p>
@@ -9045,11 +9051,19 @@
             </a:r>
             <a:r>
               <a:rPr lang="pt-BR" dirty="0" err="1" smtClean="0"/>
-              <a:t>Objective</a:t>
-            </a:r>
-            <a:r>
-              <a:rPr lang="pt-BR" dirty="0" smtClean="0"/>
-              <a:t> 2.1</a:t>
+              <a:t>Objectives</a:t>
+            </a:r>
+            <a:r>
+              <a:rPr lang="pt-BR" dirty="0" smtClean="0"/>
+              <a:t> 1.1 </a:t>
+            </a:r>
+            <a:r>
+              <a:rPr lang="pt-BR" dirty="0" err="1" smtClean="0"/>
+              <a:t>and</a:t>
+            </a:r>
+            <a:r>
+              <a:rPr lang="pt-BR" dirty="0" smtClean="0"/>
+              <a:t> 2.5</a:t>
             </a:r>
             <a:endParaRPr lang="pt-BR" dirty="0"/>
           </a:p>
@@ -9074,6 +9088,9 @@
               <a:rPr lang="pt-BR" dirty="0" err="1"/>
               <a:t>Assignments</a:t>
             </a:r>
+            <a:endParaRPr lang="pt-BR" dirty="0"/>
+          </a:p>
+          <a:p>
             <a:endParaRPr lang="pt-BR" dirty="0"/>
           </a:p>
         </p:txBody>
@@ -9081,7 +9098,7 @@
     </p:spTree>
     <p:extLst>
       <p:ext uri="{BB962C8B-B14F-4D97-AF65-F5344CB8AC3E}">
-        <p14:creationId xmlns:p14="http://schemas.microsoft.com/office/powerpoint/2010/main" val="3261889034"/>
+        <p14:creationId xmlns:p14="http://schemas.microsoft.com/office/powerpoint/2010/main" val="193317867"/>
       </p:ext>
     </p:extLst>
   </p:cSld>
@@ -9132,7 +9149,7 @@
           <a:p>
             <a:r>
               <a:rPr lang="pt-BR" dirty="0" smtClean="0"/>
-              <a:t>Passando Variáveis para Métodos</a:t>
+              <a:t>Inicialização de Variáveis</a:t>
             </a:r>
             <a:endParaRPr lang="pt-BR" dirty="0"/>
           </a:p>
@@ -9163,7 +9180,7 @@
             </a:r>
             <a:r>
               <a:rPr lang="pt-BR" dirty="0" smtClean="0"/>
-              <a:t> 6.8</a:t>
+              <a:t> 2.1</a:t>
             </a:r>
             <a:endParaRPr lang="pt-BR" dirty="0"/>
           </a:p>
@@ -9195,7 +9212,7 @@
     </p:spTree>
     <p:extLst>
       <p:ext uri="{BB962C8B-B14F-4D97-AF65-F5344CB8AC3E}">
-        <p14:creationId xmlns:p14="http://schemas.microsoft.com/office/powerpoint/2010/main" val="2287116038"/>
+        <p14:creationId xmlns:p14="http://schemas.microsoft.com/office/powerpoint/2010/main" val="3261889034"/>
       </p:ext>
     </p:extLst>
   </p:cSld>
@@ -9246,7 +9263,7 @@
           <a:p>
             <a:r>
               <a:rPr lang="pt-BR" dirty="0" smtClean="0"/>
-              <a:t>Coletor de Lixo</a:t>
+              <a:t>Passando Variáveis para Métodos</a:t>
             </a:r>
             <a:endParaRPr lang="pt-BR" dirty="0"/>
           </a:p>
@@ -9277,7 +9294,7 @@
             </a:r>
             <a:r>
               <a:rPr lang="pt-BR" dirty="0" smtClean="0"/>
-              <a:t> 2.4</a:t>
+              <a:t> 6.8</a:t>
             </a:r>
             <a:endParaRPr lang="pt-BR" dirty="0"/>
           </a:p>
@@ -9309,7 +9326,7 @@
     </p:spTree>
     <p:extLst>
       <p:ext uri="{BB962C8B-B14F-4D97-AF65-F5344CB8AC3E}">
-        <p14:creationId xmlns:p14="http://schemas.microsoft.com/office/powerpoint/2010/main" val="1564616669"/>
+        <p14:creationId xmlns:p14="http://schemas.microsoft.com/office/powerpoint/2010/main" val="2287116038"/>
       </p:ext>
     </p:extLst>
   </p:cSld>
@@ -9360,7 +9377,7 @@
           <a:p>
             <a:r>
               <a:rPr lang="pt-BR" dirty="0" smtClean="0"/>
-              <a:t>Operadores em Java</a:t>
+              <a:t>Coletor de Lixo</a:t>
             </a:r>
             <a:endParaRPr lang="pt-BR" dirty="0"/>
           </a:p>
@@ -9387,19 +9404,11 @@
             </a:r>
             <a:r>
               <a:rPr lang="pt-BR" dirty="0" err="1" smtClean="0"/>
-              <a:t>Objectives</a:t>
-            </a:r>
-            <a:r>
-              <a:rPr lang="pt-BR" dirty="0" smtClean="0"/>
-              <a:t> 3.1, 3.2 </a:t>
-            </a:r>
-            <a:r>
-              <a:rPr lang="pt-BR" dirty="0" err="1" smtClean="0"/>
-              <a:t>and</a:t>
-            </a:r>
-            <a:r>
-              <a:rPr lang="pt-BR" dirty="0" smtClean="0"/>
-              <a:t> 3.3</a:t>
+              <a:t>Objective</a:t>
+            </a:r>
+            <a:r>
+              <a:rPr lang="pt-BR" dirty="0" smtClean="0"/>
+              <a:t> 2.4</a:t>
             </a:r>
             <a:endParaRPr lang="pt-BR" dirty="0"/>
           </a:p>
@@ -9421,8 +9430,8 @@
           <a:lstStyle/>
           <a:p>
             <a:r>
-              <a:rPr lang="pt-BR" dirty="0" smtClean="0"/>
-              <a:t>Operadores</a:t>
+              <a:rPr lang="pt-BR" dirty="0" err="1"/>
+              <a:t>Assignments</a:t>
             </a:r>
             <a:endParaRPr lang="pt-BR" dirty="0"/>
           </a:p>
@@ -9431,7 +9440,7 @@
     </p:spTree>
     <p:extLst>
       <p:ext uri="{BB962C8B-B14F-4D97-AF65-F5344CB8AC3E}">
-        <p14:creationId xmlns:p14="http://schemas.microsoft.com/office/powerpoint/2010/main" val="1039160923"/>
+        <p14:creationId xmlns:p14="http://schemas.microsoft.com/office/powerpoint/2010/main" val="1564616669"/>
       </p:ext>
     </p:extLst>
   </p:cSld>
@@ -9482,19 +9491,7 @@
           <a:p>
             <a:r>
               <a:rPr lang="pt-BR" dirty="0" smtClean="0"/>
-              <a:t>Usando </a:t>
-            </a:r>
-            <a:r>
-              <a:rPr lang="pt-BR" dirty="0" err="1" smtClean="0"/>
-              <a:t>Strings</a:t>
-            </a:r>
-            <a:r>
-              <a:rPr lang="pt-BR" dirty="0" smtClean="0"/>
-              <a:t> e </a:t>
-            </a:r>
-            <a:r>
-              <a:rPr lang="pt-BR" dirty="0" err="1" smtClean="0"/>
-              <a:t>StringBuilder</a:t>
+              <a:t>Operadores em Java</a:t>
             </a:r>
             <a:endParaRPr lang="pt-BR" dirty="0"/>
           </a:p>
@@ -9525,7 +9522,7 @@
             </a:r>
             <a:r>
               <a:rPr lang="pt-BR" dirty="0" smtClean="0"/>
-              <a:t> 2.7 </a:t>
+              <a:t> 3.1, 3.2 </a:t>
             </a:r>
             <a:r>
               <a:rPr lang="pt-BR" dirty="0" err="1" smtClean="0"/>
@@ -9533,7 +9530,7 @@
             </a:r>
             <a:r>
               <a:rPr lang="pt-BR" dirty="0" smtClean="0"/>
-              <a:t> 2.6</a:t>
+              <a:t> 3.3</a:t>
             </a:r>
             <a:endParaRPr lang="pt-BR" dirty="0"/>
           </a:p>
@@ -9556,27 +9553,7 @@
           <a:p>
             <a:r>
               <a:rPr lang="pt-BR" dirty="0" smtClean="0"/>
-              <a:t>Trabalhando com </a:t>
-            </a:r>
-            <a:r>
-              <a:rPr lang="pt-BR" dirty="0" err="1" smtClean="0"/>
-              <a:t>Strings</a:t>
-            </a:r>
-            <a:r>
-              <a:rPr lang="pt-BR" dirty="0" smtClean="0"/>
-              <a:t>, </a:t>
-            </a:r>
-            <a:r>
-              <a:rPr lang="pt-BR" dirty="0" err="1" smtClean="0"/>
-              <a:t>Arrays</a:t>
-            </a:r>
-            <a:r>
-              <a:rPr lang="pt-BR" dirty="0" smtClean="0"/>
-              <a:t> e </a:t>
-            </a:r>
-            <a:r>
-              <a:rPr lang="pt-BR" dirty="0" err="1" smtClean="0"/>
-              <a:t>ArrayLists</a:t>
+              <a:t>Operadores</a:t>
             </a:r>
             <a:endParaRPr lang="pt-BR" dirty="0"/>
           </a:p>
@@ -9585,7 +9562,7 @@
     </p:spTree>
     <p:extLst>
       <p:ext uri="{BB962C8B-B14F-4D97-AF65-F5344CB8AC3E}">
-        <p14:creationId xmlns:p14="http://schemas.microsoft.com/office/powerpoint/2010/main" val="1074513946"/>
+        <p14:creationId xmlns:p14="http://schemas.microsoft.com/office/powerpoint/2010/main" val="1039160923"/>
       </p:ext>
     </p:extLst>
   </p:cSld>
@@ -9640,7 +9617,15 @@
             </a:r>
             <a:r>
               <a:rPr lang="pt-BR" dirty="0" err="1" smtClean="0"/>
-              <a:t>Arrays</a:t>
+              <a:t>Strings</a:t>
+            </a:r>
+            <a:r>
+              <a:rPr lang="pt-BR" dirty="0" smtClean="0"/>
+              <a:t> e </a:t>
+            </a:r>
+            <a:r>
+              <a:rPr lang="pt-BR" dirty="0" err="1" smtClean="0"/>
+              <a:t>StringBuilder</a:t>
             </a:r>
             <a:endParaRPr lang="pt-BR" dirty="0"/>
           </a:p>
@@ -9671,7 +9656,7 @@
             </a:r>
             <a:r>
               <a:rPr lang="pt-BR" dirty="0" smtClean="0"/>
-              <a:t> 4.1 </a:t>
+              <a:t> 2.7 </a:t>
             </a:r>
             <a:r>
               <a:rPr lang="pt-BR" dirty="0" err="1" smtClean="0"/>
@@ -9679,7 +9664,7 @@
             </a:r>
             <a:r>
               <a:rPr lang="pt-BR" dirty="0" smtClean="0"/>
-              <a:t> 4.2</a:t>
+              <a:t> 2.6</a:t>
             </a:r>
             <a:endParaRPr lang="pt-BR" dirty="0"/>
           </a:p>
@@ -9701,32 +9686,29 @@
           <a:lstStyle/>
           <a:p>
             <a:r>
-              <a:rPr lang="pt-BR" dirty="0"/>
+              <a:rPr lang="pt-BR" dirty="0" smtClean="0"/>
               <a:t>Trabalhando com </a:t>
             </a:r>
             <a:r>
-              <a:rPr lang="pt-BR" dirty="0" err="1"/>
+              <a:rPr lang="pt-BR" dirty="0" err="1" smtClean="0"/>
               <a:t>Strings</a:t>
             </a:r>
             <a:r>
-              <a:rPr lang="pt-BR" dirty="0"/>
+              <a:rPr lang="pt-BR" dirty="0" smtClean="0"/>
               <a:t>, </a:t>
             </a:r>
             <a:r>
-              <a:rPr lang="pt-BR" dirty="0" err="1"/>
+              <a:rPr lang="pt-BR" dirty="0" err="1" smtClean="0"/>
               <a:t>Arrays</a:t>
             </a:r>
             <a:r>
-              <a:rPr lang="pt-BR" dirty="0"/>
+              <a:rPr lang="pt-BR" dirty="0" smtClean="0"/>
               <a:t> e </a:t>
             </a:r>
             <a:r>
-              <a:rPr lang="pt-BR" dirty="0" err="1"/>
+              <a:rPr lang="pt-BR" dirty="0" err="1" smtClean="0"/>
               <a:t>ArrayLists</a:t>
             </a:r>
-            <a:endParaRPr lang="pt-BR" dirty="0"/>
-          </a:p>
-          <a:p>
             <a:endParaRPr lang="pt-BR" dirty="0"/>
           </a:p>
         </p:txBody>
@@ -9734,7 +9716,7 @@
     </p:spTree>
     <p:extLst>
       <p:ext uri="{BB962C8B-B14F-4D97-AF65-F5344CB8AC3E}">
-        <p14:creationId xmlns:p14="http://schemas.microsoft.com/office/powerpoint/2010/main" val="1389997935"/>
+        <p14:creationId xmlns:p14="http://schemas.microsoft.com/office/powerpoint/2010/main" val="1074513946"/>
       </p:ext>
     </p:extLst>
   </p:cSld>
@@ -9789,7 +9771,7 @@
             </a:r>
             <a:r>
               <a:rPr lang="pt-BR" dirty="0" err="1" smtClean="0"/>
-              <a:t>ArrayList</a:t>
+              <a:t>Arrays</a:t>
             </a:r>
             <a:endParaRPr lang="pt-BR" dirty="0"/>
           </a:p>
@@ -9816,11 +9798,19 @@
             </a:r>
             <a:r>
               <a:rPr lang="pt-BR" dirty="0" err="1" smtClean="0"/>
-              <a:t>Objective</a:t>
-            </a:r>
-            <a:r>
-              <a:rPr lang="pt-BR" dirty="0" smtClean="0"/>
-              <a:t> 4.3</a:t>
+              <a:t>Objectives</a:t>
+            </a:r>
+            <a:r>
+              <a:rPr lang="pt-BR" dirty="0" smtClean="0"/>
+              <a:t> 4.1 </a:t>
+            </a:r>
+            <a:r>
+              <a:rPr lang="pt-BR" dirty="0" err="1" smtClean="0"/>
+              <a:t>and</a:t>
+            </a:r>
+            <a:r>
+              <a:rPr lang="pt-BR" dirty="0" smtClean="0"/>
+              <a:t> 4.2</a:t>
             </a:r>
             <a:endParaRPr lang="pt-BR" dirty="0"/>
           </a:p>
@@ -9875,7 +9865,7 @@
     </p:spTree>
     <p:extLst>
       <p:ext uri="{BB962C8B-B14F-4D97-AF65-F5344CB8AC3E}">
-        <p14:creationId xmlns:p14="http://schemas.microsoft.com/office/powerpoint/2010/main" val="2158061903"/>
+        <p14:creationId xmlns:p14="http://schemas.microsoft.com/office/powerpoint/2010/main" val="1389997935"/>
       </p:ext>
     </p:extLst>
   </p:cSld>
@@ -9930,11 +9920,7 @@
             </a:r>
             <a:r>
               <a:rPr lang="pt-BR" dirty="0" err="1" smtClean="0"/>
-              <a:t>if</a:t>
-            </a:r>
-            <a:r>
-              <a:rPr lang="pt-BR" dirty="0" smtClean="0"/>
-              <a:t> e switch</a:t>
+              <a:t>ArrayList</a:t>
             </a:r>
             <a:endParaRPr lang="pt-BR" dirty="0"/>
           </a:p>
@@ -9961,11 +9947,11 @@
             </a:r>
             <a:r>
               <a:rPr lang="pt-BR" dirty="0" err="1" smtClean="0"/>
-              <a:t>Objectives</a:t>
-            </a:r>
-            <a:r>
-              <a:rPr lang="pt-BR" dirty="0" smtClean="0"/>
-              <a:t> 3.4, 3.5 e 1.1 upgrade</a:t>
+              <a:t>Objective</a:t>
+            </a:r>
+            <a:r>
+              <a:rPr lang="pt-BR" dirty="0" smtClean="0"/>
+              <a:t> 4.3</a:t>
             </a:r>
             <a:endParaRPr lang="pt-BR" dirty="0"/>
           </a:p>
@@ -9987,9 +9973,32 @@
           <a:lstStyle/>
           <a:p>
             <a:r>
-              <a:rPr lang="pt-BR" dirty="0" smtClean="0"/>
-              <a:t>Controle de Fluxo e Exceções</a:t>
-            </a:r>
+              <a:rPr lang="pt-BR" dirty="0"/>
+              <a:t>Trabalhando com </a:t>
+            </a:r>
+            <a:r>
+              <a:rPr lang="pt-BR" dirty="0" err="1"/>
+              <a:t>Strings</a:t>
+            </a:r>
+            <a:r>
+              <a:rPr lang="pt-BR" dirty="0"/>
+              <a:t>, </a:t>
+            </a:r>
+            <a:r>
+              <a:rPr lang="pt-BR" dirty="0" err="1"/>
+              <a:t>Arrays</a:t>
+            </a:r>
+            <a:r>
+              <a:rPr lang="pt-BR" dirty="0"/>
+              <a:t> e </a:t>
+            </a:r>
+            <a:r>
+              <a:rPr lang="pt-BR" dirty="0" err="1"/>
+              <a:t>ArrayLists</a:t>
+            </a:r>
+            <a:endParaRPr lang="pt-BR" dirty="0"/>
+          </a:p>
+          <a:p>
             <a:endParaRPr lang="pt-BR" dirty="0"/>
           </a:p>
         </p:txBody>
@@ -9997,7 +10006,7 @@
     </p:spTree>
     <p:extLst>
       <p:ext uri="{BB962C8B-B14F-4D97-AF65-F5344CB8AC3E}">
-        <p14:creationId xmlns:p14="http://schemas.microsoft.com/office/powerpoint/2010/main" val="532384450"/>
+        <p14:creationId xmlns:p14="http://schemas.microsoft.com/office/powerpoint/2010/main" val="2158061903"/>
       </p:ext>
     </p:extLst>
   </p:cSld>
@@ -10048,7 +10057,15 @@
           <a:p>
             <a:r>
               <a:rPr lang="pt-BR" dirty="0" smtClean="0"/>
-              <a:t>Criando Loops</a:t>
+              <a:t>Usando </a:t>
+            </a:r>
+            <a:r>
+              <a:rPr lang="pt-BR" dirty="0" err="1" smtClean="0"/>
+              <a:t>if</a:t>
+            </a:r>
+            <a:r>
+              <a:rPr lang="pt-BR" dirty="0" smtClean="0"/>
+              <a:t> e switch</a:t>
             </a:r>
             <a:endParaRPr lang="pt-BR" dirty="0"/>
           </a:p>
@@ -10079,15 +10096,7 @@
             </a:r>
             <a:r>
               <a:rPr lang="pt-BR" dirty="0" smtClean="0"/>
-              <a:t> 5.1, 5.2, 5.3, 5.4 </a:t>
-            </a:r>
-            <a:r>
-              <a:rPr lang="pt-BR" dirty="0" err="1" smtClean="0"/>
-              <a:t>and</a:t>
-            </a:r>
-            <a:r>
-              <a:rPr lang="pt-BR" dirty="0" smtClean="0"/>
-              <a:t> 5.5</a:t>
+              <a:t> 3.4, 3.5 e 1.1 upgrade</a:t>
             </a:r>
             <a:endParaRPr lang="pt-BR" dirty="0"/>
           </a:p>
@@ -10109,11 +10118,9 @@
           <a:lstStyle/>
           <a:p>
             <a:r>
-              <a:rPr lang="pt-BR" dirty="0"/>
+              <a:rPr lang="pt-BR" dirty="0" smtClean="0"/>
               <a:t>Controle de Fluxo e Exceções</a:t>
             </a:r>
-          </a:p>
-          <a:p>
             <a:endParaRPr lang="pt-BR" dirty="0"/>
           </a:p>
         </p:txBody>
@@ -10121,7 +10128,7 @@
     </p:spTree>
     <p:extLst>
       <p:ext uri="{BB962C8B-B14F-4D97-AF65-F5344CB8AC3E}">
-        <p14:creationId xmlns:p14="http://schemas.microsoft.com/office/powerpoint/2010/main" val="2470865896"/>
+        <p14:creationId xmlns:p14="http://schemas.microsoft.com/office/powerpoint/2010/main" val="532384450"/>
       </p:ext>
     </p:extLst>
   </p:cSld>
@@ -10172,7 +10179,7 @@
           <a:p>
             <a:r>
               <a:rPr lang="pt-BR" dirty="0" smtClean="0"/>
-              <a:t>Manipulando Exceções</a:t>
+              <a:t>Criando Loops</a:t>
             </a:r>
             <a:endParaRPr lang="pt-BR" dirty="0"/>
           </a:p>
@@ -10203,7 +10210,7 @@
             </a:r>
             <a:r>
               <a:rPr lang="pt-BR" dirty="0" smtClean="0"/>
-              <a:t> 8.1, 8.2, 8.3 </a:t>
+              <a:t> 5.1, 5.2, 5.3, 5.4 </a:t>
             </a:r>
             <a:r>
               <a:rPr lang="pt-BR" dirty="0" err="1" smtClean="0"/>
@@ -10211,7 +10218,7 @@
             </a:r>
             <a:r>
               <a:rPr lang="pt-BR" dirty="0" smtClean="0"/>
-              <a:t> 8.4</a:t>
+              <a:t> 5.5</a:t>
             </a:r>
             <a:endParaRPr lang="pt-BR" dirty="0"/>
           </a:p>
@@ -10245,7 +10252,7 @@
     </p:spTree>
     <p:extLst>
       <p:ext uri="{BB962C8B-B14F-4D97-AF65-F5344CB8AC3E}">
-        <p14:creationId xmlns:p14="http://schemas.microsoft.com/office/powerpoint/2010/main" val="3021261354"/>
+        <p14:creationId xmlns:p14="http://schemas.microsoft.com/office/powerpoint/2010/main" val="2470865896"/>
       </p:ext>
     </p:extLst>
   </p:cSld>
@@ -10345,7 +10352,6 @@
               <a:rPr lang="pt-BR" dirty="0"/>
               <a:t>Introdução</a:t>
             </a:r>
-            <a:endParaRPr lang="pt-BR" dirty="0"/>
           </a:p>
         </p:txBody>
       </p:sp>
@@ -10370,6 +10376,130 @@
 </file>
 
 <file path=ppt/slides/slide50.xml><?xml version="1.0" encoding="utf-8"?>
+<p:sld xmlns:a="http://schemas.openxmlformats.org/drawingml/2006/main" xmlns:r="http://schemas.openxmlformats.org/officeDocument/2006/relationships" xmlns:p="http://schemas.openxmlformats.org/presentationml/2006/main">
+  <p:cSld>
+    <p:spTree>
+      <p:nvGrpSpPr>
+        <p:cNvPr id="1" name=""/>
+        <p:cNvGrpSpPr/>
+        <p:nvPr/>
+      </p:nvGrpSpPr>
+      <p:grpSpPr>
+        <a:xfrm>
+          <a:off x="0" y="0"/>
+          <a:ext cx="0" cy="0"/>
+          <a:chOff x="0" y="0"/>
+          <a:chExt cx="0" cy="0"/>
+        </a:xfrm>
+      </p:grpSpPr>
+      <p:sp>
+        <p:nvSpPr>
+          <p:cNvPr id="2" name="Título 1"/>
+          <p:cNvSpPr>
+            <a:spLocks noGrp="1"/>
+          </p:cNvSpPr>
+          <p:nvPr>
+            <p:ph type="ctrTitle"/>
+          </p:nvPr>
+        </p:nvSpPr>
+        <p:spPr/>
+        <p:txBody>
+          <a:bodyPr/>
+          <a:lstStyle/>
+          <a:p>
+            <a:r>
+              <a:rPr lang="pt-BR" dirty="0" smtClean="0"/>
+              <a:t>Manipulando Exceções</a:t>
+            </a:r>
+            <a:endParaRPr lang="pt-BR" dirty="0"/>
+          </a:p>
+        </p:txBody>
+      </p:sp>
+      <p:sp>
+        <p:nvSpPr>
+          <p:cNvPr id="3" name="Subtítulo 2"/>
+          <p:cNvSpPr>
+            <a:spLocks noGrp="1"/>
+          </p:cNvSpPr>
+          <p:nvPr>
+            <p:ph type="subTitle" idx="1"/>
+          </p:nvPr>
+        </p:nvSpPr>
+        <p:spPr/>
+        <p:txBody>
+          <a:bodyPr/>
+          <a:lstStyle/>
+          <a:p>
+            <a:r>
+              <a:rPr lang="pt-BR" dirty="0" smtClean="0"/>
+              <a:t>OCA </a:t>
+            </a:r>
+            <a:r>
+              <a:rPr lang="pt-BR" dirty="0" err="1" smtClean="0"/>
+              <a:t>Objectives</a:t>
+            </a:r>
+            <a:r>
+              <a:rPr lang="pt-BR" dirty="0" smtClean="0"/>
+              <a:t> 8.1, 8.2, 8.3 </a:t>
+            </a:r>
+            <a:r>
+              <a:rPr lang="pt-BR" dirty="0" err="1" smtClean="0"/>
+              <a:t>and</a:t>
+            </a:r>
+            <a:r>
+              <a:rPr lang="pt-BR" dirty="0" smtClean="0"/>
+              <a:t> 8.4</a:t>
+            </a:r>
+            <a:endParaRPr lang="pt-BR" dirty="0"/>
+          </a:p>
+        </p:txBody>
+      </p:sp>
+      <p:sp>
+        <p:nvSpPr>
+          <p:cNvPr id="4" name="Espaço Reservado para Rodapé 3"/>
+          <p:cNvSpPr>
+            <a:spLocks noGrp="1"/>
+          </p:cNvSpPr>
+          <p:nvPr>
+            <p:ph type="ftr" sz="quarter" idx="11"/>
+          </p:nvPr>
+        </p:nvSpPr>
+        <p:spPr/>
+        <p:txBody>
+          <a:bodyPr/>
+          <a:lstStyle/>
+          <a:p>
+            <a:r>
+              <a:rPr lang="pt-BR" dirty="0"/>
+              <a:t>Controle de Fluxo e Exceções</a:t>
+            </a:r>
+          </a:p>
+          <a:p>
+            <a:endParaRPr lang="pt-BR" dirty="0"/>
+          </a:p>
+        </p:txBody>
+      </p:sp>
+    </p:spTree>
+    <p:extLst>
+      <p:ext uri="{BB962C8B-B14F-4D97-AF65-F5344CB8AC3E}">
+        <p14:creationId xmlns:p14="http://schemas.microsoft.com/office/powerpoint/2010/main" val="3021261354"/>
+      </p:ext>
+    </p:extLst>
+  </p:cSld>
+  <p:clrMapOvr>
+    <a:masterClrMapping/>
+  </p:clrMapOvr>
+  <p:timing>
+    <p:tnLst>
+      <p:par>
+        <p:cTn id="1" dur="indefinite" restart="never" nodeType="tmRoot"/>
+      </p:par>
+    </p:tnLst>
+  </p:timing>
+</p:sld>
+</file>
+
+<file path=ppt/slides/slide51.xml><?xml version="1.0" encoding="utf-8"?>
 <p:sld xmlns:a="http://schemas.openxmlformats.org/drawingml/2006/main" xmlns:r="http://schemas.openxmlformats.org/officeDocument/2006/relationships" xmlns:p="http://schemas.openxmlformats.org/presentationml/2006/main">
   <p:cSld>
     <p:spTree>

--- a/TreinamentoJavaSeOca/documentos/apresentação/OCA.pptx
+++ b/TreinamentoJavaSeOca/documentos/apresentação/OCA.pptx
@@ -5,10 +5,10 @@
     <p:sldMasterId id="2147483661" r:id="rId1"/>
   </p:sldMasterIdLst>
   <p:notesMasterIdLst>
-    <p:notesMasterId r:id="rId53"/>
+    <p:notesMasterId r:id="rId57"/>
   </p:notesMasterIdLst>
   <p:handoutMasterIdLst>
-    <p:handoutMasterId r:id="rId54"/>
+    <p:handoutMasterId r:id="rId58"/>
   </p:handoutMasterIdLst>
   <p:sldIdLst>
     <p:sldId id="1140" r:id="rId2"/>
@@ -41,27 +41,31 @@
     <p:sldId id="1208" r:id="rId29"/>
     <p:sldId id="1202" r:id="rId30"/>
     <p:sldId id="1166" r:id="rId31"/>
-    <p:sldId id="1167" r:id="rId32"/>
-    <p:sldId id="1168" r:id="rId33"/>
-    <p:sldId id="1169" r:id="rId34"/>
-    <p:sldId id="1170" r:id="rId35"/>
-    <p:sldId id="1171" r:id="rId36"/>
-    <p:sldId id="1172" r:id="rId37"/>
-    <p:sldId id="1173" r:id="rId38"/>
-    <p:sldId id="1174" r:id="rId39"/>
-    <p:sldId id="1175" r:id="rId40"/>
-    <p:sldId id="1176" r:id="rId41"/>
-    <p:sldId id="1177" r:id="rId42"/>
-    <p:sldId id="1178" r:id="rId43"/>
-    <p:sldId id="1179" r:id="rId44"/>
-    <p:sldId id="1180" r:id="rId45"/>
-    <p:sldId id="1181" r:id="rId46"/>
-    <p:sldId id="1182" r:id="rId47"/>
-    <p:sldId id="1183" r:id="rId48"/>
-    <p:sldId id="1184" r:id="rId49"/>
-    <p:sldId id="1185" r:id="rId50"/>
-    <p:sldId id="1186" r:id="rId51"/>
-    <p:sldId id="1187" r:id="rId52"/>
+    <p:sldId id="1209" r:id="rId32"/>
+    <p:sldId id="1167" r:id="rId33"/>
+    <p:sldId id="1210" r:id="rId34"/>
+    <p:sldId id="1168" r:id="rId35"/>
+    <p:sldId id="1211" r:id="rId36"/>
+    <p:sldId id="1169" r:id="rId37"/>
+    <p:sldId id="1212" r:id="rId38"/>
+    <p:sldId id="1170" r:id="rId39"/>
+    <p:sldId id="1171" r:id="rId40"/>
+    <p:sldId id="1172" r:id="rId41"/>
+    <p:sldId id="1173" r:id="rId42"/>
+    <p:sldId id="1174" r:id="rId43"/>
+    <p:sldId id="1175" r:id="rId44"/>
+    <p:sldId id="1176" r:id="rId45"/>
+    <p:sldId id="1177" r:id="rId46"/>
+    <p:sldId id="1178" r:id="rId47"/>
+    <p:sldId id="1179" r:id="rId48"/>
+    <p:sldId id="1180" r:id="rId49"/>
+    <p:sldId id="1181" r:id="rId50"/>
+    <p:sldId id="1182" r:id="rId51"/>
+    <p:sldId id="1183" r:id="rId52"/>
+    <p:sldId id="1184" r:id="rId53"/>
+    <p:sldId id="1185" r:id="rId54"/>
+    <p:sldId id="1186" r:id="rId55"/>
+    <p:sldId id="1187" r:id="rId56"/>
   </p:sldIdLst>
   <p:sldSz cx="9144000" cy="6858000" type="screen4x3"/>
   <p:notesSz cx="6797675" cy="9928225"/>
@@ -726,7 +730,7 @@
             <a:spLocks noGrp="1" noChangeArrowheads="1"/>
             <a:extLst>
               <a:ext uri="smNativeData">
-                <pr:smNativeData xmlns="" xmlns:pr="smNativeData" val="SMDATA_12_7hxgVxMAAAAlAAAAZAAAAA0AAAAAkAAAAEgAAACQAAAASAAAAAAAAAAAAAAAAAAAAAEAAABQAAAAAAAAAAAA4D8AAAAAAADgPwAAAAAAAOA/AAAAAAAA4D8AAAAAAADgPwAAAAAAAOA/AAAAAAAA4D8AAAAAAADgPwAAAAAAAOA/AAAAAAAA4D8CAAAAjAAAAAAAAAAAAAAA////DP///wgAAAAAAAAAAAAAAAAAAAAAAAAAAAAAAAAAAAAAZAAAAAEAAABAAAAAAAAAAAAAAAAAAAAAAAAAAAAAAAAAAAAAAAAAAAAAAAAAAAAAAAAAAAAAAAAAAAAAAAAAAAAAAAAAAAAAAAAAAAAAAAAAAAAAAAAAAAAAAAAAAAAAFAAAADwAAAAAAAAAAAAAAAZJjAkUAAAAAQAAABQAAAAUAAAAFAAAAAEAAAAAAAAAZAAAAGQAAAAAAAAAZAAAAGQAAAAVAAAAYAAAAAAAAAAAAAAADwAAACADAAAAAAAAAAAAAAEAAACgMgAAVgcAAKr4//8BAAAAf39/AAEAAABkAAAAAAAAABQAAABAHwAAAAAAACYAAAAAAAAAwOD//wAAAAAmAAAAZAAAABYAAABMAAAAAAAAAAAAAAAEAAAAAAAAAAEAAACWlpYKAAAAACgAAAAoAAAAZAAAAGQAAAAAAAAAzMzMAAAAAABQAAAAUAAAAGQAAABkAAAAAAAAABcAAAAUAAAAAAAAAAAAAAD/fwAA/38AAAAAAAAJAAAABAAAAAAAAAAMAAAAEAAAAAAAAAAAAAAAAAAAAAAAAAAeAAAAaAAAAAAAAAAAAAAAAAAAAAAAAAAAAAAAECcAABAnAAAAAAAAAAAAAAAAAAAAAAAAAAAAAAAAAAAAAAAAAAAAABQAAAAAAAAAwMD/AAAAAABkAAAAMgAAAAAAAABkAAAAAAAAAH9/fwAKAAAAHwAAAFQAAAAAAAAFAAAAAQAAAAAAAAAAAAAAAAAAAAAAAAAAAAAAAAAAAAAAAAAAAAAAAn9/fwAAAAADzMzMAMDA/wB/f38AAAAAAAAAAAAAAAAAAAAAAAAAAAAhAAAAGAAAABQAAAA4BAAAwAMAANAvAAAIBwAAEAAAAA=="/>
+                <pr:smNativeData xmlns:pr="smNativeData" xmlns="" val="SMDATA_12_7hxgVxMAAAAlAAAAZAAAAA0AAAAAkAAAAEgAAACQAAAASAAAAAAAAAAAAAAAAAAAAAEAAABQAAAAAAAAAAAA4D8AAAAAAADgPwAAAAAAAOA/AAAAAAAA4D8AAAAAAADgPwAAAAAAAOA/AAAAAAAA4D8AAAAAAADgPwAAAAAAAOA/AAAAAAAA4D8CAAAAjAAAAAAAAAAAAAAA////DP///wgAAAAAAAAAAAAAAAAAAAAAAAAAAAAAAAAAAAAAZAAAAAEAAABAAAAAAAAAAAAAAAAAAAAAAAAAAAAAAAAAAAAAAAAAAAAAAAAAAAAAAAAAAAAAAAAAAAAAAAAAAAAAAAAAAAAAAAAAAAAAAAAAAAAAAAAAAAAAAAAAAAAAFAAAADwAAAAAAAAAAAAAAAZJjAkUAAAAAQAAABQAAAAUAAAAFAAAAAEAAAAAAAAAZAAAAGQAAAAAAAAAZAAAAGQAAAAVAAAAYAAAAAAAAAAAAAAADwAAACADAAAAAAAAAAAAAAEAAACgMgAAVgcAAKr4//8BAAAAf39/AAEAAABkAAAAAAAAABQAAABAHwAAAAAAACYAAAAAAAAAwOD//wAAAAAmAAAAZAAAABYAAABMAAAAAAAAAAAAAAAEAAAAAAAAAAEAAACWlpYKAAAAACgAAAAoAAAAZAAAAGQAAAAAAAAAzMzMAAAAAABQAAAAUAAAAGQAAABkAAAAAAAAABcAAAAUAAAAAAAAAAAAAAD/fwAA/38AAAAAAAAJAAAABAAAAAAAAAAMAAAAEAAAAAAAAAAAAAAAAAAAAAAAAAAeAAAAaAAAAAAAAAAAAAAAAAAAAAAAAAAAAAAAECcAABAnAAAAAAAAAAAAAAAAAAAAAAAAAAAAAAAAAAAAAAAAAAAAABQAAAAAAAAAwMD/AAAAAABkAAAAMgAAAAAAAABkAAAAAAAAAH9/fwAKAAAAHwAAAFQAAAAAAAAFAAAAAQAAAAAAAAAAAAAAAAAAAAAAAAAAAAAAAAAAAAAAAAAAAAAAAn9/fwAAAAADzMzMAMDA/wB/f38AAAAAAAAAAAAAAAAAAAAAAAAAAAAhAAAAGAAAABQAAAA4BAAAwAMAANAvAAAIBwAAEAAAAA=="/>
               </a:ext>
             </a:extLst>
           </p:cNvSpPr>
@@ -1620,7 +1624,7 @@
             <a:spLocks noGrp="1" noChangeArrowheads="1"/>
             <a:extLst>
               <a:ext uri="smNativeData">
-                <pr:smNativeData xmlns="" xmlns:pr="smNativeData" val="SMDATA_12_7hxgVxMAAAAlAAAAZAAAAA0AAAAAkAAAAEgAAACQAAAASAAAAAAAAAABAAAAAAAAAAEAAABQAAAAAAAAAAAA4D8AAAAAAADgPwAAAAAAAOA/AAAAAAAA4D8AAAAAAADgPwAAAAAAAOA/AAAAAAAA4D8AAAAAAADgPwAAAAAAAOA/AAAAAAAA4D8CAAAAjAAAAAAAAAAAAAAA////AP///wgAAAAAAAAAAAAAAAAAAAAAAAAAAAAAAAAAAAAAeAAAAAEAAABAAAAAAAAAAAAAAABaAAAAAAAAAAAAAAAAAAAAAAAAAAAAAAAAAAAAAAAAAAAAAAAAAAAAAAAAAAAAAAAAAAAAAAAAAAAAAAAAAAAAAAAAAAAAAAAAAAAAFAAAADwAAAAAAAAAAAAAAAAAAAAPAAAAAQAAACMAAAAjAAAAIwAAAB4AAAAAAAAAZAAAAGQAAAAAAAAAZAAAAGQAAAAVAAAAYAAAAAAAAAAAAAAADwAAACADAAAAAAAAAAAAAAEAAACgMgAAVgcAAKr4//8BAAAAf39/AAEAAABkAAAAAAAAABQAAABAHwAAAAAAACYAAAAAAAAAwOD//wAAAAAmAAAAZAAAABYAAABMAAAAAAAAAAAAAAAEAAAAAAAAAAEAAADn5uYKAAAAACgAAAAoAAAAZAAAAGQAAAAAAAAAzMzMAAAAAABQAAAAUAAAAGQAAABkAAAAAAAAABcAAAAUAAAAAAAAAAAAAAD/fwAA/38AAAAAAAAJAAAABAAAAAAAAAAMAAAAEAAAAAAAAAAAAAAAAAAAAAAAAAAeAAAAaAAAAAAAAAAAAAAAAAAAAAAAAAAAAAAAECcAABAnAAAAAAAAAAAAAAAAAAAAAAAAAAAAAAAAAAAAAAAAAAAAABQAAAAAAAAAwMD/AAAAAABkAAAAMgAAAAAAAABkAAAAAAAAAH9/fwAKAAAAHwAAAFQAAAD///8AAAAAAQAAAAAAAAAAAAAAAAAAAAAAAAAAAAAAAAAAAAAAAAAAAAAAAH9/fwAAAAADzMzMAMDA/wB/f38AAAAAAAAAAAAAAAAAAAAAAAAAAAAhAAAAGAAAABQAAAAoBQAAPwIAANhFAABnCgAAEAAAAA=="/>
+                <pr:smNativeData xmlns:pr="smNativeData" xmlns="" val="SMDATA_12_7hxgVxMAAAAlAAAAZAAAAA0AAAAAkAAAAEgAAACQAAAASAAAAAAAAAABAAAAAAAAAAEAAABQAAAAAAAAAAAA4D8AAAAAAADgPwAAAAAAAOA/AAAAAAAA4D8AAAAAAADgPwAAAAAAAOA/AAAAAAAA4D8AAAAAAADgPwAAAAAAAOA/AAAAAAAA4D8CAAAAjAAAAAAAAAAAAAAA////AP///wgAAAAAAAAAAAAAAAAAAAAAAAAAAAAAAAAAAAAAeAAAAAEAAABAAAAAAAAAAAAAAABaAAAAAAAAAAAAAAAAAAAAAAAAAAAAAAAAAAAAAAAAAAAAAAAAAAAAAAAAAAAAAAAAAAAAAAAAAAAAAAAAAAAAAAAAAAAAAAAAAAAAFAAAADwAAAAAAAAAAAAAAAAAAAAPAAAAAQAAACMAAAAjAAAAIwAAAB4AAAAAAAAAZAAAAGQAAAAAAAAAZAAAAGQAAAAVAAAAYAAAAAAAAAAAAAAADwAAACADAAAAAAAAAAAAAAEAAACgMgAAVgcAAKr4//8BAAAAf39/AAEAAABkAAAAAAAAABQAAABAHwAAAAAAACYAAAAAAAAAwOD//wAAAAAmAAAAZAAAABYAAABMAAAAAAAAAAAAAAAEAAAAAAAAAAEAAADn5uYKAAAAACgAAAAoAAAAZAAAAGQAAAAAAAAAzMzMAAAAAABQAAAAUAAAAGQAAABkAAAAAAAAABcAAAAUAAAAAAAAAAAAAAD/fwAA/38AAAAAAAAJAAAABAAAAAAAAAAMAAAAEAAAAAAAAAAAAAAAAAAAAAAAAAAeAAAAaAAAAAAAAAAAAAAAAAAAAAAAAAAAAAAAECcAABAnAAAAAAAAAAAAAAAAAAAAAAAAAAAAAAAAAAAAAAAAAAAAABQAAAAAAAAAwMD/AAAAAABkAAAAMgAAAAAAAABkAAAAAAAAAH9/fwAKAAAAHwAAAFQAAAD///8AAAAAAQAAAAAAAAAAAAAAAAAAAAAAAAAAAAAAAAAAAAAAAAAAAAAAAH9/fwAAAAADzMzMAMDA/wB/f38AAAAAAAAAAAAAAAAAAAAAAAAAAAAhAAAAGAAAABQAAAAoBQAAPwIAANhFAABnCgAAEAAAAA=="/>
               </a:ext>
             </a:extLst>
           </p:cNvSpPr>
@@ -1667,7 +1671,7 @@
             <a:spLocks noGrp="1" noChangeArrowheads="1"/>
             <a:extLst>
               <a:ext uri="smNativeData">
-                <pr:smNativeData xmlns="" xmlns:pr="smNativeData" val="SMDATA_12_7hxgVxMAAAAlAAAAZAAAAA0AAAAAkAAAAEgAAACQAAAASAAAAAAAAAAAAAAAAAAAAAEAAABQAAAAAAAAAAAA4D8AAAAAAADgPwAAAAAAAOA/AAAAAAAA4D8AAAAAAADgPwAAAAAAAOA/AAAAAAAA4D8AAAAAAADgPwAAAAAAAOA/AAAAAAAA4D8CAAAAjAAAAAAAAAAAAAAA////AP///wgAAAAAAAAAAAAAAAAAAAAAAAAAAAAAAAAAAAAAeAAAAAEAAABAAAAAAAAAAAAAAABaAAAAAAAAAAAAAAAAAAAAAAAAAAAAAAAAAAAAAAAAAAAAAAAAAAAAAAAAAAAAAAAAAAAAAAAAAAAAAAAAAAAAAAAAAAAAAAAAAAAAFAAAADwAAAAAAAAAAAAAAAAAAAAPAAAAAQAAACMAAAAjAAAAIwAAAB4AAAAAAAAAZAAAAGQAAAAAAAAAZAAAAGQAAAAVAAAAYAAAAAAAAAAAAAAADwAAACADAAAAAAAAAAAAAAEAAACgMgAAVgcAAKr4//8BAAAAf39/AAEAAABkAAAAAAAAABQAAABAHwAAAAAAACYAAAAAAAAAwOD//wAAAAAmAAAAZAAAABYAAABMAAAAAAAAAAAAAAAEAAAAAAAAAAEAAADn5uYKAAAAACgAAAAoAAAAZAAAAGQAAAAAAAAAzMzMAAAAAABQAAAAUAAAAGQAAABkAAAAAAAAABcAAAAUAAAAAAAAAAAAAAD/fwAA/38AAAAAAAAJAAAABAAAAAAAAAAMAAAAEAAAAAAAAAAAAAAAAAAAAAAAAAAeAAAAaAAAAAAAAAAAAAAAAAAAAAAAAAAAAAAAECcAABAnAAAAAAAAAAAAAAAAAAAAAAAAAAAAAAAAAAAAAAAAAAAAABQAAAAAAAAAwMD/AAAAAABkAAAAMgAAAAAAAABkAAAAAAAAAH9/fwAKAAAAHwAAAFQAAAD///8AAAAAAQAAAAAAAAAAAAAAAAAAAAAAAAAAAAAAAAAAAAAAAAAAAAAAAH9/fwAAAAADzMzMAMDA/wB/f38AAAAAAAAAAAAAAAAAAAAAAAAAAAAhAAAAGAAAABQAAAAoBQAAOwsAANhFAAAAJgAAEAAAAA=="/>
+                <pr:smNativeData xmlns:pr="smNativeData" xmlns="" val="SMDATA_12_7hxgVxMAAAAlAAAAZAAAAA0AAAAAkAAAAEgAAACQAAAASAAAAAAAAAAAAAAAAAAAAAEAAABQAAAAAAAAAAAA4D8AAAAAAADgPwAAAAAAAOA/AAAAAAAA4D8AAAAAAADgPwAAAAAAAOA/AAAAAAAA4D8AAAAAAADgPwAAAAAAAOA/AAAAAAAA4D8CAAAAjAAAAAAAAAAAAAAA////AP///wgAAAAAAAAAAAAAAAAAAAAAAAAAAAAAAAAAAAAAeAAAAAEAAABAAAAAAAAAAAAAAABaAAAAAAAAAAAAAAAAAAAAAAAAAAAAAAAAAAAAAAAAAAAAAAAAAAAAAAAAAAAAAAAAAAAAAAAAAAAAAAAAAAAAAAAAAAAAAAAAAAAAFAAAADwAAAAAAAAAAAAAAAAAAAAPAAAAAQAAACMAAAAjAAAAIwAAAB4AAAAAAAAAZAAAAGQAAAAAAAAAZAAAAGQAAAAVAAAAYAAAAAAAAAAAAAAADwAAACADAAAAAAAAAAAAAAEAAACgMgAAVgcAAKr4//8BAAAAf39/AAEAAABkAAAAAAAAABQAAABAHwAAAAAAACYAAAAAAAAAwOD//wAAAAAmAAAAZAAAABYAAABMAAAAAAAAAAAAAAAEAAAAAAAAAAEAAADn5uYKAAAAACgAAAAoAAAAZAAAAGQAAAAAAAAAzMzMAAAAAABQAAAAUAAAAGQAAABkAAAAAAAAABcAAAAUAAAAAAAAAAAAAAD/fwAA/38AAAAAAAAJAAAABAAAAAAAAAAMAAAAEAAAAAAAAAAAAAAAAAAAAAAAAAAeAAAAaAAAAAAAAAAAAAAAAAAAAAAAAAAAAAAAECcAABAnAAAAAAAAAAAAAAAAAAAAAAAAAAAAAAAAAAAAAAAAAAAAABQAAAAAAAAAwMD/AAAAAABkAAAAMgAAAAAAAABkAAAAAAAAAH9/fwAKAAAAHwAAAFQAAAD///8AAAAAAQAAAAAAAAAAAAAAAAAAAAAAAAAAAAAAAAAAAAAAAAAAAAAAAH9/fwAAAAADzMzMAMDA/wB/f38AAAAAAAAAAAAAAAAAAAAAAAAAAAAhAAAAGAAAABQAAAAoBQAAOwsAANhFAAAAJgAAEAAAAA=="/>
               </a:ext>
             </a:extLst>
           </p:cNvSpPr>
@@ -1714,7 +1718,7 @@
             <a:spLocks noGrp="1" noChangeArrowheads="1"/>
             <a:extLst>
               <a:ext uri="smNativeData">
-                <pr:smNativeData xmlns="" xmlns:pr="smNativeData" val="SMDATA_12_7hxgVxMAAAAlAAAAZAAAAA0AAAAAkAAAAEgAAACQAAAASAAAAAAAAAABAAAAAAAAAAEAAABQAAAAAAAAAAAA4D8AAAAAAADgPwAAAAAAAOA/AAAAAAAA4D8AAAAAAADgPwAAAAAAAOA/AAAAAAAA4D8AAAAAAADgPwAAAAAAAOA/AAAAAAAA4D8CAAAAjAAAAAAAAAAAAAAA////AP///wgAAAAAAAAAAAAAAAAAAAAAAAAAAAAAAAAAAAAAeAAAAAEAAABAAAAAAAAAAAAAAABaAAAAAAAAAAAAAAAAAAAAAAAAAAAAAAAAAAAAAAAAAAAAAAAAAAAAAAAAAAAAAAAAAAAAAAAAAAAAAAAAAAAAAAAAAAAAAAAAAAAAFAAAADwAAAAAAAAAAAAAAAAAAAAPAAAAAQAAACMAAAAjAAAAIwAAAB4AAAAAAAAAZAAAAGQAAAAAAAAAZAAAAGQAAAAVAAAAYAAAAAAAAAAAAAAADwAAACADAAAAAAAAAAAAAAEAAACgMgAAVgcAAKr4//8BAAAAf39/AAEAAABkAAAAAAAAABQAAABAHwAAAAAAACYAAAAAAAAAwOD//wAAAAAmAAAAZAAAABYAAABMAAAAAAAAAAAAAAAEAAAAAAAAAAEAAADn5uYKAAAAACgAAAAoAAAAZAAAAGQAAAAAAAAAzMzMAAAAAABQAAAAUAAAAGQAAABkAAAAAAAAABcAAAAUAAAAAAAAAAAAAAD/fwAA/38AAAAAAAAJAAAABAAAAAAAAAAMAAAAEAAAAAAAAAAAAAAAAAAAAAAAAAAeAAAAaAAAAAAAAAAAAAAAAAAAAAAAAAAAAAAAECcAABAnAAAAAAAAAAAAAAAAAAAAAAAAAAAAAAAAAAAAAAAAAAAAABQAAAAAAAAAwMD/AAAAAABkAAAAMgAAAAAAAABkAAAAAAAAAH9/fwAKAAAAHwAAAFQAAAD///8A////AQAAAAAAAAAAAAAAAAAAAAAAAAAAAAAAAAAAAAAAAAAAAAAAAH9/fwDn5uYDzMzMAMDA/wB/f38AAAAAAAAAAAAAAAAAAAAAAAAAAAAhAAAAGAAAABQAAAD4NAAAGicAANhFAABZKQAAEAAAAA=="/>
+                <pr:smNativeData xmlns:pr="smNativeData" xmlns="" val="SMDATA_12_7hxgVxMAAAAlAAAAZAAAAA0AAAAAkAAAAEgAAACQAAAASAAAAAAAAAABAAAAAAAAAAEAAABQAAAAAAAAAAAA4D8AAAAAAADgPwAAAAAAAOA/AAAAAAAA4D8AAAAAAADgPwAAAAAAAOA/AAAAAAAA4D8AAAAAAADgPwAAAAAAAOA/AAAAAAAA4D8CAAAAjAAAAAAAAAAAAAAA////AP///wgAAAAAAAAAAAAAAAAAAAAAAAAAAAAAAAAAAAAAeAAAAAEAAABAAAAAAAAAAAAAAABaAAAAAAAAAAAAAAAAAAAAAAAAAAAAAAAAAAAAAAAAAAAAAAAAAAAAAAAAAAAAAAAAAAAAAAAAAAAAAAAAAAAAAAAAAAAAAAAAAAAAFAAAADwAAAAAAAAAAAAAAAAAAAAPAAAAAQAAACMAAAAjAAAAIwAAAB4AAAAAAAAAZAAAAGQAAAAAAAAAZAAAAGQAAAAVAAAAYAAAAAAAAAAAAAAADwAAACADAAAAAAAAAAAAAAEAAACgMgAAVgcAAKr4//8BAAAAf39/AAEAAABkAAAAAAAAABQAAABAHwAAAAAAACYAAAAAAAAAwOD//wAAAAAmAAAAZAAAABYAAABMAAAAAAAAAAAAAAAEAAAAAAAAAAEAAADn5uYKAAAAACgAAAAoAAAAZAAAAGQAAAAAAAAAzMzMAAAAAABQAAAAUAAAAGQAAABkAAAAAAAAABcAAAAUAAAAAAAAAAAAAAD/fwAA/38AAAAAAAAJAAAABAAAAAAAAAAMAAAAEAAAAAAAAAAAAAAAAAAAAAAAAAAeAAAAaAAAAAAAAAAAAAAAAAAAAAAAAAAAAAAAECcAABAnAAAAAAAAAAAAAAAAAAAAAAAAAAAAAAAAAAAAAAAAAAAAABQAAAAAAAAAwMD/AAAAAABkAAAAMgAAAAAAAABkAAAAAAAAAH9/fwAKAAAAHwAAAFQAAAD///8A////AQAAAAAAAAAAAAAAAAAAAAAAAAAAAAAAAAAAAAAAAAAAAAAAAH9/fwDn5uYDzMzMAMDA/wB/f38AAAAAAAAAAAAAAAAAAAAAAAAAAAAhAAAAGAAAABQAAAD4NAAAGicAANhFAABZKQAAEAAAAA=="/>
               </a:ext>
             </a:extLst>
           </p:cNvSpPr>
@@ -1771,7 +1775,7 @@
             <a:spLocks noGrp="1" noChangeArrowheads="1"/>
             <a:extLst>
               <a:ext uri="smNativeData">
-                <pr:smNativeData xmlns="" xmlns:pr="smNativeData" val="SMDATA_12_7hxgVxMAAAAlAAAAZAAAAA0AAAAAkAAAAEgAAACQAAAASAAAAAAAAAABAAAAAAAAAAEAAABQAAAAAAAAAAAA4D8AAAAAAADgPwAAAAAAAOA/AAAAAAAA4D8AAAAAAADgPwAAAAAAAOA/AAAAAAAA4D8AAAAAAADgPwAAAAAAAOA/AAAAAAAA4D8CAAAAjAAAAAAAAAAAAAAA////AP///wgAAAAAAAAAAAAAAAAAAAAAAAAAAAAAAAAAAAAAeAAAAAEAAABAAAAAAAAAAAAAAABaAAAAAAAAAAAAAAAAAAAAAAAAAAAAAAAAAAAAAAAAAAAAAAAAAAAAAAAAAAAAAAAAAAAAAAAAAAAAAAAAAAAAAAAAAAAAAAAAAAAAFAAAADwAAAAAAAAAAAAAAAAAAAAPAAAAAQAAACMAAAAjAAAAIwAAAB4AAAAAAAAAZAAAAGQAAAAAAAAAZAAAAGQAAAAVAAAAYAAAAAAAAAAAAAAADwAAACADAAAAAAAAAAAAAAEAAACgMgAAVgcAAKr4//8BAAAAf39/AAEAAABkAAAAAAAAABQAAABAHwAAAAAAACYAAAAAAAAAwOD//wAAAAAmAAAAZAAAABYAAABMAAAAAAAAAAAAAAAEAAAAAAAAAAEAAADn5uYKAAAAACgAAAAoAAAAZAAAAGQAAAAAAAAAzMzMAAAAAABQAAAAUAAAAGQAAABkAAAAAAAAABcAAAAUAAAAAAAAAAAAAAD/fwAA/38AAAAAAAAJAAAABAAAAAAAAAAMAAAAEAAAAAAAAAAAAAAAAAAAAAAAAAAeAAAAaAAAAAAAAAAAAAAAAAAAAAAAAAAAAAAAECcAABAnAAAAAAAAAAAAAAAAAAAAAAAAAAAAAAAAAAAAAAAAAAAAABQAAAAAAAAAwMD/AAAAAABkAAAAMgAAAAAAAABkAAAAAAAAAH9/fwAKAAAAHwAAAFQAAAD///8A////AQAAAAAAAAAAAAAAAAAAAAAAAAAAAAAAAAAAAAAAAAAAAAAAAH9/fwDn5uYDzMzMAMDA/wB/f38AAAAAAAAAAAAAAAAAAAAAAAAAAAAhAAAAGAAAABQAAADYGAAAGicAACgyAABZKQAAEAAAAA=="/>
+                <pr:smNativeData xmlns:pr="smNativeData" xmlns="" val="SMDATA_12_7hxgVxMAAAAlAAAAZAAAAA0AAAAAkAAAAEgAAACQAAAASAAAAAAAAAABAAAAAAAAAAEAAABQAAAAAAAAAAAA4D8AAAAAAADgPwAAAAAAAOA/AAAAAAAA4D8AAAAAAADgPwAAAAAAAOA/AAAAAAAA4D8AAAAAAADgPwAAAAAAAOA/AAAAAAAA4D8CAAAAjAAAAAAAAAAAAAAA////AP///wgAAAAAAAAAAAAAAAAAAAAAAAAAAAAAAAAAAAAAeAAAAAEAAABAAAAAAAAAAAAAAABaAAAAAAAAAAAAAAAAAAAAAAAAAAAAAAAAAAAAAAAAAAAAAAAAAAAAAAAAAAAAAAAAAAAAAAAAAAAAAAAAAAAAAAAAAAAAAAAAAAAAFAAAADwAAAAAAAAAAAAAAAAAAAAPAAAAAQAAACMAAAAjAAAAIwAAAB4AAAAAAAAAZAAAAGQAAAAAAAAAZAAAAGQAAAAVAAAAYAAAAAAAAAAAAAAADwAAACADAAAAAAAAAAAAAAEAAACgMgAAVgcAAKr4//8BAAAAf39/AAEAAABkAAAAAAAAABQAAABAHwAAAAAAACYAAAAAAAAAwOD//wAAAAAmAAAAZAAAABYAAABMAAAAAAAAAAAAAAAEAAAAAAAAAAEAAADn5uYKAAAAACgAAAAoAAAAZAAAAGQAAAAAAAAAzMzMAAAAAABQAAAAUAAAAGQAAABkAAAAAAAAABcAAAAUAAAAAAAAAAAAAAD/fwAA/38AAAAAAAAJAAAABAAAAAAAAAAMAAAAEAAAAAAAAAAAAAAAAAAAAAAAAAAeAAAAaAAAAAAAAAAAAAAAAAAAAAAAAAAAAAAAECcAABAnAAAAAAAAAAAAAAAAAAAAAAAAAAAAAAAAAAAAAAAAAAAAABQAAAAAAAAAwMD/AAAAAABkAAAAMgAAAAAAAABkAAAAAAAAAH9/fwAKAAAAHwAAAFQAAAD///8A////AQAAAAAAAAAAAAAAAAAAAAAAAAAAAAAAAAAAAAAAAAAAAAAAAH9/fwDn5uYDzMzMAMDA/wB/f38AAAAAAAAAAAAAAAAAAAAAAAAAAAAhAAAAGAAAABQAAADYGAAAGicAACgyAABZKQAAEAAAAA=="/>
               </a:ext>
             </a:extLst>
           </p:cNvSpPr>
@@ -1825,7 +1829,7 @@
             <a:spLocks noGrp="1" noChangeArrowheads="1"/>
             <a:extLst>
               <a:ext uri="smNativeData">
-                <pr:smNativeData xmlns="" xmlns:pr="smNativeData" val="SMDATA_12_7hxgVxMAAAAlAAAAZAAAAA0AAAAAkAAAAEgAAACQAAAASAAAAAAAAAABAAAAAAAAAAEAAABQAAAAAAAAAAAA4D8AAAAAAADgPwAAAAAAAOA/AAAAAAAA4D8AAAAAAADgPwAAAAAAAOA/AAAAAAAA4D8AAAAAAADgPwAAAAAAAOA/AAAAAAAA4D8CAAAAjAAAAAAAAAAAAAAA////AP///wgAAAAAAAAAAAAAAAAAAAAAAAAAAAAAAAAAAAAAeAAAAAEAAABAAAAAAAAAAAAAAABaAAAAAAAAAAAAAAAAAAAAAAAAAAAAAAAAAAAAAAAAAAAAAAAAAAAAAAAAAAAAAAAAAAAAAAAAAAAAAAAAAAAAAAAAAAAAAAAAAAAAFAAAADwAAAAAAAAAAAAAAAAAAAAPAAAAAQAAACMAAAAjAAAAIwAAAB4AAAAAAAAAZAAAAGQAAAAAAAAAZAAAAGQAAAAVAAAAYAAAAAAAAAAAAAAADwAAACADAAAAAAAAAAAAAAEAAACgMgAAVgcAAKr4//8BAAAAf39/AAEAAABkAAAAAAAAABQAAABAHwAAAAAAACYAAAAAAAAAwOD//wAAAAAmAAAAZAAAABYAAABMAAAAAAAAAAAAAAAEAAAAAAAAAAEAAADn5uYKAAAAACgAAAAoAAAAZAAAAGQAAAAAAAAAzMzMAAAAAABQAAAAUAAAAGQAAABkAAAAAAAAABcAAAAUAAAAAAAAAAAAAAD/fwAA/38AAAAAAAAJAAAABAAAAAAAAAAMAAAAEAAAAAAAAAAAAAAAAAAAAAAAAAAeAAAAaAAAAAAAAAAAAAAAAAAAAAAAAAAAAAAAECcAABAnAAAAAAAAAAAAAAAAAAAAAAAAAAAAAAAAAAAAAAAAAAAAABQAAAAAAAAAwMD/AAAAAABkAAAAMgAAAAAAAABkAAAAAAAAAH9/fwAKAAAAHwAAAFQAAAD///8A////AQAAAAAAAAAAAAAAAAAAAAAAAAAAAAAAAAAAAAAAAAAAAAAAAH9/fwDn5uYDzMzMAMDA/wB/f38AAAAAAAAAAAAAAAAAAAAAAAAAAAAhAAAAGAAAABQAAAAoBQAAGicAAAgWAABZKQAAEAAAAA=="/>
+                <pr:smNativeData xmlns:pr="smNativeData" xmlns="" val="SMDATA_12_7hxgVxMAAAAlAAAAZAAAAA0AAAAAkAAAAEgAAACQAAAASAAAAAAAAAABAAAAAAAAAAEAAABQAAAAAAAAAAAA4D8AAAAAAADgPwAAAAAAAOA/AAAAAAAA4D8AAAAAAADgPwAAAAAAAOA/AAAAAAAA4D8AAAAAAADgPwAAAAAAAOA/AAAAAAAA4D8CAAAAjAAAAAAAAAAAAAAA////AP///wgAAAAAAAAAAAAAAAAAAAAAAAAAAAAAAAAAAAAAeAAAAAEAAABAAAAAAAAAAAAAAABaAAAAAAAAAAAAAAAAAAAAAAAAAAAAAAAAAAAAAAAAAAAAAAAAAAAAAAAAAAAAAAAAAAAAAAAAAAAAAAAAAAAAAAAAAAAAAAAAAAAAFAAAADwAAAAAAAAAAAAAAAAAAAAPAAAAAQAAACMAAAAjAAAAIwAAAB4AAAAAAAAAZAAAAGQAAAAAAAAAZAAAAGQAAAAVAAAAYAAAAAAAAAAAAAAADwAAACADAAAAAAAAAAAAAAEAAACgMgAAVgcAAKr4//8BAAAAf39/AAEAAABkAAAAAAAAABQAAABAHwAAAAAAACYAAAAAAAAAwOD//wAAAAAmAAAAZAAAABYAAABMAAAAAAAAAAAAAAAEAAAAAAAAAAEAAADn5uYKAAAAACgAAAAoAAAAZAAAAGQAAAAAAAAAzMzMAAAAAABQAAAAUAAAAGQAAABkAAAAAAAAABcAAAAUAAAAAAAAAAAAAAD/fwAA/38AAAAAAAAJAAAABAAAAAAAAAAMAAAAEAAAAAAAAAAAAAAAAAAAAAAAAAAeAAAAaAAAAAAAAAAAAAAAAAAAAAAAAAAAAAAAECcAABAnAAAAAAAAAAAAAAAAAAAAAAAAAAAAAAAAAAAAAAAAAAAAABQAAAAAAAAAwMD/AAAAAABkAAAAMgAAAAAAAABkAAAAAAAAAH9/fwAKAAAAHwAAAFQAAAD///8A////AQAAAAAAAAAAAAAAAAAAAAAAAAAAAAAAAAAAAAAAAAAAAAAAAH9/fwDn5uYDzMzMAMDA/wB/f38AAAAAAAAAAAAAAAAAAAAAAAAAAAAhAAAAGAAAABQAAAAoBQAAGicAAAgWAABZKQAAEAAAAA=="/>
               </a:ext>
             </a:extLst>
           </p:cNvSpPr>
@@ -2624,7 +2628,7 @@
           <p:cNvGrpSpPr>
             <a:extLst>
               <a:ext uri="smNativeData">
-                <pr:smNativeData xmlns="" xmlns:pr="smNativeData" val="SMDATA_6_7hxgVxMAAAAlAAAAAQAAAA8BAAAAkAAAAEgAAACQAAAASAAAAAAAAAAAAAAAAAAAABcAAAAUAAAAAAAAAAAAAAD/fwAA/38AAAAAAAAJAAAABAAAAAAAAAAMAAAAEAAAAAAAAAAAAAAAAAAAAAAAAAAfAAAAVAAAAAAAAAAAAAAAAAAAAAAAAAAAAAAAAAAAAAAAAAAAAAAAAAAAAAAAAAAAAAAAAAAAAAAAAAAAAAAAAAAAAAAAAAAAAAAAAAAAAAAAAAAAAAAAAAAAACEAAAAYAAAAFAAAAAAAAACEIQAAAEsAAEMmAAAQAAAA"/>
+                <pr:smNativeData xmlns:pr="smNativeData" xmlns="" val="SMDATA_6_7hxgVxMAAAAlAAAAAQAAAA8BAAAAkAAAAEgAAACQAAAASAAAAAAAAAAAAAAAAAAAABcAAAAUAAAAAAAAAAAAAAD/fwAA/38AAAAAAAAJAAAABAAAAAAAAAAMAAAAEAAAAAAAAAAAAAAAAAAAAAAAAAAfAAAAVAAAAAAAAAAAAAAAAAAAAAAAAAAAAAAAAAAAAAAAAAAAAAAAAAAAAAAAAAAAAAAAAAAAAAAAAAAAAAAAAAAAAAAAAAAAAAAAAAAAAAAAAAAAAAAAAAAAACEAAAAYAAAAFAAAAAAAAACEIQAAAEsAAEMmAAAQAAAA"/>
               </a:ext>
             </a:extLst>
           </p:cNvGrpSpPr>
@@ -2674,7 +2678,7 @@
             <p:cNvSpPr>
               <a:extLst>
                 <a:ext uri="smNativeData">
-                  <pr:smNativeData xmlns="" xmlns:pr="smNativeData" val="SMDATA_12_7hxgVxMAAAAlAAAAZAAAAA0AAAAAkAAAAEgAAACQAAAASAAAAAAAAAABAAAAAAAAAAEAAABQAAAAAAAAAAAA4D8AAAAAAADgPwAAAAAAAOA/AAAAAAAA4D8AAAAAAADgPwAAAAAAAOA/AAAAAAAA4D8AAAAAAADgPwAAAAAAAOA/AAAAAAAA4D8CAAAAjAAAAAEAAAAAAAAAVII1AP///wgAAAAAAAAAAAAAAAAAAAAAAAAAAAAAAAAAAAAAeAAAAAEAAABAAAAAAAAAAAAAAABaAAAAAAAAAAAAAAAAAAAAAAAAAAAAAAAAAAAAAAAAAAAAAAAAAAAAAAAAAAAAAAAAAAAAAAAAAAAAAAAAAAAAAAAAAAAAAAAAAAAAFAAAADwAAAAAAAAAAAAAAAZJjAkUAAAAAQAAABQAAAAUAAAAFAAAAAEAAAAAAAAAZAAAAGQAAAAAAAAAZAAAAGQAAAAVAAAAYAAAAAAAAAAAAAAADwAAACADAAAAAAAAAAAAAAEAAACgMgAAVgcAAKr4//8BAAAAf39/AAEAAABkAAAAAAAAABQAAABAHwAAAAAAACYAAAAAAAAAwOD//wAAAAAmAAAAZAAAABYAAABMAAAAAAAAAAAAAAAEAAAAAAAAAAEAAACWlpYKAAAAACgAAAAoAAAAZAAAAGQAAAAAAAAAzMzMAAAAAABQAAAAUAAAAGQAAABkAAAAAAAAABcAAAAUAAAAAAAAAAAAAAD/fwAA/38AAAAAAAAJAAAABAAAAAAAAAAMAAAAEAAAAAAAAAAAAAAAAAAAAAAAAAAeAAAAaAAAAAAAAAAAAAAAAAAAAAAAAAAAAAAAECcAABAnAAAAAAAAAAAAAAAAAAAAAAAAAAAAAAAAAAAAAAAAAAAAABQAAAAAAAAAwMD/AAAAAABkAAAAMgAAAAAAAABkAAAAAAAAAH9/fwAKAAAAHwAAAFQAAABUgjUA////AQAAAAAAAAAAAAAAAAAAAAAAAAAAAAAAAAAAAAAAAAAAAAAAAn9/fwDn5uYDzMzMAMDA/wB/f38AAAAAAAAAAAAAAAAAAAAAAAAAAAAhAAAAGAAAABQAAADLEgAAhiEAAABLAABDJgAAAAAAAA=="/>
+                  <pr:smNativeData xmlns:pr="smNativeData" xmlns="" val="SMDATA_12_7hxgVxMAAAAlAAAAZAAAAA0AAAAAkAAAAEgAAACQAAAASAAAAAAAAAABAAAAAAAAAAEAAABQAAAAAAAAAAAA4D8AAAAAAADgPwAAAAAAAOA/AAAAAAAA4D8AAAAAAADgPwAAAAAAAOA/AAAAAAAA4D8AAAAAAADgPwAAAAAAAOA/AAAAAAAA4D8CAAAAjAAAAAEAAAAAAAAAVII1AP///wgAAAAAAAAAAAAAAAAAAAAAAAAAAAAAAAAAAAAAeAAAAAEAAABAAAAAAAAAAAAAAABaAAAAAAAAAAAAAAAAAAAAAAAAAAAAAAAAAAAAAAAAAAAAAAAAAAAAAAAAAAAAAAAAAAAAAAAAAAAAAAAAAAAAAAAAAAAAAAAAAAAAFAAAADwAAAAAAAAAAAAAAAZJjAkUAAAAAQAAABQAAAAUAAAAFAAAAAEAAAAAAAAAZAAAAGQAAAAAAAAAZAAAAGQAAAAVAAAAYAAAAAAAAAAAAAAADwAAACADAAAAAAAAAAAAAAEAAACgMgAAVgcAAKr4//8BAAAAf39/AAEAAABkAAAAAAAAABQAAABAHwAAAAAAACYAAAAAAAAAwOD//wAAAAAmAAAAZAAAABYAAABMAAAAAAAAAAAAAAAEAAAAAAAAAAEAAACWlpYKAAAAACgAAAAoAAAAZAAAAGQAAAAAAAAAzMzMAAAAAABQAAAAUAAAAGQAAABkAAAAAAAAABcAAAAUAAAAAAAAAAAAAAD/fwAA/38AAAAAAAAJAAAABAAAAAAAAAAMAAAAEAAAAAAAAAAAAAAAAAAAAAAAAAAeAAAAaAAAAAAAAAAAAAAAAAAAAAAAAAAAAAAAECcAABAnAAAAAAAAAAAAAAAAAAAAAAAAAAAAAAAAAAAAAAAAAAAAABQAAAAAAAAAwMD/AAAAAABkAAAAMgAAAAAAAABkAAAAAAAAAH9/fwAKAAAAHwAAAFQAAABUgjUA////AQAAAAAAAAAAAAAAAAAAAAAAAAAAAAAAAAAAAAAAAAAAAAAAAn9/fwDn5uYDzMzMAMDA/wB/f38AAAAAAAAAAAAAAAAAAAAAAAAAAAAhAAAAGAAAABQAAADLEgAAhiEAAABLAABDJgAAAAAAAA=="/>
                 </a:ext>
               </a:extLst>
             </p:cNvSpPr>
@@ -2825,7 +2829,7 @@
             <p:cNvSpPr>
               <a:extLst>
                 <a:ext uri="smNativeData">
-                  <pr:smNativeData xmlns="" xmlns:pr="smNativeData" val="SMDATA_12_7hxgVxMAAAAlAAAAZAAAAA0AAAAAkAAAAEgAAACQAAAASAAAAAAAAAABAAAAAAAAAAEAAABQAAAAAAAAAAAA4D8AAAAAAADgPwAAAAAAAOA/AAAAAAAA4D8AAAAAAADgPwAAAAAAAOA/AAAAAAAA4D8AAAAAAADgPwAAAAAAAOA/AAAAAAAA4D8CAAAAjAAAAAEAAAAAAAAA/8AAAP///wgAAAAAAAAAAAAAAAAAAAAAAAAAAAAAAAAAAAAAeAAAAAEAAABAAAAAAAAAAAAAAABaAAAAAAAAAAAAAAAAAAAAAAAAAAAAAAAAAAAAAAAAAAAAAAAAAAAAAAAAAAAAAAAAAAAAAAAAAAAAAAAAAAAAAAAAAAAAAAAAAAAAFAAAADwAAAAAAAAAAAAAAAZJjAkUAAAAAQAAABQAAAAUAAAAFAAAAAEAAAAAAAAAZAAAAGQAAAAAAAAAZAAAAGQAAAAVAAAAYAAAAAAAAAAAAAAADwAAACADAAAAAAAAAAAAAAEAAACgMgAAVgcAAKr4//8BAAAAf39/AAEAAABkAAAAAAAAABQAAABAHwAAAAAAACYAAAAAAAAAwOD//wAAAAAmAAAAZAAAABYAAABMAAAAAAAAAAAAAAAEAAAAAAAAAAEAAACWlpYKAAAAACgAAAAoAAAAZAAAAGQAAAAAAAAAzMzMAAAAAABQAAAAUAAAAGQAAABkAAAAAAAAABcAAAAUAAAAAAAAAAAAAAD/fwAA/38AAAAAAAAJAAAABAAAAAAAAAAMAAAAEAAAAAAAAAAAAAAAAAAAAAAAAAAeAAAAaAAAAAAAAAAAAAAAAAAAAAAAAAAAAAAAECcAABAnAAAAAAAAAAAAAAAAAAAAAAAAAAAAAAAAAAAAAAAAAAAAABQAAAAAAAAAwMD/AAAAAABkAAAAMgAAAAAAAABkAAAAAAAAAH9/fwAKAAAAHwAAAFQAAAD/wAAA////AQAAAAAAAAAAAAAAAAAAAAAAAAAAAAAAAAAAAAAAAAAAAAAAAn9/fwDn5uYDzMzMAMDA/wB/f38AAAAAAAAAAAAAAAAAAAAAAAAAAAAhAAAAGAAAABQAAAAAAAAAhCEAAMsSAABBJgAAAAAAAA=="/>
+                  <pr:smNativeData xmlns:pr="smNativeData" xmlns="" val="SMDATA_12_7hxgVxMAAAAlAAAAZAAAAA0AAAAAkAAAAEgAAACQAAAASAAAAAAAAAABAAAAAAAAAAEAAABQAAAAAAAAAAAA4D8AAAAAAADgPwAAAAAAAOA/AAAAAAAA4D8AAAAAAADgPwAAAAAAAOA/AAAAAAAA4D8AAAAAAADgPwAAAAAAAOA/AAAAAAAA4D8CAAAAjAAAAAEAAAAAAAAA/8AAAP///wgAAAAAAAAAAAAAAAAAAAAAAAAAAAAAAAAAAAAAeAAAAAEAAABAAAAAAAAAAAAAAABaAAAAAAAAAAAAAAAAAAAAAAAAAAAAAAAAAAAAAAAAAAAAAAAAAAAAAAAAAAAAAAAAAAAAAAAAAAAAAAAAAAAAAAAAAAAAAAAAAAAAFAAAADwAAAAAAAAAAAAAAAZJjAkUAAAAAQAAABQAAAAUAAAAFAAAAAEAAAAAAAAAZAAAAGQAAAAAAAAAZAAAAGQAAAAVAAAAYAAAAAAAAAAAAAAADwAAACADAAAAAAAAAAAAAAEAAACgMgAAVgcAAKr4//8BAAAAf39/AAEAAABkAAAAAAAAABQAAABAHwAAAAAAACYAAAAAAAAAwOD//wAAAAAmAAAAZAAAABYAAABMAAAAAAAAAAAAAAAEAAAAAAAAAAEAAACWlpYKAAAAACgAAAAoAAAAZAAAAGQAAAAAAAAAzMzMAAAAAABQAAAAUAAAAGQAAABkAAAAAAAAABcAAAAUAAAAAAAAAAAAAAD/fwAA/38AAAAAAAAJAAAABAAAAAAAAAAMAAAAEAAAAAAAAAAAAAAAAAAAAAAAAAAeAAAAaAAAAAAAAAAAAAAAAAAAAAAAAAAAAAAAECcAABAnAAAAAAAAAAAAAAAAAAAAAAAAAAAAAAAAAAAAAAAAAAAAABQAAAAAAAAAwMD/AAAAAABkAAAAMgAAAAAAAABkAAAAAAAAAH9/fwAKAAAAHwAAAFQAAAD/wAAA////AQAAAAAAAAAAAAAAAAAAAAAAAAAAAAAAAAAAAAAAAAAAAAAAAn9/fwDn5uYDzMzMAMDA/wB/f38AAAAAAAAAAAAAAAAAAAAAAAAAAAAhAAAAGAAAABQAAAAAAAAAhCEAAMsSAABBJgAAAAAAAA=="/>
                 </a:ext>
               </a:extLst>
             </p:cNvSpPr>
@@ -2978,7 +2982,7 @@
             <a:spLocks noGrp="1" noChangeArrowheads="1"/>
             <a:extLst>
               <a:ext uri="smNativeData">
-                <pr:smNativeData xmlns="" xmlns:pr="smNativeData" val="SMDATA_12_7hxgVxMAAAAlAAAAZAAAAA0AAAAAkAAAAEgAAACQAAAASAAAAAAAAAACAAAAAAAAAAEAAABQAAAAAAAAAAAA4D8AAAAAAADgPwAAAAAAAOA/AAAAAAAA4D8AAAAAAADgPwAAAAAAAOA/AAAAAAAA4D8AAAAAAADgPwAAAAAAAOA/AAAAAAAA4D8CAAAAjAAAAAAAAAAAAAAA////DP///wgAAAAAAAAAAAAAAAAAAAAAAAAAAAAAAAAAAAAAZAAAAAEAAABAAAAAAAAAAAAAAAAAAAAAAAAAAAAAAAAAAAAAAAAAAAAAAAAAAAAAAAAAAAAAAAAAAAAAAAAAAAAAAAAAAAAAAAAAAAAAAAAAAAAAAAAAAAAAAAAAAAAAFAAAADwAAAAAAAAAAAAAAAZJjAkUAAAAAQAAABQAAAAUAAAAFAAAAAEAAAAAAAAAZAAAAGQAAAAAAAAAZAAAAGQAAAAVAAAAYAAAAAAAAAAAAAAADwAAACADAAAAAAAAAAAAAAEAAACgMgAAVgcAAKr4//8BAAAAf39/AAEAAABkAAAAAAAAABQAAABAHwAAAAAAACYAAAAAAAAAwOD//wAAAAAmAAAAZAAAABYAAABMAAAAAAAAAAAAAAAEAAAAAAAAAAEAAACWlpYKAAAAACgAAAAoAAAAZAAAAGQAAAAAAAAAzMzMAAAAAABQAAAAUAAAAGQAAABkAAAAAAAAABcAAAAUAAAAAAAAAAAAAAD/fwAA/38AAAAAAAAJAAAABAAAAAAAAAAMAAAAEAAAAAAAAAAAAAAAAAAAAAAAAAAeAAAAaAAAAAAAAAAAAAAAAAAAAAAAAAAAAAAAECcAABAnAAAAAAAAAAAAAAAAAAAAAAAAAAAAAAAAAAAAAAAAAAAAABQAAAAAAAAAwMD/AAAAAABkAAAAMgAAAAAAAABkAAAAAAAAAH9/fwAKAAAAHwAAAFQAAABbm9UF////AQAAAAAAAAAAAAAAAAAAAAAAAAAAAAAAAAAAAAAAAAAAAAAAAn9/fwDn5uYDzMzMAMDA/wB/f38AAAAAAAAAAAAAAAAAAAAAAAAAAAAhAAAAGAAAABQAAADLEgAAFQkAAItHAABTHgAAAAAAAA=="/>
+                <pr:smNativeData xmlns:pr="smNativeData" xmlns="" val="SMDATA_12_7hxgVxMAAAAlAAAAZAAAAA0AAAAAkAAAAEgAAACQAAAASAAAAAAAAAACAAAAAAAAAAEAAABQAAAAAAAAAAAA4D8AAAAAAADgPwAAAAAAAOA/AAAAAAAA4D8AAAAAAADgPwAAAAAAAOA/AAAAAAAA4D8AAAAAAADgPwAAAAAAAOA/AAAAAAAA4D8CAAAAjAAAAAAAAAAAAAAA////DP///wgAAAAAAAAAAAAAAAAAAAAAAAAAAAAAAAAAAAAAZAAAAAEAAABAAAAAAAAAAAAAAAAAAAAAAAAAAAAAAAAAAAAAAAAAAAAAAAAAAAAAAAAAAAAAAAAAAAAAAAAAAAAAAAAAAAAAAAAAAAAAAAAAAAAAAAAAAAAAAAAAAAAAFAAAADwAAAAAAAAAAAAAAAZJjAkUAAAAAQAAABQAAAAUAAAAFAAAAAEAAAAAAAAAZAAAAGQAAAAAAAAAZAAAAGQAAAAVAAAAYAAAAAAAAAAAAAAADwAAACADAAAAAAAAAAAAAAEAAACgMgAAVgcAAKr4//8BAAAAf39/AAEAAABkAAAAAAAAABQAAABAHwAAAAAAACYAAAAAAAAAwOD//wAAAAAmAAAAZAAAABYAAABMAAAAAAAAAAAAAAAEAAAAAAAAAAEAAACWlpYKAAAAACgAAAAoAAAAZAAAAGQAAAAAAAAAzMzMAAAAAABQAAAAUAAAAGQAAABkAAAAAAAAABcAAAAUAAAAAAAAAAAAAAD/fwAA/38AAAAAAAAJAAAABAAAAAAAAAAMAAAAEAAAAAAAAAAAAAAAAAAAAAAAAAAeAAAAaAAAAAAAAAAAAAAAAAAAAAAAAAAAAAAAECcAABAnAAAAAAAAAAAAAAAAAAAAAAAAAAAAAAAAAAAAAAAAAAAAABQAAAAAAAAAwMD/AAAAAABkAAAAMgAAAAAAAABkAAAAAAAAAH9/fwAKAAAAHwAAAFQAAABbm9UF////AQAAAAAAAAAAAAAAAAAAAAAAAAAAAAAAAAAAAAAAAAAAAAAAAn9/fwDn5uYDzMzMAMDA/wB/f38AAAAAAAAAAAAAAAAAAAAAAAAAAAAhAAAAGAAAABQAAADLEgAAFQkAAItHAABTHgAAAAAAAA=="/>
               </a:ext>
             </a:extLst>
           </p:cNvSpPr>
@@ -3041,7 +3045,7 @@
             <a:spLocks noGrp="1" noChangeArrowheads="1"/>
             <a:extLst>
               <a:ext uri="smNativeData">
-                <pr:smNativeData xmlns="" xmlns:pr="smNativeData" val="SMDATA_12_7hxgVxMAAAAlAAAAZAAAAA0AAAAAkAAAAEgAAACQAAAASAAAAAAAAAAAAAAAAAAAAAEAAABQAAAAAAAAAAAA4D8AAAAAAADgPwAAAAAAAOA/AAAAAAAA4D8AAAAAAADgPwAAAAAAAOA/AAAAAAAA4D8AAAAAAADgPwAAAAAAAOA/AAAAAAAA4D8CAAAAjAAAAAAAAAAAAAAA////DP///wgAAAAAAAAAAAAAAAAAAAAAAAAAAAAAAAAAAAAAZAAAAAEAAABAAAAAAAAAAAAAAAAAAAAAAAAAAAAAAAAAAAAAAAAAAAAAAAAAAAAAAAAAAAAAAAAAAAAAAAAAAAAAAAAAAAAAAAAAAAAAAAAAAAAAAAAAAAAAAAAAAAAAFAAAADwAAAAAAAAAAAAAAAZJjAkUAAAAAQAAABQAAAAUAAAAFAAAAAEAAAAAAAAAZAAAAGQAAAAAAAAAZAAAAGQAAAAVAAAAYAAAAAAAAAAAAAAADwAAACADAAAAAAAAAAAAAAEAAACgMgAAVgcAAKr4//8BAAAAf39/AAEAAABkAAAAAAAAABQAAABAHwAAAAAAACYAAAAAAAAAwOD//wAAAAAmAAAAZAAAABYAAABMAAAAAAAAAAAAAAAEAAAAAAAAAAEAAACWlpYKAAAAACgAAAAoAAAAZAAAAGQAAAAAAAAAzMzMAAAAAABQAAAAUAAAAGQAAABkAAAAAAAAABcAAAAUAAAAAAAAAAAAAAD/fwAA/38AAAAAAAAJAAAABAAAAAAAAAAMAAAAEAAAAAAAAAAAAAAAAAAAAAAAAAAeAAAAaAAAAAAAAAAAAAAAAAAAAAAAAAAAAAAAECcAABAnAAAAAAAAAAAAAAAAAAAAAAAAAAAAAAAAAAAAAAAAAAAAABQAAAAAAAAAwMD/AAAAAABkAAAAMgAAAAAAAABkAAAAAAAAAH9/fwAKAAAAHwAAAFQAAABbm9UF////AQAAAAAAAAAAAAAAAAAAAAAAAAAAAAAAAAAAAAAAAAAAAAAAAn9/fwDn5uYDzMzMAMDA/wB/f38AAAAAAAAAAAAAAAAAAAAAAAAAAAAhAAAAGAAAABQAAADAEgAAzyEAAABLAAAWJgAAEAAAAA=="/>
+                <pr:smNativeData xmlns:pr="smNativeData" xmlns="" val="SMDATA_12_7hxgVxMAAAAlAAAAZAAAAA0AAAAAkAAAAEgAAACQAAAASAAAAAAAAAAAAAAAAAAAAAEAAABQAAAAAAAAAAAA4D8AAAAAAADgPwAAAAAAAOA/AAAAAAAA4D8AAAAAAADgPwAAAAAAAOA/AAAAAAAA4D8AAAAAAADgPwAAAAAAAOA/AAAAAAAA4D8CAAAAjAAAAAAAAAAAAAAA////DP///wgAAAAAAAAAAAAAAAAAAAAAAAAAAAAAAAAAAAAAZAAAAAEAAABAAAAAAAAAAAAAAAAAAAAAAAAAAAAAAAAAAAAAAAAAAAAAAAAAAAAAAAAAAAAAAAAAAAAAAAAAAAAAAAAAAAAAAAAAAAAAAAAAAAAAAAAAAAAAAAAAAAAAFAAAADwAAAAAAAAAAAAAAAZJjAkUAAAAAQAAABQAAAAUAAAAFAAAAAEAAAAAAAAAZAAAAGQAAAAAAAAAZAAAAGQAAAAVAAAAYAAAAAAAAAAAAAAADwAAACADAAAAAAAAAAAAAAEAAACgMgAAVgcAAKr4//8BAAAAf39/AAEAAABkAAAAAAAAABQAAABAHwAAAAAAACYAAAAAAAAAwOD//wAAAAAmAAAAZAAAABYAAABMAAAAAAAAAAAAAAAEAAAAAAAAAAEAAACWlpYKAAAAACgAAAAoAAAAZAAAAGQAAAAAAAAAzMzMAAAAAABQAAAAUAAAAGQAAABkAAAAAAAAABcAAAAUAAAAAAAAAAAAAAD/fwAA/38AAAAAAAAJAAAABAAAAAAAAAAMAAAAEAAAAAAAAAAAAAAAAAAAAAAAAAAeAAAAaAAAAAAAAAAAAAAAAAAAAAAAAAAAAAAAECcAABAnAAAAAAAAAAAAAAAAAAAAAAAAAAAAAAAAAAAAAAAAAAAAABQAAAAAAAAAwMD/AAAAAABkAAAAMgAAAAAAAABkAAAAAAAAAH9/fwAKAAAAHwAAAFQAAABbm9UF////AQAAAAAAAAAAAAAAAAAAAAAAAAAAAAAAAAAAAAAAAAAAAAAAAn9/fwDn5uYDzMzMAMDA/wB/f38AAAAAAAAAAAAAAAAAAAAAAAAAAAAhAAAAGAAAABQAAADAEgAAzyEAAABLAAAWJgAAEAAAAA=="/>
               </a:ext>
             </a:extLst>
           </p:cNvSpPr>
@@ -7245,11 +7249,7 @@
             </a:pPr>
             <a:r>
               <a:rPr lang="pt-BR" sz="6600" dirty="0" smtClean="0"/>
-              <a:t>Alguns exercícios para </a:t>
-            </a:r>
-            <a:r>
-              <a:rPr lang="pt-BR" sz="6600" dirty="0" smtClean="0"/>
-              <a:t>encerrar o capítulo...</a:t>
+              <a:t>Alguns exercícios para encerrar o capítulo...</a:t>
             </a:r>
             <a:endParaRPr lang="pt-BR" sz="6600" dirty="0"/>
           </a:p>
@@ -7594,23 +7594,54 @@
       </p:sp>
       <p:sp>
         <p:nvSpPr>
-          <p:cNvPr id="4" name="Espaço Reservado para Rodapé 3"/>
-          <p:cNvSpPr>
-            <a:spLocks noGrp="1"/>
-          </p:cNvSpPr>
-          <p:nvPr>
-            <p:ph type="ftr" sz="quarter" idx="11"/>
-          </p:nvPr>
-        </p:nvSpPr>
-        <p:spPr/>
-        <p:txBody>
-          <a:bodyPr/>
-          <a:lstStyle/>
-          <a:p>
+          <p:cNvPr id="5" name="Espaço Reservado para Rodapé 3"/>
+          <p:cNvSpPr>
+            <a:spLocks noGrp="1"/>
+          </p:cNvSpPr>
+          <p:nvPr>
+            <p:ph type="ftr" sz="quarter" idx="4294967295"/>
+          </p:nvPr>
+        </p:nvSpPr>
+        <p:spPr>
+          <a:xfrm>
+            <a:off x="3028950" y="6356351"/>
+            <a:ext cx="3086100" cy="365125"/>
+          </a:xfrm>
+          <a:prstGeom prst="rect">
+            <a:avLst/>
+          </a:prstGeom>
+        </p:spPr>
+        <p:txBody>
+          <a:bodyPr/>
+          <a:lstStyle/>
+          <a:p>
+            <a:pPr algn="ctr">
+              <a:defRPr sz="1200">
+                <a:solidFill>
+                  <a:srgbClr val="8C8C8C"/>
+                </a:solidFill>
+                <a:latin typeface="Tw Cen MT" charset="0"/>
+                <a:ea typeface="Calibri" charset="0"/>
+                <a:cs typeface="Calibri" charset="0"/>
+              </a:defRPr>
+            </a:pPr>
             <a:r>
               <a:rPr lang="pt-BR" dirty="0" smtClean="0"/>
               <a:t>Orientação a Objeto</a:t>
             </a:r>
+            <a:endParaRPr lang="pt-BR" dirty="0"/>
+          </a:p>
+          <a:p>
+            <a:pPr algn="ctr">
+              <a:defRPr sz="1200">
+                <a:solidFill>
+                  <a:srgbClr val="8C8C8C"/>
+                </a:solidFill>
+                <a:latin typeface="Tw Cen MT" charset="0"/>
+                <a:ea typeface="Calibri" charset="0"/>
+                <a:cs typeface="Calibri" charset="0"/>
+              </a:defRPr>
+            </a:pPr>
             <a:endParaRPr lang="pt-BR" dirty="0"/>
           </a:p>
         </p:txBody>
@@ -7654,87 +7685,118 @@
       </p:grpSpPr>
       <p:sp>
         <p:nvSpPr>
-          <p:cNvPr id="2" name="Título 1"/>
-          <p:cNvSpPr>
-            <a:spLocks noGrp="1"/>
-          </p:cNvSpPr>
-          <p:nvPr>
-            <p:ph type="ctrTitle"/>
-          </p:nvPr>
-        </p:nvSpPr>
-        <p:spPr/>
-        <p:txBody>
-          <a:bodyPr/>
-          <a:lstStyle/>
-          <a:p>
-            <a:r>
-              <a:rPr lang="pt-BR" dirty="0" smtClean="0"/>
-              <a:t>Herança e Polimorfismo</a:t>
-            </a:r>
-            <a:endParaRPr lang="pt-BR" dirty="0"/>
-          </a:p>
-        </p:txBody>
-      </p:sp>
-      <p:sp>
-        <p:nvSpPr>
-          <p:cNvPr id="3" name="Subtítulo 2"/>
-          <p:cNvSpPr>
-            <a:spLocks noGrp="1"/>
-          </p:cNvSpPr>
-          <p:nvPr>
-            <p:ph type="subTitle" idx="1"/>
-          </p:nvPr>
-        </p:nvSpPr>
-        <p:spPr/>
-        <p:txBody>
-          <a:bodyPr/>
-          <a:lstStyle/>
-          <a:p>
-            <a:r>
-              <a:rPr lang="pt-BR" dirty="0" smtClean="0"/>
-              <a:t>OCA </a:t>
-            </a:r>
-            <a:r>
-              <a:rPr lang="pt-BR" dirty="0" err="1" smtClean="0"/>
-              <a:t>Objectives</a:t>
-            </a:r>
-            <a:r>
-              <a:rPr lang="pt-BR" dirty="0" smtClean="0"/>
-              <a:t> 7.1, 7.2 </a:t>
-            </a:r>
-            <a:r>
-              <a:rPr lang="pt-BR" dirty="0" err="1" smtClean="0"/>
-              <a:t>and</a:t>
-            </a:r>
-            <a:r>
-              <a:rPr lang="pt-BR" dirty="0" smtClean="0"/>
-              <a:t> 7.3</a:t>
-            </a:r>
-            <a:endParaRPr lang="pt-BR" dirty="0"/>
-          </a:p>
-        </p:txBody>
-      </p:sp>
-      <p:sp>
-        <p:nvSpPr>
-          <p:cNvPr id="4" name="Espaço Reservado para Rodapé 3"/>
-          <p:cNvSpPr>
-            <a:spLocks noGrp="1"/>
-          </p:cNvSpPr>
-          <p:nvPr>
-            <p:ph type="ftr" sz="quarter" idx="11"/>
-          </p:nvPr>
-        </p:nvSpPr>
-        <p:spPr/>
-        <p:txBody>
-          <a:bodyPr/>
-          <a:lstStyle/>
-          <a:p>
-            <a:r>
-              <a:rPr lang="pt-BR" dirty="0"/>
+          <p:cNvPr id="5" name="Título 4"/>
+          <p:cNvSpPr>
+            <a:spLocks noGrp="1"/>
+          </p:cNvSpPr>
+          <p:nvPr>
+            <p:ph type="title"/>
+          </p:nvPr>
+        </p:nvSpPr>
+        <p:spPr/>
+        <p:txBody>
+          <a:bodyPr/>
+          <a:lstStyle/>
+          <a:p>
+            <a:r>
+              <a:rPr lang="pt-BR" dirty="0" smtClean="0"/>
+              <a:t>Encapsulamento</a:t>
+            </a:r>
+            <a:endParaRPr lang="pt-BR" dirty="0"/>
+          </a:p>
+        </p:txBody>
+      </p:sp>
+      <p:sp>
+        <p:nvSpPr>
+          <p:cNvPr id="6" name="Espaço Reservado para Conteúdo 5"/>
+          <p:cNvSpPr>
+            <a:spLocks noGrp="1"/>
+          </p:cNvSpPr>
+          <p:nvPr>
+            <p:ph idx="1"/>
+          </p:nvPr>
+        </p:nvSpPr>
+        <p:spPr/>
+        <p:txBody>
+          <a:bodyPr/>
+          <a:lstStyle/>
+          <a:p>
+            <a:pPr algn="just"/>
+            <a:r>
+              <a:rPr lang="pt-BR" dirty="0" smtClean="0"/>
+              <a:t>Em Java, temos duas premissas básicas em OO: flexibilidade e manutenabilidade</a:t>
+            </a:r>
+          </a:p>
+          <a:p>
+            <a:pPr algn="just"/>
+            <a:r>
+              <a:rPr lang="pt-BR" dirty="0" smtClean="0"/>
+              <a:t>Encapsulamento é uma técnica onde utilizamos modificadores de acesso juntamente com métodos (assessores e configuradores) para evitar-se expor a implementação em detrimento da exposição do contrato a ser seguido</a:t>
+            </a:r>
+          </a:p>
+          <a:p>
+            <a:pPr algn="just"/>
+            <a:r>
+              <a:rPr lang="pt-BR" dirty="0" smtClean="0"/>
+              <a:t>Devemos seguir a convenção Java para nome os assessores e configuradores</a:t>
+            </a:r>
+          </a:p>
+          <a:p>
+            <a:pPr algn="just"/>
+            <a:endParaRPr lang="pt-BR" dirty="0"/>
+          </a:p>
+        </p:txBody>
+      </p:sp>
+      <p:sp>
+        <p:nvSpPr>
+          <p:cNvPr id="7" name="Espaço Reservado para Rodapé 3"/>
+          <p:cNvSpPr>
+            <a:spLocks noGrp="1"/>
+          </p:cNvSpPr>
+          <p:nvPr>
+            <p:ph type="ftr" sz="quarter" idx="4294967295"/>
+          </p:nvPr>
+        </p:nvSpPr>
+        <p:spPr>
+          <a:xfrm>
+            <a:off x="3028950" y="6356351"/>
+            <a:ext cx="3086100" cy="365125"/>
+          </a:xfrm>
+          <a:prstGeom prst="rect">
+            <a:avLst/>
+          </a:prstGeom>
+        </p:spPr>
+        <p:txBody>
+          <a:bodyPr/>
+          <a:lstStyle/>
+          <a:p>
+            <a:pPr algn="ctr">
+              <a:defRPr sz="1200">
+                <a:solidFill>
+                  <a:srgbClr val="8C8C8C"/>
+                </a:solidFill>
+                <a:latin typeface="Tw Cen MT" charset="0"/>
+                <a:ea typeface="Calibri" charset="0"/>
+                <a:cs typeface="Calibri" charset="0"/>
+              </a:defRPr>
+            </a:pPr>
+            <a:r>
+              <a:rPr lang="pt-BR" dirty="0" smtClean="0"/>
               <a:t>Orientação a Objeto</a:t>
             </a:r>
-          </a:p>
-          <a:p>
+            <a:endParaRPr lang="pt-BR" dirty="0"/>
+          </a:p>
+          <a:p>
+            <a:pPr algn="ctr">
+              <a:defRPr sz="1200">
+                <a:solidFill>
+                  <a:srgbClr val="8C8C8C"/>
+                </a:solidFill>
+                <a:latin typeface="Tw Cen MT" charset="0"/>
+                <a:ea typeface="Calibri" charset="0"/>
+                <a:cs typeface="Calibri" charset="0"/>
+              </a:defRPr>
+            </a:pPr>
             <a:endParaRPr lang="pt-BR" dirty="0"/>
           </a:p>
         </p:txBody>
@@ -7742,20 +7804,13 @@
     </p:spTree>
     <p:extLst>
       <p:ext uri="{BB962C8B-B14F-4D97-AF65-F5344CB8AC3E}">
-        <p14:creationId xmlns:p14="http://schemas.microsoft.com/office/powerpoint/2010/main" val="86249347"/>
+        <p14:creationId xmlns:p14="http://schemas.microsoft.com/office/powerpoint/2010/main" val="2020930400"/>
       </p:ext>
     </p:extLst>
   </p:cSld>
   <p:clrMapOvr>
     <a:masterClrMapping/>
   </p:clrMapOvr>
-  <p:timing>
-    <p:tnLst>
-      <p:par>
-        <p:cTn id="1" dur="indefinite" restart="never" nodeType="tmRoot"/>
-      </p:par>
-    </p:tnLst>
-  </p:timing>
 </p:sld>
 </file>
 
@@ -7793,7 +7848,7 @@
           <a:p>
             <a:r>
               <a:rPr lang="pt-BR" dirty="0" smtClean="0"/>
-              <a:t>Polimorfismo</a:t>
+              <a:t>Herança e Polimorfismo</a:t>
             </a:r>
             <a:endParaRPr lang="pt-BR" dirty="0"/>
           </a:p>
@@ -7816,7 +7871,7 @@
           <a:p>
             <a:r>
               <a:rPr lang="pt-BR" dirty="0" smtClean="0"/>
-              <a:t>Oca </a:t>
+              <a:t>OCA </a:t>
             </a:r>
             <a:r>
               <a:rPr lang="pt-BR" dirty="0" err="1" smtClean="0"/>
@@ -7824,7 +7879,7 @@
             </a:r>
             <a:r>
               <a:rPr lang="pt-BR" dirty="0" smtClean="0"/>
-              <a:t> 7.2 </a:t>
+              <a:t> 7.1, 7.2 </a:t>
             </a:r>
             <a:r>
               <a:rPr lang="pt-BR" dirty="0" err="1" smtClean="0"/>
@@ -7840,25 +7895,54 @@
       </p:sp>
       <p:sp>
         <p:nvSpPr>
-          <p:cNvPr id="4" name="Espaço Reservado para Rodapé 3"/>
-          <p:cNvSpPr>
-            <a:spLocks noGrp="1"/>
-          </p:cNvSpPr>
-          <p:nvPr>
-            <p:ph type="ftr" sz="quarter" idx="11"/>
-          </p:nvPr>
-        </p:nvSpPr>
-        <p:spPr/>
-        <p:txBody>
-          <a:bodyPr/>
-          <a:lstStyle/>
-          <a:p>
-            <a:r>
-              <a:rPr lang="pt-BR" dirty="0"/>
+          <p:cNvPr id="5" name="Espaço Reservado para Rodapé 3"/>
+          <p:cNvSpPr>
+            <a:spLocks noGrp="1"/>
+          </p:cNvSpPr>
+          <p:nvPr>
+            <p:ph type="ftr" sz="quarter" idx="4294967295"/>
+          </p:nvPr>
+        </p:nvSpPr>
+        <p:spPr>
+          <a:xfrm>
+            <a:off x="3028950" y="6356351"/>
+            <a:ext cx="3086100" cy="365125"/>
+          </a:xfrm>
+          <a:prstGeom prst="rect">
+            <a:avLst/>
+          </a:prstGeom>
+        </p:spPr>
+        <p:txBody>
+          <a:bodyPr/>
+          <a:lstStyle/>
+          <a:p>
+            <a:pPr algn="ctr">
+              <a:defRPr sz="1200">
+                <a:solidFill>
+                  <a:srgbClr val="8C8C8C"/>
+                </a:solidFill>
+                <a:latin typeface="Tw Cen MT" charset="0"/>
+                <a:ea typeface="Calibri" charset="0"/>
+                <a:cs typeface="Calibri" charset="0"/>
+              </a:defRPr>
+            </a:pPr>
+            <a:r>
+              <a:rPr lang="pt-BR" dirty="0" smtClean="0"/>
               <a:t>Orientação a Objeto</a:t>
             </a:r>
-          </a:p>
-          <a:p>
+            <a:endParaRPr lang="pt-BR" dirty="0"/>
+          </a:p>
+          <a:p>
+            <a:pPr algn="ctr">
+              <a:defRPr sz="1200">
+                <a:solidFill>
+                  <a:srgbClr val="8C8C8C"/>
+                </a:solidFill>
+                <a:latin typeface="Tw Cen MT" charset="0"/>
+                <a:ea typeface="Calibri" charset="0"/>
+                <a:cs typeface="Calibri" charset="0"/>
+              </a:defRPr>
+            </a:pPr>
             <a:endParaRPr lang="pt-BR" dirty="0"/>
           </a:p>
         </p:txBody>
@@ -7866,7 +7950,7 @@
     </p:spTree>
     <p:extLst>
       <p:ext uri="{BB962C8B-B14F-4D97-AF65-F5344CB8AC3E}">
-        <p14:creationId xmlns:p14="http://schemas.microsoft.com/office/powerpoint/2010/main" val="331758530"/>
+        <p14:creationId xmlns:p14="http://schemas.microsoft.com/office/powerpoint/2010/main" val="86249347"/>
       </p:ext>
     </p:extLst>
   </p:cSld>
@@ -7902,91 +7986,126 @@
       </p:grpSpPr>
       <p:sp>
         <p:nvSpPr>
-          <p:cNvPr id="2" name="Título 1"/>
-          <p:cNvSpPr>
-            <a:spLocks noGrp="1"/>
-          </p:cNvSpPr>
-          <p:nvPr>
-            <p:ph type="ctrTitle"/>
-          </p:nvPr>
-        </p:nvSpPr>
-        <p:spPr/>
-        <p:txBody>
-          <a:bodyPr/>
-          <a:lstStyle/>
-          <a:p>
-            <a:r>
-              <a:rPr lang="pt-BR" dirty="0" err="1" smtClean="0"/>
-              <a:t>Sobrescrição</a:t>
-            </a:r>
-            <a:r>
-              <a:rPr lang="pt-BR" dirty="0" smtClean="0"/>
-              <a:t> e Sobrecarga</a:t>
-            </a:r>
-            <a:endParaRPr lang="pt-BR" dirty="0"/>
-          </a:p>
-        </p:txBody>
-      </p:sp>
-      <p:sp>
-        <p:nvSpPr>
-          <p:cNvPr id="3" name="Subtítulo 2"/>
-          <p:cNvSpPr>
-            <a:spLocks noGrp="1"/>
-          </p:cNvSpPr>
-          <p:nvPr>
-            <p:ph type="subTitle" idx="1"/>
-          </p:nvPr>
-        </p:nvSpPr>
-        <p:spPr/>
-        <p:txBody>
-          <a:bodyPr/>
-          <a:lstStyle/>
-          <a:p>
-            <a:r>
-              <a:rPr lang="pt-BR" dirty="0" smtClean="0"/>
-              <a:t>Oca </a:t>
-            </a:r>
-            <a:r>
-              <a:rPr lang="pt-BR" dirty="0" err="1" smtClean="0"/>
-              <a:t>Objectives</a:t>
-            </a:r>
-            <a:r>
-              <a:rPr lang="pt-BR" dirty="0" smtClean="0"/>
-              <a:t> 6.1, 6.3, 7.2 </a:t>
-            </a:r>
-            <a:r>
-              <a:rPr lang="pt-BR" dirty="0" err="1" smtClean="0"/>
-              <a:t>and</a:t>
-            </a:r>
-            <a:r>
-              <a:rPr lang="pt-BR" dirty="0" smtClean="0"/>
-              <a:t> 7.3</a:t>
-            </a:r>
-            <a:endParaRPr lang="pt-BR" dirty="0"/>
-          </a:p>
-        </p:txBody>
-      </p:sp>
-      <p:sp>
-        <p:nvSpPr>
-          <p:cNvPr id="4" name="Espaço Reservado para Rodapé 3"/>
-          <p:cNvSpPr>
-            <a:spLocks noGrp="1"/>
-          </p:cNvSpPr>
-          <p:nvPr>
-            <p:ph type="ftr" sz="quarter" idx="11"/>
-          </p:nvPr>
-        </p:nvSpPr>
-        <p:spPr/>
-        <p:txBody>
-          <a:bodyPr/>
-          <a:lstStyle/>
-          <a:p>
-            <a:r>
-              <a:rPr lang="pt-BR" dirty="0"/>
+          <p:cNvPr id="5" name="Título 4"/>
+          <p:cNvSpPr>
+            <a:spLocks noGrp="1"/>
+          </p:cNvSpPr>
+          <p:nvPr>
+            <p:ph type="title"/>
+          </p:nvPr>
+        </p:nvSpPr>
+        <p:spPr/>
+        <p:txBody>
+          <a:bodyPr/>
+          <a:lstStyle/>
+          <a:p>
+            <a:r>
+              <a:rPr lang="pt-BR" dirty="0" smtClean="0"/>
+              <a:t>Herança</a:t>
+            </a:r>
+            <a:endParaRPr lang="pt-BR" dirty="0"/>
+          </a:p>
+        </p:txBody>
+      </p:sp>
+      <p:sp>
+        <p:nvSpPr>
+          <p:cNvPr id="6" name="Espaço Reservado para Conteúdo 5"/>
+          <p:cNvSpPr>
+            <a:spLocks noGrp="1"/>
+          </p:cNvSpPr>
+          <p:nvPr>
+            <p:ph idx="1"/>
+          </p:nvPr>
+        </p:nvSpPr>
+        <p:spPr/>
+        <p:txBody>
+          <a:bodyPr/>
+          <a:lstStyle/>
+          <a:p>
+            <a:pPr algn="just"/>
+            <a:r>
+              <a:rPr lang="pt-BR" dirty="0" smtClean="0"/>
+              <a:t>Herança é um tipo de relacionamento (É-UM) que permite a reutilização de código e uso de polimorfismo, dentro do modelo OO</a:t>
+            </a:r>
+          </a:p>
+          <a:p>
+            <a:pPr algn="just"/>
+            <a:r>
+              <a:rPr lang="pt-BR" dirty="0" smtClean="0"/>
+              <a:t>Para o exame, precisamos conhecer que é possível criar relacionamento de herança através da extensão de classe</a:t>
+            </a:r>
+          </a:p>
+          <a:p>
+            <a:pPr algn="just"/>
+            <a:r>
+              <a:rPr lang="pt-BR" dirty="0" smtClean="0"/>
+              <a:t>No modelo OO, não devemos nos preocupar em como um código está implementado (como a coisa funciona), escondendo a implementação. Deve-se entretanto se ater ao contrato definido.</a:t>
+            </a:r>
+          </a:p>
+          <a:p>
+            <a:pPr algn="just"/>
+            <a:endParaRPr lang="pt-BR" dirty="0" smtClean="0"/>
+          </a:p>
+          <a:p>
+            <a:pPr algn="just"/>
+            <a:endParaRPr lang="pt-BR" dirty="0" smtClean="0"/>
+          </a:p>
+          <a:p>
+            <a:pPr algn="just"/>
+            <a:endParaRPr lang="pt-BR" dirty="0"/>
+          </a:p>
+        </p:txBody>
+      </p:sp>
+      <p:sp>
+        <p:nvSpPr>
+          <p:cNvPr id="7" name="Espaço Reservado para Rodapé 3"/>
+          <p:cNvSpPr>
+            <a:spLocks noGrp="1"/>
+          </p:cNvSpPr>
+          <p:nvPr>
+            <p:ph type="ftr" sz="quarter" idx="4294967295"/>
+          </p:nvPr>
+        </p:nvSpPr>
+        <p:spPr>
+          <a:xfrm>
+            <a:off x="3028950" y="6356351"/>
+            <a:ext cx="3086100" cy="365125"/>
+          </a:xfrm>
+          <a:prstGeom prst="rect">
+            <a:avLst/>
+          </a:prstGeom>
+        </p:spPr>
+        <p:txBody>
+          <a:bodyPr/>
+          <a:lstStyle/>
+          <a:p>
+            <a:pPr algn="ctr">
+              <a:defRPr sz="1200">
+                <a:solidFill>
+                  <a:srgbClr val="8C8C8C"/>
+                </a:solidFill>
+                <a:latin typeface="Tw Cen MT" charset="0"/>
+                <a:ea typeface="Calibri" charset="0"/>
+                <a:cs typeface="Calibri" charset="0"/>
+              </a:defRPr>
+            </a:pPr>
+            <a:r>
+              <a:rPr lang="pt-BR" dirty="0" smtClean="0"/>
               <a:t>Orientação a Objeto</a:t>
             </a:r>
-          </a:p>
-          <a:p>
+            <a:endParaRPr lang="pt-BR" dirty="0"/>
+          </a:p>
+          <a:p>
+            <a:pPr algn="ctr">
+              <a:defRPr sz="1200">
+                <a:solidFill>
+                  <a:srgbClr val="8C8C8C"/>
+                </a:solidFill>
+                <a:latin typeface="Tw Cen MT" charset="0"/>
+                <a:ea typeface="Calibri" charset="0"/>
+                <a:cs typeface="Calibri" charset="0"/>
+              </a:defRPr>
+            </a:pPr>
             <a:endParaRPr lang="pt-BR" dirty="0"/>
           </a:p>
         </p:txBody>
@@ -7994,20 +8113,13 @@
     </p:spTree>
     <p:extLst>
       <p:ext uri="{BB962C8B-B14F-4D97-AF65-F5344CB8AC3E}">
-        <p14:creationId xmlns:p14="http://schemas.microsoft.com/office/powerpoint/2010/main" val="4043444102"/>
+        <p14:creationId xmlns:p14="http://schemas.microsoft.com/office/powerpoint/2010/main" val="726872676"/>
       </p:ext>
     </p:extLst>
   </p:cSld>
   <p:clrMapOvr>
     <a:masterClrMapping/>
   </p:clrMapOvr>
-  <p:timing>
-    <p:tnLst>
-      <p:par>
-        <p:cTn id="1" dur="indefinite" restart="never" nodeType="tmRoot"/>
-      </p:par>
-    </p:tnLst>
-  </p:timing>
 </p:sld>
 </file>
 
@@ -8044,12 +8156,8 @@
           <a:lstStyle/>
           <a:p>
             <a:r>
-              <a:rPr lang="pt-BR" dirty="0" err="1" smtClean="0"/>
-              <a:t>Casting</a:t>
-            </a:r>
-            <a:r>
-              <a:rPr lang="pt-BR" dirty="0" smtClean="0"/>
-              <a:t> (Conversão)</a:t>
+              <a:rPr lang="pt-BR" dirty="0" smtClean="0"/>
+              <a:t>Polimorfismo</a:t>
             </a:r>
             <a:endParaRPr lang="pt-BR" dirty="0"/>
           </a:p>
@@ -8072,7 +8180,7 @@
           <a:p>
             <a:r>
               <a:rPr lang="pt-BR" dirty="0" smtClean="0"/>
-              <a:t>Oca </a:t>
+              <a:t>OCA </a:t>
             </a:r>
             <a:r>
               <a:rPr lang="pt-BR" dirty="0" err="1" smtClean="0"/>
@@ -8080,7 +8188,7 @@
             </a:r>
             <a:r>
               <a:rPr lang="pt-BR" dirty="0" smtClean="0"/>
-              <a:t> 7.3 </a:t>
+              <a:t> 7.2 </a:t>
             </a:r>
             <a:r>
               <a:rPr lang="pt-BR" dirty="0" err="1" smtClean="0"/>
@@ -8088,41 +8196,175 @@
             </a:r>
             <a:r>
               <a:rPr lang="pt-BR" dirty="0" smtClean="0"/>
-              <a:t> 7.4</a:t>
-            </a:r>
-            <a:endParaRPr lang="pt-BR" dirty="0"/>
-          </a:p>
-        </p:txBody>
-      </p:sp>
-      <p:sp>
-        <p:nvSpPr>
-          <p:cNvPr id="4" name="Espaço Reservado para Rodapé 3"/>
-          <p:cNvSpPr>
-            <a:spLocks noGrp="1"/>
-          </p:cNvSpPr>
-          <p:nvPr>
-            <p:ph type="ftr" sz="quarter" idx="11"/>
-          </p:nvPr>
-        </p:nvSpPr>
-        <p:spPr/>
-        <p:txBody>
-          <a:bodyPr/>
-          <a:lstStyle/>
-          <a:p>
-            <a:r>
-              <a:rPr lang="pt-BR" dirty="0"/>
+              <a:t> 7.3</a:t>
+            </a:r>
+            <a:endParaRPr lang="pt-BR" dirty="0"/>
+          </a:p>
+        </p:txBody>
+      </p:sp>
+      <p:sp>
+        <p:nvSpPr>
+          <p:cNvPr id="5" name="Espaço Reservado para Rodapé 3"/>
+          <p:cNvSpPr txBox="1">
+            <a:spLocks/>
+          </p:cNvSpPr>
+          <p:nvPr/>
+        </p:nvSpPr>
+        <p:spPr>
+          <a:xfrm>
+            <a:off x="3028950" y="6356351"/>
+            <a:ext cx="3086100" cy="365125"/>
+          </a:xfrm>
+          <a:prstGeom prst="rect">
+            <a:avLst/>
+          </a:prstGeom>
+        </p:spPr>
+        <p:txBody>
+          <a:bodyPr/>
+          <a:lstStyle>
+            <a:defPPr>
+              <a:defRPr lang="pt-BR"/>
+            </a:defPPr>
+            <a:lvl1pPr marL="0" algn="l" defTabSz="914400" rtl="0" eaLnBrk="1" latinLnBrk="0" hangingPunct="1">
+              <a:defRPr sz="1800" kern="1200">
+                <a:solidFill>
+                  <a:schemeClr val="tx1"/>
+                </a:solidFill>
+                <a:latin typeface="+mn-lt"/>
+                <a:ea typeface="+mn-ea"/>
+                <a:cs typeface="+mn-cs"/>
+              </a:defRPr>
+            </a:lvl1pPr>
+            <a:lvl2pPr marL="457200" algn="l" defTabSz="914400" rtl="0" eaLnBrk="1" latinLnBrk="0" hangingPunct="1">
+              <a:defRPr sz="1800" kern="1200">
+                <a:solidFill>
+                  <a:schemeClr val="tx1"/>
+                </a:solidFill>
+                <a:latin typeface="+mn-lt"/>
+                <a:ea typeface="+mn-ea"/>
+                <a:cs typeface="+mn-cs"/>
+              </a:defRPr>
+            </a:lvl2pPr>
+            <a:lvl3pPr marL="914400" algn="l" defTabSz="914400" rtl="0" eaLnBrk="1" latinLnBrk="0" hangingPunct="1">
+              <a:defRPr sz="1800" kern="1200">
+                <a:solidFill>
+                  <a:schemeClr val="tx1"/>
+                </a:solidFill>
+                <a:latin typeface="+mn-lt"/>
+                <a:ea typeface="+mn-ea"/>
+                <a:cs typeface="+mn-cs"/>
+              </a:defRPr>
+            </a:lvl3pPr>
+            <a:lvl4pPr marL="1371600" algn="l" defTabSz="914400" rtl="0" eaLnBrk="1" latinLnBrk="0" hangingPunct="1">
+              <a:defRPr sz="1800" kern="1200">
+                <a:solidFill>
+                  <a:schemeClr val="tx1"/>
+                </a:solidFill>
+                <a:latin typeface="+mn-lt"/>
+                <a:ea typeface="+mn-ea"/>
+                <a:cs typeface="+mn-cs"/>
+              </a:defRPr>
+            </a:lvl4pPr>
+            <a:lvl5pPr marL="1828800" algn="l" defTabSz="914400" rtl="0" eaLnBrk="1" latinLnBrk="0" hangingPunct="1">
+              <a:defRPr sz="1800" kern="1200">
+                <a:solidFill>
+                  <a:schemeClr val="tx1"/>
+                </a:solidFill>
+                <a:latin typeface="+mn-lt"/>
+                <a:ea typeface="+mn-ea"/>
+                <a:cs typeface="+mn-cs"/>
+              </a:defRPr>
+            </a:lvl5pPr>
+            <a:lvl6pPr marL="2286000" algn="l" defTabSz="914400" rtl="0" eaLnBrk="1" latinLnBrk="0" hangingPunct="1">
+              <a:defRPr sz="1800" kern="1200">
+                <a:solidFill>
+                  <a:schemeClr val="tx1"/>
+                </a:solidFill>
+                <a:latin typeface="+mn-lt"/>
+                <a:ea typeface="+mn-ea"/>
+                <a:cs typeface="+mn-cs"/>
+              </a:defRPr>
+            </a:lvl6pPr>
+            <a:lvl7pPr marL="2743200" algn="l" defTabSz="914400" rtl="0" eaLnBrk="1" latinLnBrk="0" hangingPunct="1">
+              <a:defRPr sz="1800" kern="1200">
+                <a:solidFill>
+                  <a:schemeClr val="tx1"/>
+                </a:solidFill>
+                <a:latin typeface="+mn-lt"/>
+                <a:ea typeface="+mn-ea"/>
+                <a:cs typeface="+mn-cs"/>
+              </a:defRPr>
+            </a:lvl7pPr>
+            <a:lvl8pPr marL="3200400" algn="l" defTabSz="914400" rtl="0" eaLnBrk="1" latinLnBrk="0" hangingPunct="1">
+              <a:defRPr sz="1800" kern="1200">
+                <a:solidFill>
+                  <a:schemeClr val="tx1"/>
+                </a:solidFill>
+                <a:latin typeface="+mn-lt"/>
+                <a:ea typeface="+mn-ea"/>
+                <a:cs typeface="+mn-cs"/>
+              </a:defRPr>
+            </a:lvl8pPr>
+            <a:lvl9pPr marL="3657600" algn="l" defTabSz="914400" rtl="0" eaLnBrk="1" latinLnBrk="0" hangingPunct="1">
+              <a:defRPr sz="1800" kern="1200">
+                <a:solidFill>
+                  <a:schemeClr val="tx1"/>
+                </a:solidFill>
+                <a:latin typeface="+mn-lt"/>
+                <a:ea typeface="+mn-ea"/>
+                <a:cs typeface="+mn-cs"/>
+              </a:defRPr>
+            </a:lvl9pPr>
+          </a:lstStyle>
+          <a:p>
+            <a:pPr algn="ctr">
+              <a:defRPr sz="1200">
+                <a:solidFill>
+                  <a:srgbClr val="8C8C8C"/>
+                </a:solidFill>
+                <a:latin typeface="Tw Cen MT" charset="0"/>
+                <a:ea typeface="Calibri" charset="0"/>
+                <a:cs typeface="Calibri" charset="0"/>
+              </a:defRPr>
+            </a:pPr>
+            <a:r>
+              <a:rPr lang="pt-BR" sz="1200" smtClean="0">
+                <a:solidFill>
+                  <a:srgbClr val="8C8C8C"/>
+                </a:solidFill>
+                <a:latin typeface="Tw Cen MT" charset="0"/>
+                <a:ea typeface="Calibri" charset="0"/>
+                <a:cs typeface="Calibri" charset="0"/>
+              </a:rPr>
               <a:t>Orientação a Objeto</a:t>
             </a:r>
           </a:p>
           <a:p>
-            <a:endParaRPr lang="pt-BR" dirty="0"/>
+            <a:pPr algn="ctr">
+              <a:defRPr sz="1200">
+                <a:solidFill>
+                  <a:srgbClr val="8C8C8C"/>
+                </a:solidFill>
+                <a:latin typeface="Tw Cen MT" charset="0"/>
+                <a:ea typeface="Calibri" charset="0"/>
+                <a:cs typeface="Calibri" charset="0"/>
+              </a:defRPr>
+            </a:pPr>
+            <a:endParaRPr lang="pt-BR" sz="1200" dirty="0">
+              <a:solidFill>
+                <a:srgbClr val="8C8C8C"/>
+              </a:solidFill>
+              <a:latin typeface="Tw Cen MT" charset="0"/>
+              <a:ea typeface="Calibri" charset="0"/>
+              <a:cs typeface="Calibri" charset="0"/>
+            </a:endParaRPr>
           </a:p>
         </p:txBody>
       </p:sp>
     </p:spTree>
     <p:extLst>
       <p:ext uri="{BB962C8B-B14F-4D97-AF65-F5344CB8AC3E}">
-        <p14:creationId xmlns:p14="http://schemas.microsoft.com/office/powerpoint/2010/main" val="633171714"/>
+        <p14:creationId xmlns:p14="http://schemas.microsoft.com/office/powerpoint/2010/main" val="331758530"/>
       </p:ext>
     </p:extLst>
   </p:cSld>
@@ -8158,94 +8400,150 @@
       </p:grpSpPr>
       <p:sp>
         <p:nvSpPr>
-          <p:cNvPr id="2" name="Título 1"/>
-          <p:cNvSpPr>
-            <a:spLocks noGrp="1"/>
-          </p:cNvSpPr>
-          <p:nvPr>
-            <p:ph type="ctrTitle"/>
-          </p:nvPr>
-        </p:nvSpPr>
-        <p:spPr/>
-        <p:txBody>
-          <a:bodyPr/>
-          <a:lstStyle/>
-          <a:p>
-            <a:r>
-              <a:rPr lang="pt-BR" dirty="0" smtClean="0"/>
-              <a:t>Implementando Interfaces</a:t>
-            </a:r>
-            <a:endParaRPr lang="pt-BR" dirty="0"/>
-          </a:p>
-        </p:txBody>
-      </p:sp>
-      <p:sp>
-        <p:nvSpPr>
-          <p:cNvPr id="3" name="Subtítulo 2"/>
-          <p:cNvSpPr>
-            <a:spLocks noGrp="1"/>
-          </p:cNvSpPr>
-          <p:nvPr>
-            <p:ph type="subTitle" idx="1"/>
-          </p:nvPr>
-        </p:nvSpPr>
-        <p:spPr/>
-        <p:txBody>
-          <a:bodyPr/>
-          <a:lstStyle/>
-          <a:p>
-            <a:r>
-              <a:rPr lang="pt-BR" dirty="0" smtClean="0"/>
-              <a:t>OCA </a:t>
-            </a:r>
-            <a:r>
-              <a:rPr lang="pt-BR" dirty="0" err="1" smtClean="0"/>
-              <a:t>Objective</a:t>
-            </a:r>
-            <a:r>
-              <a:rPr lang="pt-BR" dirty="0" smtClean="0"/>
-              <a:t> 7.6</a:t>
-            </a:r>
-            <a:endParaRPr lang="pt-BR" dirty="0"/>
-          </a:p>
-        </p:txBody>
-      </p:sp>
-      <p:sp>
-        <p:nvSpPr>
-          <p:cNvPr id="4" name="Espaço Reservado para Rodapé 3"/>
-          <p:cNvSpPr>
-            <a:spLocks noGrp="1"/>
-          </p:cNvSpPr>
-          <p:nvPr>
-            <p:ph type="ftr" sz="quarter" idx="11"/>
-          </p:nvPr>
-        </p:nvSpPr>
-        <p:spPr/>
-        <p:txBody>
-          <a:bodyPr/>
-          <a:lstStyle/>
-          <a:p>
-            <a:endParaRPr lang="pt-BR"/>
+          <p:cNvPr id="6" name="Título 5"/>
+          <p:cNvSpPr>
+            <a:spLocks noGrp="1"/>
+          </p:cNvSpPr>
+          <p:nvPr>
+            <p:ph type="title"/>
+          </p:nvPr>
+        </p:nvSpPr>
+        <p:spPr/>
+        <p:txBody>
+          <a:bodyPr/>
+          <a:lstStyle/>
+          <a:p>
+            <a:r>
+              <a:rPr lang="pt-BR" dirty="0" smtClean="0"/>
+              <a:t>Polimorfismo</a:t>
+            </a:r>
+            <a:endParaRPr lang="pt-BR" dirty="0"/>
+          </a:p>
+        </p:txBody>
+      </p:sp>
+      <p:sp>
+        <p:nvSpPr>
+          <p:cNvPr id="7" name="Espaço Reservado para Conteúdo 6"/>
+          <p:cNvSpPr>
+            <a:spLocks noGrp="1"/>
+          </p:cNvSpPr>
+          <p:nvPr>
+            <p:ph idx="1"/>
+          </p:nvPr>
+        </p:nvSpPr>
+        <p:spPr/>
+        <p:txBody>
+          <a:bodyPr/>
+          <a:lstStyle/>
+          <a:p>
+            <a:pPr algn="just"/>
+            <a:r>
+              <a:rPr lang="pt-BR" sz="2400" dirty="0" smtClean="0"/>
+              <a:t>Todos os objetos Java (que não o próprio </a:t>
+            </a:r>
+            <a:r>
+              <a:rPr lang="pt-BR" sz="2400" dirty="0" err="1" smtClean="0"/>
+              <a:t>Object</a:t>
+            </a:r>
+            <a:r>
+              <a:rPr lang="pt-BR" sz="2400" dirty="0" smtClean="0"/>
+              <a:t>) que passam no teste É-UM são considerados polimórficos</a:t>
+            </a:r>
+          </a:p>
+          <a:p>
+            <a:pPr algn="just"/>
+            <a:r>
+              <a:rPr lang="pt-BR" sz="2400" dirty="0" smtClean="0"/>
+              <a:t>A API que é exposta sempre será a da variável de referência, em detrimento da do tipo real do objeto</a:t>
+            </a:r>
+          </a:p>
+          <a:p>
+            <a:pPr algn="just"/>
+            <a:r>
+              <a:rPr lang="pt-BR" sz="2400" dirty="0" smtClean="0"/>
+              <a:t>É possível a variável (não-final) apontar para quaisquer objetos que sejam seu subtipo</a:t>
+            </a:r>
+          </a:p>
+          <a:p>
+            <a:pPr algn="just"/>
+            <a:r>
+              <a:rPr lang="pt-BR" sz="2400" dirty="0" smtClean="0"/>
+              <a:t>Polimorfismo também é possibilitado pela implementação de uma interface</a:t>
+            </a:r>
+          </a:p>
+          <a:p>
+            <a:pPr algn="just"/>
+            <a:r>
+              <a:rPr lang="pt-BR" sz="2400" dirty="0" smtClean="0"/>
+              <a:t>Classes só podem estender uma classe, mas podem implementar diversas interfaces</a:t>
+            </a:r>
+          </a:p>
+          <a:p>
+            <a:pPr algn="just"/>
+            <a:endParaRPr lang="pt-BR" sz="2400" dirty="0"/>
+          </a:p>
+        </p:txBody>
+      </p:sp>
+      <p:sp>
+        <p:nvSpPr>
+          <p:cNvPr id="5" name="Espaço Reservado para Rodapé 3"/>
+          <p:cNvSpPr>
+            <a:spLocks noGrp="1"/>
+          </p:cNvSpPr>
+          <p:nvPr>
+            <p:ph type="ftr" sz="quarter" idx="13"/>
+          </p:nvPr>
+        </p:nvSpPr>
+        <p:spPr>
+          <a:prstGeom prst="rect">
+            <a:avLst/>
+          </a:prstGeom>
+        </p:spPr>
+        <p:txBody>
+          <a:bodyPr/>
+          <a:lstStyle/>
+          <a:p>
+            <a:pPr algn="ctr">
+              <a:defRPr sz="1200">
+                <a:solidFill>
+                  <a:srgbClr val="8C8C8C"/>
+                </a:solidFill>
+                <a:latin typeface="Tw Cen MT" charset="0"/>
+                <a:ea typeface="Calibri" charset="0"/>
+                <a:cs typeface="Calibri" charset="0"/>
+              </a:defRPr>
+            </a:pPr>
+            <a:r>
+              <a:rPr lang="pt-BR" dirty="0" smtClean="0"/>
+              <a:t>Orientação a Objeto</a:t>
+            </a:r>
+            <a:endParaRPr lang="pt-BR" dirty="0"/>
+          </a:p>
+          <a:p>
+            <a:pPr algn="ctr">
+              <a:defRPr sz="1200">
+                <a:solidFill>
+                  <a:srgbClr val="8C8C8C"/>
+                </a:solidFill>
+                <a:latin typeface="Tw Cen MT" charset="0"/>
+                <a:ea typeface="Calibri" charset="0"/>
+                <a:cs typeface="Calibri" charset="0"/>
+              </a:defRPr>
+            </a:pPr>
+            <a:endParaRPr lang="pt-BR" dirty="0"/>
           </a:p>
         </p:txBody>
       </p:sp>
     </p:spTree>
     <p:extLst>
       <p:ext uri="{BB962C8B-B14F-4D97-AF65-F5344CB8AC3E}">
-        <p14:creationId xmlns:p14="http://schemas.microsoft.com/office/powerpoint/2010/main" val="375912055"/>
+        <p14:creationId xmlns:p14="http://schemas.microsoft.com/office/powerpoint/2010/main" val="3956683458"/>
       </p:ext>
     </p:extLst>
   </p:cSld>
   <p:clrMapOvr>
     <a:masterClrMapping/>
   </p:clrMapOvr>
-  <p:timing>
-    <p:tnLst>
-      <p:par>
-        <p:cTn id="1" dur="indefinite" restart="never" nodeType="tmRoot"/>
-      </p:par>
-    </p:tnLst>
-  </p:timing>
 </p:sld>
 </file>
 
@@ -8282,8 +8580,12 @@
           <a:lstStyle/>
           <a:p>
             <a:r>
-              <a:rPr lang="pt-BR" dirty="0" smtClean="0"/>
-              <a:t>Tipos de Retornos Válidos</a:t>
+              <a:rPr lang="pt-BR" dirty="0" err="1" smtClean="0"/>
+              <a:t>Sobrescrição</a:t>
+            </a:r>
+            <a:r>
+              <a:rPr lang="pt-BR" dirty="0" smtClean="0"/>
+              <a:t> e Sobrecarga</a:t>
             </a:r>
             <a:endParaRPr lang="pt-BR" dirty="0"/>
           </a:p>
@@ -8306,7 +8608,7 @@
           <a:p>
             <a:r>
               <a:rPr lang="pt-BR" dirty="0" smtClean="0"/>
-              <a:t>OCA </a:t>
+              <a:t>Oca </a:t>
             </a:r>
             <a:r>
               <a:rPr lang="pt-BR" dirty="0" err="1" smtClean="0"/>
@@ -8314,7 +8616,7 @@
             </a:r>
             <a:r>
               <a:rPr lang="pt-BR" dirty="0" smtClean="0"/>
-              <a:t> 2.2, 2.5, 6.1 </a:t>
+              <a:t> 6.1, 6.3, 7.2 </a:t>
             </a:r>
             <a:r>
               <a:rPr lang="pt-BR" dirty="0" err="1" smtClean="0"/>
@@ -8322,33 +8624,62 @@
             </a:r>
             <a:r>
               <a:rPr lang="pt-BR" dirty="0" smtClean="0"/>
-              <a:t> 6.3</a:t>
-            </a:r>
-            <a:endParaRPr lang="pt-BR" dirty="0"/>
-          </a:p>
-        </p:txBody>
-      </p:sp>
-      <p:sp>
-        <p:nvSpPr>
-          <p:cNvPr id="4" name="Espaço Reservado para Rodapé 3"/>
-          <p:cNvSpPr>
-            <a:spLocks noGrp="1"/>
-          </p:cNvSpPr>
-          <p:nvPr>
-            <p:ph type="ftr" sz="quarter" idx="11"/>
-          </p:nvPr>
-        </p:nvSpPr>
-        <p:spPr/>
-        <p:txBody>
-          <a:bodyPr/>
-          <a:lstStyle/>
-          <a:p>
-            <a:r>
-              <a:rPr lang="pt-BR" dirty="0"/>
+              <a:t> 7.3</a:t>
+            </a:r>
+            <a:endParaRPr lang="pt-BR" dirty="0"/>
+          </a:p>
+        </p:txBody>
+      </p:sp>
+      <p:sp>
+        <p:nvSpPr>
+          <p:cNvPr id="5" name="Espaço Reservado para Rodapé 3"/>
+          <p:cNvSpPr>
+            <a:spLocks noGrp="1"/>
+          </p:cNvSpPr>
+          <p:nvPr>
+            <p:ph type="ftr" sz="quarter" idx="4294967295"/>
+          </p:nvPr>
+        </p:nvSpPr>
+        <p:spPr>
+          <a:xfrm>
+            <a:off x="3028950" y="6356351"/>
+            <a:ext cx="3086100" cy="365125"/>
+          </a:xfrm>
+          <a:prstGeom prst="rect">
+            <a:avLst/>
+          </a:prstGeom>
+        </p:spPr>
+        <p:txBody>
+          <a:bodyPr/>
+          <a:lstStyle/>
+          <a:p>
+            <a:pPr algn="ctr">
+              <a:defRPr sz="1200">
+                <a:solidFill>
+                  <a:srgbClr val="8C8C8C"/>
+                </a:solidFill>
+                <a:latin typeface="Tw Cen MT" charset="0"/>
+                <a:ea typeface="Calibri" charset="0"/>
+                <a:cs typeface="Calibri" charset="0"/>
+              </a:defRPr>
+            </a:pPr>
+            <a:r>
+              <a:rPr lang="pt-BR" dirty="0" smtClean="0"/>
               <a:t>Orientação a Objeto</a:t>
             </a:r>
-          </a:p>
-          <a:p>
+            <a:endParaRPr lang="pt-BR" dirty="0"/>
+          </a:p>
+          <a:p>
+            <a:pPr algn="ctr">
+              <a:defRPr sz="1200">
+                <a:solidFill>
+                  <a:srgbClr val="8C8C8C"/>
+                </a:solidFill>
+                <a:latin typeface="Tw Cen MT" charset="0"/>
+                <a:ea typeface="Calibri" charset="0"/>
+                <a:cs typeface="Calibri" charset="0"/>
+              </a:defRPr>
+            </a:pPr>
             <a:endParaRPr lang="pt-BR" dirty="0"/>
           </a:p>
         </p:txBody>
@@ -8356,7 +8687,7 @@
     </p:spTree>
     <p:extLst>
       <p:ext uri="{BB962C8B-B14F-4D97-AF65-F5344CB8AC3E}">
-        <p14:creationId xmlns:p14="http://schemas.microsoft.com/office/powerpoint/2010/main" val="4268053431"/>
+        <p14:creationId xmlns:p14="http://schemas.microsoft.com/office/powerpoint/2010/main" val="4043444102"/>
       </p:ext>
     </p:extLst>
   </p:cSld>
@@ -8392,87 +8723,96 @@
       </p:grpSpPr>
       <p:sp>
         <p:nvSpPr>
-          <p:cNvPr id="2" name="Título 1"/>
-          <p:cNvSpPr>
-            <a:spLocks noGrp="1"/>
-          </p:cNvSpPr>
-          <p:nvPr>
-            <p:ph type="ctrTitle"/>
-          </p:nvPr>
-        </p:nvSpPr>
-        <p:spPr/>
-        <p:txBody>
-          <a:bodyPr/>
-          <a:lstStyle/>
-          <a:p>
-            <a:r>
-              <a:rPr lang="pt-BR" dirty="0" smtClean="0"/>
-              <a:t>Construtores e Instanciação</a:t>
-            </a:r>
-            <a:endParaRPr lang="pt-BR" dirty="0"/>
-          </a:p>
-        </p:txBody>
-      </p:sp>
-      <p:sp>
-        <p:nvSpPr>
-          <p:cNvPr id="3" name="Subtítulo 2"/>
-          <p:cNvSpPr>
-            <a:spLocks noGrp="1"/>
-          </p:cNvSpPr>
-          <p:nvPr>
-            <p:ph type="subTitle" idx="1"/>
-          </p:nvPr>
-        </p:nvSpPr>
-        <p:spPr/>
-        <p:txBody>
-          <a:bodyPr/>
-          <a:lstStyle/>
-          <a:p>
-            <a:r>
-              <a:rPr lang="pt-BR" dirty="0" smtClean="0"/>
-              <a:t>OCA </a:t>
-            </a:r>
-            <a:r>
-              <a:rPr lang="pt-BR" dirty="0" err="1" smtClean="0"/>
-              <a:t>Objectives</a:t>
-            </a:r>
-            <a:r>
-              <a:rPr lang="pt-BR" dirty="0" smtClean="0"/>
-              <a:t> 6.4, 6.5 </a:t>
-            </a:r>
-            <a:r>
-              <a:rPr lang="pt-BR" dirty="0" err="1" smtClean="0"/>
-              <a:t>and</a:t>
-            </a:r>
-            <a:r>
-              <a:rPr lang="pt-BR" dirty="0" smtClean="0"/>
-              <a:t> 7.5</a:t>
-            </a:r>
-            <a:endParaRPr lang="pt-BR" dirty="0"/>
-          </a:p>
-        </p:txBody>
-      </p:sp>
-      <p:sp>
-        <p:nvSpPr>
-          <p:cNvPr id="4" name="Espaço Reservado para Rodapé 3"/>
-          <p:cNvSpPr>
-            <a:spLocks noGrp="1"/>
-          </p:cNvSpPr>
-          <p:nvPr>
-            <p:ph type="ftr" sz="quarter" idx="11"/>
-          </p:nvPr>
-        </p:nvSpPr>
-        <p:spPr/>
-        <p:txBody>
-          <a:bodyPr/>
-          <a:lstStyle/>
-          <a:p>
-            <a:r>
-              <a:rPr lang="pt-BR" dirty="0"/>
+          <p:cNvPr id="6" name="Título 5"/>
+          <p:cNvSpPr>
+            <a:spLocks noGrp="1"/>
+          </p:cNvSpPr>
+          <p:nvPr>
+            <p:ph type="title"/>
+          </p:nvPr>
+        </p:nvSpPr>
+        <p:spPr/>
+        <p:txBody>
+          <a:bodyPr/>
+          <a:lstStyle/>
+          <a:p>
+            <a:r>
+              <a:rPr lang="pt-BR" dirty="0" smtClean="0"/>
+              <a:t>Métodos Sobrescritos</a:t>
+            </a:r>
+            <a:endParaRPr lang="pt-BR" dirty="0"/>
+          </a:p>
+        </p:txBody>
+      </p:sp>
+      <p:sp>
+        <p:nvSpPr>
+          <p:cNvPr id="7" name="Espaço Reservado para Conteúdo 6"/>
+          <p:cNvSpPr>
+            <a:spLocks noGrp="1"/>
+          </p:cNvSpPr>
+          <p:nvPr>
+            <p:ph idx="1"/>
+          </p:nvPr>
+        </p:nvSpPr>
+        <p:spPr/>
+        <p:txBody>
+          <a:bodyPr/>
+          <a:lstStyle/>
+          <a:p>
+            <a:endParaRPr lang="pt-BR"/>
+          </a:p>
+        </p:txBody>
+      </p:sp>
+      <p:sp>
+        <p:nvSpPr>
+          <p:cNvPr id="8" name="Espaço Reservado para Rodapé 3"/>
+          <p:cNvSpPr>
+            <a:spLocks noGrp="1"/>
+          </p:cNvSpPr>
+          <p:nvPr>
+            <p:ph type="ftr" sz="quarter" idx="13"/>
+          </p:nvPr>
+        </p:nvSpPr>
+        <p:spPr>
+          <a:xfrm>
+            <a:off x="3028950" y="6356351"/>
+            <a:ext cx="3086100" cy="365125"/>
+          </a:xfrm>
+          <a:prstGeom prst="rect">
+            <a:avLst/>
+          </a:prstGeom>
+        </p:spPr>
+        <p:txBody>
+          <a:bodyPr/>
+          <a:lstStyle/>
+          <a:p>
+            <a:pPr algn="ctr">
+              <a:defRPr sz="1200">
+                <a:solidFill>
+                  <a:srgbClr val="8C8C8C"/>
+                </a:solidFill>
+                <a:latin typeface="Tw Cen MT" charset="0"/>
+                <a:ea typeface="Calibri" charset="0"/>
+                <a:cs typeface="Calibri" charset="0"/>
+              </a:defRPr>
+            </a:pPr>
+            <a:r>
+              <a:rPr lang="pt-BR" dirty="0" smtClean="0"/>
               <a:t>Orientação a Objeto</a:t>
             </a:r>
-          </a:p>
-          <a:p>
+            <a:endParaRPr lang="pt-BR" dirty="0"/>
+          </a:p>
+          <a:p>
+            <a:pPr algn="ctr">
+              <a:defRPr sz="1200">
+                <a:solidFill>
+                  <a:srgbClr val="8C8C8C"/>
+                </a:solidFill>
+                <a:latin typeface="Tw Cen MT" charset="0"/>
+                <a:ea typeface="Calibri" charset="0"/>
+                <a:cs typeface="Calibri" charset="0"/>
+              </a:defRPr>
+            </a:pPr>
             <a:endParaRPr lang="pt-BR" dirty="0"/>
           </a:p>
         </p:txBody>
@@ -8480,20 +8820,13 @@
     </p:spTree>
     <p:extLst>
       <p:ext uri="{BB962C8B-B14F-4D97-AF65-F5344CB8AC3E}">
-        <p14:creationId xmlns:p14="http://schemas.microsoft.com/office/powerpoint/2010/main" val="2974867849"/>
+        <p14:creationId xmlns:p14="http://schemas.microsoft.com/office/powerpoint/2010/main" val="3901383254"/>
       </p:ext>
     </p:extLst>
   </p:cSld>
   <p:clrMapOvr>
     <a:masterClrMapping/>
   </p:clrMapOvr>
-  <p:timing>
-    <p:tnLst>
-      <p:par>
-        <p:cTn id="1" dur="indefinite" restart="never" nodeType="tmRoot"/>
-      </p:par>
-    </p:tnLst>
-  </p:timing>
 </p:sld>
 </file>
 
@@ -8530,16 +8863,12 @@
           <a:lstStyle/>
           <a:p>
             <a:r>
-              <a:rPr lang="pt-BR" dirty="0" smtClean="0"/>
-              <a:t>Estáticos (</a:t>
-            </a:r>
-            <a:r>
               <a:rPr lang="pt-BR" dirty="0" err="1" smtClean="0"/>
-              <a:t>Static</a:t>
-            </a:r>
-            <a:r>
-              <a:rPr lang="pt-BR" dirty="0" smtClean="0"/>
-              <a:t>)</a:t>
+              <a:t>Casting</a:t>
+            </a:r>
+            <a:r>
+              <a:rPr lang="pt-BR" dirty="0" smtClean="0"/>
+              <a:t> (Conversão)</a:t>
             </a:r>
             <a:endParaRPr lang="pt-BR" dirty="0"/>
           </a:p>
@@ -8562,7 +8891,7 @@
           <a:p>
             <a:r>
               <a:rPr lang="pt-BR" dirty="0" smtClean="0"/>
-              <a:t>OCA </a:t>
+              <a:t>Oca </a:t>
             </a:r>
             <a:r>
               <a:rPr lang="pt-BR" dirty="0" err="1" smtClean="0"/>
@@ -8570,7 +8899,15 @@
             </a:r>
             <a:r>
               <a:rPr lang="pt-BR" dirty="0" smtClean="0"/>
-              <a:t> 6.2</a:t>
+              <a:t> 7.3 </a:t>
+            </a:r>
+            <a:r>
+              <a:rPr lang="pt-BR" dirty="0" err="1" smtClean="0"/>
+              <a:t>and</a:t>
+            </a:r>
+            <a:r>
+              <a:rPr lang="pt-BR" dirty="0" smtClean="0"/>
+              <a:t> 7.4</a:t>
             </a:r>
             <a:endParaRPr lang="pt-BR" dirty="0"/>
           </a:p>
@@ -8604,7 +8941,7 @@
     </p:spTree>
     <p:extLst>
       <p:ext uri="{BB962C8B-B14F-4D97-AF65-F5344CB8AC3E}">
-        <p14:creationId xmlns:p14="http://schemas.microsoft.com/office/powerpoint/2010/main" val="3849763999"/>
+        <p14:creationId xmlns:p14="http://schemas.microsoft.com/office/powerpoint/2010/main" val="633171714"/>
       </p:ext>
     </p:extLst>
   </p:cSld>
@@ -8650,24 +8987,14 @@
         </p:nvSpPr>
         <p:spPr/>
         <p:txBody>
-          <a:bodyPr>
-            <a:normAutofit/>
-          </a:bodyPr>
-          <a:lstStyle/>
-          <a:p>
-            <a:r>
-              <a:rPr lang="pt-BR" sz="3800" dirty="0" smtClean="0"/>
-              <a:t>Literais, </a:t>
-            </a:r>
-            <a:r>
-              <a:rPr lang="pt-BR" sz="3800" dirty="0" err="1" smtClean="0"/>
-              <a:t>Assignmentes</a:t>
-            </a:r>
-            <a:r>
-              <a:rPr lang="pt-BR" sz="3800" dirty="0" smtClean="0"/>
-              <a:t> e Variáveis</a:t>
-            </a:r>
-            <a:endParaRPr lang="pt-BR" sz="3800" dirty="0"/>
+          <a:bodyPr/>
+          <a:lstStyle/>
+          <a:p>
+            <a:r>
+              <a:rPr lang="pt-BR" dirty="0" smtClean="0"/>
+              <a:t>Implementando Interfaces</a:t>
+            </a:r>
+            <a:endParaRPr lang="pt-BR" dirty="0"/>
           </a:p>
         </p:txBody>
       </p:sp>
@@ -8692,19 +9019,11 @@
             </a:r>
             <a:r>
               <a:rPr lang="pt-BR" dirty="0" err="1" smtClean="0"/>
-              <a:t>Objectives</a:t>
-            </a:r>
-            <a:r>
-              <a:rPr lang="pt-BR" dirty="0" smtClean="0"/>
-              <a:t> 2.1, 2.2, 2.3 </a:t>
-            </a:r>
-            <a:r>
-              <a:rPr lang="pt-BR" dirty="0" err="1" smtClean="0"/>
-              <a:t>and</a:t>
-            </a:r>
-            <a:r>
-              <a:rPr lang="pt-BR" dirty="0" smtClean="0"/>
-              <a:t> 1.2 upgrade</a:t>
+              <a:t>Objective</a:t>
+            </a:r>
+            <a:r>
+              <a:rPr lang="pt-BR" dirty="0" smtClean="0"/>
+              <a:t> 7.6</a:t>
             </a:r>
             <a:endParaRPr lang="pt-BR" dirty="0"/>
           </a:p>
@@ -8725,18 +9044,14 @@
           <a:bodyPr/>
           <a:lstStyle/>
           <a:p>
-            <a:r>
-              <a:rPr lang="pt-BR" dirty="0" err="1" smtClean="0"/>
-              <a:t>Assignments</a:t>
-            </a:r>
-            <a:endParaRPr lang="pt-BR" dirty="0"/>
+            <a:endParaRPr lang="pt-BR"/>
           </a:p>
         </p:txBody>
       </p:sp>
     </p:spTree>
     <p:extLst>
       <p:ext uri="{BB962C8B-B14F-4D97-AF65-F5344CB8AC3E}">
-        <p14:creationId xmlns:p14="http://schemas.microsoft.com/office/powerpoint/2010/main" val="3169057604"/>
+        <p14:creationId xmlns:p14="http://schemas.microsoft.com/office/powerpoint/2010/main" val="375912055"/>
       </p:ext>
     </p:extLst>
   </p:cSld>
@@ -9024,7 +9339,7 @@
           <a:p>
             <a:r>
               <a:rPr lang="pt-BR" dirty="0" smtClean="0"/>
-              <a:t>Escopo</a:t>
+              <a:t>Tipos de Retornos Válidos</a:t>
             </a:r>
             <a:endParaRPr lang="pt-BR" dirty="0"/>
           </a:p>
@@ -9055,7 +9370,7 @@
             </a:r>
             <a:r>
               <a:rPr lang="pt-BR" dirty="0" smtClean="0"/>
-              <a:t> 1.1 </a:t>
+              <a:t> 2.2, 2.5, 6.1 </a:t>
             </a:r>
             <a:r>
               <a:rPr lang="pt-BR" dirty="0" err="1" smtClean="0"/>
@@ -9063,7 +9378,7 @@
             </a:r>
             <a:r>
               <a:rPr lang="pt-BR" dirty="0" smtClean="0"/>
-              <a:t> 2.5</a:t>
+              <a:t> 6.3</a:t>
             </a:r>
             <a:endParaRPr lang="pt-BR" dirty="0"/>
           </a:p>
@@ -9085,10 +9400,9 @@
           <a:lstStyle/>
           <a:p>
             <a:r>
-              <a:rPr lang="pt-BR" dirty="0" err="1"/>
-              <a:t>Assignments</a:t>
-            </a:r>
-            <a:endParaRPr lang="pt-BR" dirty="0"/>
+              <a:rPr lang="pt-BR" dirty="0"/>
+              <a:t>Orientação a Objeto</a:t>
+            </a:r>
           </a:p>
           <a:p>
             <a:endParaRPr lang="pt-BR" dirty="0"/>
@@ -9098,7 +9412,7 @@
     </p:spTree>
     <p:extLst>
       <p:ext uri="{BB962C8B-B14F-4D97-AF65-F5344CB8AC3E}">
-        <p14:creationId xmlns:p14="http://schemas.microsoft.com/office/powerpoint/2010/main" val="193317867"/>
+        <p14:creationId xmlns:p14="http://schemas.microsoft.com/office/powerpoint/2010/main" val="4268053431"/>
       </p:ext>
     </p:extLst>
   </p:cSld>
@@ -9149,7 +9463,7 @@
           <a:p>
             <a:r>
               <a:rPr lang="pt-BR" dirty="0" smtClean="0"/>
-              <a:t>Inicialização de Variáveis</a:t>
+              <a:t>Construtores e Instanciação</a:t>
             </a:r>
             <a:endParaRPr lang="pt-BR" dirty="0"/>
           </a:p>
@@ -9176,11 +9490,19 @@
             </a:r>
             <a:r>
               <a:rPr lang="pt-BR" dirty="0" err="1" smtClean="0"/>
-              <a:t>Objective</a:t>
-            </a:r>
-            <a:r>
-              <a:rPr lang="pt-BR" dirty="0" smtClean="0"/>
-              <a:t> 2.1</a:t>
+              <a:t>Objectives</a:t>
+            </a:r>
+            <a:r>
+              <a:rPr lang="pt-BR" dirty="0" smtClean="0"/>
+              <a:t> 6.4, 6.5 </a:t>
+            </a:r>
+            <a:r>
+              <a:rPr lang="pt-BR" dirty="0" err="1" smtClean="0"/>
+              <a:t>and</a:t>
+            </a:r>
+            <a:r>
+              <a:rPr lang="pt-BR" dirty="0" smtClean="0"/>
+              <a:t> 7.5</a:t>
             </a:r>
             <a:endParaRPr lang="pt-BR" dirty="0"/>
           </a:p>
@@ -9202,9 +9524,11 @@
           <a:lstStyle/>
           <a:p>
             <a:r>
-              <a:rPr lang="pt-BR" dirty="0" err="1"/>
-              <a:t>Assignments</a:t>
-            </a:r>
+              <a:rPr lang="pt-BR" dirty="0"/>
+              <a:t>Orientação a Objeto</a:t>
+            </a:r>
+          </a:p>
+          <a:p>
             <a:endParaRPr lang="pt-BR" dirty="0"/>
           </a:p>
         </p:txBody>
@@ -9212,7 +9536,7 @@
     </p:spTree>
     <p:extLst>
       <p:ext uri="{BB962C8B-B14F-4D97-AF65-F5344CB8AC3E}">
-        <p14:creationId xmlns:p14="http://schemas.microsoft.com/office/powerpoint/2010/main" val="3261889034"/>
+        <p14:creationId xmlns:p14="http://schemas.microsoft.com/office/powerpoint/2010/main" val="2974867849"/>
       </p:ext>
     </p:extLst>
   </p:cSld>
@@ -9263,7 +9587,15 @@
           <a:p>
             <a:r>
               <a:rPr lang="pt-BR" dirty="0" smtClean="0"/>
-              <a:t>Passando Variáveis para Métodos</a:t>
+              <a:t>Estáticos (</a:t>
+            </a:r>
+            <a:r>
+              <a:rPr lang="pt-BR" dirty="0" err="1" smtClean="0"/>
+              <a:t>Static</a:t>
+            </a:r>
+            <a:r>
+              <a:rPr lang="pt-BR" dirty="0" smtClean="0"/>
+              <a:t>)</a:t>
             </a:r>
             <a:endParaRPr lang="pt-BR" dirty="0"/>
           </a:p>
@@ -9290,11 +9622,11 @@
             </a:r>
             <a:r>
               <a:rPr lang="pt-BR" dirty="0" err="1" smtClean="0"/>
-              <a:t>Objective</a:t>
-            </a:r>
-            <a:r>
-              <a:rPr lang="pt-BR" dirty="0" smtClean="0"/>
-              <a:t> 6.8</a:t>
+              <a:t>Objectives</a:t>
+            </a:r>
+            <a:r>
+              <a:rPr lang="pt-BR" dirty="0" smtClean="0"/>
+              <a:t> 6.2</a:t>
             </a:r>
             <a:endParaRPr lang="pt-BR" dirty="0"/>
           </a:p>
@@ -9316,9 +9648,11 @@
           <a:lstStyle/>
           <a:p>
             <a:r>
-              <a:rPr lang="pt-BR" dirty="0" err="1"/>
-              <a:t>Assignments</a:t>
-            </a:r>
+              <a:rPr lang="pt-BR" dirty="0"/>
+              <a:t>Orientação a Objeto</a:t>
+            </a:r>
+          </a:p>
+          <a:p>
             <a:endParaRPr lang="pt-BR" dirty="0"/>
           </a:p>
         </p:txBody>
@@ -9326,7 +9660,7 @@
     </p:spTree>
     <p:extLst>
       <p:ext uri="{BB962C8B-B14F-4D97-AF65-F5344CB8AC3E}">
-        <p14:creationId xmlns:p14="http://schemas.microsoft.com/office/powerpoint/2010/main" val="2287116038"/>
+        <p14:creationId xmlns:p14="http://schemas.microsoft.com/office/powerpoint/2010/main" val="3849763999"/>
       </p:ext>
     </p:extLst>
   </p:cSld>
@@ -9372,14 +9706,24 @@
         </p:nvSpPr>
         <p:spPr/>
         <p:txBody>
-          <a:bodyPr/>
-          <a:lstStyle/>
-          <a:p>
-            <a:r>
-              <a:rPr lang="pt-BR" dirty="0" smtClean="0"/>
-              <a:t>Coletor de Lixo</a:t>
-            </a:r>
-            <a:endParaRPr lang="pt-BR" dirty="0"/>
+          <a:bodyPr>
+            <a:normAutofit/>
+          </a:bodyPr>
+          <a:lstStyle/>
+          <a:p>
+            <a:r>
+              <a:rPr lang="pt-BR" sz="3800" dirty="0" smtClean="0"/>
+              <a:t>Literais, </a:t>
+            </a:r>
+            <a:r>
+              <a:rPr lang="pt-BR" sz="3800" dirty="0" err="1" smtClean="0"/>
+              <a:t>Assignmentes</a:t>
+            </a:r>
+            <a:r>
+              <a:rPr lang="pt-BR" sz="3800" dirty="0" smtClean="0"/>
+              <a:t> e Variáveis</a:t>
+            </a:r>
+            <a:endParaRPr lang="pt-BR" sz="3800" dirty="0"/>
           </a:p>
         </p:txBody>
       </p:sp>
@@ -9404,11 +9748,19 @@
             </a:r>
             <a:r>
               <a:rPr lang="pt-BR" dirty="0" err="1" smtClean="0"/>
-              <a:t>Objective</a:t>
-            </a:r>
-            <a:r>
-              <a:rPr lang="pt-BR" dirty="0" smtClean="0"/>
-              <a:t> 2.4</a:t>
+              <a:t>Objectives</a:t>
+            </a:r>
+            <a:r>
+              <a:rPr lang="pt-BR" dirty="0" smtClean="0"/>
+              <a:t> 2.1, 2.2, 2.3 </a:t>
+            </a:r>
+            <a:r>
+              <a:rPr lang="pt-BR" dirty="0" err="1" smtClean="0"/>
+              <a:t>and</a:t>
+            </a:r>
+            <a:r>
+              <a:rPr lang="pt-BR" dirty="0" smtClean="0"/>
+              <a:t> 1.2 upgrade</a:t>
             </a:r>
             <a:endParaRPr lang="pt-BR" dirty="0"/>
           </a:p>
@@ -9430,7 +9782,7 @@
           <a:lstStyle/>
           <a:p>
             <a:r>
-              <a:rPr lang="pt-BR" dirty="0" err="1"/>
+              <a:rPr lang="pt-BR" dirty="0" err="1" smtClean="0"/>
               <a:t>Assignments</a:t>
             </a:r>
             <a:endParaRPr lang="pt-BR" dirty="0"/>
@@ -9440,7 +9792,7 @@
     </p:spTree>
     <p:extLst>
       <p:ext uri="{BB962C8B-B14F-4D97-AF65-F5344CB8AC3E}">
-        <p14:creationId xmlns:p14="http://schemas.microsoft.com/office/powerpoint/2010/main" val="1564616669"/>
+        <p14:creationId xmlns:p14="http://schemas.microsoft.com/office/powerpoint/2010/main" val="3169057604"/>
       </p:ext>
     </p:extLst>
   </p:cSld>
@@ -9491,7 +9843,7 @@
           <a:p>
             <a:r>
               <a:rPr lang="pt-BR" dirty="0" smtClean="0"/>
-              <a:t>Operadores em Java</a:t>
+              <a:t>Escopo</a:t>
             </a:r>
             <a:endParaRPr lang="pt-BR" dirty="0"/>
           </a:p>
@@ -9522,7 +9874,7 @@
             </a:r>
             <a:r>
               <a:rPr lang="pt-BR" dirty="0" smtClean="0"/>
-              <a:t> 3.1, 3.2 </a:t>
+              <a:t> 1.1 </a:t>
             </a:r>
             <a:r>
               <a:rPr lang="pt-BR" dirty="0" err="1" smtClean="0"/>
@@ -9530,7 +9882,7 @@
             </a:r>
             <a:r>
               <a:rPr lang="pt-BR" dirty="0" smtClean="0"/>
-              <a:t> 3.3</a:t>
+              <a:t> 2.5</a:t>
             </a:r>
             <a:endParaRPr lang="pt-BR" dirty="0"/>
           </a:p>
@@ -9552,9 +9904,12 @@
           <a:lstStyle/>
           <a:p>
             <a:r>
-              <a:rPr lang="pt-BR" dirty="0" smtClean="0"/>
-              <a:t>Operadores</a:t>
-            </a:r>
+              <a:rPr lang="pt-BR" dirty="0" err="1"/>
+              <a:t>Assignments</a:t>
+            </a:r>
+            <a:endParaRPr lang="pt-BR" dirty="0"/>
+          </a:p>
+          <a:p>
             <a:endParaRPr lang="pt-BR" dirty="0"/>
           </a:p>
         </p:txBody>
@@ -9562,7 +9917,7 @@
     </p:spTree>
     <p:extLst>
       <p:ext uri="{BB962C8B-B14F-4D97-AF65-F5344CB8AC3E}">
-        <p14:creationId xmlns:p14="http://schemas.microsoft.com/office/powerpoint/2010/main" val="1039160923"/>
+        <p14:creationId xmlns:p14="http://schemas.microsoft.com/office/powerpoint/2010/main" val="193317867"/>
       </p:ext>
     </p:extLst>
   </p:cSld>
@@ -9613,58 +9968,38 @@
           <a:p>
             <a:r>
               <a:rPr lang="pt-BR" dirty="0" smtClean="0"/>
-              <a:t>Usando </a:t>
+              <a:t>Inicialização de Variáveis</a:t>
+            </a:r>
+            <a:endParaRPr lang="pt-BR" dirty="0"/>
+          </a:p>
+        </p:txBody>
+      </p:sp>
+      <p:sp>
+        <p:nvSpPr>
+          <p:cNvPr id="3" name="Subtítulo 2"/>
+          <p:cNvSpPr>
+            <a:spLocks noGrp="1"/>
+          </p:cNvSpPr>
+          <p:nvPr>
+            <p:ph type="subTitle" idx="1"/>
+          </p:nvPr>
+        </p:nvSpPr>
+        <p:spPr/>
+        <p:txBody>
+          <a:bodyPr/>
+          <a:lstStyle/>
+          <a:p>
+            <a:r>
+              <a:rPr lang="pt-BR" dirty="0" smtClean="0"/>
+              <a:t>OCA </a:t>
             </a:r>
             <a:r>
               <a:rPr lang="pt-BR" dirty="0" err="1" smtClean="0"/>
-              <a:t>Strings</a:t>
-            </a:r>
-            <a:r>
-              <a:rPr lang="pt-BR" dirty="0" smtClean="0"/>
-              <a:t> e </a:t>
-            </a:r>
-            <a:r>
-              <a:rPr lang="pt-BR" dirty="0" err="1" smtClean="0"/>
-              <a:t>StringBuilder</a:t>
-            </a:r>
-            <a:endParaRPr lang="pt-BR" dirty="0"/>
-          </a:p>
-        </p:txBody>
-      </p:sp>
-      <p:sp>
-        <p:nvSpPr>
-          <p:cNvPr id="3" name="Subtítulo 2"/>
-          <p:cNvSpPr>
-            <a:spLocks noGrp="1"/>
-          </p:cNvSpPr>
-          <p:nvPr>
-            <p:ph type="subTitle" idx="1"/>
-          </p:nvPr>
-        </p:nvSpPr>
-        <p:spPr/>
-        <p:txBody>
-          <a:bodyPr/>
-          <a:lstStyle/>
-          <a:p>
-            <a:r>
-              <a:rPr lang="pt-BR" dirty="0" smtClean="0"/>
-              <a:t>OCA </a:t>
-            </a:r>
-            <a:r>
-              <a:rPr lang="pt-BR" dirty="0" err="1" smtClean="0"/>
-              <a:t>Objectives</a:t>
-            </a:r>
-            <a:r>
-              <a:rPr lang="pt-BR" dirty="0" smtClean="0"/>
-              <a:t> 2.7 </a:t>
-            </a:r>
-            <a:r>
-              <a:rPr lang="pt-BR" dirty="0" err="1" smtClean="0"/>
-              <a:t>and</a:t>
-            </a:r>
-            <a:r>
-              <a:rPr lang="pt-BR" dirty="0" smtClean="0"/>
-              <a:t> 2.6</a:t>
+              <a:t>Objective</a:t>
+            </a:r>
+            <a:r>
+              <a:rPr lang="pt-BR" dirty="0" smtClean="0"/>
+              <a:t> 2.1</a:t>
             </a:r>
             <a:endParaRPr lang="pt-BR" dirty="0"/>
           </a:p>
@@ -9686,28 +10021,8 @@
           <a:lstStyle/>
           <a:p>
             <a:r>
-              <a:rPr lang="pt-BR" dirty="0" smtClean="0"/>
-              <a:t>Trabalhando com </a:t>
-            </a:r>
-            <a:r>
-              <a:rPr lang="pt-BR" dirty="0" err="1" smtClean="0"/>
-              <a:t>Strings</a:t>
-            </a:r>
-            <a:r>
-              <a:rPr lang="pt-BR" dirty="0" smtClean="0"/>
-              <a:t>, </a:t>
-            </a:r>
-            <a:r>
-              <a:rPr lang="pt-BR" dirty="0" err="1" smtClean="0"/>
-              <a:t>Arrays</a:t>
-            </a:r>
-            <a:r>
-              <a:rPr lang="pt-BR" dirty="0" smtClean="0"/>
-              <a:t> e </a:t>
-            </a:r>
-            <a:r>
-              <a:rPr lang="pt-BR" dirty="0" err="1" smtClean="0"/>
-              <a:t>ArrayLists</a:t>
+              <a:rPr lang="pt-BR" dirty="0" err="1"/>
+              <a:t>Assignments</a:t>
             </a:r>
             <a:endParaRPr lang="pt-BR" dirty="0"/>
           </a:p>
@@ -9716,7 +10031,7 @@
     </p:spTree>
     <p:extLst>
       <p:ext uri="{BB962C8B-B14F-4D97-AF65-F5344CB8AC3E}">
-        <p14:creationId xmlns:p14="http://schemas.microsoft.com/office/powerpoint/2010/main" val="1074513946"/>
+        <p14:creationId xmlns:p14="http://schemas.microsoft.com/office/powerpoint/2010/main" val="3261889034"/>
       </p:ext>
     </p:extLst>
   </p:cSld>
@@ -9767,50 +10082,38 @@
           <a:p>
             <a:r>
               <a:rPr lang="pt-BR" dirty="0" smtClean="0"/>
-              <a:t>Usando </a:t>
+              <a:t>Passando Variáveis para Métodos</a:t>
+            </a:r>
+            <a:endParaRPr lang="pt-BR" dirty="0"/>
+          </a:p>
+        </p:txBody>
+      </p:sp>
+      <p:sp>
+        <p:nvSpPr>
+          <p:cNvPr id="3" name="Subtítulo 2"/>
+          <p:cNvSpPr>
+            <a:spLocks noGrp="1"/>
+          </p:cNvSpPr>
+          <p:nvPr>
+            <p:ph type="subTitle" idx="1"/>
+          </p:nvPr>
+        </p:nvSpPr>
+        <p:spPr/>
+        <p:txBody>
+          <a:bodyPr/>
+          <a:lstStyle/>
+          <a:p>
+            <a:r>
+              <a:rPr lang="pt-BR" dirty="0" smtClean="0"/>
+              <a:t>OCA </a:t>
             </a:r>
             <a:r>
               <a:rPr lang="pt-BR" dirty="0" err="1" smtClean="0"/>
-              <a:t>Arrays</a:t>
-            </a:r>
-            <a:endParaRPr lang="pt-BR" dirty="0"/>
-          </a:p>
-        </p:txBody>
-      </p:sp>
-      <p:sp>
-        <p:nvSpPr>
-          <p:cNvPr id="3" name="Subtítulo 2"/>
-          <p:cNvSpPr>
-            <a:spLocks noGrp="1"/>
-          </p:cNvSpPr>
-          <p:nvPr>
-            <p:ph type="subTitle" idx="1"/>
-          </p:nvPr>
-        </p:nvSpPr>
-        <p:spPr/>
-        <p:txBody>
-          <a:bodyPr/>
-          <a:lstStyle/>
-          <a:p>
-            <a:r>
-              <a:rPr lang="pt-BR" dirty="0" smtClean="0"/>
-              <a:t>OCA </a:t>
-            </a:r>
-            <a:r>
-              <a:rPr lang="pt-BR" dirty="0" err="1" smtClean="0"/>
-              <a:t>Objectives</a:t>
-            </a:r>
-            <a:r>
-              <a:rPr lang="pt-BR" dirty="0" smtClean="0"/>
-              <a:t> 4.1 </a:t>
-            </a:r>
-            <a:r>
-              <a:rPr lang="pt-BR" dirty="0" err="1" smtClean="0"/>
-              <a:t>and</a:t>
-            </a:r>
-            <a:r>
-              <a:rPr lang="pt-BR" dirty="0" smtClean="0"/>
-              <a:t> 4.2</a:t>
+              <a:t>Objective</a:t>
+            </a:r>
+            <a:r>
+              <a:rPr lang="pt-BR" dirty="0" smtClean="0"/>
+              <a:t> 6.8</a:t>
             </a:r>
             <a:endParaRPr lang="pt-BR" dirty="0"/>
           </a:p>
@@ -9832,32 +10135,9 @@
           <a:lstStyle/>
           <a:p>
             <a:r>
-              <a:rPr lang="pt-BR" dirty="0"/>
-              <a:t>Trabalhando com </a:t>
-            </a:r>
-            <a:r>
               <a:rPr lang="pt-BR" dirty="0" err="1"/>
-              <a:t>Strings</a:t>
-            </a:r>
-            <a:r>
-              <a:rPr lang="pt-BR" dirty="0"/>
-              <a:t>, </a:t>
-            </a:r>
-            <a:r>
-              <a:rPr lang="pt-BR" dirty="0" err="1"/>
-              <a:t>Arrays</a:t>
-            </a:r>
-            <a:r>
-              <a:rPr lang="pt-BR" dirty="0"/>
-              <a:t> e </a:t>
-            </a:r>
-            <a:r>
-              <a:rPr lang="pt-BR" dirty="0" err="1"/>
-              <a:t>ArrayLists</a:t>
-            </a:r>
-            <a:endParaRPr lang="pt-BR" dirty="0"/>
-          </a:p>
-          <a:p>
+              <a:t>Assignments</a:t>
+            </a:r>
             <a:endParaRPr lang="pt-BR" dirty="0"/>
           </a:p>
         </p:txBody>
@@ -9865,7 +10145,7 @@
     </p:spTree>
     <p:extLst>
       <p:ext uri="{BB962C8B-B14F-4D97-AF65-F5344CB8AC3E}">
-        <p14:creationId xmlns:p14="http://schemas.microsoft.com/office/powerpoint/2010/main" val="1389997935"/>
+        <p14:creationId xmlns:p14="http://schemas.microsoft.com/office/powerpoint/2010/main" val="2287116038"/>
       </p:ext>
     </p:extLst>
   </p:cSld>
@@ -9916,11 +10196,7 @@
           <a:p>
             <a:r>
               <a:rPr lang="pt-BR" dirty="0" smtClean="0"/>
-              <a:t>Usando </a:t>
-            </a:r>
-            <a:r>
-              <a:rPr lang="pt-BR" dirty="0" err="1" smtClean="0"/>
-              <a:t>ArrayList</a:t>
+              <a:t>Coletor de Lixo</a:t>
             </a:r>
             <a:endParaRPr lang="pt-BR" dirty="0"/>
           </a:p>
@@ -9951,7 +10227,7 @@
             </a:r>
             <a:r>
               <a:rPr lang="pt-BR" dirty="0" smtClean="0"/>
-              <a:t> 4.3</a:t>
+              <a:t> 2.4</a:t>
             </a:r>
             <a:endParaRPr lang="pt-BR" dirty="0"/>
           </a:p>
@@ -9973,32 +10249,9 @@
           <a:lstStyle/>
           <a:p>
             <a:r>
-              <a:rPr lang="pt-BR" dirty="0"/>
-              <a:t>Trabalhando com </a:t>
-            </a:r>
-            <a:r>
               <a:rPr lang="pt-BR" dirty="0" err="1"/>
-              <a:t>Strings</a:t>
-            </a:r>
-            <a:r>
-              <a:rPr lang="pt-BR" dirty="0"/>
-              <a:t>, </a:t>
-            </a:r>
-            <a:r>
-              <a:rPr lang="pt-BR" dirty="0" err="1"/>
-              <a:t>Arrays</a:t>
-            </a:r>
-            <a:r>
-              <a:rPr lang="pt-BR" dirty="0"/>
-              <a:t> e </a:t>
-            </a:r>
-            <a:r>
-              <a:rPr lang="pt-BR" dirty="0" err="1"/>
-              <a:t>ArrayLists</a:t>
-            </a:r>
-            <a:endParaRPr lang="pt-BR" dirty="0"/>
-          </a:p>
-          <a:p>
+              <a:t>Assignments</a:t>
+            </a:r>
             <a:endParaRPr lang="pt-BR" dirty="0"/>
           </a:p>
         </p:txBody>
@@ -10006,7 +10259,7 @@
     </p:spTree>
     <p:extLst>
       <p:ext uri="{BB962C8B-B14F-4D97-AF65-F5344CB8AC3E}">
-        <p14:creationId xmlns:p14="http://schemas.microsoft.com/office/powerpoint/2010/main" val="2158061903"/>
+        <p14:creationId xmlns:p14="http://schemas.microsoft.com/office/powerpoint/2010/main" val="1564616669"/>
       </p:ext>
     </p:extLst>
   </p:cSld>
@@ -10057,15 +10310,7 @@
           <a:p>
             <a:r>
               <a:rPr lang="pt-BR" dirty="0" smtClean="0"/>
-              <a:t>Usando </a:t>
-            </a:r>
-            <a:r>
-              <a:rPr lang="pt-BR" dirty="0" err="1" smtClean="0"/>
-              <a:t>if</a:t>
-            </a:r>
-            <a:r>
-              <a:rPr lang="pt-BR" dirty="0" smtClean="0"/>
-              <a:t> e switch</a:t>
+              <a:t>Operadores em Java</a:t>
             </a:r>
             <a:endParaRPr lang="pt-BR" dirty="0"/>
           </a:p>
@@ -10096,7 +10341,15 @@
             </a:r>
             <a:r>
               <a:rPr lang="pt-BR" dirty="0" smtClean="0"/>
-              <a:t> 3.4, 3.5 e 1.1 upgrade</a:t>
+              <a:t> 3.1, 3.2 </a:t>
+            </a:r>
+            <a:r>
+              <a:rPr lang="pt-BR" dirty="0" err="1" smtClean="0"/>
+              <a:t>and</a:t>
+            </a:r>
+            <a:r>
+              <a:rPr lang="pt-BR" dirty="0" smtClean="0"/>
+              <a:t> 3.3</a:t>
             </a:r>
             <a:endParaRPr lang="pt-BR" dirty="0"/>
           </a:p>
@@ -10119,7 +10372,7 @@
           <a:p>
             <a:r>
               <a:rPr lang="pt-BR" dirty="0" smtClean="0"/>
-              <a:t>Controle de Fluxo e Exceções</a:t>
+              <a:t>Operadores</a:t>
             </a:r>
             <a:endParaRPr lang="pt-BR" dirty="0"/>
           </a:p>
@@ -10128,7 +10381,7 @@
     </p:spTree>
     <p:extLst>
       <p:ext uri="{BB962C8B-B14F-4D97-AF65-F5344CB8AC3E}">
-        <p14:creationId xmlns:p14="http://schemas.microsoft.com/office/powerpoint/2010/main" val="532384450"/>
+        <p14:creationId xmlns:p14="http://schemas.microsoft.com/office/powerpoint/2010/main" val="1039160923"/>
       </p:ext>
     </p:extLst>
   </p:cSld>
@@ -10179,7 +10432,19 @@
           <a:p>
             <a:r>
               <a:rPr lang="pt-BR" dirty="0" smtClean="0"/>
-              <a:t>Criando Loops</a:t>
+              <a:t>Usando </a:t>
+            </a:r>
+            <a:r>
+              <a:rPr lang="pt-BR" dirty="0" err="1" smtClean="0"/>
+              <a:t>Strings</a:t>
+            </a:r>
+            <a:r>
+              <a:rPr lang="pt-BR" dirty="0" smtClean="0"/>
+              <a:t> e </a:t>
+            </a:r>
+            <a:r>
+              <a:rPr lang="pt-BR" dirty="0" err="1" smtClean="0"/>
+              <a:t>StringBuilder</a:t>
             </a:r>
             <a:endParaRPr lang="pt-BR" dirty="0"/>
           </a:p>
@@ -10210,7 +10475,7 @@
             </a:r>
             <a:r>
               <a:rPr lang="pt-BR" dirty="0" smtClean="0"/>
-              <a:t> 5.1, 5.2, 5.3, 5.4 </a:t>
+              <a:t> 2.7 </a:t>
             </a:r>
             <a:r>
               <a:rPr lang="pt-BR" dirty="0" err="1" smtClean="0"/>
@@ -10218,7 +10483,7 @@
             </a:r>
             <a:r>
               <a:rPr lang="pt-BR" dirty="0" smtClean="0"/>
-              <a:t> 5.5</a:t>
+              <a:t> 2.6</a:t>
             </a:r>
             <a:endParaRPr lang="pt-BR" dirty="0"/>
           </a:p>
@@ -10240,11 +10505,29 @@
           <a:lstStyle/>
           <a:p>
             <a:r>
-              <a:rPr lang="pt-BR" dirty="0"/>
-              <a:t>Controle de Fluxo e Exceções</a:t>
-            </a:r>
-          </a:p>
-          <a:p>
+              <a:rPr lang="pt-BR" dirty="0" smtClean="0"/>
+              <a:t>Trabalhando com </a:t>
+            </a:r>
+            <a:r>
+              <a:rPr lang="pt-BR" dirty="0" err="1" smtClean="0"/>
+              <a:t>Strings</a:t>
+            </a:r>
+            <a:r>
+              <a:rPr lang="pt-BR" dirty="0" smtClean="0"/>
+              <a:t>, </a:t>
+            </a:r>
+            <a:r>
+              <a:rPr lang="pt-BR" dirty="0" err="1" smtClean="0"/>
+              <a:t>Arrays</a:t>
+            </a:r>
+            <a:r>
+              <a:rPr lang="pt-BR" dirty="0" smtClean="0"/>
+              <a:t> e </a:t>
+            </a:r>
+            <a:r>
+              <a:rPr lang="pt-BR" dirty="0" err="1" smtClean="0"/>
+              <a:t>ArrayLists</a:t>
+            </a:r>
             <a:endParaRPr lang="pt-BR" dirty="0"/>
           </a:p>
         </p:txBody>
@@ -10252,7 +10535,7 @@
     </p:spTree>
     <p:extLst>
       <p:ext uri="{BB962C8B-B14F-4D97-AF65-F5344CB8AC3E}">
-        <p14:creationId xmlns:p14="http://schemas.microsoft.com/office/powerpoint/2010/main" val="2470865896"/>
+        <p14:creationId xmlns:p14="http://schemas.microsoft.com/office/powerpoint/2010/main" val="1074513946"/>
       </p:ext>
     </p:extLst>
   </p:cSld>
@@ -10409,6 +10692,542 @@
           <a:p>
             <a:r>
               <a:rPr lang="pt-BR" dirty="0" smtClean="0"/>
+              <a:t>Usando </a:t>
+            </a:r>
+            <a:r>
+              <a:rPr lang="pt-BR" dirty="0" err="1" smtClean="0"/>
+              <a:t>Arrays</a:t>
+            </a:r>
+            <a:endParaRPr lang="pt-BR" dirty="0"/>
+          </a:p>
+        </p:txBody>
+      </p:sp>
+      <p:sp>
+        <p:nvSpPr>
+          <p:cNvPr id="3" name="Subtítulo 2"/>
+          <p:cNvSpPr>
+            <a:spLocks noGrp="1"/>
+          </p:cNvSpPr>
+          <p:nvPr>
+            <p:ph type="subTitle" idx="1"/>
+          </p:nvPr>
+        </p:nvSpPr>
+        <p:spPr/>
+        <p:txBody>
+          <a:bodyPr/>
+          <a:lstStyle/>
+          <a:p>
+            <a:r>
+              <a:rPr lang="pt-BR" dirty="0" smtClean="0"/>
+              <a:t>OCA </a:t>
+            </a:r>
+            <a:r>
+              <a:rPr lang="pt-BR" dirty="0" err="1" smtClean="0"/>
+              <a:t>Objectives</a:t>
+            </a:r>
+            <a:r>
+              <a:rPr lang="pt-BR" dirty="0" smtClean="0"/>
+              <a:t> 4.1 </a:t>
+            </a:r>
+            <a:r>
+              <a:rPr lang="pt-BR" dirty="0" err="1" smtClean="0"/>
+              <a:t>and</a:t>
+            </a:r>
+            <a:r>
+              <a:rPr lang="pt-BR" dirty="0" smtClean="0"/>
+              <a:t> 4.2</a:t>
+            </a:r>
+            <a:endParaRPr lang="pt-BR" dirty="0"/>
+          </a:p>
+        </p:txBody>
+      </p:sp>
+      <p:sp>
+        <p:nvSpPr>
+          <p:cNvPr id="4" name="Espaço Reservado para Rodapé 3"/>
+          <p:cNvSpPr>
+            <a:spLocks noGrp="1"/>
+          </p:cNvSpPr>
+          <p:nvPr>
+            <p:ph type="ftr" sz="quarter" idx="11"/>
+          </p:nvPr>
+        </p:nvSpPr>
+        <p:spPr/>
+        <p:txBody>
+          <a:bodyPr/>
+          <a:lstStyle/>
+          <a:p>
+            <a:r>
+              <a:rPr lang="pt-BR" dirty="0"/>
+              <a:t>Trabalhando com </a:t>
+            </a:r>
+            <a:r>
+              <a:rPr lang="pt-BR" dirty="0" err="1"/>
+              <a:t>Strings</a:t>
+            </a:r>
+            <a:r>
+              <a:rPr lang="pt-BR" dirty="0"/>
+              <a:t>, </a:t>
+            </a:r>
+            <a:r>
+              <a:rPr lang="pt-BR" dirty="0" err="1"/>
+              <a:t>Arrays</a:t>
+            </a:r>
+            <a:r>
+              <a:rPr lang="pt-BR" dirty="0"/>
+              <a:t> e </a:t>
+            </a:r>
+            <a:r>
+              <a:rPr lang="pt-BR" dirty="0" err="1"/>
+              <a:t>ArrayLists</a:t>
+            </a:r>
+            <a:endParaRPr lang="pt-BR" dirty="0"/>
+          </a:p>
+          <a:p>
+            <a:endParaRPr lang="pt-BR" dirty="0"/>
+          </a:p>
+        </p:txBody>
+      </p:sp>
+    </p:spTree>
+    <p:extLst>
+      <p:ext uri="{BB962C8B-B14F-4D97-AF65-F5344CB8AC3E}">
+        <p14:creationId xmlns:p14="http://schemas.microsoft.com/office/powerpoint/2010/main" val="1389997935"/>
+      </p:ext>
+    </p:extLst>
+  </p:cSld>
+  <p:clrMapOvr>
+    <a:masterClrMapping/>
+  </p:clrMapOvr>
+  <p:timing>
+    <p:tnLst>
+      <p:par>
+        <p:cTn id="1" dur="indefinite" restart="never" nodeType="tmRoot"/>
+      </p:par>
+    </p:tnLst>
+  </p:timing>
+</p:sld>
+</file>
+
+<file path=ppt/slides/slide51.xml><?xml version="1.0" encoding="utf-8"?>
+<p:sld xmlns:a="http://schemas.openxmlformats.org/drawingml/2006/main" xmlns:r="http://schemas.openxmlformats.org/officeDocument/2006/relationships" xmlns:p="http://schemas.openxmlformats.org/presentationml/2006/main">
+  <p:cSld>
+    <p:spTree>
+      <p:nvGrpSpPr>
+        <p:cNvPr id="1" name=""/>
+        <p:cNvGrpSpPr/>
+        <p:nvPr/>
+      </p:nvGrpSpPr>
+      <p:grpSpPr>
+        <a:xfrm>
+          <a:off x="0" y="0"/>
+          <a:ext cx="0" cy="0"/>
+          <a:chOff x="0" y="0"/>
+          <a:chExt cx="0" cy="0"/>
+        </a:xfrm>
+      </p:grpSpPr>
+      <p:sp>
+        <p:nvSpPr>
+          <p:cNvPr id="2" name="Título 1"/>
+          <p:cNvSpPr>
+            <a:spLocks noGrp="1"/>
+          </p:cNvSpPr>
+          <p:nvPr>
+            <p:ph type="ctrTitle"/>
+          </p:nvPr>
+        </p:nvSpPr>
+        <p:spPr/>
+        <p:txBody>
+          <a:bodyPr/>
+          <a:lstStyle/>
+          <a:p>
+            <a:r>
+              <a:rPr lang="pt-BR" dirty="0" smtClean="0"/>
+              <a:t>Usando </a:t>
+            </a:r>
+            <a:r>
+              <a:rPr lang="pt-BR" dirty="0" err="1" smtClean="0"/>
+              <a:t>ArrayList</a:t>
+            </a:r>
+            <a:endParaRPr lang="pt-BR" dirty="0"/>
+          </a:p>
+        </p:txBody>
+      </p:sp>
+      <p:sp>
+        <p:nvSpPr>
+          <p:cNvPr id="3" name="Subtítulo 2"/>
+          <p:cNvSpPr>
+            <a:spLocks noGrp="1"/>
+          </p:cNvSpPr>
+          <p:nvPr>
+            <p:ph type="subTitle" idx="1"/>
+          </p:nvPr>
+        </p:nvSpPr>
+        <p:spPr/>
+        <p:txBody>
+          <a:bodyPr/>
+          <a:lstStyle/>
+          <a:p>
+            <a:r>
+              <a:rPr lang="pt-BR" dirty="0" smtClean="0"/>
+              <a:t>OCA </a:t>
+            </a:r>
+            <a:r>
+              <a:rPr lang="pt-BR" dirty="0" err="1" smtClean="0"/>
+              <a:t>Objective</a:t>
+            </a:r>
+            <a:r>
+              <a:rPr lang="pt-BR" dirty="0" smtClean="0"/>
+              <a:t> 4.3</a:t>
+            </a:r>
+            <a:endParaRPr lang="pt-BR" dirty="0"/>
+          </a:p>
+        </p:txBody>
+      </p:sp>
+      <p:sp>
+        <p:nvSpPr>
+          <p:cNvPr id="4" name="Espaço Reservado para Rodapé 3"/>
+          <p:cNvSpPr>
+            <a:spLocks noGrp="1"/>
+          </p:cNvSpPr>
+          <p:nvPr>
+            <p:ph type="ftr" sz="quarter" idx="11"/>
+          </p:nvPr>
+        </p:nvSpPr>
+        <p:spPr/>
+        <p:txBody>
+          <a:bodyPr/>
+          <a:lstStyle/>
+          <a:p>
+            <a:r>
+              <a:rPr lang="pt-BR" dirty="0"/>
+              <a:t>Trabalhando com </a:t>
+            </a:r>
+            <a:r>
+              <a:rPr lang="pt-BR" dirty="0" err="1"/>
+              <a:t>Strings</a:t>
+            </a:r>
+            <a:r>
+              <a:rPr lang="pt-BR" dirty="0"/>
+              <a:t>, </a:t>
+            </a:r>
+            <a:r>
+              <a:rPr lang="pt-BR" dirty="0" err="1"/>
+              <a:t>Arrays</a:t>
+            </a:r>
+            <a:r>
+              <a:rPr lang="pt-BR" dirty="0"/>
+              <a:t> e </a:t>
+            </a:r>
+            <a:r>
+              <a:rPr lang="pt-BR" dirty="0" err="1"/>
+              <a:t>ArrayLists</a:t>
+            </a:r>
+            <a:endParaRPr lang="pt-BR" dirty="0"/>
+          </a:p>
+          <a:p>
+            <a:endParaRPr lang="pt-BR" dirty="0"/>
+          </a:p>
+        </p:txBody>
+      </p:sp>
+    </p:spTree>
+    <p:extLst>
+      <p:ext uri="{BB962C8B-B14F-4D97-AF65-F5344CB8AC3E}">
+        <p14:creationId xmlns:p14="http://schemas.microsoft.com/office/powerpoint/2010/main" val="2158061903"/>
+      </p:ext>
+    </p:extLst>
+  </p:cSld>
+  <p:clrMapOvr>
+    <a:masterClrMapping/>
+  </p:clrMapOvr>
+  <p:timing>
+    <p:tnLst>
+      <p:par>
+        <p:cTn id="1" dur="indefinite" restart="never" nodeType="tmRoot"/>
+      </p:par>
+    </p:tnLst>
+  </p:timing>
+</p:sld>
+</file>
+
+<file path=ppt/slides/slide52.xml><?xml version="1.0" encoding="utf-8"?>
+<p:sld xmlns:a="http://schemas.openxmlformats.org/drawingml/2006/main" xmlns:r="http://schemas.openxmlformats.org/officeDocument/2006/relationships" xmlns:p="http://schemas.openxmlformats.org/presentationml/2006/main">
+  <p:cSld>
+    <p:spTree>
+      <p:nvGrpSpPr>
+        <p:cNvPr id="1" name=""/>
+        <p:cNvGrpSpPr/>
+        <p:nvPr/>
+      </p:nvGrpSpPr>
+      <p:grpSpPr>
+        <a:xfrm>
+          <a:off x="0" y="0"/>
+          <a:ext cx="0" cy="0"/>
+          <a:chOff x="0" y="0"/>
+          <a:chExt cx="0" cy="0"/>
+        </a:xfrm>
+      </p:grpSpPr>
+      <p:sp>
+        <p:nvSpPr>
+          <p:cNvPr id="2" name="Título 1"/>
+          <p:cNvSpPr>
+            <a:spLocks noGrp="1"/>
+          </p:cNvSpPr>
+          <p:nvPr>
+            <p:ph type="ctrTitle"/>
+          </p:nvPr>
+        </p:nvSpPr>
+        <p:spPr/>
+        <p:txBody>
+          <a:bodyPr/>
+          <a:lstStyle/>
+          <a:p>
+            <a:r>
+              <a:rPr lang="pt-BR" dirty="0" smtClean="0"/>
+              <a:t>Usando </a:t>
+            </a:r>
+            <a:r>
+              <a:rPr lang="pt-BR" dirty="0" err="1" smtClean="0"/>
+              <a:t>if</a:t>
+            </a:r>
+            <a:r>
+              <a:rPr lang="pt-BR" dirty="0" smtClean="0"/>
+              <a:t> e switch</a:t>
+            </a:r>
+            <a:endParaRPr lang="pt-BR" dirty="0"/>
+          </a:p>
+        </p:txBody>
+      </p:sp>
+      <p:sp>
+        <p:nvSpPr>
+          <p:cNvPr id="3" name="Subtítulo 2"/>
+          <p:cNvSpPr>
+            <a:spLocks noGrp="1"/>
+          </p:cNvSpPr>
+          <p:nvPr>
+            <p:ph type="subTitle" idx="1"/>
+          </p:nvPr>
+        </p:nvSpPr>
+        <p:spPr/>
+        <p:txBody>
+          <a:bodyPr/>
+          <a:lstStyle/>
+          <a:p>
+            <a:r>
+              <a:rPr lang="pt-BR" dirty="0" smtClean="0"/>
+              <a:t>OCA </a:t>
+            </a:r>
+            <a:r>
+              <a:rPr lang="pt-BR" dirty="0" err="1" smtClean="0"/>
+              <a:t>Objectives</a:t>
+            </a:r>
+            <a:r>
+              <a:rPr lang="pt-BR" dirty="0" smtClean="0"/>
+              <a:t> 3.4, 3.5 e 1.1 upgrade</a:t>
+            </a:r>
+            <a:endParaRPr lang="pt-BR" dirty="0"/>
+          </a:p>
+        </p:txBody>
+      </p:sp>
+      <p:sp>
+        <p:nvSpPr>
+          <p:cNvPr id="4" name="Espaço Reservado para Rodapé 3"/>
+          <p:cNvSpPr>
+            <a:spLocks noGrp="1"/>
+          </p:cNvSpPr>
+          <p:nvPr>
+            <p:ph type="ftr" sz="quarter" idx="11"/>
+          </p:nvPr>
+        </p:nvSpPr>
+        <p:spPr/>
+        <p:txBody>
+          <a:bodyPr/>
+          <a:lstStyle/>
+          <a:p>
+            <a:r>
+              <a:rPr lang="pt-BR" dirty="0" smtClean="0"/>
+              <a:t>Controle de Fluxo e Exceções</a:t>
+            </a:r>
+            <a:endParaRPr lang="pt-BR" dirty="0"/>
+          </a:p>
+        </p:txBody>
+      </p:sp>
+    </p:spTree>
+    <p:extLst>
+      <p:ext uri="{BB962C8B-B14F-4D97-AF65-F5344CB8AC3E}">
+        <p14:creationId xmlns:p14="http://schemas.microsoft.com/office/powerpoint/2010/main" val="532384450"/>
+      </p:ext>
+    </p:extLst>
+  </p:cSld>
+  <p:clrMapOvr>
+    <a:masterClrMapping/>
+  </p:clrMapOvr>
+  <p:timing>
+    <p:tnLst>
+      <p:par>
+        <p:cTn id="1" dur="indefinite" restart="never" nodeType="tmRoot"/>
+      </p:par>
+    </p:tnLst>
+  </p:timing>
+</p:sld>
+</file>
+
+<file path=ppt/slides/slide53.xml><?xml version="1.0" encoding="utf-8"?>
+<p:sld xmlns:a="http://schemas.openxmlformats.org/drawingml/2006/main" xmlns:r="http://schemas.openxmlformats.org/officeDocument/2006/relationships" xmlns:p="http://schemas.openxmlformats.org/presentationml/2006/main">
+  <p:cSld>
+    <p:spTree>
+      <p:nvGrpSpPr>
+        <p:cNvPr id="1" name=""/>
+        <p:cNvGrpSpPr/>
+        <p:nvPr/>
+      </p:nvGrpSpPr>
+      <p:grpSpPr>
+        <a:xfrm>
+          <a:off x="0" y="0"/>
+          <a:ext cx="0" cy="0"/>
+          <a:chOff x="0" y="0"/>
+          <a:chExt cx="0" cy="0"/>
+        </a:xfrm>
+      </p:grpSpPr>
+      <p:sp>
+        <p:nvSpPr>
+          <p:cNvPr id="2" name="Título 1"/>
+          <p:cNvSpPr>
+            <a:spLocks noGrp="1"/>
+          </p:cNvSpPr>
+          <p:nvPr>
+            <p:ph type="ctrTitle"/>
+          </p:nvPr>
+        </p:nvSpPr>
+        <p:spPr/>
+        <p:txBody>
+          <a:bodyPr/>
+          <a:lstStyle/>
+          <a:p>
+            <a:r>
+              <a:rPr lang="pt-BR" dirty="0" smtClean="0"/>
+              <a:t>Criando Loops</a:t>
+            </a:r>
+            <a:endParaRPr lang="pt-BR" dirty="0"/>
+          </a:p>
+        </p:txBody>
+      </p:sp>
+      <p:sp>
+        <p:nvSpPr>
+          <p:cNvPr id="3" name="Subtítulo 2"/>
+          <p:cNvSpPr>
+            <a:spLocks noGrp="1"/>
+          </p:cNvSpPr>
+          <p:nvPr>
+            <p:ph type="subTitle" idx="1"/>
+          </p:nvPr>
+        </p:nvSpPr>
+        <p:spPr/>
+        <p:txBody>
+          <a:bodyPr/>
+          <a:lstStyle/>
+          <a:p>
+            <a:r>
+              <a:rPr lang="pt-BR" dirty="0" smtClean="0"/>
+              <a:t>OCA </a:t>
+            </a:r>
+            <a:r>
+              <a:rPr lang="pt-BR" dirty="0" err="1" smtClean="0"/>
+              <a:t>Objectives</a:t>
+            </a:r>
+            <a:r>
+              <a:rPr lang="pt-BR" dirty="0" smtClean="0"/>
+              <a:t> 5.1, 5.2, 5.3, 5.4 </a:t>
+            </a:r>
+            <a:r>
+              <a:rPr lang="pt-BR" dirty="0" err="1" smtClean="0"/>
+              <a:t>and</a:t>
+            </a:r>
+            <a:r>
+              <a:rPr lang="pt-BR" dirty="0" smtClean="0"/>
+              <a:t> 5.5</a:t>
+            </a:r>
+            <a:endParaRPr lang="pt-BR" dirty="0"/>
+          </a:p>
+        </p:txBody>
+      </p:sp>
+      <p:sp>
+        <p:nvSpPr>
+          <p:cNvPr id="4" name="Espaço Reservado para Rodapé 3"/>
+          <p:cNvSpPr>
+            <a:spLocks noGrp="1"/>
+          </p:cNvSpPr>
+          <p:nvPr>
+            <p:ph type="ftr" sz="quarter" idx="11"/>
+          </p:nvPr>
+        </p:nvSpPr>
+        <p:spPr/>
+        <p:txBody>
+          <a:bodyPr/>
+          <a:lstStyle/>
+          <a:p>
+            <a:r>
+              <a:rPr lang="pt-BR" dirty="0"/>
+              <a:t>Controle de Fluxo e Exceções</a:t>
+            </a:r>
+          </a:p>
+          <a:p>
+            <a:endParaRPr lang="pt-BR" dirty="0"/>
+          </a:p>
+        </p:txBody>
+      </p:sp>
+    </p:spTree>
+    <p:extLst>
+      <p:ext uri="{BB962C8B-B14F-4D97-AF65-F5344CB8AC3E}">
+        <p14:creationId xmlns:p14="http://schemas.microsoft.com/office/powerpoint/2010/main" val="2470865896"/>
+      </p:ext>
+    </p:extLst>
+  </p:cSld>
+  <p:clrMapOvr>
+    <a:masterClrMapping/>
+  </p:clrMapOvr>
+  <p:timing>
+    <p:tnLst>
+      <p:par>
+        <p:cTn id="1" dur="indefinite" restart="never" nodeType="tmRoot"/>
+      </p:par>
+    </p:tnLst>
+  </p:timing>
+</p:sld>
+</file>
+
+<file path=ppt/slides/slide54.xml><?xml version="1.0" encoding="utf-8"?>
+<p:sld xmlns:a="http://schemas.openxmlformats.org/drawingml/2006/main" xmlns:r="http://schemas.openxmlformats.org/officeDocument/2006/relationships" xmlns:p="http://schemas.openxmlformats.org/presentationml/2006/main">
+  <p:cSld>
+    <p:spTree>
+      <p:nvGrpSpPr>
+        <p:cNvPr id="1" name=""/>
+        <p:cNvGrpSpPr/>
+        <p:nvPr/>
+      </p:nvGrpSpPr>
+      <p:grpSpPr>
+        <a:xfrm>
+          <a:off x="0" y="0"/>
+          <a:ext cx="0" cy="0"/>
+          <a:chOff x="0" y="0"/>
+          <a:chExt cx="0" cy="0"/>
+        </a:xfrm>
+      </p:grpSpPr>
+      <p:sp>
+        <p:nvSpPr>
+          <p:cNvPr id="2" name="Título 1"/>
+          <p:cNvSpPr>
+            <a:spLocks noGrp="1"/>
+          </p:cNvSpPr>
+          <p:nvPr>
+            <p:ph type="ctrTitle"/>
+          </p:nvPr>
+        </p:nvSpPr>
+        <p:spPr/>
+        <p:txBody>
+          <a:bodyPr/>
+          <a:lstStyle/>
+          <a:p>
+            <a:r>
+              <a:rPr lang="pt-BR" dirty="0" smtClean="0"/>
               <a:t>Manipulando Exceções</a:t>
             </a:r>
             <a:endParaRPr lang="pt-BR" dirty="0"/>
@@ -10499,7 +11318,7 @@
 </p:sld>
 </file>
 
-<file path=ppt/slides/slide51.xml><?xml version="1.0" encoding="utf-8"?>
+<file path=ppt/slides/slide55.xml><?xml version="1.0" encoding="utf-8"?>
 <p:sld xmlns:a="http://schemas.openxmlformats.org/drawingml/2006/main" xmlns:r="http://schemas.openxmlformats.org/officeDocument/2006/relationships" xmlns:p="http://schemas.openxmlformats.org/presentationml/2006/main">
   <p:cSld>
     <p:spTree>

--- a/TreinamentoJavaSeOca/documentos/apresentação/OCA.pptx
+++ b/TreinamentoJavaSeOca/documentos/apresentação/OCA.pptx
@@ -5,10 +5,10 @@
     <p:sldMasterId id="2147483661" r:id="rId1"/>
   </p:sldMasterIdLst>
   <p:notesMasterIdLst>
-    <p:notesMasterId r:id="rId57"/>
+    <p:notesMasterId r:id="rId59"/>
   </p:notesMasterIdLst>
   <p:handoutMasterIdLst>
-    <p:handoutMasterId r:id="rId58"/>
+    <p:handoutMasterId r:id="rId60"/>
   </p:handoutMasterIdLst>
   <p:sldIdLst>
     <p:sldId id="1140" r:id="rId2"/>
@@ -48,24 +48,26 @@
     <p:sldId id="1211" r:id="rId36"/>
     <p:sldId id="1169" r:id="rId37"/>
     <p:sldId id="1212" r:id="rId38"/>
-    <p:sldId id="1170" r:id="rId39"/>
-    <p:sldId id="1171" r:id="rId40"/>
-    <p:sldId id="1172" r:id="rId41"/>
-    <p:sldId id="1173" r:id="rId42"/>
-    <p:sldId id="1174" r:id="rId43"/>
-    <p:sldId id="1175" r:id="rId44"/>
-    <p:sldId id="1176" r:id="rId45"/>
-    <p:sldId id="1177" r:id="rId46"/>
-    <p:sldId id="1178" r:id="rId47"/>
-    <p:sldId id="1179" r:id="rId48"/>
-    <p:sldId id="1180" r:id="rId49"/>
-    <p:sldId id="1181" r:id="rId50"/>
-    <p:sldId id="1182" r:id="rId51"/>
-    <p:sldId id="1183" r:id="rId52"/>
-    <p:sldId id="1184" r:id="rId53"/>
-    <p:sldId id="1185" r:id="rId54"/>
-    <p:sldId id="1186" r:id="rId55"/>
-    <p:sldId id="1187" r:id="rId56"/>
+    <p:sldId id="1213" r:id="rId39"/>
+    <p:sldId id="1170" r:id="rId40"/>
+    <p:sldId id="1214" r:id="rId41"/>
+    <p:sldId id="1171" r:id="rId42"/>
+    <p:sldId id="1172" r:id="rId43"/>
+    <p:sldId id="1173" r:id="rId44"/>
+    <p:sldId id="1174" r:id="rId45"/>
+    <p:sldId id="1175" r:id="rId46"/>
+    <p:sldId id="1176" r:id="rId47"/>
+    <p:sldId id="1177" r:id="rId48"/>
+    <p:sldId id="1178" r:id="rId49"/>
+    <p:sldId id="1179" r:id="rId50"/>
+    <p:sldId id="1180" r:id="rId51"/>
+    <p:sldId id="1181" r:id="rId52"/>
+    <p:sldId id="1182" r:id="rId53"/>
+    <p:sldId id="1183" r:id="rId54"/>
+    <p:sldId id="1184" r:id="rId55"/>
+    <p:sldId id="1185" r:id="rId56"/>
+    <p:sldId id="1186" r:id="rId57"/>
+    <p:sldId id="1187" r:id="rId58"/>
   </p:sldIdLst>
   <p:sldSz cx="9144000" cy="6858000" type="screen4x3"/>
   <p:notesSz cx="6797675" cy="9928225"/>
@@ -730,7 +732,7 @@
             <a:spLocks noGrp="1" noChangeArrowheads="1"/>
             <a:extLst>
               <a:ext uri="smNativeData">
-                <pr:smNativeData xmlns:pr="smNativeData" xmlns="" val="SMDATA_12_7hxgVxMAAAAlAAAAZAAAAA0AAAAAkAAAAEgAAACQAAAASAAAAAAAAAAAAAAAAAAAAAEAAABQAAAAAAAAAAAA4D8AAAAAAADgPwAAAAAAAOA/AAAAAAAA4D8AAAAAAADgPwAAAAAAAOA/AAAAAAAA4D8AAAAAAADgPwAAAAAAAOA/AAAAAAAA4D8CAAAAjAAAAAAAAAAAAAAA////DP///wgAAAAAAAAAAAAAAAAAAAAAAAAAAAAAAAAAAAAAZAAAAAEAAABAAAAAAAAAAAAAAAAAAAAAAAAAAAAAAAAAAAAAAAAAAAAAAAAAAAAAAAAAAAAAAAAAAAAAAAAAAAAAAAAAAAAAAAAAAAAAAAAAAAAAAAAAAAAAAAAAAAAAFAAAADwAAAAAAAAAAAAAAAZJjAkUAAAAAQAAABQAAAAUAAAAFAAAAAEAAAAAAAAAZAAAAGQAAAAAAAAAZAAAAGQAAAAVAAAAYAAAAAAAAAAAAAAADwAAACADAAAAAAAAAAAAAAEAAACgMgAAVgcAAKr4//8BAAAAf39/AAEAAABkAAAAAAAAABQAAABAHwAAAAAAACYAAAAAAAAAwOD//wAAAAAmAAAAZAAAABYAAABMAAAAAAAAAAAAAAAEAAAAAAAAAAEAAACWlpYKAAAAACgAAAAoAAAAZAAAAGQAAAAAAAAAzMzMAAAAAABQAAAAUAAAAGQAAABkAAAAAAAAABcAAAAUAAAAAAAAAAAAAAD/fwAA/38AAAAAAAAJAAAABAAAAAAAAAAMAAAAEAAAAAAAAAAAAAAAAAAAAAAAAAAeAAAAaAAAAAAAAAAAAAAAAAAAAAAAAAAAAAAAECcAABAnAAAAAAAAAAAAAAAAAAAAAAAAAAAAAAAAAAAAAAAAAAAAABQAAAAAAAAAwMD/AAAAAABkAAAAMgAAAAAAAABkAAAAAAAAAH9/fwAKAAAAHwAAAFQAAAAAAAAFAAAAAQAAAAAAAAAAAAAAAAAAAAAAAAAAAAAAAAAAAAAAAAAAAAAAAn9/fwAAAAADzMzMAMDA/wB/f38AAAAAAAAAAAAAAAAAAAAAAAAAAAAhAAAAGAAAABQAAAA4BAAAwAMAANAvAAAIBwAAEAAAAA=="/>
+                <pr:smNativeData xmlns="" xmlns:pr="smNativeData" val="SMDATA_12_7hxgVxMAAAAlAAAAZAAAAA0AAAAAkAAAAEgAAACQAAAASAAAAAAAAAAAAAAAAAAAAAEAAABQAAAAAAAAAAAA4D8AAAAAAADgPwAAAAAAAOA/AAAAAAAA4D8AAAAAAADgPwAAAAAAAOA/AAAAAAAA4D8AAAAAAADgPwAAAAAAAOA/AAAAAAAA4D8CAAAAjAAAAAAAAAAAAAAA////DP///wgAAAAAAAAAAAAAAAAAAAAAAAAAAAAAAAAAAAAAZAAAAAEAAABAAAAAAAAAAAAAAAAAAAAAAAAAAAAAAAAAAAAAAAAAAAAAAAAAAAAAAAAAAAAAAAAAAAAAAAAAAAAAAAAAAAAAAAAAAAAAAAAAAAAAAAAAAAAAAAAAAAAAFAAAADwAAAAAAAAAAAAAAAZJjAkUAAAAAQAAABQAAAAUAAAAFAAAAAEAAAAAAAAAZAAAAGQAAAAAAAAAZAAAAGQAAAAVAAAAYAAAAAAAAAAAAAAADwAAACADAAAAAAAAAAAAAAEAAACgMgAAVgcAAKr4//8BAAAAf39/AAEAAABkAAAAAAAAABQAAABAHwAAAAAAACYAAAAAAAAAwOD//wAAAAAmAAAAZAAAABYAAABMAAAAAAAAAAAAAAAEAAAAAAAAAAEAAACWlpYKAAAAACgAAAAoAAAAZAAAAGQAAAAAAAAAzMzMAAAAAABQAAAAUAAAAGQAAABkAAAAAAAAABcAAAAUAAAAAAAAAAAAAAD/fwAA/38AAAAAAAAJAAAABAAAAAAAAAAMAAAAEAAAAAAAAAAAAAAAAAAAAAAAAAAeAAAAaAAAAAAAAAAAAAAAAAAAAAAAAAAAAAAAECcAABAnAAAAAAAAAAAAAAAAAAAAAAAAAAAAAAAAAAAAAAAAAAAAABQAAAAAAAAAwMD/AAAAAABkAAAAMgAAAAAAAABkAAAAAAAAAH9/fwAKAAAAHwAAAFQAAAAAAAAFAAAAAQAAAAAAAAAAAAAAAAAAAAAAAAAAAAAAAAAAAAAAAAAAAAAAAn9/fwAAAAADzMzMAMDA/wB/f38AAAAAAAAAAAAAAAAAAAAAAAAAAAAhAAAAGAAAABQAAAA4BAAAwAMAANAvAAAIBwAAEAAAAA=="/>
               </a:ext>
             </a:extLst>
           </p:cNvSpPr>
@@ -1624,7 +1626,7 @@
             <a:spLocks noGrp="1" noChangeArrowheads="1"/>
             <a:extLst>
               <a:ext uri="smNativeData">
-                <pr:smNativeData xmlns:pr="smNativeData" xmlns="" val="SMDATA_12_7hxgVxMAAAAlAAAAZAAAAA0AAAAAkAAAAEgAAACQAAAASAAAAAAAAAABAAAAAAAAAAEAAABQAAAAAAAAAAAA4D8AAAAAAADgPwAAAAAAAOA/AAAAAAAA4D8AAAAAAADgPwAAAAAAAOA/AAAAAAAA4D8AAAAAAADgPwAAAAAAAOA/AAAAAAAA4D8CAAAAjAAAAAAAAAAAAAAA////AP///wgAAAAAAAAAAAAAAAAAAAAAAAAAAAAAAAAAAAAAeAAAAAEAAABAAAAAAAAAAAAAAABaAAAAAAAAAAAAAAAAAAAAAAAAAAAAAAAAAAAAAAAAAAAAAAAAAAAAAAAAAAAAAAAAAAAAAAAAAAAAAAAAAAAAAAAAAAAAAAAAAAAAFAAAADwAAAAAAAAAAAAAAAAAAAAPAAAAAQAAACMAAAAjAAAAIwAAAB4AAAAAAAAAZAAAAGQAAAAAAAAAZAAAAGQAAAAVAAAAYAAAAAAAAAAAAAAADwAAACADAAAAAAAAAAAAAAEAAACgMgAAVgcAAKr4//8BAAAAf39/AAEAAABkAAAAAAAAABQAAABAHwAAAAAAACYAAAAAAAAAwOD//wAAAAAmAAAAZAAAABYAAABMAAAAAAAAAAAAAAAEAAAAAAAAAAEAAADn5uYKAAAAACgAAAAoAAAAZAAAAGQAAAAAAAAAzMzMAAAAAABQAAAAUAAAAGQAAABkAAAAAAAAABcAAAAUAAAAAAAAAAAAAAD/fwAA/38AAAAAAAAJAAAABAAAAAAAAAAMAAAAEAAAAAAAAAAAAAAAAAAAAAAAAAAeAAAAaAAAAAAAAAAAAAAAAAAAAAAAAAAAAAAAECcAABAnAAAAAAAAAAAAAAAAAAAAAAAAAAAAAAAAAAAAAAAAAAAAABQAAAAAAAAAwMD/AAAAAABkAAAAMgAAAAAAAABkAAAAAAAAAH9/fwAKAAAAHwAAAFQAAAD///8AAAAAAQAAAAAAAAAAAAAAAAAAAAAAAAAAAAAAAAAAAAAAAAAAAAAAAH9/fwAAAAADzMzMAMDA/wB/f38AAAAAAAAAAAAAAAAAAAAAAAAAAAAhAAAAGAAAABQAAAAoBQAAPwIAANhFAABnCgAAEAAAAA=="/>
+                <pr:smNativeData xmlns="" xmlns:pr="smNativeData" val="SMDATA_12_7hxgVxMAAAAlAAAAZAAAAA0AAAAAkAAAAEgAAACQAAAASAAAAAAAAAABAAAAAAAAAAEAAABQAAAAAAAAAAAA4D8AAAAAAADgPwAAAAAAAOA/AAAAAAAA4D8AAAAAAADgPwAAAAAAAOA/AAAAAAAA4D8AAAAAAADgPwAAAAAAAOA/AAAAAAAA4D8CAAAAjAAAAAAAAAAAAAAA////AP///wgAAAAAAAAAAAAAAAAAAAAAAAAAAAAAAAAAAAAAeAAAAAEAAABAAAAAAAAAAAAAAABaAAAAAAAAAAAAAAAAAAAAAAAAAAAAAAAAAAAAAAAAAAAAAAAAAAAAAAAAAAAAAAAAAAAAAAAAAAAAAAAAAAAAAAAAAAAAAAAAAAAAFAAAADwAAAAAAAAAAAAAAAAAAAAPAAAAAQAAACMAAAAjAAAAIwAAAB4AAAAAAAAAZAAAAGQAAAAAAAAAZAAAAGQAAAAVAAAAYAAAAAAAAAAAAAAADwAAACADAAAAAAAAAAAAAAEAAACgMgAAVgcAAKr4//8BAAAAf39/AAEAAABkAAAAAAAAABQAAABAHwAAAAAAACYAAAAAAAAAwOD//wAAAAAmAAAAZAAAABYAAABMAAAAAAAAAAAAAAAEAAAAAAAAAAEAAADn5uYKAAAAACgAAAAoAAAAZAAAAGQAAAAAAAAAzMzMAAAAAABQAAAAUAAAAGQAAABkAAAAAAAAABcAAAAUAAAAAAAAAAAAAAD/fwAA/38AAAAAAAAJAAAABAAAAAAAAAAMAAAAEAAAAAAAAAAAAAAAAAAAAAAAAAAeAAAAaAAAAAAAAAAAAAAAAAAAAAAAAAAAAAAAECcAABAnAAAAAAAAAAAAAAAAAAAAAAAAAAAAAAAAAAAAAAAAAAAAABQAAAAAAAAAwMD/AAAAAABkAAAAMgAAAAAAAABkAAAAAAAAAH9/fwAKAAAAHwAAAFQAAAD///8AAAAAAQAAAAAAAAAAAAAAAAAAAAAAAAAAAAAAAAAAAAAAAAAAAAAAAH9/fwAAAAADzMzMAMDA/wB/f38AAAAAAAAAAAAAAAAAAAAAAAAAAAAhAAAAGAAAABQAAAAoBQAAPwIAANhFAABnCgAAEAAAAA=="/>
               </a:ext>
             </a:extLst>
           </p:cNvSpPr>
@@ -1671,7 +1673,7 @@
             <a:spLocks noGrp="1" noChangeArrowheads="1"/>
             <a:extLst>
               <a:ext uri="smNativeData">
-                <pr:smNativeData xmlns:pr="smNativeData" xmlns="" val="SMDATA_12_7hxgVxMAAAAlAAAAZAAAAA0AAAAAkAAAAEgAAACQAAAASAAAAAAAAAAAAAAAAAAAAAEAAABQAAAAAAAAAAAA4D8AAAAAAADgPwAAAAAAAOA/AAAAAAAA4D8AAAAAAADgPwAAAAAAAOA/AAAAAAAA4D8AAAAAAADgPwAAAAAAAOA/AAAAAAAA4D8CAAAAjAAAAAAAAAAAAAAA////AP///wgAAAAAAAAAAAAAAAAAAAAAAAAAAAAAAAAAAAAAeAAAAAEAAABAAAAAAAAAAAAAAABaAAAAAAAAAAAAAAAAAAAAAAAAAAAAAAAAAAAAAAAAAAAAAAAAAAAAAAAAAAAAAAAAAAAAAAAAAAAAAAAAAAAAAAAAAAAAAAAAAAAAFAAAADwAAAAAAAAAAAAAAAAAAAAPAAAAAQAAACMAAAAjAAAAIwAAAB4AAAAAAAAAZAAAAGQAAAAAAAAAZAAAAGQAAAAVAAAAYAAAAAAAAAAAAAAADwAAACADAAAAAAAAAAAAAAEAAACgMgAAVgcAAKr4//8BAAAAf39/AAEAAABkAAAAAAAAABQAAABAHwAAAAAAACYAAAAAAAAAwOD//wAAAAAmAAAAZAAAABYAAABMAAAAAAAAAAAAAAAEAAAAAAAAAAEAAADn5uYKAAAAACgAAAAoAAAAZAAAAGQAAAAAAAAAzMzMAAAAAABQAAAAUAAAAGQAAABkAAAAAAAAABcAAAAUAAAAAAAAAAAAAAD/fwAA/38AAAAAAAAJAAAABAAAAAAAAAAMAAAAEAAAAAAAAAAAAAAAAAAAAAAAAAAeAAAAaAAAAAAAAAAAAAAAAAAAAAAAAAAAAAAAECcAABAnAAAAAAAAAAAAAAAAAAAAAAAAAAAAAAAAAAAAAAAAAAAAABQAAAAAAAAAwMD/AAAAAABkAAAAMgAAAAAAAABkAAAAAAAAAH9/fwAKAAAAHwAAAFQAAAD///8AAAAAAQAAAAAAAAAAAAAAAAAAAAAAAAAAAAAAAAAAAAAAAAAAAAAAAH9/fwAAAAADzMzMAMDA/wB/f38AAAAAAAAAAAAAAAAAAAAAAAAAAAAhAAAAGAAAABQAAAAoBQAAOwsAANhFAAAAJgAAEAAAAA=="/>
+                <pr:smNativeData xmlns="" xmlns:pr="smNativeData" val="SMDATA_12_7hxgVxMAAAAlAAAAZAAAAA0AAAAAkAAAAEgAAACQAAAASAAAAAAAAAAAAAAAAAAAAAEAAABQAAAAAAAAAAAA4D8AAAAAAADgPwAAAAAAAOA/AAAAAAAA4D8AAAAAAADgPwAAAAAAAOA/AAAAAAAA4D8AAAAAAADgPwAAAAAAAOA/AAAAAAAA4D8CAAAAjAAAAAAAAAAAAAAA////AP///wgAAAAAAAAAAAAAAAAAAAAAAAAAAAAAAAAAAAAAeAAAAAEAAABAAAAAAAAAAAAAAABaAAAAAAAAAAAAAAAAAAAAAAAAAAAAAAAAAAAAAAAAAAAAAAAAAAAAAAAAAAAAAAAAAAAAAAAAAAAAAAAAAAAAAAAAAAAAAAAAAAAAFAAAADwAAAAAAAAAAAAAAAAAAAAPAAAAAQAAACMAAAAjAAAAIwAAAB4AAAAAAAAAZAAAAGQAAAAAAAAAZAAAAGQAAAAVAAAAYAAAAAAAAAAAAAAADwAAACADAAAAAAAAAAAAAAEAAACgMgAAVgcAAKr4//8BAAAAf39/AAEAAABkAAAAAAAAABQAAABAHwAAAAAAACYAAAAAAAAAwOD//wAAAAAmAAAAZAAAABYAAABMAAAAAAAAAAAAAAAEAAAAAAAAAAEAAADn5uYKAAAAACgAAAAoAAAAZAAAAGQAAAAAAAAAzMzMAAAAAABQAAAAUAAAAGQAAABkAAAAAAAAABcAAAAUAAAAAAAAAAAAAAD/fwAA/38AAAAAAAAJAAAABAAAAAAAAAAMAAAAEAAAAAAAAAAAAAAAAAAAAAAAAAAeAAAAaAAAAAAAAAAAAAAAAAAAAAAAAAAAAAAAECcAABAnAAAAAAAAAAAAAAAAAAAAAAAAAAAAAAAAAAAAAAAAAAAAABQAAAAAAAAAwMD/AAAAAABkAAAAMgAAAAAAAABkAAAAAAAAAH9/fwAKAAAAHwAAAFQAAAD///8AAAAAAQAAAAAAAAAAAAAAAAAAAAAAAAAAAAAAAAAAAAAAAAAAAAAAAH9/fwAAAAADzMzMAMDA/wB/f38AAAAAAAAAAAAAAAAAAAAAAAAAAAAhAAAAGAAAABQAAAAoBQAAOwsAANhFAAAAJgAAEAAAAA=="/>
               </a:ext>
             </a:extLst>
           </p:cNvSpPr>
@@ -1718,7 +1720,7 @@
             <a:spLocks noGrp="1" noChangeArrowheads="1"/>
             <a:extLst>
               <a:ext uri="smNativeData">
-                <pr:smNativeData xmlns:pr="smNativeData" xmlns="" val="SMDATA_12_7hxgVxMAAAAlAAAAZAAAAA0AAAAAkAAAAEgAAACQAAAASAAAAAAAAAABAAAAAAAAAAEAAABQAAAAAAAAAAAA4D8AAAAAAADgPwAAAAAAAOA/AAAAAAAA4D8AAAAAAADgPwAAAAAAAOA/AAAAAAAA4D8AAAAAAADgPwAAAAAAAOA/AAAAAAAA4D8CAAAAjAAAAAAAAAAAAAAA////AP///wgAAAAAAAAAAAAAAAAAAAAAAAAAAAAAAAAAAAAAeAAAAAEAAABAAAAAAAAAAAAAAABaAAAAAAAAAAAAAAAAAAAAAAAAAAAAAAAAAAAAAAAAAAAAAAAAAAAAAAAAAAAAAAAAAAAAAAAAAAAAAAAAAAAAAAAAAAAAAAAAAAAAFAAAADwAAAAAAAAAAAAAAAAAAAAPAAAAAQAAACMAAAAjAAAAIwAAAB4AAAAAAAAAZAAAAGQAAAAAAAAAZAAAAGQAAAAVAAAAYAAAAAAAAAAAAAAADwAAACADAAAAAAAAAAAAAAEAAACgMgAAVgcAAKr4//8BAAAAf39/AAEAAABkAAAAAAAAABQAAABAHwAAAAAAACYAAAAAAAAAwOD//wAAAAAmAAAAZAAAABYAAABMAAAAAAAAAAAAAAAEAAAAAAAAAAEAAADn5uYKAAAAACgAAAAoAAAAZAAAAGQAAAAAAAAAzMzMAAAAAABQAAAAUAAAAGQAAABkAAAAAAAAABcAAAAUAAAAAAAAAAAAAAD/fwAA/38AAAAAAAAJAAAABAAAAAAAAAAMAAAAEAAAAAAAAAAAAAAAAAAAAAAAAAAeAAAAaAAAAAAAAAAAAAAAAAAAAAAAAAAAAAAAECcAABAnAAAAAAAAAAAAAAAAAAAAAAAAAAAAAAAAAAAAAAAAAAAAABQAAAAAAAAAwMD/AAAAAABkAAAAMgAAAAAAAABkAAAAAAAAAH9/fwAKAAAAHwAAAFQAAAD///8A////AQAAAAAAAAAAAAAAAAAAAAAAAAAAAAAAAAAAAAAAAAAAAAAAAH9/fwDn5uYDzMzMAMDA/wB/f38AAAAAAAAAAAAAAAAAAAAAAAAAAAAhAAAAGAAAABQAAAD4NAAAGicAANhFAABZKQAAEAAAAA=="/>
+                <pr:smNativeData xmlns="" xmlns:pr="smNativeData" val="SMDATA_12_7hxgVxMAAAAlAAAAZAAAAA0AAAAAkAAAAEgAAACQAAAASAAAAAAAAAABAAAAAAAAAAEAAABQAAAAAAAAAAAA4D8AAAAAAADgPwAAAAAAAOA/AAAAAAAA4D8AAAAAAADgPwAAAAAAAOA/AAAAAAAA4D8AAAAAAADgPwAAAAAAAOA/AAAAAAAA4D8CAAAAjAAAAAAAAAAAAAAA////AP///wgAAAAAAAAAAAAAAAAAAAAAAAAAAAAAAAAAAAAAeAAAAAEAAABAAAAAAAAAAAAAAABaAAAAAAAAAAAAAAAAAAAAAAAAAAAAAAAAAAAAAAAAAAAAAAAAAAAAAAAAAAAAAAAAAAAAAAAAAAAAAAAAAAAAAAAAAAAAAAAAAAAAFAAAADwAAAAAAAAAAAAAAAAAAAAPAAAAAQAAACMAAAAjAAAAIwAAAB4AAAAAAAAAZAAAAGQAAAAAAAAAZAAAAGQAAAAVAAAAYAAAAAAAAAAAAAAADwAAACADAAAAAAAAAAAAAAEAAACgMgAAVgcAAKr4//8BAAAAf39/AAEAAABkAAAAAAAAABQAAABAHwAAAAAAACYAAAAAAAAAwOD//wAAAAAmAAAAZAAAABYAAABMAAAAAAAAAAAAAAAEAAAAAAAAAAEAAADn5uYKAAAAACgAAAAoAAAAZAAAAGQAAAAAAAAAzMzMAAAAAABQAAAAUAAAAGQAAABkAAAAAAAAABcAAAAUAAAAAAAAAAAAAAD/fwAA/38AAAAAAAAJAAAABAAAAAAAAAAMAAAAEAAAAAAAAAAAAAAAAAAAAAAAAAAeAAAAaAAAAAAAAAAAAAAAAAAAAAAAAAAAAAAAECcAABAnAAAAAAAAAAAAAAAAAAAAAAAAAAAAAAAAAAAAAAAAAAAAABQAAAAAAAAAwMD/AAAAAABkAAAAMgAAAAAAAABkAAAAAAAAAH9/fwAKAAAAHwAAAFQAAAD///8A////AQAAAAAAAAAAAAAAAAAAAAAAAAAAAAAAAAAAAAAAAAAAAAAAAH9/fwDn5uYDzMzMAMDA/wB/f38AAAAAAAAAAAAAAAAAAAAAAAAAAAAhAAAAGAAAABQAAAD4NAAAGicAANhFAABZKQAAEAAAAA=="/>
               </a:ext>
             </a:extLst>
           </p:cNvSpPr>
@@ -1775,7 +1777,7 @@
             <a:spLocks noGrp="1" noChangeArrowheads="1"/>
             <a:extLst>
               <a:ext uri="smNativeData">
-                <pr:smNativeData xmlns:pr="smNativeData" xmlns="" val="SMDATA_12_7hxgVxMAAAAlAAAAZAAAAA0AAAAAkAAAAEgAAACQAAAASAAAAAAAAAABAAAAAAAAAAEAAABQAAAAAAAAAAAA4D8AAAAAAADgPwAAAAAAAOA/AAAAAAAA4D8AAAAAAADgPwAAAAAAAOA/AAAAAAAA4D8AAAAAAADgPwAAAAAAAOA/AAAAAAAA4D8CAAAAjAAAAAAAAAAAAAAA////AP///wgAAAAAAAAAAAAAAAAAAAAAAAAAAAAAAAAAAAAAeAAAAAEAAABAAAAAAAAAAAAAAABaAAAAAAAAAAAAAAAAAAAAAAAAAAAAAAAAAAAAAAAAAAAAAAAAAAAAAAAAAAAAAAAAAAAAAAAAAAAAAAAAAAAAAAAAAAAAAAAAAAAAFAAAADwAAAAAAAAAAAAAAAAAAAAPAAAAAQAAACMAAAAjAAAAIwAAAB4AAAAAAAAAZAAAAGQAAAAAAAAAZAAAAGQAAAAVAAAAYAAAAAAAAAAAAAAADwAAACADAAAAAAAAAAAAAAEAAACgMgAAVgcAAKr4//8BAAAAf39/AAEAAABkAAAAAAAAABQAAABAHwAAAAAAACYAAAAAAAAAwOD//wAAAAAmAAAAZAAAABYAAABMAAAAAAAAAAAAAAAEAAAAAAAAAAEAAADn5uYKAAAAACgAAAAoAAAAZAAAAGQAAAAAAAAAzMzMAAAAAABQAAAAUAAAAGQAAABkAAAAAAAAABcAAAAUAAAAAAAAAAAAAAD/fwAA/38AAAAAAAAJAAAABAAAAAAAAAAMAAAAEAAAAAAAAAAAAAAAAAAAAAAAAAAeAAAAaAAAAAAAAAAAAAAAAAAAAAAAAAAAAAAAECcAABAnAAAAAAAAAAAAAAAAAAAAAAAAAAAAAAAAAAAAAAAAAAAAABQAAAAAAAAAwMD/AAAAAABkAAAAMgAAAAAAAABkAAAAAAAAAH9/fwAKAAAAHwAAAFQAAAD///8A////AQAAAAAAAAAAAAAAAAAAAAAAAAAAAAAAAAAAAAAAAAAAAAAAAH9/fwDn5uYDzMzMAMDA/wB/f38AAAAAAAAAAAAAAAAAAAAAAAAAAAAhAAAAGAAAABQAAADYGAAAGicAACgyAABZKQAAEAAAAA=="/>
+                <pr:smNativeData xmlns="" xmlns:pr="smNativeData" val="SMDATA_12_7hxgVxMAAAAlAAAAZAAAAA0AAAAAkAAAAEgAAACQAAAASAAAAAAAAAABAAAAAAAAAAEAAABQAAAAAAAAAAAA4D8AAAAAAADgPwAAAAAAAOA/AAAAAAAA4D8AAAAAAADgPwAAAAAAAOA/AAAAAAAA4D8AAAAAAADgPwAAAAAAAOA/AAAAAAAA4D8CAAAAjAAAAAAAAAAAAAAA////AP///wgAAAAAAAAAAAAAAAAAAAAAAAAAAAAAAAAAAAAAeAAAAAEAAABAAAAAAAAAAAAAAABaAAAAAAAAAAAAAAAAAAAAAAAAAAAAAAAAAAAAAAAAAAAAAAAAAAAAAAAAAAAAAAAAAAAAAAAAAAAAAAAAAAAAAAAAAAAAAAAAAAAAFAAAADwAAAAAAAAAAAAAAAAAAAAPAAAAAQAAACMAAAAjAAAAIwAAAB4AAAAAAAAAZAAAAGQAAAAAAAAAZAAAAGQAAAAVAAAAYAAAAAAAAAAAAAAADwAAACADAAAAAAAAAAAAAAEAAACgMgAAVgcAAKr4//8BAAAAf39/AAEAAABkAAAAAAAAABQAAABAHwAAAAAAACYAAAAAAAAAwOD//wAAAAAmAAAAZAAAABYAAABMAAAAAAAAAAAAAAAEAAAAAAAAAAEAAADn5uYKAAAAACgAAAAoAAAAZAAAAGQAAAAAAAAAzMzMAAAAAABQAAAAUAAAAGQAAABkAAAAAAAAABcAAAAUAAAAAAAAAAAAAAD/fwAA/38AAAAAAAAJAAAABAAAAAAAAAAMAAAAEAAAAAAAAAAAAAAAAAAAAAAAAAAeAAAAaAAAAAAAAAAAAAAAAAAAAAAAAAAAAAAAECcAABAnAAAAAAAAAAAAAAAAAAAAAAAAAAAAAAAAAAAAAAAAAAAAABQAAAAAAAAAwMD/AAAAAABkAAAAMgAAAAAAAABkAAAAAAAAAH9/fwAKAAAAHwAAAFQAAAD///8A////AQAAAAAAAAAAAAAAAAAAAAAAAAAAAAAAAAAAAAAAAAAAAAAAAH9/fwDn5uYDzMzMAMDA/wB/f38AAAAAAAAAAAAAAAAAAAAAAAAAAAAhAAAAGAAAABQAAADYGAAAGicAACgyAABZKQAAEAAAAA=="/>
               </a:ext>
             </a:extLst>
           </p:cNvSpPr>
@@ -1829,7 +1831,7 @@
             <a:spLocks noGrp="1" noChangeArrowheads="1"/>
             <a:extLst>
               <a:ext uri="smNativeData">
-                <pr:smNativeData xmlns:pr="smNativeData" xmlns="" val="SMDATA_12_7hxgVxMAAAAlAAAAZAAAAA0AAAAAkAAAAEgAAACQAAAASAAAAAAAAAABAAAAAAAAAAEAAABQAAAAAAAAAAAA4D8AAAAAAADgPwAAAAAAAOA/AAAAAAAA4D8AAAAAAADgPwAAAAAAAOA/AAAAAAAA4D8AAAAAAADgPwAAAAAAAOA/AAAAAAAA4D8CAAAAjAAAAAAAAAAAAAAA////AP///wgAAAAAAAAAAAAAAAAAAAAAAAAAAAAAAAAAAAAAeAAAAAEAAABAAAAAAAAAAAAAAABaAAAAAAAAAAAAAAAAAAAAAAAAAAAAAAAAAAAAAAAAAAAAAAAAAAAAAAAAAAAAAAAAAAAAAAAAAAAAAAAAAAAAAAAAAAAAAAAAAAAAFAAAADwAAAAAAAAAAAAAAAAAAAAPAAAAAQAAACMAAAAjAAAAIwAAAB4AAAAAAAAAZAAAAGQAAAAAAAAAZAAAAGQAAAAVAAAAYAAAAAAAAAAAAAAADwAAACADAAAAAAAAAAAAAAEAAACgMgAAVgcAAKr4//8BAAAAf39/AAEAAABkAAAAAAAAABQAAABAHwAAAAAAACYAAAAAAAAAwOD//wAAAAAmAAAAZAAAABYAAABMAAAAAAAAAAAAAAAEAAAAAAAAAAEAAADn5uYKAAAAACgAAAAoAAAAZAAAAGQAAAAAAAAAzMzMAAAAAABQAAAAUAAAAGQAAABkAAAAAAAAABcAAAAUAAAAAAAAAAAAAAD/fwAA/38AAAAAAAAJAAAABAAAAAAAAAAMAAAAEAAAAAAAAAAAAAAAAAAAAAAAAAAeAAAAaAAAAAAAAAAAAAAAAAAAAAAAAAAAAAAAECcAABAnAAAAAAAAAAAAAAAAAAAAAAAAAAAAAAAAAAAAAAAAAAAAABQAAAAAAAAAwMD/AAAAAABkAAAAMgAAAAAAAABkAAAAAAAAAH9/fwAKAAAAHwAAAFQAAAD///8A////AQAAAAAAAAAAAAAAAAAAAAAAAAAAAAAAAAAAAAAAAAAAAAAAAH9/fwDn5uYDzMzMAMDA/wB/f38AAAAAAAAAAAAAAAAAAAAAAAAAAAAhAAAAGAAAABQAAAAoBQAAGicAAAgWAABZKQAAEAAAAA=="/>
+                <pr:smNativeData xmlns="" xmlns:pr="smNativeData" val="SMDATA_12_7hxgVxMAAAAlAAAAZAAAAA0AAAAAkAAAAEgAAACQAAAASAAAAAAAAAABAAAAAAAAAAEAAABQAAAAAAAAAAAA4D8AAAAAAADgPwAAAAAAAOA/AAAAAAAA4D8AAAAAAADgPwAAAAAAAOA/AAAAAAAA4D8AAAAAAADgPwAAAAAAAOA/AAAAAAAA4D8CAAAAjAAAAAAAAAAAAAAA////AP///wgAAAAAAAAAAAAAAAAAAAAAAAAAAAAAAAAAAAAAeAAAAAEAAABAAAAAAAAAAAAAAABaAAAAAAAAAAAAAAAAAAAAAAAAAAAAAAAAAAAAAAAAAAAAAAAAAAAAAAAAAAAAAAAAAAAAAAAAAAAAAAAAAAAAAAAAAAAAAAAAAAAAFAAAADwAAAAAAAAAAAAAAAAAAAAPAAAAAQAAACMAAAAjAAAAIwAAAB4AAAAAAAAAZAAAAGQAAAAAAAAAZAAAAGQAAAAVAAAAYAAAAAAAAAAAAAAADwAAACADAAAAAAAAAAAAAAEAAACgMgAAVgcAAKr4//8BAAAAf39/AAEAAABkAAAAAAAAABQAAABAHwAAAAAAACYAAAAAAAAAwOD//wAAAAAmAAAAZAAAABYAAABMAAAAAAAAAAAAAAAEAAAAAAAAAAEAAADn5uYKAAAAACgAAAAoAAAAZAAAAGQAAAAAAAAAzMzMAAAAAABQAAAAUAAAAGQAAABkAAAAAAAAABcAAAAUAAAAAAAAAAAAAAD/fwAA/38AAAAAAAAJAAAABAAAAAAAAAAMAAAAEAAAAAAAAAAAAAAAAAAAAAAAAAAeAAAAaAAAAAAAAAAAAAAAAAAAAAAAAAAAAAAAECcAABAnAAAAAAAAAAAAAAAAAAAAAAAAAAAAAAAAAAAAAAAAAAAAABQAAAAAAAAAwMD/AAAAAABkAAAAMgAAAAAAAABkAAAAAAAAAH9/fwAKAAAAHwAAAFQAAAD///8A////AQAAAAAAAAAAAAAAAAAAAAAAAAAAAAAAAAAAAAAAAAAAAAAAAH9/fwDn5uYDzMzMAMDA/wB/f38AAAAAAAAAAAAAAAAAAAAAAAAAAAAhAAAAGAAAABQAAAAoBQAAGicAAAgWAABZKQAAEAAAAA=="/>
               </a:ext>
             </a:extLst>
           </p:cNvSpPr>
@@ -2628,7 +2630,7 @@
           <p:cNvGrpSpPr>
             <a:extLst>
               <a:ext uri="smNativeData">
-                <pr:smNativeData xmlns:pr="smNativeData" xmlns="" val="SMDATA_6_7hxgVxMAAAAlAAAAAQAAAA8BAAAAkAAAAEgAAACQAAAASAAAAAAAAAAAAAAAAAAAABcAAAAUAAAAAAAAAAAAAAD/fwAA/38AAAAAAAAJAAAABAAAAAAAAAAMAAAAEAAAAAAAAAAAAAAAAAAAAAAAAAAfAAAAVAAAAAAAAAAAAAAAAAAAAAAAAAAAAAAAAAAAAAAAAAAAAAAAAAAAAAAAAAAAAAAAAAAAAAAAAAAAAAAAAAAAAAAAAAAAAAAAAAAAAAAAAAAAAAAAAAAAACEAAAAYAAAAFAAAAAAAAACEIQAAAEsAAEMmAAAQAAAA"/>
+                <pr:smNativeData xmlns="" xmlns:pr="smNativeData" val="SMDATA_6_7hxgVxMAAAAlAAAAAQAAAA8BAAAAkAAAAEgAAACQAAAASAAAAAAAAAAAAAAAAAAAABcAAAAUAAAAAAAAAAAAAAD/fwAA/38AAAAAAAAJAAAABAAAAAAAAAAMAAAAEAAAAAAAAAAAAAAAAAAAAAAAAAAfAAAAVAAAAAAAAAAAAAAAAAAAAAAAAAAAAAAAAAAAAAAAAAAAAAAAAAAAAAAAAAAAAAAAAAAAAAAAAAAAAAAAAAAAAAAAAAAAAAAAAAAAAAAAAAAAAAAAAAAAACEAAAAYAAAAFAAAAAAAAACEIQAAAEsAAEMmAAAQAAAA"/>
               </a:ext>
             </a:extLst>
           </p:cNvGrpSpPr>
@@ -2678,7 +2680,7 @@
             <p:cNvSpPr>
               <a:extLst>
                 <a:ext uri="smNativeData">
-                  <pr:smNativeData xmlns:pr="smNativeData" xmlns="" val="SMDATA_12_7hxgVxMAAAAlAAAAZAAAAA0AAAAAkAAAAEgAAACQAAAASAAAAAAAAAABAAAAAAAAAAEAAABQAAAAAAAAAAAA4D8AAAAAAADgPwAAAAAAAOA/AAAAAAAA4D8AAAAAAADgPwAAAAAAAOA/AAAAAAAA4D8AAAAAAADgPwAAAAAAAOA/AAAAAAAA4D8CAAAAjAAAAAEAAAAAAAAAVII1AP///wgAAAAAAAAAAAAAAAAAAAAAAAAAAAAAAAAAAAAAeAAAAAEAAABAAAAAAAAAAAAAAABaAAAAAAAAAAAAAAAAAAAAAAAAAAAAAAAAAAAAAAAAAAAAAAAAAAAAAAAAAAAAAAAAAAAAAAAAAAAAAAAAAAAAAAAAAAAAAAAAAAAAFAAAADwAAAAAAAAAAAAAAAZJjAkUAAAAAQAAABQAAAAUAAAAFAAAAAEAAAAAAAAAZAAAAGQAAAAAAAAAZAAAAGQAAAAVAAAAYAAAAAAAAAAAAAAADwAAACADAAAAAAAAAAAAAAEAAACgMgAAVgcAAKr4//8BAAAAf39/AAEAAABkAAAAAAAAABQAAABAHwAAAAAAACYAAAAAAAAAwOD//wAAAAAmAAAAZAAAABYAAABMAAAAAAAAAAAAAAAEAAAAAAAAAAEAAACWlpYKAAAAACgAAAAoAAAAZAAAAGQAAAAAAAAAzMzMAAAAAABQAAAAUAAAAGQAAABkAAAAAAAAABcAAAAUAAAAAAAAAAAAAAD/fwAA/38AAAAAAAAJAAAABAAAAAAAAAAMAAAAEAAAAAAAAAAAAAAAAAAAAAAAAAAeAAAAaAAAAAAAAAAAAAAAAAAAAAAAAAAAAAAAECcAABAnAAAAAAAAAAAAAAAAAAAAAAAAAAAAAAAAAAAAAAAAAAAAABQAAAAAAAAAwMD/AAAAAABkAAAAMgAAAAAAAABkAAAAAAAAAH9/fwAKAAAAHwAAAFQAAABUgjUA////AQAAAAAAAAAAAAAAAAAAAAAAAAAAAAAAAAAAAAAAAAAAAAAAAn9/fwDn5uYDzMzMAMDA/wB/f38AAAAAAAAAAAAAAAAAAAAAAAAAAAAhAAAAGAAAABQAAADLEgAAhiEAAABLAABDJgAAAAAAAA=="/>
+                  <pr:smNativeData xmlns="" xmlns:pr="smNativeData" val="SMDATA_12_7hxgVxMAAAAlAAAAZAAAAA0AAAAAkAAAAEgAAACQAAAASAAAAAAAAAABAAAAAAAAAAEAAABQAAAAAAAAAAAA4D8AAAAAAADgPwAAAAAAAOA/AAAAAAAA4D8AAAAAAADgPwAAAAAAAOA/AAAAAAAA4D8AAAAAAADgPwAAAAAAAOA/AAAAAAAA4D8CAAAAjAAAAAEAAAAAAAAAVII1AP///wgAAAAAAAAAAAAAAAAAAAAAAAAAAAAAAAAAAAAAeAAAAAEAAABAAAAAAAAAAAAAAABaAAAAAAAAAAAAAAAAAAAAAAAAAAAAAAAAAAAAAAAAAAAAAAAAAAAAAAAAAAAAAAAAAAAAAAAAAAAAAAAAAAAAAAAAAAAAAAAAAAAAFAAAADwAAAAAAAAAAAAAAAZJjAkUAAAAAQAAABQAAAAUAAAAFAAAAAEAAAAAAAAAZAAAAGQAAAAAAAAAZAAAAGQAAAAVAAAAYAAAAAAAAAAAAAAADwAAACADAAAAAAAAAAAAAAEAAACgMgAAVgcAAKr4//8BAAAAf39/AAEAAABkAAAAAAAAABQAAABAHwAAAAAAACYAAAAAAAAAwOD//wAAAAAmAAAAZAAAABYAAABMAAAAAAAAAAAAAAAEAAAAAAAAAAEAAACWlpYKAAAAACgAAAAoAAAAZAAAAGQAAAAAAAAAzMzMAAAAAABQAAAAUAAAAGQAAABkAAAAAAAAABcAAAAUAAAAAAAAAAAAAAD/fwAA/38AAAAAAAAJAAAABAAAAAAAAAAMAAAAEAAAAAAAAAAAAAAAAAAAAAAAAAAeAAAAaAAAAAAAAAAAAAAAAAAAAAAAAAAAAAAAECcAABAnAAAAAAAAAAAAAAAAAAAAAAAAAAAAAAAAAAAAAAAAAAAAABQAAAAAAAAAwMD/AAAAAABkAAAAMgAAAAAAAABkAAAAAAAAAH9/fwAKAAAAHwAAAFQAAABUgjUA////AQAAAAAAAAAAAAAAAAAAAAAAAAAAAAAAAAAAAAAAAAAAAAAAAn9/fwDn5uYDzMzMAMDA/wB/f38AAAAAAAAAAAAAAAAAAAAAAAAAAAAhAAAAGAAAABQAAADLEgAAhiEAAABLAABDJgAAAAAAAA=="/>
                 </a:ext>
               </a:extLst>
             </p:cNvSpPr>
@@ -2829,7 +2831,7 @@
             <p:cNvSpPr>
               <a:extLst>
                 <a:ext uri="smNativeData">
-                  <pr:smNativeData xmlns:pr="smNativeData" xmlns="" val="SMDATA_12_7hxgVxMAAAAlAAAAZAAAAA0AAAAAkAAAAEgAAACQAAAASAAAAAAAAAABAAAAAAAAAAEAAABQAAAAAAAAAAAA4D8AAAAAAADgPwAAAAAAAOA/AAAAAAAA4D8AAAAAAADgPwAAAAAAAOA/AAAAAAAA4D8AAAAAAADgPwAAAAAAAOA/AAAAAAAA4D8CAAAAjAAAAAEAAAAAAAAA/8AAAP///wgAAAAAAAAAAAAAAAAAAAAAAAAAAAAAAAAAAAAAeAAAAAEAAABAAAAAAAAAAAAAAABaAAAAAAAAAAAAAAAAAAAAAAAAAAAAAAAAAAAAAAAAAAAAAAAAAAAAAAAAAAAAAAAAAAAAAAAAAAAAAAAAAAAAAAAAAAAAAAAAAAAAFAAAADwAAAAAAAAAAAAAAAZJjAkUAAAAAQAAABQAAAAUAAAAFAAAAAEAAAAAAAAAZAAAAGQAAAAAAAAAZAAAAGQAAAAVAAAAYAAAAAAAAAAAAAAADwAAACADAAAAAAAAAAAAAAEAAACgMgAAVgcAAKr4//8BAAAAf39/AAEAAABkAAAAAAAAABQAAABAHwAAAAAAACYAAAAAAAAAwOD//wAAAAAmAAAAZAAAABYAAABMAAAAAAAAAAAAAAAEAAAAAAAAAAEAAACWlpYKAAAAACgAAAAoAAAAZAAAAGQAAAAAAAAAzMzMAAAAAABQAAAAUAAAAGQAAABkAAAAAAAAABcAAAAUAAAAAAAAAAAAAAD/fwAA/38AAAAAAAAJAAAABAAAAAAAAAAMAAAAEAAAAAAAAAAAAAAAAAAAAAAAAAAeAAAAaAAAAAAAAAAAAAAAAAAAAAAAAAAAAAAAECcAABAnAAAAAAAAAAAAAAAAAAAAAAAAAAAAAAAAAAAAAAAAAAAAABQAAAAAAAAAwMD/AAAAAABkAAAAMgAAAAAAAABkAAAAAAAAAH9/fwAKAAAAHwAAAFQAAAD/wAAA////AQAAAAAAAAAAAAAAAAAAAAAAAAAAAAAAAAAAAAAAAAAAAAAAAn9/fwDn5uYDzMzMAMDA/wB/f38AAAAAAAAAAAAAAAAAAAAAAAAAAAAhAAAAGAAAABQAAAAAAAAAhCEAAMsSAABBJgAAAAAAAA=="/>
+                  <pr:smNativeData xmlns="" xmlns:pr="smNativeData" val="SMDATA_12_7hxgVxMAAAAlAAAAZAAAAA0AAAAAkAAAAEgAAACQAAAASAAAAAAAAAABAAAAAAAAAAEAAABQAAAAAAAAAAAA4D8AAAAAAADgPwAAAAAAAOA/AAAAAAAA4D8AAAAAAADgPwAAAAAAAOA/AAAAAAAA4D8AAAAAAADgPwAAAAAAAOA/AAAAAAAA4D8CAAAAjAAAAAEAAAAAAAAA/8AAAP///wgAAAAAAAAAAAAAAAAAAAAAAAAAAAAAAAAAAAAAeAAAAAEAAABAAAAAAAAAAAAAAABaAAAAAAAAAAAAAAAAAAAAAAAAAAAAAAAAAAAAAAAAAAAAAAAAAAAAAAAAAAAAAAAAAAAAAAAAAAAAAAAAAAAAAAAAAAAAAAAAAAAAFAAAADwAAAAAAAAAAAAAAAZJjAkUAAAAAQAAABQAAAAUAAAAFAAAAAEAAAAAAAAAZAAAAGQAAAAAAAAAZAAAAGQAAAAVAAAAYAAAAAAAAAAAAAAADwAAACADAAAAAAAAAAAAAAEAAACgMgAAVgcAAKr4//8BAAAAf39/AAEAAABkAAAAAAAAABQAAABAHwAAAAAAACYAAAAAAAAAwOD//wAAAAAmAAAAZAAAABYAAABMAAAAAAAAAAAAAAAEAAAAAAAAAAEAAACWlpYKAAAAACgAAAAoAAAAZAAAAGQAAAAAAAAAzMzMAAAAAABQAAAAUAAAAGQAAABkAAAAAAAAABcAAAAUAAAAAAAAAAAAAAD/fwAA/38AAAAAAAAJAAAABAAAAAAAAAAMAAAAEAAAAAAAAAAAAAAAAAAAAAAAAAAeAAAAaAAAAAAAAAAAAAAAAAAAAAAAAAAAAAAAECcAABAnAAAAAAAAAAAAAAAAAAAAAAAAAAAAAAAAAAAAAAAAAAAAABQAAAAAAAAAwMD/AAAAAABkAAAAMgAAAAAAAABkAAAAAAAAAH9/fwAKAAAAHwAAAFQAAAD/wAAA////AQAAAAAAAAAAAAAAAAAAAAAAAAAAAAAAAAAAAAAAAAAAAAAAAn9/fwDn5uYDzMzMAMDA/wB/f38AAAAAAAAAAAAAAAAAAAAAAAAAAAAhAAAAGAAAABQAAAAAAAAAhCEAAMsSAABBJgAAAAAAAA=="/>
                 </a:ext>
               </a:extLst>
             </p:cNvSpPr>
@@ -2982,7 +2984,7 @@
             <a:spLocks noGrp="1" noChangeArrowheads="1"/>
             <a:extLst>
               <a:ext uri="smNativeData">
-                <pr:smNativeData xmlns:pr="smNativeData" xmlns="" val="SMDATA_12_7hxgVxMAAAAlAAAAZAAAAA0AAAAAkAAAAEgAAACQAAAASAAAAAAAAAACAAAAAAAAAAEAAABQAAAAAAAAAAAA4D8AAAAAAADgPwAAAAAAAOA/AAAAAAAA4D8AAAAAAADgPwAAAAAAAOA/AAAAAAAA4D8AAAAAAADgPwAAAAAAAOA/AAAAAAAA4D8CAAAAjAAAAAAAAAAAAAAA////DP///wgAAAAAAAAAAAAAAAAAAAAAAAAAAAAAAAAAAAAAZAAAAAEAAABAAAAAAAAAAAAAAAAAAAAAAAAAAAAAAAAAAAAAAAAAAAAAAAAAAAAAAAAAAAAAAAAAAAAAAAAAAAAAAAAAAAAAAAAAAAAAAAAAAAAAAAAAAAAAAAAAAAAAFAAAADwAAAAAAAAAAAAAAAZJjAkUAAAAAQAAABQAAAAUAAAAFAAAAAEAAAAAAAAAZAAAAGQAAAAAAAAAZAAAAGQAAAAVAAAAYAAAAAAAAAAAAAAADwAAACADAAAAAAAAAAAAAAEAAACgMgAAVgcAAKr4//8BAAAAf39/AAEAAABkAAAAAAAAABQAAABAHwAAAAAAACYAAAAAAAAAwOD//wAAAAAmAAAAZAAAABYAAABMAAAAAAAAAAAAAAAEAAAAAAAAAAEAAACWlpYKAAAAACgAAAAoAAAAZAAAAGQAAAAAAAAAzMzMAAAAAABQAAAAUAAAAGQAAABkAAAAAAAAABcAAAAUAAAAAAAAAAAAAAD/fwAA/38AAAAAAAAJAAAABAAAAAAAAAAMAAAAEAAAAAAAAAAAAAAAAAAAAAAAAAAeAAAAaAAAAAAAAAAAAAAAAAAAAAAAAAAAAAAAECcAABAnAAAAAAAAAAAAAAAAAAAAAAAAAAAAAAAAAAAAAAAAAAAAABQAAAAAAAAAwMD/AAAAAABkAAAAMgAAAAAAAABkAAAAAAAAAH9/fwAKAAAAHwAAAFQAAABbm9UF////AQAAAAAAAAAAAAAAAAAAAAAAAAAAAAAAAAAAAAAAAAAAAAAAAn9/fwDn5uYDzMzMAMDA/wB/f38AAAAAAAAAAAAAAAAAAAAAAAAAAAAhAAAAGAAAABQAAADLEgAAFQkAAItHAABTHgAAAAAAAA=="/>
+                <pr:smNativeData xmlns="" xmlns:pr="smNativeData" val="SMDATA_12_7hxgVxMAAAAlAAAAZAAAAA0AAAAAkAAAAEgAAACQAAAASAAAAAAAAAACAAAAAAAAAAEAAABQAAAAAAAAAAAA4D8AAAAAAADgPwAAAAAAAOA/AAAAAAAA4D8AAAAAAADgPwAAAAAAAOA/AAAAAAAA4D8AAAAAAADgPwAAAAAAAOA/AAAAAAAA4D8CAAAAjAAAAAAAAAAAAAAA////DP///wgAAAAAAAAAAAAAAAAAAAAAAAAAAAAAAAAAAAAAZAAAAAEAAABAAAAAAAAAAAAAAAAAAAAAAAAAAAAAAAAAAAAAAAAAAAAAAAAAAAAAAAAAAAAAAAAAAAAAAAAAAAAAAAAAAAAAAAAAAAAAAAAAAAAAAAAAAAAAAAAAAAAAFAAAADwAAAAAAAAAAAAAAAZJjAkUAAAAAQAAABQAAAAUAAAAFAAAAAEAAAAAAAAAZAAAAGQAAAAAAAAAZAAAAGQAAAAVAAAAYAAAAAAAAAAAAAAADwAAACADAAAAAAAAAAAAAAEAAACgMgAAVgcAAKr4//8BAAAAf39/AAEAAABkAAAAAAAAABQAAABAHwAAAAAAACYAAAAAAAAAwOD//wAAAAAmAAAAZAAAABYAAABMAAAAAAAAAAAAAAAEAAAAAAAAAAEAAACWlpYKAAAAACgAAAAoAAAAZAAAAGQAAAAAAAAAzMzMAAAAAABQAAAAUAAAAGQAAABkAAAAAAAAABcAAAAUAAAAAAAAAAAAAAD/fwAA/38AAAAAAAAJAAAABAAAAAAAAAAMAAAAEAAAAAAAAAAAAAAAAAAAAAAAAAAeAAAAaAAAAAAAAAAAAAAAAAAAAAAAAAAAAAAAECcAABAnAAAAAAAAAAAAAAAAAAAAAAAAAAAAAAAAAAAAAAAAAAAAABQAAAAAAAAAwMD/AAAAAABkAAAAMgAAAAAAAABkAAAAAAAAAH9/fwAKAAAAHwAAAFQAAABbm9UF////AQAAAAAAAAAAAAAAAAAAAAAAAAAAAAAAAAAAAAAAAAAAAAAAAn9/fwDn5uYDzMzMAMDA/wB/f38AAAAAAAAAAAAAAAAAAAAAAAAAAAAhAAAAGAAAABQAAADLEgAAFQkAAItHAABTHgAAAAAAAA=="/>
               </a:ext>
             </a:extLst>
           </p:cNvSpPr>
@@ -3045,7 +3047,7 @@
             <a:spLocks noGrp="1" noChangeArrowheads="1"/>
             <a:extLst>
               <a:ext uri="smNativeData">
-                <pr:smNativeData xmlns:pr="smNativeData" xmlns="" val="SMDATA_12_7hxgVxMAAAAlAAAAZAAAAA0AAAAAkAAAAEgAAACQAAAASAAAAAAAAAAAAAAAAAAAAAEAAABQAAAAAAAAAAAA4D8AAAAAAADgPwAAAAAAAOA/AAAAAAAA4D8AAAAAAADgPwAAAAAAAOA/AAAAAAAA4D8AAAAAAADgPwAAAAAAAOA/AAAAAAAA4D8CAAAAjAAAAAAAAAAAAAAA////DP///wgAAAAAAAAAAAAAAAAAAAAAAAAAAAAAAAAAAAAAZAAAAAEAAABAAAAAAAAAAAAAAAAAAAAAAAAAAAAAAAAAAAAAAAAAAAAAAAAAAAAAAAAAAAAAAAAAAAAAAAAAAAAAAAAAAAAAAAAAAAAAAAAAAAAAAAAAAAAAAAAAAAAAFAAAADwAAAAAAAAAAAAAAAZJjAkUAAAAAQAAABQAAAAUAAAAFAAAAAEAAAAAAAAAZAAAAGQAAAAAAAAAZAAAAGQAAAAVAAAAYAAAAAAAAAAAAAAADwAAACADAAAAAAAAAAAAAAEAAACgMgAAVgcAAKr4//8BAAAAf39/AAEAAABkAAAAAAAAABQAAABAHwAAAAAAACYAAAAAAAAAwOD//wAAAAAmAAAAZAAAABYAAABMAAAAAAAAAAAAAAAEAAAAAAAAAAEAAACWlpYKAAAAACgAAAAoAAAAZAAAAGQAAAAAAAAAzMzMAAAAAABQAAAAUAAAAGQAAABkAAAAAAAAABcAAAAUAAAAAAAAAAAAAAD/fwAA/38AAAAAAAAJAAAABAAAAAAAAAAMAAAAEAAAAAAAAAAAAAAAAAAAAAAAAAAeAAAAaAAAAAAAAAAAAAAAAAAAAAAAAAAAAAAAECcAABAnAAAAAAAAAAAAAAAAAAAAAAAAAAAAAAAAAAAAAAAAAAAAABQAAAAAAAAAwMD/AAAAAABkAAAAMgAAAAAAAABkAAAAAAAAAH9/fwAKAAAAHwAAAFQAAABbm9UF////AQAAAAAAAAAAAAAAAAAAAAAAAAAAAAAAAAAAAAAAAAAAAAAAAn9/fwDn5uYDzMzMAMDA/wB/f38AAAAAAAAAAAAAAAAAAAAAAAAAAAAhAAAAGAAAABQAAADAEgAAzyEAAABLAAAWJgAAEAAAAA=="/>
+                <pr:smNativeData xmlns="" xmlns:pr="smNativeData" val="SMDATA_12_7hxgVxMAAAAlAAAAZAAAAA0AAAAAkAAAAEgAAACQAAAASAAAAAAAAAAAAAAAAAAAAAEAAABQAAAAAAAAAAAA4D8AAAAAAADgPwAAAAAAAOA/AAAAAAAA4D8AAAAAAADgPwAAAAAAAOA/AAAAAAAA4D8AAAAAAADgPwAAAAAAAOA/AAAAAAAA4D8CAAAAjAAAAAAAAAAAAAAA////DP///wgAAAAAAAAAAAAAAAAAAAAAAAAAAAAAAAAAAAAAZAAAAAEAAABAAAAAAAAAAAAAAAAAAAAAAAAAAAAAAAAAAAAAAAAAAAAAAAAAAAAAAAAAAAAAAAAAAAAAAAAAAAAAAAAAAAAAAAAAAAAAAAAAAAAAAAAAAAAAAAAAAAAAFAAAADwAAAAAAAAAAAAAAAZJjAkUAAAAAQAAABQAAAAUAAAAFAAAAAEAAAAAAAAAZAAAAGQAAAAAAAAAZAAAAGQAAAAVAAAAYAAAAAAAAAAAAAAADwAAACADAAAAAAAAAAAAAAEAAACgMgAAVgcAAKr4//8BAAAAf39/AAEAAABkAAAAAAAAABQAAABAHwAAAAAAACYAAAAAAAAAwOD//wAAAAAmAAAAZAAAABYAAABMAAAAAAAAAAAAAAAEAAAAAAAAAAEAAACWlpYKAAAAACgAAAAoAAAAZAAAAGQAAAAAAAAAzMzMAAAAAABQAAAAUAAAAGQAAABkAAAAAAAAABcAAAAUAAAAAAAAAAAAAAD/fwAA/38AAAAAAAAJAAAABAAAAAAAAAAMAAAAEAAAAAAAAAAAAAAAAAAAAAAAAAAeAAAAaAAAAAAAAAAAAAAAAAAAAAAAAAAAAAAAECcAABAnAAAAAAAAAAAAAAAAAAAAAAAAAAAAAAAAAAAAAAAAAAAAABQAAAAAAAAAwMD/AAAAAABkAAAAMgAAAAAAAABkAAAAAAAAAH9/fwAKAAAAHwAAAFQAAABbm9UF////AQAAAAAAAAAAAAAAAAAAAAAAAAAAAAAAAAAAAAAAAAAAAAAAAn9/fwDn5uYDzMzMAMDA/wB/f38AAAAAAAAAAAAAAAAAAAAAAAAAAAAhAAAAGAAAABQAAADAEgAAzyEAAABLAAAWJgAAEAAAAA=="/>
               </a:ext>
             </a:extLst>
           </p:cNvSpPr>
@@ -3240,8 +3242,13 @@
             </a:r>
             <a:r>
               <a:rPr lang="pt-BR" sz="2300" dirty="0" smtClean="0"/>
-              <a:t> declarado</a:t>
-            </a:r>
+              <a:t> </a:t>
+            </a:r>
+            <a:r>
+              <a:rPr lang="pt-BR" sz="2300" dirty="0" smtClean="0"/>
+              <a:t>declarado no arquivo</a:t>
+            </a:r>
+            <a:endParaRPr lang="pt-BR" sz="2300" dirty="0" smtClean="0"/>
           </a:p>
           <a:p>
             <a:pPr algn="just"/>
@@ -3423,7 +3430,7 @@
           <a:p>
             <a:r>
               <a:rPr lang="pt-BR" dirty="0" smtClean="0"/>
-              <a:t>Usando os comandos </a:t>
+              <a:t>Comandos </a:t>
             </a:r>
             <a:r>
               <a:rPr lang="pt-BR" dirty="0" err="1" smtClean="0"/>
@@ -3911,10 +3918,6 @@
           <a:lstStyle/>
           <a:p>
             <a:r>
-              <a:rPr lang="pt-BR" dirty="0" smtClean="0"/>
-              <a:t>Usando </a:t>
-            </a:r>
-            <a:r>
               <a:rPr lang="pt-BR" dirty="0" err="1" smtClean="0"/>
               <a:t>public</a:t>
             </a:r>
@@ -4168,15 +4171,15 @@
           <a:p>
             <a:r>
               <a:rPr lang="pt-BR" dirty="0" err="1" smtClean="0"/>
-              <a:t>Statements</a:t>
-            </a:r>
-            <a:r>
-              <a:rPr lang="pt-BR" dirty="0" smtClean="0"/>
-              <a:t> de </a:t>
+              <a:t>Import</a:t>
+            </a:r>
+            <a:r>
+              <a:rPr lang="pt-BR" dirty="0" smtClean="0"/>
+              <a:t> não-</a:t>
             </a:r>
             <a:r>
               <a:rPr lang="pt-BR" dirty="0" err="1" smtClean="0"/>
-              <a:t>import</a:t>
+              <a:t>static</a:t>
             </a:r>
             <a:endParaRPr lang="pt-BR" dirty="0"/>
           </a:p>
@@ -4211,8 +4214,8 @@
               <a:t> é “poupar” declarações e fazer o código mais </a:t>
             </a:r>
             <a:r>
-              <a:rPr lang="pt-BR" sz="2400" dirty="0" err="1" smtClean="0"/>
-              <a:t>legivel</a:t>
+              <a:rPr lang="pt-BR" sz="2400" dirty="0" smtClean="0"/>
+              <a:t>legível</a:t>
             </a:r>
             <a:endParaRPr lang="pt-BR" sz="2400" dirty="0" smtClean="0"/>
           </a:p>
@@ -4287,11 +4290,15 @@
             </a:r>
             <a:r>
               <a:rPr lang="pt-BR" sz="2400" b="1" dirty="0" err="1" smtClean="0"/>
-              <a:t>apis</a:t>
+              <a:t>APIs</a:t>
             </a:r>
             <a:r>
               <a:rPr lang="pt-BR" sz="2400" b="1" dirty="0" smtClean="0"/>
-              <a:t> de um determinado </a:t>
+              <a:t> </a:t>
+            </a:r>
+            <a:r>
+              <a:rPr lang="pt-BR" sz="2400" b="1" dirty="0" smtClean="0"/>
+              <a:t>de um determinado </a:t>
             </a:r>
             <a:r>
               <a:rPr lang="pt-BR" sz="2400" b="1" dirty="0" err="1" smtClean="0"/>
@@ -4427,11 +4434,11 @@
           <a:p>
             <a:r>
               <a:rPr lang="pt-BR" dirty="0" err="1" smtClean="0"/>
-              <a:t>Statements</a:t>
-            </a:r>
-            <a:r>
-              <a:rPr lang="pt-BR" dirty="0" smtClean="0"/>
-              <a:t> de importação </a:t>
+              <a:t>Import</a:t>
+            </a:r>
+            <a:r>
+              <a:rPr lang="pt-BR" dirty="0" smtClean="0"/>
+              <a:t> </a:t>
             </a:r>
             <a:r>
               <a:rPr lang="pt-BR" dirty="0" err="1" smtClean="0"/>
@@ -4647,7 +4654,12 @@
             <p:ph idx="1"/>
           </p:nvPr>
         </p:nvSpPr>
-        <p:spPr/>
+        <p:spPr>
+          <a:xfrm>
+            <a:off x="628650" y="1700808"/>
+            <a:ext cx="7886700" cy="4351655"/>
+          </a:xfrm>
+        </p:spPr>
         <p:txBody>
           <a:bodyPr/>
           <a:lstStyle/>
@@ -4667,26 +4679,27 @@
             </a:r>
             <a:r>
               <a:rPr lang="pt-BR" sz="2200" b="1" dirty="0" smtClean="0"/>
-              <a:t>sempre terão um controle de acesso</a:t>
-            </a:r>
+              <a:t>sempre terão um controle de </a:t>
+            </a:r>
+            <a:r>
+              <a:rPr lang="pt-BR" sz="2200" b="1" dirty="0" smtClean="0"/>
+              <a:t>acesso</a:t>
+            </a:r>
+            <a:r>
+              <a:rPr lang="pt-BR" sz="2200" dirty="0" smtClean="0"/>
+              <a:t>, mesmo que não informe um explicitamente</a:t>
+            </a:r>
+            <a:endParaRPr lang="pt-BR" sz="2200" b="1" dirty="0" smtClean="0"/>
           </a:p>
           <a:p>
             <a:pPr algn="just"/>
             <a:r>
               <a:rPr lang="pt-BR" sz="2200" dirty="0" smtClean="0"/>
-              <a:t>Em termos práticos, </a:t>
-            </a:r>
-            <a:r>
-              <a:rPr lang="pt-BR" sz="2200" b="1" dirty="0" smtClean="0"/>
-              <a:t>acesso significa visibilidade</a:t>
-            </a:r>
-            <a:endParaRPr lang="pt-BR" sz="2200" dirty="0" smtClean="0"/>
-          </a:p>
-          <a:p>
-            <a:pPr algn="just"/>
+              <a:t>Classe </a:t>
+            </a:r>
             <a:r>
               <a:rPr lang="pt-BR" sz="2200" dirty="0" smtClean="0"/>
-              <a:t>Classe pode ser declarada com os modificadores de acesso </a:t>
+              <a:t>pode ser declarada com os modificadores de acesso </a:t>
             </a:r>
             <a:r>
               <a:rPr lang="pt-BR" sz="2200" b="1" dirty="0" err="1" smtClean="0"/>
@@ -5741,11 +5754,38 @@
           <a:p>
             <a:pPr algn="just"/>
             <a:r>
-              <a:rPr lang="pt-BR" dirty="0" smtClean="0"/>
-              <a:t>Por causa das constantes serem declaradas dentro de uma interface, não precisamos utilizar </a:t>
-            </a:r>
-            <a:r>
-              <a:rPr lang="pt-BR" dirty="0" err="1" smtClean="0"/>
+              <a:rPr lang="pt-BR" dirty="0"/>
+              <a:t>Constantes são </a:t>
+            </a:r>
+            <a:r>
+              <a:rPr lang="pt-BR" dirty="0" smtClean="0"/>
+              <a:t>variáveis (primitivas ou de referência) </a:t>
+            </a:r>
+            <a:r>
+              <a:rPr lang="pt-BR" b="1" dirty="0" smtClean="0"/>
+              <a:t>imutáveis,</a:t>
+            </a:r>
+            <a:r>
+              <a:rPr lang="pt-BR" dirty="0" smtClean="0"/>
+              <a:t> </a:t>
+            </a:r>
+            <a:r>
+              <a:rPr lang="pt-BR" b="1" dirty="0"/>
+              <a:t>de classe </a:t>
+            </a:r>
+          </a:p>
+          <a:p>
+            <a:pPr algn="just"/>
+            <a:r>
+              <a:rPr lang="pt-BR" dirty="0" smtClean="0"/>
+              <a:t>Por </a:t>
+            </a:r>
+            <a:r>
+              <a:rPr lang="pt-BR" dirty="0" smtClean="0"/>
+              <a:t>causa das constantes serem declaradas dentro de uma interface, não precisamos utilizar </a:t>
+            </a:r>
+            <a:r>
+              <a:rPr lang="pt-BR" i="1" dirty="0" err="1" smtClean="0"/>
               <a:t>public</a:t>
             </a:r>
             <a:r>
@@ -5753,19 +5793,24 @@
               <a:t>, </a:t>
             </a:r>
             <a:r>
-              <a:rPr lang="pt-BR" dirty="0" err="1" smtClean="0"/>
+              <a:rPr lang="pt-BR" i="1" dirty="0" err="1" smtClean="0"/>
               <a:t>static</a:t>
             </a:r>
             <a:r>
               <a:rPr lang="pt-BR" dirty="0" smtClean="0"/>
-              <a:t> e final, pois já o são implicitamente</a:t>
-            </a:r>
-          </a:p>
-          <a:p>
-            <a:pPr algn="just"/>
-            <a:r>
-              <a:rPr lang="pt-BR" dirty="0" smtClean="0"/>
-              <a:t>Constantes são imutáveis</a:t>
+              <a:t> e </a:t>
+            </a:r>
+            <a:r>
+              <a:rPr lang="pt-BR" i="1" dirty="0" smtClean="0"/>
+              <a:t>final</a:t>
+            </a:r>
+            <a:r>
+              <a:rPr lang="pt-BR" dirty="0" smtClean="0"/>
+              <a:t>, </a:t>
+            </a:r>
+            <a:r>
+              <a:rPr lang="pt-BR" b="1" dirty="0" smtClean="0"/>
+              <a:t>pois já o são implicitamente</a:t>
             </a:r>
           </a:p>
           <a:p>
@@ -6160,8 +6205,13 @@
             <a:pPr algn="just"/>
             <a:r>
               <a:rPr lang="pt-BR" sz="2100" dirty="0" smtClean="0"/>
-              <a:t>Modificadores de acesso não são aplicáveis dentro de variáveis locais</a:t>
-            </a:r>
+              <a:t>Modificadores de acesso não são aplicáveis dentro de variáveis </a:t>
+            </a:r>
+            <a:r>
+              <a:rPr lang="pt-BR" sz="2100" dirty="0" smtClean="0"/>
+              <a:t>locais de método</a:t>
+            </a:r>
+            <a:endParaRPr lang="pt-BR" sz="2100" dirty="0" smtClean="0"/>
           </a:p>
         </p:txBody>
       </p:sp>
@@ -6309,30 +6359,11 @@
             <a:pPr algn="just"/>
             <a:r>
               <a:rPr lang="pt-BR" sz="2100" dirty="0" smtClean="0"/>
-              <a:t>Argumentos de métodos marcados com </a:t>
-            </a:r>
-            <a:r>
-              <a:rPr lang="pt-BR" sz="2100" i="1" dirty="0" smtClean="0"/>
-              <a:t>final</a:t>
+              <a:t>Classes </a:t>
             </a:r>
             <a:r>
               <a:rPr lang="pt-BR" sz="2100" dirty="0" smtClean="0"/>
-              <a:t>, </a:t>
-            </a:r>
-            <a:r>
-              <a:rPr lang="pt-BR" sz="2100" b="1" dirty="0" smtClean="0"/>
-              <a:t>manterão o mesmo valor que o parâmetro tinha </a:t>
-            </a:r>
-            <a:r>
-              <a:rPr lang="pt-BR" sz="2100" dirty="0" smtClean="0"/>
-              <a:t>quando foi passado ao método</a:t>
-            </a:r>
-          </a:p>
-          <a:p>
-            <a:pPr algn="just"/>
-            <a:r>
-              <a:rPr lang="pt-BR" sz="2100" dirty="0" smtClean="0"/>
-              <a:t>Classes não-abstratas </a:t>
+              <a:t>não-abstratas </a:t>
             </a:r>
             <a:r>
               <a:rPr lang="pt-BR" sz="2100" b="1" dirty="0" smtClean="0"/>
@@ -6397,11 +6428,11 @@
             </a:r>
             <a:r>
               <a:rPr lang="pt-BR" sz="2100" dirty="0" smtClean="0"/>
-              <a:t> (apenas para classes e métodos) </a:t>
-            </a:r>
-            <a:r>
-              <a:rPr lang="pt-BR" sz="2100" b="1" dirty="0" smtClean="0"/>
-              <a:t>não são requeridos no exame</a:t>
+              <a:t> (apenas para classes e métodos</a:t>
+            </a:r>
+            <a:r>
+              <a:rPr lang="pt-BR" sz="2100" dirty="0" smtClean="0"/>
+              <a:t>)</a:t>
             </a:r>
             <a:endParaRPr lang="pt-BR" sz="2100" b="1" dirty="0"/>
           </a:p>
@@ -6571,12 +6602,24 @@
               <a:t>Construtores não podem ser </a:t>
             </a:r>
             <a:r>
-              <a:rPr lang="pt-BR" dirty="0" err="1" smtClean="0"/>
+              <a:rPr lang="pt-BR" i="1" dirty="0" err="1" smtClean="0"/>
               <a:t>static</a:t>
             </a:r>
             <a:r>
               <a:rPr lang="pt-BR" dirty="0" smtClean="0"/>
-              <a:t>, nem final ou abstract</a:t>
+              <a:t>, nem </a:t>
+            </a:r>
+            <a:r>
+              <a:rPr lang="pt-BR" i="1" dirty="0" smtClean="0"/>
+              <a:t>final</a:t>
+            </a:r>
+            <a:r>
+              <a:rPr lang="pt-BR" dirty="0" smtClean="0"/>
+              <a:t> ou </a:t>
+            </a:r>
+            <a:r>
+              <a:rPr lang="pt-BR" i="1" dirty="0" smtClean="0"/>
+              <a:t>abstract</a:t>
             </a:r>
           </a:p>
           <a:p>
@@ -6712,7 +6755,15 @@
             <a:pPr algn="just"/>
             <a:r>
               <a:rPr lang="pt-BR" sz="2100" dirty="0" smtClean="0"/>
-              <a:t>Existem dois tipos de de variáveis: </a:t>
+              <a:t>Existem </a:t>
+            </a:r>
+            <a:r>
+              <a:rPr lang="pt-BR" sz="2100" dirty="0" smtClean="0"/>
+              <a:t>três </a:t>
+            </a:r>
+            <a:r>
+              <a:rPr lang="pt-BR" sz="2100" dirty="0" smtClean="0"/>
+              <a:t>tipos de de variáveis: </a:t>
             </a:r>
             <a:r>
               <a:rPr lang="pt-BR" sz="2100" b="1" dirty="0" smtClean="0"/>
@@ -6772,7 +6823,11 @@
             </a:r>
             <a:r>
               <a:rPr lang="pt-BR" sz="2100" dirty="0" smtClean="0"/>
-              <a:t>(objeto) ou </a:t>
+              <a:t>(objeto) </a:t>
+            </a:r>
+            <a:r>
+              <a:rPr lang="pt-BR" sz="2100" dirty="0" smtClean="0"/>
+              <a:t>e </a:t>
             </a:r>
             <a:r>
               <a:rPr lang="pt-BR" sz="2100" b="1" dirty="0" err="1" smtClean="0"/>
@@ -6795,16 +6850,47 @@
               <a:t>Variáveis </a:t>
             </a:r>
             <a:r>
+              <a:rPr lang="pt-BR" sz="2100" i="1" dirty="0" smtClean="0"/>
+              <a:t>final</a:t>
+            </a:r>
+            <a:r>
               <a:rPr lang="pt-BR" sz="2100" b="1" dirty="0" smtClean="0"/>
-              <a:t>final primitivas tem seu valor imutável </a:t>
+              <a:t> </a:t>
             </a:r>
             <a:r>
               <a:rPr lang="pt-BR" sz="2100" dirty="0" smtClean="0"/>
-              <a:t>e as de </a:t>
+              <a:t>primitivas</a:t>
             </a:r>
             <a:r>
               <a:rPr lang="pt-BR" sz="2100" b="1" dirty="0" smtClean="0"/>
-              <a:t>referência não permitem mudar a referência apontada</a:t>
+              <a:t> têm seu valor imutável </a:t>
+            </a:r>
+            <a:r>
+              <a:rPr lang="pt-BR" sz="2100" dirty="0" smtClean="0"/>
+              <a:t>e as de referência</a:t>
+            </a:r>
+            <a:r>
+              <a:rPr lang="pt-BR" sz="2100" b="1" dirty="0" smtClean="0"/>
+              <a:t> não permitem mudar a referência apontada</a:t>
+            </a:r>
+          </a:p>
+          <a:p>
+            <a:pPr algn="just"/>
+            <a:r>
+              <a:rPr lang="pt-BR" sz="2100" dirty="0"/>
+              <a:t>Variáveis </a:t>
+            </a:r>
+            <a:r>
+              <a:rPr lang="pt-BR" sz="2100" i="1" dirty="0" err="1"/>
+              <a:t>static</a:t>
+            </a:r>
+            <a:r>
+              <a:rPr lang="pt-BR" sz="2100" dirty="0"/>
+              <a:t> existirão independentemente de haver instância da classe e é </a:t>
+            </a:r>
+            <a:r>
+              <a:rPr lang="pt-BR" sz="2100" b="1" dirty="0"/>
+              <a:t>compartilhada dentre as possíveis instância criadas</a:t>
             </a:r>
           </a:p>
           <a:p>
@@ -6842,28 +6928,13 @@
             </a:r>
             <a:r>
               <a:rPr lang="pt-BR" sz="2100" dirty="0" smtClean="0"/>
-              <a:t>exame)</a:t>
-            </a:r>
-          </a:p>
-          <a:p>
-            <a:pPr algn="just"/>
+              <a:t>exame</a:t>
+            </a:r>
             <a:r>
               <a:rPr lang="pt-BR" sz="2100" dirty="0" smtClean="0"/>
-              <a:t>Variáveis </a:t>
-            </a:r>
-            <a:r>
-              <a:rPr lang="pt-BR" sz="2100" i="1" dirty="0" err="1" smtClean="0"/>
-              <a:t>static</a:t>
-            </a:r>
-            <a:r>
-              <a:rPr lang="pt-BR" sz="2100" dirty="0" smtClean="0"/>
-              <a:t> existirão independentemente de haver instância da classe e é </a:t>
-            </a:r>
-            <a:r>
-              <a:rPr lang="pt-BR" sz="2100" b="1" dirty="0" smtClean="0"/>
-              <a:t>compartilhada dentre as possíveis instância criadas</a:t>
-            </a:r>
-            <a:endParaRPr lang="pt-BR" sz="2100" b="1" dirty="0"/>
+              <a:t>)</a:t>
+            </a:r>
+            <a:endParaRPr lang="pt-BR" sz="2100" dirty="0" smtClean="0"/>
           </a:p>
         </p:txBody>
       </p:sp>
@@ -7156,7 +7227,11 @@
             <a:pPr algn="just"/>
             <a:r>
               <a:rPr lang="pt-BR" dirty="0" smtClean="0"/>
-              <a:t>É possível aplicarmos construtor(es) com argumentos, mas nunca o invocaremos diretamente</a:t>
+              <a:t>É possível aplicarmos construtor(es) com argumentos, </a:t>
+            </a:r>
+            <a:r>
+              <a:rPr lang="pt-BR" b="1" dirty="0" smtClean="0"/>
+              <a:t>mas nunca o invocaremos diretamente</a:t>
             </a:r>
           </a:p>
           <a:p>
@@ -7249,7 +7324,17 @@
             </a:pPr>
             <a:r>
               <a:rPr lang="pt-BR" sz="6600" dirty="0" smtClean="0"/>
-              <a:t>Alguns exercícios para encerrar o capítulo...</a:t>
+              <a:t>Alguns exercícios </a:t>
+            </a:r>
+            <a:endParaRPr lang="pt-BR" sz="6600" dirty="0" smtClean="0"/>
+          </a:p>
+          <a:p>
+            <a:pPr marL="0" indent="0" algn="r">
+              <a:buNone/>
+            </a:pPr>
+            <a:r>
+              <a:rPr lang="pt-BR" sz="6600" dirty="0" smtClean="0"/>
+              <a:t>para fixação...</a:t>
             </a:r>
             <a:endParaRPr lang="pt-BR" sz="6600" dirty="0"/>
           </a:p>
@@ -7724,14 +7809,34 @@
             <a:pPr algn="just"/>
             <a:r>
               <a:rPr lang="pt-BR" dirty="0" smtClean="0"/>
-              <a:t>Em Java, temos duas premissas básicas em OO: flexibilidade e manutenabilidade</a:t>
+              <a:t>Em Java, temos duas premissas básicas em OO: </a:t>
+            </a:r>
+            <a:r>
+              <a:rPr lang="pt-BR" b="1" dirty="0" smtClean="0"/>
+              <a:t>flexibilidade</a:t>
+            </a:r>
+            <a:r>
+              <a:rPr lang="pt-BR" dirty="0" smtClean="0"/>
+              <a:t> e </a:t>
+            </a:r>
+            <a:r>
+              <a:rPr lang="pt-BR" b="1" dirty="0" smtClean="0"/>
+              <a:t>manutenabilidade</a:t>
             </a:r>
           </a:p>
           <a:p>
             <a:pPr algn="just"/>
             <a:r>
               <a:rPr lang="pt-BR" dirty="0" smtClean="0"/>
-              <a:t>Encapsulamento é uma técnica onde utilizamos modificadores de acesso juntamente com métodos (assessores e configuradores) para evitar-se expor a implementação em detrimento da exposição do contrato a ser seguido</a:t>
+              <a:t>Encapsulamento é uma técnica onde utilizamos modificadores de acesso juntamente com métodos (assessores e configuradores) para </a:t>
+            </a:r>
+            <a:r>
+              <a:rPr lang="pt-BR" b="1" dirty="0" smtClean="0"/>
+              <a:t>evitar-se expor a implementação</a:t>
+            </a:r>
+            <a:r>
+              <a:rPr lang="pt-BR" dirty="0" smtClean="0"/>
+              <a:t> em detrimento da exposição do contrato a ser seguido</a:t>
             </a:r>
           </a:p>
           <a:p>
@@ -8025,7 +8130,15 @@
             <a:pPr algn="just"/>
             <a:r>
               <a:rPr lang="pt-BR" dirty="0" smtClean="0"/>
-              <a:t>Herança é um tipo de relacionamento (É-UM) que permite a reutilização de código e uso de polimorfismo, dentro do modelo OO</a:t>
+              <a:t>Herança é um tipo de relacionamento (É-UM) que permite a </a:t>
+            </a:r>
+            <a:r>
+              <a:rPr lang="pt-BR" b="1" dirty="0" smtClean="0"/>
+              <a:t>reutilização de código e uso de polimorfismo</a:t>
+            </a:r>
+            <a:r>
+              <a:rPr lang="pt-BR" dirty="0" smtClean="0"/>
+              <a:t>, dentro do modelo OO</a:t>
             </a:r>
           </a:p>
           <a:p>
@@ -8447,14 +8560,26 @@
             </a:r>
             <a:r>
               <a:rPr lang="pt-BR" sz="2400" dirty="0" smtClean="0"/>
-              <a:t>) que passam no teste É-UM são considerados polimórficos</a:t>
+              <a:t>) que passam no teste É-UM </a:t>
+            </a:r>
+            <a:r>
+              <a:rPr lang="pt-BR" sz="2400" b="1" dirty="0" smtClean="0"/>
+              <a:t>são considerados polimórficos</a:t>
             </a:r>
           </a:p>
           <a:p>
             <a:pPr algn="just"/>
             <a:r>
               <a:rPr lang="pt-BR" sz="2400" dirty="0" smtClean="0"/>
-              <a:t>A API que é exposta sempre será a da variável de referência, em detrimento da do tipo real do objeto</a:t>
+              <a:t>A API que é exposta </a:t>
+            </a:r>
+            <a:r>
+              <a:rPr lang="pt-BR" sz="2400" b="1" dirty="0" smtClean="0"/>
+              <a:t>sempre será a da variável de referência</a:t>
+            </a:r>
+            <a:r>
+              <a:rPr lang="pt-BR" sz="2400" dirty="0" smtClean="0"/>
+              <a:t>, em detrimento da do tipo real do objeto</a:t>
             </a:r>
           </a:p>
           <a:p>
@@ -8468,15 +8593,24 @@
             <a:pPr algn="just"/>
             <a:r>
               <a:rPr lang="pt-BR" sz="2400" dirty="0" smtClean="0"/>
-              <a:t>Polimorfismo também é possibilitado pela implementação de uma interface</a:t>
+              <a:t>Polimorfismo também é possibilitado pela </a:t>
+            </a:r>
+            <a:r>
+              <a:rPr lang="pt-BR" sz="2400" b="1" dirty="0" smtClean="0"/>
+              <a:t>implementação de uma interface</a:t>
             </a:r>
           </a:p>
           <a:p>
             <a:pPr algn="just"/>
             <a:r>
               <a:rPr lang="pt-BR" sz="2400" dirty="0" smtClean="0"/>
-              <a:t>Classes só podem estender uma classe, mas podem implementar diversas interfaces</a:t>
-            </a:r>
+              <a:t>Classes só podem estender uma classe, mas podem implementar diversas </a:t>
+            </a:r>
+            <a:r>
+              <a:rPr lang="pt-BR" sz="2400" dirty="0" smtClean="0"/>
+              <a:t>interfaces (única forma de herança múltipla em Java)</a:t>
+            </a:r>
+            <a:endParaRPr lang="pt-BR" sz="2400" dirty="0" smtClean="0"/>
           </a:p>
           <a:p>
             <a:pPr algn="just"/>
@@ -8608,7 +8742,7 @@
           <a:p>
             <a:r>
               <a:rPr lang="pt-BR" dirty="0" smtClean="0"/>
-              <a:t>Oca </a:t>
+              <a:t>OCA </a:t>
             </a:r>
             <a:r>
               <a:rPr lang="pt-BR" dirty="0" err="1" smtClean="0"/>
@@ -8759,7 +8893,76 @@
           <a:bodyPr/>
           <a:lstStyle/>
           <a:p>
-            <a:endParaRPr lang="pt-BR"/>
+            <a:pPr algn="just"/>
+            <a:r>
+              <a:rPr lang="pt-BR" sz="2300" dirty="0" smtClean="0"/>
+              <a:t>Possibilita que classes filha tenham a oportunidade de </a:t>
+            </a:r>
+            <a:r>
+              <a:rPr lang="pt-BR" sz="2300" b="1" dirty="0" smtClean="0"/>
+              <a:t>definir comportamentos específicos</a:t>
+            </a:r>
+            <a:r>
+              <a:rPr lang="pt-BR" sz="2300" dirty="0" smtClean="0"/>
+              <a:t> para si opcionalmente reaproveitando código do método pai</a:t>
+            </a:r>
+          </a:p>
+          <a:p>
+            <a:pPr algn="just"/>
+            <a:r>
+              <a:rPr lang="pt-BR" sz="2300" dirty="0" smtClean="0"/>
+              <a:t>Métodos sobrescritos </a:t>
+            </a:r>
+            <a:r>
+              <a:rPr lang="pt-BR" sz="2300" b="1" dirty="0" smtClean="0"/>
+              <a:t>não podem ser mais restritivos </a:t>
+            </a:r>
+            <a:r>
+              <a:rPr lang="pt-BR" sz="2300" dirty="0" smtClean="0"/>
+              <a:t>do que o declarado no método pai</a:t>
+            </a:r>
+          </a:p>
+          <a:p>
+            <a:pPr algn="just"/>
+            <a:r>
+              <a:rPr lang="pt-BR" sz="2300" dirty="0" smtClean="0"/>
+              <a:t>Os argumentos devem </a:t>
+            </a:r>
+            <a:r>
+              <a:rPr lang="pt-BR" sz="2300" b="1" dirty="0" smtClean="0"/>
+              <a:t>ser exatamente os que foram declarados no método pai</a:t>
+            </a:r>
+          </a:p>
+          <a:p>
+            <a:pPr algn="just"/>
+            <a:r>
+              <a:rPr lang="pt-BR" sz="2300" dirty="0" smtClean="0"/>
+              <a:t>Os tipos de retorno e as exceções lançadas pelo método sobrescrito podem ser alterados para serem algum dos subtipos do mesmo</a:t>
+            </a:r>
+          </a:p>
+          <a:p>
+            <a:pPr algn="just"/>
+            <a:r>
+              <a:rPr lang="pt-BR" sz="2300" dirty="0" smtClean="0"/>
+              <a:t>Métodos </a:t>
+            </a:r>
+            <a:r>
+              <a:rPr lang="pt-BR" sz="2300" i="1" dirty="0" smtClean="0"/>
+              <a:t>final</a:t>
+            </a:r>
+            <a:r>
+              <a:rPr lang="pt-BR" sz="2300" dirty="0" smtClean="0"/>
+              <a:t> e </a:t>
+            </a:r>
+            <a:r>
+              <a:rPr lang="pt-BR" sz="2300" i="1" dirty="0" err="1" smtClean="0"/>
+              <a:t>static</a:t>
+            </a:r>
+            <a:r>
+              <a:rPr lang="pt-BR" sz="2300" dirty="0" smtClean="0"/>
+              <a:t> não podem ser sobrescritos</a:t>
+            </a:r>
+            <a:endParaRPr lang="pt-BR" sz="2300" dirty="0"/>
           </a:p>
         </p:txBody>
       </p:sp>
@@ -8854,7 +9057,7 @@
             <a:spLocks noGrp="1"/>
           </p:cNvSpPr>
           <p:nvPr>
-            <p:ph type="ctrTitle"/>
+            <p:ph type="title"/>
           </p:nvPr>
         </p:nvSpPr>
         <p:spPr/>
@@ -8863,25 +9066,21 @@
           <a:lstStyle/>
           <a:p>
             <a:r>
-              <a:rPr lang="pt-BR" dirty="0" err="1" smtClean="0"/>
-              <a:t>Casting</a:t>
-            </a:r>
-            <a:r>
-              <a:rPr lang="pt-BR" dirty="0" smtClean="0"/>
-              <a:t> (Conversão)</a:t>
-            </a:r>
-            <a:endParaRPr lang="pt-BR" dirty="0"/>
-          </a:p>
-        </p:txBody>
-      </p:sp>
-      <p:sp>
-        <p:nvSpPr>
-          <p:cNvPr id="3" name="Subtítulo 2"/>
-          <p:cNvSpPr>
-            <a:spLocks noGrp="1"/>
-          </p:cNvSpPr>
-          <p:nvPr>
-            <p:ph type="subTitle" idx="1"/>
+              <a:rPr lang="pt-BR" dirty="0" smtClean="0"/>
+              <a:t>Métodos Sobrecarregados</a:t>
+            </a:r>
+            <a:endParaRPr lang="pt-BR" dirty="0"/>
+          </a:p>
+        </p:txBody>
+      </p:sp>
+      <p:sp>
+        <p:nvSpPr>
+          <p:cNvPr id="3" name="Espaço Reservado para Conteúdo 2"/>
+          <p:cNvSpPr>
+            <a:spLocks noGrp="1"/>
+          </p:cNvSpPr>
+          <p:nvPr>
+            <p:ph idx="1"/>
           </p:nvPr>
         </p:nvSpPr>
         <p:spPr/>
@@ -8889,51 +9088,128 @@
           <a:bodyPr/>
           <a:lstStyle/>
           <a:p>
-            <a:r>
-              <a:rPr lang="pt-BR" dirty="0" smtClean="0"/>
-              <a:t>Oca </a:t>
-            </a:r>
-            <a:r>
-              <a:rPr lang="pt-BR" dirty="0" err="1" smtClean="0"/>
-              <a:t>Objectives</a:t>
-            </a:r>
-            <a:r>
-              <a:rPr lang="pt-BR" dirty="0" smtClean="0"/>
-              <a:t> 7.3 </a:t>
-            </a:r>
-            <a:r>
-              <a:rPr lang="pt-BR" dirty="0" err="1" smtClean="0"/>
-              <a:t>and</a:t>
-            </a:r>
-            <a:r>
-              <a:rPr lang="pt-BR" dirty="0" smtClean="0"/>
-              <a:t> 7.4</a:t>
-            </a:r>
-            <a:endParaRPr lang="pt-BR" dirty="0"/>
-          </a:p>
-        </p:txBody>
-      </p:sp>
-      <p:sp>
-        <p:nvSpPr>
-          <p:cNvPr id="4" name="Espaço Reservado para Rodapé 3"/>
-          <p:cNvSpPr>
-            <a:spLocks noGrp="1"/>
-          </p:cNvSpPr>
-          <p:nvPr>
-            <p:ph type="ftr" sz="quarter" idx="11"/>
-          </p:nvPr>
-        </p:nvSpPr>
-        <p:spPr/>
-        <p:txBody>
-          <a:bodyPr/>
-          <a:lstStyle/>
-          <a:p>
-            <a:r>
-              <a:rPr lang="pt-BR" dirty="0"/>
+            <a:pPr algn="just"/>
+            <a:r>
+              <a:rPr lang="pt-BR" sz="2400" dirty="0" smtClean="0"/>
+              <a:t>São métodos que permite o </a:t>
+            </a:r>
+            <a:r>
+              <a:rPr lang="pt-BR" sz="2400" b="1" dirty="0" smtClean="0"/>
+              <a:t>reuso do mesmo “nome de método”</a:t>
+            </a:r>
+            <a:r>
+              <a:rPr lang="pt-BR" sz="2400" dirty="0" smtClean="0"/>
+              <a:t> dentro de uma classe ou subclasse</a:t>
+            </a:r>
+          </a:p>
+          <a:p>
+            <a:pPr algn="just"/>
+            <a:r>
+              <a:rPr lang="pt-BR" sz="2400" dirty="0" smtClean="0"/>
+              <a:t>Este métodos </a:t>
+            </a:r>
+            <a:r>
+              <a:rPr lang="pt-BR" sz="2400" b="1" dirty="0" smtClean="0"/>
+              <a:t>precisam  alterar a lista de argumentos</a:t>
+            </a:r>
+          </a:p>
+          <a:p>
+            <a:pPr algn="just"/>
+            <a:r>
+              <a:rPr lang="pt-BR" sz="2400" dirty="0" smtClean="0"/>
+              <a:t>Estes métodos podem alterar o tipo de retorno, o modificador de acesso ou declarações de exceções</a:t>
+            </a:r>
+          </a:p>
+          <a:p>
+            <a:pPr algn="just"/>
+            <a:r>
+              <a:rPr lang="pt-BR" sz="2400" dirty="0" smtClean="0"/>
+              <a:t>A JVM sabe em </a:t>
+            </a:r>
+            <a:r>
+              <a:rPr lang="pt-BR" sz="2400" dirty="0" err="1" smtClean="0"/>
+              <a:t>runtime</a:t>
+            </a:r>
+            <a:r>
+              <a:rPr lang="pt-BR" sz="2400" dirty="0" smtClean="0"/>
+              <a:t> qual métodos chamar, considerando o match mais apropriado do tipo do parâmetro informado </a:t>
+            </a:r>
+          </a:p>
+          <a:p>
+            <a:pPr algn="just"/>
+            <a:r>
+              <a:rPr lang="pt-BR" sz="2400" dirty="0" smtClean="0"/>
+              <a:t>É o </a:t>
+            </a:r>
+            <a:r>
+              <a:rPr lang="pt-BR" sz="2400" b="1" dirty="0" smtClean="0"/>
+              <a:t>tipo de referência </a:t>
+            </a:r>
+            <a:r>
+              <a:rPr lang="pt-BR" sz="2400" dirty="0" smtClean="0"/>
+              <a:t>(não o tipo do objeto) </a:t>
+            </a:r>
+            <a:r>
+              <a:rPr lang="pt-BR" sz="2400" b="1" dirty="0" smtClean="0"/>
+              <a:t>quem determina qual método sobrecarregado será chamado</a:t>
+            </a:r>
+          </a:p>
+          <a:p>
+            <a:pPr algn="just"/>
+            <a:endParaRPr lang="pt-BR" sz="2400" dirty="0" smtClean="0"/>
+          </a:p>
+          <a:p>
+            <a:pPr algn="just"/>
+            <a:endParaRPr lang="pt-BR" sz="2400" dirty="0"/>
+          </a:p>
+        </p:txBody>
+      </p:sp>
+      <p:sp>
+        <p:nvSpPr>
+          <p:cNvPr id="5" name="Espaço Reservado para Rodapé 3"/>
+          <p:cNvSpPr>
+            <a:spLocks noGrp="1"/>
+          </p:cNvSpPr>
+          <p:nvPr>
+            <p:ph type="ftr" sz="quarter" idx="13"/>
+          </p:nvPr>
+        </p:nvSpPr>
+        <p:spPr>
+          <a:prstGeom prst="rect">
+            <a:avLst/>
+          </a:prstGeom>
+        </p:spPr>
+        <p:txBody>
+          <a:bodyPr/>
+          <a:lstStyle/>
+          <a:p>
+            <a:pPr algn="ctr">
+              <a:defRPr sz="1200">
+                <a:solidFill>
+                  <a:srgbClr val="8C8C8C"/>
+                </a:solidFill>
+                <a:latin typeface="Tw Cen MT" charset="0"/>
+                <a:ea typeface="Calibri" charset="0"/>
+                <a:cs typeface="Calibri" charset="0"/>
+              </a:defRPr>
+            </a:pPr>
+            <a:r>
+              <a:rPr lang="pt-BR" dirty="0" smtClean="0"/>
               <a:t>Orientação a Objeto</a:t>
             </a:r>
-          </a:p>
-          <a:p>
+            <a:endParaRPr lang="pt-BR" dirty="0"/>
+          </a:p>
+          <a:p>
+            <a:pPr algn="ctr">
+              <a:defRPr sz="1200">
+                <a:solidFill>
+                  <a:srgbClr val="8C8C8C"/>
+                </a:solidFill>
+                <a:latin typeface="Tw Cen MT" charset="0"/>
+                <a:ea typeface="Calibri" charset="0"/>
+                <a:cs typeface="Calibri" charset="0"/>
+              </a:defRPr>
+            </a:pPr>
             <a:endParaRPr lang="pt-BR" dirty="0"/>
           </a:p>
         </p:txBody>
@@ -8941,20 +9217,13 @@
     </p:spTree>
     <p:extLst>
       <p:ext uri="{BB962C8B-B14F-4D97-AF65-F5344CB8AC3E}">
-        <p14:creationId xmlns:p14="http://schemas.microsoft.com/office/powerpoint/2010/main" val="633171714"/>
+        <p14:creationId xmlns:p14="http://schemas.microsoft.com/office/powerpoint/2010/main" val="1771337789"/>
       </p:ext>
     </p:extLst>
   </p:cSld>
   <p:clrMapOvr>
     <a:masterClrMapping/>
   </p:clrMapOvr>
-  <p:timing>
-    <p:tnLst>
-      <p:par>
-        <p:cTn id="1" dur="indefinite" restart="never" nodeType="tmRoot"/>
-      </p:par>
-    </p:tnLst>
-  </p:timing>
 </p:sld>
 </file>
 
@@ -8991,8 +9260,8 @@
           <a:lstStyle/>
           <a:p>
             <a:r>
-              <a:rPr lang="pt-BR" dirty="0" smtClean="0"/>
-              <a:t>Implementando Interfaces</a:t>
+              <a:rPr lang="pt-BR" dirty="0" err="1" smtClean="0"/>
+              <a:t>Casting</a:t>
             </a:r>
             <a:endParaRPr lang="pt-BR" dirty="0"/>
           </a:p>
@@ -9019,39 +9288,82 @@
             </a:r>
             <a:r>
               <a:rPr lang="pt-BR" dirty="0" err="1" smtClean="0"/>
-              <a:t>Objective</a:t>
-            </a:r>
-            <a:r>
-              <a:rPr lang="pt-BR" dirty="0" smtClean="0"/>
-              <a:t> 7.6</a:t>
-            </a:r>
-            <a:endParaRPr lang="pt-BR" dirty="0"/>
-          </a:p>
-        </p:txBody>
-      </p:sp>
-      <p:sp>
-        <p:nvSpPr>
-          <p:cNvPr id="4" name="Espaço Reservado para Rodapé 3"/>
-          <p:cNvSpPr>
-            <a:spLocks noGrp="1"/>
-          </p:cNvSpPr>
-          <p:nvPr>
-            <p:ph type="ftr" sz="quarter" idx="11"/>
-          </p:nvPr>
-        </p:nvSpPr>
-        <p:spPr/>
-        <p:txBody>
-          <a:bodyPr/>
-          <a:lstStyle/>
-          <a:p>
-            <a:endParaRPr lang="pt-BR"/>
+              <a:t>Objectives</a:t>
+            </a:r>
+            <a:r>
+              <a:rPr lang="pt-BR" dirty="0" smtClean="0"/>
+              <a:t> 7.3 </a:t>
+            </a:r>
+            <a:r>
+              <a:rPr lang="pt-BR" dirty="0" err="1" smtClean="0"/>
+              <a:t>and</a:t>
+            </a:r>
+            <a:r>
+              <a:rPr lang="pt-BR" dirty="0" smtClean="0"/>
+              <a:t> 7.4</a:t>
+            </a:r>
+            <a:endParaRPr lang="pt-BR" dirty="0"/>
+          </a:p>
+        </p:txBody>
+      </p:sp>
+      <p:sp>
+        <p:nvSpPr>
+          <p:cNvPr id="5" name="Espaço Reservado para Rodapé 3"/>
+          <p:cNvSpPr>
+            <a:spLocks noGrp="1"/>
+          </p:cNvSpPr>
+          <p:nvPr>
+            <p:ph type="ftr" sz="quarter" idx="4294967295"/>
+          </p:nvPr>
+        </p:nvSpPr>
+        <p:spPr>
+          <a:xfrm>
+            <a:off x="3028950" y="6356351"/>
+            <a:ext cx="3086100" cy="365125"/>
+          </a:xfrm>
+          <a:prstGeom prst="rect">
+            <a:avLst/>
+          </a:prstGeom>
+        </p:spPr>
+        <p:txBody>
+          <a:bodyPr/>
+          <a:lstStyle/>
+          <a:p>
+            <a:pPr algn="ctr">
+              <a:defRPr sz="1200">
+                <a:solidFill>
+                  <a:srgbClr val="8C8C8C"/>
+                </a:solidFill>
+                <a:latin typeface="Tw Cen MT" charset="0"/>
+                <a:ea typeface="Calibri" charset="0"/>
+                <a:cs typeface="Calibri" charset="0"/>
+              </a:defRPr>
+            </a:pPr>
+            <a:r>
+              <a:rPr lang="pt-BR" dirty="0" smtClean="0"/>
+              <a:t>Orientação a Objeto</a:t>
+            </a:r>
+            <a:endParaRPr lang="pt-BR" dirty="0"/>
+          </a:p>
+          <a:p>
+            <a:pPr algn="ctr">
+              <a:defRPr sz="1200">
+                <a:solidFill>
+                  <a:srgbClr val="8C8C8C"/>
+                </a:solidFill>
+                <a:latin typeface="Tw Cen MT" charset="0"/>
+                <a:ea typeface="Calibri" charset="0"/>
+                <a:cs typeface="Calibri" charset="0"/>
+              </a:defRPr>
+            </a:pPr>
+            <a:endParaRPr lang="pt-BR" dirty="0"/>
           </a:p>
         </p:txBody>
       </p:sp>
     </p:spTree>
     <p:extLst>
       <p:ext uri="{BB962C8B-B14F-4D97-AF65-F5344CB8AC3E}">
-        <p14:creationId xmlns:p14="http://schemas.microsoft.com/office/powerpoint/2010/main" val="375912055"/>
+        <p14:creationId xmlns:p14="http://schemas.microsoft.com/office/powerpoint/2010/main" val="633171714"/>
       </p:ext>
     </p:extLst>
   </p:cSld>
@@ -9324,12 +9636,12 @@
       </p:grpSpPr>
       <p:sp>
         <p:nvSpPr>
-          <p:cNvPr id="2" name="Título 1"/>
-          <p:cNvSpPr>
-            <a:spLocks noGrp="1"/>
-          </p:cNvSpPr>
-          <p:nvPr>
-            <p:ph type="ctrTitle"/>
+          <p:cNvPr id="5" name="Título 4"/>
+          <p:cNvSpPr>
+            <a:spLocks noGrp="1"/>
+          </p:cNvSpPr>
+          <p:nvPr>
+            <p:ph type="title"/>
           </p:nvPr>
         </p:nvSpPr>
         <p:spPr/>
@@ -9337,22 +9649,18 @@
           <a:bodyPr/>
           <a:lstStyle/>
           <a:p>
-            <a:r>
-              <a:rPr lang="pt-BR" dirty="0" smtClean="0"/>
-              <a:t>Tipos de Retornos Válidos</a:t>
-            </a:r>
-            <a:endParaRPr lang="pt-BR" dirty="0"/>
-          </a:p>
-        </p:txBody>
-      </p:sp>
-      <p:sp>
-        <p:nvSpPr>
-          <p:cNvPr id="3" name="Subtítulo 2"/>
-          <p:cNvSpPr>
-            <a:spLocks noGrp="1"/>
-          </p:cNvSpPr>
-          <p:nvPr>
-            <p:ph type="subTitle" idx="1"/>
+            <a:endParaRPr lang="pt-BR"/>
+          </a:p>
+        </p:txBody>
+      </p:sp>
+      <p:sp>
+        <p:nvSpPr>
+          <p:cNvPr id="6" name="Espaço Reservado para Conteúdo 5"/>
+          <p:cNvSpPr>
+            <a:spLocks noGrp="1"/>
+          </p:cNvSpPr>
+          <p:nvPr>
+            <p:ph idx="1"/>
           </p:nvPr>
         </p:nvSpPr>
         <p:spPr/>
@@ -9360,51 +9668,60 @@
           <a:bodyPr/>
           <a:lstStyle/>
           <a:p>
-            <a:r>
-              <a:rPr lang="pt-BR" dirty="0" smtClean="0"/>
-              <a:t>OCA </a:t>
-            </a:r>
-            <a:r>
-              <a:rPr lang="pt-BR" dirty="0" err="1" smtClean="0"/>
-              <a:t>Objectives</a:t>
-            </a:r>
-            <a:r>
-              <a:rPr lang="pt-BR" dirty="0" smtClean="0"/>
-              <a:t> 2.2, 2.5, 6.1 </a:t>
-            </a:r>
-            <a:r>
-              <a:rPr lang="pt-BR" dirty="0" err="1" smtClean="0"/>
-              <a:t>and</a:t>
-            </a:r>
-            <a:r>
-              <a:rPr lang="pt-BR" dirty="0" smtClean="0"/>
-              <a:t> 6.3</a:t>
-            </a:r>
-            <a:endParaRPr lang="pt-BR" dirty="0"/>
-          </a:p>
-        </p:txBody>
-      </p:sp>
-      <p:sp>
-        <p:nvSpPr>
-          <p:cNvPr id="4" name="Espaço Reservado para Rodapé 3"/>
-          <p:cNvSpPr>
-            <a:spLocks noGrp="1"/>
-          </p:cNvSpPr>
-          <p:nvPr>
-            <p:ph type="ftr" sz="quarter" idx="11"/>
-          </p:nvPr>
-        </p:nvSpPr>
-        <p:spPr/>
-        <p:txBody>
-          <a:bodyPr/>
-          <a:lstStyle/>
-          <a:p>
-            <a:r>
-              <a:rPr lang="pt-BR" dirty="0"/>
+            <a:endParaRPr lang="pt-BR"/>
+          </a:p>
+        </p:txBody>
+      </p:sp>
+      <p:sp>
+        <p:nvSpPr>
+          <p:cNvPr id="7" name="Espaço Reservado para Rodapé 3"/>
+          <p:cNvSpPr>
+            <a:spLocks noGrp="1"/>
+          </p:cNvSpPr>
+          <p:nvPr>
+            <p:ph type="ftr" sz="quarter" idx="13"/>
+          </p:nvPr>
+        </p:nvSpPr>
+        <p:spPr>
+          <a:xfrm>
+            <a:off x="3028950" y="6356351"/>
+            <a:ext cx="3086100" cy="365125"/>
+          </a:xfrm>
+          <a:prstGeom prst="rect">
+            <a:avLst/>
+          </a:prstGeom>
+        </p:spPr>
+        <p:txBody>
+          <a:bodyPr/>
+          <a:lstStyle/>
+          <a:p>
+            <a:pPr algn="ctr">
+              <a:defRPr sz="1200">
+                <a:solidFill>
+                  <a:srgbClr val="8C8C8C"/>
+                </a:solidFill>
+                <a:latin typeface="Tw Cen MT" charset="0"/>
+                <a:ea typeface="Calibri" charset="0"/>
+                <a:cs typeface="Calibri" charset="0"/>
+              </a:defRPr>
+            </a:pPr>
+            <a:r>
+              <a:rPr lang="pt-BR" dirty="0" smtClean="0"/>
               <a:t>Orientação a Objeto</a:t>
             </a:r>
-          </a:p>
-          <a:p>
+            <a:endParaRPr lang="pt-BR" dirty="0"/>
+          </a:p>
+          <a:p>
+            <a:pPr algn="ctr">
+              <a:defRPr sz="1200">
+                <a:solidFill>
+                  <a:srgbClr val="8C8C8C"/>
+                </a:solidFill>
+                <a:latin typeface="Tw Cen MT" charset="0"/>
+                <a:ea typeface="Calibri" charset="0"/>
+                <a:cs typeface="Calibri" charset="0"/>
+              </a:defRPr>
+            </a:pPr>
             <a:endParaRPr lang="pt-BR" dirty="0"/>
           </a:p>
         </p:txBody>
@@ -9412,20 +9729,13 @@
     </p:spTree>
     <p:extLst>
       <p:ext uri="{BB962C8B-B14F-4D97-AF65-F5344CB8AC3E}">
-        <p14:creationId xmlns:p14="http://schemas.microsoft.com/office/powerpoint/2010/main" val="4268053431"/>
+        <p14:creationId xmlns:p14="http://schemas.microsoft.com/office/powerpoint/2010/main" val="450711344"/>
       </p:ext>
     </p:extLst>
   </p:cSld>
   <p:clrMapOvr>
     <a:masterClrMapping/>
   </p:clrMapOvr>
-  <p:timing>
-    <p:tnLst>
-      <p:par>
-        <p:cTn id="1" dur="indefinite" restart="never" nodeType="tmRoot"/>
-      </p:par>
-    </p:tnLst>
-  </p:timing>
 </p:sld>
 </file>
 
@@ -9463,7 +9773,7 @@
           <a:p>
             <a:r>
               <a:rPr lang="pt-BR" dirty="0" smtClean="0"/>
-              <a:t>Construtores e Instanciação</a:t>
+              <a:t>Implementando Interfaces</a:t>
             </a:r>
             <a:endParaRPr lang="pt-BR" dirty="0"/>
           </a:p>
@@ -9490,19 +9800,11 @@
             </a:r>
             <a:r>
               <a:rPr lang="pt-BR" dirty="0" err="1" smtClean="0"/>
-              <a:t>Objectives</a:t>
-            </a:r>
-            <a:r>
-              <a:rPr lang="pt-BR" dirty="0" smtClean="0"/>
-              <a:t> 6.4, 6.5 </a:t>
-            </a:r>
-            <a:r>
-              <a:rPr lang="pt-BR" dirty="0" err="1" smtClean="0"/>
-              <a:t>and</a:t>
-            </a:r>
-            <a:r>
-              <a:rPr lang="pt-BR" dirty="0" smtClean="0"/>
-              <a:t> 7.5</a:t>
+              <a:t>Objective</a:t>
+            </a:r>
+            <a:r>
+              <a:rPr lang="pt-BR" dirty="0" smtClean="0"/>
+              <a:t> 7.6</a:t>
             </a:r>
             <a:endParaRPr lang="pt-BR" dirty="0"/>
           </a:p>
@@ -9523,20 +9825,14 @@
           <a:bodyPr/>
           <a:lstStyle/>
           <a:p>
-            <a:r>
-              <a:rPr lang="pt-BR" dirty="0"/>
-              <a:t>Orientação a Objeto</a:t>
-            </a:r>
-          </a:p>
-          <a:p>
-            <a:endParaRPr lang="pt-BR" dirty="0"/>
+            <a:endParaRPr lang="pt-BR"/>
           </a:p>
         </p:txBody>
       </p:sp>
     </p:spTree>
     <p:extLst>
       <p:ext uri="{BB962C8B-B14F-4D97-AF65-F5344CB8AC3E}">
-        <p14:creationId xmlns:p14="http://schemas.microsoft.com/office/powerpoint/2010/main" val="2974867849"/>
+        <p14:creationId xmlns:p14="http://schemas.microsoft.com/office/powerpoint/2010/main" val="375912055"/>
       </p:ext>
     </p:extLst>
   </p:cSld>
@@ -9587,15 +9883,7 @@
           <a:p>
             <a:r>
               <a:rPr lang="pt-BR" dirty="0" smtClean="0"/>
-              <a:t>Estáticos (</a:t>
-            </a:r>
-            <a:r>
-              <a:rPr lang="pt-BR" dirty="0" err="1" smtClean="0"/>
-              <a:t>Static</a:t>
-            </a:r>
-            <a:r>
-              <a:rPr lang="pt-BR" dirty="0" smtClean="0"/>
-              <a:t>)</a:t>
+              <a:t>Tipos de Retornos Válidos</a:t>
             </a:r>
             <a:endParaRPr lang="pt-BR" dirty="0"/>
           </a:p>
@@ -9626,7 +9914,15 @@
             </a:r>
             <a:r>
               <a:rPr lang="pt-BR" dirty="0" smtClean="0"/>
-              <a:t> 6.2</a:t>
+              <a:t> 2.2, 2.5, 6.1 </a:t>
+            </a:r>
+            <a:r>
+              <a:rPr lang="pt-BR" dirty="0" err="1" smtClean="0"/>
+              <a:t>and</a:t>
+            </a:r>
+            <a:r>
+              <a:rPr lang="pt-BR" dirty="0" smtClean="0"/>
+              <a:t> 6.3</a:t>
             </a:r>
             <a:endParaRPr lang="pt-BR" dirty="0"/>
           </a:p>
@@ -9660,7 +9956,7 @@
     </p:spTree>
     <p:extLst>
       <p:ext uri="{BB962C8B-B14F-4D97-AF65-F5344CB8AC3E}">
-        <p14:creationId xmlns:p14="http://schemas.microsoft.com/office/powerpoint/2010/main" val="3849763999"/>
+        <p14:creationId xmlns:p14="http://schemas.microsoft.com/office/powerpoint/2010/main" val="4268053431"/>
       </p:ext>
     </p:extLst>
   </p:cSld>
@@ -9706,24 +10002,14 @@
         </p:nvSpPr>
         <p:spPr/>
         <p:txBody>
-          <a:bodyPr>
-            <a:normAutofit/>
-          </a:bodyPr>
-          <a:lstStyle/>
-          <a:p>
-            <a:r>
-              <a:rPr lang="pt-BR" sz="3800" dirty="0" smtClean="0"/>
-              <a:t>Literais, </a:t>
-            </a:r>
-            <a:r>
-              <a:rPr lang="pt-BR" sz="3800" dirty="0" err="1" smtClean="0"/>
-              <a:t>Assignmentes</a:t>
-            </a:r>
-            <a:r>
-              <a:rPr lang="pt-BR" sz="3800" dirty="0" smtClean="0"/>
-              <a:t> e Variáveis</a:t>
-            </a:r>
-            <a:endParaRPr lang="pt-BR" sz="3800" dirty="0"/>
+          <a:bodyPr/>
+          <a:lstStyle/>
+          <a:p>
+            <a:r>
+              <a:rPr lang="pt-BR" dirty="0" smtClean="0"/>
+              <a:t>Construtores e Instanciação</a:t>
+            </a:r>
+            <a:endParaRPr lang="pt-BR" dirty="0"/>
           </a:p>
         </p:txBody>
       </p:sp>
@@ -9752,7 +10038,7 @@
             </a:r>
             <a:r>
               <a:rPr lang="pt-BR" dirty="0" smtClean="0"/>
-              <a:t> 2.1, 2.2, 2.3 </a:t>
+              <a:t> 6.4, 6.5 </a:t>
             </a:r>
             <a:r>
               <a:rPr lang="pt-BR" dirty="0" err="1" smtClean="0"/>
@@ -9760,7 +10046,7 @@
             </a:r>
             <a:r>
               <a:rPr lang="pt-BR" dirty="0" smtClean="0"/>
-              <a:t> 1.2 upgrade</a:t>
+              <a:t> 7.5</a:t>
             </a:r>
             <a:endParaRPr lang="pt-BR" dirty="0"/>
           </a:p>
@@ -9782,9 +10068,11 @@
           <a:lstStyle/>
           <a:p>
             <a:r>
-              <a:rPr lang="pt-BR" dirty="0" err="1" smtClean="0"/>
-              <a:t>Assignments</a:t>
-            </a:r>
+              <a:rPr lang="pt-BR" dirty="0"/>
+              <a:t>Orientação a Objeto</a:t>
+            </a:r>
+          </a:p>
+          <a:p>
             <a:endParaRPr lang="pt-BR" dirty="0"/>
           </a:p>
         </p:txBody>
@@ -9792,7 +10080,7 @@
     </p:spTree>
     <p:extLst>
       <p:ext uri="{BB962C8B-B14F-4D97-AF65-F5344CB8AC3E}">
-        <p14:creationId xmlns:p14="http://schemas.microsoft.com/office/powerpoint/2010/main" val="3169057604"/>
+        <p14:creationId xmlns:p14="http://schemas.microsoft.com/office/powerpoint/2010/main" val="2974867849"/>
       </p:ext>
     </p:extLst>
   </p:cSld>
@@ -9843,7 +10131,15 @@
           <a:p>
             <a:r>
               <a:rPr lang="pt-BR" dirty="0" smtClean="0"/>
-              <a:t>Escopo</a:t>
+              <a:t>Estáticos (</a:t>
+            </a:r>
+            <a:r>
+              <a:rPr lang="pt-BR" dirty="0" err="1" smtClean="0"/>
+              <a:t>Static</a:t>
+            </a:r>
+            <a:r>
+              <a:rPr lang="pt-BR" dirty="0" smtClean="0"/>
+              <a:t>)</a:t>
             </a:r>
             <a:endParaRPr lang="pt-BR" dirty="0"/>
           </a:p>
@@ -9874,15 +10170,7 @@
             </a:r>
             <a:r>
               <a:rPr lang="pt-BR" dirty="0" smtClean="0"/>
-              <a:t> 1.1 </a:t>
-            </a:r>
-            <a:r>
-              <a:rPr lang="pt-BR" dirty="0" err="1" smtClean="0"/>
-              <a:t>and</a:t>
-            </a:r>
-            <a:r>
-              <a:rPr lang="pt-BR" dirty="0" smtClean="0"/>
-              <a:t> 2.5</a:t>
+              <a:t> 6.2</a:t>
             </a:r>
             <a:endParaRPr lang="pt-BR" dirty="0"/>
           </a:p>
@@ -9904,10 +10192,9 @@
           <a:lstStyle/>
           <a:p>
             <a:r>
-              <a:rPr lang="pt-BR" dirty="0" err="1"/>
-              <a:t>Assignments</a:t>
-            </a:r>
-            <a:endParaRPr lang="pt-BR" dirty="0"/>
+              <a:rPr lang="pt-BR" dirty="0"/>
+              <a:t>Orientação a Objeto</a:t>
+            </a:r>
           </a:p>
           <a:p>
             <a:endParaRPr lang="pt-BR" dirty="0"/>
@@ -9917,7 +10204,7 @@
     </p:spTree>
     <p:extLst>
       <p:ext uri="{BB962C8B-B14F-4D97-AF65-F5344CB8AC3E}">
-        <p14:creationId xmlns:p14="http://schemas.microsoft.com/office/powerpoint/2010/main" val="193317867"/>
+        <p14:creationId xmlns:p14="http://schemas.microsoft.com/office/powerpoint/2010/main" val="3849763999"/>
       </p:ext>
     </p:extLst>
   </p:cSld>
@@ -9963,14 +10250,24 @@
         </p:nvSpPr>
         <p:spPr/>
         <p:txBody>
-          <a:bodyPr/>
-          <a:lstStyle/>
-          <a:p>
-            <a:r>
-              <a:rPr lang="pt-BR" dirty="0" smtClean="0"/>
-              <a:t>Inicialização de Variáveis</a:t>
-            </a:r>
-            <a:endParaRPr lang="pt-BR" dirty="0"/>
+          <a:bodyPr>
+            <a:normAutofit/>
+          </a:bodyPr>
+          <a:lstStyle/>
+          <a:p>
+            <a:r>
+              <a:rPr lang="pt-BR" sz="3800" dirty="0" smtClean="0"/>
+              <a:t>Literais, </a:t>
+            </a:r>
+            <a:r>
+              <a:rPr lang="pt-BR" sz="3800" dirty="0" err="1" smtClean="0"/>
+              <a:t>Assignmentes</a:t>
+            </a:r>
+            <a:r>
+              <a:rPr lang="pt-BR" sz="3800" dirty="0" smtClean="0"/>
+              <a:t> e Variáveis</a:t>
+            </a:r>
+            <a:endParaRPr lang="pt-BR" sz="3800" dirty="0"/>
           </a:p>
         </p:txBody>
       </p:sp>
@@ -9995,11 +10292,19 @@
             </a:r>
             <a:r>
               <a:rPr lang="pt-BR" dirty="0" err="1" smtClean="0"/>
-              <a:t>Objective</a:t>
-            </a:r>
-            <a:r>
-              <a:rPr lang="pt-BR" dirty="0" smtClean="0"/>
-              <a:t> 2.1</a:t>
+              <a:t>Objectives</a:t>
+            </a:r>
+            <a:r>
+              <a:rPr lang="pt-BR" dirty="0" smtClean="0"/>
+              <a:t> 2.1, 2.2, 2.3 </a:t>
+            </a:r>
+            <a:r>
+              <a:rPr lang="pt-BR" dirty="0" err="1" smtClean="0"/>
+              <a:t>and</a:t>
+            </a:r>
+            <a:r>
+              <a:rPr lang="pt-BR" dirty="0" smtClean="0"/>
+              <a:t> 1.2 upgrade</a:t>
             </a:r>
             <a:endParaRPr lang="pt-BR" dirty="0"/>
           </a:p>
@@ -10021,7 +10326,7 @@
           <a:lstStyle/>
           <a:p>
             <a:r>
-              <a:rPr lang="pt-BR" dirty="0" err="1"/>
+              <a:rPr lang="pt-BR" dirty="0" err="1" smtClean="0"/>
               <a:t>Assignments</a:t>
             </a:r>
             <a:endParaRPr lang="pt-BR" dirty="0"/>
@@ -10031,7 +10336,7 @@
     </p:spTree>
     <p:extLst>
       <p:ext uri="{BB962C8B-B14F-4D97-AF65-F5344CB8AC3E}">
-        <p14:creationId xmlns:p14="http://schemas.microsoft.com/office/powerpoint/2010/main" val="3261889034"/>
+        <p14:creationId xmlns:p14="http://schemas.microsoft.com/office/powerpoint/2010/main" val="3169057604"/>
       </p:ext>
     </p:extLst>
   </p:cSld>
@@ -10082,7 +10387,7 @@
           <a:p>
             <a:r>
               <a:rPr lang="pt-BR" dirty="0" smtClean="0"/>
-              <a:t>Passando Variáveis para Métodos</a:t>
+              <a:t>Escopo</a:t>
             </a:r>
             <a:endParaRPr lang="pt-BR" dirty="0"/>
           </a:p>
@@ -10109,11 +10414,19 @@
             </a:r>
             <a:r>
               <a:rPr lang="pt-BR" dirty="0" err="1" smtClean="0"/>
-              <a:t>Objective</a:t>
-            </a:r>
-            <a:r>
-              <a:rPr lang="pt-BR" dirty="0" smtClean="0"/>
-              <a:t> 6.8</a:t>
+              <a:t>Objectives</a:t>
+            </a:r>
+            <a:r>
+              <a:rPr lang="pt-BR" dirty="0" smtClean="0"/>
+              <a:t> 1.1 </a:t>
+            </a:r>
+            <a:r>
+              <a:rPr lang="pt-BR" dirty="0" err="1" smtClean="0"/>
+              <a:t>and</a:t>
+            </a:r>
+            <a:r>
+              <a:rPr lang="pt-BR" dirty="0" smtClean="0"/>
+              <a:t> 2.5</a:t>
             </a:r>
             <a:endParaRPr lang="pt-BR" dirty="0"/>
           </a:p>
@@ -10138,6 +10451,9 @@
               <a:rPr lang="pt-BR" dirty="0" err="1"/>
               <a:t>Assignments</a:t>
             </a:r>
+            <a:endParaRPr lang="pt-BR" dirty="0"/>
+          </a:p>
+          <a:p>
             <a:endParaRPr lang="pt-BR" dirty="0"/>
           </a:p>
         </p:txBody>
@@ -10145,7 +10461,7 @@
     </p:spTree>
     <p:extLst>
       <p:ext uri="{BB962C8B-B14F-4D97-AF65-F5344CB8AC3E}">
-        <p14:creationId xmlns:p14="http://schemas.microsoft.com/office/powerpoint/2010/main" val="2287116038"/>
+        <p14:creationId xmlns:p14="http://schemas.microsoft.com/office/powerpoint/2010/main" val="193317867"/>
       </p:ext>
     </p:extLst>
   </p:cSld>
@@ -10196,7 +10512,7 @@
           <a:p>
             <a:r>
               <a:rPr lang="pt-BR" dirty="0" smtClean="0"/>
-              <a:t>Coletor de Lixo</a:t>
+              <a:t>Inicialização de Variáveis</a:t>
             </a:r>
             <a:endParaRPr lang="pt-BR" dirty="0"/>
           </a:p>
@@ -10227,7 +10543,7 @@
             </a:r>
             <a:r>
               <a:rPr lang="pt-BR" dirty="0" smtClean="0"/>
-              <a:t> 2.4</a:t>
+              <a:t> 2.1</a:t>
             </a:r>
             <a:endParaRPr lang="pt-BR" dirty="0"/>
           </a:p>
@@ -10259,7 +10575,7 @@
     </p:spTree>
     <p:extLst>
       <p:ext uri="{BB962C8B-B14F-4D97-AF65-F5344CB8AC3E}">
-        <p14:creationId xmlns:p14="http://schemas.microsoft.com/office/powerpoint/2010/main" val="1564616669"/>
+        <p14:creationId xmlns:p14="http://schemas.microsoft.com/office/powerpoint/2010/main" val="3261889034"/>
       </p:ext>
     </p:extLst>
   </p:cSld>
@@ -10310,7 +10626,7 @@
           <a:p>
             <a:r>
               <a:rPr lang="pt-BR" dirty="0" smtClean="0"/>
-              <a:t>Operadores em Java</a:t>
+              <a:t>Passando Variáveis para Métodos</a:t>
             </a:r>
             <a:endParaRPr lang="pt-BR" dirty="0"/>
           </a:p>
@@ -10337,19 +10653,11 @@
             </a:r>
             <a:r>
               <a:rPr lang="pt-BR" dirty="0" err="1" smtClean="0"/>
-              <a:t>Objectives</a:t>
-            </a:r>
-            <a:r>
-              <a:rPr lang="pt-BR" dirty="0" smtClean="0"/>
-              <a:t> 3.1, 3.2 </a:t>
-            </a:r>
-            <a:r>
-              <a:rPr lang="pt-BR" dirty="0" err="1" smtClean="0"/>
-              <a:t>and</a:t>
-            </a:r>
-            <a:r>
-              <a:rPr lang="pt-BR" dirty="0" smtClean="0"/>
-              <a:t> 3.3</a:t>
+              <a:t>Objective</a:t>
+            </a:r>
+            <a:r>
+              <a:rPr lang="pt-BR" dirty="0" smtClean="0"/>
+              <a:t> 6.8</a:t>
             </a:r>
             <a:endParaRPr lang="pt-BR" dirty="0"/>
           </a:p>
@@ -10371,8 +10679,8 @@
           <a:lstStyle/>
           <a:p>
             <a:r>
-              <a:rPr lang="pt-BR" dirty="0" smtClean="0"/>
-              <a:t>Operadores</a:t>
+              <a:rPr lang="pt-BR" dirty="0" err="1"/>
+              <a:t>Assignments</a:t>
             </a:r>
             <a:endParaRPr lang="pt-BR" dirty="0"/>
           </a:p>
@@ -10381,7 +10689,7 @@
     </p:spTree>
     <p:extLst>
       <p:ext uri="{BB962C8B-B14F-4D97-AF65-F5344CB8AC3E}">
-        <p14:creationId xmlns:p14="http://schemas.microsoft.com/office/powerpoint/2010/main" val="1039160923"/>
+        <p14:creationId xmlns:p14="http://schemas.microsoft.com/office/powerpoint/2010/main" val="2287116038"/>
       </p:ext>
     </p:extLst>
   </p:cSld>
@@ -10432,32 +10740,51 @@
           <a:p>
             <a:r>
               <a:rPr lang="pt-BR" dirty="0" smtClean="0"/>
-              <a:t>Usando </a:t>
+              <a:t>Coletor de Lixo</a:t>
+            </a:r>
+            <a:endParaRPr lang="pt-BR" dirty="0"/>
+          </a:p>
+        </p:txBody>
+      </p:sp>
+      <p:sp>
+        <p:nvSpPr>
+          <p:cNvPr id="3" name="Subtítulo 2"/>
+          <p:cNvSpPr>
+            <a:spLocks noGrp="1"/>
+          </p:cNvSpPr>
+          <p:nvPr>
+            <p:ph type="subTitle" idx="1"/>
+          </p:nvPr>
+        </p:nvSpPr>
+        <p:spPr/>
+        <p:txBody>
+          <a:bodyPr/>
+          <a:lstStyle/>
+          <a:p>
+            <a:r>
+              <a:rPr lang="pt-BR" dirty="0" smtClean="0"/>
+              <a:t>OCA </a:t>
             </a:r>
             <a:r>
               <a:rPr lang="pt-BR" dirty="0" err="1" smtClean="0"/>
-              <a:t>Strings</a:t>
-            </a:r>
-            <a:r>
-              <a:rPr lang="pt-BR" dirty="0" smtClean="0"/>
-              <a:t> e </a:t>
-            </a:r>
-            <a:r>
-              <a:rPr lang="pt-BR" dirty="0" err="1" smtClean="0"/>
-              <a:t>StringBuilder</a:t>
-            </a:r>
-            <a:endParaRPr lang="pt-BR" dirty="0"/>
-          </a:p>
-        </p:txBody>
-      </p:sp>
-      <p:sp>
-        <p:nvSpPr>
-          <p:cNvPr id="3" name="Subtítulo 2"/>
-          <p:cNvSpPr>
-            <a:spLocks noGrp="1"/>
-          </p:cNvSpPr>
-          <p:nvPr>
-            <p:ph type="subTitle" idx="1"/>
+              <a:t>Objective</a:t>
+            </a:r>
+            <a:r>
+              <a:rPr lang="pt-BR" dirty="0" smtClean="0"/>
+              <a:t> 2.4</a:t>
+            </a:r>
+            <a:endParaRPr lang="pt-BR" dirty="0"/>
+          </a:p>
+        </p:txBody>
+      </p:sp>
+      <p:sp>
+        <p:nvSpPr>
+          <p:cNvPr id="4" name="Espaço Reservado para Rodapé 3"/>
+          <p:cNvSpPr>
+            <a:spLocks noGrp="1"/>
+          </p:cNvSpPr>
+          <p:nvPr>
+            <p:ph type="ftr" sz="quarter" idx="11"/>
           </p:nvPr>
         </p:nvSpPr>
         <p:spPr/>
@@ -10466,67 +10793,8 @@
           <a:lstStyle/>
           <a:p>
             <a:r>
-              <a:rPr lang="pt-BR" dirty="0" smtClean="0"/>
-              <a:t>OCA </a:t>
-            </a:r>
-            <a:r>
-              <a:rPr lang="pt-BR" dirty="0" err="1" smtClean="0"/>
-              <a:t>Objectives</a:t>
-            </a:r>
-            <a:r>
-              <a:rPr lang="pt-BR" dirty="0" smtClean="0"/>
-              <a:t> 2.7 </a:t>
-            </a:r>
-            <a:r>
-              <a:rPr lang="pt-BR" dirty="0" err="1" smtClean="0"/>
-              <a:t>and</a:t>
-            </a:r>
-            <a:r>
-              <a:rPr lang="pt-BR" dirty="0" smtClean="0"/>
-              <a:t> 2.6</a:t>
-            </a:r>
-            <a:endParaRPr lang="pt-BR" dirty="0"/>
-          </a:p>
-        </p:txBody>
-      </p:sp>
-      <p:sp>
-        <p:nvSpPr>
-          <p:cNvPr id="4" name="Espaço Reservado para Rodapé 3"/>
-          <p:cNvSpPr>
-            <a:spLocks noGrp="1"/>
-          </p:cNvSpPr>
-          <p:nvPr>
-            <p:ph type="ftr" sz="quarter" idx="11"/>
-          </p:nvPr>
-        </p:nvSpPr>
-        <p:spPr/>
-        <p:txBody>
-          <a:bodyPr/>
-          <a:lstStyle/>
-          <a:p>
-            <a:r>
-              <a:rPr lang="pt-BR" dirty="0" smtClean="0"/>
-              <a:t>Trabalhando com </a:t>
-            </a:r>
-            <a:r>
-              <a:rPr lang="pt-BR" dirty="0" err="1" smtClean="0"/>
-              <a:t>Strings</a:t>
-            </a:r>
-            <a:r>
-              <a:rPr lang="pt-BR" dirty="0" smtClean="0"/>
-              <a:t>, </a:t>
-            </a:r>
-            <a:r>
-              <a:rPr lang="pt-BR" dirty="0" err="1" smtClean="0"/>
-              <a:t>Arrays</a:t>
-            </a:r>
-            <a:r>
-              <a:rPr lang="pt-BR" dirty="0" smtClean="0"/>
-              <a:t> e </a:t>
-            </a:r>
-            <a:r>
-              <a:rPr lang="pt-BR" dirty="0" err="1" smtClean="0"/>
-              <a:t>ArrayLists</a:t>
+              <a:rPr lang="pt-BR" dirty="0" err="1"/>
+              <a:t>Assignments</a:t>
             </a:r>
             <a:endParaRPr lang="pt-BR" dirty="0"/>
           </a:p>
@@ -10535,7 +10803,7 @@
     </p:spTree>
     <p:extLst>
       <p:ext uri="{BB962C8B-B14F-4D97-AF65-F5344CB8AC3E}">
-        <p14:creationId xmlns:p14="http://schemas.microsoft.com/office/powerpoint/2010/main" val="1074513946"/>
+        <p14:creationId xmlns:p14="http://schemas.microsoft.com/office/powerpoint/2010/main" val="1564616669"/>
       </p:ext>
     </p:extLst>
   </p:cSld>
@@ -10692,11 +10960,7 @@
           <a:p>
             <a:r>
               <a:rPr lang="pt-BR" dirty="0" smtClean="0"/>
-              <a:t>Usando </a:t>
-            </a:r>
-            <a:r>
-              <a:rPr lang="pt-BR" dirty="0" err="1" smtClean="0"/>
-              <a:t>Arrays</a:t>
+              <a:t>Operadores em Java</a:t>
             </a:r>
             <a:endParaRPr lang="pt-BR" dirty="0"/>
           </a:p>
@@ -10727,7 +10991,7 @@
             </a:r>
             <a:r>
               <a:rPr lang="pt-BR" dirty="0" smtClean="0"/>
-              <a:t> 4.1 </a:t>
+              <a:t> 3.1, 3.2 </a:t>
             </a:r>
             <a:r>
               <a:rPr lang="pt-BR" dirty="0" err="1" smtClean="0"/>
@@ -10735,7 +10999,7 @@
             </a:r>
             <a:r>
               <a:rPr lang="pt-BR" dirty="0" smtClean="0"/>
-              <a:t> 4.2</a:t>
+              <a:t> 3.3</a:t>
             </a:r>
             <a:endParaRPr lang="pt-BR" dirty="0"/>
           </a:p>
@@ -10757,32 +11021,9 @@
           <a:lstStyle/>
           <a:p>
             <a:r>
-              <a:rPr lang="pt-BR" dirty="0"/>
-              <a:t>Trabalhando com </a:t>
-            </a:r>
-            <a:r>
-              <a:rPr lang="pt-BR" dirty="0" err="1"/>
-              <a:t>Strings</a:t>
-            </a:r>
-            <a:r>
-              <a:rPr lang="pt-BR" dirty="0"/>
-              <a:t>, </a:t>
-            </a:r>
-            <a:r>
-              <a:rPr lang="pt-BR" dirty="0" err="1"/>
-              <a:t>Arrays</a:t>
-            </a:r>
-            <a:r>
-              <a:rPr lang="pt-BR" dirty="0"/>
-              <a:t> e </a:t>
-            </a:r>
-            <a:r>
-              <a:rPr lang="pt-BR" dirty="0" err="1"/>
-              <a:t>ArrayLists</a:t>
-            </a:r>
-            <a:endParaRPr lang="pt-BR" dirty="0"/>
-          </a:p>
-          <a:p>
+              <a:rPr lang="pt-BR" dirty="0" smtClean="0"/>
+              <a:t>Operadores</a:t>
+            </a:r>
             <a:endParaRPr lang="pt-BR" dirty="0"/>
           </a:p>
         </p:txBody>
@@ -10790,7 +11031,7 @@
     </p:spTree>
     <p:extLst>
       <p:ext uri="{BB962C8B-B14F-4D97-AF65-F5344CB8AC3E}">
-        <p14:creationId xmlns:p14="http://schemas.microsoft.com/office/powerpoint/2010/main" val="1389997935"/>
+        <p14:creationId xmlns:p14="http://schemas.microsoft.com/office/powerpoint/2010/main" val="1039160923"/>
       </p:ext>
     </p:extLst>
   </p:cSld>
@@ -10845,7 +11086,15 @@
             </a:r>
             <a:r>
               <a:rPr lang="pt-BR" dirty="0" err="1" smtClean="0"/>
-              <a:t>ArrayList</a:t>
+              <a:t>Strings</a:t>
+            </a:r>
+            <a:r>
+              <a:rPr lang="pt-BR" dirty="0" smtClean="0"/>
+              <a:t> e </a:t>
+            </a:r>
+            <a:r>
+              <a:rPr lang="pt-BR" dirty="0" err="1" smtClean="0"/>
+              <a:t>StringBuilder</a:t>
             </a:r>
             <a:endParaRPr lang="pt-BR" dirty="0"/>
           </a:p>
@@ -10872,11 +11121,19 @@
             </a:r>
             <a:r>
               <a:rPr lang="pt-BR" dirty="0" err="1" smtClean="0"/>
-              <a:t>Objective</a:t>
-            </a:r>
-            <a:r>
-              <a:rPr lang="pt-BR" dirty="0" smtClean="0"/>
-              <a:t> 4.3</a:t>
+              <a:t>Objectives</a:t>
+            </a:r>
+            <a:r>
+              <a:rPr lang="pt-BR" dirty="0" smtClean="0"/>
+              <a:t> 2.7 </a:t>
+            </a:r>
+            <a:r>
+              <a:rPr lang="pt-BR" dirty="0" err="1" smtClean="0"/>
+              <a:t>and</a:t>
+            </a:r>
+            <a:r>
+              <a:rPr lang="pt-BR" dirty="0" smtClean="0"/>
+              <a:t> 2.6</a:t>
             </a:r>
             <a:endParaRPr lang="pt-BR" dirty="0"/>
           </a:p>
@@ -10898,32 +11155,29 @@
           <a:lstStyle/>
           <a:p>
             <a:r>
-              <a:rPr lang="pt-BR" dirty="0"/>
+              <a:rPr lang="pt-BR" dirty="0" smtClean="0"/>
               <a:t>Trabalhando com </a:t>
             </a:r>
             <a:r>
-              <a:rPr lang="pt-BR" dirty="0" err="1"/>
+              <a:rPr lang="pt-BR" dirty="0" err="1" smtClean="0"/>
               <a:t>Strings</a:t>
             </a:r>
             <a:r>
-              <a:rPr lang="pt-BR" dirty="0"/>
+              <a:rPr lang="pt-BR" dirty="0" smtClean="0"/>
               <a:t>, </a:t>
             </a:r>
             <a:r>
-              <a:rPr lang="pt-BR" dirty="0" err="1"/>
+              <a:rPr lang="pt-BR" dirty="0" err="1" smtClean="0"/>
               <a:t>Arrays</a:t>
             </a:r>
             <a:r>
-              <a:rPr lang="pt-BR" dirty="0"/>
+              <a:rPr lang="pt-BR" dirty="0" smtClean="0"/>
               <a:t> e </a:t>
             </a:r>
             <a:r>
-              <a:rPr lang="pt-BR" dirty="0" err="1"/>
+              <a:rPr lang="pt-BR" dirty="0" err="1" smtClean="0"/>
               <a:t>ArrayLists</a:t>
             </a:r>
-            <a:endParaRPr lang="pt-BR" dirty="0"/>
-          </a:p>
-          <a:p>
             <a:endParaRPr lang="pt-BR" dirty="0"/>
           </a:p>
         </p:txBody>
@@ -10931,7 +11185,7 @@
     </p:spTree>
     <p:extLst>
       <p:ext uri="{BB962C8B-B14F-4D97-AF65-F5344CB8AC3E}">
-        <p14:creationId xmlns:p14="http://schemas.microsoft.com/office/powerpoint/2010/main" val="2158061903"/>
+        <p14:creationId xmlns:p14="http://schemas.microsoft.com/office/powerpoint/2010/main" val="1074513946"/>
       </p:ext>
     </p:extLst>
   </p:cSld>
@@ -10986,11 +11240,7 @@
             </a:r>
             <a:r>
               <a:rPr lang="pt-BR" dirty="0" err="1" smtClean="0"/>
-              <a:t>if</a:t>
-            </a:r>
-            <a:r>
-              <a:rPr lang="pt-BR" dirty="0" smtClean="0"/>
-              <a:t> e switch</a:t>
+              <a:t>Arrays</a:t>
             </a:r>
             <a:endParaRPr lang="pt-BR" dirty="0"/>
           </a:p>
@@ -11021,7 +11271,15 @@
             </a:r>
             <a:r>
               <a:rPr lang="pt-BR" dirty="0" smtClean="0"/>
-              <a:t> 3.4, 3.5 e 1.1 upgrade</a:t>
+              <a:t> 4.1 </a:t>
+            </a:r>
+            <a:r>
+              <a:rPr lang="pt-BR" dirty="0" err="1" smtClean="0"/>
+              <a:t>and</a:t>
+            </a:r>
+            <a:r>
+              <a:rPr lang="pt-BR" dirty="0" smtClean="0"/>
+              <a:t> 4.2</a:t>
             </a:r>
             <a:endParaRPr lang="pt-BR" dirty="0"/>
           </a:p>
@@ -11043,9 +11301,32 @@
           <a:lstStyle/>
           <a:p>
             <a:r>
-              <a:rPr lang="pt-BR" dirty="0" smtClean="0"/>
-              <a:t>Controle de Fluxo e Exceções</a:t>
-            </a:r>
+              <a:rPr lang="pt-BR" dirty="0"/>
+              <a:t>Trabalhando com </a:t>
+            </a:r>
+            <a:r>
+              <a:rPr lang="pt-BR" dirty="0" err="1"/>
+              <a:t>Strings</a:t>
+            </a:r>
+            <a:r>
+              <a:rPr lang="pt-BR" dirty="0"/>
+              <a:t>, </a:t>
+            </a:r>
+            <a:r>
+              <a:rPr lang="pt-BR" dirty="0" err="1"/>
+              <a:t>Arrays</a:t>
+            </a:r>
+            <a:r>
+              <a:rPr lang="pt-BR" dirty="0"/>
+              <a:t> e </a:t>
+            </a:r>
+            <a:r>
+              <a:rPr lang="pt-BR" dirty="0" err="1"/>
+              <a:t>ArrayLists</a:t>
+            </a:r>
+            <a:endParaRPr lang="pt-BR" dirty="0"/>
+          </a:p>
+          <a:p>
             <a:endParaRPr lang="pt-BR" dirty="0"/>
           </a:p>
         </p:txBody>
@@ -11053,7 +11334,7 @@
     </p:spTree>
     <p:extLst>
       <p:ext uri="{BB962C8B-B14F-4D97-AF65-F5344CB8AC3E}">
-        <p14:creationId xmlns:p14="http://schemas.microsoft.com/office/powerpoint/2010/main" val="532384450"/>
+        <p14:creationId xmlns:p14="http://schemas.microsoft.com/office/powerpoint/2010/main" val="1389997935"/>
       </p:ext>
     </p:extLst>
   </p:cSld>
@@ -11104,7 +11385,11 @@
           <a:p>
             <a:r>
               <a:rPr lang="pt-BR" dirty="0" smtClean="0"/>
-              <a:t>Criando Loops</a:t>
+              <a:t>Usando </a:t>
+            </a:r>
+            <a:r>
+              <a:rPr lang="pt-BR" dirty="0" err="1" smtClean="0"/>
+              <a:t>ArrayList</a:t>
             </a:r>
             <a:endParaRPr lang="pt-BR" dirty="0"/>
           </a:p>
@@ -11131,19 +11416,11 @@
             </a:r>
             <a:r>
               <a:rPr lang="pt-BR" dirty="0" err="1" smtClean="0"/>
-              <a:t>Objectives</a:t>
-            </a:r>
-            <a:r>
-              <a:rPr lang="pt-BR" dirty="0" smtClean="0"/>
-              <a:t> 5.1, 5.2, 5.3, 5.4 </a:t>
-            </a:r>
-            <a:r>
-              <a:rPr lang="pt-BR" dirty="0" err="1" smtClean="0"/>
-              <a:t>and</a:t>
-            </a:r>
-            <a:r>
-              <a:rPr lang="pt-BR" dirty="0" smtClean="0"/>
-              <a:t> 5.5</a:t>
+              <a:t>Objective</a:t>
+            </a:r>
+            <a:r>
+              <a:rPr lang="pt-BR" dirty="0" smtClean="0"/>
+              <a:t> 4.3</a:t>
             </a:r>
             <a:endParaRPr lang="pt-BR" dirty="0"/>
           </a:p>
@@ -11166,8 +11443,29 @@
           <a:p>
             <a:r>
               <a:rPr lang="pt-BR" dirty="0"/>
-              <a:t>Controle de Fluxo e Exceções</a:t>
-            </a:r>
+              <a:t>Trabalhando com </a:t>
+            </a:r>
+            <a:r>
+              <a:rPr lang="pt-BR" dirty="0" err="1"/>
+              <a:t>Strings</a:t>
+            </a:r>
+            <a:r>
+              <a:rPr lang="pt-BR" dirty="0"/>
+              <a:t>, </a:t>
+            </a:r>
+            <a:r>
+              <a:rPr lang="pt-BR" dirty="0" err="1"/>
+              <a:t>Arrays</a:t>
+            </a:r>
+            <a:r>
+              <a:rPr lang="pt-BR" dirty="0"/>
+              <a:t> e </a:t>
+            </a:r>
+            <a:r>
+              <a:rPr lang="pt-BR" dirty="0" err="1"/>
+              <a:t>ArrayLists</a:t>
+            </a:r>
+            <a:endParaRPr lang="pt-BR" dirty="0"/>
           </a:p>
           <a:p>
             <a:endParaRPr lang="pt-BR" dirty="0"/>
@@ -11177,7 +11475,7 @@
     </p:spTree>
     <p:extLst>
       <p:ext uri="{BB962C8B-B14F-4D97-AF65-F5344CB8AC3E}">
-        <p14:creationId xmlns:p14="http://schemas.microsoft.com/office/powerpoint/2010/main" val="2470865896"/>
+        <p14:creationId xmlns:p14="http://schemas.microsoft.com/office/powerpoint/2010/main" val="2158061903"/>
       </p:ext>
     </p:extLst>
   </p:cSld>
@@ -11228,6 +11526,252 @@
           <a:p>
             <a:r>
               <a:rPr lang="pt-BR" dirty="0" smtClean="0"/>
+              <a:t>Usando </a:t>
+            </a:r>
+            <a:r>
+              <a:rPr lang="pt-BR" dirty="0" err="1" smtClean="0"/>
+              <a:t>if</a:t>
+            </a:r>
+            <a:r>
+              <a:rPr lang="pt-BR" dirty="0" smtClean="0"/>
+              <a:t> e switch</a:t>
+            </a:r>
+            <a:endParaRPr lang="pt-BR" dirty="0"/>
+          </a:p>
+        </p:txBody>
+      </p:sp>
+      <p:sp>
+        <p:nvSpPr>
+          <p:cNvPr id="3" name="Subtítulo 2"/>
+          <p:cNvSpPr>
+            <a:spLocks noGrp="1"/>
+          </p:cNvSpPr>
+          <p:nvPr>
+            <p:ph type="subTitle" idx="1"/>
+          </p:nvPr>
+        </p:nvSpPr>
+        <p:spPr/>
+        <p:txBody>
+          <a:bodyPr/>
+          <a:lstStyle/>
+          <a:p>
+            <a:r>
+              <a:rPr lang="pt-BR" dirty="0" smtClean="0"/>
+              <a:t>OCA </a:t>
+            </a:r>
+            <a:r>
+              <a:rPr lang="pt-BR" dirty="0" err="1" smtClean="0"/>
+              <a:t>Objectives</a:t>
+            </a:r>
+            <a:r>
+              <a:rPr lang="pt-BR" dirty="0" smtClean="0"/>
+              <a:t> 3.4, 3.5 e 1.1 upgrade</a:t>
+            </a:r>
+            <a:endParaRPr lang="pt-BR" dirty="0"/>
+          </a:p>
+        </p:txBody>
+      </p:sp>
+      <p:sp>
+        <p:nvSpPr>
+          <p:cNvPr id="4" name="Espaço Reservado para Rodapé 3"/>
+          <p:cNvSpPr>
+            <a:spLocks noGrp="1"/>
+          </p:cNvSpPr>
+          <p:nvPr>
+            <p:ph type="ftr" sz="quarter" idx="11"/>
+          </p:nvPr>
+        </p:nvSpPr>
+        <p:spPr/>
+        <p:txBody>
+          <a:bodyPr/>
+          <a:lstStyle/>
+          <a:p>
+            <a:r>
+              <a:rPr lang="pt-BR" dirty="0" smtClean="0"/>
+              <a:t>Controle de Fluxo e Exceções</a:t>
+            </a:r>
+            <a:endParaRPr lang="pt-BR" dirty="0"/>
+          </a:p>
+        </p:txBody>
+      </p:sp>
+    </p:spTree>
+    <p:extLst>
+      <p:ext uri="{BB962C8B-B14F-4D97-AF65-F5344CB8AC3E}">
+        <p14:creationId xmlns:p14="http://schemas.microsoft.com/office/powerpoint/2010/main" val="532384450"/>
+      </p:ext>
+    </p:extLst>
+  </p:cSld>
+  <p:clrMapOvr>
+    <a:masterClrMapping/>
+  </p:clrMapOvr>
+  <p:timing>
+    <p:tnLst>
+      <p:par>
+        <p:cTn id="1" dur="indefinite" restart="never" nodeType="tmRoot"/>
+      </p:par>
+    </p:tnLst>
+  </p:timing>
+</p:sld>
+</file>
+
+<file path=ppt/slides/slide55.xml><?xml version="1.0" encoding="utf-8"?>
+<p:sld xmlns:a="http://schemas.openxmlformats.org/drawingml/2006/main" xmlns:r="http://schemas.openxmlformats.org/officeDocument/2006/relationships" xmlns:p="http://schemas.openxmlformats.org/presentationml/2006/main">
+  <p:cSld>
+    <p:spTree>
+      <p:nvGrpSpPr>
+        <p:cNvPr id="1" name=""/>
+        <p:cNvGrpSpPr/>
+        <p:nvPr/>
+      </p:nvGrpSpPr>
+      <p:grpSpPr>
+        <a:xfrm>
+          <a:off x="0" y="0"/>
+          <a:ext cx="0" cy="0"/>
+          <a:chOff x="0" y="0"/>
+          <a:chExt cx="0" cy="0"/>
+        </a:xfrm>
+      </p:grpSpPr>
+      <p:sp>
+        <p:nvSpPr>
+          <p:cNvPr id="2" name="Título 1"/>
+          <p:cNvSpPr>
+            <a:spLocks noGrp="1"/>
+          </p:cNvSpPr>
+          <p:nvPr>
+            <p:ph type="ctrTitle"/>
+          </p:nvPr>
+        </p:nvSpPr>
+        <p:spPr/>
+        <p:txBody>
+          <a:bodyPr/>
+          <a:lstStyle/>
+          <a:p>
+            <a:r>
+              <a:rPr lang="pt-BR" dirty="0" smtClean="0"/>
+              <a:t>Criando Loops</a:t>
+            </a:r>
+            <a:endParaRPr lang="pt-BR" dirty="0"/>
+          </a:p>
+        </p:txBody>
+      </p:sp>
+      <p:sp>
+        <p:nvSpPr>
+          <p:cNvPr id="3" name="Subtítulo 2"/>
+          <p:cNvSpPr>
+            <a:spLocks noGrp="1"/>
+          </p:cNvSpPr>
+          <p:nvPr>
+            <p:ph type="subTitle" idx="1"/>
+          </p:nvPr>
+        </p:nvSpPr>
+        <p:spPr/>
+        <p:txBody>
+          <a:bodyPr/>
+          <a:lstStyle/>
+          <a:p>
+            <a:r>
+              <a:rPr lang="pt-BR" dirty="0" smtClean="0"/>
+              <a:t>OCA </a:t>
+            </a:r>
+            <a:r>
+              <a:rPr lang="pt-BR" dirty="0" err="1" smtClean="0"/>
+              <a:t>Objectives</a:t>
+            </a:r>
+            <a:r>
+              <a:rPr lang="pt-BR" dirty="0" smtClean="0"/>
+              <a:t> 5.1, 5.2, 5.3, 5.4 </a:t>
+            </a:r>
+            <a:r>
+              <a:rPr lang="pt-BR" dirty="0" err="1" smtClean="0"/>
+              <a:t>and</a:t>
+            </a:r>
+            <a:r>
+              <a:rPr lang="pt-BR" dirty="0" smtClean="0"/>
+              <a:t> 5.5</a:t>
+            </a:r>
+            <a:endParaRPr lang="pt-BR" dirty="0"/>
+          </a:p>
+        </p:txBody>
+      </p:sp>
+      <p:sp>
+        <p:nvSpPr>
+          <p:cNvPr id="4" name="Espaço Reservado para Rodapé 3"/>
+          <p:cNvSpPr>
+            <a:spLocks noGrp="1"/>
+          </p:cNvSpPr>
+          <p:nvPr>
+            <p:ph type="ftr" sz="quarter" idx="11"/>
+          </p:nvPr>
+        </p:nvSpPr>
+        <p:spPr/>
+        <p:txBody>
+          <a:bodyPr/>
+          <a:lstStyle/>
+          <a:p>
+            <a:r>
+              <a:rPr lang="pt-BR" dirty="0"/>
+              <a:t>Controle de Fluxo e Exceções</a:t>
+            </a:r>
+          </a:p>
+          <a:p>
+            <a:endParaRPr lang="pt-BR" dirty="0"/>
+          </a:p>
+        </p:txBody>
+      </p:sp>
+    </p:spTree>
+    <p:extLst>
+      <p:ext uri="{BB962C8B-B14F-4D97-AF65-F5344CB8AC3E}">
+        <p14:creationId xmlns:p14="http://schemas.microsoft.com/office/powerpoint/2010/main" val="2470865896"/>
+      </p:ext>
+    </p:extLst>
+  </p:cSld>
+  <p:clrMapOvr>
+    <a:masterClrMapping/>
+  </p:clrMapOvr>
+  <p:timing>
+    <p:tnLst>
+      <p:par>
+        <p:cTn id="1" dur="indefinite" restart="never" nodeType="tmRoot"/>
+      </p:par>
+    </p:tnLst>
+  </p:timing>
+</p:sld>
+</file>
+
+<file path=ppt/slides/slide56.xml><?xml version="1.0" encoding="utf-8"?>
+<p:sld xmlns:a="http://schemas.openxmlformats.org/drawingml/2006/main" xmlns:r="http://schemas.openxmlformats.org/officeDocument/2006/relationships" xmlns:p="http://schemas.openxmlformats.org/presentationml/2006/main">
+  <p:cSld>
+    <p:spTree>
+      <p:nvGrpSpPr>
+        <p:cNvPr id="1" name=""/>
+        <p:cNvGrpSpPr/>
+        <p:nvPr/>
+      </p:nvGrpSpPr>
+      <p:grpSpPr>
+        <a:xfrm>
+          <a:off x="0" y="0"/>
+          <a:ext cx="0" cy="0"/>
+          <a:chOff x="0" y="0"/>
+          <a:chExt cx="0" cy="0"/>
+        </a:xfrm>
+      </p:grpSpPr>
+      <p:sp>
+        <p:nvSpPr>
+          <p:cNvPr id="2" name="Título 1"/>
+          <p:cNvSpPr>
+            <a:spLocks noGrp="1"/>
+          </p:cNvSpPr>
+          <p:nvPr>
+            <p:ph type="ctrTitle"/>
+          </p:nvPr>
+        </p:nvSpPr>
+        <p:spPr/>
+        <p:txBody>
+          <a:bodyPr/>
+          <a:lstStyle/>
+          <a:p>
+            <a:r>
+              <a:rPr lang="pt-BR" dirty="0" smtClean="0"/>
               <a:t>Manipulando Exceções</a:t>
             </a:r>
             <a:endParaRPr lang="pt-BR" dirty="0"/>
@@ -11318,7 +11862,7 @@
 </p:sld>
 </file>
 
-<file path=ppt/slides/slide55.xml><?xml version="1.0" encoding="utf-8"?>
+<file path=ppt/slides/slide57.xml><?xml version="1.0" encoding="utf-8"?>
 <p:sld xmlns:a="http://schemas.openxmlformats.org/drawingml/2006/main" xmlns:r="http://schemas.openxmlformats.org/officeDocument/2006/relationships" xmlns:p="http://schemas.openxmlformats.org/presentationml/2006/main">
   <p:cSld>
     <p:spTree>
@@ -11650,14 +12194,46 @@
             <a:pPr algn="just"/>
             <a:r>
               <a:rPr lang="pt-BR" dirty="0" smtClean="0"/>
-              <a:t>Precisam começar com uma letra, $ ou _. Após, podem conter quaisquer combinações de letras, caracteres monetários, conectores ou números</a:t>
+              <a:t>Precisam começar com uma </a:t>
+            </a:r>
+            <a:r>
+              <a:rPr lang="pt-BR" b="1" dirty="0" smtClean="0"/>
+              <a:t>letra</a:t>
+            </a:r>
+            <a:r>
+              <a:rPr lang="pt-BR" dirty="0" smtClean="0"/>
+              <a:t>, </a:t>
+            </a:r>
+            <a:r>
+              <a:rPr lang="pt-BR" b="1" dirty="0" smtClean="0"/>
+              <a:t>$</a:t>
+            </a:r>
+            <a:r>
+              <a:rPr lang="pt-BR" dirty="0" smtClean="0"/>
+              <a:t> ou </a:t>
+            </a:r>
+            <a:r>
+              <a:rPr lang="pt-BR" b="1" dirty="0" smtClean="0"/>
+              <a:t>_.</a:t>
+            </a:r>
+            <a:r>
+              <a:rPr lang="pt-BR" dirty="0" smtClean="0"/>
+              <a:t> Após, podem conter </a:t>
+            </a:r>
+            <a:r>
+              <a:rPr lang="pt-BR" b="1" dirty="0" smtClean="0"/>
+              <a:t>quaisquer combinações de letras, caracteres monetários, conectores ou números</a:t>
             </a:r>
           </a:p>
           <a:p>
             <a:pPr algn="just"/>
             <a:r>
-              <a:rPr lang="pt-BR" dirty="0" smtClean="0"/>
-              <a:t>Não há limite para o numero de caracteres que um identificador pode conter</a:t>
+              <a:rPr lang="pt-BR" b="1" dirty="0" smtClean="0"/>
+              <a:t>Não há limite para o numero de caracteres </a:t>
+            </a:r>
+            <a:r>
+              <a:rPr lang="pt-BR" dirty="0" smtClean="0"/>
+              <a:t>que um identificador pode conter</a:t>
             </a:r>
           </a:p>
           <a:p>
@@ -11667,7 +12243,7 @@
               <a:t>Não podemos usar </a:t>
             </a:r>
             <a:r>
-              <a:rPr lang="pt-BR" dirty="0" err="1" smtClean="0"/>
+              <a:rPr lang="pt-BR" b="1" dirty="0" err="1" smtClean="0"/>
               <a:t>keywords</a:t>
             </a:r>
             <a:r>
@@ -11679,13 +12255,17 @@
             <a:pPr algn="just"/>
             <a:r>
               <a:rPr lang="pt-BR" dirty="0" smtClean="0"/>
-              <a:t>Java é case </a:t>
-            </a:r>
-            <a:r>
-              <a:rPr lang="pt-BR" dirty="0" err="1" smtClean="0"/>
+              <a:t>Java é </a:t>
+            </a:r>
+            <a:r>
+              <a:rPr lang="pt-BR" b="1" dirty="0" smtClean="0"/>
+              <a:t>case </a:t>
+            </a:r>
+            <a:r>
+              <a:rPr lang="pt-BR" b="1" dirty="0" err="1" smtClean="0"/>
               <a:t>sensitive</a:t>
             </a:r>
-            <a:endParaRPr lang="pt-BR" dirty="0" smtClean="0"/>
+            <a:endParaRPr lang="pt-BR" b="1" dirty="0" smtClean="0"/>
           </a:p>
           <a:p>
             <a:pPr algn="just"/>
@@ -11824,54 +12404,120 @@
           <a:p>
             <a:pPr algn="just"/>
             <a:r>
-              <a:rPr lang="pt-BR" dirty="0" smtClean="0"/>
+              <a:rPr lang="pt-BR" sz="2600" dirty="0" smtClean="0"/>
               <a:t>Uso do </a:t>
             </a:r>
             <a:r>
-              <a:rPr lang="pt-BR" dirty="0" err="1" smtClean="0"/>
+              <a:rPr lang="pt-BR" sz="2600" b="1" dirty="0" err="1" smtClean="0"/>
               <a:t>CammelCase</a:t>
             </a:r>
             <a:r>
-              <a:rPr lang="pt-BR" dirty="0" smtClean="0"/>
+              <a:rPr lang="pt-BR" sz="2600" dirty="0" smtClean="0"/>
               <a:t> apropriado</a:t>
             </a:r>
           </a:p>
           <a:p>
             <a:pPr algn="just"/>
             <a:r>
-              <a:rPr lang="pt-BR" dirty="0" smtClean="0"/>
-              <a:t>Classes e Interfaces devem começar com letra maiúscula</a:t>
+              <a:rPr lang="pt-BR" sz="2600" dirty="0" smtClean="0"/>
+              <a:t>Classes e Interfaces devem começar com letra </a:t>
+            </a:r>
+            <a:r>
+              <a:rPr lang="pt-BR" sz="2600" b="1" dirty="0" smtClean="0"/>
+              <a:t>maiúscula</a:t>
             </a:r>
           </a:p>
           <a:p>
             <a:pPr algn="just"/>
             <a:r>
-              <a:rPr lang="pt-BR" dirty="0" smtClean="0"/>
-              <a:t>Métodos devem começar com letra minúscula</a:t>
+              <a:rPr lang="pt-BR" sz="2600" dirty="0" smtClean="0"/>
+              <a:t>Métodos devem começar com letra </a:t>
+            </a:r>
+            <a:r>
+              <a:rPr lang="pt-BR" sz="2600" b="1" dirty="0" smtClean="0"/>
+              <a:t>minúscula</a:t>
             </a:r>
           </a:p>
           <a:p>
             <a:pPr algn="just"/>
             <a:r>
-              <a:rPr lang="pt-BR" dirty="0" smtClean="0"/>
-              <a:t>Variáveis devem começar com letra minúscula e possuir um nome ‘curto’ com significância</a:t>
+              <a:rPr lang="pt-BR" sz="2600" dirty="0" smtClean="0"/>
+              <a:t>Variáveis devem começar com letra </a:t>
+            </a:r>
+            <a:r>
+              <a:rPr lang="pt-BR" sz="2600" b="1" dirty="0" smtClean="0"/>
+              <a:t>minúscula</a:t>
             </a:r>
           </a:p>
           <a:p>
             <a:pPr algn="just"/>
             <a:r>
-              <a:rPr lang="pt-BR" dirty="0" smtClean="0"/>
-              <a:t>Constantes devem ser criadas com </a:t>
-            </a:r>
-            <a:r>
-              <a:rPr lang="pt-BR" dirty="0" err="1" smtClean="0"/>
+              <a:rPr lang="pt-BR" sz="2600" dirty="0" smtClean="0"/>
+              <a:t>Constantes </a:t>
+            </a:r>
+            <a:r>
+              <a:rPr lang="pt-BR" sz="2600" dirty="0" smtClean="0"/>
+              <a:t>devem ser criadas com </a:t>
+            </a:r>
+            <a:r>
+              <a:rPr lang="pt-BR" sz="2600" i="1" dirty="0" err="1" smtClean="0"/>
               <a:t>static</a:t>
             </a:r>
             <a:r>
-              <a:rPr lang="pt-BR" dirty="0" smtClean="0"/>
-              <a:t> e final, em caixa alta e se necessário usar _ como separador</a:t>
-            </a:r>
-            <a:endParaRPr lang="pt-BR" dirty="0"/>
+              <a:rPr lang="pt-BR" sz="2600" dirty="0" smtClean="0"/>
+              <a:t> </a:t>
+            </a:r>
+            <a:r>
+              <a:rPr lang="pt-BR" sz="2600" dirty="0" smtClean="0"/>
+              <a:t>e </a:t>
+            </a:r>
+            <a:r>
+              <a:rPr lang="pt-BR" sz="2600" i="1" dirty="0" smtClean="0"/>
+              <a:t>final</a:t>
+            </a:r>
+            <a:r>
+              <a:rPr lang="pt-BR" sz="2600" dirty="0" smtClean="0"/>
+              <a:t>, em </a:t>
+            </a:r>
+            <a:r>
+              <a:rPr lang="pt-BR" sz="2600" b="1" dirty="0" smtClean="0"/>
+              <a:t>caixa alta </a:t>
+            </a:r>
+            <a:r>
+              <a:rPr lang="pt-BR" sz="2600" dirty="0" smtClean="0"/>
+              <a:t>e se necessário usar _ como </a:t>
+            </a:r>
+            <a:r>
+              <a:rPr lang="pt-BR" sz="2600" dirty="0" smtClean="0"/>
+              <a:t>separador</a:t>
+            </a:r>
+          </a:p>
+          <a:p>
+            <a:pPr algn="just"/>
+            <a:r>
+              <a:rPr lang="pt-BR" sz="2600" dirty="0" smtClean="0"/>
+              <a:t>É recomendado que os identificadores possuam </a:t>
+            </a:r>
+            <a:r>
+              <a:rPr lang="pt-BR" sz="2600" dirty="0"/>
+              <a:t>um nome </a:t>
+            </a:r>
+            <a:r>
+              <a:rPr lang="pt-BR" sz="2600" dirty="0" smtClean="0"/>
+              <a:t>“curto”, mas principalmente </a:t>
+            </a:r>
+            <a:r>
+              <a:rPr lang="pt-BR" sz="2600" dirty="0"/>
+              <a:t>com </a:t>
+            </a:r>
+            <a:r>
+              <a:rPr lang="pt-BR" sz="2600" b="1" dirty="0"/>
+              <a:t>significância</a:t>
+            </a:r>
+          </a:p>
+          <a:p>
+            <a:pPr algn="just"/>
+            <a:endParaRPr lang="pt-BR" sz="2600" dirty="0"/>
           </a:p>
         </p:txBody>
       </p:sp>

--- a/TreinamentoJavaSeOca/documentos/apresentação/OCA.pptx
+++ b/TreinamentoJavaSeOca/documentos/apresentação/OCA.pptx
@@ -5,10 +5,10 @@
     <p:sldMasterId id="2147483661" r:id="rId1"/>
   </p:sldMasterIdLst>
   <p:notesMasterIdLst>
-    <p:notesMasterId r:id="rId59"/>
+    <p:notesMasterId r:id="rId66"/>
   </p:notesMasterIdLst>
   <p:handoutMasterIdLst>
-    <p:handoutMasterId r:id="rId60"/>
+    <p:handoutMasterId r:id="rId67"/>
   </p:handoutMasterIdLst>
   <p:sldIdLst>
     <p:sldId id="1140" r:id="rId2"/>
@@ -52,22 +52,29 @@
     <p:sldId id="1170" r:id="rId40"/>
     <p:sldId id="1214" r:id="rId41"/>
     <p:sldId id="1171" r:id="rId42"/>
-    <p:sldId id="1172" r:id="rId43"/>
-    <p:sldId id="1173" r:id="rId44"/>
-    <p:sldId id="1174" r:id="rId45"/>
-    <p:sldId id="1175" r:id="rId46"/>
-    <p:sldId id="1176" r:id="rId47"/>
-    <p:sldId id="1177" r:id="rId48"/>
-    <p:sldId id="1178" r:id="rId49"/>
-    <p:sldId id="1179" r:id="rId50"/>
-    <p:sldId id="1180" r:id="rId51"/>
-    <p:sldId id="1181" r:id="rId52"/>
-    <p:sldId id="1182" r:id="rId53"/>
-    <p:sldId id="1183" r:id="rId54"/>
-    <p:sldId id="1184" r:id="rId55"/>
-    <p:sldId id="1185" r:id="rId56"/>
-    <p:sldId id="1186" r:id="rId57"/>
-    <p:sldId id="1187" r:id="rId58"/>
+    <p:sldId id="1215" r:id="rId43"/>
+    <p:sldId id="1172" r:id="rId44"/>
+    <p:sldId id="1216" r:id="rId45"/>
+    <p:sldId id="1217" r:id="rId46"/>
+    <p:sldId id="1173" r:id="rId47"/>
+    <p:sldId id="1218" r:id="rId48"/>
+    <p:sldId id="1219" r:id="rId49"/>
+    <p:sldId id="1174" r:id="rId50"/>
+    <p:sldId id="1220" r:id="rId51"/>
+    <p:sldId id="1221" r:id="rId52"/>
+    <p:sldId id="1175" r:id="rId53"/>
+    <p:sldId id="1176" r:id="rId54"/>
+    <p:sldId id="1177" r:id="rId55"/>
+    <p:sldId id="1178" r:id="rId56"/>
+    <p:sldId id="1179" r:id="rId57"/>
+    <p:sldId id="1180" r:id="rId58"/>
+    <p:sldId id="1181" r:id="rId59"/>
+    <p:sldId id="1182" r:id="rId60"/>
+    <p:sldId id="1183" r:id="rId61"/>
+    <p:sldId id="1184" r:id="rId62"/>
+    <p:sldId id="1185" r:id="rId63"/>
+    <p:sldId id="1186" r:id="rId64"/>
+    <p:sldId id="1187" r:id="rId65"/>
   </p:sldIdLst>
   <p:sldSz cx="9144000" cy="6858000" type="screen4x3"/>
   <p:notesSz cx="6797675" cy="9928225"/>
@@ -267,7 +274,7 @@
           <a:p>
             <a:fld id="{72522EA8-AF65-4008-82EE-AEE6414B708A}" type="datetimeFigureOut">
               <a:rPr lang="pt-BR" smtClean="0"/>
-              <a:t>05/08/2016</a:t>
+              <a:t>11/08/2016</a:t>
             </a:fld>
             <a:endParaRPr lang="pt-BR"/>
           </a:p>
@@ -432,7 +439,7 @@
           <a:p>
             <a:fld id="{7B4FF0CD-9C9F-49AC-9576-0191D2CC62A3}" type="datetimeFigureOut">
               <a:rPr lang="pt-BR" smtClean="0"/>
-              <a:t>05/08/2016</a:t>
+              <a:t>11/08/2016</a:t>
             </a:fld>
             <a:endParaRPr lang="pt-BR"/>
           </a:p>
@@ -732,7 +739,7 @@
             <a:spLocks noGrp="1" noChangeArrowheads="1"/>
             <a:extLst>
               <a:ext uri="smNativeData">
-                <pr:smNativeData xmlns="" xmlns:pr="smNativeData" val="SMDATA_12_7hxgVxMAAAAlAAAAZAAAAA0AAAAAkAAAAEgAAACQAAAASAAAAAAAAAAAAAAAAAAAAAEAAABQAAAAAAAAAAAA4D8AAAAAAADgPwAAAAAAAOA/AAAAAAAA4D8AAAAAAADgPwAAAAAAAOA/AAAAAAAA4D8AAAAAAADgPwAAAAAAAOA/AAAAAAAA4D8CAAAAjAAAAAAAAAAAAAAA////DP///wgAAAAAAAAAAAAAAAAAAAAAAAAAAAAAAAAAAAAAZAAAAAEAAABAAAAAAAAAAAAAAAAAAAAAAAAAAAAAAAAAAAAAAAAAAAAAAAAAAAAAAAAAAAAAAAAAAAAAAAAAAAAAAAAAAAAAAAAAAAAAAAAAAAAAAAAAAAAAAAAAAAAAFAAAADwAAAAAAAAAAAAAAAZJjAkUAAAAAQAAABQAAAAUAAAAFAAAAAEAAAAAAAAAZAAAAGQAAAAAAAAAZAAAAGQAAAAVAAAAYAAAAAAAAAAAAAAADwAAACADAAAAAAAAAAAAAAEAAACgMgAAVgcAAKr4//8BAAAAf39/AAEAAABkAAAAAAAAABQAAABAHwAAAAAAACYAAAAAAAAAwOD//wAAAAAmAAAAZAAAABYAAABMAAAAAAAAAAAAAAAEAAAAAAAAAAEAAACWlpYKAAAAACgAAAAoAAAAZAAAAGQAAAAAAAAAzMzMAAAAAABQAAAAUAAAAGQAAABkAAAAAAAAABcAAAAUAAAAAAAAAAAAAAD/fwAA/38AAAAAAAAJAAAABAAAAAAAAAAMAAAAEAAAAAAAAAAAAAAAAAAAAAAAAAAeAAAAaAAAAAAAAAAAAAAAAAAAAAAAAAAAAAAAECcAABAnAAAAAAAAAAAAAAAAAAAAAAAAAAAAAAAAAAAAAAAAAAAAABQAAAAAAAAAwMD/AAAAAABkAAAAMgAAAAAAAABkAAAAAAAAAH9/fwAKAAAAHwAAAFQAAAAAAAAFAAAAAQAAAAAAAAAAAAAAAAAAAAAAAAAAAAAAAAAAAAAAAAAAAAAAAn9/fwAAAAADzMzMAMDA/wB/f38AAAAAAAAAAAAAAAAAAAAAAAAAAAAhAAAAGAAAABQAAAA4BAAAwAMAANAvAAAIBwAAEAAAAA=="/>
+                <pr:smNativeData xmlns:pr="smNativeData" xmlns="" val="SMDATA_12_7hxgVxMAAAAlAAAAZAAAAA0AAAAAkAAAAEgAAACQAAAASAAAAAAAAAAAAAAAAAAAAAEAAABQAAAAAAAAAAAA4D8AAAAAAADgPwAAAAAAAOA/AAAAAAAA4D8AAAAAAADgPwAAAAAAAOA/AAAAAAAA4D8AAAAAAADgPwAAAAAAAOA/AAAAAAAA4D8CAAAAjAAAAAAAAAAAAAAA////DP///wgAAAAAAAAAAAAAAAAAAAAAAAAAAAAAAAAAAAAAZAAAAAEAAABAAAAAAAAAAAAAAAAAAAAAAAAAAAAAAAAAAAAAAAAAAAAAAAAAAAAAAAAAAAAAAAAAAAAAAAAAAAAAAAAAAAAAAAAAAAAAAAAAAAAAAAAAAAAAAAAAAAAAFAAAADwAAAAAAAAAAAAAAAZJjAkUAAAAAQAAABQAAAAUAAAAFAAAAAEAAAAAAAAAZAAAAGQAAAAAAAAAZAAAAGQAAAAVAAAAYAAAAAAAAAAAAAAADwAAACADAAAAAAAAAAAAAAEAAACgMgAAVgcAAKr4//8BAAAAf39/AAEAAABkAAAAAAAAABQAAABAHwAAAAAAACYAAAAAAAAAwOD//wAAAAAmAAAAZAAAABYAAABMAAAAAAAAAAAAAAAEAAAAAAAAAAEAAACWlpYKAAAAACgAAAAoAAAAZAAAAGQAAAAAAAAAzMzMAAAAAABQAAAAUAAAAGQAAABkAAAAAAAAABcAAAAUAAAAAAAAAAAAAAD/fwAA/38AAAAAAAAJAAAABAAAAAAAAAAMAAAAEAAAAAAAAAAAAAAAAAAAAAAAAAAeAAAAaAAAAAAAAAAAAAAAAAAAAAAAAAAAAAAAECcAABAnAAAAAAAAAAAAAAAAAAAAAAAAAAAAAAAAAAAAAAAAAAAAABQAAAAAAAAAwMD/AAAAAABkAAAAMgAAAAAAAABkAAAAAAAAAH9/fwAKAAAAHwAAAFQAAAAAAAAFAAAAAQAAAAAAAAAAAAAAAAAAAAAAAAAAAAAAAAAAAAAAAAAAAAAAAn9/fwAAAAADzMzMAMDA/wB/f38AAAAAAAAAAAAAAAAAAAAAAAAAAAAhAAAAGAAAABQAAAA4BAAAwAMAANAvAAAIBwAAEAAAAA=="/>
               </a:ext>
             </a:extLst>
           </p:cNvSpPr>
@@ -1443,7 +1450,7 @@
           <a:p>
             <a:fld id="{47A45E42-5C18-486B-B418-DCDD32841B52}" type="datetimeFigureOut">
               <a:rPr lang="pt-BR" smtClean="0"/>
-              <a:t>05/08/2016</a:t>
+              <a:t>11/08/2016</a:t>
             </a:fld>
             <a:endParaRPr lang="pt-BR"/>
           </a:p>
@@ -1626,7 +1633,7 @@
             <a:spLocks noGrp="1" noChangeArrowheads="1"/>
             <a:extLst>
               <a:ext uri="smNativeData">
-                <pr:smNativeData xmlns="" xmlns:pr="smNativeData" val="SMDATA_12_7hxgVxMAAAAlAAAAZAAAAA0AAAAAkAAAAEgAAACQAAAASAAAAAAAAAABAAAAAAAAAAEAAABQAAAAAAAAAAAA4D8AAAAAAADgPwAAAAAAAOA/AAAAAAAA4D8AAAAAAADgPwAAAAAAAOA/AAAAAAAA4D8AAAAAAADgPwAAAAAAAOA/AAAAAAAA4D8CAAAAjAAAAAAAAAAAAAAA////AP///wgAAAAAAAAAAAAAAAAAAAAAAAAAAAAAAAAAAAAAeAAAAAEAAABAAAAAAAAAAAAAAABaAAAAAAAAAAAAAAAAAAAAAAAAAAAAAAAAAAAAAAAAAAAAAAAAAAAAAAAAAAAAAAAAAAAAAAAAAAAAAAAAAAAAAAAAAAAAAAAAAAAAFAAAADwAAAAAAAAAAAAAAAAAAAAPAAAAAQAAACMAAAAjAAAAIwAAAB4AAAAAAAAAZAAAAGQAAAAAAAAAZAAAAGQAAAAVAAAAYAAAAAAAAAAAAAAADwAAACADAAAAAAAAAAAAAAEAAACgMgAAVgcAAKr4//8BAAAAf39/AAEAAABkAAAAAAAAABQAAABAHwAAAAAAACYAAAAAAAAAwOD//wAAAAAmAAAAZAAAABYAAABMAAAAAAAAAAAAAAAEAAAAAAAAAAEAAADn5uYKAAAAACgAAAAoAAAAZAAAAGQAAAAAAAAAzMzMAAAAAABQAAAAUAAAAGQAAABkAAAAAAAAABcAAAAUAAAAAAAAAAAAAAD/fwAA/38AAAAAAAAJAAAABAAAAAAAAAAMAAAAEAAAAAAAAAAAAAAAAAAAAAAAAAAeAAAAaAAAAAAAAAAAAAAAAAAAAAAAAAAAAAAAECcAABAnAAAAAAAAAAAAAAAAAAAAAAAAAAAAAAAAAAAAAAAAAAAAABQAAAAAAAAAwMD/AAAAAABkAAAAMgAAAAAAAABkAAAAAAAAAH9/fwAKAAAAHwAAAFQAAAD///8AAAAAAQAAAAAAAAAAAAAAAAAAAAAAAAAAAAAAAAAAAAAAAAAAAAAAAH9/fwAAAAADzMzMAMDA/wB/f38AAAAAAAAAAAAAAAAAAAAAAAAAAAAhAAAAGAAAABQAAAAoBQAAPwIAANhFAABnCgAAEAAAAA=="/>
+                <pr:smNativeData xmlns:pr="smNativeData" xmlns="" val="SMDATA_12_7hxgVxMAAAAlAAAAZAAAAA0AAAAAkAAAAEgAAACQAAAASAAAAAAAAAABAAAAAAAAAAEAAABQAAAAAAAAAAAA4D8AAAAAAADgPwAAAAAAAOA/AAAAAAAA4D8AAAAAAADgPwAAAAAAAOA/AAAAAAAA4D8AAAAAAADgPwAAAAAAAOA/AAAAAAAA4D8CAAAAjAAAAAAAAAAAAAAA////AP///wgAAAAAAAAAAAAAAAAAAAAAAAAAAAAAAAAAAAAAeAAAAAEAAABAAAAAAAAAAAAAAABaAAAAAAAAAAAAAAAAAAAAAAAAAAAAAAAAAAAAAAAAAAAAAAAAAAAAAAAAAAAAAAAAAAAAAAAAAAAAAAAAAAAAAAAAAAAAAAAAAAAAFAAAADwAAAAAAAAAAAAAAAAAAAAPAAAAAQAAACMAAAAjAAAAIwAAAB4AAAAAAAAAZAAAAGQAAAAAAAAAZAAAAGQAAAAVAAAAYAAAAAAAAAAAAAAADwAAACADAAAAAAAAAAAAAAEAAACgMgAAVgcAAKr4//8BAAAAf39/AAEAAABkAAAAAAAAABQAAABAHwAAAAAAACYAAAAAAAAAwOD//wAAAAAmAAAAZAAAABYAAABMAAAAAAAAAAAAAAAEAAAAAAAAAAEAAADn5uYKAAAAACgAAAAoAAAAZAAAAGQAAAAAAAAAzMzMAAAAAABQAAAAUAAAAGQAAABkAAAAAAAAABcAAAAUAAAAAAAAAAAAAAD/fwAA/38AAAAAAAAJAAAABAAAAAAAAAAMAAAAEAAAAAAAAAAAAAAAAAAAAAAAAAAeAAAAaAAAAAAAAAAAAAAAAAAAAAAAAAAAAAAAECcAABAnAAAAAAAAAAAAAAAAAAAAAAAAAAAAAAAAAAAAAAAAAAAAABQAAAAAAAAAwMD/AAAAAABkAAAAMgAAAAAAAABkAAAAAAAAAH9/fwAKAAAAHwAAAFQAAAD///8AAAAAAQAAAAAAAAAAAAAAAAAAAAAAAAAAAAAAAAAAAAAAAAAAAAAAAH9/fwAAAAADzMzMAMDA/wB/f38AAAAAAAAAAAAAAAAAAAAAAAAAAAAhAAAAGAAAABQAAAAoBQAAPwIAANhFAABnCgAAEAAAAA=="/>
               </a:ext>
             </a:extLst>
           </p:cNvSpPr>
@@ -1673,7 +1680,7 @@
             <a:spLocks noGrp="1" noChangeArrowheads="1"/>
             <a:extLst>
               <a:ext uri="smNativeData">
-                <pr:smNativeData xmlns="" xmlns:pr="smNativeData" val="SMDATA_12_7hxgVxMAAAAlAAAAZAAAAA0AAAAAkAAAAEgAAACQAAAASAAAAAAAAAAAAAAAAAAAAAEAAABQAAAAAAAAAAAA4D8AAAAAAADgPwAAAAAAAOA/AAAAAAAA4D8AAAAAAADgPwAAAAAAAOA/AAAAAAAA4D8AAAAAAADgPwAAAAAAAOA/AAAAAAAA4D8CAAAAjAAAAAAAAAAAAAAA////AP///wgAAAAAAAAAAAAAAAAAAAAAAAAAAAAAAAAAAAAAeAAAAAEAAABAAAAAAAAAAAAAAABaAAAAAAAAAAAAAAAAAAAAAAAAAAAAAAAAAAAAAAAAAAAAAAAAAAAAAAAAAAAAAAAAAAAAAAAAAAAAAAAAAAAAAAAAAAAAAAAAAAAAFAAAADwAAAAAAAAAAAAAAAAAAAAPAAAAAQAAACMAAAAjAAAAIwAAAB4AAAAAAAAAZAAAAGQAAAAAAAAAZAAAAGQAAAAVAAAAYAAAAAAAAAAAAAAADwAAACADAAAAAAAAAAAAAAEAAACgMgAAVgcAAKr4//8BAAAAf39/AAEAAABkAAAAAAAAABQAAABAHwAAAAAAACYAAAAAAAAAwOD//wAAAAAmAAAAZAAAABYAAABMAAAAAAAAAAAAAAAEAAAAAAAAAAEAAADn5uYKAAAAACgAAAAoAAAAZAAAAGQAAAAAAAAAzMzMAAAAAABQAAAAUAAAAGQAAABkAAAAAAAAABcAAAAUAAAAAAAAAAAAAAD/fwAA/38AAAAAAAAJAAAABAAAAAAAAAAMAAAAEAAAAAAAAAAAAAAAAAAAAAAAAAAeAAAAaAAAAAAAAAAAAAAAAAAAAAAAAAAAAAAAECcAABAnAAAAAAAAAAAAAAAAAAAAAAAAAAAAAAAAAAAAAAAAAAAAABQAAAAAAAAAwMD/AAAAAABkAAAAMgAAAAAAAABkAAAAAAAAAH9/fwAKAAAAHwAAAFQAAAD///8AAAAAAQAAAAAAAAAAAAAAAAAAAAAAAAAAAAAAAAAAAAAAAAAAAAAAAH9/fwAAAAADzMzMAMDA/wB/f38AAAAAAAAAAAAAAAAAAAAAAAAAAAAhAAAAGAAAABQAAAAoBQAAOwsAANhFAAAAJgAAEAAAAA=="/>
+                <pr:smNativeData xmlns:pr="smNativeData" xmlns="" val="SMDATA_12_7hxgVxMAAAAlAAAAZAAAAA0AAAAAkAAAAEgAAACQAAAASAAAAAAAAAAAAAAAAAAAAAEAAABQAAAAAAAAAAAA4D8AAAAAAADgPwAAAAAAAOA/AAAAAAAA4D8AAAAAAADgPwAAAAAAAOA/AAAAAAAA4D8AAAAAAADgPwAAAAAAAOA/AAAAAAAA4D8CAAAAjAAAAAAAAAAAAAAA////AP///wgAAAAAAAAAAAAAAAAAAAAAAAAAAAAAAAAAAAAAeAAAAAEAAABAAAAAAAAAAAAAAABaAAAAAAAAAAAAAAAAAAAAAAAAAAAAAAAAAAAAAAAAAAAAAAAAAAAAAAAAAAAAAAAAAAAAAAAAAAAAAAAAAAAAAAAAAAAAAAAAAAAAFAAAADwAAAAAAAAAAAAAAAAAAAAPAAAAAQAAACMAAAAjAAAAIwAAAB4AAAAAAAAAZAAAAGQAAAAAAAAAZAAAAGQAAAAVAAAAYAAAAAAAAAAAAAAADwAAACADAAAAAAAAAAAAAAEAAACgMgAAVgcAAKr4//8BAAAAf39/AAEAAABkAAAAAAAAABQAAABAHwAAAAAAACYAAAAAAAAAwOD//wAAAAAmAAAAZAAAABYAAABMAAAAAAAAAAAAAAAEAAAAAAAAAAEAAADn5uYKAAAAACgAAAAoAAAAZAAAAGQAAAAAAAAAzMzMAAAAAABQAAAAUAAAAGQAAABkAAAAAAAAABcAAAAUAAAAAAAAAAAAAAD/fwAA/38AAAAAAAAJAAAABAAAAAAAAAAMAAAAEAAAAAAAAAAAAAAAAAAAAAAAAAAeAAAAaAAAAAAAAAAAAAAAAAAAAAAAAAAAAAAAECcAABAnAAAAAAAAAAAAAAAAAAAAAAAAAAAAAAAAAAAAAAAAAAAAABQAAAAAAAAAwMD/AAAAAABkAAAAMgAAAAAAAABkAAAAAAAAAH9/fwAKAAAAHwAAAFQAAAD///8AAAAAAQAAAAAAAAAAAAAAAAAAAAAAAAAAAAAAAAAAAAAAAAAAAAAAAH9/fwAAAAADzMzMAMDA/wB/f38AAAAAAAAAAAAAAAAAAAAAAAAAAAAhAAAAGAAAABQAAAAoBQAAOwsAANhFAAAAJgAAEAAAAA=="/>
               </a:ext>
             </a:extLst>
           </p:cNvSpPr>
@@ -1720,7 +1727,7 @@
             <a:spLocks noGrp="1" noChangeArrowheads="1"/>
             <a:extLst>
               <a:ext uri="smNativeData">
-                <pr:smNativeData xmlns="" xmlns:pr="smNativeData" val="SMDATA_12_7hxgVxMAAAAlAAAAZAAAAA0AAAAAkAAAAEgAAACQAAAASAAAAAAAAAABAAAAAAAAAAEAAABQAAAAAAAAAAAA4D8AAAAAAADgPwAAAAAAAOA/AAAAAAAA4D8AAAAAAADgPwAAAAAAAOA/AAAAAAAA4D8AAAAAAADgPwAAAAAAAOA/AAAAAAAA4D8CAAAAjAAAAAAAAAAAAAAA////AP///wgAAAAAAAAAAAAAAAAAAAAAAAAAAAAAAAAAAAAAeAAAAAEAAABAAAAAAAAAAAAAAABaAAAAAAAAAAAAAAAAAAAAAAAAAAAAAAAAAAAAAAAAAAAAAAAAAAAAAAAAAAAAAAAAAAAAAAAAAAAAAAAAAAAAAAAAAAAAAAAAAAAAFAAAADwAAAAAAAAAAAAAAAAAAAAPAAAAAQAAACMAAAAjAAAAIwAAAB4AAAAAAAAAZAAAAGQAAAAAAAAAZAAAAGQAAAAVAAAAYAAAAAAAAAAAAAAADwAAACADAAAAAAAAAAAAAAEAAACgMgAAVgcAAKr4//8BAAAAf39/AAEAAABkAAAAAAAAABQAAABAHwAAAAAAACYAAAAAAAAAwOD//wAAAAAmAAAAZAAAABYAAABMAAAAAAAAAAAAAAAEAAAAAAAAAAEAAADn5uYKAAAAACgAAAAoAAAAZAAAAGQAAAAAAAAAzMzMAAAAAABQAAAAUAAAAGQAAABkAAAAAAAAABcAAAAUAAAAAAAAAAAAAAD/fwAA/38AAAAAAAAJAAAABAAAAAAAAAAMAAAAEAAAAAAAAAAAAAAAAAAAAAAAAAAeAAAAaAAAAAAAAAAAAAAAAAAAAAAAAAAAAAAAECcAABAnAAAAAAAAAAAAAAAAAAAAAAAAAAAAAAAAAAAAAAAAAAAAABQAAAAAAAAAwMD/AAAAAABkAAAAMgAAAAAAAABkAAAAAAAAAH9/fwAKAAAAHwAAAFQAAAD///8A////AQAAAAAAAAAAAAAAAAAAAAAAAAAAAAAAAAAAAAAAAAAAAAAAAH9/fwDn5uYDzMzMAMDA/wB/f38AAAAAAAAAAAAAAAAAAAAAAAAAAAAhAAAAGAAAABQAAAD4NAAAGicAANhFAABZKQAAEAAAAA=="/>
+                <pr:smNativeData xmlns:pr="smNativeData" xmlns="" val="SMDATA_12_7hxgVxMAAAAlAAAAZAAAAA0AAAAAkAAAAEgAAACQAAAASAAAAAAAAAABAAAAAAAAAAEAAABQAAAAAAAAAAAA4D8AAAAAAADgPwAAAAAAAOA/AAAAAAAA4D8AAAAAAADgPwAAAAAAAOA/AAAAAAAA4D8AAAAAAADgPwAAAAAAAOA/AAAAAAAA4D8CAAAAjAAAAAAAAAAAAAAA////AP///wgAAAAAAAAAAAAAAAAAAAAAAAAAAAAAAAAAAAAAeAAAAAEAAABAAAAAAAAAAAAAAABaAAAAAAAAAAAAAAAAAAAAAAAAAAAAAAAAAAAAAAAAAAAAAAAAAAAAAAAAAAAAAAAAAAAAAAAAAAAAAAAAAAAAAAAAAAAAAAAAAAAAFAAAADwAAAAAAAAAAAAAAAAAAAAPAAAAAQAAACMAAAAjAAAAIwAAAB4AAAAAAAAAZAAAAGQAAAAAAAAAZAAAAGQAAAAVAAAAYAAAAAAAAAAAAAAADwAAACADAAAAAAAAAAAAAAEAAACgMgAAVgcAAKr4//8BAAAAf39/AAEAAABkAAAAAAAAABQAAABAHwAAAAAAACYAAAAAAAAAwOD//wAAAAAmAAAAZAAAABYAAABMAAAAAAAAAAAAAAAEAAAAAAAAAAEAAADn5uYKAAAAACgAAAAoAAAAZAAAAGQAAAAAAAAAzMzMAAAAAABQAAAAUAAAAGQAAABkAAAAAAAAABcAAAAUAAAAAAAAAAAAAAD/fwAA/38AAAAAAAAJAAAABAAAAAAAAAAMAAAAEAAAAAAAAAAAAAAAAAAAAAAAAAAeAAAAaAAAAAAAAAAAAAAAAAAAAAAAAAAAAAAAECcAABAnAAAAAAAAAAAAAAAAAAAAAAAAAAAAAAAAAAAAAAAAAAAAABQAAAAAAAAAwMD/AAAAAABkAAAAMgAAAAAAAABkAAAAAAAAAH9/fwAKAAAAHwAAAFQAAAD///8A////AQAAAAAAAAAAAAAAAAAAAAAAAAAAAAAAAAAAAAAAAAAAAAAAAH9/fwDn5uYDzMzMAMDA/wB/f38AAAAAAAAAAAAAAAAAAAAAAAAAAAAhAAAAGAAAABQAAAD4NAAAGicAANhFAABZKQAAEAAAAA=="/>
               </a:ext>
             </a:extLst>
           </p:cNvSpPr>
@@ -1777,7 +1784,7 @@
             <a:spLocks noGrp="1" noChangeArrowheads="1"/>
             <a:extLst>
               <a:ext uri="smNativeData">
-                <pr:smNativeData xmlns="" xmlns:pr="smNativeData" val="SMDATA_12_7hxgVxMAAAAlAAAAZAAAAA0AAAAAkAAAAEgAAACQAAAASAAAAAAAAAABAAAAAAAAAAEAAABQAAAAAAAAAAAA4D8AAAAAAADgPwAAAAAAAOA/AAAAAAAA4D8AAAAAAADgPwAAAAAAAOA/AAAAAAAA4D8AAAAAAADgPwAAAAAAAOA/AAAAAAAA4D8CAAAAjAAAAAAAAAAAAAAA////AP///wgAAAAAAAAAAAAAAAAAAAAAAAAAAAAAAAAAAAAAeAAAAAEAAABAAAAAAAAAAAAAAABaAAAAAAAAAAAAAAAAAAAAAAAAAAAAAAAAAAAAAAAAAAAAAAAAAAAAAAAAAAAAAAAAAAAAAAAAAAAAAAAAAAAAAAAAAAAAAAAAAAAAFAAAADwAAAAAAAAAAAAAAAAAAAAPAAAAAQAAACMAAAAjAAAAIwAAAB4AAAAAAAAAZAAAAGQAAAAAAAAAZAAAAGQAAAAVAAAAYAAAAAAAAAAAAAAADwAAACADAAAAAAAAAAAAAAEAAACgMgAAVgcAAKr4//8BAAAAf39/AAEAAABkAAAAAAAAABQAAABAHwAAAAAAACYAAAAAAAAAwOD//wAAAAAmAAAAZAAAABYAAABMAAAAAAAAAAAAAAAEAAAAAAAAAAEAAADn5uYKAAAAACgAAAAoAAAAZAAAAGQAAAAAAAAAzMzMAAAAAABQAAAAUAAAAGQAAABkAAAAAAAAABcAAAAUAAAAAAAAAAAAAAD/fwAA/38AAAAAAAAJAAAABAAAAAAAAAAMAAAAEAAAAAAAAAAAAAAAAAAAAAAAAAAeAAAAaAAAAAAAAAAAAAAAAAAAAAAAAAAAAAAAECcAABAnAAAAAAAAAAAAAAAAAAAAAAAAAAAAAAAAAAAAAAAAAAAAABQAAAAAAAAAwMD/AAAAAABkAAAAMgAAAAAAAABkAAAAAAAAAH9/fwAKAAAAHwAAAFQAAAD///8A////AQAAAAAAAAAAAAAAAAAAAAAAAAAAAAAAAAAAAAAAAAAAAAAAAH9/fwDn5uYDzMzMAMDA/wB/f38AAAAAAAAAAAAAAAAAAAAAAAAAAAAhAAAAGAAAABQAAADYGAAAGicAACgyAABZKQAAEAAAAA=="/>
+                <pr:smNativeData xmlns:pr="smNativeData" xmlns="" val="SMDATA_12_7hxgVxMAAAAlAAAAZAAAAA0AAAAAkAAAAEgAAACQAAAASAAAAAAAAAABAAAAAAAAAAEAAABQAAAAAAAAAAAA4D8AAAAAAADgPwAAAAAAAOA/AAAAAAAA4D8AAAAAAADgPwAAAAAAAOA/AAAAAAAA4D8AAAAAAADgPwAAAAAAAOA/AAAAAAAA4D8CAAAAjAAAAAAAAAAAAAAA////AP///wgAAAAAAAAAAAAAAAAAAAAAAAAAAAAAAAAAAAAAeAAAAAEAAABAAAAAAAAAAAAAAABaAAAAAAAAAAAAAAAAAAAAAAAAAAAAAAAAAAAAAAAAAAAAAAAAAAAAAAAAAAAAAAAAAAAAAAAAAAAAAAAAAAAAAAAAAAAAAAAAAAAAFAAAADwAAAAAAAAAAAAAAAAAAAAPAAAAAQAAACMAAAAjAAAAIwAAAB4AAAAAAAAAZAAAAGQAAAAAAAAAZAAAAGQAAAAVAAAAYAAAAAAAAAAAAAAADwAAACADAAAAAAAAAAAAAAEAAACgMgAAVgcAAKr4//8BAAAAf39/AAEAAABkAAAAAAAAABQAAABAHwAAAAAAACYAAAAAAAAAwOD//wAAAAAmAAAAZAAAABYAAABMAAAAAAAAAAAAAAAEAAAAAAAAAAEAAADn5uYKAAAAACgAAAAoAAAAZAAAAGQAAAAAAAAAzMzMAAAAAABQAAAAUAAAAGQAAABkAAAAAAAAABcAAAAUAAAAAAAAAAAAAAD/fwAA/38AAAAAAAAJAAAABAAAAAAAAAAMAAAAEAAAAAAAAAAAAAAAAAAAAAAAAAAeAAAAaAAAAAAAAAAAAAAAAAAAAAAAAAAAAAAAECcAABAnAAAAAAAAAAAAAAAAAAAAAAAAAAAAAAAAAAAAAAAAAAAAABQAAAAAAAAAwMD/AAAAAABkAAAAMgAAAAAAAABkAAAAAAAAAH9/fwAKAAAAHwAAAFQAAAD///8A////AQAAAAAAAAAAAAAAAAAAAAAAAAAAAAAAAAAAAAAAAAAAAAAAAH9/fwDn5uYDzMzMAMDA/wB/f38AAAAAAAAAAAAAAAAAAAAAAAAAAAAhAAAAGAAAABQAAADYGAAAGicAACgyAABZKQAAEAAAAA=="/>
               </a:ext>
             </a:extLst>
           </p:cNvSpPr>
@@ -1831,7 +1838,7 @@
             <a:spLocks noGrp="1" noChangeArrowheads="1"/>
             <a:extLst>
               <a:ext uri="smNativeData">
-                <pr:smNativeData xmlns="" xmlns:pr="smNativeData" val="SMDATA_12_7hxgVxMAAAAlAAAAZAAAAA0AAAAAkAAAAEgAAACQAAAASAAAAAAAAAABAAAAAAAAAAEAAABQAAAAAAAAAAAA4D8AAAAAAADgPwAAAAAAAOA/AAAAAAAA4D8AAAAAAADgPwAAAAAAAOA/AAAAAAAA4D8AAAAAAADgPwAAAAAAAOA/AAAAAAAA4D8CAAAAjAAAAAAAAAAAAAAA////AP///wgAAAAAAAAAAAAAAAAAAAAAAAAAAAAAAAAAAAAAeAAAAAEAAABAAAAAAAAAAAAAAABaAAAAAAAAAAAAAAAAAAAAAAAAAAAAAAAAAAAAAAAAAAAAAAAAAAAAAAAAAAAAAAAAAAAAAAAAAAAAAAAAAAAAAAAAAAAAAAAAAAAAFAAAADwAAAAAAAAAAAAAAAAAAAAPAAAAAQAAACMAAAAjAAAAIwAAAB4AAAAAAAAAZAAAAGQAAAAAAAAAZAAAAGQAAAAVAAAAYAAAAAAAAAAAAAAADwAAACADAAAAAAAAAAAAAAEAAACgMgAAVgcAAKr4//8BAAAAf39/AAEAAABkAAAAAAAAABQAAABAHwAAAAAAACYAAAAAAAAAwOD//wAAAAAmAAAAZAAAABYAAABMAAAAAAAAAAAAAAAEAAAAAAAAAAEAAADn5uYKAAAAACgAAAAoAAAAZAAAAGQAAAAAAAAAzMzMAAAAAABQAAAAUAAAAGQAAABkAAAAAAAAABcAAAAUAAAAAAAAAAAAAAD/fwAA/38AAAAAAAAJAAAABAAAAAAAAAAMAAAAEAAAAAAAAAAAAAAAAAAAAAAAAAAeAAAAaAAAAAAAAAAAAAAAAAAAAAAAAAAAAAAAECcAABAnAAAAAAAAAAAAAAAAAAAAAAAAAAAAAAAAAAAAAAAAAAAAABQAAAAAAAAAwMD/AAAAAABkAAAAMgAAAAAAAABkAAAAAAAAAH9/fwAKAAAAHwAAAFQAAAD///8A////AQAAAAAAAAAAAAAAAAAAAAAAAAAAAAAAAAAAAAAAAAAAAAAAAH9/fwDn5uYDzMzMAMDA/wB/f38AAAAAAAAAAAAAAAAAAAAAAAAAAAAhAAAAGAAAABQAAAAoBQAAGicAAAgWAABZKQAAEAAAAA=="/>
+                <pr:smNativeData xmlns:pr="smNativeData" xmlns="" val="SMDATA_12_7hxgVxMAAAAlAAAAZAAAAA0AAAAAkAAAAEgAAACQAAAASAAAAAAAAAABAAAAAAAAAAEAAABQAAAAAAAAAAAA4D8AAAAAAADgPwAAAAAAAOA/AAAAAAAA4D8AAAAAAADgPwAAAAAAAOA/AAAAAAAA4D8AAAAAAADgPwAAAAAAAOA/AAAAAAAA4D8CAAAAjAAAAAAAAAAAAAAA////AP///wgAAAAAAAAAAAAAAAAAAAAAAAAAAAAAAAAAAAAAeAAAAAEAAABAAAAAAAAAAAAAAABaAAAAAAAAAAAAAAAAAAAAAAAAAAAAAAAAAAAAAAAAAAAAAAAAAAAAAAAAAAAAAAAAAAAAAAAAAAAAAAAAAAAAAAAAAAAAAAAAAAAAFAAAADwAAAAAAAAAAAAAAAAAAAAPAAAAAQAAACMAAAAjAAAAIwAAAB4AAAAAAAAAZAAAAGQAAAAAAAAAZAAAAGQAAAAVAAAAYAAAAAAAAAAAAAAADwAAACADAAAAAAAAAAAAAAEAAACgMgAAVgcAAKr4//8BAAAAf39/AAEAAABkAAAAAAAAABQAAABAHwAAAAAAACYAAAAAAAAAwOD//wAAAAAmAAAAZAAAABYAAABMAAAAAAAAAAAAAAAEAAAAAAAAAAEAAADn5uYKAAAAACgAAAAoAAAAZAAAAGQAAAAAAAAAzMzMAAAAAABQAAAAUAAAAGQAAABkAAAAAAAAABcAAAAUAAAAAAAAAAAAAAD/fwAA/38AAAAAAAAJAAAABAAAAAAAAAAMAAAAEAAAAAAAAAAAAAAAAAAAAAAAAAAeAAAAaAAAAAAAAAAAAAAAAAAAAAAAAAAAAAAAECcAABAnAAAAAAAAAAAAAAAAAAAAAAAAAAAAAAAAAAAAAAAAAAAAABQAAAAAAAAAwMD/AAAAAABkAAAAMgAAAAAAAABkAAAAAAAAAH9/fwAKAAAAHwAAAFQAAAD///8A////AQAAAAAAAAAAAAAAAAAAAAAAAAAAAAAAAAAAAAAAAAAAAAAAAH9/fwDn5uYDzMzMAMDA/wB/f38AAAAAAAAAAAAAAAAAAAAAAAAAAAAhAAAAGAAAABQAAAAoBQAAGicAAAgWAABZKQAAEAAAAA=="/>
               </a:ext>
             </a:extLst>
           </p:cNvSpPr>
@@ -2630,7 +2637,7 @@
           <p:cNvGrpSpPr>
             <a:extLst>
               <a:ext uri="smNativeData">
-                <pr:smNativeData xmlns="" xmlns:pr="smNativeData" val="SMDATA_6_7hxgVxMAAAAlAAAAAQAAAA8BAAAAkAAAAEgAAACQAAAASAAAAAAAAAAAAAAAAAAAABcAAAAUAAAAAAAAAAAAAAD/fwAA/38AAAAAAAAJAAAABAAAAAAAAAAMAAAAEAAAAAAAAAAAAAAAAAAAAAAAAAAfAAAAVAAAAAAAAAAAAAAAAAAAAAAAAAAAAAAAAAAAAAAAAAAAAAAAAAAAAAAAAAAAAAAAAAAAAAAAAAAAAAAAAAAAAAAAAAAAAAAAAAAAAAAAAAAAAAAAAAAAACEAAAAYAAAAFAAAAAAAAACEIQAAAEsAAEMmAAAQAAAA"/>
+                <pr:smNativeData xmlns:pr="smNativeData" xmlns="" val="SMDATA_6_7hxgVxMAAAAlAAAAAQAAAA8BAAAAkAAAAEgAAACQAAAASAAAAAAAAAAAAAAAAAAAABcAAAAUAAAAAAAAAAAAAAD/fwAA/38AAAAAAAAJAAAABAAAAAAAAAAMAAAAEAAAAAAAAAAAAAAAAAAAAAAAAAAfAAAAVAAAAAAAAAAAAAAAAAAAAAAAAAAAAAAAAAAAAAAAAAAAAAAAAAAAAAAAAAAAAAAAAAAAAAAAAAAAAAAAAAAAAAAAAAAAAAAAAAAAAAAAAAAAAAAAAAAAACEAAAAYAAAAFAAAAAAAAACEIQAAAEsAAEMmAAAQAAAA"/>
               </a:ext>
             </a:extLst>
           </p:cNvGrpSpPr>
@@ -2680,7 +2687,7 @@
             <p:cNvSpPr>
               <a:extLst>
                 <a:ext uri="smNativeData">
-                  <pr:smNativeData xmlns="" xmlns:pr="smNativeData" val="SMDATA_12_7hxgVxMAAAAlAAAAZAAAAA0AAAAAkAAAAEgAAACQAAAASAAAAAAAAAABAAAAAAAAAAEAAABQAAAAAAAAAAAA4D8AAAAAAADgPwAAAAAAAOA/AAAAAAAA4D8AAAAAAADgPwAAAAAAAOA/AAAAAAAA4D8AAAAAAADgPwAAAAAAAOA/AAAAAAAA4D8CAAAAjAAAAAEAAAAAAAAAVII1AP///wgAAAAAAAAAAAAAAAAAAAAAAAAAAAAAAAAAAAAAeAAAAAEAAABAAAAAAAAAAAAAAABaAAAAAAAAAAAAAAAAAAAAAAAAAAAAAAAAAAAAAAAAAAAAAAAAAAAAAAAAAAAAAAAAAAAAAAAAAAAAAAAAAAAAAAAAAAAAAAAAAAAAFAAAADwAAAAAAAAAAAAAAAZJjAkUAAAAAQAAABQAAAAUAAAAFAAAAAEAAAAAAAAAZAAAAGQAAAAAAAAAZAAAAGQAAAAVAAAAYAAAAAAAAAAAAAAADwAAACADAAAAAAAAAAAAAAEAAACgMgAAVgcAAKr4//8BAAAAf39/AAEAAABkAAAAAAAAABQAAABAHwAAAAAAACYAAAAAAAAAwOD//wAAAAAmAAAAZAAAABYAAABMAAAAAAAAAAAAAAAEAAAAAAAAAAEAAACWlpYKAAAAACgAAAAoAAAAZAAAAGQAAAAAAAAAzMzMAAAAAABQAAAAUAAAAGQAAABkAAAAAAAAABcAAAAUAAAAAAAAAAAAAAD/fwAA/38AAAAAAAAJAAAABAAAAAAAAAAMAAAAEAAAAAAAAAAAAAAAAAAAAAAAAAAeAAAAaAAAAAAAAAAAAAAAAAAAAAAAAAAAAAAAECcAABAnAAAAAAAAAAAAAAAAAAAAAAAAAAAAAAAAAAAAAAAAAAAAABQAAAAAAAAAwMD/AAAAAABkAAAAMgAAAAAAAABkAAAAAAAAAH9/fwAKAAAAHwAAAFQAAABUgjUA////AQAAAAAAAAAAAAAAAAAAAAAAAAAAAAAAAAAAAAAAAAAAAAAAAn9/fwDn5uYDzMzMAMDA/wB/f38AAAAAAAAAAAAAAAAAAAAAAAAAAAAhAAAAGAAAABQAAADLEgAAhiEAAABLAABDJgAAAAAAAA=="/>
+                  <pr:smNativeData xmlns:pr="smNativeData" xmlns="" val="SMDATA_12_7hxgVxMAAAAlAAAAZAAAAA0AAAAAkAAAAEgAAACQAAAASAAAAAAAAAABAAAAAAAAAAEAAABQAAAAAAAAAAAA4D8AAAAAAADgPwAAAAAAAOA/AAAAAAAA4D8AAAAAAADgPwAAAAAAAOA/AAAAAAAA4D8AAAAAAADgPwAAAAAAAOA/AAAAAAAA4D8CAAAAjAAAAAEAAAAAAAAAVII1AP///wgAAAAAAAAAAAAAAAAAAAAAAAAAAAAAAAAAAAAAeAAAAAEAAABAAAAAAAAAAAAAAABaAAAAAAAAAAAAAAAAAAAAAAAAAAAAAAAAAAAAAAAAAAAAAAAAAAAAAAAAAAAAAAAAAAAAAAAAAAAAAAAAAAAAAAAAAAAAAAAAAAAAFAAAADwAAAAAAAAAAAAAAAZJjAkUAAAAAQAAABQAAAAUAAAAFAAAAAEAAAAAAAAAZAAAAGQAAAAAAAAAZAAAAGQAAAAVAAAAYAAAAAAAAAAAAAAADwAAACADAAAAAAAAAAAAAAEAAACgMgAAVgcAAKr4//8BAAAAf39/AAEAAABkAAAAAAAAABQAAABAHwAAAAAAACYAAAAAAAAAwOD//wAAAAAmAAAAZAAAABYAAABMAAAAAAAAAAAAAAAEAAAAAAAAAAEAAACWlpYKAAAAACgAAAAoAAAAZAAAAGQAAAAAAAAAzMzMAAAAAABQAAAAUAAAAGQAAABkAAAAAAAAABcAAAAUAAAAAAAAAAAAAAD/fwAA/38AAAAAAAAJAAAABAAAAAAAAAAMAAAAEAAAAAAAAAAAAAAAAAAAAAAAAAAeAAAAaAAAAAAAAAAAAAAAAAAAAAAAAAAAAAAAECcAABAnAAAAAAAAAAAAAAAAAAAAAAAAAAAAAAAAAAAAAAAAAAAAABQAAAAAAAAAwMD/AAAAAABkAAAAMgAAAAAAAABkAAAAAAAAAH9/fwAKAAAAHwAAAFQAAABUgjUA////AQAAAAAAAAAAAAAAAAAAAAAAAAAAAAAAAAAAAAAAAAAAAAAAAn9/fwDn5uYDzMzMAMDA/wB/f38AAAAAAAAAAAAAAAAAAAAAAAAAAAAhAAAAGAAAABQAAADLEgAAhiEAAABLAABDJgAAAAAAAA=="/>
                 </a:ext>
               </a:extLst>
             </p:cNvSpPr>
@@ -2831,7 +2838,7 @@
             <p:cNvSpPr>
               <a:extLst>
                 <a:ext uri="smNativeData">
-                  <pr:smNativeData xmlns="" xmlns:pr="smNativeData" val="SMDATA_12_7hxgVxMAAAAlAAAAZAAAAA0AAAAAkAAAAEgAAACQAAAASAAAAAAAAAABAAAAAAAAAAEAAABQAAAAAAAAAAAA4D8AAAAAAADgPwAAAAAAAOA/AAAAAAAA4D8AAAAAAADgPwAAAAAAAOA/AAAAAAAA4D8AAAAAAADgPwAAAAAAAOA/AAAAAAAA4D8CAAAAjAAAAAEAAAAAAAAA/8AAAP///wgAAAAAAAAAAAAAAAAAAAAAAAAAAAAAAAAAAAAAeAAAAAEAAABAAAAAAAAAAAAAAABaAAAAAAAAAAAAAAAAAAAAAAAAAAAAAAAAAAAAAAAAAAAAAAAAAAAAAAAAAAAAAAAAAAAAAAAAAAAAAAAAAAAAAAAAAAAAAAAAAAAAFAAAADwAAAAAAAAAAAAAAAZJjAkUAAAAAQAAABQAAAAUAAAAFAAAAAEAAAAAAAAAZAAAAGQAAAAAAAAAZAAAAGQAAAAVAAAAYAAAAAAAAAAAAAAADwAAACADAAAAAAAAAAAAAAEAAACgMgAAVgcAAKr4//8BAAAAf39/AAEAAABkAAAAAAAAABQAAABAHwAAAAAAACYAAAAAAAAAwOD//wAAAAAmAAAAZAAAABYAAABMAAAAAAAAAAAAAAAEAAAAAAAAAAEAAACWlpYKAAAAACgAAAAoAAAAZAAAAGQAAAAAAAAAzMzMAAAAAABQAAAAUAAAAGQAAABkAAAAAAAAABcAAAAUAAAAAAAAAAAAAAD/fwAA/38AAAAAAAAJAAAABAAAAAAAAAAMAAAAEAAAAAAAAAAAAAAAAAAAAAAAAAAeAAAAaAAAAAAAAAAAAAAAAAAAAAAAAAAAAAAAECcAABAnAAAAAAAAAAAAAAAAAAAAAAAAAAAAAAAAAAAAAAAAAAAAABQAAAAAAAAAwMD/AAAAAABkAAAAMgAAAAAAAABkAAAAAAAAAH9/fwAKAAAAHwAAAFQAAAD/wAAA////AQAAAAAAAAAAAAAAAAAAAAAAAAAAAAAAAAAAAAAAAAAAAAAAAn9/fwDn5uYDzMzMAMDA/wB/f38AAAAAAAAAAAAAAAAAAAAAAAAAAAAhAAAAGAAAABQAAAAAAAAAhCEAAMsSAABBJgAAAAAAAA=="/>
+                  <pr:smNativeData xmlns:pr="smNativeData" xmlns="" val="SMDATA_12_7hxgVxMAAAAlAAAAZAAAAA0AAAAAkAAAAEgAAACQAAAASAAAAAAAAAABAAAAAAAAAAEAAABQAAAAAAAAAAAA4D8AAAAAAADgPwAAAAAAAOA/AAAAAAAA4D8AAAAAAADgPwAAAAAAAOA/AAAAAAAA4D8AAAAAAADgPwAAAAAAAOA/AAAAAAAA4D8CAAAAjAAAAAEAAAAAAAAA/8AAAP///wgAAAAAAAAAAAAAAAAAAAAAAAAAAAAAAAAAAAAAeAAAAAEAAABAAAAAAAAAAAAAAABaAAAAAAAAAAAAAAAAAAAAAAAAAAAAAAAAAAAAAAAAAAAAAAAAAAAAAAAAAAAAAAAAAAAAAAAAAAAAAAAAAAAAAAAAAAAAAAAAAAAAFAAAADwAAAAAAAAAAAAAAAZJjAkUAAAAAQAAABQAAAAUAAAAFAAAAAEAAAAAAAAAZAAAAGQAAAAAAAAAZAAAAGQAAAAVAAAAYAAAAAAAAAAAAAAADwAAACADAAAAAAAAAAAAAAEAAACgMgAAVgcAAKr4//8BAAAAf39/AAEAAABkAAAAAAAAABQAAABAHwAAAAAAACYAAAAAAAAAwOD//wAAAAAmAAAAZAAAABYAAABMAAAAAAAAAAAAAAAEAAAAAAAAAAEAAACWlpYKAAAAACgAAAAoAAAAZAAAAGQAAAAAAAAAzMzMAAAAAABQAAAAUAAAAGQAAABkAAAAAAAAABcAAAAUAAAAAAAAAAAAAAD/fwAA/38AAAAAAAAJAAAABAAAAAAAAAAMAAAAEAAAAAAAAAAAAAAAAAAAAAAAAAAeAAAAaAAAAAAAAAAAAAAAAAAAAAAAAAAAAAAAECcAABAnAAAAAAAAAAAAAAAAAAAAAAAAAAAAAAAAAAAAAAAAAAAAABQAAAAAAAAAwMD/AAAAAABkAAAAMgAAAAAAAABkAAAAAAAAAH9/fwAKAAAAHwAAAFQAAAD/wAAA////AQAAAAAAAAAAAAAAAAAAAAAAAAAAAAAAAAAAAAAAAAAAAAAAAn9/fwDn5uYDzMzMAMDA/wB/f38AAAAAAAAAAAAAAAAAAAAAAAAAAAAhAAAAGAAAABQAAAAAAAAAhCEAAMsSAABBJgAAAAAAAA=="/>
                 </a:ext>
               </a:extLst>
             </p:cNvSpPr>
@@ -2984,7 +2991,7 @@
             <a:spLocks noGrp="1" noChangeArrowheads="1"/>
             <a:extLst>
               <a:ext uri="smNativeData">
-                <pr:smNativeData xmlns="" xmlns:pr="smNativeData" val="SMDATA_12_7hxgVxMAAAAlAAAAZAAAAA0AAAAAkAAAAEgAAACQAAAASAAAAAAAAAACAAAAAAAAAAEAAABQAAAAAAAAAAAA4D8AAAAAAADgPwAAAAAAAOA/AAAAAAAA4D8AAAAAAADgPwAAAAAAAOA/AAAAAAAA4D8AAAAAAADgPwAAAAAAAOA/AAAAAAAA4D8CAAAAjAAAAAAAAAAAAAAA////DP///wgAAAAAAAAAAAAAAAAAAAAAAAAAAAAAAAAAAAAAZAAAAAEAAABAAAAAAAAAAAAAAAAAAAAAAAAAAAAAAAAAAAAAAAAAAAAAAAAAAAAAAAAAAAAAAAAAAAAAAAAAAAAAAAAAAAAAAAAAAAAAAAAAAAAAAAAAAAAAAAAAAAAAFAAAADwAAAAAAAAAAAAAAAZJjAkUAAAAAQAAABQAAAAUAAAAFAAAAAEAAAAAAAAAZAAAAGQAAAAAAAAAZAAAAGQAAAAVAAAAYAAAAAAAAAAAAAAADwAAACADAAAAAAAAAAAAAAEAAACgMgAAVgcAAKr4//8BAAAAf39/AAEAAABkAAAAAAAAABQAAABAHwAAAAAAACYAAAAAAAAAwOD//wAAAAAmAAAAZAAAABYAAABMAAAAAAAAAAAAAAAEAAAAAAAAAAEAAACWlpYKAAAAACgAAAAoAAAAZAAAAGQAAAAAAAAAzMzMAAAAAABQAAAAUAAAAGQAAABkAAAAAAAAABcAAAAUAAAAAAAAAAAAAAD/fwAA/38AAAAAAAAJAAAABAAAAAAAAAAMAAAAEAAAAAAAAAAAAAAAAAAAAAAAAAAeAAAAaAAAAAAAAAAAAAAAAAAAAAAAAAAAAAAAECcAABAnAAAAAAAAAAAAAAAAAAAAAAAAAAAAAAAAAAAAAAAAAAAAABQAAAAAAAAAwMD/AAAAAABkAAAAMgAAAAAAAABkAAAAAAAAAH9/fwAKAAAAHwAAAFQAAABbm9UF////AQAAAAAAAAAAAAAAAAAAAAAAAAAAAAAAAAAAAAAAAAAAAAAAAn9/fwDn5uYDzMzMAMDA/wB/f38AAAAAAAAAAAAAAAAAAAAAAAAAAAAhAAAAGAAAABQAAADLEgAAFQkAAItHAABTHgAAAAAAAA=="/>
+                <pr:smNativeData xmlns:pr="smNativeData" xmlns="" val="SMDATA_12_7hxgVxMAAAAlAAAAZAAAAA0AAAAAkAAAAEgAAACQAAAASAAAAAAAAAACAAAAAAAAAAEAAABQAAAAAAAAAAAA4D8AAAAAAADgPwAAAAAAAOA/AAAAAAAA4D8AAAAAAADgPwAAAAAAAOA/AAAAAAAA4D8AAAAAAADgPwAAAAAAAOA/AAAAAAAA4D8CAAAAjAAAAAAAAAAAAAAA////DP///wgAAAAAAAAAAAAAAAAAAAAAAAAAAAAAAAAAAAAAZAAAAAEAAABAAAAAAAAAAAAAAAAAAAAAAAAAAAAAAAAAAAAAAAAAAAAAAAAAAAAAAAAAAAAAAAAAAAAAAAAAAAAAAAAAAAAAAAAAAAAAAAAAAAAAAAAAAAAAAAAAAAAAFAAAADwAAAAAAAAAAAAAAAZJjAkUAAAAAQAAABQAAAAUAAAAFAAAAAEAAAAAAAAAZAAAAGQAAAAAAAAAZAAAAGQAAAAVAAAAYAAAAAAAAAAAAAAADwAAACADAAAAAAAAAAAAAAEAAACgMgAAVgcAAKr4//8BAAAAf39/AAEAAABkAAAAAAAAABQAAABAHwAAAAAAACYAAAAAAAAAwOD//wAAAAAmAAAAZAAAABYAAABMAAAAAAAAAAAAAAAEAAAAAAAAAAEAAACWlpYKAAAAACgAAAAoAAAAZAAAAGQAAAAAAAAAzMzMAAAAAABQAAAAUAAAAGQAAABkAAAAAAAAABcAAAAUAAAAAAAAAAAAAAD/fwAA/38AAAAAAAAJAAAABAAAAAAAAAAMAAAAEAAAAAAAAAAAAAAAAAAAAAAAAAAeAAAAaAAAAAAAAAAAAAAAAAAAAAAAAAAAAAAAECcAABAnAAAAAAAAAAAAAAAAAAAAAAAAAAAAAAAAAAAAAAAAAAAAABQAAAAAAAAAwMD/AAAAAABkAAAAMgAAAAAAAABkAAAAAAAAAH9/fwAKAAAAHwAAAFQAAABbm9UF////AQAAAAAAAAAAAAAAAAAAAAAAAAAAAAAAAAAAAAAAAAAAAAAAAn9/fwDn5uYDzMzMAMDA/wB/f38AAAAAAAAAAAAAAAAAAAAAAAAAAAAhAAAAGAAAABQAAADLEgAAFQkAAItHAABTHgAAAAAAAA=="/>
               </a:ext>
             </a:extLst>
           </p:cNvSpPr>
@@ -3047,7 +3054,7 @@
             <a:spLocks noGrp="1" noChangeArrowheads="1"/>
             <a:extLst>
               <a:ext uri="smNativeData">
-                <pr:smNativeData xmlns="" xmlns:pr="smNativeData" val="SMDATA_12_7hxgVxMAAAAlAAAAZAAAAA0AAAAAkAAAAEgAAACQAAAASAAAAAAAAAAAAAAAAAAAAAEAAABQAAAAAAAAAAAA4D8AAAAAAADgPwAAAAAAAOA/AAAAAAAA4D8AAAAAAADgPwAAAAAAAOA/AAAAAAAA4D8AAAAAAADgPwAAAAAAAOA/AAAAAAAA4D8CAAAAjAAAAAAAAAAAAAAA////DP///wgAAAAAAAAAAAAAAAAAAAAAAAAAAAAAAAAAAAAAZAAAAAEAAABAAAAAAAAAAAAAAAAAAAAAAAAAAAAAAAAAAAAAAAAAAAAAAAAAAAAAAAAAAAAAAAAAAAAAAAAAAAAAAAAAAAAAAAAAAAAAAAAAAAAAAAAAAAAAAAAAAAAAFAAAADwAAAAAAAAAAAAAAAZJjAkUAAAAAQAAABQAAAAUAAAAFAAAAAEAAAAAAAAAZAAAAGQAAAAAAAAAZAAAAGQAAAAVAAAAYAAAAAAAAAAAAAAADwAAACADAAAAAAAAAAAAAAEAAACgMgAAVgcAAKr4//8BAAAAf39/AAEAAABkAAAAAAAAABQAAABAHwAAAAAAACYAAAAAAAAAwOD//wAAAAAmAAAAZAAAABYAAABMAAAAAAAAAAAAAAAEAAAAAAAAAAEAAACWlpYKAAAAACgAAAAoAAAAZAAAAGQAAAAAAAAAzMzMAAAAAABQAAAAUAAAAGQAAABkAAAAAAAAABcAAAAUAAAAAAAAAAAAAAD/fwAA/38AAAAAAAAJAAAABAAAAAAAAAAMAAAAEAAAAAAAAAAAAAAAAAAAAAAAAAAeAAAAaAAAAAAAAAAAAAAAAAAAAAAAAAAAAAAAECcAABAnAAAAAAAAAAAAAAAAAAAAAAAAAAAAAAAAAAAAAAAAAAAAABQAAAAAAAAAwMD/AAAAAABkAAAAMgAAAAAAAABkAAAAAAAAAH9/fwAKAAAAHwAAAFQAAABbm9UF////AQAAAAAAAAAAAAAAAAAAAAAAAAAAAAAAAAAAAAAAAAAAAAAAAn9/fwDn5uYDzMzMAMDA/wB/f38AAAAAAAAAAAAAAAAAAAAAAAAAAAAhAAAAGAAAABQAAADAEgAAzyEAAABLAAAWJgAAEAAAAA=="/>
+                <pr:smNativeData xmlns:pr="smNativeData" xmlns="" val="SMDATA_12_7hxgVxMAAAAlAAAAZAAAAA0AAAAAkAAAAEgAAACQAAAASAAAAAAAAAAAAAAAAAAAAAEAAABQAAAAAAAAAAAA4D8AAAAAAADgPwAAAAAAAOA/AAAAAAAA4D8AAAAAAADgPwAAAAAAAOA/AAAAAAAA4D8AAAAAAADgPwAAAAAAAOA/AAAAAAAA4D8CAAAAjAAAAAAAAAAAAAAA////DP///wgAAAAAAAAAAAAAAAAAAAAAAAAAAAAAAAAAAAAAZAAAAAEAAABAAAAAAAAAAAAAAAAAAAAAAAAAAAAAAAAAAAAAAAAAAAAAAAAAAAAAAAAAAAAAAAAAAAAAAAAAAAAAAAAAAAAAAAAAAAAAAAAAAAAAAAAAAAAAAAAAAAAAFAAAADwAAAAAAAAAAAAAAAZJjAkUAAAAAQAAABQAAAAUAAAAFAAAAAEAAAAAAAAAZAAAAGQAAAAAAAAAZAAAAGQAAAAVAAAAYAAAAAAAAAAAAAAADwAAACADAAAAAAAAAAAAAAEAAACgMgAAVgcAAKr4//8BAAAAf39/AAEAAABkAAAAAAAAABQAAABAHwAAAAAAACYAAAAAAAAAwOD//wAAAAAmAAAAZAAAABYAAABMAAAAAAAAAAAAAAAEAAAAAAAAAAEAAACWlpYKAAAAACgAAAAoAAAAZAAAAGQAAAAAAAAAzMzMAAAAAABQAAAAUAAAAGQAAABkAAAAAAAAABcAAAAUAAAAAAAAAAAAAAD/fwAA/38AAAAAAAAJAAAABAAAAAAAAAAMAAAAEAAAAAAAAAAAAAAAAAAAAAAAAAAeAAAAaAAAAAAAAAAAAAAAAAAAAAAAAAAAAAAAECcAABAnAAAAAAAAAAAAAAAAAAAAAAAAAAAAAAAAAAAAAAAAAAAAABQAAAAAAAAAwMD/AAAAAABkAAAAMgAAAAAAAABkAAAAAAAAAH9/fwAKAAAAHwAAAFQAAABbm9UF////AQAAAAAAAAAAAAAAAAAAAAAAAAAAAAAAAAAAAAAAAAAAAAAAAn9/fwDn5uYDzMzMAMDA/wB/f38AAAAAAAAAAAAAAAAAAAAAAAAAAAAhAAAAGAAAABQAAADAEgAAzyEAAABLAAAWJgAAEAAAAA=="/>
               </a:ext>
             </a:extLst>
           </p:cNvSpPr>
@@ -3242,13 +3249,8 @@
             </a:r>
             <a:r>
               <a:rPr lang="pt-BR" sz="2300" dirty="0" smtClean="0"/>
-              <a:t> </a:t>
-            </a:r>
-            <a:r>
-              <a:rPr lang="pt-BR" sz="2300" dirty="0" smtClean="0"/>
-              <a:t>declarado no arquivo</a:t>
-            </a:r>
-            <a:endParaRPr lang="pt-BR" sz="2300" dirty="0" smtClean="0"/>
+              <a:t> declarado no arquivo</a:t>
+            </a:r>
           </a:p>
           <a:p>
             <a:pPr algn="just"/>
@@ -4211,13 +4213,8 @@
             </a:r>
             <a:r>
               <a:rPr lang="pt-BR" sz="2400" dirty="0" smtClean="0"/>
-              <a:t> é “poupar” declarações e fazer o código mais </a:t>
-            </a:r>
-            <a:r>
-              <a:rPr lang="pt-BR" sz="2400" dirty="0" smtClean="0"/>
-              <a:t>legível</a:t>
-            </a:r>
-            <a:endParaRPr lang="pt-BR" sz="2400" dirty="0" smtClean="0"/>
+              <a:t> é “poupar” declarações e fazer o código mais legível</a:t>
+            </a:r>
           </a:p>
           <a:p>
             <a:pPr algn="just"/>
@@ -4294,11 +4291,7 @@
             </a:r>
             <a:r>
               <a:rPr lang="pt-BR" sz="2400" b="1" dirty="0" smtClean="0"/>
-              <a:t> </a:t>
-            </a:r>
-            <a:r>
-              <a:rPr lang="pt-BR" sz="2400" b="1" dirty="0" smtClean="0"/>
-              <a:t>de um determinado </a:t>
+              <a:t> de um determinado </a:t>
             </a:r>
             <a:r>
               <a:rPr lang="pt-BR" sz="2400" b="1" dirty="0" err="1" smtClean="0"/>
@@ -4679,11 +4672,7 @@
             </a:r>
             <a:r>
               <a:rPr lang="pt-BR" sz="2200" b="1" dirty="0" smtClean="0"/>
-              <a:t>sempre terão um controle de </a:t>
-            </a:r>
-            <a:r>
-              <a:rPr lang="pt-BR" sz="2200" b="1" dirty="0" smtClean="0"/>
-              <a:t>acesso</a:t>
+              <a:t>sempre terão um controle de acesso</a:t>
             </a:r>
             <a:r>
               <a:rPr lang="pt-BR" sz="2200" dirty="0" smtClean="0"/>
@@ -4695,11 +4684,7 @@
             <a:pPr algn="just"/>
             <a:r>
               <a:rPr lang="pt-BR" sz="2200" dirty="0" smtClean="0"/>
-              <a:t>Classe </a:t>
-            </a:r>
-            <a:r>
-              <a:rPr lang="pt-BR" sz="2200" dirty="0" smtClean="0"/>
-              <a:t>pode ser declarada com os modificadores de acesso </a:t>
+              <a:t>Classe pode ser declarada com os modificadores de acesso </a:t>
             </a:r>
             <a:r>
               <a:rPr lang="pt-BR" sz="2200" b="1" dirty="0" err="1" smtClean="0"/>
@@ -5778,11 +5763,7 @@
             <a:pPr algn="just"/>
             <a:r>
               <a:rPr lang="pt-BR" dirty="0" smtClean="0"/>
-              <a:t>Por </a:t>
-            </a:r>
-            <a:r>
-              <a:rPr lang="pt-BR" dirty="0" smtClean="0"/>
-              <a:t>causa das constantes serem declaradas dentro de uma interface, não precisamos utilizar </a:t>
+              <a:t>Por causa das constantes serem declaradas dentro de uma interface, não precisamos utilizar </a:t>
             </a:r>
             <a:r>
               <a:rPr lang="pt-BR" i="1" dirty="0" err="1" smtClean="0"/>
@@ -6205,13 +6186,8 @@
             <a:pPr algn="just"/>
             <a:r>
               <a:rPr lang="pt-BR" sz="2100" dirty="0" smtClean="0"/>
-              <a:t>Modificadores de acesso não são aplicáveis dentro de variáveis </a:t>
-            </a:r>
-            <a:r>
-              <a:rPr lang="pt-BR" sz="2100" dirty="0" smtClean="0"/>
-              <a:t>locais de método</a:t>
-            </a:r>
-            <a:endParaRPr lang="pt-BR" sz="2100" dirty="0" smtClean="0"/>
+              <a:t>Modificadores de acesso não são aplicáveis dentro de variáveis locais de método</a:t>
+            </a:r>
           </a:p>
         </p:txBody>
       </p:sp>
@@ -6359,11 +6335,7 @@
             <a:pPr algn="just"/>
             <a:r>
               <a:rPr lang="pt-BR" sz="2100" dirty="0" smtClean="0"/>
-              <a:t>Classes </a:t>
-            </a:r>
-            <a:r>
-              <a:rPr lang="pt-BR" sz="2100" dirty="0" smtClean="0"/>
-              <a:t>não-abstratas </a:t>
+              <a:t>Classes não-abstratas </a:t>
             </a:r>
             <a:r>
               <a:rPr lang="pt-BR" sz="2100" b="1" dirty="0" smtClean="0"/>
@@ -6428,11 +6400,7 @@
             </a:r>
             <a:r>
               <a:rPr lang="pt-BR" sz="2100" dirty="0" smtClean="0"/>
-              <a:t> (apenas para classes e métodos</a:t>
-            </a:r>
-            <a:r>
-              <a:rPr lang="pt-BR" sz="2100" dirty="0" smtClean="0"/>
-              <a:t>)</a:t>
+              <a:t> (apenas para classes e métodos)</a:t>
             </a:r>
             <a:endParaRPr lang="pt-BR" sz="2100" b="1" dirty="0"/>
           </a:p>
@@ -6755,15 +6723,7 @@
             <a:pPr algn="just"/>
             <a:r>
               <a:rPr lang="pt-BR" sz="2100" dirty="0" smtClean="0"/>
-              <a:t>Existem </a:t>
-            </a:r>
-            <a:r>
-              <a:rPr lang="pt-BR" sz="2100" dirty="0" smtClean="0"/>
-              <a:t>três </a:t>
-            </a:r>
-            <a:r>
-              <a:rPr lang="pt-BR" sz="2100" dirty="0" smtClean="0"/>
-              <a:t>tipos de de variáveis: </a:t>
+              <a:t>Existem três tipos de de variáveis: </a:t>
             </a:r>
             <a:r>
               <a:rPr lang="pt-BR" sz="2100" b="1" dirty="0" smtClean="0"/>
@@ -6823,11 +6783,7 @@
             </a:r>
             <a:r>
               <a:rPr lang="pt-BR" sz="2100" dirty="0" smtClean="0"/>
-              <a:t>(objeto) </a:t>
-            </a:r>
-            <a:r>
-              <a:rPr lang="pt-BR" sz="2100" dirty="0" smtClean="0"/>
-              <a:t>e </a:t>
+              <a:t>(objeto) e </a:t>
             </a:r>
             <a:r>
               <a:rPr lang="pt-BR" sz="2100" b="1" dirty="0" err="1" smtClean="0"/>
@@ -6928,13 +6884,8 @@
             </a:r>
             <a:r>
               <a:rPr lang="pt-BR" sz="2100" dirty="0" smtClean="0"/>
-              <a:t>exame</a:t>
-            </a:r>
-            <a:r>
-              <a:rPr lang="pt-BR" sz="2100" dirty="0" smtClean="0"/>
-              <a:t>)</a:t>
-            </a:r>
-            <a:endParaRPr lang="pt-BR" sz="2100" dirty="0" smtClean="0"/>
+              <a:t>exame)</a:t>
+            </a:r>
           </a:p>
         </p:txBody>
       </p:sp>
@@ -7326,7 +7277,6 @@
               <a:rPr lang="pt-BR" sz="6600" dirty="0" smtClean="0"/>
               <a:t>Alguns exercícios </a:t>
             </a:r>
-            <a:endParaRPr lang="pt-BR" sz="6600" dirty="0" smtClean="0"/>
           </a:p>
           <a:p>
             <a:pPr marL="0" indent="0" algn="r">
@@ -8604,13 +8554,8 @@
             <a:pPr algn="just"/>
             <a:r>
               <a:rPr lang="pt-BR" sz="2400" dirty="0" smtClean="0"/>
-              <a:t>Classes só podem estender uma classe, mas podem implementar diversas </a:t>
-            </a:r>
-            <a:r>
-              <a:rPr lang="pt-BR" sz="2400" dirty="0" smtClean="0"/>
-              <a:t>interfaces (única forma de herança múltipla em Java)</a:t>
-            </a:r>
-            <a:endParaRPr lang="pt-BR" sz="2400" dirty="0" smtClean="0"/>
+              <a:t>Classes só podem estender uma classe, mas podem implementar diversas interfaces (única forma de herança múltipla em Java)</a:t>
+            </a:r>
           </a:p>
           <a:p>
             <a:pPr algn="just"/>
@@ -8714,12 +8659,8 @@
           <a:lstStyle/>
           <a:p>
             <a:r>
-              <a:rPr lang="pt-BR" dirty="0" err="1" smtClean="0"/>
-              <a:t>Sobrescrição</a:t>
-            </a:r>
-            <a:r>
-              <a:rPr lang="pt-BR" dirty="0" smtClean="0"/>
-              <a:t> e Sobrecarga</a:t>
+              <a:rPr lang="pt-BR" dirty="0" smtClean="0"/>
+              <a:t>Sobrescrição e Sobrecarga</a:t>
             </a:r>
             <a:endParaRPr lang="pt-BR" dirty="0"/>
           </a:p>
@@ -9649,7 +9590,11 @@
           <a:bodyPr/>
           <a:lstStyle/>
           <a:p>
-            <a:endParaRPr lang="pt-BR"/>
+            <a:r>
+              <a:rPr lang="pt-BR" dirty="0" err="1" smtClean="0"/>
+              <a:t>Casting</a:t>
+            </a:r>
+            <a:endParaRPr lang="pt-BR" dirty="0"/>
           </a:p>
         </p:txBody>
       </p:sp>
@@ -9668,7 +9613,94 @@
           <a:bodyPr/>
           <a:lstStyle/>
           <a:p>
-            <a:endParaRPr lang="pt-BR"/>
+            <a:pPr algn="just"/>
+            <a:r>
+              <a:rPr lang="pt-BR" dirty="0" smtClean="0"/>
+              <a:t>Devido a API estar restrita à da variável de referência (não o objeto em si), o </a:t>
+            </a:r>
+            <a:r>
+              <a:rPr lang="pt-BR" dirty="0" err="1" smtClean="0"/>
+              <a:t>casting</a:t>
+            </a:r>
+            <a:r>
+              <a:rPr lang="pt-BR" dirty="0" smtClean="0"/>
+              <a:t> </a:t>
+            </a:r>
+            <a:r>
+              <a:rPr lang="pt-BR" b="1" dirty="0" smtClean="0"/>
+              <a:t>permite a conversão</a:t>
+            </a:r>
+            <a:r>
+              <a:rPr lang="pt-BR" dirty="0" smtClean="0"/>
+              <a:t> para um ancestral (</a:t>
+            </a:r>
+            <a:r>
+              <a:rPr lang="pt-BR" i="1" dirty="0" err="1" smtClean="0"/>
+              <a:t>upcast</a:t>
+            </a:r>
+            <a:r>
+              <a:rPr lang="pt-BR" dirty="0" smtClean="0"/>
+              <a:t>) ou para um </a:t>
+            </a:r>
+            <a:r>
+              <a:rPr lang="pt-BR" dirty="0" err="1" smtClean="0"/>
+              <a:t>descencente</a:t>
+            </a:r>
+            <a:r>
+              <a:rPr lang="pt-BR" dirty="0" smtClean="0"/>
+              <a:t> (</a:t>
+            </a:r>
+            <a:r>
+              <a:rPr lang="pt-BR" i="1" dirty="0" err="1" smtClean="0"/>
+              <a:t>downcast</a:t>
+            </a:r>
+            <a:r>
+              <a:rPr lang="pt-BR" dirty="0" smtClean="0"/>
+              <a:t>) </a:t>
+            </a:r>
+            <a:r>
+              <a:rPr lang="pt-BR" b="1" dirty="0" smtClean="0"/>
+              <a:t>para acessarmos a API desejada</a:t>
+            </a:r>
+          </a:p>
+          <a:p>
+            <a:pPr algn="just"/>
+            <a:r>
+              <a:rPr lang="pt-BR" dirty="0" smtClean="0"/>
+              <a:t>Para </a:t>
+            </a:r>
+            <a:r>
+              <a:rPr lang="pt-BR" dirty="0" err="1" smtClean="0"/>
+              <a:t>upcasting</a:t>
+            </a:r>
+            <a:r>
+              <a:rPr lang="pt-BR" dirty="0" smtClean="0"/>
+              <a:t> é opcional o uso do </a:t>
+            </a:r>
+            <a:r>
+              <a:rPr lang="pt-BR" dirty="0" err="1" smtClean="0"/>
+              <a:t>cast</a:t>
+            </a:r>
+            <a:r>
+              <a:rPr lang="pt-BR" dirty="0" smtClean="0"/>
+              <a:t> explícito</a:t>
+            </a:r>
+          </a:p>
+          <a:p>
+            <a:pPr algn="just"/>
+            <a:r>
+              <a:rPr lang="pt-BR" dirty="0" smtClean="0"/>
+              <a:t>Existe uma forma abreviada para acessar uma API enquanto se faz o </a:t>
+            </a:r>
+            <a:r>
+              <a:rPr lang="pt-BR" dirty="0" err="1" smtClean="0"/>
+              <a:t>cast</a:t>
+            </a:r>
+            <a:endParaRPr lang="pt-BR" dirty="0" smtClean="0"/>
+          </a:p>
+          <a:p>
+            <a:pPr algn="just"/>
+            <a:endParaRPr lang="pt-BR" dirty="0"/>
           </a:p>
         </p:txBody>
       </p:sp>
@@ -9873,7 +9905,7 @@
             <a:spLocks noGrp="1"/>
           </p:cNvSpPr>
           <p:nvPr>
-            <p:ph type="ctrTitle"/>
+            <p:ph type="title"/>
           </p:nvPr>
         </p:nvSpPr>
         <p:spPr/>
@@ -9883,20 +9915,20 @@
           <a:p>
             <a:r>
               <a:rPr lang="pt-BR" dirty="0" smtClean="0"/>
-              <a:t>Tipos de Retornos Válidos</a:t>
-            </a:r>
-            <a:endParaRPr lang="pt-BR" dirty="0"/>
-          </a:p>
-        </p:txBody>
-      </p:sp>
-      <p:sp>
-        <p:nvSpPr>
-          <p:cNvPr id="3" name="Subtítulo 2"/>
-          <p:cNvSpPr>
-            <a:spLocks noGrp="1"/>
-          </p:cNvSpPr>
-          <p:nvPr>
-            <p:ph type="subTitle" idx="1"/>
+              <a:t>Implementando Interface</a:t>
+            </a:r>
+            <a:endParaRPr lang="pt-BR" dirty="0"/>
+          </a:p>
+        </p:txBody>
+      </p:sp>
+      <p:sp>
+        <p:nvSpPr>
+          <p:cNvPr id="3" name="Espaço Reservado para Conteúdo 2"/>
+          <p:cNvSpPr>
+            <a:spLocks noGrp="1"/>
+          </p:cNvSpPr>
+          <p:nvPr>
+            <p:ph idx="1"/>
           </p:nvPr>
         </p:nvSpPr>
         <p:spPr/>
@@ -9904,51 +9936,141 @@
           <a:bodyPr/>
           <a:lstStyle/>
           <a:p>
-            <a:r>
-              <a:rPr lang="pt-BR" dirty="0" smtClean="0"/>
-              <a:t>OCA </a:t>
-            </a:r>
-            <a:r>
-              <a:rPr lang="pt-BR" dirty="0" err="1" smtClean="0"/>
-              <a:t>Objectives</a:t>
-            </a:r>
-            <a:r>
-              <a:rPr lang="pt-BR" dirty="0" smtClean="0"/>
-              <a:t> 2.2, 2.5, 6.1 </a:t>
-            </a:r>
-            <a:r>
-              <a:rPr lang="pt-BR" dirty="0" err="1" smtClean="0"/>
-              <a:t>and</a:t>
-            </a:r>
-            <a:r>
-              <a:rPr lang="pt-BR" dirty="0" smtClean="0"/>
-              <a:t> 6.3</a:t>
-            </a:r>
-            <a:endParaRPr lang="pt-BR" dirty="0"/>
-          </a:p>
-        </p:txBody>
-      </p:sp>
-      <p:sp>
-        <p:nvSpPr>
-          <p:cNvPr id="4" name="Espaço Reservado para Rodapé 3"/>
-          <p:cNvSpPr>
-            <a:spLocks noGrp="1"/>
-          </p:cNvSpPr>
-          <p:nvPr>
-            <p:ph type="ftr" sz="quarter" idx="11"/>
-          </p:nvPr>
-        </p:nvSpPr>
-        <p:spPr/>
-        <p:txBody>
-          <a:bodyPr/>
-          <a:lstStyle/>
-          <a:p>
-            <a:r>
-              <a:rPr lang="pt-BR" dirty="0"/>
+            <a:pPr algn="just"/>
+            <a:r>
+              <a:rPr lang="pt-BR" sz="2400" dirty="0" smtClean="0"/>
+              <a:t>Implementar interface significa à classe </a:t>
+            </a:r>
+            <a:r>
+              <a:rPr lang="pt-BR" sz="2400" b="1" dirty="0" smtClean="0"/>
+              <a:t>estar aderente ao contrato definido na interface </a:t>
+            </a:r>
+            <a:r>
+              <a:rPr lang="pt-BR" sz="2400" dirty="0" smtClean="0"/>
+              <a:t>que está sendo implementada</a:t>
+            </a:r>
+          </a:p>
+          <a:p>
+            <a:pPr algn="just"/>
+            <a:r>
+              <a:rPr lang="pt-BR" sz="2400" dirty="0" smtClean="0"/>
+              <a:t>Classes concretas </a:t>
+            </a:r>
+            <a:r>
+              <a:rPr lang="pt-BR" sz="2400" b="1" dirty="0" smtClean="0"/>
+              <a:t>precisam</a:t>
+            </a:r>
+            <a:r>
+              <a:rPr lang="pt-BR" sz="2400" dirty="0" smtClean="0"/>
+              <a:t> implementar </a:t>
+            </a:r>
+            <a:r>
+              <a:rPr lang="pt-BR" sz="2400" b="1" dirty="0" smtClean="0"/>
+              <a:t>todos os métodos </a:t>
+            </a:r>
+            <a:r>
+              <a:rPr lang="pt-BR" sz="2400" dirty="0" smtClean="0"/>
+              <a:t>da interface (às classes abstratas é opcional a implementação)</a:t>
+            </a:r>
+          </a:p>
+          <a:p>
+            <a:pPr algn="just"/>
+            <a:r>
+              <a:rPr lang="pt-BR" sz="2400" dirty="0" smtClean="0"/>
+              <a:t>São válidas todas as regras de sobrescrição para a implementação da interface</a:t>
+            </a:r>
+          </a:p>
+          <a:p>
+            <a:pPr algn="just"/>
+            <a:r>
+              <a:rPr lang="pt-BR" sz="2400" dirty="0" smtClean="0"/>
+              <a:t>Interfaces podem </a:t>
+            </a:r>
+            <a:r>
+              <a:rPr lang="pt-BR" sz="2400" b="1" dirty="0" smtClean="0"/>
+              <a:t>estender</a:t>
+            </a:r>
+            <a:r>
+              <a:rPr lang="pt-BR" sz="2400" dirty="0" smtClean="0"/>
+              <a:t> múltiplas interfaces</a:t>
+            </a:r>
+          </a:p>
+          <a:p>
+            <a:pPr algn="just"/>
+            <a:r>
+              <a:rPr lang="pt-BR" sz="2400" dirty="0"/>
+              <a:t>Classes concretas </a:t>
+            </a:r>
+            <a:r>
+              <a:rPr lang="pt-BR" sz="2400" dirty="0" smtClean="0"/>
+              <a:t>podem </a:t>
+            </a:r>
+            <a:r>
+              <a:rPr lang="pt-BR" sz="2400" b="1" dirty="0"/>
+              <a:t>implementar</a:t>
+            </a:r>
+            <a:r>
+              <a:rPr lang="pt-BR" sz="2400" dirty="0"/>
+              <a:t> </a:t>
+            </a:r>
+            <a:r>
+              <a:rPr lang="pt-BR" sz="2400" dirty="0" smtClean="0"/>
+              <a:t>múltiplas interfaces</a:t>
+            </a:r>
+            <a:endParaRPr lang="pt-BR" sz="2400" dirty="0"/>
+          </a:p>
+          <a:p>
+            <a:pPr algn="just"/>
+            <a:endParaRPr lang="pt-BR" sz="2400" dirty="0"/>
+          </a:p>
+        </p:txBody>
+      </p:sp>
+      <p:sp>
+        <p:nvSpPr>
+          <p:cNvPr id="5" name="Espaço Reservado para Rodapé 3"/>
+          <p:cNvSpPr>
+            <a:spLocks noGrp="1"/>
+          </p:cNvSpPr>
+          <p:nvPr>
+            <p:ph type="ftr" sz="quarter" idx="13"/>
+          </p:nvPr>
+        </p:nvSpPr>
+        <p:spPr>
+          <a:prstGeom prst="rect">
+            <a:avLst/>
+          </a:prstGeom>
+        </p:spPr>
+        <p:txBody>
+          <a:bodyPr/>
+          <a:lstStyle/>
+          <a:p>
+            <a:pPr algn="ctr">
+              <a:defRPr sz="1200">
+                <a:solidFill>
+                  <a:srgbClr val="8C8C8C"/>
+                </a:solidFill>
+                <a:latin typeface="Tw Cen MT" charset="0"/>
+                <a:ea typeface="Calibri" charset="0"/>
+                <a:cs typeface="Calibri" charset="0"/>
+              </a:defRPr>
+            </a:pPr>
+            <a:r>
+              <a:rPr lang="pt-BR" dirty="0" smtClean="0"/>
               <a:t>Orientação a Objeto</a:t>
             </a:r>
-          </a:p>
-          <a:p>
+            <a:endParaRPr lang="pt-BR" dirty="0"/>
+          </a:p>
+          <a:p>
+            <a:pPr algn="ctr">
+              <a:defRPr sz="1200">
+                <a:solidFill>
+                  <a:srgbClr val="8C8C8C"/>
+                </a:solidFill>
+                <a:latin typeface="Tw Cen MT" charset="0"/>
+                <a:ea typeface="Calibri" charset="0"/>
+                <a:cs typeface="Calibri" charset="0"/>
+              </a:defRPr>
+            </a:pPr>
             <a:endParaRPr lang="pt-BR" dirty="0"/>
           </a:p>
         </p:txBody>
@@ -9956,20 +10078,13 @@
     </p:spTree>
     <p:extLst>
       <p:ext uri="{BB962C8B-B14F-4D97-AF65-F5344CB8AC3E}">
-        <p14:creationId xmlns:p14="http://schemas.microsoft.com/office/powerpoint/2010/main" val="4268053431"/>
+        <p14:creationId xmlns:p14="http://schemas.microsoft.com/office/powerpoint/2010/main" val="1287125665"/>
       </p:ext>
     </p:extLst>
   </p:cSld>
   <p:clrMapOvr>
     <a:masterClrMapping/>
   </p:clrMapOvr>
-  <p:timing>
-    <p:tnLst>
-      <p:par>
-        <p:cTn id="1" dur="indefinite" restart="never" nodeType="tmRoot"/>
-      </p:par>
-    </p:tnLst>
-  </p:timing>
 </p:sld>
 </file>
 
@@ -10007,7 +10122,7 @@
           <a:p>
             <a:r>
               <a:rPr lang="pt-BR" dirty="0" smtClean="0"/>
-              <a:t>Construtores e Instanciação</a:t>
+              <a:t>Tipos de Retornos Válidos</a:t>
             </a:r>
             <a:endParaRPr lang="pt-BR" dirty="0"/>
           </a:p>
@@ -10038,7 +10153,7 @@
             </a:r>
             <a:r>
               <a:rPr lang="pt-BR" dirty="0" smtClean="0"/>
-              <a:t> 6.4, 6.5 </a:t>
+              <a:t> 2.2, 2.5, 6.1 </a:t>
             </a:r>
             <a:r>
               <a:rPr lang="pt-BR" dirty="0" err="1" smtClean="0"/>
@@ -10046,7 +10161,7 @@
             </a:r>
             <a:r>
               <a:rPr lang="pt-BR" dirty="0" smtClean="0"/>
-              <a:t> 7.5</a:t>
+              <a:t> 6.3</a:t>
             </a:r>
             <a:endParaRPr lang="pt-BR" dirty="0"/>
           </a:p>
@@ -10080,7 +10195,7 @@
     </p:spTree>
     <p:extLst>
       <p:ext uri="{BB962C8B-B14F-4D97-AF65-F5344CB8AC3E}">
-        <p14:creationId xmlns:p14="http://schemas.microsoft.com/office/powerpoint/2010/main" val="2974867849"/>
+        <p14:creationId xmlns:p14="http://schemas.microsoft.com/office/powerpoint/2010/main" val="4268053431"/>
       </p:ext>
     </p:extLst>
   </p:cSld>
@@ -10121,7 +10236,7 @@
             <a:spLocks noGrp="1"/>
           </p:cNvSpPr>
           <p:nvPr>
-            <p:ph type="ctrTitle"/>
+            <p:ph type="title"/>
           </p:nvPr>
         </p:nvSpPr>
         <p:spPr/>
@@ -10131,28 +10246,20 @@
           <a:p>
             <a:r>
               <a:rPr lang="pt-BR" dirty="0" smtClean="0"/>
-              <a:t>Estáticos (</a:t>
-            </a:r>
-            <a:r>
-              <a:rPr lang="pt-BR" dirty="0" err="1" smtClean="0"/>
-              <a:t>Static</a:t>
-            </a:r>
-            <a:r>
-              <a:rPr lang="pt-BR" dirty="0" smtClean="0"/>
-              <a:t>)</a:t>
-            </a:r>
-            <a:endParaRPr lang="pt-BR" dirty="0"/>
-          </a:p>
-        </p:txBody>
-      </p:sp>
-      <p:sp>
-        <p:nvSpPr>
-          <p:cNvPr id="3" name="Subtítulo 2"/>
-          <p:cNvSpPr>
-            <a:spLocks noGrp="1"/>
-          </p:cNvSpPr>
-          <p:nvPr>
-            <p:ph type="subTitle" idx="1"/>
+              <a:t>Declarações de Tipo de Retorno</a:t>
+            </a:r>
+            <a:endParaRPr lang="pt-BR" dirty="0"/>
+          </a:p>
+        </p:txBody>
+      </p:sp>
+      <p:sp>
+        <p:nvSpPr>
+          <p:cNvPr id="3" name="Espaço Reservado para Conteúdo 2"/>
+          <p:cNvSpPr>
+            <a:spLocks noGrp="1"/>
+          </p:cNvSpPr>
+          <p:nvPr>
+            <p:ph idx="1"/>
           </p:nvPr>
         </p:nvSpPr>
         <p:spPr/>
@@ -10160,43 +10267,96 @@
           <a:bodyPr/>
           <a:lstStyle/>
           <a:p>
-            <a:r>
-              <a:rPr lang="pt-BR" dirty="0" smtClean="0"/>
-              <a:t>OCA </a:t>
-            </a:r>
-            <a:r>
-              <a:rPr lang="pt-BR" dirty="0" err="1" smtClean="0"/>
-              <a:t>Objectives</a:t>
-            </a:r>
-            <a:r>
-              <a:rPr lang="pt-BR" dirty="0" smtClean="0"/>
-              <a:t> 6.2</a:t>
-            </a:r>
-            <a:endParaRPr lang="pt-BR" dirty="0"/>
-          </a:p>
-        </p:txBody>
-      </p:sp>
-      <p:sp>
-        <p:nvSpPr>
-          <p:cNvPr id="4" name="Espaço Reservado para Rodapé 3"/>
-          <p:cNvSpPr>
-            <a:spLocks noGrp="1"/>
-          </p:cNvSpPr>
-          <p:nvPr>
-            <p:ph type="ftr" sz="quarter" idx="11"/>
-          </p:nvPr>
-        </p:nvSpPr>
-        <p:spPr/>
-        <p:txBody>
-          <a:bodyPr/>
-          <a:lstStyle/>
-          <a:p>
-            <a:r>
-              <a:rPr lang="pt-BR" dirty="0"/>
+            <a:pPr algn="just"/>
+            <a:r>
+              <a:rPr lang="pt-BR" dirty="0" smtClean="0"/>
+              <a:t>Para métodos sobrecarregados (reuso de nome) </a:t>
+            </a:r>
+            <a:r>
+              <a:rPr lang="pt-BR" b="1" dirty="0" smtClean="0"/>
+              <a:t>é obrigatório alterar a lista de parâmetros</a:t>
+            </a:r>
+            <a:r>
+              <a:rPr lang="pt-BR" dirty="0" smtClean="0"/>
+              <a:t>, mas opcional alterar o tipo de retorno. Cada método sobrecarregado </a:t>
+            </a:r>
+            <a:r>
+              <a:rPr lang="pt-BR" b="1" dirty="0" smtClean="0"/>
+              <a:t>pode</a:t>
+            </a:r>
+            <a:r>
+              <a:rPr lang="pt-BR" dirty="0" smtClean="0"/>
+              <a:t> retornar algum tipo (ou subtipo) para o tipo de retorno declarado</a:t>
+            </a:r>
+          </a:p>
+          <a:p>
+            <a:pPr algn="just"/>
+            <a:r>
+              <a:rPr lang="pt-BR" dirty="0" smtClean="0"/>
+              <a:t>Para métodos sobrescritos, </a:t>
+            </a:r>
+            <a:r>
+              <a:rPr lang="pt-BR" b="1" dirty="0" smtClean="0"/>
+              <a:t>é  possível alterar o retorno</a:t>
+            </a:r>
+            <a:r>
+              <a:rPr lang="pt-BR" dirty="0" smtClean="0"/>
+              <a:t> para que reflita algum </a:t>
+            </a:r>
+            <a:r>
+              <a:rPr lang="pt-BR" b="1" dirty="0" smtClean="0"/>
+              <a:t>subtipo ao declarado no método-pai</a:t>
+            </a:r>
+            <a:endParaRPr lang="pt-BR" b="1" dirty="0"/>
+          </a:p>
+        </p:txBody>
+      </p:sp>
+      <p:sp>
+        <p:nvSpPr>
+          <p:cNvPr id="5" name="Espaço Reservado para Rodapé 3"/>
+          <p:cNvSpPr>
+            <a:spLocks noGrp="1"/>
+          </p:cNvSpPr>
+          <p:nvPr>
+            <p:ph type="ftr" sz="quarter" idx="13"/>
+          </p:nvPr>
+        </p:nvSpPr>
+        <p:spPr>
+          <a:prstGeom prst="rect">
+            <a:avLst/>
+          </a:prstGeom>
+        </p:spPr>
+        <p:txBody>
+          <a:bodyPr/>
+          <a:lstStyle/>
+          <a:p>
+            <a:pPr algn="ctr">
+              <a:defRPr sz="1200">
+                <a:solidFill>
+                  <a:srgbClr val="8C8C8C"/>
+                </a:solidFill>
+                <a:latin typeface="Tw Cen MT" charset="0"/>
+                <a:ea typeface="Calibri" charset="0"/>
+                <a:cs typeface="Calibri" charset="0"/>
+              </a:defRPr>
+            </a:pPr>
+            <a:r>
+              <a:rPr lang="pt-BR" dirty="0" smtClean="0"/>
               <a:t>Orientação a Objeto</a:t>
             </a:r>
-          </a:p>
-          <a:p>
+            <a:endParaRPr lang="pt-BR" dirty="0"/>
+          </a:p>
+          <a:p>
+            <a:pPr algn="ctr">
+              <a:defRPr sz="1200">
+                <a:solidFill>
+                  <a:srgbClr val="8C8C8C"/>
+                </a:solidFill>
+                <a:latin typeface="Tw Cen MT" charset="0"/>
+                <a:ea typeface="Calibri" charset="0"/>
+                <a:cs typeface="Calibri" charset="0"/>
+              </a:defRPr>
+            </a:pPr>
             <a:endParaRPr lang="pt-BR" dirty="0"/>
           </a:p>
         </p:txBody>
@@ -10204,20 +10364,13 @@
     </p:spTree>
     <p:extLst>
       <p:ext uri="{BB962C8B-B14F-4D97-AF65-F5344CB8AC3E}">
-        <p14:creationId xmlns:p14="http://schemas.microsoft.com/office/powerpoint/2010/main" val="3849763999"/>
+        <p14:creationId xmlns:p14="http://schemas.microsoft.com/office/powerpoint/2010/main" val="217146522"/>
       </p:ext>
     </p:extLst>
   </p:cSld>
   <p:clrMapOvr>
     <a:masterClrMapping/>
   </p:clrMapOvr>
-  <p:timing>
-    <p:tnLst>
-      <p:par>
-        <p:cTn id="1" dur="indefinite" restart="never" nodeType="tmRoot"/>
-      </p:par>
-    </p:tnLst>
-  </p:timing>
 </p:sld>
 </file>
 
@@ -10245,40 +10398,30 @@
             <a:spLocks noGrp="1"/>
           </p:cNvSpPr>
           <p:nvPr>
-            <p:ph type="ctrTitle"/>
+            <p:ph type="title"/>
           </p:nvPr>
         </p:nvSpPr>
         <p:spPr/>
         <p:txBody>
-          <a:bodyPr>
-            <a:normAutofit/>
-          </a:bodyPr>
-          <a:lstStyle/>
-          <a:p>
-            <a:r>
-              <a:rPr lang="pt-BR" sz="3800" dirty="0" smtClean="0"/>
-              <a:t>Literais, </a:t>
-            </a:r>
-            <a:r>
-              <a:rPr lang="pt-BR" sz="3800" dirty="0" err="1" smtClean="0"/>
-              <a:t>Assignmentes</a:t>
-            </a:r>
-            <a:r>
-              <a:rPr lang="pt-BR" sz="3800" dirty="0" smtClean="0"/>
-              <a:t> e Variáveis</a:t>
-            </a:r>
-            <a:endParaRPr lang="pt-BR" sz="3800" dirty="0"/>
-          </a:p>
-        </p:txBody>
-      </p:sp>
-      <p:sp>
-        <p:nvSpPr>
-          <p:cNvPr id="3" name="Subtítulo 2"/>
-          <p:cNvSpPr>
-            <a:spLocks noGrp="1"/>
-          </p:cNvSpPr>
-          <p:nvPr>
-            <p:ph type="subTitle" idx="1"/>
+          <a:bodyPr/>
+          <a:lstStyle/>
+          <a:p>
+            <a:r>
+              <a:rPr lang="pt-BR" dirty="0" smtClean="0"/>
+              <a:t>Retornando um valor</a:t>
+            </a:r>
+            <a:endParaRPr lang="pt-BR" dirty="0"/>
+          </a:p>
+        </p:txBody>
+      </p:sp>
+      <p:sp>
+        <p:nvSpPr>
+          <p:cNvPr id="3" name="Espaço Reservado para Conteúdo 2"/>
+          <p:cNvSpPr>
+            <a:spLocks noGrp="1"/>
+          </p:cNvSpPr>
+          <p:nvPr>
+            <p:ph idx="1"/>
           </p:nvPr>
         </p:nvSpPr>
         <p:spPr/>
@@ -10286,27 +10429,57 @@
           <a:bodyPr/>
           <a:lstStyle/>
           <a:p>
-            <a:r>
-              <a:rPr lang="pt-BR" dirty="0" smtClean="0"/>
-              <a:t>OCA </a:t>
+            <a:pPr algn="just"/>
+            <a:r>
+              <a:rPr lang="pt-BR" dirty="0" smtClean="0"/>
+              <a:t>É possível retornar </a:t>
+            </a:r>
+            <a:r>
+              <a:rPr lang="pt-BR" i="1" dirty="0" err="1" smtClean="0"/>
+              <a:t>null</a:t>
+            </a:r>
+            <a:r>
+              <a:rPr lang="pt-BR" dirty="0" smtClean="0"/>
+              <a:t> em métodos que declaram como retorno algum tipo</a:t>
+            </a:r>
+          </a:p>
+          <a:p>
+            <a:pPr algn="just"/>
+            <a:r>
+              <a:rPr lang="pt-BR" dirty="0" smtClean="0"/>
+              <a:t>Métodos com tipo de retorno declarado como </a:t>
+            </a:r>
+            <a:r>
+              <a:rPr lang="pt-BR" i="1" dirty="0" err="1" smtClean="0"/>
+              <a:t>void</a:t>
+            </a:r>
+            <a:r>
+              <a:rPr lang="pt-BR" dirty="0" smtClean="0"/>
+              <a:t> </a:t>
+            </a:r>
+            <a:r>
+              <a:rPr lang="pt-BR" b="1" dirty="0" smtClean="0"/>
+              <a:t>não devem retornar nada </a:t>
+            </a:r>
+            <a:r>
+              <a:rPr lang="pt-BR" dirty="0" smtClean="0"/>
+              <a:t>ou apenas utilizar o termo </a:t>
             </a:r>
             <a:r>
               <a:rPr lang="pt-BR" dirty="0" err="1" smtClean="0"/>
-              <a:t>Objectives</a:t>
-            </a:r>
-            <a:r>
-              <a:rPr lang="pt-BR" dirty="0" smtClean="0"/>
-              <a:t> 2.1, 2.2, 2.3 </a:t>
-            </a:r>
-            <a:r>
-              <a:rPr lang="pt-BR" dirty="0" err="1" smtClean="0"/>
-              <a:t>and</a:t>
-            </a:r>
-            <a:r>
-              <a:rPr lang="pt-BR" dirty="0" smtClean="0"/>
-              <a:t> 1.2 upgrade</a:t>
-            </a:r>
-            <a:endParaRPr lang="pt-BR" dirty="0"/>
+              <a:t>return</a:t>
+            </a:r>
+            <a:r>
+              <a:rPr lang="pt-BR" dirty="0" smtClean="0"/>
+              <a:t> para devolver ao método chamador</a:t>
+            </a:r>
+          </a:p>
+          <a:p>
+            <a:pPr algn="just"/>
+            <a:r>
+              <a:rPr lang="pt-BR" dirty="0" smtClean="0"/>
+              <a:t>É possível retornar um subtipo ao tipo declarado no retorno</a:t>
+            </a:r>
           </a:p>
         </p:txBody>
       </p:sp>
@@ -10317,7 +10490,7 @@
             <a:spLocks noGrp="1"/>
           </p:cNvSpPr>
           <p:nvPr>
-            <p:ph type="ftr" sz="quarter" idx="11"/>
+            <p:ph type="ftr" sz="quarter" idx="13"/>
           </p:nvPr>
         </p:nvSpPr>
         <p:spPr/>
@@ -10325,31 +10498,30 @@
           <a:bodyPr/>
           <a:lstStyle/>
           <a:p>
-            <a:r>
-              <a:rPr lang="pt-BR" dirty="0" err="1" smtClean="0"/>
-              <a:t>Assignments</a:t>
-            </a:r>
-            <a:endParaRPr lang="pt-BR" dirty="0"/>
+            <a:pPr algn="ctr">
+              <a:defRPr sz="1200">
+                <a:solidFill>
+                  <a:srgbClr val="8C8C8C"/>
+                </a:solidFill>
+                <a:latin typeface="Tw Cen MT" charset="0"/>
+                <a:ea typeface="Calibri" charset="0"/>
+                <a:cs typeface="Calibri" charset="0"/>
+              </a:defRPr>
+            </a:pPr>
+            <a:endParaRPr lang="pt-BR"/>
           </a:p>
         </p:txBody>
       </p:sp>
     </p:spTree>
     <p:extLst>
       <p:ext uri="{BB962C8B-B14F-4D97-AF65-F5344CB8AC3E}">
-        <p14:creationId xmlns:p14="http://schemas.microsoft.com/office/powerpoint/2010/main" val="3169057604"/>
+        <p14:creationId xmlns:p14="http://schemas.microsoft.com/office/powerpoint/2010/main" val="3394968838"/>
       </p:ext>
     </p:extLst>
   </p:cSld>
   <p:clrMapOvr>
     <a:masterClrMapping/>
   </p:clrMapOvr>
-  <p:timing>
-    <p:tnLst>
-      <p:par>
-        <p:cTn id="1" dur="indefinite" restart="never" nodeType="tmRoot"/>
-      </p:par>
-    </p:tnLst>
-  </p:timing>
 </p:sld>
 </file>
 
@@ -10387,7 +10559,7 @@
           <a:p>
             <a:r>
               <a:rPr lang="pt-BR" dirty="0" smtClean="0"/>
-              <a:t>Escopo</a:t>
+              <a:t>Construtores e Instanciação</a:t>
             </a:r>
             <a:endParaRPr lang="pt-BR" dirty="0"/>
           </a:p>
@@ -10418,7 +10590,7 @@
             </a:r>
             <a:r>
               <a:rPr lang="pt-BR" dirty="0" smtClean="0"/>
-              <a:t> 1.1 </a:t>
+              <a:t> 6.4, 6.5 </a:t>
             </a:r>
             <a:r>
               <a:rPr lang="pt-BR" dirty="0" err="1" smtClean="0"/>
@@ -10426,34 +10598,62 @@
             </a:r>
             <a:r>
               <a:rPr lang="pt-BR" dirty="0" smtClean="0"/>
-              <a:t> 2.5</a:t>
-            </a:r>
-            <a:endParaRPr lang="pt-BR" dirty="0"/>
-          </a:p>
-        </p:txBody>
-      </p:sp>
-      <p:sp>
-        <p:nvSpPr>
-          <p:cNvPr id="4" name="Espaço Reservado para Rodapé 3"/>
-          <p:cNvSpPr>
-            <a:spLocks noGrp="1"/>
-          </p:cNvSpPr>
-          <p:nvPr>
-            <p:ph type="ftr" sz="quarter" idx="11"/>
-          </p:nvPr>
-        </p:nvSpPr>
-        <p:spPr/>
-        <p:txBody>
-          <a:bodyPr/>
-          <a:lstStyle/>
-          <a:p>
-            <a:r>
-              <a:rPr lang="pt-BR" dirty="0" err="1"/>
-              <a:t>Assignments</a:t>
-            </a:r>
-            <a:endParaRPr lang="pt-BR" dirty="0"/>
-          </a:p>
-          <a:p>
+              <a:t> 7.5</a:t>
+            </a:r>
+            <a:endParaRPr lang="pt-BR" dirty="0"/>
+          </a:p>
+        </p:txBody>
+      </p:sp>
+      <p:sp>
+        <p:nvSpPr>
+          <p:cNvPr id="5" name="Espaço Reservado para Rodapé 3"/>
+          <p:cNvSpPr>
+            <a:spLocks noGrp="1"/>
+          </p:cNvSpPr>
+          <p:nvPr>
+            <p:ph type="ftr" sz="quarter" idx="4294967295"/>
+          </p:nvPr>
+        </p:nvSpPr>
+        <p:spPr>
+          <a:xfrm>
+            <a:off x="3028950" y="6356351"/>
+            <a:ext cx="3086100" cy="365125"/>
+          </a:xfrm>
+          <a:prstGeom prst="rect">
+            <a:avLst/>
+          </a:prstGeom>
+        </p:spPr>
+        <p:txBody>
+          <a:bodyPr/>
+          <a:lstStyle/>
+          <a:p>
+            <a:pPr algn="ctr">
+              <a:defRPr sz="1200">
+                <a:solidFill>
+                  <a:srgbClr val="8C8C8C"/>
+                </a:solidFill>
+                <a:latin typeface="Tw Cen MT" charset="0"/>
+                <a:ea typeface="Calibri" charset="0"/>
+                <a:cs typeface="Calibri" charset="0"/>
+              </a:defRPr>
+            </a:pPr>
+            <a:r>
+              <a:rPr lang="pt-BR" dirty="0" smtClean="0"/>
+              <a:t>Orientação a Objeto</a:t>
+            </a:r>
+            <a:endParaRPr lang="pt-BR" dirty="0"/>
+          </a:p>
+          <a:p>
+            <a:pPr algn="ctr">
+              <a:defRPr sz="1200">
+                <a:solidFill>
+                  <a:srgbClr val="8C8C8C"/>
+                </a:solidFill>
+                <a:latin typeface="Tw Cen MT" charset="0"/>
+                <a:ea typeface="Calibri" charset="0"/>
+                <a:cs typeface="Calibri" charset="0"/>
+              </a:defRPr>
+            </a:pPr>
             <a:endParaRPr lang="pt-BR" dirty="0"/>
           </a:p>
         </p:txBody>
@@ -10461,7 +10661,7 @@
     </p:spTree>
     <p:extLst>
       <p:ext uri="{BB962C8B-B14F-4D97-AF65-F5344CB8AC3E}">
-        <p14:creationId xmlns:p14="http://schemas.microsoft.com/office/powerpoint/2010/main" val="193317867"/>
+        <p14:creationId xmlns:p14="http://schemas.microsoft.com/office/powerpoint/2010/main" val="2974867849"/>
       </p:ext>
     </p:extLst>
   </p:cSld>
@@ -10497,12 +10697,12 @@
       </p:grpSpPr>
       <p:sp>
         <p:nvSpPr>
-          <p:cNvPr id="2" name="Título 1"/>
-          <p:cNvSpPr>
-            <a:spLocks noGrp="1"/>
-          </p:cNvSpPr>
-          <p:nvPr>
-            <p:ph type="ctrTitle"/>
+          <p:cNvPr id="6" name="Título 5"/>
+          <p:cNvSpPr>
+            <a:spLocks noGrp="1"/>
+          </p:cNvSpPr>
+          <p:nvPr>
+            <p:ph type="title"/>
           </p:nvPr>
         </p:nvSpPr>
         <p:spPr/>
@@ -10512,20 +10712,20 @@
           <a:p>
             <a:r>
               <a:rPr lang="pt-BR" dirty="0" smtClean="0"/>
-              <a:t>Inicialização de Variáveis</a:t>
-            </a:r>
-            <a:endParaRPr lang="pt-BR" dirty="0"/>
-          </a:p>
-        </p:txBody>
-      </p:sp>
-      <p:sp>
-        <p:nvSpPr>
-          <p:cNvPr id="3" name="Subtítulo 2"/>
-          <p:cNvSpPr>
-            <a:spLocks noGrp="1"/>
-          </p:cNvSpPr>
-          <p:nvPr>
-            <p:ph type="subTitle" idx="1"/>
+              <a:t>Regras Gerais</a:t>
+            </a:r>
+            <a:endParaRPr lang="pt-BR" dirty="0"/>
+          </a:p>
+        </p:txBody>
+      </p:sp>
+      <p:sp>
+        <p:nvSpPr>
+          <p:cNvPr id="7" name="Espaço Reservado para Conteúdo 6"/>
+          <p:cNvSpPr>
+            <a:spLocks noGrp="1"/>
+          </p:cNvSpPr>
+          <p:nvPr>
+            <p:ph idx="1"/>
           </p:nvPr>
         </p:nvSpPr>
         <p:spPr/>
@@ -10533,41 +10733,154 @@
           <a:bodyPr/>
           <a:lstStyle/>
           <a:p>
-            <a:r>
-              <a:rPr lang="pt-BR" dirty="0" smtClean="0"/>
-              <a:t>OCA </a:t>
-            </a:r>
-            <a:r>
-              <a:rPr lang="pt-BR" dirty="0" err="1" smtClean="0"/>
-              <a:t>Objective</a:t>
-            </a:r>
-            <a:r>
-              <a:rPr lang="pt-BR" dirty="0" smtClean="0"/>
-              <a:t> 2.1</a:t>
-            </a:r>
-            <a:endParaRPr lang="pt-BR" dirty="0"/>
-          </a:p>
-        </p:txBody>
-      </p:sp>
-      <p:sp>
-        <p:nvSpPr>
-          <p:cNvPr id="4" name="Espaço Reservado para Rodapé 3"/>
-          <p:cNvSpPr>
-            <a:spLocks noGrp="1"/>
-          </p:cNvSpPr>
-          <p:nvPr>
-            <p:ph type="ftr" sz="quarter" idx="11"/>
-          </p:nvPr>
-        </p:nvSpPr>
-        <p:spPr/>
-        <p:txBody>
-          <a:bodyPr/>
-          <a:lstStyle/>
-          <a:p>
-            <a:r>
-              <a:rPr lang="pt-BR" dirty="0" err="1"/>
-              <a:t>Assignments</a:t>
-            </a:r>
+            <a:pPr algn="just"/>
+            <a:r>
+              <a:rPr lang="pt-BR" sz="2000" dirty="0" smtClean="0"/>
+              <a:t>Toda e qualquer classe </a:t>
+            </a:r>
+            <a:r>
+              <a:rPr lang="pt-BR" sz="2000" b="1" dirty="0" smtClean="0"/>
+              <a:t>deverá possuir um construtor</a:t>
+            </a:r>
+            <a:r>
+              <a:rPr lang="pt-BR" sz="2000" dirty="0" smtClean="0"/>
+              <a:t>, mesmo as abstratas</a:t>
+            </a:r>
+          </a:p>
+          <a:p>
+            <a:pPr algn="just"/>
+            <a:r>
+              <a:rPr lang="pt-BR" sz="2000" dirty="0" smtClean="0"/>
+              <a:t>Construtores </a:t>
+            </a:r>
+            <a:r>
+              <a:rPr lang="pt-BR" sz="2000" b="1" dirty="0" smtClean="0"/>
+              <a:t>não possuem retorno </a:t>
+            </a:r>
+            <a:r>
+              <a:rPr lang="pt-BR" sz="2000" dirty="0" smtClean="0"/>
+              <a:t>e devem ser declarados com mesmo nome da </a:t>
+            </a:r>
+            <a:r>
+              <a:rPr lang="pt-BR" sz="2000" dirty="0" err="1" smtClean="0"/>
+              <a:t>public</a:t>
+            </a:r>
+            <a:r>
+              <a:rPr lang="pt-BR" sz="2000" dirty="0" smtClean="0"/>
+              <a:t> class. Podem ser sobrecarregados, mas </a:t>
+            </a:r>
+            <a:r>
+              <a:rPr lang="pt-BR" sz="2000" b="1" dirty="0" smtClean="0"/>
+              <a:t>nunca sobrescritos</a:t>
+            </a:r>
+          </a:p>
+          <a:p>
+            <a:pPr algn="just"/>
+            <a:r>
+              <a:rPr lang="pt-BR" sz="2000" dirty="0" smtClean="0"/>
+              <a:t>O compilador </a:t>
+            </a:r>
+            <a:r>
+              <a:rPr lang="pt-BR" sz="2000" b="1" dirty="0" smtClean="0"/>
+              <a:t>sempre fornecerá um construtor padrão</a:t>
+            </a:r>
+            <a:r>
+              <a:rPr lang="pt-BR" sz="2000" dirty="0" smtClean="0"/>
+              <a:t>, sem argumentos e com mesmo modificador de acesso da classe, caso não forneçamos um. Caso a gente descreva um construtor, o compilador não mais irá nos fornecer um construtor padrão</a:t>
+            </a:r>
+          </a:p>
+          <a:p>
+            <a:pPr algn="just"/>
+            <a:r>
+              <a:rPr lang="pt-BR" sz="2000" dirty="0" smtClean="0"/>
+              <a:t>Construtores podem usar quaisquer modificadores de acesso</a:t>
+            </a:r>
+          </a:p>
+          <a:p>
+            <a:pPr algn="just"/>
+            <a:r>
+              <a:rPr lang="pt-BR" sz="2000" dirty="0" smtClean="0"/>
+              <a:t>Como ordem de construção, o construtor da classe após ser invocado invocará o da classe pai (até chegar ao da classe </a:t>
+            </a:r>
+            <a:r>
+              <a:rPr lang="pt-BR" sz="2000" dirty="0" err="1" smtClean="0"/>
+              <a:t>Object</a:t>
+            </a:r>
+            <a:r>
+              <a:rPr lang="pt-BR" sz="2000" dirty="0" smtClean="0"/>
+              <a:t>), ou seja, será invocado sempre uma chamada a </a:t>
+            </a:r>
+            <a:r>
+              <a:rPr lang="pt-BR" sz="2000" i="1" dirty="0" err="1" smtClean="0"/>
+              <a:t>super</a:t>
+            </a:r>
+            <a:r>
+              <a:rPr lang="pt-BR" sz="2000" dirty="0" smtClean="0"/>
+              <a:t> ou </a:t>
+            </a:r>
+            <a:r>
+              <a:rPr lang="pt-BR" sz="2000" i="1" dirty="0" err="1" smtClean="0"/>
+              <a:t>this</a:t>
+            </a:r>
+            <a:r>
+              <a:rPr lang="pt-BR" sz="2000" dirty="0" smtClean="0"/>
+              <a:t> (caso haja construtor sobrecarregado)</a:t>
+            </a:r>
+          </a:p>
+          <a:p>
+            <a:pPr marL="0" indent="0" algn="just">
+              <a:buNone/>
+            </a:pPr>
+            <a:endParaRPr lang="pt-BR" sz="2000" dirty="0"/>
+          </a:p>
+        </p:txBody>
+      </p:sp>
+      <p:sp>
+        <p:nvSpPr>
+          <p:cNvPr id="5" name="Espaço Reservado para Rodapé 3"/>
+          <p:cNvSpPr>
+            <a:spLocks noGrp="1"/>
+          </p:cNvSpPr>
+          <p:nvPr>
+            <p:ph type="ftr" sz="quarter" idx="13"/>
+          </p:nvPr>
+        </p:nvSpPr>
+        <p:spPr>
+          <a:prstGeom prst="rect">
+            <a:avLst/>
+          </a:prstGeom>
+        </p:spPr>
+        <p:txBody>
+          <a:bodyPr/>
+          <a:lstStyle/>
+          <a:p>
+            <a:pPr algn="ctr">
+              <a:defRPr sz="1200">
+                <a:solidFill>
+                  <a:srgbClr val="8C8C8C"/>
+                </a:solidFill>
+                <a:latin typeface="Tw Cen MT" charset="0"/>
+                <a:ea typeface="Calibri" charset="0"/>
+                <a:cs typeface="Calibri" charset="0"/>
+              </a:defRPr>
+            </a:pPr>
+            <a:r>
+              <a:rPr lang="pt-BR" dirty="0" smtClean="0"/>
+              <a:t>Orientação a Objeto</a:t>
+            </a:r>
+            <a:endParaRPr lang="pt-BR" dirty="0"/>
+          </a:p>
+          <a:p>
+            <a:pPr algn="ctr">
+              <a:defRPr sz="1200">
+                <a:solidFill>
+                  <a:srgbClr val="8C8C8C"/>
+                </a:solidFill>
+                <a:latin typeface="Tw Cen MT" charset="0"/>
+                <a:ea typeface="Calibri" charset="0"/>
+                <a:cs typeface="Calibri" charset="0"/>
+              </a:defRPr>
+            </a:pPr>
             <a:endParaRPr lang="pt-BR" dirty="0"/>
           </a:p>
         </p:txBody>
@@ -10575,20 +10888,13 @@
     </p:spTree>
     <p:extLst>
       <p:ext uri="{BB962C8B-B14F-4D97-AF65-F5344CB8AC3E}">
-        <p14:creationId xmlns:p14="http://schemas.microsoft.com/office/powerpoint/2010/main" val="3261889034"/>
+        <p14:creationId xmlns:p14="http://schemas.microsoft.com/office/powerpoint/2010/main" val="2209805426"/>
       </p:ext>
     </p:extLst>
   </p:cSld>
   <p:clrMapOvr>
     <a:masterClrMapping/>
   </p:clrMapOvr>
-  <p:timing>
-    <p:tnLst>
-      <p:par>
-        <p:cTn id="1" dur="indefinite" restart="never" nodeType="tmRoot"/>
-      </p:par>
-    </p:tnLst>
-  </p:timing>
 </p:sld>
 </file>
 
@@ -10616,7 +10922,7 @@
             <a:spLocks noGrp="1"/>
           </p:cNvSpPr>
           <p:nvPr>
-            <p:ph type="ctrTitle"/>
+            <p:ph type="title"/>
           </p:nvPr>
         </p:nvSpPr>
         <p:spPr/>
@@ -10626,20 +10932,20 @@
           <a:p>
             <a:r>
               <a:rPr lang="pt-BR" dirty="0" smtClean="0"/>
-              <a:t>Passando Variáveis para Métodos</a:t>
-            </a:r>
-            <a:endParaRPr lang="pt-BR" dirty="0"/>
-          </a:p>
-        </p:txBody>
-      </p:sp>
-      <p:sp>
-        <p:nvSpPr>
-          <p:cNvPr id="3" name="Subtítulo 2"/>
-          <p:cNvSpPr>
-            <a:spLocks noGrp="1"/>
-          </p:cNvSpPr>
-          <p:nvPr>
-            <p:ph type="subTitle" idx="1"/>
+              <a:t>Bloco de Inicialização</a:t>
+            </a:r>
+            <a:endParaRPr lang="pt-BR" dirty="0"/>
+          </a:p>
+        </p:txBody>
+      </p:sp>
+      <p:sp>
+        <p:nvSpPr>
+          <p:cNvPr id="3" name="Espaço Reservado para Conteúdo 2"/>
+          <p:cNvSpPr>
+            <a:spLocks noGrp="1"/>
+          </p:cNvSpPr>
+          <p:nvPr>
+            <p:ph idx="1"/>
           </p:nvPr>
         </p:nvSpPr>
         <p:spPr/>
@@ -10647,41 +10953,75 @@
           <a:bodyPr/>
           <a:lstStyle/>
           <a:p>
-            <a:r>
-              <a:rPr lang="pt-BR" dirty="0" smtClean="0"/>
-              <a:t>OCA </a:t>
-            </a:r>
-            <a:r>
-              <a:rPr lang="pt-BR" dirty="0" err="1" smtClean="0"/>
-              <a:t>Objective</a:t>
-            </a:r>
-            <a:r>
-              <a:rPr lang="pt-BR" dirty="0" smtClean="0"/>
-              <a:t> 6.8</a:t>
-            </a:r>
-            <a:endParaRPr lang="pt-BR" dirty="0"/>
-          </a:p>
-        </p:txBody>
-      </p:sp>
-      <p:sp>
-        <p:nvSpPr>
-          <p:cNvPr id="4" name="Espaço Reservado para Rodapé 3"/>
-          <p:cNvSpPr>
-            <a:spLocks noGrp="1"/>
-          </p:cNvSpPr>
-          <p:nvPr>
-            <p:ph type="ftr" sz="quarter" idx="11"/>
-          </p:nvPr>
-        </p:nvSpPr>
-        <p:spPr/>
-        <p:txBody>
-          <a:bodyPr/>
-          <a:lstStyle/>
-          <a:p>
-            <a:r>
-              <a:rPr lang="pt-BR" dirty="0" err="1"/>
-              <a:t>Assignments</a:t>
-            </a:r>
+            <a:pPr algn="just"/>
+            <a:r>
+              <a:rPr lang="pt-BR" dirty="0" smtClean="0"/>
+              <a:t>Existem três locais em uma classe onde podemos pôr código para realizar alguma operação: métodos, construtores e blocos de inicialização</a:t>
+            </a:r>
+          </a:p>
+          <a:p>
+            <a:pPr algn="just"/>
+            <a:r>
+              <a:rPr lang="pt-BR" dirty="0" smtClean="0"/>
+              <a:t>Blocos de inicialização roda quando a classe é lida pela primeira vez (bloco estático) ou quando uma instância é criada (bloco não-estático)</a:t>
+            </a:r>
+          </a:p>
+          <a:p>
+            <a:pPr algn="just"/>
+            <a:r>
+              <a:rPr lang="pt-BR" dirty="0" smtClean="0"/>
+              <a:t>Blocos de inicialização rodam antes da declaração do construtor invocado</a:t>
+            </a:r>
+            <a:endParaRPr lang="pt-BR" dirty="0"/>
+          </a:p>
+        </p:txBody>
+      </p:sp>
+      <p:sp>
+        <p:nvSpPr>
+          <p:cNvPr id="5" name="Espaço Reservado para Rodapé 3"/>
+          <p:cNvSpPr>
+            <a:spLocks noGrp="1"/>
+          </p:cNvSpPr>
+          <p:nvPr>
+            <p:ph type="ftr" sz="quarter" idx="13"/>
+          </p:nvPr>
+        </p:nvSpPr>
+        <p:spPr>
+          <a:prstGeom prst="rect">
+            <a:avLst/>
+          </a:prstGeom>
+        </p:spPr>
+        <p:txBody>
+          <a:bodyPr/>
+          <a:lstStyle/>
+          <a:p>
+            <a:pPr algn="ctr">
+              <a:defRPr sz="1200">
+                <a:solidFill>
+                  <a:srgbClr val="8C8C8C"/>
+                </a:solidFill>
+                <a:latin typeface="Tw Cen MT" charset="0"/>
+                <a:ea typeface="Calibri" charset="0"/>
+                <a:cs typeface="Calibri" charset="0"/>
+              </a:defRPr>
+            </a:pPr>
+            <a:r>
+              <a:rPr lang="pt-BR" dirty="0" smtClean="0"/>
+              <a:t>Orientação a Objeto</a:t>
+            </a:r>
+            <a:endParaRPr lang="pt-BR" dirty="0"/>
+          </a:p>
+          <a:p>
+            <a:pPr algn="ctr">
+              <a:defRPr sz="1200">
+                <a:solidFill>
+                  <a:srgbClr val="8C8C8C"/>
+                </a:solidFill>
+                <a:latin typeface="Tw Cen MT" charset="0"/>
+                <a:ea typeface="Calibri" charset="0"/>
+                <a:cs typeface="Calibri" charset="0"/>
+              </a:defRPr>
+            </a:pPr>
             <a:endParaRPr lang="pt-BR" dirty="0"/>
           </a:p>
         </p:txBody>
@@ -10689,20 +11029,13 @@
     </p:spTree>
     <p:extLst>
       <p:ext uri="{BB962C8B-B14F-4D97-AF65-F5344CB8AC3E}">
-        <p14:creationId xmlns:p14="http://schemas.microsoft.com/office/powerpoint/2010/main" val="2287116038"/>
+        <p14:creationId xmlns:p14="http://schemas.microsoft.com/office/powerpoint/2010/main" val="1929471379"/>
       </p:ext>
     </p:extLst>
   </p:cSld>
   <p:clrMapOvr>
     <a:masterClrMapping/>
   </p:clrMapOvr>
-  <p:timing>
-    <p:tnLst>
-      <p:par>
-        <p:cTn id="1" dur="indefinite" restart="never" nodeType="tmRoot"/>
-      </p:par>
-    </p:tnLst>
-  </p:timing>
 </p:sld>
 </file>
 
@@ -10740,7 +11073,15 @@
           <a:p>
             <a:r>
               <a:rPr lang="pt-BR" dirty="0" smtClean="0"/>
-              <a:t>Coletor de Lixo</a:t>
+              <a:t>Estáticos (</a:t>
+            </a:r>
+            <a:r>
+              <a:rPr lang="pt-BR" dirty="0" err="1" smtClean="0"/>
+              <a:t>Static</a:t>
+            </a:r>
+            <a:r>
+              <a:rPr lang="pt-BR" dirty="0" smtClean="0"/>
+              <a:t>)</a:t>
             </a:r>
             <a:endParaRPr lang="pt-BR" dirty="0"/>
           </a:p>
@@ -10767,35 +11108,66 @@
             </a:r>
             <a:r>
               <a:rPr lang="pt-BR" dirty="0" err="1" smtClean="0"/>
-              <a:t>Objective</a:t>
-            </a:r>
-            <a:r>
-              <a:rPr lang="pt-BR" dirty="0" smtClean="0"/>
-              <a:t> 2.4</a:t>
-            </a:r>
-            <a:endParaRPr lang="pt-BR" dirty="0"/>
-          </a:p>
-        </p:txBody>
-      </p:sp>
-      <p:sp>
-        <p:nvSpPr>
-          <p:cNvPr id="4" name="Espaço Reservado para Rodapé 3"/>
-          <p:cNvSpPr>
-            <a:spLocks noGrp="1"/>
-          </p:cNvSpPr>
-          <p:nvPr>
-            <p:ph type="ftr" sz="quarter" idx="11"/>
-          </p:nvPr>
-        </p:nvSpPr>
-        <p:spPr/>
-        <p:txBody>
-          <a:bodyPr/>
-          <a:lstStyle/>
-          <a:p>
-            <a:r>
-              <a:rPr lang="pt-BR" dirty="0" err="1"/>
-              <a:t>Assignments</a:t>
-            </a:r>
+              <a:t>Objectives</a:t>
+            </a:r>
+            <a:r>
+              <a:rPr lang="pt-BR" dirty="0" smtClean="0"/>
+              <a:t> 6.2</a:t>
+            </a:r>
+            <a:endParaRPr lang="pt-BR" dirty="0"/>
+          </a:p>
+        </p:txBody>
+      </p:sp>
+      <p:sp>
+        <p:nvSpPr>
+          <p:cNvPr id="5" name="Espaço Reservado para Rodapé 3"/>
+          <p:cNvSpPr>
+            <a:spLocks noGrp="1"/>
+          </p:cNvSpPr>
+          <p:nvPr>
+            <p:ph type="ftr" sz="quarter" idx="4294967295"/>
+          </p:nvPr>
+        </p:nvSpPr>
+        <p:spPr>
+          <a:xfrm>
+            <a:off x="3028950" y="6356351"/>
+            <a:ext cx="3086100" cy="365125"/>
+          </a:xfrm>
+          <a:prstGeom prst="rect">
+            <a:avLst/>
+          </a:prstGeom>
+        </p:spPr>
+        <p:txBody>
+          <a:bodyPr/>
+          <a:lstStyle/>
+          <a:p>
+            <a:pPr algn="ctr">
+              <a:defRPr sz="1200">
+                <a:solidFill>
+                  <a:srgbClr val="8C8C8C"/>
+                </a:solidFill>
+                <a:latin typeface="Tw Cen MT" charset="0"/>
+                <a:ea typeface="Calibri" charset="0"/>
+                <a:cs typeface="Calibri" charset="0"/>
+              </a:defRPr>
+            </a:pPr>
+            <a:r>
+              <a:rPr lang="pt-BR" dirty="0" smtClean="0"/>
+              <a:t>Orientação a Objeto</a:t>
+            </a:r>
+            <a:endParaRPr lang="pt-BR" dirty="0"/>
+          </a:p>
+          <a:p>
+            <a:pPr algn="ctr">
+              <a:defRPr sz="1200">
+                <a:solidFill>
+                  <a:srgbClr val="8C8C8C"/>
+                </a:solidFill>
+                <a:latin typeface="Tw Cen MT" charset="0"/>
+                <a:ea typeface="Calibri" charset="0"/>
+                <a:cs typeface="Calibri" charset="0"/>
+              </a:defRPr>
+            </a:pPr>
             <a:endParaRPr lang="pt-BR" dirty="0"/>
           </a:p>
         </p:txBody>
@@ -10803,7 +11175,7 @@
     </p:spTree>
     <p:extLst>
       <p:ext uri="{BB962C8B-B14F-4D97-AF65-F5344CB8AC3E}">
-        <p14:creationId xmlns:p14="http://schemas.microsoft.com/office/powerpoint/2010/main" val="1564616669"/>
+        <p14:creationId xmlns:p14="http://schemas.microsoft.com/office/powerpoint/2010/main" val="3849763999"/>
       </p:ext>
     </p:extLst>
   </p:cSld>
@@ -10945,12 +11317,12 @@
       </p:grpSpPr>
       <p:sp>
         <p:nvSpPr>
-          <p:cNvPr id="2" name="Título 1"/>
-          <p:cNvSpPr>
-            <a:spLocks noGrp="1"/>
-          </p:cNvSpPr>
-          <p:nvPr>
-            <p:ph type="ctrTitle"/>
+          <p:cNvPr id="6" name="Título 5"/>
+          <p:cNvSpPr>
+            <a:spLocks noGrp="1"/>
+          </p:cNvSpPr>
+          <p:nvPr>
+            <p:ph type="title"/>
           </p:nvPr>
         </p:nvSpPr>
         <p:spPr/>
@@ -10960,20 +11332,20 @@
           <a:p>
             <a:r>
               <a:rPr lang="pt-BR" dirty="0" smtClean="0"/>
-              <a:t>Operadores em Java</a:t>
-            </a:r>
-            <a:endParaRPr lang="pt-BR" dirty="0"/>
-          </a:p>
-        </p:txBody>
-      </p:sp>
-      <p:sp>
-        <p:nvSpPr>
-          <p:cNvPr id="3" name="Subtítulo 2"/>
-          <p:cNvSpPr>
-            <a:spLocks noGrp="1"/>
-          </p:cNvSpPr>
-          <p:nvPr>
-            <p:ph type="subTitle" idx="1"/>
+              <a:t>Variáveis Estáticas e Métodos</a:t>
+            </a:r>
+            <a:endParaRPr lang="pt-BR" dirty="0"/>
+          </a:p>
+        </p:txBody>
+      </p:sp>
+      <p:sp>
+        <p:nvSpPr>
+          <p:cNvPr id="7" name="Espaço Reservado para Conteúdo 6"/>
+          <p:cNvSpPr>
+            <a:spLocks noGrp="1"/>
+          </p:cNvSpPr>
+          <p:nvPr>
+            <p:ph idx="1"/>
           </p:nvPr>
         </p:nvSpPr>
         <p:spPr/>
@@ -10981,49 +11353,82 @@
           <a:bodyPr/>
           <a:lstStyle/>
           <a:p>
-            <a:r>
-              <a:rPr lang="pt-BR" dirty="0" smtClean="0"/>
-              <a:t>OCA </a:t>
-            </a:r>
-            <a:r>
-              <a:rPr lang="pt-BR" dirty="0" err="1" smtClean="0"/>
-              <a:t>Objectives</a:t>
-            </a:r>
-            <a:r>
-              <a:rPr lang="pt-BR" dirty="0" smtClean="0"/>
-              <a:t> 3.1, 3.2 </a:t>
-            </a:r>
-            <a:r>
-              <a:rPr lang="pt-BR" dirty="0" err="1" smtClean="0"/>
-              <a:t>and</a:t>
-            </a:r>
-            <a:r>
-              <a:rPr lang="pt-BR" dirty="0" smtClean="0"/>
-              <a:t> 3.3</a:t>
-            </a:r>
-            <a:endParaRPr lang="pt-BR" dirty="0"/>
-          </a:p>
-        </p:txBody>
-      </p:sp>
-      <p:sp>
-        <p:nvSpPr>
-          <p:cNvPr id="4" name="Espaço Reservado para Rodapé 3"/>
-          <p:cNvSpPr>
-            <a:spLocks noGrp="1"/>
-          </p:cNvSpPr>
-          <p:nvPr>
-            <p:ph type="ftr" sz="quarter" idx="11"/>
-          </p:nvPr>
-        </p:nvSpPr>
-        <p:spPr/>
-        <p:txBody>
-          <a:bodyPr/>
-          <a:lstStyle/>
-          <a:p>
-            <a:r>
-              <a:rPr lang="pt-BR" dirty="0" smtClean="0"/>
-              <a:t>Operadores</a:t>
-            </a:r>
+            <a:pPr algn="just"/>
+            <a:r>
+              <a:rPr lang="pt-BR" dirty="0" smtClean="0"/>
+              <a:t>Variáveis estáticas (classe) indefere de variáveis de instância (objeto)</a:t>
+            </a:r>
+          </a:p>
+          <a:p>
+            <a:pPr algn="just"/>
+            <a:r>
+              <a:rPr lang="pt-BR" dirty="0" smtClean="0"/>
+              <a:t>Variáveis de instância não podem ser acessadas de dentro de um contexto estático (métodos, por exemplo)</a:t>
+            </a:r>
+          </a:p>
+          <a:p>
+            <a:pPr algn="just"/>
+            <a:r>
+              <a:rPr lang="pt-BR" dirty="0" smtClean="0"/>
+              <a:t>É possível acessar uma variável estático através de uma variável de referência a uma instância da classe ou através do tipo da própria classe (modo mais apropriado)</a:t>
+            </a:r>
+          </a:p>
+          <a:p>
+            <a:pPr algn="just"/>
+            <a:endParaRPr lang="pt-BR" dirty="0"/>
+          </a:p>
+          <a:p>
+            <a:pPr algn="just"/>
+            <a:endParaRPr lang="pt-BR" dirty="0"/>
+          </a:p>
+        </p:txBody>
+      </p:sp>
+      <p:sp>
+        <p:nvSpPr>
+          <p:cNvPr id="5" name="Espaço Reservado para Rodapé 3"/>
+          <p:cNvSpPr>
+            <a:spLocks noGrp="1"/>
+          </p:cNvSpPr>
+          <p:nvPr>
+            <p:ph type="ftr" sz="quarter" idx="13"/>
+          </p:nvPr>
+        </p:nvSpPr>
+        <p:spPr>
+          <a:prstGeom prst="rect">
+            <a:avLst/>
+          </a:prstGeom>
+        </p:spPr>
+        <p:txBody>
+          <a:bodyPr/>
+          <a:lstStyle/>
+          <a:p>
+            <a:pPr algn="ctr">
+              <a:defRPr sz="1200">
+                <a:solidFill>
+                  <a:srgbClr val="8C8C8C"/>
+                </a:solidFill>
+                <a:latin typeface="Tw Cen MT" charset="0"/>
+                <a:ea typeface="Calibri" charset="0"/>
+                <a:cs typeface="Calibri" charset="0"/>
+              </a:defRPr>
+            </a:pPr>
+            <a:r>
+              <a:rPr lang="pt-BR" dirty="0" smtClean="0"/>
+              <a:t>Orientação a Objeto</a:t>
+            </a:r>
+            <a:endParaRPr lang="pt-BR" dirty="0"/>
+          </a:p>
+          <a:p>
+            <a:pPr algn="ctr">
+              <a:defRPr sz="1200">
+                <a:solidFill>
+                  <a:srgbClr val="8C8C8C"/>
+                </a:solidFill>
+                <a:latin typeface="Tw Cen MT" charset="0"/>
+                <a:ea typeface="Calibri" charset="0"/>
+                <a:cs typeface="Calibri" charset="0"/>
+              </a:defRPr>
+            </a:pPr>
             <a:endParaRPr lang="pt-BR" dirty="0"/>
           </a:p>
         </p:txBody>
@@ -11031,20 +11436,13 @@
     </p:spTree>
     <p:extLst>
       <p:ext uri="{BB962C8B-B14F-4D97-AF65-F5344CB8AC3E}">
-        <p14:creationId xmlns:p14="http://schemas.microsoft.com/office/powerpoint/2010/main" val="1039160923"/>
+        <p14:creationId xmlns:p14="http://schemas.microsoft.com/office/powerpoint/2010/main" val="867239775"/>
       </p:ext>
     </p:extLst>
   </p:cSld>
   <p:clrMapOvr>
     <a:masterClrMapping/>
   </p:clrMapOvr>
-  <p:timing>
-    <p:tnLst>
-      <p:par>
-        <p:cTn id="1" dur="indefinite" restart="never" nodeType="tmRoot"/>
-      </p:par>
-    </p:tnLst>
-  </p:timing>
 </p:sld>
 </file>
 
@@ -11067,117 +11465,100 @@
       </p:grpSpPr>
       <p:sp>
         <p:nvSpPr>
-          <p:cNvPr id="2" name="Título 1"/>
-          <p:cNvSpPr>
-            <a:spLocks noGrp="1"/>
-          </p:cNvSpPr>
-          <p:nvPr>
-            <p:ph type="ctrTitle"/>
-          </p:nvPr>
-        </p:nvSpPr>
-        <p:spPr/>
-        <p:txBody>
-          <a:bodyPr/>
-          <a:lstStyle/>
-          <a:p>
-            <a:r>
-              <a:rPr lang="pt-BR" dirty="0" smtClean="0"/>
-              <a:t>Usando </a:t>
-            </a:r>
-            <a:r>
-              <a:rPr lang="pt-BR" dirty="0" err="1" smtClean="0"/>
-              <a:t>Strings</a:t>
-            </a:r>
-            <a:r>
-              <a:rPr lang="pt-BR" dirty="0" smtClean="0"/>
-              <a:t> e </a:t>
-            </a:r>
-            <a:r>
-              <a:rPr lang="pt-BR" dirty="0" err="1" smtClean="0"/>
-              <a:t>StringBuilder</a:t>
-            </a:r>
-            <a:endParaRPr lang="pt-BR" dirty="0"/>
-          </a:p>
-        </p:txBody>
-      </p:sp>
-      <p:sp>
-        <p:nvSpPr>
-          <p:cNvPr id="3" name="Subtítulo 2"/>
-          <p:cNvSpPr>
-            <a:spLocks noGrp="1"/>
-          </p:cNvSpPr>
-          <p:nvPr>
-            <p:ph type="subTitle" idx="1"/>
-          </p:nvPr>
-        </p:nvSpPr>
-        <p:spPr/>
-        <p:txBody>
-          <a:bodyPr/>
-          <a:lstStyle/>
-          <a:p>
-            <a:r>
-              <a:rPr lang="pt-BR" dirty="0" smtClean="0"/>
-              <a:t>OCA </a:t>
-            </a:r>
-            <a:r>
-              <a:rPr lang="pt-BR" dirty="0" err="1" smtClean="0"/>
-              <a:t>Objectives</a:t>
-            </a:r>
-            <a:r>
-              <a:rPr lang="pt-BR" dirty="0" smtClean="0"/>
-              <a:t> 2.7 </a:t>
-            </a:r>
-            <a:r>
-              <a:rPr lang="pt-BR" dirty="0" err="1" smtClean="0"/>
-              <a:t>and</a:t>
-            </a:r>
-            <a:r>
-              <a:rPr lang="pt-BR" dirty="0" smtClean="0"/>
-              <a:t> 2.6</a:t>
-            </a:r>
-            <a:endParaRPr lang="pt-BR" dirty="0"/>
-          </a:p>
-        </p:txBody>
-      </p:sp>
-      <p:sp>
-        <p:nvSpPr>
-          <p:cNvPr id="4" name="Espaço Reservado para Rodapé 3"/>
-          <p:cNvSpPr>
-            <a:spLocks noGrp="1"/>
-          </p:cNvSpPr>
-          <p:nvPr>
-            <p:ph type="ftr" sz="quarter" idx="11"/>
-          </p:nvPr>
-        </p:nvSpPr>
-        <p:spPr/>
-        <p:txBody>
-          <a:bodyPr/>
-          <a:lstStyle/>
-          <a:p>
-            <a:r>
-              <a:rPr lang="pt-BR" dirty="0" smtClean="0"/>
-              <a:t>Trabalhando com </a:t>
-            </a:r>
-            <a:r>
-              <a:rPr lang="pt-BR" dirty="0" err="1" smtClean="0"/>
-              <a:t>Strings</a:t>
-            </a:r>
-            <a:r>
-              <a:rPr lang="pt-BR" dirty="0" smtClean="0"/>
-              <a:t>, </a:t>
-            </a:r>
-            <a:r>
-              <a:rPr lang="pt-BR" dirty="0" err="1" smtClean="0"/>
-              <a:t>Arrays</a:t>
-            </a:r>
-            <a:r>
-              <a:rPr lang="pt-BR" dirty="0" smtClean="0"/>
-              <a:t> e </a:t>
-            </a:r>
-            <a:r>
-              <a:rPr lang="pt-BR" dirty="0" err="1" smtClean="0"/>
-              <a:t>ArrayLists</a:t>
-            </a:r>
+          <p:cNvPr id="3" name="Espaço Reservado para Conteúdo 2"/>
+          <p:cNvSpPr>
+            <a:spLocks noGrp="1"/>
+          </p:cNvSpPr>
+          <p:nvPr>
+            <p:ph idx="1"/>
+          </p:nvPr>
+        </p:nvSpPr>
+        <p:spPr>
+          <a:xfrm>
+            <a:off x="628650" y="2113658"/>
+            <a:ext cx="7886700" cy="3907630"/>
+          </a:xfrm>
+        </p:spPr>
+        <p:txBody>
+          <a:bodyPr/>
+          <a:lstStyle/>
+          <a:p>
+            <a:pPr marL="0" indent="0" algn="r">
+              <a:buNone/>
+            </a:pPr>
+            <a:endParaRPr lang="pt-BR" sz="6600" dirty="0" smtClean="0"/>
+          </a:p>
+          <a:p>
+            <a:pPr marL="0" indent="0" algn="r">
+              <a:buNone/>
+            </a:pPr>
+            <a:r>
+              <a:rPr lang="pt-BR" sz="6600" dirty="0" smtClean="0"/>
+              <a:t>Alguns exercícios </a:t>
+            </a:r>
+          </a:p>
+          <a:p>
+            <a:pPr marL="0" indent="0" algn="r">
+              <a:buNone/>
+            </a:pPr>
+            <a:r>
+              <a:rPr lang="pt-BR" sz="6600" dirty="0" smtClean="0"/>
+              <a:t>para fixação...</a:t>
+            </a:r>
+            <a:endParaRPr lang="pt-BR" sz="6600" dirty="0"/>
+          </a:p>
+        </p:txBody>
+      </p:sp>
+      <p:sp>
+        <p:nvSpPr>
+          <p:cNvPr id="7" name="Espaço Reservado para Rodapé 3"/>
+          <p:cNvSpPr>
+            <a:spLocks noGrp="1"/>
+          </p:cNvSpPr>
+          <p:nvPr>
+            <p:ph type="ftr" sz="quarter" idx="13"/>
+          </p:nvPr>
+        </p:nvSpPr>
+        <p:spPr>
+          <a:xfrm>
+            <a:off x="3028950" y="6356351"/>
+            <a:ext cx="3086100" cy="365125"/>
+          </a:xfrm>
+          <a:prstGeom prst="rect">
+            <a:avLst/>
+          </a:prstGeom>
+        </p:spPr>
+        <p:txBody>
+          <a:bodyPr/>
+          <a:lstStyle/>
+          <a:p>
+            <a:pPr algn="ctr">
+              <a:defRPr sz="1200">
+                <a:solidFill>
+                  <a:srgbClr val="8C8C8C"/>
+                </a:solidFill>
+                <a:latin typeface="Tw Cen MT" charset="0"/>
+                <a:ea typeface="Calibri" charset="0"/>
+                <a:cs typeface="Calibri" charset="0"/>
+              </a:defRPr>
+            </a:pPr>
+            <a:r>
+              <a:rPr lang="pt-BR" dirty="0" smtClean="0"/>
+              <a:t>Orientação a Objeto</a:t>
+            </a:r>
+            <a:endParaRPr lang="pt-BR" dirty="0"/>
+          </a:p>
+          <a:p>
+            <a:pPr algn="ctr">
+              <a:defRPr sz="1200">
+                <a:solidFill>
+                  <a:srgbClr val="8C8C8C"/>
+                </a:solidFill>
+                <a:latin typeface="Tw Cen MT" charset="0"/>
+                <a:ea typeface="Calibri" charset="0"/>
+                <a:cs typeface="Calibri" charset="0"/>
+              </a:defRPr>
+            </a:pPr>
             <a:endParaRPr lang="pt-BR" dirty="0"/>
           </a:p>
         </p:txBody>
@@ -11185,7 +11566,7 @@
     </p:spTree>
     <p:extLst>
       <p:ext uri="{BB962C8B-B14F-4D97-AF65-F5344CB8AC3E}">
-        <p14:creationId xmlns:p14="http://schemas.microsoft.com/office/powerpoint/2010/main" val="1074513946"/>
+        <p14:creationId xmlns:p14="http://schemas.microsoft.com/office/powerpoint/2010/main" val="1738440935"/>
       </p:ext>
     </p:extLst>
   </p:cSld>
@@ -11231,18 +11612,24 @@
         </p:nvSpPr>
         <p:spPr/>
         <p:txBody>
-          <a:bodyPr/>
-          <a:lstStyle/>
-          <a:p>
-            <a:r>
-              <a:rPr lang="pt-BR" dirty="0" smtClean="0"/>
-              <a:t>Usando </a:t>
-            </a:r>
-            <a:r>
-              <a:rPr lang="pt-BR" dirty="0" err="1" smtClean="0"/>
-              <a:t>Arrays</a:t>
-            </a:r>
-            <a:endParaRPr lang="pt-BR" dirty="0"/>
+          <a:bodyPr>
+            <a:normAutofit/>
+          </a:bodyPr>
+          <a:lstStyle/>
+          <a:p>
+            <a:r>
+              <a:rPr lang="pt-BR" sz="3800" dirty="0" smtClean="0"/>
+              <a:t>Literais, </a:t>
+            </a:r>
+            <a:r>
+              <a:rPr lang="pt-BR" sz="3800" dirty="0" err="1" smtClean="0"/>
+              <a:t>Assignmentes</a:t>
+            </a:r>
+            <a:r>
+              <a:rPr lang="pt-BR" sz="3800" dirty="0" smtClean="0"/>
+              <a:t> e Variáveis</a:t>
+            </a:r>
+            <a:endParaRPr lang="pt-BR" sz="3800" dirty="0"/>
           </a:p>
         </p:txBody>
       </p:sp>
@@ -11271,7 +11658,7 @@
             </a:r>
             <a:r>
               <a:rPr lang="pt-BR" dirty="0" smtClean="0"/>
-              <a:t> 4.1 </a:t>
+              <a:t> 2.1, 2.2, 2.3 </a:t>
             </a:r>
             <a:r>
               <a:rPr lang="pt-BR" dirty="0" err="1" smtClean="0"/>
@@ -11279,7 +11666,7 @@
             </a:r>
             <a:r>
               <a:rPr lang="pt-BR" dirty="0" smtClean="0"/>
-              <a:t> 4.2</a:t>
+              <a:t> 1.2 upgrade</a:t>
             </a:r>
             <a:endParaRPr lang="pt-BR" dirty="0"/>
           </a:p>
@@ -11301,32 +11688,9 @@
           <a:lstStyle/>
           <a:p>
             <a:r>
-              <a:rPr lang="pt-BR" dirty="0"/>
-              <a:t>Trabalhando com </a:t>
-            </a:r>
-            <a:r>
-              <a:rPr lang="pt-BR" dirty="0" err="1"/>
-              <a:t>Strings</a:t>
-            </a:r>
-            <a:r>
-              <a:rPr lang="pt-BR" dirty="0"/>
-              <a:t>, </a:t>
-            </a:r>
-            <a:r>
-              <a:rPr lang="pt-BR" dirty="0" err="1"/>
-              <a:t>Arrays</a:t>
-            </a:r>
-            <a:r>
-              <a:rPr lang="pt-BR" dirty="0"/>
-              <a:t> e </a:t>
-            </a:r>
-            <a:r>
-              <a:rPr lang="pt-BR" dirty="0" err="1"/>
-              <a:t>ArrayLists</a:t>
-            </a:r>
-            <a:endParaRPr lang="pt-BR" dirty="0"/>
-          </a:p>
-          <a:p>
+              <a:rPr lang="pt-BR" dirty="0" err="1" smtClean="0"/>
+              <a:t>Assignments</a:t>
+            </a:r>
             <a:endParaRPr lang="pt-BR" dirty="0"/>
           </a:p>
         </p:txBody>
@@ -11334,7 +11698,7 @@
     </p:spTree>
     <p:extLst>
       <p:ext uri="{BB962C8B-B14F-4D97-AF65-F5344CB8AC3E}">
-        <p14:creationId xmlns:p14="http://schemas.microsoft.com/office/powerpoint/2010/main" val="1389997935"/>
+        <p14:creationId xmlns:p14="http://schemas.microsoft.com/office/powerpoint/2010/main" val="3169057604"/>
       </p:ext>
     </p:extLst>
   </p:cSld>
@@ -11385,24 +11749,59 @@
           <a:p>
             <a:r>
               <a:rPr lang="pt-BR" dirty="0" smtClean="0"/>
-              <a:t>Usando </a:t>
+              <a:t>Escopo</a:t>
+            </a:r>
+            <a:endParaRPr lang="pt-BR" dirty="0"/>
+          </a:p>
+        </p:txBody>
+      </p:sp>
+      <p:sp>
+        <p:nvSpPr>
+          <p:cNvPr id="3" name="Subtítulo 2"/>
+          <p:cNvSpPr>
+            <a:spLocks noGrp="1"/>
+          </p:cNvSpPr>
+          <p:nvPr>
+            <p:ph type="subTitle" idx="1"/>
+          </p:nvPr>
+        </p:nvSpPr>
+        <p:spPr/>
+        <p:txBody>
+          <a:bodyPr/>
+          <a:lstStyle/>
+          <a:p>
+            <a:r>
+              <a:rPr lang="pt-BR" dirty="0" smtClean="0"/>
+              <a:t>OCA </a:t>
             </a:r>
             <a:r>
               <a:rPr lang="pt-BR" dirty="0" err="1" smtClean="0"/>
-              <a:t>ArrayList</a:t>
-            </a:r>
-            <a:endParaRPr lang="pt-BR" dirty="0"/>
-          </a:p>
-        </p:txBody>
-      </p:sp>
-      <p:sp>
-        <p:nvSpPr>
-          <p:cNvPr id="3" name="Subtítulo 2"/>
-          <p:cNvSpPr>
-            <a:spLocks noGrp="1"/>
-          </p:cNvSpPr>
-          <p:nvPr>
-            <p:ph type="subTitle" idx="1"/>
+              <a:t>Objectives</a:t>
+            </a:r>
+            <a:r>
+              <a:rPr lang="pt-BR" dirty="0" smtClean="0"/>
+              <a:t> 1.1 </a:t>
+            </a:r>
+            <a:r>
+              <a:rPr lang="pt-BR" dirty="0" err="1" smtClean="0"/>
+              <a:t>and</a:t>
+            </a:r>
+            <a:r>
+              <a:rPr lang="pt-BR" dirty="0" smtClean="0"/>
+              <a:t> 2.5</a:t>
+            </a:r>
+            <a:endParaRPr lang="pt-BR" dirty="0"/>
+          </a:p>
+        </p:txBody>
+      </p:sp>
+      <p:sp>
+        <p:nvSpPr>
+          <p:cNvPr id="4" name="Espaço Reservado para Rodapé 3"/>
+          <p:cNvSpPr>
+            <a:spLocks noGrp="1"/>
+          </p:cNvSpPr>
+          <p:nvPr>
+            <p:ph type="ftr" sz="quarter" idx="11"/>
           </p:nvPr>
         </p:nvSpPr>
         <p:spPr/>
@@ -11411,59 +11810,8 @@
           <a:lstStyle/>
           <a:p>
             <a:r>
-              <a:rPr lang="pt-BR" dirty="0" smtClean="0"/>
-              <a:t>OCA </a:t>
-            </a:r>
-            <a:r>
-              <a:rPr lang="pt-BR" dirty="0" err="1" smtClean="0"/>
-              <a:t>Objective</a:t>
-            </a:r>
-            <a:r>
-              <a:rPr lang="pt-BR" dirty="0" smtClean="0"/>
-              <a:t> 4.3</a:t>
-            </a:r>
-            <a:endParaRPr lang="pt-BR" dirty="0"/>
-          </a:p>
-        </p:txBody>
-      </p:sp>
-      <p:sp>
-        <p:nvSpPr>
-          <p:cNvPr id="4" name="Espaço Reservado para Rodapé 3"/>
-          <p:cNvSpPr>
-            <a:spLocks noGrp="1"/>
-          </p:cNvSpPr>
-          <p:nvPr>
-            <p:ph type="ftr" sz="quarter" idx="11"/>
-          </p:nvPr>
-        </p:nvSpPr>
-        <p:spPr/>
-        <p:txBody>
-          <a:bodyPr/>
-          <a:lstStyle/>
-          <a:p>
-            <a:r>
-              <a:rPr lang="pt-BR" dirty="0"/>
-              <a:t>Trabalhando com </a:t>
-            </a:r>
-            <a:r>
               <a:rPr lang="pt-BR" dirty="0" err="1"/>
-              <a:t>Strings</a:t>
-            </a:r>
-            <a:r>
-              <a:rPr lang="pt-BR" dirty="0"/>
-              <a:t>, </a:t>
-            </a:r>
-            <a:r>
-              <a:rPr lang="pt-BR" dirty="0" err="1"/>
-              <a:t>Arrays</a:t>
-            </a:r>
-            <a:r>
-              <a:rPr lang="pt-BR" dirty="0"/>
-              <a:t> e </a:t>
-            </a:r>
-            <a:r>
-              <a:rPr lang="pt-BR" dirty="0" err="1"/>
-              <a:t>ArrayLists</a:t>
+              <a:t>Assignments</a:t>
             </a:r>
             <a:endParaRPr lang="pt-BR" dirty="0"/>
           </a:p>
@@ -11475,7 +11823,7 @@
     </p:spTree>
     <p:extLst>
       <p:ext uri="{BB962C8B-B14F-4D97-AF65-F5344CB8AC3E}">
-        <p14:creationId xmlns:p14="http://schemas.microsoft.com/office/powerpoint/2010/main" val="2158061903"/>
+        <p14:creationId xmlns:p14="http://schemas.microsoft.com/office/powerpoint/2010/main" val="193317867"/>
       </p:ext>
     </p:extLst>
   </p:cSld>
@@ -11526,28 +11874,51 @@
           <a:p>
             <a:r>
               <a:rPr lang="pt-BR" dirty="0" smtClean="0"/>
-              <a:t>Usando </a:t>
+              <a:t>Inicialização de Variáveis</a:t>
+            </a:r>
+            <a:endParaRPr lang="pt-BR" dirty="0"/>
+          </a:p>
+        </p:txBody>
+      </p:sp>
+      <p:sp>
+        <p:nvSpPr>
+          <p:cNvPr id="3" name="Subtítulo 2"/>
+          <p:cNvSpPr>
+            <a:spLocks noGrp="1"/>
+          </p:cNvSpPr>
+          <p:nvPr>
+            <p:ph type="subTitle" idx="1"/>
+          </p:nvPr>
+        </p:nvSpPr>
+        <p:spPr/>
+        <p:txBody>
+          <a:bodyPr/>
+          <a:lstStyle/>
+          <a:p>
+            <a:r>
+              <a:rPr lang="pt-BR" dirty="0" smtClean="0"/>
+              <a:t>OCA </a:t>
             </a:r>
             <a:r>
               <a:rPr lang="pt-BR" dirty="0" err="1" smtClean="0"/>
-              <a:t>if</a:t>
-            </a:r>
-            <a:r>
-              <a:rPr lang="pt-BR" dirty="0" smtClean="0"/>
-              <a:t> e switch</a:t>
-            </a:r>
-            <a:endParaRPr lang="pt-BR" dirty="0"/>
-          </a:p>
-        </p:txBody>
-      </p:sp>
-      <p:sp>
-        <p:nvSpPr>
-          <p:cNvPr id="3" name="Subtítulo 2"/>
-          <p:cNvSpPr>
-            <a:spLocks noGrp="1"/>
-          </p:cNvSpPr>
-          <p:nvPr>
-            <p:ph type="subTitle" idx="1"/>
+              <a:t>Objective</a:t>
+            </a:r>
+            <a:r>
+              <a:rPr lang="pt-BR" dirty="0" smtClean="0"/>
+              <a:t> 2.1</a:t>
+            </a:r>
+            <a:endParaRPr lang="pt-BR" dirty="0"/>
+          </a:p>
+        </p:txBody>
+      </p:sp>
+      <p:sp>
+        <p:nvSpPr>
+          <p:cNvPr id="4" name="Espaço Reservado para Rodapé 3"/>
+          <p:cNvSpPr>
+            <a:spLocks noGrp="1"/>
+          </p:cNvSpPr>
+          <p:nvPr>
+            <p:ph type="ftr" sz="quarter" idx="11"/>
           </p:nvPr>
         </p:nvSpPr>
         <p:spPr/>
@@ -11556,39 +11927,8 @@
           <a:lstStyle/>
           <a:p>
             <a:r>
-              <a:rPr lang="pt-BR" dirty="0" smtClean="0"/>
-              <a:t>OCA </a:t>
-            </a:r>
-            <a:r>
-              <a:rPr lang="pt-BR" dirty="0" err="1" smtClean="0"/>
-              <a:t>Objectives</a:t>
-            </a:r>
-            <a:r>
-              <a:rPr lang="pt-BR" dirty="0" smtClean="0"/>
-              <a:t> 3.4, 3.5 e 1.1 upgrade</a:t>
-            </a:r>
-            <a:endParaRPr lang="pt-BR" dirty="0"/>
-          </a:p>
-        </p:txBody>
-      </p:sp>
-      <p:sp>
-        <p:nvSpPr>
-          <p:cNvPr id="4" name="Espaço Reservado para Rodapé 3"/>
-          <p:cNvSpPr>
-            <a:spLocks noGrp="1"/>
-          </p:cNvSpPr>
-          <p:nvPr>
-            <p:ph type="ftr" sz="quarter" idx="11"/>
-          </p:nvPr>
-        </p:nvSpPr>
-        <p:spPr/>
-        <p:txBody>
-          <a:bodyPr/>
-          <a:lstStyle/>
-          <a:p>
-            <a:r>
-              <a:rPr lang="pt-BR" dirty="0" smtClean="0"/>
-              <a:t>Controle de Fluxo e Exceções</a:t>
+              <a:rPr lang="pt-BR" dirty="0" err="1"/>
+              <a:t>Assignments</a:t>
             </a:r>
             <a:endParaRPr lang="pt-BR" dirty="0"/>
           </a:p>
@@ -11597,7 +11937,7 @@
     </p:spTree>
     <p:extLst>
       <p:ext uri="{BB962C8B-B14F-4D97-AF65-F5344CB8AC3E}">
-        <p14:creationId xmlns:p14="http://schemas.microsoft.com/office/powerpoint/2010/main" val="532384450"/>
+        <p14:creationId xmlns:p14="http://schemas.microsoft.com/office/powerpoint/2010/main" val="3261889034"/>
       </p:ext>
     </p:extLst>
   </p:cSld>
@@ -11648,7 +11988,7 @@
           <a:p>
             <a:r>
               <a:rPr lang="pt-BR" dirty="0" smtClean="0"/>
-              <a:t>Criando Loops</a:t>
+              <a:t>Passando Variáveis para Métodos</a:t>
             </a:r>
             <a:endParaRPr lang="pt-BR" dirty="0"/>
           </a:p>
@@ -11675,19 +12015,11 @@
             </a:r>
             <a:r>
               <a:rPr lang="pt-BR" dirty="0" err="1" smtClean="0"/>
-              <a:t>Objectives</a:t>
-            </a:r>
-            <a:r>
-              <a:rPr lang="pt-BR" dirty="0" smtClean="0"/>
-              <a:t> 5.1, 5.2, 5.3, 5.4 </a:t>
-            </a:r>
-            <a:r>
-              <a:rPr lang="pt-BR" dirty="0" err="1" smtClean="0"/>
-              <a:t>and</a:t>
-            </a:r>
-            <a:r>
-              <a:rPr lang="pt-BR" dirty="0" smtClean="0"/>
-              <a:t> 5.5</a:t>
+              <a:t>Objective</a:t>
+            </a:r>
+            <a:r>
+              <a:rPr lang="pt-BR" dirty="0" smtClean="0"/>
+              <a:t> 6.8</a:t>
             </a:r>
             <a:endParaRPr lang="pt-BR" dirty="0"/>
           </a:p>
@@ -11709,11 +12041,9 @@
           <a:lstStyle/>
           <a:p>
             <a:r>
-              <a:rPr lang="pt-BR" dirty="0"/>
-              <a:t>Controle de Fluxo e Exceções</a:t>
-            </a:r>
-          </a:p>
-          <a:p>
+              <a:rPr lang="pt-BR" dirty="0" err="1"/>
+              <a:t>Assignments</a:t>
+            </a:r>
             <a:endParaRPr lang="pt-BR" dirty="0"/>
           </a:p>
         </p:txBody>
@@ -11721,7 +12051,7 @@
     </p:spTree>
     <p:extLst>
       <p:ext uri="{BB962C8B-B14F-4D97-AF65-F5344CB8AC3E}">
-        <p14:creationId xmlns:p14="http://schemas.microsoft.com/office/powerpoint/2010/main" val="2470865896"/>
+        <p14:creationId xmlns:p14="http://schemas.microsoft.com/office/powerpoint/2010/main" val="2287116038"/>
       </p:ext>
     </p:extLst>
   </p:cSld>
@@ -11772,7 +12102,7 @@
           <a:p>
             <a:r>
               <a:rPr lang="pt-BR" dirty="0" smtClean="0"/>
-              <a:t>Manipulando Exceções</a:t>
+              <a:t>Coletor de Lixo</a:t>
             </a:r>
             <a:endParaRPr lang="pt-BR" dirty="0"/>
           </a:p>
@@ -11799,19 +12129,11 @@
             </a:r>
             <a:r>
               <a:rPr lang="pt-BR" dirty="0" err="1" smtClean="0"/>
-              <a:t>Objectives</a:t>
-            </a:r>
-            <a:r>
-              <a:rPr lang="pt-BR" dirty="0" smtClean="0"/>
-              <a:t> 8.1, 8.2, 8.3 </a:t>
-            </a:r>
-            <a:r>
-              <a:rPr lang="pt-BR" dirty="0" err="1" smtClean="0"/>
-              <a:t>and</a:t>
-            </a:r>
-            <a:r>
-              <a:rPr lang="pt-BR" dirty="0" smtClean="0"/>
-              <a:t> 8.4</a:t>
+              <a:t>Objective</a:t>
+            </a:r>
+            <a:r>
+              <a:rPr lang="pt-BR" dirty="0" smtClean="0"/>
+              <a:t> 2.4</a:t>
             </a:r>
             <a:endParaRPr lang="pt-BR" dirty="0"/>
           </a:p>
@@ -11833,11 +12155,9 @@
           <a:lstStyle/>
           <a:p>
             <a:r>
-              <a:rPr lang="pt-BR" dirty="0"/>
-              <a:t>Controle de Fluxo e Exceções</a:t>
-            </a:r>
-          </a:p>
-          <a:p>
+              <a:rPr lang="pt-BR" dirty="0" err="1"/>
+              <a:t>Assignments</a:t>
+            </a:r>
             <a:endParaRPr lang="pt-BR" dirty="0"/>
           </a:p>
         </p:txBody>
@@ -11845,7 +12165,7 @@
     </p:spTree>
     <p:extLst>
       <p:ext uri="{BB962C8B-B14F-4D97-AF65-F5344CB8AC3E}">
-        <p14:creationId xmlns:p14="http://schemas.microsoft.com/office/powerpoint/2010/main" val="3021261354"/>
+        <p14:creationId xmlns:p14="http://schemas.microsoft.com/office/powerpoint/2010/main" val="1564616669"/>
       </p:ext>
     </p:extLst>
   </p:cSld>
@@ -11896,24 +12216,59 @@
           <a:p>
             <a:r>
               <a:rPr lang="pt-BR" dirty="0" smtClean="0"/>
-              <a:t>Exceções Comuns e </a:t>
+              <a:t>Operadores em Java</a:t>
+            </a:r>
+            <a:endParaRPr lang="pt-BR" dirty="0"/>
+          </a:p>
+        </p:txBody>
+      </p:sp>
+      <p:sp>
+        <p:nvSpPr>
+          <p:cNvPr id="3" name="Subtítulo 2"/>
+          <p:cNvSpPr>
+            <a:spLocks noGrp="1"/>
+          </p:cNvSpPr>
+          <p:nvPr>
+            <p:ph type="subTitle" idx="1"/>
+          </p:nvPr>
+        </p:nvSpPr>
+        <p:spPr/>
+        <p:txBody>
+          <a:bodyPr/>
+          <a:lstStyle/>
+          <a:p>
+            <a:r>
+              <a:rPr lang="pt-BR" dirty="0" smtClean="0"/>
+              <a:t>OCA </a:t>
             </a:r>
             <a:r>
               <a:rPr lang="pt-BR" dirty="0" err="1" smtClean="0"/>
-              <a:t>Errors</a:t>
-            </a:r>
-            <a:endParaRPr lang="pt-BR" dirty="0"/>
-          </a:p>
-        </p:txBody>
-      </p:sp>
-      <p:sp>
-        <p:nvSpPr>
-          <p:cNvPr id="3" name="Subtítulo 2"/>
-          <p:cNvSpPr>
-            <a:spLocks noGrp="1"/>
-          </p:cNvSpPr>
-          <p:nvPr>
-            <p:ph type="subTitle" idx="1"/>
+              <a:t>Objectives</a:t>
+            </a:r>
+            <a:r>
+              <a:rPr lang="pt-BR" dirty="0" smtClean="0"/>
+              <a:t> 3.1, 3.2 </a:t>
+            </a:r>
+            <a:r>
+              <a:rPr lang="pt-BR" dirty="0" err="1" smtClean="0"/>
+              <a:t>and</a:t>
+            </a:r>
+            <a:r>
+              <a:rPr lang="pt-BR" dirty="0" smtClean="0"/>
+              <a:t> 3.3</a:t>
+            </a:r>
+            <a:endParaRPr lang="pt-BR" dirty="0"/>
+          </a:p>
+        </p:txBody>
+      </p:sp>
+      <p:sp>
+        <p:nvSpPr>
+          <p:cNvPr id="4" name="Espaço Reservado para Rodapé 3"/>
+          <p:cNvSpPr>
+            <a:spLocks noGrp="1"/>
+          </p:cNvSpPr>
+          <p:nvPr>
+            <p:ph type="ftr" sz="quarter" idx="11"/>
           </p:nvPr>
         </p:nvSpPr>
         <p:spPr/>
@@ -11923,41 +12278,8 @@
           <a:p>
             <a:r>
               <a:rPr lang="pt-BR" dirty="0" smtClean="0"/>
-              <a:t>OCA </a:t>
-            </a:r>
-            <a:r>
-              <a:rPr lang="pt-BR" dirty="0" err="1" smtClean="0"/>
-              <a:t>Objective</a:t>
-            </a:r>
-            <a:r>
-              <a:rPr lang="pt-BR" dirty="0" smtClean="0"/>
-              <a:t> 8.5</a:t>
-            </a:r>
-            <a:endParaRPr lang="pt-BR" dirty="0"/>
-          </a:p>
-        </p:txBody>
-      </p:sp>
-      <p:sp>
-        <p:nvSpPr>
-          <p:cNvPr id="4" name="Espaço Reservado para Rodapé 3"/>
-          <p:cNvSpPr>
-            <a:spLocks noGrp="1"/>
-          </p:cNvSpPr>
-          <p:nvPr>
-            <p:ph type="ftr" sz="quarter" idx="11"/>
-          </p:nvPr>
-        </p:nvSpPr>
-        <p:spPr/>
-        <p:txBody>
-          <a:bodyPr/>
-          <a:lstStyle/>
-          <a:p>
-            <a:r>
-              <a:rPr lang="pt-BR" dirty="0"/>
-              <a:t>Controle de Fluxo e Exceções</a:t>
-            </a:r>
-          </a:p>
-          <a:p>
+              <a:t>Operadores</a:t>
+            </a:r>
             <a:endParaRPr lang="pt-BR" dirty="0"/>
           </a:p>
         </p:txBody>
@@ -11965,7 +12287,310 @@
     </p:spTree>
     <p:extLst>
       <p:ext uri="{BB962C8B-B14F-4D97-AF65-F5344CB8AC3E}">
-        <p14:creationId xmlns:p14="http://schemas.microsoft.com/office/powerpoint/2010/main" val="3694482267"/>
+        <p14:creationId xmlns:p14="http://schemas.microsoft.com/office/powerpoint/2010/main" val="1039160923"/>
+      </p:ext>
+    </p:extLst>
+  </p:cSld>
+  <p:clrMapOvr>
+    <a:masterClrMapping/>
+  </p:clrMapOvr>
+  <p:timing>
+    <p:tnLst>
+      <p:par>
+        <p:cTn id="1" dur="indefinite" restart="never" nodeType="tmRoot"/>
+      </p:par>
+    </p:tnLst>
+  </p:timing>
+</p:sld>
+</file>
+
+<file path=ppt/slides/slide58.xml><?xml version="1.0" encoding="utf-8"?>
+<p:sld xmlns:a="http://schemas.openxmlformats.org/drawingml/2006/main" xmlns:r="http://schemas.openxmlformats.org/officeDocument/2006/relationships" xmlns:p="http://schemas.openxmlformats.org/presentationml/2006/main">
+  <p:cSld>
+    <p:spTree>
+      <p:nvGrpSpPr>
+        <p:cNvPr id="1" name=""/>
+        <p:cNvGrpSpPr/>
+        <p:nvPr/>
+      </p:nvGrpSpPr>
+      <p:grpSpPr>
+        <a:xfrm>
+          <a:off x="0" y="0"/>
+          <a:ext cx="0" cy="0"/>
+          <a:chOff x="0" y="0"/>
+          <a:chExt cx="0" cy="0"/>
+        </a:xfrm>
+      </p:grpSpPr>
+      <p:sp>
+        <p:nvSpPr>
+          <p:cNvPr id="2" name="Título 1"/>
+          <p:cNvSpPr>
+            <a:spLocks noGrp="1"/>
+          </p:cNvSpPr>
+          <p:nvPr>
+            <p:ph type="ctrTitle"/>
+          </p:nvPr>
+        </p:nvSpPr>
+        <p:spPr/>
+        <p:txBody>
+          <a:bodyPr/>
+          <a:lstStyle/>
+          <a:p>
+            <a:r>
+              <a:rPr lang="pt-BR" dirty="0" smtClean="0"/>
+              <a:t>Usando </a:t>
+            </a:r>
+            <a:r>
+              <a:rPr lang="pt-BR" dirty="0" err="1" smtClean="0"/>
+              <a:t>Strings</a:t>
+            </a:r>
+            <a:r>
+              <a:rPr lang="pt-BR" dirty="0" smtClean="0"/>
+              <a:t> e </a:t>
+            </a:r>
+            <a:r>
+              <a:rPr lang="pt-BR" dirty="0" err="1" smtClean="0"/>
+              <a:t>StringBuilder</a:t>
+            </a:r>
+            <a:endParaRPr lang="pt-BR" dirty="0"/>
+          </a:p>
+        </p:txBody>
+      </p:sp>
+      <p:sp>
+        <p:nvSpPr>
+          <p:cNvPr id="3" name="Subtítulo 2"/>
+          <p:cNvSpPr>
+            <a:spLocks noGrp="1"/>
+          </p:cNvSpPr>
+          <p:nvPr>
+            <p:ph type="subTitle" idx="1"/>
+          </p:nvPr>
+        </p:nvSpPr>
+        <p:spPr/>
+        <p:txBody>
+          <a:bodyPr/>
+          <a:lstStyle/>
+          <a:p>
+            <a:r>
+              <a:rPr lang="pt-BR" dirty="0" smtClean="0"/>
+              <a:t>OCA </a:t>
+            </a:r>
+            <a:r>
+              <a:rPr lang="pt-BR" dirty="0" err="1" smtClean="0"/>
+              <a:t>Objectives</a:t>
+            </a:r>
+            <a:r>
+              <a:rPr lang="pt-BR" dirty="0" smtClean="0"/>
+              <a:t> 2.7 </a:t>
+            </a:r>
+            <a:r>
+              <a:rPr lang="pt-BR" dirty="0" err="1" smtClean="0"/>
+              <a:t>and</a:t>
+            </a:r>
+            <a:r>
+              <a:rPr lang="pt-BR" dirty="0" smtClean="0"/>
+              <a:t> 2.6</a:t>
+            </a:r>
+            <a:endParaRPr lang="pt-BR" dirty="0"/>
+          </a:p>
+        </p:txBody>
+      </p:sp>
+      <p:sp>
+        <p:nvSpPr>
+          <p:cNvPr id="4" name="Espaço Reservado para Rodapé 3"/>
+          <p:cNvSpPr>
+            <a:spLocks noGrp="1"/>
+          </p:cNvSpPr>
+          <p:nvPr>
+            <p:ph type="ftr" sz="quarter" idx="11"/>
+          </p:nvPr>
+        </p:nvSpPr>
+        <p:spPr/>
+        <p:txBody>
+          <a:bodyPr/>
+          <a:lstStyle/>
+          <a:p>
+            <a:r>
+              <a:rPr lang="pt-BR" dirty="0" smtClean="0"/>
+              <a:t>Trabalhando com </a:t>
+            </a:r>
+            <a:r>
+              <a:rPr lang="pt-BR" dirty="0" err="1" smtClean="0"/>
+              <a:t>Strings</a:t>
+            </a:r>
+            <a:r>
+              <a:rPr lang="pt-BR" dirty="0" smtClean="0"/>
+              <a:t>, </a:t>
+            </a:r>
+            <a:r>
+              <a:rPr lang="pt-BR" dirty="0" err="1" smtClean="0"/>
+              <a:t>Arrays</a:t>
+            </a:r>
+            <a:r>
+              <a:rPr lang="pt-BR" dirty="0" smtClean="0"/>
+              <a:t> e </a:t>
+            </a:r>
+            <a:r>
+              <a:rPr lang="pt-BR" dirty="0" err="1" smtClean="0"/>
+              <a:t>ArrayLists</a:t>
+            </a:r>
+            <a:endParaRPr lang="pt-BR" dirty="0"/>
+          </a:p>
+        </p:txBody>
+      </p:sp>
+    </p:spTree>
+    <p:extLst>
+      <p:ext uri="{BB962C8B-B14F-4D97-AF65-F5344CB8AC3E}">
+        <p14:creationId xmlns:p14="http://schemas.microsoft.com/office/powerpoint/2010/main" val="1074513946"/>
+      </p:ext>
+    </p:extLst>
+  </p:cSld>
+  <p:clrMapOvr>
+    <a:masterClrMapping/>
+  </p:clrMapOvr>
+  <p:timing>
+    <p:tnLst>
+      <p:par>
+        <p:cTn id="1" dur="indefinite" restart="never" nodeType="tmRoot"/>
+      </p:par>
+    </p:tnLst>
+  </p:timing>
+</p:sld>
+</file>
+
+<file path=ppt/slides/slide59.xml><?xml version="1.0" encoding="utf-8"?>
+<p:sld xmlns:a="http://schemas.openxmlformats.org/drawingml/2006/main" xmlns:r="http://schemas.openxmlformats.org/officeDocument/2006/relationships" xmlns:p="http://schemas.openxmlformats.org/presentationml/2006/main">
+  <p:cSld>
+    <p:spTree>
+      <p:nvGrpSpPr>
+        <p:cNvPr id="1" name=""/>
+        <p:cNvGrpSpPr/>
+        <p:nvPr/>
+      </p:nvGrpSpPr>
+      <p:grpSpPr>
+        <a:xfrm>
+          <a:off x="0" y="0"/>
+          <a:ext cx="0" cy="0"/>
+          <a:chOff x="0" y="0"/>
+          <a:chExt cx="0" cy="0"/>
+        </a:xfrm>
+      </p:grpSpPr>
+      <p:sp>
+        <p:nvSpPr>
+          <p:cNvPr id="2" name="Título 1"/>
+          <p:cNvSpPr>
+            <a:spLocks noGrp="1"/>
+          </p:cNvSpPr>
+          <p:nvPr>
+            <p:ph type="ctrTitle"/>
+          </p:nvPr>
+        </p:nvSpPr>
+        <p:spPr/>
+        <p:txBody>
+          <a:bodyPr/>
+          <a:lstStyle/>
+          <a:p>
+            <a:r>
+              <a:rPr lang="pt-BR" dirty="0" smtClean="0"/>
+              <a:t>Usando </a:t>
+            </a:r>
+            <a:r>
+              <a:rPr lang="pt-BR" dirty="0" err="1" smtClean="0"/>
+              <a:t>Arrays</a:t>
+            </a:r>
+            <a:endParaRPr lang="pt-BR" dirty="0"/>
+          </a:p>
+        </p:txBody>
+      </p:sp>
+      <p:sp>
+        <p:nvSpPr>
+          <p:cNvPr id="3" name="Subtítulo 2"/>
+          <p:cNvSpPr>
+            <a:spLocks noGrp="1"/>
+          </p:cNvSpPr>
+          <p:nvPr>
+            <p:ph type="subTitle" idx="1"/>
+          </p:nvPr>
+        </p:nvSpPr>
+        <p:spPr/>
+        <p:txBody>
+          <a:bodyPr/>
+          <a:lstStyle/>
+          <a:p>
+            <a:r>
+              <a:rPr lang="pt-BR" dirty="0" smtClean="0"/>
+              <a:t>OCA </a:t>
+            </a:r>
+            <a:r>
+              <a:rPr lang="pt-BR" dirty="0" err="1" smtClean="0"/>
+              <a:t>Objectives</a:t>
+            </a:r>
+            <a:r>
+              <a:rPr lang="pt-BR" dirty="0" smtClean="0"/>
+              <a:t> 4.1 </a:t>
+            </a:r>
+            <a:r>
+              <a:rPr lang="pt-BR" dirty="0" err="1" smtClean="0"/>
+              <a:t>and</a:t>
+            </a:r>
+            <a:r>
+              <a:rPr lang="pt-BR" dirty="0" smtClean="0"/>
+              <a:t> 4.2</a:t>
+            </a:r>
+            <a:endParaRPr lang="pt-BR" dirty="0"/>
+          </a:p>
+        </p:txBody>
+      </p:sp>
+      <p:sp>
+        <p:nvSpPr>
+          <p:cNvPr id="4" name="Espaço Reservado para Rodapé 3"/>
+          <p:cNvSpPr>
+            <a:spLocks noGrp="1"/>
+          </p:cNvSpPr>
+          <p:nvPr>
+            <p:ph type="ftr" sz="quarter" idx="11"/>
+          </p:nvPr>
+        </p:nvSpPr>
+        <p:spPr/>
+        <p:txBody>
+          <a:bodyPr/>
+          <a:lstStyle/>
+          <a:p>
+            <a:r>
+              <a:rPr lang="pt-BR" dirty="0"/>
+              <a:t>Trabalhando com </a:t>
+            </a:r>
+            <a:r>
+              <a:rPr lang="pt-BR" dirty="0" err="1"/>
+              <a:t>Strings</a:t>
+            </a:r>
+            <a:r>
+              <a:rPr lang="pt-BR" dirty="0"/>
+              <a:t>, </a:t>
+            </a:r>
+            <a:r>
+              <a:rPr lang="pt-BR" dirty="0" err="1"/>
+              <a:t>Arrays</a:t>
+            </a:r>
+            <a:r>
+              <a:rPr lang="pt-BR" dirty="0"/>
+              <a:t> e </a:t>
+            </a:r>
+            <a:r>
+              <a:rPr lang="pt-BR" dirty="0" err="1"/>
+              <a:t>ArrayLists</a:t>
+            </a:r>
+            <a:endParaRPr lang="pt-BR" dirty="0"/>
+          </a:p>
+          <a:p>
+            <a:endParaRPr lang="pt-BR" dirty="0"/>
+          </a:p>
+        </p:txBody>
+      </p:sp>
+    </p:spTree>
+    <p:extLst>
+      <p:ext uri="{BB962C8B-B14F-4D97-AF65-F5344CB8AC3E}">
+        <p14:creationId xmlns:p14="http://schemas.microsoft.com/office/powerpoint/2010/main" val="1389997935"/>
       </p:ext>
     </p:extLst>
   </p:cSld>
@@ -12116,6 +12741,637 @@
     <p:extLst>
       <p:ext uri="{BB962C8B-B14F-4D97-AF65-F5344CB8AC3E}">
         <p14:creationId xmlns:p14="http://schemas.microsoft.com/office/powerpoint/2010/main" val="526008331"/>
+      </p:ext>
+    </p:extLst>
+  </p:cSld>
+  <p:clrMapOvr>
+    <a:masterClrMapping/>
+  </p:clrMapOvr>
+  <p:timing>
+    <p:tnLst>
+      <p:par>
+        <p:cTn id="1" dur="indefinite" restart="never" nodeType="tmRoot"/>
+      </p:par>
+    </p:tnLst>
+  </p:timing>
+</p:sld>
+</file>
+
+<file path=ppt/slides/slide60.xml><?xml version="1.0" encoding="utf-8"?>
+<p:sld xmlns:a="http://schemas.openxmlformats.org/drawingml/2006/main" xmlns:r="http://schemas.openxmlformats.org/officeDocument/2006/relationships" xmlns:p="http://schemas.openxmlformats.org/presentationml/2006/main">
+  <p:cSld>
+    <p:spTree>
+      <p:nvGrpSpPr>
+        <p:cNvPr id="1" name=""/>
+        <p:cNvGrpSpPr/>
+        <p:nvPr/>
+      </p:nvGrpSpPr>
+      <p:grpSpPr>
+        <a:xfrm>
+          <a:off x="0" y="0"/>
+          <a:ext cx="0" cy="0"/>
+          <a:chOff x="0" y="0"/>
+          <a:chExt cx="0" cy="0"/>
+        </a:xfrm>
+      </p:grpSpPr>
+      <p:sp>
+        <p:nvSpPr>
+          <p:cNvPr id="2" name="Título 1"/>
+          <p:cNvSpPr>
+            <a:spLocks noGrp="1"/>
+          </p:cNvSpPr>
+          <p:nvPr>
+            <p:ph type="ctrTitle"/>
+          </p:nvPr>
+        </p:nvSpPr>
+        <p:spPr/>
+        <p:txBody>
+          <a:bodyPr/>
+          <a:lstStyle/>
+          <a:p>
+            <a:r>
+              <a:rPr lang="pt-BR" dirty="0" smtClean="0"/>
+              <a:t>Usando </a:t>
+            </a:r>
+            <a:r>
+              <a:rPr lang="pt-BR" dirty="0" err="1" smtClean="0"/>
+              <a:t>ArrayList</a:t>
+            </a:r>
+            <a:endParaRPr lang="pt-BR" dirty="0"/>
+          </a:p>
+        </p:txBody>
+      </p:sp>
+      <p:sp>
+        <p:nvSpPr>
+          <p:cNvPr id="3" name="Subtítulo 2"/>
+          <p:cNvSpPr>
+            <a:spLocks noGrp="1"/>
+          </p:cNvSpPr>
+          <p:nvPr>
+            <p:ph type="subTitle" idx="1"/>
+          </p:nvPr>
+        </p:nvSpPr>
+        <p:spPr/>
+        <p:txBody>
+          <a:bodyPr/>
+          <a:lstStyle/>
+          <a:p>
+            <a:r>
+              <a:rPr lang="pt-BR" dirty="0" smtClean="0"/>
+              <a:t>OCA </a:t>
+            </a:r>
+            <a:r>
+              <a:rPr lang="pt-BR" dirty="0" err="1" smtClean="0"/>
+              <a:t>Objective</a:t>
+            </a:r>
+            <a:r>
+              <a:rPr lang="pt-BR" dirty="0" smtClean="0"/>
+              <a:t> 4.3</a:t>
+            </a:r>
+            <a:endParaRPr lang="pt-BR" dirty="0"/>
+          </a:p>
+        </p:txBody>
+      </p:sp>
+      <p:sp>
+        <p:nvSpPr>
+          <p:cNvPr id="4" name="Espaço Reservado para Rodapé 3"/>
+          <p:cNvSpPr>
+            <a:spLocks noGrp="1"/>
+          </p:cNvSpPr>
+          <p:nvPr>
+            <p:ph type="ftr" sz="quarter" idx="11"/>
+          </p:nvPr>
+        </p:nvSpPr>
+        <p:spPr/>
+        <p:txBody>
+          <a:bodyPr/>
+          <a:lstStyle/>
+          <a:p>
+            <a:r>
+              <a:rPr lang="pt-BR" dirty="0"/>
+              <a:t>Trabalhando com </a:t>
+            </a:r>
+            <a:r>
+              <a:rPr lang="pt-BR" dirty="0" err="1"/>
+              <a:t>Strings</a:t>
+            </a:r>
+            <a:r>
+              <a:rPr lang="pt-BR" dirty="0"/>
+              <a:t>, </a:t>
+            </a:r>
+            <a:r>
+              <a:rPr lang="pt-BR" dirty="0" err="1"/>
+              <a:t>Arrays</a:t>
+            </a:r>
+            <a:r>
+              <a:rPr lang="pt-BR" dirty="0"/>
+              <a:t> e </a:t>
+            </a:r>
+            <a:r>
+              <a:rPr lang="pt-BR" dirty="0" err="1"/>
+              <a:t>ArrayLists</a:t>
+            </a:r>
+            <a:endParaRPr lang="pt-BR" dirty="0"/>
+          </a:p>
+          <a:p>
+            <a:endParaRPr lang="pt-BR" dirty="0"/>
+          </a:p>
+        </p:txBody>
+      </p:sp>
+    </p:spTree>
+    <p:extLst>
+      <p:ext uri="{BB962C8B-B14F-4D97-AF65-F5344CB8AC3E}">
+        <p14:creationId xmlns:p14="http://schemas.microsoft.com/office/powerpoint/2010/main" val="2158061903"/>
+      </p:ext>
+    </p:extLst>
+  </p:cSld>
+  <p:clrMapOvr>
+    <a:masterClrMapping/>
+  </p:clrMapOvr>
+  <p:timing>
+    <p:tnLst>
+      <p:par>
+        <p:cTn id="1" dur="indefinite" restart="never" nodeType="tmRoot"/>
+      </p:par>
+    </p:tnLst>
+  </p:timing>
+</p:sld>
+</file>
+
+<file path=ppt/slides/slide61.xml><?xml version="1.0" encoding="utf-8"?>
+<p:sld xmlns:a="http://schemas.openxmlformats.org/drawingml/2006/main" xmlns:r="http://schemas.openxmlformats.org/officeDocument/2006/relationships" xmlns:p="http://schemas.openxmlformats.org/presentationml/2006/main">
+  <p:cSld>
+    <p:spTree>
+      <p:nvGrpSpPr>
+        <p:cNvPr id="1" name=""/>
+        <p:cNvGrpSpPr/>
+        <p:nvPr/>
+      </p:nvGrpSpPr>
+      <p:grpSpPr>
+        <a:xfrm>
+          <a:off x="0" y="0"/>
+          <a:ext cx="0" cy="0"/>
+          <a:chOff x="0" y="0"/>
+          <a:chExt cx="0" cy="0"/>
+        </a:xfrm>
+      </p:grpSpPr>
+      <p:sp>
+        <p:nvSpPr>
+          <p:cNvPr id="2" name="Título 1"/>
+          <p:cNvSpPr>
+            <a:spLocks noGrp="1"/>
+          </p:cNvSpPr>
+          <p:nvPr>
+            <p:ph type="ctrTitle"/>
+          </p:nvPr>
+        </p:nvSpPr>
+        <p:spPr/>
+        <p:txBody>
+          <a:bodyPr/>
+          <a:lstStyle/>
+          <a:p>
+            <a:r>
+              <a:rPr lang="pt-BR" dirty="0" smtClean="0"/>
+              <a:t>Usando </a:t>
+            </a:r>
+            <a:r>
+              <a:rPr lang="pt-BR" dirty="0" err="1" smtClean="0"/>
+              <a:t>if</a:t>
+            </a:r>
+            <a:r>
+              <a:rPr lang="pt-BR" dirty="0" smtClean="0"/>
+              <a:t> e switch</a:t>
+            </a:r>
+            <a:endParaRPr lang="pt-BR" dirty="0"/>
+          </a:p>
+        </p:txBody>
+      </p:sp>
+      <p:sp>
+        <p:nvSpPr>
+          <p:cNvPr id="3" name="Subtítulo 2"/>
+          <p:cNvSpPr>
+            <a:spLocks noGrp="1"/>
+          </p:cNvSpPr>
+          <p:nvPr>
+            <p:ph type="subTitle" idx="1"/>
+          </p:nvPr>
+        </p:nvSpPr>
+        <p:spPr/>
+        <p:txBody>
+          <a:bodyPr/>
+          <a:lstStyle/>
+          <a:p>
+            <a:r>
+              <a:rPr lang="pt-BR" dirty="0" smtClean="0"/>
+              <a:t>OCA </a:t>
+            </a:r>
+            <a:r>
+              <a:rPr lang="pt-BR" dirty="0" err="1" smtClean="0"/>
+              <a:t>Objectives</a:t>
+            </a:r>
+            <a:r>
+              <a:rPr lang="pt-BR" dirty="0" smtClean="0"/>
+              <a:t> 3.4, 3.5 e 1.1 upgrade</a:t>
+            </a:r>
+            <a:endParaRPr lang="pt-BR" dirty="0"/>
+          </a:p>
+        </p:txBody>
+      </p:sp>
+      <p:sp>
+        <p:nvSpPr>
+          <p:cNvPr id="4" name="Espaço Reservado para Rodapé 3"/>
+          <p:cNvSpPr>
+            <a:spLocks noGrp="1"/>
+          </p:cNvSpPr>
+          <p:nvPr>
+            <p:ph type="ftr" sz="quarter" idx="11"/>
+          </p:nvPr>
+        </p:nvSpPr>
+        <p:spPr/>
+        <p:txBody>
+          <a:bodyPr/>
+          <a:lstStyle/>
+          <a:p>
+            <a:r>
+              <a:rPr lang="pt-BR" dirty="0" smtClean="0"/>
+              <a:t>Controle de Fluxo e Exceções</a:t>
+            </a:r>
+            <a:endParaRPr lang="pt-BR" dirty="0"/>
+          </a:p>
+        </p:txBody>
+      </p:sp>
+    </p:spTree>
+    <p:extLst>
+      <p:ext uri="{BB962C8B-B14F-4D97-AF65-F5344CB8AC3E}">
+        <p14:creationId xmlns:p14="http://schemas.microsoft.com/office/powerpoint/2010/main" val="532384450"/>
+      </p:ext>
+    </p:extLst>
+  </p:cSld>
+  <p:clrMapOvr>
+    <a:masterClrMapping/>
+  </p:clrMapOvr>
+  <p:timing>
+    <p:tnLst>
+      <p:par>
+        <p:cTn id="1" dur="indefinite" restart="never" nodeType="tmRoot"/>
+      </p:par>
+    </p:tnLst>
+  </p:timing>
+</p:sld>
+</file>
+
+<file path=ppt/slides/slide62.xml><?xml version="1.0" encoding="utf-8"?>
+<p:sld xmlns:a="http://schemas.openxmlformats.org/drawingml/2006/main" xmlns:r="http://schemas.openxmlformats.org/officeDocument/2006/relationships" xmlns:p="http://schemas.openxmlformats.org/presentationml/2006/main">
+  <p:cSld>
+    <p:spTree>
+      <p:nvGrpSpPr>
+        <p:cNvPr id="1" name=""/>
+        <p:cNvGrpSpPr/>
+        <p:nvPr/>
+      </p:nvGrpSpPr>
+      <p:grpSpPr>
+        <a:xfrm>
+          <a:off x="0" y="0"/>
+          <a:ext cx="0" cy="0"/>
+          <a:chOff x="0" y="0"/>
+          <a:chExt cx="0" cy="0"/>
+        </a:xfrm>
+      </p:grpSpPr>
+      <p:sp>
+        <p:nvSpPr>
+          <p:cNvPr id="2" name="Título 1"/>
+          <p:cNvSpPr>
+            <a:spLocks noGrp="1"/>
+          </p:cNvSpPr>
+          <p:nvPr>
+            <p:ph type="ctrTitle"/>
+          </p:nvPr>
+        </p:nvSpPr>
+        <p:spPr/>
+        <p:txBody>
+          <a:bodyPr/>
+          <a:lstStyle/>
+          <a:p>
+            <a:r>
+              <a:rPr lang="pt-BR" dirty="0" smtClean="0"/>
+              <a:t>Criando Loops</a:t>
+            </a:r>
+            <a:endParaRPr lang="pt-BR" dirty="0"/>
+          </a:p>
+        </p:txBody>
+      </p:sp>
+      <p:sp>
+        <p:nvSpPr>
+          <p:cNvPr id="3" name="Subtítulo 2"/>
+          <p:cNvSpPr>
+            <a:spLocks noGrp="1"/>
+          </p:cNvSpPr>
+          <p:nvPr>
+            <p:ph type="subTitle" idx="1"/>
+          </p:nvPr>
+        </p:nvSpPr>
+        <p:spPr/>
+        <p:txBody>
+          <a:bodyPr/>
+          <a:lstStyle/>
+          <a:p>
+            <a:r>
+              <a:rPr lang="pt-BR" dirty="0" smtClean="0"/>
+              <a:t>OCA </a:t>
+            </a:r>
+            <a:r>
+              <a:rPr lang="pt-BR" dirty="0" err="1" smtClean="0"/>
+              <a:t>Objectives</a:t>
+            </a:r>
+            <a:r>
+              <a:rPr lang="pt-BR" dirty="0" smtClean="0"/>
+              <a:t> 5.1, 5.2, 5.3, 5.4 </a:t>
+            </a:r>
+            <a:r>
+              <a:rPr lang="pt-BR" dirty="0" err="1" smtClean="0"/>
+              <a:t>and</a:t>
+            </a:r>
+            <a:r>
+              <a:rPr lang="pt-BR" dirty="0" smtClean="0"/>
+              <a:t> 5.5</a:t>
+            </a:r>
+            <a:endParaRPr lang="pt-BR" dirty="0"/>
+          </a:p>
+        </p:txBody>
+      </p:sp>
+      <p:sp>
+        <p:nvSpPr>
+          <p:cNvPr id="4" name="Espaço Reservado para Rodapé 3"/>
+          <p:cNvSpPr>
+            <a:spLocks noGrp="1"/>
+          </p:cNvSpPr>
+          <p:nvPr>
+            <p:ph type="ftr" sz="quarter" idx="11"/>
+          </p:nvPr>
+        </p:nvSpPr>
+        <p:spPr/>
+        <p:txBody>
+          <a:bodyPr/>
+          <a:lstStyle/>
+          <a:p>
+            <a:r>
+              <a:rPr lang="pt-BR" dirty="0"/>
+              <a:t>Controle de Fluxo e Exceções</a:t>
+            </a:r>
+          </a:p>
+          <a:p>
+            <a:endParaRPr lang="pt-BR" dirty="0"/>
+          </a:p>
+        </p:txBody>
+      </p:sp>
+    </p:spTree>
+    <p:extLst>
+      <p:ext uri="{BB962C8B-B14F-4D97-AF65-F5344CB8AC3E}">
+        <p14:creationId xmlns:p14="http://schemas.microsoft.com/office/powerpoint/2010/main" val="2470865896"/>
+      </p:ext>
+    </p:extLst>
+  </p:cSld>
+  <p:clrMapOvr>
+    <a:masterClrMapping/>
+  </p:clrMapOvr>
+  <p:timing>
+    <p:tnLst>
+      <p:par>
+        <p:cTn id="1" dur="indefinite" restart="never" nodeType="tmRoot"/>
+      </p:par>
+    </p:tnLst>
+  </p:timing>
+</p:sld>
+</file>
+
+<file path=ppt/slides/slide63.xml><?xml version="1.0" encoding="utf-8"?>
+<p:sld xmlns:a="http://schemas.openxmlformats.org/drawingml/2006/main" xmlns:r="http://schemas.openxmlformats.org/officeDocument/2006/relationships" xmlns:p="http://schemas.openxmlformats.org/presentationml/2006/main">
+  <p:cSld>
+    <p:spTree>
+      <p:nvGrpSpPr>
+        <p:cNvPr id="1" name=""/>
+        <p:cNvGrpSpPr/>
+        <p:nvPr/>
+      </p:nvGrpSpPr>
+      <p:grpSpPr>
+        <a:xfrm>
+          <a:off x="0" y="0"/>
+          <a:ext cx="0" cy="0"/>
+          <a:chOff x="0" y="0"/>
+          <a:chExt cx="0" cy="0"/>
+        </a:xfrm>
+      </p:grpSpPr>
+      <p:sp>
+        <p:nvSpPr>
+          <p:cNvPr id="2" name="Título 1"/>
+          <p:cNvSpPr>
+            <a:spLocks noGrp="1"/>
+          </p:cNvSpPr>
+          <p:nvPr>
+            <p:ph type="ctrTitle"/>
+          </p:nvPr>
+        </p:nvSpPr>
+        <p:spPr/>
+        <p:txBody>
+          <a:bodyPr/>
+          <a:lstStyle/>
+          <a:p>
+            <a:r>
+              <a:rPr lang="pt-BR" dirty="0" smtClean="0"/>
+              <a:t>Manipulando Exceções</a:t>
+            </a:r>
+            <a:endParaRPr lang="pt-BR" dirty="0"/>
+          </a:p>
+        </p:txBody>
+      </p:sp>
+      <p:sp>
+        <p:nvSpPr>
+          <p:cNvPr id="3" name="Subtítulo 2"/>
+          <p:cNvSpPr>
+            <a:spLocks noGrp="1"/>
+          </p:cNvSpPr>
+          <p:nvPr>
+            <p:ph type="subTitle" idx="1"/>
+          </p:nvPr>
+        </p:nvSpPr>
+        <p:spPr/>
+        <p:txBody>
+          <a:bodyPr/>
+          <a:lstStyle/>
+          <a:p>
+            <a:r>
+              <a:rPr lang="pt-BR" dirty="0" smtClean="0"/>
+              <a:t>OCA </a:t>
+            </a:r>
+            <a:r>
+              <a:rPr lang="pt-BR" dirty="0" err="1" smtClean="0"/>
+              <a:t>Objectives</a:t>
+            </a:r>
+            <a:r>
+              <a:rPr lang="pt-BR" dirty="0" smtClean="0"/>
+              <a:t> 8.1, 8.2, 8.3 </a:t>
+            </a:r>
+            <a:r>
+              <a:rPr lang="pt-BR" dirty="0" err="1" smtClean="0"/>
+              <a:t>and</a:t>
+            </a:r>
+            <a:r>
+              <a:rPr lang="pt-BR" dirty="0" smtClean="0"/>
+              <a:t> 8.4</a:t>
+            </a:r>
+            <a:endParaRPr lang="pt-BR" dirty="0"/>
+          </a:p>
+        </p:txBody>
+      </p:sp>
+      <p:sp>
+        <p:nvSpPr>
+          <p:cNvPr id="4" name="Espaço Reservado para Rodapé 3"/>
+          <p:cNvSpPr>
+            <a:spLocks noGrp="1"/>
+          </p:cNvSpPr>
+          <p:nvPr>
+            <p:ph type="ftr" sz="quarter" idx="11"/>
+          </p:nvPr>
+        </p:nvSpPr>
+        <p:spPr/>
+        <p:txBody>
+          <a:bodyPr/>
+          <a:lstStyle/>
+          <a:p>
+            <a:r>
+              <a:rPr lang="pt-BR" dirty="0"/>
+              <a:t>Controle de Fluxo e Exceções</a:t>
+            </a:r>
+          </a:p>
+          <a:p>
+            <a:endParaRPr lang="pt-BR" dirty="0"/>
+          </a:p>
+        </p:txBody>
+      </p:sp>
+    </p:spTree>
+    <p:extLst>
+      <p:ext uri="{BB962C8B-B14F-4D97-AF65-F5344CB8AC3E}">
+        <p14:creationId xmlns:p14="http://schemas.microsoft.com/office/powerpoint/2010/main" val="3021261354"/>
+      </p:ext>
+    </p:extLst>
+  </p:cSld>
+  <p:clrMapOvr>
+    <a:masterClrMapping/>
+  </p:clrMapOvr>
+  <p:timing>
+    <p:tnLst>
+      <p:par>
+        <p:cTn id="1" dur="indefinite" restart="never" nodeType="tmRoot"/>
+      </p:par>
+    </p:tnLst>
+  </p:timing>
+</p:sld>
+</file>
+
+<file path=ppt/slides/slide64.xml><?xml version="1.0" encoding="utf-8"?>
+<p:sld xmlns:a="http://schemas.openxmlformats.org/drawingml/2006/main" xmlns:r="http://schemas.openxmlformats.org/officeDocument/2006/relationships" xmlns:p="http://schemas.openxmlformats.org/presentationml/2006/main">
+  <p:cSld>
+    <p:spTree>
+      <p:nvGrpSpPr>
+        <p:cNvPr id="1" name=""/>
+        <p:cNvGrpSpPr/>
+        <p:nvPr/>
+      </p:nvGrpSpPr>
+      <p:grpSpPr>
+        <a:xfrm>
+          <a:off x="0" y="0"/>
+          <a:ext cx="0" cy="0"/>
+          <a:chOff x="0" y="0"/>
+          <a:chExt cx="0" cy="0"/>
+        </a:xfrm>
+      </p:grpSpPr>
+      <p:sp>
+        <p:nvSpPr>
+          <p:cNvPr id="2" name="Título 1"/>
+          <p:cNvSpPr>
+            <a:spLocks noGrp="1"/>
+          </p:cNvSpPr>
+          <p:nvPr>
+            <p:ph type="ctrTitle"/>
+          </p:nvPr>
+        </p:nvSpPr>
+        <p:spPr/>
+        <p:txBody>
+          <a:bodyPr/>
+          <a:lstStyle/>
+          <a:p>
+            <a:r>
+              <a:rPr lang="pt-BR" dirty="0" smtClean="0"/>
+              <a:t>Exceções Comuns e </a:t>
+            </a:r>
+            <a:r>
+              <a:rPr lang="pt-BR" dirty="0" err="1" smtClean="0"/>
+              <a:t>Errors</a:t>
+            </a:r>
+            <a:endParaRPr lang="pt-BR" dirty="0"/>
+          </a:p>
+        </p:txBody>
+      </p:sp>
+      <p:sp>
+        <p:nvSpPr>
+          <p:cNvPr id="3" name="Subtítulo 2"/>
+          <p:cNvSpPr>
+            <a:spLocks noGrp="1"/>
+          </p:cNvSpPr>
+          <p:nvPr>
+            <p:ph type="subTitle" idx="1"/>
+          </p:nvPr>
+        </p:nvSpPr>
+        <p:spPr/>
+        <p:txBody>
+          <a:bodyPr/>
+          <a:lstStyle/>
+          <a:p>
+            <a:r>
+              <a:rPr lang="pt-BR" dirty="0" smtClean="0"/>
+              <a:t>OCA </a:t>
+            </a:r>
+            <a:r>
+              <a:rPr lang="pt-BR" dirty="0" err="1" smtClean="0"/>
+              <a:t>Objective</a:t>
+            </a:r>
+            <a:r>
+              <a:rPr lang="pt-BR" dirty="0" smtClean="0"/>
+              <a:t> 8.5</a:t>
+            </a:r>
+            <a:endParaRPr lang="pt-BR" dirty="0"/>
+          </a:p>
+        </p:txBody>
+      </p:sp>
+      <p:sp>
+        <p:nvSpPr>
+          <p:cNvPr id="4" name="Espaço Reservado para Rodapé 3"/>
+          <p:cNvSpPr>
+            <a:spLocks noGrp="1"/>
+          </p:cNvSpPr>
+          <p:nvPr>
+            <p:ph type="ftr" sz="quarter" idx="11"/>
+          </p:nvPr>
+        </p:nvSpPr>
+        <p:spPr/>
+        <p:txBody>
+          <a:bodyPr/>
+          <a:lstStyle/>
+          <a:p>
+            <a:r>
+              <a:rPr lang="pt-BR" dirty="0"/>
+              <a:t>Controle de Fluxo e Exceções</a:t>
+            </a:r>
+          </a:p>
+          <a:p>
+            <a:endParaRPr lang="pt-BR" dirty="0"/>
+          </a:p>
+        </p:txBody>
+      </p:sp>
+    </p:spTree>
+    <p:extLst>
+      <p:ext uri="{BB962C8B-B14F-4D97-AF65-F5344CB8AC3E}">
+        <p14:creationId xmlns:p14="http://schemas.microsoft.com/office/powerpoint/2010/main" val="3694482267"/>
       </p:ext>
     </p:extLst>
   </p:cSld>
@@ -12453,11 +13709,7 @@
             <a:pPr algn="just"/>
             <a:r>
               <a:rPr lang="pt-BR" sz="2600" dirty="0" smtClean="0"/>
-              <a:t>Constantes </a:t>
-            </a:r>
-            <a:r>
-              <a:rPr lang="pt-BR" sz="2600" dirty="0" smtClean="0"/>
-              <a:t>devem ser criadas com </a:t>
+              <a:t>Constantes devem ser criadas com </a:t>
             </a:r>
             <a:r>
               <a:rPr lang="pt-BR" sz="2600" i="1" dirty="0" err="1" smtClean="0"/>
@@ -12465,11 +13717,7 @@
             </a:r>
             <a:r>
               <a:rPr lang="pt-BR" sz="2600" dirty="0" smtClean="0"/>
-              <a:t> </a:t>
-            </a:r>
-            <a:r>
-              <a:rPr lang="pt-BR" sz="2600" dirty="0" smtClean="0"/>
-              <a:t>e </a:t>
+              <a:t> e </a:t>
             </a:r>
             <a:r>
               <a:rPr lang="pt-BR" sz="2600" i="1" dirty="0" smtClean="0"/>
@@ -12485,11 +13733,7 @@
             </a:r>
             <a:r>
               <a:rPr lang="pt-BR" sz="2600" dirty="0" smtClean="0"/>
-              <a:t>e se necessário usar _ como </a:t>
-            </a:r>
-            <a:r>
-              <a:rPr lang="pt-BR" sz="2600" dirty="0" smtClean="0"/>
-              <a:t>separador</a:t>
+              <a:t>e se necessário usar _ como separador</a:t>
             </a:r>
           </a:p>
           <a:p>

--- a/TreinamentoJavaSeOca/documentos/apresentação/OCA.pptx
+++ b/TreinamentoJavaSeOca/documentos/apresentação/OCA.pptx
@@ -5,10 +5,10 @@
     <p:sldMasterId id="2147483661" r:id="rId1"/>
   </p:sldMasterIdLst>
   <p:notesMasterIdLst>
-    <p:notesMasterId r:id="rId66"/>
+    <p:notesMasterId r:id="rId70"/>
   </p:notesMasterIdLst>
   <p:handoutMasterIdLst>
-    <p:handoutMasterId r:id="rId67"/>
+    <p:handoutMasterId r:id="rId71"/>
   </p:handoutMasterIdLst>
   <p:sldIdLst>
     <p:sldId id="1140" r:id="rId2"/>
@@ -63,18 +63,22 @@
     <p:sldId id="1220" r:id="rId51"/>
     <p:sldId id="1221" r:id="rId52"/>
     <p:sldId id="1175" r:id="rId53"/>
-    <p:sldId id="1176" r:id="rId54"/>
-    <p:sldId id="1177" r:id="rId55"/>
-    <p:sldId id="1178" r:id="rId56"/>
-    <p:sldId id="1179" r:id="rId57"/>
-    <p:sldId id="1180" r:id="rId58"/>
-    <p:sldId id="1181" r:id="rId59"/>
-    <p:sldId id="1182" r:id="rId60"/>
-    <p:sldId id="1183" r:id="rId61"/>
-    <p:sldId id="1184" r:id="rId62"/>
-    <p:sldId id="1185" r:id="rId63"/>
-    <p:sldId id="1186" r:id="rId64"/>
-    <p:sldId id="1187" r:id="rId65"/>
+    <p:sldId id="1222" r:id="rId54"/>
+    <p:sldId id="1223" r:id="rId55"/>
+    <p:sldId id="1224" r:id="rId56"/>
+    <p:sldId id="1225" r:id="rId57"/>
+    <p:sldId id="1176" r:id="rId58"/>
+    <p:sldId id="1177" r:id="rId59"/>
+    <p:sldId id="1178" r:id="rId60"/>
+    <p:sldId id="1179" r:id="rId61"/>
+    <p:sldId id="1180" r:id="rId62"/>
+    <p:sldId id="1181" r:id="rId63"/>
+    <p:sldId id="1182" r:id="rId64"/>
+    <p:sldId id="1183" r:id="rId65"/>
+    <p:sldId id="1184" r:id="rId66"/>
+    <p:sldId id="1185" r:id="rId67"/>
+    <p:sldId id="1186" r:id="rId68"/>
+    <p:sldId id="1187" r:id="rId69"/>
   </p:sldIdLst>
   <p:sldSz cx="9144000" cy="6858000" type="screen4x3"/>
   <p:notesSz cx="6797675" cy="9928225"/>
@@ -274,7 +278,7 @@
           <a:p>
             <a:fld id="{72522EA8-AF65-4008-82EE-AEE6414B708A}" type="datetimeFigureOut">
               <a:rPr lang="pt-BR" smtClean="0"/>
-              <a:t>11/08/2016</a:t>
+              <a:t>12/08/2016</a:t>
             </a:fld>
             <a:endParaRPr lang="pt-BR"/>
           </a:p>
@@ -439,7 +443,7 @@
           <a:p>
             <a:fld id="{7B4FF0CD-9C9F-49AC-9576-0191D2CC62A3}" type="datetimeFigureOut">
               <a:rPr lang="pt-BR" smtClean="0"/>
-              <a:t>11/08/2016</a:t>
+              <a:t>12/08/2016</a:t>
             </a:fld>
             <a:endParaRPr lang="pt-BR"/>
           </a:p>
@@ -1450,7 +1454,7 @@
           <a:p>
             <a:fld id="{47A45E42-5C18-486B-B418-DCDD32841B52}" type="datetimeFigureOut">
               <a:rPr lang="pt-BR" smtClean="0"/>
-              <a:t>11/08/2016</a:t>
+              <a:t>12/08/2016</a:t>
             </a:fld>
             <a:endParaRPr lang="pt-BR"/>
           </a:p>
@@ -6699,7 +6703,11 @@
           <a:p>
             <a:r>
               <a:rPr lang="pt-BR" dirty="0" smtClean="0"/>
-              <a:t>Declaração de variáveis</a:t>
+              <a:t>Declaração de </a:t>
+            </a:r>
+            <a:r>
+              <a:rPr lang="pt-BR" dirty="0" smtClean="0"/>
+              <a:t>Variáveis</a:t>
             </a:r>
             <a:endParaRPr lang="pt-BR" dirty="0"/>
           </a:p>
@@ -10956,21 +10964,49 @@
             <a:pPr algn="just"/>
             <a:r>
               <a:rPr lang="pt-BR" dirty="0" smtClean="0"/>
-              <a:t>Existem três locais em uma classe onde podemos pôr código para realizar alguma operação: métodos, construtores e blocos de inicialização</a:t>
-            </a:r>
-          </a:p>
-          <a:p>
-            <a:pPr algn="just"/>
-            <a:r>
-              <a:rPr lang="pt-BR" dirty="0" smtClean="0"/>
-              <a:t>Blocos de inicialização roda quando a classe é lida pela primeira vez (bloco estático) ou quando uma instância é criada (bloco não-estático)</a:t>
-            </a:r>
-          </a:p>
-          <a:p>
-            <a:pPr algn="just"/>
-            <a:r>
-              <a:rPr lang="pt-BR" dirty="0" smtClean="0"/>
-              <a:t>Blocos de inicialização rodam antes da declaração do construtor invocado</a:t>
+              <a:t>Existem três locais em uma classe onde podemos pôr código para realizar alguma operação: </a:t>
+            </a:r>
+            <a:r>
+              <a:rPr lang="pt-BR" b="1" dirty="0" smtClean="0"/>
+              <a:t>métodos, construtores e blocos de inicialização</a:t>
+            </a:r>
+          </a:p>
+          <a:p>
+            <a:pPr algn="just"/>
+            <a:r>
+              <a:rPr lang="pt-BR" dirty="0" smtClean="0"/>
+              <a:t>Blocos de inicialização roda quando a classe é </a:t>
+            </a:r>
+            <a:r>
+              <a:rPr lang="pt-BR" b="1" dirty="0" smtClean="0"/>
+              <a:t>lida pela primeira vez</a:t>
+            </a:r>
+            <a:r>
+              <a:rPr lang="pt-BR" dirty="0" smtClean="0"/>
+              <a:t> (bloco estático) ou quando </a:t>
+            </a:r>
+            <a:r>
+              <a:rPr lang="pt-BR" b="1" dirty="0" smtClean="0"/>
+              <a:t>uma instância é criada</a:t>
+            </a:r>
+            <a:r>
+              <a:rPr lang="pt-BR" dirty="0" smtClean="0"/>
+              <a:t> (bloco não-estático)</a:t>
+            </a:r>
+          </a:p>
+          <a:p>
+            <a:pPr algn="just"/>
+            <a:r>
+              <a:rPr lang="pt-BR" dirty="0" smtClean="0"/>
+              <a:t>Blocos de inicialização rodam </a:t>
+            </a:r>
+            <a:r>
+              <a:rPr lang="pt-BR" b="1" dirty="0" smtClean="0"/>
+              <a:t>antes do construtor </a:t>
+            </a:r>
+            <a:r>
+              <a:rPr lang="pt-BR" dirty="0" smtClean="0"/>
+              <a:t>invocado</a:t>
             </a:r>
             <a:endParaRPr lang="pt-BR" dirty="0"/>
           </a:p>
@@ -11072,16 +11108,8 @@
           <a:lstStyle/>
           <a:p>
             <a:r>
-              <a:rPr lang="pt-BR" dirty="0" smtClean="0"/>
-              <a:t>Estáticos (</a:t>
-            </a:r>
-            <a:r>
               <a:rPr lang="pt-BR" dirty="0" err="1" smtClean="0"/>
               <a:t>Static</a:t>
-            </a:r>
-            <a:r>
-              <a:rPr lang="pt-BR" dirty="0" smtClean="0"/>
-              <a:t>)</a:t>
             </a:r>
             <a:endParaRPr lang="pt-BR" dirty="0"/>
           </a:p>
@@ -11356,14 +11384,30 @@
             <a:pPr algn="just"/>
             <a:r>
               <a:rPr lang="pt-BR" dirty="0" smtClean="0"/>
-              <a:t>Variáveis estáticas (classe) indefere de variáveis de instância (objeto)</a:t>
-            </a:r>
-          </a:p>
-          <a:p>
-            <a:pPr algn="just"/>
-            <a:r>
-              <a:rPr lang="pt-BR" dirty="0" smtClean="0"/>
-              <a:t>Variáveis de instância não podem ser acessadas de dentro de um contexto estático (métodos, por exemplo)</a:t>
+              <a:t>Variáveis estáticas (classe) </a:t>
+            </a:r>
+            <a:r>
+              <a:rPr lang="pt-BR" b="1" dirty="0" smtClean="0"/>
+              <a:t>indefere</a:t>
+            </a:r>
+            <a:r>
+              <a:rPr lang="pt-BR" dirty="0" smtClean="0"/>
+              <a:t> de variáveis de instância (objeto)</a:t>
+            </a:r>
+          </a:p>
+          <a:p>
+            <a:pPr algn="just"/>
+            <a:r>
+              <a:rPr lang="pt-BR" dirty="0" smtClean="0"/>
+              <a:t>Variáveis de instância </a:t>
+            </a:r>
+            <a:r>
+              <a:rPr lang="pt-BR" b="1" dirty="0" smtClean="0"/>
+              <a:t>não podem ser acessadas de dentro de um contexto estático</a:t>
+            </a:r>
+            <a:r>
+              <a:rPr lang="pt-BR" dirty="0" smtClean="0"/>
+              <a:t> (métodos, por exemplo)</a:t>
             </a:r>
           </a:p>
           <a:p>
@@ -11623,7 +11667,7 @@
             </a:r>
             <a:r>
               <a:rPr lang="pt-BR" sz="3800" dirty="0" err="1" smtClean="0"/>
-              <a:t>Assignmentes</a:t>
+              <a:t>Assignments</a:t>
             </a:r>
             <a:r>
               <a:rPr lang="pt-BR" sz="3800" dirty="0" smtClean="0"/>
@@ -11674,24 +11718,168 @@
       </p:sp>
       <p:sp>
         <p:nvSpPr>
-          <p:cNvPr id="4" name="Espaço Reservado para Rodapé 3"/>
-          <p:cNvSpPr>
-            <a:spLocks noGrp="1"/>
-          </p:cNvSpPr>
-          <p:nvPr>
-            <p:ph type="ftr" sz="quarter" idx="11"/>
-          </p:nvPr>
-        </p:nvSpPr>
-        <p:spPr/>
-        <p:txBody>
-          <a:bodyPr/>
-          <a:lstStyle/>
-          <a:p>
-            <a:r>
-              <a:rPr lang="pt-BR" dirty="0" err="1" smtClean="0"/>
+          <p:cNvPr id="5" name="Espaço Reservado para Rodapé 3"/>
+          <p:cNvSpPr txBox="1">
+            <a:spLocks/>
+          </p:cNvSpPr>
+          <p:nvPr/>
+        </p:nvSpPr>
+        <p:spPr>
+          <a:xfrm>
+            <a:off x="3028950" y="6356351"/>
+            <a:ext cx="3086100" cy="365125"/>
+          </a:xfrm>
+          <a:prstGeom prst="rect">
+            <a:avLst/>
+          </a:prstGeom>
+        </p:spPr>
+        <p:txBody>
+          <a:bodyPr/>
+          <a:lstStyle>
+            <a:defPPr>
+              <a:defRPr lang="pt-BR"/>
+            </a:defPPr>
+            <a:lvl1pPr marL="0" algn="l" defTabSz="914400" rtl="0" eaLnBrk="1" latinLnBrk="0" hangingPunct="1">
+              <a:defRPr sz="1800" kern="1200">
+                <a:solidFill>
+                  <a:schemeClr val="tx1"/>
+                </a:solidFill>
+                <a:latin typeface="+mn-lt"/>
+                <a:ea typeface="+mn-ea"/>
+                <a:cs typeface="+mn-cs"/>
+              </a:defRPr>
+            </a:lvl1pPr>
+            <a:lvl2pPr marL="457200" algn="l" defTabSz="914400" rtl="0" eaLnBrk="1" latinLnBrk="0" hangingPunct="1">
+              <a:defRPr sz="1800" kern="1200">
+                <a:solidFill>
+                  <a:schemeClr val="tx1"/>
+                </a:solidFill>
+                <a:latin typeface="+mn-lt"/>
+                <a:ea typeface="+mn-ea"/>
+                <a:cs typeface="+mn-cs"/>
+              </a:defRPr>
+            </a:lvl2pPr>
+            <a:lvl3pPr marL="914400" algn="l" defTabSz="914400" rtl="0" eaLnBrk="1" latinLnBrk="0" hangingPunct="1">
+              <a:defRPr sz="1800" kern="1200">
+                <a:solidFill>
+                  <a:schemeClr val="tx1"/>
+                </a:solidFill>
+                <a:latin typeface="+mn-lt"/>
+                <a:ea typeface="+mn-ea"/>
+                <a:cs typeface="+mn-cs"/>
+              </a:defRPr>
+            </a:lvl3pPr>
+            <a:lvl4pPr marL="1371600" algn="l" defTabSz="914400" rtl="0" eaLnBrk="1" latinLnBrk="0" hangingPunct="1">
+              <a:defRPr sz="1800" kern="1200">
+                <a:solidFill>
+                  <a:schemeClr val="tx1"/>
+                </a:solidFill>
+                <a:latin typeface="+mn-lt"/>
+                <a:ea typeface="+mn-ea"/>
+                <a:cs typeface="+mn-cs"/>
+              </a:defRPr>
+            </a:lvl4pPr>
+            <a:lvl5pPr marL="1828800" algn="l" defTabSz="914400" rtl="0" eaLnBrk="1" latinLnBrk="0" hangingPunct="1">
+              <a:defRPr sz="1800" kern="1200">
+                <a:solidFill>
+                  <a:schemeClr val="tx1"/>
+                </a:solidFill>
+                <a:latin typeface="+mn-lt"/>
+                <a:ea typeface="+mn-ea"/>
+                <a:cs typeface="+mn-cs"/>
+              </a:defRPr>
+            </a:lvl5pPr>
+            <a:lvl6pPr marL="2286000" algn="l" defTabSz="914400" rtl="0" eaLnBrk="1" latinLnBrk="0" hangingPunct="1">
+              <a:defRPr sz="1800" kern="1200">
+                <a:solidFill>
+                  <a:schemeClr val="tx1"/>
+                </a:solidFill>
+                <a:latin typeface="+mn-lt"/>
+                <a:ea typeface="+mn-ea"/>
+                <a:cs typeface="+mn-cs"/>
+              </a:defRPr>
+            </a:lvl6pPr>
+            <a:lvl7pPr marL="2743200" algn="l" defTabSz="914400" rtl="0" eaLnBrk="1" latinLnBrk="0" hangingPunct="1">
+              <a:defRPr sz="1800" kern="1200">
+                <a:solidFill>
+                  <a:schemeClr val="tx1"/>
+                </a:solidFill>
+                <a:latin typeface="+mn-lt"/>
+                <a:ea typeface="+mn-ea"/>
+                <a:cs typeface="+mn-cs"/>
+              </a:defRPr>
+            </a:lvl7pPr>
+            <a:lvl8pPr marL="3200400" algn="l" defTabSz="914400" rtl="0" eaLnBrk="1" latinLnBrk="0" hangingPunct="1">
+              <a:defRPr sz="1800" kern="1200">
+                <a:solidFill>
+                  <a:schemeClr val="tx1"/>
+                </a:solidFill>
+                <a:latin typeface="+mn-lt"/>
+                <a:ea typeface="+mn-ea"/>
+                <a:cs typeface="+mn-cs"/>
+              </a:defRPr>
+            </a:lvl8pPr>
+            <a:lvl9pPr marL="3657600" algn="l" defTabSz="914400" rtl="0" eaLnBrk="1" latinLnBrk="0" hangingPunct="1">
+              <a:defRPr sz="1800" kern="1200">
+                <a:solidFill>
+                  <a:schemeClr val="tx1"/>
+                </a:solidFill>
+                <a:latin typeface="+mn-lt"/>
+                <a:ea typeface="+mn-ea"/>
+                <a:cs typeface="+mn-cs"/>
+              </a:defRPr>
+            </a:lvl9pPr>
+          </a:lstStyle>
+          <a:p>
+            <a:pPr algn="ctr">
+              <a:defRPr sz="1200">
+                <a:solidFill>
+                  <a:srgbClr val="8C8C8C"/>
+                </a:solidFill>
+                <a:latin typeface="Tw Cen MT" charset="0"/>
+                <a:ea typeface="Calibri" charset="0"/>
+                <a:cs typeface="Calibri" charset="0"/>
+              </a:defRPr>
+            </a:pPr>
+            <a:r>
+              <a:rPr lang="pt-BR" sz="1200" dirty="0" err="1" smtClean="0">
+                <a:solidFill>
+                  <a:srgbClr val="8C8C8C"/>
+                </a:solidFill>
+                <a:latin typeface="Tw Cen MT" charset="0"/>
+                <a:ea typeface="Calibri" charset="0"/>
+                <a:cs typeface="Calibri" charset="0"/>
+              </a:rPr>
               <a:t>Assignments</a:t>
             </a:r>
-            <a:endParaRPr lang="pt-BR" dirty="0"/>
+            <a:endParaRPr lang="pt-BR" sz="1200" dirty="0" smtClean="0">
+              <a:solidFill>
+                <a:srgbClr val="8C8C8C"/>
+              </a:solidFill>
+              <a:latin typeface="Tw Cen MT" charset="0"/>
+              <a:ea typeface="Calibri" charset="0"/>
+              <a:cs typeface="Calibri" charset="0"/>
+            </a:endParaRPr>
+          </a:p>
+          <a:p>
+            <a:pPr algn="ctr">
+              <a:defRPr sz="1200">
+                <a:solidFill>
+                  <a:srgbClr val="8C8C8C"/>
+                </a:solidFill>
+                <a:latin typeface="Tw Cen MT" charset="0"/>
+                <a:ea typeface="Calibri" charset="0"/>
+                <a:cs typeface="Calibri" charset="0"/>
+              </a:defRPr>
+            </a:pPr>
+            <a:endParaRPr lang="pt-BR" sz="1200" dirty="0">
+              <a:solidFill>
+                <a:srgbClr val="8C8C8C"/>
+              </a:solidFill>
+              <a:latin typeface="Tw Cen MT" charset="0"/>
+              <a:ea typeface="Calibri" charset="0"/>
+              <a:cs typeface="Calibri" charset="0"/>
+            </a:endParaRPr>
           </a:p>
         </p:txBody>
       </p:sp>
@@ -11734,12 +11922,12 @@
       </p:grpSpPr>
       <p:sp>
         <p:nvSpPr>
-          <p:cNvPr id="2" name="Título 1"/>
-          <p:cNvSpPr>
-            <a:spLocks noGrp="1"/>
-          </p:cNvSpPr>
-          <p:nvPr>
-            <p:ph type="ctrTitle"/>
+          <p:cNvPr id="5" name="Título 4"/>
+          <p:cNvSpPr>
+            <a:spLocks noGrp="1"/>
+          </p:cNvSpPr>
+          <p:nvPr>
+            <p:ph type="title"/>
           </p:nvPr>
         </p:nvSpPr>
         <p:spPr/>
@@ -11748,21 +11936,21 @@
           <a:lstStyle/>
           <a:p>
             <a:r>
-              <a:rPr lang="pt-BR" dirty="0" smtClean="0"/>
-              <a:t>Escopo</a:t>
-            </a:r>
-            <a:endParaRPr lang="pt-BR" dirty="0"/>
-          </a:p>
-        </p:txBody>
-      </p:sp>
-      <p:sp>
-        <p:nvSpPr>
-          <p:cNvPr id="3" name="Subtítulo 2"/>
-          <p:cNvSpPr>
-            <a:spLocks noGrp="1"/>
-          </p:cNvSpPr>
-          <p:nvPr>
-            <p:ph type="subTitle" idx="1"/>
+              <a:rPr lang="pt-BR" sz="4000" dirty="0" smtClean="0"/>
+              <a:t>Valores Literais para Tipos Primitivos</a:t>
+            </a:r>
+            <a:endParaRPr lang="pt-BR" sz="4000" dirty="0"/>
+          </a:p>
+        </p:txBody>
+      </p:sp>
+      <p:sp>
+        <p:nvSpPr>
+          <p:cNvPr id="6" name="Espaço Reservado para Conteúdo 5"/>
+          <p:cNvSpPr>
+            <a:spLocks noGrp="1"/>
+          </p:cNvSpPr>
+          <p:nvPr>
+            <p:ph idx="1"/>
           </p:nvPr>
         </p:nvSpPr>
         <p:spPr/>
@@ -11770,73 +11958,316 @@
           <a:bodyPr/>
           <a:lstStyle/>
           <a:p>
-            <a:r>
-              <a:rPr lang="pt-BR" dirty="0" smtClean="0"/>
-              <a:t>OCA </a:t>
-            </a:r>
-            <a:r>
-              <a:rPr lang="pt-BR" dirty="0" err="1" smtClean="0"/>
-              <a:t>Objectives</a:t>
-            </a:r>
-            <a:r>
-              <a:rPr lang="pt-BR" dirty="0" smtClean="0"/>
-              <a:t> 1.1 </a:t>
-            </a:r>
-            <a:r>
-              <a:rPr lang="pt-BR" dirty="0" err="1" smtClean="0"/>
-              <a:t>and</a:t>
-            </a:r>
-            <a:r>
-              <a:rPr lang="pt-BR" dirty="0" smtClean="0"/>
-              <a:t> 2.5</a:t>
-            </a:r>
-            <a:endParaRPr lang="pt-BR" dirty="0"/>
-          </a:p>
-        </p:txBody>
-      </p:sp>
-      <p:sp>
-        <p:nvSpPr>
-          <p:cNvPr id="4" name="Espaço Reservado para Rodapé 3"/>
-          <p:cNvSpPr>
-            <a:spLocks noGrp="1"/>
-          </p:cNvSpPr>
-          <p:nvPr>
-            <p:ph type="ftr" sz="quarter" idx="11"/>
-          </p:nvPr>
-        </p:nvSpPr>
-        <p:spPr/>
-        <p:txBody>
-          <a:bodyPr/>
-          <a:lstStyle/>
-          <a:p>
-            <a:r>
-              <a:rPr lang="pt-BR" dirty="0" err="1"/>
+            <a:pPr algn="just"/>
+            <a:r>
+              <a:rPr lang="pt-BR" sz="2400" dirty="0" smtClean="0"/>
+              <a:t>Java suporte os seguintes tipos numéricos (</a:t>
+            </a:r>
+            <a:r>
+              <a:rPr lang="pt-BR" sz="2400" dirty="0"/>
+              <a:t>decimal, octal, hexadecimal e binário </a:t>
+            </a:r>
+            <a:r>
+              <a:rPr lang="pt-BR" sz="2400" dirty="0" smtClean="0"/>
+              <a:t>literais e </a:t>
+            </a:r>
+            <a:r>
+              <a:rPr lang="pt-BR" sz="2400" dirty="0"/>
+              <a:t>podem utilizar </a:t>
+            </a:r>
+            <a:r>
+              <a:rPr lang="pt-BR" sz="2400" dirty="0" smtClean="0"/>
+              <a:t>“_” </a:t>
+            </a:r>
+            <a:r>
+              <a:rPr lang="pt-BR" sz="2400" dirty="0"/>
+              <a:t>para facilitar a </a:t>
+            </a:r>
+            <a:r>
+              <a:rPr lang="pt-BR" sz="2400" dirty="0" smtClean="0"/>
+              <a:t>leitura):</a:t>
+            </a:r>
+            <a:endParaRPr lang="pt-BR" sz="2400" dirty="0"/>
+          </a:p>
+          <a:p>
+            <a:pPr lvl="1" algn="just"/>
+            <a:r>
+              <a:rPr lang="pt-BR" sz="2000" i="1" dirty="0" smtClean="0"/>
+              <a:t>Short</a:t>
+            </a:r>
+          </a:p>
+          <a:p>
+            <a:pPr lvl="1" algn="just"/>
+            <a:r>
+              <a:rPr lang="pt-BR" sz="2000" i="1" dirty="0" err="1" smtClean="0"/>
+              <a:t>Integer</a:t>
+            </a:r>
+            <a:endParaRPr lang="pt-BR" sz="2000" i="1" dirty="0" smtClean="0"/>
+          </a:p>
+          <a:p>
+            <a:pPr lvl="1" algn="just"/>
+            <a:r>
+              <a:rPr lang="pt-BR" sz="2000" i="1" dirty="0" err="1" smtClean="0"/>
+              <a:t>Long</a:t>
+            </a:r>
+            <a:endParaRPr lang="pt-BR" sz="2000" i="1" dirty="0" smtClean="0"/>
+          </a:p>
+          <a:p>
+            <a:pPr lvl="1" algn="just"/>
+            <a:r>
+              <a:rPr lang="pt-BR" sz="2000" i="1" dirty="0" err="1" smtClean="0"/>
+              <a:t>Float</a:t>
+            </a:r>
+            <a:endParaRPr lang="pt-BR" sz="2000" i="1" dirty="0" smtClean="0"/>
+          </a:p>
+          <a:p>
+            <a:pPr lvl="1" algn="just"/>
+            <a:r>
+              <a:rPr lang="pt-BR" sz="2000" i="1" dirty="0" smtClean="0"/>
+              <a:t>Double</a:t>
+            </a:r>
+          </a:p>
+          <a:p>
+            <a:pPr algn="just"/>
+            <a:r>
+              <a:rPr lang="pt-BR" sz="2400" dirty="0" smtClean="0"/>
+              <a:t>Suporta também literais de </a:t>
+            </a:r>
+            <a:r>
+              <a:rPr lang="pt-BR" sz="2400" i="1" dirty="0" smtClean="0"/>
+              <a:t>floating point, </a:t>
+            </a:r>
+            <a:r>
+              <a:rPr lang="pt-BR" sz="2400" i="1" dirty="0" err="1" smtClean="0"/>
+              <a:t>boolean</a:t>
+            </a:r>
+            <a:r>
+              <a:rPr lang="pt-BR" sz="2400" dirty="0" smtClean="0"/>
+              <a:t> e </a:t>
+            </a:r>
+            <a:r>
+              <a:rPr lang="pt-BR" sz="2400" i="1" dirty="0" smtClean="0"/>
+              <a:t>char</a:t>
+            </a:r>
+          </a:p>
+          <a:p>
+            <a:pPr algn="just"/>
+            <a:r>
+              <a:rPr lang="pt-BR" sz="2400" dirty="0" smtClean="0"/>
+              <a:t>Suporte a </a:t>
+            </a:r>
+            <a:r>
+              <a:rPr lang="pt-BR" sz="2400" i="1" dirty="0" err="1" smtClean="0"/>
+              <a:t>String</a:t>
+            </a:r>
+            <a:r>
+              <a:rPr lang="pt-BR" sz="2400" dirty="0" smtClean="0"/>
+              <a:t> literal (</a:t>
+            </a:r>
+            <a:r>
+              <a:rPr lang="pt-BR" sz="2400" dirty="0" err="1" smtClean="0"/>
+              <a:t>String</a:t>
+            </a:r>
+            <a:r>
+              <a:rPr lang="pt-BR" sz="2400" dirty="0" smtClean="0"/>
+              <a:t> é considerado um objeto ao invés de primitivo)</a:t>
+            </a:r>
+          </a:p>
+          <a:p>
+            <a:pPr algn="just"/>
+            <a:endParaRPr lang="pt-BR" sz="2400" dirty="0" smtClean="0"/>
+          </a:p>
+          <a:p>
+            <a:pPr algn="just"/>
+            <a:endParaRPr lang="pt-BR" sz="2400" dirty="0" smtClean="0"/>
+          </a:p>
+          <a:p>
+            <a:pPr algn="just"/>
+            <a:endParaRPr lang="pt-BR" sz="2400" dirty="0" smtClean="0"/>
+          </a:p>
+          <a:p>
+            <a:pPr algn="just"/>
+            <a:endParaRPr lang="pt-BR" sz="2400" dirty="0"/>
+          </a:p>
+        </p:txBody>
+      </p:sp>
+      <p:sp>
+        <p:nvSpPr>
+          <p:cNvPr id="7" name="Espaço Reservado para Rodapé 3"/>
+          <p:cNvSpPr txBox="1">
+            <a:spLocks/>
+          </p:cNvSpPr>
+          <p:nvPr/>
+        </p:nvSpPr>
+        <p:spPr>
+          <a:xfrm>
+            <a:off x="3028950" y="6356351"/>
+            <a:ext cx="3086100" cy="365125"/>
+          </a:xfrm>
+          <a:prstGeom prst="rect">
+            <a:avLst/>
+          </a:prstGeom>
+        </p:spPr>
+        <p:txBody>
+          <a:bodyPr/>
+          <a:lstStyle>
+            <a:defPPr>
+              <a:defRPr lang="pt-BR"/>
+            </a:defPPr>
+            <a:lvl1pPr marL="0" algn="l" defTabSz="914400" rtl="0" eaLnBrk="1" latinLnBrk="0" hangingPunct="1">
+              <a:defRPr sz="1800" kern="1200">
+                <a:solidFill>
+                  <a:schemeClr val="tx1"/>
+                </a:solidFill>
+                <a:latin typeface="+mn-lt"/>
+                <a:ea typeface="+mn-ea"/>
+                <a:cs typeface="+mn-cs"/>
+              </a:defRPr>
+            </a:lvl1pPr>
+            <a:lvl2pPr marL="457200" algn="l" defTabSz="914400" rtl="0" eaLnBrk="1" latinLnBrk="0" hangingPunct="1">
+              <a:defRPr sz="1800" kern="1200">
+                <a:solidFill>
+                  <a:schemeClr val="tx1"/>
+                </a:solidFill>
+                <a:latin typeface="+mn-lt"/>
+                <a:ea typeface="+mn-ea"/>
+                <a:cs typeface="+mn-cs"/>
+              </a:defRPr>
+            </a:lvl2pPr>
+            <a:lvl3pPr marL="914400" algn="l" defTabSz="914400" rtl="0" eaLnBrk="1" latinLnBrk="0" hangingPunct="1">
+              <a:defRPr sz="1800" kern="1200">
+                <a:solidFill>
+                  <a:schemeClr val="tx1"/>
+                </a:solidFill>
+                <a:latin typeface="+mn-lt"/>
+                <a:ea typeface="+mn-ea"/>
+                <a:cs typeface="+mn-cs"/>
+              </a:defRPr>
+            </a:lvl3pPr>
+            <a:lvl4pPr marL="1371600" algn="l" defTabSz="914400" rtl="0" eaLnBrk="1" latinLnBrk="0" hangingPunct="1">
+              <a:defRPr sz="1800" kern="1200">
+                <a:solidFill>
+                  <a:schemeClr val="tx1"/>
+                </a:solidFill>
+                <a:latin typeface="+mn-lt"/>
+                <a:ea typeface="+mn-ea"/>
+                <a:cs typeface="+mn-cs"/>
+              </a:defRPr>
+            </a:lvl4pPr>
+            <a:lvl5pPr marL="1828800" algn="l" defTabSz="914400" rtl="0" eaLnBrk="1" latinLnBrk="0" hangingPunct="1">
+              <a:defRPr sz="1800" kern="1200">
+                <a:solidFill>
+                  <a:schemeClr val="tx1"/>
+                </a:solidFill>
+                <a:latin typeface="+mn-lt"/>
+                <a:ea typeface="+mn-ea"/>
+                <a:cs typeface="+mn-cs"/>
+              </a:defRPr>
+            </a:lvl5pPr>
+            <a:lvl6pPr marL="2286000" algn="l" defTabSz="914400" rtl="0" eaLnBrk="1" latinLnBrk="0" hangingPunct="1">
+              <a:defRPr sz="1800" kern="1200">
+                <a:solidFill>
+                  <a:schemeClr val="tx1"/>
+                </a:solidFill>
+                <a:latin typeface="+mn-lt"/>
+                <a:ea typeface="+mn-ea"/>
+                <a:cs typeface="+mn-cs"/>
+              </a:defRPr>
+            </a:lvl6pPr>
+            <a:lvl7pPr marL="2743200" algn="l" defTabSz="914400" rtl="0" eaLnBrk="1" latinLnBrk="0" hangingPunct="1">
+              <a:defRPr sz="1800" kern="1200">
+                <a:solidFill>
+                  <a:schemeClr val="tx1"/>
+                </a:solidFill>
+                <a:latin typeface="+mn-lt"/>
+                <a:ea typeface="+mn-ea"/>
+                <a:cs typeface="+mn-cs"/>
+              </a:defRPr>
+            </a:lvl7pPr>
+            <a:lvl8pPr marL="3200400" algn="l" defTabSz="914400" rtl="0" eaLnBrk="1" latinLnBrk="0" hangingPunct="1">
+              <a:defRPr sz="1800" kern="1200">
+                <a:solidFill>
+                  <a:schemeClr val="tx1"/>
+                </a:solidFill>
+                <a:latin typeface="+mn-lt"/>
+                <a:ea typeface="+mn-ea"/>
+                <a:cs typeface="+mn-cs"/>
+              </a:defRPr>
+            </a:lvl8pPr>
+            <a:lvl9pPr marL="3657600" algn="l" defTabSz="914400" rtl="0" eaLnBrk="1" latinLnBrk="0" hangingPunct="1">
+              <a:defRPr sz="1800" kern="1200">
+                <a:solidFill>
+                  <a:schemeClr val="tx1"/>
+                </a:solidFill>
+                <a:latin typeface="+mn-lt"/>
+                <a:ea typeface="+mn-ea"/>
+                <a:cs typeface="+mn-cs"/>
+              </a:defRPr>
+            </a:lvl9pPr>
+          </a:lstStyle>
+          <a:p>
+            <a:pPr algn="ctr">
+              <a:defRPr sz="1200">
+                <a:solidFill>
+                  <a:srgbClr val="8C8C8C"/>
+                </a:solidFill>
+                <a:latin typeface="Tw Cen MT" charset="0"/>
+                <a:ea typeface="Calibri" charset="0"/>
+                <a:cs typeface="Calibri" charset="0"/>
+              </a:defRPr>
+            </a:pPr>
+            <a:r>
+              <a:rPr lang="pt-BR" sz="1200" dirty="0" err="1" smtClean="0">
+                <a:solidFill>
+                  <a:srgbClr val="8C8C8C"/>
+                </a:solidFill>
+                <a:latin typeface="Tw Cen MT" charset="0"/>
+                <a:ea typeface="Calibri" charset="0"/>
+                <a:cs typeface="Calibri" charset="0"/>
+              </a:rPr>
               <a:t>Assignments</a:t>
             </a:r>
-            <a:endParaRPr lang="pt-BR" dirty="0"/>
-          </a:p>
-          <a:p>
-            <a:endParaRPr lang="pt-BR" dirty="0"/>
+            <a:endParaRPr lang="pt-BR" sz="1200" dirty="0" smtClean="0">
+              <a:solidFill>
+                <a:srgbClr val="8C8C8C"/>
+              </a:solidFill>
+              <a:latin typeface="Tw Cen MT" charset="0"/>
+              <a:ea typeface="Calibri" charset="0"/>
+              <a:cs typeface="Calibri" charset="0"/>
+            </a:endParaRPr>
+          </a:p>
+          <a:p>
+            <a:pPr algn="ctr">
+              <a:defRPr sz="1200">
+                <a:solidFill>
+                  <a:srgbClr val="8C8C8C"/>
+                </a:solidFill>
+                <a:latin typeface="Tw Cen MT" charset="0"/>
+                <a:ea typeface="Calibri" charset="0"/>
+                <a:cs typeface="Calibri" charset="0"/>
+              </a:defRPr>
+            </a:pPr>
+            <a:endParaRPr lang="pt-BR" sz="1200" dirty="0">
+              <a:solidFill>
+                <a:srgbClr val="8C8C8C"/>
+              </a:solidFill>
+              <a:latin typeface="Tw Cen MT" charset="0"/>
+              <a:ea typeface="Calibri" charset="0"/>
+              <a:cs typeface="Calibri" charset="0"/>
+            </a:endParaRPr>
           </a:p>
         </p:txBody>
       </p:sp>
     </p:spTree>
     <p:extLst>
       <p:ext uri="{BB962C8B-B14F-4D97-AF65-F5344CB8AC3E}">
-        <p14:creationId xmlns:p14="http://schemas.microsoft.com/office/powerpoint/2010/main" val="193317867"/>
+        <p14:creationId xmlns:p14="http://schemas.microsoft.com/office/powerpoint/2010/main" val="597605654"/>
       </p:ext>
     </p:extLst>
   </p:cSld>
   <p:clrMapOvr>
     <a:masterClrMapping/>
   </p:clrMapOvr>
-  <p:timing>
-    <p:tnLst>
-      <p:par>
-        <p:cTn id="1" dur="indefinite" restart="never" nodeType="tmRoot"/>
-      </p:par>
-    </p:tnLst>
-  </p:timing>
 </p:sld>
 </file>
 
@@ -11864,7 +12295,7 @@
             <a:spLocks noGrp="1"/>
           </p:cNvSpPr>
           <p:nvPr>
-            <p:ph type="ctrTitle"/>
+            <p:ph type="title"/>
           </p:nvPr>
         </p:nvSpPr>
         <p:spPr/>
@@ -11874,20 +12305,20 @@
           <a:p>
             <a:r>
               <a:rPr lang="pt-BR" dirty="0" smtClean="0"/>
-              <a:t>Inicialização de Variáveis</a:t>
-            </a:r>
-            <a:endParaRPr lang="pt-BR" dirty="0"/>
-          </a:p>
-        </p:txBody>
-      </p:sp>
-      <p:sp>
-        <p:nvSpPr>
-          <p:cNvPr id="3" name="Subtítulo 2"/>
-          <p:cNvSpPr>
-            <a:spLocks noGrp="1"/>
-          </p:cNvSpPr>
-          <p:nvPr>
-            <p:ph type="subTitle" idx="1"/>
+              <a:t>Operador de Atribuição</a:t>
+            </a:r>
+            <a:endParaRPr lang="pt-BR" dirty="0"/>
+          </a:p>
+        </p:txBody>
+      </p:sp>
+      <p:sp>
+        <p:nvSpPr>
+          <p:cNvPr id="3" name="Espaço Reservado para Conteúdo 2"/>
+          <p:cNvSpPr>
+            <a:spLocks noGrp="1"/>
+          </p:cNvSpPr>
+          <p:nvPr>
+            <p:ph idx="1"/>
           </p:nvPr>
         </p:nvSpPr>
         <p:spPr/>
@@ -11895,62 +12326,288 @@
           <a:bodyPr/>
           <a:lstStyle/>
           <a:p>
-            <a:r>
-              <a:rPr lang="pt-BR" dirty="0" smtClean="0"/>
-              <a:t>OCA </a:t>
-            </a:r>
-            <a:r>
-              <a:rPr lang="pt-BR" dirty="0" err="1" smtClean="0"/>
-              <a:t>Objective</a:t>
-            </a:r>
-            <a:r>
-              <a:rPr lang="pt-BR" dirty="0" smtClean="0"/>
-              <a:t> 2.1</a:t>
-            </a:r>
-            <a:endParaRPr lang="pt-BR" dirty="0"/>
-          </a:p>
-        </p:txBody>
-      </p:sp>
-      <p:sp>
-        <p:nvSpPr>
-          <p:cNvPr id="4" name="Espaço Reservado para Rodapé 3"/>
-          <p:cNvSpPr>
-            <a:spLocks noGrp="1"/>
-          </p:cNvSpPr>
-          <p:nvPr>
-            <p:ph type="ftr" sz="quarter" idx="11"/>
-          </p:nvPr>
-        </p:nvSpPr>
-        <p:spPr/>
-        <p:txBody>
-          <a:bodyPr/>
-          <a:lstStyle/>
-          <a:p>
-            <a:r>
-              <a:rPr lang="pt-BR" dirty="0" err="1"/>
+            <a:pPr algn="just"/>
+            <a:r>
+              <a:rPr lang="pt-BR" sz="2200" dirty="0" smtClean="0"/>
+              <a:t>Uma variável de referência </a:t>
+            </a:r>
+            <a:r>
+              <a:rPr lang="pt-BR" sz="2200" b="1" dirty="0" smtClean="0"/>
+              <a:t>não é o próprio objeto</a:t>
+            </a:r>
+            <a:r>
+              <a:rPr lang="pt-BR" sz="2200" dirty="0" smtClean="0"/>
+              <a:t>, e sim, uma representação binária que representa o caminho para se acessar um objeto na JVM</a:t>
+            </a:r>
+          </a:p>
+          <a:p>
+            <a:pPr algn="just"/>
+            <a:r>
+              <a:rPr lang="pt-BR" sz="2200" dirty="0" smtClean="0"/>
+              <a:t>O “caminho” do objeto é </a:t>
+            </a:r>
+            <a:r>
+              <a:rPr lang="pt-BR" sz="2200" b="1" dirty="0" smtClean="0"/>
+              <a:t>atribuível</a:t>
+            </a:r>
+            <a:r>
+              <a:rPr lang="pt-BR" sz="2200" dirty="0" smtClean="0"/>
+              <a:t> a uma variável através do operador “</a:t>
+            </a:r>
+            <a:r>
+              <a:rPr lang="pt-BR" sz="2200" b="1" dirty="0" smtClean="0"/>
+              <a:t>=</a:t>
+            </a:r>
+            <a:r>
+              <a:rPr lang="pt-BR" sz="2200" dirty="0" smtClean="0"/>
+              <a:t>“</a:t>
+            </a:r>
+          </a:p>
+          <a:p>
+            <a:pPr algn="just"/>
+            <a:r>
+              <a:rPr lang="pt-BR" sz="2200" dirty="0" smtClean="0"/>
+              <a:t>Operações realizadas no mesmo </a:t>
+            </a:r>
+            <a:r>
+              <a:rPr lang="pt-BR" sz="2200" dirty="0" err="1" smtClean="0"/>
+              <a:t>statement</a:t>
+            </a:r>
+            <a:r>
+              <a:rPr lang="pt-BR" sz="2200" dirty="0" smtClean="0"/>
+              <a:t> </a:t>
+            </a:r>
+            <a:r>
+              <a:rPr lang="pt-BR" sz="2200" b="1" dirty="0" smtClean="0"/>
+              <a:t>serão processados antes </a:t>
+            </a:r>
+            <a:r>
+              <a:rPr lang="pt-BR" sz="2200" dirty="0" smtClean="0"/>
+              <a:t>de serem atribuídos</a:t>
+            </a:r>
+          </a:p>
+          <a:p>
+            <a:pPr algn="just"/>
+            <a:r>
+              <a:rPr lang="pt-BR" sz="2200" dirty="0" smtClean="0"/>
+              <a:t>Suporta </a:t>
+            </a:r>
+            <a:r>
+              <a:rPr lang="pt-BR" sz="2200" dirty="0" err="1" smtClean="0"/>
+              <a:t>Casting</a:t>
+            </a:r>
+            <a:r>
+              <a:rPr lang="pt-BR" sz="2200" dirty="0" smtClean="0"/>
+              <a:t> de primitivo (implícito/explicito)</a:t>
+            </a:r>
+          </a:p>
+          <a:p>
+            <a:pPr algn="just"/>
+            <a:r>
+              <a:rPr lang="pt-BR" sz="2200" dirty="0" err="1" smtClean="0"/>
+              <a:t>Truncagem</a:t>
+            </a:r>
+            <a:r>
+              <a:rPr lang="pt-BR" sz="2200" dirty="0" smtClean="0"/>
+              <a:t> de valores excedentes ao tipo de variável declarada</a:t>
+            </a:r>
+          </a:p>
+          <a:p>
+            <a:pPr algn="just"/>
+            <a:r>
+              <a:rPr lang="pt-BR" sz="2200" dirty="0" smtClean="0"/>
+              <a:t>É possível atribuirmos um valor de uma variável a outra, entretanto trata-se apenas de uma cópia; variáveis sempre apontam </a:t>
+            </a:r>
+            <a:r>
+              <a:rPr lang="pt-BR" sz="2200" smtClean="0"/>
+              <a:t>para endereços </a:t>
+            </a:r>
+            <a:r>
+              <a:rPr lang="pt-BR" sz="2200" dirty="0" smtClean="0"/>
+              <a:t>de memória diferentes</a:t>
+            </a:r>
+          </a:p>
+          <a:p>
+            <a:pPr algn="just"/>
+            <a:endParaRPr lang="pt-BR" sz="2200" dirty="0"/>
+          </a:p>
+        </p:txBody>
+      </p:sp>
+      <p:sp>
+        <p:nvSpPr>
+          <p:cNvPr id="5" name="Espaço Reservado para Rodapé 3"/>
+          <p:cNvSpPr txBox="1">
+            <a:spLocks noGrp="1"/>
+          </p:cNvSpPr>
+          <p:nvPr>
+            <p:ph type="ftr" sz="quarter" idx="13"/>
+          </p:nvPr>
+        </p:nvSpPr>
+        <p:spPr>
+          <a:prstGeom prst="rect">
+            <a:avLst/>
+          </a:prstGeom>
+        </p:spPr>
+        <p:txBody>
+          <a:bodyPr/>
+          <a:lstStyle>
+            <a:defPPr>
+              <a:defRPr lang="pt-BR"/>
+            </a:defPPr>
+            <a:lvl1pPr marL="0" algn="l" defTabSz="914400" rtl="0" eaLnBrk="1" latinLnBrk="0" hangingPunct="1">
+              <a:defRPr sz="1800" kern="1200">
+                <a:solidFill>
+                  <a:schemeClr val="tx1"/>
+                </a:solidFill>
+                <a:latin typeface="+mn-lt"/>
+                <a:ea typeface="+mn-ea"/>
+                <a:cs typeface="+mn-cs"/>
+              </a:defRPr>
+            </a:lvl1pPr>
+            <a:lvl2pPr marL="457200" algn="l" defTabSz="914400" rtl="0" eaLnBrk="1" latinLnBrk="0" hangingPunct="1">
+              <a:defRPr sz="1800" kern="1200">
+                <a:solidFill>
+                  <a:schemeClr val="tx1"/>
+                </a:solidFill>
+                <a:latin typeface="+mn-lt"/>
+                <a:ea typeface="+mn-ea"/>
+                <a:cs typeface="+mn-cs"/>
+              </a:defRPr>
+            </a:lvl2pPr>
+            <a:lvl3pPr marL="914400" algn="l" defTabSz="914400" rtl="0" eaLnBrk="1" latinLnBrk="0" hangingPunct="1">
+              <a:defRPr sz="1800" kern="1200">
+                <a:solidFill>
+                  <a:schemeClr val="tx1"/>
+                </a:solidFill>
+                <a:latin typeface="+mn-lt"/>
+                <a:ea typeface="+mn-ea"/>
+                <a:cs typeface="+mn-cs"/>
+              </a:defRPr>
+            </a:lvl3pPr>
+            <a:lvl4pPr marL="1371600" algn="l" defTabSz="914400" rtl="0" eaLnBrk="1" latinLnBrk="0" hangingPunct="1">
+              <a:defRPr sz="1800" kern="1200">
+                <a:solidFill>
+                  <a:schemeClr val="tx1"/>
+                </a:solidFill>
+                <a:latin typeface="+mn-lt"/>
+                <a:ea typeface="+mn-ea"/>
+                <a:cs typeface="+mn-cs"/>
+              </a:defRPr>
+            </a:lvl4pPr>
+            <a:lvl5pPr marL="1828800" algn="l" defTabSz="914400" rtl="0" eaLnBrk="1" latinLnBrk="0" hangingPunct="1">
+              <a:defRPr sz="1800" kern="1200">
+                <a:solidFill>
+                  <a:schemeClr val="tx1"/>
+                </a:solidFill>
+                <a:latin typeface="+mn-lt"/>
+                <a:ea typeface="+mn-ea"/>
+                <a:cs typeface="+mn-cs"/>
+              </a:defRPr>
+            </a:lvl5pPr>
+            <a:lvl6pPr marL="2286000" algn="l" defTabSz="914400" rtl="0" eaLnBrk="1" latinLnBrk="0" hangingPunct="1">
+              <a:defRPr sz="1800" kern="1200">
+                <a:solidFill>
+                  <a:schemeClr val="tx1"/>
+                </a:solidFill>
+                <a:latin typeface="+mn-lt"/>
+                <a:ea typeface="+mn-ea"/>
+                <a:cs typeface="+mn-cs"/>
+              </a:defRPr>
+            </a:lvl6pPr>
+            <a:lvl7pPr marL="2743200" algn="l" defTabSz="914400" rtl="0" eaLnBrk="1" latinLnBrk="0" hangingPunct="1">
+              <a:defRPr sz="1800" kern="1200">
+                <a:solidFill>
+                  <a:schemeClr val="tx1"/>
+                </a:solidFill>
+                <a:latin typeface="+mn-lt"/>
+                <a:ea typeface="+mn-ea"/>
+                <a:cs typeface="+mn-cs"/>
+              </a:defRPr>
+            </a:lvl7pPr>
+            <a:lvl8pPr marL="3200400" algn="l" defTabSz="914400" rtl="0" eaLnBrk="1" latinLnBrk="0" hangingPunct="1">
+              <a:defRPr sz="1800" kern="1200">
+                <a:solidFill>
+                  <a:schemeClr val="tx1"/>
+                </a:solidFill>
+                <a:latin typeface="+mn-lt"/>
+                <a:ea typeface="+mn-ea"/>
+                <a:cs typeface="+mn-cs"/>
+              </a:defRPr>
+            </a:lvl8pPr>
+            <a:lvl9pPr marL="3657600" algn="l" defTabSz="914400" rtl="0" eaLnBrk="1" latinLnBrk="0" hangingPunct="1">
+              <a:defRPr sz="1800" kern="1200">
+                <a:solidFill>
+                  <a:schemeClr val="tx1"/>
+                </a:solidFill>
+                <a:latin typeface="+mn-lt"/>
+                <a:ea typeface="+mn-ea"/>
+                <a:cs typeface="+mn-cs"/>
+              </a:defRPr>
+            </a:lvl9pPr>
+          </a:lstStyle>
+          <a:p>
+            <a:pPr algn="ctr">
+              <a:defRPr sz="1200">
+                <a:solidFill>
+                  <a:srgbClr val="8C8C8C"/>
+                </a:solidFill>
+                <a:latin typeface="Tw Cen MT" charset="0"/>
+                <a:ea typeface="Calibri" charset="0"/>
+                <a:cs typeface="Calibri" charset="0"/>
+              </a:defRPr>
+            </a:pPr>
+            <a:r>
+              <a:rPr lang="pt-BR" sz="1200" dirty="0" err="1" smtClean="0">
+                <a:solidFill>
+                  <a:srgbClr val="8C8C8C"/>
+                </a:solidFill>
+                <a:latin typeface="Tw Cen MT" charset="0"/>
+                <a:ea typeface="Calibri" charset="0"/>
+                <a:cs typeface="Calibri" charset="0"/>
+              </a:rPr>
               <a:t>Assignments</a:t>
             </a:r>
-            <a:endParaRPr lang="pt-BR" dirty="0"/>
+            <a:endParaRPr lang="pt-BR" sz="1200" dirty="0" smtClean="0">
+              <a:solidFill>
+                <a:srgbClr val="8C8C8C"/>
+              </a:solidFill>
+              <a:latin typeface="Tw Cen MT" charset="0"/>
+              <a:ea typeface="Calibri" charset="0"/>
+              <a:cs typeface="Calibri" charset="0"/>
+            </a:endParaRPr>
+          </a:p>
+          <a:p>
+            <a:pPr algn="ctr">
+              <a:defRPr sz="1200">
+                <a:solidFill>
+                  <a:srgbClr val="8C8C8C"/>
+                </a:solidFill>
+                <a:latin typeface="Tw Cen MT" charset="0"/>
+                <a:ea typeface="Calibri" charset="0"/>
+                <a:cs typeface="Calibri" charset="0"/>
+              </a:defRPr>
+            </a:pPr>
+            <a:endParaRPr lang="pt-BR" sz="1200" dirty="0">
+              <a:solidFill>
+                <a:srgbClr val="8C8C8C"/>
+              </a:solidFill>
+              <a:latin typeface="Tw Cen MT" charset="0"/>
+              <a:ea typeface="Calibri" charset="0"/>
+              <a:cs typeface="Calibri" charset="0"/>
+            </a:endParaRPr>
           </a:p>
         </p:txBody>
       </p:sp>
     </p:spTree>
     <p:extLst>
       <p:ext uri="{BB962C8B-B14F-4D97-AF65-F5344CB8AC3E}">
-        <p14:creationId xmlns:p14="http://schemas.microsoft.com/office/powerpoint/2010/main" val="3261889034"/>
+        <p14:creationId xmlns:p14="http://schemas.microsoft.com/office/powerpoint/2010/main" val="1748971575"/>
       </p:ext>
     </p:extLst>
   </p:cSld>
   <p:clrMapOvr>
     <a:masterClrMapping/>
   </p:clrMapOvr>
-  <p:timing>
-    <p:tnLst>
-      <p:par>
-        <p:cTn id="1" dur="indefinite" restart="never" nodeType="tmRoot"/>
-      </p:par>
-    </p:tnLst>
-  </p:timing>
 </p:sld>
 </file>
 
@@ -11973,85 +12630,212 @@
       </p:grpSpPr>
       <p:sp>
         <p:nvSpPr>
-          <p:cNvPr id="2" name="Título 1"/>
-          <p:cNvSpPr>
-            <a:spLocks noGrp="1"/>
-          </p:cNvSpPr>
-          <p:nvPr>
-            <p:ph type="ctrTitle"/>
-          </p:nvPr>
-        </p:nvSpPr>
-        <p:spPr/>
-        <p:txBody>
-          <a:bodyPr/>
-          <a:lstStyle/>
-          <a:p>
-            <a:r>
-              <a:rPr lang="pt-BR" dirty="0" smtClean="0"/>
-              <a:t>Passando Variáveis para Métodos</a:t>
-            </a:r>
-            <a:endParaRPr lang="pt-BR" dirty="0"/>
-          </a:p>
-        </p:txBody>
-      </p:sp>
-      <p:sp>
-        <p:nvSpPr>
-          <p:cNvPr id="3" name="Subtítulo 2"/>
-          <p:cNvSpPr>
-            <a:spLocks noGrp="1"/>
-          </p:cNvSpPr>
-          <p:nvPr>
-            <p:ph type="subTitle" idx="1"/>
-          </p:nvPr>
-        </p:nvSpPr>
-        <p:spPr/>
-        <p:txBody>
-          <a:bodyPr/>
-          <a:lstStyle/>
-          <a:p>
-            <a:r>
-              <a:rPr lang="pt-BR" dirty="0" smtClean="0"/>
-              <a:t>OCA </a:t>
-            </a:r>
-            <a:r>
-              <a:rPr lang="pt-BR" dirty="0" err="1" smtClean="0"/>
-              <a:t>Objective</a:t>
-            </a:r>
-            <a:r>
-              <a:rPr lang="pt-BR" dirty="0" smtClean="0"/>
-              <a:t> 6.8</a:t>
-            </a:r>
-            <a:endParaRPr lang="pt-BR" dirty="0"/>
-          </a:p>
-        </p:txBody>
-      </p:sp>
-      <p:sp>
-        <p:nvSpPr>
-          <p:cNvPr id="4" name="Espaço Reservado para Rodapé 3"/>
-          <p:cNvSpPr>
-            <a:spLocks noGrp="1"/>
-          </p:cNvSpPr>
-          <p:nvPr>
-            <p:ph type="ftr" sz="quarter" idx="11"/>
-          </p:nvPr>
-        </p:nvSpPr>
-        <p:spPr/>
-        <p:txBody>
-          <a:bodyPr/>
-          <a:lstStyle/>
-          <a:p>
-            <a:r>
-              <a:rPr lang="pt-BR" dirty="0" err="1"/>
+          <p:cNvPr id="3" name="Espaço Reservado para Conteúdo 2"/>
+          <p:cNvSpPr>
+            <a:spLocks noGrp="1"/>
+          </p:cNvSpPr>
+          <p:nvPr>
+            <p:ph idx="1"/>
+          </p:nvPr>
+        </p:nvSpPr>
+        <p:spPr>
+          <a:xfrm>
+            <a:off x="628650" y="2113658"/>
+            <a:ext cx="7886700" cy="3907630"/>
+          </a:xfrm>
+        </p:spPr>
+        <p:txBody>
+          <a:bodyPr/>
+          <a:lstStyle/>
+          <a:p>
+            <a:pPr marL="0" indent="0" algn="r">
+              <a:buNone/>
+            </a:pPr>
+            <a:endParaRPr lang="pt-BR" sz="6600" dirty="0" smtClean="0"/>
+          </a:p>
+          <a:p>
+            <a:pPr marL="0" indent="0" algn="r">
+              <a:buNone/>
+            </a:pPr>
+            <a:r>
+              <a:rPr lang="pt-BR" sz="6600" dirty="0" smtClean="0"/>
+              <a:t>Uma pausa para praticar...</a:t>
+            </a:r>
+            <a:endParaRPr lang="pt-BR" sz="6600" dirty="0"/>
+          </a:p>
+        </p:txBody>
+      </p:sp>
+      <p:sp>
+        <p:nvSpPr>
+          <p:cNvPr id="6" name="Espaço Reservado para Rodapé 3"/>
+          <p:cNvSpPr txBox="1">
+            <a:spLocks/>
+          </p:cNvSpPr>
+          <p:nvPr/>
+        </p:nvSpPr>
+        <p:spPr>
+          <a:xfrm>
+            <a:off x="3028950" y="6356351"/>
+            <a:ext cx="3086100" cy="365125"/>
+          </a:xfrm>
+          <a:prstGeom prst="rect">
+            <a:avLst/>
+          </a:prstGeom>
+        </p:spPr>
+        <p:txBody>
+          <a:bodyPr/>
+          <a:lstStyle>
+            <a:defPPr>
+              <a:defRPr lang="pt-BR"/>
+            </a:defPPr>
+            <a:lvl1pPr marL="0" algn="l" defTabSz="914400" rtl="0" eaLnBrk="1" latinLnBrk="0" hangingPunct="1">
+              <a:defRPr sz="1800" kern="1200">
+                <a:solidFill>
+                  <a:schemeClr val="tx1"/>
+                </a:solidFill>
+                <a:latin typeface="+mn-lt"/>
+                <a:ea typeface="+mn-ea"/>
+                <a:cs typeface="+mn-cs"/>
+              </a:defRPr>
+            </a:lvl1pPr>
+            <a:lvl2pPr marL="457200" algn="l" defTabSz="914400" rtl="0" eaLnBrk="1" latinLnBrk="0" hangingPunct="1">
+              <a:defRPr sz="1800" kern="1200">
+                <a:solidFill>
+                  <a:schemeClr val="tx1"/>
+                </a:solidFill>
+                <a:latin typeface="+mn-lt"/>
+                <a:ea typeface="+mn-ea"/>
+                <a:cs typeface="+mn-cs"/>
+              </a:defRPr>
+            </a:lvl2pPr>
+            <a:lvl3pPr marL="914400" algn="l" defTabSz="914400" rtl="0" eaLnBrk="1" latinLnBrk="0" hangingPunct="1">
+              <a:defRPr sz="1800" kern="1200">
+                <a:solidFill>
+                  <a:schemeClr val="tx1"/>
+                </a:solidFill>
+                <a:latin typeface="+mn-lt"/>
+                <a:ea typeface="+mn-ea"/>
+                <a:cs typeface="+mn-cs"/>
+              </a:defRPr>
+            </a:lvl3pPr>
+            <a:lvl4pPr marL="1371600" algn="l" defTabSz="914400" rtl="0" eaLnBrk="1" latinLnBrk="0" hangingPunct="1">
+              <a:defRPr sz="1800" kern="1200">
+                <a:solidFill>
+                  <a:schemeClr val="tx1"/>
+                </a:solidFill>
+                <a:latin typeface="+mn-lt"/>
+                <a:ea typeface="+mn-ea"/>
+                <a:cs typeface="+mn-cs"/>
+              </a:defRPr>
+            </a:lvl4pPr>
+            <a:lvl5pPr marL="1828800" algn="l" defTabSz="914400" rtl="0" eaLnBrk="1" latinLnBrk="0" hangingPunct="1">
+              <a:defRPr sz="1800" kern="1200">
+                <a:solidFill>
+                  <a:schemeClr val="tx1"/>
+                </a:solidFill>
+                <a:latin typeface="+mn-lt"/>
+                <a:ea typeface="+mn-ea"/>
+                <a:cs typeface="+mn-cs"/>
+              </a:defRPr>
+            </a:lvl5pPr>
+            <a:lvl6pPr marL="2286000" algn="l" defTabSz="914400" rtl="0" eaLnBrk="1" latinLnBrk="0" hangingPunct="1">
+              <a:defRPr sz="1800" kern="1200">
+                <a:solidFill>
+                  <a:schemeClr val="tx1"/>
+                </a:solidFill>
+                <a:latin typeface="+mn-lt"/>
+                <a:ea typeface="+mn-ea"/>
+                <a:cs typeface="+mn-cs"/>
+              </a:defRPr>
+            </a:lvl6pPr>
+            <a:lvl7pPr marL="2743200" algn="l" defTabSz="914400" rtl="0" eaLnBrk="1" latinLnBrk="0" hangingPunct="1">
+              <a:defRPr sz="1800" kern="1200">
+                <a:solidFill>
+                  <a:schemeClr val="tx1"/>
+                </a:solidFill>
+                <a:latin typeface="+mn-lt"/>
+                <a:ea typeface="+mn-ea"/>
+                <a:cs typeface="+mn-cs"/>
+              </a:defRPr>
+            </a:lvl7pPr>
+            <a:lvl8pPr marL="3200400" algn="l" defTabSz="914400" rtl="0" eaLnBrk="1" latinLnBrk="0" hangingPunct="1">
+              <a:defRPr sz="1800" kern="1200">
+                <a:solidFill>
+                  <a:schemeClr val="tx1"/>
+                </a:solidFill>
+                <a:latin typeface="+mn-lt"/>
+                <a:ea typeface="+mn-ea"/>
+                <a:cs typeface="+mn-cs"/>
+              </a:defRPr>
+            </a:lvl8pPr>
+            <a:lvl9pPr marL="3657600" algn="l" defTabSz="914400" rtl="0" eaLnBrk="1" latinLnBrk="0" hangingPunct="1">
+              <a:defRPr sz="1800" kern="1200">
+                <a:solidFill>
+                  <a:schemeClr val="tx1"/>
+                </a:solidFill>
+                <a:latin typeface="+mn-lt"/>
+                <a:ea typeface="+mn-ea"/>
+                <a:cs typeface="+mn-cs"/>
+              </a:defRPr>
+            </a:lvl9pPr>
+          </a:lstStyle>
+          <a:p>
+            <a:pPr algn="ctr">
+              <a:defRPr sz="1200">
+                <a:solidFill>
+                  <a:srgbClr val="8C8C8C"/>
+                </a:solidFill>
+                <a:latin typeface="Tw Cen MT" charset="0"/>
+                <a:ea typeface="Calibri" charset="0"/>
+                <a:cs typeface="Calibri" charset="0"/>
+              </a:defRPr>
+            </a:pPr>
+            <a:r>
+              <a:rPr lang="pt-BR" sz="1200" dirty="0" err="1" smtClean="0">
+                <a:solidFill>
+                  <a:srgbClr val="8C8C8C"/>
+                </a:solidFill>
+                <a:latin typeface="Tw Cen MT" charset="0"/>
+                <a:ea typeface="Calibri" charset="0"/>
+                <a:cs typeface="Calibri" charset="0"/>
+              </a:rPr>
               <a:t>Assignments</a:t>
             </a:r>
-            <a:endParaRPr lang="pt-BR" dirty="0"/>
+            <a:endParaRPr lang="pt-BR" sz="1200" dirty="0" smtClean="0">
+              <a:solidFill>
+                <a:srgbClr val="8C8C8C"/>
+              </a:solidFill>
+              <a:latin typeface="Tw Cen MT" charset="0"/>
+              <a:ea typeface="Calibri" charset="0"/>
+              <a:cs typeface="Calibri" charset="0"/>
+            </a:endParaRPr>
+          </a:p>
+          <a:p>
+            <a:pPr algn="ctr">
+              <a:defRPr sz="1200">
+                <a:solidFill>
+                  <a:srgbClr val="8C8C8C"/>
+                </a:solidFill>
+                <a:latin typeface="Tw Cen MT" charset="0"/>
+                <a:ea typeface="Calibri" charset="0"/>
+                <a:cs typeface="Calibri" charset="0"/>
+              </a:defRPr>
+            </a:pPr>
+            <a:endParaRPr lang="pt-BR" sz="1200" dirty="0">
+              <a:solidFill>
+                <a:srgbClr val="8C8C8C"/>
+              </a:solidFill>
+              <a:latin typeface="Tw Cen MT" charset="0"/>
+              <a:ea typeface="Calibri" charset="0"/>
+              <a:cs typeface="Calibri" charset="0"/>
+            </a:endParaRPr>
           </a:p>
         </p:txBody>
       </p:sp>
     </p:spTree>
     <p:extLst>
       <p:ext uri="{BB962C8B-B14F-4D97-AF65-F5344CB8AC3E}">
-        <p14:creationId xmlns:p14="http://schemas.microsoft.com/office/powerpoint/2010/main" val="2287116038"/>
+        <p14:creationId xmlns:p14="http://schemas.microsoft.com/office/powerpoint/2010/main" val="2241590589"/>
       </p:ext>
     </p:extLst>
   </p:cSld>
@@ -12092,7 +12876,7 @@
             <a:spLocks noGrp="1"/>
           </p:cNvSpPr>
           <p:nvPr>
-            <p:ph type="ctrTitle"/>
+            <p:ph type="title"/>
           </p:nvPr>
         </p:nvSpPr>
         <p:spPr/>
@@ -12102,20 +12886,20 @@
           <a:p>
             <a:r>
               <a:rPr lang="pt-BR" dirty="0" smtClean="0"/>
-              <a:t>Coletor de Lixo</a:t>
-            </a:r>
-            <a:endParaRPr lang="pt-BR" dirty="0"/>
-          </a:p>
-        </p:txBody>
-      </p:sp>
-      <p:sp>
-        <p:nvSpPr>
-          <p:cNvPr id="3" name="Subtítulo 2"/>
-          <p:cNvSpPr>
-            <a:spLocks noGrp="1"/>
-          </p:cNvSpPr>
-          <p:nvPr>
-            <p:ph type="subTitle" idx="1"/>
+              <a:t>Exercício</a:t>
+            </a:r>
+            <a:endParaRPr lang="pt-BR" dirty="0"/>
+          </a:p>
+        </p:txBody>
+      </p:sp>
+      <p:sp>
+        <p:nvSpPr>
+          <p:cNvPr id="3" name="Espaço Reservado para Conteúdo 2"/>
+          <p:cNvSpPr>
+            <a:spLocks noGrp="1"/>
+          </p:cNvSpPr>
+          <p:nvPr>
+            <p:ph idx="1"/>
           </p:nvPr>
         </p:nvSpPr>
         <p:spPr/>
@@ -12123,19 +12907,62 @@
           <a:bodyPr/>
           <a:lstStyle/>
           <a:p>
-            <a:r>
-              <a:rPr lang="pt-BR" dirty="0" smtClean="0"/>
-              <a:t>OCA </a:t>
-            </a:r>
-            <a:r>
-              <a:rPr lang="pt-BR" dirty="0" err="1" smtClean="0"/>
-              <a:t>Objective</a:t>
-            </a:r>
-            <a:r>
-              <a:rPr lang="pt-BR" dirty="0" smtClean="0"/>
-              <a:t> 2.4</a:t>
-            </a:r>
-            <a:endParaRPr lang="pt-BR" dirty="0"/>
+            <a:pPr algn="just"/>
+            <a:r>
+              <a:rPr lang="pt-BR" dirty="0" smtClean="0"/>
+              <a:t>Crie um </a:t>
+            </a:r>
+            <a:r>
+              <a:rPr lang="pt-BR" i="1" dirty="0" err="1" smtClean="0"/>
+              <a:t>float</a:t>
+            </a:r>
+            <a:r>
+              <a:rPr lang="pt-BR" dirty="0" smtClean="0"/>
+              <a:t> de qualquer valor e assinale seu valor para uma variável </a:t>
+            </a:r>
+            <a:r>
+              <a:rPr lang="pt-BR" i="1" dirty="0" smtClean="0"/>
+              <a:t>short,</a:t>
+            </a:r>
+            <a:r>
+              <a:rPr lang="pt-BR" dirty="0" smtClean="0"/>
+              <a:t> usando </a:t>
+            </a:r>
+            <a:r>
+              <a:rPr lang="pt-BR" i="1" dirty="0" err="1" smtClean="0"/>
+              <a:t>casting</a:t>
+            </a:r>
+            <a:endParaRPr lang="pt-BR" i="1" dirty="0" smtClean="0"/>
+          </a:p>
+          <a:p>
+            <a:pPr algn="just"/>
+            <a:endParaRPr lang="pt-BR" dirty="0" smtClean="0"/>
+          </a:p>
+          <a:p>
+            <a:pPr algn="just"/>
+            <a:endParaRPr lang="pt-BR" dirty="0"/>
+          </a:p>
+          <a:p>
+            <a:pPr marL="0" indent="0" algn="just">
+              <a:buNone/>
+            </a:pPr>
+            <a:r>
+              <a:rPr lang="pt-BR" sz="2400" i="1" dirty="0" smtClean="0"/>
+              <a:t>OBS: literais decimais são interpretados pela JVM como sendo do tipo </a:t>
+            </a:r>
+            <a:r>
+              <a:rPr lang="pt-BR" sz="2400" i="1" dirty="0" err="1" smtClean="0"/>
+              <a:t>double</a:t>
+            </a:r>
+            <a:r>
+              <a:rPr lang="pt-BR" sz="2400" i="1" dirty="0" smtClean="0"/>
+              <a:t> e literais inteiros como sendo do tipo </a:t>
+            </a:r>
+            <a:r>
+              <a:rPr lang="pt-BR" sz="2400" i="1" dirty="0" err="1" smtClean="0"/>
+              <a:t>integer</a:t>
+            </a:r>
+            <a:endParaRPr lang="pt-BR" sz="2400" i="1" dirty="0"/>
           </a:p>
         </p:txBody>
       </p:sp>
@@ -12146,7 +12973,7 @@
             <a:spLocks noGrp="1"/>
           </p:cNvSpPr>
           <p:nvPr>
-            <p:ph type="ftr" sz="quarter" idx="11"/>
+            <p:ph type="ftr" sz="quarter" idx="13"/>
           </p:nvPr>
         </p:nvSpPr>
         <p:spPr/>
@@ -12154,31 +12981,30 @@
           <a:bodyPr/>
           <a:lstStyle/>
           <a:p>
-            <a:r>
-              <a:rPr lang="pt-BR" dirty="0" err="1"/>
-              <a:t>Assignments</a:t>
-            </a:r>
-            <a:endParaRPr lang="pt-BR" dirty="0"/>
+            <a:pPr algn="ctr">
+              <a:defRPr sz="1200">
+                <a:solidFill>
+                  <a:srgbClr val="8C8C8C"/>
+                </a:solidFill>
+                <a:latin typeface="Tw Cen MT" charset="0"/>
+                <a:ea typeface="Calibri" charset="0"/>
+                <a:cs typeface="Calibri" charset="0"/>
+              </a:defRPr>
+            </a:pPr>
+            <a:endParaRPr lang="pt-BR"/>
           </a:p>
         </p:txBody>
       </p:sp>
     </p:spTree>
     <p:extLst>
       <p:ext uri="{BB962C8B-B14F-4D97-AF65-F5344CB8AC3E}">
-        <p14:creationId xmlns:p14="http://schemas.microsoft.com/office/powerpoint/2010/main" val="1564616669"/>
+        <p14:creationId xmlns:p14="http://schemas.microsoft.com/office/powerpoint/2010/main" val="205999619"/>
       </p:ext>
     </p:extLst>
   </p:cSld>
   <p:clrMapOvr>
     <a:masterClrMapping/>
   </p:clrMapOvr>
-  <p:timing>
-    <p:tnLst>
-      <p:par>
-        <p:cTn id="1" dur="indefinite" restart="never" nodeType="tmRoot"/>
-      </p:par>
-    </p:tnLst>
-  </p:timing>
 </p:sld>
 </file>
 
@@ -12216,7 +13042,7 @@
           <a:p>
             <a:r>
               <a:rPr lang="pt-BR" dirty="0" smtClean="0"/>
-              <a:t>Operadores em Java</a:t>
+              <a:t>Escopo</a:t>
             </a:r>
             <a:endParaRPr lang="pt-BR" dirty="0"/>
           </a:p>
@@ -12247,7 +13073,7 @@
             </a:r>
             <a:r>
               <a:rPr lang="pt-BR" dirty="0" smtClean="0"/>
-              <a:t> 3.1, 3.2 </a:t>
+              <a:t> 1.1 </a:t>
             </a:r>
             <a:r>
               <a:rPr lang="pt-BR" dirty="0" err="1" smtClean="0"/>
@@ -12255,7 +13081,7 @@
             </a:r>
             <a:r>
               <a:rPr lang="pt-BR" dirty="0" smtClean="0"/>
-              <a:t> 3.3</a:t>
+              <a:t> 2.5</a:t>
             </a:r>
             <a:endParaRPr lang="pt-BR" dirty="0"/>
           </a:p>
@@ -12277,9 +13103,12 @@
           <a:lstStyle/>
           <a:p>
             <a:r>
-              <a:rPr lang="pt-BR" dirty="0" smtClean="0"/>
-              <a:t>Operadores</a:t>
-            </a:r>
+              <a:rPr lang="pt-BR" dirty="0" err="1"/>
+              <a:t>Assignments</a:t>
+            </a:r>
+            <a:endParaRPr lang="pt-BR" dirty="0"/>
+          </a:p>
+          <a:p>
             <a:endParaRPr lang="pt-BR" dirty="0"/>
           </a:p>
         </p:txBody>
@@ -12287,7 +13116,7 @@
     </p:spTree>
     <p:extLst>
       <p:ext uri="{BB962C8B-B14F-4D97-AF65-F5344CB8AC3E}">
-        <p14:creationId xmlns:p14="http://schemas.microsoft.com/office/powerpoint/2010/main" val="1039160923"/>
+        <p14:creationId xmlns:p14="http://schemas.microsoft.com/office/powerpoint/2010/main" val="193317867"/>
       </p:ext>
     </p:extLst>
   </p:cSld>
@@ -12338,32 +13167,51 @@
           <a:p>
             <a:r>
               <a:rPr lang="pt-BR" dirty="0" smtClean="0"/>
-              <a:t>Usando </a:t>
+              <a:t>Inicialização de Variáveis</a:t>
+            </a:r>
+            <a:endParaRPr lang="pt-BR" dirty="0"/>
+          </a:p>
+        </p:txBody>
+      </p:sp>
+      <p:sp>
+        <p:nvSpPr>
+          <p:cNvPr id="3" name="Subtítulo 2"/>
+          <p:cNvSpPr>
+            <a:spLocks noGrp="1"/>
+          </p:cNvSpPr>
+          <p:nvPr>
+            <p:ph type="subTitle" idx="1"/>
+          </p:nvPr>
+        </p:nvSpPr>
+        <p:spPr/>
+        <p:txBody>
+          <a:bodyPr/>
+          <a:lstStyle/>
+          <a:p>
+            <a:r>
+              <a:rPr lang="pt-BR" dirty="0" smtClean="0"/>
+              <a:t>OCA </a:t>
             </a:r>
             <a:r>
               <a:rPr lang="pt-BR" dirty="0" err="1" smtClean="0"/>
-              <a:t>Strings</a:t>
-            </a:r>
-            <a:r>
-              <a:rPr lang="pt-BR" dirty="0" smtClean="0"/>
-              <a:t> e </a:t>
-            </a:r>
-            <a:r>
-              <a:rPr lang="pt-BR" dirty="0" err="1" smtClean="0"/>
-              <a:t>StringBuilder</a:t>
-            </a:r>
-            <a:endParaRPr lang="pt-BR" dirty="0"/>
-          </a:p>
-        </p:txBody>
-      </p:sp>
-      <p:sp>
-        <p:nvSpPr>
-          <p:cNvPr id="3" name="Subtítulo 2"/>
-          <p:cNvSpPr>
-            <a:spLocks noGrp="1"/>
-          </p:cNvSpPr>
-          <p:nvPr>
-            <p:ph type="subTitle" idx="1"/>
+              <a:t>Objective</a:t>
+            </a:r>
+            <a:r>
+              <a:rPr lang="pt-BR" dirty="0" smtClean="0"/>
+              <a:t> 2.1</a:t>
+            </a:r>
+            <a:endParaRPr lang="pt-BR" dirty="0"/>
+          </a:p>
+        </p:txBody>
+      </p:sp>
+      <p:sp>
+        <p:nvSpPr>
+          <p:cNvPr id="4" name="Espaço Reservado para Rodapé 3"/>
+          <p:cNvSpPr>
+            <a:spLocks noGrp="1"/>
+          </p:cNvSpPr>
+          <p:nvPr>
+            <p:ph type="ftr" sz="quarter" idx="11"/>
           </p:nvPr>
         </p:nvSpPr>
         <p:spPr/>
@@ -12372,67 +13220,8 @@
           <a:lstStyle/>
           <a:p>
             <a:r>
-              <a:rPr lang="pt-BR" dirty="0" smtClean="0"/>
-              <a:t>OCA </a:t>
-            </a:r>
-            <a:r>
-              <a:rPr lang="pt-BR" dirty="0" err="1" smtClean="0"/>
-              <a:t>Objectives</a:t>
-            </a:r>
-            <a:r>
-              <a:rPr lang="pt-BR" dirty="0" smtClean="0"/>
-              <a:t> 2.7 </a:t>
-            </a:r>
-            <a:r>
-              <a:rPr lang="pt-BR" dirty="0" err="1" smtClean="0"/>
-              <a:t>and</a:t>
-            </a:r>
-            <a:r>
-              <a:rPr lang="pt-BR" dirty="0" smtClean="0"/>
-              <a:t> 2.6</a:t>
-            </a:r>
-            <a:endParaRPr lang="pt-BR" dirty="0"/>
-          </a:p>
-        </p:txBody>
-      </p:sp>
-      <p:sp>
-        <p:nvSpPr>
-          <p:cNvPr id="4" name="Espaço Reservado para Rodapé 3"/>
-          <p:cNvSpPr>
-            <a:spLocks noGrp="1"/>
-          </p:cNvSpPr>
-          <p:nvPr>
-            <p:ph type="ftr" sz="quarter" idx="11"/>
-          </p:nvPr>
-        </p:nvSpPr>
-        <p:spPr/>
-        <p:txBody>
-          <a:bodyPr/>
-          <a:lstStyle/>
-          <a:p>
-            <a:r>
-              <a:rPr lang="pt-BR" dirty="0" smtClean="0"/>
-              <a:t>Trabalhando com </a:t>
-            </a:r>
-            <a:r>
-              <a:rPr lang="pt-BR" dirty="0" err="1" smtClean="0"/>
-              <a:t>Strings</a:t>
-            </a:r>
-            <a:r>
-              <a:rPr lang="pt-BR" dirty="0" smtClean="0"/>
-              <a:t>, </a:t>
-            </a:r>
-            <a:r>
-              <a:rPr lang="pt-BR" dirty="0" err="1" smtClean="0"/>
-              <a:t>Arrays</a:t>
-            </a:r>
-            <a:r>
-              <a:rPr lang="pt-BR" dirty="0" smtClean="0"/>
-              <a:t> e </a:t>
-            </a:r>
-            <a:r>
-              <a:rPr lang="pt-BR" dirty="0" err="1" smtClean="0"/>
-              <a:t>ArrayLists</a:t>
+              <a:rPr lang="pt-BR" dirty="0" err="1"/>
+              <a:t>Assignments</a:t>
             </a:r>
             <a:endParaRPr lang="pt-BR" dirty="0"/>
           </a:p>
@@ -12441,7 +13230,7 @@
     </p:spTree>
     <p:extLst>
       <p:ext uri="{BB962C8B-B14F-4D97-AF65-F5344CB8AC3E}">
-        <p14:creationId xmlns:p14="http://schemas.microsoft.com/office/powerpoint/2010/main" val="1074513946"/>
+        <p14:creationId xmlns:p14="http://schemas.microsoft.com/office/powerpoint/2010/main" val="3261889034"/>
       </p:ext>
     </p:extLst>
   </p:cSld>
@@ -12492,24 +13281,51 @@
           <a:p>
             <a:r>
               <a:rPr lang="pt-BR" dirty="0" smtClean="0"/>
-              <a:t>Usando </a:t>
+              <a:t>Passando Variáveis para Métodos</a:t>
+            </a:r>
+            <a:endParaRPr lang="pt-BR" dirty="0"/>
+          </a:p>
+        </p:txBody>
+      </p:sp>
+      <p:sp>
+        <p:nvSpPr>
+          <p:cNvPr id="3" name="Subtítulo 2"/>
+          <p:cNvSpPr>
+            <a:spLocks noGrp="1"/>
+          </p:cNvSpPr>
+          <p:nvPr>
+            <p:ph type="subTitle" idx="1"/>
+          </p:nvPr>
+        </p:nvSpPr>
+        <p:spPr/>
+        <p:txBody>
+          <a:bodyPr/>
+          <a:lstStyle/>
+          <a:p>
+            <a:r>
+              <a:rPr lang="pt-BR" dirty="0" smtClean="0"/>
+              <a:t>OCA </a:t>
             </a:r>
             <a:r>
               <a:rPr lang="pt-BR" dirty="0" err="1" smtClean="0"/>
-              <a:t>Arrays</a:t>
-            </a:r>
-            <a:endParaRPr lang="pt-BR" dirty="0"/>
-          </a:p>
-        </p:txBody>
-      </p:sp>
-      <p:sp>
-        <p:nvSpPr>
-          <p:cNvPr id="3" name="Subtítulo 2"/>
-          <p:cNvSpPr>
-            <a:spLocks noGrp="1"/>
-          </p:cNvSpPr>
-          <p:nvPr>
-            <p:ph type="subTitle" idx="1"/>
+              <a:t>Objective</a:t>
+            </a:r>
+            <a:r>
+              <a:rPr lang="pt-BR" dirty="0" smtClean="0"/>
+              <a:t> 6.8</a:t>
+            </a:r>
+            <a:endParaRPr lang="pt-BR" dirty="0"/>
+          </a:p>
+        </p:txBody>
+      </p:sp>
+      <p:sp>
+        <p:nvSpPr>
+          <p:cNvPr id="4" name="Espaço Reservado para Rodapé 3"/>
+          <p:cNvSpPr>
+            <a:spLocks noGrp="1"/>
+          </p:cNvSpPr>
+          <p:nvPr>
+            <p:ph type="ftr" sz="quarter" idx="11"/>
           </p:nvPr>
         </p:nvSpPr>
         <p:spPr/>
@@ -12518,71 +13334,9 @@
           <a:lstStyle/>
           <a:p>
             <a:r>
-              <a:rPr lang="pt-BR" dirty="0" smtClean="0"/>
-              <a:t>OCA </a:t>
-            </a:r>
-            <a:r>
-              <a:rPr lang="pt-BR" dirty="0" err="1" smtClean="0"/>
-              <a:t>Objectives</a:t>
-            </a:r>
-            <a:r>
-              <a:rPr lang="pt-BR" dirty="0" smtClean="0"/>
-              <a:t> 4.1 </a:t>
-            </a:r>
-            <a:r>
-              <a:rPr lang="pt-BR" dirty="0" err="1" smtClean="0"/>
-              <a:t>and</a:t>
-            </a:r>
-            <a:r>
-              <a:rPr lang="pt-BR" dirty="0" smtClean="0"/>
-              <a:t> 4.2</a:t>
-            </a:r>
-            <a:endParaRPr lang="pt-BR" dirty="0"/>
-          </a:p>
-        </p:txBody>
-      </p:sp>
-      <p:sp>
-        <p:nvSpPr>
-          <p:cNvPr id="4" name="Espaço Reservado para Rodapé 3"/>
-          <p:cNvSpPr>
-            <a:spLocks noGrp="1"/>
-          </p:cNvSpPr>
-          <p:nvPr>
-            <p:ph type="ftr" sz="quarter" idx="11"/>
-          </p:nvPr>
-        </p:nvSpPr>
-        <p:spPr/>
-        <p:txBody>
-          <a:bodyPr/>
-          <a:lstStyle/>
-          <a:p>
-            <a:r>
-              <a:rPr lang="pt-BR" dirty="0"/>
-              <a:t>Trabalhando com </a:t>
-            </a:r>
-            <a:r>
               <a:rPr lang="pt-BR" dirty="0" err="1"/>
-              <a:t>Strings</a:t>
-            </a:r>
-            <a:r>
-              <a:rPr lang="pt-BR" dirty="0"/>
-              <a:t>, </a:t>
-            </a:r>
-            <a:r>
-              <a:rPr lang="pt-BR" dirty="0" err="1"/>
-              <a:t>Arrays</a:t>
-            </a:r>
-            <a:r>
-              <a:rPr lang="pt-BR" dirty="0"/>
-              <a:t> e </a:t>
-            </a:r>
-            <a:r>
-              <a:rPr lang="pt-BR" dirty="0" err="1"/>
-              <a:t>ArrayLists</a:t>
-            </a:r>
-            <a:endParaRPr lang="pt-BR" dirty="0"/>
-          </a:p>
-          <a:p>
+              <a:t>Assignments</a:t>
+            </a:r>
             <a:endParaRPr lang="pt-BR" dirty="0"/>
           </a:p>
         </p:txBody>
@@ -12590,7 +13344,7 @@
     </p:spTree>
     <p:extLst>
       <p:ext uri="{BB962C8B-B14F-4D97-AF65-F5344CB8AC3E}">
-        <p14:creationId xmlns:p14="http://schemas.microsoft.com/office/powerpoint/2010/main" val="1389997935"/>
+        <p14:creationId xmlns:p14="http://schemas.microsoft.com/office/powerpoint/2010/main" val="2287116038"/>
       </p:ext>
     </p:extLst>
   </p:cSld>
@@ -12791,11 +13545,7 @@
           <a:p>
             <a:r>
               <a:rPr lang="pt-BR" dirty="0" smtClean="0"/>
-              <a:t>Usando </a:t>
-            </a:r>
-            <a:r>
-              <a:rPr lang="pt-BR" dirty="0" err="1" smtClean="0"/>
-              <a:t>ArrayList</a:t>
+              <a:t>Coletor de Lixo</a:t>
             </a:r>
             <a:endParaRPr lang="pt-BR" dirty="0"/>
           </a:p>
@@ -12826,7 +13576,7 @@
             </a:r>
             <a:r>
               <a:rPr lang="pt-BR" dirty="0" smtClean="0"/>
-              <a:t> 4.3</a:t>
+              <a:t> 2.4</a:t>
             </a:r>
             <a:endParaRPr lang="pt-BR" dirty="0"/>
           </a:p>
@@ -12848,32 +13598,9 @@
           <a:lstStyle/>
           <a:p>
             <a:r>
-              <a:rPr lang="pt-BR" dirty="0"/>
-              <a:t>Trabalhando com </a:t>
-            </a:r>
-            <a:r>
               <a:rPr lang="pt-BR" dirty="0" err="1"/>
-              <a:t>Strings</a:t>
-            </a:r>
-            <a:r>
-              <a:rPr lang="pt-BR" dirty="0"/>
-              <a:t>, </a:t>
-            </a:r>
-            <a:r>
-              <a:rPr lang="pt-BR" dirty="0" err="1"/>
-              <a:t>Arrays</a:t>
-            </a:r>
-            <a:r>
-              <a:rPr lang="pt-BR" dirty="0"/>
-              <a:t> e </a:t>
-            </a:r>
-            <a:r>
-              <a:rPr lang="pt-BR" dirty="0" err="1"/>
-              <a:t>ArrayLists</a:t>
-            </a:r>
-            <a:endParaRPr lang="pt-BR" dirty="0"/>
-          </a:p>
-          <a:p>
+              <a:t>Assignments</a:t>
+            </a:r>
             <a:endParaRPr lang="pt-BR" dirty="0"/>
           </a:p>
         </p:txBody>
@@ -12881,7 +13608,7 @@
     </p:spTree>
     <p:extLst>
       <p:ext uri="{BB962C8B-B14F-4D97-AF65-F5344CB8AC3E}">
-        <p14:creationId xmlns:p14="http://schemas.microsoft.com/office/powerpoint/2010/main" val="2158061903"/>
+        <p14:creationId xmlns:p14="http://schemas.microsoft.com/office/powerpoint/2010/main" val="1564616669"/>
       </p:ext>
     </p:extLst>
   </p:cSld>
@@ -12932,15 +13659,7 @@
           <a:p>
             <a:r>
               <a:rPr lang="pt-BR" dirty="0" smtClean="0"/>
-              <a:t>Usando </a:t>
-            </a:r>
-            <a:r>
-              <a:rPr lang="pt-BR" dirty="0" err="1" smtClean="0"/>
-              <a:t>if</a:t>
-            </a:r>
-            <a:r>
-              <a:rPr lang="pt-BR" dirty="0" smtClean="0"/>
-              <a:t> e switch</a:t>
+              <a:t>Operadores em Java</a:t>
             </a:r>
             <a:endParaRPr lang="pt-BR" dirty="0"/>
           </a:p>
@@ -12971,7 +13690,15 @@
             </a:r>
             <a:r>
               <a:rPr lang="pt-BR" dirty="0" smtClean="0"/>
-              <a:t> 3.4, 3.5 e 1.1 upgrade</a:t>
+              <a:t> 3.1, 3.2 </a:t>
+            </a:r>
+            <a:r>
+              <a:rPr lang="pt-BR" dirty="0" err="1" smtClean="0"/>
+              <a:t>and</a:t>
+            </a:r>
+            <a:r>
+              <a:rPr lang="pt-BR" dirty="0" smtClean="0"/>
+              <a:t> 3.3</a:t>
             </a:r>
             <a:endParaRPr lang="pt-BR" dirty="0"/>
           </a:p>
@@ -12994,7 +13721,7 @@
           <a:p>
             <a:r>
               <a:rPr lang="pt-BR" dirty="0" smtClean="0"/>
-              <a:t>Controle de Fluxo e Exceções</a:t>
+              <a:t>Operadores</a:t>
             </a:r>
             <a:endParaRPr lang="pt-BR" dirty="0"/>
           </a:p>
@@ -13003,7 +13730,7 @@
     </p:spTree>
     <p:extLst>
       <p:ext uri="{BB962C8B-B14F-4D97-AF65-F5344CB8AC3E}">
-        <p14:creationId xmlns:p14="http://schemas.microsoft.com/office/powerpoint/2010/main" val="532384450"/>
+        <p14:creationId xmlns:p14="http://schemas.microsoft.com/office/powerpoint/2010/main" val="1039160923"/>
       </p:ext>
     </p:extLst>
   </p:cSld>
@@ -13054,7 +13781,19 @@
           <a:p>
             <a:r>
               <a:rPr lang="pt-BR" dirty="0" smtClean="0"/>
-              <a:t>Criando Loops</a:t>
+              <a:t>Usando </a:t>
+            </a:r>
+            <a:r>
+              <a:rPr lang="pt-BR" dirty="0" err="1" smtClean="0"/>
+              <a:t>Strings</a:t>
+            </a:r>
+            <a:r>
+              <a:rPr lang="pt-BR" dirty="0" smtClean="0"/>
+              <a:t> e </a:t>
+            </a:r>
+            <a:r>
+              <a:rPr lang="pt-BR" dirty="0" err="1" smtClean="0"/>
+              <a:t>StringBuilder</a:t>
             </a:r>
             <a:endParaRPr lang="pt-BR" dirty="0"/>
           </a:p>
@@ -13085,7 +13824,7 @@
             </a:r>
             <a:r>
               <a:rPr lang="pt-BR" dirty="0" smtClean="0"/>
-              <a:t> 5.1, 5.2, 5.3, 5.4 </a:t>
+              <a:t> 2.7 </a:t>
             </a:r>
             <a:r>
               <a:rPr lang="pt-BR" dirty="0" err="1" smtClean="0"/>
@@ -13093,7 +13832,7 @@
             </a:r>
             <a:r>
               <a:rPr lang="pt-BR" dirty="0" smtClean="0"/>
-              <a:t> 5.5</a:t>
+              <a:t> 2.6</a:t>
             </a:r>
             <a:endParaRPr lang="pt-BR" dirty="0"/>
           </a:p>
@@ -13115,11 +13854,29 @@
           <a:lstStyle/>
           <a:p>
             <a:r>
-              <a:rPr lang="pt-BR" dirty="0"/>
-              <a:t>Controle de Fluxo e Exceções</a:t>
-            </a:r>
-          </a:p>
-          <a:p>
+              <a:rPr lang="pt-BR" dirty="0" smtClean="0"/>
+              <a:t>Trabalhando com </a:t>
+            </a:r>
+            <a:r>
+              <a:rPr lang="pt-BR" dirty="0" err="1" smtClean="0"/>
+              <a:t>Strings</a:t>
+            </a:r>
+            <a:r>
+              <a:rPr lang="pt-BR" dirty="0" smtClean="0"/>
+              <a:t>, </a:t>
+            </a:r>
+            <a:r>
+              <a:rPr lang="pt-BR" dirty="0" err="1" smtClean="0"/>
+              <a:t>Arrays</a:t>
+            </a:r>
+            <a:r>
+              <a:rPr lang="pt-BR" dirty="0" smtClean="0"/>
+              <a:t> e </a:t>
+            </a:r>
+            <a:r>
+              <a:rPr lang="pt-BR" dirty="0" err="1" smtClean="0"/>
+              <a:t>ArrayLists</a:t>
+            </a:r>
             <a:endParaRPr lang="pt-BR" dirty="0"/>
           </a:p>
         </p:txBody>
@@ -13127,7 +13884,7 @@
     </p:spTree>
     <p:extLst>
       <p:ext uri="{BB962C8B-B14F-4D97-AF65-F5344CB8AC3E}">
-        <p14:creationId xmlns:p14="http://schemas.microsoft.com/office/powerpoint/2010/main" val="2470865896"/>
+        <p14:creationId xmlns:p14="http://schemas.microsoft.com/office/powerpoint/2010/main" val="1074513946"/>
       </p:ext>
     </p:extLst>
   </p:cSld>
@@ -13178,6 +13935,542 @@
           <a:p>
             <a:r>
               <a:rPr lang="pt-BR" dirty="0" smtClean="0"/>
+              <a:t>Usando </a:t>
+            </a:r>
+            <a:r>
+              <a:rPr lang="pt-BR" dirty="0" err="1" smtClean="0"/>
+              <a:t>Arrays</a:t>
+            </a:r>
+            <a:endParaRPr lang="pt-BR" dirty="0"/>
+          </a:p>
+        </p:txBody>
+      </p:sp>
+      <p:sp>
+        <p:nvSpPr>
+          <p:cNvPr id="3" name="Subtítulo 2"/>
+          <p:cNvSpPr>
+            <a:spLocks noGrp="1"/>
+          </p:cNvSpPr>
+          <p:nvPr>
+            <p:ph type="subTitle" idx="1"/>
+          </p:nvPr>
+        </p:nvSpPr>
+        <p:spPr/>
+        <p:txBody>
+          <a:bodyPr/>
+          <a:lstStyle/>
+          <a:p>
+            <a:r>
+              <a:rPr lang="pt-BR" dirty="0" smtClean="0"/>
+              <a:t>OCA </a:t>
+            </a:r>
+            <a:r>
+              <a:rPr lang="pt-BR" dirty="0" err="1" smtClean="0"/>
+              <a:t>Objectives</a:t>
+            </a:r>
+            <a:r>
+              <a:rPr lang="pt-BR" dirty="0" smtClean="0"/>
+              <a:t> 4.1 </a:t>
+            </a:r>
+            <a:r>
+              <a:rPr lang="pt-BR" dirty="0" err="1" smtClean="0"/>
+              <a:t>and</a:t>
+            </a:r>
+            <a:r>
+              <a:rPr lang="pt-BR" dirty="0" smtClean="0"/>
+              <a:t> 4.2</a:t>
+            </a:r>
+            <a:endParaRPr lang="pt-BR" dirty="0"/>
+          </a:p>
+        </p:txBody>
+      </p:sp>
+      <p:sp>
+        <p:nvSpPr>
+          <p:cNvPr id="4" name="Espaço Reservado para Rodapé 3"/>
+          <p:cNvSpPr>
+            <a:spLocks noGrp="1"/>
+          </p:cNvSpPr>
+          <p:nvPr>
+            <p:ph type="ftr" sz="quarter" idx="11"/>
+          </p:nvPr>
+        </p:nvSpPr>
+        <p:spPr/>
+        <p:txBody>
+          <a:bodyPr/>
+          <a:lstStyle/>
+          <a:p>
+            <a:r>
+              <a:rPr lang="pt-BR" dirty="0"/>
+              <a:t>Trabalhando com </a:t>
+            </a:r>
+            <a:r>
+              <a:rPr lang="pt-BR" dirty="0" err="1"/>
+              <a:t>Strings</a:t>
+            </a:r>
+            <a:r>
+              <a:rPr lang="pt-BR" dirty="0"/>
+              <a:t>, </a:t>
+            </a:r>
+            <a:r>
+              <a:rPr lang="pt-BR" dirty="0" err="1"/>
+              <a:t>Arrays</a:t>
+            </a:r>
+            <a:r>
+              <a:rPr lang="pt-BR" dirty="0"/>
+              <a:t> e </a:t>
+            </a:r>
+            <a:r>
+              <a:rPr lang="pt-BR" dirty="0" err="1"/>
+              <a:t>ArrayLists</a:t>
+            </a:r>
+            <a:endParaRPr lang="pt-BR" dirty="0"/>
+          </a:p>
+          <a:p>
+            <a:endParaRPr lang="pt-BR" dirty="0"/>
+          </a:p>
+        </p:txBody>
+      </p:sp>
+    </p:spTree>
+    <p:extLst>
+      <p:ext uri="{BB962C8B-B14F-4D97-AF65-F5344CB8AC3E}">
+        <p14:creationId xmlns:p14="http://schemas.microsoft.com/office/powerpoint/2010/main" val="1389997935"/>
+      </p:ext>
+    </p:extLst>
+  </p:cSld>
+  <p:clrMapOvr>
+    <a:masterClrMapping/>
+  </p:clrMapOvr>
+  <p:timing>
+    <p:tnLst>
+      <p:par>
+        <p:cTn id="1" dur="indefinite" restart="never" nodeType="tmRoot"/>
+      </p:par>
+    </p:tnLst>
+  </p:timing>
+</p:sld>
+</file>
+
+<file path=ppt/slides/slide64.xml><?xml version="1.0" encoding="utf-8"?>
+<p:sld xmlns:a="http://schemas.openxmlformats.org/drawingml/2006/main" xmlns:r="http://schemas.openxmlformats.org/officeDocument/2006/relationships" xmlns:p="http://schemas.openxmlformats.org/presentationml/2006/main">
+  <p:cSld>
+    <p:spTree>
+      <p:nvGrpSpPr>
+        <p:cNvPr id="1" name=""/>
+        <p:cNvGrpSpPr/>
+        <p:nvPr/>
+      </p:nvGrpSpPr>
+      <p:grpSpPr>
+        <a:xfrm>
+          <a:off x="0" y="0"/>
+          <a:ext cx="0" cy="0"/>
+          <a:chOff x="0" y="0"/>
+          <a:chExt cx="0" cy="0"/>
+        </a:xfrm>
+      </p:grpSpPr>
+      <p:sp>
+        <p:nvSpPr>
+          <p:cNvPr id="2" name="Título 1"/>
+          <p:cNvSpPr>
+            <a:spLocks noGrp="1"/>
+          </p:cNvSpPr>
+          <p:nvPr>
+            <p:ph type="ctrTitle"/>
+          </p:nvPr>
+        </p:nvSpPr>
+        <p:spPr/>
+        <p:txBody>
+          <a:bodyPr/>
+          <a:lstStyle/>
+          <a:p>
+            <a:r>
+              <a:rPr lang="pt-BR" dirty="0" smtClean="0"/>
+              <a:t>Usando </a:t>
+            </a:r>
+            <a:r>
+              <a:rPr lang="pt-BR" dirty="0" err="1" smtClean="0"/>
+              <a:t>ArrayList</a:t>
+            </a:r>
+            <a:endParaRPr lang="pt-BR" dirty="0"/>
+          </a:p>
+        </p:txBody>
+      </p:sp>
+      <p:sp>
+        <p:nvSpPr>
+          <p:cNvPr id="3" name="Subtítulo 2"/>
+          <p:cNvSpPr>
+            <a:spLocks noGrp="1"/>
+          </p:cNvSpPr>
+          <p:nvPr>
+            <p:ph type="subTitle" idx="1"/>
+          </p:nvPr>
+        </p:nvSpPr>
+        <p:spPr/>
+        <p:txBody>
+          <a:bodyPr/>
+          <a:lstStyle/>
+          <a:p>
+            <a:r>
+              <a:rPr lang="pt-BR" dirty="0" smtClean="0"/>
+              <a:t>OCA </a:t>
+            </a:r>
+            <a:r>
+              <a:rPr lang="pt-BR" dirty="0" err="1" smtClean="0"/>
+              <a:t>Objective</a:t>
+            </a:r>
+            <a:r>
+              <a:rPr lang="pt-BR" dirty="0" smtClean="0"/>
+              <a:t> 4.3</a:t>
+            </a:r>
+            <a:endParaRPr lang="pt-BR" dirty="0"/>
+          </a:p>
+        </p:txBody>
+      </p:sp>
+      <p:sp>
+        <p:nvSpPr>
+          <p:cNvPr id="4" name="Espaço Reservado para Rodapé 3"/>
+          <p:cNvSpPr>
+            <a:spLocks noGrp="1"/>
+          </p:cNvSpPr>
+          <p:nvPr>
+            <p:ph type="ftr" sz="quarter" idx="11"/>
+          </p:nvPr>
+        </p:nvSpPr>
+        <p:spPr/>
+        <p:txBody>
+          <a:bodyPr/>
+          <a:lstStyle/>
+          <a:p>
+            <a:r>
+              <a:rPr lang="pt-BR" dirty="0"/>
+              <a:t>Trabalhando com </a:t>
+            </a:r>
+            <a:r>
+              <a:rPr lang="pt-BR" dirty="0" err="1"/>
+              <a:t>Strings</a:t>
+            </a:r>
+            <a:r>
+              <a:rPr lang="pt-BR" dirty="0"/>
+              <a:t>, </a:t>
+            </a:r>
+            <a:r>
+              <a:rPr lang="pt-BR" dirty="0" err="1"/>
+              <a:t>Arrays</a:t>
+            </a:r>
+            <a:r>
+              <a:rPr lang="pt-BR" dirty="0"/>
+              <a:t> e </a:t>
+            </a:r>
+            <a:r>
+              <a:rPr lang="pt-BR" dirty="0" err="1"/>
+              <a:t>ArrayLists</a:t>
+            </a:r>
+            <a:endParaRPr lang="pt-BR" dirty="0"/>
+          </a:p>
+          <a:p>
+            <a:endParaRPr lang="pt-BR" dirty="0"/>
+          </a:p>
+        </p:txBody>
+      </p:sp>
+    </p:spTree>
+    <p:extLst>
+      <p:ext uri="{BB962C8B-B14F-4D97-AF65-F5344CB8AC3E}">
+        <p14:creationId xmlns:p14="http://schemas.microsoft.com/office/powerpoint/2010/main" val="2158061903"/>
+      </p:ext>
+    </p:extLst>
+  </p:cSld>
+  <p:clrMapOvr>
+    <a:masterClrMapping/>
+  </p:clrMapOvr>
+  <p:timing>
+    <p:tnLst>
+      <p:par>
+        <p:cTn id="1" dur="indefinite" restart="never" nodeType="tmRoot"/>
+      </p:par>
+    </p:tnLst>
+  </p:timing>
+</p:sld>
+</file>
+
+<file path=ppt/slides/slide65.xml><?xml version="1.0" encoding="utf-8"?>
+<p:sld xmlns:a="http://schemas.openxmlformats.org/drawingml/2006/main" xmlns:r="http://schemas.openxmlformats.org/officeDocument/2006/relationships" xmlns:p="http://schemas.openxmlformats.org/presentationml/2006/main">
+  <p:cSld>
+    <p:spTree>
+      <p:nvGrpSpPr>
+        <p:cNvPr id="1" name=""/>
+        <p:cNvGrpSpPr/>
+        <p:nvPr/>
+      </p:nvGrpSpPr>
+      <p:grpSpPr>
+        <a:xfrm>
+          <a:off x="0" y="0"/>
+          <a:ext cx="0" cy="0"/>
+          <a:chOff x="0" y="0"/>
+          <a:chExt cx="0" cy="0"/>
+        </a:xfrm>
+      </p:grpSpPr>
+      <p:sp>
+        <p:nvSpPr>
+          <p:cNvPr id="2" name="Título 1"/>
+          <p:cNvSpPr>
+            <a:spLocks noGrp="1"/>
+          </p:cNvSpPr>
+          <p:nvPr>
+            <p:ph type="ctrTitle"/>
+          </p:nvPr>
+        </p:nvSpPr>
+        <p:spPr/>
+        <p:txBody>
+          <a:bodyPr/>
+          <a:lstStyle/>
+          <a:p>
+            <a:r>
+              <a:rPr lang="pt-BR" dirty="0" smtClean="0"/>
+              <a:t>Usando </a:t>
+            </a:r>
+            <a:r>
+              <a:rPr lang="pt-BR" dirty="0" err="1" smtClean="0"/>
+              <a:t>if</a:t>
+            </a:r>
+            <a:r>
+              <a:rPr lang="pt-BR" dirty="0" smtClean="0"/>
+              <a:t> e switch</a:t>
+            </a:r>
+            <a:endParaRPr lang="pt-BR" dirty="0"/>
+          </a:p>
+        </p:txBody>
+      </p:sp>
+      <p:sp>
+        <p:nvSpPr>
+          <p:cNvPr id="3" name="Subtítulo 2"/>
+          <p:cNvSpPr>
+            <a:spLocks noGrp="1"/>
+          </p:cNvSpPr>
+          <p:nvPr>
+            <p:ph type="subTitle" idx="1"/>
+          </p:nvPr>
+        </p:nvSpPr>
+        <p:spPr/>
+        <p:txBody>
+          <a:bodyPr/>
+          <a:lstStyle/>
+          <a:p>
+            <a:r>
+              <a:rPr lang="pt-BR" dirty="0" smtClean="0"/>
+              <a:t>OCA </a:t>
+            </a:r>
+            <a:r>
+              <a:rPr lang="pt-BR" dirty="0" err="1" smtClean="0"/>
+              <a:t>Objectives</a:t>
+            </a:r>
+            <a:r>
+              <a:rPr lang="pt-BR" dirty="0" smtClean="0"/>
+              <a:t> 3.4, 3.5 e 1.1 upgrade</a:t>
+            </a:r>
+            <a:endParaRPr lang="pt-BR" dirty="0"/>
+          </a:p>
+        </p:txBody>
+      </p:sp>
+      <p:sp>
+        <p:nvSpPr>
+          <p:cNvPr id="4" name="Espaço Reservado para Rodapé 3"/>
+          <p:cNvSpPr>
+            <a:spLocks noGrp="1"/>
+          </p:cNvSpPr>
+          <p:nvPr>
+            <p:ph type="ftr" sz="quarter" idx="11"/>
+          </p:nvPr>
+        </p:nvSpPr>
+        <p:spPr/>
+        <p:txBody>
+          <a:bodyPr/>
+          <a:lstStyle/>
+          <a:p>
+            <a:r>
+              <a:rPr lang="pt-BR" dirty="0" smtClean="0"/>
+              <a:t>Controle de Fluxo e Exceções</a:t>
+            </a:r>
+            <a:endParaRPr lang="pt-BR" dirty="0"/>
+          </a:p>
+        </p:txBody>
+      </p:sp>
+    </p:spTree>
+    <p:extLst>
+      <p:ext uri="{BB962C8B-B14F-4D97-AF65-F5344CB8AC3E}">
+        <p14:creationId xmlns:p14="http://schemas.microsoft.com/office/powerpoint/2010/main" val="532384450"/>
+      </p:ext>
+    </p:extLst>
+  </p:cSld>
+  <p:clrMapOvr>
+    <a:masterClrMapping/>
+  </p:clrMapOvr>
+  <p:timing>
+    <p:tnLst>
+      <p:par>
+        <p:cTn id="1" dur="indefinite" restart="never" nodeType="tmRoot"/>
+      </p:par>
+    </p:tnLst>
+  </p:timing>
+</p:sld>
+</file>
+
+<file path=ppt/slides/slide66.xml><?xml version="1.0" encoding="utf-8"?>
+<p:sld xmlns:a="http://schemas.openxmlformats.org/drawingml/2006/main" xmlns:r="http://schemas.openxmlformats.org/officeDocument/2006/relationships" xmlns:p="http://schemas.openxmlformats.org/presentationml/2006/main">
+  <p:cSld>
+    <p:spTree>
+      <p:nvGrpSpPr>
+        <p:cNvPr id="1" name=""/>
+        <p:cNvGrpSpPr/>
+        <p:nvPr/>
+      </p:nvGrpSpPr>
+      <p:grpSpPr>
+        <a:xfrm>
+          <a:off x="0" y="0"/>
+          <a:ext cx="0" cy="0"/>
+          <a:chOff x="0" y="0"/>
+          <a:chExt cx="0" cy="0"/>
+        </a:xfrm>
+      </p:grpSpPr>
+      <p:sp>
+        <p:nvSpPr>
+          <p:cNvPr id="2" name="Título 1"/>
+          <p:cNvSpPr>
+            <a:spLocks noGrp="1"/>
+          </p:cNvSpPr>
+          <p:nvPr>
+            <p:ph type="ctrTitle"/>
+          </p:nvPr>
+        </p:nvSpPr>
+        <p:spPr/>
+        <p:txBody>
+          <a:bodyPr/>
+          <a:lstStyle/>
+          <a:p>
+            <a:r>
+              <a:rPr lang="pt-BR" dirty="0" smtClean="0"/>
+              <a:t>Criando Loops</a:t>
+            </a:r>
+            <a:endParaRPr lang="pt-BR" dirty="0"/>
+          </a:p>
+        </p:txBody>
+      </p:sp>
+      <p:sp>
+        <p:nvSpPr>
+          <p:cNvPr id="3" name="Subtítulo 2"/>
+          <p:cNvSpPr>
+            <a:spLocks noGrp="1"/>
+          </p:cNvSpPr>
+          <p:nvPr>
+            <p:ph type="subTitle" idx="1"/>
+          </p:nvPr>
+        </p:nvSpPr>
+        <p:spPr/>
+        <p:txBody>
+          <a:bodyPr/>
+          <a:lstStyle/>
+          <a:p>
+            <a:r>
+              <a:rPr lang="pt-BR" dirty="0" smtClean="0"/>
+              <a:t>OCA </a:t>
+            </a:r>
+            <a:r>
+              <a:rPr lang="pt-BR" dirty="0" err="1" smtClean="0"/>
+              <a:t>Objectives</a:t>
+            </a:r>
+            <a:r>
+              <a:rPr lang="pt-BR" dirty="0" smtClean="0"/>
+              <a:t> 5.1, 5.2, 5.3, 5.4 </a:t>
+            </a:r>
+            <a:r>
+              <a:rPr lang="pt-BR" dirty="0" err="1" smtClean="0"/>
+              <a:t>and</a:t>
+            </a:r>
+            <a:r>
+              <a:rPr lang="pt-BR" dirty="0" smtClean="0"/>
+              <a:t> 5.5</a:t>
+            </a:r>
+            <a:endParaRPr lang="pt-BR" dirty="0"/>
+          </a:p>
+        </p:txBody>
+      </p:sp>
+      <p:sp>
+        <p:nvSpPr>
+          <p:cNvPr id="4" name="Espaço Reservado para Rodapé 3"/>
+          <p:cNvSpPr>
+            <a:spLocks noGrp="1"/>
+          </p:cNvSpPr>
+          <p:nvPr>
+            <p:ph type="ftr" sz="quarter" idx="11"/>
+          </p:nvPr>
+        </p:nvSpPr>
+        <p:spPr/>
+        <p:txBody>
+          <a:bodyPr/>
+          <a:lstStyle/>
+          <a:p>
+            <a:r>
+              <a:rPr lang="pt-BR" dirty="0"/>
+              <a:t>Controle de Fluxo e Exceções</a:t>
+            </a:r>
+          </a:p>
+          <a:p>
+            <a:endParaRPr lang="pt-BR" dirty="0"/>
+          </a:p>
+        </p:txBody>
+      </p:sp>
+    </p:spTree>
+    <p:extLst>
+      <p:ext uri="{BB962C8B-B14F-4D97-AF65-F5344CB8AC3E}">
+        <p14:creationId xmlns:p14="http://schemas.microsoft.com/office/powerpoint/2010/main" val="2470865896"/>
+      </p:ext>
+    </p:extLst>
+  </p:cSld>
+  <p:clrMapOvr>
+    <a:masterClrMapping/>
+  </p:clrMapOvr>
+  <p:timing>
+    <p:tnLst>
+      <p:par>
+        <p:cTn id="1" dur="indefinite" restart="never" nodeType="tmRoot"/>
+      </p:par>
+    </p:tnLst>
+  </p:timing>
+</p:sld>
+</file>
+
+<file path=ppt/slides/slide67.xml><?xml version="1.0" encoding="utf-8"?>
+<p:sld xmlns:a="http://schemas.openxmlformats.org/drawingml/2006/main" xmlns:r="http://schemas.openxmlformats.org/officeDocument/2006/relationships" xmlns:p="http://schemas.openxmlformats.org/presentationml/2006/main">
+  <p:cSld>
+    <p:spTree>
+      <p:nvGrpSpPr>
+        <p:cNvPr id="1" name=""/>
+        <p:cNvGrpSpPr/>
+        <p:nvPr/>
+      </p:nvGrpSpPr>
+      <p:grpSpPr>
+        <a:xfrm>
+          <a:off x="0" y="0"/>
+          <a:ext cx="0" cy="0"/>
+          <a:chOff x="0" y="0"/>
+          <a:chExt cx="0" cy="0"/>
+        </a:xfrm>
+      </p:grpSpPr>
+      <p:sp>
+        <p:nvSpPr>
+          <p:cNvPr id="2" name="Título 1"/>
+          <p:cNvSpPr>
+            <a:spLocks noGrp="1"/>
+          </p:cNvSpPr>
+          <p:nvPr>
+            <p:ph type="ctrTitle"/>
+          </p:nvPr>
+        </p:nvSpPr>
+        <p:spPr/>
+        <p:txBody>
+          <a:bodyPr/>
+          <a:lstStyle/>
+          <a:p>
+            <a:r>
+              <a:rPr lang="pt-BR" dirty="0" smtClean="0"/>
               <a:t>Manipulando Exceções</a:t>
             </a:r>
             <a:endParaRPr lang="pt-BR" dirty="0"/>
@@ -13268,7 +14561,7 @@
 </p:sld>
 </file>
 
-<file path=ppt/slides/slide64.xml><?xml version="1.0" encoding="utf-8"?>
+<file path=ppt/slides/slide68.xml><?xml version="1.0" encoding="utf-8"?>
 <p:sld xmlns:a="http://schemas.openxmlformats.org/drawingml/2006/main" xmlns:r="http://schemas.openxmlformats.org/officeDocument/2006/relationships" xmlns:p="http://schemas.openxmlformats.org/presentationml/2006/main">
   <p:cSld>
     <p:spTree>

--- a/TreinamentoJavaSeOca/documentos/apresentação/OCA.pptx
+++ b/TreinamentoJavaSeOca/documentos/apresentação/OCA.pptx
@@ -733,7 +733,7 @@
             <a:spLocks noGrp="1" noChangeArrowheads="1"/>
             <a:extLst>
               <a:ext uri="smNativeData">
-                <pr:smNativeData xmlns="" xmlns:pr="smNativeData" val="SMDATA_12_7hxgVxMAAAAlAAAAZAAAAA0AAAAAkAAAAEgAAACQAAAASAAAAAAAAAAAAAAAAAAAAAEAAABQAAAAAAAAAAAA4D8AAAAAAADgPwAAAAAAAOA/AAAAAAAA4D8AAAAAAADgPwAAAAAAAOA/AAAAAAAA4D8AAAAAAADgPwAAAAAAAOA/AAAAAAAA4D8CAAAAjAAAAAAAAAAAAAAA////DP///wgAAAAAAAAAAAAAAAAAAAAAAAAAAAAAAAAAAAAAZAAAAAEAAABAAAAAAAAAAAAAAAAAAAAAAAAAAAAAAAAAAAAAAAAAAAAAAAAAAAAAAAAAAAAAAAAAAAAAAAAAAAAAAAAAAAAAAAAAAAAAAAAAAAAAAAAAAAAAAAAAAAAAFAAAADwAAAAAAAAAAAAAAAZJjAkUAAAAAQAAABQAAAAUAAAAFAAAAAEAAAAAAAAAZAAAAGQAAAAAAAAAZAAAAGQAAAAVAAAAYAAAAAAAAAAAAAAADwAAACADAAAAAAAAAAAAAAEAAACgMgAAVgcAAKr4//8BAAAAf39/AAEAAABkAAAAAAAAABQAAABAHwAAAAAAACYAAAAAAAAAwOD//wAAAAAmAAAAZAAAABYAAABMAAAAAAAAAAAAAAAEAAAAAAAAAAEAAACWlpYKAAAAACgAAAAoAAAAZAAAAGQAAAAAAAAAzMzMAAAAAABQAAAAUAAAAGQAAABkAAAAAAAAABcAAAAUAAAAAAAAAAAAAAD/fwAA/38AAAAAAAAJAAAABAAAAAAAAAAMAAAAEAAAAAAAAAAAAAAAAAAAAAAAAAAeAAAAaAAAAAAAAAAAAAAAAAAAAAAAAAAAAAAAECcAABAnAAAAAAAAAAAAAAAAAAAAAAAAAAAAAAAAAAAAAAAAAAAAABQAAAAAAAAAwMD/AAAAAABkAAAAMgAAAAAAAABkAAAAAAAAAH9/fwAKAAAAHwAAAFQAAAAAAAAFAAAAAQAAAAAAAAAAAAAAAAAAAAAAAAAAAAAAAAAAAAAAAAAAAAAAAn9/fwAAAAADzMzMAMDA/wB/f38AAAAAAAAAAAAAAAAAAAAAAAAAAAAhAAAAGAAAABQAAAA4BAAAwAMAANAvAAAIBwAAEAAAAA=="/>
+                <pr:smNativeData xmlns:pr="smNativeData" xmlns="" val="SMDATA_12_7hxgVxMAAAAlAAAAZAAAAA0AAAAAkAAAAEgAAACQAAAASAAAAAAAAAAAAAAAAAAAAAEAAABQAAAAAAAAAAAA4D8AAAAAAADgPwAAAAAAAOA/AAAAAAAA4D8AAAAAAADgPwAAAAAAAOA/AAAAAAAA4D8AAAAAAADgPwAAAAAAAOA/AAAAAAAA4D8CAAAAjAAAAAAAAAAAAAAA////DP///wgAAAAAAAAAAAAAAAAAAAAAAAAAAAAAAAAAAAAAZAAAAAEAAABAAAAAAAAAAAAAAAAAAAAAAAAAAAAAAAAAAAAAAAAAAAAAAAAAAAAAAAAAAAAAAAAAAAAAAAAAAAAAAAAAAAAAAAAAAAAAAAAAAAAAAAAAAAAAAAAAAAAAFAAAADwAAAAAAAAAAAAAAAZJjAkUAAAAAQAAABQAAAAUAAAAFAAAAAEAAAAAAAAAZAAAAGQAAAAAAAAAZAAAAGQAAAAVAAAAYAAAAAAAAAAAAAAADwAAACADAAAAAAAAAAAAAAEAAACgMgAAVgcAAKr4//8BAAAAf39/AAEAAABkAAAAAAAAABQAAABAHwAAAAAAACYAAAAAAAAAwOD//wAAAAAmAAAAZAAAABYAAABMAAAAAAAAAAAAAAAEAAAAAAAAAAEAAACWlpYKAAAAACgAAAAoAAAAZAAAAGQAAAAAAAAAzMzMAAAAAABQAAAAUAAAAGQAAABkAAAAAAAAABcAAAAUAAAAAAAAAAAAAAD/fwAA/38AAAAAAAAJAAAABAAAAAAAAAAMAAAAEAAAAAAAAAAAAAAAAAAAAAAAAAAeAAAAaAAAAAAAAAAAAAAAAAAAAAAAAAAAAAAAECcAABAnAAAAAAAAAAAAAAAAAAAAAAAAAAAAAAAAAAAAAAAAAAAAABQAAAAAAAAAwMD/AAAAAABkAAAAMgAAAAAAAABkAAAAAAAAAH9/fwAKAAAAHwAAAFQAAAAAAAAFAAAAAQAAAAAAAAAAAAAAAAAAAAAAAAAAAAAAAAAAAAAAAAAAAAAAAn9/fwAAAAADzMzMAMDA/wB/f38AAAAAAAAAAAAAAAAAAAAAAAAAAAAhAAAAGAAAABQAAAA4BAAAwAMAANAvAAAIBwAAEAAAAA=="/>
               </a:ext>
             </a:extLst>
           </p:cNvSpPr>
@@ -1627,7 +1627,7 @@
             <a:spLocks noGrp="1" noChangeArrowheads="1"/>
             <a:extLst>
               <a:ext uri="smNativeData">
-                <pr:smNativeData xmlns="" xmlns:pr="smNativeData" val="SMDATA_12_7hxgVxMAAAAlAAAAZAAAAA0AAAAAkAAAAEgAAACQAAAASAAAAAAAAAABAAAAAAAAAAEAAABQAAAAAAAAAAAA4D8AAAAAAADgPwAAAAAAAOA/AAAAAAAA4D8AAAAAAADgPwAAAAAAAOA/AAAAAAAA4D8AAAAAAADgPwAAAAAAAOA/AAAAAAAA4D8CAAAAjAAAAAAAAAAAAAAA////AP///wgAAAAAAAAAAAAAAAAAAAAAAAAAAAAAAAAAAAAAeAAAAAEAAABAAAAAAAAAAAAAAABaAAAAAAAAAAAAAAAAAAAAAAAAAAAAAAAAAAAAAAAAAAAAAAAAAAAAAAAAAAAAAAAAAAAAAAAAAAAAAAAAAAAAAAAAAAAAAAAAAAAAFAAAADwAAAAAAAAAAAAAAAAAAAAPAAAAAQAAACMAAAAjAAAAIwAAAB4AAAAAAAAAZAAAAGQAAAAAAAAAZAAAAGQAAAAVAAAAYAAAAAAAAAAAAAAADwAAACADAAAAAAAAAAAAAAEAAACgMgAAVgcAAKr4//8BAAAAf39/AAEAAABkAAAAAAAAABQAAABAHwAAAAAAACYAAAAAAAAAwOD//wAAAAAmAAAAZAAAABYAAABMAAAAAAAAAAAAAAAEAAAAAAAAAAEAAADn5uYKAAAAACgAAAAoAAAAZAAAAGQAAAAAAAAAzMzMAAAAAABQAAAAUAAAAGQAAABkAAAAAAAAABcAAAAUAAAAAAAAAAAAAAD/fwAA/38AAAAAAAAJAAAABAAAAAAAAAAMAAAAEAAAAAAAAAAAAAAAAAAAAAAAAAAeAAAAaAAAAAAAAAAAAAAAAAAAAAAAAAAAAAAAECcAABAnAAAAAAAAAAAAAAAAAAAAAAAAAAAAAAAAAAAAAAAAAAAAABQAAAAAAAAAwMD/AAAAAABkAAAAMgAAAAAAAABkAAAAAAAAAH9/fwAKAAAAHwAAAFQAAAD///8AAAAAAQAAAAAAAAAAAAAAAAAAAAAAAAAAAAAAAAAAAAAAAAAAAAAAAH9/fwAAAAADzMzMAMDA/wB/f38AAAAAAAAAAAAAAAAAAAAAAAAAAAAhAAAAGAAAABQAAAAoBQAAPwIAANhFAABnCgAAEAAAAA=="/>
+                <pr:smNativeData xmlns:pr="smNativeData" xmlns="" val="SMDATA_12_7hxgVxMAAAAlAAAAZAAAAA0AAAAAkAAAAEgAAACQAAAASAAAAAAAAAABAAAAAAAAAAEAAABQAAAAAAAAAAAA4D8AAAAAAADgPwAAAAAAAOA/AAAAAAAA4D8AAAAAAADgPwAAAAAAAOA/AAAAAAAA4D8AAAAAAADgPwAAAAAAAOA/AAAAAAAA4D8CAAAAjAAAAAAAAAAAAAAA////AP///wgAAAAAAAAAAAAAAAAAAAAAAAAAAAAAAAAAAAAAeAAAAAEAAABAAAAAAAAAAAAAAABaAAAAAAAAAAAAAAAAAAAAAAAAAAAAAAAAAAAAAAAAAAAAAAAAAAAAAAAAAAAAAAAAAAAAAAAAAAAAAAAAAAAAAAAAAAAAAAAAAAAAFAAAADwAAAAAAAAAAAAAAAAAAAAPAAAAAQAAACMAAAAjAAAAIwAAAB4AAAAAAAAAZAAAAGQAAAAAAAAAZAAAAGQAAAAVAAAAYAAAAAAAAAAAAAAADwAAACADAAAAAAAAAAAAAAEAAACgMgAAVgcAAKr4//8BAAAAf39/AAEAAABkAAAAAAAAABQAAABAHwAAAAAAACYAAAAAAAAAwOD//wAAAAAmAAAAZAAAABYAAABMAAAAAAAAAAAAAAAEAAAAAAAAAAEAAADn5uYKAAAAACgAAAAoAAAAZAAAAGQAAAAAAAAAzMzMAAAAAABQAAAAUAAAAGQAAABkAAAAAAAAABcAAAAUAAAAAAAAAAAAAAD/fwAA/38AAAAAAAAJAAAABAAAAAAAAAAMAAAAEAAAAAAAAAAAAAAAAAAAAAAAAAAeAAAAaAAAAAAAAAAAAAAAAAAAAAAAAAAAAAAAECcAABAnAAAAAAAAAAAAAAAAAAAAAAAAAAAAAAAAAAAAAAAAAAAAABQAAAAAAAAAwMD/AAAAAABkAAAAMgAAAAAAAABkAAAAAAAAAH9/fwAKAAAAHwAAAFQAAAD///8AAAAAAQAAAAAAAAAAAAAAAAAAAAAAAAAAAAAAAAAAAAAAAAAAAAAAAH9/fwAAAAADzMzMAMDA/wB/f38AAAAAAAAAAAAAAAAAAAAAAAAAAAAhAAAAGAAAABQAAAAoBQAAPwIAANhFAABnCgAAEAAAAA=="/>
               </a:ext>
             </a:extLst>
           </p:cNvSpPr>
@@ -1674,7 +1674,7 @@
             <a:spLocks noGrp="1" noChangeArrowheads="1"/>
             <a:extLst>
               <a:ext uri="smNativeData">
-                <pr:smNativeData xmlns="" xmlns:pr="smNativeData" val="SMDATA_12_7hxgVxMAAAAlAAAAZAAAAA0AAAAAkAAAAEgAAACQAAAASAAAAAAAAAAAAAAAAAAAAAEAAABQAAAAAAAAAAAA4D8AAAAAAADgPwAAAAAAAOA/AAAAAAAA4D8AAAAAAADgPwAAAAAAAOA/AAAAAAAA4D8AAAAAAADgPwAAAAAAAOA/AAAAAAAA4D8CAAAAjAAAAAAAAAAAAAAA////AP///wgAAAAAAAAAAAAAAAAAAAAAAAAAAAAAAAAAAAAAeAAAAAEAAABAAAAAAAAAAAAAAABaAAAAAAAAAAAAAAAAAAAAAAAAAAAAAAAAAAAAAAAAAAAAAAAAAAAAAAAAAAAAAAAAAAAAAAAAAAAAAAAAAAAAAAAAAAAAAAAAAAAAFAAAADwAAAAAAAAAAAAAAAAAAAAPAAAAAQAAACMAAAAjAAAAIwAAAB4AAAAAAAAAZAAAAGQAAAAAAAAAZAAAAGQAAAAVAAAAYAAAAAAAAAAAAAAADwAAACADAAAAAAAAAAAAAAEAAACgMgAAVgcAAKr4//8BAAAAf39/AAEAAABkAAAAAAAAABQAAABAHwAAAAAAACYAAAAAAAAAwOD//wAAAAAmAAAAZAAAABYAAABMAAAAAAAAAAAAAAAEAAAAAAAAAAEAAADn5uYKAAAAACgAAAAoAAAAZAAAAGQAAAAAAAAAzMzMAAAAAABQAAAAUAAAAGQAAABkAAAAAAAAABcAAAAUAAAAAAAAAAAAAAD/fwAA/38AAAAAAAAJAAAABAAAAAAAAAAMAAAAEAAAAAAAAAAAAAAAAAAAAAAAAAAeAAAAaAAAAAAAAAAAAAAAAAAAAAAAAAAAAAAAECcAABAnAAAAAAAAAAAAAAAAAAAAAAAAAAAAAAAAAAAAAAAAAAAAABQAAAAAAAAAwMD/AAAAAABkAAAAMgAAAAAAAABkAAAAAAAAAH9/fwAKAAAAHwAAAFQAAAD///8AAAAAAQAAAAAAAAAAAAAAAAAAAAAAAAAAAAAAAAAAAAAAAAAAAAAAAH9/fwAAAAADzMzMAMDA/wB/f38AAAAAAAAAAAAAAAAAAAAAAAAAAAAhAAAAGAAAABQAAAAoBQAAOwsAANhFAAAAJgAAEAAAAA=="/>
+                <pr:smNativeData xmlns:pr="smNativeData" xmlns="" val="SMDATA_12_7hxgVxMAAAAlAAAAZAAAAA0AAAAAkAAAAEgAAACQAAAASAAAAAAAAAAAAAAAAAAAAAEAAABQAAAAAAAAAAAA4D8AAAAAAADgPwAAAAAAAOA/AAAAAAAA4D8AAAAAAADgPwAAAAAAAOA/AAAAAAAA4D8AAAAAAADgPwAAAAAAAOA/AAAAAAAA4D8CAAAAjAAAAAAAAAAAAAAA////AP///wgAAAAAAAAAAAAAAAAAAAAAAAAAAAAAAAAAAAAAeAAAAAEAAABAAAAAAAAAAAAAAABaAAAAAAAAAAAAAAAAAAAAAAAAAAAAAAAAAAAAAAAAAAAAAAAAAAAAAAAAAAAAAAAAAAAAAAAAAAAAAAAAAAAAAAAAAAAAAAAAAAAAFAAAADwAAAAAAAAAAAAAAAAAAAAPAAAAAQAAACMAAAAjAAAAIwAAAB4AAAAAAAAAZAAAAGQAAAAAAAAAZAAAAGQAAAAVAAAAYAAAAAAAAAAAAAAADwAAACADAAAAAAAAAAAAAAEAAACgMgAAVgcAAKr4//8BAAAAf39/AAEAAABkAAAAAAAAABQAAABAHwAAAAAAACYAAAAAAAAAwOD//wAAAAAmAAAAZAAAABYAAABMAAAAAAAAAAAAAAAEAAAAAAAAAAEAAADn5uYKAAAAACgAAAAoAAAAZAAAAGQAAAAAAAAAzMzMAAAAAABQAAAAUAAAAGQAAABkAAAAAAAAABcAAAAUAAAAAAAAAAAAAAD/fwAA/38AAAAAAAAJAAAABAAAAAAAAAAMAAAAEAAAAAAAAAAAAAAAAAAAAAAAAAAeAAAAaAAAAAAAAAAAAAAAAAAAAAAAAAAAAAAAECcAABAnAAAAAAAAAAAAAAAAAAAAAAAAAAAAAAAAAAAAAAAAAAAAABQAAAAAAAAAwMD/AAAAAABkAAAAMgAAAAAAAABkAAAAAAAAAH9/fwAKAAAAHwAAAFQAAAD///8AAAAAAQAAAAAAAAAAAAAAAAAAAAAAAAAAAAAAAAAAAAAAAAAAAAAAAH9/fwAAAAADzMzMAMDA/wB/f38AAAAAAAAAAAAAAAAAAAAAAAAAAAAhAAAAGAAAABQAAAAoBQAAOwsAANhFAAAAJgAAEAAAAA=="/>
               </a:ext>
             </a:extLst>
           </p:cNvSpPr>
@@ -1721,7 +1721,7 @@
             <a:spLocks noGrp="1" noChangeArrowheads="1"/>
             <a:extLst>
               <a:ext uri="smNativeData">
-                <pr:smNativeData xmlns="" xmlns:pr="smNativeData" val="SMDATA_12_7hxgVxMAAAAlAAAAZAAAAA0AAAAAkAAAAEgAAACQAAAASAAAAAAAAAABAAAAAAAAAAEAAABQAAAAAAAAAAAA4D8AAAAAAADgPwAAAAAAAOA/AAAAAAAA4D8AAAAAAADgPwAAAAAAAOA/AAAAAAAA4D8AAAAAAADgPwAAAAAAAOA/AAAAAAAA4D8CAAAAjAAAAAAAAAAAAAAA////AP///wgAAAAAAAAAAAAAAAAAAAAAAAAAAAAAAAAAAAAAeAAAAAEAAABAAAAAAAAAAAAAAABaAAAAAAAAAAAAAAAAAAAAAAAAAAAAAAAAAAAAAAAAAAAAAAAAAAAAAAAAAAAAAAAAAAAAAAAAAAAAAAAAAAAAAAAAAAAAAAAAAAAAFAAAADwAAAAAAAAAAAAAAAAAAAAPAAAAAQAAACMAAAAjAAAAIwAAAB4AAAAAAAAAZAAAAGQAAAAAAAAAZAAAAGQAAAAVAAAAYAAAAAAAAAAAAAAADwAAACADAAAAAAAAAAAAAAEAAACgMgAAVgcAAKr4//8BAAAAf39/AAEAAABkAAAAAAAAABQAAABAHwAAAAAAACYAAAAAAAAAwOD//wAAAAAmAAAAZAAAABYAAABMAAAAAAAAAAAAAAAEAAAAAAAAAAEAAADn5uYKAAAAACgAAAAoAAAAZAAAAGQAAAAAAAAAzMzMAAAAAABQAAAAUAAAAGQAAABkAAAAAAAAABcAAAAUAAAAAAAAAAAAAAD/fwAA/38AAAAAAAAJAAAABAAAAAAAAAAMAAAAEAAAAAAAAAAAAAAAAAAAAAAAAAAeAAAAaAAAAAAAAAAAAAAAAAAAAAAAAAAAAAAAECcAABAnAAAAAAAAAAAAAAAAAAAAAAAAAAAAAAAAAAAAAAAAAAAAABQAAAAAAAAAwMD/AAAAAABkAAAAMgAAAAAAAABkAAAAAAAAAH9/fwAKAAAAHwAAAFQAAAD///8A////AQAAAAAAAAAAAAAAAAAAAAAAAAAAAAAAAAAAAAAAAAAAAAAAAH9/fwDn5uYDzMzMAMDA/wB/f38AAAAAAAAAAAAAAAAAAAAAAAAAAAAhAAAAGAAAABQAAAD4NAAAGicAANhFAABZKQAAEAAAAA=="/>
+                <pr:smNativeData xmlns:pr="smNativeData" xmlns="" val="SMDATA_12_7hxgVxMAAAAlAAAAZAAAAA0AAAAAkAAAAEgAAACQAAAASAAAAAAAAAABAAAAAAAAAAEAAABQAAAAAAAAAAAA4D8AAAAAAADgPwAAAAAAAOA/AAAAAAAA4D8AAAAAAADgPwAAAAAAAOA/AAAAAAAA4D8AAAAAAADgPwAAAAAAAOA/AAAAAAAA4D8CAAAAjAAAAAAAAAAAAAAA////AP///wgAAAAAAAAAAAAAAAAAAAAAAAAAAAAAAAAAAAAAeAAAAAEAAABAAAAAAAAAAAAAAABaAAAAAAAAAAAAAAAAAAAAAAAAAAAAAAAAAAAAAAAAAAAAAAAAAAAAAAAAAAAAAAAAAAAAAAAAAAAAAAAAAAAAAAAAAAAAAAAAAAAAFAAAADwAAAAAAAAAAAAAAAAAAAAPAAAAAQAAACMAAAAjAAAAIwAAAB4AAAAAAAAAZAAAAGQAAAAAAAAAZAAAAGQAAAAVAAAAYAAAAAAAAAAAAAAADwAAACADAAAAAAAAAAAAAAEAAACgMgAAVgcAAKr4//8BAAAAf39/AAEAAABkAAAAAAAAABQAAABAHwAAAAAAACYAAAAAAAAAwOD//wAAAAAmAAAAZAAAABYAAABMAAAAAAAAAAAAAAAEAAAAAAAAAAEAAADn5uYKAAAAACgAAAAoAAAAZAAAAGQAAAAAAAAAzMzMAAAAAABQAAAAUAAAAGQAAABkAAAAAAAAABcAAAAUAAAAAAAAAAAAAAD/fwAA/38AAAAAAAAJAAAABAAAAAAAAAAMAAAAEAAAAAAAAAAAAAAAAAAAAAAAAAAeAAAAaAAAAAAAAAAAAAAAAAAAAAAAAAAAAAAAECcAABAnAAAAAAAAAAAAAAAAAAAAAAAAAAAAAAAAAAAAAAAAAAAAABQAAAAAAAAAwMD/AAAAAABkAAAAMgAAAAAAAABkAAAAAAAAAH9/fwAKAAAAHwAAAFQAAAD///8A////AQAAAAAAAAAAAAAAAAAAAAAAAAAAAAAAAAAAAAAAAAAAAAAAAH9/fwDn5uYDzMzMAMDA/wB/f38AAAAAAAAAAAAAAAAAAAAAAAAAAAAhAAAAGAAAABQAAAD4NAAAGicAANhFAABZKQAAEAAAAA=="/>
               </a:ext>
             </a:extLst>
           </p:cNvSpPr>
@@ -1778,7 +1778,7 @@
             <a:spLocks noGrp="1" noChangeArrowheads="1"/>
             <a:extLst>
               <a:ext uri="smNativeData">
-                <pr:smNativeData xmlns="" xmlns:pr="smNativeData" val="SMDATA_12_7hxgVxMAAAAlAAAAZAAAAA0AAAAAkAAAAEgAAACQAAAASAAAAAAAAAABAAAAAAAAAAEAAABQAAAAAAAAAAAA4D8AAAAAAADgPwAAAAAAAOA/AAAAAAAA4D8AAAAAAADgPwAAAAAAAOA/AAAAAAAA4D8AAAAAAADgPwAAAAAAAOA/AAAAAAAA4D8CAAAAjAAAAAAAAAAAAAAA////AP///wgAAAAAAAAAAAAAAAAAAAAAAAAAAAAAAAAAAAAAeAAAAAEAAABAAAAAAAAAAAAAAABaAAAAAAAAAAAAAAAAAAAAAAAAAAAAAAAAAAAAAAAAAAAAAAAAAAAAAAAAAAAAAAAAAAAAAAAAAAAAAAAAAAAAAAAAAAAAAAAAAAAAFAAAADwAAAAAAAAAAAAAAAAAAAAPAAAAAQAAACMAAAAjAAAAIwAAAB4AAAAAAAAAZAAAAGQAAAAAAAAAZAAAAGQAAAAVAAAAYAAAAAAAAAAAAAAADwAAACADAAAAAAAAAAAAAAEAAACgMgAAVgcAAKr4//8BAAAAf39/AAEAAABkAAAAAAAAABQAAABAHwAAAAAAACYAAAAAAAAAwOD//wAAAAAmAAAAZAAAABYAAABMAAAAAAAAAAAAAAAEAAAAAAAAAAEAAADn5uYKAAAAACgAAAAoAAAAZAAAAGQAAAAAAAAAzMzMAAAAAABQAAAAUAAAAGQAAABkAAAAAAAAABcAAAAUAAAAAAAAAAAAAAD/fwAA/38AAAAAAAAJAAAABAAAAAAAAAAMAAAAEAAAAAAAAAAAAAAAAAAAAAAAAAAeAAAAaAAAAAAAAAAAAAAAAAAAAAAAAAAAAAAAECcAABAnAAAAAAAAAAAAAAAAAAAAAAAAAAAAAAAAAAAAAAAAAAAAABQAAAAAAAAAwMD/AAAAAABkAAAAMgAAAAAAAABkAAAAAAAAAH9/fwAKAAAAHwAAAFQAAAD///8A////AQAAAAAAAAAAAAAAAAAAAAAAAAAAAAAAAAAAAAAAAAAAAAAAAH9/fwDn5uYDzMzMAMDA/wB/f38AAAAAAAAAAAAAAAAAAAAAAAAAAAAhAAAAGAAAABQAAADYGAAAGicAACgyAABZKQAAEAAAAA=="/>
+                <pr:smNativeData xmlns:pr="smNativeData" xmlns="" val="SMDATA_12_7hxgVxMAAAAlAAAAZAAAAA0AAAAAkAAAAEgAAACQAAAASAAAAAAAAAABAAAAAAAAAAEAAABQAAAAAAAAAAAA4D8AAAAAAADgPwAAAAAAAOA/AAAAAAAA4D8AAAAAAADgPwAAAAAAAOA/AAAAAAAA4D8AAAAAAADgPwAAAAAAAOA/AAAAAAAA4D8CAAAAjAAAAAAAAAAAAAAA////AP///wgAAAAAAAAAAAAAAAAAAAAAAAAAAAAAAAAAAAAAeAAAAAEAAABAAAAAAAAAAAAAAABaAAAAAAAAAAAAAAAAAAAAAAAAAAAAAAAAAAAAAAAAAAAAAAAAAAAAAAAAAAAAAAAAAAAAAAAAAAAAAAAAAAAAAAAAAAAAAAAAAAAAFAAAADwAAAAAAAAAAAAAAAAAAAAPAAAAAQAAACMAAAAjAAAAIwAAAB4AAAAAAAAAZAAAAGQAAAAAAAAAZAAAAGQAAAAVAAAAYAAAAAAAAAAAAAAADwAAACADAAAAAAAAAAAAAAEAAACgMgAAVgcAAKr4//8BAAAAf39/AAEAAABkAAAAAAAAABQAAABAHwAAAAAAACYAAAAAAAAAwOD//wAAAAAmAAAAZAAAABYAAABMAAAAAAAAAAAAAAAEAAAAAAAAAAEAAADn5uYKAAAAACgAAAAoAAAAZAAAAGQAAAAAAAAAzMzMAAAAAABQAAAAUAAAAGQAAABkAAAAAAAAABcAAAAUAAAAAAAAAAAAAAD/fwAA/38AAAAAAAAJAAAABAAAAAAAAAAMAAAAEAAAAAAAAAAAAAAAAAAAAAAAAAAeAAAAaAAAAAAAAAAAAAAAAAAAAAAAAAAAAAAAECcAABAnAAAAAAAAAAAAAAAAAAAAAAAAAAAAAAAAAAAAAAAAAAAAABQAAAAAAAAAwMD/AAAAAABkAAAAMgAAAAAAAABkAAAAAAAAAH9/fwAKAAAAHwAAAFQAAAD///8A////AQAAAAAAAAAAAAAAAAAAAAAAAAAAAAAAAAAAAAAAAAAAAAAAAH9/fwDn5uYDzMzMAMDA/wB/f38AAAAAAAAAAAAAAAAAAAAAAAAAAAAhAAAAGAAAABQAAADYGAAAGicAACgyAABZKQAAEAAAAA=="/>
               </a:ext>
             </a:extLst>
           </p:cNvSpPr>
@@ -1832,7 +1832,7 @@
             <a:spLocks noGrp="1" noChangeArrowheads="1"/>
             <a:extLst>
               <a:ext uri="smNativeData">
-                <pr:smNativeData xmlns="" xmlns:pr="smNativeData" val="SMDATA_12_7hxgVxMAAAAlAAAAZAAAAA0AAAAAkAAAAEgAAACQAAAASAAAAAAAAAABAAAAAAAAAAEAAABQAAAAAAAAAAAA4D8AAAAAAADgPwAAAAAAAOA/AAAAAAAA4D8AAAAAAADgPwAAAAAAAOA/AAAAAAAA4D8AAAAAAADgPwAAAAAAAOA/AAAAAAAA4D8CAAAAjAAAAAAAAAAAAAAA////AP///wgAAAAAAAAAAAAAAAAAAAAAAAAAAAAAAAAAAAAAeAAAAAEAAABAAAAAAAAAAAAAAABaAAAAAAAAAAAAAAAAAAAAAAAAAAAAAAAAAAAAAAAAAAAAAAAAAAAAAAAAAAAAAAAAAAAAAAAAAAAAAAAAAAAAAAAAAAAAAAAAAAAAFAAAADwAAAAAAAAAAAAAAAAAAAAPAAAAAQAAACMAAAAjAAAAIwAAAB4AAAAAAAAAZAAAAGQAAAAAAAAAZAAAAGQAAAAVAAAAYAAAAAAAAAAAAAAADwAAACADAAAAAAAAAAAAAAEAAACgMgAAVgcAAKr4//8BAAAAf39/AAEAAABkAAAAAAAAABQAAABAHwAAAAAAACYAAAAAAAAAwOD//wAAAAAmAAAAZAAAABYAAABMAAAAAAAAAAAAAAAEAAAAAAAAAAEAAADn5uYKAAAAACgAAAAoAAAAZAAAAGQAAAAAAAAAzMzMAAAAAABQAAAAUAAAAGQAAABkAAAAAAAAABcAAAAUAAAAAAAAAAAAAAD/fwAA/38AAAAAAAAJAAAABAAAAAAAAAAMAAAAEAAAAAAAAAAAAAAAAAAAAAAAAAAeAAAAaAAAAAAAAAAAAAAAAAAAAAAAAAAAAAAAECcAABAnAAAAAAAAAAAAAAAAAAAAAAAAAAAAAAAAAAAAAAAAAAAAABQAAAAAAAAAwMD/AAAAAABkAAAAMgAAAAAAAABkAAAAAAAAAH9/fwAKAAAAHwAAAFQAAAD///8A////AQAAAAAAAAAAAAAAAAAAAAAAAAAAAAAAAAAAAAAAAAAAAAAAAH9/fwDn5uYDzMzMAMDA/wB/f38AAAAAAAAAAAAAAAAAAAAAAAAAAAAhAAAAGAAAABQAAAAoBQAAGicAAAgWAABZKQAAEAAAAA=="/>
+                <pr:smNativeData xmlns:pr="smNativeData" xmlns="" val="SMDATA_12_7hxgVxMAAAAlAAAAZAAAAA0AAAAAkAAAAEgAAACQAAAASAAAAAAAAAABAAAAAAAAAAEAAABQAAAAAAAAAAAA4D8AAAAAAADgPwAAAAAAAOA/AAAAAAAA4D8AAAAAAADgPwAAAAAAAOA/AAAAAAAA4D8AAAAAAADgPwAAAAAAAOA/AAAAAAAA4D8CAAAAjAAAAAAAAAAAAAAA////AP///wgAAAAAAAAAAAAAAAAAAAAAAAAAAAAAAAAAAAAAeAAAAAEAAABAAAAAAAAAAAAAAABaAAAAAAAAAAAAAAAAAAAAAAAAAAAAAAAAAAAAAAAAAAAAAAAAAAAAAAAAAAAAAAAAAAAAAAAAAAAAAAAAAAAAAAAAAAAAAAAAAAAAFAAAADwAAAAAAAAAAAAAAAAAAAAPAAAAAQAAACMAAAAjAAAAIwAAAB4AAAAAAAAAZAAAAGQAAAAAAAAAZAAAAGQAAAAVAAAAYAAAAAAAAAAAAAAADwAAACADAAAAAAAAAAAAAAEAAACgMgAAVgcAAKr4//8BAAAAf39/AAEAAABkAAAAAAAAABQAAABAHwAAAAAAACYAAAAAAAAAwOD//wAAAAAmAAAAZAAAABYAAABMAAAAAAAAAAAAAAAEAAAAAAAAAAEAAADn5uYKAAAAACgAAAAoAAAAZAAAAGQAAAAAAAAAzMzMAAAAAABQAAAAUAAAAGQAAABkAAAAAAAAABcAAAAUAAAAAAAAAAAAAAD/fwAA/38AAAAAAAAJAAAABAAAAAAAAAAMAAAAEAAAAAAAAAAAAAAAAAAAAAAAAAAeAAAAaAAAAAAAAAAAAAAAAAAAAAAAAAAAAAAAECcAABAnAAAAAAAAAAAAAAAAAAAAAAAAAAAAAAAAAAAAAAAAAAAAABQAAAAAAAAAwMD/AAAAAABkAAAAMgAAAAAAAABkAAAAAAAAAH9/fwAKAAAAHwAAAFQAAAD///8A////AQAAAAAAAAAAAAAAAAAAAAAAAAAAAAAAAAAAAAAAAAAAAAAAAH9/fwDn5uYDzMzMAMDA/wB/f38AAAAAAAAAAAAAAAAAAAAAAAAAAAAhAAAAGAAAABQAAAAoBQAAGicAAAgWAABZKQAAEAAAAA=="/>
               </a:ext>
             </a:extLst>
           </p:cNvSpPr>
@@ -2631,7 +2631,7 @@
           <p:cNvGrpSpPr>
             <a:extLst>
               <a:ext uri="smNativeData">
-                <pr:smNativeData xmlns="" xmlns:pr="smNativeData" val="SMDATA_6_7hxgVxMAAAAlAAAAAQAAAA8BAAAAkAAAAEgAAACQAAAASAAAAAAAAAAAAAAAAAAAABcAAAAUAAAAAAAAAAAAAAD/fwAA/38AAAAAAAAJAAAABAAAAAAAAAAMAAAAEAAAAAAAAAAAAAAAAAAAAAAAAAAfAAAAVAAAAAAAAAAAAAAAAAAAAAAAAAAAAAAAAAAAAAAAAAAAAAAAAAAAAAAAAAAAAAAAAAAAAAAAAAAAAAAAAAAAAAAAAAAAAAAAAAAAAAAAAAAAAAAAAAAAACEAAAAYAAAAFAAAAAAAAACEIQAAAEsAAEMmAAAQAAAA"/>
+                <pr:smNativeData xmlns:pr="smNativeData" xmlns="" val="SMDATA_6_7hxgVxMAAAAlAAAAAQAAAA8BAAAAkAAAAEgAAACQAAAASAAAAAAAAAAAAAAAAAAAABcAAAAUAAAAAAAAAAAAAAD/fwAA/38AAAAAAAAJAAAABAAAAAAAAAAMAAAAEAAAAAAAAAAAAAAAAAAAAAAAAAAfAAAAVAAAAAAAAAAAAAAAAAAAAAAAAAAAAAAAAAAAAAAAAAAAAAAAAAAAAAAAAAAAAAAAAAAAAAAAAAAAAAAAAAAAAAAAAAAAAAAAAAAAAAAAAAAAAAAAAAAAACEAAAAYAAAAFAAAAAAAAACEIQAAAEsAAEMmAAAQAAAA"/>
               </a:ext>
             </a:extLst>
           </p:cNvGrpSpPr>
@@ -2681,7 +2681,7 @@
             <p:cNvSpPr>
               <a:extLst>
                 <a:ext uri="smNativeData">
-                  <pr:smNativeData xmlns="" xmlns:pr="smNativeData" val="SMDATA_12_7hxgVxMAAAAlAAAAZAAAAA0AAAAAkAAAAEgAAACQAAAASAAAAAAAAAABAAAAAAAAAAEAAABQAAAAAAAAAAAA4D8AAAAAAADgPwAAAAAAAOA/AAAAAAAA4D8AAAAAAADgPwAAAAAAAOA/AAAAAAAA4D8AAAAAAADgPwAAAAAAAOA/AAAAAAAA4D8CAAAAjAAAAAEAAAAAAAAAVII1AP///wgAAAAAAAAAAAAAAAAAAAAAAAAAAAAAAAAAAAAAeAAAAAEAAABAAAAAAAAAAAAAAABaAAAAAAAAAAAAAAAAAAAAAAAAAAAAAAAAAAAAAAAAAAAAAAAAAAAAAAAAAAAAAAAAAAAAAAAAAAAAAAAAAAAAAAAAAAAAAAAAAAAAFAAAADwAAAAAAAAAAAAAAAZJjAkUAAAAAQAAABQAAAAUAAAAFAAAAAEAAAAAAAAAZAAAAGQAAAAAAAAAZAAAAGQAAAAVAAAAYAAAAAAAAAAAAAAADwAAACADAAAAAAAAAAAAAAEAAACgMgAAVgcAAKr4//8BAAAAf39/AAEAAABkAAAAAAAAABQAAABAHwAAAAAAACYAAAAAAAAAwOD//wAAAAAmAAAAZAAAABYAAABMAAAAAAAAAAAAAAAEAAAAAAAAAAEAAACWlpYKAAAAACgAAAAoAAAAZAAAAGQAAAAAAAAAzMzMAAAAAABQAAAAUAAAAGQAAABkAAAAAAAAABcAAAAUAAAAAAAAAAAAAAD/fwAA/38AAAAAAAAJAAAABAAAAAAAAAAMAAAAEAAAAAAAAAAAAAAAAAAAAAAAAAAeAAAAaAAAAAAAAAAAAAAAAAAAAAAAAAAAAAAAECcAABAnAAAAAAAAAAAAAAAAAAAAAAAAAAAAAAAAAAAAAAAAAAAAABQAAAAAAAAAwMD/AAAAAABkAAAAMgAAAAAAAABkAAAAAAAAAH9/fwAKAAAAHwAAAFQAAABUgjUA////AQAAAAAAAAAAAAAAAAAAAAAAAAAAAAAAAAAAAAAAAAAAAAAAAn9/fwDn5uYDzMzMAMDA/wB/f38AAAAAAAAAAAAAAAAAAAAAAAAAAAAhAAAAGAAAABQAAADLEgAAhiEAAABLAABDJgAAAAAAAA=="/>
+                  <pr:smNativeData xmlns:pr="smNativeData" xmlns="" val="SMDATA_12_7hxgVxMAAAAlAAAAZAAAAA0AAAAAkAAAAEgAAACQAAAASAAAAAAAAAABAAAAAAAAAAEAAABQAAAAAAAAAAAA4D8AAAAAAADgPwAAAAAAAOA/AAAAAAAA4D8AAAAAAADgPwAAAAAAAOA/AAAAAAAA4D8AAAAAAADgPwAAAAAAAOA/AAAAAAAA4D8CAAAAjAAAAAEAAAAAAAAAVII1AP///wgAAAAAAAAAAAAAAAAAAAAAAAAAAAAAAAAAAAAAeAAAAAEAAABAAAAAAAAAAAAAAABaAAAAAAAAAAAAAAAAAAAAAAAAAAAAAAAAAAAAAAAAAAAAAAAAAAAAAAAAAAAAAAAAAAAAAAAAAAAAAAAAAAAAAAAAAAAAAAAAAAAAFAAAADwAAAAAAAAAAAAAAAZJjAkUAAAAAQAAABQAAAAUAAAAFAAAAAEAAAAAAAAAZAAAAGQAAAAAAAAAZAAAAGQAAAAVAAAAYAAAAAAAAAAAAAAADwAAACADAAAAAAAAAAAAAAEAAACgMgAAVgcAAKr4//8BAAAAf39/AAEAAABkAAAAAAAAABQAAABAHwAAAAAAACYAAAAAAAAAwOD//wAAAAAmAAAAZAAAABYAAABMAAAAAAAAAAAAAAAEAAAAAAAAAAEAAACWlpYKAAAAACgAAAAoAAAAZAAAAGQAAAAAAAAAzMzMAAAAAABQAAAAUAAAAGQAAABkAAAAAAAAABcAAAAUAAAAAAAAAAAAAAD/fwAA/38AAAAAAAAJAAAABAAAAAAAAAAMAAAAEAAAAAAAAAAAAAAAAAAAAAAAAAAeAAAAaAAAAAAAAAAAAAAAAAAAAAAAAAAAAAAAECcAABAnAAAAAAAAAAAAAAAAAAAAAAAAAAAAAAAAAAAAAAAAAAAAABQAAAAAAAAAwMD/AAAAAABkAAAAMgAAAAAAAABkAAAAAAAAAH9/fwAKAAAAHwAAAFQAAABUgjUA////AQAAAAAAAAAAAAAAAAAAAAAAAAAAAAAAAAAAAAAAAAAAAAAAAn9/fwDn5uYDzMzMAMDA/wB/f38AAAAAAAAAAAAAAAAAAAAAAAAAAAAhAAAAGAAAABQAAADLEgAAhiEAAABLAABDJgAAAAAAAA=="/>
                 </a:ext>
               </a:extLst>
             </p:cNvSpPr>
@@ -2832,7 +2832,7 @@
             <p:cNvSpPr>
               <a:extLst>
                 <a:ext uri="smNativeData">
-                  <pr:smNativeData xmlns="" xmlns:pr="smNativeData" val="SMDATA_12_7hxgVxMAAAAlAAAAZAAAAA0AAAAAkAAAAEgAAACQAAAASAAAAAAAAAABAAAAAAAAAAEAAABQAAAAAAAAAAAA4D8AAAAAAADgPwAAAAAAAOA/AAAAAAAA4D8AAAAAAADgPwAAAAAAAOA/AAAAAAAA4D8AAAAAAADgPwAAAAAAAOA/AAAAAAAA4D8CAAAAjAAAAAEAAAAAAAAA/8AAAP///wgAAAAAAAAAAAAAAAAAAAAAAAAAAAAAAAAAAAAAeAAAAAEAAABAAAAAAAAAAAAAAABaAAAAAAAAAAAAAAAAAAAAAAAAAAAAAAAAAAAAAAAAAAAAAAAAAAAAAAAAAAAAAAAAAAAAAAAAAAAAAAAAAAAAAAAAAAAAAAAAAAAAFAAAADwAAAAAAAAAAAAAAAZJjAkUAAAAAQAAABQAAAAUAAAAFAAAAAEAAAAAAAAAZAAAAGQAAAAAAAAAZAAAAGQAAAAVAAAAYAAAAAAAAAAAAAAADwAAACADAAAAAAAAAAAAAAEAAACgMgAAVgcAAKr4//8BAAAAf39/AAEAAABkAAAAAAAAABQAAABAHwAAAAAAACYAAAAAAAAAwOD//wAAAAAmAAAAZAAAABYAAABMAAAAAAAAAAAAAAAEAAAAAAAAAAEAAACWlpYKAAAAACgAAAAoAAAAZAAAAGQAAAAAAAAAzMzMAAAAAABQAAAAUAAAAGQAAABkAAAAAAAAABcAAAAUAAAAAAAAAAAAAAD/fwAA/38AAAAAAAAJAAAABAAAAAAAAAAMAAAAEAAAAAAAAAAAAAAAAAAAAAAAAAAeAAAAaAAAAAAAAAAAAAAAAAAAAAAAAAAAAAAAECcAABAnAAAAAAAAAAAAAAAAAAAAAAAAAAAAAAAAAAAAAAAAAAAAABQAAAAAAAAAwMD/AAAAAABkAAAAMgAAAAAAAABkAAAAAAAAAH9/fwAKAAAAHwAAAFQAAAD/wAAA////AQAAAAAAAAAAAAAAAAAAAAAAAAAAAAAAAAAAAAAAAAAAAAAAAn9/fwDn5uYDzMzMAMDA/wB/f38AAAAAAAAAAAAAAAAAAAAAAAAAAAAhAAAAGAAAABQAAAAAAAAAhCEAAMsSAABBJgAAAAAAAA=="/>
+                  <pr:smNativeData xmlns:pr="smNativeData" xmlns="" val="SMDATA_12_7hxgVxMAAAAlAAAAZAAAAA0AAAAAkAAAAEgAAACQAAAASAAAAAAAAAABAAAAAAAAAAEAAABQAAAAAAAAAAAA4D8AAAAAAADgPwAAAAAAAOA/AAAAAAAA4D8AAAAAAADgPwAAAAAAAOA/AAAAAAAA4D8AAAAAAADgPwAAAAAAAOA/AAAAAAAA4D8CAAAAjAAAAAEAAAAAAAAA/8AAAP///wgAAAAAAAAAAAAAAAAAAAAAAAAAAAAAAAAAAAAAeAAAAAEAAABAAAAAAAAAAAAAAABaAAAAAAAAAAAAAAAAAAAAAAAAAAAAAAAAAAAAAAAAAAAAAAAAAAAAAAAAAAAAAAAAAAAAAAAAAAAAAAAAAAAAAAAAAAAAAAAAAAAAFAAAADwAAAAAAAAAAAAAAAZJjAkUAAAAAQAAABQAAAAUAAAAFAAAAAEAAAAAAAAAZAAAAGQAAAAAAAAAZAAAAGQAAAAVAAAAYAAAAAAAAAAAAAAADwAAACADAAAAAAAAAAAAAAEAAACgMgAAVgcAAKr4//8BAAAAf39/AAEAAABkAAAAAAAAABQAAABAHwAAAAAAACYAAAAAAAAAwOD//wAAAAAmAAAAZAAAABYAAABMAAAAAAAAAAAAAAAEAAAAAAAAAAEAAACWlpYKAAAAACgAAAAoAAAAZAAAAGQAAAAAAAAAzMzMAAAAAABQAAAAUAAAAGQAAABkAAAAAAAAABcAAAAUAAAAAAAAAAAAAAD/fwAA/38AAAAAAAAJAAAABAAAAAAAAAAMAAAAEAAAAAAAAAAAAAAAAAAAAAAAAAAeAAAAaAAAAAAAAAAAAAAAAAAAAAAAAAAAAAAAECcAABAnAAAAAAAAAAAAAAAAAAAAAAAAAAAAAAAAAAAAAAAAAAAAABQAAAAAAAAAwMD/AAAAAABkAAAAMgAAAAAAAABkAAAAAAAAAH9/fwAKAAAAHwAAAFQAAAD/wAAA////AQAAAAAAAAAAAAAAAAAAAAAAAAAAAAAAAAAAAAAAAAAAAAAAAn9/fwDn5uYDzMzMAMDA/wB/f38AAAAAAAAAAAAAAAAAAAAAAAAAAAAhAAAAGAAAABQAAAAAAAAAhCEAAMsSAABBJgAAAAAAAA=="/>
                 </a:ext>
               </a:extLst>
             </p:cNvSpPr>
@@ -2985,7 +2985,7 @@
             <a:spLocks noGrp="1" noChangeArrowheads="1"/>
             <a:extLst>
               <a:ext uri="smNativeData">
-                <pr:smNativeData xmlns="" xmlns:pr="smNativeData" val="SMDATA_12_7hxgVxMAAAAlAAAAZAAAAA0AAAAAkAAAAEgAAACQAAAASAAAAAAAAAACAAAAAAAAAAEAAABQAAAAAAAAAAAA4D8AAAAAAADgPwAAAAAAAOA/AAAAAAAA4D8AAAAAAADgPwAAAAAAAOA/AAAAAAAA4D8AAAAAAADgPwAAAAAAAOA/AAAAAAAA4D8CAAAAjAAAAAAAAAAAAAAA////DP///wgAAAAAAAAAAAAAAAAAAAAAAAAAAAAAAAAAAAAAZAAAAAEAAABAAAAAAAAAAAAAAAAAAAAAAAAAAAAAAAAAAAAAAAAAAAAAAAAAAAAAAAAAAAAAAAAAAAAAAAAAAAAAAAAAAAAAAAAAAAAAAAAAAAAAAAAAAAAAAAAAAAAAFAAAADwAAAAAAAAAAAAAAAZJjAkUAAAAAQAAABQAAAAUAAAAFAAAAAEAAAAAAAAAZAAAAGQAAAAAAAAAZAAAAGQAAAAVAAAAYAAAAAAAAAAAAAAADwAAACADAAAAAAAAAAAAAAEAAACgMgAAVgcAAKr4//8BAAAAf39/AAEAAABkAAAAAAAAABQAAABAHwAAAAAAACYAAAAAAAAAwOD//wAAAAAmAAAAZAAAABYAAABMAAAAAAAAAAAAAAAEAAAAAAAAAAEAAACWlpYKAAAAACgAAAAoAAAAZAAAAGQAAAAAAAAAzMzMAAAAAABQAAAAUAAAAGQAAABkAAAAAAAAABcAAAAUAAAAAAAAAAAAAAD/fwAA/38AAAAAAAAJAAAABAAAAAAAAAAMAAAAEAAAAAAAAAAAAAAAAAAAAAAAAAAeAAAAaAAAAAAAAAAAAAAAAAAAAAAAAAAAAAAAECcAABAnAAAAAAAAAAAAAAAAAAAAAAAAAAAAAAAAAAAAAAAAAAAAABQAAAAAAAAAwMD/AAAAAABkAAAAMgAAAAAAAABkAAAAAAAAAH9/fwAKAAAAHwAAAFQAAABbm9UF////AQAAAAAAAAAAAAAAAAAAAAAAAAAAAAAAAAAAAAAAAAAAAAAAAn9/fwDn5uYDzMzMAMDA/wB/f38AAAAAAAAAAAAAAAAAAAAAAAAAAAAhAAAAGAAAABQAAADLEgAAFQkAAItHAABTHgAAAAAAAA=="/>
+                <pr:smNativeData xmlns:pr="smNativeData" xmlns="" val="SMDATA_12_7hxgVxMAAAAlAAAAZAAAAA0AAAAAkAAAAEgAAACQAAAASAAAAAAAAAACAAAAAAAAAAEAAABQAAAAAAAAAAAA4D8AAAAAAADgPwAAAAAAAOA/AAAAAAAA4D8AAAAAAADgPwAAAAAAAOA/AAAAAAAA4D8AAAAAAADgPwAAAAAAAOA/AAAAAAAA4D8CAAAAjAAAAAAAAAAAAAAA////DP///wgAAAAAAAAAAAAAAAAAAAAAAAAAAAAAAAAAAAAAZAAAAAEAAABAAAAAAAAAAAAAAAAAAAAAAAAAAAAAAAAAAAAAAAAAAAAAAAAAAAAAAAAAAAAAAAAAAAAAAAAAAAAAAAAAAAAAAAAAAAAAAAAAAAAAAAAAAAAAAAAAAAAAFAAAADwAAAAAAAAAAAAAAAZJjAkUAAAAAQAAABQAAAAUAAAAFAAAAAEAAAAAAAAAZAAAAGQAAAAAAAAAZAAAAGQAAAAVAAAAYAAAAAAAAAAAAAAADwAAACADAAAAAAAAAAAAAAEAAACgMgAAVgcAAKr4//8BAAAAf39/AAEAAABkAAAAAAAAABQAAABAHwAAAAAAACYAAAAAAAAAwOD//wAAAAAmAAAAZAAAABYAAABMAAAAAAAAAAAAAAAEAAAAAAAAAAEAAACWlpYKAAAAACgAAAAoAAAAZAAAAGQAAAAAAAAAzMzMAAAAAABQAAAAUAAAAGQAAABkAAAAAAAAABcAAAAUAAAAAAAAAAAAAAD/fwAA/38AAAAAAAAJAAAABAAAAAAAAAAMAAAAEAAAAAAAAAAAAAAAAAAAAAAAAAAeAAAAaAAAAAAAAAAAAAAAAAAAAAAAAAAAAAAAECcAABAnAAAAAAAAAAAAAAAAAAAAAAAAAAAAAAAAAAAAAAAAAAAAABQAAAAAAAAAwMD/AAAAAABkAAAAMgAAAAAAAABkAAAAAAAAAH9/fwAKAAAAHwAAAFQAAABbm9UF////AQAAAAAAAAAAAAAAAAAAAAAAAAAAAAAAAAAAAAAAAAAAAAAAAn9/fwDn5uYDzMzMAMDA/wB/f38AAAAAAAAAAAAAAAAAAAAAAAAAAAAhAAAAGAAAABQAAADLEgAAFQkAAItHAABTHgAAAAAAAA=="/>
               </a:ext>
             </a:extLst>
           </p:cNvSpPr>
@@ -3048,7 +3048,7 @@
             <a:spLocks noGrp="1" noChangeArrowheads="1"/>
             <a:extLst>
               <a:ext uri="smNativeData">
-                <pr:smNativeData xmlns="" xmlns:pr="smNativeData" val="SMDATA_12_7hxgVxMAAAAlAAAAZAAAAA0AAAAAkAAAAEgAAACQAAAASAAAAAAAAAAAAAAAAAAAAAEAAABQAAAAAAAAAAAA4D8AAAAAAADgPwAAAAAAAOA/AAAAAAAA4D8AAAAAAADgPwAAAAAAAOA/AAAAAAAA4D8AAAAAAADgPwAAAAAAAOA/AAAAAAAA4D8CAAAAjAAAAAAAAAAAAAAA////DP///wgAAAAAAAAAAAAAAAAAAAAAAAAAAAAAAAAAAAAAZAAAAAEAAABAAAAAAAAAAAAAAAAAAAAAAAAAAAAAAAAAAAAAAAAAAAAAAAAAAAAAAAAAAAAAAAAAAAAAAAAAAAAAAAAAAAAAAAAAAAAAAAAAAAAAAAAAAAAAAAAAAAAAFAAAADwAAAAAAAAAAAAAAAZJjAkUAAAAAQAAABQAAAAUAAAAFAAAAAEAAAAAAAAAZAAAAGQAAAAAAAAAZAAAAGQAAAAVAAAAYAAAAAAAAAAAAAAADwAAACADAAAAAAAAAAAAAAEAAACgMgAAVgcAAKr4//8BAAAAf39/AAEAAABkAAAAAAAAABQAAABAHwAAAAAAACYAAAAAAAAAwOD//wAAAAAmAAAAZAAAABYAAABMAAAAAAAAAAAAAAAEAAAAAAAAAAEAAACWlpYKAAAAACgAAAAoAAAAZAAAAGQAAAAAAAAAzMzMAAAAAABQAAAAUAAAAGQAAABkAAAAAAAAABcAAAAUAAAAAAAAAAAAAAD/fwAA/38AAAAAAAAJAAAABAAAAAAAAAAMAAAAEAAAAAAAAAAAAAAAAAAAAAAAAAAeAAAAaAAAAAAAAAAAAAAAAAAAAAAAAAAAAAAAECcAABAnAAAAAAAAAAAAAAAAAAAAAAAAAAAAAAAAAAAAAAAAAAAAABQAAAAAAAAAwMD/AAAAAABkAAAAMgAAAAAAAABkAAAAAAAAAH9/fwAKAAAAHwAAAFQAAABbm9UF////AQAAAAAAAAAAAAAAAAAAAAAAAAAAAAAAAAAAAAAAAAAAAAAAAn9/fwDn5uYDzMzMAMDA/wB/f38AAAAAAAAAAAAAAAAAAAAAAAAAAAAhAAAAGAAAABQAAADAEgAAzyEAAABLAAAWJgAAEAAAAA=="/>
+                <pr:smNativeData xmlns:pr="smNativeData" xmlns="" val="SMDATA_12_7hxgVxMAAAAlAAAAZAAAAA0AAAAAkAAAAEgAAACQAAAASAAAAAAAAAAAAAAAAAAAAAEAAABQAAAAAAAAAAAA4D8AAAAAAADgPwAAAAAAAOA/AAAAAAAA4D8AAAAAAADgPwAAAAAAAOA/AAAAAAAA4D8AAAAAAADgPwAAAAAAAOA/AAAAAAAA4D8CAAAAjAAAAAAAAAAAAAAA////DP///wgAAAAAAAAAAAAAAAAAAAAAAAAAAAAAAAAAAAAAZAAAAAEAAABAAAAAAAAAAAAAAAAAAAAAAAAAAAAAAAAAAAAAAAAAAAAAAAAAAAAAAAAAAAAAAAAAAAAAAAAAAAAAAAAAAAAAAAAAAAAAAAAAAAAAAAAAAAAAAAAAAAAAFAAAADwAAAAAAAAAAAAAAAZJjAkUAAAAAQAAABQAAAAUAAAAFAAAAAEAAAAAAAAAZAAAAGQAAAAAAAAAZAAAAGQAAAAVAAAAYAAAAAAAAAAAAAAADwAAACADAAAAAAAAAAAAAAEAAACgMgAAVgcAAKr4//8BAAAAf39/AAEAAABkAAAAAAAAABQAAABAHwAAAAAAACYAAAAAAAAAwOD//wAAAAAmAAAAZAAAABYAAABMAAAAAAAAAAAAAAAEAAAAAAAAAAEAAACWlpYKAAAAACgAAAAoAAAAZAAAAGQAAAAAAAAAzMzMAAAAAABQAAAAUAAAAGQAAABkAAAAAAAAABcAAAAUAAAAAAAAAAAAAAD/fwAA/38AAAAAAAAJAAAABAAAAAAAAAAMAAAAEAAAAAAAAAAAAAAAAAAAAAAAAAAeAAAAaAAAAAAAAAAAAAAAAAAAAAAAAAAAAAAAECcAABAnAAAAAAAAAAAAAAAAAAAAAAAAAAAAAAAAAAAAAAAAAAAAABQAAAAAAAAAwMD/AAAAAABkAAAAMgAAAAAAAABkAAAAAAAAAH9/fwAKAAAAHwAAAFQAAABbm9UF////AQAAAAAAAAAAAAAAAAAAAAAAAAAAAAAAAAAAAAAAAAAAAAAAAn9/fwDn5uYDzMzMAMDA/wB/f38AAAAAAAAAAAAAAAAAAAAAAAAAAAAhAAAAGAAAABQAAADAEgAAzyEAAABLAAAWJgAAEAAAAA=="/>
               </a:ext>
             </a:extLst>
           </p:cNvSpPr>
@@ -11779,24 +11779,170 @@
       </p:sp>
       <p:sp>
         <p:nvSpPr>
-          <p:cNvPr id="4" name="Espaço Reservado para Rodapé 3"/>
-          <p:cNvSpPr>
-            <a:spLocks noGrp="1"/>
-          </p:cNvSpPr>
-          <p:nvPr>
-            <p:ph type="ftr" sz="quarter" idx="11"/>
-          </p:nvPr>
-        </p:nvSpPr>
-        <p:spPr/>
-        <p:txBody>
-          <a:bodyPr/>
-          <a:lstStyle/>
-          <a:p>
-            <a:r>
-              <a:rPr lang="pt-BR" dirty="0" smtClean="0"/>
+          <p:cNvPr id="5" name="Espaço Reservado para Rodapé 3"/>
+          <p:cNvSpPr txBox="1">
+            <a:spLocks noGrp="1"/>
+          </p:cNvSpPr>
+          <p:nvPr>
+            <p:ph type="ftr" sz="quarter" idx="4294967295"/>
+          </p:nvPr>
+        </p:nvSpPr>
+        <p:spPr>
+          <a:xfrm>
+            <a:off x="3028950" y="6356350"/>
+            <a:ext cx="3086100" cy="365125"/>
+          </a:xfrm>
+          <a:prstGeom prst="rect">
+            <a:avLst/>
+          </a:prstGeom>
+        </p:spPr>
+        <p:txBody>
+          <a:bodyPr/>
+          <a:lstStyle>
+            <a:defPPr>
+              <a:defRPr lang="pt-BR"/>
+            </a:defPPr>
+            <a:lvl1pPr marL="0" algn="l" defTabSz="914400" rtl="0" eaLnBrk="1" latinLnBrk="0" hangingPunct="1">
+              <a:defRPr sz="1800" kern="1200">
+                <a:solidFill>
+                  <a:schemeClr val="tx1"/>
+                </a:solidFill>
+                <a:latin typeface="+mn-lt"/>
+                <a:ea typeface="+mn-ea"/>
+                <a:cs typeface="+mn-cs"/>
+              </a:defRPr>
+            </a:lvl1pPr>
+            <a:lvl2pPr marL="457200" algn="l" defTabSz="914400" rtl="0" eaLnBrk="1" latinLnBrk="0" hangingPunct="1">
+              <a:defRPr sz="1800" kern="1200">
+                <a:solidFill>
+                  <a:schemeClr val="tx1"/>
+                </a:solidFill>
+                <a:latin typeface="+mn-lt"/>
+                <a:ea typeface="+mn-ea"/>
+                <a:cs typeface="+mn-cs"/>
+              </a:defRPr>
+            </a:lvl2pPr>
+            <a:lvl3pPr marL="914400" algn="l" defTabSz="914400" rtl="0" eaLnBrk="1" latinLnBrk="0" hangingPunct="1">
+              <a:defRPr sz="1800" kern="1200">
+                <a:solidFill>
+                  <a:schemeClr val="tx1"/>
+                </a:solidFill>
+                <a:latin typeface="+mn-lt"/>
+                <a:ea typeface="+mn-ea"/>
+                <a:cs typeface="+mn-cs"/>
+              </a:defRPr>
+            </a:lvl3pPr>
+            <a:lvl4pPr marL="1371600" algn="l" defTabSz="914400" rtl="0" eaLnBrk="1" latinLnBrk="0" hangingPunct="1">
+              <a:defRPr sz="1800" kern="1200">
+                <a:solidFill>
+                  <a:schemeClr val="tx1"/>
+                </a:solidFill>
+                <a:latin typeface="+mn-lt"/>
+                <a:ea typeface="+mn-ea"/>
+                <a:cs typeface="+mn-cs"/>
+              </a:defRPr>
+            </a:lvl4pPr>
+            <a:lvl5pPr marL="1828800" algn="l" defTabSz="914400" rtl="0" eaLnBrk="1" latinLnBrk="0" hangingPunct="1">
+              <a:defRPr sz="1800" kern="1200">
+                <a:solidFill>
+                  <a:schemeClr val="tx1"/>
+                </a:solidFill>
+                <a:latin typeface="+mn-lt"/>
+                <a:ea typeface="+mn-ea"/>
+                <a:cs typeface="+mn-cs"/>
+              </a:defRPr>
+            </a:lvl5pPr>
+            <a:lvl6pPr marL="2286000" algn="l" defTabSz="914400" rtl="0" eaLnBrk="1" latinLnBrk="0" hangingPunct="1">
+              <a:defRPr sz="1800" kern="1200">
+                <a:solidFill>
+                  <a:schemeClr val="tx1"/>
+                </a:solidFill>
+                <a:latin typeface="+mn-lt"/>
+                <a:ea typeface="+mn-ea"/>
+                <a:cs typeface="+mn-cs"/>
+              </a:defRPr>
+            </a:lvl6pPr>
+            <a:lvl7pPr marL="2743200" algn="l" defTabSz="914400" rtl="0" eaLnBrk="1" latinLnBrk="0" hangingPunct="1">
+              <a:defRPr sz="1800" kern="1200">
+                <a:solidFill>
+                  <a:schemeClr val="tx1"/>
+                </a:solidFill>
+                <a:latin typeface="+mn-lt"/>
+                <a:ea typeface="+mn-ea"/>
+                <a:cs typeface="+mn-cs"/>
+              </a:defRPr>
+            </a:lvl7pPr>
+            <a:lvl8pPr marL="3200400" algn="l" defTabSz="914400" rtl="0" eaLnBrk="1" latinLnBrk="0" hangingPunct="1">
+              <a:defRPr sz="1800" kern="1200">
+                <a:solidFill>
+                  <a:schemeClr val="tx1"/>
+                </a:solidFill>
+                <a:latin typeface="+mn-lt"/>
+                <a:ea typeface="+mn-ea"/>
+                <a:cs typeface="+mn-cs"/>
+              </a:defRPr>
+            </a:lvl8pPr>
+            <a:lvl9pPr marL="3657600" algn="l" defTabSz="914400" rtl="0" eaLnBrk="1" latinLnBrk="0" hangingPunct="1">
+              <a:defRPr sz="1800" kern="1200">
+                <a:solidFill>
+                  <a:schemeClr val="tx1"/>
+                </a:solidFill>
+                <a:latin typeface="+mn-lt"/>
+                <a:ea typeface="+mn-ea"/>
+                <a:cs typeface="+mn-cs"/>
+              </a:defRPr>
+            </a:lvl9pPr>
+          </a:lstStyle>
+          <a:p>
+            <a:pPr algn="ctr">
+              <a:defRPr sz="1200">
+                <a:solidFill>
+                  <a:srgbClr val="8C8C8C"/>
+                </a:solidFill>
+                <a:latin typeface="Tw Cen MT" charset="0"/>
+                <a:ea typeface="Calibri" charset="0"/>
+                <a:cs typeface="Calibri" charset="0"/>
+              </a:defRPr>
+            </a:pPr>
+            <a:r>
+              <a:rPr lang="pt-BR" sz="1200" dirty="0" smtClean="0">
+                <a:solidFill>
+                  <a:srgbClr val="8C8C8C"/>
+                </a:solidFill>
+                <a:latin typeface="Tw Cen MT" charset="0"/>
+                <a:ea typeface="Calibri" charset="0"/>
+                <a:cs typeface="Calibri" charset="0"/>
+              </a:rPr>
               <a:t>Operadores</a:t>
             </a:r>
-            <a:endParaRPr lang="pt-BR" dirty="0"/>
+            <a:endParaRPr lang="pt-BR" sz="1200" dirty="0" smtClean="0">
+              <a:solidFill>
+                <a:srgbClr val="8C8C8C"/>
+              </a:solidFill>
+              <a:latin typeface="Tw Cen MT" charset="0"/>
+              <a:ea typeface="Calibri" charset="0"/>
+              <a:cs typeface="Calibri" charset="0"/>
+            </a:endParaRPr>
+          </a:p>
+          <a:p>
+            <a:pPr algn="ctr">
+              <a:defRPr sz="1200">
+                <a:solidFill>
+                  <a:srgbClr val="8C8C8C"/>
+                </a:solidFill>
+                <a:latin typeface="Tw Cen MT" charset="0"/>
+                <a:ea typeface="Calibri" charset="0"/>
+                <a:cs typeface="Calibri" charset="0"/>
+              </a:defRPr>
+            </a:pPr>
+            <a:endParaRPr lang="pt-BR" sz="1200" dirty="0">
+              <a:solidFill>
+                <a:srgbClr val="8C8C8C"/>
+              </a:solidFill>
+              <a:latin typeface="Tw Cen MT" charset="0"/>
+              <a:ea typeface="Calibri" charset="0"/>
+              <a:cs typeface="Calibri" charset="0"/>
+            </a:endParaRPr>
           </a:p>
         </p:txBody>
       </p:sp>

--- a/TreinamentoJavaSeOca/documentos/apresentação/OCA.pptx
+++ b/TreinamentoJavaSeOca/documentos/apresentação/OCA.pptx
@@ -5,10 +5,10 @@
     <p:sldMasterId id="2147483661" r:id="rId1"/>
   </p:sldMasterIdLst>
   <p:notesMasterIdLst>
-    <p:notesMasterId r:id="rId60"/>
+    <p:notesMasterId r:id="rId62"/>
   </p:notesMasterIdLst>
   <p:handoutMasterIdLst>
-    <p:handoutMasterId r:id="rId61"/>
+    <p:handoutMasterId r:id="rId63"/>
   </p:handoutMasterIdLst>
   <p:sldIdLst>
     <p:sldId id="1140" r:id="rId2"/>
@@ -62,13 +62,15 @@
     <p:sldId id="1247" r:id="rId50"/>
     <p:sldId id="1248" r:id="rId51"/>
     <p:sldId id="1180" r:id="rId52"/>
-    <p:sldId id="1181" r:id="rId53"/>
-    <p:sldId id="1182" r:id="rId54"/>
-    <p:sldId id="1183" r:id="rId55"/>
-    <p:sldId id="1184" r:id="rId56"/>
-    <p:sldId id="1185" r:id="rId57"/>
-    <p:sldId id="1186" r:id="rId58"/>
-    <p:sldId id="1187" r:id="rId59"/>
+    <p:sldId id="1249" r:id="rId53"/>
+    <p:sldId id="1250" r:id="rId54"/>
+    <p:sldId id="1181" r:id="rId55"/>
+    <p:sldId id="1182" r:id="rId56"/>
+    <p:sldId id="1183" r:id="rId57"/>
+    <p:sldId id="1184" r:id="rId58"/>
+    <p:sldId id="1185" r:id="rId59"/>
+    <p:sldId id="1186" r:id="rId60"/>
+    <p:sldId id="1187" r:id="rId61"/>
   </p:sldIdLst>
   <p:sldSz cx="9144000" cy="6858000" type="screen4x3"/>
   <p:notesSz cx="6797675" cy="9928225"/>
@@ -11915,14 +11917,6 @@
               </a:rPr>
               <a:t>Operadores</a:t>
             </a:r>
-            <a:endParaRPr lang="pt-BR" sz="1200" dirty="0" smtClean="0">
-              <a:solidFill>
-                <a:srgbClr val="8C8C8C"/>
-              </a:solidFill>
-              <a:latin typeface="Tw Cen MT" charset="0"/>
-              <a:ea typeface="Calibri" charset="0"/>
-              <a:cs typeface="Calibri" charset="0"/>
-            </a:endParaRPr>
           </a:p>
           <a:p>
             <a:pPr algn="ctr">
@@ -11985,12 +11979,12 @@
       </p:grpSpPr>
       <p:sp>
         <p:nvSpPr>
-          <p:cNvPr id="2" name="Título 1"/>
-          <p:cNvSpPr>
-            <a:spLocks noGrp="1"/>
-          </p:cNvSpPr>
-          <p:nvPr>
-            <p:ph type="ctrTitle"/>
+          <p:cNvPr id="5" name="Título 4"/>
+          <p:cNvSpPr>
+            <a:spLocks noGrp="1"/>
+          </p:cNvSpPr>
+          <p:nvPr>
+            <p:ph type="title"/>
           </p:nvPr>
         </p:nvSpPr>
         <p:spPr/>
@@ -11999,8 +11993,75 @@
           <a:lstStyle/>
           <a:p>
             <a:r>
-              <a:rPr lang="pt-BR" dirty="0" smtClean="0"/>
-              <a:t>Usando </a:t>
+              <a:rPr lang="pt-BR" dirty="0"/>
+              <a:t>Operadores em Java</a:t>
+            </a:r>
+          </a:p>
+        </p:txBody>
+      </p:sp>
+      <p:sp>
+        <p:nvSpPr>
+          <p:cNvPr id="6" name="Espaço Reservado para Conteúdo 5"/>
+          <p:cNvSpPr>
+            <a:spLocks noGrp="1"/>
+          </p:cNvSpPr>
+          <p:nvPr>
+            <p:ph idx="1"/>
+          </p:nvPr>
+        </p:nvSpPr>
+        <p:spPr/>
+        <p:txBody>
+          <a:bodyPr/>
+          <a:lstStyle/>
+          <a:p>
+            <a:r>
+              <a:rPr lang="pt-BR" dirty="0" smtClean="0"/>
+              <a:t>Operadores de Atribuição</a:t>
+            </a:r>
+          </a:p>
+          <a:p>
+            <a:pPr lvl="1"/>
+            <a:r>
+              <a:rPr lang="pt-BR" dirty="0" smtClean="0"/>
+              <a:t>Operadores compostos de Atribuição</a:t>
+            </a:r>
+          </a:p>
+          <a:p>
+            <a:r>
+              <a:rPr lang="pt-BR" dirty="0" smtClean="0"/>
+              <a:t>Operadores Relacionais</a:t>
+            </a:r>
+          </a:p>
+          <a:p>
+            <a:pPr lvl="1"/>
+            <a:r>
+              <a:rPr lang="pt-BR" dirty="0" smtClean="0"/>
+              <a:t>Operador de “igualdade”</a:t>
+            </a:r>
+          </a:p>
+          <a:p>
+            <a:pPr lvl="1"/>
+            <a:r>
+              <a:rPr lang="pt-BR" dirty="0" smtClean="0"/>
+              <a:t>Igualdade para primitivos</a:t>
+            </a:r>
+          </a:p>
+          <a:p>
+            <a:pPr lvl="1"/>
+            <a:r>
+              <a:rPr lang="pt-BR" dirty="0" smtClean="0"/>
+              <a:t>Igualdade para variáveis de </a:t>
+            </a:r>
+            <a:r>
+              <a:rPr lang="pt-BR" dirty="0" smtClean="0"/>
+              <a:t>referência</a:t>
+            </a:r>
+          </a:p>
+          <a:p>
+            <a:pPr lvl="1"/>
+            <a:r>
+              <a:rPr lang="pt-BR" dirty="0" smtClean="0"/>
+              <a:t>Igualdade para </a:t>
             </a:r>
             <a:r>
               <a:rPr lang="pt-BR" dirty="0" err="1" smtClean="0"/>
@@ -12012,111 +12073,204 @@
             </a:r>
             <a:r>
               <a:rPr lang="pt-BR" dirty="0" err="1" smtClean="0"/>
-              <a:t>StringBuilder</a:t>
-            </a:r>
+              <a:t>java.lang.Object.equals</a:t>
+            </a:r>
+            <a:r>
+              <a:rPr lang="pt-BR" dirty="0" smtClean="0"/>
+              <a:t>()</a:t>
+            </a:r>
+          </a:p>
+          <a:p>
+            <a:r>
+              <a:rPr lang="pt-BR" dirty="0" smtClean="0"/>
+              <a:t>Comparador </a:t>
+            </a:r>
+            <a:r>
+              <a:rPr lang="pt-BR" dirty="0" err="1" smtClean="0"/>
+              <a:t>instanceof</a:t>
+            </a:r>
+            <a:endParaRPr lang="pt-BR" dirty="0" smtClean="0"/>
+          </a:p>
+          <a:p>
+            <a:endParaRPr lang="pt-BR" dirty="0" smtClean="0"/>
+          </a:p>
+          <a:p>
+            <a:pPr lvl="1"/>
             <a:endParaRPr lang="pt-BR" dirty="0"/>
           </a:p>
         </p:txBody>
       </p:sp>
       <p:sp>
         <p:nvSpPr>
-          <p:cNvPr id="3" name="Subtítulo 2"/>
-          <p:cNvSpPr>
-            <a:spLocks noGrp="1"/>
-          </p:cNvSpPr>
-          <p:nvPr>
-            <p:ph type="subTitle" idx="1"/>
-          </p:nvPr>
-        </p:nvSpPr>
-        <p:spPr/>
-        <p:txBody>
-          <a:bodyPr/>
-          <a:lstStyle/>
-          <a:p>
-            <a:r>
-              <a:rPr lang="pt-BR" dirty="0" smtClean="0"/>
-              <a:t>OCA </a:t>
-            </a:r>
-            <a:r>
-              <a:rPr lang="pt-BR" dirty="0" err="1" smtClean="0"/>
-              <a:t>Objectives</a:t>
-            </a:r>
-            <a:r>
-              <a:rPr lang="pt-BR" dirty="0" smtClean="0"/>
-              <a:t> 2.7 </a:t>
-            </a:r>
-            <a:r>
-              <a:rPr lang="pt-BR" dirty="0" err="1" smtClean="0"/>
-              <a:t>and</a:t>
-            </a:r>
-            <a:r>
-              <a:rPr lang="pt-BR" dirty="0" smtClean="0"/>
-              <a:t> 2.6</a:t>
-            </a:r>
-            <a:endParaRPr lang="pt-BR" dirty="0"/>
-          </a:p>
-        </p:txBody>
-      </p:sp>
-      <p:sp>
-        <p:nvSpPr>
-          <p:cNvPr id="4" name="Espaço Reservado para Rodapé 3"/>
-          <p:cNvSpPr>
-            <a:spLocks noGrp="1"/>
-          </p:cNvSpPr>
-          <p:nvPr>
-            <p:ph type="ftr" sz="quarter" idx="11"/>
-          </p:nvPr>
-        </p:nvSpPr>
-        <p:spPr/>
-        <p:txBody>
-          <a:bodyPr/>
-          <a:lstStyle/>
-          <a:p>
-            <a:r>
-              <a:rPr lang="pt-BR" dirty="0" smtClean="0"/>
-              <a:t>Trabalhando com </a:t>
-            </a:r>
-            <a:r>
-              <a:rPr lang="pt-BR" dirty="0" err="1" smtClean="0"/>
-              <a:t>Strings</a:t>
-            </a:r>
-            <a:r>
-              <a:rPr lang="pt-BR" dirty="0" smtClean="0"/>
-              <a:t>, </a:t>
-            </a:r>
-            <a:r>
-              <a:rPr lang="pt-BR" dirty="0" err="1" smtClean="0"/>
-              <a:t>Arrays</a:t>
-            </a:r>
-            <a:r>
-              <a:rPr lang="pt-BR" dirty="0" smtClean="0"/>
-              <a:t> e </a:t>
-            </a:r>
-            <a:r>
-              <a:rPr lang="pt-BR" dirty="0" err="1" smtClean="0"/>
-              <a:t>ArrayLists</a:t>
-            </a:r>
-            <a:endParaRPr lang="pt-BR" dirty="0"/>
+          <p:cNvPr id="7" name="Espaço Reservado para Rodapé 3"/>
+          <p:cNvSpPr txBox="1">
+            <a:spLocks noGrp="1"/>
+          </p:cNvSpPr>
+          <p:nvPr>
+            <p:ph type="ftr" sz="quarter" idx="4294967295"/>
+          </p:nvPr>
+        </p:nvSpPr>
+        <p:spPr>
+          <a:xfrm>
+            <a:off x="3028950" y="6356350"/>
+            <a:ext cx="3086100" cy="365125"/>
+          </a:xfrm>
+          <a:prstGeom prst="rect">
+            <a:avLst/>
+          </a:prstGeom>
+        </p:spPr>
+        <p:txBody>
+          <a:bodyPr/>
+          <a:lstStyle>
+            <a:defPPr>
+              <a:defRPr lang="pt-BR"/>
+            </a:defPPr>
+            <a:lvl1pPr marL="0" algn="l" defTabSz="914400" rtl="0" eaLnBrk="1" latinLnBrk="0" hangingPunct="1">
+              <a:defRPr sz="1800" kern="1200">
+                <a:solidFill>
+                  <a:schemeClr val="tx1"/>
+                </a:solidFill>
+                <a:latin typeface="+mn-lt"/>
+                <a:ea typeface="+mn-ea"/>
+                <a:cs typeface="+mn-cs"/>
+              </a:defRPr>
+            </a:lvl1pPr>
+            <a:lvl2pPr marL="457200" algn="l" defTabSz="914400" rtl="0" eaLnBrk="1" latinLnBrk="0" hangingPunct="1">
+              <a:defRPr sz="1800" kern="1200">
+                <a:solidFill>
+                  <a:schemeClr val="tx1"/>
+                </a:solidFill>
+                <a:latin typeface="+mn-lt"/>
+                <a:ea typeface="+mn-ea"/>
+                <a:cs typeface="+mn-cs"/>
+              </a:defRPr>
+            </a:lvl2pPr>
+            <a:lvl3pPr marL="914400" algn="l" defTabSz="914400" rtl="0" eaLnBrk="1" latinLnBrk="0" hangingPunct="1">
+              <a:defRPr sz="1800" kern="1200">
+                <a:solidFill>
+                  <a:schemeClr val="tx1"/>
+                </a:solidFill>
+                <a:latin typeface="+mn-lt"/>
+                <a:ea typeface="+mn-ea"/>
+                <a:cs typeface="+mn-cs"/>
+              </a:defRPr>
+            </a:lvl3pPr>
+            <a:lvl4pPr marL="1371600" algn="l" defTabSz="914400" rtl="0" eaLnBrk="1" latinLnBrk="0" hangingPunct="1">
+              <a:defRPr sz="1800" kern="1200">
+                <a:solidFill>
+                  <a:schemeClr val="tx1"/>
+                </a:solidFill>
+                <a:latin typeface="+mn-lt"/>
+                <a:ea typeface="+mn-ea"/>
+                <a:cs typeface="+mn-cs"/>
+              </a:defRPr>
+            </a:lvl4pPr>
+            <a:lvl5pPr marL="1828800" algn="l" defTabSz="914400" rtl="0" eaLnBrk="1" latinLnBrk="0" hangingPunct="1">
+              <a:defRPr sz="1800" kern="1200">
+                <a:solidFill>
+                  <a:schemeClr val="tx1"/>
+                </a:solidFill>
+                <a:latin typeface="+mn-lt"/>
+                <a:ea typeface="+mn-ea"/>
+                <a:cs typeface="+mn-cs"/>
+              </a:defRPr>
+            </a:lvl5pPr>
+            <a:lvl6pPr marL="2286000" algn="l" defTabSz="914400" rtl="0" eaLnBrk="1" latinLnBrk="0" hangingPunct="1">
+              <a:defRPr sz="1800" kern="1200">
+                <a:solidFill>
+                  <a:schemeClr val="tx1"/>
+                </a:solidFill>
+                <a:latin typeface="+mn-lt"/>
+                <a:ea typeface="+mn-ea"/>
+                <a:cs typeface="+mn-cs"/>
+              </a:defRPr>
+            </a:lvl6pPr>
+            <a:lvl7pPr marL="2743200" algn="l" defTabSz="914400" rtl="0" eaLnBrk="1" latinLnBrk="0" hangingPunct="1">
+              <a:defRPr sz="1800" kern="1200">
+                <a:solidFill>
+                  <a:schemeClr val="tx1"/>
+                </a:solidFill>
+                <a:latin typeface="+mn-lt"/>
+                <a:ea typeface="+mn-ea"/>
+                <a:cs typeface="+mn-cs"/>
+              </a:defRPr>
+            </a:lvl7pPr>
+            <a:lvl8pPr marL="3200400" algn="l" defTabSz="914400" rtl="0" eaLnBrk="1" latinLnBrk="0" hangingPunct="1">
+              <a:defRPr sz="1800" kern="1200">
+                <a:solidFill>
+                  <a:schemeClr val="tx1"/>
+                </a:solidFill>
+                <a:latin typeface="+mn-lt"/>
+                <a:ea typeface="+mn-ea"/>
+                <a:cs typeface="+mn-cs"/>
+              </a:defRPr>
+            </a:lvl8pPr>
+            <a:lvl9pPr marL="3657600" algn="l" defTabSz="914400" rtl="0" eaLnBrk="1" latinLnBrk="0" hangingPunct="1">
+              <a:defRPr sz="1800" kern="1200">
+                <a:solidFill>
+                  <a:schemeClr val="tx1"/>
+                </a:solidFill>
+                <a:latin typeface="+mn-lt"/>
+                <a:ea typeface="+mn-ea"/>
+                <a:cs typeface="+mn-cs"/>
+              </a:defRPr>
+            </a:lvl9pPr>
+          </a:lstStyle>
+          <a:p>
+            <a:pPr algn="ctr">
+              <a:defRPr sz="1200">
+                <a:solidFill>
+                  <a:srgbClr val="8C8C8C"/>
+                </a:solidFill>
+                <a:latin typeface="Tw Cen MT" charset="0"/>
+                <a:ea typeface="Calibri" charset="0"/>
+                <a:cs typeface="Calibri" charset="0"/>
+              </a:defRPr>
+            </a:pPr>
+            <a:r>
+              <a:rPr lang="pt-BR" sz="1200" dirty="0" smtClean="0">
+                <a:solidFill>
+                  <a:srgbClr val="8C8C8C"/>
+                </a:solidFill>
+                <a:latin typeface="Tw Cen MT" charset="0"/>
+                <a:ea typeface="Calibri" charset="0"/>
+                <a:cs typeface="Calibri" charset="0"/>
+              </a:rPr>
+              <a:t>Operadores</a:t>
+            </a:r>
+          </a:p>
+          <a:p>
+            <a:pPr algn="ctr">
+              <a:defRPr sz="1200">
+                <a:solidFill>
+                  <a:srgbClr val="8C8C8C"/>
+                </a:solidFill>
+                <a:latin typeface="Tw Cen MT" charset="0"/>
+                <a:ea typeface="Calibri" charset="0"/>
+                <a:cs typeface="Calibri" charset="0"/>
+              </a:defRPr>
+            </a:pPr>
+            <a:endParaRPr lang="pt-BR" sz="1200" dirty="0">
+              <a:solidFill>
+                <a:srgbClr val="8C8C8C"/>
+              </a:solidFill>
+              <a:latin typeface="Tw Cen MT" charset="0"/>
+              <a:ea typeface="Calibri" charset="0"/>
+              <a:cs typeface="Calibri" charset="0"/>
+            </a:endParaRPr>
           </a:p>
         </p:txBody>
       </p:sp>
     </p:spTree>
     <p:extLst>
       <p:ext uri="{BB962C8B-B14F-4D97-AF65-F5344CB8AC3E}">
-        <p14:creationId xmlns:p14="http://schemas.microsoft.com/office/powerpoint/2010/main" val="1074513946"/>
+        <p14:creationId xmlns:p14="http://schemas.microsoft.com/office/powerpoint/2010/main" val="2662573922"/>
       </p:ext>
     </p:extLst>
   </p:cSld>
   <p:clrMapOvr>
     <a:masterClrMapping/>
   </p:clrMapOvr>
-  <p:timing>
-    <p:tnLst>
-      <p:par>
-        <p:cTn id="1" dur="indefinite" restart="never" nodeType="tmRoot"/>
-      </p:par>
-    </p:tnLst>
-  </p:timing>
 </p:sld>
 </file>
 
@@ -12144,7 +12298,7 @@
             <a:spLocks noGrp="1"/>
           </p:cNvSpPr>
           <p:nvPr>
-            <p:ph type="ctrTitle"/>
+            <p:ph type="title"/>
           </p:nvPr>
         </p:nvSpPr>
         <p:spPr/>
@@ -12153,119 +12307,268 @@
           <a:lstStyle/>
           <a:p>
             <a:r>
-              <a:rPr lang="pt-BR" dirty="0" smtClean="0"/>
-              <a:t>Usando </a:t>
+              <a:rPr lang="pt-BR" dirty="0"/>
+              <a:t>Operadores em Java</a:t>
+            </a:r>
+          </a:p>
+        </p:txBody>
+      </p:sp>
+      <p:sp>
+        <p:nvSpPr>
+          <p:cNvPr id="3" name="Espaço Reservado para Conteúdo 2"/>
+          <p:cNvSpPr>
+            <a:spLocks noGrp="1"/>
+          </p:cNvSpPr>
+          <p:nvPr>
+            <p:ph idx="1"/>
+          </p:nvPr>
+        </p:nvSpPr>
+        <p:spPr/>
+        <p:txBody>
+          <a:bodyPr/>
+          <a:lstStyle/>
+          <a:p>
+            <a:r>
+              <a:rPr lang="pt-BR" dirty="0" smtClean="0"/>
+              <a:t>Operadores Aritméticos</a:t>
+            </a:r>
+          </a:p>
+          <a:p>
+            <a:pPr lvl="1"/>
+            <a:r>
+              <a:rPr lang="pt-BR" dirty="0" smtClean="0"/>
+              <a:t>Operador de sobra (ou módulo)</a:t>
+            </a:r>
+          </a:p>
+          <a:p>
+            <a:pPr lvl="1"/>
+            <a:r>
+              <a:rPr lang="pt-BR" dirty="0" smtClean="0"/>
+              <a:t>Operador de concatenação de </a:t>
             </a:r>
             <a:r>
               <a:rPr lang="pt-BR" dirty="0" err="1" smtClean="0"/>
-              <a:t>Arrays</a:t>
-            </a:r>
+              <a:t>String</a:t>
+            </a:r>
+            <a:endParaRPr lang="pt-BR" dirty="0" smtClean="0"/>
+          </a:p>
+          <a:p>
+            <a:pPr lvl="1"/>
+            <a:r>
+              <a:rPr lang="pt-BR" dirty="0" smtClean="0"/>
+              <a:t>Operadores de incremento e decremento</a:t>
+            </a:r>
+          </a:p>
+          <a:p>
+            <a:r>
+              <a:rPr lang="pt-BR" dirty="0" smtClean="0"/>
+              <a:t>Operadores Condicionais</a:t>
+            </a:r>
+          </a:p>
+          <a:p>
+            <a:r>
+              <a:rPr lang="pt-BR" dirty="0" smtClean="0"/>
+              <a:t>Operadores Lógicos</a:t>
+            </a:r>
+          </a:p>
+          <a:p>
+            <a:pPr lvl="1"/>
+            <a:r>
+              <a:rPr lang="pt-BR" dirty="0" smtClean="0"/>
+              <a:t>Operadores lógicos de curto-circuito</a:t>
+            </a:r>
+          </a:p>
+          <a:p>
+            <a:pPr lvl="1"/>
+            <a:r>
+              <a:rPr lang="pt-BR" dirty="0" smtClean="0"/>
+              <a:t>Operadores lógicos de não-curto-circuito</a:t>
+            </a:r>
+          </a:p>
+          <a:p>
+            <a:pPr lvl="1"/>
+            <a:r>
+              <a:rPr lang="pt-BR" dirty="0" smtClean="0"/>
+              <a:t>Operadores lógicos ^ e !</a:t>
+            </a:r>
+          </a:p>
+          <a:p>
+            <a:pPr lvl="1"/>
+            <a:endParaRPr lang="pt-BR" dirty="0" smtClean="0"/>
+          </a:p>
+          <a:p>
+            <a:pPr lvl="1"/>
             <a:endParaRPr lang="pt-BR" dirty="0"/>
           </a:p>
         </p:txBody>
       </p:sp>
       <p:sp>
         <p:nvSpPr>
-          <p:cNvPr id="3" name="Subtítulo 2"/>
-          <p:cNvSpPr>
-            <a:spLocks noGrp="1"/>
-          </p:cNvSpPr>
-          <p:nvPr>
-            <p:ph type="subTitle" idx="1"/>
-          </p:nvPr>
-        </p:nvSpPr>
-        <p:spPr/>
-        <p:txBody>
-          <a:bodyPr/>
-          <a:lstStyle/>
-          <a:p>
-            <a:r>
-              <a:rPr lang="pt-BR" dirty="0" smtClean="0"/>
-              <a:t>OCA </a:t>
-            </a:r>
-            <a:r>
-              <a:rPr lang="pt-BR" dirty="0" err="1" smtClean="0"/>
-              <a:t>Objectives</a:t>
-            </a:r>
-            <a:r>
-              <a:rPr lang="pt-BR" dirty="0" smtClean="0"/>
-              <a:t> 4.1 </a:t>
-            </a:r>
-            <a:r>
-              <a:rPr lang="pt-BR" dirty="0" err="1" smtClean="0"/>
-              <a:t>and</a:t>
-            </a:r>
-            <a:r>
-              <a:rPr lang="pt-BR" dirty="0" smtClean="0"/>
-              <a:t> 4.2</a:t>
-            </a:r>
-            <a:endParaRPr lang="pt-BR" dirty="0"/>
-          </a:p>
-        </p:txBody>
-      </p:sp>
-      <p:sp>
-        <p:nvSpPr>
-          <p:cNvPr id="4" name="Espaço Reservado para Rodapé 3"/>
-          <p:cNvSpPr>
-            <a:spLocks noGrp="1"/>
-          </p:cNvSpPr>
-          <p:nvPr>
-            <p:ph type="ftr" sz="quarter" idx="11"/>
-          </p:nvPr>
-        </p:nvSpPr>
-        <p:spPr/>
-        <p:txBody>
-          <a:bodyPr/>
-          <a:lstStyle/>
-          <a:p>
-            <a:r>
-              <a:rPr lang="pt-BR" dirty="0"/>
-              <a:t>Trabalhando com </a:t>
-            </a:r>
-            <a:r>
-              <a:rPr lang="pt-BR" dirty="0" err="1"/>
-              <a:t>Strings</a:t>
-            </a:r>
-            <a:r>
-              <a:rPr lang="pt-BR" dirty="0"/>
-              <a:t>, </a:t>
-            </a:r>
-            <a:r>
-              <a:rPr lang="pt-BR" dirty="0" err="1"/>
-              <a:t>Arrays</a:t>
-            </a:r>
-            <a:r>
-              <a:rPr lang="pt-BR" dirty="0"/>
-              <a:t> e </a:t>
-            </a:r>
-            <a:r>
-              <a:rPr lang="pt-BR" dirty="0" err="1"/>
-              <a:t>ArrayLists</a:t>
-            </a:r>
-            <a:endParaRPr lang="pt-BR" dirty="0"/>
-          </a:p>
-          <a:p>
-            <a:endParaRPr lang="pt-BR" dirty="0"/>
+          <p:cNvPr id="5" name="Espaço Reservado para Rodapé 3"/>
+          <p:cNvSpPr txBox="1">
+            <a:spLocks noGrp="1"/>
+          </p:cNvSpPr>
+          <p:nvPr>
+            <p:ph type="ftr" sz="quarter" idx="13"/>
+          </p:nvPr>
+        </p:nvSpPr>
+        <p:spPr>
+          <a:prstGeom prst="rect">
+            <a:avLst/>
+          </a:prstGeom>
+        </p:spPr>
+        <p:txBody>
+          <a:bodyPr/>
+          <a:lstStyle>
+            <a:defPPr>
+              <a:defRPr lang="pt-BR"/>
+            </a:defPPr>
+            <a:lvl1pPr marL="0" algn="l" defTabSz="914400" rtl="0" eaLnBrk="1" latinLnBrk="0" hangingPunct="1">
+              <a:defRPr sz="1800" kern="1200">
+                <a:solidFill>
+                  <a:schemeClr val="tx1"/>
+                </a:solidFill>
+                <a:latin typeface="+mn-lt"/>
+                <a:ea typeface="+mn-ea"/>
+                <a:cs typeface="+mn-cs"/>
+              </a:defRPr>
+            </a:lvl1pPr>
+            <a:lvl2pPr marL="457200" algn="l" defTabSz="914400" rtl="0" eaLnBrk="1" latinLnBrk="0" hangingPunct="1">
+              <a:defRPr sz="1800" kern="1200">
+                <a:solidFill>
+                  <a:schemeClr val="tx1"/>
+                </a:solidFill>
+                <a:latin typeface="+mn-lt"/>
+                <a:ea typeface="+mn-ea"/>
+                <a:cs typeface="+mn-cs"/>
+              </a:defRPr>
+            </a:lvl2pPr>
+            <a:lvl3pPr marL="914400" algn="l" defTabSz="914400" rtl="0" eaLnBrk="1" latinLnBrk="0" hangingPunct="1">
+              <a:defRPr sz="1800" kern="1200">
+                <a:solidFill>
+                  <a:schemeClr val="tx1"/>
+                </a:solidFill>
+                <a:latin typeface="+mn-lt"/>
+                <a:ea typeface="+mn-ea"/>
+                <a:cs typeface="+mn-cs"/>
+              </a:defRPr>
+            </a:lvl3pPr>
+            <a:lvl4pPr marL="1371600" algn="l" defTabSz="914400" rtl="0" eaLnBrk="1" latinLnBrk="0" hangingPunct="1">
+              <a:defRPr sz="1800" kern="1200">
+                <a:solidFill>
+                  <a:schemeClr val="tx1"/>
+                </a:solidFill>
+                <a:latin typeface="+mn-lt"/>
+                <a:ea typeface="+mn-ea"/>
+                <a:cs typeface="+mn-cs"/>
+              </a:defRPr>
+            </a:lvl4pPr>
+            <a:lvl5pPr marL="1828800" algn="l" defTabSz="914400" rtl="0" eaLnBrk="1" latinLnBrk="0" hangingPunct="1">
+              <a:defRPr sz="1800" kern="1200">
+                <a:solidFill>
+                  <a:schemeClr val="tx1"/>
+                </a:solidFill>
+                <a:latin typeface="+mn-lt"/>
+                <a:ea typeface="+mn-ea"/>
+                <a:cs typeface="+mn-cs"/>
+              </a:defRPr>
+            </a:lvl5pPr>
+            <a:lvl6pPr marL="2286000" algn="l" defTabSz="914400" rtl="0" eaLnBrk="1" latinLnBrk="0" hangingPunct="1">
+              <a:defRPr sz="1800" kern="1200">
+                <a:solidFill>
+                  <a:schemeClr val="tx1"/>
+                </a:solidFill>
+                <a:latin typeface="+mn-lt"/>
+                <a:ea typeface="+mn-ea"/>
+                <a:cs typeface="+mn-cs"/>
+              </a:defRPr>
+            </a:lvl6pPr>
+            <a:lvl7pPr marL="2743200" algn="l" defTabSz="914400" rtl="0" eaLnBrk="1" latinLnBrk="0" hangingPunct="1">
+              <a:defRPr sz="1800" kern="1200">
+                <a:solidFill>
+                  <a:schemeClr val="tx1"/>
+                </a:solidFill>
+                <a:latin typeface="+mn-lt"/>
+                <a:ea typeface="+mn-ea"/>
+                <a:cs typeface="+mn-cs"/>
+              </a:defRPr>
+            </a:lvl7pPr>
+            <a:lvl8pPr marL="3200400" algn="l" defTabSz="914400" rtl="0" eaLnBrk="1" latinLnBrk="0" hangingPunct="1">
+              <a:defRPr sz="1800" kern="1200">
+                <a:solidFill>
+                  <a:schemeClr val="tx1"/>
+                </a:solidFill>
+                <a:latin typeface="+mn-lt"/>
+                <a:ea typeface="+mn-ea"/>
+                <a:cs typeface="+mn-cs"/>
+              </a:defRPr>
+            </a:lvl8pPr>
+            <a:lvl9pPr marL="3657600" algn="l" defTabSz="914400" rtl="0" eaLnBrk="1" latinLnBrk="0" hangingPunct="1">
+              <a:defRPr sz="1800" kern="1200">
+                <a:solidFill>
+                  <a:schemeClr val="tx1"/>
+                </a:solidFill>
+                <a:latin typeface="+mn-lt"/>
+                <a:ea typeface="+mn-ea"/>
+                <a:cs typeface="+mn-cs"/>
+              </a:defRPr>
+            </a:lvl9pPr>
+          </a:lstStyle>
+          <a:p>
+            <a:pPr algn="ctr">
+              <a:defRPr sz="1200">
+                <a:solidFill>
+                  <a:srgbClr val="8C8C8C"/>
+                </a:solidFill>
+                <a:latin typeface="Tw Cen MT" charset="0"/>
+                <a:ea typeface="Calibri" charset="0"/>
+                <a:cs typeface="Calibri" charset="0"/>
+              </a:defRPr>
+            </a:pPr>
+            <a:r>
+              <a:rPr lang="pt-BR" sz="1200" dirty="0" smtClean="0">
+                <a:solidFill>
+                  <a:srgbClr val="8C8C8C"/>
+                </a:solidFill>
+                <a:latin typeface="Tw Cen MT" charset="0"/>
+                <a:ea typeface="Calibri" charset="0"/>
+                <a:cs typeface="Calibri" charset="0"/>
+              </a:rPr>
+              <a:t>Operadores</a:t>
+            </a:r>
+          </a:p>
+          <a:p>
+            <a:pPr algn="ctr">
+              <a:defRPr sz="1200">
+                <a:solidFill>
+                  <a:srgbClr val="8C8C8C"/>
+                </a:solidFill>
+                <a:latin typeface="Tw Cen MT" charset="0"/>
+                <a:ea typeface="Calibri" charset="0"/>
+                <a:cs typeface="Calibri" charset="0"/>
+              </a:defRPr>
+            </a:pPr>
+            <a:endParaRPr lang="pt-BR" sz="1200" dirty="0">
+              <a:solidFill>
+                <a:srgbClr val="8C8C8C"/>
+              </a:solidFill>
+              <a:latin typeface="Tw Cen MT" charset="0"/>
+              <a:ea typeface="Calibri" charset="0"/>
+              <a:cs typeface="Calibri" charset="0"/>
+            </a:endParaRPr>
           </a:p>
         </p:txBody>
       </p:sp>
     </p:spTree>
     <p:extLst>
       <p:ext uri="{BB962C8B-B14F-4D97-AF65-F5344CB8AC3E}">
-        <p14:creationId xmlns:p14="http://schemas.microsoft.com/office/powerpoint/2010/main" val="1389997935"/>
+        <p14:creationId xmlns:p14="http://schemas.microsoft.com/office/powerpoint/2010/main" val="2162196913"/>
       </p:ext>
     </p:extLst>
   </p:cSld>
   <p:clrMapOvr>
     <a:masterClrMapping/>
   </p:clrMapOvr>
-  <p:timing>
-    <p:tnLst>
-      <p:par>
-        <p:cTn id="1" dur="indefinite" restart="never" nodeType="tmRoot"/>
-      </p:par>
-    </p:tnLst>
-  </p:timing>
 </p:sld>
 </file>
 
@@ -12307,7 +12610,15 @@
             </a:r>
             <a:r>
               <a:rPr lang="pt-BR" dirty="0" err="1" smtClean="0"/>
-              <a:t>ArrayList</a:t>
+              <a:t>Strings</a:t>
+            </a:r>
+            <a:r>
+              <a:rPr lang="pt-BR" dirty="0" smtClean="0"/>
+              <a:t> e </a:t>
+            </a:r>
+            <a:r>
+              <a:rPr lang="pt-BR" dirty="0" err="1" smtClean="0"/>
+              <a:t>StringBuilder</a:t>
             </a:r>
             <a:endParaRPr lang="pt-BR" dirty="0"/>
           </a:p>
@@ -12334,11 +12645,19 @@
             </a:r>
             <a:r>
               <a:rPr lang="pt-BR" dirty="0" err="1" smtClean="0"/>
-              <a:t>Objective</a:t>
-            </a:r>
-            <a:r>
-              <a:rPr lang="pt-BR" dirty="0" smtClean="0"/>
-              <a:t> 4.3</a:t>
+              <a:t>Objectives</a:t>
+            </a:r>
+            <a:r>
+              <a:rPr lang="pt-BR" dirty="0" smtClean="0"/>
+              <a:t> 2.7 </a:t>
+            </a:r>
+            <a:r>
+              <a:rPr lang="pt-BR" dirty="0" err="1" smtClean="0"/>
+              <a:t>and</a:t>
+            </a:r>
+            <a:r>
+              <a:rPr lang="pt-BR" dirty="0" smtClean="0"/>
+              <a:t> 2.6</a:t>
             </a:r>
             <a:endParaRPr lang="pt-BR" dirty="0"/>
           </a:p>
@@ -12360,32 +12679,29 @@
           <a:lstStyle/>
           <a:p>
             <a:r>
-              <a:rPr lang="pt-BR" dirty="0"/>
+              <a:rPr lang="pt-BR" dirty="0" smtClean="0"/>
               <a:t>Trabalhando com </a:t>
             </a:r>
             <a:r>
-              <a:rPr lang="pt-BR" dirty="0" err="1"/>
+              <a:rPr lang="pt-BR" dirty="0" err="1" smtClean="0"/>
               <a:t>Strings</a:t>
             </a:r>
             <a:r>
-              <a:rPr lang="pt-BR" dirty="0"/>
+              <a:rPr lang="pt-BR" dirty="0" smtClean="0"/>
               <a:t>, </a:t>
             </a:r>
             <a:r>
-              <a:rPr lang="pt-BR" dirty="0" err="1"/>
+              <a:rPr lang="pt-BR" dirty="0" err="1" smtClean="0"/>
               <a:t>Arrays</a:t>
             </a:r>
             <a:r>
-              <a:rPr lang="pt-BR" dirty="0"/>
+              <a:rPr lang="pt-BR" dirty="0" smtClean="0"/>
               <a:t> e </a:t>
             </a:r>
             <a:r>
-              <a:rPr lang="pt-BR" dirty="0" err="1"/>
+              <a:rPr lang="pt-BR" dirty="0" err="1" smtClean="0"/>
               <a:t>ArrayLists</a:t>
             </a:r>
-            <a:endParaRPr lang="pt-BR" dirty="0"/>
-          </a:p>
-          <a:p>
             <a:endParaRPr lang="pt-BR" dirty="0"/>
           </a:p>
         </p:txBody>
@@ -12393,7 +12709,7 @@
     </p:spTree>
     <p:extLst>
       <p:ext uri="{BB962C8B-B14F-4D97-AF65-F5344CB8AC3E}">
-        <p14:creationId xmlns:p14="http://schemas.microsoft.com/office/powerpoint/2010/main" val="2158061903"/>
+        <p14:creationId xmlns:p14="http://schemas.microsoft.com/office/powerpoint/2010/main" val="1074513946"/>
       </p:ext>
     </p:extLst>
   </p:cSld>
@@ -12448,11 +12764,7 @@
             </a:r>
             <a:r>
               <a:rPr lang="pt-BR" dirty="0" err="1" smtClean="0"/>
-              <a:t>if</a:t>
-            </a:r>
-            <a:r>
-              <a:rPr lang="pt-BR" dirty="0" smtClean="0"/>
-              <a:t> e switch</a:t>
+              <a:t>Arrays</a:t>
             </a:r>
             <a:endParaRPr lang="pt-BR" dirty="0"/>
           </a:p>
@@ -12483,7 +12795,15 @@
             </a:r>
             <a:r>
               <a:rPr lang="pt-BR" dirty="0" smtClean="0"/>
-              <a:t> 3.4, 3.5 e 1.1 upgrade</a:t>
+              <a:t> 4.1 </a:t>
+            </a:r>
+            <a:r>
+              <a:rPr lang="pt-BR" dirty="0" err="1" smtClean="0"/>
+              <a:t>and</a:t>
+            </a:r>
+            <a:r>
+              <a:rPr lang="pt-BR" dirty="0" smtClean="0"/>
+              <a:t> 4.2</a:t>
             </a:r>
             <a:endParaRPr lang="pt-BR" dirty="0"/>
           </a:p>
@@ -12505,9 +12825,32 @@
           <a:lstStyle/>
           <a:p>
             <a:r>
-              <a:rPr lang="pt-BR" dirty="0" smtClean="0"/>
-              <a:t>Controle de Fluxo e Exceções</a:t>
-            </a:r>
+              <a:rPr lang="pt-BR" dirty="0"/>
+              <a:t>Trabalhando com </a:t>
+            </a:r>
+            <a:r>
+              <a:rPr lang="pt-BR" dirty="0" err="1"/>
+              <a:t>Strings</a:t>
+            </a:r>
+            <a:r>
+              <a:rPr lang="pt-BR" dirty="0"/>
+              <a:t>, </a:t>
+            </a:r>
+            <a:r>
+              <a:rPr lang="pt-BR" dirty="0" err="1"/>
+              <a:t>Arrays</a:t>
+            </a:r>
+            <a:r>
+              <a:rPr lang="pt-BR" dirty="0"/>
+              <a:t> e </a:t>
+            </a:r>
+            <a:r>
+              <a:rPr lang="pt-BR" dirty="0" err="1"/>
+              <a:t>ArrayLists</a:t>
+            </a:r>
+            <a:endParaRPr lang="pt-BR" dirty="0"/>
+          </a:p>
+          <a:p>
             <a:endParaRPr lang="pt-BR" dirty="0"/>
           </a:p>
         </p:txBody>
@@ -12515,7 +12858,7 @@
     </p:spTree>
     <p:extLst>
       <p:ext uri="{BB962C8B-B14F-4D97-AF65-F5344CB8AC3E}">
-        <p14:creationId xmlns:p14="http://schemas.microsoft.com/office/powerpoint/2010/main" val="532384450"/>
+        <p14:creationId xmlns:p14="http://schemas.microsoft.com/office/powerpoint/2010/main" val="1389997935"/>
       </p:ext>
     </p:extLst>
   </p:cSld>
@@ -12566,7 +12909,11 @@
           <a:p>
             <a:r>
               <a:rPr lang="pt-BR" dirty="0" smtClean="0"/>
-              <a:t>Criando Loops</a:t>
+              <a:t>Usando </a:t>
+            </a:r>
+            <a:r>
+              <a:rPr lang="pt-BR" dirty="0" err="1" smtClean="0"/>
+              <a:t>ArrayList</a:t>
             </a:r>
             <a:endParaRPr lang="pt-BR" dirty="0"/>
           </a:p>
@@ -12593,19 +12940,11 @@
             </a:r>
             <a:r>
               <a:rPr lang="pt-BR" dirty="0" err="1" smtClean="0"/>
-              <a:t>Objectives</a:t>
-            </a:r>
-            <a:r>
-              <a:rPr lang="pt-BR" dirty="0" smtClean="0"/>
-              <a:t> 5.1, 5.2, 5.3, 5.4 </a:t>
-            </a:r>
-            <a:r>
-              <a:rPr lang="pt-BR" dirty="0" err="1" smtClean="0"/>
-              <a:t>and</a:t>
-            </a:r>
-            <a:r>
-              <a:rPr lang="pt-BR" dirty="0" smtClean="0"/>
-              <a:t> 5.5</a:t>
+              <a:t>Objective</a:t>
+            </a:r>
+            <a:r>
+              <a:rPr lang="pt-BR" dirty="0" smtClean="0"/>
+              <a:t> 4.3</a:t>
             </a:r>
             <a:endParaRPr lang="pt-BR" dirty="0"/>
           </a:p>
@@ -12628,8 +12967,29 @@
           <a:p>
             <a:r>
               <a:rPr lang="pt-BR" dirty="0"/>
-              <a:t>Controle de Fluxo e Exceções</a:t>
-            </a:r>
+              <a:t>Trabalhando com </a:t>
+            </a:r>
+            <a:r>
+              <a:rPr lang="pt-BR" dirty="0" err="1"/>
+              <a:t>Strings</a:t>
+            </a:r>
+            <a:r>
+              <a:rPr lang="pt-BR" dirty="0"/>
+              <a:t>, </a:t>
+            </a:r>
+            <a:r>
+              <a:rPr lang="pt-BR" dirty="0" err="1"/>
+              <a:t>Arrays</a:t>
+            </a:r>
+            <a:r>
+              <a:rPr lang="pt-BR" dirty="0"/>
+              <a:t> e </a:t>
+            </a:r>
+            <a:r>
+              <a:rPr lang="pt-BR" dirty="0" err="1"/>
+              <a:t>ArrayLists</a:t>
+            </a:r>
+            <a:endParaRPr lang="pt-BR" dirty="0"/>
           </a:p>
           <a:p>
             <a:endParaRPr lang="pt-BR" dirty="0"/>
@@ -12639,7 +12999,7 @@
     </p:spTree>
     <p:extLst>
       <p:ext uri="{BB962C8B-B14F-4D97-AF65-F5344CB8AC3E}">
-        <p14:creationId xmlns:p14="http://schemas.microsoft.com/office/powerpoint/2010/main" val="2470865896"/>
+        <p14:creationId xmlns:p14="http://schemas.microsoft.com/office/powerpoint/2010/main" val="2158061903"/>
       </p:ext>
     </p:extLst>
   </p:cSld>
@@ -12690,7 +13050,15 @@
           <a:p>
             <a:r>
               <a:rPr lang="pt-BR" dirty="0" smtClean="0"/>
-              <a:t>Manipulando Exceções</a:t>
+              <a:t>Usando </a:t>
+            </a:r>
+            <a:r>
+              <a:rPr lang="pt-BR" dirty="0" err="1" smtClean="0"/>
+              <a:t>if</a:t>
+            </a:r>
+            <a:r>
+              <a:rPr lang="pt-BR" dirty="0" smtClean="0"/>
+              <a:t> e switch</a:t>
             </a:r>
             <a:endParaRPr lang="pt-BR" dirty="0"/>
           </a:p>
@@ -12721,15 +13089,7 @@
             </a:r>
             <a:r>
               <a:rPr lang="pt-BR" dirty="0" smtClean="0"/>
-              <a:t> 8.1, 8.2, 8.3 </a:t>
-            </a:r>
-            <a:r>
-              <a:rPr lang="pt-BR" dirty="0" err="1" smtClean="0"/>
-              <a:t>and</a:t>
-            </a:r>
-            <a:r>
-              <a:rPr lang="pt-BR" dirty="0" smtClean="0"/>
-              <a:t> 8.4</a:t>
+              <a:t> 3.4, 3.5 e 1.1 upgrade</a:t>
             </a:r>
             <a:endParaRPr lang="pt-BR" dirty="0"/>
           </a:p>
@@ -12751,11 +13111,9 @@
           <a:lstStyle/>
           <a:p>
             <a:r>
-              <a:rPr lang="pt-BR" dirty="0"/>
+              <a:rPr lang="pt-BR" dirty="0" smtClean="0"/>
               <a:t>Controle de Fluxo e Exceções</a:t>
             </a:r>
-          </a:p>
-          <a:p>
             <a:endParaRPr lang="pt-BR" dirty="0"/>
           </a:p>
         </p:txBody>
@@ -12763,7 +13121,7 @@
     </p:spTree>
     <p:extLst>
       <p:ext uri="{BB962C8B-B14F-4D97-AF65-F5344CB8AC3E}">
-        <p14:creationId xmlns:p14="http://schemas.microsoft.com/office/powerpoint/2010/main" val="3021261354"/>
+        <p14:creationId xmlns:p14="http://schemas.microsoft.com/office/powerpoint/2010/main" val="532384450"/>
       </p:ext>
     </p:extLst>
   </p:cSld>
@@ -12814,42 +13172,46 @@
           <a:p>
             <a:r>
               <a:rPr lang="pt-BR" dirty="0" smtClean="0"/>
-              <a:t>Exceções Comuns e </a:t>
+              <a:t>Criando Loops</a:t>
+            </a:r>
+            <a:endParaRPr lang="pt-BR" dirty="0"/>
+          </a:p>
+        </p:txBody>
+      </p:sp>
+      <p:sp>
+        <p:nvSpPr>
+          <p:cNvPr id="3" name="Subtítulo 2"/>
+          <p:cNvSpPr>
+            <a:spLocks noGrp="1"/>
+          </p:cNvSpPr>
+          <p:nvPr>
+            <p:ph type="subTitle" idx="1"/>
+          </p:nvPr>
+        </p:nvSpPr>
+        <p:spPr/>
+        <p:txBody>
+          <a:bodyPr/>
+          <a:lstStyle/>
+          <a:p>
+            <a:r>
+              <a:rPr lang="pt-BR" dirty="0" smtClean="0"/>
+              <a:t>OCA </a:t>
             </a:r>
             <a:r>
               <a:rPr lang="pt-BR" dirty="0" err="1" smtClean="0"/>
-              <a:t>Errors</a:t>
-            </a:r>
-            <a:endParaRPr lang="pt-BR" dirty="0"/>
-          </a:p>
-        </p:txBody>
-      </p:sp>
-      <p:sp>
-        <p:nvSpPr>
-          <p:cNvPr id="3" name="Subtítulo 2"/>
-          <p:cNvSpPr>
-            <a:spLocks noGrp="1"/>
-          </p:cNvSpPr>
-          <p:nvPr>
-            <p:ph type="subTitle" idx="1"/>
-          </p:nvPr>
-        </p:nvSpPr>
-        <p:spPr/>
-        <p:txBody>
-          <a:bodyPr/>
-          <a:lstStyle/>
-          <a:p>
-            <a:r>
-              <a:rPr lang="pt-BR" dirty="0" smtClean="0"/>
-              <a:t>OCA </a:t>
+              <a:t>Objectives</a:t>
+            </a:r>
+            <a:r>
+              <a:rPr lang="pt-BR" dirty="0" smtClean="0"/>
+              <a:t> 5.1, 5.2, 5.3, 5.4 </a:t>
             </a:r>
             <a:r>
               <a:rPr lang="pt-BR" dirty="0" err="1" smtClean="0"/>
-              <a:t>Objective</a:t>
-            </a:r>
-            <a:r>
-              <a:rPr lang="pt-BR" dirty="0" smtClean="0"/>
-              <a:t> 8.5</a:t>
+              <a:t>and</a:t>
+            </a:r>
+            <a:r>
+              <a:rPr lang="pt-BR" dirty="0" smtClean="0"/>
+              <a:t> 5.5</a:t>
             </a:r>
             <a:endParaRPr lang="pt-BR" dirty="0"/>
           </a:p>
@@ -12883,7 +13245,131 @@
     </p:spTree>
     <p:extLst>
       <p:ext uri="{BB962C8B-B14F-4D97-AF65-F5344CB8AC3E}">
-        <p14:creationId xmlns:p14="http://schemas.microsoft.com/office/powerpoint/2010/main" val="3694482267"/>
+        <p14:creationId xmlns:p14="http://schemas.microsoft.com/office/powerpoint/2010/main" val="2470865896"/>
+      </p:ext>
+    </p:extLst>
+  </p:cSld>
+  <p:clrMapOvr>
+    <a:masterClrMapping/>
+  </p:clrMapOvr>
+  <p:timing>
+    <p:tnLst>
+      <p:par>
+        <p:cTn id="1" dur="indefinite" restart="never" nodeType="tmRoot"/>
+      </p:par>
+    </p:tnLst>
+  </p:timing>
+</p:sld>
+</file>
+
+<file path=ppt/slides/slide59.xml><?xml version="1.0" encoding="utf-8"?>
+<p:sld xmlns:a="http://schemas.openxmlformats.org/drawingml/2006/main" xmlns:r="http://schemas.openxmlformats.org/officeDocument/2006/relationships" xmlns:p="http://schemas.openxmlformats.org/presentationml/2006/main">
+  <p:cSld>
+    <p:spTree>
+      <p:nvGrpSpPr>
+        <p:cNvPr id="1" name=""/>
+        <p:cNvGrpSpPr/>
+        <p:nvPr/>
+      </p:nvGrpSpPr>
+      <p:grpSpPr>
+        <a:xfrm>
+          <a:off x="0" y="0"/>
+          <a:ext cx="0" cy="0"/>
+          <a:chOff x="0" y="0"/>
+          <a:chExt cx="0" cy="0"/>
+        </a:xfrm>
+      </p:grpSpPr>
+      <p:sp>
+        <p:nvSpPr>
+          <p:cNvPr id="2" name="Título 1"/>
+          <p:cNvSpPr>
+            <a:spLocks noGrp="1"/>
+          </p:cNvSpPr>
+          <p:nvPr>
+            <p:ph type="ctrTitle"/>
+          </p:nvPr>
+        </p:nvSpPr>
+        <p:spPr/>
+        <p:txBody>
+          <a:bodyPr/>
+          <a:lstStyle/>
+          <a:p>
+            <a:r>
+              <a:rPr lang="pt-BR" dirty="0" smtClean="0"/>
+              <a:t>Manipulando Exceções</a:t>
+            </a:r>
+            <a:endParaRPr lang="pt-BR" dirty="0"/>
+          </a:p>
+        </p:txBody>
+      </p:sp>
+      <p:sp>
+        <p:nvSpPr>
+          <p:cNvPr id="3" name="Subtítulo 2"/>
+          <p:cNvSpPr>
+            <a:spLocks noGrp="1"/>
+          </p:cNvSpPr>
+          <p:nvPr>
+            <p:ph type="subTitle" idx="1"/>
+          </p:nvPr>
+        </p:nvSpPr>
+        <p:spPr/>
+        <p:txBody>
+          <a:bodyPr/>
+          <a:lstStyle/>
+          <a:p>
+            <a:r>
+              <a:rPr lang="pt-BR" dirty="0" smtClean="0"/>
+              <a:t>OCA </a:t>
+            </a:r>
+            <a:r>
+              <a:rPr lang="pt-BR" dirty="0" err="1" smtClean="0"/>
+              <a:t>Objectives</a:t>
+            </a:r>
+            <a:r>
+              <a:rPr lang="pt-BR" dirty="0" smtClean="0"/>
+              <a:t> 8.1, 8.2, 8.3 </a:t>
+            </a:r>
+            <a:r>
+              <a:rPr lang="pt-BR" dirty="0" err="1" smtClean="0"/>
+              <a:t>and</a:t>
+            </a:r>
+            <a:r>
+              <a:rPr lang="pt-BR" dirty="0" smtClean="0"/>
+              <a:t> 8.4</a:t>
+            </a:r>
+            <a:endParaRPr lang="pt-BR" dirty="0"/>
+          </a:p>
+        </p:txBody>
+      </p:sp>
+      <p:sp>
+        <p:nvSpPr>
+          <p:cNvPr id="4" name="Espaço Reservado para Rodapé 3"/>
+          <p:cNvSpPr>
+            <a:spLocks noGrp="1"/>
+          </p:cNvSpPr>
+          <p:nvPr>
+            <p:ph type="ftr" sz="quarter" idx="11"/>
+          </p:nvPr>
+        </p:nvSpPr>
+        <p:spPr/>
+        <p:txBody>
+          <a:bodyPr/>
+          <a:lstStyle/>
+          <a:p>
+            <a:r>
+              <a:rPr lang="pt-BR" dirty="0"/>
+              <a:t>Controle de Fluxo e Exceções</a:t>
+            </a:r>
+          </a:p>
+          <a:p>
+            <a:endParaRPr lang="pt-BR" dirty="0"/>
+          </a:p>
+        </p:txBody>
+      </p:sp>
+    </p:spTree>
+    <p:extLst>
+      <p:ext uri="{BB962C8B-B14F-4D97-AF65-F5344CB8AC3E}">
+        <p14:creationId xmlns:p14="http://schemas.microsoft.com/office/powerpoint/2010/main" val="3021261354"/>
       </p:ext>
     </p:extLst>
   </p:cSld>
@@ -13034,6 +13520,126 @@
     <p:extLst>
       <p:ext uri="{BB962C8B-B14F-4D97-AF65-F5344CB8AC3E}">
         <p14:creationId xmlns:p14="http://schemas.microsoft.com/office/powerpoint/2010/main" val="526008331"/>
+      </p:ext>
+    </p:extLst>
+  </p:cSld>
+  <p:clrMapOvr>
+    <a:masterClrMapping/>
+  </p:clrMapOvr>
+  <p:timing>
+    <p:tnLst>
+      <p:par>
+        <p:cTn id="1" dur="indefinite" restart="never" nodeType="tmRoot"/>
+      </p:par>
+    </p:tnLst>
+  </p:timing>
+</p:sld>
+</file>
+
+<file path=ppt/slides/slide60.xml><?xml version="1.0" encoding="utf-8"?>
+<p:sld xmlns:a="http://schemas.openxmlformats.org/drawingml/2006/main" xmlns:r="http://schemas.openxmlformats.org/officeDocument/2006/relationships" xmlns:p="http://schemas.openxmlformats.org/presentationml/2006/main">
+  <p:cSld>
+    <p:spTree>
+      <p:nvGrpSpPr>
+        <p:cNvPr id="1" name=""/>
+        <p:cNvGrpSpPr/>
+        <p:nvPr/>
+      </p:nvGrpSpPr>
+      <p:grpSpPr>
+        <a:xfrm>
+          <a:off x="0" y="0"/>
+          <a:ext cx="0" cy="0"/>
+          <a:chOff x="0" y="0"/>
+          <a:chExt cx="0" cy="0"/>
+        </a:xfrm>
+      </p:grpSpPr>
+      <p:sp>
+        <p:nvSpPr>
+          <p:cNvPr id="2" name="Título 1"/>
+          <p:cNvSpPr>
+            <a:spLocks noGrp="1"/>
+          </p:cNvSpPr>
+          <p:nvPr>
+            <p:ph type="ctrTitle"/>
+          </p:nvPr>
+        </p:nvSpPr>
+        <p:spPr/>
+        <p:txBody>
+          <a:bodyPr/>
+          <a:lstStyle/>
+          <a:p>
+            <a:r>
+              <a:rPr lang="pt-BR" dirty="0" smtClean="0"/>
+              <a:t>Exceções Comuns e </a:t>
+            </a:r>
+            <a:r>
+              <a:rPr lang="pt-BR" dirty="0" err="1" smtClean="0"/>
+              <a:t>Errors</a:t>
+            </a:r>
+            <a:endParaRPr lang="pt-BR" dirty="0"/>
+          </a:p>
+        </p:txBody>
+      </p:sp>
+      <p:sp>
+        <p:nvSpPr>
+          <p:cNvPr id="3" name="Subtítulo 2"/>
+          <p:cNvSpPr>
+            <a:spLocks noGrp="1"/>
+          </p:cNvSpPr>
+          <p:nvPr>
+            <p:ph type="subTitle" idx="1"/>
+          </p:nvPr>
+        </p:nvSpPr>
+        <p:spPr/>
+        <p:txBody>
+          <a:bodyPr/>
+          <a:lstStyle/>
+          <a:p>
+            <a:r>
+              <a:rPr lang="pt-BR" dirty="0" smtClean="0"/>
+              <a:t>OCA </a:t>
+            </a:r>
+            <a:r>
+              <a:rPr lang="pt-BR" dirty="0" err="1" smtClean="0"/>
+              <a:t>Objective</a:t>
+            </a:r>
+            <a:r>
+              <a:rPr lang="pt-BR" dirty="0" smtClean="0"/>
+              <a:t> 8.5</a:t>
+            </a:r>
+            <a:endParaRPr lang="pt-BR" dirty="0"/>
+          </a:p>
+        </p:txBody>
+      </p:sp>
+      <p:sp>
+        <p:nvSpPr>
+          <p:cNvPr id="4" name="Espaço Reservado para Rodapé 3"/>
+          <p:cNvSpPr>
+            <a:spLocks noGrp="1"/>
+          </p:cNvSpPr>
+          <p:nvPr>
+            <p:ph type="ftr" sz="quarter" idx="11"/>
+          </p:nvPr>
+        </p:nvSpPr>
+        <p:spPr/>
+        <p:txBody>
+          <a:bodyPr/>
+          <a:lstStyle/>
+          <a:p>
+            <a:r>
+              <a:rPr lang="pt-BR" dirty="0"/>
+              <a:t>Controle de Fluxo e Exceções</a:t>
+            </a:r>
+          </a:p>
+          <a:p>
+            <a:endParaRPr lang="pt-BR" dirty="0"/>
+          </a:p>
+        </p:txBody>
+      </p:sp>
+    </p:spTree>
+    <p:extLst>
+      <p:ext uri="{BB962C8B-B14F-4D97-AF65-F5344CB8AC3E}">
+        <p14:creationId xmlns:p14="http://schemas.microsoft.com/office/powerpoint/2010/main" val="3694482267"/>
       </p:ext>
     </p:extLst>
   </p:cSld>

--- a/TreinamentoJavaSeOca/documentos/apresentação/OCA.pptx
+++ b/TreinamentoJavaSeOca/documentos/apresentação/OCA.pptx
@@ -5,10 +5,10 @@
     <p:sldMasterId id="2147483661" r:id="rId1"/>
   </p:sldMasterIdLst>
   <p:notesMasterIdLst>
-    <p:notesMasterId r:id="rId62"/>
+    <p:notesMasterId r:id="rId65"/>
   </p:notesMasterIdLst>
   <p:handoutMasterIdLst>
-    <p:handoutMasterId r:id="rId63"/>
+    <p:handoutMasterId r:id="rId66"/>
   </p:handoutMasterIdLst>
   <p:sldIdLst>
     <p:sldId id="1140" r:id="rId2"/>
@@ -65,12 +65,15 @@
     <p:sldId id="1249" r:id="rId53"/>
     <p:sldId id="1250" r:id="rId54"/>
     <p:sldId id="1181" r:id="rId55"/>
-    <p:sldId id="1182" r:id="rId56"/>
-    <p:sldId id="1183" r:id="rId57"/>
-    <p:sldId id="1184" r:id="rId58"/>
-    <p:sldId id="1185" r:id="rId59"/>
-    <p:sldId id="1186" r:id="rId60"/>
-    <p:sldId id="1187" r:id="rId61"/>
+    <p:sldId id="1251" r:id="rId56"/>
+    <p:sldId id="1182" r:id="rId57"/>
+    <p:sldId id="1252" r:id="rId58"/>
+    <p:sldId id="1183" r:id="rId59"/>
+    <p:sldId id="1253" r:id="rId60"/>
+    <p:sldId id="1184" r:id="rId61"/>
+    <p:sldId id="1185" r:id="rId62"/>
+    <p:sldId id="1186" r:id="rId63"/>
+    <p:sldId id="1187" r:id="rId64"/>
   </p:sldIdLst>
   <p:sldSz cx="9144000" cy="6858000" type="screen4x3"/>
   <p:notesSz cx="6797675" cy="9928225"/>
@@ -270,7 +273,7 @@
           <a:p>
             <a:fld id="{72522EA8-AF65-4008-82EE-AEE6414B708A}" type="datetimeFigureOut">
               <a:rPr lang="pt-BR" smtClean="0"/>
-              <a:t>12/08/2016</a:t>
+              <a:t>15/08/2016</a:t>
             </a:fld>
             <a:endParaRPr lang="pt-BR"/>
           </a:p>
@@ -435,7 +438,7 @@
           <a:p>
             <a:fld id="{7B4FF0CD-9C9F-49AC-9576-0191D2CC62A3}" type="datetimeFigureOut">
               <a:rPr lang="pt-BR" smtClean="0"/>
-              <a:t>12/08/2016</a:t>
+              <a:t>15/08/2016</a:t>
             </a:fld>
             <a:endParaRPr lang="pt-BR"/>
           </a:p>
@@ -735,7 +738,7 @@
             <a:spLocks noGrp="1" noChangeArrowheads="1"/>
             <a:extLst>
               <a:ext uri="smNativeData">
-                <pr:smNativeData xmlns:pr="smNativeData" xmlns="" val="SMDATA_12_7hxgVxMAAAAlAAAAZAAAAA0AAAAAkAAAAEgAAACQAAAASAAAAAAAAAAAAAAAAAAAAAEAAABQAAAAAAAAAAAA4D8AAAAAAADgPwAAAAAAAOA/AAAAAAAA4D8AAAAAAADgPwAAAAAAAOA/AAAAAAAA4D8AAAAAAADgPwAAAAAAAOA/AAAAAAAA4D8CAAAAjAAAAAAAAAAAAAAA////DP///wgAAAAAAAAAAAAAAAAAAAAAAAAAAAAAAAAAAAAAZAAAAAEAAABAAAAAAAAAAAAAAAAAAAAAAAAAAAAAAAAAAAAAAAAAAAAAAAAAAAAAAAAAAAAAAAAAAAAAAAAAAAAAAAAAAAAAAAAAAAAAAAAAAAAAAAAAAAAAAAAAAAAAFAAAADwAAAAAAAAAAAAAAAZJjAkUAAAAAQAAABQAAAAUAAAAFAAAAAEAAAAAAAAAZAAAAGQAAAAAAAAAZAAAAGQAAAAVAAAAYAAAAAAAAAAAAAAADwAAACADAAAAAAAAAAAAAAEAAACgMgAAVgcAAKr4//8BAAAAf39/AAEAAABkAAAAAAAAABQAAABAHwAAAAAAACYAAAAAAAAAwOD//wAAAAAmAAAAZAAAABYAAABMAAAAAAAAAAAAAAAEAAAAAAAAAAEAAACWlpYKAAAAACgAAAAoAAAAZAAAAGQAAAAAAAAAzMzMAAAAAABQAAAAUAAAAGQAAABkAAAAAAAAABcAAAAUAAAAAAAAAAAAAAD/fwAA/38AAAAAAAAJAAAABAAAAAAAAAAMAAAAEAAAAAAAAAAAAAAAAAAAAAAAAAAeAAAAaAAAAAAAAAAAAAAAAAAAAAAAAAAAAAAAECcAABAnAAAAAAAAAAAAAAAAAAAAAAAAAAAAAAAAAAAAAAAAAAAAABQAAAAAAAAAwMD/AAAAAABkAAAAMgAAAAAAAABkAAAAAAAAAH9/fwAKAAAAHwAAAFQAAAAAAAAFAAAAAQAAAAAAAAAAAAAAAAAAAAAAAAAAAAAAAAAAAAAAAAAAAAAAAn9/fwAAAAADzMzMAMDA/wB/f38AAAAAAAAAAAAAAAAAAAAAAAAAAAAhAAAAGAAAABQAAAA4BAAAwAMAANAvAAAIBwAAEAAAAA=="/>
+                <pr:smNativeData xmlns="" xmlns:pr="smNativeData" val="SMDATA_12_7hxgVxMAAAAlAAAAZAAAAA0AAAAAkAAAAEgAAACQAAAASAAAAAAAAAAAAAAAAAAAAAEAAABQAAAAAAAAAAAA4D8AAAAAAADgPwAAAAAAAOA/AAAAAAAA4D8AAAAAAADgPwAAAAAAAOA/AAAAAAAA4D8AAAAAAADgPwAAAAAAAOA/AAAAAAAA4D8CAAAAjAAAAAAAAAAAAAAA////DP///wgAAAAAAAAAAAAAAAAAAAAAAAAAAAAAAAAAAAAAZAAAAAEAAABAAAAAAAAAAAAAAAAAAAAAAAAAAAAAAAAAAAAAAAAAAAAAAAAAAAAAAAAAAAAAAAAAAAAAAAAAAAAAAAAAAAAAAAAAAAAAAAAAAAAAAAAAAAAAAAAAAAAAFAAAADwAAAAAAAAAAAAAAAZJjAkUAAAAAQAAABQAAAAUAAAAFAAAAAEAAAAAAAAAZAAAAGQAAAAAAAAAZAAAAGQAAAAVAAAAYAAAAAAAAAAAAAAADwAAACADAAAAAAAAAAAAAAEAAACgMgAAVgcAAKr4//8BAAAAf39/AAEAAABkAAAAAAAAABQAAABAHwAAAAAAACYAAAAAAAAAwOD//wAAAAAmAAAAZAAAABYAAABMAAAAAAAAAAAAAAAEAAAAAAAAAAEAAACWlpYKAAAAACgAAAAoAAAAZAAAAGQAAAAAAAAAzMzMAAAAAABQAAAAUAAAAGQAAABkAAAAAAAAABcAAAAUAAAAAAAAAAAAAAD/fwAA/38AAAAAAAAJAAAABAAAAAAAAAAMAAAAEAAAAAAAAAAAAAAAAAAAAAAAAAAeAAAAaAAAAAAAAAAAAAAAAAAAAAAAAAAAAAAAECcAABAnAAAAAAAAAAAAAAAAAAAAAAAAAAAAAAAAAAAAAAAAAAAAABQAAAAAAAAAwMD/AAAAAABkAAAAMgAAAAAAAABkAAAAAAAAAH9/fwAKAAAAHwAAAFQAAAAAAAAFAAAAAQAAAAAAAAAAAAAAAAAAAAAAAAAAAAAAAAAAAAAAAAAAAAAAAn9/fwAAAAADzMzMAMDA/wB/f38AAAAAAAAAAAAAAAAAAAAAAAAAAAAhAAAAGAAAABQAAAA4BAAAwAMAANAvAAAIBwAAEAAAAA=="/>
               </a:ext>
             </a:extLst>
           </p:cNvSpPr>
@@ -1446,7 +1449,7 @@
           <a:p>
             <a:fld id="{47A45E42-5C18-486B-B418-DCDD32841B52}" type="datetimeFigureOut">
               <a:rPr lang="pt-BR" smtClean="0"/>
-              <a:t>12/08/2016</a:t>
+              <a:t>15/08/2016</a:t>
             </a:fld>
             <a:endParaRPr lang="pt-BR"/>
           </a:p>
@@ -1629,7 +1632,7 @@
             <a:spLocks noGrp="1" noChangeArrowheads="1"/>
             <a:extLst>
               <a:ext uri="smNativeData">
-                <pr:smNativeData xmlns:pr="smNativeData" xmlns="" val="SMDATA_12_7hxgVxMAAAAlAAAAZAAAAA0AAAAAkAAAAEgAAACQAAAASAAAAAAAAAABAAAAAAAAAAEAAABQAAAAAAAAAAAA4D8AAAAAAADgPwAAAAAAAOA/AAAAAAAA4D8AAAAAAADgPwAAAAAAAOA/AAAAAAAA4D8AAAAAAADgPwAAAAAAAOA/AAAAAAAA4D8CAAAAjAAAAAAAAAAAAAAA////AP///wgAAAAAAAAAAAAAAAAAAAAAAAAAAAAAAAAAAAAAeAAAAAEAAABAAAAAAAAAAAAAAABaAAAAAAAAAAAAAAAAAAAAAAAAAAAAAAAAAAAAAAAAAAAAAAAAAAAAAAAAAAAAAAAAAAAAAAAAAAAAAAAAAAAAAAAAAAAAAAAAAAAAFAAAADwAAAAAAAAAAAAAAAAAAAAPAAAAAQAAACMAAAAjAAAAIwAAAB4AAAAAAAAAZAAAAGQAAAAAAAAAZAAAAGQAAAAVAAAAYAAAAAAAAAAAAAAADwAAACADAAAAAAAAAAAAAAEAAACgMgAAVgcAAKr4//8BAAAAf39/AAEAAABkAAAAAAAAABQAAABAHwAAAAAAACYAAAAAAAAAwOD//wAAAAAmAAAAZAAAABYAAABMAAAAAAAAAAAAAAAEAAAAAAAAAAEAAADn5uYKAAAAACgAAAAoAAAAZAAAAGQAAAAAAAAAzMzMAAAAAABQAAAAUAAAAGQAAABkAAAAAAAAABcAAAAUAAAAAAAAAAAAAAD/fwAA/38AAAAAAAAJAAAABAAAAAAAAAAMAAAAEAAAAAAAAAAAAAAAAAAAAAAAAAAeAAAAaAAAAAAAAAAAAAAAAAAAAAAAAAAAAAAAECcAABAnAAAAAAAAAAAAAAAAAAAAAAAAAAAAAAAAAAAAAAAAAAAAABQAAAAAAAAAwMD/AAAAAABkAAAAMgAAAAAAAABkAAAAAAAAAH9/fwAKAAAAHwAAAFQAAAD///8AAAAAAQAAAAAAAAAAAAAAAAAAAAAAAAAAAAAAAAAAAAAAAAAAAAAAAH9/fwAAAAADzMzMAMDA/wB/f38AAAAAAAAAAAAAAAAAAAAAAAAAAAAhAAAAGAAAABQAAAAoBQAAPwIAANhFAABnCgAAEAAAAA=="/>
+                <pr:smNativeData xmlns="" xmlns:pr="smNativeData" val="SMDATA_12_7hxgVxMAAAAlAAAAZAAAAA0AAAAAkAAAAEgAAACQAAAASAAAAAAAAAABAAAAAAAAAAEAAABQAAAAAAAAAAAA4D8AAAAAAADgPwAAAAAAAOA/AAAAAAAA4D8AAAAAAADgPwAAAAAAAOA/AAAAAAAA4D8AAAAAAADgPwAAAAAAAOA/AAAAAAAA4D8CAAAAjAAAAAAAAAAAAAAA////AP///wgAAAAAAAAAAAAAAAAAAAAAAAAAAAAAAAAAAAAAeAAAAAEAAABAAAAAAAAAAAAAAABaAAAAAAAAAAAAAAAAAAAAAAAAAAAAAAAAAAAAAAAAAAAAAAAAAAAAAAAAAAAAAAAAAAAAAAAAAAAAAAAAAAAAAAAAAAAAAAAAAAAAFAAAADwAAAAAAAAAAAAAAAAAAAAPAAAAAQAAACMAAAAjAAAAIwAAAB4AAAAAAAAAZAAAAGQAAAAAAAAAZAAAAGQAAAAVAAAAYAAAAAAAAAAAAAAADwAAACADAAAAAAAAAAAAAAEAAACgMgAAVgcAAKr4//8BAAAAf39/AAEAAABkAAAAAAAAABQAAABAHwAAAAAAACYAAAAAAAAAwOD//wAAAAAmAAAAZAAAABYAAABMAAAAAAAAAAAAAAAEAAAAAAAAAAEAAADn5uYKAAAAACgAAAAoAAAAZAAAAGQAAAAAAAAAzMzMAAAAAABQAAAAUAAAAGQAAABkAAAAAAAAABcAAAAUAAAAAAAAAAAAAAD/fwAA/38AAAAAAAAJAAAABAAAAAAAAAAMAAAAEAAAAAAAAAAAAAAAAAAAAAAAAAAeAAAAaAAAAAAAAAAAAAAAAAAAAAAAAAAAAAAAECcAABAnAAAAAAAAAAAAAAAAAAAAAAAAAAAAAAAAAAAAAAAAAAAAABQAAAAAAAAAwMD/AAAAAABkAAAAMgAAAAAAAABkAAAAAAAAAH9/fwAKAAAAHwAAAFQAAAD///8AAAAAAQAAAAAAAAAAAAAAAAAAAAAAAAAAAAAAAAAAAAAAAAAAAAAAAH9/fwAAAAADzMzMAMDA/wB/f38AAAAAAAAAAAAAAAAAAAAAAAAAAAAhAAAAGAAAABQAAAAoBQAAPwIAANhFAABnCgAAEAAAAA=="/>
               </a:ext>
             </a:extLst>
           </p:cNvSpPr>
@@ -1676,7 +1679,7 @@
             <a:spLocks noGrp="1" noChangeArrowheads="1"/>
             <a:extLst>
               <a:ext uri="smNativeData">
-                <pr:smNativeData xmlns:pr="smNativeData" xmlns="" val="SMDATA_12_7hxgVxMAAAAlAAAAZAAAAA0AAAAAkAAAAEgAAACQAAAASAAAAAAAAAAAAAAAAAAAAAEAAABQAAAAAAAAAAAA4D8AAAAAAADgPwAAAAAAAOA/AAAAAAAA4D8AAAAAAADgPwAAAAAAAOA/AAAAAAAA4D8AAAAAAADgPwAAAAAAAOA/AAAAAAAA4D8CAAAAjAAAAAAAAAAAAAAA////AP///wgAAAAAAAAAAAAAAAAAAAAAAAAAAAAAAAAAAAAAeAAAAAEAAABAAAAAAAAAAAAAAABaAAAAAAAAAAAAAAAAAAAAAAAAAAAAAAAAAAAAAAAAAAAAAAAAAAAAAAAAAAAAAAAAAAAAAAAAAAAAAAAAAAAAAAAAAAAAAAAAAAAAFAAAADwAAAAAAAAAAAAAAAAAAAAPAAAAAQAAACMAAAAjAAAAIwAAAB4AAAAAAAAAZAAAAGQAAAAAAAAAZAAAAGQAAAAVAAAAYAAAAAAAAAAAAAAADwAAACADAAAAAAAAAAAAAAEAAACgMgAAVgcAAKr4//8BAAAAf39/AAEAAABkAAAAAAAAABQAAABAHwAAAAAAACYAAAAAAAAAwOD//wAAAAAmAAAAZAAAABYAAABMAAAAAAAAAAAAAAAEAAAAAAAAAAEAAADn5uYKAAAAACgAAAAoAAAAZAAAAGQAAAAAAAAAzMzMAAAAAABQAAAAUAAAAGQAAABkAAAAAAAAABcAAAAUAAAAAAAAAAAAAAD/fwAA/38AAAAAAAAJAAAABAAAAAAAAAAMAAAAEAAAAAAAAAAAAAAAAAAAAAAAAAAeAAAAaAAAAAAAAAAAAAAAAAAAAAAAAAAAAAAAECcAABAnAAAAAAAAAAAAAAAAAAAAAAAAAAAAAAAAAAAAAAAAAAAAABQAAAAAAAAAwMD/AAAAAABkAAAAMgAAAAAAAABkAAAAAAAAAH9/fwAKAAAAHwAAAFQAAAD///8AAAAAAQAAAAAAAAAAAAAAAAAAAAAAAAAAAAAAAAAAAAAAAAAAAAAAAH9/fwAAAAADzMzMAMDA/wB/f38AAAAAAAAAAAAAAAAAAAAAAAAAAAAhAAAAGAAAABQAAAAoBQAAOwsAANhFAAAAJgAAEAAAAA=="/>
+                <pr:smNativeData xmlns="" xmlns:pr="smNativeData" val="SMDATA_12_7hxgVxMAAAAlAAAAZAAAAA0AAAAAkAAAAEgAAACQAAAASAAAAAAAAAAAAAAAAAAAAAEAAABQAAAAAAAAAAAA4D8AAAAAAADgPwAAAAAAAOA/AAAAAAAA4D8AAAAAAADgPwAAAAAAAOA/AAAAAAAA4D8AAAAAAADgPwAAAAAAAOA/AAAAAAAA4D8CAAAAjAAAAAAAAAAAAAAA////AP///wgAAAAAAAAAAAAAAAAAAAAAAAAAAAAAAAAAAAAAeAAAAAEAAABAAAAAAAAAAAAAAABaAAAAAAAAAAAAAAAAAAAAAAAAAAAAAAAAAAAAAAAAAAAAAAAAAAAAAAAAAAAAAAAAAAAAAAAAAAAAAAAAAAAAAAAAAAAAAAAAAAAAFAAAADwAAAAAAAAAAAAAAAAAAAAPAAAAAQAAACMAAAAjAAAAIwAAAB4AAAAAAAAAZAAAAGQAAAAAAAAAZAAAAGQAAAAVAAAAYAAAAAAAAAAAAAAADwAAACADAAAAAAAAAAAAAAEAAACgMgAAVgcAAKr4//8BAAAAf39/AAEAAABkAAAAAAAAABQAAABAHwAAAAAAACYAAAAAAAAAwOD//wAAAAAmAAAAZAAAABYAAABMAAAAAAAAAAAAAAAEAAAAAAAAAAEAAADn5uYKAAAAACgAAAAoAAAAZAAAAGQAAAAAAAAAzMzMAAAAAABQAAAAUAAAAGQAAABkAAAAAAAAABcAAAAUAAAAAAAAAAAAAAD/fwAA/38AAAAAAAAJAAAABAAAAAAAAAAMAAAAEAAAAAAAAAAAAAAAAAAAAAAAAAAeAAAAaAAAAAAAAAAAAAAAAAAAAAAAAAAAAAAAECcAABAnAAAAAAAAAAAAAAAAAAAAAAAAAAAAAAAAAAAAAAAAAAAAABQAAAAAAAAAwMD/AAAAAABkAAAAMgAAAAAAAABkAAAAAAAAAH9/fwAKAAAAHwAAAFQAAAD///8AAAAAAQAAAAAAAAAAAAAAAAAAAAAAAAAAAAAAAAAAAAAAAAAAAAAAAH9/fwAAAAADzMzMAMDA/wB/f38AAAAAAAAAAAAAAAAAAAAAAAAAAAAhAAAAGAAAABQAAAAoBQAAOwsAANhFAAAAJgAAEAAAAA=="/>
               </a:ext>
             </a:extLst>
           </p:cNvSpPr>
@@ -1723,7 +1726,7 @@
             <a:spLocks noGrp="1" noChangeArrowheads="1"/>
             <a:extLst>
               <a:ext uri="smNativeData">
-                <pr:smNativeData xmlns:pr="smNativeData" xmlns="" val="SMDATA_12_7hxgVxMAAAAlAAAAZAAAAA0AAAAAkAAAAEgAAACQAAAASAAAAAAAAAABAAAAAAAAAAEAAABQAAAAAAAAAAAA4D8AAAAAAADgPwAAAAAAAOA/AAAAAAAA4D8AAAAAAADgPwAAAAAAAOA/AAAAAAAA4D8AAAAAAADgPwAAAAAAAOA/AAAAAAAA4D8CAAAAjAAAAAAAAAAAAAAA////AP///wgAAAAAAAAAAAAAAAAAAAAAAAAAAAAAAAAAAAAAeAAAAAEAAABAAAAAAAAAAAAAAABaAAAAAAAAAAAAAAAAAAAAAAAAAAAAAAAAAAAAAAAAAAAAAAAAAAAAAAAAAAAAAAAAAAAAAAAAAAAAAAAAAAAAAAAAAAAAAAAAAAAAFAAAADwAAAAAAAAAAAAAAAAAAAAPAAAAAQAAACMAAAAjAAAAIwAAAB4AAAAAAAAAZAAAAGQAAAAAAAAAZAAAAGQAAAAVAAAAYAAAAAAAAAAAAAAADwAAACADAAAAAAAAAAAAAAEAAACgMgAAVgcAAKr4//8BAAAAf39/AAEAAABkAAAAAAAAABQAAABAHwAAAAAAACYAAAAAAAAAwOD//wAAAAAmAAAAZAAAABYAAABMAAAAAAAAAAAAAAAEAAAAAAAAAAEAAADn5uYKAAAAACgAAAAoAAAAZAAAAGQAAAAAAAAAzMzMAAAAAABQAAAAUAAAAGQAAABkAAAAAAAAABcAAAAUAAAAAAAAAAAAAAD/fwAA/38AAAAAAAAJAAAABAAAAAAAAAAMAAAAEAAAAAAAAAAAAAAAAAAAAAAAAAAeAAAAaAAAAAAAAAAAAAAAAAAAAAAAAAAAAAAAECcAABAnAAAAAAAAAAAAAAAAAAAAAAAAAAAAAAAAAAAAAAAAAAAAABQAAAAAAAAAwMD/AAAAAABkAAAAMgAAAAAAAABkAAAAAAAAAH9/fwAKAAAAHwAAAFQAAAD///8A////AQAAAAAAAAAAAAAAAAAAAAAAAAAAAAAAAAAAAAAAAAAAAAAAAH9/fwDn5uYDzMzMAMDA/wB/f38AAAAAAAAAAAAAAAAAAAAAAAAAAAAhAAAAGAAAABQAAAD4NAAAGicAANhFAABZKQAAEAAAAA=="/>
+                <pr:smNativeData xmlns="" xmlns:pr="smNativeData" val="SMDATA_12_7hxgVxMAAAAlAAAAZAAAAA0AAAAAkAAAAEgAAACQAAAASAAAAAAAAAABAAAAAAAAAAEAAABQAAAAAAAAAAAA4D8AAAAAAADgPwAAAAAAAOA/AAAAAAAA4D8AAAAAAADgPwAAAAAAAOA/AAAAAAAA4D8AAAAAAADgPwAAAAAAAOA/AAAAAAAA4D8CAAAAjAAAAAAAAAAAAAAA////AP///wgAAAAAAAAAAAAAAAAAAAAAAAAAAAAAAAAAAAAAeAAAAAEAAABAAAAAAAAAAAAAAABaAAAAAAAAAAAAAAAAAAAAAAAAAAAAAAAAAAAAAAAAAAAAAAAAAAAAAAAAAAAAAAAAAAAAAAAAAAAAAAAAAAAAAAAAAAAAAAAAAAAAFAAAADwAAAAAAAAAAAAAAAAAAAAPAAAAAQAAACMAAAAjAAAAIwAAAB4AAAAAAAAAZAAAAGQAAAAAAAAAZAAAAGQAAAAVAAAAYAAAAAAAAAAAAAAADwAAACADAAAAAAAAAAAAAAEAAACgMgAAVgcAAKr4//8BAAAAf39/AAEAAABkAAAAAAAAABQAAABAHwAAAAAAACYAAAAAAAAAwOD//wAAAAAmAAAAZAAAABYAAABMAAAAAAAAAAAAAAAEAAAAAAAAAAEAAADn5uYKAAAAACgAAAAoAAAAZAAAAGQAAAAAAAAAzMzMAAAAAABQAAAAUAAAAGQAAABkAAAAAAAAABcAAAAUAAAAAAAAAAAAAAD/fwAA/38AAAAAAAAJAAAABAAAAAAAAAAMAAAAEAAAAAAAAAAAAAAAAAAAAAAAAAAeAAAAaAAAAAAAAAAAAAAAAAAAAAAAAAAAAAAAECcAABAnAAAAAAAAAAAAAAAAAAAAAAAAAAAAAAAAAAAAAAAAAAAAABQAAAAAAAAAwMD/AAAAAABkAAAAMgAAAAAAAABkAAAAAAAAAH9/fwAKAAAAHwAAAFQAAAD///8A////AQAAAAAAAAAAAAAAAAAAAAAAAAAAAAAAAAAAAAAAAAAAAAAAAH9/fwDn5uYDzMzMAMDA/wB/f38AAAAAAAAAAAAAAAAAAAAAAAAAAAAhAAAAGAAAABQAAAD4NAAAGicAANhFAABZKQAAEAAAAA=="/>
               </a:ext>
             </a:extLst>
           </p:cNvSpPr>
@@ -1780,7 +1783,7 @@
             <a:spLocks noGrp="1" noChangeArrowheads="1"/>
             <a:extLst>
               <a:ext uri="smNativeData">
-                <pr:smNativeData xmlns:pr="smNativeData" xmlns="" val="SMDATA_12_7hxgVxMAAAAlAAAAZAAAAA0AAAAAkAAAAEgAAACQAAAASAAAAAAAAAABAAAAAAAAAAEAAABQAAAAAAAAAAAA4D8AAAAAAADgPwAAAAAAAOA/AAAAAAAA4D8AAAAAAADgPwAAAAAAAOA/AAAAAAAA4D8AAAAAAADgPwAAAAAAAOA/AAAAAAAA4D8CAAAAjAAAAAAAAAAAAAAA////AP///wgAAAAAAAAAAAAAAAAAAAAAAAAAAAAAAAAAAAAAeAAAAAEAAABAAAAAAAAAAAAAAABaAAAAAAAAAAAAAAAAAAAAAAAAAAAAAAAAAAAAAAAAAAAAAAAAAAAAAAAAAAAAAAAAAAAAAAAAAAAAAAAAAAAAAAAAAAAAAAAAAAAAFAAAADwAAAAAAAAAAAAAAAAAAAAPAAAAAQAAACMAAAAjAAAAIwAAAB4AAAAAAAAAZAAAAGQAAAAAAAAAZAAAAGQAAAAVAAAAYAAAAAAAAAAAAAAADwAAACADAAAAAAAAAAAAAAEAAACgMgAAVgcAAKr4//8BAAAAf39/AAEAAABkAAAAAAAAABQAAABAHwAAAAAAACYAAAAAAAAAwOD//wAAAAAmAAAAZAAAABYAAABMAAAAAAAAAAAAAAAEAAAAAAAAAAEAAADn5uYKAAAAACgAAAAoAAAAZAAAAGQAAAAAAAAAzMzMAAAAAABQAAAAUAAAAGQAAABkAAAAAAAAABcAAAAUAAAAAAAAAAAAAAD/fwAA/38AAAAAAAAJAAAABAAAAAAAAAAMAAAAEAAAAAAAAAAAAAAAAAAAAAAAAAAeAAAAaAAAAAAAAAAAAAAAAAAAAAAAAAAAAAAAECcAABAnAAAAAAAAAAAAAAAAAAAAAAAAAAAAAAAAAAAAAAAAAAAAABQAAAAAAAAAwMD/AAAAAABkAAAAMgAAAAAAAABkAAAAAAAAAH9/fwAKAAAAHwAAAFQAAAD///8A////AQAAAAAAAAAAAAAAAAAAAAAAAAAAAAAAAAAAAAAAAAAAAAAAAH9/fwDn5uYDzMzMAMDA/wB/f38AAAAAAAAAAAAAAAAAAAAAAAAAAAAhAAAAGAAAABQAAADYGAAAGicAACgyAABZKQAAEAAAAA=="/>
+                <pr:smNativeData xmlns="" xmlns:pr="smNativeData" val="SMDATA_12_7hxgVxMAAAAlAAAAZAAAAA0AAAAAkAAAAEgAAACQAAAASAAAAAAAAAABAAAAAAAAAAEAAABQAAAAAAAAAAAA4D8AAAAAAADgPwAAAAAAAOA/AAAAAAAA4D8AAAAAAADgPwAAAAAAAOA/AAAAAAAA4D8AAAAAAADgPwAAAAAAAOA/AAAAAAAA4D8CAAAAjAAAAAAAAAAAAAAA////AP///wgAAAAAAAAAAAAAAAAAAAAAAAAAAAAAAAAAAAAAeAAAAAEAAABAAAAAAAAAAAAAAABaAAAAAAAAAAAAAAAAAAAAAAAAAAAAAAAAAAAAAAAAAAAAAAAAAAAAAAAAAAAAAAAAAAAAAAAAAAAAAAAAAAAAAAAAAAAAAAAAAAAAFAAAADwAAAAAAAAAAAAAAAAAAAAPAAAAAQAAACMAAAAjAAAAIwAAAB4AAAAAAAAAZAAAAGQAAAAAAAAAZAAAAGQAAAAVAAAAYAAAAAAAAAAAAAAADwAAACADAAAAAAAAAAAAAAEAAACgMgAAVgcAAKr4//8BAAAAf39/AAEAAABkAAAAAAAAABQAAABAHwAAAAAAACYAAAAAAAAAwOD//wAAAAAmAAAAZAAAABYAAABMAAAAAAAAAAAAAAAEAAAAAAAAAAEAAADn5uYKAAAAACgAAAAoAAAAZAAAAGQAAAAAAAAAzMzMAAAAAABQAAAAUAAAAGQAAABkAAAAAAAAABcAAAAUAAAAAAAAAAAAAAD/fwAA/38AAAAAAAAJAAAABAAAAAAAAAAMAAAAEAAAAAAAAAAAAAAAAAAAAAAAAAAeAAAAaAAAAAAAAAAAAAAAAAAAAAAAAAAAAAAAECcAABAnAAAAAAAAAAAAAAAAAAAAAAAAAAAAAAAAAAAAAAAAAAAAABQAAAAAAAAAwMD/AAAAAABkAAAAMgAAAAAAAABkAAAAAAAAAH9/fwAKAAAAHwAAAFQAAAD///8A////AQAAAAAAAAAAAAAAAAAAAAAAAAAAAAAAAAAAAAAAAAAAAAAAAH9/fwDn5uYDzMzMAMDA/wB/f38AAAAAAAAAAAAAAAAAAAAAAAAAAAAhAAAAGAAAABQAAADYGAAAGicAACgyAABZKQAAEAAAAA=="/>
               </a:ext>
             </a:extLst>
           </p:cNvSpPr>
@@ -1834,7 +1837,7 @@
             <a:spLocks noGrp="1" noChangeArrowheads="1"/>
             <a:extLst>
               <a:ext uri="smNativeData">
-                <pr:smNativeData xmlns:pr="smNativeData" xmlns="" val="SMDATA_12_7hxgVxMAAAAlAAAAZAAAAA0AAAAAkAAAAEgAAACQAAAASAAAAAAAAAABAAAAAAAAAAEAAABQAAAAAAAAAAAA4D8AAAAAAADgPwAAAAAAAOA/AAAAAAAA4D8AAAAAAADgPwAAAAAAAOA/AAAAAAAA4D8AAAAAAADgPwAAAAAAAOA/AAAAAAAA4D8CAAAAjAAAAAAAAAAAAAAA////AP///wgAAAAAAAAAAAAAAAAAAAAAAAAAAAAAAAAAAAAAeAAAAAEAAABAAAAAAAAAAAAAAABaAAAAAAAAAAAAAAAAAAAAAAAAAAAAAAAAAAAAAAAAAAAAAAAAAAAAAAAAAAAAAAAAAAAAAAAAAAAAAAAAAAAAAAAAAAAAAAAAAAAAFAAAADwAAAAAAAAAAAAAAAAAAAAPAAAAAQAAACMAAAAjAAAAIwAAAB4AAAAAAAAAZAAAAGQAAAAAAAAAZAAAAGQAAAAVAAAAYAAAAAAAAAAAAAAADwAAACADAAAAAAAAAAAAAAEAAACgMgAAVgcAAKr4//8BAAAAf39/AAEAAABkAAAAAAAAABQAAABAHwAAAAAAACYAAAAAAAAAwOD//wAAAAAmAAAAZAAAABYAAABMAAAAAAAAAAAAAAAEAAAAAAAAAAEAAADn5uYKAAAAACgAAAAoAAAAZAAAAGQAAAAAAAAAzMzMAAAAAABQAAAAUAAAAGQAAABkAAAAAAAAABcAAAAUAAAAAAAAAAAAAAD/fwAA/38AAAAAAAAJAAAABAAAAAAAAAAMAAAAEAAAAAAAAAAAAAAAAAAAAAAAAAAeAAAAaAAAAAAAAAAAAAAAAAAAAAAAAAAAAAAAECcAABAnAAAAAAAAAAAAAAAAAAAAAAAAAAAAAAAAAAAAAAAAAAAAABQAAAAAAAAAwMD/AAAAAABkAAAAMgAAAAAAAABkAAAAAAAAAH9/fwAKAAAAHwAAAFQAAAD///8A////AQAAAAAAAAAAAAAAAAAAAAAAAAAAAAAAAAAAAAAAAAAAAAAAAH9/fwDn5uYDzMzMAMDA/wB/f38AAAAAAAAAAAAAAAAAAAAAAAAAAAAhAAAAGAAAABQAAAAoBQAAGicAAAgWAABZKQAAEAAAAA=="/>
+                <pr:smNativeData xmlns="" xmlns:pr="smNativeData" val="SMDATA_12_7hxgVxMAAAAlAAAAZAAAAA0AAAAAkAAAAEgAAACQAAAASAAAAAAAAAABAAAAAAAAAAEAAABQAAAAAAAAAAAA4D8AAAAAAADgPwAAAAAAAOA/AAAAAAAA4D8AAAAAAADgPwAAAAAAAOA/AAAAAAAA4D8AAAAAAADgPwAAAAAAAOA/AAAAAAAA4D8CAAAAjAAAAAAAAAAAAAAA////AP///wgAAAAAAAAAAAAAAAAAAAAAAAAAAAAAAAAAAAAAeAAAAAEAAABAAAAAAAAAAAAAAABaAAAAAAAAAAAAAAAAAAAAAAAAAAAAAAAAAAAAAAAAAAAAAAAAAAAAAAAAAAAAAAAAAAAAAAAAAAAAAAAAAAAAAAAAAAAAAAAAAAAAFAAAADwAAAAAAAAAAAAAAAAAAAAPAAAAAQAAACMAAAAjAAAAIwAAAB4AAAAAAAAAZAAAAGQAAAAAAAAAZAAAAGQAAAAVAAAAYAAAAAAAAAAAAAAADwAAACADAAAAAAAAAAAAAAEAAACgMgAAVgcAAKr4//8BAAAAf39/AAEAAABkAAAAAAAAABQAAABAHwAAAAAAACYAAAAAAAAAwOD//wAAAAAmAAAAZAAAABYAAABMAAAAAAAAAAAAAAAEAAAAAAAAAAEAAADn5uYKAAAAACgAAAAoAAAAZAAAAGQAAAAAAAAAzMzMAAAAAABQAAAAUAAAAGQAAABkAAAAAAAAABcAAAAUAAAAAAAAAAAAAAD/fwAA/38AAAAAAAAJAAAABAAAAAAAAAAMAAAAEAAAAAAAAAAAAAAAAAAAAAAAAAAeAAAAaAAAAAAAAAAAAAAAAAAAAAAAAAAAAAAAECcAABAnAAAAAAAAAAAAAAAAAAAAAAAAAAAAAAAAAAAAAAAAAAAAABQAAAAAAAAAwMD/AAAAAABkAAAAMgAAAAAAAABkAAAAAAAAAH9/fwAKAAAAHwAAAFQAAAD///8A////AQAAAAAAAAAAAAAAAAAAAAAAAAAAAAAAAAAAAAAAAAAAAAAAAH9/fwDn5uYDzMzMAMDA/wB/f38AAAAAAAAAAAAAAAAAAAAAAAAAAAAhAAAAGAAAABQAAAAoBQAAGicAAAgWAABZKQAAEAAAAA=="/>
               </a:ext>
             </a:extLst>
           </p:cNvSpPr>
@@ -2633,7 +2636,7 @@
           <p:cNvGrpSpPr>
             <a:extLst>
               <a:ext uri="smNativeData">
-                <pr:smNativeData xmlns:pr="smNativeData" xmlns="" val="SMDATA_6_7hxgVxMAAAAlAAAAAQAAAA8BAAAAkAAAAEgAAACQAAAASAAAAAAAAAAAAAAAAAAAABcAAAAUAAAAAAAAAAAAAAD/fwAA/38AAAAAAAAJAAAABAAAAAAAAAAMAAAAEAAAAAAAAAAAAAAAAAAAAAAAAAAfAAAAVAAAAAAAAAAAAAAAAAAAAAAAAAAAAAAAAAAAAAAAAAAAAAAAAAAAAAAAAAAAAAAAAAAAAAAAAAAAAAAAAAAAAAAAAAAAAAAAAAAAAAAAAAAAAAAAAAAAACEAAAAYAAAAFAAAAAAAAACEIQAAAEsAAEMmAAAQAAAA"/>
+                <pr:smNativeData xmlns="" xmlns:pr="smNativeData" val="SMDATA_6_7hxgVxMAAAAlAAAAAQAAAA8BAAAAkAAAAEgAAACQAAAASAAAAAAAAAAAAAAAAAAAABcAAAAUAAAAAAAAAAAAAAD/fwAA/38AAAAAAAAJAAAABAAAAAAAAAAMAAAAEAAAAAAAAAAAAAAAAAAAAAAAAAAfAAAAVAAAAAAAAAAAAAAAAAAAAAAAAAAAAAAAAAAAAAAAAAAAAAAAAAAAAAAAAAAAAAAAAAAAAAAAAAAAAAAAAAAAAAAAAAAAAAAAAAAAAAAAAAAAAAAAAAAAACEAAAAYAAAAFAAAAAAAAACEIQAAAEsAAEMmAAAQAAAA"/>
               </a:ext>
             </a:extLst>
           </p:cNvGrpSpPr>
@@ -2683,7 +2686,7 @@
             <p:cNvSpPr>
               <a:extLst>
                 <a:ext uri="smNativeData">
-                  <pr:smNativeData xmlns:pr="smNativeData" xmlns="" val="SMDATA_12_7hxgVxMAAAAlAAAAZAAAAA0AAAAAkAAAAEgAAACQAAAASAAAAAAAAAABAAAAAAAAAAEAAABQAAAAAAAAAAAA4D8AAAAAAADgPwAAAAAAAOA/AAAAAAAA4D8AAAAAAADgPwAAAAAAAOA/AAAAAAAA4D8AAAAAAADgPwAAAAAAAOA/AAAAAAAA4D8CAAAAjAAAAAEAAAAAAAAAVII1AP///wgAAAAAAAAAAAAAAAAAAAAAAAAAAAAAAAAAAAAAeAAAAAEAAABAAAAAAAAAAAAAAABaAAAAAAAAAAAAAAAAAAAAAAAAAAAAAAAAAAAAAAAAAAAAAAAAAAAAAAAAAAAAAAAAAAAAAAAAAAAAAAAAAAAAAAAAAAAAAAAAAAAAFAAAADwAAAAAAAAAAAAAAAZJjAkUAAAAAQAAABQAAAAUAAAAFAAAAAEAAAAAAAAAZAAAAGQAAAAAAAAAZAAAAGQAAAAVAAAAYAAAAAAAAAAAAAAADwAAACADAAAAAAAAAAAAAAEAAACgMgAAVgcAAKr4//8BAAAAf39/AAEAAABkAAAAAAAAABQAAABAHwAAAAAAACYAAAAAAAAAwOD//wAAAAAmAAAAZAAAABYAAABMAAAAAAAAAAAAAAAEAAAAAAAAAAEAAACWlpYKAAAAACgAAAAoAAAAZAAAAGQAAAAAAAAAzMzMAAAAAABQAAAAUAAAAGQAAABkAAAAAAAAABcAAAAUAAAAAAAAAAAAAAD/fwAA/38AAAAAAAAJAAAABAAAAAAAAAAMAAAAEAAAAAAAAAAAAAAAAAAAAAAAAAAeAAAAaAAAAAAAAAAAAAAAAAAAAAAAAAAAAAAAECcAABAnAAAAAAAAAAAAAAAAAAAAAAAAAAAAAAAAAAAAAAAAAAAAABQAAAAAAAAAwMD/AAAAAABkAAAAMgAAAAAAAABkAAAAAAAAAH9/fwAKAAAAHwAAAFQAAABUgjUA////AQAAAAAAAAAAAAAAAAAAAAAAAAAAAAAAAAAAAAAAAAAAAAAAAn9/fwDn5uYDzMzMAMDA/wB/f38AAAAAAAAAAAAAAAAAAAAAAAAAAAAhAAAAGAAAABQAAADLEgAAhiEAAABLAABDJgAAAAAAAA=="/>
+                  <pr:smNativeData xmlns="" xmlns:pr="smNativeData" val="SMDATA_12_7hxgVxMAAAAlAAAAZAAAAA0AAAAAkAAAAEgAAACQAAAASAAAAAAAAAABAAAAAAAAAAEAAABQAAAAAAAAAAAA4D8AAAAAAADgPwAAAAAAAOA/AAAAAAAA4D8AAAAAAADgPwAAAAAAAOA/AAAAAAAA4D8AAAAAAADgPwAAAAAAAOA/AAAAAAAA4D8CAAAAjAAAAAEAAAAAAAAAVII1AP///wgAAAAAAAAAAAAAAAAAAAAAAAAAAAAAAAAAAAAAeAAAAAEAAABAAAAAAAAAAAAAAABaAAAAAAAAAAAAAAAAAAAAAAAAAAAAAAAAAAAAAAAAAAAAAAAAAAAAAAAAAAAAAAAAAAAAAAAAAAAAAAAAAAAAAAAAAAAAAAAAAAAAFAAAADwAAAAAAAAAAAAAAAZJjAkUAAAAAQAAABQAAAAUAAAAFAAAAAEAAAAAAAAAZAAAAGQAAAAAAAAAZAAAAGQAAAAVAAAAYAAAAAAAAAAAAAAADwAAACADAAAAAAAAAAAAAAEAAACgMgAAVgcAAKr4//8BAAAAf39/AAEAAABkAAAAAAAAABQAAABAHwAAAAAAACYAAAAAAAAAwOD//wAAAAAmAAAAZAAAABYAAABMAAAAAAAAAAAAAAAEAAAAAAAAAAEAAACWlpYKAAAAACgAAAAoAAAAZAAAAGQAAAAAAAAAzMzMAAAAAABQAAAAUAAAAGQAAABkAAAAAAAAABcAAAAUAAAAAAAAAAAAAAD/fwAA/38AAAAAAAAJAAAABAAAAAAAAAAMAAAAEAAAAAAAAAAAAAAAAAAAAAAAAAAeAAAAaAAAAAAAAAAAAAAAAAAAAAAAAAAAAAAAECcAABAnAAAAAAAAAAAAAAAAAAAAAAAAAAAAAAAAAAAAAAAAAAAAABQAAAAAAAAAwMD/AAAAAABkAAAAMgAAAAAAAABkAAAAAAAAAH9/fwAKAAAAHwAAAFQAAABUgjUA////AQAAAAAAAAAAAAAAAAAAAAAAAAAAAAAAAAAAAAAAAAAAAAAAAn9/fwDn5uYDzMzMAMDA/wB/f38AAAAAAAAAAAAAAAAAAAAAAAAAAAAhAAAAGAAAABQAAADLEgAAhiEAAABLAABDJgAAAAAAAA=="/>
                 </a:ext>
               </a:extLst>
             </p:cNvSpPr>
@@ -2834,7 +2837,7 @@
             <p:cNvSpPr>
               <a:extLst>
                 <a:ext uri="smNativeData">
-                  <pr:smNativeData xmlns:pr="smNativeData" xmlns="" val="SMDATA_12_7hxgVxMAAAAlAAAAZAAAAA0AAAAAkAAAAEgAAACQAAAASAAAAAAAAAABAAAAAAAAAAEAAABQAAAAAAAAAAAA4D8AAAAAAADgPwAAAAAAAOA/AAAAAAAA4D8AAAAAAADgPwAAAAAAAOA/AAAAAAAA4D8AAAAAAADgPwAAAAAAAOA/AAAAAAAA4D8CAAAAjAAAAAEAAAAAAAAA/8AAAP///wgAAAAAAAAAAAAAAAAAAAAAAAAAAAAAAAAAAAAAeAAAAAEAAABAAAAAAAAAAAAAAABaAAAAAAAAAAAAAAAAAAAAAAAAAAAAAAAAAAAAAAAAAAAAAAAAAAAAAAAAAAAAAAAAAAAAAAAAAAAAAAAAAAAAAAAAAAAAAAAAAAAAFAAAADwAAAAAAAAAAAAAAAZJjAkUAAAAAQAAABQAAAAUAAAAFAAAAAEAAAAAAAAAZAAAAGQAAAAAAAAAZAAAAGQAAAAVAAAAYAAAAAAAAAAAAAAADwAAACADAAAAAAAAAAAAAAEAAACgMgAAVgcAAKr4//8BAAAAf39/AAEAAABkAAAAAAAAABQAAABAHwAAAAAAACYAAAAAAAAAwOD//wAAAAAmAAAAZAAAABYAAABMAAAAAAAAAAAAAAAEAAAAAAAAAAEAAACWlpYKAAAAACgAAAAoAAAAZAAAAGQAAAAAAAAAzMzMAAAAAABQAAAAUAAAAGQAAABkAAAAAAAAABcAAAAUAAAAAAAAAAAAAAD/fwAA/38AAAAAAAAJAAAABAAAAAAAAAAMAAAAEAAAAAAAAAAAAAAAAAAAAAAAAAAeAAAAaAAAAAAAAAAAAAAAAAAAAAAAAAAAAAAAECcAABAnAAAAAAAAAAAAAAAAAAAAAAAAAAAAAAAAAAAAAAAAAAAAABQAAAAAAAAAwMD/AAAAAABkAAAAMgAAAAAAAABkAAAAAAAAAH9/fwAKAAAAHwAAAFQAAAD/wAAA////AQAAAAAAAAAAAAAAAAAAAAAAAAAAAAAAAAAAAAAAAAAAAAAAAn9/fwDn5uYDzMzMAMDA/wB/f38AAAAAAAAAAAAAAAAAAAAAAAAAAAAhAAAAGAAAABQAAAAAAAAAhCEAAMsSAABBJgAAAAAAAA=="/>
+                  <pr:smNativeData xmlns="" xmlns:pr="smNativeData" val="SMDATA_12_7hxgVxMAAAAlAAAAZAAAAA0AAAAAkAAAAEgAAACQAAAASAAAAAAAAAABAAAAAAAAAAEAAABQAAAAAAAAAAAA4D8AAAAAAADgPwAAAAAAAOA/AAAAAAAA4D8AAAAAAADgPwAAAAAAAOA/AAAAAAAA4D8AAAAAAADgPwAAAAAAAOA/AAAAAAAA4D8CAAAAjAAAAAEAAAAAAAAA/8AAAP///wgAAAAAAAAAAAAAAAAAAAAAAAAAAAAAAAAAAAAAeAAAAAEAAABAAAAAAAAAAAAAAABaAAAAAAAAAAAAAAAAAAAAAAAAAAAAAAAAAAAAAAAAAAAAAAAAAAAAAAAAAAAAAAAAAAAAAAAAAAAAAAAAAAAAAAAAAAAAAAAAAAAAFAAAADwAAAAAAAAAAAAAAAZJjAkUAAAAAQAAABQAAAAUAAAAFAAAAAEAAAAAAAAAZAAAAGQAAAAAAAAAZAAAAGQAAAAVAAAAYAAAAAAAAAAAAAAADwAAACADAAAAAAAAAAAAAAEAAACgMgAAVgcAAKr4//8BAAAAf39/AAEAAABkAAAAAAAAABQAAABAHwAAAAAAACYAAAAAAAAAwOD//wAAAAAmAAAAZAAAABYAAABMAAAAAAAAAAAAAAAEAAAAAAAAAAEAAACWlpYKAAAAACgAAAAoAAAAZAAAAGQAAAAAAAAAzMzMAAAAAABQAAAAUAAAAGQAAABkAAAAAAAAABcAAAAUAAAAAAAAAAAAAAD/fwAA/38AAAAAAAAJAAAABAAAAAAAAAAMAAAAEAAAAAAAAAAAAAAAAAAAAAAAAAAeAAAAaAAAAAAAAAAAAAAAAAAAAAAAAAAAAAAAECcAABAnAAAAAAAAAAAAAAAAAAAAAAAAAAAAAAAAAAAAAAAAAAAAABQAAAAAAAAAwMD/AAAAAABkAAAAMgAAAAAAAABkAAAAAAAAAH9/fwAKAAAAHwAAAFQAAAD/wAAA////AQAAAAAAAAAAAAAAAAAAAAAAAAAAAAAAAAAAAAAAAAAAAAAAAn9/fwDn5uYDzMzMAMDA/wB/f38AAAAAAAAAAAAAAAAAAAAAAAAAAAAhAAAAGAAAABQAAAAAAAAAhCEAAMsSAABBJgAAAAAAAA=="/>
                 </a:ext>
               </a:extLst>
             </p:cNvSpPr>
@@ -2987,7 +2990,7 @@
             <a:spLocks noGrp="1" noChangeArrowheads="1"/>
             <a:extLst>
               <a:ext uri="smNativeData">
-                <pr:smNativeData xmlns:pr="smNativeData" xmlns="" val="SMDATA_12_7hxgVxMAAAAlAAAAZAAAAA0AAAAAkAAAAEgAAACQAAAASAAAAAAAAAACAAAAAAAAAAEAAABQAAAAAAAAAAAA4D8AAAAAAADgPwAAAAAAAOA/AAAAAAAA4D8AAAAAAADgPwAAAAAAAOA/AAAAAAAA4D8AAAAAAADgPwAAAAAAAOA/AAAAAAAA4D8CAAAAjAAAAAAAAAAAAAAA////DP///wgAAAAAAAAAAAAAAAAAAAAAAAAAAAAAAAAAAAAAZAAAAAEAAABAAAAAAAAAAAAAAAAAAAAAAAAAAAAAAAAAAAAAAAAAAAAAAAAAAAAAAAAAAAAAAAAAAAAAAAAAAAAAAAAAAAAAAAAAAAAAAAAAAAAAAAAAAAAAAAAAAAAAFAAAADwAAAAAAAAAAAAAAAZJjAkUAAAAAQAAABQAAAAUAAAAFAAAAAEAAAAAAAAAZAAAAGQAAAAAAAAAZAAAAGQAAAAVAAAAYAAAAAAAAAAAAAAADwAAACADAAAAAAAAAAAAAAEAAACgMgAAVgcAAKr4//8BAAAAf39/AAEAAABkAAAAAAAAABQAAABAHwAAAAAAACYAAAAAAAAAwOD//wAAAAAmAAAAZAAAABYAAABMAAAAAAAAAAAAAAAEAAAAAAAAAAEAAACWlpYKAAAAACgAAAAoAAAAZAAAAGQAAAAAAAAAzMzMAAAAAABQAAAAUAAAAGQAAABkAAAAAAAAABcAAAAUAAAAAAAAAAAAAAD/fwAA/38AAAAAAAAJAAAABAAAAAAAAAAMAAAAEAAAAAAAAAAAAAAAAAAAAAAAAAAeAAAAaAAAAAAAAAAAAAAAAAAAAAAAAAAAAAAAECcAABAnAAAAAAAAAAAAAAAAAAAAAAAAAAAAAAAAAAAAAAAAAAAAABQAAAAAAAAAwMD/AAAAAABkAAAAMgAAAAAAAABkAAAAAAAAAH9/fwAKAAAAHwAAAFQAAABbm9UF////AQAAAAAAAAAAAAAAAAAAAAAAAAAAAAAAAAAAAAAAAAAAAAAAAn9/fwDn5uYDzMzMAMDA/wB/f38AAAAAAAAAAAAAAAAAAAAAAAAAAAAhAAAAGAAAABQAAADLEgAAFQkAAItHAABTHgAAAAAAAA=="/>
+                <pr:smNativeData xmlns="" xmlns:pr="smNativeData" val="SMDATA_12_7hxgVxMAAAAlAAAAZAAAAA0AAAAAkAAAAEgAAACQAAAASAAAAAAAAAACAAAAAAAAAAEAAABQAAAAAAAAAAAA4D8AAAAAAADgPwAAAAAAAOA/AAAAAAAA4D8AAAAAAADgPwAAAAAAAOA/AAAAAAAA4D8AAAAAAADgPwAAAAAAAOA/AAAAAAAA4D8CAAAAjAAAAAAAAAAAAAAA////DP///wgAAAAAAAAAAAAAAAAAAAAAAAAAAAAAAAAAAAAAZAAAAAEAAABAAAAAAAAAAAAAAAAAAAAAAAAAAAAAAAAAAAAAAAAAAAAAAAAAAAAAAAAAAAAAAAAAAAAAAAAAAAAAAAAAAAAAAAAAAAAAAAAAAAAAAAAAAAAAAAAAAAAAFAAAADwAAAAAAAAAAAAAAAZJjAkUAAAAAQAAABQAAAAUAAAAFAAAAAEAAAAAAAAAZAAAAGQAAAAAAAAAZAAAAGQAAAAVAAAAYAAAAAAAAAAAAAAADwAAACADAAAAAAAAAAAAAAEAAACgMgAAVgcAAKr4//8BAAAAf39/AAEAAABkAAAAAAAAABQAAABAHwAAAAAAACYAAAAAAAAAwOD//wAAAAAmAAAAZAAAABYAAABMAAAAAAAAAAAAAAAEAAAAAAAAAAEAAACWlpYKAAAAACgAAAAoAAAAZAAAAGQAAAAAAAAAzMzMAAAAAABQAAAAUAAAAGQAAABkAAAAAAAAABcAAAAUAAAAAAAAAAAAAAD/fwAA/38AAAAAAAAJAAAABAAAAAAAAAAMAAAAEAAAAAAAAAAAAAAAAAAAAAAAAAAeAAAAaAAAAAAAAAAAAAAAAAAAAAAAAAAAAAAAECcAABAnAAAAAAAAAAAAAAAAAAAAAAAAAAAAAAAAAAAAAAAAAAAAABQAAAAAAAAAwMD/AAAAAABkAAAAMgAAAAAAAABkAAAAAAAAAH9/fwAKAAAAHwAAAFQAAABbm9UF////AQAAAAAAAAAAAAAAAAAAAAAAAAAAAAAAAAAAAAAAAAAAAAAAAn9/fwDn5uYDzMzMAMDA/wB/f38AAAAAAAAAAAAAAAAAAAAAAAAAAAAhAAAAGAAAABQAAADLEgAAFQkAAItHAABTHgAAAAAAAA=="/>
               </a:ext>
             </a:extLst>
           </p:cNvSpPr>
@@ -3050,7 +3053,7 @@
             <a:spLocks noGrp="1" noChangeArrowheads="1"/>
             <a:extLst>
               <a:ext uri="smNativeData">
-                <pr:smNativeData xmlns:pr="smNativeData" xmlns="" val="SMDATA_12_7hxgVxMAAAAlAAAAZAAAAA0AAAAAkAAAAEgAAACQAAAASAAAAAAAAAAAAAAAAAAAAAEAAABQAAAAAAAAAAAA4D8AAAAAAADgPwAAAAAAAOA/AAAAAAAA4D8AAAAAAADgPwAAAAAAAOA/AAAAAAAA4D8AAAAAAADgPwAAAAAAAOA/AAAAAAAA4D8CAAAAjAAAAAAAAAAAAAAA////DP///wgAAAAAAAAAAAAAAAAAAAAAAAAAAAAAAAAAAAAAZAAAAAEAAABAAAAAAAAAAAAAAAAAAAAAAAAAAAAAAAAAAAAAAAAAAAAAAAAAAAAAAAAAAAAAAAAAAAAAAAAAAAAAAAAAAAAAAAAAAAAAAAAAAAAAAAAAAAAAAAAAAAAAFAAAADwAAAAAAAAAAAAAAAZJjAkUAAAAAQAAABQAAAAUAAAAFAAAAAEAAAAAAAAAZAAAAGQAAAAAAAAAZAAAAGQAAAAVAAAAYAAAAAAAAAAAAAAADwAAACADAAAAAAAAAAAAAAEAAACgMgAAVgcAAKr4//8BAAAAf39/AAEAAABkAAAAAAAAABQAAABAHwAAAAAAACYAAAAAAAAAwOD//wAAAAAmAAAAZAAAABYAAABMAAAAAAAAAAAAAAAEAAAAAAAAAAEAAACWlpYKAAAAACgAAAAoAAAAZAAAAGQAAAAAAAAAzMzMAAAAAABQAAAAUAAAAGQAAABkAAAAAAAAABcAAAAUAAAAAAAAAAAAAAD/fwAA/38AAAAAAAAJAAAABAAAAAAAAAAMAAAAEAAAAAAAAAAAAAAAAAAAAAAAAAAeAAAAaAAAAAAAAAAAAAAAAAAAAAAAAAAAAAAAECcAABAnAAAAAAAAAAAAAAAAAAAAAAAAAAAAAAAAAAAAAAAAAAAAABQAAAAAAAAAwMD/AAAAAABkAAAAMgAAAAAAAABkAAAAAAAAAH9/fwAKAAAAHwAAAFQAAABbm9UF////AQAAAAAAAAAAAAAAAAAAAAAAAAAAAAAAAAAAAAAAAAAAAAAAAn9/fwDn5uYDzMzMAMDA/wB/f38AAAAAAAAAAAAAAAAAAAAAAAAAAAAhAAAAGAAAABQAAADAEgAAzyEAAABLAAAWJgAAEAAAAA=="/>
+                <pr:smNativeData xmlns="" xmlns:pr="smNativeData" val="SMDATA_12_7hxgVxMAAAAlAAAAZAAAAA0AAAAAkAAAAEgAAACQAAAASAAAAAAAAAAAAAAAAAAAAAEAAABQAAAAAAAAAAAA4D8AAAAAAADgPwAAAAAAAOA/AAAAAAAA4D8AAAAAAADgPwAAAAAAAOA/AAAAAAAA4D8AAAAAAADgPwAAAAAAAOA/AAAAAAAA4D8CAAAAjAAAAAAAAAAAAAAA////DP///wgAAAAAAAAAAAAAAAAAAAAAAAAAAAAAAAAAAAAAZAAAAAEAAABAAAAAAAAAAAAAAAAAAAAAAAAAAAAAAAAAAAAAAAAAAAAAAAAAAAAAAAAAAAAAAAAAAAAAAAAAAAAAAAAAAAAAAAAAAAAAAAAAAAAAAAAAAAAAAAAAAAAAFAAAADwAAAAAAAAAAAAAAAZJjAkUAAAAAQAAABQAAAAUAAAAFAAAAAEAAAAAAAAAZAAAAGQAAAAAAAAAZAAAAGQAAAAVAAAAYAAAAAAAAAAAAAAADwAAACADAAAAAAAAAAAAAAEAAACgMgAAVgcAAKr4//8BAAAAf39/AAEAAABkAAAAAAAAABQAAABAHwAAAAAAACYAAAAAAAAAwOD//wAAAAAmAAAAZAAAABYAAABMAAAAAAAAAAAAAAAEAAAAAAAAAAEAAACWlpYKAAAAACgAAAAoAAAAZAAAAGQAAAAAAAAAzMzMAAAAAABQAAAAUAAAAGQAAABkAAAAAAAAABcAAAAUAAAAAAAAAAAAAAD/fwAA/38AAAAAAAAJAAAABAAAAAAAAAAMAAAAEAAAAAAAAAAAAAAAAAAAAAAAAAAeAAAAaAAAAAAAAAAAAAAAAAAAAAAAAAAAAAAAECcAABAnAAAAAAAAAAAAAAAAAAAAAAAAAAAAAAAAAAAAAAAAAAAAABQAAAAAAAAAwMD/AAAAAABkAAAAMgAAAAAAAABkAAAAAAAAAH9/fwAKAAAAHwAAAFQAAABbm9UF////AQAAAAAAAAAAAAAAAAAAAAAAAAAAAAAAAAAAAAAAAAAAAAAAAn9/fwDn5uYDzMzMAMDA/wB/f38AAAAAAAAAAAAAAAAAAAAAAAAAAAAhAAAAGAAAABQAAADAEgAAzyEAAABLAAAWJgAAEAAAAA=="/>
               </a:ext>
             </a:extLst>
           </p:cNvSpPr>
@@ -12050,11 +12053,7 @@
             <a:pPr lvl="1"/>
             <a:r>
               <a:rPr lang="pt-BR" dirty="0" smtClean="0"/>
-              <a:t>Igualdade para variáveis de </a:t>
-            </a:r>
-            <a:r>
-              <a:rPr lang="pt-BR" dirty="0" smtClean="0"/>
-              <a:t>referência</a:t>
+              <a:t>Igualdade para variáveis de referência</a:t>
             </a:r>
           </a:p>
           <a:p>
@@ -12665,44 +12664,196 @@
       </p:sp>
       <p:sp>
         <p:nvSpPr>
-          <p:cNvPr id="4" name="Espaço Reservado para Rodapé 3"/>
-          <p:cNvSpPr>
-            <a:spLocks noGrp="1"/>
-          </p:cNvSpPr>
-          <p:nvPr>
-            <p:ph type="ftr" sz="quarter" idx="11"/>
-          </p:nvPr>
-        </p:nvSpPr>
-        <p:spPr/>
-        <p:txBody>
-          <a:bodyPr/>
-          <a:lstStyle/>
-          <a:p>
-            <a:r>
-              <a:rPr lang="pt-BR" dirty="0" smtClean="0"/>
+          <p:cNvPr id="5" name="Espaço Reservado para Rodapé 3"/>
+          <p:cNvSpPr txBox="1">
+            <a:spLocks noGrp="1"/>
+          </p:cNvSpPr>
+          <p:nvPr>
+            <p:ph type="ftr" sz="quarter" idx="4294967295"/>
+          </p:nvPr>
+        </p:nvSpPr>
+        <p:spPr>
+          <a:xfrm>
+            <a:off x="3028950" y="6356351"/>
+            <a:ext cx="3086100" cy="365125"/>
+          </a:xfrm>
+          <a:prstGeom prst="rect">
+            <a:avLst/>
+          </a:prstGeom>
+        </p:spPr>
+        <p:txBody>
+          <a:bodyPr/>
+          <a:lstStyle>
+            <a:defPPr>
+              <a:defRPr lang="pt-BR"/>
+            </a:defPPr>
+            <a:lvl1pPr marL="0" algn="l" defTabSz="914400" rtl="0" eaLnBrk="1" latinLnBrk="0" hangingPunct="1">
+              <a:defRPr sz="1800" kern="1200">
+                <a:solidFill>
+                  <a:schemeClr val="tx1"/>
+                </a:solidFill>
+                <a:latin typeface="+mn-lt"/>
+                <a:ea typeface="+mn-ea"/>
+                <a:cs typeface="+mn-cs"/>
+              </a:defRPr>
+            </a:lvl1pPr>
+            <a:lvl2pPr marL="457200" algn="l" defTabSz="914400" rtl="0" eaLnBrk="1" latinLnBrk="0" hangingPunct="1">
+              <a:defRPr sz="1800" kern="1200">
+                <a:solidFill>
+                  <a:schemeClr val="tx1"/>
+                </a:solidFill>
+                <a:latin typeface="+mn-lt"/>
+                <a:ea typeface="+mn-ea"/>
+                <a:cs typeface="+mn-cs"/>
+              </a:defRPr>
+            </a:lvl2pPr>
+            <a:lvl3pPr marL="914400" algn="l" defTabSz="914400" rtl="0" eaLnBrk="1" latinLnBrk="0" hangingPunct="1">
+              <a:defRPr sz="1800" kern="1200">
+                <a:solidFill>
+                  <a:schemeClr val="tx1"/>
+                </a:solidFill>
+                <a:latin typeface="+mn-lt"/>
+                <a:ea typeface="+mn-ea"/>
+                <a:cs typeface="+mn-cs"/>
+              </a:defRPr>
+            </a:lvl3pPr>
+            <a:lvl4pPr marL="1371600" algn="l" defTabSz="914400" rtl="0" eaLnBrk="1" latinLnBrk="0" hangingPunct="1">
+              <a:defRPr sz="1800" kern="1200">
+                <a:solidFill>
+                  <a:schemeClr val="tx1"/>
+                </a:solidFill>
+                <a:latin typeface="+mn-lt"/>
+                <a:ea typeface="+mn-ea"/>
+                <a:cs typeface="+mn-cs"/>
+              </a:defRPr>
+            </a:lvl4pPr>
+            <a:lvl5pPr marL="1828800" algn="l" defTabSz="914400" rtl="0" eaLnBrk="1" latinLnBrk="0" hangingPunct="1">
+              <a:defRPr sz="1800" kern="1200">
+                <a:solidFill>
+                  <a:schemeClr val="tx1"/>
+                </a:solidFill>
+                <a:latin typeface="+mn-lt"/>
+                <a:ea typeface="+mn-ea"/>
+                <a:cs typeface="+mn-cs"/>
+              </a:defRPr>
+            </a:lvl5pPr>
+            <a:lvl6pPr marL="2286000" algn="l" defTabSz="914400" rtl="0" eaLnBrk="1" latinLnBrk="0" hangingPunct="1">
+              <a:defRPr sz="1800" kern="1200">
+                <a:solidFill>
+                  <a:schemeClr val="tx1"/>
+                </a:solidFill>
+                <a:latin typeface="+mn-lt"/>
+                <a:ea typeface="+mn-ea"/>
+                <a:cs typeface="+mn-cs"/>
+              </a:defRPr>
+            </a:lvl6pPr>
+            <a:lvl7pPr marL="2743200" algn="l" defTabSz="914400" rtl="0" eaLnBrk="1" latinLnBrk="0" hangingPunct="1">
+              <a:defRPr sz="1800" kern="1200">
+                <a:solidFill>
+                  <a:schemeClr val="tx1"/>
+                </a:solidFill>
+                <a:latin typeface="+mn-lt"/>
+                <a:ea typeface="+mn-ea"/>
+                <a:cs typeface="+mn-cs"/>
+              </a:defRPr>
+            </a:lvl7pPr>
+            <a:lvl8pPr marL="3200400" algn="l" defTabSz="914400" rtl="0" eaLnBrk="1" latinLnBrk="0" hangingPunct="1">
+              <a:defRPr sz="1800" kern="1200">
+                <a:solidFill>
+                  <a:schemeClr val="tx1"/>
+                </a:solidFill>
+                <a:latin typeface="+mn-lt"/>
+                <a:ea typeface="+mn-ea"/>
+                <a:cs typeface="+mn-cs"/>
+              </a:defRPr>
+            </a:lvl8pPr>
+            <a:lvl9pPr marL="3657600" algn="l" defTabSz="914400" rtl="0" eaLnBrk="1" latinLnBrk="0" hangingPunct="1">
+              <a:defRPr sz="1800" kern="1200">
+                <a:solidFill>
+                  <a:schemeClr val="tx1"/>
+                </a:solidFill>
+                <a:latin typeface="+mn-lt"/>
+                <a:ea typeface="+mn-ea"/>
+                <a:cs typeface="+mn-cs"/>
+              </a:defRPr>
+            </a:lvl9pPr>
+          </a:lstStyle>
+          <a:p>
+            <a:pPr algn="ctr">
+              <a:defRPr sz="1200">
+                <a:solidFill>
+                  <a:srgbClr val="8C8C8C"/>
+                </a:solidFill>
+                <a:latin typeface="Tw Cen MT" charset="0"/>
+                <a:ea typeface="Calibri" charset="0"/>
+                <a:cs typeface="Calibri" charset="0"/>
+              </a:defRPr>
+            </a:pPr>
+            <a:r>
+              <a:rPr lang="pt-BR" dirty="0"/>
               <a:t>Trabalhando com </a:t>
             </a:r>
             <a:r>
-              <a:rPr lang="pt-BR" dirty="0" err="1" smtClean="0"/>
+              <a:rPr lang="pt-BR" dirty="0" err="1"/>
               <a:t>Strings</a:t>
             </a:r>
             <a:r>
-              <a:rPr lang="pt-BR" dirty="0" smtClean="0"/>
+              <a:rPr lang="pt-BR" dirty="0"/>
               <a:t>, </a:t>
             </a:r>
             <a:r>
-              <a:rPr lang="pt-BR" dirty="0" err="1" smtClean="0"/>
+              <a:rPr lang="pt-BR" dirty="0" err="1"/>
               <a:t>Arrays</a:t>
             </a:r>
             <a:r>
-              <a:rPr lang="pt-BR" dirty="0" smtClean="0"/>
+              <a:rPr lang="pt-BR" dirty="0"/>
               <a:t> e </a:t>
             </a:r>
             <a:r>
-              <a:rPr lang="pt-BR" dirty="0" err="1" smtClean="0"/>
+              <a:rPr lang="pt-BR" dirty="0" err="1"/>
               <a:t>ArrayLists</a:t>
             </a:r>
             <a:endParaRPr lang="pt-BR" dirty="0"/>
+          </a:p>
+          <a:p>
+            <a:pPr algn="ctr">
+              <a:defRPr sz="1200">
+                <a:solidFill>
+                  <a:srgbClr val="8C8C8C"/>
+                </a:solidFill>
+                <a:latin typeface="Tw Cen MT" charset="0"/>
+                <a:ea typeface="Calibri" charset="0"/>
+                <a:cs typeface="Calibri" charset="0"/>
+              </a:defRPr>
+            </a:pPr>
+            <a:endParaRPr lang="pt-BR" sz="1200" dirty="0" smtClean="0">
+              <a:solidFill>
+                <a:srgbClr val="8C8C8C"/>
+              </a:solidFill>
+              <a:latin typeface="Tw Cen MT" charset="0"/>
+              <a:ea typeface="Calibri" charset="0"/>
+              <a:cs typeface="Calibri" charset="0"/>
+            </a:endParaRPr>
+          </a:p>
+          <a:p>
+            <a:pPr algn="ctr">
+              <a:defRPr sz="1200">
+                <a:solidFill>
+                  <a:srgbClr val="8C8C8C"/>
+                </a:solidFill>
+                <a:latin typeface="Tw Cen MT" charset="0"/>
+                <a:ea typeface="Calibri" charset="0"/>
+                <a:cs typeface="Calibri" charset="0"/>
+              </a:defRPr>
+            </a:pPr>
+            <a:endParaRPr lang="pt-BR" sz="1200" dirty="0">
+              <a:solidFill>
+                <a:srgbClr val="8C8C8C"/>
+              </a:solidFill>
+              <a:latin typeface="Tw Cen MT" charset="0"/>
+              <a:ea typeface="Calibri" charset="0"/>
+              <a:cs typeface="Calibri" charset="0"/>
+            </a:endParaRPr>
           </a:p>
         </p:txBody>
       </p:sp>
@@ -12745,12 +12896,12 @@
       </p:grpSpPr>
       <p:sp>
         <p:nvSpPr>
-          <p:cNvPr id="2" name="Título 1"/>
-          <p:cNvSpPr>
-            <a:spLocks noGrp="1"/>
-          </p:cNvSpPr>
-          <p:nvPr>
-            <p:ph type="ctrTitle"/>
+          <p:cNvPr id="5" name="Título 4"/>
+          <p:cNvSpPr>
+            <a:spLocks noGrp="1"/>
+          </p:cNvSpPr>
+          <p:nvPr>
+            <p:ph type="title"/>
           </p:nvPr>
         </p:nvSpPr>
         <p:spPr/>
@@ -12759,12 +12910,150 @@
           <a:lstStyle/>
           <a:p>
             <a:r>
-              <a:rPr lang="pt-BR" dirty="0" smtClean="0"/>
+              <a:rPr lang="pt-BR" dirty="0"/>
               <a:t>Usando </a:t>
             </a:r>
             <a:r>
+              <a:rPr lang="pt-BR" dirty="0" err="1"/>
+              <a:t>Strings</a:t>
+            </a:r>
+            <a:r>
+              <a:rPr lang="pt-BR" dirty="0"/>
+              <a:t> e </a:t>
+            </a:r>
+            <a:r>
+              <a:rPr lang="pt-BR" dirty="0" err="1"/>
+              <a:t>StringBuilder</a:t>
+            </a:r>
+            <a:endParaRPr lang="pt-BR" dirty="0"/>
+          </a:p>
+        </p:txBody>
+      </p:sp>
+      <p:sp>
+        <p:nvSpPr>
+          <p:cNvPr id="6" name="Espaço Reservado para Conteúdo 5"/>
+          <p:cNvSpPr>
+            <a:spLocks noGrp="1"/>
+          </p:cNvSpPr>
+          <p:nvPr>
+            <p:ph idx="1"/>
+          </p:nvPr>
+        </p:nvSpPr>
+        <p:spPr/>
+        <p:txBody>
+          <a:bodyPr/>
+          <a:lstStyle/>
+          <a:p>
+            <a:r>
+              <a:rPr lang="pt-BR" dirty="0" smtClean="0"/>
+              <a:t>A classe </a:t>
+            </a:r>
+            <a:r>
               <a:rPr lang="pt-BR" dirty="0" err="1" smtClean="0"/>
-              <a:t>Arrays</a:t>
+              <a:t>String</a:t>
+            </a:r>
+            <a:endParaRPr lang="pt-BR" dirty="0" smtClean="0"/>
+          </a:p>
+          <a:p>
+            <a:pPr lvl="1"/>
+            <a:r>
+              <a:rPr lang="pt-BR" dirty="0" smtClean="0"/>
+              <a:t>Imutabilidade de </a:t>
+            </a:r>
+            <a:r>
+              <a:rPr lang="pt-BR" dirty="0" err="1" smtClean="0"/>
+              <a:t>Strings</a:t>
+            </a:r>
+            <a:endParaRPr lang="pt-BR" dirty="0" smtClean="0"/>
+          </a:p>
+          <a:p>
+            <a:r>
+              <a:rPr lang="pt-BR" dirty="0" smtClean="0"/>
+              <a:t>Fatos importantes sobre </a:t>
+            </a:r>
+            <a:r>
+              <a:rPr lang="pt-BR" dirty="0" err="1" smtClean="0"/>
+              <a:t>String</a:t>
+            </a:r>
+            <a:r>
+              <a:rPr lang="pt-BR" dirty="0" smtClean="0"/>
+              <a:t> e memória</a:t>
+            </a:r>
+          </a:p>
+          <a:p>
+            <a:pPr lvl="1"/>
+            <a:r>
+              <a:rPr lang="pt-BR" dirty="0" smtClean="0"/>
+              <a:t>Criando novas </a:t>
+            </a:r>
+            <a:r>
+              <a:rPr lang="pt-BR" dirty="0" err="1" smtClean="0"/>
+              <a:t>Strings</a:t>
+            </a:r>
+            <a:endParaRPr lang="pt-BR" dirty="0" smtClean="0"/>
+          </a:p>
+          <a:p>
+            <a:r>
+              <a:rPr lang="pt-BR" dirty="0" smtClean="0"/>
+              <a:t>Métodos importantes na classe </a:t>
+            </a:r>
+            <a:r>
+              <a:rPr lang="pt-BR" dirty="0" err="1" smtClean="0"/>
+              <a:t>String</a:t>
+            </a:r>
+            <a:endParaRPr lang="pt-BR" dirty="0" smtClean="0"/>
+          </a:p>
+          <a:p>
+            <a:r>
+              <a:rPr lang="pt-BR" dirty="0" smtClean="0"/>
+              <a:t>A classe </a:t>
+            </a:r>
+            <a:r>
+              <a:rPr lang="pt-BR" dirty="0" err="1" smtClean="0"/>
+              <a:t>StringBuilder</a:t>
+            </a:r>
+            <a:endParaRPr lang="pt-BR" dirty="0" smtClean="0"/>
+          </a:p>
+          <a:p>
+            <a:pPr lvl="1"/>
+            <a:r>
+              <a:rPr lang="pt-BR" dirty="0" smtClean="0"/>
+              <a:t>Preferência de </a:t>
+            </a:r>
+            <a:r>
+              <a:rPr lang="pt-BR" dirty="0" err="1" smtClean="0"/>
+              <a:t>StringBuilder</a:t>
+            </a:r>
+            <a:r>
+              <a:rPr lang="pt-BR" dirty="0" smtClean="0"/>
+              <a:t> sobre </a:t>
+            </a:r>
+            <a:r>
+              <a:rPr lang="pt-BR" dirty="0" err="1" smtClean="0"/>
+              <a:t>StringBuffer</a:t>
+            </a:r>
+            <a:endParaRPr lang="pt-BR" dirty="0" smtClean="0"/>
+          </a:p>
+          <a:p>
+            <a:pPr lvl="1"/>
+            <a:r>
+              <a:rPr lang="pt-BR" dirty="0" smtClean="0"/>
+              <a:t>Usando </a:t>
+            </a:r>
+            <a:r>
+              <a:rPr lang="pt-BR" dirty="0" err="1" smtClean="0"/>
+              <a:t>StringBuilder</a:t>
+            </a:r>
+            <a:endParaRPr lang="pt-BR" dirty="0" smtClean="0"/>
+          </a:p>
+          <a:p>
+            <a:r>
+              <a:rPr lang="pt-BR" dirty="0" smtClean="0"/>
+              <a:t>Métodos importantes na classe </a:t>
+            </a:r>
+            <a:r>
+              <a:rPr lang="pt-BR" dirty="0" err="1" smtClean="0"/>
+              <a:t>StringBuilder</a:t>
             </a:r>
             <a:endParaRPr lang="pt-BR" dirty="0"/>
           </a:p>
@@ -12772,58 +13061,131 @@
       </p:sp>
       <p:sp>
         <p:nvSpPr>
-          <p:cNvPr id="3" name="Subtítulo 2"/>
-          <p:cNvSpPr>
-            <a:spLocks noGrp="1"/>
-          </p:cNvSpPr>
-          <p:nvPr>
-            <p:ph type="subTitle" idx="1"/>
-          </p:nvPr>
-        </p:nvSpPr>
-        <p:spPr/>
-        <p:txBody>
-          <a:bodyPr/>
-          <a:lstStyle/>
-          <a:p>
-            <a:r>
-              <a:rPr lang="pt-BR" dirty="0" smtClean="0"/>
-              <a:t>OCA </a:t>
-            </a:r>
-            <a:r>
-              <a:rPr lang="pt-BR" dirty="0" err="1" smtClean="0"/>
-              <a:t>Objectives</a:t>
-            </a:r>
-            <a:r>
-              <a:rPr lang="pt-BR" dirty="0" smtClean="0"/>
-              <a:t> 4.1 </a:t>
-            </a:r>
-            <a:r>
-              <a:rPr lang="pt-BR" dirty="0" err="1" smtClean="0"/>
-              <a:t>and</a:t>
-            </a:r>
-            <a:r>
-              <a:rPr lang="pt-BR" dirty="0" smtClean="0"/>
-              <a:t> 4.2</a:t>
-            </a:r>
-            <a:endParaRPr lang="pt-BR" dirty="0"/>
-          </a:p>
-        </p:txBody>
-      </p:sp>
-      <p:sp>
-        <p:nvSpPr>
-          <p:cNvPr id="4" name="Espaço Reservado para Rodapé 3"/>
-          <p:cNvSpPr>
-            <a:spLocks noGrp="1"/>
-          </p:cNvSpPr>
-          <p:nvPr>
-            <p:ph type="ftr" sz="quarter" idx="11"/>
-          </p:nvPr>
-        </p:nvSpPr>
-        <p:spPr/>
-        <p:txBody>
-          <a:bodyPr/>
-          <a:lstStyle/>
-          <a:p>
+          <p:cNvPr id="8" name="Espaço Reservado para Rodapé 3"/>
+          <p:cNvSpPr txBox="1">
+            <a:spLocks noGrp="1"/>
+          </p:cNvSpPr>
+          <p:nvPr>
+            <p:ph type="ftr" sz="quarter" idx="4294967295"/>
+          </p:nvPr>
+        </p:nvSpPr>
+        <p:spPr>
+          <a:xfrm>
+            <a:off x="3028950" y="6356351"/>
+            <a:ext cx="3086100" cy="365125"/>
+          </a:xfrm>
+          <a:prstGeom prst="rect">
+            <a:avLst/>
+          </a:prstGeom>
+        </p:spPr>
+        <p:txBody>
+          <a:bodyPr/>
+          <a:lstStyle>
+            <a:defPPr>
+              <a:defRPr lang="pt-BR"/>
+            </a:defPPr>
+            <a:lvl1pPr marL="0" algn="l" defTabSz="914400" rtl="0" eaLnBrk="1" latinLnBrk="0" hangingPunct="1">
+              <a:defRPr sz="1800" kern="1200">
+                <a:solidFill>
+                  <a:schemeClr val="tx1"/>
+                </a:solidFill>
+                <a:latin typeface="+mn-lt"/>
+                <a:ea typeface="+mn-ea"/>
+                <a:cs typeface="+mn-cs"/>
+              </a:defRPr>
+            </a:lvl1pPr>
+            <a:lvl2pPr marL="457200" algn="l" defTabSz="914400" rtl="0" eaLnBrk="1" latinLnBrk="0" hangingPunct="1">
+              <a:defRPr sz="1800" kern="1200">
+                <a:solidFill>
+                  <a:schemeClr val="tx1"/>
+                </a:solidFill>
+                <a:latin typeface="+mn-lt"/>
+                <a:ea typeface="+mn-ea"/>
+                <a:cs typeface="+mn-cs"/>
+              </a:defRPr>
+            </a:lvl2pPr>
+            <a:lvl3pPr marL="914400" algn="l" defTabSz="914400" rtl="0" eaLnBrk="1" latinLnBrk="0" hangingPunct="1">
+              <a:defRPr sz="1800" kern="1200">
+                <a:solidFill>
+                  <a:schemeClr val="tx1"/>
+                </a:solidFill>
+                <a:latin typeface="+mn-lt"/>
+                <a:ea typeface="+mn-ea"/>
+                <a:cs typeface="+mn-cs"/>
+              </a:defRPr>
+            </a:lvl3pPr>
+            <a:lvl4pPr marL="1371600" algn="l" defTabSz="914400" rtl="0" eaLnBrk="1" latinLnBrk="0" hangingPunct="1">
+              <a:defRPr sz="1800" kern="1200">
+                <a:solidFill>
+                  <a:schemeClr val="tx1"/>
+                </a:solidFill>
+                <a:latin typeface="+mn-lt"/>
+                <a:ea typeface="+mn-ea"/>
+                <a:cs typeface="+mn-cs"/>
+              </a:defRPr>
+            </a:lvl4pPr>
+            <a:lvl5pPr marL="1828800" algn="l" defTabSz="914400" rtl="0" eaLnBrk="1" latinLnBrk="0" hangingPunct="1">
+              <a:defRPr sz="1800" kern="1200">
+                <a:solidFill>
+                  <a:schemeClr val="tx1"/>
+                </a:solidFill>
+                <a:latin typeface="+mn-lt"/>
+                <a:ea typeface="+mn-ea"/>
+                <a:cs typeface="+mn-cs"/>
+              </a:defRPr>
+            </a:lvl5pPr>
+            <a:lvl6pPr marL="2286000" algn="l" defTabSz="914400" rtl="0" eaLnBrk="1" latinLnBrk="0" hangingPunct="1">
+              <a:defRPr sz="1800" kern="1200">
+                <a:solidFill>
+                  <a:schemeClr val="tx1"/>
+                </a:solidFill>
+                <a:latin typeface="+mn-lt"/>
+                <a:ea typeface="+mn-ea"/>
+                <a:cs typeface="+mn-cs"/>
+              </a:defRPr>
+            </a:lvl6pPr>
+            <a:lvl7pPr marL="2743200" algn="l" defTabSz="914400" rtl="0" eaLnBrk="1" latinLnBrk="0" hangingPunct="1">
+              <a:defRPr sz="1800" kern="1200">
+                <a:solidFill>
+                  <a:schemeClr val="tx1"/>
+                </a:solidFill>
+                <a:latin typeface="+mn-lt"/>
+                <a:ea typeface="+mn-ea"/>
+                <a:cs typeface="+mn-cs"/>
+              </a:defRPr>
+            </a:lvl7pPr>
+            <a:lvl8pPr marL="3200400" algn="l" defTabSz="914400" rtl="0" eaLnBrk="1" latinLnBrk="0" hangingPunct="1">
+              <a:defRPr sz="1800" kern="1200">
+                <a:solidFill>
+                  <a:schemeClr val="tx1"/>
+                </a:solidFill>
+                <a:latin typeface="+mn-lt"/>
+                <a:ea typeface="+mn-ea"/>
+                <a:cs typeface="+mn-cs"/>
+              </a:defRPr>
+            </a:lvl8pPr>
+            <a:lvl9pPr marL="3657600" algn="l" defTabSz="914400" rtl="0" eaLnBrk="1" latinLnBrk="0" hangingPunct="1">
+              <a:defRPr sz="1800" kern="1200">
+                <a:solidFill>
+                  <a:schemeClr val="tx1"/>
+                </a:solidFill>
+                <a:latin typeface="+mn-lt"/>
+                <a:ea typeface="+mn-ea"/>
+                <a:cs typeface="+mn-cs"/>
+              </a:defRPr>
+            </a:lvl9pPr>
+          </a:lstStyle>
+          <a:p>
+            <a:pPr algn="ctr">
+              <a:defRPr sz="1200">
+                <a:solidFill>
+                  <a:srgbClr val="8C8C8C"/>
+                </a:solidFill>
+                <a:latin typeface="Tw Cen MT" charset="0"/>
+                <a:ea typeface="Calibri" charset="0"/>
+                <a:cs typeface="Calibri" charset="0"/>
+              </a:defRPr>
+            </a:pPr>
             <a:r>
               <a:rPr lang="pt-BR" dirty="0"/>
               <a:t>Trabalhando com </a:t>
@@ -12851,27 +13213,57 @@
             <a:endParaRPr lang="pt-BR" dirty="0"/>
           </a:p>
           <a:p>
-            <a:endParaRPr lang="pt-BR" dirty="0"/>
+            <a:pPr algn="ctr">
+              <a:defRPr sz="1200">
+                <a:solidFill>
+                  <a:srgbClr val="8C8C8C"/>
+                </a:solidFill>
+                <a:latin typeface="Tw Cen MT" charset="0"/>
+                <a:ea typeface="Calibri" charset="0"/>
+                <a:cs typeface="Calibri" charset="0"/>
+              </a:defRPr>
+            </a:pPr>
+            <a:endParaRPr lang="pt-BR" sz="1200" dirty="0" smtClean="0">
+              <a:solidFill>
+                <a:srgbClr val="8C8C8C"/>
+              </a:solidFill>
+              <a:latin typeface="Tw Cen MT" charset="0"/>
+              <a:ea typeface="Calibri" charset="0"/>
+              <a:cs typeface="Calibri" charset="0"/>
+            </a:endParaRPr>
+          </a:p>
+          <a:p>
+            <a:pPr algn="ctr">
+              <a:defRPr sz="1200">
+                <a:solidFill>
+                  <a:srgbClr val="8C8C8C"/>
+                </a:solidFill>
+                <a:latin typeface="Tw Cen MT" charset="0"/>
+                <a:ea typeface="Calibri" charset="0"/>
+                <a:cs typeface="Calibri" charset="0"/>
+              </a:defRPr>
+            </a:pPr>
+            <a:endParaRPr lang="pt-BR" sz="1200" dirty="0">
+              <a:solidFill>
+                <a:srgbClr val="8C8C8C"/>
+              </a:solidFill>
+              <a:latin typeface="Tw Cen MT" charset="0"/>
+              <a:ea typeface="Calibri" charset="0"/>
+              <a:cs typeface="Calibri" charset="0"/>
+            </a:endParaRPr>
           </a:p>
         </p:txBody>
       </p:sp>
     </p:spTree>
     <p:extLst>
       <p:ext uri="{BB962C8B-B14F-4D97-AF65-F5344CB8AC3E}">
-        <p14:creationId xmlns:p14="http://schemas.microsoft.com/office/powerpoint/2010/main" val="1389997935"/>
+        <p14:creationId xmlns:p14="http://schemas.microsoft.com/office/powerpoint/2010/main" val="1541038056"/>
       </p:ext>
     </p:extLst>
   </p:cSld>
   <p:clrMapOvr>
     <a:masterClrMapping/>
   </p:clrMapOvr>
-  <p:timing>
-    <p:tnLst>
-      <p:par>
-        <p:cTn id="1" dur="indefinite" restart="never" nodeType="tmRoot"/>
-      </p:par>
-    </p:tnLst>
-  </p:timing>
 </p:sld>
 </file>
 
@@ -12913,7 +13305,7 @@
             </a:r>
             <a:r>
               <a:rPr lang="pt-BR" dirty="0" err="1" smtClean="0"/>
-              <a:t>ArrayList</a:t>
+              <a:t>Arrays</a:t>
             </a:r>
             <a:endParaRPr lang="pt-BR" dirty="0"/>
           </a:p>
@@ -12940,11 +13332,19 @@
             </a:r>
             <a:r>
               <a:rPr lang="pt-BR" dirty="0" err="1" smtClean="0"/>
-              <a:t>Objective</a:t>
-            </a:r>
-            <a:r>
-              <a:rPr lang="pt-BR" dirty="0" smtClean="0"/>
-              <a:t> 4.3</a:t>
+              <a:t>Objectives</a:t>
+            </a:r>
+            <a:r>
+              <a:rPr lang="pt-BR" dirty="0" smtClean="0"/>
+              <a:t> 4.1 </a:t>
+            </a:r>
+            <a:r>
+              <a:rPr lang="pt-BR" dirty="0" err="1" smtClean="0"/>
+              <a:t>and</a:t>
+            </a:r>
+            <a:r>
+              <a:rPr lang="pt-BR" dirty="0" smtClean="0"/>
+              <a:t> 4.2</a:t>
             </a:r>
             <a:endParaRPr lang="pt-BR" dirty="0"/>
           </a:p>
@@ -12952,19 +13352,131 @@
       </p:sp>
       <p:sp>
         <p:nvSpPr>
-          <p:cNvPr id="4" name="Espaço Reservado para Rodapé 3"/>
-          <p:cNvSpPr>
-            <a:spLocks noGrp="1"/>
-          </p:cNvSpPr>
-          <p:nvPr>
-            <p:ph type="ftr" sz="quarter" idx="11"/>
-          </p:nvPr>
-        </p:nvSpPr>
-        <p:spPr/>
-        <p:txBody>
-          <a:bodyPr/>
-          <a:lstStyle/>
-          <a:p>
+          <p:cNvPr id="5" name="Espaço Reservado para Rodapé 3"/>
+          <p:cNvSpPr txBox="1">
+            <a:spLocks noGrp="1"/>
+          </p:cNvSpPr>
+          <p:nvPr>
+            <p:ph type="ftr" sz="quarter" idx="4294967295"/>
+          </p:nvPr>
+        </p:nvSpPr>
+        <p:spPr>
+          <a:xfrm>
+            <a:off x="3028950" y="6356351"/>
+            <a:ext cx="3086100" cy="365125"/>
+          </a:xfrm>
+          <a:prstGeom prst="rect">
+            <a:avLst/>
+          </a:prstGeom>
+        </p:spPr>
+        <p:txBody>
+          <a:bodyPr/>
+          <a:lstStyle>
+            <a:defPPr>
+              <a:defRPr lang="pt-BR"/>
+            </a:defPPr>
+            <a:lvl1pPr marL="0" algn="l" defTabSz="914400" rtl="0" eaLnBrk="1" latinLnBrk="0" hangingPunct="1">
+              <a:defRPr sz="1800" kern="1200">
+                <a:solidFill>
+                  <a:schemeClr val="tx1"/>
+                </a:solidFill>
+                <a:latin typeface="+mn-lt"/>
+                <a:ea typeface="+mn-ea"/>
+                <a:cs typeface="+mn-cs"/>
+              </a:defRPr>
+            </a:lvl1pPr>
+            <a:lvl2pPr marL="457200" algn="l" defTabSz="914400" rtl="0" eaLnBrk="1" latinLnBrk="0" hangingPunct="1">
+              <a:defRPr sz="1800" kern="1200">
+                <a:solidFill>
+                  <a:schemeClr val="tx1"/>
+                </a:solidFill>
+                <a:latin typeface="+mn-lt"/>
+                <a:ea typeface="+mn-ea"/>
+                <a:cs typeface="+mn-cs"/>
+              </a:defRPr>
+            </a:lvl2pPr>
+            <a:lvl3pPr marL="914400" algn="l" defTabSz="914400" rtl="0" eaLnBrk="1" latinLnBrk="0" hangingPunct="1">
+              <a:defRPr sz="1800" kern="1200">
+                <a:solidFill>
+                  <a:schemeClr val="tx1"/>
+                </a:solidFill>
+                <a:latin typeface="+mn-lt"/>
+                <a:ea typeface="+mn-ea"/>
+                <a:cs typeface="+mn-cs"/>
+              </a:defRPr>
+            </a:lvl3pPr>
+            <a:lvl4pPr marL="1371600" algn="l" defTabSz="914400" rtl="0" eaLnBrk="1" latinLnBrk="0" hangingPunct="1">
+              <a:defRPr sz="1800" kern="1200">
+                <a:solidFill>
+                  <a:schemeClr val="tx1"/>
+                </a:solidFill>
+                <a:latin typeface="+mn-lt"/>
+                <a:ea typeface="+mn-ea"/>
+                <a:cs typeface="+mn-cs"/>
+              </a:defRPr>
+            </a:lvl4pPr>
+            <a:lvl5pPr marL="1828800" algn="l" defTabSz="914400" rtl="0" eaLnBrk="1" latinLnBrk="0" hangingPunct="1">
+              <a:defRPr sz="1800" kern="1200">
+                <a:solidFill>
+                  <a:schemeClr val="tx1"/>
+                </a:solidFill>
+                <a:latin typeface="+mn-lt"/>
+                <a:ea typeface="+mn-ea"/>
+                <a:cs typeface="+mn-cs"/>
+              </a:defRPr>
+            </a:lvl5pPr>
+            <a:lvl6pPr marL="2286000" algn="l" defTabSz="914400" rtl="0" eaLnBrk="1" latinLnBrk="0" hangingPunct="1">
+              <a:defRPr sz="1800" kern="1200">
+                <a:solidFill>
+                  <a:schemeClr val="tx1"/>
+                </a:solidFill>
+                <a:latin typeface="+mn-lt"/>
+                <a:ea typeface="+mn-ea"/>
+                <a:cs typeface="+mn-cs"/>
+              </a:defRPr>
+            </a:lvl6pPr>
+            <a:lvl7pPr marL="2743200" algn="l" defTabSz="914400" rtl="0" eaLnBrk="1" latinLnBrk="0" hangingPunct="1">
+              <a:defRPr sz="1800" kern="1200">
+                <a:solidFill>
+                  <a:schemeClr val="tx1"/>
+                </a:solidFill>
+                <a:latin typeface="+mn-lt"/>
+                <a:ea typeface="+mn-ea"/>
+                <a:cs typeface="+mn-cs"/>
+              </a:defRPr>
+            </a:lvl7pPr>
+            <a:lvl8pPr marL="3200400" algn="l" defTabSz="914400" rtl="0" eaLnBrk="1" latinLnBrk="0" hangingPunct="1">
+              <a:defRPr sz="1800" kern="1200">
+                <a:solidFill>
+                  <a:schemeClr val="tx1"/>
+                </a:solidFill>
+                <a:latin typeface="+mn-lt"/>
+                <a:ea typeface="+mn-ea"/>
+                <a:cs typeface="+mn-cs"/>
+              </a:defRPr>
+            </a:lvl8pPr>
+            <a:lvl9pPr marL="3657600" algn="l" defTabSz="914400" rtl="0" eaLnBrk="1" latinLnBrk="0" hangingPunct="1">
+              <a:defRPr sz="1800" kern="1200">
+                <a:solidFill>
+                  <a:schemeClr val="tx1"/>
+                </a:solidFill>
+                <a:latin typeface="+mn-lt"/>
+                <a:ea typeface="+mn-ea"/>
+                <a:cs typeface="+mn-cs"/>
+              </a:defRPr>
+            </a:lvl9pPr>
+          </a:lstStyle>
+          <a:p>
+            <a:pPr algn="ctr">
+              <a:defRPr sz="1200">
+                <a:solidFill>
+                  <a:srgbClr val="8C8C8C"/>
+                </a:solidFill>
+                <a:latin typeface="Tw Cen MT" charset="0"/>
+                <a:ea typeface="Calibri" charset="0"/>
+                <a:cs typeface="Calibri" charset="0"/>
+              </a:defRPr>
+            </a:pPr>
             <a:r>
               <a:rPr lang="pt-BR" dirty="0"/>
               <a:t>Trabalhando com </a:t>
@@ -12992,14 +13504,51 @@
             <a:endParaRPr lang="pt-BR" dirty="0"/>
           </a:p>
           <a:p>
-            <a:endParaRPr lang="pt-BR" dirty="0"/>
+            <a:pPr algn="ctr">
+              <a:defRPr sz="1200">
+                <a:solidFill>
+                  <a:srgbClr val="8C8C8C"/>
+                </a:solidFill>
+                <a:latin typeface="Tw Cen MT" charset="0"/>
+                <a:ea typeface="Calibri" charset="0"/>
+                <a:cs typeface="Calibri" charset="0"/>
+              </a:defRPr>
+            </a:pPr>
+            <a:endParaRPr lang="pt-BR" sz="1200" dirty="0" smtClean="0">
+              <a:solidFill>
+                <a:srgbClr val="8C8C8C"/>
+              </a:solidFill>
+              <a:latin typeface="Tw Cen MT" charset="0"/>
+              <a:ea typeface="Calibri" charset="0"/>
+              <a:cs typeface="Calibri" charset="0"/>
+            </a:endParaRPr>
+          </a:p>
+          <a:p>
+            <a:pPr algn="ctr">
+              <a:defRPr sz="1200">
+                <a:solidFill>
+                  <a:srgbClr val="8C8C8C"/>
+                </a:solidFill>
+                <a:latin typeface="Tw Cen MT" charset="0"/>
+                <a:ea typeface="Calibri" charset="0"/>
+                <a:cs typeface="Calibri" charset="0"/>
+              </a:defRPr>
+            </a:pPr>
+            <a:endParaRPr lang="pt-BR" sz="1200" dirty="0">
+              <a:solidFill>
+                <a:srgbClr val="8C8C8C"/>
+              </a:solidFill>
+              <a:latin typeface="Tw Cen MT" charset="0"/>
+              <a:ea typeface="Calibri" charset="0"/>
+              <a:cs typeface="Calibri" charset="0"/>
+            </a:endParaRPr>
           </a:p>
         </p:txBody>
       </p:sp>
     </p:spTree>
     <p:extLst>
       <p:ext uri="{BB962C8B-B14F-4D97-AF65-F5344CB8AC3E}">
-        <p14:creationId xmlns:p14="http://schemas.microsoft.com/office/powerpoint/2010/main" val="2158061903"/>
+        <p14:creationId xmlns:p14="http://schemas.microsoft.com/office/powerpoint/2010/main" val="1389997935"/>
       </p:ext>
     </p:extLst>
   </p:cSld>
@@ -13035,12 +13584,12 @@
       </p:grpSpPr>
       <p:sp>
         <p:nvSpPr>
-          <p:cNvPr id="2" name="Título 1"/>
-          <p:cNvSpPr>
-            <a:spLocks noGrp="1"/>
-          </p:cNvSpPr>
-          <p:nvPr>
-            <p:ph type="ctrTitle"/>
+          <p:cNvPr id="5" name="Título 4"/>
+          <p:cNvSpPr>
+            <a:spLocks noGrp="1"/>
+          </p:cNvSpPr>
+          <p:nvPr>
+            <p:ph type="title"/>
           </p:nvPr>
         </p:nvSpPr>
         <p:spPr/>
@@ -13049,16 +13598,12 @@
           <a:lstStyle/>
           <a:p>
             <a:r>
-              <a:rPr lang="pt-BR" dirty="0" smtClean="0"/>
+              <a:rPr lang="pt-BR" dirty="0"/>
               <a:t>Usando </a:t>
             </a:r>
             <a:r>
-              <a:rPr lang="pt-BR" dirty="0" err="1" smtClean="0"/>
-              <a:t>if</a:t>
-            </a:r>
-            <a:r>
-              <a:rPr lang="pt-BR" dirty="0" smtClean="0"/>
-              <a:t> e switch</a:t>
+              <a:rPr lang="pt-BR" dirty="0" err="1"/>
+              <a:t>Arrays</a:t>
             </a:r>
             <a:endParaRPr lang="pt-BR" dirty="0"/>
           </a:p>
@@ -13066,75 +13611,429 @@
       </p:sp>
       <p:sp>
         <p:nvSpPr>
-          <p:cNvPr id="3" name="Subtítulo 2"/>
-          <p:cNvSpPr>
-            <a:spLocks noGrp="1"/>
-          </p:cNvSpPr>
-          <p:nvPr>
-            <p:ph type="subTitle" idx="1"/>
-          </p:nvPr>
-        </p:nvSpPr>
-        <p:spPr/>
-        <p:txBody>
-          <a:bodyPr/>
-          <a:lstStyle/>
-          <a:p>
-            <a:r>
-              <a:rPr lang="pt-BR" dirty="0" smtClean="0"/>
-              <a:t>OCA </a:t>
-            </a:r>
-            <a:r>
-              <a:rPr lang="pt-BR" dirty="0" err="1" smtClean="0"/>
-              <a:t>Objectives</a:t>
-            </a:r>
-            <a:r>
-              <a:rPr lang="pt-BR" dirty="0" smtClean="0"/>
-              <a:t> 3.4, 3.5 e 1.1 upgrade</a:t>
+          <p:cNvPr id="6" name="Espaço Reservado para Conteúdo 5"/>
+          <p:cNvSpPr>
+            <a:spLocks noGrp="1"/>
+          </p:cNvSpPr>
+          <p:nvPr>
+            <p:ph idx="1"/>
+          </p:nvPr>
+        </p:nvSpPr>
+        <p:spPr>
+          <a:xfrm>
+            <a:off x="628650" y="1484784"/>
+            <a:ext cx="7886700" cy="4680520"/>
+          </a:xfrm>
+        </p:spPr>
+        <p:txBody>
+          <a:bodyPr/>
+          <a:lstStyle/>
+          <a:p>
+            <a:r>
+              <a:rPr lang="pt-BR" sz="2000" dirty="0" smtClean="0"/>
+              <a:t>Conceito</a:t>
+            </a:r>
+          </a:p>
+          <a:p>
+            <a:r>
+              <a:rPr lang="pt-BR" sz="2000" dirty="0" smtClean="0"/>
+              <a:t>Declarando um </a:t>
+            </a:r>
+            <a:r>
+              <a:rPr lang="pt-BR" sz="2000" dirty="0" err="1" smtClean="0"/>
+              <a:t>Array</a:t>
+            </a:r>
+            <a:endParaRPr lang="pt-BR" sz="2000" dirty="0" smtClean="0"/>
+          </a:p>
+          <a:p>
+            <a:r>
+              <a:rPr lang="pt-BR" sz="2000" dirty="0" smtClean="0"/>
+              <a:t>Construindo um </a:t>
+            </a:r>
+            <a:r>
+              <a:rPr lang="pt-BR" sz="2000" dirty="0" err="1" smtClean="0"/>
+              <a:t>Array</a:t>
+            </a:r>
+            <a:endParaRPr lang="pt-BR" sz="2000" dirty="0" smtClean="0"/>
+          </a:p>
+          <a:p>
+            <a:pPr lvl="1"/>
+            <a:r>
+              <a:rPr lang="pt-BR" sz="1800" dirty="0" err="1" smtClean="0"/>
+              <a:t>Contruindo</a:t>
+            </a:r>
+            <a:r>
+              <a:rPr lang="pt-BR" sz="1800" dirty="0" smtClean="0"/>
+              <a:t> um </a:t>
+            </a:r>
+            <a:r>
+              <a:rPr lang="pt-BR" sz="1800" dirty="0" err="1" smtClean="0"/>
+              <a:t>Array</a:t>
+            </a:r>
+            <a:r>
+              <a:rPr lang="pt-BR" sz="1800" dirty="0" smtClean="0"/>
+              <a:t> unidimensional</a:t>
+            </a:r>
+          </a:p>
+          <a:p>
+            <a:pPr lvl="1"/>
+            <a:r>
+              <a:rPr lang="pt-BR" sz="1800" dirty="0" smtClean="0"/>
+              <a:t>Construindo um </a:t>
+            </a:r>
+            <a:r>
+              <a:rPr lang="pt-BR" sz="1800" dirty="0" err="1" smtClean="0"/>
+              <a:t>Array</a:t>
+            </a:r>
+            <a:r>
+              <a:rPr lang="pt-BR" sz="1800" dirty="0" smtClean="0"/>
+              <a:t> multidimensional</a:t>
+            </a:r>
+          </a:p>
+          <a:p>
+            <a:r>
+              <a:rPr lang="pt-BR" sz="2000" dirty="0" smtClean="0"/>
+              <a:t>Inicializando um </a:t>
+            </a:r>
+            <a:r>
+              <a:rPr lang="pt-BR" sz="2000" dirty="0" err="1" smtClean="0"/>
+              <a:t>Array</a:t>
+            </a:r>
+            <a:endParaRPr lang="pt-BR" sz="2000" dirty="0" smtClean="0"/>
+          </a:p>
+          <a:p>
+            <a:pPr lvl="1"/>
+            <a:r>
+              <a:rPr lang="pt-BR" sz="1800" dirty="0" smtClean="0"/>
+              <a:t>Inicializando elementos em um loop</a:t>
+            </a:r>
+          </a:p>
+          <a:p>
+            <a:pPr lvl="1"/>
+            <a:r>
+              <a:rPr lang="pt-BR" sz="1800" dirty="0" smtClean="0"/>
+              <a:t>Declarando, construindo e inicializando em uma linha</a:t>
+            </a:r>
+          </a:p>
+          <a:p>
+            <a:pPr lvl="1"/>
+            <a:r>
+              <a:rPr lang="pt-BR" sz="1800" dirty="0" smtClean="0"/>
+              <a:t>Construindo e inicializando um </a:t>
+            </a:r>
+            <a:r>
+              <a:rPr lang="pt-BR" sz="1800" dirty="0" err="1" smtClean="0"/>
+              <a:t>Array</a:t>
+            </a:r>
+            <a:r>
+              <a:rPr lang="pt-BR" sz="1800" dirty="0" smtClean="0"/>
+              <a:t> </a:t>
+            </a:r>
+            <a:r>
+              <a:rPr lang="pt-BR" sz="1800" dirty="0" err="1" smtClean="0"/>
+              <a:t>Anonimo</a:t>
+            </a:r>
+            <a:endParaRPr lang="pt-BR" sz="1800" dirty="0" smtClean="0"/>
+          </a:p>
+          <a:p>
+            <a:pPr lvl="1"/>
+            <a:r>
+              <a:rPr lang="pt-BR" sz="1800" dirty="0" smtClean="0"/>
+              <a:t>Atribuições de elementos de </a:t>
+            </a:r>
+            <a:r>
+              <a:rPr lang="pt-BR" sz="1800" dirty="0" err="1" smtClean="0"/>
+              <a:t>Array</a:t>
+            </a:r>
+            <a:r>
+              <a:rPr lang="pt-BR" sz="1800" dirty="0" smtClean="0"/>
+              <a:t> válidos</a:t>
+            </a:r>
+          </a:p>
+          <a:p>
+            <a:pPr lvl="1"/>
+            <a:r>
+              <a:rPr lang="pt-BR" sz="1800" dirty="0" err="1" smtClean="0"/>
+              <a:t>Array</a:t>
+            </a:r>
+            <a:r>
+              <a:rPr lang="pt-BR" sz="1800" dirty="0" smtClean="0"/>
+              <a:t> de primitivos</a:t>
+            </a:r>
+          </a:p>
+          <a:p>
+            <a:pPr lvl="1"/>
+            <a:r>
+              <a:rPr lang="pt-BR" sz="1800" dirty="0" err="1" smtClean="0"/>
+              <a:t>Array</a:t>
+            </a:r>
+            <a:r>
+              <a:rPr lang="pt-BR" sz="1800" dirty="0" smtClean="0"/>
+              <a:t> de referência de Objeto</a:t>
+            </a:r>
+          </a:p>
+          <a:p>
+            <a:pPr lvl="1"/>
+            <a:r>
+              <a:rPr lang="pt-BR" sz="1800" dirty="0" smtClean="0"/>
+              <a:t>Atribuições de </a:t>
+            </a:r>
+            <a:r>
+              <a:rPr lang="pt-BR" sz="1800" dirty="0" err="1" smtClean="0"/>
+              <a:t>Array</a:t>
+            </a:r>
+            <a:r>
+              <a:rPr lang="pt-BR" sz="1800" dirty="0" smtClean="0"/>
+              <a:t> para referência, em </a:t>
+            </a:r>
+            <a:r>
+              <a:rPr lang="pt-BR" sz="1800" dirty="0" err="1" smtClean="0"/>
+              <a:t>Array</a:t>
+            </a:r>
+            <a:r>
+              <a:rPr lang="pt-BR" sz="1800" dirty="0" smtClean="0"/>
+              <a:t> unidimensional</a:t>
+            </a:r>
+          </a:p>
+          <a:p>
+            <a:pPr lvl="1"/>
+            <a:r>
+              <a:rPr lang="pt-BR" sz="1800" dirty="0"/>
+              <a:t>Atribuições de </a:t>
+            </a:r>
+            <a:r>
+              <a:rPr lang="pt-BR" sz="1800" dirty="0" err="1"/>
+              <a:t>Array</a:t>
+            </a:r>
+            <a:r>
+              <a:rPr lang="pt-BR" sz="1800" dirty="0"/>
+              <a:t> para referência, em </a:t>
+            </a:r>
+            <a:r>
+              <a:rPr lang="pt-BR" sz="1800" dirty="0" err="1"/>
+              <a:t>Array</a:t>
+            </a:r>
+            <a:r>
+              <a:rPr lang="pt-BR" sz="1800" dirty="0"/>
+              <a:t> </a:t>
+            </a:r>
+            <a:r>
+              <a:rPr lang="pt-BR" sz="1800" dirty="0" smtClean="0"/>
+              <a:t>multidimensional</a:t>
+            </a:r>
+            <a:endParaRPr lang="pt-BR" sz="1800" dirty="0"/>
+          </a:p>
+          <a:p>
+            <a:pPr lvl="1"/>
+            <a:endParaRPr lang="pt-BR" sz="1800" dirty="0"/>
+          </a:p>
+        </p:txBody>
+      </p:sp>
+      <p:sp>
+        <p:nvSpPr>
+          <p:cNvPr id="7" name="Espaço Reservado para Rodapé 3"/>
+          <p:cNvSpPr txBox="1">
+            <a:spLocks noGrp="1"/>
+          </p:cNvSpPr>
+          <p:nvPr>
+            <p:ph type="ftr" sz="quarter" idx="4294967295"/>
+          </p:nvPr>
+        </p:nvSpPr>
+        <p:spPr>
+          <a:xfrm>
+            <a:off x="3028950" y="6356351"/>
+            <a:ext cx="3086100" cy="365125"/>
+          </a:xfrm>
+          <a:prstGeom prst="rect">
+            <a:avLst/>
+          </a:prstGeom>
+        </p:spPr>
+        <p:txBody>
+          <a:bodyPr/>
+          <a:lstStyle>
+            <a:defPPr>
+              <a:defRPr lang="pt-BR"/>
+            </a:defPPr>
+            <a:lvl1pPr marL="0" algn="l" defTabSz="914400" rtl="0" eaLnBrk="1" latinLnBrk="0" hangingPunct="1">
+              <a:defRPr sz="1800" kern="1200">
+                <a:solidFill>
+                  <a:schemeClr val="tx1"/>
+                </a:solidFill>
+                <a:latin typeface="+mn-lt"/>
+                <a:ea typeface="+mn-ea"/>
+                <a:cs typeface="+mn-cs"/>
+              </a:defRPr>
+            </a:lvl1pPr>
+            <a:lvl2pPr marL="457200" algn="l" defTabSz="914400" rtl="0" eaLnBrk="1" latinLnBrk="0" hangingPunct="1">
+              <a:defRPr sz="1800" kern="1200">
+                <a:solidFill>
+                  <a:schemeClr val="tx1"/>
+                </a:solidFill>
+                <a:latin typeface="+mn-lt"/>
+                <a:ea typeface="+mn-ea"/>
+                <a:cs typeface="+mn-cs"/>
+              </a:defRPr>
+            </a:lvl2pPr>
+            <a:lvl3pPr marL="914400" algn="l" defTabSz="914400" rtl="0" eaLnBrk="1" latinLnBrk="0" hangingPunct="1">
+              <a:defRPr sz="1800" kern="1200">
+                <a:solidFill>
+                  <a:schemeClr val="tx1"/>
+                </a:solidFill>
+                <a:latin typeface="+mn-lt"/>
+                <a:ea typeface="+mn-ea"/>
+                <a:cs typeface="+mn-cs"/>
+              </a:defRPr>
+            </a:lvl3pPr>
+            <a:lvl4pPr marL="1371600" algn="l" defTabSz="914400" rtl="0" eaLnBrk="1" latinLnBrk="0" hangingPunct="1">
+              <a:defRPr sz="1800" kern="1200">
+                <a:solidFill>
+                  <a:schemeClr val="tx1"/>
+                </a:solidFill>
+                <a:latin typeface="+mn-lt"/>
+                <a:ea typeface="+mn-ea"/>
+                <a:cs typeface="+mn-cs"/>
+              </a:defRPr>
+            </a:lvl4pPr>
+            <a:lvl5pPr marL="1828800" algn="l" defTabSz="914400" rtl="0" eaLnBrk="1" latinLnBrk="0" hangingPunct="1">
+              <a:defRPr sz="1800" kern="1200">
+                <a:solidFill>
+                  <a:schemeClr val="tx1"/>
+                </a:solidFill>
+                <a:latin typeface="+mn-lt"/>
+                <a:ea typeface="+mn-ea"/>
+                <a:cs typeface="+mn-cs"/>
+              </a:defRPr>
+            </a:lvl5pPr>
+            <a:lvl6pPr marL="2286000" algn="l" defTabSz="914400" rtl="0" eaLnBrk="1" latinLnBrk="0" hangingPunct="1">
+              <a:defRPr sz="1800" kern="1200">
+                <a:solidFill>
+                  <a:schemeClr val="tx1"/>
+                </a:solidFill>
+                <a:latin typeface="+mn-lt"/>
+                <a:ea typeface="+mn-ea"/>
+                <a:cs typeface="+mn-cs"/>
+              </a:defRPr>
+            </a:lvl6pPr>
+            <a:lvl7pPr marL="2743200" algn="l" defTabSz="914400" rtl="0" eaLnBrk="1" latinLnBrk="0" hangingPunct="1">
+              <a:defRPr sz="1800" kern="1200">
+                <a:solidFill>
+                  <a:schemeClr val="tx1"/>
+                </a:solidFill>
+                <a:latin typeface="+mn-lt"/>
+                <a:ea typeface="+mn-ea"/>
+                <a:cs typeface="+mn-cs"/>
+              </a:defRPr>
+            </a:lvl7pPr>
+            <a:lvl8pPr marL="3200400" algn="l" defTabSz="914400" rtl="0" eaLnBrk="1" latinLnBrk="0" hangingPunct="1">
+              <a:defRPr sz="1800" kern="1200">
+                <a:solidFill>
+                  <a:schemeClr val="tx1"/>
+                </a:solidFill>
+                <a:latin typeface="+mn-lt"/>
+                <a:ea typeface="+mn-ea"/>
+                <a:cs typeface="+mn-cs"/>
+              </a:defRPr>
+            </a:lvl8pPr>
+            <a:lvl9pPr marL="3657600" algn="l" defTabSz="914400" rtl="0" eaLnBrk="1" latinLnBrk="0" hangingPunct="1">
+              <a:defRPr sz="1800" kern="1200">
+                <a:solidFill>
+                  <a:schemeClr val="tx1"/>
+                </a:solidFill>
+                <a:latin typeface="+mn-lt"/>
+                <a:ea typeface="+mn-ea"/>
+                <a:cs typeface="+mn-cs"/>
+              </a:defRPr>
+            </a:lvl9pPr>
+          </a:lstStyle>
+          <a:p>
+            <a:pPr algn="ctr">
+              <a:defRPr sz="1200">
+                <a:solidFill>
+                  <a:srgbClr val="8C8C8C"/>
+                </a:solidFill>
+                <a:latin typeface="Tw Cen MT" charset="0"/>
+                <a:ea typeface="Calibri" charset="0"/>
+                <a:cs typeface="Calibri" charset="0"/>
+              </a:defRPr>
+            </a:pPr>
+            <a:r>
+              <a:rPr lang="pt-BR" dirty="0"/>
+              <a:t>Trabalhando com </a:t>
+            </a:r>
+            <a:r>
+              <a:rPr lang="pt-BR" dirty="0" err="1"/>
+              <a:t>Strings</a:t>
+            </a:r>
+            <a:r>
+              <a:rPr lang="pt-BR" dirty="0"/>
+              <a:t>, </a:t>
+            </a:r>
+            <a:r>
+              <a:rPr lang="pt-BR" dirty="0" err="1"/>
+              <a:t>Arrays</a:t>
+            </a:r>
+            <a:r>
+              <a:rPr lang="pt-BR" dirty="0"/>
+              <a:t> e </a:t>
+            </a:r>
+            <a:r>
+              <a:rPr lang="pt-BR" dirty="0" err="1"/>
+              <a:t>ArrayLists</a:t>
             </a:r>
             <a:endParaRPr lang="pt-BR" dirty="0"/>
           </a:p>
-        </p:txBody>
-      </p:sp>
-      <p:sp>
-        <p:nvSpPr>
-          <p:cNvPr id="4" name="Espaço Reservado para Rodapé 3"/>
-          <p:cNvSpPr>
-            <a:spLocks noGrp="1"/>
-          </p:cNvSpPr>
-          <p:nvPr>
-            <p:ph type="ftr" sz="quarter" idx="11"/>
-          </p:nvPr>
-        </p:nvSpPr>
-        <p:spPr/>
-        <p:txBody>
-          <a:bodyPr/>
-          <a:lstStyle/>
-          <a:p>
-            <a:r>
-              <a:rPr lang="pt-BR" dirty="0" smtClean="0"/>
-              <a:t>Controle de Fluxo e Exceções</a:t>
-            </a:r>
-            <a:endParaRPr lang="pt-BR" dirty="0"/>
+          <a:p>
+            <a:pPr algn="ctr">
+              <a:defRPr sz="1200">
+                <a:solidFill>
+                  <a:srgbClr val="8C8C8C"/>
+                </a:solidFill>
+                <a:latin typeface="Tw Cen MT" charset="0"/>
+                <a:ea typeface="Calibri" charset="0"/>
+                <a:cs typeface="Calibri" charset="0"/>
+              </a:defRPr>
+            </a:pPr>
+            <a:endParaRPr lang="pt-BR" sz="1200" dirty="0" smtClean="0">
+              <a:solidFill>
+                <a:srgbClr val="8C8C8C"/>
+              </a:solidFill>
+              <a:latin typeface="Tw Cen MT" charset="0"/>
+              <a:ea typeface="Calibri" charset="0"/>
+              <a:cs typeface="Calibri" charset="0"/>
+            </a:endParaRPr>
+          </a:p>
+          <a:p>
+            <a:pPr algn="ctr">
+              <a:defRPr sz="1200">
+                <a:solidFill>
+                  <a:srgbClr val="8C8C8C"/>
+                </a:solidFill>
+                <a:latin typeface="Tw Cen MT" charset="0"/>
+                <a:ea typeface="Calibri" charset="0"/>
+                <a:cs typeface="Calibri" charset="0"/>
+              </a:defRPr>
+            </a:pPr>
+            <a:endParaRPr lang="pt-BR" sz="1200" dirty="0">
+              <a:solidFill>
+                <a:srgbClr val="8C8C8C"/>
+              </a:solidFill>
+              <a:latin typeface="Tw Cen MT" charset="0"/>
+              <a:ea typeface="Calibri" charset="0"/>
+              <a:cs typeface="Calibri" charset="0"/>
+            </a:endParaRPr>
           </a:p>
         </p:txBody>
       </p:sp>
     </p:spTree>
     <p:extLst>
       <p:ext uri="{BB962C8B-B14F-4D97-AF65-F5344CB8AC3E}">
-        <p14:creationId xmlns:p14="http://schemas.microsoft.com/office/powerpoint/2010/main" val="532384450"/>
+        <p14:creationId xmlns:p14="http://schemas.microsoft.com/office/powerpoint/2010/main" val="222251435"/>
       </p:ext>
     </p:extLst>
   </p:cSld>
   <p:clrMapOvr>
     <a:masterClrMapping/>
   </p:clrMapOvr>
-  <p:timing>
-    <p:tnLst>
-      <p:par>
-        <p:cTn id="1" dur="indefinite" restart="never" nodeType="tmRoot"/>
-      </p:par>
-    </p:tnLst>
-  </p:timing>
 </p:sld>
 </file>
 
@@ -13172,7 +14071,11 @@
           <a:p>
             <a:r>
               <a:rPr lang="pt-BR" dirty="0" smtClean="0"/>
-              <a:t>Criando Loops</a:t>
+              <a:t>Usando </a:t>
+            </a:r>
+            <a:r>
+              <a:rPr lang="pt-BR" dirty="0" err="1" smtClean="0"/>
+              <a:t>ArrayList</a:t>
             </a:r>
             <a:endParaRPr lang="pt-BR" dirty="0"/>
           </a:p>
@@ -13199,19 +14102,11 @@
             </a:r>
             <a:r>
               <a:rPr lang="pt-BR" dirty="0" err="1" smtClean="0"/>
-              <a:t>Objectives</a:t>
-            </a:r>
-            <a:r>
-              <a:rPr lang="pt-BR" dirty="0" smtClean="0"/>
-              <a:t> 5.1, 5.2, 5.3, 5.4 </a:t>
-            </a:r>
-            <a:r>
-              <a:rPr lang="pt-BR" dirty="0" err="1" smtClean="0"/>
-              <a:t>and</a:t>
-            </a:r>
-            <a:r>
-              <a:rPr lang="pt-BR" dirty="0" smtClean="0"/>
-              <a:t> 5.5</a:t>
+              <a:t>Objective</a:t>
+            </a:r>
+            <a:r>
+              <a:rPr lang="pt-BR" dirty="0" smtClean="0"/>
+              <a:t> 4.3</a:t>
             </a:r>
             <a:endParaRPr lang="pt-BR" dirty="0"/>
           </a:p>
@@ -13219,33 +14114,203 @@
       </p:sp>
       <p:sp>
         <p:nvSpPr>
-          <p:cNvPr id="4" name="Espaço Reservado para Rodapé 3"/>
-          <p:cNvSpPr>
-            <a:spLocks noGrp="1"/>
-          </p:cNvSpPr>
-          <p:nvPr>
-            <p:ph type="ftr" sz="quarter" idx="11"/>
-          </p:nvPr>
-        </p:nvSpPr>
-        <p:spPr/>
-        <p:txBody>
-          <a:bodyPr/>
-          <a:lstStyle/>
-          <a:p>
+          <p:cNvPr id="5" name="Espaço Reservado para Rodapé 3"/>
+          <p:cNvSpPr txBox="1">
+            <a:spLocks noGrp="1"/>
+          </p:cNvSpPr>
+          <p:nvPr>
+            <p:ph type="ftr" sz="quarter" idx="4294967295"/>
+          </p:nvPr>
+        </p:nvSpPr>
+        <p:spPr>
+          <a:xfrm>
+            <a:off x="3028950" y="6356351"/>
+            <a:ext cx="3086100" cy="365125"/>
+          </a:xfrm>
+          <a:prstGeom prst="rect">
+            <a:avLst/>
+          </a:prstGeom>
+        </p:spPr>
+        <p:txBody>
+          <a:bodyPr/>
+          <a:lstStyle>
+            <a:defPPr>
+              <a:defRPr lang="pt-BR"/>
+            </a:defPPr>
+            <a:lvl1pPr marL="0" algn="l" defTabSz="914400" rtl="0" eaLnBrk="1" latinLnBrk="0" hangingPunct="1">
+              <a:defRPr sz="1800" kern="1200">
+                <a:solidFill>
+                  <a:schemeClr val="tx1"/>
+                </a:solidFill>
+                <a:latin typeface="+mn-lt"/>
+                <a:ea typeface="+mn-ea"/>
+                <a:cs typeface="+mn-cs"/>
+              </a:defRPr>
+            </a:lvl1pPr>
+            <a:lvl2pPr marL="457200" algn="l" defTabSz="914400" rtl="0" eaLnBrk="1" latinLnBrk="0" hangingPunct="1">
+              <a:defRPr sz="1800" kern="1200">
+                <a:solidFill>
+                  <a:schemeClr val="tx1"/>
+                </a:solidFill>
+                <a:latin typeface="+mn-lt"/>
+                <a:ea typeface="+mn-ea"/>
+                <a:cs typeface="+mn-cs"/>
+              </a:defRPr>
+            </a:lvl2pPr>
+            <a:lvl3pPr marL="914400" algn="l" defTabSz="914400" rtl="0" eaLnBrk="1" latinLnBrk="0" hangingPunct="1">
+              <a:defRPr sz="1800" kern="1200">
+                <a:solidFill>
+                  <a:schemeClr val="tx1"/>
+                </a:solidFill>
+                <a:latin typeface="+mn-lt"/>
+                <a:ea typeface="+mn-ea"/>
+                <a:cs typeface="+mn-cs"/>
+              </a:defRPr>
+            </a:lvl3pPr>
+            <a:lvl4pPr marL="1371600" algn="l" defTabSz="914400" rtl="0" eaLnBrk="1" latinLnBrk="0" hangingPunct="1">
+              <a:defRPr sz="1800" kern="1200">
+                <a:solidFill>
+                  <a:schemeClr val="tx1"/>
+                </a:solidFill>
+                <a:latin typeface="+mn-lt"/>
+                <a:ea typeface="+mn-ea"/>
+                <a:cs typeface="+mn-cs"/>
+              </a:defRPr>
+            </a:lvl4pPr>
+            <a:lvl5pPr marL="1828800" algn="l" defTabSz="914400" rtl="0" eaLnBrk="1" latinLnBrk="0" hangingPunct="1">
+              <a:defRPr sz="1800" kern="1200">
+                <a:solidFill>
+                  <a:schemeClr val="tx1"/>
+                </a:solidFill>
+                <a:latin typeface="+mn-lt"/>
+                <a:ea typeface="+mn-ea"/>
+                <a:cs typeface="+mn-cs"/>
+              </a:defRPr>
+            </a:lvl5pPr>
+            <a:lvl6pPr marL="2286000" algn="l" defTabSz="914400" rtl="0" eaLnBrk="1" latinLnBrk="0" hangingPunct="1">
+              <a:defRPr sz="1800" kern="1200">
+                <a:solidFill>
+                  <a:schemeClr val="tx1"/>
+                </a:solidFill>
+                <a:latin typeface="+mn-lt"/>
+                <a:ea typeface="+mn-ea"/>
+                <a:cs typeface="+mn-cs"/>
+              </a:defRPr>
+            </a:lvl6pPr>
+            <a:lvl7pPr marL="2743200" algn="l" defTabSz="914400" rtl="0" eaLnBrk="1" latinLnBrk="0" hangingPunct="1">
+              <a:defRPr sz="1800" kern="1200">
+                <a:solidFill>
+                  <a:schemeClr val="tx1"/>
+                </a:solidFill>
+                <a:latin typeface="+mn-lt"/>
+                <a:ea typeface="+mn-ea"/>
+                <a:cs typeface="+mn-cs"/>
+              </a:defRPr>
+            </a:lvl7pPr>
+            <a:lvl8pPr marL="3200400" algn="l" defTabSz="914400" rtl="0" eaLnBrk="1" latinLnBrk="0" hangingPunct="1">
+              <a:defRPr sz="1800" kern="1200">
+                <a:solidFill>
+                  <a:schemeClr val="tx1"/>
+                </a:solidFill>
+                <a:latin typeface="+mn-lt"/>
+                <a:ea typeface="+mn-ea"/>
+                <a:cs typeface="+mn-cs"/>
+              </a:defRPr>
+            </a:lvl8pPr>
+            <a:lvl9pPr marL="3657600" algn="l" defTabSz="914400" rtl="0" eaLnBrk="1" latinLnBrk="0" hangingPunct="1">
+              <a:defRPr sz="1800" kern="1200">
+                <a:solidFill>
+                  <a:schemeClr val="tx1"/>
+                </a:solidFill>
+                <a:latin typeface="+mn-lt"/>
+                <a:ea typeface="+mn-ea"/>
+                <a:cs typeface="+mn-cs"/>
+              </a:defRPr>
+            </a:lvl9pPr>
+          </a:lstStyle>
+          <a:p>
+            <a:pPr algn="ctr">
+              <a:defRPr sz="1200">
+                <a:solidFill>
+                  <a:srgbClr val="8C8C8C"/>
+                </a:solidFill>
+                <a:latin typeface="Tw Cen MT" charset="0"/>
+                <a:ea typeface="Calibri" charset="0"/>
+                <a:cs typeface="Calibri" charset="0"/>
+              </a:defRPr>
+            </a:pPr>
             <a:r>
               <a:rPr lang="pt-BR" dirty="0"/>
-              <a:t>Controle de Fluxo e Exceções</a:t>
-            </a:r>
-          </a:p>
-          <a:p>
+              <a:t>Trabalhando com </a:t>
+            </a:r>
+            <a:r>
+              <a:rPr lang="pt-BR" dirty="0" err="1"/>
+              <a:t>Strings</a:t>
+            </a:r>
+            <a:r>
+              <a:rPr lang="pt-BR" dirty="0"/>
+              <a:t>, </a:t>
+            </a:r>
+            <a:r>
+              <a:rPr lang="pt-BR" dirty="0" err="1"/>
+              <a:t>Arrays</a:t>
+            </a:r>
+            <a:r>
+              <a:rPr lang="pt-BR" dirty="0"/>
+              <a:t> e </a:t>
+            </a:r>
+            <a:r>
+              <a:rPr lang="pt-BR" dirty="0" err="1"/>
+              <a:t>ArrayLists</a:t>
+            </a:r>
             <a:endParaRPr lang="pt-BR" dirty="0"/>
+          </a:p>
+          <a:p>
+            <a:pPr algn="ctr">
+              <a:defRPr sz="1200">
+                <a:solidFill>
+                  <a:srgbClr val="8C8C8C"/>
+                </a:solidFill>
+                <a:latin typeface="Tw Cen MT" charset="0"/>
+                <a:ea typeface="Calibri" charset="0"/>
+                <a:cs typeface="Calibri" charset="0"/>
+              </a:defRPr>
+            </a:pPr>
+            <a:endParaRPr lang="pt-BR" sz="1200" dirty="0" smtClean="0">
+              <a:solidFill>
+                <a:srgbClr val="8C8C8C"/>
+              </a:solidFill>
+              <a:latin typeface="Tw Cen MT" charset="0"/>
+              <a:ea typeface="Calibri" charset="0"/>
+              <a:cs typeface="Calibri" charset="0"/>
+            </a:endParaRPr>
+          </a:p>
+          <a:p>
+            <a:pPr algn="ctr">
+              <a:defRPr sz="1200">
+                <a:solidFill>
+                  <a:srgbClr val="8C8C8C"/>
+                </a:solidFill>
+                <a:latin typeface="Tw Cen MT" charset="0"/>
+                <a:ea typeface="Calibri" charset="0"/>
+                <a:cs typeface="Calibri" charset="0"/>
+              </a:defRPr>
+            </a:pPr>
+            <a:endParaRPr lang="pt-BR" sz="1200" dirty="0">
+              <a:solidFill>
+                <a:srgbClr val="8C8C8C"/>
+              </a:solidFill>
+              <a:latin typeface="Tw Cen MT" charset="0"/>
+              <a:ea typeface="Calibri" charset="0"/>
+              <a:cs typeface="Calibri" charset="0"/>
+            </a:endParaRPr>
           </a:p>
         </p:txBody>
       </p:sp>
     </p:spTree>
     <p:extLst>
       <p:ext uri="{BB962C8B-B14F-4D97-AF65-F5344CB8AC3E}">
-        <p14:creationId xmlns:p14="http://schemas.microsoft.com/office/powerpoint/2010/main" val="2470865896"/>
+        <p14:creationId xmlns:p14="http://schemas.microsoft.com/office/powerpoint/2010/main" val="2158061903"/>
       </p:ext>
     </p:extLst>
   </p:cSld>
@@ -13281,12 +14346,12 @@
       </p:grpSpPr>
       <p:sp>
         <p:nvSpPr>
-          <p:cNvPr id="2" name="Título 1"/>
-          <p:cNvSpPr>
-            <a:spLocks noGrp="1"/>
-          </p:cNvSpPr>
-          <p:nvPr>
-            <p:ph type="ctrTitle"/>
+          <p:cNvPr id="5" name="Título 4"/>
+          <p:cNvSpPr>
+            <a:spLocks noGrp="1"/>
+          </p:cNvSpPr>
+          <p:nvPr>
+            <p:ph type="title"/>
           </p:nvPr>
         </p:nvSpPr>
         <p:spPr/>
@@ -13295,8 +14360,12 @@
           <a:lstStyle/>
           <a:p>
             <a:r>
-              <a:rPr lang="pt-BR" dirty="0" smtClean="0"/>
-              <a:t>Manipulando Exceções</a:t>
+              <a:rPr lang="pt-BR" dirty="0"/>
+              <a:t>Usando </a:t>
+            </a:r>
+            <a:r>
+              <a:rPr lang="pt-BR" dirty="0" err="1"/>
+              <a:t>ArrayList</a:t>
             </a:r>
             <a:endParaRPr lang="pt-BR" dirty="0"/>
           </a:p>
@@ -13304,12 +14373,12 @@
       </p:sp>
       <p:sp>
         <p:nvSpPr>
-          <p:cNvPr id="3" name="Subtítulo 2"/>
-          <p:cNvSpPr>
-            <a:spLocks noGrp="1"/>
-          </p:cNvSpPr>
-          <p:nvPr>
-            <p:ph type="subTitle" idx="1"/>
+          <p:cNvPr id="6" name="Espaço Reservado para Conteúdo 5"/>
+          <p:cNvSpPr>
+            <a:spLocks noGrp="1"/>
+          </p:cNvSpPr>
+          <p:nvPr>
+            <p:ph idx="1"/>
           </p:nvPr>
         </p:nvSpPr>
         <p:spPr/>
@@ -13319,23 +14388,43 @@
           <a:p>
             <a:r>
               <a:rPr lang="pt-BR" dirty="0" smtClean="0"/>
-              <a:t>OCA </a:t>
+              <a:t>Quando usar </a:t>
             </a:r>
             <a:r>
               <a:rPr lang="pt-BR" dirty="0" err="1" smtClean="0"/>
-              <a:t>Objectives</a:t>
-            </a:r>
-            <a:r>
-              <a:rPr lang="pt-BR" dirty="0" smtClean="0"/>
-              <a:t> 8.1, 8.2, 8.3 </a:t>
-            </a:r>
+              <a:t>ArrayLists</a:t>
+            </a:r>
+            <a:endParaRPr lang="pt-BR" dirty="0" smtClean="0"/>
+          </a:p>
+          <a:p>
+            <a:pPr lvl="1"/>
             <a:r>
               <a:rPr lang="pt-BR" dirty="0" err="1" smtClean="0"/>
-              <a:t>and</a:t>
-            </a:r>
-            <a:r>
-              <a:rPr lang="pt-BR" dirty="0" smtClean="0"/>
-              <a:t> 8.4</a:t>
+              <a:t>ArraysLists</a:t>
+            </a:r>
+            <a:r>
+              <a:rPr lang="pt-BR" dirty="0" smtClean="0"/>
+              <a:t> e duplicatas</a:t>
+            </a:r>
+          </a:p>
+          <a:p>
+            <a:r>
+              <a:rPr lang="pt-BR" dirty="0" smtClean="0"/>
+              <a:t>Métodos importantes de </a:t>
+            </a:r>
+            <a:r>
+              <a:rPr lang="pt-BR" dirty="0" err="1" smtClean="0"/>
+              <a:t>ArrayList</a:t>
+            </a:r>
+            <a:r>
+              <a:rPr lang="pt-BR" dirty="0" smtClean="0"/>
+              <a:t> </a:t>
+            </a:r>
+          </a:p>
+          <a:p>
+            <a:r>
+              <a:rPr lang="pt-BR" dirty="0" smtClean="0"/>
+              <a:t>Encapsulamento para variáveis de referência</a:t>
             </a:r>
             <a:endParaRPr lang="pt-BR" dirty="0"/>
           </a:p>
@@ -13343,46 +14432,209 @@
       </p:sp>
       <p:sp>
         <p:nvSpPr>
-          <p:cNvPr id="4" name="Espaço Reservado para Rodapé 3"/>
-          <p:cNvSpPr>
-            <a:spLocks noGrp="1"/>
-          </p:cNvSpPr>
-          <p:nvPr>
-            <p:ph type="ftr" sz="quarter" idx="11"/>
-          </p:nvPr>
-        </p:nvSpPr>
-        <p:spPr/>
-        <p:txBody>
-          <a:bodyPr/>
-          <a:lstStyle/>
-          <a:p>
+          <p:cNvPr id="7" name="Espaço Reservado para Rodapé 3"/>
+          <p:cNvSpPr txBox="1">
+            <a:spLocks noGrp="1"/>
+          </p:cNvSpPr>
+          <p:nvPr>
+            <p:ph type="ftr" sz="quarter" idx="4294967295"/>
+          </p:nvPr>
+        </p:nvSpPr>
+        <p:spPr>
+          <a:xfrm>
+            <a:off x="3028950" y="6356351"/>
+            <a:ext cx="3086100" cy="365125"/>
+          </a:xfrm>
+          <a:prstGeom prst="rect">
+            <a:avLst/>
+          </a:prstGeom>
+        </p:spPr>
+        <p:txBody>
+          <a:bodyPr/>
+          <a:lstStyle>
+            <a:defPPr>
+              <a:defRPr lang="pt-BR"/>
+            </a:defPPr>
+            <a:lvl1pPr marL="0" algn="l" defTabSz="914400" rtl="0" eaLnBrk="1" latinLnBrk="0" hangingPunct="1">
+              <a:defRPr sz="1800" kern="1200">
+                <a:solidFill>
+                  <a:schemeClr val="tx1"/>
+                </a:solidFill>
+                <a:latin typeface="+mn-lt"/>
+                <a:ea typeface="+mn-ea"/>
+                <a:cs typeface="+mn-cs"/>
+              </a:defRPr>
+            </a:lvl1pPr>
+            <a:lvl2pPr marL="457200" algn="l" defTabSz="914400" rtl="0" eaLnBrk="1" latinLnBrk="0" hangingPunct="1">
+              <a:defRPr sz="1800" kern="1200">
+                <a:solidFill>
+                  <a:schemeClr val="tx1"/>
+                </a:solidFill>
+                <a:latin typeface="+mn-lt"/>
+                <a:ea typeface="+mn-ea"/>
+                <a:cs typeface="+mn-cs"/>
+              </a:defRPr>
+            </a:lvl2pPr>
+            <a:lvl3pPr marL="914400" algn="l" defTabSz="914400" rtl="0" eaLnBrk="1" latinLnBrk="0" hangingPunct="1">
+              <a:defRPr sz="1800" kern="1200">
+                <a:solidFill>
+                  <a:schemeClr val="tx1"/>
+                </a:solidFill>
+                <a:latin typeface="+mn-lt"/>
+                <a:ea typeface="+mn-ea"/>
+                <a:cs typeface="+mn-cs"/>
+              </a:defRPr>
+            </a:lvl3pPr>
+            <a:lvl4pPr marL="1371600" algn="l" defTabSz="914400" rtl="0" eaLnBrk="1" latinLnBrk="0" hangingPunct="1">
+              <a:defRPr sz="1800" kern="1200">
+                <a:solidFill>
+                  <a:schemeClr val="tx1"/>
+                </a:solidFill>
+                <a:latin typeface="+mn-lt"/>
+                <a:ea typeface="+mn-ea"/>
+                <a:cs typeface="+mn-cs"/>
+              </a:defRPr>
+            </a:lvl4pPr>
+            <a:lvl5pPr marL="1828800" algn="l" defTabSz="914400" rtl="0" eaLnBrk="1" latinLnBrk="0" hangingPunct="1">
+              <a:defRPr sz="1800" kern="1200">
+                <a:solidFill>
+                  <a:schemeClr val="tx1"/>
+                </a:solidFill>
+                <a:latin typeface="+mn-lt"/>
+                <a:ea typeface="+mn-ea"/>
+                <a:cs typeface="+mn-cs"/>
+              </a:defRPr>
+            </a:lvl5pPr>
+            <a:lvl6pPr marL="2286000" algn="l" defTabSz="914400" rtl="0" eaLnBrk="1" latinLnBrk="0" hangingPunct="1">
+              <a:defRPr sz="1800" kern="1200">
+                <a:solidFill>
+                  <a:schemeClr val="tx1"/>
+                </a:solidFill>
+                <a:latin typeface="+mn-lt"/>
+                <a:ea typeface="+mn-ea"/>
+                <a:cs typeface="+mn-cs"/>
+              </a:defRPr>
+            </a:lvl6pPr>
+            <a:lvl7pPr marL="2743200" algn="l" defTabSz="914400" rtl="0" eaLnBrk="1" latinLnBrk="0" hangingPunct="1">
+              <a:defRPr sz="1800" kern="1200">
+                <a:solidFill>
+                  <a:schemeClr val="tx1"/>
+                </a:solidFill>
+                <a:latin typeface="+mn-lt"/>
+                <a:ea typeface="+mn-ea"/>
+                <a:cs typeface="+mn-cs"/>
+              </a:defRPr>
+            </a:lvl7pPr>
+            <a:lvl8pPr marL="3200400" algn="l" defTabSz="914400" rtl="0" eaLnBrk="1" latinLnBrk="0" hangingPunct="1">
+              <a:defRPr sz="1800" kern="1200">
+                <a:solidFill>
+                  <a:schemeClr val="tx1"/>
+                </a:solidFill>
+                <a:latin typeface="+mn-lt"/>
+                <a:ea typeface="+mn-ea"/>
+                <a:cs typeface="+mn-cs"/>
+              </a:defRPr>
+            </a:lvl8pPr>
+            <a:lvl9pPr marL="3657600" algn="l" defTabSz="914400" rtl="0" eaLnBrk="1" latinLnBrk="0" hangingPunct="1">
+              <a:defRPr sz="1800" kern="1200">
+                <a:solidFill>
+                  <a:schemeClr val="tx1"/>
+                </a:solidFill>
+                <a:latin typeface="+mn-lt"/>
+                <a:ea typeface="+mn-ea"/>
+                <a:cs typeface="+mn-cs"/>
+              </a:defRPr>
+            </a:lvl9pPr>
+          </a:lstStyle>
+          <a:p>
+            <a:pPr algn="ctr">
+              <a:defRPr sz="1200">
+                <a:solidFill>
+                  <a:srgbClr val="8C8C8C"/>
+                </a:solidFill>
+                <a:latin typeface="Tw Cen MT" charset="0"/>
+                <a:ea typeface="Calibri" charset="0"/>
+                <a:cs typeface="Calibri" charset="0"/>
+              </a:defRPr>
+            </a:pPr>
             <a:r>
               <a:rPr lang="pt-BR" dirty="0"/>
-              <a:t>Controle de Fluxo e Exceções</a:t>
-            </a:r>
-          </a:p>
-          <a:p>
+              <a:t>Trabalhando com </a:t>
+            </a:r>
+            <a:r>
+              <a:rPr lang="pt-BR" dirty="0" err="1"/>
+              <a:t>Strings</a:t>
+            </a:r>
+            <a:r>
+              <a:rPr lang="pt-BR" dirty="0"/>
+              <a:t>, </a:t>
+            </a:r>
+            <a:r>
+              <a:rPr lang="pt-BR" dirty="0" err="1"/>
+              <a:t>Arrays</a:t>
+            </a:r>
+            <a:r>
+              <a:rPr lang="pt-BR" dirty="0"/>
+              <a:t> e </a:t>
+            </a:r>
+            <a:r>
+              <a:rPr lang="pt-BR" dirty="0" err="1"/>
+              <a:t>ArrayLists</a:t>
+            </a:r>
             <a:endParaRPr lang="pt-BR" dirty="0"/>
+          </a:p>
+          <a:p>
+            <a:pPr algn="ctr">
+              <a:defRPr sz="1200">
+                <a:solidFill>
+                  <a:srgbClr val="8C8C8C"/>
+                </a:solidFill>
+                <a:latin typeface="Tw Cen MT" charset="0"/>
+                <a:ea typeface="Calibri" charset="0"/>
+                <a:cs typeface="Calibri" charset="0"/>
+              </a:defRPr>
+            </a:pPr>
+            <a:endParaRPr lang="pt-BR" sz="1200" dirty="0" smtClean="0">
+              <a:solidFill>
+                <a:srgbClr val="8C8C8C"/>
+              </a:solidFill>
+              <a:latin typeface="Tw Cen MT" charset="0"/>
+              <a:ea typeface="Calibri" charset="0"/>
+              <a:cs typeface="Calibri" charset="0"/>
+            </a:endParaRPr>
+          </a:p>
+          <a:p>
+            <a:pPr algn="ctr">
+              <a:defRPr sz="1200">
+                <a:solidFill>
+                  <a:srgbClr val="8C8C8C"/>
+                </a:solidFill>
+                <a:latin typeface="Tw Cen MT" charset="0"/>
+                <a:ea typeface="Calibri" charset="0"/>
+                <a:cs typeface="Calibri" charset="0"/>
+              </a:defRPr>
+            </a:pPr>
+            <a:endParaRPr lang="pt-BR" sz="1200" dirty="0">
+              <a:solidFill>
+                <a:srgbClr val="8C8C8C"/>
+              </a:solidFill>
+              <a:latin typeface="Tw Cen MT" charset="0"/>
+              <a:ea typeface="Calibri" charset="0"/>
+              <a:cs typeface="Calibri" charset="0"/>
+            </a:endParaRPr>
           </a:p>
         </p:txBody>
       </p:sp>
     </p:spTree>
     <p:extLst>
       <p:ext uri="{BB962C8B-B14F-4D97-AF65-F5344CB8AC3E}">
-        <p14:creationId xmlns:p14="http://schemas.microsoft.com/office/powerpoint/2010/main" val="3021261354"/>
+        <p14:creationId xmlns:p14="http://schemas.microsoft.com/office/powerpoint/2010/main" val="3738884704"/>
       </p:ext>
     </p:extLst>
   </p:cSld>
   <p:clrMapOvr>
     <a:masterClrMapping/>
   </p:clrMapOvr>
-  <p:timing>
-    <p:tnLst>
-      <p:par>
-        <p:cTn id="1" dur="indefinite" restart="never" nodeType="tmRoot"/>
-      </p:par>
-    </p:tnLst>
-  </p:timing>
 </p:sld>
 </file>
 
@@ -13537,6 +14789,376 @@
 </file>
 
 <file path=ppt/slides/slide60.xml><?xml version="1.0" encoding="utf-8"?>
+<p:sld xmlns:a="http://schemas.openxmlformats.org/drawingml/2006/main" xmlns:r="http://schemas.openxmlformats.org/officeDocument/2006/relationships" xmlns:p="http://schemas.openxmlformats.org/presentationml/2006/main">
+  <p:cSld>
+    <p:spTree>
+      <p:nvGrpSpPr>
+        <p:cNvPr id="1" name=""/>
+        <p:cNvGrpSpPr/>
+        <p:nvPr/>
+      </p:nvGrpSpPr>
+      <p:grpSpPr>
+        <a:xfrm>
+          <a:off x="0" y="0"/>
+          <a:ext cx="0" cy="0"/>
+          <a:chOff x="0" y="0"/>
+          <a:chExt cx="0" cy="0"/>
+        </a:xfrm>
+      </p:grpSpPr>
+      <p:sp>
+        <p:nvSpPr>
+          <p:cNvPr id="2" name="Título 1"/>
+          <p:cNvSpPr>
+            <a:spLocks noGrp="1"/>
+          </p:cNvSpPr>
+          <p:nvPr>
+            <p:ph type="ctrTitle"/>
+          </p:nvPr>
+        </p:nvSpPr>
+        <p:spPr/>
+        <p:txBody>
+          <a:bodyPr/>
+          <a:lstStyle/>
+          <a:p>
+            <a:r>
+              <a:rPr lang="pt-BR" dirty="0" smtClean="0"/>
+              <a:t>Usando </a:t>
+            </a:r>
+            <a:r>
+              <a:rPr lang="pt-BR" dirty="0" err="1" smtClean="0"/>
+              <a:t>if</a:t>
+            </a:r>
+            <a:r>
+              <a:rPr lang="pt-BR" dirty="0" smtClean="0"/>
+              <a:t> e switch</a:t>
+            </a:r>
+            <a:endParaRPr lang="pt-BR" dirty="0"/>
+          </a:p>
+        </p:txBody>
+      </p:sp>
+      <p:sp>
+        <p:nvSpPr>
+          <p:cNvPr id="3" name="Subtítulo 2"/>
+          <p:cNvSpPr>
+            <a:spLocks noGrp="1"/>
+          </p:cNvSpPr>
+          <p:nvPr>
+            <p:ph type="subTitle" idx="1"/>
+          </p:nvPr>
+        </p:nvSpPr>
+        <p:spPr/>
+        <p:txBody>
+          <a:bodyPr/>
+          <a:lstStyle/>
+          <a:p>
+            <a:r>
+              <a:rPr lang="pt-BR" dirty="0" smtClean="0"/>
+              <a:t>OCA </a:t>
+            </a:r>
+            <a:r>
+              <a:rPr lang="pt-BR" dirty="0" err="1" smtClean="0"/>
+              <a:t>Objectives</a:t>
+            </a:r>
+            <a:r>
+              <a:rPr lang="pt-BR" dirty="0" smtClean="0"/>
+              <a:t> 3.4, 3.5 e 1.1 upgrade</a:t>
+            </a:r>
+            <a:endParaRPr lang="pt-BR" dirty="0"/>
+          </a:p>
+        </p:txBody>
+      </p:sp>
+      <p:sp>
+        <p:nvSpPr>
+          <p:cNvPr id="4" name="Espaço Reservado para Rodapé 3"/>
+          <p:cNvSpPr>
+            <a:spLocks noGrp="1"/>
+          </p:cNvSpPr>
+          <p:nvPr>
+            <p:ph type="ftr" sz="quarter" idx="11"/>
+          </p:nvPr>
+        </p:nvSpPr>
+        <p:spPr/>
+        <p:txBody>
+          <a:bodyPr/>
+          <a:lstStyle/>
+          <a:p>
+            <a:r>
+              <a:rPr lang="pt-BR" dirty="0" smtClean="0"/>
+              <a:t>Controle de Fluxo e Exceções</a:t>
+            </a:r>
+            <a:endParaRPr lang="pt-BR" dirty="0"/>
+          </a:p>
+        </p:txBody>
+      </p:sp>
+    </p:spTree>
+    <p:extLst>
+      <p:ext uri="{BB962C8B-B14F-4D97-AF65-F5344CB8AC3E}">
+        <p14:creationId xmlns:p14="http://schemas.microsoft.com/office/powerpoint/2010/main" val="532384450"/>
+      </p:ext>
+    </p:extLst>
+  </p:cSld>
+  <p:clrMapOvr>
+    <a:masterClrMapping/>
+  </p:clrMapOvr>
+  <p:timing>
+    <p:tnLst>
+      <p:par>
+        <p:cTn id="1" dur="indefinite" restart="never" nodeType="tmRoot"/>
+      </p:par>
+    </p:tnLst>
+  </p:timing>
+</p:sld>
+</file>
+
+<file path=ppt/slides/slide61.xml><?xml version="1.0" encoding="utf-8"?>
+<p:sld xmlns:a="http://schemas.openxmlformats.org/drawingml/2006/main" xmlns:r="http://schemas.openxmlformats.org/officeDocument/2006/relationships" xmlns:p="http://schemas.openxmlformats.org/presentationml/2006/main">
+  <p:cSld>
+    <p:spTree>
+      <p:nvGrpSpPr>
+        <p:cNvPr id="1" name=""/>
+        <p:cNvGrpSpPr/>
+        <p:nvPr/>
+      </p:nvGrpSpPr>
+      <p:grpSpPr>
+        <a:xfrm>
+          <a:off x="0" y="0"/>
+          <a:ext cx="0" cy="0"/>
+          <a:chOff x="0" y="0"/>
+          <a:chExt cx="0" cy="0"/>
+        </a:xfrm>
+      </p:grpSpPr>
+      <p:sp>
+        <p:nvSpPr>
+          <p:cNvPr id="2" name="Título 1"/>
+          <p:cNvSpPr>
+            <a:spLocks noGrp="1"/>
+          </p:cNvSpPr>
+          <p:nvPr>
+            <p:ph type="ctrTitle"/>
+          </p:nvPr>
+        </p:nvSpPr>
+        <p:spPr/>
+        <p:txBody>
+          <a:bodyPr/>
+          <a:lstStyle/>
+          <a:p>
+            <a:r>
+              <a:rPr lang="pt-BR" dirty="0" smtClean="0"/>
+              <a:t>Criando Loops</a:t>
+            </a:r>
+            <a:endParaRPr lang="pt-BR" dirty="0"/>
+          </a:p>
+        </p:txBody>
+      </p:sp>
+      <p:sp>
+        <p:nvSpPr>
+          <p:cNvPr id="3" name="Subtítulo 2"/>
+          <p:cNvSpPr>
+            <a:spLocks noGrp="1"/>
+          </p:cNvSpPr>
+          <p:nvPr>
+            <p:ph type="subTitle" idx="1"/>
+          </p:nvPr>
+        </p:nvSpPr>
+        <p:spPr/>
+        <p:txBody>
+          <a:bodyPr/>
+          <a:lstStyle/>
+          <a:p>
+            <a:r>
+              <a:rPr lang="pt-BR" dirty="0" smtClean="0"/>
+              <a:t>OCA </a:t>
+            </a:r>
+            <a:r>
+              <a:rPr lang="pt-BR" dirty="0" err="1" smtClean="0"/>
+              <a:t>Objectives</a:t>
+            </a:r>
+            <a:r>
+              <a:rPr lang="pt-BR" dirty="0" smtClean="0"/>
+              <a:t> 5.1, 5.2, 5.3, 5.4 </a:t>
+            </a:r>
+            <a:r>
+              <a:rPr lang="pt-BR" dirty="0" err="1" smtClean="0"/>
+              <a:t>and</a:t>
+            </a:r>
+            <a:r>
+              <a:rPr lang="pt-BR" dirty="0" smtClean="0"/>
+              <a:t> 5.5</a:t>
+            </a:r>
+            <a:endParaRPr lang="pt-BR" dirty="0"/>
+          </a:p>
+        </p:txBody>
+      </p:sp>
+      <p:sp>
+        <p:nvSpPr>
+          <p:cNvPr id="4" name="Espaço Reservado para Rodapé 3"/>
+          <p:cNvSpPr>
+            <a:spLocks noGrp="1"/>
+          </p:cNvSpPr>
+          <p:nvPr>
+            <p:ph type="ftr" sz="quarter" idx="11"/>
+          </p:nvPr>
+        </p:nvSpPr>
+        <p:spPr/>
+        <p:txBody>
+          <a:bodyPr/>
+          <a:lstStyle/>
+          <a:p>
+            <a:r>
+              <a:rPr lang="pt-BR" dirty="0"/>
+              <a:t>Controle de Fluxo e Exceções</a:t>
+            </a:r>
+          </a:p>
+          <a:p>
+            <a:endParaRPr lang="pt-BR" dirty="0"/>
+          </a:p>
+        </p:txBody>
+      </p:sp>
+    </p:spTree>
+    <p:extLst>
+      <p:ext uri="{BB962C8B-B14F-4D97-AF65-F5344CB8AC3E}">
+        <p14:creationId xmlns:p14="http://schemas.microsoft.com/office/powerpoint/2010/main" val="2470865896"/>
+      </p:ext>
+    </p:extLst>
+  </p:cSld>
+  <p:clrMapOvr>
+    <a:masterClrMapping/>
+  </p:clrMapOvr>
+  <p:timing>
+    <p:tnLst>
+      <p:par>
+        <p:cTn id="1" dur="indefinite" restart="never" nodeType="tmRoot"/>
+      </p:par>
+    </p:tnLst>
+  </p:timing>
+</p:sld>
+</file>
+
+<file path=ppt/slides/slide62.xml><?xml version="1.0" encoding="utf-8"?>
+<p:sld xmlns:a="http://schemas.openxmlformats.org/drawingml/2006/main" xmlns:r="http://schemas.openxmlformats.org/officeDocument/2006/relationships" xmlns:p="http://schemas.openxmlformats.org/presentationml/2006/main">
+  <p:cSld>
+    <p:spTree>
+      <p:nvGrpSpPr>
+        <p:cNvPr id="1" name=""/>
+        <p:cNvGrpSpPr/>
+        <p:nvPr/>
+      </p:nvGrpSpPr>
+      <p:grpSpPr>
+        <a:xfrm>
+          <a:off x="0" y="0"/>
+          <a:ext cx="0" cy="0"/>
+          <a:chOff x="0" y="0"/>
+          <a:chExt cx="0" cy="0"/>
+        </a:xfrm>
+      </p:grpSpPr>
+      <p:sp>
+        <p:nvSpPr>
+          <p:cNvPr id="2" name="Título 1"/>
+          <p:cNvSpPr>
+            <a:spLocks noGrp="1"/>
+          </p:cNvSpPr>
+          <p:nvPr>
+            <p:ph type="ctrTitle"/>
+          </p:nvPr>
+        </p:nvSpPr>
+        <p:spPr/>
+        <p:txBody>
+          <a:bodyPr/>
+          <a:lstStyle/>
+          <a:p>
+            <a:r>
+              <a:rPr lang="pt-BR" dirty="0" smtClean="0"/>
+              <a:t>Manipulando Exceções</a:t>
+            </a:r>
+            <a:endParaRPr lang="pt-BR" dirty="0"/>
+          </a:p>
+        </p:txBody>
+      </p:sp>
+      <p:sp>
+        <p:nvSpPr>
+          <p:cNvPr id="3" name="Subtítulo 2"/>
+          <p:cNvSpPr>
+            <a:spLocks noGrp="1"/>
+          </p:cNvSpPr>
+          <p:nvPr>
+            <p:ph type="subTitle" idx="1"/>
+          </p:nvPr>
+        </p:nvSpPr>
+        <p:spPr/>
+        <p:txBody>
+          <a:bodyPr/>
+          <a:lstStyle/>
+          <a:p>
+            <a:r>
+              <a:rPr lang="pt-BR" dirty="0" smtClean="0"/>
+              <a:t>OCA </a:t>
+            </a:r>
+            <a:r>
+              <a:rPr lang="pt-BR" dirty="0" err="1" smtClean="0"/>
+              <a:t>Objectives</a:t>
+            </a:r>
+            <a:r>
+              <a:rPr lang="pt-BR" dirty="0" smtClean="0"/>
+              <a:t> 8.1, 8.2, 8.3 </a:t>
+            </a:r>
+            <a:r>
+              <a:rPr lang="pt-BR" dirty="0" err="1" smtClean="0"/>
+              <a:t>and</a:t>
+            </a:r>
+            <a:r>
+              <a:rPr lang="pt-BR" dirty="0" smtClean="0"/>
+              <a:t> 8.4</a:t>
+            </a:r>
+            <a:endParaRPr lang="pt-BR" dirty="0"/>
+          </a:p>
+        </p:txBody>
+      </p:sp>
+      <p:sp>
+        <p:nvSpPr>
+          <p:cNvPr id="4" name="Espaço Reservado para Rodapé 3"/>
+          <p:cNvSpPr>
+            <a:spLocks noGrp="1"/>
+          </p:cNvSpPr>
+          <p:nvPr>
+            <p:ph type="ftr" sz="quarter" idx="11"/>
+          </p:nvPr>
+        </p:nvSpPr>
+        <p:spPr/>
+        <p:txBody>
+          <a:bodyPr/>
+          <a:lstStyle/>
+          <a:p>
+            <a:r>
+              <a:rPr lang="pt-BR" dirty="0"/>
+              <a:t>Controle de Fluxo e Exceções</a:t>
+            </a:r>
+          </a:p>
+          <a:p>
+            <a:endParaRPr lang="pt-BR" dirty="0"/>
+          </a:p>
+        </p:txBody>
+      </p:sp>
+    </p:spTree>
+    <p:extLst>
+      <p:ext uri="{BB962C8B-B14F-4D97-AF65-F5344CB8AC3E}">
+        <p14:creationId xmlns:p14="http://schemas.microsoft.com/office/powerpoint/2010/main" val="3021261354"/>
+      </p:ext>
+    </p:extLst>
+  </p:cSld>
+  <p:clrMapOvr>
+    <a:masterClrMapping/>
+  </p:clrMapOvr>
+  <p:timing>
+    <p:tnLst>
+      <p:par>
+        <p:cTn id="1" dur="indefinite" restart="never" nodeType="tmRoot"/>
+      </p:par>
+    </p:tnLst>
+  </p:timing>
+</p:sld>
+</file>
+
+<file path=ppt/slides/slide63.xml><?xml version="1.0" encoding="utf-8"?>
 <p:sld xmlns:a="http://schemas.openxmlformats.org/drawingml/2006/main" xmlns:r="http://schemas.openxmlformats.org/officeDocument/2006/relationships" xmlns:p="http://schemas.openxmlformats.org/presentationml/2006/main">
   <p:cSld>
     <p:spTree>

--- a/TreinamentoJavaSeOca/documentos/apresentação/OCA.pptx
+++ b/TreinamentoJavaSeOca/documentos/apresentação/OCA.pptx
@@ -5,10 +5,10 @@
     <p:sldMasterId id="2147483661" r:id="rId1"/>
   </p:sldMasterIdLst>
   <p:notesMasterIdLst>
-    <p:notesMasterId r:id="rId65"/>
+    <p:notesMasterId r:id="rId69"/>
   </p:notesMasterIdLst>
   <p:handoutMasterIdLst>
-    <p:handoutMasterId r:id="rId66"/>
+    <p:handoutMasterId r:id="rId70"/>
   </p:handoutMasterIdLst>
   <p:sldIdLst>
     <p:sldId id="1140" r:id="rId2"/>
@@ -71,9 +71,13 @@
     <p:sldId id="1183" r:id="rId59"/>
     <p:sldId id="1253" r:id="rId60"/>
     <p:sldId id="1184" r:id="rId61"/>
-    <p:sldId id="1185" r:id="rId62"/>
-    <p:sldId id="1186" r:id="rId63"/>
-    <p:sldId id="1187" r:id="rId64"/>
+    <p:sldId id="1255" r:id="rId62"/>
+    <p:sldId id="1185" r:id="rId63"/>
+    <p:sldId id="1256" r:id="rId64"/>
+    <p:sldId id="1186" r:id="rId65"/>
+    <p:sldId id="1257" r:id="rId66"/>
+    <p:sldId id="1187" r:id="rId67"/>
+    <p:sldId id="1258" r:id="rId68"/>
   </p:sldIdLst>
   <p:sldSz cx="9144000" cy="6858000" type="screen4x3"/>
   <p:notesSz cx="6797675" cy="9928225"/>
@@ -738,7 +742,7 @@
             <a:spLocks noGrp="1" noChangeArrowheads="1"/>
             <a:extLst>
               <a:ext uri="smNativeData">
-                <pr:smNativeData xmlns="" xmlns:pr="smNativeData" val="SMDATA_12_7hxgVxMAAAAlAAAAZAAAAA0AAAAAkAAAAEgAAACQAAAASAAAAAAAAAAAAAAAAAAAAAEAAABQAAAAAAAAAAAA4D8AAAAAAADgPwAAAAAAAOA/AAAAAAAA4D8AAAAAAADgPwAAAAAAAOA/AAAAAAAA4D8AAAAAAADgPwAAAAAAAOA/AAAAAAAA4D8CAAAAjAAAAAAAAAAAAAAA////DP///wgAAAAAAAAAAAAAAAAAAAAAAAAAAAAAAAAAAAAAZAAAAAEAAABAAAAAAAAAAAAAAAAAAAAAAAAAAAAAAAAAAAAAAAAAAAAAAAAAAAAAAAAAAAAAAAAAAAAAAAAAAAAAAAAAAAAAAAAAAAAAAAAAAAAAAAAAAAAAAAAAAAAAFAAAADwAAAAAAAAAAAAAAAZJjAkUAAAAAQAAABQAAAAUAAAAFAAAAAEAAAAAAAAAZAAAAGQAAAAAAAAAZAAAAGQAAAAVAAAAYAAAAAAAAAAAAAAADwAAACADAAAAAAAAAAAAAAEAAACgMgAAVgcAAKr4//8BAAAAf39/AAEAAABkAAAAAAAAABQAAABAHwAAAAAAACYAAAAAAAAAwOD//wAAAAAmAAAAZAAAABYAAABMAAAAAAAAAAAAAAAEAAAAAAAAAAEAAACWlpYKAAAAACgAAAAoAAAAZAAAAGQAAAAAAAAAzMzMAAAAAABQAAAAUAAAAGQAAABkAAAAAAAAABcAAAAUAAAAAAAAAAAAAAD/fwAA/38AAAAAAAAJAAAABAAAAAAAAAAMAAAAEAAAAAAAAAAAAAAAAAAAAAAAAAAeAAAAaAAAAAAAAAAAAAAAAAAAAAAAAAAAAAAAECcAABAnAAAAAAAAAAAAAAAAAAAAAAAAAAAAAAAAAAAAAAAAAAAAABQAAAAAAAAAwMD/AAAAAABkAAAAMgAAAAAAAABkAAAAAAAAAH9/fwAKAAAAHwAAAFQAAAAAAAAFAAAAAQAAAAAAAAAAAAAAAAAAAAAAAAAAAAAAAAAAAAAAAAAAAAAAAn9/fwAAAAADzMzMAMDA/wB/f38AAAAAAAAAAAAAAAAAAAAAAAAAAAAhAAAAGAAAABQAAAA4BAAAwAMAANAvAAAIBwAAEAAAAA=="/>
+                <pr:smNativeData xmlns:pr="smNativeData" xmlns="" val="SMDATA_12_7hxgVxMAAAAlAAAAZAAAAA0AAAAAkAAAAEgAAACQAAAASAAAAAAAAAAAAAAAAAAAAAEAAABQAAAAAAAAAAAA4D8AAAAAAADgPwAAAAAAAOA/AAAAAAAA4D8AAAAAAADgPwAAAAAAAOA/AAAAAAAA4D8AAAAAAADgPwAAAAAAAOA/AAAAAAAA4D8CAAAAjAAAAAAAAAAAAAAA////DP///wgAAAAAAAAAAAAAAAAAAAAAAAAAAAAAAAAAAAAAZAAAAAEAAABAAAAAAAAAAAAAAAAAAAAAAAAAAAAAAAAAAAAAAAAAAAAAAAAAAAAAAAAAAAAAAAAAAAAAAAAAAAAAAAAAAAAAAAAAAAAAAAAAAAAAAAAAAAAAAAAAAAAAFAAAADwAAAAAAAAAAAAAAAZJjAkUAAAAAQAAABQAAAAUAAAAFAAAAAEAAAAAAAAAZAAAAGQAAAAAAAAAZAAAAGQAAAAVAAAAYAAAAAAAAAAAAAAADwAAACADAAAAAAAAAAAAAAEAAACgMgAAVgcAAKr4//8BAAAAf39/AAEAAABkAAAAAAAAABQAAABAHwAAAAAAACYAAAAAAAAAwOD//wAAAAAmAAAAZAAAABYAAABMAAAAAAAAAAAAAAAEAAAAAAAAAAEAAACWlpYKAAAAACgAAAAoAAAAZAAAAGQAAAAAAAAAzMzMAAAAAABQAAAAUAAAAGQAAABkAAAAAAAAABcAAAAUAAAAAAAAAAAAAAD/fwAA/38AAAAAAAAJAAAABAAAAAAAAAAMAAAAEAAAAAAAAAAAAAAAAAAAAAAAAAAeAAAAaAAAAAAAAAAAAAAAAAAAAAAAAAAAAAAAECcAABAnAAAAAAAAAAAAAAAAAAAAAAAAAAAAAAAAAAAAAAAAAAAAABQAAAAAAAAAwMD/AAAAAABkAAAAMgAAAAAAAABkAAAAAAAAAH9/fwAKAAAAHwAAAFQAAAAAAAAFAAAAAQAAAAAAAAAAAAAAAAAAAAAAAAAAAAAAAAAAAAAAAAAAAAAAAn9/fwAAAAADzMzMAMDA/wB/f38AAAAAAAAAAAAAAAAAAAAAAAAAAAAhAAAAGAAAABQAAAA4BAAAwAMAANAvAAAIBwAAEAAAAA=="/>
               </a:ext>
             </a:extLst>
           </p:cNvSpPr>
@@ -1632,7 +1636,7 @@
             <a:spLocks noGrp="1" noChangeArrowheads="1"/>
             <a:extLst>
               <a:ext uri="smNativeData">
-                <pr:smNativeData xmlns="" xmlns:pr="smNativeData" val="SMDATA_12_7hxgVxMAAAAlAAAAZAAAAA0AAAAAkAAAAEgAAACQAAAASAAAAAAAAAABAAAAAAAAAAEAAABQAAAAAAAAAAAA4D8AAAAAAADgPwAAAAAAAOA/AAAAAAAA4D8AAAAAAADgPwAAAAAAAOA/AAAAAAAA4D8AAAAAAADgPwAAAAAAAOA/AAAAAAAA4D8CAAAAjAAAAAAAAAAAAAAA////AP///wgAAAAAAAAAAAAAAAAAAAAAAAAAAAAAAAAAAAAAeAAAAAEAAABAAAAAAAAAAAAAAABaAAAAAAAAAAAAAAAAAAAAAAAAAAAAAAAAAAAAAAAAAAAAAAAAAAAAAAAAAAAAAAAAAAAAAAAAAAAAAAAAAAAAAAAAAAAAAAAAAAAAFAAAADwAAAAAAAAAAAAAAAAAAAAPAAAAAQAAACMAAAAjAAAAIwAAAB4AAAAAAAAAZAAAAGQAAAAAAAAAZAAAAGQAAAAVAAAAYAAAAAAAAAAAAAAADwAAACADAAAAAAAAAAAAAAEAAACgMgAAVgcAAKr4//8BAAAAf39/AAEAAABkAAAAAAAAABQAAABAHwAAAAAAACYAAAAAAAAAwOD//wAAAAAmAAAAZAAAABYAAABMAAAAAAAAAAAAAAAEAAAAAAAAAAEAAADn5uYKAAAAACgAAAAoAAAAZAAAAGQAAAAAAAAAzMzMAAAAAABQAAAAUAAAAGQAAABkAAAAAAAAABcAAAAUAAAAAAAAAAAAAAD/fwAA/38AAAAAAAAJAAAABAAAAAAAAAAMAAAAEAAAAAAAAAAAAAAAAAAAAAAAAAAeAAAAaAAAAAAAAAAAAAAAAAAAAAAAAAAAAAAAECcAABAnAAAAAAAAAAAAAAAAAAAAAAAAAAAAAAAAAAAAAAAAAAAAABQAAAAAAAAAwMD/AAAAAABkAAAAMgAAAAAAAABkAAAAAAAAAH9/fwAKAAAAHwAAAFQAAAD///8AAAAAAQAAAAAAAAAAAAAAAAAAAAAAAAAAAAAAAAAAAAAAAAAAAAAAAH9/fwAAAAADzMzMAMDA/wB/f38AAAAAAAAAAAAAAAAAAAAAAAAAAAAhAAAAGAAAABQAAAAoBQAAPwIAANhFAABnCgAAEAAAAA=="/>
+                <pr:smNativeData xmlns:pr="smNativeData" xmlns="" val="SMDATA_12_7hxgVxMAAAAlAAAAZAAAAA0AAAAAkAAAAEgAAACQAAAASAAAAAAAAAABAAAAAAAAAAEAAABQAAAAAAAAAAAA4D8AAAAAAADgPwAAAAAAAOA/AAAAAAAA4D8AAAAAAADgPwAAAAAAAOA/AAAAAAAA4D8AAAAAAADgPwAAAAAAAOA/AAAAAAAA4D8CAAAAjAAAAAAAAAAAAAAA////AP///wgAAAAAAAAAAAAAAAAAAAAAAAAAAAAAAAAAAAAAeAAAAAEAAABAAAAAAAAAAAAAAABaAAAAAAAAAAAAAAAAAAAAAAAAAAAAAAAAAAAAAAAAAAAAAAAAAAAAAAAAAAAAAAAAAAAAAAAAAAAAAAAAAAAAAAAAAAAAAAAAAAAAFAAAADwAAAAAAAAAAAAAAAAAAAAPAAAAAQAAACMAAAAjAAAAIwAAAB4AAAAAAAAAZAAAAGQAAAAAAAAAZAAAAGQAAAAVAAAAYAAAAAAAAAAAAAAADwAAACADAAAAAAAAAAAAAAEAAACgMgAAVgcAAKr4//8BAAAAf39/AAEAAABkAAAAAAAAABQAAABAHwAAAAAAACYAAAAAAAAAwOD//wAAAAAmAAAAZAAAABYAAABMAAAAAAAAAAAAAAAEAAAAAAAAAAEAAADn5uYKAAAAACgAAAAoAAAAZAAAAGQAAAAAAAAAzMzMAAAAAABQAAAAUAAAAGQAAABkAAAAAAAAABcAAAAUAAAAAAAAAAAAAAD/fwAA/38AAAAAAAAJAAAABAAAAAAAAAAMAAAAEAAAAAAAAAAAAAAAAAAAAAAAAAAeAAAAaAAAAAAAAAAAAAAAAAAAAAAAAAAAAAAAECcAABAnAAAAAAAAAAAAAAAAAAAAAAAAAAAAAAAAAAAAAAAAAAAAABQAAAAAAAAAwMD/AAAAAABkAAAAMgAAAAAAAABkAAAAAAAAAH9/fwAKAAAAHwAAAFQAAAD///8AAAAAAQAAAAAAAAAAAAAAAAAAAAAAAAAAAAAAAAAAAAAAAAAAAAAAAH9/fwAAAAADzMzMAMDA/wB/f38AAAAAAAAAAAAAAAAAAAAAAAAAAAAhAAAAGAAAABQAAAAoBQAAPwIAANhFAABnCgAAEAAAAA=="/>
               </a:ext>
             </a:extLst>
           </p:cNvSpPr>
@@ -1679,7 +1683,7 @@
             <a:spLocks noGrp="1" noChangeArrowheads="1"/>
             <a:extLst>
               <a:ext uri="smNativeData">
-                <pr:smNativeData xmlns="" xmlns:pr="smNativeData" val="SMDATA_12_7hxgVxMAAAAlAAAAZAAAAA0AAAAAkAAAAEgAAACQAAAASAAAAAAAAAAAAAAAAAAAAAEAAABQAAAAAAAAAAAA4D8AAAAAAADgPwAAAAAAAOA/AAAAAAAA4D8AAAAAAADgPwAAAAAAAOA/AAAAAAAA4D8AAAAAAADgPwAAAAAAAOA/AAAAAAAA4D8CAAAAjAAAAAAAAAAAAAAA////AP///wgAAAAAAAAAAAAAAAAAAAAAAAAAAAAAAAAAAAAAeAAAAAEAAABAAAAAAAAAAAAAAABaAAAAAAAAAAAAAAAAAAAAAAAAAAAAAAAAAAAAAAAAAAAAAAAAAAAAAAAAAAAAAAAAAAAAAAAAAAAAAAAAAAAAAAAAAAAAAAAAAAAAFAAAADwAAAAAAAAAAAAAAAAAAAAPAAAAAQAAACMAAAAjAAAAIwAAAB4AAAAAAAAAZAAAAGQAAAAAAAAAZAAAAGQAAAAVAAAAYAAAAAAAAAAAAAAADwAAACADAAAAAAAAAAAAAAEAAACgMgAAVgcAAKr4//8BAAAAf39/AAEAAABkAAAAAAAAABQAAABAHwAAAAAAACYAAAAAAAAAwOD//wAAAAAmAAAAZAAAABYAAABMAAAAAAAAAAAAAAAEAAAAAAAAAAEAAADn5uYKAAAAACgAAAAoAAAAZAAAAGQAAAAAAAAAzMzMAAAAAABQAAAAUAAAAGQAAABkAAAAAAAAABcAAAAUAAAAAAAAAAAAAAD/fwAA/38AAAAAAAAJAAAABAAAAAAAAAAMAAAAEAAAAAAAAAAAAAAAAAAAAAAAAAAeAAAAaAAAAAAAAAAAAAAAAAAAAAAAAAAAAAAAECcAABAnAAAAAAAAAAAAAAAAAAAAAAAAAAAAAAAAAAAAAAAAAAAAABQAAAAAAAAAwMD/AAAAAABkAAAAMgAAAAAAAABkAAAAAAAAAH9/fwAKAAAAHwAAAFQAAAD///8AAAAAAQAAAAAAAAAAAAAAAAAAAAAAAAAAAAAAAAAAAAAAAAAAAAAAAH9/fwAAAAADzMzMAMDA/wB/f38AAAAAAAAAAAAAAAAAAAAAAAAAAAAhAAAAGAAAABQAAAAoBQAAOwsAANhFAAAAJgAAEAAAAA=="/>
+                <pr:smNativeData xmlns:pr="smNativeData" xmlns="" val="SMDATA_12_7hxgVxMAAAAlAAAAZAAAAA0AAAAAkAAAAEgAAACQAAAASAAAAAAAAAAAAAAAAAAAAAEAAABQAAAAAAAAAAAA4D8AAAAAAADgPwAAAAAAAOA/AAAAAAAA4D8AAAAAAADgPwAAAAAAAOA/AAAAAAAA4D8AAAAAAADgPwAAAAAAAOA/AAAAAAAA4D8CAAAAjAAAAAAAAAAAAAAA////AP///wgAAAAAAAAAAAAAAAAAAAAAAAAAAAAAAAAAAAAAeAAAAAEAAABAAAAAAAAAAAAAAABaAAAAAAAAAAAAAAAAAAAAAAAAAAAAAAAAAAAAAAAAAAAAAAAAAAAAAAAAAAAAAAAAAAAAAAAAAAAAAAAAAAAAAAAAAAAAAAAAAAAAFAAAADwAAAAAAAAAAAAAAAAAAAAPAAAAAQAAACMAAAAjAAAAIwAAAB4AAAAAAAAAZAAAAGQAAAAAAAAAZAAAAGQAAAAVAAAAYAAAAAAAAAAAAAAADwAAACADAAAAAAAAAAAAAAEAAACgMgAAVgcAAKr4//8BAAAAf39/AAEAAABkAAAAAAAAABQAAABAHwAAAAAAACYAAAAAAAAAwOD//wAAAAAmAAAAZAAAABYAAABMAAAAAAAAAAAAAAAEAAAAAAAAAAEAAADn5uYKAAAAACgAAAAoAAAAZAAAAGQAAAAAAAAAzMzMAAAAAABQAAAAUAAAAGQAAABkAAAAAAAAABcAAAAUAAAAAAAAAAAAAAD/fwAA/38AAAAAAAAJAAAABAAAAAAAAAAMAAAAEAAAAAAAAAAAAAAAAAAAAAAAAAAeAAAAaAAAAAAAAAAAAAAAAAAAAAAAAAAAAAAAECcAABAnAAAAAAAAAAAAAAAAAAAAAAAAAAAAAAAAAAAAAAAAAAAAABQAAAAAAAAAwMD/AAAAAABkAAAAMgAAAAAAAABkAAAAAAAAAH9/fwAKAAAAHwAAAFQAAAD///8AAAAAAQAAAAAAAAAAAAAAAAAAAAAAAAAAAAAAAAAAAAAAAAAAAAAAAH9/fwAAAAADzMzMAMDA/wB/f38AAAAAAAAAAAAAAAAAAAAAAAAAAAAhAAAAGAAAABQAAAAoBQAAOwsAANhFAAAAJgAAEAAAAA=="/>
               </a:ext>
             </a:extLst>
           </p:cNvSpPr>
@@ -1726,7 +1730,7 @@
             <a:spLocks noGrp="1" noChangeArrowheads="1"/>
             <a:extLst>
               <a:ext uri="smNativeData">
-                <pr:smNativeData xmlns="" xmlns:pr="smNativeData" val="SMDATA_12_7hxgVxMAAAAlAAAAZAAAAA0AAAAAkAAAAEgAAACQAAAASAAAAAAAAAABAAAAAAAAAAEAAABQAAAAAAAAAAAA4D8AAAAAAADgPwAAAAAAAOA/AAAAAAAA4D8AAAAAAADgPwAAAAAAAOA/AAAAAAAA4D8AAAAAAADgPwAAAAAAAOA/AAAAAAAA4D8CAAAAjAAAAAAAAAAAAAAA////AP///wgAAAAAAAAAAAAAAAAAAAAAAAAAAAAAAAAAAAAAeAAAAAEAAABAAAAAAAAAAAAAAABaAAAAAAAAAAAAAAAAAAAAAAAAAAAAAAAAAAAAAAAAAAAAAAAAAAAAAAAAAAAAAAAAAAAAAAAAAAAAAAAAAAAAAAAAAAAAAAAAAAAAFAAAADwAAAAAAAAAAAAAAAAAAAAPAAAAAQAAACMAAAAjAAAAIwAAAB4AAAAAAAAAZAAAAGQAAAAAAAAAZAAAAGQAAAAVAAAAYAAAAAAAAAAAAAAADwAAACADAAAAAAAAAAAAAAEAAACgMgAAVgcAAKr4//8BAAAAf39/AAEAAABkAAAAAAAAABQAAABAHwAAAAAAACYAAAAAAAAAwOD//wAAAAAmAAAAZAAAABYAAABMAAAAAAAAAAAAAAAEAAAAAAAAAAEAAADn5uYKAAAAACgAAAAoAAAAZAAAAGQAAAAAAAAAzMzMAAAAAABQAAAAUAAAAGQAAABkAAAAAAAAABcAAAAUAAAAAAAAAAAAAAD/fwAA/38AAAAAAAAJAAAABAAAAAAAAAAMAAAAEAAAAAAAAAAAAAAAAAAAAAAAAAAeAAAAaAAAAAAAAAAAAAAAAAAAAAAAAAAAAAAAECcAABAnAAAAAAAAAAAAAAAAAAAAAAAAAAAAAAAAAAAAAAAAAAAAABQAAAAAAAAAwMD/AAAAAABkAAAAMgAAAAAAAABkAAAAAAAAAH9/fwAKAAAAHwAAAFQAAAD///8A////AQAAAAAAAAAAAAAAAAAAAAAAAAAAAAAAAAAAAAAAAAAAAAAAAH9/fwDn5uYDzMzMAMDA/wB/f38AAAAAAAAAAAAAAAAAAAAAAAAAAAAhAAAAGAAAABQAAAD4NAAAGicAANhFAABZKQAAEAAAAA=="/>
+                <pr:smNativeData xmlns:pr="smNativeData" xmlns="" val="SMDATA_12_7hxgVxMAAAAlAAAAZAAAAA0AAAAAkAAAAEgAAACQAAAASAAAAAAAAAABAAAAAAAAAAEAAABQAAAAAAAAAAAA4D8AAAAAAADgPwAAAAAAAOA/AAAAAAAA4D8AAAAAAADgPwAAAAAAAOA/AAAAAAAA4D8AAAAAAADgPwAAAAAAAOA/AAAAAAAA4D8CAAAAjAAAAAAAAAAAAAAA////AP///wgAAAAAAAAAAAAAAAAAAAAAAAAAAAAAAAAAAAAAeAAAAAEAAABAAAAAAAAAAAAAAABaAAAAAAAAAAAAAAAAAAAAAAAAAAAAAAAAAAAAAAAAAAAAAAAAAAAAAAAAAAAAAAAAAAAAAAAAAAAAAAAAAAAAAAAAAAAAAAAAAAAAFAAAADwAAAAAAAAAAAAAAAAAAAAPAAAAAQAAACMAAAAjAAAAIwAAAB4AAAAAAAAAZAAAAGQAAAAAAAAAZAAAAGQAAAAVAAAAYAAAAAAAAAAAAAAADwAAACADAAAAAAAAAAAAAAEAAACgMgAAVgcAAKr4//8BAAAAf39/AAEAAABkAAAAAAAAABQAAABAHwAAAAAAACYAAAAAAAAAwOD//wAAAAAmAAAAZAAAABYAAABMAAAAAAAAAAAAAAAEAAAAAAAAAAEAAADn5uYKAAAAACgAAAAoAAAAZAAAAGQAAAAAAAAAzMzMAAAAAABQAAAAUAAAAGQAAABkAAAAAAAAABcAAAAUAAAAAAAAAAAAAAD/fwAA/38AAAAAAAAJAAAABAAAAAAAAAAMAAAAEAAAAAAAAAAAAAAAAAAAAAAAAAAeAAAAaAAAAAAAAAAAAAAAAAAAAAAAAAAAAAAAECcAABAnAAAAAAAAAAAAAAAAAAAAAAAAAAAAAAAAAAAAAAAAAAAAABQAAAAAAAAAwMD/AAAAAABkAAAAMgAAAAAAAABkAAAAAAAAAH9/fwAKAAAAHwAAAFQAAAD///8A////AQAAAAAAAAAAAAAAAAAAAAAAAAAAAAAAAAAAAAAAAAAAAAAAAH9/fwDn5uYDzMzMAMDA/wB/f38AAAAAAAAAAAAAAAAAAAAAAAAAAAAhAAAAGAAAABQAAAD4NAAAGicAANhFAABZKQAAEAAAAA=="/>
               </a:ext>
             </a:extLst>
           </p:cNvSpPr>
@@ -1783,7 +1787,7 @@
             <a:spLocks noGrp="1" noChangeArrowheads="1"/>
             <a:extLst>
               <a:ext uri="smNativeData">
-                <pr:smNativeData xmlns="" xmlns:pr="smNativeData" val="SMDATA_12_7hxgVxMAAAAlAAAAZAAAAA0AAAAAkAAAAEgAAACQAAAASAAAAAAAAAABAAAAAAAAAAEAAABQAAAAAAAAAAAA4D8AAAAAAADgPwAAAAAAAOA/AAAAAAAA4D8AAAAAAADgPwAAAAAAAOA/AAAAAAAA4D8AAAAAAADgPwAAAAAAAOA/AAAAAAAA4D8CAAAAjAAAAAAAAAAAAAAA////AP///wgAAAAAAAAAAAAAAAAAAAAAAAAAAAAAAAAAAAAAeAAAAAEAAABAAAAAAAAAAAAAAABaAAAAAAAAAAAAAAAAAAAAAAAAAAAAAAAAAAAAAAAAAAAAAAAAAAAAAAAAAAAAAAAAAAAAAAAAAAAAAAAAAAAAAAAAAAAAAAAAAAAAFAAAADwAAAAAAAAAAAAAAAAAAAAPAAAAAQAAACMAAAAjAAAAIwAAAB4AAAAAAAAAZAAAAGQAAAAAAAAAZAAAAGQAAAAVAAAAYAAAAAAAAAAAAAAADwAAACADAAAAAAAAAAAAAAEAAACgMgAAVgcAAKr4//8BAAAAf39/AAEAAABkAAAAAAAAABQAAABAHwAAAAAAACYAAAAAAAAAwOD//wAAAAAmAAAAZAAAABYAAABMAAAAAAAAAAAAAAAEAAAAAAAAAAEAAADn5uYKAAAAACgAAAAoAAAAZAAAAGQAAAAAAAAAzMzMAAAAAABQAAAAUAAAAGQAAABkAAAAAAAAABcAAAAUAAAAAAAAAAAAAAD/fwAA/38AAAAAAAAJAAAABAAAAAAAAAAMAAAAEAAAAAAAAAAAAAAAAAAAAAAAAAAeAAAAaAAAAAAAAAAAAAAAAAAAAAAAAAAAAAAAECcAABAnAAAAAAAAAAAAAAAAAAAAAAAAAAAAAAAAAAAAAAAAAAAAABQAAAAAAAAAwMD/AAAAAABkAAAAMgAAAAAAAABkAAAAAAAAAH9/fwAKAAAAHwAAAFQAAAD///8A////AQAAAAAAAAAAAAAAAAAAAAAAAAAAAAAAAAAAAAAAAAAAAAAAAH9/fwDn5uYDzMzMAMDA/wB/f38AAAAAAAAAAAAAAAAAAAAAAAAAAAAhAAAAGAAAABQAAADYGAAAGicAACgyAABZKQAAEAAAAA=="/>
+                <pr:smNativeData xmlns:pr="smNativeData" xmlns="" val="SMDATA_12_7hxgVxMAAAAlAAAAZAAAAA0AAAAAkAAAAEgAAACQAAAASAAAAAAAAAABAAAAAAAAAAEAAABQAAAAAAAAAAAA4D8AAAAAAADgPwAAAAAAAOA/AAAAAAAA4D8AAAAAAADgPwAAAAAAAOA/AAAAAAAA4D8AAAAAAADgPwAAAAAAAOA/AAAAAAAA4D8CAAAAjAAAAAAAAAAAAAAA////AP///wgAAAAAAAAAAAAAAAAAAAAAAAAAAAAAAAAAAAAAeAAAAAEAAABAAAAAAAAAAAAAAABaAAAAAAAAAAAAAAAAAAAAAAAAAAAAAAAAAAAAAAAAAAAAAAAAAAAAAAAAAAAAAAAAAAAAAAAAAAAAAAAAAAAAAAAAAAAAAAAAAAAAFAAAADwAAAAAAAAAAAAAAAAAAAAPAAAAAQAAACMAAAAjAAAAIwAAAB4AAAAAAAAAZAAAAGQAAAAAAAAAZAAAAGQAAAAVAAAAYAAAAAAAAAAAAAAADwAAACADAAAAAAAAAAAAAAEAAACgMgAAVgcAAKr4//8BAAAAf39/AAEAAABkAAAAAAAAABQAAABAHwAAAAAAACYAAAAAAAAAwOD//wAAAAAmAAAAZAAAABYAAABMAAAAAAAAAAAAAAAEAAAAAAAAAAEAAADn5uYKAAAAACgAAAAoAAAAZAAAAGQAAAAAAAAAzMzMAAAAAABQAAAAUAAAAGQAAABkAAAAAAAAABcAAAAUAAAAAAAAAAAAAAD/fwAA/38AAAAAAAAJAAAABAAAAAAAAAAMAAAAEAAAAAAAAAAAAAAAAAAAAAAAAAAeAAAAaAAAAAAAAAAAAAAAAAAAAAAAAAAAAAAAECcAABAnAAAAAAAAAAAAAAAAAAAAAAAAAAAAAAAAAAAAAAAAAAAAABQAAAAAAAAAwMD/AAAAAABkAAAAMgAAAAAAAABkAAAAAAAAAH9/fwAKAAAAHwAAAFQAAAD///8A////AQAAAAAAAAAAAAAAAAAAAAAAAAAAAAAAAAAAAAAAAAAAAAAAAH9/fwDn5uYDzMzMAMDA/wB/f38AAAAAAAAAAAAAAAAAAAAAAAAAAAAhAAAAGAAAABQAAADYGAAAGicAACgyAABZKQAAEAAAAA=="/>
               </a:ext>
             </a:extLst>
           </p:cNvSpPr>
@@ -1837,7 +1841,7 @@
             <a:spLocks noGrp="1" noChangeArrowheads="1"/>
             <a:extLst>
               <a:ext uri="smNativeData">
-                <pr:smNativeData xmlns="" xmlns:pr="smNativeData" val="SMDATA_12_7hxgVxMAAAAlAAAAZAAAAA0AAAAAkAAAAEgAAACQAAAASAAAAAAAAAABAAAAAAAAAAEAAABQAAAAAAAAAAAA4D8AAAAAAADgPwAAAAAAAOA/AAAAAAAA4D8AAAAAAADgPwAAAAAAAOA/AAAAAAAA4D8AAAAAAADgPwAAAAAAAOA/AAAAAAAA4D8CAAAAjAAAAAAAAAAAAAAA////AP///wgAAAAAAAAAAAAAAAAAAAAAAAAAAAAAAAAAAAAAeAAAAAEAAABAAAAAAAAAAAAAAABaAAAAAAAAAAAAAAAAAAAAAAAAAAAAAAAAAAAAAAAAAAAAAAAAAAAAAAAAAAAAAAAAAAAAAAAAAAAAAAAAAAAAAAAAAAAAAAAAAAAAFAAAADwAAAAAAAAAAAAAAAAAAAAPAAAAAQAAACMAAAAjAAAAIwAAAB4AAAAAAAAAZAAAAGQAAAAAAAAAZAAAAGQAAAAVAAAAYAAAAAAAAAAAAAAADwAAACADAAAAAAAAAAAAAAEAAACgMgAAVgcAAKr4//8BAAAAf39/AAEAAABkAAAAAAAAABQAAABAHwAAAAAAACYAAAAAAAAAwOD//wAAAAAmAAAAZAAAABYAAABMAAAAAAAAAAAAAAAEAAAAAAAAAAEAAADn5uYKAAAAACgAAAAoAAAAZAAAAGQAAAAAAAAAzMzMAAAAAABQAAAAUAAAAGQAAABkAAAAAAAAABcAAAAUAAAAAAAAAAAAAAD/fwAA/38AAAAAAAAJAAAABAAAAAAAAAAMAAAAEAAAAAAAAAAAAAAAAAAAAAAAAAAeAAAAaAAAAAAAAAAAAAAAAAAAAAAAAAAAAAAAECcAABAnAAAAAAAAAAAAAAAAAAAAAAAAAAAAAAAAAAAAAAAAAAAAABQAAAAAAAAAwMD/AAAAAABkAAAAMgAAAAAAAABkAAAAAAAAAH9/fwAKAAAAHwAAAFQAAAD///8A////AQAAAAAAAAAAAAAAAAAAAAAAAAAAAAAAAAAAAAAAAAAAAAAAAH9/fwDn5uYDzMzMAMDA/wB/f38AAAAAAAAAAAAAAAAAAAAAAAAAAAAhAAAAGAAAABQAAAAoBQAAGicAAAgWAABZKQAAEAAAAA=="/>
+                <pr:smNativeData xmlns:pr="smNativeData" xmlns="" val="SMDATA_12_7hxgVxMAAAAlAAAAZAAAAA0AAAAAkAAAAEgAAACQAAAASAAAAAAAAAABAAAAAAAAAAEAAABQAAAAAAAAAAAA4D8AAAAAAADgPwAAAAAAAOA/AAAAAAAA4D8AAAAAAADgPwAAAAAAAOA/AAAAAAAA4D8AAAAAAADgPwAAAAAAAOA/AAAAAAAA4D8CAAAAjAAAAAAAAAAAAAAA////AP///wgAAAAAAAAAAAAAAAAAAAAAAAAAAAAAAAAAAAAAeAAAAAEAAABAAAAAAAAAAAAAAABaAAAAAAAAAAAAAAAAAAAAAAAAAAAAAAAAAAAAAAAAAAAAAAAAAAAAAAAAAAAAAAAAAAAAAAAAAAAAAAAAAAAAAAAAAAAAAAAAAAAAFAAAADwAAAAAAAAAAAAAAAAAAAAPAAAAAQAAACMAAAAjAAAAIwAAAB4AAAAAAAAAZAAAAGQAAAAAAAAAZAAAAGQAAAAVAAAAYAAAAAAAAAAAAAAADwAAACADAAAAAAAAAAAAAAEAAACgMgAAVgcAAKr4//8BAAAAf39/AAEAAABkAAAAAAAAABQAAABAHwAAAAAAACYAAAAAAAAAwOD//wAAAAAmAAAAZAAAABYAAABMAAAAAAAAAAAAAAAEAAAAAAAAAAEAAADn5uYKAAAAACgAAAAoAAAAZAAAAGQAAAAAAAAAzMzMAAAAAABQAAAAUAAAAGQAAABkAAAAAAAAABcAAAAUAAAAAAAAAAAAAAD/fwAA/38AAAAAAAAJAAAABAAAAAAAAAAMAAAAEAAAAAAAAAAAAAAAAAAAAAAAAAAeAAAAaAAAAAAAAAAAAAAAAAAAAAAAAAAAAAAAECcAABAnAAAAAAAAAAAAAAAAAAAAAAAAAAAAAAAAAAAAAAAAAAAAABQAAAAAAAAAwMD/AAAAAABkAAAAMgAAAAAAAABkAAAAAAAAAH9/fwAKAAAAHwAAAFQAAAD///8A////AQAAAAAAAAAAAAAAAAAAAAAAAAAAAAAAAAAAAAAAAAAAAAAAAH9/fwDn5uYDzMzMAMDA/wB/f38AAAAAAAAAAAAAAAAAAAAAAAAAAAAhAAAAGAAAABQAAAAoBQAAGicAAAgWAABZKQAAEAAAAA=="/>
               </a:ext>
             </a:extLst>
           </p:cNvSpPr>
@@ -2636,7 +2640,7 @@
           <p:cNvGrpSpPr>
             <a:extLst>
               <a:ext uri="smNativeData">
-                <pr:smNativeData xmlns="" xmlns:pr="smNativeData" val="SMDATA_6_7hxgVxMAAAAlAAAAAQAAAA8BAAAAkAAAAEgAAACQAAAASAAAAAAAAAAAAAAAAAAAABcAAAAUAAAAAAAAAAAAAAD/fwAA/38AAAAAAAAJAAAABAAAAAAAAAAMAAAAEAAAAAAAAAAAAAAAAAAAAAAAAAAfAAAAVAAAAAAAAAAAAAAAAAAAAAAAAAAAAAAAAAAAAAAAAAAAAAAAAAAAAAAAAAAAAAAAAAAAAAAAAAAAAAAAAAAAAAAAAAAAAAAAAAAAAAAAAAAAAAAAAAAAACEAAAAYAAAAFAAAAAAAAACEIQAAAEsAAEMmAAAQAAAA"/>
+                <pr:smNativeData xmlns:pr="smNativeData" xmlns="" val="SMDATA_6_7hxgVxMAAAAlAAAAAQAAAA8BAAAAkAAAAEgAAACQAAAASAAAAAAAAAAAAAAAAAAAABcAAAAUAAAAAAAAAAAAAAD/fwAA/38AAAAAAAAJAAAABAAAAAAAAAAMAAAAEAAAAAAAAAAAAAAAAAAAAAAAAAAfAAAAVAAAAAAAAAAAAAAAAAAAAAAAAAAAAAAAAAAAAAAAAAAAAAAAAAAAAAAAAAAAAAAAAAAAAAAAAAAAAAAAAAAAAAAAAAAAAAAAAAAAAAAAAAAAAAAAAAAAACEAAAAYAAAAFAAAAAAAAACEIQAAAEsAAEMmAAAQAAAA"/>
               </a:ext>
             </a:extLst>
           </p:cNvGrpSpPr>
@@ -2686,7 +2690,7 @@
             <p:cNvSpPr>
               <a:extLst>
                 <a:ext uri="smNativeData">
-                  <pr:smNativeData xmlns="" xmlns:pr="smNativeData" val="SMDATA_12_7hxgVxMAAAAlAAAAZAAAAA0AAAAAkAAAAEgAAACQAAAASAAAAAAAAAABAAAAAAAAAAEAAABQAAAAAAAAAAAA4D8AAAAAAADgPwAAAAAAAOA/AAAAAAAA4D8AAAAAAADgPwAAAAAAAOA/AAAAAAAA4D8AAAAAAADgPwAAAAAAAOA/AAAAAAAA4D8CAAAAjAAAAAEAAAAAAAAAVII1AP///wgAAAAAAAAAAAAAAAAAAAAAAAAAAAAAAAAAAAAAeAAAAAEAAABAAAAAAAAAAAAAAABaAAAAAAAAAAAAAAAAAAAAAAAAAAAAAAAAAAAAAAAAAAAAAAAAAAAAAAAAAAAAAAAAAAAAAAAAAAAAAAAAAAAAAAAAAAAAAAAAAAAAFAAAADwAAAAAAAAAAAAAAAZJjAkUAAAAAQAAABQAAAAUAAAAFAAAAAEAAAAAAAAAZAAAAGQAAAAAAAAAZAAAAGQAAAAVAAAAYAAAAAAAAAAAAAAADwAAACADAAAAAAAAAAAAAAEAAACgMgAAVgcAAKr4//8BAAAAf39/AAEAAABkAAAAAAAAABQAAABAHwAAAAAAACYAAAAAAAAAwOD//wAAAAAmAAAAZAAAABYAAABMAAAAAAAAAAAAAAAEAAAAAAAAAAEAAACWlpYKAAAAACgAAAAoAAAAZAAAAGQAAAAAAAAAzMzMAAAAAABQAAAAUAAAAGQAAABkAAAAAAAAABcAAAAUAAAAAAAAAAAAAAD/fwAA/38AAAAAAAAJAAAABAAAAAAAAAAMAAAAEAAAAAAAAAAAAAAAAAAAAAAAAAAeAAAAaAAAAAAAAAAAAAAAAAAAAAAAAAAAAAAAECcAABAnAAAAAAAAAAAAAAAAAAAAAAAAAAAAAAAAAAAAAAAAAAAAABQAAAAAAAAAwMD/AAAAAABkAAAAMgAAAAAAAABkAAAAAAAAAH9/fwAKAAAAHwAAAFQAAABUgjUA////AQAAAAAAAAAAAAAAAAAAAAAAAAAAAAAAAAAAAAAAAAAAAAAAAn9/fwDn5uYDzMzMAMDA/wB/f38AAAAAAAAAAAAAAAAAAAAAAAAAAAAhAAAAGAAAABQAAADLEgAAhiEAAABLAABDJgAAAAAAAA=="/>
+                  <pr:smNativeData xmlns:pr="smNativeData" xmlns="" val="SMDATA_12_7hxgVxMAAAAlAAAAZAAAAA0AAAAAkAAAAEgAAACQAAAASAAAAAAAAAABAAAAAAAAAAEAAABQAAAAAAAAAAAA4D8AAAAAAADgPwAAAAAAAOA/AAAAAAAA4D8AAAAAAADgPwAAAAAAAOA/AAAAAAAA4D8AAAAAAADgPwAAAAAAAOA/AAAAAAAA4D8CAAAAjAAAAAEAAAAAAAAAVII1AP///wgAAAAAAAAAAAAAAAAAAAAAAAAAAAAAAAAAAAAAeAAAAAEAAABAAAAAAAAAAAAAAABaAAAAAAAAAAAAAAAAAAAAAAAAAAAAAAAAAAAAAAAAAAAAAAAAAAAAAAAAAAAAAAAAAAAAAAAAAAAAAAAAAAAAAAAAAAAAAAAAAAAAFAAAADwAAAAAAAAAAAAAAAZJjAkUAAAAAQAAABQAAAAUAAAAFAAAAAEAAAAAAAAAZAAAAGQAAAAAAAAAZAAAAGQAAAAVAAAAYAAAAAAAAAAAAAAADwAAACADAAAAAAAAAAAAAAEAAACgMgAAVgcAAKr4//8BAAAAf39/AAEAAABkAAAAAAAAABQAAABAHwAAAAAAACYAAAAAAAAAwOD//wAAAAAmAAAAZAAAABYAAABMAAAAAAAAAAAAAAAEAAAAAAAAAAEAAACWlpYKAAAAACgAAAAoAAAAZAAAAGQAAAAAAAAAzMzMAAAAAABQAAAAUAAAAGQAAABkAAAAAAAAABcAAAAUAAAAAAAAAAAAAAD/fwAA/38AAAAAAAAJAAAABAAAAAAAAAAMAAAAEAAAAAAAAAAAAAAAAAAAAAAAAAAeAAAAaAAAAAAAAAAAAAAAAAAAAAAAAAAAAAAAECcAABAnAAAAAAAAAAAAAAAAAAAAAAAAAAAAAAAAAAAAAAAAAAAAABQAAAAAAAAAwMD/AAAAAABkAAAAMgAAAAAAAABkAAAAAAAAAH9/fwAKAAAAHwAAAFQAAABUgjUA////AQAAAAAAAAAAAAAAAAAAAAAAAAAAAAAAAAAAAAAAAAAAAAAAAn9/fwDn5uYDzMzMAMDA/wB/f38AAAAAAAAAAAAAAAAAAAAAAAAAAAAhAAAAGAAAABQAAADLEgAAhiEAAABLAABDJgAAAAAAAA=="/>
                 </a:ext>
               </a:extLst>
             </p:cNvSpPr>
@@ -2837,7 +2841,7 @@
             <p:cNvSpPr>
               <a:extLst>
                 <a:ext uri="smNativeData">
-                  <pr:smNativeData xmlns="" xmlns:pr="smNativeData" val="SMDATA_12_7hxgVxMAAAAlAAAAZAAAAA0AAAAAkAAAAEgAAACQAAAASAAAAAAAAAABAAAAAAAAAAEAAABQAAAAAAAAAAAA4D8AAAAAAADgPwAAAAAAAOA/AAAAAAAA4D8AAAAAAADgPwAAAAAAAOA/AAAAAAAA4D8AAAAAAADgPwAAAAAAAOA/AAAAAAAA4D8CAAAAjAAAAAEAAAAAAAAA/8AAAP///wgAAAAAAAAAAAAAAAAAAAAAAAAAAAAAAAAAAAAAeAAAAAEAAABAAAAAAAAAAAAAAABaAAAAAAAAAAAAAAAAAAAAAAAAAAAAAAAAAAAAAAAAAAAAAAAAAAAAAAAAAAAAAAAAAAAAAAAAAAAAAAAAAAAAAAAAAAAAAAAAAAAAFAAAADwAAAAAAAAAAAAAAAZJjAkUAAAAAQAAABQAAAAUAAAAFAAAAAEAAAAAAAAAZAAAAGQAAAAAAAAAZAAAAGQAAAAVAAAAYAAAAAAAAAAAAAAADwAAACADAAAAAAAAAAAAAAEAAACgMgAAVgcAAKr4//8BAAAAf39/AAEAAABkAAAAAAAAABQAAABAHwAAAAAAACYAAAAAAAAAwOD//wAAAAAmAAAAZAAAABYAAABMAAAAAAAAAAAAAAAEAAAAAAAAAAEAAACWlpYKAAAAACgAAAAoAAAAZAAAAGQAAAAAAAAAzMzMAAAAAABQAAAAUAAAAGQAAABkAAAAAAAAABcAAAAUAAAAAAAAAAAAAAD/fwAA/38AAAAAAAAJAAAABAAAAAAAAAAMAAAAEAAAAAAAAAAAAAAAAAAAAAAAAAAeAAAAaAAAAAAAAAAAAAAAAAAAAAAAAAAAAAAAECcAABAnAAAAAAAAAAAAAAAAAAAAAAAAAAAAAAAAAAAAAAAAAAAAABQAAAAAAAAAwMD/AAAAAABkAAAAMgAAAAAAAABkAAAAAAAAAH9/fwAKAAAAHwAAAFQAAAD/wAAA////AQAAAAAAAAAAAAAAAAAAAAAAAAAAAAAAAAAAAAAAAAAAAAAAAn9/fwDn5uYDzMzMAMDA/wB/f38AAAAAAAAAAAAAAAAAAAAAAAAAAAAhAAAAGAAAABQAAAAAAAAAhCEAAMsSAABBJgAAAAAAAA=="/>
+                  <pr:smNativeData xmlns:pr="smNativeData" xmlns="" val="SMDATA_12_7hxgVxMAAAAlAAAAZAAAAA0AAAAAkAAAAEgAAACQAAAASAAAAAAAAAABAAAAAAAAAAEAAABQAAAAAAAAAAAA4D8AAAAAAADgPwAAAAAAAOA/AAAAAAAA4D8AAAAAAADgPwAAAAAAAOA/AAAAAAAA4D8AAAAAAADgPwAAAAAAAOA/AAAAAAAA4D8CAAAAjAAAAAEAAAAAAAAA/8AAAP///wgAAAAAAAAAAAAAAAAAAAAAAAAAAAAAAAAAAAAAeAAAAAEAAABAAAAAAAAAAAAAAABaAAAAAAAAAAAAAAAAAAAAAAAAAAAAAAAAAAAAAAAAAAAAAAAAAAAAAAAAAAAAAAAAAAAAAAAAAAAAAAAAAAAAAAAAAAAAAAAAAAAAFAAAADwAAAAAAAAAAAAAAAZJjAkUAAAAAQAAABQAAAAUAAAAFAAAAAEAAAAAAAAAZAAAAGQAAAAAAAAAZAAAAGQAAAAVAAAAYAAAAAAAAAAAAAAADwAAACADAAAAAAAAAAAAAAEAAACgMgAAVgcAAKr4//8BAAAAf39/AAEAAABkAAAAAAAAABQAAABAHwAAAAAAACYAAAAAAAAAwOD//wAAAAAmAAAAZAAAABYAAABMAAAAAAAAAAAAAAAEAAAAAAAAAAEAAACWlpYKAAAAACgAAAAoAAAAZAAAAGQAAAAAAAAAzMzMAAAAAABQAAAAUAAAAGQAAABkAAAAAAAAABcAAAAUAAAAAAAAAAAAAAD/fwAA/38AAAAAAAAJAAAABAAAAAAAAAAMAAAAEAAAAAAAAAAAAAAAAAAAAAAAAAAeAAAAaAAAAAAAAAAAAAAAAAAAAAAAAAAAAAAAECcAABAnAAAAAAAAAAAAAAAAAAAAAAAAAAAAAAAAAAAAAAAAAAAAABQAAAAAAAAAwMD/AAAAAABkAAAAMgAAAAAAAABkAAAAAAAAAH9/fwAKAAAAHwAAAFQAAAD/wAAA////AQAAAAAAAAAAAAAAAAAAAAAAAAAAAAAAAAAAAAAAAAAAAAAAAn9/fwDn5uYDzMzMAMDA/wB/f38AAAAAAAAAAAAAAAAAAAAAAAAAAAAhAAAAGAAAABQAAAAAAAAAhCEAAMsSAABBJgAAAAAAAA=="/>
                 </a:ext>
               </a:extLst>
             </p:cNvSpPr>
@@ -2990,7 +2994,7 @@
             <a:spLocks noGrp="1" noChangeArrowheads="1"/>
             <a:extLst>
               <a:ext uri="smNativeData">
-                <pr:smNativeData xmlns="" xmlns:pr="smNativeData" val="SMDATA_12_7hxgVxMAAAAlAAAAZAAAAA0AAAAAkAAAAEgAAACQAAAASAAAAAAAAAACAAAAAAAAAAEAAABQAAAAAAAAAAAA4D8AAAAAAADgPwAAAAAAAOA/AAAAAAAA4D8AAAAAAADgPwAAAAAAAOA/AAAAAAAA4D8AAAAAAADgPwAAAAAAAOA/AAAAAAAA4D8CAAAAjAAAAAAAAAAAAAAA////DP///wgAAAAAAAAAAAAAAAAAAAAAAAAAAAAAAAAAAAAAZAAAAAEAAABAAAAAAAAAAAAAAAAAAAAAAAAAAAAAAAAAAAAAAAAAAAAAAAAAAAAAAAAAAAAAAAAAAAAAAAAAAAAAAAAAAAAAAAAAAAAAAAAAAAAAAAAAAAAAAAAAAAAAFAAAADwAAAAAAAAAAAAAAAZJjAkUAAAAAQAAABQAAAAUAAAAFAAAAAEAAAAAAAAAZAAAAGQAAAAAAAAAZAAAAGQAAAAVAAAAYAAAAAAAAAAAAAAADwAAACADAAAAAAAAAAAAAAEAAACgMgAAVgcAAKr4//8BAAAAf39/AAEAAABkAAAAAAAAABQAAABAHwAAAAAAACYAAAAAAAAAwOD//wAAAAAmAAAAZAAAABYAAABMAAAAAAAAAAAAAAAEAAAAAAAAAAEAAACWlpYKAAAAACgAAAAoAAAAZAAAAGQAAAAAAAAAzMzMAAAAAABQAAAAUAAAAGQAAABkAAAAAAAAABcAAAAUAAAAAAAAAAAAAAD/fwAA/38AAAAAAAAJAAAABAAAAAAAAAAMAAAAEAAAAAAAAAAAAAAAAAAAAAAAAAAeAAAAaAAAAAAAAAAAAAAAAAAAAAAAAAAAAAAAECcAABAnAAAAAAAAAAAAAAAAAAAAAAAAAAAAAAAAAAAAAAAAAAAAABQAAAAAAAAAwMD/AAAAAABkAAAAMgAAAAAAAABkAAAAAAAAAH9/fwAKAAAAHwAAAFQAAABbm9UF////AQAAAAAAAAAAAAAAAAAAAAAAAAAAAAAAAAAAAAAAAAAAAAAAAn9/fwDn5uYDzMzMAMDA/wB/f38AAAAAAAAAAAAAAAAAAAAAAAAAAAAhAAAAGAAAABQAAADLEgAAFQkAAItHAABTHgAAAAAAAA=="/>
+                <pr:smNativeData xmlns:pr="smNativeData" xmlns="" val="SMDATA_12_7hxgVxMAAAAlAAAAZAAAAA0AAAAAkAAAAEgAAACQAAAASAAAAAAAAAACAAAAAAAAAAEAAABQAAAAAAAAAAAA4D8AAAAAAADgPwAAAAAAAOA/AAAAAAAA4D8AAAAAAADgPwAAAAAAAOA/AAAAAAAA4D8AAAAAAADgPwAAAAAAAOA/AAAAAAAA4D8CAAAAjAAAAAAAAAAAAAAA////DP///wgAAAAAAAAAAAAAAAAAAAAAAAAAAAAAAAAAAAAAZAAAAAEAAABAAAAAAAAAAAAAAAAAAAAAAAAAAAAAAAAAAAAAAAAAAAAAAAAAAAAAAAAAAAAAAAAAAAAAAAAAAAAAAAAAAAAAAAAAAAAAAAAAAAAAAAAAAAAAAAAAAAAAFAAAADwAAAAAAAAAAAAAAAZJjAkUAAAAAQAAABQAAAAUAAAAFAAAAAEAAAAAAAAAZAAAAGQAAAAAAAAAZAAAAGQAAAAVAAAAYAAAAAAAAAAAAAAADwAAACADAAAAAAAAAAAAAAEAAACgMgAAVgcAAKr4//8BAAAAf39/AAEAAABkAAAAAAAAABQAAABAHwAAAAAAACYAAAAAAAAAwOD//wAAAAAmAAAAZAAAABYAAABMAAAAAAAAAAAAAAAEAAAAAAAAAAEAAACWlpYKAAAAACgAAAAoAAAAZAAAAGQAAAAAAAAAzMzMAAAAAABQAAAAUAAAAGQAAABkAAAAAAAAABcAAAAUAAAAAAAAAAAAAAD/fwAA/38AAAAAAAAJAAAABAAAAAAAAAAMAAAAEAAAAAAAAAAAAAAAAAAAAAAAAAAeAAAAaAAAAAAAAAAAAAAAAAAAAAAAAAAAAAAAECcAABAnAAAAAAAAAAAAAAAAAAAAAAAAAAAAAAAAAAAAAAAAAAAAABQAAAAAAAAAwMD/AAAAAABkAAAAMgAAAAAAAABkAAAAAAAAAH9/fwAKAAAAHwAAAFQAAABbm9UF////AQAAAAAAAAAAAAAAAAAAAAAAAAAAAAAAAAAAAAAAAAAAAAAAAn9/fwDn5uYDzMzMAMDA/wB/f38AAAAAAAAAAAAAAAAAAAAAAAAAAAAhAAAAGAAAABQAAADLEgAAFQkAAItHAABTHgAAAAAAAA=="/>
               </a:ext>
             </a:extLst>
           </p:cNvSpPr>
@@ -3053,7 +3057,7 @@
             <a:spLocks noGrp="1" noChangeArrowheads="1"/>
             <a:extLst>
               <a:ext uri="smNativeData">
-                <pr:smNativeData xmlns="" xmlns:pr="smNativeData" val="SMDATA_12_7hxgVxMAAAAlAAAAZAAAAA0AAAAAkAAAAEgAAACQAAAASAAAAAAAAAAAAAAAAAAAAAEAAABQAAAAAAAAAAAA4D8AAAAAAADgPwAAAAAAAOA/AAAAAAAA4D8AAAAAAADgPwAAAAAAAOA/AAAAAAAA4D8AAAAAAADgPwAAAAAAAOA/AAAAAAAA4D8CAAAAjAAAAAAAAAAAAAAA////DP///wgAAAAAAAAAAAAAAAAAAAAAAAAAAAAAAAAAAAAAZAAAAAEAAABAAAAAAAAAAAAAAAAAAAAAAAAAAAAAAAAAAAAAAAAAAAAAAAAAAAAAAAAAAAAAAAAAAAAAAAAAAAAAAAAAAAAAAAAAAAAAAAAAAAAAAAAAAAAAAAAAAAAAFAAAADwAAAAAAAAAAAAAAAZJjAkUAAAAAQAAABQAAAAUAAAAFAAAAAEAAAAAAAAAZAAAAGQAAAAAAAAAZAAAAGQAAAAVAAAAYAAAAAAAAAAAAAAADwAAACADAAAAAAAAAAAAAAEAAACgMgAAVgcAAKr4//8BAAAAf39/AAEAAABkAAAAAAAAABQAAABAHwAAAAAAACYAAAAAAAAAwOD//wAAAAAmAAAAZAAAABYAAABMAAAAAAAAAAAAAAAEAAAAAAAAAAEAAACWlpYKAAAAACgAAAAoAAAAZAAAAGQAAAAAAAAAzMzMAAAAAABQAAAAUAAAAGQAAABkAAAAAAAAABcAAAAUAAAAAAAAAAAAAAD/fwAA/38AAAAAAAAJAAAABAAAAAAAAAAMAAAAEAAAAAAAAAAAAAAAAAAAAAAAAAAeAAAAaAAAAAAAAAAAAAAAAAAAAAAAAAAAAAAAECcAABAnAAAAAAAAAAAAAAAAAAAAAAAAAAAAAAAAAAAAAAAAAAAAABQAAAAAAAAAwMD/AAAAAABkAAAAMgAAAAAAAABkAAAAAAAAAH9/fwAKAAAAHwAAAFQAAABbm9UF////AQAAAAAAAAAAAAAAAAAAAAAAAAAAAAAAAAAAAAAAAAAAAAAAAn9/fwDn5uYDzMzMAMDA/wB/f38AAAAAAAAAAAAAAAAAAAAAAAAAAAAhAAAAGAAAABQAAADAEgAAzyEAAABLAAAWJgAAEAAAAA=="/>
+                <pr:smNativeData xmlns:pr="smNativeData" xmlns="" val="SMDATA_12_7hxgVxMAAAAlAAAAZAAAAA0AAAAAkAAAAEgAAACQAAAASAAAAAAAAAAAAAAAAAAAAAEAAABQAAAAAAAAAAAA4D8AAAAAAADgPwAAAAAAAOA/AAAAAAAA4D8AAAAAAADgPwAAAAAAAOA/AAAAAAAA4D8AAAAAAADgPwAAAAAAAOA/AAAAAAAA4D8CAAAAjAAAAAAAAAAAAAAA////DP///wgAAAAAAAAAAAAAAAAAAAAAAAAAAAAAAAAAAAAAZAAAAAEAAABAAAAAAAAAAAAAAAAAAAAAAAAAAAAAAAAAAAAAAAAAAAAAAAAAAAAAAAAAAAAAAAAAAAAAAAAAAAAAAAAAAAAAAAAAAAAAAAAAAAAAAAAAAAAAAAAAAAAAFAAAADwAAAAAAAAAAAAAAAZJjAkUAAAAAQAAABQAAAAUAAAAFAAAAAEAAAAAAAAAZAAAAGQAAAAAAAAAZAAAAGQAAAAVAAAAYAAAAAAAAAAAAAAADwAAACADAAAAAAAAAAAAAAEAAACgMgAAVgcAAKr4//8BAAAAf39/AAEAAABkAAAAAAAAABQAAABAHwAAAAAAACYAAAAAAAAAwOD//wAAAAAmAAAAZAAAABYAAABMAAAAAAAAAAAAAAAEAAAAAAAAAAEAAACWlpYKAAAAACgAAAAoAAAAZAAAAGQAAAAAAAAAzMzMAAAAAABQAAAAUAAAAGQAAABkAAAAAAAAABcAAAAUAAAAAAAAAAAAAAD/fwAA/38AAAAAAAAJAAAABAAAAAAAAAAMAAAAEAAAAAAAAAAAAAAAAAAAAAAAAAAeAAAAaAAAAAAAAAAAAAAAAAAAAAAAAAAAAAAAECcAABAnAAAAAAAAAAAAAAAAAAAAAAAAAAAAAAAAAAAAAAAAAAAAABQAAAAAAAAAwMD/AAAAAABkAAAAMgAAAAAAAABkAAAAAAAAAH9/fwAKAAAAHwAAAFQAAABbm9UF////AQAAAAAAAAAAAAAAAAAAAAAAAAAAAAAAAAAAAAAAAAAAAAAAAn9/fwDn5uYDzMzMAMDA/wB/f38AAAAAAAAAAAAAAAAAAAAAAAAAAAAhAAAAGAAAABQAAADAEgAAzyEAAABLAAAWJgAAEAAAAA=="/>
               </a:ext>
             </a:extLst>
           </p:cNvSpPr>
@@ -14869,24 +14873,176 @@
       </p:sp>
       <p:sp>
         <p:nvSpPr>
-          <p:cNvPr id="4" name="Espaço Reservado para Rodapé 3"/>
-          <p:cNvSpPr>
-            <a:spLocks noGrp="1"/>
-          </p:cNvSpPr>
-          <p:nvPr>
-            <p:ph type="ftr" sz="quarter" idx="11"/>
-          </p:nvPr>
-        </p:nvSpPr>
-        <p:spPr/>
-        <p:txBody>
-          <a:bodyPr/>
-          <a:lstStyle/>
-          <a:p>
+          <p:cNvPr id="5" name="Espaço Reservado para Rodapé 3"/>
+          <p:cNvSpPr txBox="1">
+            <a:spLocks noGrp="1"/>
+          </p:cNvSpPr>
+          <p:nvPr>
+            <p:ph type="ftr" sz="quarter" idx="4294967295"/>
+          </p:nvPr>
+        </p:nvSpPr>
+        <p:spPr>
+          <a:xfrm>
+            <a:off x="3028950" y="6356351"/>
+            <a:ext cx="3086100" cy="365125"/>
+          </a:xfrm>
+          <a:prstGeom prst="rect">
+            <a:avLst/>
+          </a:prstGeom>
+        </p:spPr>
+        <p:txBody>
+          <a:bodyPr/>
+          <a:lstStyle>
+            <a:defPPr>
+              <a:defRPr lang="pt-BR"/>
+            </a:defPPr>
+            <a:lvl1pPr marL="0" algn="l" defTabSz="914400" rtl="0" eaLnBrk="1" latinLnBrk="0" hangingPunct="1">
+              <a:defRPr sz="1800" kern="1200">
+                <a:solidFill>
+                  <a:schemeClr val="tx1"/>
+                </a:solidFill>
+                <a:latin typeface="+mn-lt"/>
+                <a:ea typeface="+mn-ea"/>
+                <a:cs typeface="+mn-cs"/>
+              </a:defRPr>
+            </a:lvl1pPr>
+            <a:lvl2pPr marL="457200" algn="l" defTabSz="914400" rtl="0" eaLnBrk="1" latinLnBrk="0" hangingPunct="1">
+              <a:defRPr sz="1800" kern="1200">
+                <a:solidFill>
+                  <a:schemeClr val="tx1"/>
+                </a:solidFill>
+                <a:latin typeface="+mn-lt"/>
+                <a:ea typeface="+mn-ea"/>
+                <a:cs typeface="+mn-cs"/>
+              </a:defRPr>
+            </a:lvl2pPr>
+            <a:lvl3pPr marL="914400" algn="l" defTabSz="914400" rtl="0" eaLnBrk="1" latinLnBrk="0" hangingPunct="1">
+              <a:defRPr sz="1800" kern="1200">
+                <a:solidFill>
+                  <a:schemeClr val="tx1"/>
+                </a:solidFill>
+                <a:latin typeface="+mn-lt"/>
+                <a:ea typeface="+mn-ea"/>
+                <a:cs typeface="+mn-cs"/>
+              </a:defRPr>
+            </a:lvl3pPr>
+            <a:lvl4pPr marL="1371600" algn="l" defTabSz="914400" rtl="0" eaLnBrk="1" latinLnBrk="0" hangingPunct="1">
+              <a:defRPr sz="1800" kern="1200">
+                <a:solidFill>
+                  <a:schemeClr val="tx1"/>
+                </a:solidFill>
+                <a:latin typeface="+mn-lt"/>
+                <a:ea typeface="+mn-ea"/>
+                <a:cs typeface="+mn-cs"/>
+              </a:defRPr>
+            </a:lvl4pPr>
+            <a:lvl5pPr marL="1828800" algn="l" defTabSz="914400" rtl="0" eaLnBrk="1" latinLnBrk="0" hangingPunct="1">
+              <a:defRPr sz="1800" kern="1200">
+                <a:solidFill>
+                  <a:schemeClr val="tx1"/>
+                </a:solidFill>
+                <a:latin typeface="+mn-lt"/>
+                <a:ea typeface="+mn-ea"/>
+                <a:cs typeface="+mn-cs"/>
+              </a:defRPr>
+            </a:lvl5pPr>
+            <a:lvl6pPr marL="2286000" algn="l" defTabSz="914400" rtl="0" eaLnBrk="1" latinLnBrk="0" hangingPunct="1">
+              <a:defRPr sz="1800" kern="1200">
+                <a:solidFill>
+                  <a:schemeClr val="tx1"/>
+                </a:solidFill>
+                <a:latin typeface="+mn-lt"/>
+                <a:ea typeface="+mn-ea"/>
+                <a:cs typeface="+mn-cs"/>
+              </a:defRPr>
+            </a:lvl6pPr>
+            <a:lvl7pPr marL="2743200" algn="l" defTabSz="914400" rtl="0" eaLnBrk="1" latinLnBrk="0" hangingPunct="1">
+              <a:defRPr sz="1800" kern="1200">
+                <a:solidFill>
+                  <a:schemeClr val="tx1"/>
+                </a:solidFill>
+                <a:latin typeface="+mn-lt"/>
+                <a:ea typeface="+mn-ea"/>
+                <a:cs typeface="+mn-cs"/>
+              </a:defRPr>
+            </a:lvl7pPr>
+            <a:lvl8pPr marL="3200400" algn="l" defTabSz="914400" rtl="0" eaLnBrk="1" latinLnBrk="0" hangingPunct="1">
+              <a:defRPr sz="1800" kern="1200">
+                <a:solidFill>
+                  <a:schemeClr val="tx1"/>
+                </a:solidFill>
+                <a:latin typeface="+mn-lt"/>
+                <a:ea typeface="+mn-ea"/>
+                <a:cs typeface="+mn-cs"/>
+              </a:defRPr>
+            </a:lvl8pPr>
+            <a:lvl9pPr marL="3657600" algn="l" defTabSz="914400" rtl="0" eaLnBrk="1" latinLnBrk="0" hangingPunct="1">
+              <a:defRPr sz="1800" kern="1200">
+                <a:solidFill>
+                  <a:schemeClr val="tx1"/>
+                </a:solidFill>
+                <a:latin typeface="+mn-lt"/>
+                <a:ea typeface="+mn-ea"/>
+                <a:cs typeface="+mn-cs"/>
+              </a:defRPr>
+            </a:lvl9pPr>
+          </a:lstStyle>
+          <a:p>
+            <a:pPr algn="ctr">
+              <a:defRPr sz="1200">
+                <a:solidFill>
+                  <a:srgbClr val="8C8C8C"/>
+                </a:solidFill>
+                <a:latin typeface="Tw Cen MT" charset="0"/>
+                <a:ea typeface="Calibri" charset="0"/>
+                <a:cs typeface="Calibri" charset="0"/>
+              </a:defRPr>
+            </a:pPr>
             <a:r>
               <a:rPr lang="pt-BR" dirty="0" smtClean="0"/>
               <a:t>Controle de Fluxo e Exceções</a:t>
             </a:r>
             <a:endParaRPr lang="pt-BR" dirty="0"/>
+          </a:p>
+          <a:p>
+            <a:pPr algn="ctr">
+              <a:defRPr sz="1200">
+                <a:solidFill>
+                  <a:srgbClr val="8C8C8C"/>
+                </a:solidFill>
+                <a:latin typeface="Tw Cen MT" charset="0"/>
+                <a:ea typeface="Calibri" charset="0"/>
+                <a:cs typeface="Calibri" charset="0"/>
+              </a:defRPr>
+            </a:pPr>
+            <a:endParaRPr lang="pt-BR" sz="1200" dirty="0" smtClean="0">
+              <a:solidFill>
+                <a:srgbClr val="8C8C8C"/>
+              </a:solidFill>
+              <a:latin typeface="Tw Cen MT" charset="0"/>
+              <a:ea typeface="Calibri" charset="0"/>
+              <a:cs typeface="Calibri" charset="0"/>
+            </a:endParaRPr>
+          </a:p>
+          <a:p>
+            <a:pPr algn="ctr">
+              <a:defRPr sz="1200">
+                <a:solidFill>
+                  <a:srgbClr val="8C8C8C"/>
+                </a:solidFill>
+                <a:latin typeface="Tw Cen MT" charset="0"/>
+                <a:ea typeface="Calibri" charset="0"/>
+                <a:cs typeface="Calibri" charset="0"/>
+              </a:defRPr>
+            </a:pPr>
+            <a:endParaRPr lang="pt-BR" sz="1200" dirty="0">
+              <a:solidFill>
+                <a:srgbClr val="8C8C8C"/>
+              </a:solidFill>
+              <a:latin typeface="Tw Cen MT" charset="0"/>
+              <a:ea typeface="Calibri" charset="0"/>
+              <a:cs typeface="Calibri" charset="0"/>
+            </a:endParaRPr>
           </a:p>
         </p:txBody>
       </p:sp>
@@ -14929,12 +15085,12 @@
       </p:grpSpPr>
       <p:sp>
         <p:nvSpPr>
-          <p:cNvPr id="2" name="Título 1"/>
-          <p:cNvSpPr>
-            <a:spLocks noGrp="1"/>
-          </p:cNvSpPr>
-          <p:nvPr>
-            <p:ph type="ctrTitle"/>
+          <p:cNvPr id="5" name="Título 4"/>
+          <p:cNvSpPr>
+            <a:spLocks noGrp="1"/>
+          </p:cNvSpPr>
+          <p:nvPr>
+            <p:ph type="title"/>
           </p:nvPr>
         </p:nvSpPr>
         <p:spPr/>
@@ -14943,94 +15099,301 @@
           <a:lstStyle/>
           <a:p>
             <a:r>
-              <a:rPr lang="pt-BR" dirty="0" smtClean="0"/>
-              <a:t>Criando Loops</a:t>
-            </a:r>
+              <a:rPr lang="pt-BR" dirty="0"/>
+              <a:t>Usando </a:t>
+            </a:r>
+            <a:r>
+              <a:rPr lang="pt-BR" dirty="0" err="1"/>
+              <a:t>if</a:t>
+            </a:r>
+            <a:r>
+              <a:rPr lang="pt-BR" dirty="0"/>
+              <a:t> e switch</a:t>
+            </a:r>
+          </a:p>
+        </p:txBody>
+      </p:sp>
+      <p:sp>
+        <p:nvSpPr>
+          <p:cNvPr id="6" name="Espaço Reservado para Conteúdo 5"/>
+          <p:cNvSpPr>
+            <a:spLocks noGrp="1"/>
+          </p:cNvSpPr>
+          <p:nvPr>
+            <p:ph idx="1"/>
+          </p:nvPr>
+        </p:nvSpPr>
+        <p:spPr/>
+        <p:txBody>
+          <a:bodyPr/>
+          <a:lstStyle/>
+          <a:p>
+            <a:r>
+              <a:rPr lang="pt-BR" dirty="0" err="1" smtClean="0"/>
+              <a:t>Branching</a:t>
+            </a:r>
+            <a:r>
+              <a:rPr lang="pt-BR" dirty="0" smtClean="0"/>
+              <a:t> </a:t>
+            </a:r>
+            <a:r>
+              <a:rPr lang="pt-BR" dirty="0" err="1" smtClean="0"/>
+              <a:t>if-else</a:t>
+            </a:r>
+            <a:endParaRPr lang="pt-BR" dirty="0" smtClean="0"/>
+          </a:p>
+          <a:p>
+            <a:pPr lvl="1"/>
+            <a:r>
+              <a:rPr lang="pt-BR" dirty="0" smtClean="0"/>
+              <a:t>Expressões válidas para as cláusulas </a:t>
+            </a:r>
+            <a:r>
+              <a:rPr lang="pt-BR" dirty="0" err="1" smtClean="0"/>
+              <a:t>if</a:t>
+            </a:r>
+            <a:endParaRPr lang="pt-BR" dirty="0" smtClean="0"/>
+          </a:p>
+          <a:p>
+            <a:r>
+              <a:rPr lang="pt-BR" dirty="0" smtClean="0"/>
+              <a:t>Cláusulas switch</a:t>
+            </a:r>
+          </a:p>
+          <a:p>
+            <a:pPr lvl="1"/>
+            <a:r>
+              <a:rPr lang="pt-BR" dirty="0" smtClean="0"/>
+              <a:t>Expressões válidas para switch e case</a:t>
+            </a:r>
+          </a:p>
+          <a:p>
+            <a:pPr lvl="1"/>
+            <a:r>
+              <a:rPr lang="pt-BR" dirty="0" smtClean="0"/>
+              <a:t>Uma introdução para a “igualdade” em </a:t>
+            </a:r>
+            <a:r>
+              <a:rPr lang="pt-BR" dirty="0" err="1" smtClean="0"/>
+              <a:t>Strings</a:t>
+            </a:r>
+            <a:endParaRPr lang="pt-BR" dirty="0" smtClean="0"/>
+          </a:p>
+          <a:p>
+            <a:pPr lvl="1"/>
+            <a:r>
+              <a:rPr lang="pt-BR" dirty="0" smtClean="0"/>
+              <a:t>Break e </a:t>
+            </a:r>
+            <a:r>
+              <a:rPr lang="pt-BR" dirty="0" err="1" smtClean="0"/>
+              <a:t>cascateamento</a:t>
+            </a:r>
+            <a:r>
+              <a:rPr lang="pt-BR" dirty="0" smtClean="0"/>
+              <a:t> nos blocos switch</a:t>
+            </a:r>
+          </a:p>
+          <a:p>
+            <a:pPr lvl="1"/>
+            <a:r>
+              <a:rPr lang="pt-BR" dirty="0" smtClean="0"/>
+              <a:t>O case default</a:t>
+            </a:r>
+          </a:p>
+          <a:p>
+            <a:pPr marL="457200" lvl="1" indent="0">
+              <a:buNone/>
+            </a:pPr>
             <a:endParaRPr lang="pt-BR" dirty="0"/>
           </a:p>
         </p:txBody>
       </p:sp>
       <p:sp>
         <p:nvSpPr>
-          <p:cNvPr id="3" name="Subtítulo 2"/>
-          <p:cNvSpPr>
-            <a:spLocks noGrp="1"/>
-          </p:cNvSpPr>
-          <p:nvPr>
-            <p:ph type="subTitle" idx="1"/>
-          </p:nvPr>
-        </p:nvSpPr>
-        <p:spPr/>
-        <p:txBody>
-          <a:bodyPr/>
-          <a:lstStyle/>
-          <a:p>
-            <a:r>
-              <a:rPr lang="pt-BR" dirty="0" smtClean="0"/>
-              <a:t>OCA </a:t>
-            </a:r>
-            <a:r>
-              <a:rPr lang="pt-BR" dirty="0" err="1" smtClean="0"/>
-              <a:t>Objectives</a:t>
-            </a:r>
-            <a:r>
-              <a:rPr lang="pt-BR" dirty="0" smtClean="0"/>
-              <a:t> 5.1, 5.2, 5.3, 5.4 </a:t>
-            </a:r>
-            <a:r>
-              <a:rPr lang="pt-BR" dirty="0" err="1" smtClean="0"/>
-              <a:t>and</a:t>
-            </a:r>
-            <a:r>
-              <a:rPr lang="pt-BR" dirty="0" smtClean="0"/>
-              <a:t> 5.5</a:t>
+          <p:cNvPr id="7" name="Espaço Reservado para Rodapé 3"/>
+          <p:cNvSpPr txBox="1">
+            <a:spLocks noGrp="1"/>
+          </p:cNvSpPr>
+          <p:nvPr>
+            <p:ph type="ftr" sz="quarter" idx="4294967295"/>
+          </p:nvPr>
+        </p:nvSpPr>
+        <p:spPr>
+          <a:xfrm>
+            <a:off x="3028950" y="6356351"/>
+            <a:ext cx="3086100" cy="365125"/>
+          </a:xfrm>
+          <a:prstGeom prst="rect">
+            <a:avLst/>
+          </a:prstGeom>
+        </p:spPr>
+        <p:txBody>
+          <a:bodyPr/>
+          <a:lstStyle>
+            <a:defPPr>
+              <a:defRPr lang="pt-BR"/>
+            </a:defPPr>
+            <a:lvl1pPr marL="0" algn="l" defTabSz="914400" rtl="0" eaLnBrk="1" latinLnBrk="0" hangingPunct="1">
+              <a:defRPr sz="1800" kern="1200">
+                <a:solidFill>
+                  <a:schemeClr val="tx1"/>
+                </a:solidFill>
+                <a:latin typeface="+mn-lt"/>
+                <a:ea typeface="+mn-ea"/>
+                <a:cs typeface="+mn-cs"/>
+              </a:defRPr>
+            </a:lvl1pPr>
+            <a:lvl2pPr marL="457200" algn="l" defTabSz="914400" rtl="0" eaLnBrk="1" latinLnBrk="0" hangingPunct="1">
+              <a:defRPr sz="1800" kern="1200">
+                <a:solidFill>
+                  <a:schemeClr val="tx1"/>
+                </a:solidFill>
+                <a:latin typeface="+mn-lt"/>
+                <a:ea typeface="+mn-ea"/>
+                <a:cs typeface="+mn-cs"/>
+              </a:defRPr>
+            </a:lvl2pPr>
+            <a:lvl3pPr marL="914400" algn="l" defTabSz="914400" rtl="0" eaLnBrk="1" latinLnBrk="0" hangingPunct="1">
+              <a:defRPr sz="1800" kern="1200">
+                <a:solidFill>
+                  <a:schemeClr val="tx1"/>
+                </a:solidFill>
+                <a:latin typeface="+mn-lt"/>
+                <a:ea typeface="+mn-ea"/>
+                <a:cs typeface="+mn-cs"/>
+              </a:defRPr>
+            </a:lvl3pPr>
+            <a:lvl4pPr marL="1371600" algn="l" defTabSz="914400" rtl="0" eaLnBrk="1" latinLnBrk="0" hangingPunct="1">
+              <a:defRPr sz="1800" kern="1200">
+                <a:solidFill>
+                  <a:schemeClr val="tx1"/>
+                </a:solidFill>
+                <a:latin typeface="+mn-lt"/>
+                <a:ea typeface="+mn-ea"/>
+                <a:cs typeface="+mn-cs"/>
+              </a:defRPr>
+            </a:lvl4pPr>
+            <a:lvl5pPr marL="1828800" algn="l" defTabSz="914400" rtl="0" eaLnBrk="1" latinLnBrk="0" hangingPunct="1">
+              <a:defRPr sz="1800" kern="1200">
+                <a:solidFill>
+                  <a:schemeClr val="tx1"/>
+                </a:solidFill>
+                <a:latin typeface="+mn-lt"/>
+                <a:ea typeface="+mn-ea"/>
+                <a:cs typeface="+mn-cs"/>
+              </a:defRPr>
+            </a:lvl5pPr>
+            <a:lvl6pPr marL="2286000" algn="l" defTabSz="914400" rtl="0" eaLnBrk="1" latinLnBrk="0" hangingPunct="1">
+              <a:defRPr sz="1800" kern="1200">
+                <a:solidFill>
+                  <a:schemeClr val="tx1"/>
+                </a:solidFill>
+                <a:latin typeface="+mn-lt"/>
+                <a:ea typeface="+mn-ea"/>
+                <a:cs typeface="+mn-cs"/>
+              </a:defRPr>
+            </a:lvl6pPr>
+            <a:lvl7pPr marL="2743200" algn="l" defTabSz="914400" rtl="0" eaLnBrk="1" latinLnBrk="0" hangingPunct="1">
+              <a:defRPr sz="1800" kern="1200">
+                <a:solidFill>
+                  <a:schemeClr val="tx1"/>
+                </a:solidFill>
+                <a:latin typeface="+mn-lt"/>
+                <a:ea typeface="+mn-ea"/>
+                <a:cs typeface="+mn-cs"/>
+              </a:defRPr>
+            </a:lvl7pPr>
+            <a:lvl8pPr marL="3200400" algn="l" defTabSz="914400" rtl="0" eaLnBrk="1" latinLnBrk="0" hangingPunct="1">
+              <a:defRPr sz="1800" kern="1200">
+                <a:solidFill>
+                  <a:schemeClr val="tx1"/>
+                </a:solidFill>
+                <a:latin typeface="+mn-lt"/>
+                <a:ea typeface="+mn-ea"/>
+                <a:cs typeface="+mn-cs"/>
+              </a:defRPr>
+            </a:lvl8pPr>
+            <a:lvl9pPr marL="3657600" algn="l" defTabSz="914400" rtl="0" eaLnBrk="1" latinLnBrk="0" hangingPunct="1">
+              <a:defRPr sz="1800" kern="1200">
+                <a:solidFill>
+                  <a:schemeClr val="tx1"/>
+                </a:solidFill>
+                <a:latin typeface="+mn-lt"/>
+                <a:ea typeface="+mn-ea"/>
+                <a:cs typeface="+mn-cs"/>
+              </a:defRPr>
+            </a:lvl9pPr>
+          </a:lstStyle>
+          <a:p>
+            <a:pPr algn="ctr">
+              <a:defRPr sz="1200">
+                <a:solidFill>
+                  <a:srgbClr val="8C8C8C"/>
+                </a:solidFill>
+                <a:latin typeface="Tw Cen MT" charset="0"/>
+                <a:ea typeface="Calibri" charset="0"/>
+                <a:cs typeface="Calibri" charset="0"/>
+              </a:defRPr>
+            </a:pPr>
+            <a:r>
+              <a:rPr lang="pt-BR" dirty="0" smtClean="0"/>
+              <a:t>Controle de Fluxo e Exceções</a:t>
             </a:r>
             <a:endParaRPr lang="pt-BR" dirty="0"/>
           </a:p>
-        </p:txBody>
-      </p:sp>
-      <p:sp>
-        <p:nvSpPr>
-          <p:cNvPr id="4" name="Espaço Reservado para Rodapé 3"/>
-          <p:cNvSpPr>
-            <a:spLocks noGrp="1"/>
-          </p:cNvSpPr>
-          <p:nvPr>
-            <p:ph type="ftr" sz="quarter" idx="11"/>
-          </p:nvPr>
-        </p:nvSpPr>
-        <p:spPr/>
-        <p:txBody>
-          <a:bodyPr/>
-          <a:lstStyle/>
-          <a:p>
-            <a:r>
-              <a:rPr lang="pt-BR" dirty="0"/>
-              <a:t>Controle de Fluxo e Exceções</a:t>
-            </a:r>
-          </a:p>
-          <a:p>
-            <a:endParaRPr lang="pt-BR" dirty="0"/>
+          <a:p>
+            <a:pPr algn="ctr">
+              <a:defRPr sz="1200">
+                <a:solidFill>
+                  <a:srgbClr val="8C8C8C"/>
+                </a:solidFill>
+                <a:latin typeface="Tw Cen MT" charset="0"/>
+                <a:ea typeface="Calibri" charset="0"/>
+                <a:cs typeface="Calibri" charset="0"/>
+              </a:defRPr>
+            </a:pPr>
+            <a:endParaRPr lang="pt-BR" sz="1200" dirty="0" smtClean="0">
+              <a:solidFill>
+                <a:srgbClr val="8C8C8C"/>
+              </a:solidFill>
+              <a:latin typeface="Tw Cen MT" charset="0"/>
+              <a:ea typeface="Calibri" charset="0"/>
+              <a:cs typeface="Calibri" charset="0"/>
+            </a:endParaRPr>
+          </a:p>
+          <a:p>
+            <a:pPr algn="ctr">
+              <a:defRPr sz="1200">
+                <a:solidFill>
+                  <a:srgbClr val="8C8C8C"/>
+                </a:solidFill>
+                <a:latin typeface="Tw Cen MT" charset="0"/>
+                <a:ea typeface="Calibri" charset="0"/>
+                <a:cs typeface="Calibri" charset="0"/>
+              </a:defRPr>
+            </a:pPr>
+            <a:endParaRPr lang="pt-BR" sz="1200" dirty="0">
+              <a:solidFill>
+                <a:srgbClr val="8C8C8C"/>
+              </a:solidFill>
+              <a:latin typeface="Tw Cen MT" charset="0"/>
+              <a:ea typeface="Calibri" charset="0"/>
+              <a:cs typeface="Calibri" charset="0"/>
+            </a:endParaRPr>
           </a:p>
         </p:txBody>
       </p:sp>
     </p:spTree>
     <p:extLst>
       <p:ext uri="{BB962C8B-B14F-4D97-AF65-F5344CB8AC3E}">
-        <p14:creationId xmlns:p14="http://schemas.microsoft.com/office/powerpoint/2010/main" val="2470865896"/>
+        <p14:creationId xmlns:p14="http://schemas.microsoft.com/office/powerpoint/2010/main" val="3663202734"/>
       </p:ext>
     </p:extLst>
   </p:cSld>
   <p:clrMapOvr>
     <a:masterClrMapping/>
   </p:clrMapOvr>
-  <p:timing>
-    <p:tnLst>
-      <p:par>
-        <p:cTn id="1" dur="indefinite" restart="never" nodeType="tmRoot"/>
-      </p:par>
-    </p:tnLst>
-  </p:timing>
 </p:sld>
 </file>
 
@@ -15068,7 +15431,7 @@
           <a:p>
             <a:r>
               <a:rPr lang="pt-BR" dirty="0" smtClean="0"/>
-              <a:t>Manipulando Exceções</a:t>
+              <a:t>Criando Loops</a:t>
             </a:r>
             <a:endParaRPr lang="pt-BR" dirty="0"/>
           </a:p>
@@ -15099,7 +15462,7 @@
             </a:r>
             <a:r>
               <a:rPr lang="pt-BR" dirty="0" smtClean="0"/>
-              <a:t> 8.1, 8.2, 8.3 </a:t>
+              <a:t> 5.1, 5.2, 5.3, 5.4 </a:t>
             </a:r>
             <a:r>
               <a:rPr lang="pt-BR" dirty="0" err="1" smtClean="0"/>
@@ -15107,7 +15470,7 @@
             </a:r>
             <a:r>
               <a:rPr lang="pt-BR" dirty="0" smtClean="0"/>
-              <a:t> 8.4</a:t>
+              <a:t> 5.5</a:t>
             </a:r>
             <a:endParaRPr lang="pt-BR" dirty="0"/>
           </a:p>
@@ -15115,33 +15478,183 @@
       </p:sp>
       <p:sp>
         <p:nvSpPr>
-          <p:cNvPr id="4" name="Espaço Reservado para Rodapé 3"/>
-          <p:cNvSpPr>
-            <a:spLocks noGrp="1"/>
-          </p:cNvSpPr>
-          <p:nvPr>
-            <p:ph type="ftr" sz="quarter" idx="11"/>
-          </p:nvPr>
-        </p:nvSpPr>
-        <p:spPr/>
-        <p:txBody>
-          <a:bodyPr/>
-          <a:lstStyle/>
-          <a:p>
-            <a:r>
-              <a:rPr lang="pt-BR" dirty="0"/>
+          <p:cNvPr id="5" name="Espaço Reservado para Rodapé 3"/>
+          <p:cNvSpPr txBox="1">
+            <a:spLocks noGrp="1"/>
+          </p:cNvSpPr>
+          <p:nvPr>
+            <p:ph type="ftr" sz="quarter" idx="4294967295"/>
+          </p:nvPr>
+        </p:nvSpPr>
+        <p:spPr>
+          <a:xfrm>
+            <a:off x="3028950" y="6356351"/>
+            <a:ext cx="3086100" cy="365125"/>
+          </a:xfrm>
+          <a:prstGeom prst="rect">
+            <a:avLst/>
+          </a:prstGeom>
+        </p:spPr>
+        <p:txBody>
+          <a:bodyPr/>
+          <a:lstStyle>
+            <a:defPPr>
+              <a:defRPr lang="pt-BR"/>
+            </a:defPPr>
+            <a:lvl1pPr marL="0" algn="l" defTabSz="914400" rtl="0" eaLnBrk="1" latinLnBrk="0" hangingPunct="1">
+              <a:defRPr sz="1800" kern="1200">
+                <a:solidFill>
+                  <a:schemeClr val="tx1"/>
+                </a:solidFill>
+                <a:latin typeface="+mn-lt"/>
+                <a:ea typeface="+mn-ea"/>
+                <a:cs typeface="+mn-cs"/>
+              </a:defRPr>
+            </a:lvl1pPr>
+            <a:lvl2pPr marL="457200" algn="l" defTabSz="914400" rtl="0" eaLnBrk="1" latinLnBrk="0" hangingPunct="1">
+              <a:defRPr sz="1800" kern="1200">
+                <a:solidFill>
+                  <a:schemeClr val="tx1"/>
+                </a:solidFill>
+                <a:latin typeface="+mn-lt"/>
+                <a:ea typeface="+mn-ea"/>
+                <a:cs typeface="+mn-cs"/>
+              </a:defRPr>
+            </a:lvl2pPr>
+            <a:lvl3pPr marL="914400" algn="l" defTabSz="914400" rtl="0" eaLnBrk="1" latinLnBrk="0" hangingPunct="1">
+              <a:defRPr sz="1800" kern="1200">
+                <a:solidFill>
+                  <a:schemeClr val="tx1"/>
+                </a:solidFill>
+                <a:latin typeface="+mn-lt"/>
+                <a:ea typeface="+mn-ea"/>
+                <a:cs typeface="+mn-cs"/>
+              </a:defRPr>
+            </a:lvl3pPr>
+            <a:lvl4pPr marL="1371600" algn="l" defTabSz="914400" rtl="0" eaLnBrk="1" latinLnBrk="0" hangingPunct="1">
+              <a:defRPr sz="1800" kern="1200">
+                <a:solidFill>
+                  <a:schemeClr val="tx1"/>
+                </a:solidFill>
+                <a:latin typeface="+mn-lt"/>
+                <a:ea typeface="+mn-ea"/>
+                <a:cs typeface="+mn-cs"/>
+              </a:defRPr>
+            </a:lvl4pPr>
+            <a:lvl5pPr marL="1828800" algn="l" defTabSz="914400" rtl="0" eaLnBrk="1" latinLnBrk="0" hangingPunct="1">
+              <a:defRPr sz="1800" kern="1200">
+                <a:solidFill>
+                  <a:schemeClr val="tx1"/>
+                </a:solidFill>
+                <a:latin typeface="+mn-lt"/>
+                <a:ea typeface="+mn-ea"/>
+                <a:cs typeface="+mn-cs"/>
+              </a:defRPr>
+            </a:lvl5pPr>
+            <a:lvl6pPr marL="2286000" algn="l" defTabSz="914400" rtl="0" eaLnBrk="1" latinLnBrk="0" hangingPunct="1">
+              <a:defRPr sz="1800" kern="1200">
+                <a:solidFill>
+                  <a:schemeClr val="tx1"/>
+                </a:solidFill>
+                <a:latin typeface="+mn-lt"/>
+                <a:ea typeface="+mn-ea"/>
+                <a:cs typeface="+mn-cs"/>
+              </a:defRPr>
+            </a:lvl6pPr>
+            <a:lvl7pPr marL="2743200" algn="l" defTabSz="914400" rtl="0" eaLnBrk="1" latinLnBrk="0" hangingPunct="1">
+              <a:defRPr sz="1800" kern="1200">
+                <a:solidFill>
+                  <a:schemeClr val="tx1"/>
+                </a:solidFill>
+                <a:latin typeface="+mn-lt"/>
+                <a:ea typeface="+mn-ea"/>
+                <a:cs typeface="+mn-cs"/>
+              </a:defRPr>
+            </a:lvl7pPr>
+            <a:lvl8pPr marL="3200400" algn="l" defTabSz="914400" rtl="0" eaLnBrk="1" latinLnBrk="0" hangingPunct="1">
+              <a:defRPr sz="1800" kern="1200">
+                <a:solidFill>
+                  <a:schemeClr val="tx1"/>
+                </a:solidFill>
+                <a:latin typeface="+mn-lt"/>
+                <a:ea typeface="+mn-ea"/>
+                <a:cs typeface="+mn-cs"/>
+              </a:defRPr>
+            </a:lvl8pPr>
+            <a:lvl9pPr marL="3657600" algn="l" defTabSz="914400" rtl="0" eaLnBrk="1" latinLnBrk="0" hangingPunct="1">
+              <a:defRPr sz="1800" kern="1200">
+                <a:solidFill>
+                  <a:schemeClr val="tx1"/>
+                </a:solidFill>
+                <a:latin typeface="+mn-lt"/>
+                <a:ea typeface="+mn-ea"/>
+                <a:cs typeface="+mn-cs"/>
+              </a:defRPr>
+            </a:lvl9pPr>
+          </a:lstStyle>
+          <a:p>
+            <a:pPr algn="ctr">
+              <a:defRPr sz="1200">
+                <a:solidFill>
+                  <a:srgbClr val="8C8C8C"/>
+                </a:solidFill>
+                <a:latin typeface="Tw Cen MT" charset="0"/>
+                <a:ea typeface="Calibri" charset="0"/>
+                <a:cs typeface="Calibri" charset="0"/>
+              </a:defRPr>
+            </a:pPr>
+            <a:r>
+              <a:rPr lang="pt-BR" dirty="0" smtClean="0"/>
               <a:t>Controle de Fluxo e Exceções</a:t>
             </a:r>
-          </a:p>
-          <a:p>
             <a:endParaRPr lang="pt-BR" dirty="0"/>
+          </a:p>
+          <a:p>
+            <a:pPr algn="ctr">
+              <a:defRPr sz="1200">
+                <a:solidFill>
+                  <a:srgbClr val="8C8C8C"/>
+                </a:solidFill>
+                <a:latin typeface="Tw Cen MT" charset="0"/>
+                <a:ea typeface="Calibri" charset="0"/>
+                <a:cs typeface="Calibri" charset="0"/>
+              </a:defRPr>
+            </a:pPr>
+            <a:endParaRPr lang="pt-BR" sz="1200" dirty="0" smtClean="0">
+              <a:solidFill>
+                <a:srgbClr val="8C8C8C"/>
+              </a:solidFill>
+              <a:latin typeface="Tw Cen MT" charset="0"/>
+              <a:ea typeface="Calibri" charset="0"/>
+              <a:cs typeface="Calibri" charset="0"/>
+            </a:endParaRPr>
+          </a:p>
+          <a:p>
+            <a:pPr algn="ctr">
+              <a:defRPr sz="1200">
+                <a:solidFill>
+                  <a:srgbClr val="8C8C8C"/>
+                </a:solidFill>
+                <a:latin typeface="Tw Cen MT" charset="0"/>
+                <a:ea typeface="Calibri" charset="0"/>
+                <a:cs typeface="Calibri" charset="0"/>
+              </a:defRPr>
+            </a:pPr>
+            <a:endParaRPr lang="pt-BR" sz="1200" dirty="0">
+              <a:solidFill>
+                <a:srgbClr val="8C8C8C"/>
+              </a:solidFill>
+              <a:latin typeface="Tw Cen MT" charset="0"/>
+              <a:ea typeface="Calibri" charset="0"/>
+              <a:cs typeface="Calibri" charset="0"/>
+            </a:endParaRPr>
           </a:p>
         </p:txBody>
       </p:sp>
     </p:spTree>
     <p:extLst>
       <p:ext uri="{BB962C8B-B14F-4D97-AF65-F5344CB8AC3E}">
-        <p14:creationId xmlns:p14="http://schemas.microsoft.com/office/powerpoint/2010/main" val="3021261354"/>
+        <p14:creationId xmlns:p14="http://schemas.microsoft.com/office/powerpoint/2010/main" val="2470865896"/>
       </p:ext>
     </p:extLst>
   </p:cSld>
@@ -15177,6 +15690,753 @@
       </p:grpSpPr>
       <p:sp>
         <p:nvSpPr>
+          <p:cNvPr id="5" name="Título 4"/>
+          <p:cNvSpPr>
+            <a:spLocks noGrp="1"/>
+          </p:cNvSpPr>
+          <p:nvPr>
+            <p:ph type="title"/>
+          </p:nvPr>
+        </p:nvSpPr>
+        <p:spPr/>
+        <p:txBody>
+          <a:bodyPr/>
+          <a:lstStyle/>
+          <a:p>
+            <a:r>
+              <a:rPr lang="pt-BR" dirty="0"/>
+              <a:t>Criando Loops</a:t>
+            </a:r>
+          </a:p>
+        </p:txBody>
+      </p:sp>
+      <p:sp>
+        <p:nvSpPr>
+          <p:cNvPr id="6" name="Espaço Reservado para Conteúdo 5"/>
+          <p:cNvSpPr>
+            <a:spLocks noGrp="1"/>
+          </p:cNvSpPr>
+          <p:nvPr>
+            <p:ph idx="1"/>
+          </p:nvPr>
+        </p:nvSpPr>
+        <p:spPr/>
+        <p:txBody>
+          <a:bodyPr/>
+          <a:lstStyle/>
+          <a:p>
+            <a:r>
+              <a:rPr lang="pt-BR" sz="2400" dirty="0" smtClean="0"/>
+              <a:t>Usando loop </a:t>
+            </a:r>
+            <a:r>
+              <a:rPr lang="pt-BR" sz="2400" dirty="0" err="1" smtClean="0"/>
+              <a:t>while</a:t>
+            </a:r>
+            <a:endParaRPr lang="pt-BR" sz="2400" dirty="0" smtClean="0"/>
+          </a:p>
+          <a:p>
+            <a:r>
+              <a:rPr lang="pt-BR" sz="2400" dirty="0" smtClean="0"/>
+              <a:t>Usando loop do</a:t>
+            </a:r>
+          </a:p>
+          <a:p>
+            <a:r>
+              <a:rPr lang="pt-BR" sz="2400" dirty="0" smtClean="0"/>
+              <a:t>Usando loop for</a:t>
+            </a:r>
+          </a:p>
+          <a:p>
+            <a:pPr lvl="1"/>
+            <a:r>
+              <a:rPr lang="pt-BR" sz="2000" dirty="0" smtClean="0"/>
+              <a:t>Sobre o loop for Básico</a:t>
+            </a:r>
+          </a:p>
+          <a:p>
+            <a:pPr lvl="1"/>
+            <a:r>
+              <a:rPr lang="pt-BR" sz="2000" dirty="0" smtClean="0"/>
+              <a:t>Declaração e inicialização de loop for básico</a:t>
+            </a:r>
+          </a:p>
+          <a:p>
+            <a:pPr lvl="1"/>
+            <a:r>
+              <a:rPr lang="pt-BR" sz="2000" dirty="0" smtClean="0"/>
+              <a:t>Expressões condicionais no loop for básico</a:t>
+            </a:r>
+          </a:p>
+          <a:p>
+            <a:pPr lvl="1"/>
+            <a:r>
+              <a:rPr lang="pt-BR" sz="2000" dirty="0" smtClean="0"/>
+              <a:t>Expressões de iteração no loop for básico</a:t>
+            </a:r>
+          </a:p>
+          <a:p>
+            <a:pPr lvl="1"/>
+            <a:r>
+              <a:rPr lang="pt-BR" sz="2000" dirty="0" smtClean="0"/>
+              <a:t>Considerações sobre loop for básico</a:t>
+            </a:r>
+          </a:p>
+          <a:p>
+            <a:pPr lvl="1"/>
+            <a:r>
+              <a:rPr lang="pt-BR" sz="2000" dirty="0" smtClean="0"/>
+              <a:t>Sobre o loop for Aprimorado</a:t>
+            </a:r>
+          </a:p>
+          <a:p>
+            <a:r>
+              <a:rPr lang="pt-BR" sz="2400" dirty="0" smtClean="0"/>
+              <a:t>Cláusulas </a:t>
+            </a:r>
+            <a:r>
+              <a:rPr lang="pt-BR" sz="2400" dirty="0" err="1" smtClean="0"/>
+              <a:t>Unlabeled</a:t>
+            </a:r>
+            <a:endParaRPr lang="pt-BR" sz="2400" dirty="0" smtClean="0"/>
+          </a:p>
+          <a:p>
+            <a:r>
+              <a:rPr lang="pt-BR" sz="2400" dirty="0" smtClean="0"/>
+              <a:t>Cláusulas </a:t>
+            </a:r>
+            <a:r>
+              <a:rPr lang="pt-BR" sz="2400" dirty="0" err="1" smtClean="0"/>
+              <a:t>Labeled</a:t>
+            </a:r>
+            <a:endParaRPr lang="pt-BR" sz="2400" dirty="0" smtClean="0"/>
+          </a:p>
+          <a:p>
+            <a:endParaRPr lang="pt-BR" sz="2400" dirty="0"/>
+          </a:p>
+        </p:txBody>
+      </p:sp>
+      <p:sp>
+        <p:nvSpPr>
+          <p:cNvPr id="7" name="Espaço Reservado para Rodapé 3"/>
+          <p:cNvSpPr txBox="1">
+            <a:spLocks noGrp="1"/>
+          </p:cNvSpPr>
+          <p:nvPr>
+            <p:ph type="ftr" sz="quarter" idx="4294967295"/>
+          </p:nvPr>
+        </p:nvSpPr>
+        <p:spPr>
+          <a:xfrm>
+            <a:off x="3028950" y="6356351"/>
+            <a:ext cx="3086100" cy="365125"/>
+          </a:xfrm>
+          <a:prstGeom prst="rect">
+            <a:avLst/>
+          </a:prstGeom>
+        </p:spPr>
+        <p:txBody>
+          <a:bodyPr/>
+          <a:lstStyle>
+            <a:defPPr>
+              <a:defRPr lang="pt-BR"/>
+            </a:defPPr>
+            <a:lvl1pPr marL="0" algn="l" defTabSz="914400" rtl="0" eaLnBrk="1" latinLnBrk="0" hangingPunct="1">
+              <a:defRPr sz="1800" kern="1200">
+                <a:solidFill>
+                  <a:schemeClr val="tx1"/>
+                </a:solidFill>
+                <a:latin typeface="+mn-lt"/>
+                <a:ea typeface="+mn-ea"/>
+                <a:cs typeface="+mn-cs"/>
+              </a:defRPr>
+            </a:lvl1pPr>
+            <a:lvl2pPr marL="457200" algn="l" defTabSz="914400" rtl="0" eaLnBrk="1" latinLnBrk="0" hangingPunct="1">
+              <a:defRPr sz="1800" kern="1200">
+                <a:solidFill>
+                  <a:schemeClr val="tx1"/>
+                </a:solidFill>
+                <a:latin typeface="+mn-lt"/>
+                <a:ea typeface="+mn-ea"/>
+                <a:cs typeface="+mn-cs"/>
+              </a:defRPr>
+            </a:lvl2pPr>
+            <a:lvl3pPr marL="914400" algn="l" defTabSz="914400" rtl="0" eaLnBrk="1" latinLnBrk="0" hangingPunct="1">
+              <a:defRPr sz="1800" kern="1200">
+                <a:solidFill>
+                  <a:schemeClr val="tx1"/>
+                </a:solidFill>
+                <a:latin typeface="+mn-lt"/>
+                <a:ea typeface="+mn-ea"/>
+                <a:cs typeface="+mn-cs"/>
+              </a:defRPr>
+            </a:lvl3pPr>
+            <a:lvl4pPr marL="1371600" algn="l" defTabSz="914400" rtl="0" eaLnBrk="1" latinLnBrk="0" hangingPunct="1">
+              <a:defRPr sz="1800" kern="1200">
+                <a:solidFill>
+                  <a:schemeClr val="tx1"/>
+                </a:solidFill>
+                <a:latin typeface="+mn-lt"/>
+                <a:ea typeface="+mn-ea"/>
+                <a:cs typeface="+mn-cs"/>
+              </a:defRPr>
+            </a:lvl4pPr>
+            <a:lvl5pPr marL="1828800" algn="l" defTabSz="914400" rtl="0" eaLnBrk="1" latinLnBrk="0" hangingPunct="1">
+              <a:defRPr sz="1800" kern="1200">
+                <a:solidFill>
+                  <a:schemeClr val="tx1"/>
+                </a:solidFill>
+                <a:latin typeface="+mn-lt"/>
+                <a:ea typeface="+mn-ea"/>
+                <a:cs typeface="+mn-cs"/>
+              </a:defRPr>
+            </a:lvl5pPr>
+            <a:lvl6pPr marL="2286000" algn="l" defTabSz="914400" rtl="0" eaLnBrk="1" latinLnBrk="0" hangingPunct="1">
+              <a:defRPr sz="1800" kern="1200">
+                <a:solidFill>
+                  <a:schemeClr val="tx1"/>
+                </a:solidFill>
+                <a:latin typeface="+mn-lt"/>
+                <a:ea typeface="+mn-ea"/>
+                <a:cs typeface="+mn-cs"/>
+              </a:defRPr>
+            </a:lvl6pPr>
+            <a:lvl7pPr marL="2743200" algn="l" defTabSz="914400" rtl="0" eaLnBrk="1" latinLnBrk="0" hangingPunct="1">
+              <a:defRPr sz="1800" kern="1200">
+                <a:solidFill>
+                  <a:schemeClr val="tx1"/>
+                </a:solidFill>
+                <a:latin typeface="+mn-lt"/>
+                <a:ea typeface="+mn-ea"/>
+                <a:cs typeface="+mn-cs"/>
+              </a:defRPr>
+            </a:lvl7pPr>
+            <a:lvl8pPr marL="3200400" algn="l" defTabSz="914400" rtl="0" eaLnBrk="1" latinLnBrk="0" hangingPunct="1">
+              <a:defRPr sz="1800" kern="1200">
+                <a:solidFill>
+                  <a:schemeClr val="tx1"/>
+                </a:solidFill>
+                <a:latin typeface="+mn-lt"/>
+                <a:ea typeface="+mn-ea"/>
+                <a:cs typeface="+mn-cs"/>
+              </a:defRPr>
+            </a:lvl8pPr>
+            <a:lvl9pPr marL="3657600" algn="l" defTabSz="914400" rtl="0" eaLnBrk="1" latinLnBrk="0" hangingPunct="1">
+              <a:defRPr sz="1800" kern="1200">
+                <a:solidFill>
+                  <a:schemeClr val="tx1"/>
+                </a:solidFill>
+                <a:latin typeface="+mn-lt"/>
+                <a:ea typeface="+mn-ea"/>
+                <a:cs typeface="+mn-cs"/>
+              </a:defRPr>
+            </a:lvl9pPr>
+          </a:lstStyle>
+          <a:p>
+            <a:pPr algn="ctr">
+              <a:defRPr sz="1200">
+                <a:solidFill>
+                  <a:srgbClr val="8C8C8C"/>
+                </a:solidFill>
+                <a:latin typeface="Tw Cen MT" charset="0"/>
+                <a:ea typeface="Calibri" charset="0"/>
+                <a:cs typeface="Calibri" charset="0"/>
+              </a:defRPr>
+            </a:pPr>
+            <a:r>
+              <a:rPr lang="pt-BR" dirty="0" smtClean="0"/>
+              <a:t>Controle de Fluxo e Exceções</a:t>
+            </a:r>
+            <a:endParaRPr lang="pt-BR" dirty="0"/>
+          </a:p>
+          <a:p>
+            <a:pPr algn="ctr">
+              <a:defRPr sz="1200">
+                <a:solidFill>
+                  <a:srgbClr val="8C8C8C"/>
+                </a:solidFill>
+                <a:latin typeface="Tw Cen MT" charset="0"/>
+                <a:ea typeface="Calibri" charset="0"/>
+                <a:cs typeface="Calibri" charset="0"/>
+              </a:defRPr>
+            </a:pPr>
+            <a:endParaRPr lang="pt-BR" sz="1200" dirty="0" smtClean="0">
+              <a:solidFill>
+                <a:srgbClr val="8C8C8C"/>
+              </a:solidFill>
+              <a:latin typeface="Tw Cen MT" charset="0"/>
+              <a:ea typeface="Calibri" charset="0"/>
+              <a:cs typeface="Calibri" charset="0"/>
+            </a:endParaRPr>
+          </a:p>
+          <a:p>
+            <a:pPr algn="ctr">
+              <a:defRPr sz="1200">
+                <a:solidFill>
+                  <a:srgbClr val="8C8C8C"/>
+                </a:solidFill>
+                <a:latin typeface="Tw Cen MT" charset="0"/>
+                <a:ea typeface="Calibri" charset="0"/>
+                <a:cs typeface="Calibri" charset="0"/>
+              </a:defRPr>
+            </a:pPr>
+            <a:endParaRPr lang="pt-BR" sz="1200" dirty="0">
+              <a:solidFill>
+                <a:srgbClr val="8C8C8C"/>
+              </a:solidFill>
+              <a:latin typeface="Tw Cen MT" charset="0"/>
+              <a:ea typeface="Calibri" charset="0"/>
+              <a:cs typeface="Calibri" charset="0"/>
+            </a:endParaRPr>
+          </a:p>
+        </p:txBody>
+      </p:sp>
+    </p:spTree>
+    <p:extLst>
+      <p:ext uri="{BB962C8B-B14F-4D97-AF65-F5344CB8AC3E}">
+        <p14:creationId xmlns:p14="http://schemas.microsoft.com/office/powerpoint/2010/main" val="2111532211"/>
+      </p:ext>
+    </p:extLst>
+  </p:cSld>
+  <p:clrMapOvr>
+    <a:masterClrMapping/>
+  </p:clrMapOvr>
+</p:sld>
+</file>
+
+<file path=ppt/slides/slide64.xml><?xml version="1.0" encoding="utf-8"?>
+<p:sld xmlns:a="http://schemas.openxmlformats.org/drawingml/2006/main" xmlns:r="http://schemas.openxmlformats.org/officeDocument/2006/relationships" xmlns:p="http://schemas.openxmlformats.org/presentationml/2006/main">
+  <p:cSld>
+    <p:spTree>
+      <p:nvGrpSpPr>
+        <p:cNvPr id="1" name=""/>
+        <p:cNvGrpSpPr/>
+        <p:nvPr/>
+      </p:nvGrpSpPr>
+      <p:grpSpPr>
+        <a:xfrm>
+          <a:off x="0" y="0"/>
+          <a:ext cx="0" cy="0"/>
+          <a:chOff x="0" y="0"/>
+          <a:chExt cx="0" cy="0"/>
+        </a:xfrm>
+      </p:grpSpPr>
+      <p:sp>
+        <p:nvSpPr>
+          <p:cNvPr id="2" name="Título 1"/>
+          <p:cNvSpPr>
+            <a:spLocks noGrp="1"/>
+          </p:cNvSpPr>
+          <p:nvPr>
+            <p:ph type="ctrTitle"/>
+          </p:nvPr>
+        </p:nvSpPr>
+        <p:spPr/>
+        <p:txBody>
+          <a:bodyPr/>
+          <a:lstStyle/>
+          <a:p>
+            <a:r>
+              <a:rPr lang="pt-BR" dirty="0" smtClean="0"/>
+              <a:t>Manipulando Exceções</a:t>
+            </a:r>
+            <a:endParaRPr lang="pt-BR" dirty="0"/>
+          </a:p>
+        </p:txBody>
+      </p:sp>
+      <p:sp>
+        <p:nvSpPr>
+          <p:cNvPr id="3" name="Subtítulo 2"/>
+          <p:cNvSpPr>
+            <a:spLocks noGrp="1"/>
+          </p:cNvSpPr>
+          <p:nvPr>
+            <p:ph type="subTitle" idx="1"/>
+          </p:nvPr>
+        </p:nvSpPr>
+        <p:spPr/>
+        <p:txBody>
+          <a:bodyPr/>
+          <a:lstStyle/>
+          <a:p>
+            <a:r>
+              <a:rPr lang="pt-BR" dirty="0" smtClean="0"/>
+              <a:t>OCA </a:t>
+            </a:r>
+            <a:r>
+              <a:rPr lang="pt-BR" dirty="0" err="1" smtClean="0"/>
+              <a:t>Objectives</a:t>
+            </a:r>
+            <a:r>
+              <a:rPr lang="pt-BR" dirty="0" smtClean="0"/>
+              <a:t> 8.1, 8.2, 8.3 </a:t>
+            </a:r>
+            <a:r>
+              <a:rPr lang="pt-BR" dirty="0" err="1" smtClean="0"/>
+              <a:t>and</a:t>
+            </a:r>
+            <a:r>
+              <a:rPr lang="pt-BR" dirty="0" smtClean="0"/>
+              <a:t> 8.4</a:t>
+            </a:r>
+            <a:endParaRPr lang="pt-BR" dirty="0"/>
+          </a:p>
+        </p:txBody>
+      </p:sp>
+    </p:spTree>
+    <p:extLst>
+      <p:ext uri="{BB962C8B-B14F-4D97-AF65-F5344CB8AC3E}">
+        <p14:creationId xmlns:p14="http://schemas.microsoft.com/office/powerpoint/2010/main" val="3021261354"/>
+      </p:ext>
+    </p:extLst>
+  </p:cSld>
+  <p:clrMapOvr>
+    <a:masterClrMapping/>
+  </p:clrMapOvr>
+  <p:timing>
+    <p:tnLst>
+      <p:par>
+        <p:cTn id="1" dur="indefinite" restart="never" nodeType="tmRoot"/>
+      </p:par>
+    </p:tnLst>
+  </p:timing>
+</p:sld>
+</file>
+
+<file path=ppt/slides/slide65.xml><?xml version="1.0" encoding="utf-8"?>
+<p:sld xmlns:a="http://schemas.openxmlformats.org/drawingml/2006/main" xmlns:r="http://schemas.openxmlformats.org/officeDocument/2006/relationships" xmlns:p="http://schemas.openxmlformats.org/presentationml/2006/main">
+  <p:cSld>
+    <p:spTree>
+      <p:nvGrpSpPr>
+        <p:cNvPr id="1" name=""/>
+        <p:cNvGrpSpPr/>
+        <p:nvPr/>
+      </p:nvGrpSpPr>
+      <p:grpSpPr>
+        <a:xfrm>
+          <a:off x="0" y="0"/>
+          <a:ext cx="0" cy="0"/>
+          <a:chOff x="0" y="0"/>
+          <a:chExt cx="0" cy="0"/>
+        </a:xfrm>
+      </p:grpSpPr>
+      <p:sp>
+        <p:nvSpPr>
+          <p:cNvPr id="5" name="Título 4"/>
+          <p:cNvSpPr>
+            <a:spLocks noGrp="1"/>
+          </p:cNvSpPr>
+          <p:nvPr>
+            <p:ph type="title"/>
+          </p:nvPr>
+        </p:nvSpPr>
+        <p:spPr/>
+        <p:txBody>
+          <a:bodyPr/>
+          <a:lstStyle/>
+          <a:p>
+            <a:r>
+              <a:rPr lang="pt-BR" dirty="0"/>
+              <a:t>Manipulando Exceções</a:t>
+            </a:r>
+          </a:p>
+        </p:txBody>
+      </p:sp>
+      <p:sp>
+        <p:nvSpPr>
+          <p:cNvPr id="6" name="Espaço Reservado para Conteúdo 5"/>
+          <p:cNvSpPr>
+            <a:spLocks noGrp="1"/>
+          </p:cNvSpPr>
+          <p:nvPr>
+            <p:ph idx="1"/>
+          </p:nvPr>
+        </p:nvSpPr>
+        <p:spPr/>
+        <p:txBody>
+          <a:bodyPr/>
+          <a:lstStyle/>
+          <a:p>
+            <a:r>
+              <a:rPr lang="pt-BR" sz="2400" dirty="0" smtClean="0"/>
+              <a:t>Capturando uma exceção usando </a:t>
+            </a:r>
+            <a:r>
+              <a:rPr lang="pt-BR" sz="2400" dirty="0" err="1" smtClean="0"/>
+              <a:t>try</a:t>
+            </a:r>
+            <a:r>
+              <a:rPr lang="pt-BR" sz="2400" dirty="0" smtClean="0"/>
+              <a:t> e catch</a:t>
+            </a:r>
+          </a:p>
+          <a:p>
+            <a:r>
+              <a:rPr lang="pt-BR" sz="2400" dirty="0" smtClean="0"/>
+              <a:t>Usando </a:t>
+            </a:r>
+            <a:r>
+              <a:rPr lang="pt-BR" sz="2400" dirty="0" err="1" smtClean="0"/>
+              <a:t>finally</a:t>
+            </a:r>
+            <a:endParaRPr lang="pt-BR" sz="2400" dirty="0" smtClean="0"/>
+          </a:p>
+          <a:p>
+            <a:r>
+              <a:rPr lang="pt-BR" sz="2400" dirty="0" smtClean="0"/>
+              <a:t>Propagando exceções não-capturadas</a:t>
+            </a:r>
+          </a:p>
+          <a:p>
+            <a:r>
+              <a:rPr lang="pt-BR" sz="2400" dirty="0" smtClean="0"/>
+              <a:t>Definindo exceções</a:t>
+            </a:r>
+          </a:p>
+          <a:p>
+            <a:r>
+              <a:rPr lang="pt-BR" sz="2400" dirty="0" smtClean="0"/>
+              <a:t>Hierarquia de exceções</a:t>
+            </a:r>
+          </a:p>
+          <a:p>
+            <a:r>
+              <a:rPr lang="pt-BR" sz="2400" dirty="0" smtClean="0"/>
+              <a:t>Manuseando uma hierarquia de classes de exceção</a:t>
+            </a:r>
+          </a:p>
+          <a:p>
+            <a:r>
+              <a:rPr lang="pt-BR" sz="2400" dirty="0" err="1" smtClean="0"/>
+              <a:t>Matching</a:t>
+            </a:r>
+            <a:r>
+              <a:rPr lang="pt-BR" sz="2400" dirty="0" smtClean="0"/>
+              <a:t> de exceção</a:t>
+            </a:r>
+          </a:p>
+          <a:p>
+            <a:r>
+              <a:rPr lang="pt-BR" sz="2400" dirty="0" smtClean="0"/>
+              <a:t>Declaração de exceção e a interface pública</a:t>
+            </a:r>
+          </a:p>
+          <a:p>
+            <a:r>
+              <a:rPr lang="pt-BR" sz="2400" dirty="0" smtClean="0"/>
+              <a:t>Relançando a mesma exceção</a:t>
+            </a:r>
+            <a:endParaRPr lang="pt-BR" sz="2400" dirty="0"/>
+          </a:p>
+        </p:txBody>
+      </p:sp>
+      <p:sp>
+        <p:nvSpPr>
+          <p:cNvPr id="7" name="Espaço Reservado para Rodapé 3"/>
+          <p:cNvSpPr txBox="1">
+            <a:spLocks noGrp="1"/>
+          </p:cNvSpPr>
+          <p:nvPr>
+            <p:ph type="ftr" sz="quarter" idx="4294967295"/>
+          </p:nvPr>
+        </p:nvSpPr>
+        <p:spPr>
+          <a:xfrm>
+            <a:off x="3028950" y="6356351"/>
+            <a:ext cx="3086100" cy="365125"/>
+          </a:xfrm>
+          <a:prstGeom prst="rect">
+            <a:avLst/>
+          </a:prstGeom>
+        </p:spPr>
+        <p:txBody>
+          <a:bodyPr/>
+          <a:lstStyle>
+            <a:defPPr>
+              <a:defRPr lang="pt-BR"/>
+            </a:defPPr>
+            <a:lvl1pPr marL="0" algn="l" defTabSz="914400" rtl="0" eaLnBrk="1" latinLnBrk="0" hangingPunct="1">
+              <a:defRPr sz="1800" kern="1200">
+                <a:solidFill>
+                  <a:schemeClr val="tx1"/>
+                </a:solidFill>
+                <a:latin typeface="+mn-lt"/>
+                <a:ea typeface="+mn-ea"/>
+                <a:cs typeface="+mn-cs"/>
+              </a:defRPr>
+            </a:lvl1pPr>
+            <a:lvl2pPr marL="457200" algn="l" defTabSz="914400" rtl="0" eaLnBrk="1" latinLnBrk="0" hangingPunct="1">
+              <a:defRPr sz="1800" kern="1200">
+                <a:solidFill>
+                  <a:schemeClr val="tx1"/>
+                </a:solidFill>
+                <a:latin typeface="+mn-lt"/>
+                <a:ea typeface="+mn-ea"/>
+                <a:cs typeface="+mn-cs"/>
+              </a:defRPr>
+            </a:lvl2pPr>
+            <a:lvl3pPr marL="914400" algn="l" defTabSz="914400" rtl="0" eaLnBrk="1" latinLnBrk="0" hangingPunct="1">
+              <a:defRPr sz="1800" kern="1200">
+                <a:solidFill>
+                  <a:schemeClr val="tx1"/>
+                </a:solidFill>
+                <a:latin typeface="+mn-lt"/>
+                <a:ea typeface="+mn-ea"/>
+                <a:cs typeface="+mn-cs"/>
+              </a:defRPr>
+            </a:lvl3pPr>
+            <a:lvl4pPr marL="1371600" algn="l" defTabSz="914400" rtl="0" eaLnBrk="1" latinLnBrk="0" hangingPunct="1">
+              <a:defRPr sz="1800" kern="1200">
+                <a:solidFill>
+                  <a:schemeClr val="tx1"/>
+                </a:solidFill>
+                <a:latin typeface="+mn-lt"/>
+                <a:ea typeface="+mn-ea"/>
+                <a:cs typeface="+mn-cs"/>
+              </a:defRPr>
+            </a:lvl4pPr>
+            <a:lvl5pPr marL="1828800" algn="l" defTabSz="914400" rtl="0" eaLnBrk="1" latinLnBrk="0" hangingPunct="1">
+              <a:defRPr sz="1800" kern="1200">
+                <a:solidFill>
+                  <a:schemeClr val="tx1"/>
+                </a:solidFill>
+                <a:latin typeface="+mn-lt"/>
+                <a:ea typeface="+mn-ea"/>
+                <a:cs typeface="+mn-cs"/>
+              </a:defRPr>
+            </a:lvl5pPr>
+            <a:lvl6pPr marL="2286000" algn="l" defTabSz="914400" rtl="0" eaLnBrk="1" latinLnBrk="0" hangingPunct="1">
+              <a:defRPr sz="1800" kern="1200">
+                <a:solidFill>
+                  <a:schemeClr val="tx1"/>
+                </a:solidFill>
+                <a:latin typeface="+mn-lt"/>
+                <a:ea typeface="+mn-ea"/>
+                <a:cs typeface="+mn-cs"/>
+              </a:defRPr>
+            </a:lvl6pPr>
+            <a:lvl7pPr marL="2743200" algn="l" defTabSz="914400" rtl="0" eaLnBrk="1" latinLnBrk="0" hangingPunct="1">
+              <a:defRPr sz="1800" kern="1200">
+                <a:solidFill>
+                  <a:schemeClr val="tx1"/>
+                </a:solidFill>
+                <a:latin typeface="+mn-lt"/>
+                <a:ea typeface="+mn-ea"/>
+                <a:cs typeface="+mn-cs"/>
+              </a:defRPr>
+            </a:lvl7pPr>
+            <a:lvl8pPr marL="3200400" algn="l" defTabSz="914400" rtl="0" eaLnBrk="1" latinLnBrk="0" hangingPunct="1">
+              <a:defRPr sz="1800" kern="1200">
+                <a:solidFill>
+                  <a:schemeClr val="tx1"/>
+                </a:solidFill>
+                <a:latin typeface="+mn-lt"/>
+                <a:ea typeface="+mn-ea"/>
+                <a:cs typeface="+mn-cs"/>
+              </a:defRPr>
+            </a:lvl8pPr>
+            <a:lvl9pPr marL="3657600" algn="l" defTabSz="914400" rtl="0" eaLnBrk="1" latinLnBrk="0" hangingPunct="1">
+              <a:defRPr sz="1800" kern="1200">
+                <a:solidFill>
+                  <a:schemeClr val="tx1"/>
+                </a:solidFill>
+                <a:latin typeface="+mn-lt"/>
+                <a:ea typeface="+mn-ea"/>
+                <a:cs typeface="+mn-cs"/>
+              </a:defRPr>
+            </a:lvl9pPr>
+          </a:lstStyle>
+          <a:p>
+            <a:pPr algn="ctr">
+              <a:defRPr sz="1200">
+                <a:solidFill>
+                  <a:srgbClr val="8C8C8C"/>
+                </a:solidFill>
+                <a:latin typeface="Tw Cen MT" charset="0"/>
+                <a:ea typeface="Calibri" charset="0"/>
+                <a:cs typeface="Calibri" charset="0"/>
+              </a:defRPr>
+            </a:pPr>
+            <a:r>
+              <a:rPr lang="pt-BR" dirty="0" smtClean="0"/>
+              <a:t>Controle de Fluxo e Exceções</a:t>
+            </a:r>
+            <a:endParaRPr lang="pt-BR" dirty="0"/>
+          </a:p>
+          <a:p>
+            <a:pPr algn="ctr">
+              <a:defRPr sz="1200">
+                <a:solidFill>
+                  <a:srgbClr val="8C8C8C"/>
+                </a:solidFill>
+                <a:latin typeface="Tw Cen MT" charset="0"/>
+                <a:ea typeface="Calibri" charset="0"/>
+                <a:cs typeface="Calibri" charset="0"/>
+              </a:defRPr>
+            </a:pPr>
+            <a:endParaRPr lang="pt-BR" sz="1200" dirty="0" smtClean="0">
+              <a:solidFill>
+                <a:srgbClr val="8C8C8C"/>
+              </a:solidFill>
+              <a:latin typeface="Tw Cen MT" charset="0"/>
+              <a:ea typeface="Calibri" charset="0"/>
+              <a:cs typeface="Calibri" charset="0"/>
+            </a:endParaRPr>
+          </a:p>
+          <a:p>
+            <a:pPr algn="ctr">
+              <a:defRPr sz="1200">
+                <a:solidFill>
+                  <a:srgbClr val="8C8C8C"/>
+                </a:solidFill>
+                <a:latin typeface="Tw Cen MT" charset="0"/>
+                <a:ea typeface="Calibri" charset="0"/>
+                <a:cs typeface="Calibri" charset="0"/>
+              </a:defRPr>
+            </a:pPr>
+            <a:endParaRPr lang="pt-BR" sz="1200" dirty="0">
+              <a:solidFill>
+                <a:srgbClr val="8C8C8C"/>
+              </a:solidFill>
+              <a:latin typeface="Tw Cen MT" charset="0"/>
+              <a:ea typeface="Calibri" charset="0"/>
+              <a:cs typeface="Calibri" charset="0"/>
+            </a:endParaRPr>
+          </a:p>
+        </p:txBody>
+      </p:sp>
+    </p:spTree>
+    <p:extLst>
+      <p:ext uri="{BB962C8B-B14F-4D97-AF65-F5344CB8AC3E}">
+        <p14:creationId xmlns:p14="http://schemas.microsoft.com/office/powerpoint/2010/main" val="119400205"/>
+      </p:ext>
+    </p:extLst>
+  </p:cSld>
+  <p:clrMapOvr>
+    <a:masterClrMapping/>
+  </p:clrMapOvr>
+</p:sld>
+</file>
+
+<file path=ppt/slides/slide66.xml><?xml version="1.0" encoding="utf-8"?>
+<p:sld xmlns:a="http://schemas.openxmlformats.org/drawingml/2006/main" xmlns:r="http://schemas.openxmlformats.org/officeDocument/2006/relationships" xmlns:p="http://schemas.openxmlformats.org/presentationml/2006/main">
+  <p:cSld>
+    <p:spTree>
+      <p:nvGrpSpPr>
+        <p:cNvPr id="1" name=""/>
+        <p:cNvGrpSpPr/>
+        <p:nvPr/>
+      </p:nvGrpSpPr>
+      <p:grpSpPr>
+        <a:xfrm>
+          <a:off x="0" y="0"/>
+          <a:ext cx="0" cy="0"/>
+          <a:chOff x="0" y="0"/>
+          <a:chExt cx="0" cy="0"/>
+        </a:xfrm>
+      </p:grpSpPr>
+      <p:sp>
+        <p:nvSpPr>
           <p:cNvPr id="2" name="Título 1"/>
           <p:cNvSpPr>
             <a:spLocks noGrp="1"/>
@@ -15235,26 +16495,176 @@
       </p:sp>
       <p:sp>
         <p:nvSpPr>
-          <p:cNvPr id="4" name="Espaço Reservado para Rodapé 3"/>
-          <p:cNvSpPr>
-            <a:spLocks noGrp="1"/>
-          </p:cNvSpPr>
-          <p:nvPr>
-            <p:ph type="ftr" sz="quarter" idx="11"/>
-          </p:nvPr>
-        </p:nvSpPr>
-        <p:spPr/>
-        <p:txBody>
-          <a:bodyPr/>
-          <a:lstStyle/>
-          <a:p>
-            <a:r>
-              <a:rPr lang="pt-BR" dirty="0"/>
+          <p:cNvPr id="5" name="Espaço Reservado para Rodapé 3"/>
+          <p:cNvSpPr txBox="1">
+            <a:spLocks noGrp="1"/>
+          </p:cNvSpPr>
+          <p:nvPr>
+            <p:ph type="ftr" sz="quarter" idx="4294967295"/>
+          </p:nvPr>
+        </p:nvSpPr>
+        <p:spPr>
+          <a:xfrm>
+            <a:off x="3028950" y="6356351"/>
+            <a:ext cx="3086100" cy="365125"/>
+          </a:xfrm>
+          <a:prstGeom prst="rect">
+            <a:avLst/>
+          </a:prstGeom>
+        </p:spPr>
+        <p:txBody>
+          <a:bodyPr/>
+          <a:lstStyle>
+            <a:defPPr>
+              <a:defRPr lang="pt-BR"/>
+            </a:defPPr>
+            <a:lvl1pPr marL="0" algn="l" defTabSz="914400" rtl="0" eaLnBrk="1" latinLnBrk="0" hangingPunct="1">
+              <a:defRPr sz="1800" kern="1200">
+                <a:solidFill>
+                  <a:schemeClr val="tx1"/>
+                </a:solidFill>
+                <a:latin typeface="+mn-lt"/>
+                <a:ea typeface="+mn-ea"/>
+                <a:cs typeface="+mn-cs"/>
+              </a:defRPr>
+            </a:lvl1pPr>
+            <a:lvl2pPr marL="457200" algn="l" defTabSz="914400" rtl="0" eaLnBrk="1" latinLnBrk="0" hangingPunct="1">
+              <a:defRPr sz="1800" kern="1200">
+                <a:solidFill>
+                  <a:schemeClr val="tx1"/>
+                </a:solidFill>
+                <a:latin typeface="+mn-lt"/>
+                <a:ea typeface="+mn-ea"/>
+                <a:cs typeface="+mn-cs"/>
+              </a:defRPr>
+            </a:lvl2pPr>
+            <a:lvl3pPr marL="914400" algn="l" defTabSz="914400" rtl="0" eaLnBrk="1" latinLnBrk="0" hangingPunct="1">
+              <a:defRPr sz="1800" kern="1200">
+                <a:solidFill>
+                  <a:schemeClr val="tx1"/>
+                </a:solidFill>
+                <a:latin typeface="+mn-lt"/>
+                <a:ea typeface="+mn-ea"/>
+                <a:cs typeface="+mn-cs"/>
+              </a:defRPr>
+            </a:lvl3pPr>
+            <a:lvl4pPr marL="1371600" algn="l" defTabSz="914400" rtl="0" eaLnBrk="1" latinLnBrk="0" hangingPunct="1">
+              <a:defRPr sz="1800" kern="1200">
+                <a:solidFill>
+                  <a:schemeClr val="tx1"/>
+                </a:solidFill>
+                <a:latin typeface="+mn-lt"/>
+                <a:ea typeface="+mn-ea"/>
+                <a:cs typeface="+mn-cs"/>
+              </a:defRPr>
+            </a:lvl4pPr>
+            <a:lvl5pPr marL="1828800" algn="l" defTabSz="914400" rtl="0" eaLnBrk="1" latinLnBrk="0" hangingPunct="1">
+              <a:defRPr sz="1800" kern="1200">
+                <a:solidFill>
+                  <a:schemeClr val="tx1"/>
+                </a:solidFill>
+                <a:latin typeface="+mn-lt"/>
+                <a:ea typeface="+mn-ea"/>
+                <a:cs typeface="+mn-cs"/>
+              </a:defRPr>
+            </a:lvl5pPr>
+            <a:lvl6pPr marL="2286000" algn="l" defTabSz="914400" rtl="0" eaLnBrk="1" latinLnBrk="0" hangingPunct="1">
+              <a:defRPr sz="1800" kern="1200">
+                <a:solidFill>
+                  <a:schemeClr val="tx1"/>
+                </a:solidFill>
+                <a:latin typeface="+mn-lt"/>
+                <a:ea typeface="+mn-ea"/>
+                <a:cs typeface="+mn-cs"/>
+              </a:defRPr>
+            </a:lvl6pPr>
+            <a:lvl7pPr marL="2743200" algn="l" defTabSz="914400" rtl="0" eaLnBrk="1" latinLnBrk="0" hangingPunct="1">
+              <a:defRPr sz="1800" kern="1200">
+                <a:solidFill>
+                  <a:schemeClr val="tx1"/>
+                </a:solidFill>
+                <a:latin typeface="+mn-lt"/>
+                <a:ea typeface="+mn-ea"/>
+                <a:cs typeface="+mn-cs"/>
+              </a:defRPr>
+            </a:lvl7pPr>
+            <a:lvl8pPr marL="3200400" algn="l" defTabSz="914400" rtl="0" eaLnBrk="1" latinLnBrk="0" hangingPunct="1">
+              <a:defRPr sz="1800" kern="1200">
+                <a:solidFill>
+                  <a:schemeClr val="tx1"/>
+                </a:solidFill>
+                <a:latin typeface="+mn-lt"/>
+                <a:ea typeface="+mn-ea"/>
+                <a:cs typeface="+mn-cs"/>
+              </a:defRPr>
+            </a:lvl8pPr>
+            <a:lvl9pPr marL="3657600" algn="l" defTabSz="914400" rtl="0" eaLnBrk="1" latinLnBrk="0" hangingPunct="1">
+              <a:defRPr sz="1800" kern="1200">
+                <a:solidFill>
+                  <a:schemeClr val="tx1"/>
+                </a:solidFill>
+                <a:latin typeface="+mn-lt"/>
+                <a:ea typeface="+mn-ea"/>
+                <a:cs typeface="+mn-cs"/>
+              </a:defRPr>
+            </a:lvl9pPr>
+          </a:lstStyle>
+          <a:p>
+            <a:pPr algn="ctr">
+              <a:defRPr sz="1200">
+                <a:solidFill>
+                  <a:srgbClr val="8C8C8C"/>
+                </a:solidFill>
+                <a:latin typeface="Tw Cen MT" charset="0"/>
+                <a:ea typeface="Calibri" charset="0"/>
+                <a:cs typeface="Calibri" charset="0"/>
+              </a:defRPr>
+            </a:pPr>
+            <a:r>
+              <a:rPr lang="pt-BR" dirty="0" smtClean="0"/>
               <a:t>Controle de Fluxo e Exceções</a:t>
             </a:r>
-          </a:p>
-          <a:p>
             <a:endParaRPr lang="pt-BR" dirty="0"/>
+          </a:p>
+          <a:p>
+            <a:pPr algn="ctr">
+              <a:defRPr sz="1200">
+                <a:solidFill>
+                  <a:srgbClr val="8C8C8C"/>
+                </a:solidFill>
+                <a:latin typeface="Tw Cen MT" charset="0"/>
+                <a:ea typeface="Calibri" charset="0"/>
+                <a:cs typeface="Calibri" charset="0"/>
+              </a:defRPr>
+            </a:pPr>
+            <a:endParaRPr lang="pt-BR" sz="1200" dirty="0" smtClean="0">
+              <a:solidFill>
+                <a:srgbClr val="8C8C8C"/>
+              </a:solidFill>
+              <a:latin typeface="Tw Cen MT" charset="0"/>
+              <a:ea typeface="Calibri" charset="0"/>
+              <a:cs typeface="Calibri" charset="0"/>
+            </a:endParaRPr>
+          </a:p>
+          <a:p>
+            <a:pPr algn="ctr">
+              <a:defRPr sz="1200">
+                <a:solidFill>
+                  <a:srgbClr val="8C8C8C"/>
+                </a:solidFill>
+                <a:latin typeface="Tw Cen MT" charset="0"/>
+                <a:ea typeface="Calibri" charset="0"/>
+                <a:cs typeface="Calibri" charset="0"/>
+              </a:defRPr>
+            </a:pPr>
+            <a:endParaRPr lang="pt-BR" sz="1200" dirty="0">
+              <a:solidFill>
+                <a:srgbClr val="8C8C8C"/>
+              </a:solidFill>
+              <a:latin typeface="Tw Cen MT" charset="0"/>
+              <a:ea typeface="Calibri" charset="0"/>
+              <a:cs typeface="Calibri" charset="0"/>
+            </a:endParaRPr>
           </a:p>
         </p:txBody>
       </p:sp>
@@ -15275,6 +16685,272 @@
       </p:par>
     </p:tnLst>
   </p:timing>
+</p:sld>
+</file>
+
+<file path=ppt/slides/slide67.xml><?xml version="1.0" encoding="utf-8"?>
+<p:sld xmlns:a="http://schemas.openxmlformats.org/drawingml/2006/main" xmlns:r="http://schemas.openxmlformats.org/officeDocument/2006/relationships" xmlns:p="http://schemas.openxmlformats.org/presentationml/2006/main">
+  <p:cSld>
+    <p:spTree>
+      <p:nvGrpSpPr>
+        <p:cNvPr id="1" name=""/>
+        <p:cNvGrpSpPr/>
+        <p:nvPr/>
+      </p:nvGrpSpPr>
+      <p:grpSpPr>
+        <a:xfrm>
+          <a:off x="0" y="0"/>
+          <a:ext cx="0" cy="0"/>
+          <a:chOff x="0" y="0"/>
+          <a:chExt cx="0" cy="0"/>
+        </a:xfrm>
+      </p:grpSpPr>
+      <p:sp>
+        <p:nvSpPr>
+          <p:cNvPr id="5" name="Título 4"/>
+          <p:cNvSpPr>
+            <a:spLocks noGrp="1"/>
+          </p:cNvSpPr>
+          <p:nvPr>
+            <p:ph type="title"/>
+          </p:nvPr>
+        </p:nvSpPr>
+        <p:spPr/>
+        <p:txBody>
+          <a:bodyPr/>
+          <a:lstStyle/>
+          <a:p>
+            <a:r>
+              <a:rPr lang="pt-BR" dirty="0"/>
+              <a:t>Exceções Comuns e </a:t>
+            </a:r>
+            <a:r>
+              <a:rPr lang="pt-BR" dirty="0" err="1"/>
+              <a:t>Errors</a:t>
+            </a:r>
+            <a:endParaRPr lang="pt-BR" dirty="0"/>
+          </a:p>
+        </p:txBody>
+      </p:sp>
+      <p:sp>
+        <p:nvSpPr>
+          <p:cNvPr id="6" name="Espaço Reservado para Conteúdo 5"/>
+          <p:cNvSpPr>
+            <a:spLocks noGrp="1"/>
+          </p:cNvSpPr>
+          <p:nvPr>
+            <p:ph idx="1"/>
+          </p:nvPr>
+        </p:nvSpPr>
+        <p:spPr/>
+        <p:txBody>
+          <a:bodyPr/>
+          <a:lstStyle/>
+          <a:p>
+            <a:r>
+              <a:rPr lang="pt-BR" dirty="0" smtClean="0"/>
+              <a:t>De onde exceções vem</a:t>
+            </a:r>
+          </a:p>
+          <a:p>
+            <a:r>
+              <a:rPr lang="pt-BR" dirty="0" smtClean="0"/>
+              <a:t>Exceções lançadas pela JVM</a:t>
+            </a:r>
+          </a:p>
+          <a:p>
+            <a:r>
+              <a:rPr lang="pt-BR" dirty="0" smtClean="0"/>
+              <a:t>Exceções lançadas programaticamente</a:t>
+            </a:r>
+          </a:p>
+        </p:txBody>
+      </p:sp>
+      <p:sp>
+        <p:nvSpPr>
+          <p:cNvPr id="7" name="Espaço Reservado para Rodapé 3"/>
+          <p:cNvSpPr txBox="1">
+            <a:spLocks noGrp="1"/>
+          </p:cNvSpPr>
+          <p:nvPr>
+            <p:ph type="ftr" sz="quarter" idx="4294967295"/>
+          </p:nvPr>
+        </p:nvSpPr>
+        <p:spPr>
+          <a:xfrm>
+            <a:off x="3028950" y="6356351"/>
+            <a:ext cx="3086100" cy="365125"/>
+          </a:xfrm>
+          <a:prstGeom prst="rect">
+            <a:avLst/>
+          </a:prstGeom>
+        </p:spPr>
+        <p:txBody>
+          <a:bodyPr/>
+          <a:lstStyle>
+            <a:defPPr>
+              <a:defRPr lang="pt-BR"/>
+            </a:defPPr>
+            <a:lvl1pPr marL="0" algn="l" defTabSz="914400" rtl="0" eaLnBrk="1" latinLnBrk="0" hangingPunct="1">
+              <a:defRPr sz="1800" kern="1200">
+                <a:solidFill>
+                  <a:schemeClr val="tx1"/>
+                </a:solidFill>
+                <a:latin typeface="+mn-lt"/>
+                <a:ea typeface="+mn-ea"/>
+                <a:cs typeface="+mn-cs"/>
+              </a:defRPr>
+            </a:lvl1pPr>
+            <a:lvl2pPr marL="457200" algn="l" defTabSz="914400" rtl="0" eaLnBrk="1" latinLnBrk="0" hangingPunct="1">
+              <a:defRPr sz="1800" kern="1200">
+                <a:solidFill>
+                  <a:schemeClr val="tx1"/>
+                </a:solidFill>
+                <a:latin typeface="+mn-lt"/>
+                <a:ea typeface="+mn-ea"/>
+                <a:cs typeface="+mn-cs"/>
+              </a:defRPr>
+            </a:lvl2pPr>
+            <a:lvl3pPr marL="914400" algn="l" defTabSz="914400" rtl="0" eaLnBrk="1" latinLnBrk="0" hangingPunct="1">
+              <a:defRPr sz="1800" kern="1200">
+                <a:solidFill>
+                  <a:schemeClr val="tx1"/>
+                </a:solidFill>
+                <a:latin typeface="+mn-lt"/>
+                <a:ea typeface="+mn-ea"/>
+                <a:cs typeface="+mn-cs"/>
+              </a:defRPr>
+            </a:lvl3pPr>
+            <a:lvl4pPr marL="1371600" algn="l" defTabSz="914400" rtl="0" eaLnBrk="1" latinLnBrk="0" hangingPunct="1">
+              <a:defRPr sz="1800" kern="1200">
+                <a:solidFill>
+                  <a:schemeClr val="tx1"/>
+                </a:solidFill>
+                <a:latin typeface="+mn-lt"/>
+                <a:ea typeface="+mn-ea"/>
+                <a:cs typeface="+mn-cs"/>
+              </a:defRPr>
+            </a:lvl4pPr>
+            <a:lvl5pPr marL="1828800" algn="l" defTabSz="914400" rtl="0" eaLnBrk="1" latinLnBrk="0" hangingPunct="1">
+              <a:defRPr sz="1800" kern="1200">
+                <a:solidFill>
+                  <a:schemeClr val="tx1"/>
+                </a:solidFill>
+                <a:latin typeface="+mn-lt"/>
+                <a:ea typeface="+mn-ea"/>
+                <a:cs typeface="+mn-cs"/>
+              </a:defRPr>
+            </a:lvl5pPr>
+            <a:lvl6pPr marL="2286000" algn="l" defTabSz="914400" rtl="0" eaLnBrk="1" latinLnBrk="0" hangingPunct="1">
+              <a:defRPr sz="1800" kern="1200">
+                <a:solidFill>
+                  <a:schemeClr val="tx1"/>
+                </a:solidFill>
+                <a:latin typeface="+mn-lt"/>
+                <a:ea typeface="+mn-ea"/>
+                <a:cs typeface="+mn-cs"/>
+              </a:defRPr>
+            </a:lvl6pPr>
+            <a:lvl7pPr marL="2743200" algn="l" defTabSz="914400" rtl="0" eaLnBrk="1" latinLnBrk="0" hangingPunct="1">
+              <a:defRPr sz="1800" kern="1200">
+                <a:solidFill>
+                  <a:schemeClr val="tx1"/>
+                </a:solidFill>
+                <a:latin typeface="+mn-lt"/>
+                <a:ea typeface="+mn-ea"/>
+                <a:cs typeface="+mn-cs"/>
+              </a:defRPr>
+            </a:lvl7pPr>
+            <a:lvl8pPr marL="3200400" algn="l" defTabSz="914400" rtl="0" eaLnBrk="1" latinLnBrk="0" hangingPunct="1">
+              <a:defRPr sz="1800" kern="1200">
+                <a:solidFill>
+                  <a:schemeClr val="tx1"/>
+                </a:solidFill>
+                <a:latin typeface="+mn-lt"/>
+                <a:ea typeface="+mn-ea"/>
+                <a:cs typeface="+mn-cs"/>
+              </a:defRPr>
+            </a:lvl8pPr>
+            <a:lvl9pPr marL="3657600" algn="l" defTabSz="914400" rtl="0" eaLnBrk="1" latinLnBrk="0" hangingPunct="1">
+              <a:defRPr sz="1800" kern="1200">
+                <a:solidFill>
+                  <a:schemeClr val="tx1"/>
+                </a:solidFill>
+                <a:latin typeface="+mn-lt"/>
+                <a:ea typeface="+mn-ea"/>
+                <a:cs typeface="+mn-cs"/>
+              </a:defRPr>
+            </a:lvl9pPr>
+          </a:lstStyle>
+          <a:p>
+            <a:pPr algn="ctr">
+              <a:defRPr sz="1200">
+                <a:solidFill>
+                  <a:srgbClr val="8C8C8C"/>
+                </a:solidFill>
+                <a:latin typeface="Tw Cen MT" charset="0"/>
+                <a:ea typeface="Calibri" charset="0"/>
+                <a:cs typeface="Calibri" charset="0"/>
+              </a:defRPr>
+            </a:pPr>
+            <a:r>
+              <a:rPr lang="pt-BR" dirty="0" smtClean="0"/>
+              <a:t>Controle de Fluxo e Exceções</a:t>
+            </a:r>
+            <a:endParaRPr lang="pt-BR" dirty="0"/>
+          </a:p>
+          <a:p>
+            <a:pPr algn="ctr">
+              <a:defRPr sz="1200">
+                <a:solidFill>
+                  <a:srgbClr val="8C8C8C"/>
+                </a:solidFill>
+                <a:latin typeface="Tw Cen MT" charset="0"/>
+                <a:ea typeface="Calibri" charset="0"/>
+                <a:cs typeface="Calibri" charset="0"/>
+              </a:defRPr>
+            </a:pPr>
+            <a:endParaRPr lang="pt-BR" sz="1200" dirty="0" smtClean="0">
+              <a:solidFill>
+                <a:srgbClr val="8C8C8C"/>
+              </a:solidFill>
+              <a:latin typeface="Tw Cen MT" charset="0"/>
+              <a:ea typeface="Calibri" charset="0"/>
+              <a:cs typeface="Calibri" charset="0"/>
+            </a:endParaRPr>
+          </a:p>
+          <a:p>
+            <a:pPr algn="ctr">
+              <a:defRPr sz="1200">
+                <a:solidFill>
+                  <a:srgbClr val="8C8C8C"/>
+                </a:solidFill>
+                <a:latin typeface="Tw Cen MT" charset="0"/>
+                <a:ea typeface="Calibri" charset="0"/>
+                <a:cs typeface="Calibri" charset="0"/>
+              </a:defRPr>
+            </a:pPr>
+            <a:endParaRPr lang="pt-BR" sz="1200" dirty="0">
+              <a:solidFill>
+                <a:srgbClr val="8C8C8C"/>
+              </a:solidFill>
+              <a:latin typeface="Tw Cen MT" charset="0"/>
+              <a:ea typeface="Calibri" charset="0"/>
+              <a:cs typeface="Calibri" charset="0"/>
+            </a:endParaRPr>
+          </a:p>
+        </p:txBody>
+      </p:sp>
+    </p:spTree>
+    <p:extLst>
+      <p:ext uri="{BB962C8B-B14F-4D97-AF65-F5344CB8AC3E}">
+        <p14:creationId xmlns:p14="http://schemas.microsoft.com/office/powerpoint/2010/main" val="743465611"/>
+      </p:ext>
+    </p:extLst>
+  </p:cSld>
+  <p:clrMapOvr>
+    <a:masterClrMapping/>
+  </p:clrMapOvr>
 </p:sld>
 </file>
 

--- a/TreinamentoJavaSeOca/documentos/apresentação/OCA.pptx
+++ b/TreinamentoJavaSeOca/documentos/apresentação/OCA.pptx
@@ -5,10 +5,10 @@
     <p:sldMasterId id="2147483661" r:id="rId1"/>
   </p:sldMasterIdLst>
   <p:notesMasterIdLst>
-    <p:notesMasterId r:id="rId69"/>
+    <p:notesMasterId r:id="rId65"/>
   </p:notesMasterIdLst>
   <p:handoutMasterIdLst>
-    <p:handoutMasterId r:id="rId70"/>
+    <p:handoutMasterId r:id="rId66"/>
   </p:handoutMasterIdLst>
   <p:sldIdLst>
     <p:sldId id="1140" r:id="rId2"/>
@@ -31,53 +31,49 @@
     <p:sldId id="1242" r:id="rId19"/>
     <p:sldId id="1202" r:id="rId20"/>
     <p:sldId id="1166" r:id="rId21"/>
-    <p:sldId id="1231" r:id="rId22"/>
-    <p:sldId id="1167" r:id="rId23"/>
-    <p:sldId id="1232" r:id="rId24"/>
-    <p:sldId id="1168" r:id="rId25"/>
-    <p:sldId id="1233" r:id="rId26"/>
-    <p:sldId id="1169" r:id="rId27"/>
-    <p:sldId id="1234" r:id="rId28"/>
-    <p:sldId id="1170" r:id="rId29"/>
-    <p:sldId id="1235" r:id="rId30"/>
-    <p:sldId id="1171" r:id="rId31"/>
-    <p:sldId id="1236" r:id="rId32"/>
-    <p:sldId id="1172" r:id="rId33"/>
-    <p:sldId id="1237" r:id="rId34"/>
-    <p:sldId id="1173" r:id="rId35"/>
-    <p:sldId id="1238" r:id="rId36"/>
-    <p:sldId id="1174" r:id="rId37"/>
-    <p:sldId id="1239" r:id="rId38"/>
-    <p:sldId id="1221" r:id="rId39"/>
-    <p:sldId id="1175" r:id="rId40"/>
-    <p:sldId id="1240" r:id="rId41"/>
-    <p:sldId id="1243" r:id="rId42"/>
-    <p:sldId id="1176" r:id="rId43"/>
-    <p:sldId id="1244" r:id="rId44"/>
-    <p:sldId id="1177" r:id="rId45"/>
-    <p:sldId id="1245" r:id="rId46"/>
-    <p:sldId id="1178" r:id="rId47"/>
-    <p:sldId id="1246" r:id="rId48"/>
-    <p:sldId id="1179" r:id="rId49"/>
-    <p:sldId id="1247" r:id="rId50"/>
-    <p:sldId id="1248" r:id="rId51"/>
-    <p:sldId id="1180" r:id="rId52"/>
-    <p:sldId id="1249" r:id="rId53"/>
-    <p:sldId id="1250" r:id="rId54"/>
-    <p:sldId id="1181" r:id="rId55"/>
-    <p:sldId id="1251" r:id="rId56"/>
-    <p:sldId id="1182" r:id="rId57"/>
-    <p:sldId id="1252" r:id="rId58"/>
-    <p:sldId id="1183" r:id="rId59"/>
-    <p:sldId id="1253" r:id="rId60"/>
-    <p:sldId id="1184" r:id="rId61"/>
-    <p:sldId id="1255" r:id="rId62"/>
-    <p:sldId id="1185" r:id="rId63"/>
-    <p:sldId id="1256" r:id="rId64"/>
-    <p:sldId id="1186" r:id="rId65"/>
-    <p:sldId id="1257" r:id="rId66"/>
-    <p:sldId id="1187" r:id="rId67"/>
-    <p:sldId id="1258" r:id="rId68"/>
+    <p:sldId id="1167" r:id="rId22"/>
+    <p:sldId id="1232" r:id="rId23"/>
+    <p:sldId id="1168" r:id="rId24"/>
+    <p:sldId id="1169" r:id="rId25"/>
+    <p:sldId id="1234" r:id="rId26"/>
+    <p:sldId id="1170" r:id="rId27"/>
+    <p:sldId id="1171" r:id="rId28"/>
+    <p:sldId id="1172" r:id="rId29"/>
+    <p:sldId id="1237" r:id="rId30"/>
+    <p:sldId id="1173" r:id="rId31"/>
+    <p:sldId id="1238" r:id="rId32"/>
+    <p:sldId id="1174" r:id="rId33"/>
+    <p:sldId id="1239" r:id="rId34"/>
+    <p:sldId id="1221" r:id="rId35"/>
+    <p:sldId id="1175" r:id="rId36"/>
+    <p:sldId id="1240" r:id="rId37"/>
+    <p:sldId id="1243" r:id="rId38"/>
+    <p:sldId id="1176" r:id="rId39"/>
+    <p:sldId id="1244" r:id="rId40"/>
+    <p:sldId id="1177" r:id="rId41"/>
+    <p:sldId id="1245" r:id="rId42"/>
+    <p:sldId id="1178" r:id="rId43"/>
+    <p:sldId id="1246" r:id="rId44"/>
+    <p:sldId id="1179" r:id="rId45"/>
+    <p:sldId id="1247" r:id="rId46"/>
+    <p:sldId id="1248" r:id="rId47"/>
+    <p:sldId id="1180" r:id="rId48"/>
+    <p:sldId id="1249" r:id="rId49"/>
+    <p:sldId id="1250" r:id="rId50"/>
+    <p:sldId id="1181" r:id="rId51"/>
+    <p:sldId id="1251" r:id="rId52"/>
+    <p:sldId id="1182" r:id="rId53"/>
+    <p:sldId id="1252" r:id="rId54"/>
+    <p:sldId id="1183" r:id="rId55"/>
+    <p:sldId id="1253" r:id="rId56"/>
+    <p:sldId id="1184" r:id="rId57"/>
+    <p:sldId id="1255" r:id="rId58"/>
+    <p:sldId id="1185" r:id="rId59"/>
+    <p:sldId id="1256" r:id="rId60"/>
+    <p:sldId id="1186" r:id="rId61"/>
+    <p:sldId id="1257" r:id="rId62"/>
+    <p:sldId id="1187" r:id="rId63"/>
+    <p:sldId id="1258" r:id="rId64"/>
   </p:sldIdLst>
   <p:sldSz cx="9144000" cy="6858000" type="screen4x3"/>
   <p:notesSz cx="6797675" cy="9928225"/>
@@ -277,7 +273,7 @@
           <a:p>
             <a:fld id="{72522EA8-AF65-4008-82EE-AEE6414B708A}" type="datetimeFigureOut">
               <a:rPr lang="pt-BR" smtClean="0"/>
-              <a:t>15/08/2016</a:t>
+              <a:t>16/08/2016</a:t>
             </a:fld>
             <a:endParaRPr lang="pt-BR"/>
           </a:p>
@@ -442,7 +438,7 @@
           <a:p>
             <a:fld id="{7B4FF0CD-9C9F-49AC-9576-0191D2CC62A3}" type="datetimeFigureOut">
               <a:rPr lang="pt-BR" smtClean="0"/>
-              <a:t>15/08/2016</a:t>
+              <a:t>16/08/2016</a:t>
             </a:fld>
             <a:endParaRPr lang="pt-BR"/>
           </a:p>
@@ -742,7 +738,7 @@
             <a:spLocks noGrp="1" noChangeArrowheads="1"/>
             <a:extLst>
               <a:ext uri="smNativeData">
-                <pr:smNativeData xmlns:pr="smNativeData" xmlns="" val="SMDATA_12_7hxgVxMAAAAlAAAAZAAAAA0AAAAAkAAAAEgAAACQAAAASAAAAAAAAAAAAAAAAAAAAAEAAABQAAAAAAAAAAAA4D8AAAAAAADgPwAAAAAAAOA/AAAAAAAA4D8AAAAAAADgPwAAAAAAAOA/AAAAAAAA4D8AAAAAAADgPwAAAAAAAOA/AAAAAAAA4D8CAAAAjAAAAAAAAAAAAAAA////DP///wgAAAAAAAAAAAAAAAAAAAAAAAAAAAAAAAAAAAAAZAAAAAEAAABAAAAAAAAAAAAAAAAAAAAAAAAAAAAAAAAAAAAAAAAAAAAAAAAAAAAAAAAAAAAAAAAAAAAAAAAAAAAAAAAAAAAAAAAAAAAAAAAAAAAAAAAAAAAAAAAAAAAAFAAAADwAAAAAAAAAAAAAAAZJjAkUAAAAAQAAABQAAAAUAAAAFAAAAAEAAAAAAAAAZAAAAGQAAAAAAAAAZAAAAGQAAAAVAAAAYAAAAAAAAAAAAAAADwAAACADAAAAAAAAAAAAAAEAAACgMgAAVgcAAKr4//8BAAAAf39/AAEAAABkAAAAAAAAABQAAABAHwAAAAAAACYAAAAAAAAAwOD//wAAAAAmAAAAZAAAABYAAABMAAAAAAAAAAAAAAAEAAAAAAAAAAEAAACWlpYKAAAAACgAAAAoAAAAZAAAAGQAAAAAAAAAzMzMAAAAAABQAAAAUAAAAGQAAABkAAAAAAAAABcAAAAUAAAAAAAAAAAAAAD/fwAA/38AAAAAAAAJAAAABAAAAAAAAAAMAAAAEAAAAAAAAAAAAAAAAAAAAAAAAAAeAAAAaAAAAAAAAAAAAAAAAAAAAAAAAAAAAAAAECcAABAnAAAAAAAAAAAAAAAAAAAAAAAAAAAAAAAAAAAAAAAAAAAAABQAAAAAAAAAwMD/AAAAAABkAAAAMgAAAAAAAABkAAAAAAAAAH9/fwAKAAAAHwAAAFQAAAAAAAAFAAAAAQAAAAAAAAAAAAAAAAAAAAAAAAAAAAAAAAAAAAAAAAAAAAAAAn9/fwAAAAADzMzMAMDA/wB/f38AAAAAAAAAAAAAAAAAAAAAAAAAAAAhAAAAGAAAABQAAAA4BAAAwAMAANAvAAAIBwAAEAAAAA=="/>
+                <pr:smNativeData xmlns="" xmlns:pr="smNativeData" val="SMDATA_12_7hxgVxMAAAAlAAAAZAAAAA0AAAAAkAAAAEgAAACQAAAASAAAAAAAAAAAAAAAAAAAAAEAAABQAAAAAAAAAAAA4D8AAAAAAADgPwAAAAAAAOA/AAAAAAAA4D8AAAAAAADgPwAAAAAAAOA/AAAAAAAA4D8AAAAAAADgPwAAAAAAAOA/AAAAAAAA4D8CAAAAjAAAAAAAAAAAAAAA////DP///wgAAAAAAAAAAAAAAAAAAAAAAAAAAAAAAAAAAAAAZAAAAAEAAABAAAAAAAAAAAAAAAAAAAAAAAAAAAAAAAAAAAAAAAAAAAAAAAAAAAAAAAAAAAAAAAAAAAAAAAAAAAAAAAAAAAAAAAAAAAAAAAAAAAAAAAAAAAAAAAAAAAAAFAAAADwAAAAAAAAAAAAAAAZJjAkUAAAAAQAAABQAAAAUAAAAFAAAAAEAAAAAAAAAZAAAAGQAAAAAAAAAZAAAAGQAAAAVAAAAYAAAAAAAAAAAAAAADwAAACADAAAAAAAAAAAAAAEAAACgMgAAVgcAAKr4//8BAAAAf39/AAEAAABkAAAAAAAAABQAAABAHwAAAAAAACYAAAAAAAAAwOD//wAAAAAmAAAAZAAAABYAAABMAAAAAAAAAAAAAAAEAAAAAAAAAAEAAACWlpYKAAAAACgAAAAoAAAAZAAAAGQAAAAAAAAAzMzMAAAAAABQAAAAUAAAAGQAAABkAAAAAAAAABcAAAAUAAAAAAAAAAAAAAD/fwAA/38AAAAAAAAJAAAABAAAAAAAAAAMAAAAEAAAAAAAAAAAAAAAAAAAAAAAAAAeAAAAaAAAAAAAAAAAAAAAAAAAAAAAAAAAAAAAECcAABAnAAAAAAAAAAAAAAAAAAAAAAAAAAAAAAAAAAAAAAAAAAAAABQAAAAAAAAAwMD/AAAAAABkAAAAMgAAAAAAAABkAAAAAAAAAH9/fwAKAAAAHwAAAFQAAAAAAAAFAAAAAQAAAAAAAAAAAAAAAAAAAAAAAAAAAAAAAAAAAAAAAAAAAAAAAn9/fwAAAAADzMzMAMDA/wB/f38AAAAAAAAAAAAAAAAAAAAAAAAAAAAhAAAAGAAAABQAAAA4BAAAwAMAANAvAAAIBwAAEAAAAA=="/>
               </a:ext>
             </a:extLst>
           </p:cNvSpPr>
@@ -1453,7 +1449,7 @@
           <a:p>
             <a:fld id="{47A45E42-5C18-486B-B418-DCDD32841B52}" type="datetimeFigureOut">
               <a:rPr lang="pt-BR" smtClean="0"/>
-              <a:t>15/08/2016</a:t>
+              <a:t>16/08/2016</a:t>
             </a:fld>
             <a:endParaRPr lang="pt-BR"/>
           </a:p>
@@ -1636,7 +1632,7 @@
             <a:spLocks noGrp="1" noChangeArrowheads="1"/>
             <a:extLst>
               <a:ext uri="smNativeData">
-                <pr:smNativeData xmlns:pr="smNativeData" xmlns="" val="SMDATA_12_7hxgVxMAAAAlAAAAZAAAAA0AAAAAkAAAAEgAAACQAAAASAAAAAAAAAABAAAAAAAAAAEAAABQAAAAAAAAAAAA4D8AAAAAAADgPwAAAAAAAOA/AAAAAAAA4D8AAAAAAADgPwAAAAAAAOA/AAAAAAAA4D8AAAAAAADgPwAAAAAAAOA/AAAAAAAA4D8CAAAAjAAAAAAAAAAAAAAA////AP///wgAAAAAAAAAAAAAAAAAAAAAAAAAAAAAAAAAAAAAeAAAAAEAAABAAAAAAAAAAAAAAABaAAAAAAAAAAAAAAAAAAAAAAAAAAAAAAAAAAAAAAAAAAAAAAAAAAAAAAAAAAAAAAAAAAAAAAAAAAAAAAAAAAAAAAAAAAAAAAAAAAAAFAAAADwAAAAAAAAAAAAAAAAAAAAPAAAAAQAAACMAAAAjAAAAIwAAAB4AAAAAAAAAZAAAAGQAAAAAAAAAZAAAAGQAAAAVAAAAYAAAAAAAAAAAAAAADwAAACADAAAAAAAAAAAAAAEAAACgMgAAVgcAAKr4//8BAAAAf39/AAEAAABkAAAAAAAAABQAAABAHwAAAAAAACYAAAAAAAAAwOD//wAAAAAmAAAAZAAAABYAAABMAAAAAAAAAAAAAAAEAAAAAAAAAAEAAADn5uYKAAAAACgAAAAoAAAAZAAAAGQAAAAAAAAAzMzMAAAAAABQAAAAUAAAAGQAAABkAAAAAAAAABcAAAAUAAAAAAAAAAAAAAD/fwAA/38AAAAAAAAJAAAABAAAAAAAAAAMAAAAEAAAAAAAAAAAAAAAAAAAAAAAAAAeAAAAaAAAAAAAAAAAAAAAAAAAAAAAAAAAAAAAECcAABAnAAAAAAAAAAAAAAAAAAAAAAAAAAAAAAAAAAAAAAAAAAAAABQAAAAAAAAAwMD/AAAAAABkAAAAMgAAAAAAAABkAAAAAAAAAH9/fwAKAAAAHwAAAFQAAAD///8AAAAAAQAAAAAAAAAAAAAAAAAAAAAAAAAAAAAAAAAAAAAAAAAAAAAAAH9/fwAAAAADzMzMAMDA/wB/f38AAAAAAAAAAAAAAAAAAAAAAAAAAAAhAAAAGAAAABQAAAAoBQAAPwIAANhFAABnCgAAEAAAAA=="/>
+                <pr:smNativeData xmlns="" xmlns:pr="smNativeData" val="SMDATA_12_7hxgVxMAAAAlAAAAZAAAAA0AAAAAkAAAAEgAAACQAAAASAAAAAAAAAABAAAAAAAAAAEAAABQAAAAAAAAAAAA4D8AAAAAAADgPwAAAAAAAOA/AAAAAAAA4D8AAAAAAADgPwAAAAAAAOA/AAAAAAAA4D8AAAAAAADgPwAAAAAAAOA/AAAAAAAA4D8CAAAAjAAAAAAAAAAAAAAA////AP///wgAAAAAAAAAAAAAAAAAAAAAAAAAAAAAAAAAAAAAeAAAAAEAAABAAAAAAAAAAAAAAABaAAAAAAAAAAAAAAAAAAAAAAAAAAAAAAAAAAAAAAAAAAAAAAAAAAAAAAAAAAAAAAAAAAAAAAAAAAAAAAAAAAAAAAAAAAAAAAAAAAAAFAAAADwAAAAAAAAAAAAAAAAAAAAPAAAAAQAAACMAAAAjAAAAIwAAAB4AAAAAAAAAZAAAAGQAAAAAAAAAZAAAAGQAAAAVAAAAYAAAAAAAAAAAAAAADwAAACADAAAAAAAAAAAAAAEAAACgMgAAVgcAAKr4//8BAAAAf39/AAEAAABkAAAAAAAAABQAAABAHwAAAAAAACYAAAAAAAAAwOD//wAAAAAmAAAAZAAAABYAAABMAAAAAAAAAAAAAAAEAAAAAAAAAAEAAADn5uYKAAAAACgAAAAoAAAAZAAAAGQAAAAAAAAAzMzMAAAAAABQAAAAUAAAAGQAAABkAAAAAAAAABcAAAAUAAAAAAAAAAAAAAD/fwAA/38AAAAAAAAJAAAABAAAAAAAAAAMAAAAEAAAAAAAAAAAAAAAAAAAAAAAAAAeAAAAaAAAAAAAAAAAAAAAAAAAAAAAAAAAAAAAECcAABAnAAAAAAAAAAAAAAAAAAAAAAAAAAAAAAAAAAAAAAAAAAAAABQAAAAAAAAAwMD/AAAAAABkAAAAMgAAAAAAAABkAAAAAAAAAH9/fwAKAAAAHwAAAFQAAAD///8AAAAAAQAAAAAAAAAAAAAAAAAAAAAAAAAAAAAAAAAAAAAAAAAAAAAAAH9/fwAAAAADzMzMAMDA/wB/f38AAAAAAAAAAAAAAAAAAAAAAAAAAAAhAAAAGAAAABQAAAAoBQAAPwIAANhFAABnCgAAEAAAAA=="/>
               </a:ext>
             </a:extLst>
           </p:cNvSpPr>
@@ -1683,7 +1679,7 @@
             <a:spLocks noGrp="1" noChangeArrowheads="1"/>
             <a:extLst>
               <a:ext uri="smNativeData">
-                <pr:smNativeData xmlns:pr="smNativeData" xmlns="" val="SMDATA_12_7hxgVxMAAAAlAAAAZAAAAA0AAAAAkAAAAEgAAACQAAAASAAAAAAAAAAAAAAAAAAAAAEAAABQAAAAAAAAAAAA4D8AAAAAAADgPwAAAAAAAOA/AAAAAAAA4D8AAAAAAADgPwAAAAAAAOA/AAAAAAAA4D8AAAAAAADgPwAAAAAAAOA/AAAAAAAA4D8CAAAAjAAAAAAAAAAAAAAA////AP///wgAAAAAAAAAAAAAAAAAAAAAAAAAAAAAAAAAAAAAeAAAAAEAAABAAAAAAAAAAAAAAABaAAAAAAAAAAAAAAAAAAAAAAAAAAAAAAAAAAAAAAAAAAAAAAAAAAAAAAAAAAAAAAAAAAAAAAAAAAAAAAAAAAAAAAAAAAAAAAAAAAAAFAAAADwAAAAAAAAAAAAAAAAAAAAPAAAAAQAAACMAAAAjAAAAIwAAAB4AAAAAAAAAZAAAAGQAAAAAAAAAZAAAAGQAAAAVAAAAYAAAAAAAAAAAAAAADwAAACADAAAAAAAAAAAAAAEAAACgMgAAVgcAAKr4//8BAAAAf39/AAEAAABkAAAAAAAAABQAAABAHwAAAAAAACYAAAAAAAAAwOD//wAAAAAmAAAAZAAAABYAAABMAAAAAAAAAAAAAAAEAAAAAAAAAAEAAADn5uYKAAAAACgAAAAoAAAAZAAAAGQAAAAAAAAAzMzMAAAAAABQAAAAUAAAAGQAAABkAAAAAAAAABcAAAAUAAAAAAAAAAAAAAD/fwAA/38AAAAAAAAJAAAABAAAAAAAAAAMAAAAEAAAAAAAAAAAAAAAAAAAAAAAAAAeAAAAaAAAAAAAAAAAAAAAAAAAAAAAAAAAAAAAECcAABAnAAAAAAAAAAAAAAAAAAAAAAAAAAAAAAAAAAAAAAAAAAAAABQAAAAAAAAAwMD/AAAAAABkAAAAMgAAAAAAAABkAAAAAAAAAH9/fwAKAAAAHwAAAFQAAAD///8AAAAAAQAAAAAAAAAAAAAAAAAAAAAAAAAAAAAAAAAAAAAAAAAAAAAAAH9/fwAAAAADzMzMAMDA/wB/f38AAAAAAAAAAAAAAAAAAAAAAAAAAAAhAAAAGAAAABQAAAAoBQAAOwsAANhFAAAAJgAAEAAAAA=="/>
+                <pr:smNativeData xmlns="" xmlns:pr="smNativeData" val="SMDATA_12_7hxgVxMAAAAlAAAAZAAAAA0AAAAAkAAAAEgAAACQAAAASAAAAAAAAAAAAAAAAAAAAAEAAABQAAAAAAAAAAAA4D8AAAAAAADgPwAAAAAAAOA/AAAAAAAA4D8AAAAAAADgPwAAAAAAAOA/AAAAAAAA4D8AAAAAAADgPwAAAAAAAOA/AAAAAAAA4D8CAAAAjAAAAAAAAAAAAAAA////AP///wgAAAAAAAAAAAAAAAAAAAAAAAAAAAAAAAAAAAAAeAAAAAEAAABAAAAAAAAAAAAAAABaAAAAAAAAAAAAAAAAAAAAAAAAAAAAAAAAAAAAAAAAAAAAAAAAAAAAAAAAAAAAAAAAAAAAAAAAAAAAAAAAAAAAAAAAAAAAAAAAAAAAFAAAADwAAAAAAAAAAAAAAAAAAAAPAAAAAQAAACMAAAAjAAAAIwAAAB4AAAAAAAAAZAAAAGQAAAAAAAAAZAAAAGQAAAAVAAAAYAAAAAAAAAAAAAAADwAAACADAAAAAAAAAAAAAAEAAACgMgAAVgcAAKr4//8BAAAAf39/AAEAAABkAAAAAAAAABQAAABAHwAAAAAAACYAAAAAAAAAwOD//wAAAAAmAAAAZAAAABYAAABMAAAAAAAAAAAAAAAEAAAAAAAAAAEAAADn5uYKAAAAACgAAAAoAAAAZAAAAGQAAAAAAAAAzMzMAAAAAABQAAAAUAAAAGQAAABkAAAAAAAAABcAAAAUAAAAAAAAAAAAAAD/fwAA/38AAAAAAAAJAAAABAAAAAAAAAAMAAAAEAAAAAAAAAAAAAAAAAAAAAAAAAAeAAAAaAAAAAAAAAAAAAAAAAAAAAAAAAAAAAAAECcAABAnAAAAAAAAAAAAAAAAAAAAAAAAAAAAAAAAAAAAAAAAAAAAABQAAAAAAAAAwMD/AAAAAABkAAAAMgAAAAAAAABkAAAAAAAAAH9/fwAKAAAAHwAAAFQAAAD///8AAAAAAQAAAAAAAAAAAAAAAAAAAAAAAAAAAAAAAAAAAAAAAAAAAAAAAH9/fwAAAAADzMzMAMDA/wB/f38AAAAAAAAAAAAAAAAAAAAAAAAAAAAhAAAAGAAAABQAAAAoBQAAOwsAANhFAAAAJgAAEAAAAA=="/>
               </a:ext>
             </a:extLst>
           </p:cNvSpPr>
@@ -1730,7 +1726,7 @@
             <a:spLocks noGrp="1" noChangeArrowheads="1"/>
             <a:extLst>
               <a:ext uri="smNativeData">
-                <pr:smNativeData xmlns:pr="smNativeData" xmlns="" val="SMDATA_12_7hxgVxMAAAAlAAAAZAAAAA0AAAAAkAAAAEgAAACQAAAASAAAAAAAAAABAAAAAAAAAAEAAABQAAAAAAAAAAAA4D8AAAAAAADgPwAAAAAAAOA/AAAAAAAA4D8AAAAAAADgPwAAAAAAAOA/AAAAAAAA4D8AAAAAAADgPwAAAAAAAOA/AAAAAAAA4D8CAAAAjAAAAAAAAAAAAAAA////AP///wgAAAAAAAAAAAAAAAAAAAAAAAAAAAAAAAAAAAAAeAAAAAEAAABAAAAAAAAAAAAAAABaAAAAAAAAAAAAAAAAAAAAAAAAAAAAAAAAAAAAAAAAAAAAAAAAAAAAAAAAAAAAAAAAAAAAAAAAAAAAAAAAAAAAAAAAAAAAAAAAAAAAFAAAADwAAAAAAAAAAAAAAAAAAAAPAAAAAQAAACMAAAAjAAAAIwAAAB4AAAAAAAAAZAAAAGQAAAAAAAAAZAAAAGQAAAAVAAAAYAAAAAAAAAAAAAAADwAAACADAAAAAAAAAAAAAAEAAACgMgAAVgcAAKr4//8BAAAAf39/AAEAAABkAAAAAAAAABQAAABAHwAAAAAAACYAAAAAAAAAwOD//wAAAAAmAAAAZAAAABYAAABMAAAAAAAAAAAAAAAEAAAAAAAAAAEAAADn5uYKAAAAACgAAAAoAAAAZAAAAGQAAAAAAAAAzMzMAAAAAABQAAAAUAAAAGQAAABkAAAAAAAAABcAAAAUAAAAAAAAAAAAAAD/fwAA/38AAAAAAAAJAAAABAAAAAAAAAAMAAAAEAAAAAAAAAAAAAAAAAAAAAAAAAAeAAAAaAAAAAAAAAAAAAAAAAAAAAAAAAAAAAAAECcAABAnAAAAAAAAAAAAAAAAAAAAAAAAAAAAAAAAAAAAAAAAAAAAABQAAAAAAAAAwMD/AAAAAABkAAAAMgAAAAAAAABkAAAAAAAAAH9/fwAKAAAAHwAAAFQAAAD///8A////AQAAAAAAAAAAAAAAAAAAAAAAAAAAAAAAAAAAAAAAAAAAAAAAAH9/fwDn5uYDzMzMAMDA/wB/f38AAAAAAAAAAAAAAAAAAAAAAAAAAAAhAAAAGAAAABQAAAD4NAAAGicAANhFAABZKQAAEAAAAA=="/>
+                <pr:smNativeData xmlns="" xmlns:pr="smNativeData" val="SMDATA_12_7hxgVxMAAAAlAAAAZAAAAA0AAAAAkAAAAEgAAACQAAAASAAAAAAAAAABAAAAAAAAAAEAAABQAAAAAAAAAAAA4D8AAAAAAADgPwAAAAAAAOA/AAAAAAAA4D8AAAAAAADgPwAAAAAAAOA/AAAAAAAA4D8AAAAAAADgPwAAAAAAAOA/AAAAAAAA4D8CAAAAjAAAAAAAAAAAAAAA////AP///wgAAAAAAAAAAAAAAAAAAAAAAAAAAAAAAAAAAAAAeAAAAAEAAABAAAAAAAAAAAAAAABaAAAAAAAAAAAAAAAAAAAAAAAAAAAAAAAAAAAAAAAAAAAAAAAAAAAAAAAAAAAAAAAAAAAAAAAAAAAAAAAAAAAAAAAAAAAAAAAAAAAAFAAAADwAAAAAAAAAAAAAAAAAAAAPAAAAAQAAACMAAAAjAAAAIwAAAB4AAAAAAAAAZAAAAGQAAAAAAAAAZAAAAGQAAAAVAAAAYAAAAAAAAAAAAAAADwAAACADAAAAAAAAAAAAAAEAAACgMgAAVgcAAKr4//8BAAAAf39/AAEAAABkAAAAAAAAABQAAABAHwAAAAAAACYAAAAAAAAAwOD//wAAAAAmAAAAZAAAABYAAABMAAAAAAAAAAAAAAAEAAAAAAAAAAEAAADn5uYKAAAAACgAAAAoAAAAZAAAAGQAAAAAAAAAzMzMAAAAAABQAAAAUAAAAGQAAABkAAAAAAAAABcAAAAUAAAAAAAAAAAAAAD/fwAA/38AAAAAAAAJAAAABAAAAAAAAAAMAAAAEAAAAAAAAAAAAAAAAAAAAAAAAAAeAAAAaAAAAAAAAAAAAAAAAAAAAAAAAAAAAAAAECcAABAnAAAAAAAAAAAAAAAAAAAAAAAAAAAAAAAAAAAAAAAAAAAAABQAAAAAAAAAwMD/AAAAAABkAAAAMgAAAAAAAABkAAAAAAAAAH9/fwAKAAAAHwAAAFQAAAD///8A////AQAAAAAAAAAAAAAAAAAAAAAAAAAAAAAAAAAAAAAAAAAAAAAAAH9/fwDn5uYDzMzMAMDA/wB/f38AAAAAAAAAAAAAAAAAAAAAAAAAAAAhAAAAGAAAABQAAAD4NAAAGicAANhFAABZKQAAEAAAAA=="/>
               </a:ext>
             </a:extLst>
           </p:cNvSpPr>
@@ -1787,7 +1783,7 @@
             <a:spLocks noGrp="1" noChangeArrowheads="1"/>
             <a:extLst>
               <a:ext uri="smNativeData">
-                <pr:smNativeData xmlns:pr="smNativeData" xmlns="" val="SMDATA_12_7hxgVxMAAAAlAAAAZAAAAA0AAAAAkAAAAEgAAACQAAAASAAAAAAAAAABAAAAAAAAAAEAAABQAAAAAAAAAAAA4D8AAAAAAADgPwAAAAAAAOA/AAAAAAAA4D8AAAAAAADgPwAAAAAAAOA/AAAAAAAA4D8AAAAAAADgPwAAAAAAAOA/AAAAAAAA4D8CAAAAjAAAAAAAAAAAAAAA////AP///wgAAAAAAAAAAAAAAAAAAAAAAAAAAAAAAAAAAAAAeAAAAAEAAABAAAAAAAAAAAAAAABaAAAAAAAAAAAAAAAAAAAAAAAAAAAAAAAAAAAAAAAAAAAAAAAAAAAAAAAAAAAAAAAAAAAAAAAAAAAAAAAAAAAAAAAAAAAAAAAAAAAAFAAAADwAAAAAAAAAAAAAAAAAAAAPAAAAAQAAACMAAAAjAAAAIwAAAB4AAAAAAAAAZAAAAGQAAAAAAAAAZAAAAGQAAAAVAAAAYAAAAAAAAAAAAAAADwAAACADAAAAAAAAAAAAAAEAAACgMgAAVgcAAKr4//8BAAAAf39/AAEAAABkAAAAAAAAABQAAABAHwAAAAAAACYAAAAAAAAAwOD//wAAAAAmAAAAZAAAABYAAABMAAAAAAAAAAAAAAAEAAAAAAAAAAEAAADn5uYKAAAAACgAAAAoAAAAZAAAAGQAAAAAAAAAzMzMAAAAAABQAAAAUAAAAGQAAABkAAAAAAAAABcAAAAUAAAAAAAAAAAAAAD/fwAA/38AAAAAAAAJAAAABAAAAAAAAAAMAAAAEAAAAAAAAAAAAAAAAAAAAAAAAAAeAAAAaAAAAAAAAAAAAAAAAAAAAAAAAAAAAAAAECcAABAnAAAAAAAAAAAAAAAAAAAAAAAAAAAAAAAAAAAAAAAAAAAAABQAAAAAAAAAwMD/AAAAAABkAAAAMgAAAAAAAABkAAAAAAAAAH9/fwAKAAAAHwAAAFQAAAD///8A////AQAAAAAAAAAAAAAAAAAAAAAAAAAAAAAAAAAAAAAAAAAAAAAAAH9/fwDn5uYDzMzMAMDA/wB/f38AAAAAAAAAAAAAAAAAAAAAAAAAAAAhAAAAGAAAABQAAADYGAAAGicAACgyAABZKQAAEAAAAA=="/>
+                <pr:smNativeData xmlns="" xmlns:pr="smNativeData" val="SMDATA_12_7hxgVxMAAAAlAAAAZAAAAA0AAAAAkAAAAEgAAACQAAAASAAAAAAAAAABAAAAAAAAAAEAAABQAAAAAAAAAAAA4D8AAAAAAADgPwAAAAAAAOA/AAAAAAAA4D8AAAAAAADgPwAAAAAAAOA/AAAAAAAA4D8AAAAAAADgPwAAAAAAAOA/AAAAAAAA4D8CAAAAjAAAAAAAAAAAAAAA////AP///wgAAAAAAAAAAAAAAAAAAAAAAAAAAAAAAAAAAAAAeAAAAAEAAABAAAAAAAAAAAAAAABaAAAAAAAAAAAAAAAAAAAAAAAAAAAAAAAAAAAAAAAAAAAAAAAAAAAAAAAAAAAAAAAAAAAAAAAAAAAAAAAAAAAAAAAAAAAAAAAAAAAAFAAAADwAAAAAAAAAAAAAAAAAAAAPAAAAAQAAACMAAAAjAAAAIwAAAB4AAAAAAAAAZAAAAGQAAAAAAAAAZAAAAGQAAAAVAAAAYAAAAAAAAAAAAAAADwAAACADAAAAAAAAAAAAAAEAAACgMgAAVgcAAKr4//8BAAAAf39/AAEAAABkAAAAAAAAABQAAABAHwAAAAAAACYAAAAAAAAAwOD//wAAAAAmAAAAZAAAABYAAABMAAAAAAAAAAAAAAAEAAAAAAAAAAEAAADn5uYKAAAAACgAAAAoAAAAZAAAAGQAAAAAAAAAzMzMAAAAAABQAAAAUAAAAGQAAABkAAAAAAAAABcAAAAUAAAAAAAAAAAAAAD/fwAA/38AAAAAAAAJAAAABAAAAAAAAAAMAAAAEAAAAAAAAAAAAAAAAAAAAAAAAAAeAAAAaAAAAAAAAAAAAAAAAAAAAAAAAAAAAAAAECcAABAnAAAAAAAAAAAAAAAAAAAAAAAAAAAAAAAAAAAAAAAAAAAAABQAAAAAAAAAwMD/AAAAAABkAAAAMgAAAAAAAABkAAAAAAAAAH9/fwAKAAAAHwAAAFQAAAD///8A////AQAAAAAAAAAAAAAAAAAAAAAAAAAAAAAAAAAAAAAAAAAAAAAAAH9/fwDn5uYDzMzMAMDA/wB/f38AAAAAAAAAAAAAAAAAAAAAAAAAAAAhAAAAGAAAABQAAADYGAAAGicAACgyAABZKQAAEAAAAA=="/>
               </a:ext>
             </a:extLst>
           </p:cNvSpPr>
@@ -1841,7 +1837,7 @@
             <a:spLocks noGrp="1" noChangeArrowheads="1"/>
             <a:extLst>
               <a:ext uri="smNativeData">
-                <pr:smNativeData xmlns:pr="smNativeData" xmlns="" val="SMDATA_12_7hxgVxMAAAAlAAAAZAAAAA0AAAAAkAAAAEgAAACQAAAASAAAAAAAAAABAAAAAAAAAAEAAABQAAAAAAAAAAAA4D8AAAAAAADgPwAAAAAAAOA/AAAAAAAA4D8AAAAAAADgPwAAAAAAAOA/AAAAAAAA4D8AAAAAAADgPwAAAAAAAOA/AAAAAAAA4D8CAAAAjAAAAAAAAAAAAAAA////AP///wgAAAAAAAAAAAAAAAAAAAAAAAAAAAAAAAAAAAAAeAAAAAEAAABAAAAAAAAAAAAAAABaAAAAAAAAAAAAAAAAAAAAAAAAAAAAAAAAAAAAAAAAAAAAAAAAAAAAAAAAAAAAAAAAAAAAAAAAAAAAAAAAAAAAAAAAAAAAAAAAAAAAFAAAADwAAAAAAAAAAAAAAAAAAAAPAAAAAQAAACMAAAAjAAAAIwAAAB4AAAAAAAAAZAAAAGQAAAAAAAAAZAAAAGQAAAAVAAAAYAAAAAAAAAAAAAAADwAAACADAAAAAAAAAAAAAAEAAACgMgAAVgcAAKr4//8BAAAAf39/AAEAAABkAAAAAAAAABQAAABAHwAAAAAAACYAAAAAAAAAwOD//wAAAAAmAAAAZAAAABYAAABMAAAAAAAAAAAAAAAEAAAAAAAAAAEAAADn5uYKAAAAACgAAAAoAAAAZAAAAGQAAAAAAAAAzMzMAAAAAABQAAAAUAAAAGQAAABkAAAAAAAAABcAAAAUAAAAAAAAAAAAAAD/fwAA/38AAAAAAAAJAAAABAAAAAAAAAAMAAAAEAAAAAAAAAAAAAAAAAAAAAAAAAAeAAAAaAAAAAAAAAAAAAAAAAAAAAAAAAAAAAAAECcAABAnAAAAAAAAAAAAAAAAAAAAAAAAAAAAAAAAAAAAAAAAAAAAABQAAAAAAAAAwMD/AAAAAABkAAAAMgAAAAAAAABkAAAAAAAAAH9/fwAKAAAAHwAAAFQAAAD///8A////AQAAAAAAAAAAAAAAAAAAAAAAAAAAAAAAAAAAAAAAAAAAAAAAAH9/fwDn5uYDzMzMAMDA/wB/f38AAAAAAAAAAAAAAAAAAAAAAAAAAAAhAAAAGAAAABQAAAAoBQAAGicAAAgWAABZKQAAEAAAAA=="/>
+                <pr:smNativeData xmlns="" xmlns:pr="smNativeData" val="SMDATA_12_7hxgVxMAAAAlAAAAZAAAAA0AAAAAkAAAAEgAAACQAAAASAAAAAAAAAABAAAAAAAAAAEAAABQAAAAAAAAAAAA4D8AAAAAAADgPwAAAAAAAOA/AAAAAAAA4D8AAAAAAADgPwAAAAAAAOA/AAAAAAAA4D8AAAAAAADgPwAAAAAAAOA/AAAAAAAA4D8CAAAAjAAAAAAAAAAAAAAA////AP///wgAAAAAAAAAAAAAAAAAAAAAAAAAAAAAAAAAAAAAeAAAAAEAAABAAAAAAAAAAAAAAABaAAAAAAAAAAAAAAAAAAAAAAAAAAAAAAAAAAAAAAAAAAAAAAAAAAAAAAAAAAAAAAAAAAAAAAAAAAAAAAAAAAAAAAAAAAAAAAAAAAAAFAAAADwAAAAAAAAAAAAAAAAAAAAPAAAAAQAAACMAAAAjAAAAIwAAAB4AAAAAAAAAZAAAAGQAAAAAAAAAZAAAAGQAAAAVAAAAYAAAAAAAAAAAAAAADwAAACADAAAAAAAAAAAAAAEAAACgMgAAVgcAAKr4//8BAAAAf39/AAEAAABkAAAAAAAAABQAAABAHwAAAAAAACYAAAAAAAAAwOD//wAAAAAmAAAAZAAAABYAAABMAAAAAAAAAAAAAAAEAAAAAAAAAAEAAADn5uYKAAAAACgAAAAoAAAAZAAAAGQAAAAAAAAAzMzMAAAAAABQAAAAUAAAAGQAAABkAAAAAAAAABcAAAAUAAAAAAAAAAAAAAD/fwAA/38AAAAAAAAJAAAABAAAAAAAAAAMAAAAEAAAAAAAAAAAAAAAAAAAAAAAAAAeAAAAaAAAAAAAAAAAAAAAAAAAAAAAAAAAAAAAECcAABAnAAAAAAAAAAAAAAAAAAAAAAAAAAAAAAAAAAAAAAAAAAAAABQAAAAAAAAAwMD/AAAAAABkAAAAMgAAAAAAAABkAAAAAAAAAH9/fwAKAAAAHwAAAFQAAAD///8A////AQAAAAAAAAAAAAAAAAAAAAAAAAAAAAAAAAAAAAAAAAAAAAAAAH9/fwDn5uYDzMzMAMDA/wB/f38AAAAAAAAAAAAAAAAAAAAAAAAAAAAhAAAAGAAAABQAAAAoBQAAGicAAAgWAABZKQAAEAAAAA=="/>
               </a:ext>
             </a:extLst>
           </p:cNvSpPr>
@@ -2640,7 +2636,7 @@
           <p:cNvGrpSpPr>
             <a:extLst>
               <a:ext uri="smNativeData">
-                <pr:smNativeData xmlns:pr="smNativeData" xmlns="" val="SMDATA_6_7hxgVxMAAAAlAAAAAQAAAA8BAAAAkAAAAEgAAACQAAAASAAAAAAAAAAAAAAAAAAAABcAAAAUAAAAAAAAAAAAAAD/fwAA/38AAAAAAAAJAAAABAAAAAAAAAAMAAAAEAAAAAAAAAAAAAAAAAAAAAAAAAAfAAAAVAAAAAAAAAAAAAAAAAAAAAAAAAAAAAAAAAAAAAAAAAAAAAAAAAAAAAAAAAAAAAAAAAAAAAAAAAAAAAAAAAAAAAAAAAAAAAAAAAAAAAAAAAAAAAAAAAAAACEAAAAYAAAAFAAAAAAAAACEIQAAAEsAAEMmAAAQAAAA"/>
+                <pr:smNativeData xmlns="" xmlns:pr="smNativeData" val="SMDATA_6_7hxgVxMAAAAlAAAAAQAAAA8BAAAAkAAAAEgAAACQAAAASAAAAAAAAAAAAAAAAAAAABcAAAAUAAAAAAAAAAAAAAD/fwAA/38AAAAAAAAJAAAABAAAAAAAAAAMAAAAEAAAAAAAAAAAAAAAAAAAAAAAAAAfAAAAVAAAAAAAAAAAAAAAAAAAAAAAAAAAAAAAAAAAAAAAAAAAAAAAAAAAAAAAAAAAAAAAAAAAAAAAAAAAAAAAAAAAAAAAAAAAAAAAAAAAAAAAAAAAAAAAAAAAACEAAAAYAAAAFAAAAAAAAACEIQAAAEsAAEMmAAAQAAAA"/>
               </a:ext>
             </a:extLst>
           </p:cNvGrpSpPr>
@@ -2690,7 +2686,7 @@
             <p:cNvSpPr>
               <a:extLst>
                 <a:ext uri="smNativeData">
-                  <pr:smNativeData xmlns:pr="smNativeData" xmlns="" val="SMDATA_12_7hxgVxMAAAAlAAAAZAAAAA0AAAAAkAAAAEgAAACQAAAASAAAAAAAAAABAAAAAAAAAAEAAABQAAAAAAAAAAAA4D8AAAAAAADgPwAAAAAAAOA/AAAAAAAA4D8AAAAAAADgPwAAAAAAAOA/AAAAAAAA4D8AAAAAAADgPwAAAAAAAOA/AAAAAAAA4D8CAAAAjAAAAAEAAAAAAAAAVII1AP///wgAAAAAAAAAAAAAAAAAAAAAAAAAAAAAAAAAAAAAeAAAAAEAAABAAAAAAAAAAAAAAABaAAAAAAAAAAAAAAAAAAAAAAAAAAAAAAAAAAAAAAAAAAAAAAAAAAAAAAAAAAAAAAAAAAAAAAAAAAAAAAAAAAAAAAAAAAAAAAAAAAAAFAAAADwAAAAAAAAAAAAAAAZJjAkUAAAAAQAAABQAAAAUAAAAFAAAAAEAAAAAAAAAZAAAAGQAAAAAAAAAZAAAAGQAAAAVAAAAYAAAAAAAAAAAAAAADwAAACADAAAAAAAAAAAAAAEAAACgMgAAVgcAAKr4//8BAAAAf39/AAEAAABkAAAAAAAAABQAAABAHwAAAAAAACYAAAAAAAAAwOD//wAAAAAmAAAAZAAAABYAAABMAAAAAAAAAAAAAAAEAAAAAAAAAAEAAACWlpYKAAAAACgAAAAoAAAAZAAAAGQAAAAAAAAAzMzMAAAAAABQAAAAUAAAAGQAAABkAAAAAAAAABcAAAAUAAAAAAAAAAAAAAD/fwAA/38AAAAAAAAJAAAABAAAAAAAAAAMAAAAEAAAAAAAAAAAAAAAAAAAAAAAAAAeAAAAaAAAAAAAAAAAAAAAAAAAAAAAAAAAAAAAECcAABAnAAAAAAAAAAAAAAAAAAAAAAAAAAAAAAAAAAAAAAAAAAAAABQAAAAAAAAAwMD/AAAAAABkAAAAMgAAAAAAAABkAAAAAAAAAH9/fwAKAAAAHwAAAFQAAABUgjUA////AQAAAAAAAAAAAAAAAAAAAAAAAAAAAAAAAAAAAAAAAAAAAAAAAn9/fwDn5uYDzMzMAMDA/wB/f38AAAAAAAAAAAAAAAAAAAAAAAAAAAAhAAAAGAAAABQAAADLEgAAhiEAAABLAABDJgAAAAAAAA=="/>
+                  <pr:smNativeData xmlns="" xmlns:pr="smNativeData" val="SMDATA_12_7hxgVxMAAAAlAAAAZAAAAA0AAAAAkAAAAEgAAACQAAAASAAAAAAAAAABAAAAAAAAAAEAAABQAAAAAAAAAAAA4D8AAAAAAADgPwAAAAAAAOA/AAAAAAAA4D8AAAAAAADgPwAAAAAAAOA/AAAAAAAA4D8AAAAAAADgPwAAAAAAAOA/AAAAAAAA4D8CAAAAjAAAAAEAAAAAAAAAVII1AP///wgAAAAAAAAAAAAAAAAAAAAAAAAAAAAAAAAAAAAAeAAAAAEAAABAAAAAAAAAAAAAAABaAAAAAAAAAAAAAAAAAAAAAAAAAAAAAAAAAAAAAAAAAAAAAAAAAAAAAAAAAAAAAAAAAAAAAAAAAAAAAAAAAAAAAAAAAAAAAAAAAAAAFAAAADwAAAAAAAAAAAAAAAZJjAkUAAAAAQAAABQAAAAUAAAAFAAAAAEAAAAAAAAAZAAAAGQAAAAAAAAAZAAAAGQAAAAVAAAAYAAAAAAAAAAAAAAADwAAACADAAAAAAAAAAAAAAEAAACgMgAAVgcAAKr4//8BAAAAf39/AAEAAABkAAAAAAAAABQAAABAHwAAAAAAACYAAAAAAAAAwOD//wAAAAAmAAAAZAAAABYAAABMAAAAAAAAAAAAAAAEAAAAAAAAAAEAAACWlpYKAAAAACgAAAAoAAAAZAAAAGQAAAAAAAAAzMzMAAAAAABQAAAAUAAAAGQAAABkAAAAAAAAABcAAAAUAAAAAAAAAAAAAAD/fwAA/38AAAAAAAAJAAAABAAAAAAAAAAMAAAAEAAAAAAAAAAAAAAAAAAAAAAAAAAeAAAAaAAAAAAAAAAAAAAAAAAAAAAAAAAAAAAAECcAABAnAAAAAAAAAAAAAAAAAAAAAAAAAAAAAAAAAAAAAAAAAAAAABQAAAAAAAAAwMD/AAAAAABkAAAAMgAAAAAAAABkAAAAAAAAAH9/fwAKAAAAHwAAAFQAAABUgjUA////AQAAAAAAAAAAAAAAAAAAAAAAAAAAAAAAAAAAAAAAAAAAAAAAAn9/fwDn5uYDzMzMAMDA/wB/f38AAAAAAAAAAAAAAAAAAAAAAAAAAAAhAAAAGAAAABQAAADLEgAAhiEAAABLAABDJgAAAAAAAA=="/>
                 </a:ext>
               </a:extLst>
             </p:cNvSpPr>
@@ -2831,7 +2827,7 @@
               <a:pPr>
                 <a:defRPr/>
               </a:pPr>
-              <a:endParaRPr sz="1350"/>
+              <a:endParaRPr sz="1350" dirty="0"/>
             </a:p>
           </p:txBody>
         </p:sp>
@@ -2841,7 +2837,7 @@
             <p:cNvSpPr>
               <a:extLst>
                 <a:ext uri="smNativeData">
-                  <pr:smNativeData xmlns:pr="smNativeData" xmlns="" val="SMDATA_12_7hxgVxMAAAAlAAAAZAAAAA0AAAAAkAAAAEgAAACQAAAASAAAAAAAAAABAAAAAAAAAAEAAABQAAAAAAAAAAAA4D8AAAAAAADgPwAAAAAAAOA/AAAAAAAA4D8AAAAAAADgPwAAAAAAAOA/AAAAAAAA4D8AAAAAAADgPwAAAAAAAOA/AAAAAAAA4D8CAAAAjAAAAAEAAAAAAAAA/8AAAP///wgAAAAAAAAAAAAAAAAAAAAAAAAAAAAAAAAAAAAAeAAAAAEAAABAAAAAAAAAAAAAAABaAAAAAAAAAAAAAAAAAAAAAAAAAAAAAAAAAAAAAAAAAAAAAAAAAAAAAAAAAAAAAAAAAAAAAAAAAAAAAAAAAAAAAAAAAAAAAAAAAAAAFAAAADwAAAAAAAAAAAAAAAZJjAkUAAAAAQAAABQAAAAUAAAAFAAAAAEAAAAAAAAAZAAAAGQAAAAAAAAAZAAAAGQAAAAVAAAAYAAAAAAAAAAAAAAADwAAACADAAAAAAAAAAAAAAEAAACgMgAAVgcAAKr4//8BAAAAf39/AAEAAABkAAAAAAAAABQAAABAHwAAAAAAACYAAAAAAAAAwOD//wAAAAAmAAAAZAAAABYAAABMAAAAAAAAAAAAAAAEAAAAAAAAAAEAAACWlpYKAAAAACgAAAAoAAAAZAAAAGQAAAAAAAAAzMzMAAAAAABQAAAAUAAAAGQAAABkAAAAAAAAABcAAAAUAAAAAAAAAAAAAAD/fwAA/38AAAAAAAAJAAAABAAAAAAAAAAMAAAAEAAAAAAAAAAAAAAAAAAAAAAAAAAeAAAAaAAAAAAAAAAAAAAAAAAAAAAAAAAAAAAAECcAABAnAAAAAAAAAAAAAAAAAAAAAAAAAAAAAAAAAAAAAAAAAAAAABQAAAAAAAAAwMD/AAAAAABkAAAAMgAAAAAAAABkAAAAAAAAAH9/fwAKAAAAHwAAAFQAAAD/wAAA////AQAAAAAAAAAAAAAAAAAAAAAAAAAAAAAAAAAAAAAAAAAAAAAAAn9/fwDn5uYDzMzMAMDA/wB/f38AAAAAAAAAAAAAAAAAAAAAAAAAAAAhAAAAGAAAABQAAAAAAAAAhCEAAMsSAABBJgAAAAAAAA=="/>
+                  <pr:smNativeData xmlns="" xmlns:pr="smNativeData" val="SMDATA_12_7hxgVxMAAAAlAAAAZAAAAA0AAAAAkAAAAEgAAACQAAAASAAAAAAAAAABAAAAAAAAAAEAAABQAAAAAAAAAAAA4D8AAAAAAADgPwAAAAAAAOA/AAAAAAAA4D8AAAAAAADgPwAAAAAAAOA/AAAAAAAA4D8AAAAAAADgPwAAAAAAAOA/AAAAAAAA4D8CAAAAjAAAAAEAAAAAAAAA/8AAAP///wgAAAAAAAAAAAAAAAAAAAAAAAAAAAAAAAAAAAAAeAAAAAEAAABAAAAAAAAAAAAAAABaAAAAAAAAAAAAAAAAAAAAAAAAAAAAAAAAAAAAAAAAAAAAAAAAAAAAAAAAAAAAAAAAAAAAAAAAAAAAAAAAAAAAAAAAAAAAAAAAAAAAFAAAADwAAAAAAAAAAAAAAAZJjAkUAAAAAQAAABQAAAAUAAAAFAAAAAEAAAAAAAAAZAAAAGQAAAAAAAAAZAAAAGQAAAAVAAAAYAAAAAAAAAAAAAAADwAAACADAAAAAAAAAAAAAAEAAACgMgAAVgcAAKr4//8BAAAAf39/AAEAAABkAAAAAAAAABQAAABAHwAAAAAAACYAAAAAAAAAwOD//wAAAAAmAAAAZAAAABYAAABMAAAAAAAAAAAAAAAEAAAAAAAAAAEAAACWlpYKAAAAACgAAAAoAAAAZAAAAGQAAAAAAAAAzMzMAAAAAABQAAAAUAAAAGQAAABkAAAAAAAAABcAAAAUAAAAAAAAAAAAAAD/fwAA/38AAAAAAAAJAAAABAAAAAAAAAAMAAAAEAAAAAAAAAAAAAAAAAAAAAAAAAAeAAAAaAAAAAAAAAAAAAAAAAAAAAAAAAAAAAAAECcAABAnAAAAAAAAAAAAAAAAAAAAAAAAAAAAAAAAAAAAAAAAAAAAABQAAAAAAAAAwMD/AAAAAABkAAAAMgAAAAAAAABkAAAAAAAAAH9/fwAKAAAAHwAAAFQAAAD/wAAA////AQAAAAAAAAAAAAAAAAAAAAAAAAAAAAAAAAAAAAAAAAAAAAAAAn9/fwDn5uYDzMzMAMDA/wB/f38AAAAAAAAAAAAAAAAAAAAAAAAAAAAhAAAAGAAAABQAAAAAAAAAhCEAAMsSAABBJgAAAAAAAA=="/>
                 </a:ext>
               </a:extLst>
             </p:cNvSpPr>
@@ -2982,7 +2978,7 @@
               <a:pPr>
                 <a:defRPr/>
               </a:pPr>
-              <a:endParaRPr sz="1350"/>
+              <a:endParaRPr sz="1350" dirty="0"/>
             </a:p>
           </p:txBody>
         </p:sp>
@@ -2994,7 +2990,7 @@
             <a:spLocks noGrp="1" noChangeArrowheads="1"/>
             <a:extLst>
               <a:ext uri="smNativeData">
-                <pr:smNativeData xmlns:pr="smNativeData" xmlns="" val="SMDATA_12_7hxgVxMAAAAlAAAAZAAAAA0AAAAAkAAAAEgAAACQAAAASAAAAAAAAAACAAAAAAAAAAEAAABQAAAAAAAAAAAA4D8AAAAAAADgPwAAAAAAAOA/AAAAAAAA4D8AAAAAAADgPwAAAAAAAOA/AAAAAAAA4D8AAAAAAADgPwAAAAAAAOA/AAAAAAAA4D8CAAAAjAAAAAAAAAAAAAAA////DP///wgAAAAAAAAAAAAAAAAAAAAAAAAAAAAAAAAAAAAAZAAAAAEAAABAAAAAAAAAAAAAAAAAAAAAAAAAAAAAAAAAAAAAAAAAAAAAAAAAAAAAAAAAAAAAAAAAAAAAAAAAAAAAAAAAAAAAAAAAAAAAAAAAAAAAAAAAAAAAAAAAAAAAFAAAADwAAAAAAAAAAAAAAAZJjAkUAAAAAQAAABQAAAAUAAAAFAAAAAEAAAAAAAAAZAAAAGQAAAAAAAAAZAAAAGQAAAAVAAAAYAAAAAAAAAAAAAAADwAAACADAAAAAAAAAAAAAAEAAACgMgAAVgcAAKr4//8BAAAAf39/AAEAAABkAAAAAAAAABQAAABAHwAAAAAAACYAAAAAAAAAwOD//wAAAAAmAAAAZAAAABYAAABMAAAAAAAAAAAAAAAEAAAAAAAAAAEAAACWlpYKAAAAACgAAAAoAAAAZAAAAGQAAAAAAAAAzMzMAAAAAABQAAAAUAAAAGQAAABkAAAAAAAAABcAAAAUAAAAAAAAAAAAAAD/fwAA/38AAAAAAAAJAAAABAAAAAAAAAAMAAAAEAAAAAAAAAAAAAAAAAAAAAAAAAAeAAAAaAAAAAAAAAAAAAAAAAAAAAAAAAAAAAAAECcAABAnAAAAAAAAAAAAAAAAAAAAAAAAAAAAAAAAAAAAAAAAAAAAABQAAAAAAAAAwMD/AAAAAABkAAAAMgAAAAAAAABkAAAAAAAAAH9/fwAKAAAAHwAAAFQAAABbm9UF////AQAAAAAAAAAAAAAAAAAAAAAAAAAAAAAAAAAAAAAAAAAAAAAAAn9/fwDn5uYDzMzMAMDA/wB/f38AAAAAAAAAAAAAAAAAAAAAAAAAAAAhAAAAGAAAABQAAADLEgAAFQkAAItHAABTHgAAAAAAAA=="/>
+                <pr:smNativeData xmlns="" xmlns:pr="smNativeData" val="SMDATA_12_7hxgVxMAAAAlAAAAZAAAAA0AAAAAkAAAAEgAAACQAAAASAAAAAAAAAACAAAAAAAAAAEAAABQAAAAAAAAAAAA4D8AAAAAAADgPwAAAAAAAOA/AAAAAAAA4D8AAAAAAADgPwAAAAAAAOA/AAAAAAAA4D8AAAAAAADgPwAAAAAAAOA/AAAAAAAA4D8CAAAAjAAAAAAAAAAAAAAA////DP///wgAAAAAAAAAAAAAAAAAAAAAAAAAAAAAAAAAAAAAZAAAAAEAAABAAAAAAAAAAAAAAAAAAAAAAAAAAAAAAAAAAAAAAAAAAAAAAAAAAAAAAAAAAAAAAAAAAAAAAAAAAAAAAAAAAAAAAAAAAAAAAAAAAAAAAAAAAAAAAAAAAAAAFAAAADwAAAAAAAAAAAAAAAZJjAkUAAAAAQAAABQAAAAUAAAAFAAAAAEAAAAAAAAAZAAAAGQAAAAAAAAAZAAAAGQAAAAVAAAAYAAAAAAAAAAAAAAADwAAACADAAAAAAAAAAAAAAEAAACgMgAAVgcAAKr4//8BAAAAf39/AAEAAABkAAAAAAAAABQAAABAHwAAAAAAACYAAAAAAAAAwOD//wAAAAAmAAAAZAAAABYAAABMAAAAAAAAAAAAAAAEAAAAAAAAAAEAAACWlpYKAAAAACgAAAAoAAAAZAAAAGQAAAAAAAAAzMzMAAAAAABQAAAAUAAAAGQAAABkAAAAAAAAABcAAAAUAAAAAAAAAAAAAAD/fwAA/38AAAAAAAAJAAAABAAAAAAAAAAMAAAAEAAAAAAAAAAAAAAAAAAAAAAAAAAeAAAAaAAAAAAAAAAAAAAAAAAAAAAAAAAAAAAAECcAABAnAAAAAAAAAAAAAAAAAAAAAAAAAAAAAAAAAAAAAAAAAAAAABQAAAAAAAAAwMD/AAAAAABkAAAAMgAAAAAAAABkAAAAAAAAAH9/fwAKAAAAHwAAAFQAAABbm9UF////AQAAAAAAAAAAAAAAAAAAAAAAAAAAAAAAAAAAAAAAAAAAAAAAAn9/fwDn5uYDzMzMAMDA/wB/f38AAAAAAAAAAAAAAAAAAAAAAAAAAAAhAAAAGAAAABQAAADLEgAAFQkAAItHAABTHgAAAAAAAA=="/>
               </a:ext>
             </a:extLst>
           </p:cNvSpPr>
@@ -3057,7 +3053,7 @@
             <a:spLocks noGrp="1" noChangeArrowheads="1"/>
             <a:extLst>
               <a:ext uri="smNativeData">
-                <pr:smNativeData xmlns:pr="smNativeData" xmlns="" val="SMDATA_12_7hxgVxMAAAAlAAAAZAAAAA0AAAAAkAAAAEgAAACQAAAASAAAAAAAAAAAAAAAAAAAAAEAAABQAAAAAAAAAAAA4D8AAAAAAADgPwAAAAAAAOA/AAAAAAAA4D8AAAAAAADgPwAAAAAAAOA/AAAAAAAA4D8AAAAAAADgPwAAAAAAAOA/AAAAAAAA4D8CAAAAjAAAAAAAAAAAAAAA////DP///wgAAAAAAAAAAAAAAAAAAAAAAAAAAAAAAAAAAAAAZAAAAAEAAABAAAAAAAAAAAAAAAAAAAAAAAAAAAAAAAAAAAAAAAAAAAAAAAAAAAAAAAAAAAAAAAAAAAAAAAAAAAAAAAAAAAAAAAAAAAAAAAAAAAAAAAAAAAAAAAAAAAAAFAAAADwAAAAAAAAAAAAAAAZJjAkUAAAAAQAAABQAAAAUAAAAFAAAAAEAAAAAAAAAZAAAAGQAAAAAAAAAZAAAAGQAAAAVAAAAYAAAAAAAAAAAAAAADwAAACADAAAAAAAAAAAAAAEAAACgMgAAVgcAAKr4//8BAAAAf39/AAEAAABkAAAAAAAAABQAAABAHwAAAAAAACYAAAAAAAAAwOD//wAAAAAmAAAAZAAAABYAAABMAAAAAAAAAAAAAAAEAAAAAAAAAAEAAACWlpYKAAAAACgAAAAoAAAAZAAAAGQAAAAAAAAAzMzMAAAAAABQAAAAUAAAAGQAAABkAAAAAAAAABcAAAAUAAAAAAAAAAAAAAD/fwAA/38AAAAAAAAJAAAABAAAAAAAAAAMAAAAEAAAAAAAAAAAAAAAAAAAAAAAAAAeAAAAaAAAAAAAAAAAAAAAAAAAAAAAAAAAAAAAECcAABAnAAAAAAAAAAAAAAAAAAAAAAAAAAAAAAAAAAAAAAAAAAAAABQAAAAAAAAAwMD/AAAAAABkAAAAMgAAAAAAAABkAAAAAAAAAH9/fwAKAAAAHwAAAFQAAABbm9UF////AQAAAAAAAAAAAAAAAAAAAAAAAAAAAAAAAAAAAAAAAAAAAAAAAn9/fwDn5uYDzMzMAMDA/wB/f38AAAAAAAAAAAAAAAAAAAAAAAAAAAAhAAAAGAAAABQAAADAEgAAzyEAAABLAAAWJgAAEAAAAA=="/>
+                <pr:smNativeData xmlns="" xmlns:pr="smNativeData" val="SMDATA_12_7hxgVxMAAAAlAAAAZAAAAA0AAAAAkAAAAEgAAACQAAAASAAAAAAAAAAAAAAAAAAAAAEAAABQAAAAAAAAAAAA4D8AAAAAAADgPwAAAAAAAOA/AAAAAAAA4D8AAAAAAADgPwAAAAAAAOA/AAAAAAAA4D8AAAAAAADgPwAAAAAAAOA/AAAAAAAA4D8CAAAAjAAAAAAAAAAAAAAA////DP///wgAAAAAAAAAAAAAAAAAAAAAAAAAAAAAAAAAAAAAZAAAAAEAAABAAAAAAAAAAAAAAAAAAAAAAAAAAAAAAAAAAAAAAAAAAAAAAAAAAAAAAAAAAAAAAAAAAAAAAAAAAAAAAAAAAAAAAAAAAAAAAAAAAAAAAAAAAAAAAAAAAAAAFAAAADwAAAAAAAAAAAAAAAZJjAkUAAAAAQAAABQAAAAUAAAAFAAAAAEAAAAAAAAAZAAAAGQAAAAAAAAAZAAAAGQAAAAVAAAAYAAAAAAAAAAAAAAADwAAACADAAAAAAAAAAAAAAEAAACgMgAAVgcAAKr4//8BAAAAf39/AAEAAABkAAAAAAAAABQAAABAHwAAAAAAACYAAAAAAAAAwOD//wAAAAAmAAAAZAAAABYAAABMAAAAAAAAAAAAAAAEAAAAAAAAAAEAAACWlpYKAAAAACgAAAAoAAAAZAAAAGQAAAAAAAAAzMzMAAAAAABQAAAAUAAAAGQAAABkAAAAAAAAABcAAAAUAAAAAAAAAAAAAAD/fwAA/38AAAAAAAAJAAAABAAAAAAAAAAMAAAAEAAAAAAAAAAAAAAAAAAAAAAAAAAeAAAAaAAAAAAAAAAAAAAAAAAAAAAAAAAAAAAAECcAABAnAAAAAAAAAAAAAAAAAAAAAAAAAAAAAAAAAAAAAAAAAAAAABQAAAAAAAAAwMD/AAAAAABkAAAAMgAAAAAAAABkAAAAAAAAAH9/fwAKAAAAHwAAAFQAAABbm9UF////AQAAAAAAAAAAAAAAAAAAAAAAAAAAAAAAAAAAAAAAAAAAAAAAAn9/fwDn5uYDzMzMAMDA/wB/f38AAAAAAAAAAAAAAAAAAAAAAAAAAAAhAAAAGAAAABQAAADAEgAAzyEAAABLAAAWJgAAEAAAAA=="/>
               </a:ext>
             </a:extLst>
           </p:cNvSpPr>
@@ -3515,7 +3511,12 @@
             <p:ph type="ctrTitle"/>
           </p:nvPr>
         </p:nvSpPr>
-        <p:spPr/>
+        <p:spPr>
+          <a:xfrm>
+            <a:off x="1941910" y="2514601"/>
+            <a:ext cx="6686549" cy="914399"/>
+          </a:xfrm>
+        </p:spPr>
         <p:txBody>
           <a:bodyPr/>
           <a:lstStyle/>
@@ -3538,24 +3539,40 @@
             <p:ph type="subTitle" idx="1"/>
           </p:nvPr>
         </p:nvSpPr>
-        <p:spPr/>
+        <p:spPr>
+          <a:xfrm>
+            <a:off x="1941910" y="3429000"/>
+            <a:ext cx="6686549" cy="2474663"/>
+          </a:xfrm>
+        </p:spPr>
         <p:txBody>
           <a:bodyPr/>
           <a:lstStyle/>
           <a:p>
             <a:r>
-              <a:rPr lang="pt-BR" dirty="0" smtClean="0"/>
+              <a:rPr lang="pt-BR" sz="2000" b="1" dirty="0" smtClean="0"/>
               <a:t>OCA </a:t>
             </a:r>
             <a:r>
-              <a:rPr lang="pt-BR" dirty="0" err="1" smtClean="0"/>
+              <a:rPr lang="pt-BR" sz="2000" b="1" dirty="0" err="1" smtClean="0"/>
               <a:t>Objective</a:t>
             </a:r>
-            <a:r>
-              <a:rPr lang="pt-BR" dirty="0" smtClean="0"/>
-              <a:t> 7.6</a:t>
-            </a:r>
-            <a:endParaRPr lang="pt-BR" dirty="0"/>
+            <a:endParaRPr lang="pt-BR" sz="2000" b="1" dirty="0" smtClean="0"/>
+          </a:p>
+          <a:p>
+            <a:r>
+              <a:rPr lang="pt-BR" sz="2000" dirty="0" smtClean="0"/>
+              <a:t>7.6</a:t>
+            </a:r>
+            <a:r>
+              <a:rPr lang="pt-BR" sz="2000" b="1" dirty="0" smtClean="0"/>
+              <a:t> </a:t>
+            </a:r>
+            <a:r>
+              <a:rPr lang="pt-BR" sz="2000" dirty="0" smtClean="0"/>
+              <a:t>Usar classes abstratas e interfaces</a:t>
+            </a:r>
+            <a:endParaRPr lang="pt-BR" sz="2000" b="1" dirty="0"/>
           </a:p>
         </p:txBody>
       </p:sp>
@@ -3688,7 +3705,17 @@
           <a:p>
             <a:r>
               <a:rPr lang="pt-BR" dirty="0" smtClean="0"/>
-              <a:t>Declarando uma Interface</a:t>
+              <a:t>Conceito</a:t>
+            </a:r>
+          </a:p>
+          <a:p>
+            <a:r>
+              <a:rPr lang="pt-BR" dirty="0" smtClean="0"/>
+              <a:t>Declarando </a:t>
+            </a:r>
+            <a:r>
+              <a:rPr lang="pt-BR" dirty="0" smtClean="0"/>
+              <a:t>uma Interface</a:t>
             </a:r>
           </a:p>
           <a:p>
@@ -3795,7 +3822,12 @@
             <p:ph type="ctrTitle"/>
           </p:nvPr>
         </p:nvSpPr>
-        <p:spPr/>
+        <p:spPr>
+          <a:xfrm>
+            <a:off x="1941910" y="2514601"/>
+            <a:ext cx="6686549" cy="914399"/>
+          </a:xfrm>
+        </p:spPr>
         <p:txBody>
           <a:bodyPr>
             <a:normAutofit/>
@@ -3821,33 +3853,26 @@
             <p:ph type="subTitle" idx="1"/>
           </p:nvPr>
         </p:nvSpPr>
-        <p:spPr/>
+        <p:spPr>
+          <a:xfrm>
+            <a:off x="1941910" y="3429000"/>
+            <a:ext cx="6686549" cy="2474663"/>
+          </a:xfrm>
+        </p:spPr>
         <p:txBody>
           <a:bodyPr/>
           <a:lstStyle/>
           <a:p>
             <a:pPr algn="just"/>
             <a:r>
-              <a:rPr lang="pt-BR" dirty="0" smtClean="0"/>
+              <a:rPr lang="pt-BR" sz="1800" b="1" dirty="0" smtClean="0"/>
               <a:t>OCA </a:t>
             </a:r>
             <a:r>
-              <a:rPr lang="pt-BR" dirty="0" err="1" smtClean="0"/>
+              <a:rPr lang="pt-BR" sz="1800" b="1" dirty="0" err="1" smtClean="0"/>
               <a:t>Objectives</a:t>
             </a:r>
-            <a:r>
-              <a:rPr lang="pt-BR" dirty="0" smtClean="0"/>
-              <a:t> 2.1, 2.2, 2.3, 2.4, 2.5, 4.1, 4.2, 6.2 </a:t>
-            </a:r>
-            <a:r>
-              <a:rPr lang="pt-BR" dirty="0" err="1" smtClean="0"/>
-              <a:t>and</a:t>
-            </a:r>
-            <a:r>
-              <a:rPr lang="pt-BR" dirty="0" smtClean="0"/>
-              <a:t> 6.6</a:t>
-            </a:r>
-            <a:endParaRPr lang="pt-BR" dirty="0"/>
+            <a:endParaRPr lang="pt-BR" sz="1800" b="1" dirty="0" smtClean="0"/>
           </a:p>
         </p:txBody>
       </p:sp>
@@ -3904,6 +3929,534 @@
           </a:p>
         </p:txBody>
       </p:sp>
+      <p:graphicFrame>
+        <p:nvGraphicFramePr>
+          <p:cNvPr id="6" name="Tabela 5"/>
+          <p:cNvGraphicFramePr>
+            <a:graphicFrameLocks noGrp="1"/>
+          </p:cNvGraphicFramePr>
+          <p:nvPr>
+            <p:extLst>
+              <p:ext uri="{D42A27DB-BD31-4B8C-83A1-F6EECF244321}">
+                <p14:modId xmlns:p14="http://schemas.microsoft.com/office/powerpoint/2010/main" val="302863932"/>
+              </p:ext>
+            </p:extLst>
+          </p:nvPr>
+        </p:nvGraphicFramePr>
+        <p:xfrm>
+          <a:off x="1972742" y="3717032"/>
+          <a:ext cx="6668252" cy="2691492"/>
+        </p:xfrm>
+        <a:graphic>
+          <a:graphicData uri="http://schemas.openxmlformats.org/drawingml/2006/table">
+            <a:tbl>
+              <a:tblPr firstRow="1" bandRow="1">
+                <a:tableStyleId>{5C22544A-7EE6-4342-B048-85BDC9FD1C3A}</a:tableStyleId>
+              </a:tblPr>
+              <a:tblGrid>
+                <a:gridCol w="3334126">
+                  <a:extLst>
+                    <a:ext uri="{9D8B030D-6E8A-4147-A177-3AD203B41FA5}">
+                      <a16:colId xmlns:a16="http://schemas.microsoft.com/office/drawing/2014/main" val="695256100"/>
+                    </a:ext>
+                  </a:extLst>
+                </a:gridCol>
+                <a:gridCol w="3334126">
+                  <a:extLst>
+                    <a:ext uri="{9D8B030D-6E8A-4147-A177-3AD203B41FA5}">
+                      <a16:colId xmlns:a16="http://schemas.microsoft.com/office/drawing/2014/main" val="1169846047"/>
+                    </a:ext>
+                  </a:extLst>
+                </a:gridCol>
+              </a:tblGrid>
+              <a:tr h="485215">
+                <a:tc>
+                  <a:txBody>
+                    <a:bodyPr/>
+                    <a:lstStyle/>
+                    <a:p>
+                      <a:r>
+                        <a:rPr lang="pt-BR" sz="1600" b="0" dirty="0" smtClean="0">
+                          <a:solidFill>
+                            <a:schemeClr val="tx1">
+                              <a:lumMod val="65000"/>
+                              <a:lumOff val="35000"/>
+                            </a:schemeClr>
+                          </a:solidFill>
+                        </a:rPr>
+                        <a:t>2.1 Declarar e inicializar variáveis</a:t>
+                      </a:r>
+                      <a:endParaRPr lang="pt-BR" sz="1600" b="0" dirty="0">
+                        <a:solidFill>
+                          <a:schemeClr val="tx1">
+                            <a:lumMod val="65000"/>
+                            <a:lumOff val="35000"/>
+                          </a:schemeClr>
+                        </a:solidFill>
+                      </a:endParaRPr>
+                    </a:p>
+                  </a:txBody>
+                  <a:tcPr marL="36000" marR="36000" marT="36000" marB="36000">
+                    <a:noFill/>
+                  </a:tcPr>
+                </a:tc>
+                <a:tc>
+                  <a:txBody>
+                    <a:bodyPr/>
+                    <a:lstStyle/>
+                    <a:p>
+                      <a:r>
+                        <a:rPr lang="pt-BR" sz="1600" b="0" dirty="0" smtClean="0">
+                          <a:solidFill>
+                            <a:schemeClr val="tx1">
+                              <a:lumMod val="65000"/>
+                              <a:lumOff val="35000"/>
+                            </a:schemeClr>
+                          </a:solidFill>
+                        </a:rPr>
+                        <a:t>2.2 Diferenciar</a:t>
+                      </a:r>
+                      <a:r>
+                        <a:rPr lang="pt-BR" sz="1600" b="0" baseline="0" dirty="0" smtClean="0">
+                          <a:solidFill>
+                            <a:schemeClr val="tx1">
+                              <a:lumMod val="65000"/>
+                              <a:lumOff val="35000"/>
+                            </a:schemeClr>
+                          </a:solidFill>
+                        </a:rPr>
+                        <a:t> entre variáveis de ref. À objeto e primitivas</a:t>
+                      </a:r>
+                      <a:endParaRPr lang="pt-BR" sz="1600" b="0" dirty="0">
+                        <a:solidFill>
+                          <a:schemeClr val="tx1">
+                            <a:lumMod val="65000"/>
+                            <a:lumOff val="35000"/>
+                          </a:schemeClr>
+                        </a:solidFill>
+                      </a:endParaRPr>
+                    </a:p>
+                  </a:txBody>
+                  <a:tcPr marL="36000" marR="36000" marT="36000" marB="36000">
+                    <a:noFill/>
+                  </a:tcPr>
+                </a:tc>
+                <a:extLst>
+                  <a:ext uri="{0D108BD9-81ED-4DB2-BD59-A6C34878D82A}">
+                    <a16:rowId xmlns:a16="http://schemas.microsoft.com/office/drawing/2014/main" val="4141129327"/>
+                  </a:ext>
+                </a:extLst>
+              </a:tr>
+              <a:tr h="485215">
+                <a:tc>
+                  <a:txBody>
+                    <a:bodyPr/>
+                    <a:lstStyle/>
+                    <a:p>
+                      <a:r>
+                        <a:rPr lang="pt-BR" sz="1600" b="0" dirty="0" smtClean="0">
+                          <a:solidFill>
+                            <a:schemeClr val="tx1">
+                              <a:lumMod val="65000"/>
+                              <a:lumOff val="35000"/>
+                            </a:schemeClr>
+                          </a:solidFill>
+                        </a:rPr>
+                        <a:t>2.3 ler e escrever para </a:t>
+                      </a:r>
+                      <a:r>
+                        <a:rPr lang="pt-BR" sz="1600" b="0" dirty="0" smtClean="0">
+                          <a:solidFill>
+                            <a:schemeClr val="tx1">
+                              <a:lumMod val="65000"/>
+                              <a:lumOff val="35000"/>
+                            </a:schemeClr>
+                          </a:solidFill>
+                        </a:rPr>
+                        <a:t>atributos</a:t>
+                      </a:r>
+                      <a:r>
+                        <a:rPr lang="pt-BR" sz="1600" b="0" dirty="0" smtClean="0">
+                          <a:solidFill>
+                            <a:schemeClr val="tx1">
+                              <a:lumMod val="65000"/>
+                              <a:lumOff val="35000"/>
+                            </a:schemeClr>
+                          </a:solidFill>
+                        </a:rPr>
+                        <a:t> de objeto</a:t>
+                      </a:r>
+                      <a:endParaRPr lang="pt-BR" sz="1600" b="0" dirty="0">
+                        <a:solidFill>
+                          <a:schemeClr val="tx1">
+                            <a:lumMod val="65000"/>
+                            <a:lumOff val="35000"/>
+                          </a:schemeClr>
+                        </a:solidFill>
+                      </a:endParaRPr>
+                    </a:p>
+                  </a:txBody>
+                  <a:tcPr marL="36000" marR="36000" marT="36000" marB="36000">
+                    <a:noFill/>
+                  </a:tcPr>
+                </a:tc>
+                <a:tc>
+                  <a:txBody>
+                    <a:bodyPr/>
+                    <a:lstStyle/>
+                    <a:p>
+                      <a:r>
+                        <a:rPr lang="pt-BR" sz="1600" b="0" dirty="0" smtClean="0">
+                          <a:solidFill>
+                            <a:schemeClr val="tx1">
+                              <a:lumMod val="65000"/>
+                              <a:lumOff val="35000"/>
+                            </a:schemeClr>
+                          </a:solidFill>
+                        </a:rPr>
+                        <a:t>2.4 Explicar o ciclo de vida de objeto</a:t>
+                      </a:r>
+                      <a:endParaRPr lang="pt-BR" sz="1600" b="0" dirty="0">
+                        <a:solidFill>
+                          <a:schemeClr val="tx1">
+                            <a:lumMod val="65000"/>
+                            <a:lumOff val="35000"/>
+                          </a:schemeClr>
+                        </a:solidFill>
+                      </a:endParaRPr>
+                    </a:p>
+                  </a:txBody>
+                  <a:tcPr marL="36000" marR="36000" marT="36000" marB="36000">
+                    <a:noFill/>
+                  </a:tcPr>
+                </a:tc>
+                <a:extLst>
+                  <a:ext uri="{0D108BD9-81ED-4DB2-BD59-A6C34878D82A}">
+                    <a16:rowId xmlns:a16="http://schemas.microsoft.com/office/drawing/2014/main" val="835567394"/>
+                  </a:ext>
+                </a:extLst>
+              </a:tr>
+              <a:tr h="485215">
+                <a:tc>
+                  <a:txBody>
+                    <a:bodyPr/>
+                    <a:lstStyle/>
+                    <a:p>
+                      <a:r>
+                        <a:rPr lang="pt-BR" sz="1600" b="0" dirty="0" smtClean="0">
+                          <a:solidFill>
+                            <a:schemeClr val="tx1">
+                              <a:lumMod val="65000"/>
+                              <a:lumOff val="35000"/>
+                            </a:schemeClr>
+                          </a:solidFill>
+                        </a:rPr>
+                        <a:t>2.5 Invocar métodos em objetos</a:t>
+                      </a:r>
+                      <a:endParaRPr lang="pt-BR" sz="1600" b="0" dirty="0">
+                        <a:solidFill>
+                          <a:schemeClr val="tx1">
+                            <a:lumMod val="65000"/>
+                            <a:lumOff val="35000"/>
+                          </a:schemeClr>
+                        </a:solidFill>
+                      </a:endParaRPr>
+                    </a:p>
+                  </a:txBody>
+                  <a:tcPr marL="36000" marR="36000" marT="36000" marB="36000">
+                    <a:noFill/>
+                  </a:tcPr>
+                </a:tc>
+                <a:tc>
+                  <a:txBody>
+                    <a:bodyPr/>
+                    <a:lstStyle/>
+                    <a:p>
+                      <a:r>
+                        <a:rPr lang="pt-BR" sz="1600" b="0" dirty="0" smtClean="0">
+                          <a:solidFill>
+                            <a:schemeClr val="tx1">
+                              <a:lumMod val="65000"/>
+                              <a:lumOff val="35000"/>
+                            </a:schemeClr>
+                          </a:solidFill>
+                        </a:rPr>
+                        <a:t>4.1 Declarar, instanciar, inicializar e usar um </a:t>
+                      </a:r>
+                      <a:r>
+                        <a:rPr lang="pt-BR" sz="1600" b="0" dirty="0" err="1" smtClean="0">
+                          <a:solidFill>
+                            <a:schemeClr val="tx1">
+                              <a:lumMod val="65000"/>
+                              <a:lumOff val="35000"/>
+                            </a:schemeClr>
+                          </a:solidFill>
+                        </a:rPr>
+                        <a:t>array</a:t>
+                      </a:r>
+                      <a:r>
+                        <a:rPr lang="pt-BR" sz="1600" b="0" dirty="0" smtClean="0">
+                          <a:solidFill>
+                            <a:schemeClr val="tx1">
+                              <a:lumMod val="65000"/>
+                              <a:lumOff val="35000"/>
+                            </a:schemeClr>
+                          </a:solidFill>
+                        </a:rPr>
+                        <a:t> unidimensional</a:t>
+                      </a:r>
+                      <a:endParaRPr lang="pt-BR" sz="1600" b="0" dirty="0">
+                        <a:solidFill>
+                          <a:schemeClr val="tx1">
+                            <a:lumMod val="65000"/>
+                            <a:lumOff val="35000"/>
+                          </a:schemeClr>
+                        </a:solidFill>
+                      </a:endParaRPr>
+                    </a:p>
+                  </a:txBody>
+                  <a:tcPr marL="36000" marR="36000" marT="36000" marB="36000">
+                    <a:noFill/>
+                  </a:tcPr>
+                </a:tc>
+                <a:extLst>
+                  <a:ext uri="{0D108BD9-81ED-4DB2-BD59-A6C34878D82A}">
+                    <a16:rowId xmlns:a16="http://schemas.microsoft.com/office/drawing/2014/main" val="764642954"/>
+                  </a:ext>
+                </a:extLst>
+              </a:tr>
+              <a:tr h="696612">
+                <a:tc>
+                  <a:txBody>
+                    <a:bodyPr/>
+                    <a:lstStyle/>
+                    <a:p>
+                      <a:pPr marL="0" marR="0" indent="0" algn="l" defTabSz="914400" rtl="0" eaLnBrk="1" fontAlgn="auto" latinLnBrk="0" hangingPunct="1">
+                        <a:lnSpc>
+                          <a:spcPct val="100000"/>
+                        </a:lnSpc>
+                        <a:spcBef>
+                          <a:spcPts val="0"/>
+                        </a:spcBef>
+                        <a:spcAft>
+                          <a:spcPts val="0"/>
+                        </a:spcAft>
+                        <a:buClrTx/>
+                        <a:buSzTx/>
+                        <a:buFontTx/>
+                        <a:buNone/>
+                        <a:tabLst/>
+                        <a:defRPr/>
+                      </a:pPr>
+                      <a:r>
+                        <a:rPr lang="pt-BR" sz="1600" b="0" dirty="0" smtClean="0">
+                          <a:solidFill>
+                            <a:schemeClr val="tx1">
+                              <a:lumMod val="65000"/>
+                              <a:lumOff val="35000"/>
+                            </a:schemeClr>
+                          </a:solidFill>
+                        </a:rPr>
+                        <a:t>4.2</a:t>
+                      </a:r>
+                      <a:r>
+                        <a:rPr lang="pt-BR" sz="1600" b="0" dirty="0" smtClean="0">
+                          <a:solidFill>
+                            <a:schemeClr val="tx1">
+                              <a:lumMod val="65000"/>
+                              <a:lumOff val="35000"/>
+                            </a:schemeClr>
+                          </a:solidFill>
+                        </a:rPr>
+                        <a:t>Declarar, instanciar, inicializar e usar um </a:t>
+                      </a:r>
+                      <a:r>
+                        <a:rPr lang="pt-BR" sz="1600" b="0" dirty="0" err="1" smtClean="0">
+                          <a:solidFill>
+                            <a:schemeClr val="tx1">
+                              <a:lumMod val="65000"/>
+                              <a:lumOff val="35000"/>
+                            </a:schemeClr>
+                          </a:solidFill>
+                        </a:rPr>
+                        <a:t>array</a:t>
+                      </a:r>
+                      <a:r>
+                        <a:rPr lang="pt-BR" sz="1600" b="0" dirty="0" smtClean="0">
+                          <a:solidFill>
+                            <a:schemeClr val="tx1">
+                              <a:lumMod val="65000"/>
+                              <a:lumOff val="35000"/>
+                            </a:schemeClr>
+                          </a:solidFill>
+                        </a:rPr>
+                        <a:t> bidimensional</a:t>
+                      </a:r>
+                      <a:endParaRPr lang="pt-BR" sz="1600" b="0" dirty="0">
+                        <a:solidFill>
+                          <a:schemeClr val="tx1">
+                            <a:lumMod val="65000"/>
+                            <a:lumOff val="35000"/>
+                          </a:schemeClr>
+                        </a:solidFill>
+                      </a:endParaRPr>
+                    </a:p>
+                  </a:txBody>
+                  <a:tcPr marL="36000" marR="36000" marT="36000" marB="36000">
+                    <a:noFill/>
+                  </a:tcPr>
+                </a:tc>
+                <a:tc>
+                  <a:txBody>
+                    <a:bodyPr/>
+                    <a:lstStyle/>
+                    <a:p>
+                      <a:r>
+                        <a:rPr lang="pt-BR" sz="1600" b="0" dirty="0" smtClean="0">
+                          <a:solidFill>
+                            <a:schemeClr val="tx1">
+                              <a:lumMod val="65000"/>
+                              <a:lumOff val="35000"/>
+                            </a:schemeClr>
+                          </a:solidFill>
+                        </a:rPr>
+                        <a:t>6.2 aplicar a </a:t>
+                      </a:r>
+                      <a:r>
+                        <a:rPr lang="pt-BR" sz="1600" b="0" dirty="0" err="1" smtClean="0">
+                          <a:solidFill>
+                            <a:schemeClr val="tx1">
+                              <a:lumMod val="65000"/>
+                              <a:lumOff val="35000"/>
+                            </a:schemeClr>
+                          </a:solidFill>
+                        </a:rPr>
+                        <a:t>keyword</a:t>
+                      </a:r>
+                      <a:r>
+                        <a:rPr lang="pt-BR" sz="1600" b="0" dirty="0" smtClean="0">
+                          <a:solidFill>
+                            <a:schemeClr val="tx1">
+                              <a:lumMod val="65000"/>
+                              <a:lumOff val="35000"/>
+                            </a:schemeClr>
+                          </a:solidFill>
+                        </a:rPr>
+                        <a:t> </a:t>
+                      </a:r>
+                      <a:r>
+                        <a:rPr lang="pt-BR" sz="1600" b="0" dirty="0" err="1" smtClean="0">
+                          <a:solidFill>
+                            <a:schemeClr val="tx1">
+                              <a:lumMod val="65000"/>
+                              <a:lumOff val="35000"/>
+                            </a:schemeClr>
+                          </a:solidFill>
+                        </a:rPr>
+                        <a:t>static</a:t>
+                      </a:r>
+                      <a:r>
+                        <a:rPr lang="pt-BR" sz="1600" b="0" dirty="0" smtClean="0">
+                          <a:solidFill>
+                            <a:schemeClr val="tx1">
+                              <a:lumMod val="65000"/>
+                              <a:lumOff val="35000"/>
+                            </a:schemeClr>
+                          </a:solidFill>
+                        </a:rPr>
+                        <a:t> para métodos e atributos</a:t>
+                      </a:r>
+                      <a:endParaRPr lang="pt-BR" sz="1600" b="0" dirty="0">
+                        <a:solidFill>
+                          <a:schemeClr val="tx1">
+                            <a:lumMod val="65000"/>
+                            <a:lumOff val="35000"/>
+                          </a:schemeClr>
+                        </a:solidFill>
+                      </a:endParaRPr>
+                    </a:p>
+                  </a:txBody>
+                  <a:tcPr marL="36000" marR="36000" marT="36000" marB="36000">
+                    <a:noFill/>
+                  </a:tcPr>
+                </a:tc>
+                <a:extLst>
+                  <a:ext uri="{0D108BD9-81ED-4DB2-BD59-A6C34878D82A}">
+                    <a16:rowId xmlns:a16="http://schemas.microsoft.com/office/drawing/2014/main" val="3185330399"/>
+                  </a:ext>
+                </a:extLst>
+              </a:tr>
+              <a:tr h="273818">
+                <a:tc>
+                  <a:txBody>
+                    <a:bodyPr/>
+                    <a:lstStyle/>
+                    <a:p>
+                      <a:r>
+                        <a:rPr lang="pt-BR" sz="1600" b="0" dirty="0" smtClean="0">
+                          <a:solidFill>
+                            <a:schemeClr val="tx1">
+                              <a:lumMod val="65000"/>
+                              <a:lumOff val="35000"/>
+                            </a:schemeClr>
+                          </a:solidFill>
+                        </a:rPr>
+                        <a:t>6.6 Aplicar  modificadores</a:t>
+                      </a:r>
+                      <a:r>
+                        <a:rPr lang="pt-BR" sz="1600" b="0" baseline="0" dirty="0" smtClean="0">
+                          <a:solidFill>
+                            <a:schemeClr val="tx1">
+                              <a:lumMod val="65000"/>
+                              <a:lumOff val="35000"/>
+                            </a:schemeClr>
+                          </a:solidFill>
+                        </a:rPr>
+                        <a:t> de acesso</a:t>
+                      </a:r>
+                      <a:endParaRPr lang="pt-BR" sz="1600" b="0" dirty="0">
+                        <a:solidFill>
+                          <a:schemeClr val="tx1">
+                            <a:lumMod val="65000"/>
+                            <a:lumOff val="35000"/>
+                          </a:schemeClr>
+                        </a:solidFill>
+                      </a:endParaRPr>
+                    </a:p>
+                  </a:txBody>
+                  <a:tcPr marL="36000" marR="36000" marT="36000" marB="36000">
+                    <a:noFill/>
+                  </a:tcPr>
+                </a:tc>
+                <a:tc>
+                  <a:txBody>
+                    <a:bodyPr/>
+                    <a:lstStyle/>
+                    <a:p>
+                      <a:endParaRPr lang="pt-BR" sz="1600" b="0" dirty="0">
+                        <a:solidFill>
+                          <a:schemeClr val="tx1">
+                            <a:lumMod val="65000"/>
+                            <a:lumOff val="35000"/>
+                          </a:schemeClr>
+                        </a:solidFill>
+                      </a:endParaRPr>
+                    </a:p>
+                  </a:txBody>
+                  <a:tcPr marL="36000" marR="36000" marT="36000" marB="36000">
+                    <a:noFill/>
+                  </a:tcPr>
+                </a:tc>
+                <a:extLst>
+                  <a:ext uri="{0D108BD9-81ED-4DB2-BD59-A6C34878D82A}">
+                    <a16:rowId xmlns:a16="http://schemas.microsoft.com/office/drawing/2014/main" val="1780169856"/>
+                  </a:ext>
+                </a:extLst>
+              </a:tr>
+            </a:tbl>
+          </a:graphicData>
+        </a:graphic>
+      </p:graphicFrame>
     </p:spTree>
     <p:extLst>
       <p:ext uri="{BB962C8B-B14F-4D97-AF65-F5344CB8AC3E}">
@@ -3979,112 +4532,122 @@
           <a:lstStyle/>
           <a:p>
             <a:r>
-              <a:rPr lang="pt-BR" dirty="0" smtClean="0"/>
-              <a:t>Modificadores de Acesso</a:t>
+              <a:rPr lang="pt-BR" sz="2400" dirty="0" smtClean="0"/>
+              <a:t>Conceito</a:t>
+            </a:r>
+          </a:p>
+          <a:p>
+            <a:r>
+              <a:rPr lang="pt-BR" sz="2400" dirty="0" smtClean="0"/>
+              <a:t>Modificadores </a:t>
+            </a:r>
+            <a:r>
+              <a:rPr lang="pt-BR" sz="2400" dirty="0" smtClean="0"/>
+              <a:t>de Acesso</a:t>
             </a:r>
           </a:p>
           <a:p>
             <a:pPr lvl="1"/>
             <a:r>
-              <a:rPr lang="pt-BR" dirty="0" smtClean="0"/>
+              <a:rPr lang="pt-BR" sz="2000" dirty="0" smtClean="0"/>
               <a:t>Membros </a:t>
             </a:r>
             <a:r>
-              <a:rPr lang="pt-BR" dirty="0" err="1" smtClean="0"/>
+              <a:rPr lang="pt-BR" sz="2000" dirty="0" err="1" smtClean="0"/>
               <a:t>Public</a:t>
             </a:r>
-            <a:endParaRPr lang="pt-BR" dirty="0" smtClean="0"/>
+            <a:endParaRPr lang="pt-BR" sz="2000" dirty="0" smtClean="0"/>
           </a:p>
           <a:p>
             <a:pPr lvl="1"/>
             <a:r>
-              <a:rPr lang="pt-BR" dirty="0" smtClean="0"/>
+              <a:rPr lang="pt-BR" sz="2000" dirty="0" smtClean="0"/>
               <a:t>Membros Private</a:t>
             </a:r>
           </a:p>
           <a:p>
             <a:pPr lvl="1"/>
             <a:r>
-              <a:rPr lang="pt-BR" dirty="0" smtClean="0"/>
+              <a:rPr lang="pt-BR" sz="2000" dirty="0" smtClean="0"/>
               <a:t>Membros </a:t>
             </a:r>
             <a:r>
-              <a:rPr lang="pt-BR" dirty="0" err="1" smtClean="0"/>
+              <a:rPr lang="pt-BR" sz="2000" dirty="0" err="1" smtClean="0"/>
               <a:t>Protected</a:t>
             </a:r>
             <a:r>
-              <a:rPr lang="pt-BR" dirty="0" smtClean="0"/>
+              <a:rPr lang="pt-BR" sz="2000" dirty="0" smtClean="0"/>
               <a:t> </a:t>
             </a:r>
           </a:p>
           <a:p>
             <a:pPr lvl="1"/>
             <a:r>
-              <a:rPr lang="pt-BR" dirty="0" smtClean="0"/>
+              <a:rPr lang="pt-BR" sz="2000" dirty="0" smtClean="0"/>
               <a:t>Membros Default</a:t>
             </a:r>
           </a:p>
           <a:p>
             <a:pPr lvl="1"/>
             <a:r>
-              <a:rPr lang="pt-BR" dirty="0" smtClean="0"/>
+              <a:rPr lang="pt-BR" sz="2000" dirty="0" smtClean="0"/>
               <a:t>Modificadores de Acesso para Variáveis Locais</a:t>
             </a:r>
           </a:p>
           <a:p>
             <a:r>
-              <a:rPr lang="pt-BR" dirty="0" smtClean="0"/>
+              <a:rPr lang="pt-BR" sz="2400" dirty="0" smtClean="0"/>
               <a:t>Modificadores de Não-Acesso </a:t>
             </a:r>
           </a:p>
           <a:p>
             <a:pPr lvl="1"/>
             <a:r>
-              <a:rPr lang="pt-BR" dirty="0" smtClean="0"/>
+              <a:rPr lang="pt-BR" sz="2000" dirty="0" smtClean="0"/>
               <a:t>Métodos Final</a:t>
             </a:r>
           </a:p>
           <a:p>
             <a:pPr lvl="1"/>
             <a:r>
-              <a:rPr lang="pt-BR" dirty="0" smtClean="0"/>
+              <a:rPr lang="pt-BR" sz="2000" dirty="0" smtClean="0"/>
               <a:t>Argumentos de métodos Final</a:t>
             </a:r>
           </a:p>
           <a:p>
             <a:pPr lvl="1"/>
             <a:r>
-              <a:rPr lang="pt-BR" dirty="0" smtClean="0"/>
+              <a:rPr lang="pt-BR" sz="2000" dirty="0" smtClean="0"/>
               <a:t>Métodos abstratos</a:t>
             </a:r>
           </a:p>
           <a:p>
             <a:pPr lvl="1"/>
             <a:r>
-              <a:rPr lang="pt-BR" dirty="0" smtClean="0"/>
+              <a:rPr lang="pt-BR" sz="2000" dirty="0" smtClean="0"/>
               <a:t>Métodos </a:t>
             </a:r>
             <a:r>
-              <a:rPr lang="pt-BR" dirty="0" err="1" smtClean="0"/>
+              <a:rPr lang="pt-BR" sz="2000" dirty="0" err="1" smtClean="0"/>
               <a:t>Synchronized</a:t>
             </a:r>
             <a:r>
-              <a:rPr lang="pt-BR" dirty="0" smtClean="0"/>
+              <a:rPr lang="pt-BR" sz="2000" dirty="0" smtClean="0"/>
               <a:t>, </a:t>
             </a:r>
             <a:r>
-              <a:rPr lang="pt-BR" dirty="0" err="1" smtClean="0"/>
+              <a:rPr lang="pt-BR" sz="2000" dirty="0" err="1" smtClean="0"/>
               <a:t>Native</a:t>
             </a:r>
             <a:r>
-              <a:rPr lang="pt-BR" dirty="0" smtClean="0"/>
+              <a:rPr lang="pt-BR" sz="2000" dirty="0" smtClean="0"/>
               <a:t> e </a:t>
             </a:r>
             <a:r>
-              <a:rPr lang="pt-BR" dirty="0" err="1" smtClean="0"/>
+              <a:rPr lang="pt-BR" sz="2000" dirty="0" err="1" smtClean="0"/>
               <a:t>Stricfp</a:t>
             </a:r>
-            <a:endParaRPr lang="pt-BR" dirty="0" smtClean="0"/>
+            <a:endParaRPr lang="pt-BR" sz="2000" dirty="0" smtClean="0"/>
           </a:p>
         </p:txBody>
       </p:sp>
@@ -4408,7 +4971,12 @@
             <p:ph type="ctrTitle"/>
           </p:nvPr>
         </p:nvSpPr>
-        <p:spPr/>
+        <p:spPr>
+          <a:xfrm>
+            <a:off x="1941910" y="2514601"/>
+            <a:ext cx="6686549" cy="914399"/>
+          </a:xfrm>
+        </p:spPr>
         <p:txBody>
           <a:bodyPr/>
           <a:lstStyle/>
@@ -4435,24 +5003,32 @@
             <p:ph type="subTitle" idx="1"/>
           </p:nvPr>
         </p:nvSpPr>
-        <p:spPr/>
+        <p:spPr>
+          <a:xfrm>
+            <a:off x="1941910" y="3429000"/>
+            <a:ext cx="6686549" cy="2474663"/>
+          </a:xfrm>
+        </p:spPr>
         <p:txBody>
           <a:bodyPr/>
           <a:lstStyle/>
           <a:p>
             <a:r>
-              <a:rPr lang="pt-BR" dirty="0" smtClean="0"/>
+              <a:rPr lang="pt-BR" sz="2000" b="1" dirty="0" smtClean="0"/>
               <a:t>OCA </a:t>
             </a:r>
             <a:r>
-              <a:rPr lang="pt-BR" dirty="0" err="1" smtClean="0"/>
+              <a:rPr lang="pt-BR" sz="2000" b="1" dirty="0" err="1" smtClean="0"/>
               <a:t>Objective</a:t>
             </a:r>
-            <a:r>
-              <a:rPr lang="pt-BR" dirty="0" smtClean="0"/>
-              <a:t> 1.2</a:t>
-            </a:r>
-            <a:endParaRPr lang="pt-BR" dirty="0"/>
+            <a:endParaRPr lang="pt-BR" sz="2000" b="1" dirty="0" smtClean="0"/>
+          </a:p>
+          <a:p>
+            <a:r>
+              <a:rPr lang="pt-BR" sz="2000" dirty="0" smtClean="0"/>
+              <a:t>2.5 Usar tipos enumerados</a:t>
+            </a:r>
+            <a:endParaRPr lang="pt-BR" sz="2000" dirty="0"/>
           </a:p>
         </p:txBody>
       </p:sp>
@@ -4590,6 +5166,12 @@
           <a:p>
             <a:r>
               <a:rPr lang="pt-BR" dirty="0" smtClean="0"/>
+              <a:t>Conceito</a:t>
+            </a:r>
+          </a:p>
+          <a:p>
+            <a:r>
+              <a:rPr lang="pt-BR" dirty="0" smtClean="0"/>
               <a:t>Declarando </a:t>
             </a:r>
             <a:r>
@@ -4603,6 +5185,10 @@
             <a:r>
               <a:rPr lang="pt-BR" dirty="0" smtClean="0"/>
               <a:t>Declarando construtores, Métodos e Variáveis em </a:t>
+            </a:r>
+            <a:r>
+              <a:rPr lang="pt-BR" dirty="0" smtClean="0"/>
+              <a:t>um </a:t>
             </a:r>
             <a:r>
               <a:rPr lang="pt-BR" dirty="0" err="1" smtClean="0"/>
@@ -4921,14 +5507,19 @@
             <p:ph type="ctrTitle"/>
           </p:nvPr>
         </p:nvSpPr>
-        <p:spPr/>
+        <p:spPr>
+          <a:xfrm>
+            <a:off x="1941910" y="2514601"/>
+            <a:ext cx="6686549" cy="914399"/>
+          </a:xfrm>
+        </p:spPr>
         <p:txBody>
           <a:bodyPr/>
           <a:lstStyle/>
           <a:p>
             <a:r>
               <a:rPr lang="pt-BR" dirty="0" smtClean="0"/>
-              <a:t>Encapsulamento</a:t>
+              <a:t>(CONCEITO) Encapsulamento</a:t>
             </a:r>
             <a:endParaRPr lang="pt-BR" dirty="0"/>
           </a:p>
@@ -4944,32 +5535,38 @@
             <p:ph type="subTitle" idx="1"/>
           </p:nvPr>
         </p:nvSpPr>
-        <p:spPr/>
+        <p:spPr>
+          <a:xfrm>
+            <a:off x="1941910" y="3429000"/>
+            <a:ext cx="6686549" cy="2474663"/>
+          </a:xfrm>
+        </p:spPr>
         <p:txBody>
           <a:bodyPr/>
           <a:lstStyle/>
           <a:p>
             <a:r>
-              <a:rPr lang="pt-BR" dirty="0" smtClean="0"/>
+              <a:rPr lang="pt-BR" sz="2000" b="1" dirty="0" smtClean="0"/>
               <a:t>OCA </a:t>
             </a:r>
             <a:r>
-              <a:rPr lang="pt-BR" dirty="0" err="1" smtClean="0"/>
+              <a:rPr lang="pt-BR" sz="2000" b="1" dirty="0" err="1" smtClean="0"/>
               <a:t>Objectives</a:t>
             </a:r>
-            <a:r>
-              <a:rPr lang="pt-BR" dirty="0" smtClean="0"/>
-              <a:t> 6.1 </a:t>
-            </a:r>
-            <a:r>
-              <a:rPr lang="pt-BR" dirty="0" err="1" smtClean="0"/>
-              <a:t>and</a:t>
-            </a:r>
-            <a:r>
-              <a:rPr lang="pt-BR" dirty="0" smtClean="0"/>
-              <a:t> 6.7</a:t>
-            </a:r>
-            <a:endParaRPr lang="pt-BR" dirty="0"/>
+            <a:endParaRPr lang="pt-BR" sz="2000" b="1" dirty="0" smtClean="0"/>
+          </a:p>
+          <a:p>
+            <a:r>
+              <a:rPr lang="pt-BR" sz="2000" dirty="0" smtClean="0"/>
+              <a:t>6.1 Criar métodos com argumentos e retorno de valor</a:t>
+            </a:r>
+          </a:p>
+          <a:p>
+            <a:r>
+              <a:rPr lang="pt-BR" sz="2000" dirty="0" smtClean="0"/>
+              <a:t>6.7 Aplicar encapsulamento a uma classe</a:t>
+            </a:r>
+            <a:endParaRPr lang="pt-BR" sz="2000" dirty="0"/>
           </a:p>
         </p:txBody>
       </p:sp>
@@ -5066,52 +5663,91 @@
       </p:grpSpPr>
       <p:sp>
         <p:nvSpPr>
-          <p:cNvPr id="5" name="Título 4"/>
+          <p:cNvPr id="2" name="Título 1"/>
           <p:cNvSpPr>
             <a:spLocks noGrp="1"/>
           </p:cNvSpPr>
           <p:nvPr>
-            <p:ph type="title"/>
-          </p:nvPr>
-        </p:nvSpPr>
-        <p:spPr/>
+            <p:ph type="ctrTitle"/>
+          </p:nvPr>
+        </p:nvSpPr>
+        <p:spPr>
+          <a:xfrm>
+            <a:off x="1941910" y="2514601"/>
+            <a:ext cx="6686549" cy="914399"/>
+          </a:xfrm>
+        </p:spPr>
         <p:txBody>
           <a:bodyPr/>
           <a:lstStyle/>
           <a:p>
             <a:r>
-              <a:rPr lang="pt-BR" dirty="0"/>
-              <a:t>Encapsulamento</a:t>
-            </a:r>
-          </a:p>
-        </p:txBody>
-      </p:sp>
-      <p:sp>
-        <p:nvSpPr>
-          <p:cNvPr id="6" name="Espaço Reservado para Conteúdo 5"/>
+              <a:rPr lang="pt-BR" dirty="0" smtClean="0"/>
+              <a:t>Herança e Polimorfismo</a:t>
+            </a:r>
+            <a:endParaRPr lang="pt-BR" dirty="0"/>
+          </a:p>
+        </p:txBody>
+      </p:sp>
+      <p:sp>
+        <p:nvSpPr>
+          <p:cNvPr id="3" name="Subtítulo 2"/>
           <p:cNvSpPr>
             <a:spLocks noGrp="1"/>
           </p:cNvSpPr>
           <p:nvPr>
-            <p:ph idx="1"/>
-          </p:nvPr>
-        </p:nvSpPr>
-        <p:spPr/>
+            <p:ph type="subTitle" idx="1"/>
+          </p:nvPr>
+        </p:nvSpPr>
+        <p:spPr>
+          <a:xfrm>
+            <a:off x="1941910" y="3429000"/>
+            <a:ext cx="6686549" cy="2474663"/>
+          </a:xfrm>
+        </p:spPr>
         <p:txBody>
           <a:bodyPr/>
           <a:lstStyle/>
           <a:p>
             <a:r>
-              <a:rPr lang="pt-BR" dirty="0" smtClean="0"/>
-              <a:t>Conceitos</a:t>
-            </a:r>
-            <a:endParaRPr lang="pt-BR" dirty="0"/>
-          </a:p>
-        </p:txBody>
-      </p:sp>
-      <p:sp>
-        <p:nvSpPr>
-          <p:cNvPr id="7" name="Espaço Reservado para Rodapé 3"/>
+              <a:rPr lang="pt-BR" sz="2000" b="1" dirty="0" smtClean="0"/>
+              <a:t>OCA </a:t>
+            </a:r>
+            <a:r>
+              <a:rPr lang="pt-BR" sz="2000" b="1" dirty="0" err="1" smtClean="0"/>
+              <a:t>Objectives</a:t>
+            </a:r>
+            <a:endParaRPr lang="pt-BR" sz="2000" b="1" dirty="0" smtClean="0"/>
+          </a:p>
+          <a:p>
+            <a:r>
+              <a:rPr lang="pt-BR" sz="2000" dirty="0" smtClean="0"/>
+              <a:t>7.1 Implementar herança</a:t>
+            </a:r>
+          </a:p>
+          <a:p>
+            <a:r>
+              <a:rPr lang="pt-BR" sz="2000" dirty="0" smtClean="0"/>
+              <a:t>7.2 Desenvolver código qu</a:t>
+            </a:r>
+            <a:r>
+              <a:rPr lang="pt-BR" sz="2000" dirty="0" smtClean="0"/>
+              <a:t>e demonstre o uso do polimorfismo</a:t>
+            </a:r>
+            <a:endParaRPr lang="pt-BR" sz="2000" dirty="0" smtClean="0"/>
+          </a:p>
+          <a:p>
+            <a:r>
+              <a:rPr lang="pt-BR" sz="2000" dirty="0" smtClean="0"/>
+              <a:t>7.3 Diferenciar entre tipo de uma referência e o tipo de um objeto</a:t>
+            </a:r>
+            <a:endParaRPr lang="pt-BR" sz="2000" dirty="0"/>
+          </a:p>
+        </p:txBody>
+      </p:sp>
+      <p:sp>
+        <p:nvSpPr>
+          <p:cNvPr id="5" name="Espaço Reservado para Rodapé 3"/>
           <p:cNvSpPr>
             <a:spLocks noGrp="1"/>
           </p:cNvSpPr>
@@ -5166,13 +5802,20 @@
     </p:spTree>
     <p:extLst>
       <p:ext uri="{BB962C8B-B14F-4D97-AF65-F5344CB8AC3E}">
-        <p14:creationId xmlns:p14="http://schemas.microsoft.com/office/powerpoint/2010/main" val="2229570620"/>
+        <p14:creationId xmlns:p14="http://schemas.microsoft.com/office/powerpoint/2010/main" val="86249347"/>
       </p:ext>
     </p:extLst>
   </p:cSld>
   <p:clrMapOvr>
     <a:masterClrMapping/>
   </p:clrMapOvr>
+  <p:timing>
+    <p:tnLst>
+      <p:par>
+        <p:cTn id="1" dur="indefinite" restart="never" nodeType="tmRoot"/>
+      </p:par>
+    </p:tnLst>
+  </p:timing>
 </p:sld>
 </file>
 
@@ -5195,12 +5838,12 @@
       </p:grpSpPr>
       <p:sp>
         <p:nvSpPr>
-          <p:cNvPr id="2" name="Título 1"/>
+          <p:cNvPr id="5" name="Título 4"/>
           <p:cNvSpPr>
             <a:spLocks noGrp="1"/>
           </p:cNvSpPr>
           <p:nvPr>
-            <p:ph type="ctrTitle"/>
+            <p:ph type="title"/>
           </p:nvPr>
         </p:nvSpPr>
         <p:spPr/>
@@ -5209,21 +5852,20 @@
           <a:lstStyle/>
           <a:p>
             <a:r>
-              <a:rPr lang="pt-BR" dirty="0" smtClean="0"/>
+              <a:rPr lang="pt-BR" dirty="0"/>
               <a:t>Herança e Polimorfismo</a:t>
             </a:r>
-            <a:endParaRPr lang="pt-BR" dirty="0"/>
-          </a:p>
-        </p:txBody>
-      </p:sp>
-      <p:sp>
-        <p:nvSpPr>
-          <p:cNvPr id="3" name="Subtítulo 2"/>
+          </a:p>
+        </p:txBody>
+      </p:sp>
+      <p:sp>
+        <p:nvSpPr>
+          <p:cNvPr id="6" name="Espaço Reservado para Conteúdo 5"/>
           <p:cNvSpPr>
             <a:spLocks noGrp="1"/>
           </p:cNvSpPr>
           <p:nvPr>
-            <p:ph type="subTitle" idx="1"/>
+            <p:ph idx="1"/>
           </p:nvPr>
         </p:nvSpPr>
         <p:spPr/>
@@ -5233,23 +5875,21 @@
           <a:p>
             <a:r>
               <a:rPr lang="pt-BR" dirty="0" smtClean="0"/>
-              <a:t>OCA </a:t>
-            </a:r>
-            <a:r>
-              <a:rPr lang="pt-BR" dirty="0" err="1" smtClean="0"/>
-              <a:t>Objectives</a:t>
-            </a:r>
-            <a:r>
-              <a:rPr lang="pt-BR" dirty="0" smtClean="0"/>
-              <a:t> 7.1, 7.2 </a:t>
-            </a:r>
-            <a:r>
-              <a:rPr lang="pt-BR" dirty="0" err="1" smtClean="0"/>
-              <a:t>and</a:t>
-            </a:r>
-            <a:r>
-              <a:rPr lang="pt-BR" dirty="0" smtClean="0"/>
-              <a:t> 7.3</a:t>
+              <a:t>Conceito</a:t>
+            </a:r>
+          </a:p>
+          <a:p>
+            <a:r>
+              <a:rPr lang="pt-BR" dirty="0" smtClean="0"/>
+              <a:t>É-UM </a:t>
+            </a:r>
+            <a:r>
+              <a:rPr lang="pt-BR" dirty="0" smtClean="0"/>
+              <a:t>e </a:t>
+            </a:r>
+            <a:r>
+              <a:rPr lang="pt-BR" dirty="0" smtClean="0"/>
+              <a:t>TEM-UM conceitual</a:t>
             </a:r>
             <a:endParaRPr lang="pt-BR" dirty="0"/>
           </a:p>
@@ -5257,7 +5897,7 @@
       </p:sp>
       <p:sp>
         <p:nvSpPr>
-          <p:cNvPr id="5" name="Espaço Reservado para Rodapé 3"/>
+          <p:cNvPr id="7" name="Espaço Reservado para Rodapé 3"/>
           <p:cNvSpPr>
             <a:spLocks noGrp="1"/>
           </p:cNvSpPr>
@@ -5312,20 +5952,13 @@
     </p:spTree>
     <p:extLst>
       <p:ext uri="{BB962C8B-B14F-4D97-AF65-F5344CB8AC3E}">
-        <p14:creationId xmlns:p14="http://schemas.microsoft.com/office/powerpoint/2010/main" val="86249347"/>
+        <p14:creationId xmlns:p14="http://schemas.microsoft.com/office/powerpoint/2010/main" val="3036687806"/>
       </p:ext>
     </p:extLst>
   </p:cSld>
   <p:clrMapOvr>
     <a:masterClrMapping/>
   </p:clrMapOvr>
-  <p:timing>
-    <p:tnLst>
-      <p:par>
-        <p:cTn id="1" dur="indefinite" restart="never" nodeType="tmRoot"/>
-      </p:par>
-    </p:tnLst>
-  </p:timing>
 </p:sld>
 </file>
 
@@ -5348,58 +5981,86 @@
       </p:grpSpPr>
       <p:sp>
         <p:nvSpPr>
-          <p:cNvPr id="5" name="Título 4"/>
+          <p:cNvPr id="2" name="Título 1"/>
           <p:cNvSpPr>
             <a:spLocks noGrp="1"/>
           </p:cNvSpPr>
           <p:nvPr>
-            <p:ph type="title"/>
-          </p:nvPr>
-        </p:nvSpPr>
-        <p:spPr/>
+            <p:ph type="ctrTitle"/>
+          </p:nvPr>
+        </p:nvSpPr>
+        <p:spPr>
+          <a:xfrm>
+            <a:off x="1941910" y="2514601"/>
+            <a:ext cx="6686549" cy="914399"/>
+          </a:xfrm>
+        </p:spPr>
         <p:txBody>
           <a:bodyPr/>
           <a:lstStyle/>
           <a:p>
             <a:r>
-              <a:rPr lang="pt-BR" dirty="0"/>
-              <a:t>Herança e Polimorfismo</a:t>
-            </a:r>
-          </a:p>
-        </p:txBody>
-      </p:sp>
-      <p:sp>
-        <p:nvSpPr>
-          <p:cNvPr id="6" name="Espaço Reservado para Conteúdo 5"/>
+              <a:rPr lang="pt-BR" dirty="0" smtClean="0"/>
+              <a:t>(CONCEITO) Polimorfismo</a:t>
+            </a:r>
+            <a:endParaRPr lang="pt-BR" dirty="0"/>
+          </a:p>
+        </p:txBody>
+      </p:sp>
+      <p:sp>
+        <p:nvSpPr>
+          <p:cNvPr id="3" name="Subtítulo 2"/>
           <p:cNvSpPr>
             <a:spLocks noGrp="1"/>
           </p:cNvSpPr>
           <p:nvPr>
-            <p:ph idx="1"/>
-          </p:nvPr>
-        </p:nvSpPr>
-        <p:spPr/>
+            <p:ph type="subTitle" idx="1"/>
+          </p:nvPr>
+        </p:nvSpPr>
+        <p:spPr>
+          <a:xfrm>
+            <a:off x="1941910" y="3429000"/>
+            <a:ext cx="6686549" cy="2474663"/>
+          </a:xfrm>
+        </p:spPr>
         <p:txBody>
           <a:bodyPr/>
           <a:lstStyle/>
           <a:p>
             <a:r>
-              <a:rPr lang="pt-BR" dirty="0" smtClean="0"/>
-              <a:t>Conceitos de É-UM e TEM-UM</a:t>
-            </a:r>
-            <a:endParaRPr lang="pt-BR" dirty="0"/>
-          </a:p>
-        </p:txBody>
-      </p:sp>
-      <p:sp>
-        <p:nvSpPr>
-          <p:cNvPr id="7" name="Espaço Reservado para Rodapé 3"/>
-          <p:cNvSpPr>
-            <a:spLocks noGrp="1"/>
-          </p:cNvSpPr>
-          <p:nvPr>
-            <p:ph type="ftr" sz="quarter" idx="4294967295"/>
-          </p:nvPr>
+              <a:rPr lang="pt-BR" sz="2000" b="1" dirty="0" smtClean="0"/>
+              <a:t>OCA </a:t>
+            </a:r>
+            <a:r>
+              <a:rPr lang="pt-BR" sz="2000" b="1" dirty="0" err="1" smtClean="0"/>
+              <a:t>Objectives</a:t>
+            </a:r>
+            <a:endParaRPr lang="pt-BR" sz="2000" b="1" dirty="0" smtClean="0"/>
+          </a:p>
+          <a:p>
+            <a:r>
+              <a:rPr lang="pt-BR" sz="2000" dirty="0" smtClean="0"/>
+              <a:t>7.2 Desenvolver código que demonstre o uso do polimorfismo</a:t>
+            </a:r>
+          </a:p>
+          <a:p>
+            <a:r>
+              <a:rPr lang="pt-BR" sz="2000" dirty="0"/>
+              <a:t>7.3 7.3 Diferenciar entre tipo de uma referência e o tipo de um objeto</a:t>
+            </a:r>
+          </a:p>
+          <a:p>
+            <a:endParaRPr lang="pt-BR" sz="2000" dirty="0"/>
+          </a:p>
+        </p:txBody>
+      </p:sp>
+      <p:sp>
+        <p:nvSpPr>
+          <p:cNvPr id="5" name="Espaço Reservado para Rodapé 3"/>
+          <p:cNvSpPr txBox="1">
+            <a:spLocks/>
+          </p:cNvSpPr>
+          <p:nvPr/>
         </p:nvSpPr>
         <p:spPr>
           <a:xfrm>
@@ -5412,7 +6073,101 @@
         </p:spPr>
         <p:txBody>
           <a:bodyPr/>
-          <a:lstStyle/>
+          <a:lstStyle>
+            <a:defPPr>
+              <a:defRPr lang="pt-BR"/>
+            </a:defPPr>
+            <a:lvl1pPr marL="0" algn="l" defTabSz="914400" rtl="0" eaLnBrk="1" latinLnBrk="0" hangingPunct="1">
+              <a:defRPr sz="1800" kern="1200">
+                <a:solidFill>
+                  <a:schemeClr val="tx1"/>
+                </a:solidFill>
+                <a:latin typeface="+mn-lt"/>
+                <a:ea typeface="+mn-ea"/>
+                <a:cs typeface="+mn-cs"/>
+              </a:defRPr>
+            </a:lvl1pPr>
+            <a:lvl2pPr marL="457200" algn="l" defTabSz="914400" rtl="0" eaLnBrk="1" latinLnBrk="0" hangingPunct="1">
+              <a:defRPr sz="1800" kern="1200">
+                <a:solidFill>
+                  <a:schemeClr val="tx1"/>
+                </a:solidFill>
+                <a:latin typeface="+mn-lt"/>
+                <a:ea typeface="+mn-ea"/>
+                <a:cs typeface="+mn-cs"/>
+              </a:defRPr>
+            </a:lvl2pPr>
+            <a:lvl3pPr marL="914400" algn="l" defTabSz="914400" rtl="0" eaLnBrk="1" latinLnBrk="0" hangingPunct="1">
+              <a:defRPr sz="1800" kern="1200">
+                <a:solidFill>
+                  <a:schemeClr val="tx1"/>
+                </a:solidFill>
+                <a:latin typeface="+mn-lt"/>
+                <a:ea typeface="+mn-ea"/>
+                <a:cs typeface="+mn-cs"/>
+              </a:defRPr>
+            </a:lvl3pPr>
+            <a:lvl4pPr marL="1371600" algn="l" defTabSz="914400" rtl="0" eaLnBrk="1" latinLnBrk="0" hangingPunct="1">
+              <a:defRPr sz="1800" kern="1200">
+                <a:solidFill>
+                  <a:schemeClr val="tx1"/>
+                </a:solidFill>
+                <a:latin typeface="+mn-lt"/>
+                <a:ea typeface="+mn-ea"/>
+                <a:cs typeface="+mn-cs"/>
+              </a:defRPr>
+            </a:lvl4pPr>
+            <a:lvl5pPr marL="1828800" algn="l" defTabSz="914400" rtl="0" eaLnBrk="1" latinLnBrk="0" hangingPunct="1">
+              <a:defRPr sz="1800" kern="1200">
+                <a:solidFill>
+                  <a:schemeClr val="tx1"/>
+                </a:solidFill>
+                <a:latin typeface="+mn-lt"/>
+                <a:ea typeface="+mn-ea"/>
+                <a:cs typeface="+mn-cs"/>
+              </a:defRPr>
+            </a:lvl5pPr>
+            <a:lvl6pPr marL="2286000" algn="l" defTabSz="914400" rtl="0" eaLnBrk="1" latinLnBrk="0" hangingPunct="1">
+              <a:defRPr sz="1800" kern="1200">
+                <a:solidFill>
+                  <a:schemeClr val="tx1"/>
+                </a:solidFill>
+                <a:latin typeface="+mn-lt"/>
+                <a:ea typeface="+mn-ea"/>
+                <a:cs typeface="+mn-cs"/>
+              </a:defRPr>
+            </a:lvl6pPr>
+            <a:lvl7pPr marL="2743200" algn="l" defTabSz="914400" rtl="0" eaLnBrk="1" latinLnBrk="0" hangingPunct="1">
+              <a:defRPr sz="1800" kern="1200">
+                <a:solidFill>
+                  <a:schemeClr val="tx1"/>
+                </a:solidFill>
+                <a:latin typeface="+mn-lt"/>
+                <a:ea typeface="+mn-ea"/>
+                <a:cs typeface="+mn-cs"/>
+              </a:defRPr>
+            </a:lvl7pPr>
+            <a:lvl8pPr marL="3200400" algn="l" defTabSz="914400" rtl="0" eaLnBrk="1" latinLnBrk="0" hangingPunct="1">
+              <a:defRPr sz="1800" kern="1200">
+                <a:solidFill>
+                  <a:schemeClr val="tx1"/>
+                </a:solidFill>
+                <a:latin typeface="+mn-lt"/>
+                <a:ea typeface="+mn-ea"/>
+                <a:cs typeface="+mn-cs"/>
+              </a:defRPr>
+            </a:lvl8pPr>
+            <a:lvl9pPr marL="3657600" algn="l" defTabSz="914400" rtl="0" eaLnBrk="1" latinLnBrk="0" hangingPunct="1">
+              <a:defRPr sz="1800" kern="1200">
+                <a:solidFill>
+                  <a:schemeClr val="tx1"/>
+                </a:solidFill>
+                <a:latin typeface="+mn-lt"/>
+                <a:ea typeface="+mn-ea"/>
+                <a:cs typeface="+mn-cs"/>
+              </a:defRPr>
+            </a:lvl9pPr>
+          </a:lstStyle>
           <a:p>
             <a:pPr algn="ctr">
               <a:defRPr sz="1200">
@@ -5425,36 +6180,56 @@
               </a:defRPr>
             </a:pPr>
             <a:r>
-              <a:rPr lang="pt-BR" dirty="0" smtClean="0"/>
-              <a:t>Orientação a Objeto</a:t>
-            </a:r>
-            <a:endParaRPr lang="pt-BR" dirty="0"/>
-          </a:p>
-          <a:p>
-            <a:pPr algn="ctr">
-              <a:defRPr sz="1200">
+              <a:rPr lang="pt-BR" sz="1200" smtClean="0">
                 <a:solidFill>
                   <a:srgbClr val="8C8C8C"/>
                 </a:solidFill>
                 <a:latin typeface="Tw Cen MT" charset="0"/>
                 <a:ea typeface="Calibri" charset="0"/>
                 <a:cs typeface="Calibri" charset="0"/>
+              </a:rPr>
+              <a:t>Orientação a Objeto</a:t>
+            </a:r>
+          </a:p>
+          <a:p>
+            <a:pPr algn="ctr">
+              <a:defRPr sz="1200">
+                <a:solidFill>
+                  <a:srgbClr val="8C8C8C"/>
+                </a:solidFill>
+                <a:latin typeface="Tw Cen MT" charset="0"/>
+                <a:ea typeface="Calibri" charset="0"/>
+                <a:cs typeface="Calibri" charset="0"/>
               </a:defRPr>
             </a:pPr>
-            <a:endParaRPr lang="pt-BR" dirty="0"/>
+            <a:endParaRPr lang="pt-BR" sz="1200" dirty="0">
+              <a:solidFill>
+                <a:srgbClr val="8C8C8C"/>
+              </a:solidFill>
+              <a:latin typeface="Tw Cen MT" charset="0"/>
+              <a:ea typeface="Calibri" charset="0"/>
+              <a:cs typeface="Calibri" charset="0"/>
+            </a:endParaRPr>
           </a:p>
         </p:txBody>
       </p:sp>
     </p:spTree>
     <p:extLst>
       <p:ext uri="{BB962C8B-B14F-4D97-AF65-F5344CB8AC3E}">
-        <p14:creationId xmlns:p14="http://schemas.microsoft.com/office/powerpoint/2010/main" val="3036687806"/>
+        <p14:creationId xmlns:p14="http://schemas.microsoft.com/office/powerpoint/2010/main" val="331758530"/>
       </p:ext>
     </p:extLst>
   </p:cSld>
   <p:clrMapOvr>
     <a:masterClrMapping/>
   </p:clrMapOvr>
+  <p:timing>
+    <p:tnLst>
+      <p:par>
+        <p:cTn id="1" dur="indefinite" restart="never" nodeType="tmRoot"/>
+      </p:par>
+    </p:tnLst>
+  </p:timing>
 </p:sld>
 </file>
 
@@ -5485,14 +6260,19 @@
             <p:ph type="ctrTitle"/>
           </p:nvPr>
         </p:nvSpPr>
-        <p:spPr/>
+        <p:spPr>
+          <a:xfrm>
+            <a:off x="1941910" y="2514601"/>
+            <a:ext cx="6686549" cy="914399"/>
+          </a:xfrm>
+        </p:spPr>
         <p:txBody>
           <a:bodyPr/>
           <a:lstStyle/>
           <a:p>
             <a:r>
               <a:rPr lang="pt-BR" dirty="0" smtClean="0"/>
-              <a:t>Polimorfismo</a:t>
+              <a:t>Sobrescrição e Sobrecarga</a:t>
             </a:r>
             <a:endParaRPr lang="pt-BR" dirty="0"/>
           </a:p>
@@ -5508,42 +6288,70 @@
             <p:ph type="subTitle" idx="1"/>
           </p:nvPr>
         </p:nvSpPr>
-        <p:spPr/>
+        <p:spPr>
+          <a:xfrm>
+            <a:off x="1941910" y="3429000"/>
+            <a:ext cx="6686549" cy="2474663"/>
+          </a:xfrm>
+        </p:spPr>
         <p:txBody>
           <a:bodyPr/>
           <a:lstStyle/>
           <a:p>
             <a:r>
-              <a:rPr lang="pt-BR" dirty="0" smtClean="0"/>
+              <a:rPr lang="pt-BR" sz="2000" b="1" dirty="0" smtClean="0"/>
               <a:t>OCA </a:t>
             </a:r>
             <a:r>
-              <a:rPr lang="pt-BR" dirty="0" err="1" smtClean="0"/>
+              <a:rPr lang="pt-BR" sz="2000" b="1" dirty="0" err="1" smtClean="0"/>
               <a:t>Objectives</a:t>
             </a:r>
-            <a:r>
-              <a:rPr lang="pt-BR" dirty="0" smtClean="0"/>
-              <a:t> 7.2 </a:t>
-            </a:r>
-            <a:r>
-              <a:rPr lang="pt-BR" dirty="0" err="1" smtClean="0"/>
-              <a:t>and</a:t>
-            </a:r>
-            <a:r>
-              <a:rPr lang="pt-BR" dirty="0" smtClean="0"/>
-              <a:t> 7.3</a:t>
-            </a:r>
-            <a:endParaRPr lang="pt-BR" dirty="0"/>
+            <a:endParaRPr lang="pt-BR" sz="2000" b="1" dirty="0" smtClean="0"/>
+          </a:p>
+          <a:p>
+            <a:r>
+              <a:rPr lang="pt-BR" sz="2000" dirty="0" smtClean="0"/>
+              <a:t>6.1 Criar métodos com argumentos e retorno de valores</a:t>
+            </a:r>
+          </a:p>
+          <a:p>
+            <a:r>
+              <a:rPr lang="pt-BR" sz="2000" dirty="0" smtClean="0"/>
+              <a:t>6.3 Criar um método sobrecarregado</a:t>
+            </a:r>
+          </a:p>
+          <a:p>
+            <a:r>
+              <a:rPr lang="pt-BR" sz="2000" dirty="0"/>
+              <a:t>7.2 Desenvolver código que demonstre o uso do polimorfismo</a:t>
+            </a:r>
+          </a:p>
+          <a:p>
+            <a:r>
+              <a:rPr lang="pt-BR" sz="2000" dirty="0"/>
+              <a:t>7.3 </a:t>
+            </a:r>
+            <a:r>
+              <a:rPr lang="pt-BR" sz="2000" dirty="0" smtClean="0"/>
+              <a:t>Diferenciar </a:t>
+            </a:r>
+            <a:r>
+              <a:rPr lang="pt-BR" sz="2000" dirty="0"/>
+              <a:t>entre tipo de uma referência e o tipo de um objeto</a:t>
+            </a:r>
+            <a:endParaRPr lang="pt-BR" sz="2000" dirty="0"/>
           </a:p>
         </p:txBody>
       </p:sp>
       <p:sp>
         <p:nvSpPr>
           <p:cNvPr id="5" name="Espaço Reservado para Rodapé 3"/>
-          <p:cNvSpPr txBox="1">
-            <a:spLocks/>
-          </p:cNvSpPr>
-          <p:nvPr/>
+          <p:cNvSpPr>
+            <a:spLocks noGrp="1"/>
+          </p:cNvSpPr>
+          <p:nvPr>
+            <p:ph type="ftr" sz="quarter" idx="4294967295"/>
+          </p:nvPr>
         </p:nvSpPr>
         <p:spPr>
           <a:xfrm>
@@ -5556,101 +6364,7 @@
         </p:spPr>
         <p:txBody>
           <a:bodyPr/>
-          <a:lstStyle>
-            <a:defPPr>
-              <a:defRPr lang="pt-BR"/>
-            </a:defPPr>
-            <a:lvl1pPr marL="0" algn="l" defTabSz="914400" rtl="0" eaLnBrk="1" latinLnBrk="0" hangingPunct="1">
-              <a:defRPr sz="1800" kern="1200">
-                <a:solidFill>
-                  <a:schemeClr val="tx1"/>
-                </a:solidFill>
-                <a:latin typeface="+mn-lt"/>
-                <a:ea typeface="+mn-ea"/>
-                <a:cs typeface="+mn-cs"/>
-              </a:defRPr>
-            </a:lvl1pPr>
-            <a:lvl2pPr marL="457200" algn="l" defTabSz="914400" rtl="0" eaLnBrk="1" latinLnBrk="0" hangingPunct="1">
-              <a:defRPr sz="1800" kern="1200">
-                <a:solidFill>
-                  <a:schemeClr val="tx1"/>
-                </a:solidFill>
-                <a:latin typeface="+mn-lt"/>
-                <a:ea typeface="+mn-ea"/>
-                <a:cs typeface="+mn-cs"/>
-              </a:defRPr>
-            </a:lvl2pPr>
-            <a:lvl3pPr marL="914400" algn="l" defTabSz="914400" rtl="0" eaLnBrk="1" latinLnBrk="0" hangingPunct="1">
-              <a:defRPr sz="1800" kern="1200">
-                <a:solidFill>
-                  <a:schemeClr val="tx1"/>
-                </a:solidFill>
-                <a:latin typeface="+mn-lt"/>
-                <a:ea typeface="+mn-ea"/>
-                <a:cs typeface="+mn-cs"/>
-              </a:defRPr>
-            </a:lvl3pPr>
-            <a:lvl4pPr marL="1371600" algn="l" defTabSz="914400" rtl="0" eaLnBrk="1" latinLnBrk="0" hangingPunct="1">
-              <a:defRPr sz="1800" kern="1200">
-                <a:solidFill>
-                  <a:schemeClr val="tx1"/>
-                </a:solidFill>
-                <a:latin typeface="+mn-lt"/>
-                <a:ea typeface="+mn-ea"/>
-                <a:cs typeface="+mn-cs"/>
-              </a:defRPr>
-            </a:lvl4pPr>
-            <a:lvl5pPr marL="1828800" algn="l" defTabSz="914400" rtl="0" eaLnBrk="1" latinLnBrk="0" hangingPunct="1">
-              <a:defRPr sz="1800" kern="1200">
-                <a:solidFill>
-                  <a:schemeClr val="tx1"/>
-                </a:solidFill>
-                <a:latin typeface="+mn-lt"/>
-                <a:ea typeface="+mn-ea"/>
-                <a:cs typeface="+mn-cs"/>
-              </a:defRPr>
-            </a:lvl5pPr>
-            <a:lvl6pPr marL="2286000" algn="l" defTabSz="914400" rtl="0" eaLnBrk="1" latinLnBrk="0" hangingPunct="1">
-              <a:defRPr sz="1800" kern="1200">
-                <a:solidFill>
-                  <a:schemeClr val="tx1"/>
-                </a:solidFill>
-                <a:latin typeface="+mn-lt"/>
-                <a:ea typeface="+mn-ea"/>
-                <a:cs typeface="+mn-cs"/>
-              </a:defRPr>
-            </a:lvl6pPr>
-            <a:lvl7pPr marL="2743200" algn="l" defTabSz="914400" rtl="0" eaLnBrk="1" latinLnBrk="0" hangingPunct="1">
-              <a:defRPr sz="1800" kern="1200">
-                <a:solidFill>
-                  <a:schemeClr val="tx1"/>
-                </a:solidFill>
-                <a:latin typeface="+mn-lt"/>
-                <a:ea typeface="+mn-ea"/>
-                <a:cs typeface="+mn-cs"/>
-              </a:defRPr>
-            </a:lvl7pPr>
-            <a:lvl8pPr marL="3200400" algn="l" defTabSz="914400" rtl="0" eaLnBrk="1" latinLnBrk="0" hangingPunct="1">
-              <a:defRPr sz="1800" kern="1200">
-                <a:solidFill>
-                  <a:schemeClr val="tx1"/>
-                </a:solidFill>
-                <a:latin typeface="+mn-lt"/>
-                <a:ea typeface="+mn-ea"/>
-                <a:cs typeface="+mn-cs"/>
-              </a:defRPr>
-            </a:lvl8pPr>
-            <a:lvl9pPr marL="3657600" algn="l" defTabSz="914400" rtl="0" eaLnBrk="1" latinLnBrk="0" hangingPunct="1">
-              <a:defRPr sz="1800" kern="1200">
-                <a:solidFill>
-                  <a:schemeClr val="tx1"/>
-                </a:solidFill>
-                <a:latin typeface="+mn-lt"/>
-                <a:ea typeface="+mn-ea"/>
-                <a:cs typeface="+mn-cs"/>
-              </a:defRPr>
-            </a:lvl9pPr>
-          </a:lstStyle>
+          <a:lstStyle/>
           <a:p>
             <a:pPr algn="ctr">
               <a:defRPr sz="1200">
@@ -5663,43 +6377,30 @@
               </a:defRPr>
             </a:pPr>
             <a:r>
-              <a:rPr lang="pt-BR" sz="1200" smtClean="0">
+              <a:rPr lang="pt-BR" dirty="0" smtClean="0"/>
+              <a:t>Orientação a Objeto</a:t>
+            </a:r>
+            <a:endParaRPr lang="pt-BR" dirty="0"/>
+          </a:p>
+          <a:p>
+            <a:pPr algn="ctr">
+              <a:defRPr sz="1200">
                 <a:solidFill>
                   <a:srgbClr val="8C8C8C"/>
                 </a:solidFill>
                 <a:latin typeface="Tw Cen MT" charset="0"/>
                 <a:ea typeface="Calibri" charset="0"/>
                 <a:cs typeface="Calibri" charset="0"/>
-              </a:rPr>
-              <a:t>Orientação a Objeto</a:t>
-            </a:r>
-          </a:p>
-          <a:p>
-            <a:pPr algn="ctr">
-              <a:defRPr sz="1200">
-                <a:solidFill>
-                  <a:srgbClr val="8C8C8C"/>
-                </a:solidFill>
-                <a:latin typeface="Tw Cen MT" charset="0"/>
-                <a:ea typeface="Calibri" charset="0"/>
-                <a:cs typeface="Calibri" charset="0"/>
               </a:defRPr>
             </a:pPr>
-            <a:endParaRPr lang="pt-BR" sz="1200" dirty="0">
-              <a:solidFill>
-                <a:srgbClr val="8C8C8C"/>
-              </a:solidFill>
-              <a:latin typeface="Tw Cen MT" charset="0"/>
-              <a:ea typeface="Calibri" charset="0"/>
-              <a:cs typeface="Calibri" charset="0"/>
-            </a:endParaRPr>
+            <a:endParaRPr lang="pt-BR" dirty="0"/>
           </a:p>
         </p:txBody>
       </p:sp>
     </p:spTree>
     <p:extLst>
       <p:ext uri="{BB962C8B-B14F-4D97-AF65-F5344CB8AC3E}">
-        <p14:creationId xmlns:p14="http://schemas.microsoft.com/office/powerpoint/2010/main" val="331758530"/>
+        <p14:creationId xmlns:p14="http://schemas.microsoft.com/office/powerpoint/2010/main" val="4043444102"/>
       </p:ext>
     </p:extLst>
   </p:cSld>
@@ -5749,8 +6450,12 @@
           <a:lstStyle/>
           <a:p>
             <a:r>
+              <a:rPr lang="pt-BR" dirty="0" err="1"/>
+              <a:t>Sobrescrição</a:t>
+            </a:r>
+            <a:r>
               <a:rPr lang="pt-BR" dirty="0"/>
-              <a:t>Polimorfismo</a:t>
+              <a:t> e Sobrecarga</a:t>
             </a:r>
           </a:p>
         </p:txBody>
@@ -5770,12 +6475,73 @@
           <a:bodyPr/>
           <a:lstStyle/>
           <a:p>
-            <a:r>
-              <a:rPr lang="pt-BR" dirty="0" smtClean="0"/>
-              <a:t>Conceitos</a:t>
-            </a:r>
-          </a:p>
-          <a:p>
+            <a:pPr algn="just"/>
+            <a:r>
+              <a:rPr lang="pt-BR" dirty="0" smtClean="0"/>
+              <a:t>Conceito</a:t>
+            </a:r>
+          </a:p>
+          <a:p>
+            <a:pPr algn="just"/>
+            <a:r>
+              <a:rPr lang="pt-BR" dirty="0" smtClean="0"/>
+              <a:t>Métodos </a:t>
+            </a:r>
+            <a:r>
+              <a:rPr lang="pt-BR" dirty="0" smtClean="0"/>
+              <a:t>Sobrescritos</a:t>
+            </a:r>
+          </a:p>
+          <a:p>
+            <a:pPr lvl="1" algn="just"/>
+            <a:r>
+              <a:rPr lang="pt-BR" dirty="0" smtClean="0"/>
+              <a:t>Invocando uma versão da </a:t>
+            </a:r>
+            <a:r>
+              <a:rPr lang="pt-BR" dirty="0" err="1" smtClean="0"/>
+              <a:t>superclass</a:t>
+            </a:r>
+            <a:r>
+              <a:rPr lang="pt-BR" dirty="0" smtClean="0"/>
+              <a:t> em um método sobrescrito</a:t>
+            </a:r>
+          </a:p>
+          <a:p>
+            <a:pPr algn="just"/>
+            <a:r>
+              <a:rPr lang="pt-BR" dirty="0" smtClean="0"/>
+              <a:t>Métodos Sobrecarregados</a:t>
+            </a:r>
+          </a:p>
+          <a:p>
+            <a:pPr lvl="1" algn="just"/>
+            <a:r>
+              <a:rPr lang="pt-BR" dirty="0" smtClean="0"/>
+              <a:t>Sobrecargas Válidas</a:t>
+            </a:r>
+          </a:p>
+          <a:p>
+            <a:pPr lvl="1" algn="just"/>
+            <a:r>
+              <a:rPr lang="pt-BR" dirty="0" smtClean="0"/>
+              <a:t>Invocando métodos sobrecarregados</a:t>
+            </a:r>
+          </a:p>
+          <a:p>
+            <a:pPr lvl="1" algn="just"/>
+            <a:r>
+              <a:rPr lang="pt-BR" dirty="0" smtClean="0"/>
+              <a:t>Polimorfismo em Métodos </a:t>
+            </a:r>
+            <a:r>
+              <a:rPr lang="pt-BR" dirty="0" smtClean="0"/>
+              <a:t>sobrescritos e sobrecarregados</a:t>
+            </a:r>
+            <a:endParaRPr lang="pt-BR" dirty="0" smtClean="0"/>
+          </a:p>
+          <a:p>
+            <a:pPr lvl="1" algn="just"/>
             <a:endParaRPr lang="pt-BR" dirty="0"/>
           </a:p>
         </p:txBody>
@@ -5837,7 +6603,7 @@
     </p:spTree>
     <p:extLst>
       <p:ext uri="{BB962C8B-B14F-4D97-AF65-F5344CB8AC3E}">
-        <p14:creationId xmlns:p14="http://schemas.microsoft.com/office/powerpoint/2010/main" val="785370095"/>
+        <p14:creationId xmlns:p14="http://schemas.microsoft.com/office/powerpoint/2010/main" val="1077359234"/>
       </p:ext>
     </p:extLst>
   </p:cSld>
@@ -5874,14 +6640,23 @@
             <p:ph type="ctrTitle"/>
           </p:nvPr>
         </p:nvSpPr>
-        <p:spPr/>
+        <p:spPr>
+          <a:xfrm>
+            <a:off x="1941910" y="2514601"/>
+            <a:ext cx="6686549" cy="914399"/>
+          </a:xfrm>
+        </p:spPr>
         <p:txBody>
           <a:bodyPr/>
           <a:lstStyle/>
           <a:p>
             <a:r>
               <a:rPr lang="pt-BR" dirty="0" smtClean="0"/>
-              <a:t>Sobrescrição e Sobrecarga</a:t>
+              <a:t>(CONCEITO) </a:t>
+            </a:r>
+            <a:r>
+              <a:rPr lang="pt-BR" dirty="0" err="1" smtClean="0"/>
+              <a:t>Casting</a:t>
             </a:r>
             <a:endParaRPr lang="pt-BR" dirty="0"/>
           </a:p>
@@ -5897,32 +6672,38 @@
             <p:ph type="subTitle" idx="1"/>
           </p:nvPr>
         </p:nvSpPr>
-        <p:spPr/>
+        <p:spPr>
+          <a:xfrm>
+            <a:off x="1941910" y="3429000"/>
+            <a:ext cx="6686549" cy="2474663"/>
+          </a:xfrm>
+        </p:spPr>
         <p:txBody>
           <a:bodyPr/>
           <a:lstStyle/>
           <a:p>
             <a:r>
-              <a:rPr lang="pt-BR" dirty="0" smtClean="0"/>
+              <a:rPr lang="pt-BR" sz="2000" b="1" dirty="0" smtClean="0"/>
               <a:t>OCA </a:t>
             </a:r>
             <a:r>
-              <a:rPr lang="pt-BR" dirty="0" err="1" smtClean="0"/>
+              <a:rPr lang="pt-BR" sz="2000" b="1" dirty="0" err="1" smtClean="0"/>
               <a:t>Objectives</a:t>
             </a:r>
-            <a:r>
-              <a:rPr lang="pt-BR" dirty="0" smtClean="0"/>
-              <a:t> 6.1, 6.3, 7.2 </a:t>
-            </a:r>
-            <a:r>
-              <a:rPr lang="pt-BR" dirty="0" err="1" smtClean="0"/>
-              <a:t>and</a:t>
-            </a:r>
-            <a:r>
-              <a:rPr lang="pt-BR" dirty="0" smtClean="0"/>
-              <a:t> 7.3</a:t>
-            </a:r>
-            <a:endParaRPr lang="pt-BR" dirty="0"/>
+            <a:endParaRPr lang="pt-BR" sz="2000" b="1" dirty="0" smtClean="0"/>
+          </a:p>
+          <a:p>
+            <a:r>
+              <a:rPr lang="pt-BR" sz="2000" dirty="0"/>
+              <a:t>7.3 Diferenciar entre tipo de uma referência e o tipo de um objeto</a:t>
+            </a:r>
+          </a:p>
+          <a:p>
+            <a:r>
+              <a:rPr lang="pt-BR" sz="2000" dirty="0" smtClean="0"/>
+              <a:t>7.4 Determinar quando uma conversão é necessária</a:t>
+            </a:r>
+            <a:endParaRPr lang="pt-BR" sz="2000" dirty="0"/>
           </a:p>
         </p:txBody>
       </p:sp>
@@ -5983,7 +6764,7 @@
     </p:spTree>
     <p:extLst>
       <p:ext uri="{BB962C8B-B14F-4D97-AF65-F5344CB8AC3E}">
-        <p14:creationId xmlns:p14="http://schemas.microsoft.com/office/powerpoint/2010/main" val="4043444102"/>
+        <p14:creationId xmlns:p14="http://schemas.microsoft.com/office/powerpoint/2010/main" val="633171714"/>
       </p:ext>
     </p:extLst>
   </p:cSld>
@@ -6019,103 +6800,80 @@
       </p:grpSpPr>
       <p:sp>
         <p:nvSpPr>
-          <p:cNvPr id="5" name="Título 4"/>
+          <p:cNvPr id="2" name="Título 1"/>
           <p:cNvSpPr>
             <a:spLocks noGrp="1"/>
           </p:cNvSpPr>
           <p:nvPr>
-            <p:ph type="title"/>
-          </p:nvPr>
-        </p:nvSpPr>
-        <p:spPr/>
+            <p:ph type="ctrTitle"/>
+          </p:nvPr>
+        </p:nvSpPr>
+        <p:spPr>
+          <a:xfrm>
+            <a:off x="1941910" y="2514601"/>
+            <a:ext cx="6686549" cy="914399"/>
+          </a:xfrm>
+        </p:spPr>
+        <p:txBody>
+          <a:bodyPr>
+            <a:normAutofit fontScale="90000"/>
+          </a:bodyPr>
+          <a:lstStyle/>
+          <a:p>
+            <a:r>
+              <a:rPr lang="pt-BR" dirty="0" smtClean="0"/>
+              <a:t>(CONCEITO) Implementando </a:t>
+            </a:r>
+            <a:r>
+              <a:rPr lang="pt-BR" dirty="0" smtClean="0"/>
+              <a:t>Interfaces</a:t>
+            </a:r>
+            <a:endParaRPr lang="pt-BR" dirty="0"/>
+          </a:p>
+        </p:txBody>
+      </p:sp>
+      <p:sp>
+        <p:nvSpPr>
+          <p:cNvPr id="3" name="Subtítulo 2"/>
+          <p:cNvSpPr>
+            <a:spLocks noGrp="1"/>
+          </p:cNvSpPr>
+          <p:nvPr>
+            <p:ph type="subTitle" idx="1"/>
+          </p:nvPr>
+        </p:nvSpPr>
+        <p:spPr>
+          <a:xfrm>
+            <a:off x="1941910" y="3429000"/>
+            <a:ext cx="6686549" cy="2474663"/>
+          </a:xfrm>
+        </p:spPr>
         <p:txBody>
           <a:bodyPr/>
           <a:lstStyle/>
           <a:p>
             <a:r>
-              <a:rPr lang="pt-BR" dirty="0" err="1"/>
-              <a:t>Sobrescrição</a:t>
-            </a:r>
-            <a:r>
-              <a:rPr lang="pt-BR" dirty="0"/>
-              <a:t> e Sobrecarga</a:t>
-            </a:r>
-          </a:p>
-        </p:txBody>
-      </p:sp>
-      <p:sp>
-        <p:nvSpPr>
-          <p:cNvPr id="6" name="Espaço Reservado para Conteúdo 5"/>
-          <p:cNvSpPr>
-            <a:spLocks noGrp="1"/>
-          </p:cNvSpPr>
-          <p:nvPr>
-            <p:ph idx="1"/>
-          </p:nvPr>
-        </p:nvSpPr>
-        <p:spPr/>
-        <p:txBody>
-          <a:bodyPr/>
-          <a:lstStyle/>
-          <a:p>
-            <a:pPr algn="just"/>
-            <a:r>
-              <a:rPr lang="pt-BR" dirty="0" smtClean="0"/>
-              <a:t>Métodos Sobrescritos</a:t>
-            </a:r>
-          </a:p>
-          <a:p>
-            <a:pPr lvl="1" algn="just"/>
-            <a:r>
-              <a:rPr lang="pt-BR" dirty="0" smtClean="0"/>
-              <a:t>Invocando uma versão da </a:t>
-            </a:r>
-            <a:r>
-              <a:rPr lang="pt-BR" dirty="0" err="1" smtClean="0"/>
-              <a:t>superclass</a:t>
-            </a:r>
-            <a:r>
-              <a:rPr lang="pt-BR" dirty="0" smtClean="0"/>
-              <a:t> em um método sobrescrito</a:t>
-            </a:r>
-          </a:p>
-          <a:p>
-            <a:pPr algn="just"/>
-            <a:r>
-              <a:rPr lang="pt-BR" dirty="0" smtClean="0"/>
-              <a:t>Métodos Sobrecarregados</a:t>
-            </a:r>
-          </a:p>
-          <a:p>
-            <a:pPr lvl="1" algn="just"/>
-            <a:r>
-              <a:rPr lang="pt-BR" dirty="0" smtClean="0"/>
-              <a:t>Sobrecargas Válidas</a:t>
-            </a:r>
-          </a:p>
-          <a:p>
-            <a:pPr lvl="1" algn="just"/>
-            <a:r>
-              <a:rPr lang="pt-BR" dirty="0" smtClean="0"/>
-              <a:t>Invocando métodos sobrecarregados</a:t>
-            </a:r>
-          </a:p>
-          <a:p>
-            <a:pPr lvl="1" algn="just"/>
-            <a:r>
-              <a:rPr lang="pt-BR" dirty="0" smtClean="0"/>
-              <a:t>Polimorfismo em Métodos (sobrescritos/sobrecarregados)</a:t>
-            </a:r>
-          </a:p>
-          <a:p>
-            <a:pPr lvl="1" algn="just"/>
-            <a:endParaRPr lang="pt-BR" dirty="0"/>
-          </a:p>
-        </p:txBody>
-      </p:sp>
-      <p:sp>
-        <p:nvSpPr>
-          <p:cNvPr id="7" name="Espaço Reservado para Rodapé 3"/>
+              <a:rPr lang="pt-BR" sz="2000" b="1" dirty="0" smtClean="0"/>
+              <a:t>OCA </a:t>
+            </a:r>
+            <a:r>
+              <a:rPr lang="pt-BR" sz="2000" b="1" dirty="0" err="1" smtClean="0"/>
+              <a:t>Objective</a:t>
+            </a:r>
+            <a:endParaRPr lang="pt-BR" sz="2000" b="1" dirty="0" smtClean="0"/>
+          </a:p>
+          <a:p>
+            <a:r>
+              <a:rPr lang="pt-BR" sz="2000" dirty="0" smtClean="0"/>
+              <a:t>7.6 Uso de classes abstratas e interfaces</a:t>
+            </a:r>
+            <a:endParaRPr lang="pt-BR" sz="2000" dirty="0"/>
+          </a:p>
+        </p:txBody>
+      </p:sp>
+      <p:sp>
+        <p:nvSpPr>
+          <p:cNvPr id="5" name="Espaço Reservado para Rodapé 3"/>
           <p:cNvSpPr>
             <a:spLocks noGrp="1"/>
           </p:cNvSpPr>
@@ -6170,13 +6928,20 @@
     </p:spTree>
     <p:extLst>
       <p:ext uri="{BB962C8B-B14F-4D97-AF65-F5344CB8AC3E}">
-        <p14:creationId xmlns:p14="http://schemas.microsoft.com/office/powerpoint/2010/main" val="1077359234"/>
+        <p14:creationId xmlns:p14="http://schemas.microsoft.com/office/powerpoint/2010/main" val="375912055"/>
       </p:ext>
     </p:extLst>
   </p:cSld>
   <p:clrMapOvr>
     <a:masterClrMapping/>
   </p:clrMapOvr>
+  <p:timing>
+    <p:tnLst>
+      <p:par>
+        <p:cTn id="1" dur="indefinite" restart="never" nodeType="tmRoot"/>
+      </p:par>
+    </p:tnLst>
+  </p:timing>
 </p:sld>
 </file>
 
@@ -6207,14 +6972,19 @@
             <p:ph type="ctrTitle"/>
           </p:nvPr>
         </p:nvSpPr>
-        <p:spPr/>
+        <p:spPr>
+          <a:xfrm>
+            <a:off x="1941910" y="2514601"/>
+            <a:ext cx="6686549" cy="914399"/>
+          </a:xfrm>
+        </p:spPr>
         <p:txBody>
           <a:bodyPr/>
           <a:lstStyle/>
           <a:p>
             <a:r>
-              <a:rPr lang="pt-BR" dirty="0" err="1" smtClean="0"/>
-              <a:t>Casting</a:t>
+              <a:rPr lang="pt-BR" dirty="0" smtClean="0"/>
+              <a:t>Tipos de Retornos Válidos</a:t>
             </a:r>
             <a:endParaRPr lang="pt-BR" dirty="0"/>
           </a:p>
@@ -6230,32 +7000,50 @@
             <p:ph type="subTitle" idx="1"/>
           </p:nvPr>
         </p:nvSpPr>
-        <p:spPr/>
+        <p:spPr>
+          <a:xfrm>
+            <a:off x="1941910" y="3429000"/>
+            <a:ext cx="6686549" cy="2474663"/>
+          </a:xfrm>
+        </p:spPr>
         <p:txBody>
           <a:bodyPr/>
           <a:lstStyle/>
           <a:p>
             <a:r>
-              <a:rPr lang="pt-BR" dirty="0" smtClean="0"/>
+              <a:rPr lang="pt-BR" sz="2000" b="1" dirty="0" smtClean="0"/>
               <a:t>OCA </a:t>
             </a:r>
             <a:r>
-              <a:rPr lang="pt-BR" dirty="0" err="1" smtClean="0"/>
+              <a:rPr lang="pt-BR" sz="2000" b="1" dirty="0" err="1" smtClean="0"/>
               <a:t>Objectives</a:t>
             </a:r>
-            <a:r>
-              <a:rPr lang="pt-BR" dirty="0" smtClean="0"/>
-              <a:t> 7.3 </a:t>
-            </a:r>
-            <a:r>
-              <a:rPr lang="pt-BR" dirty="0" err="1" smtClean="0"/>
-              <a:t>and</a:t>
-            </a:r>
-            <a:r>
-              <a:rPr lang="pt-BR" dirty="0" smtClean="0"/>
-              <a:t> 7.4</a:t>
-            </a:r>
-            <a:endParaRPr lang="pt-BR" dirty="0"/>
+            <a:endParaRPr lang="pt-BR" sz="2000" b="1" dirty="0" smtClean="0"/>
+          </a:p>
+          <a:p>
+            <a:r>
+              <a:rPr lang="pt-BR" sz="2000" dirty="0" smtClean="0"/>
+              <a:t>2.2 Diferenciar entre variável de referência à objeto e primitivas</a:t>
+            </a:r>
+          </a:p>
+          <a:p>
+            <a:r>
+              <a:rPr lang="pt-BR" sz="2000" dirty="0" smtClean="0"/>
+              <a:t>2.5 Invocar métodos em objeto</a:t>
+            </a:r>
+          </a:p>
+          <a:p>
+            <a:r>
+              <a:rPr lang="pt-BR" sz="2000" dirty="0" smtClean="0"/>
+              <a:t>6.1 Criar métodos com argumentos e retorno de valor</a:t>
+            </a:r>
+          </a:p>
+          <a:p>
+            <a:r>
+              <a:rPr lang="pt-BR" sz="2000" dirty="0" smtClean="0"/>
+              <a:t>6.3 Criar um método sobrecarregado</a:t>
+            </a:r>
+            <a:endParaRPr lang="pt-BR" sz="2000" dirty="0"/>
           </a:p>
         </p:txBody>
       </p:sp>
@@ -6316,7 +7104,7 @@
     </p:spTree>
     <p:extLst>
       <p:ext uri="{BB962C8B-B14F-4D97-AF65-F5344CB8AC3E}">
-        <p14:creationId xmlns:p14="http://schemas.microsoft.com/office/powerpoint/2010/main" val="633171714"/>
+        <p14:creationId xmlns:p14="http://schemas.microsoft.com/office/powerpoint/2010/main" val="4268053431"/>
       </p:ext>
     </p:extLst>
   </p:cSld>
@@ -6366,10 +7154,9 @@
           <a:lstStyle/>
           <a:p>
             <a:r>
-              <a:rPr lang="pt-BR" dirty="0" err="1"/>
-              <a:t>Casting</a:t>
-            </a:r>
-            <a:endParaRPr lang="pt-BR" dirty="0"/>
+              <a:rPr lang="pt-BR" dirty="0"/>
+              <a:t>Tipos de Retornos Válidos</a:t>
+            </a:r>
           </a:p>
         </p:txBody>
       </p:sp>
@@ -6390,7 +7177,50 @@
           <a:p>
             <a:r>
               <a:rPr lang="pt-BR" dirty="0" smtClean="0"/>
-              <a:t>Conceitos</a:t>
+              <a:t>Conceito</a:t>
+            </a:r>
+          </a:p>
+          <a:p>
+            <a:r>
+              <a:rPr lang="pt-BR" dirty="0" smtClean="0"/>
+              <a:t>Declarações </a:t>
+            </a:r>
+            <a:r>
+              <a:rPr lang="pt-BR" dirty="0" smtClean="0"/>
+              <a:t>de Tipos de Retorno</a:t>
+            </a:r>
+          </a:p>
+          <a:p>
+            <a:pPr lvl="1"/>
+            <a:r>
+              <a:rPr lang="pt-BR" dirty="0" smtClean="0"/>
+              <a:t>Tipos de retorno para métodos sobrecarregados</a:t>
+            </a:r>
+          </a:p>
+          <a:p>
+            <a:pPr lvl="1"/>
+            <a:r>
+              <a:rPr lang="pt-BR" dirty="0" err="1" smtClean="0"/>
+              <a:t>Sobrescrição</a:t>
+            </a:r>
+            <a:r>
+              <a:rPr lang="pt-BR" dirty="0" smtClean="0"/>
+              <a:t> </a:t>
+            </a:r>
+            <a:r>
+              <a:rPr lang="pt-BR" dirty="0" smtClean="0"/>
+              <a:t>e Tipos de Retorno e retornos </a:t>
+            </a:r>
+            <a:r>
+              <a:rPr lang="pt-BR" i="1" dirty="0" err="1" smtClean="0"/>
+              <a:t>Covariant</a:t>
+            </a:r>
+            <a:endParaRPr lang="pt-BR" i="1" dirty="0" smtClean="0"/>
+          </a:p>
+          <a:p>
+            <a:r>
+              <a:rPr lang="pt-BR" dirty="0" smtClean="0"/>
+              <a:t>Retornando um Valor</a:t>
             </a:r>
           </a:p>
           <a:p>
@@ -6455,7 +7285,7 @@
     </p:spTree>
     <p:extLst>
       <p:ext uri="{BB962C8B-B14F-4D97-AF65-F5344CB8AC3E}">
-        <p14:creationId xmlns:p14="http://schemas.microsoft.com/office/powerpoint/2010/main" val="3470882513"/>
+        <p14:creationId xmlns:p14="http://schemas.microsoft.com/office/powerpoint/2010/main" val="4095978862"/>
       </p:ext>
     </p:extLst>
   </p:cSld>
@@ -6680,14 +7510,19 @@
             <p:ph type="ctrTitle"/>
           </p:nvPr>
         </p:nvSpPr>
-        <p:spPr/>
+        <p:spPr>
+          <a:xfrm>
+            <a:off x="1941910" y="2514601"/>
+            <a:ext cx="6686549" cy="914399"/>
+          </a:xfrm>
+        </p:spPr>
         <p:txBody>
           <a:bodyPr/>
           <a:lstStyle/>
           <a:p>
             <a:r>
               <a:rPr lang="pt-BR" dirty="0" smtClean="0"/>
-              <a:t>Implementando Interfaces</a:t>
+              <a:t>Construtores e Instanciação</a:t>
             </a:r>
             <a:endParaRPr lang="pt-BR" dirty="0"/>
           </a:p>
@@ -6703,24 +7538,60 @@
             <p:ph type="subTitle" idx="1"/>
           </p:nvPr>
         </p:nvSpPr>
-        <p:spPr/>
+        <p:spPr>
+          <a:xfrm>
+            <a:off x="1941910" y="3429000"/>
+            <a:ext cx="6686549" cy="2474663"/>
+          </a:xfrm>
+        </p:spPr>
         <p:txBody>
           <a:bodyPr/>
           <a:lstStyle/>
           <a:p>
             <a:r>
-              <a:rPr lang="pt-BR" dirty="0" smtClean="0"/>
+              <a:rPr lang="pt-BR" sz="2000" b="1" dirty="0" smtClean="0"/>
               <a:t>OCA </a:t>
             </a:r>
             <a:r>
-              <a:rPr lang="pt-BR" dirty="0" err="1" smtClean="0"/>
-              <a:t>Objective</a:t>
-            </a:r>
-            <a:r>
-              <a:rPr lang="pt-BR" dirty="0" smtClean="0"/>
-              <a:t> 7.6</a:t>
-            </a:r>
-            <a:endParaRPr lang="pt-BR" dirty="0"/>
+              <a:rPr lang="pt-BR" sz="2000" b="1" dirty="0" err="1" smtClean="0"/>
+              <a:t>Objectives</a:t>
+            </a:r>
+            <a:endParaRPr lang="pt-BR" sz="2000" b="1" dirty="0" smtClean="0"/>
+          </a:p>
+          <a:p>
+            <a:r>
+              <a:rPr lang="pt-BR" sz="2000" dirty="0" smtClean="0"/>
+              <a:t>6.4 Diferenciar entre construtor default e definido pelo usuário</a:t>
+            </a:r>
+          </a:p>
+          <a:p>
+            <a:r>
+              <a:rPr lang="pt-BR" sz="2000" dirty="0" smtClean="0"/>
+              <a:t>6.5 Criar e sobrecarregar construtores</a:t>
+            </a:r>
+          </a:p>
+          <a:p>
+            <a:r>
+              <a:rPr lang="pt-BR" sz="2000" dirty="0" smtClean="0"/>
+              <a:t>7.5 Usar </a:t>
+            </a:r>
+            <a:r>
+              <a:rPr lang="pt-BR" sz="2000" dirty="0" err="1" smtClean="0"/>
+              <a:t>super</a:t>
+            </a:r>
+            <a:r>
+              <a:rPr lang="pt-BR" sz="2000" dirty="0" smtClean="0"/>
+              <a:t> e </a:t>
+            </a:r>
+            <a:r>
+              <a:rPr lang="pt-BR" sz="2000" dirty="0" err="1" smtClean="0"/>
+              <a:t>this</a:t>
+            </a:r>
+            <a:r>
+              <a:rPr lang="pt-BR" sz="2000" dirty="0" smtClean="0"/>
+              <a:t> para acessar objetos e construtores</a:t>
+            </a:r>
+            <a:endParaRPr lang="pt-BR" sz="2000" dirty="0"/>
           </a:p>
         </p:txBody>
       </p:sp>
@@ -6781,7 +7652,7 @@
     </p:spTree>
     <p:extLst>
       <p:ext uri="{BB962C8B-B14F-4D97-AF65-F5344CB8AC3E}">
-        <p14:creationId xmlns:p14="http://schemas.microsoft.com/office/powerpoint/2010/main" val="375912055"/>
+        <p14:creationId xmlns:p14="http://schemas.microsoft.com/office/powerpoint/2010/main" val="2974867849"/>
       </p:ext>
     </p:extLst>
   </p:cSld>
@@ -6832,7 +7703,7 @@
           <a:p>
             <a:r>
               <a:rPr lang="pt-BR" dirty="0"/>
-              <a:t>Implementando Interfaces</a:t>
+              <a:t>Construtores e Instanciação</a:t>
             </a:r>
           </a:p>
         </p:txBody>
@@ -6852,9 +7723,70 @@
           <a:bodyPr/>
           <a:lstStyle/>
           <a:p>
-            <a:r>
-              <a:rPr lang="pt-BR" dirty="0" smtClean="0"/>
-              <a:t>Conceitos</a:t>
+            <a:pPr algn="just"/>
+            <a:r>
+              <a:rPr lang="pt-BR" dirty="0" smtClean="0"/>
+              <a:t>Conceito</a:t>
+            </a:r>
+            <a:endParaRPr lang="pt-BR" dirty="0" smtClean="0"/>
+          </a:p>
+          <a:p>
+            <a:pPr algn="just"/>
+            <a:r>
+              <a:rPr lang="pt-BR" dirty="0" err="1" smtClean="0"/>
+              <a:t>Chaining</a:t>
+            </a:r>
+            <a:r>
+              <a:rPr lang="pt-BR" dirty="0" smtClean="0"/>
+              <a:t> de </a:t>
+            </a:r>
+            <a:r>
+              <a:rPr lang="pt-BR" dirty="0" err="1" smtClean="0"/>
+              <a:t>Contrutores</a:t>
+            </a:r>
+            <a:endParaRPr lang="pt-BR" dirty="0" smtClean="0"/>
+          </a:p>
+          <a:p>
+            <a:pPr algn="just"/>
+            <a:r>
+              <a:rPr lang="pt-BR" dirty="0" smtClean="0"/>
+              <a:t>Regras para Construtores</a:t>
+            </a:r>
+          </a:p>
+          <a:p>
+            <a:pPr algn="just"/>
+            <a:r>
+              <a:rPr lang="pt-BR" dirty="0" smtClean="0"/>
+              <a:t>Determinando quando um construtor padrão será criado</a:t>
+            </a:r>
+          </a:p>
+          <a:p>
+            <a:pPr lvl="1" algn="just"/>
+            <a:r>
+              <a:rPr lang="pt-BR" dirty="0" smtClean="0"/>
+              <a:t>O que acontece se o construtor da </a:t>
+            </a:r>
+            <a:r>
+              <a:rPr lang="pt-BR" dirty="0" err="1" smtClean="0"/>
+              <a:t>superclass</a:t>
+            </a:r>
+            <a:r>
+              <a:rPr lang="pt-BR" dirty="0" smtClean="0"/>
+              <a:t> tem argumentos?</a:t>
+            </a:r>
+          </a:p>
+          <a:p>
+            <a:pPr algn="just"/>
+            <a:r>
+              <a:rPr lang="pt-BR" dirty="0" smtClean="0"/>
+              <a:t>Sobrecarga de Construtores</a:t>
+            </a:r>
+          </a:p>
+          <a:p>
+            <a:pPr algn="just"/>
+            <a:r>
+              <a:rPr lang="pt-BR" dirty="0" smtClean="0"/>
+              <a:t>Blocos de Inicialização</a:t>
             </a:r>
             <a:endParaRPr lang="pt-BR" dirty="0"/>
           </a:p>
@@ -6917,7 +7849,7 @@
     </p:spTree>
     <p:extLst>
       <p:ext uri="{BB962C8B-B14F-4D97-AF65-F5344CB8AC3E}">
-        <p14:creationId xmlns:p14="http://schemas.microsoft.com/office/powerpoint/2010/main" val="139319367"/>
+        <p14:creationId xmlns:p14="http://schemas.microsoft.com/office/powerpoint/2010/main" val="1444076413"/>
       </p:ext>
     </p:extLst>
   </p:cSld>
@@ -6960,8 +7892,8 @@
           <a:lstStyle/>
           <a:p>
             <a:r>
-              <a:rPr lang="pt-BR" dirty="0" smtClean="0"/>
-              <a:t>Tipos de Retornos Válidos</a:t>
+              <a:rPr lang="pt-BR" dirty="0" err="1" smtClean="0"/>
+              <a:t>Static</a:t>
             </a:r>
             <a:endParaRPr lang="pt-BR" dirty="0"/>
           </a:p>
@@ -6992,15 +7924,7 @@
             </a:r>
             <a:r>
               <a:rPr lang="pt-BR" dirty="0" smtClean="0"/>
-              <a:t> 2.2, 2.5, 6.1 </a:t>
-            </a:r>
-            <a:r>
-              <a:rPr lang="pt-BR" dirty="0" err="1" smtClean="0"/>
-              <a:t>and</a:t>
-            </a:r>
-            <a:r>
-              <a:rPr lang="pt-BR" dirty="0" smtClean="0"/>
-              <a:t> 6.3</a:t>
+              <a:t> 6.2</a:t>
             </a:r>
             <a:endParaRPr lang="pt-BR" dirty="0"/>
           </a:p>
@@ -7063,7 +7987,7 @@
     </p:spTree>
     <p:extLst>
       <p:ext uri="{BB962C8B-B14F-4D97-AF65-F5344CB8AC3E}">
-        <p14:creationId xmlns:p14="http://schemas.microsoft.com/office/powerpoint/2010/main" val="4268053431"/>
+        <p14:creationId xmlns:p14="http://schemas.microsoft.com/office/powerpoint/2010/main" val="3849763999"/>
       </p:ext>
     </p:extLst>
   </p:cSld>
@@ -7113,9 +8037,10 @@
           <a:lstStyle/>
           <a:p>
             <a:r>
-              <a:rPr lang="pt-BR" dirty="0"/>
-              <a:t>Tipos de Retornos Válidos</a:t>
-            </a:r>
+              <a:rPr lang="pt-BR" dirty="0" err="1"/>
+              <a:t>Static</a:t>
+            </a:r>
+            <a:endParaRPr lang="pt-BR" dirty="0"/>
           </a:p>
         </p:txBody>
       </p:sp>
@@ -7136,39 +8061,15 @@
           <a:p>
             <a:r>
               <a:rPr lang="pt-BR" dirty="0" smtClean="0"/>
-              <a:t>Declarações de Tipos de Retorno</a:t>
+              <a:t>Métodos e Variáveis Estáticas</a:t>
             </a:r>
           </a:p>
           <a:p>
             <a:pPr lvl="1"/>
             <a:r>
               <a:rPr lang="pt-BR" dirty="0" smtClean="0"/>
-              <a:t>Tipos de retorno para métodos sobrecarregados</a:t>
-            </a:r>
-          </a:p>
-          <a:p>
-            <a:pPr lvl="1"/>
-            <a:r>
-              <a:rPr lang="pt-BR" dirty="0" err="1" smtClean="0"/>
-              <a:t>Sobrecrição</a:t>
-            </a:r>
-            <a:r>
-              <a:rPr lang="pt-BR" dirty="0" smtClean="0"/>
-              <a:t> e Tipos de Retorno e retornos </a:t>
-            </a:r>
-            <a:r>
-              <a:rPr lang="pt-BR" dirty="0" err="1" smtClean="0"/>
-              <a:t>Covariant</a:t>
-            </a:r>
-            <a:endParaRPr lang="pt-BR" dirty="0" smtClean="0"/>
-          </a:p>
-          <a:p>
-            <a:r>
-              <a:rPr lang="pt-BR" dirty="0" smtClean="0"/>
-              <a:t>Retornando um Valor</a:t>
-            </a:r>
-          </a:p>
-          <a:p>
+              <a:t>Acessando Métodos Estáticos e Variáveis</a:t>
+            </a:r>
             <a:endParaRPr lang="pt-BR" dirty="0"/>
           </a:p>
         </p:txBody>
@@ -7230,7 +8131,7 @@
     </p:spTree>
     <p:extLst>
       <p:ext uri="{BB962C8B-B14F-4D97-AF65-F5344CB8AC3E}">
-        <p14:creationId xmlns:p14="http://schemas.microsoft.com/office/powerpoint/2010/main" val="4095978862"/>
+        <p14:creationId xmlns:p14="http://schemas.microsoft.com/office/powerpoint/2010/main" val="2152137158"/>
       </p:ext>
     </p:extLst>
   </p:cSld>
@@ -7259,74 +8160,58 @@
       </p:grpSpPr>
       <p:sp>
         <p:nvSpPr>
-          <p:cNvPr id="2" name="Título 1"/>
+          <p:cNvPr id="3" name="Espaço Reservado para Conteúdo 2"/>
           <p:cNvSpPr>
             <a:spLocks noGrp="1"/>
           </p:cNvSpPr>
           <p:nvPr>
-            <p:ph type="ctrTitle"/>
-          </p:nvPr>
-        </p:nvSpPr>
-        <p:spPr/>
+            <p:ph idx="1"/>
+          </p:nvPr>
+        </p:nvSpPr>
+        <p:spPr>
+          <a:xfrm>
+            <a:off x="628650" y="2113658"/>
+            <a:ext cx="7886700" cy="3907630"/>
+          </a:xfrm>
+        </p:spPr>
         <p:txBody>
           <a:bodyPr/>
           <a:lstStyle/>
           <a:p>
-            <a:r>
-              <a:rPr lang="pt-BR" dirty="0" smtClean="0"/>
-              <a:t>Construtores e Instanciação</a:t>
-            </a:r>
-            <a:endParaRPr lang="pt-BR" dirty="0"/>
-          </a:p>
-        </p:txBody>
-      </p:sp>
-      <p:sp>
-        <p:nvSpPr>
-          <p:cNvPr id="3" name="Subtítulo 2"/>
+            <a:pPr marL="0" indent="0" algn="r">
+              <a:buNone/>
+            </a:pPr>
+            <a:endParaRPr lang="pt-BR" sz="6600" dirty="0" smtClean="0"/>
+          </a:p>
+          <a:p>
+            <a:pPr marL="0" indent="0" algn="r">
+              <a:buNone/>
+            </a:pPr>
+            <a:r>
+              <a:rPr lang="pt-BR" sz="6600" dirty="0" smtClean="0"/>
+              <a:t>Alguns exercícios </a:t>
+            </a:r>
+          </a:p>
+          <a:p>
+            <a:pPr marL="0" indent="0" algn="r">
+              <a:buNone/>
+            </a:pPr>
+            <a:r>
+              <a:rPr lang="pt-BR" sz="6600" dirty="0" smtClean="0"/>
+              <a:t>para fixação...</a:t>
+            </a:r>
+            <a:endParaRPr lang="pt-BR" sz="6600" dirty="0"/>
+          </a:p>
+        </p:txBody>
+      </p:sp>
+      <p:sp>
+        <p:nvSpPr>
+          <p:cNvPr id="7" name="Espaço Reservado para Rodapé 3"/>
           <p:cNvSpPr>
             <a:spLocks noGrp="1"/>
           </p:cNvSpPr>
           <p:nvPr>
-            <p:ph type="subTitle" idx="1"/>
-          </p:nvPr>
-        </p:nvSpPr>
-        <p:spPr/>
-        <p:txBody>
-          <a:bodyPr/>
-          <a:lstStyle/>
-          <a:p>
-            <a:r>
-              <a:rPr lang="pt-BR" dirty="0" smtClean="0"/>
-              <a:t>OCA </a:t>
-            </a:r>
-            <a:r>
-              <a:rPr lang="pt-BR" dirty="0" err="1" smtClean="0"/>
-              <a:t>Objectives</a:t>
-            </a:r>
-            <a:r>
-              <a:rPr lang="pt-BR" dirty="0" smtClean="0"/>
-              <a:t> 6.4, 6.5 </a:t>
-            </a:r>
-            <a:r>
-              <a:rPr lang="pt-BR" dirty="0" err="1" smtClean="0"/>
-              <a:t>and</a:t>
-            </a:r>
-            <a:r>
-              <a:rPr lang="pt-BR" dirty="0" smtClean="0"/>
-              <a:t> 7.5</a:t>
-            </a:r>
-            <a:endParaRPr lang="pt-BR" dirty="0"/>
-          </a:p>
-        </p:txBody>
-      </p:sp>
-      <p:sp>
-        <p:nvSpPr>
-          <p:cNvPr id="5" name="Espaço Reservado para Rodapé 3"/>
-          <p:cNvSpPr>
-            <a:spLocks noGrp="1"/>
-          </p:cNvSpPr>
-          <p:nvPr>
-            <p:ph type="ftr" sz="quarter" idx="4294967295"/>
+            <p:ph type="ftr" sz="quarter" idx="13"/>
           </p:nvPr>
         </p:nvSpPr>
         <p:spPr>
@@ -7376,7 +8261,7 @@
     </p:spTree>
     <p:extLst>
       <p:ext uri="{BB962C8B-B14F-4D97-AF65-F5344CB8AC3E}">
-        <p14:creationId xmlns:p14="http://schemas.microsoft.com/office/powerpoint/2010/main" val="2974867849"/>
+        <p14:creationId xmlns:p14="http://schemas.microsoft.com/office/powerpoint/2010/main" val="1738440935"/>
       </p:ext>
     </p:extLst>
   </p:cSld>
@@ -7412,12 +8297,45 @@
       </p:grpSpPr>
       <p:sp>
         <p:nvSpPr>
-          <p:cNvPr id="5" name="Título 4"/>
+          <p:cNvPr id="2" name="Título 1"/>
           <p:cNvSpPr>
             <a:spLocks noGrp="1"/>
           </p:cNvSpPr>
           <p:nvPr>
-            <p:ph type="title"/>
+            <p:ph type="ctrTitle"/>
+          </p:nvPr>
+        </p:nvSpPr>
+        <p:spPr/>
+        <p:txBody>
+          <a:bodyPr>
+            <a:normAutofit/>
+          </a:bodyPr>
+          <a:lstStyle/>
+          <a:p>
+            <a:r>
+              <a:rPr lang="pt-BR" sz="3800" dirty="0" smtClean="0"/>
+              <a:t>Literais, </a:t>
+            </a:r>
+            <a:r>
+              <a:rPr lang="pt-BR" sz="3800" dirty="0" err="1" smtClean="0"/>
+              <a:t>Assignments</a:t>
+            </a:r>
+            <a:r>
+              <a:rPr lang="pt-BR" sz="3800" dirty="0" smtClean="0"/>
+              <a:t> e Variáveis</a:t>
+            </a:r>
+            <a:endParaRPr lang="pt-BR" sz="3800" dirty="0"/>
+          </a:p>
+        </p:txBody>
+      </p:sp>
+      <p:sp>
+        <p:nvSpPr>
+          <p:cNvPr id="3" name="Subtítulo 2"/>
+          <p:cNvSpPr>
+            <a:spLocks noGrp="1"/>
+          </p:cNvSpPr>
+          <p:nvPr>
+            <p:ph type="subTitle" idx="1"/>
           </p:nvPr>
         </p:nvSpPr>
         <p:spPr/>
@@ -7426,90 +8344,24 @@
           <a:lstStyle/>
           <a:p>
             <a:r>
-              <a:rPr lang="pt-BR" dirty="0"/>
-              <a:t>Construtores e Instanciação</a:t>
-            </a:r>
-          </a:p>
-        </p:txBody>
-      </p:sp>
-      <p:sp>
-        <p:nvSpPr>
-          <p:cNvPr id="6" name="Espaço Reservado para Conteúdo 5"/>
-          <p:cNvSpPr>
-            <a:spLocks noGrp="1"/>
-          </p:cNvSpPr>
-          <p:nvPr>
-            <p:ph idx="1"/>
-          </p:nvPr>
-        </p:nvSpPr>
-        <p:spPr/>
-        <p:txBody>
-          <a:bodyPr/>
-          <a:lstStyle/>
-          <a:p>
-            <a:pPr algn="just"/>
-            <a:r>
-              <a:rPr lang="pt-BR" dirty="0" smtClean="0"/>
-              <a:t>Conceitos</a:t>
-            </a:r>
-          </a:p>
-          <a:p>
-            <a:pPr lvl="1" algn="just"/>
+              <a:rPr lang="pt-BR" dirty="0" smtClean="0"/>
+              <a:t>OCA </a:t>
+            </a:r>
             <a:r>
               <a:rPr lang="pt-BR" dirty="0" err="1" smtClean="0"/>
-              <a:t>Chaining</a:t>
-            </a:r>
-            <a:r>
-              <a:rPr lang="pt-BR" dirty="0" smtClean="0"/>
-              <a:t> de </a:t>
+              <a:t>Objectives</a:t>
+            </a:r>
+            <a:r>
+              <a:rPr lang="pt-BR" dirty="0" smtClean="0"/>
+              <a:t> 2.1, 2.2, 2.3 </a:t>
             </a:r>
             <a:r>
               <a:rPr lang="pt-BR" dirty="0" err="1" smtClean="0"/>
-              <a:t>Contrutores</a:t>
-            </a:r>
-            <a:endParaRPr lang="pt-BR" dirty="0" smtClean="0"/>
-          </a:p>
-          <a:p>
-            <a:pPr lvl="1" algn="just"/>
-            <a:r>
-              <a:rPr lang="pt-BR" dirty="0" smtClean="0"/>
-              <a:t>Regras para Construtores</a:t>
-            </a:r>
-          </a:p>
-          <a:p>
-            <a:pPr algn="just"/>
-            <a:r>
-              <a:rPr lang="pt-BR" dirty="0" smtClean="0"/>
-              <a:t>Determinando quando um construtor padrão será criado</a:t>
-            </a:r>
-          </a:p>
-          <a:p>
-            <a:pPr lvl="1" algn="just"/>
-            <a:r>
-              <a:rPr lang="pt-BR" dirty="0" smtClean="0"/>
-              <a:t>O que acontece se o construtor da </a:t>
-            </a:r>
-            <a:r>
-              <a:rPr lang="pt-BR" dirty="0" err="1" smtClean="0"/>
-              <a:t>superclass</a:t>
-            </a:r>
-            <a:r>
-              <a:rPr lang="pt-BR" dirty="0" smtClean="0"/>
-              <a:t> tem argumentos?</a:t>
-            </a:r>
-          </a:p>
-          <a:p>
-            <a:pPr algn="just"/>
-            <a:r>
-              <a:rPr lang="pt-BR" dirty="0" smtClean="0"/>
-              <a:t>Sobrecarga de Construtores</a:t>
-            </a:r>
-          </a:p>
-          <a:p>
-            <a:pPr algn="just"/>
-            <a:r>
-              <a:rPr lang="pt-BR" dirty="0" smtClean="0"/>
-              <a:t>Blocos de Inicialização</a:t>
+              <a:t>and</a:t>
+            </a:r>
+            <a:r>
+              <a:rPr lang="pt-BR" dirty="0" smtClean="0"/>
+              <a:t> 1.2 upgrade</a:t>
             </a:r>
             <a:endParaRPr lang="pt-BR" dirty="0"/>
           </a:p>
@@ -7517,13 +8369,11 @@
       </p:sp>
       <p:sp>
         <p:nvSpPr>
-          <p:cNvPr id="7" name="Espaço Reservado para Rodapé 3"/>
-          <p:cNvSpPr>
-            <a:spLocks noGrp="1"/>
-          </p:cNvSpPr>
-          <p:nvPr>
-            <p:ph type="ftr" sz="quarter" idx="4294967295"/>
-          </p:nvPr>
+          <p:cNvPr id="5" name="Espaço Reservado para Rodapé 3"/>
+          <p:cNvSpPr txBox="1">
+            <a:spLocks/>
+          </p:cNvSpPr>
+          <p:nvPr/>
         </p:nvSpPr>
         <p:spPr>
           <a:xfrm>
@@ -7536,7 +8386,101 @@
         </p:spPr>
         <p:txBody>
           <a:bodyPr/>
-          <a:lstStyle/>
+          <a:lstStyle>
+            <a:defPPr>
+              <a:defRPr lang="pt-BR"/>
+            </a:defPPr>
+            <a:lvl1pPr marL="0" algn="l" defTabSz="914400" rtl="0" eaLnBrk="1" latinLnBrk="0" hangingPunct="1">
+              <a:defRPr sz="1800" kern="1200">
+                <a:solidFill>
+                  <a:schemeClr val="tx1"/>
+                </a:solidFill>
+                <a:latin typeface="+mn-lt"/>
+                <a:ea typeface="+mn-ea"/>
+                <a:cs typeface="+mn-cs"/>
+              </a:defRPr>
+            </a:lvl1pPr>
+            <a:lvl2pPr marL="457200" algn="l" defTabSz="914400" rtl="0" eaLnBrk="1" latinLnBrk="0" hangingPunct="1">
+              <a:defRPr sz="1800" kern="1200">
+                <a:solidFill>
+                  <a:schemeClr val="tx1"/>
+                </a:solidFill>
+                <a:latin typeface="+mn-lt"/>
+                <a:ea typeface="+mn-ea"/>
+                <a:cs typeface="+mn-cs"/>
+              </a:defRPr>
+            </a:lvl2pPr>
+            <a:lvl3pPr marL="914400" algn="l" defTabSz="914400" rtl="0" eaLnBrk="1" latinLnBrk="0" hangingPunct="1">
+              <a:defRPr sz="1800" kern="1200">
+                <a:solidFill>
+                  <a:schemeClr val="tx1"/>
+                </a:solidFill>
+                <a:latin typeface="+mn-lt"/>
+                <a:ea typeface="+mn-ea"/>
+                <a:cs typeface="+mn-cs"/>
+              </a:defRPr>
+            </a:lvl3pPr>
+            <a:lvl4pPr marL="1371600" algn="l" defTabSz="914400" rtl="0" eaLnBrk="1" latinLnBrk="0" hangingPunct="1">
+              <a:defRPr sz="1800" kern="1200">
+                <a:solidFill>
+                  <a:schemeClr val="tx1"/>
+                </a:solidFill>
+                <a:latin typeface="+mn-lt"/>
+                <a:ea typeface="+mn-ea"/>
+                <a:cs typeface="+mn-cs"/>
+              </a:defRPr>
+            </a:lvl4pPr>
+            <a:lvl5pPr marL="1828800" algn="l" defTabSz="914400" rtl="0" eaLnBrk="1" latinLnBrk="0" hangingPunct="1">
+              <a:defRPr sz="1800" kern="1200">
+                <a:solidFill>
+                  <a:schemeClr val="tx1"/>
+                </a:solidFill>
+                <a:latin typeface="+mn-lt"/>
+                <a:ea typeface="+mn-ea"/>
+                <a:cs typeface="+mn-cs"/>
+              </a:defRPr>
+            </a:lvl5pPr>
+            <a:lvl6pPr marL="2286000" algn="l" defTabSz="914400" rtl="0" eaLnBrk="1" latinLnBrk="0" hangingPunct="1">
+              <a:defRPr sz="1800" kern="1200">
+                <a:solidFill>
+                  <a:schemeClr val="tx1"/>
+                </a:solidFill>
+                <a:latin typeface="+mn-lt"/>
+                <a:ea typeface="+mn-ea"/>
+                <a:cs typeface="+mn-cs"/>
+              </a:defRPr>
+            </a:lvl6pPr>
+            <a:lvl7pPr marL="2743200" algn="l" defTabSz="914400" rtl="0" eaLnBrk="1" latinLnBrk="0" hangingPunct="1">
+              <a:defRPr sz="1800" kern="1200">
+                <a:solidFill>
+                  <a:schemeClr val="tx1"/>
+                </a:solidFill>
+                <a:latin typeface="+mn-lt"/>
+                <a:ea typeface="+mn-ea"/>
+                <a:cs typeface="+mn-cs"/>
+              </a:defRPr>
+            </a:lvl7pPr>
+            <a:lvl8pPr marL="3200400" algn="l" defTabSz="914400" rtl="0" eaLnBrk="1" latinLnBrk="0" hangingPunct="1">
+              <a:defRPr sz="1800" kern="1200">
+                <a:solidFill>
+                  <a:schemeClr val="tx1"/>
+                </a:solidFill>
+                <a:latin typeface="+mn-lt"/>
+                <a:ea typeface="+mn-ea"/>
+                <a:cs typeface="+mn-cs"/>
+              </a:defRPr>
+            </a:lvl8pPr>
+            <a:lvl9pPr marL="3657600" algn="l" defTabSz="914400" rtl="0" eaLnBrk="1" latinLnBrk="0" hangingPunct="1">
+              <a:defRPr sz="1800" kern="1200">
+                <a:solidFill>
+                  <a:schemeClr val="tx1"/>
+                </a:solidFill>
+                <a:latin typeface="+mn-lt"/>
+                <a:ea typeface="+mn-ea"/>
+                <a:cs typeface="+mn-cs"/>
+              </a:defRPr>
+            </a:lvl9pPr>
+          </a:lstStyle>
           <a:p>
             <a:pPr algn="ctr">
               <a:defRPr sz="1200">
@@ -7549,36 +8493,64 @@
               </a:defRPr>
             </a:pPr>
             <a:r>
-              <a:rPr lang="pt-BR" dirty="0" smtClean="0"/>
-              <a:t>Orientação a Objeto</a:t>
-            </a:r>
-            <a:endParaRPr lang="pt-BR" dirty="0"/>
-          </a:p>
-          <a:p>
-            <a:pPr algn="ctr">
-              <a:defRPr sz="1200">
+              <a:rPr lang="pt-BR" sz="1200" dirty="0" err="1" smtClean="0">
                 <a:solidFill>
                   <a:srgbClr val="8C8C8C"/>
                 </a:solidFill>
                 <a:latin typeface="Tw Cen MT" charset="0"/>
                 <a:ea typeface="Calibri" charset="0"/>
                 <a:cs typeface="Calibri" charset="0"/>
+              </a:rPr>
+              <a:t>Assignments</a:t>
+            </a:r>
+            <a:endParaRPr lang="pt-BR" sz="1200" dirty="0" smtClean="0">
+              <a:solidFill>
+                <a:srgbClr val="8C8C8C"/>
+              </a:solidFill>
+              <a:latin typeface="Tw Cen MT" charset="0"/>
+              <a:ea typeface="Calibri" charset="0"/>
+              <a:cs typeface="Calibri" charset="0"/>
+            </a:endParaRPr>
+          </a:p>
+          <a:p>
+            <a:pPr algn="ctr">
+              <a:defRPr sz="1200">
+                <a:solidFill>
+                  <a:srgbClr val="8C8C8C"/>
+                </a:solidFill>
+                <a:latin typeface="Tw Cen MT" charset="0"/>
+                <a:ea typeface="Calibri" charset="0"/>
+                <a:cs typeface="Calibri" charset="0"/>
               </a:defRPr>
             </a:pPr>
-            <a:endParaRPr lang="pt-BR" dirty="0"/>
+            <a:endParaRPr lang="pt-BR" sz="1200" dirty="0">
+              <a:solidFill>
+                <a:srgbClr val="8C8C8C"/>
+              </a:solidFill>
+              <a:latin typeface="Tw Cen MT" charset="0"/>
+              <a:ea typeface="Calibri" charset="0"/>
+              <a:cs typeface="Calibri" charset="0"/>
+            </a:endParaRPr>
           </a:p>
         </p:txBody>
       </p:sp>
     </p:spTree>
     <p:extLst>
       <p:ext uri="{BB962C8B-B14F-4D97-AF65-F5344CB8AC3E}">
-        <p14:creationId xmlns:p14="http://schemas.microsoft.com/office/powerpoint/2010/main" val="1444076413"/>
+        <p14:creationId xmlns:p14="http://schemas.microsoft.com/office/powerpoint/2010/main" val="3169057604"/>
       </p:ext>
     </p:extLst>
   </p:cSld>
   <p:clrMapOvr>
     <a:masterClrMapping/>
   </p:clrMapOvr>
+  <p:timing>
+    <p:tnLst>
+      <p:par>
+        <p:cTn id="1" dur="indefinite" restart="never" nodeType="tmRoot"/>
+      </p:par>
+    </p:tnLst>
+  </p:timing>
 </p:sld>
 </file>
 
@@ -7601,12 +8573,12 @@
       </p:grpSpPr>
       <p:sp>
         <p:nvSpPr>
-          <p:cNvPr id="2" name="Título 1"/>
+          <p:cNvPr id="5" name="Título 4"/>
           <p:cNvSpPr>
             <a:spLocks noGrp="1"/>
           </p:cNvSpPr>
           <p:nvPr>
-            <p:ph type="ctrTitle"/>
+            <p:ph type="title"/>
           </p:nvPr>
         </p:nvSpPr>
         <p:spPr/>
@@ -7615,21 +8587,28 @@
           <a:lstStyle/>
           <a:p>
             <a:r>
-              <a:rPr lang="pt-BR" dirty="0" err="1" smtClean="0"/>
-              <a:t>Static</a:t>
-            </a:r>
-            <a:endParaRPr lang="pt-BR" dirty="0"/>
-          </a:p>
-        </p:txBody>
-      </p:sp>
-      <p:sp>
-        <p:nvSpPr>
-          <p:cNvPr id="3" name="Subtítulo 2"/>
+              <a:rPr lang="pt-BR" dirty="0"/>
+              <a:t>Literais, </a:t>
+            </a:r>
+            <a:r>
+              <a:rPr lang="pt-BR" dirty="0" err="1"/>
+              <a:t>Assignments</a:t>
+            </a:r>
+            <a:r>
+              <a:rPr lang="pt-BR" dirty="0"/>
+              <a:t> e Variáveis</a:t>
+            </a:r>
+          </a:p>
+        </p:txBody>
+      </p:sp>
+      <p:sp>
+        <p:nvSpPr>
+          <p:cNvPr id="6" name="Espaço Reservado para Conteúdo 5"/>
           <p:cNvSpPr>
             <a:spLocks noGrp="1"/>
           </p:cNvSpPr>
           <p:nvPr>
-            <p:ph type="subTitle" idx="1"/>
+            <p:ph idx="1"/>
           </p:nvPr>
         </p:nvSpPr>
         <p:spPr/>
@@ -7639,29 +8618,115 @@
           <a:p>
             <a:r>
               <a:rPr lang="pt-BR" dirty="0" smtClean="0"/>
-              <a:t>OCA </a:t>
+              <a:t>Valores Literais para todos os tipos primitivos</a:t>
+            </a:r>
+          </a:p>
+          <a:p>
+            <a:pPr lvl="1"/>
+            <a:r>
+              <a:rPr lang="pt-BR" dirty="0" smtClean="0"/>
+              <a:t>Literal </a:t>
             </a:r>
             <a:r>
               <a:rPr lang="pt-BR" dirty="0" err="1" smtClean="0"/>
-              <a:t>Objectives</a:t>
-            </a:r>
-            <a:r>
-              <a:rPr lang="pt-BR" dirty="0" smtClean="0"/>
-              <a:t> 6.2</a:t>
+              <a:t>Integer</a:t>
             </a:r>
             <a:endParaRPr lang="pt-BR" dirty="0"/>
           </a:p>
-        </p:txBody>
-      </p:sp>
-      <p:sp>
-        <p:nvSpPr>
-          <p:cNvPr id="5" name="Espaço Reservado para Rodapé 3"/>
-          <p:cNvSpPr>
-            <a:spLocks noGrp="1"/>
-          </p:cNvSpPr>
-          <p:nvPr>
-            <p:ph type="ftr" sz="quarter" idx="4294967295"/>
-          </p:nvPr>
+          <a:p>
+            <a:pPr lvl="1"/>
+            <a:r>
+              <a:rPr lang="pt-BR" dirty="0" err="1" smtClean="0"/>
+              <a:t>Underscore</a:t>
+            </a:r>
+            <a:r>
+              <a:rPr lang="pt-BR" dirty="0" smtClean="0"/>
+              <a:t> e numéricos</a:t>
+            </a:r>
+          </a:p>
+          <a:p>
+            <a:pPr lvl="1"/>
+            <a:r>
+              <a:rPr lang="pt-BR" dirty="0" smtClean="0"/>
+              <a:t>Literal Decimal</a:t>
+            </a:r>
+          </a:p>
+          <a:p>
+            <a:pPr lvl="1"/>
+            <a:r>
+              <a:rPr lang="pt-BR" dirty="0" smtClean="0"/>
+              <a:t>Literal binário</a:t>
+            </a:r>
+          </a:p>
+          <a:p>
+            <a:pPr lvl="1"/>
+            <a:r>
+              <a:rPr lang="pt-BR" dirty="0" smtClean="0"/>
+              <a:t>Literal Octal</a:t>
+            </a:r>
+          </a:p>
+          <a:p>
+            <a:pPr lvl="1"/>
+            <a:r>
+              <a:rPr lang="pt-BR" dirty="0" smtClean="0"/>
+              <a:t>Literal Hexadecimal</a:t>
+            </a:r>
+          </a:p>
+          <a:p>
+            <a:pPr lvl="1"/>
+            <a:r>
+              <a:rPr lang="pt-BR" dirty="0" smtClean="0"/>
+              <a:t>Literal Floating-point</a:t>
+            </a:r>
+          </a:p>
+          <a:p>
+            <a:pPr lvl="1"/>
+            <a:r>
+              <a:rPr lang="pt-BR" dirty="0" smtClean="0"/>
+              <a:t>Literal </a:t>
+            </a:r>
+            <a:r>
+              <a:rPr lang="pt-BR" dirty="0" err="1" smtClean="0"/>
+              <a:t>Boolean</a:t>
+            </a:r>
+            <a:endParaRPr lang="pt-BR" dirty="0" smtClean="0"/>
+          </a:p>
+          <a:p>
+            <a:pPr lvl="1"/>
+            <a:r>
+              <a:rPr lang="pt-BR" dirty="0" smtClean="0"/>
+              <a:t>Literal </a:t>
+            </a:r>
+            <a:r>
+              <a:rPr lang="pt-BR" dirty="0" err="1" smtClean="0"/>
+              <a:t>Character</a:t>
+            </a:r>
+            <a:endParaRPr lang="pt-BR" dirty="0" smtClean="0"/>
+          </a:p>
+          <a:p>
+            <a:pPr lvl="1"/>
+            <a:r>
+              <a:rPr lang="pt-BR" dirty="0" smtClean="0"/>
+              <a:t>Literal </a:t>
+            </a:r>
+            <a:r>
+              <a:rPr lang="pt-BR" dirty="0" err="1" smtClean="0"/>
+              <a:t>String</a:t>
+            </a:r>
+            <a:endParaRPr lang="pt-BR" dirty="0" smtClean="0"/>
+          </a:p>
+          <a:p>
+            <a:endParaRPr lang="pt-BR" dirty="0"/>
+          </a:p>
+        </p:txBody>
+      </p:sp>
+      <p:sp>
+        <p:nvSpPr>
+          <p:cNvPr id="7" name="Espaço Reservado para Rodapé 3"/>
+          <p:cNvSpPr txBox="1">
+            <a:spLocks/>
+          </p:cNvSpPr>
+          <p:nvPr/>
         </p:nvSpPr>
         <p:spPr>
           <a:xfrm>
@@ -7674,7 +8739,101 @@
         </p:spPr>
         <p:txBody>
           <a:bodyPr/>
-          <a:lstStyle/>
+          <a:lstStyle>
+            <a:defPPr>
+              <a:defRPr lang="pt-BR"/>
+            </a:defPPr>
+            <a:lvl1pPr marL="0" algn="l" defTabSz="914400" rtl="0" eaLnBrk="1" latinLnBrk="0" hangingPunct="1">
+              <a:defRPr sz="1800" kern="1200">
+                <a:solidFill>
+                  <a:schemeClr val="tx1"/>
+                </a:solidFill>
+                <a:latin typeface="+mn-lt"/>
+                <a:ea typeface="+mn-ea"/>
+                <a:cs typeface="+mn-cs"/>
+              </a:defRPr>
+            </a:lvl1pPr>
+            <a:lvl2pPr marL="457200" algn="l" defTabSz="914400" rtl="0" eaLnBrk="1" latinLnBrk="0" hangingPunct="1">
+              <a:defRPr sz="1800" kern="1200">
+                <a:solidFill>
+                  <a:schemeClr val="tx1"/>
+                </a:solidFill>
+                <a:latin typeface="+mn-lt"/>
+                <a:ea typeface="+mn-ea"/>
+                <a:cs typeface="+mn-cs"/>
+              </a:defRPr>
+            </a:lvl2pPr>
+            <a:lvl3pPr marL="914400" algn="l" defTabSz="914400" rtl="0" eaLnBrk="1" latinLnBrk="0" hangingPunct="1">
+              <a:defRPr sz="1800" kern="1200">
+                <a:solidFill>
+                  <a:schemeClr val="tx1"/>
+                </a:solidFill>
+                <a:latin typeface="+mn-lt"/>
+                <a:ea typeface="+mn-ea"/>
+                <a:cs typeface="+mn-cs"/>
+              </a:defRPr>
+            </a:lvl3pPr>
+            <a:lvl4pPr marL="1371600" algn="l" defTabSz="914400" rtl="0" eaLnBrk="1" latinLnBrk="0" hangingPunct="1">
+              <a:defRPr sz="1800" kern="1200">
+                <a:solidFill>
+                  <a:schemeClr val="tx1"/>
+                </a:solidFill>
+                <a:latin typeface="+mn-lt"/>
+                <a:ea typeface="+mn-ea"/>
+                <a:cs typeface="+mn-cs"/>
+              </a:defRPr>
+            </a:lvl4pPr>
+            <a:lvl5pPr marL="1828800" algn="l" defTabSz="914400" rtl="0" eaLnBrk="1" latinLnBrk="0" hangingPunct="1">
+              <a:defRPr sz="1800" kern="1200">
+                <a:solidFill>
+                  <a:schemeClr val="tx1"/>
+                </a:solidFill>
+                <a:latin typeface="+mn-lt"/>
+                <a:ea typeface="+mn-ea"/>
+                <a:cs typeface="+mn-cs"/>
+              </a:defRPr>
+            </a:lvl5pPr>
+            <a:lvl6pPr marL="2286000" algn="l" defTabSz="914400" rtl="0" eaLnBrk="1" latinLnBrk="0" hangingPunct="1">
+              <a:defRPr sz="1800" kern="1200">
+                <a:solidFill>
+                  <a:schemeClr val="tx1"/>
+                </a:solidFill>
+                <a:latin typeface="+mn-lt"/>
+                <a:ea typeface="+mn-ea"/>
+                <a:cs typeface="+mn-cs"/>
+              </a:defRPr>
+            </a:lvl6pPr>
+            <a:lvl7pPr marL="2743200" algn="l" defTabSz="914400" rtl="0" eaLnBrk="1" latinLnBrk="0" hangingPunct="1">
+              <a:defRPr sz="1800" kern="1200">
+                <a:solidFill>
+                  <a:schemeClr val="tx1"/>
+                </a:solidFill>
+                <a:latin typeface="+mn-lt"/>
+                <a:ea typeface="+mn-ea"/>
+                <a:cs typeface="+mn-cs"/>
+              </a:defRPr>
+            </a:lvl7pPr>
+            <a:lvl8pPr marL="3200400" algn="l" defTabSz="914400" rtl="0" eaLnBrk="1" latinLnBrk="0" hangingPunct="1">
+              <a:defRPr sz="1800" kern="1200">
+                <a:solidFill>
+                  <a:schemeClr val="tx1"/>
+                </a:solidFill>
+                <a:latin typeface="+mn-lt"/>
+                <a:ea typeface="+mn-ea"/>
+                <a:cs typeface="+mn-cs"/>
+              </a:defRPr>
+            </a:lvl8pPr>
+            <a:lvl9pPr marL="3657600" algn="l" defTabSz="914400" rtl="0" eaLnBrk="1" latinLnBrk="0" hangingPunct="1">
+              <a:defRPr sz="1800" kern="1200">
+                <a:solidFill>
+                  <a:schemeClr val="tx1"/>
+                </a:solidFill>
+                <a:latin typeface="+mn-lt"/>
+                <a:ea typeface="+mn-ea"/>
+                <a:cs typeface="+mn-cs"/>
+              </a:defRPr>
+            </a:lvl9pPr>
+          </a:lstStyle>
           <a:p>
             <a:pPr algn="ctr">
               <a:defRPr sz="1200">
@@ -7687,43 +8846,57 @@
               </a:defRPr>
             </a:pPr>
             <a:r>
-              <a:rPr lang="pt-BR" dirty="0" smtClean="0"/>
-              <a:t>Orientação a Objeto</a:t>
-            </a:r>
-            <a:endParaRPr lang="pt-BR" dirty="0"/>
-          </a:p>
-          <a:p>
-            <a:pPr algn="ctr">
-              <a:defRPr sz="1200">
+              <a:rPr lang="pt-BR" sz="1200" dirty="0" err="1" smtClean="0">
                 <a:solidFill>
                   <a:srgbClr val="8C8C8C"/>
                 </a:solidFill>
                 <a:latin typeface="Tw Cen MT" charset="0"/>
                 <a:ea typeface="Calibri" charset="0"/>
                 <a:cs typeface="Calibri" charset="0"/>
+              </a:rPr>
+              <a:t>Assignments</a:t>
+            </a:r>
+            <a:endParaRPr lang="pt-BR" sz="1200" dirty="0" smtClean="0">
+              <a:solidFill>
+                <a:srgbClr val="8C8C8C"/>
+              </a:solidFill>
+              <a:latin typeface="Tw Cen MT" charset="0"/>
+              <a:ea typeface="Calibri" charset="0"/>
+              <a:cs typeface="Calibri" charset="0"/>
+            </a:endParaRPr>
+          </a:p>
+          <a:p>
+            <a:pPr algn="ctr">
+              <a:defRPr sz="1200">
+                <a:solidFill>
+                  <a:srgbClr val="8C8C8C"/>
+                </a:solidFill>
+                <a:latin typeface="Tw Cen MT" charset="0"/>
+                <a:ea typeface="Calibri" charset="0"/>
+                <a:cs typeface="Calibri" charset="0"/>
               </a:defRPr>
             </a:pPr>
-            <a:endParaRPr lang="pt-BR" dirty="0"/>
+            <a:endParaRPr lang="pt-BR" sz="1200" dirty="0">
+              <a:solidFill>
+                <a:srgbClr val="8C8C8C"/>
+              </a:solidFill>
+              <a:latin typeface="Tw Cen MT" charset="0"/>
+              <a:ea typeface="Calibri" charset="0"/>
+              <a:cs typeface="Calibri" charset="0"/>
+            </a:endParaRPr>
           </a:p>
         </p:txBody>
       </p:sp>
     </p:spTree>
     <p:extLst>
       <p:ext uri="{BB962C8B-B14F-4D97-AF65-F5344CB8AC3E}">
-        <p14:creationId xmlns:p14="http://schemas.microsoft.com/office/powerpoint/2010/main" val="3849763999"/>
+        <p14:creationId xmlns:p14="http://schemas.microsoft.com/office/powerpoint/2010/main" val="1719721570"/>
       </p:ext>
     </p:extLst>
   </p:cSld>
   <p:clrMapOvr>
     <a:masterClrMapping/>
   </p:clrMapOvr>
-  <p:timing>
-    <p:tnLst>
-      <p:par>
-        <p:cTn id="1" dur="indefinite" restart="never" nodeType="tmRoot"/>
-      </p:par>
-    </p:tnLst>
-  </p:timing>
 </p:sld>
 </file>
 
@@ -7746,7 +8919,7 @@
       </p:grpSpPr>
       <p:sp>
         <p:nvSpPr>
-          <p:cNvPr id="5" name="Título 4"/>
+          <p:cNvPr id="2" name="Título 1"/>
           <p:cNvSpPr>
             <a:spLocks noGrp="1"/>
           </p:cNvSpPr>
@@ -7760,16 +8933,23 @@
           <a:lstStyle/>
           <a:p>
             <a:r>
+              <a:rPr lang="pt-BR" dirty="0"/>
+              <a:t>Literais, </a:t>
+            </a:r>
+            <a:r>
               <a:rPr lang="pt-BR" dirty="0" err="1"/>
-              <a:t>Static</a:t>
-            </a:r>
-            <a:endParaRPr lang="pt-BR" dirty="0"/>
-          </a:p>
-        </p:txBody>
-      </p:sp>
-      <p:sp>
-        <p:nvSpPr>
-          <p:cNvPr id="6" name="Espaço Reservado para Conteúdo 5"/>
+              <a:t>Assignments</a:t>
+            </a:r>
+            <a:r>
+              <a:rPr lang="pt-BR" dirty="0"/>
+              <a:t> e Variáveis</a:t>
+            </a:r>
+          </a:p>
+        </p:txBody>
+      </p:sp>
+      <p:sp>
+        <p:nvSpPr>
+          <p:cNvPr id="3" name="Espaço Reservado para Conteúdo 2"/>
           <p:cNvSpPr>
             <a:spLocks noGrp="1"/>
           </p:cNvSpPr>
@@ -7783,29 +8963,64 @@
           <a:lstStyle/>
           <a:p>
             <a:r>
-              <a:rPr lang="pt-BR" dirty="0" smtClean="0"/>
-              <a:t>Métodos e Variáveis Estáticas</a:t>
+              <a:rPr lang="pt-BR" smtClean="0"/>
+              <a:t>Operadores de Atribuição</a:t>
             </a:r>
           </a:p>
           <a:p>
             <a:pPr lvl="1"/>
             <a:r>
-              <a:rPr lang="pt-BR" dirty="0" smtClean="0"/>
-              <a:t>Acessando Métodos Estáticos e Variáveis</a:t>
-            </a:r>
+              <a:rPr lang="pt-BR" smtClean="0"/>
+              <a:t>Atribuição de primitivos</a:t>
+            </a:r>
+          </a:p>
+          <a:p>
+            <a:pPr lvl="1"/>
+            <a:r>
+              <a:rPr lang="pt-BR" smtClean="0"/>
+              <a:t>Casting em primitivos</a:t>
+            </a:r>
+          </a:p>
+          <a:p>
+            <a:pPr lvl="1"/>
+            <a:r>
+              <a:rPr lang="pt-BR" smtClean="0"/>
+              <a:t>Atribuindo números floating-point</a:t>
+            </a:r>
+          </a:p>
+          <a:p>
+            <a:pPr lvl="1"/>
+            <a:r>
+              <a:rPr lang="pt-BR" smtClean="0"/>
+              <a:t>Assinalando um literal que tem valor acima para a variável declarada</a:t>
+            </a:r>
+          </a:p>
+          <a:p>
+            <a:pPr lvl="1"/>
+            <a:r>
+              <a:rPr lang="pt-BR" smtClean="0"/>
+              <a:t>Assinalando uma variável primitiva para outra variável primitiva</a:t>
+            </a:r>
+          </a:p>
+          <a:p>
+            <a:pPr lvl="1"/>
+            <a:r>
+              <a:rPr lang="pt-BR" smtClean="0"/>
+              <a:t>Atribuição de variáveis de Referência</a:t>
+            </a:r>
+          </a:p>
+          <a:p>
             <a:endParaRPr lang="pt-BR" dirty="0"/>
           </a:p>
         </p:txBody>
       </p:sp>
       <p:sp>
         <p:nvSpPr>
-          <p:cNvPr id="7" name="Espaço Reservado para Rodapé 3"/>
-          <p:cNvSpPr>
-            <a:spLocks noGrp="1"/>
-          </p:cNvSpPr>
-          <p:nvPr>
-            <p:ph type="ftr" sz="quarter" idx="4294967295"/>
-          </p:nvPr>
+          <p:cNvPr id="6" name="Espaço Reservado para Rodapé 3"/>
+          <p:cNvSpPr txBox="1">
+            <a:spLocks/>
+          </p:cNvSpPr>
+          <p:nvPr/>
         </p:nvSpPr>
         <p:spPr>
           <a:xfrm>
@@ -7818,7 +9033,101 @@
         </p:spPr>
         <p:txBody>
           <a:bodyPr/>
-          <a:lstStyle/>
+          <a:lstStyle>
+            <a:defPPr>
+              <a:defRPr lang="pt-BR"/>
+            </a:defPPr>
+            <a:lvl1pPr marL="0" algn="l" defTabSz="914400" rtl="0" eaLnBrk="1" latinLnBrk="0" hangingPunct="1">
+              <a:defRPr sz="1800" kern="1200">
+                <a:solidFill>
+                  <a:schemeClr val="tx1"/>
+                </a:solidFill>
+                <a:latin typeface="+mn-lt"/>
+                <a:ea typeface="+mn-ea"/>
+                <a:cs typeface="+mn-cs"/>
+              </a:defRPr>
+            </a:lvl1pPr>
+            <a:lvl2pPr marL="457200" algn="l" defTabSz="914400" rtl="0" eaLnBrk="1" latinLnBrk="0" hangingPunct="1">
+              <a:defRPr sz="1800" kern="1200">
+                <a:solidFill>
+                  <a:schemeClr val="tx1"/>
+                </a:solidFill>
+                <a:latin typeface="+mn-lt"/>
+                <a:ea typeface="+mn-ea"/>
+                <a:cs typeface="+mn-cs"/>
+              </a:defRPr>
+            </a:lvl2pPr>
+            <a:lvl3pPr marL="914400" algn="l" defTabSz="914400" rtl="0" eaLnBrk="1" latinLnBrk="0" hangingPunct="1">
+              <a:defRPr sz="1800" kern="1200">
+                <a:solidFill>
+                  <a:schemeClr val="tx1"/>
+                </a:solidFill>
+                <a:latin typeface="+mn-lt"/>
+                <a:ea typeface="+mn-ea"/>
+                <a:cs typeface="+mn-cs"/>
+              </a:defRPr>
+            </a:lvl3pPr>
+            <a:lvl4pPr marL="1371600" algn="l" defTabSz="914400" rtl="0" eaLnBrk="1" latinLnBrk="0" hangingPunct="1">
+              <a:defRPr sz="1800" kern="1200">
+                <a:solidFill>
+                  <a:schemeClr val="tx1"/>
+                </a:solidFill>
+                <a:latin typeface="+mn-lt"/>
+                <a:ea typeface="+mn-ea"/>
+                <a:cs typeface="+mn-cs"/>
+              </a:defRPr>
+            </a:lvl4pPr>
+            <a:lvl5pPr marL="1828800" algn="l" defTabSz="914400" rtl="0" eaLnBrk="1" latinLnBrk="0" hangingPunct="1">
+              <a:defRPr sz="1800" kern="1200">
+                <a:solidFill>
+                  <a:schemeClr val="tx1"/>
+                </a:solidFill>
+                <a:latin typeface="+mn-lt"/>
+                <a:ea typeface="+mn-ea"/>
+                <a:cs typeface="+mn-cs"/>
+              </a:defRPr>
+            </a:lvl5pPr>
+            <a:lvl6pPr marL="2286000" algn="l" defTabSz="914400" rtl="0" eaLnBrk="1" latinLnBrk="0" hangingPunct="1">
+              <a:defRPr sz="1800" kern="1200">
+                <a:solidFill>
+                  <a:schemeClr val="tx1"/>
+                </a:solidFill>
+                <a:latin typeface="+mn-lt"/>
+                <a:ea typeface="+mn-ea"/>
+                <a:cs typeface="+mn-cs"/>
+              </a:defRPr>
+            </a:lvl6pPr>
+            <a:lvl7pPr marL="2743200" algn="l" defTabSz="914400" rtl="0" eaLnBrk="1" latinLnBrk="0" hangingPunct="1">
+              <a:defRPr sz="1800" kern="1200">
+                <a:solidFill>
+                  <a:schemeClr val="tx1"/>
+                </a:solidFill>
+                <a:latin typeface="+mn-lt"/>
+                <a:ea typeface="+mn-ea"/>
+                <a:cs typeface="+mn-cs"/>
+              </a:defRPr>
+            </a:lvl7pPr>
+            <a:lvl8pPr marL="3200400" algn="l" defTabSz="914400" rtl="0" eaLnBrk="1" latinLnBrk="0" hangingPunct="1">
+              <a:defRPr sz="1800" kern="1200">
+                <a:solidFill>
+                  <a:schemeClr val="tx1"/>
+                </a:solidFill>
+                <a:latin typeface="+mn-lt"/>
+                <a:ea typeface="+mn-ea"/>
+                <a:cs typeface="+mn-cs"/>
+              </a:defRPr>
+            </a:lvl8pPr>
+            <a:lvl9pPr marL="3657600" algn="l" defTabSz="914400" rtl="0" eaLnBrk="1" latinLnBrk="0" hangingPunct="1">
+              <a:defRPr sz="1800" kern="1200">
+                <a:solidFill>
+                  <a:schemeClr val="tx1"/>
+                </a:solidFill>
+                <a:latin typeface="+mn-lt"/>
+                <a:ea typeface="+mn-ea"/>
+                <a:cs typeface="+mn-cs"/>
+              </a:defRPr>
+            </a:lvl9pPr>
+          </a:lstStyle>
           <a:p>
             <a:pPr algn="ctr">
               <a:defRPr sz="1200">
@@ -7831,30 +9140,51 @@
               </a:defRPr>
             </a:pPr>
             <a:r>
-              <a:rPr lang="pt-BR" dirty="0" smtClean="0"/>
-              <a:t>Orientação a Objeto</a:t>
-            </a:r>
-            <a:endParaRPr lang="pt-BR" dirty="0"/>
-          </a:p>
-          <a:p>
-            <a:pPr algn="ctr">
-              <a:defRPr sz="1200">
+              <a:rPr lang="pt-BR" sz="1200" dirty="0" err="1" smtClean="0">
                 <a:solidFill>
                   <a:srgbClr val="8C8C8C"/>
                 </a:solidFill>
                 <a:latin typeface="Tw Cen MT" charset="0"/>
                 <a:ea typeface="Calibri" charset="0"/>
                 <a:cs typeface="Calibri" charset="0"/>
+              </a:rPr>
+              <a:t>Assignments</a:t>
+            </a:r>
+            <a:endParaRPr lang="pt-BR" sz="1200" dirty="0" smtClean="0">
+              <a:solidFill>
+                <a:srgbClr val="8C8C8C"/>
+              </a:solidFill>
+              <a:latin typeface="Tw Cen MT" charset="0"/>
+              <a:ea typeface="Calibri" charset="0"/>
+              <a:cs typeface="Calibri" charset="0"/>
+            </a:endParaRPr>
+          </a:p>
+          <a:p>
+            <a:pPr algn="ctr">
+              <a:defRPr sz="1200">
+                <a:solidFill>
+                  <a:srgbClr val="8C8C8C"/>
+                </a:solidFill>
+                <a:latin typeface="Tw Cen MT" charset="0"/>
+                <a:ea typeface="Calibri" charset="0"/>
+                <a:cs typeface="Calibri" charset="0"/>
               </a:defRPr>
             </a:pPr>
-            <a:endParaRPr lang="pt-BR" dirty="0"/>
+            <a:endParaRPr lang="pt-BR" sz="1200" dirty="0">
+              <a:solidFill>
+                <a:srgbClr val="8C8C8C"/>
+              </a:solidFill>
+              <a:latin typeface="Tw Cen MT" charset="0"/>
+              <a:ea typeface="Calibri" charset="0"/>
+              <a:cs typeface="Calibri" charset="0"/>
+            </a:endParaRPr>
           </a:p>
         </p:txBody>
       </p:sp>
     </p:spTree>
     <p:extLst>
       <p:ext uri="{BB962C8B-B14F-4D97-AF65-F5344CB8AC3E}">
-        <p14:creationId xmlns:p14="http://schemas.microsoft.com/office/powerpoint/2010/main" val="2152137158"/>
+        <p14:creationId xmlns:p14="http://schemas.microsoft.com/office/powerpoint/2010/main" val="3855611424"/>
       </p:ext>
     </p:extLst>
   </p:cSld>
@@ -7883,63 +9213,79 @@
       </p:grpSpPr>
       <p:sp>
         <p:nvSpPr>
-          <p:cNvPr id="3" name="Espaço Reservado para Conteúdo 2"/>
+          <p:cNvPr id="2" name="Título 1"/>
           <p:cNvSpPr>
             <a:spLocks noGrp="1"/>
           </p:cNvSpPr>
           <p:nvPr>
-            <p:ph idx="1"/>
+            <p:ph type="ctrTitle"/>
+          </p:nvPr>
+        </p:nvSpPr>
+        <p:spPr/>
+        <p:txBody>
+          <a:bodyPr/>
+          <a:lstStyle/>
+          <a:p>
+            <a:r>
+              <a:rPr lang="pt-BR" dirty="0" smtClean="0"/>
+              <a:t>Escopo</a:t>
+            </a:r>
+            <a:endParaRPr lang="pt-BR" dirty="0"/>
+          </a:p>
+        </p:txBody>
+      </p:sp>
+      <p:sp>
+        <p:nvSpPr>
+          <p:cNvPr id="3" name="Subtítulo 2"/>
+          <p:cNvSpPr>
+            <a:spLocks noGrp="1"/>
+          </p:cNvSpPr>
+          <p:nvPr>
+            <p:ph type="subTitle" idx="1"/>
+          </p:nvPr>
+        </p:nvSpPr>
+        <p:spPr/>
+        <p:txBody>
+          <a:bodyPr/>
+          <a:lstStyle/>
+          <a:p>
+            <a:r>
+              <a:rPr lang="pt-BR" dirty="0" smtClean="0"/>
+              <a:t>OCA </a:t>
+            </a:r>
+            <a:r>
+              <a:rPr lang="pt-BR" dirty="0" err="1" smtClean="0"/>
+              <a:t>Objectives</a:t>
+            </a:r>
+            <a:r>
+              <a:rPr lang="pt-BR" dirty="0" smtClean="0"/>
+              <a:t> 1.1 </a:t>
+            </a:r>
+            <a:r>
+              <a:rPr lang="pt-BR" dirty="0" err="1" smtClean="0"/>
+              <a:t>and</a:t>
+            </a:r>
+            <a:r>
+              <a:rPr lang="pt-BR" dirty="0" smtClean="0"/>
+              <a:t> 2.5</a:t>
+            </a:r>
+            <a:endParaRPr lang="pt-BR" dirty="0"/>
+          </a:p>
+        </p:txBody>
+      </p:sp>
+      <p:sp>
+        <p:nvSpPr>
+          <p:cNvPr id="6" name="Espaço Reservado para Rodapé 3"/>
+          <p:cNvSpPr txBox="1">
+            <a:spLocks noGrp="1"/>
+          </p:cNvSpPr>
+          <p:nvPr>
+            <p:ph type="ftr" sz="quarter" idx="4294967295"/>
           </p:nvPr>
         </p:nvSpPr>
         <p:spPr>
           <a:xfrm>
-            <a:off x="628650" y="2113658"/>
-            <a:ext cx="7886700" cy="3907630"/>
-          </a:xfrm>
-        </p:spPr>
-        <p:txBody>
-          <a:bodyPr/>
-          <a:lstStyle/>
-          <a:p>
-            <a:pPr marL="0" indent="0" algn="r">
-              <a:buNone/>
-            </a:pPr>
-            <a:endParaRPr lang="pt-BR" sz="6600" dirty="0" smtClean="0"/>
-          </a:p>
-          <a:p>
-            <a:pPr marL="0" indent="0" algn="r">
-              <a:buNone/>
-            </a:pPr>
-            <a:r>
-              <a:rPr lang="pt-BR" sz="6600" dirty="0" smtClean="0"/>
-              <a:t>Alguns exercícios </a:t>
-            </a:r>
-          </a:p>
-          <a:p>
-            <a:pPr marL="0" indent="0" algn="r">
-              <a:buNone/>
-            </a:pPr>
-            <a:r>
-              <a:rPr lang="pt-BR" sz="6600" dirty="0" smtClean="0"/>
-              <a:t>para fixação...</a:t>
-            </a:r>
-            <a:endParaRPr lang="pt-BR" sz="6600" dirty="0"/>
-          </a:p>
-        </p:txBody>
-      </p:sp>
-      <p:sp>
-        <p:nvSpPr>
-          <p:cNvPr id="7" name="Espaço Reservado para Rodapé 3"/>
-          <p:cNvSpPr>
-            <a:spLocks noGrp="1"/>
-          </p:cNvSpPr>
-          <p:nvPr>
-            <p:ph type="ftr" sz="quarter" idx="13"/>
-          </p:nvPr>
-        </p:nvSpPr>
-        <p:spPr>
-          <a:xfrm>
-            <a:off x="3028950" y="6356351"/>
+            <a:off x="3028950" y="6356350"/>
             <a:ext cx="3086100" cy="365125"/>
           </a:xfrm>
           <a:prstGeom prst="rect">
@@ -7948,7 +9294,101 @@
         </p:spPr>
         <p:txBody>
           <a:bodyPr/>
-          <a:lstStyle/>
+          <a:lstStyle>
+            <a:defPPr>
+              <a:defRPr lang="pt-BR"/>
+            </a:defPPr>
+            <a:lvl1pPr marL="0" algn="l" defTabSz="914400" rtl="0" eaLnBrk="1" latinLnBrk="0" hangingPunct="1">
+              <a:defRPr sz="1800" kern="1200">
+                <a:solidFill>
+                  <a:schemeClr val="tx1"/>
+                </a:solidFill>
+                <a:latin typeface="+mn-lt"/>
+                <a:ea typeface="+mn-ea"/>
+                <a:cs typeface="+mn-cs"/>
+              </a:defRPr>
+            </a:lvl1pPr>
+            <a:lvl2pPr marL="457200" algn="l" defTabSz="914400" rtl="0" eaLnBrk="1" latinLnBrk="0" hangingPunct="1">
+              <a:defRPr sz="1800" kern="1200">
+                <a:solidFill>
+                  <a:schemeClr val="tx1"/>
+                </a:solidFill>
+                <a:latin typeface="+mn-lt"/>
+                <a:ea typeface="+mn-ea"/>
+                <a:cs typeface="+mn-cs"/>
+              </a:defRPr>
+            </a:lvl2pPr>
+            <a:lvl3pPr marL="914400" algn="l" defTabSz="914400" rtl="0" eaLnBrk="1" latinLnBrk="0" hangingPunct="1">
+              <a:defRPr sz="1800" kern="1200">
+                <a:solidFill>
+                  <a:schemeClr val="tx1"/>
+                </a:solidFill>
+                <a:latin typeface="+mn-lt"/>
+                <a:ea typeface="+mn-ea"/>
+                <a:cs typeface="+mn-cs"/>
+              </a:defRPr>
+            </a:lvl3pPr>
+            <a:lvl4pPr marL="1371600" algn="l" defTabSz="914400" rtl="0" eaLnBrk="1" latinLnBrk="0" hangingPunct="1">
+              <a:defRPr sz="1800" kern="1200">
+                <a:solidFill>
+                  <a:schemeClr val="tx1"/>
+                </a:solidFill>
+                <a:latin typeface="+mn-lt"/>
+                <a:ea typeface="+mn-ea"/>
+                <a:cs typeface="+mn-cs"/>
+              </a:defRPr>
+            </a:lvl4pPr>
+            <a:lvl5pPr marL="1828800" algn="l" defTabSz="914400" rtl="0" eaLnBrk="1" latinLnBrk="0" hangingPunct="1">
+              <a:defRPr sz="1800" kern="1200">
+                <a:solidFill>
+                  <a:schemeClr val="tx1"/>
+                </a:solidFill>
+                <a:latin typeface="+mn-lt"/>
+                <a:ea typeface="+mn-ea"/>
+                <a:cs typeface="+mn-cs"/>
+              </a:defRPr>
+            </a:lvl5pPr>
+            <a:lvl6pPr marL="2286000" algn="l" defTabSz="914400" rtl="0" eaLnBrk="1" latinLnBrk="0" hangingPunct="1">
+              <a:defRPr sz="1800" kern="1200">
+                <a:solidFill>
+                  <a:schemeClr val="tx1"/>
+                </a:solidFill>
+                <a:latin typeface="+mn-lt"/>
+                <a:ea typeface="+mn-ea"/>
+                <a:cs typeface="+mn-cs"/>
+              </a:defRPr>
+            </a:lvl6pPr>
+            <a:lvl7pPr marL="2743200" algn="l" defTabSz="914400" rtl="0" eaLnBrk="1" latinLnBrk="0" hangingPunct="1">
+              <a:defRPr sz="1800" kern="1200">
+                <a:solidFill>
+                  <a:schemeClr val="tx1"/>
+                </a:solidFill>
+                <a:latin typeface="+mn-lt"/>
+                <a:ea typeface="+mn-ea"/>
+                <a:cs typeface="+mn-cs"/>
+              </a:defRPr>
+            </a:lvl7pPr>
+            <a:lvl8pPr marL="3200400" algn="l" defTabSz="914400" rtl="0" eaLnBrk="1" latinLnBrk="0" hangingPunct="1">
+              <a:defRPr sz="1800" kern="1200">
+                <a:solidFill>
+                  <a:schemeClr val="tx1"/>
+                </a:solidFill>
+                <a:latin typeface="+mn-lt"/>
+                <a:ea typeface="+mn-ea"/>
+                <a:cs typeface="+mn-cs"/>
+              </a:defRPr>
+            </a:lvl8pPr>
+            <a:lvl9pPr marL="3657600" algn="l" defTabSz="914400" rtl="0" eaLnBrk="1" latinLnBrk="0" hangingPunct="1">
+              <a:defRPr sz="1800" kern="1200">
+                <a:solidFill>
+                  <a:schemeClr val="tx1"/>
+                </a:solidFill>
+                <a:latin typeface="+mn-lt"/>
+                <a:ea typeface="+mn-ea"/>
+                <a:cs typeface="+mn-cs"/>
+              </a:defRPr>
+            </a:lvl9pPr>
+          </a:lstStyle>
           <a:p>
             <a:pPr algn="ctr">
               <a:defRPr sz="1200">
@@ -7961,30 +9401,51 @@
               </a:defRPr>
             </a:pPr>
             <a:r>
-              <a:rPr lang="pt-BR" dirty="0" smtClean="0"/>
-              <a:t>Orientação a Objeto</a:t>
-            </a:r>
-            <a:endParaRPr lang="pt-BR" dirty="0"/>
-          </a:p>
-          <a:p>
-            <a:pPr algn="ctr">
-              <a:defRPr sz="1200">
+              <a:rPr lang="pt-BR" sz="1200" dirty="0" err="1" smtClean="0">
                 <a:solidFill>
                   <a:srgbClr val="8C8C8C"/>
                 </a:solidFill>
                 <a:latin typeface="Tw Cen MT" charset="0"/>
                 <a:ea typeface="Calibri" charset="0"/>
                 <a:cs typeface="Calibri" charset="0"/>
+              </a:rPr>
+              <a:t>Assignments</a:t>
+            </a:r>
+            <a:endParaRPr lang="pt-BR" sz="1200" dirty="0" smtClean="0">
+              <a:solidFill>
+                <a:srgbClr val="8C8C8C"/>
+              </a:solidFill>
+              <a:latin typeface="Tw Cen MT" charset="0"/>
+              <a:ea typeface="Calibri" charset="0"/>
+              <a:cs typeface="Calibri" charset="0"/>
+            </a:endParaRPr>
+          </a:p>
+          <a:p>
+            <a:pPr algn="ctr">
+              <a:defRPr sz="1200">
+                <a:solidFill>
+                  <a:srgbClr val="8C8C8C"/>
+                </a:solidFill>
+                <a:latin typeface="Tw Cen MT" charset="0"/>
+                <a:ea typeface="Calibri" charset="0"/>
+                <a:cs typeface="Calibri" charset="0"/>
               </a:defRPr>
             </a:pPr>
-            <a:endParaRPr lang="pt-BR" dirty="0"/>
+            <a:endParaRPr lang="pt-BR" sz="1200" dirty="0">
+              <a:solidFill>
+                <a:srgbClr val="8C8C8C"/>
+              </a:solidFill>
+              <a:latin typeface="Tw Cen MT" charset="0"/>
+              <a:ea typeface="Calibri" charset="0"/>
+              <a:cs typeface="Calibri" charset="0"/>
+            </a:endParaRPr>
           </a:p>
         </p:txBody>
       </p:sp>
     </p:spTree>
     <p:extLst>
       <p:ext uri="{BB962C8B-B14F-4D97-AF65-F5344CB8AC3E}">
-        <p14:creationId xmlns:p14="http://schemas.microsoft.com/office/powerpoint/2010/main" val="1738440935"/>
+        <p14:creationId xmlns:p14="http://schemas.microsoft.com/office/powerpoint/2010/main" val="193317867"/>
       </p:ext>
     </p:extLst>
   </p:cSld>
@@ -8020,45 +9481,12 @@
       </p:grpSpPr>
       <p:sp>
         <p:nvSpPr>
-          <p:cNvPr id="2" name="Título 1"/>
+          <p:cNvPr id="5" name="Título 4"/>
           <p:cNvSpPr>
             <a:spLocks noGrp="1"/>
           </p:cNvSpPr>
           <p:nvPr>
-            <p:ph type="ctrTitle"/>
-          </p:nvPr>
-        </p:nvSpPr>
-        <p:spPr/>
-        <p:txBody>
-          <a:bodyPr>
-            <a:normAutofit/>
-          </a:bodyPr>
-          <a:lstStyle/>
-          <a:p>
-            <a:r>
-              <a:rPr lang="pt-BR" sz="3800" dirty="0" smtClean="0"/>
-              <a:t>Literais, </a:t>
-            </a:r>
-            <a:r>
-              <a:rPr lang="pt-BR" sz="3800" dirty="0" err="1" smtClean="0"/>
-              <a:t>Assignments</a:t>
-            </a:r>
-            <a:r>
-              <a:rPr lang="pt-BR" sz="3800" dirty="0" smtClean="0"/>
-              <a:t> e Variáveis</a:t>
-            </a:r>
-            <a:endParaRPr lang="pt-BR" sz="3800" dirty="0"/>
-          </a:p>
-        </p:txBody>
-      </p:sp>
-      <p:sp>
-        <p:nvSpPr>
-          <p:cNvPr id="3" name="Subtítulo 2"/>
-          <p:cNvSpPr>
-            <a:spLocks noGrp="1"/>
-          </p:cNvSpPr>
-          <p:nvPr>
-            <p:ph type="subTitle" idx="1"/>
+            <p:ph type="title"/>
           </p:nvPr>
         </p:nvSpPr>
         <p:spPr/>
@@ -8067,24 +9495,30 @@
           <a:lstStyle/>
           <a:p>
             <a:r>
-              <a:rPr lang="pt-BR" dirty="0" smtClean="0"/>
-              <a:t>OCA </a:t>
-            </a:r>
-            <a:r>
-              <a:rPr lang="pt-BR" dirty="0" err="1" smtClean="0"/>
-              <a:t>Objectives</a:t>
-            </a:r>
-            <a:r>
-              <a:rPr lang="pt-BR" dirty="0" smtClean="0"/>
-              <a:t> 2.1, 2.2, 2.3 </a:t>
-            </a:r>
-            <a:r>
-              <a:rPr lang="pt-BR" dirty="0" err="1" smtClean="0"/>
-              <a:t>and</a:t>
-            </a:r>
-            <a:r>
-              <a:rPr lang="pt-BR" dirty="0" smtClean="0"/>
-              <a:t> 1.2 upgrade</a:t>
+              <a:rPr lang="pt-BR" dirty="0"/>
+              <a:t>Escopo</a:t>
+            </a:r>
+          </a:p>
+        </p:txBody>
+      </p:sp>
+      <p:sp>
+        <p:nvSpPr>
+          <p:cNvPr id="6" name="Espaço Reservado para Conteúdo 5"/>
+          <p:cNvSpPr>
+            <a:spLocks noGrp="1"/>
+          </p:cNvSpPr>
+          <p:nvPr>
+            <p:ph idx="1"/>
+          </p:nvPr>
+        </p:nvSpPr>
+        <p:spPr/>
+        <p:txBody>
+          <a:bodyPr/>
+          <a:lstStyle/>
+          <a:p>
+            <a:r>
+              <a:rPr lang="pt-BR" dirty="0" smtClean="0"/>
+              <a:t>Escopo de Variáveis</a:t>
             </a:r>
             <a:endParaRPr lang="pt-BR" dirty="0"/>
           </a:p>
@@ -8092,15 +9526,17 @@
       </p:sp>
       <p:sp>
         <p:nvSpPr>
-          <p:cNvPr id="5" name="Espaço Reservado para Rodapé 3"/>
+          <p:cNvPr id="8" name="Espaço Reservado para Rodapé 3"/>
           <p:cNvSpPr txBox="1">
-            <a:spLocks/>
-          </p:cNvSpPr>
-          <p:nvPr/>
+            <a:spLocks noGrp="1"/>
+          </p:cNvSpPr>
+          <p:nvPr>
+            <p:ph type="ftr" sz="quarter" idx="13"/>
+          </p:nvPr>
         </p:nvSpPr>
         <p:spPr>
           <a:xfrm>
-            <a:off x="3028950" y="6356351"/>
+            <a:off x="3028950" y="6356350"/>
             <a:ext cx="3086100" cy="365125"/>
           </a:xfrm>
           <a:prstGeom prst="rect">
@@ -8260,20 +9696,13 @@
     </p:spTree>
     <p:extLst>
       <p:ext uri="{BB962C8B-B14F-4D97-AF65-F5344CB8AC3E}">
-        <p14:creationId xmlns:p14="http://schemas.microsoft.com/office/powerpoint/2010/main" val="3169057604"/>
+        <p14:creationId xmlns:p14="http://schemas.microsoft.com/office/powerpoint/2010/main" val="3832681138"/>
       </p:ext>
     </p:extLst>
   </p:cSld>
   <p:clrMapOvr>
     <a:masterClrMapping/>
   </p:clrMapOvr>
-  <p:timing>
-    <p:tnLst>
-      <p:par>
-        <p:cTn id="1" dur="indefinite" restart="never" nodeType="tmRoot"/>
-      </p:par>
-    </p:tnLst>
-  </p:timing>
 </p:sld>
 </file>
 
@@ -8533,12 +9962,12 @@
       </p:grpSpPr>
       <p:sp>
         <p:nvSpPr>
-          <p:cNvPr id="5" name="Título 4"/>
+          <p:cNvPr id="2" name="Título 1"/>
           <p:cNvSpPr>
             <a:spLocks noGrp="1"/>
           </p:cNvSpPr>
           <p:nvPr>
-            <p:ph type="title"/>
+            <p:ph type="ctrTitle"/>
           </p:nvPr>
         </p:nvSpPr>
         <p:spPr/>
@@ -8547,28 +9976,21 @@
           <a:lstStyle/>
           <a:p>
             <a:r>
-              <a:rPr lang="pt-BR" dirty="0"/>
-              <a:t>Literais, </a:t>
-            </a:r>
-            <a:r>
-              <a:rPr lang="pt-BR" dirty="0" err="1"/>
-              <a:t>Assignments</a:t>
-            </a:r>
-            <a:r>
-              <a:rPr lang="pt-BR" dirty="0"/>
-              <a:t> e Variáveis</a:t>
-            </a:r>
-          </a:p>
-        </p:txBody>
-      </p:sp>
-      <p:sp>
-        <p:nvSpPr>
-          <p:cNvPr id="6" name="Espaço Reservado para Conteúdo 5"/>
+              <a:rPr lang="pt-BR" dirty="0" smtClean="0"/>
+              <a:t>Inicialização de Variáveis</a:t>
+            </a:r>
+            <a:endParaRPr lang="pt-BR" dirty="0"/>
+          </a:p>
+        </p:txBody>
+      </p:sp>
+      <p:sp>
+        <p:nvSpPr>
+          <p:cNvPr id="3" name="Subtítulo 2"/>
           <p:cNvSpPr>
             <a:spLocks noGrp="1"/>
           </p:cNvSpPr>
           <p:nvPr>
-            <p:ph idx="1"/>
+            <p:ph type="subTitle" idx="1"/>
           </p:nvPr>
         </p:nvSpPr>
         <p:spPr/>
@@ -8578,119 +10000,33 @@
           <a:p>
             <a:r>
               <a:rPr lang="pt-BR" dirty="0" smtClean="0"/>
-              <a:t>Valores Literais para todos os tipos primitivos</a:t>
-            </a:r>
-          </a:p>
-          <a:p>
-            <a:pPr lvl="1"/>
-            <a:r>
-              <a:rPr lang="pt-BR" dirty="0" smtClean="0"/>
-              <a:t>Literal </a:t>
+              <a:t>OCA </a:t>
             </a:r>
             <a:r>
               <a:rPr lang="pt-BR" dirty="0" err="1" smtClean="0"/>
-              <a:t>Integer</a:t>
+              <a:t>Objective</a:t>
+            </a:r>
+            <a:r>
+              <a:rPr lang="pt-BR" dirty="0" smtClean="0"/>
+              <a:t> 2.1</a:t>
             </a:r>
             <a:endParaRPr lang="pt-BR" dirty="0"/>
           </a:p>
-          <a:p>
-            <a:pPr lvl="1"/>
-            <a:r>
-              <a:rPr lang="pt-BR" dirty="0" err="1" smtClean="0"/>
-              <a:t>Underscore</a:t>
-            </a:r>
-            <a:r>
-              <a:rPr lang="pt-BR" dirty="0" smtClean="0"/>
-              <a:t> e numéricos</a:t>
-            </a:r>
-          </a:p>
-          <a:p>
-            <a:pPr lvl="1"/>
-            <a:r>
-              <a:rPr lang="pt-BR" dirty="0" smtClean="0"/>
-              <a:t>Literal Decimal</a:t>
-            </a:r>
-          </a:p>
-          <a:p>
-            <a:pPr lvl="1"/>
-            <a:r>
-              <a:rPr lang="pt-BR" dirty="0" smtClean="0"/>
-              <a:t>Literal binário</a:t>
-            </a:r>
-          </a:p>
-          <a:p>
-            <a:pPr lvl="1"/>
-            <a:r>
-              <a:rPr lang="pt-BR" dirty="0" smtClean="0"/>
-              <a:t>Literal Octal</a:t>
-            </a:r>
-          </a:p>
-          <a:p>
-            <a:pPr lvl="1"/>
-            <a:r>
-              <a:rPr lang="pt-BR" dirty="0" smtClean="0"/>
-              <a:t>Literal Hexadecimal</a:t>
-            </a:r>
-          </a:p>
-          <a:p>
-            <a:pPr lvl="1"/>
-            <a:r>
-              <a:rPr lang="pt-BR" dirty="0" smtClean="0"/>
-              <a:t>Literal Floating-point</a:t>
-            </a:r>
-          </a:p>
-          <a:p>
-            <a:pPr lvl="1"/>
-            <a:r>
-              <a:rPr lang="pt-BR" dirty="0" smtClean="0"/>
-              <a:t>Literal </a:t>
-            </a:r>
-            <a:r>
-              <a:rPr lang="pt-BR" dirty="0" err="1" smtClean="0"/>
-              <a:t>Boolean</a:t>
-            </a:r>
-            <a:endParaRPr lang="pt-BR" dirty="0" smtClean="0"/>
-          </a:p>
-          <a:p>
-            <a:pPr lvl="1"/>
-            <a:r>
-              <a:rPr lang="pt-BR" dirty="0" smtClean="0"/>
-              <a:t>Literal </a:t>
-            </a:r>
-            <a:r>
-              <a:rPr lang="pt-BR" dirty="0" err="1" smtClean="0"/>
-              <a:t>Character</a:t>
-            </a:r>
-            <a:endParaRPr lang="pt-BR" dirty="0" smtClean="0"/>
-          </a:p>
-          <a:p>
-            <a:pPr lvl="1"/>
-            <a:r>
-              <a:rPr lang="pt-BR" dirty="0" smtClean="0"/>
-              <a:t>Literal </a:t>
-            </a:r>
-            <a:r>
-              <a:rPr lang="pt-BR" dirty="0" err="1" smtClean="0"/>
-              <a:t>String</a:t>
-            </a:r>
-            <a:endParaRPr lang="pt-BR" dirty="0" smtClean="0"/>
-          </a:p>
-          <a:p>
-            <a:endParaRPr lang="pt-BR" dirty="0"/>
-          </a:p>
-        </p:txBody>
-      </p:sp>
-      <p:sp>
-        <p:nvSpPr>
-          <p:cNvPr id="7" name="Espaço Reservado para Rodapé 3"/>
+        </p:txBody>
+      </p:sp>
+      <p:sp>
+        <p:nvSpPr>
+          <p:cNvPr id="5" name="Espaço Reservado para Rodapé 3"/>
           <p:cNvSpPr txBox="1">
-            <a:spLocks/>
-          </p:cNvSpPr>
-          <p:nvPr/>
+            <a:spLocks noGrp="1"/>
+          </p:cNvSpPr>
+          <p:nvPr>
+            <p:ph type="ftr" sz="quarter" idx="4294967295"/>
+          </p:nvPr>
         </p:nvSpPr>
         <p:spPr>
           <a:xfrm>
-            <a:off x="3028950" y="6356351"/>
+            <a:off x="3028950" y="6356350"/>
             <a:ext cx="3086100" cy="365125"/>
           </a:xfrm>
           <a:prstGeom prst="rect">
@@ -8850,13 +10186,20 @@
     </p:spTree>
     <p:extLst>
       <p:ext uri="{BB962C8B-B14F-4D97-AF65-F5344CB8AC3E}">
-        <p14:creationId xmlns:p14="http://schemas.microsoft.com/office/powerpoint/2010/main" val="1719721570"/>
+        <p14:creationId xmlns:p14="http://schemas.microsoft.com/office/powerpoint/2010/main" val="3261889034"/>
       </p:ext>
     </p:extLst>
   </p:cSld>
   <p:clrMapOvr>
     <a:masterClrMapping/>
   </p:clrMapOvr>
+  <p:timing>
+    <p:tnLst>
+      <p:par>
+        <p:cTn id="1" dur="indefinite" restart="never" nodeType="tmRoot"/>
+      </p:par>
+    </p:tnLst>
+  </p:timing>
 </p:sld>
 </file>
 
@@ -8879,7 +10222,7 @@
       </p:grpSpPr>
       <p:sp>
         <p:nvSpPr>
-          <p:cNvPr id="2" name="Título 1"/>
+          <p:cNvPr id="5" name="Título 4"/>
           <p:cNvSpPr>
             <a:spLocks noGrp="1"/>
           </p:cNvSpPr>
@@ -8894,22 +10237,14 @@
           <a:p>
             <a:r>
               <a:rPr lang="pt-BR" dirty="0"/>
-              <a:t>Literais, </a:t>
-            </a:r>
-            <a:r>
-              <a:rPr lang="pt-BR" dirty="0" err="1"/>
-              <a:t>Assignments</a:t>
-            </a:r>
-            <a:r>
-              <a:rPr lang="pt-BR" dirty="0"/>
-              <a:t> e Variáveis</a:t>
-            </a:r>
-          </a:p>
-        </p:txBody>
-      </p:sp>
-      <p:sp>
-        <p:nvSpPr>
-          <p:cNvPr id="3" name="Espaço Reservado para Conteúdo 2"/>
+              <a:t>Inicialização de Variáveis</a:t>
+            </a:r>
+          </a:p>
+        </p:txBody>
+      </p:sp>
+      <p:sp>
+        <p:nvSpPr>
+          <p:cNvPr id="6" name="Espaço Reservado para Conteúdo 5"/>
           <p:cNvSpPr>
             <a:spLocks noGrp="1"/>
           </p:cNvSpPr>
@@ -8922,69 +10257,123 @@
           <a:bodyPr/>
           <a:lstStyle/>
           <a:p>
-            <a:r>
-              <a:rPr lang="pt-BR" smtClean="0"/>
-              <a:t>Operadores de Atribuição</a:t>
-            </a:r>
-          </a:p>
-          <a:p>
-            <a:pPr lvl="1"/>
-            <a:r>
-              <a:rPr lang="pt-BR" smtClean="0"/>
-              <a:t>Atribuição de primitivos</a:t>
-            </a:r>
-          </a:p>
-          <a:p>
-            <a:pPr lvl="1"/>
-            <a:r>
-              <a:rPr lang="pt-BR" smtClean="0"/>
-              <a:t>Casting em primitivos</a:t>
-            </a:r>
-          </a:p>
-          <a:p>
-            <a:pPr lvl="1"/>
-            <a:r>
-              <a:rPr lang="pt-BR" smtClean="0"/>
-              <a:t>Atribuindo números floating-point</a:t>
-            </a:r>
-          </a:p>
-          <a:p>
-            <a:pPr lvl="1"/>
-            <a:r>
-              <a:rPr lang="pt-BR" smtClean="0"/>
-              <a:t>Assinalando um literal que tem valor acima para a variável declarada</a:t>
-            </a:r>
-          </a:p>
-          <a:p>
-            <a:pPr lvl="1"/>
-            <a:r>
-              <a:rPr lang="pt-BR" smtClean="0"/>
-              <a:t>Assinalando uma variável primitiva para outra variável primitiva</a:t>
-            </a:r>
-          </a:p>
-          <a:p>
-            <a:pPr lvl="1"/>
-            <a:r>
-              <a:rPr lang="pt-BR" smtClean="0"/>
-              <a:t>Atribuição de variáveis de Referência</a:t>
-            </a:r>
-          </a:p>
-          <a:p>
+            <a:pPr algn="just"/>
+            <a:r>
+              <a:rPr lang="pt-BR" dirty="0" smtClean="0"/>
+              <a:t>Usando uma variável ou </a:t>
+            </a:r>
+            <a:r>
+              <a:rPr lang="pt-BR" dirty="0" err="1" smtClean="0"/>
+              <a:t>array</a:t>
+            </a:r>
+            <a:r>
+              <a:rPr lang="pt-BR" dirty="0" smtClean="0"/>
+              <a:t> que está não-inicializado ou não-assinalado</a:t>
+            </a:r>
+          </a:p>
+          <a:p>
+            <a:pPr marL="685800" lvl="2" algn="just">
+              <a:spcBef>
+                <a:spcPts val="1000"/>
+              </a:spcBef>
+            </a:pPr>
+            <a:r>
+              <a:rPr lang="pt-BR" sz="2400" dirty="0"/>
+              <a:t>Variáveis primitiva de instância de objeto</a:t>
+            </a:r>
+          </a:p>
+          <a:p>
+            <a:pPr lvl="1" algn="just"/>
+            <a:r>
+              <a:rPr lang="pt-BR" dirty="0" smtClean="0"/>
+              <a:t>Variáveis de instância de objeto</a:t>
+            </a:r>
+          </a:p>
+          <a:p>
+            <a:pPr lvl="1" algn="just"/>
+            <a:r>
+              <a:rPr lang="pt-BR" dirty="0" smtClean="0"/>
+              <a:t>Variáveis </a:t>
+            </a:r>
+            <a:r>
+              <a:rPr lang="pt-BR" dirty="0" err="1" smtClean="0"/>
+              <a:t>Array</a:t>
+            </a:r>
+            <a:r>
+              <a:rPr lang="pt-BR" dirty="0" smtClean="0"/>
+              <a:t> de instância de objeto</a:t>
+            </a:r>
+          </a:p>
+          <a:p>
+            <a:pPr lvl="1" algn="just"/>
             <a:endParaRPr lang="pt-BR" dirty="0"/>
           </a:p>
-        </p:txBody>
-      </p:sp>
-      <p:sp>
-        <p:nvSpPr>
-          <p:cNvPr id="6" name="Espaço Reservado para Rodapé 3"/>
+          <a:p>
+            <a:pPr algn="just"/>
+            <a:r>
+              <a:rPr lang="pt-BR" dirty="0" smtClean="0"/>
+              <a:t>Objetos e Primitivos Locais</a:t>
+            </a:r>
+          </a:p>
+          <a:p>
+            <a:pPr lvl="1" algn="just"/>
+            <a:r>
+              <a:rPr lang="pt-BR" dirty="0" smtClean="0"/>
+              <a:t>Primitivo local</a:t>
+            </a:r>
+          </a:p>
+          <a:p>
+            <a:pPr lvl="1" algn="just"/>
+            <a:r>
+              <a:rPr lang="pt-BR" dirty="0" smtClean="0"/>
+              <a:t>Referência à objeto local</a:t>
+            </a:r>
+          </a:p>
+          <a:p>
+            <a:pPr lvl="1" algn="just"/>
+            <a:r>
+              <a:rPr lang="pt-BR" dirty="0" err="1" smtClean="0"/>
+              <a:t>Array</a:t>
+            </a:r>
+            <a:r>
+              <a:rPr lang="pt-BR" dirty="0" smtClean="0"/>
+              <a:t> local</a:t>
+            </a:r>
+          </a:p>
+          <a:p>
+            <a:pPr lvl="1" algn="just"/>
+            <a:r>
+              <a:rPr lang="pt-BR" dirty="0" smtClean="0"/>
+              <a:t>Assinalando uma variável de referência à outra</a:t>
+            </a:r>
+          </a:p>
+          <a:p>
+            <a:pPr marL="457200" lvl="1" indent="0" algn="just">
+              <a:buNone/>
+            </a:pPr>
+            <a:endParaRPr lang="pt-BR" dirty="0"/>
+          </a:p>
+          <a:p>
+            <a:pPr marL="457200" lvl="1" indent="0" algn="just">
+              <a:buNone/>
+            </a:pPr>
+            <a:endParaRPr lang="pt-BR" dirty="0"/>
+          </a:p>
+        </p:txBody>
+      </p:sp>
+      <p:sp>
+        <p:nvSpPr>
+          <p:cNvPr id="7" name="Espaço Reservado para Rodapé 3"/>
           <p:cNvSpPr txBox="1">
-            <a:spLocks/>
-          </p:cNvSpPr>
-          <p:nvPr/>
+            <a:spLocks noGrp="1"/>
+          </p:cNvSpPr>
+          <p:nvPr>
+            <p:ph type="ftr" sz="quarter" idx="13"/>
+          </p:nvPr>
         </p:nvSpPr>
         <p:spPr>
           <a:xfrm>
-            <a:off x="3028950" y="6356351"/>
+            <a:off x="3028950" y="6356350"/>
             <a:ext cx="3086100" cy="365125"/>
           </a:xfrm>
           <a:prstGeom prst="rect">
@@ -9144,7 +10533,7 @@
     </p:spTree>
     <p:extLst>
       <p:ext uri="{BB962C8B-B14F-4D97-AF65-F5344CB8AC3E}">
-        <p14:creationId xmlns:p14="http://schemas.microsoft.com/office/powerpoint/2010/main" val="3855611424"/>
+        <p14:creationId xmlns:p14="http://schemas.microsoft.com/office/powerpoint/2010/main" val="989134168"/>
       </p:ext>
     </p:extLst>
   </p:cSld>
@@ -9188,7 +10577,7 @@
           <a:p>
             <a:r>
               <a:rPr lang="pt-BR" dirty="0" smtClean="0"/>
-              <a:t>Escopo</a:t>
+              <a:t>Passando Variáveis para Métodos</a:t>
             </a:r>
             <a:endParaRPr lang="pt-BR" dirty="0"/>
           </a:p>
@@ -9215,19 +10604,11 @@
             </a:r>
             <a:r>
               <a:rPr lang="pt-BR" dirty="0" err="1" smtClean="0"/>
-              <a:t>Objectives</a:t>
-            </a:r>
-            <a:r>
-              <a:rPr lang="pt-BR" dirty="0" smtClean="0"/>
-              <a:t> 1.1 </a:t>
-            </a:r>
-            <a:r>
-              <a:rPr lang="pt-BR" dirty="0" err="1" smtClean="0"/>
-              <a:t>and</a:t>
-            </a:r>
-            <a:r>
-              <a:rPr lang="pt-BR" dirty="0" smtClean="0"/>
-              <a:t> 2.5</a:t>
+              <a:t>Objective</a:t>
+            </a:r>
+            <a:r>
+              <a:rPr lang="pt-BR" dirty="0" smtClean="0"/>
+              <a:t> 6.8</a:t>
             </a:r>
             <a:endParaRPr lang="pt-BR" dirty="0"/>
           </a:p>
@@ -9235,7 +10616,7 @@
       </p:sp>
       <p:sp>
         <p:nvSpPr>
-          <p:cNvPr id="6" name="Espaço Reservado para Rodapé 3"/>
+          <p:cNvPr id="5" name="Espaço Reservado para Rodapé 3"/>
           <p:cNvSpPr txBox="1">
             <a:spLocks noGrp="1"/>
           </p:cNvSpPr>
@@ -9405,7 +10786,7 @@
     </p:spTree>
     <p:extLst>
       <p:ext uri="{BB962C8B-B14F-4D97-AF65-F5344CB8AC3E}">
-        <p14:creationId xmlns:p14="http://schemas.microsoft.com/office/powerpoint/2010/main" val="193317867"/>
+        <p14:creationId xmlns:p14="http://schemas.microsoft.com/office/powerpoint/2010/main" val="2287116038"/>
       </p:ext>
     </p:extLst>
   </p:cSld>
@@ -9456,7 +10837,7 @@
           <a:p>
             <a:r>
               <a:rPr lang="pt-BR" dirty="0"/>
-              <a:t>Escopo</a:t>
+              <a:t>Passando Variáveis para Métodos</a:t>
             </a:r>
           </a:p>
         </p:txBody>
@@ -9478,7 +10859,19 @@
           <a:p>
             <a:r>
               <a:rPr lang="pt-BR" dirty="0" smtClean="0"/>
-              <a:t>Escopo de Variáveis</a:t>
+              <a:t>Passando Variáveis de Referência à Objeto</a:t>
+            </a:r>
+          </a:p>
+          <a:p>
+            <a:r>
+              <a:rPr lang="pt-BR" dirty="0" smtClean="0"/>
+              <a:t>Java usa semântica de passagem-por-valor?</a:t>
+            </a:r>
+          </a:p>
+          <a:p>
+            <a:r>
+              <a:rPr lang="pt-BR" dirty="0" smtClean="0"/>
+              <a:t>Passando variáveis primitivas</a:t>
             </a:r>
             <a:endParaRPr lang="pt-BR" dirty="0"/>
           </a:p>
@@ -9486,7 +10879,7 @@
       </p:sp>
       <p:sp>
         <p:nvSpPr>
-          <p:cNvPr id="8" name="Espaço Reservado para Rodapé 3"/>
+          <p:cNvPr id="7" name="Espaço Reservado para Rodapé 3"/>
           <p:cNvSpPr txBox="1">
             <a:spLocks noGrp="1"/>
           </p:cNvSpPr>
@@ -9656,7 +11049,7 @@
     </p:spTree>
     <p:extLst>
       <p:ext uri="{BB962C8B-B14F-4D97-AF65-F5344CB8AC3E}">
-        <p14:creationId xmlns:p14="http://schemas.microsoft.com/office/powerpoint/2010/main" val="3832681138"/>
+        <p14:creationId xmlns:p14="http://schemas.microsoft.com/office/powerpoint/2010/main" val="21654153"/>
       </p:ext>
     </p:extLst>
   </p:cSld>
@@ -9700,7 +11093,7 @@
           <a:p>
             <a:r>
               <a:rPr lang="pt-BR" dirty="0" smtClean="0"/>
-              <a:t>Inicialização de Variáveis</a:t>
+              <a:t>Coletor de Lixo</a:t>
             </a:r>
             <a:endParaRPr lang="pt-BR" dirty="0"/>
           </a:p>
@@ -9731,7 +11124,7 @@
             </a:r>
             <a:r>
               <a:rPr lang="pt-BR" dirty="0" smtClean="0"/>
-              <a:t> 2.1</a:t>
+              <a:t> 2.4</a:t>
             </a:r>
             <a:endParaRPr lang="pt-BR" dirty="0"/>
           </a:p>
@@ -9909,7 +11302,7 @@
     </p:spTree>
     <p:extLst>
       <p:ext uri="{BB962C8B-B14F-4D97-AF65-F5344CB8AC3E}">
-        <p14:creationId xmlns:p14="http://schemas.microsoft.com/office/powerpoint/2010/main" val="3261889034"/>
+        <p14:creationId xmlns:p14="http://schemas.microsoft.com/office/powerpoint/2010/main" val="1564616669"/>
       </p:ext>
     </p:extLst>
   </p:cSld>
@@ -9960,7 +11353,7 @@
           <a:p>
             <a:r>
               <a:rPr lang="pt-BR" dirty="0"/>
-              <a:t>Inicialização de Variáveis</a:t>
+              <a:t>Coletor de Lixo</a:t>
             </a:r>
           </a:p>
         </p:txBody>
@@ -9983,103 +11376,70 @@
             <a:pPr algn="just"/>
             <a:r>
               <a:rPr lang="pt-BR" dirty="0" smtClean="0"/>
-              <a:t>Usando uma variável ou </a:t>
-            </a:r>
+              <a:t>Overview de Gerenciamento de Memória e Coletor de Lixo</a:t>
+            </a:r>
+          </a:p>
+          <a:p>
+            <a:pPr lvl="1" algn="just"/>
+            <a:r>
+              <a:rPr lang="pt-BR" dirty="0" smtClean="0"/>
+              <a:t>Quando o Coletor de Lixo roda?</a:t>
+            </a:r>
+          </a:p>
+          <a:p>
+            <a:pPr lvl="1" algn="just"/>
+            <a:r>
+              <a:rPr lang="pt-BR" dirty="0" smtClean="0"/>
+              <a:t>Como o Coletor de Lixo trabalha?</a:t>
+            </a:r>
+          </a:p>
+          <a:p>
+            <a:pPr algn="just"/>
+            <a:r>
+              <a:rPr lang="pt-BR" dirty="0" smtClean="0"/>
+              <a:t>Escrevendo código que explicitamente torne objetos elegíveis para limpeza</a:t>
+            </a:r>
+          </a:p>
+          <a:p>
+            <a:pPr lvl="1" algn="just"/>
+            <a:r>
+              <a:rPr lang="pt-BR" dirty="0" smtClean="0"/>
+              <a:t>Anulando uma referência</a:t>
+            </a:r>
+          </a:p>
+          <a:p>
+            <a:pPr lvl="1" algn="just"/>
             <a:r>
               <a:rPr lang="pt-BR" dirty="0" err="1" smtClean="0"/>
-              <a:t>array</a:t>
-            </a:r>
-            <a:r>
-              <a:rPr lang="pt-BR" dirty="0" smtClean="0"/>
-              <a:t> que está não-inicializado ou não-assinalado</a:t>
-            </a:r>
-          </a:p>
-          <a:p>
-            <a:pPr marL="685800" lvl="2" algn="just">
-              <a:spcBef>
-                <a:spcPts val="1000"/>
-              </a:spcBef>
-            </a:pPr>
-            <a:r>
-              <a:rPr lang="pt-BR" sz="2400" dirty="0"/>
-              <a:t>Variáveis primitiva de instância de objeto</a:t>
+              <a:t>Reassinalando</a:t>
+            </a:r>
+            <a:r>
+              <a:rPr lang="pt-BR" dirty="0" smtClean="0"/>
+              <a:t> uma variável de referência</a:t>
             </a:r>
           </a:p>
           <a:p>
             <a:pPr lvl="1" algn="just"/>
             <a:r>
               <a:rPr lang="pt-BR" dirty="0" smtClean="0"/>
-              <a:t>Variáveis de instância de objeto</a:t>
+              <a:t>Isolando uma referência</a:t>
             </a:r>
           </a:p>
           <a:p>
             <a:pPr lvl="1" algn="just"/>
             <a:r>
               <a:rPr lang="pt-BR" dirty="0" smtClean="0"/>
-              <a:t>Variáveis </a:t>
-            </a:r>
-            <a:r>
-              <a:rPr lang="pt-BR" dirty="0" err="1" smtClean="0"/>
-              <a:t>Array</a:t>
-            </a:r>
-            <a:r>
-              <a:rPr lang="pt-BR" dirty="0" smtClean="0"/>
-              <a:t> de instância de objeto</a:t>
-            </a:r>
-          </a:p>
-          <a:p>
-            <a:pPr lvl="1" algn="just"/>
-            <a:endParaRPr lang="pt-BR" dirty="0"/>
-          </a:p>
-          <a:p>
-            <a:pPr algn="just"/>
-            <a:r>
-              <a:rPr lang="pt-BR" dirty="0" smtClean="0"/>
-              <a:t>Objetos e Primitivos Locais</a:t>
-            </a:r>
-          </a:p>
-          <a:p>
-            <a:pPr lvl="1" algn="just"/>
-            <a:r>
-              <a:rPr lang="pt-BR" dirty="0" smtClean="0"/>
-              <a:t>Primitivo local</a:t>
-            </a:r>
-          </a:p>
-          <a:p>
-            <a:pPr lvl="1" algn="just"/>
-            <a:r>
-              <a:rPr lang="pt-BR" dirty="0" smtClean="0"/>
-              <a:t>Referência à objeto local</a:t>
-            </a:r>
-          </a:p>
-          <a:p>
-            <a:pPr lvl="1" algn="just"/>
-            <a:r>
-              <a:rPr lang="pt-BR" dirty="0" err="1" smtClean="0"/>
-              <a:t>Array</a:t>
-            </a:r>
-            <a:r>
-              <a:rPr lang="pt-BR" dirty="0" smtClean="0"/>
-              <a:t> local</a:t>
-            </a:r>
-          </a:p>
-          <a:p>
-            <a:pPr lvl="1" algn="just"/>
-            <a:r>
-              <a:rPr lang="pt-BR" dirty="0" smtClean="0"/>
-              <a:t>Assinalando uma variável de referência à outra</a:t>
+              <a:t>Forçando chamada do coletor de lixo</a:t>
             </a:r>
           </a:p>
           <a:p>
             <a:pPr marL="457200" lvl="1" indent="0" algn="just">
               <a:buNone/>
             </a:pPr>
-            <a:endParaRPr lang="pt-BR" dirty="0"/>
-          </a:p>
-          <a:p>
-            <a:pPr marL="457200" lvl="1" indent="0" algn="just">
-              <a:buNone/>
-            </a:pPr>
+            <a:endParaRPr lang="pt-BR" dirty="0" smtClean="0"/>
+          </a:p>
+          <a:p>
+            <a:pPr algn="just"/>
             <a:endParaRPr lang="pt-BR" dirty="0"/>
           </a:p>
         </p:txBody>
@@ -10256,7 +11616,7 @@
     </p:spTree>
     <p:extLst>
       <p:ext uri="{BB962C8B-B14F-4D97-AF65-F5344CB8AC3E}">
-        <p14:creationId xmlns:p14="http://schemas.microsoft.com/office/powerpoint/2010/main" val="989134168"/>
+        <p14:creationId xmlns:p14="http://schemas.microsoft.com/office/powerpoint/2010/main" val="1279183301"/>
       </p:ext>
     </p:extLst>
   </p:cSld>
@@ -10285,66 +11645,58 @@
       </p:grpSpPr>
       <p:sp>
         <p:nvSpPr>
-          <p:cNvPr id="2" name="Título 1"/>
+          <p:cNvPr id="3" name="Espaço Reservado para Conteúdo 2"/>
           <p:cNvSpPr>
             <a:spLocks noGrp="1"/>
           </p:cNvSpPr>
           <p:nvPr>
-            <p:ph type="ctrTitle"/>
-          </p:nvPr>
-        </p:nvSpPr>
-        <p:spPr/>
+            <p:ph idx="1"/>
+          </p:nvPr>
+        </p:nvSpPr>
+        <p:spPr>
+          <a:xfrm>
+            <a:off x="628650" y="2113658"/>
+            <a:ext cx="7886700" cy="3907630"/>
+          </a:xfrm>
+        </p:spPr>
         <p:txBody>
           <a:bodyPr/>
           <a:lstStyle/>
           <a:p>
-            <a:r>
-              <a:rPr lang="pt-BR" dirty="0" smtClean="0"/>
-              <a:t>Passando Variáveis para Métodos</a:t>
-            </a:r>
-            <a:endParaRPr lang="pt-BR" dirty="0"/>
-          </a:p>
-        </p:txBody>
-      </p:sp>
-      <p:sp>
-        <p:nvSpPr>
-          <p:cNvPr id="3" name="Subtítulo 2"/>
-          <p:cNvSpPr>
-            <a:spLocks noGrp="1"/>
-          </p:cNvSpPr>
-          <p:nvPr>
-            <p:ph type="subTitle" idx="1"/>
-          </p:nvPr>
-        </p:nvSpPr>
-        <p:spPr/>
-        <p:txBody>
-          <a:bodyPr/>
-          <a:lstStyle/>
-          <a:p>
-            <a:r>
-              <a:rPr lang="pt-BR" dirty="0" smtClean="0"/>
-              <a:t>OCA </a:t>
-            </a:r>
-            <a:r>
-              <a:rPr lang="pt-BR" dirty="0" err="1" smtClean="0"/>
-              <a:t>Objective</a:t>
-            </a:r>
-            <a:r>
-              <a:rPr lang="pt-BR" dirty="0" smtClean="0"/>
-              <a:t> 6.8</a:t>
-            </a:r>
-            <a:endParaRPr lang="pt-BR" dirty="0"/>
-          </a:p>
-        </p:txBody>
-      </p:sp>
-      <p:sp>
-        <p:nvSpPr>
-          <p:cNvPr id="5" name="Espaço Reservado para Rodapé 3"/>
+            <a:pPr marL="0" indent="0" algn="r">
+              <a:buNone/>
+            </a:pPr>
+            <a:endParaRPr lang="pt-BR" sz="6600" dirty="0" smtClean="0"/>
+          </a:p>
+          <a:p>
+            <a:pPr marL="0" indent="0" algn="r">
+              <a:buNone/>
+            </a:pPr>
+            <a:r>
+              <a:rPr lang="pt-BR" sz="6600" dirty="0" smtClean="0"/>
+              <a:t>Alguns exercícios </a:t>
+            </a:r>
+          </a:p>
+          <a:p>
+            <a:pPr marL="0" indent="0" algn="r">
+              <a:buNone/>
+            </a:pPr>
+            <a:r>
+              <a:rPr lang="pt-BR" sz="6600" dirty="0" smtClean="0"/>
+              <a:t>para fixação...</a:t>
+            </a:r>
+            <a:endParaRPr lang="pt-BR" sz="6600" dirty="0"/>
+          </a:p>
+        </p:txBody>
+      </p:sp>
+      <p:sp>
+        <p:nvSpPr>
+          <p:cNvPr id="4" name="Espaço Reservado para Rodapé 3"/>
           <p:cNvSpPr txBox="1">
             <a:spLocks noGrp="1"/>
           </p:cNvSpPr>
           <p:nvPr>
-            <p:ph type="ftr" sz="quarter" idx="4294967295"/>
+            <p:ph type="ftr" sz="quarter" idx="13"/>
           </p:nvPr>
         </p:nvSpPr>
         <p:spPr>
@@ -10509,7 +11861,7 @@
     </p:spTree>
     <p:extLst>
       <p:ext uri="{BB962C8B-B14F-4D97-AF65-F5344CB8AC3E}">
-        <p14:creationId xmlns:p14="http://schemas.microsoft.com/office/powerpoint/2010/main" val="2287116038"/>
+        <p14:creationId xmlns:p14="http://schemas.microsoft.com/office/powerpoint/2010/main" val="1595718594"/>
       </p:ext>
     </p:extLst>
   </p:cSld>
@@ -10545,12 +11897,12 @@
       </p:grpSpPr>
       <p:sp>
         <p:nvSpPr>
-          <p:cNvPr id="5" name="Título 4"/>
+          <p:cNvPr id="2" name="Título 1"/>
           <p:cNvSpPr>
             <a:spLocks noGrp="1"/>
           </p:cNvSpPr>
           <p:nvPr>
-            <p:ph type="title"/>
+            <p:ph type="ctrTitle"/>
           </p:nvPr>
         </p:nvSpPr>
         <p:spPr/>
@@ -10559,20 +11911,21 @@
           <a:lstStyle/>
           <a:p>
             <a:r>
-              <a:rPr lang="pt-BR" dirty="0"/>
-              <a:t>Passando Variáveis para Métodos</a:t>
-            </a:r>
-          </a:p>
-        </p:txBody>
-      </p:sp>
-      <p:sp>
-        <p:nvSpPr>
-          <p:cNvPr id="6" name="Espaço Reservado para Conteúdo 5"/>
+              <a:rPr lang="pt-BR" dirty="0" smtClean="0"/>
+              <a:t>Operadores em Java</a:t>
+            </a:r>
+            <a:endParaRPr lang="pt-BR" dirty="0"/>
+          </a:p>
+        </p:txBody>
+      </p:sp>
+      <p:sp>
+        <p:nvSpPr>
+          <p:cNvPr id="3" name="Subtítulo 2"/>
           <p:cNvSpPr>
             <a:spLocks noGrp="1"/>
           </p:cNvSpPr>
           <p:nvPr>
-            <p:ph idx="1"/>
+            <p:ph type="subTitle" idx="1"/>
           </p:nvPr>
         </p:nvSpPr>
         <p:spPr/>
@@ -10582,19 +11935,23 @@
           <a:p>
             <a:r>
               <a:rPr lang="pt-BR" dirty="0" smtClean="0"/>
-              <a:t>Passando Variáveis de Referência à Objeto</a:t>
-            </a:r>
-          </a:p>
-          <a:p>
-            <a:r>
-              <a:rPr lang="pt-BR" dirty="0" smtClean="0"/>
-              <a:t>Java usa semântica de passagem-por-valor?</a:t>
-            </a:r>
-          </a:p>
-          <a:p>
-            <a:r>
-              <a:rPr lang="pt-BR" dirty="0" smtClean="0"/>
-              <a:t>Passando variáveis primitivas</a:t>
+              <a:t>OCA </a:t>
+            </a:r>
+            <a:r>
+              <a:rPr lang="pt-BR" dirty="0" err="1" smtClean="0"/>
+              <a:t>Objectives</a:t>
+            </a:r>
+            <a:r>
+              <a:rPr lang="pt-BR" dirty="0" smtClean="0"/>
+              <a:t> 3.1, 3.2 </a:t>
+            </a:r>
+            <a:r>
+              <a:rPr lang="pt-BR" dirty="0" err="1" smtClean="0"/>
+              <a:t>and</a:t>
+            </a:r>
+            <a:r>
+              <a:rPr lang="pt-BR" dirty="0" smtClean="0"/>
+              <a:t> 3.3</a:t>
             </a:r>
             <a:endParaRPr lang="pt-BR" dirty="0"/>
           </a:p>
@@ -10602,12 +11959,12 @@
       </p:sp>
       <p:sp>
         <p:nvSpPr>
-          <p:cNvPr id="7" name="Espaço Reservado para Rodapé 3"/>
+          <p:cNvPr id="5" name="Espaço Reservado para Rodapé 3"/>
           <p:cNvSpPr txBox="1">
             <a:spLocks noGrp="1"/>
           </p:cNvSpPr>
           <p:nvPr>
-            <p:ph type="ftr" sz="quarter" idx="13"/>
+            <p:ph type="ftr" sz="quarter" idx="4294967295"/>
           </p:nvPr>
         </p:nvSpPr>
         <p:spPr>
@@ -10728,7 +12085,7 @@
               </a:defRPr>
             </a:pPr>
             <a:r>
-              <a:rPr lang="pt-BR" sz="1200" dirty="0" err="1" smtClean="0">
+              <a:rPr lang="pt-BR" sz="1200" dirty="0" smtClean="0">
                 <a:solidFill>
                   <a:srgbClr val="8C8C8C"/>
                 </a:solidFill>
@@ -10736,16 +12093,8 @@
                 <a:ea typeface="Calibri" charset="0"/>
                 <a:cs typeface="Calibri" charset="0"/>
               </a:rPr>
-              <a:t>Assignments</a:t>
-            </a:r>
-            <a:endParaRPr lang="pt-BR" sz="1200" dirty="0" smtClean="0">
-              <a:solidFill>
-                <a:srgbClr val="8C8C8C"/>
-              </a:solidFill>
-              <a:latin typeface="Tw Cen MT" charset="0"/>
-              <a:ea typeface="Calibri" charset="0"/>
-              <a:cs typeface="Calibri" charset="0"/>
-            </a:endParaRPr>
+              <a:t>Operadores</a:t>
+            </a:r>
           </a:p>
           <a:p>
             <a:pPr algn="ctr">
@@ -10772,13 +12121,20 @@
     </p:spTree>
     <p:extLst>
       <p:ext uri="{BB962C8B-B14F-4D97-AF65-F5344CB8AC3E}">
-        <p14:creationId xmlns:p14="http://schemas.microsoft.com/office/powerpoint/2010/main" val="21654153"/>
+        <p14:creationId xmlns:p14="http://schemas.microsoft.com/office/powerpoint/2010/main" val="1039160923"/>
       </p:ext>
     </p:extLst>
   </p:cSld>
   <p:clrMapOvr>
     <a:masterClrMapping/>
   </p:clrMapOvr>
+  <p:timing>
+    <p:tnLst>
+      <p:par>
+        <p:cTn id="1" dur="indefinite" restart="never" nodeType="tmRoot"/>
+      </p:par>
+    </p:tnLst>
+  </p:timing>
 </p:sld>
 </file>
 
@@ -10801,12 +12157,12 @@
       </p:grpSpPr>
       <p:sp>
         <p:nvSpPr>
-          <p:cNvPr id="2" name="Título 1"/>
+          <p:cNvPr id="5" name="Título 4"/>
           <p:cNvSpPr>
             <a:spLocks noGrp="1"/>
           </p:cNvSpPr>
           <p:nvPr>
-            <p:ph type="ctrTitle"/>
+            <p:ph type="title"/>
           </p:nvPr>
         </p:nvSpPr>
         <p:spPr/>
@@ -10815,21 +12171,20 @@
           <a:lstStyle/>
           <a:p>
             <a:r>
-              <a:rPr lang="pt-BR" dirty="0" smtClean="0"/>
-              <a:t>Coletor de Lixo</a:t>
-            </a:r>
-            <a:endParaRPr lang="pt-BR" dirty="0"/>
-          </a:p>
-        </p:txBody>
-      </p:sp>
-      <p:sp>
-        <p:nvSpPr>
-          <p:cNvPr id="3" name="Subtítulo 2"/>
+              <a:rPr lang="pt-BR" dirty="0"/>
+              <a:t>Operadores em Java</a:t>
+            </a:r>
+          </a:p>
+        </p:txBody>
+      </p:sp>
+      <p:sp>
+        <p:nvSpPr>
+          <p:cNvPr id="6" name="Espaço Reservado para Conteúdo 5"/>
           <p:cNvSpPr>
             <a:spLocks noGrp="1"/>
           </p:cNvSpPr>
           <p:nvPr>
-            <p:ph type="subTitle" idx="1"/>
+            <p:ph idx="1"/>
           </p:nvPr>
         </p:nvSpPr>
         <p:spPr/>
@@ -10839,23 +12194,89 @@
           <a:p>
             <a:r>
               <a:rPr lang="pt-BR" dirty="0" smtClean="0"/>
-              <a:t>OCA </a:t>
+              <a:t>Operadores de Atribuição</a:t>
+            </a:r>
+          </a:p>
+          <a:p>
+            <a:pPr lvl="1"/>
+            <a:r>
+              <a:rPr lang="pt-BR" dirty="0" smtClean="0"/>
+              <a:t>Operadores compostos de Atribuição</a:t>
+            </a:r>
+          </a:p>
+          <a:p>
+            <a:r>
+              <a:rPr lang="pt-BR" dirty="0" smtClean="0"/>
+              <a:t>Operadores Relacionais</a:t>
+            </a:r>
+          </a:p>
+          <a:p>
+            <a:pPr lvl="1"/>
+            <a:r>
+              <a:rPr lang="pt-BR" dirty="0" smtClean="0"/>
+              <a:t>Operador de “igualdade”</a:t>
+            </a:r>
+          </a:p>
+          <a:p>
+            <a:pPr lvl="1"/>
+            <a:r>
+              <a:rPr lang="pt-BR" dirty="0" smtClean="0"/>
+              <a:t>Igualdade para primitivos</a:t>
+            </a:r>
+          </a:p>
+          <a:p>
+            <a:pPr lvl="1"/>
+            <a:r>
+              <a:rPr lang="pt-BR" dirty="0" smtClean="0"/>
+              <a:t>Igualdade para variáveis de referência</a:t>
+            </a:r>
+          </a:p>
+          <a:p>
+            <a:pPr lvl="1"/>
+            <a:r>
+              <a:rPr lang="pt-BR" dirty="0" smtClean="0"/>
+              <a:t>Igualdade para </a:t>
             </a:r>
             <a:r>
               <a:rPr lang="pt-BR" dirty="0" err="1" smtClean="0"/>
-              <a:t>Objective</a:t>
-            </a:r>
-            <a:r>
-              <a:rPr lang="pt-BR" dirty="0" smtClean="0"/>
-              <a:t> 2.4</a:t>
-            </a:r>
+              <a:t>Strings</a:t>
+            </a:r>
+            <a:r>
+              <a:rPr lang="pt-BR" dirty="0" smtClean="0"/>
+              <a:t> e </a:t>
+            </a:r>
+            <a:r>
+              <a:rPr lang="pt-BR" dirty="0" err="1" smtClean="0"/>
+              <a:t>java.lang.Object.equals</a:t>
+            </a:r>
+            <a:r>
+              <a:rPr lang="pt-BR" dirty="0" smtClean="0"/>
+              <a:t>()</a:t>
+            </a:r>
+          </a:p>
+          <a:p>
+            <a:r>
+              <a:rPr lang="pt-BR" dirty="0" smtClean="0"/>
+              <a:t>Comparador </a:t>
+            </a:r>
+            <a:r>
+              <a:rPr lang="pt-BR" dirty="0" err="1" smtClean="0"/>
+              <a:t>instanceof</a:t>
+            </a:r>
+            <a:endParaRPr lang="pt-BR" dirty="0" smtClean="0"/>
+          </a:p>
+          <a:p>
+            <a:endParaRPr lang="pt-BR" dirty="0" smtClean="0"/>
+          </a:p>
+          <a:p>
+            <a:pPr lvl="1"/>
             <a:endParaRPr lang="pt-BR" dirty="0"/>
           </a:p>
         </p:txBody>
       </p:sp>
       <p:sp>
         <p:nvSpPr>
-          <p:cNvPr id="5" name="Espaço Reservado para Rodapé 3"/>
+          <p:cNvPr id="7" name="Espaço Reservado para Rodapé 3"/>
           <p:cNvSpPr txBox="1">
             <a:spLocks noGrp="1"/>
           </p:cNvSpPr>
@@ -10981,7 +12402,7 @@
               </a:defRPr>
             </a:pPr>
             <a:r>
-              <a:rPr lang="pt-BR" sz="1200" dirty="0" err="1" smtClean="0">
+              <a:rPr lang="pt-BR" sz="1200" dirty="0" smtClean="0">
                 <a:solidFill>
                   <a:srgbClr val="8C8C8C"/>
                 </a:solidFill>
@@ -10989,16 +12410,8 @@
                 <a:ea typeface="Calibri" charset="0"/>
                 <a:cs typeface="Calibri" charset="0"/>
               </a:rPr>
-              <a:t>Assignments</a:t>
-            </a:r>
-            <a:endParaRPr lang="pt-BR" sz="1200" dirty="0" smtClean="0">
-              <a:solidFill>
-                <a:srgbClr val="8C8C8C"/>
-              </a:solidFill>
-              <a:latin typeface="Tw Cen MT" charset="0"/>
-              <a:ea typeface="Calibri" charset="0"/>
-              <a:cs typeface="Calibri" charset="0"/>
-            </a:endParaRPr>
+              <a:t>Operadores</a:t>
+            </a:r>
           </a:p>
           <a:p>
             <a:pPr algn="ctr">
@@ -11025,20 +12438,13 @@
     </p:spTree>
     <p:extLst>
       <p:ext uri="{BB962C8B-B14F-4D97-AF65-F5344CB8AC3E}">
-        <p14:creationId xmlns:p14="http://schemas.microsoft.com/office/powerpoint/2010/main" val="1564616669"/>
+        <p14:creationId xmlns:p14="http://schemas.microsoft.com/office/powerpoint/2010/main" val="2662573922"/>
       </p:ext>
     </p:extLst>
   </p:cSld>
   <p:clrMapOvr>
     <a:masterClrMapping/>
   </p:clrMapOvr>
-  <p:timing>
-    <p:tnLst>
-      <p:par>
-        <p:cTn id="1" dur="indefinite" restart="never" nodeType="tmRoot"/>
-      </p:par>
-    </p:tnLst>
-  </p:timing>
 </p:sld>
 </file>
 
@@ -11061,7 +12467,7 @@
       </p:grpSpPr>
       <p:sp>
         <p:nvSpPr>
-          <p:cNvPr id="5" name="Título 4"/>
+          <p:cNvPr id="2" name="Título 1"/>
           <p:cNvSpPr>
             <a:spLocks noGrp="1"/>
           </p:cNvSpPr>
@@ -11076,14 +12482,14 @@
           <a:p>
             <a:r>
               <a:rPr lang="pt-BR" dirty="0"/>
-              <a:t>Coletor de Lixo</a:t>
-            </a:r>
-          </a:p>
-        </p:txBody>
-      </p:sp>
-      <p:sp>
-        <p:nvSpPr>
-          <p:cNvPr id="6" name="Espaço Reservado para Conteúdo 5"/>
+              <a:t>Operadores em Java</a:t>
+            </a:r>
+          </a:p>
+        </p:txBody>
+      </p:sp>
+      <p:sp>
+        <p:nvSpPr>
+          <p:cNvPr id="3" name="Espaço Reservado para Conteúdo 2"/>
           <p:cNvSpPr>
             <a:spLocks noGrp="1"/>
           </p:cNvSpPr>
@@ -11096,80 +12502,83 @@
           <a:bodyPr/>
           <a:lstStyle/>
           <a:p>
-            <a:pPr algn="just"/>
-            <a:r>
-              <a:rPr lang="pt-BR" dirty="0" smtClean="0"/>
-              <a:t>Overview de Gerenciamento de Memória e Coletor de Lixo</a:t>
-            </a:r>
-          </a:p>
-          <a:p>
-            <a:pPr lvl="1" algn="just"/>
-            <a:r>
-              <a:rPr lang="pt-BR" dirty="0" smtClean="0"/>
-              <a:t>Quando o Coletor de Lixo roda?</a:t>
-            </a:r>
-          </a:p>
-          <a:p>
-            <a:pPr lvl="1" algn="just"/>
-            <a:r>
-              <a:rPr lang="pt-BR" dirty="0" smtClean="0"/>
-              <a:t>Como o Coletor de Lixo trabalha?</a:t>
-            </a:r>
-          </a:p>
-          <a:p>
-            <a:pPr algn="just"/>
-            <a:r>
-              <a:rPr lang="pt-BR" dirty="0" smtClean="0"/>
-              <a:t>Escrevendo código que explicitamente torne objetos elegíveis para limpeza</a:t>
-            </a:r>
-          </a:p>
-          <a:p>
-            <a:pPr lvl="1" algn="just"/>
-            <a:r>
-              <a:rPr lang="pt-BR" dirty="0" smtClean="0"/>
-              <a:t>Anulando uma referência</a:t>
-            </a:r>
-          </a:p>
-          <a:p>
-            <a:pPr lvl="1" algn="just"/>
+            <a:r>
+              <a:rPr lang="pt-BR" dirty="0" smtClean="0"/>
+              <a:t>Operadores Aritméticos</a:t>
+            </a:r>
+          </a:p>
+          <a:p>
+            <a:pPr lvl="1"/>
+            <a:r>
+              <a:rPr lang="pt-BR" dirty="0" smtClean="0"/>
+              <a:t>Operador de sobra (ou módulo)</a:t>
+            </a:r>
+          </a:p>
+          <a:p>
+            <a:pPr lvl="1"/>
+            <a:r>
+              <a:rPr lang="pt-BR" dirty="0" smtClean="0"/>
+              <a:t>Operador de concatenação de </a:t>
+            </a:r>
             <a:r>
               <a:rPr lang="pt-BR" dirty="0" err="1" smtClean="0"/>
-              <a:t>Reassinalando</a:t>
-            </a:r>
-            <a:r>
-              <a:rPr lang="pt-BR" dirty="0" smtClean="0"/>
-              <a:t> uma variável de referência</a:t>
-            </a:r>
-          </a:p>
-          <a:p>
-            <a:pPr lvl="1" algn="just"/>
-            <a:r>
-              <a:rPr lang="pt-BR" dirty="0" smtClean="0"/>
-              <a:t>Isolando uma referência</a:t>
-            </a:r>
-          </a:p>
-          <a:p>
-            <a:pPr lvl="1" algn="just"/>
-            <a:r>
-              <a:rPr lang="pt-BR" dirty="0" smtClean="0"/>
-              <a:t>Forçando chamada do coletor de lixo</a:t>
-            </a:r>
-          </a:p>
-          <a:p>
-            <a:pPr marL="457200" lvl="1" indent="0" algn="just">
-              <a:buNone/>
-            </a:pPr>
+              <a:t>String</a:t>
+            </a:r>
             <a:endParaRPr lang="pt-BR" dirty="0" smtClean="0"/>
           </a:p>
           <a:p>
-            <a:pPr algn="just"/>
+            <a:pPr lvl="1"/>
+            <a:r>
+              <a:rPr lang="pt-BR" dirty="0" smtClean="0"/>
+              <a:t>Operadores de incremento e decremento</a:t>
+            </a:r>
+          </a:p>
+          <a:p>
+            <a:r>
+              <a:rPr lang="pt-BR" dirty="0" smtClean="0"/>
+              <a:t>Operadores Condicionais</a:t>
+            </a:r>
+          </a:p>
+          <a:p>
+            <a:r>
+              <a:rPr lang="pt-BR" dirty="0" smtClean="0"/>
+              <a:t>Operadores Lógicos</a:t>
+            </a:r>
+          </a:p>
+          <a:p>
+            <a:pPr lvl="1"/>
+            <a:r>
+              <a:rPr lang="pt-BR" dirty="0" smtClean="0"/>
+              <a:t>Operadores lógicos de curto-circuito</a:t>
+            </a:r>
+          </a:p>
+          <a:p>
+            <a:pPr lvl="1"/>
+            <a:r>
+              <a:rPr lang="pt-BR" dirty="0" smtClean="0"/>
+              <a:t>Operadores lógicos de não-curto-circuito</a:t>
+            </a:r>
+          </a:p>
+          <a:p>
+            <a:pPr lvl="1"/>
+            <a:r>
+              <a:rPr lang="pt-BR" dirty="0" smtClean="0"/>
+              <a:t>Operadores lógicos ^ e !</a:t>
+            </a:r>
+          </a:p>
+          <a:p>
+            <a:pPr lvl="1"/>
+            <a:endParaRPr lang="pt-BR" dirty="0" smtClean="0"/>
+          </a:p>
+          <a:p>
+            <a:pPr lvl="1"/>
             <a:endParaRPr lang="pt-BR" dirty="0"/>
           </a:p>
         </p:txBody>
       </p:sp>
       <p:sp>
         <p:nvSpPr>
-          <p:cNvPr id="7" name="Espaço Reservado para Rodapé 3"/>
+          <p:cNvPr id="5" name="Espaço Reservado para Rodapé 3"/>
           <p:cNvSpPr txBox="1">
             <a:spLocks noGrp="1"/>
           </p:cNvSpPr>
@@ -11178,10 +12587,6 @@
           </p:nvPr>
         </p:nvSpPr>
         <p:spPr>
-          <a:xfrm>
-            <a:off x="3028950" y="6356350"/>
-            <a:ext cx="3086100" cy="365125"/>
-          </a:xfrm>
           <a:prstGeom prst="rect">
             <a:avLst/>
           </a:prstGeom>
@@ -11295,7 +12700,7 @@
               </a:defRPr>
             </a:pPr>
             <a:r>
-              <a:rPr lang="pt-BR" sz="1200" dirty="0" err="1" smtClean="0">
+              <a:rPr lang="pt-BR" sz="1200" dirty="0" smtClean="0">
                 <a:solidFill>
                   <a:srgbClr val="8C8C8C"/>
                 </a:solidFill>
@@ -11303,16 +12708,8 @@
                 <a:ea typeface="Calibri" charset="0"/>
                 <a:cs typeface="Calibri" charset="0"/>
               </a:rPr>
-              <a:t>Assignments</a:t>
-            </a:r>
-            <a:endParaRPr lang="pt-BR" sz="1200" dirty="0" smtClean="0">
-              <a:solidFill>
-                <a:srgbClr val="8C8C8C"/>
-              </a:solidFill>
-              <a:latin typeface="Tw Cen MT" charset="0"/>
-              <a:ea typeface="Calibri" charset="0"/>
-              <a:cs typeface="Calibri" charset="0"/>
-            </a:endParaRPr>
+              <a:t>Operadores</a:t>
+            </a:r>
           </a:p>
           <a:p>
             <a:pPr algn="ctr">
@@ -11339,7 +12736,7 @@
     </p:spTree>
     <p:extLst>
       <p:ext uri="{BB962C8B-B14F-4D97-AF65-F5344CB8AC3E}">
-        <p14:creationId xmlns:p14="http://schemas.microsoft.com/office/powerpoint/2010/main" val="1279183301"/>
+        <p14:creationId xmlns:p14="http://schemas.microsoft.com/office/powerpoint/2010/main" val="2162196913"/>
       </p:ext>
     </p:extLst>
   </p:cSld>
@@ -11474,63 +12871,91 @@
       </p:grpSpPr>
       <p:sp>
         <p:nvSpPr>
-          <p:cNvPr id="3" name="Espaço Reservado para Conteúdo 2"/>
+          <p:cNvPr id="2" name="Título 1"/>
           <p:cNvSpPr>
             <a:spLocks noGrp="1"/>
           </p:cNvSpPr>
           <p:nvPr>
-            <p:ph idx="1"/>
+            <p:ph type="ctrTitle"/>
+          </p:nvPr>
+        </p:nvSpPr>
+        <p:spPr/>
+        <p:txBody>
+          <a:bodyPr/>
+          <a:lstStyle/>
+          <a:p>
+            <a:r>
+              <a:rPr lang="pt-BR" dirty="0" smtClean="0"/>
+              <a:t>Usando </a:t>
+            </a:r>
+            <a:r>
+              <a:rPr lang="pt-BR" dirty="0" err="1" smtClean="0"/>
+              <a:t>Strings</a:t>
+            </a:r>
+            <a:r>
+              <a:rPr lang="pt-BR" dirty="0" smtClean="0"/>
+              <a:t> e </a:t>
+            </a:r>
+            <a:r>
+              <a:rPr lang="pt-BR" dirty="0" err="1" smtClean="0"/>
+              <a:t>StringBuilder</a:t>
+            </a:r>
+            <a:endParaRPr lang="pt-BR" dirty="0"/>
+          </a:p>
+        </p:txBody>
+      </p:sp>
+      <p:sp>
+        <p:nvSpPr>
+          <p:cNvPr id="3" name="Subtítulo 2"/>
+          <p:cNvSpPr>
+            <a:spLocks noGrp="1"/>
+          </p:cNvSpPr>
+          <p:nvPr>
+            <p:ph type="subTitle" idx="1"/>
+          </p:nvPr>
+        </p:nvSpPr>
+        <p:spPr/>
+        <p:txBody>
+          <a:bodyPr/>
+          <a:lstStyle/>
+          <a:p>
+            <a:r>
+              <a:rPr lang="pt-BR" dirty="0" smtClean="0"/>
+              <a:t>OCA </a:t>
+            </a:r>
+            <a:r>
+              <a:rPr lang="pt-BR" dirty="0" err="1" smtClean="0"/>
+              <a:t>Objectives</a:t>
+            </a:r>
+            <a:r>
+              <a:rPr lang="pt-BR" dirty="0" smtClean="0"/>
+              <a:t> 2.7 </a:t>
+            </a:r>
+            <a:r>
+              <a:rPr lang="pt-BR" dirty="0" err="1" smtClean="0"/>
+              <a:t>and</a:t>
+            </a:r>
+            <a:r>
+              <a:rPr lang="pt-BR" dirty="0" smtClean="0"/>
+              <a:t> 2.6</a:t>
+            </a:r>
+            <a:endParaRPr lang="pt-BR" dirty="0"/>
+          </a:p>
+        </p:txBody>
+      </p:sp>
+      <p:sp>
+        <p:nvSpPr>
+          <p:cNvPr id="5" name="Espaço Reservado para Rodapé 3"/>
+          <p:cNvSpPr txBox="1">
+            <a:spLocks noGrp="1"/>
+          </p:cNvSpPr>
+          <p:nvPr>
+            <p:ph type="ftr" sz="quarter" idx="4294967295"/>
           </p:nvPr>
         </p:nvSpPr>
         <p:spPr>
           <a:xfrm>
-            <a:off x="628650" y="2113658"/>
-            <a:ext cx="7886700" cy="3907630"/>
-          </a:xfrm>
-        </p:spPr>
-        <p:txBody>
-          <a:bodyPr/>
-          <a:lstStyle/>
-          <a:p>
-            <a:pPr marL="0" indent="0" algn="r">
-              <a:buNone/>
-            </a:pPr>
-            <a:endParaRPr lang="pt-BR" sz="6600" dirty="0" smtClean="0"/>
-          </a:p>
-          <a:p>
-            <a:pPr marL="0" indent="0" algn="r">
-              <a:buNone/>
-            </a:pPr>
-            <a:r>
-              <a:rPr lang="pt-BR" sz="6600" dirty="0" smtClean="0"/>
-              <a:t>Alguns exercícios </a:t>
-            </a:r>
-          </a:p>
-          <a:p>
-            <a:pPr marL="0" indent="0" algn="r">
-              <a:buNone/>
-            </a:pPr>
-            <a:r>
-              <a:rPr lang="pt-BR" sz="6600" dirty="0" smtClean="0"/>
-              <a:t>para fixação...</a:t>
-            </a:r>
-            <a:endParaRPr lang="pt-BR" sz="6600" dirty="0"/>
-          </a:p>
-        </p:txBody>
-      </p:sp>
-      <p:sp>
-        <p:nvSpPr>
-          <p:cNvPr id="4" name="Espaço Reservado para Rodapé 3"/>
-          <p:cNvSpPr txBox="1">
-            <a:spLocks noGrp="1"/>
-          </p:cNvSpPr>
-          <p:nvPr>
-            <p:ph type="ftr" sz="quarter" idx="13"/>
-          </p:nvPr>
-        </p:nvSpPr>
-        <p:spPr>
-          <a:xfrm>
-            <a:off x="3028950" y="6356350"/>
+            <a:off x="3028950" y="6356351"/>
             <a:ext cx="3086100" cy="365125"/>
           </a:xfrm>
           <a:prstGeom prst="rect">
@@ -11646,16 +13071,42 @@
               </a:defRPr>
             </a:pPr>
             <a:r>
-              <a:rPr lang="pt-BR" sz="1200" dirty="0" err="1" smtClean="0">
+              <a:rPr lang="pt-BR" dirty="0"/>
+              <a:t>Trabalhando com </a:t>
+            </a:r>
+            <a:r>
+              <a:rPr lang="pt-BR" dirty="0" err="1"/>
+              <a:t>Strings</a:t>
+            </a:r>
+            <a:r>
+              <a:rPr lang="pt-BR" dirty="0"/>
+              <a:t>, </a:t>
+            </a:r>
+            <a:r>
+              <a:rPr lang="pt-BR" dirty="0" err="1"/>
+              <a:t>Arrays</a:t>
+            </a:r>
+            <a:r>
+              <a:rPr lang="pt-BR" dirty="0"/>
+              <a:t> e </a:t>
+            </a:r>
+            <a:r>
+              <a:rPr lang="pt-BR" dirty="0" err="1"/>
+              <a:t>ArrayLists</a:t>
+            </a:r>
+            <a:endParaRPr lang="pt-BR" dirty="0"/>
+          </a:p>
+          <a:p>
+            <a:pPr algn="ctr">
+              <a:defRPr sz="1200">
                 <a:solidFill>
                   <a:srgbClr val="8C8C8C"/>
                 </a:solidFill>
                 <a:latin typeface="Tw Cen MT" charset="0"/>
                 <a:ea typeface="Calibri" charset="0"/>
                 <a:cs typeface="Calibri" charset="0"/>
-              </a:rPr>
-              <a:t>Assignments</a:t>
-            </a:r>
+              </a:defRPr>
+            </a:pPr>
             <a:endParaRPr lang="pt-BR" sz="1200" dirty="0" smtClean="0">
               <a:solidFill>
                 <a:srgbClr val="8C8C8C"/>
@@ -11690,7 +13141,7 @@
     </p:spTree>
     <p:extLst>
       <p:ext uri="{BB962C8B-B14F-4D97-AF65-F5344CB8AC3E}">
-        <p14:creationId xmlns:p14="http://schemas.microsoft.com/office/powerpoint/2010/main" val="1595718594"/>
+        <p14:creationId xmlns:p14="http://schemas.microsoft.com/office/powerpoint/2010/main" val="1074513946"/>
       </p:ext>
     </p:extLst>
   </p:cSld>
@@ -11726,12 +13177,12 @@
       </p:grpSpPr>
       <p:sp>
         <p:nvSpPr>
-          <p:cNvPr id="2" name="Título 1"/>
+          <p:cNvPr id="5" name="Título 4"/>
           <p:cNvSpPr>
             <a:spLocks noGrp="1"/>
           </p:cNvSpPr>
           <p:nvPr>
-            <p:ph type="ctrTitle"/>
+            <p:ph type="title"/>
           </p:nvPr>
         </p:nvSpPr>
         <p:spPr/>
@@ -11740,8 +13191,20 @@
           <a:lstStyle/>
           <a:p>
             <a:r>
-              <a:rPr lang="pt-BR" dirty="0" smtClean="0"/>
-              <a:t>Operadores em Java</a:t>
+              <a:rPr lang="pt-BR" dirty="0"/>
+              <a:t>Usando </a:t>
+            </a:r>
+            <a:r>
+              <a:rPr lang="pt-BR" dirty="0" err="1"/>
+              <a:t>Strings</a:t>
+            </a:r>
+            <a:r>
+              <a:rPr lang="pt-BR" dirty="0"/>
+              <a:t> e </a:t>
+            </a:r>
+            <a:r>
+              <a:rPr lang="pt-BR" dirty="0" err="1"/>
+              <a:t>StringBuilder</a:t>
             </a:r>
             <a:endParaRPr lang="pt-BR" dirty="0"/>
           </a:p>
@@ -11749,12 +13212,12 @@
       </p:sp>
       <p:sp>
         <p:nvSpPr>
-          <p:cNvPr id="3" name="Subtítulo 2"/>
+          <p:cNvPr id="6" name="Espaço Reservado para Conteúdo 5"/>
           <p:cNvSpPr>
             <a:spLocks noGrp="1"/>
           </p:cNvSpPr>
           <p:nvPr>
-            <p:ph type="subTitle" idx="1"/>
+            <p:ph idx="1"/>
           </p:nvPr>
         </p:nvSpPr>
         <p:spPr/>
@@ -11764,23 +13227,114 @@
           <a:p>
             <a:r>
               <a:rPr lang="pt-BR" dirty="0" smtClean="0"/>
-              <a:t>OCA </a:t>
+              <a:t>A classe </a:t>
             </a:r>
             <a:r>
               <a:rPr lang="pt-BR" dirty="0" err="1" smtClean="0"/>
-              <a:t>Objectives</a:t>
-            </a:r>
-            <a:r>
-              <a:rPr lang="pt-BR" dirty="0" smtClean="0"/>
-              <a:t> 3.1, 3.2 </a:t>
+              <a:t>String</a:t>
+            </a:r>
+            <a:endParaRPr lang="pt-BR" dirty="0" smtClean="0"/>
+          </a:p>
+          <a:p>
+            <a:pPr lvl="1"/>
+            <a:r>
+              <a:rPr lang="pt-BR" dirty="0" smtClean="0"/>
+              <a:t>Imutabilidade de </a:t>
             </a:r>
             <a:r>
               <a:rPr lang="pt-BR" dirty="0" err="1" smtClean="0"/>
-              <a:t>and</a:t>
-            </a:r>
-            <a:r>
-              <a:rPr lang="pt-BR" dirty="0" smtClean="0"/>
-              <a:t> 3.3</a:t>
+              <a:t>Strings</a:t>
+            </a:r>
+            <a:endParaRPr lang="pt-BR" dirty="0" smtClean="0"/>
+          </a:p>
+          <a:p>
+            <a:r>
+              <a:rPr lang="pt-BR" dirty="0" smtClean="0"/>
+              <a:t>Fatos importantes sobre </a:t>
+            </a:r>
+            <a:r>
+              <a:rPr lang="pt-BR" dirty="0" err="1" smtClean="0"/>
+              <a:t>String</a:t>
+            </a:r>
+            <a:r>
+              <a:rPr lang="pt-BR" dirty="0" smtClean="0"/>
+              <a:t> e memória</a:t>
+            </a:r>
+          </a:p>
+          <a:p>
+            <a:pPr lvl="1"/>
+            <a:r>
+              <a:rPr lang="pt-BR" dirty="0" smtClean="0"/>
+              <a:t>Criando novas </a:t>
+            </a:r>
+            <a:r>
+              <a:rPr lang="pt-BR" dirty="0" err="1" smtClean="0"/>
+              <a:t>Strings</a:t>
+            </a:r>
+            <a:endParaRPr lang="pt-BR" dirty="0" smtClean="0"/>
+          </a:p>
+          <a:p>
+            <a:r>
+              <a:rPr lang="pt-BR" dirty="0" smtClean="0"/>
+              <a:t>Métodos importantes na classe </a:t>
+            </a:r>
+            <a:r>
+              <a:rPr lang="pt-BR" dirty="0" err="1" smtClean="0"/>
+              <a:t>String</a:t>
+            </a:r>
+            <a:endParaRPr lang="pt-BR" dirty="0" smtClean="0"/>
+          </a:p>
+          <a:p>
+            <a:r>
+              <a:rPr lang="pt-BR" dirty="0" smtClean="0"/>
+              <a:t>A classe </a:t>
+            </a:r>
+            <a:r>
+              <a:rPr lang="pt-BR" dirty="0" err="1" smtClean="0"/>
+              <a:t>StringBuilder</a:t>
+            </a:r>
+            <a:endParaRPr lang="pt-BR" dirty="0" smtClean="0"/>
+          </a:p>
+          <a:p>
+            <a:pPr lvl="1"/>
+            <a:r>
+              <a:rPr lang="pt-BR" dirty="0" smtClean="0"/>
+              <a:t>Preferência de </a:t>
+            </a:r>
+            <a:r>
+              <a:rPr lang="pt-BR" dirty="0" err="1" smtClean="0"/>
+              <a:t>StringBuilder</a:t>
+            </a:r>
+            <a:r>
+              <a:rPr lang="pt-BR" dirty="0" smtClean="0"/>
+              <a:t> sobre </a:t>
+            </a:r>
+            <a:r>
+              <a:rPr lang="pt-BR" dirty="0" err="1" smtClean="0"/>
+              <a:t>StringBuffer</a:t>
+            </a:r>
+            <a:endParaRPr lang="pt-BR" dirty="0" smtClean="0"/>
+          </a:p>
+          <a:p>
+            <a:pPr lvl="1"/>
+            <a:r>
+              <a:rPr lang="pt-BR" dirty="0" smtClean="0"/>
+              <a:t>Usando </a:t>
+            </a:r>
+            <a:r>
+              <a:rPr lang="pt-BR" dirty="0" err="1" smtClean="0"/>
+              <a:t>StringBuilder</a:t>
+            </a:r>
+            <a:endParaRPr lang="pt-BR" dirty="0" smtClean="0"/>
+          </a:p>
+          <a:p>
+            <a:r>
+              <a:rPr lang="pt-BR" dirty="0" smtClean="0"/>
+              <a:t>Métodos importantes na classe </a:t>
+            </a:r>
+            <a:r>
+              <a:rPr lang="pt-BR" dirty="0" err="1" smtClean="0"/>
+              <a:t>StringBuilder</a:t>
             </a:r>
             <a:endParaRPr lang="pt-BR" dirty="0"/>
           </a:p>
@@ -11788,7 +13342,7 @@
       </p:sp>
       <p:sp>
         <p:nvSpPr>
-          <p:cNvPr id="5" name="Espaço Reservado para Rodapé 3"/>
+          <p:cNvPr id="8" name="Espaço Reservado para Rodapé 3"/>
           <p:cNvSpPr txBox="1">
             <a:spLocks noGrp="1"/>
           </p:cNvSpPr>
@@ -11798,7 +13352,7 @@
         </p:nvSpPr>
         <p:spPr>
           <a:xfrm>
-            <a:off x="3028950" y="6356350"/>
+            <a:off x="3028950" y="6356351"/>
             <a:ext cx="3086100" cy="365125"/>
           </a:xfrm>
           <a:prstGeom prst="rect">
@@ -11914,16 +13468,50 @@
               </a:defRPr>
             </a:pPr>
             <a:r>
-              <a:rPr lang="pt-BR" sz="1200" dirty="0" smtClean="0">
+              <a:rPr lang="pt-BR" dirty="0"/>
+              <a:t>Trabalhando com </a:t>
+            </a:r>
+            <a:r>
+              <a:rPr lang="pt-BR" dirty="0" err="1"/>
+              <a:t>Strings</a:t>
+            </a:r>
+            <a:r>
+              <a:rPr lang="pt-BR" dirty="0"/>
+              <a:t>, </a:t>
+            </a:r>
+            <a:r>
+              <a:rPr lang="pt-BR" dirty="0" err="1"/>
+              <a:t>Arrays</a:t>
+            </a:r>
+            <a:r>
+              <a:rPr lang="pt-BR" dirty="0"/>
+              <a:t> e </a:t>
+            </a:r>
+            <a:r>
+              <a:rPr lang="pt-BR" dirty="0" err="1"/>
+              <a:t>ArrayLists</a:t>
+            </a:r>
+            <a:endParaRPr lang="pt-BR" dirty="0"/>
+          </a:p>
+          <a:p>
+            <a:pPr algn="ctr">
+              <a:defRPr sz="1200">
                 <a:solidFill>
                   <a:srgbClr val="8C8C8C"/>
                 </a:solidFill>
                 <a:latin typeface="Tw Cen MT" charset="0"/>
                 <a:ea typeface="Calibri" charset="0"/>
                 <a:cs typeface="Calibri" charset="0"/>
-              </a:rPr>
-              <a:t>Operadores</a:t>
-            </a:r>
+              </a:defRPr>
+            </a:pPr>
+            <a:endParaRPr lang="pt-BR" sz="1200" dirty="0" smtClean="0">
+              <a:solidFill>
+                <a:srgbClr val="8C8C8C"/>
+              </a:solidFill>
+              <a:latin typeface="Tw Cen MT" charset="0"/>
+              <a:ea typeface="Calibri" charset="0"/>
+              <a:cs typeface="Calibri" charset="0"/>
+            </a:endParaRPr>
           </a:p>
           <a:p>
             <a:pPr algn="ctr">
@@ -11950,20 +13538,13 @@
     </p:spTree>
     <p:extLst>
       <p:ext uri="{BB962C8B-B14F-4D97-AF65-F5344CB8AC3E}">
-        <p14:creationId xmlns:p14="http://schemas.microsoft.com/office/powerpoint/2010/main" val="1039160923"/>
+        <p14:creationId xmlns:p14="http://schemas.microsoft.com/office/powerpoint/2010/main" val="1541038056"/>
       </p:ext>
     </p:extLst>
   </p:cSld>
   <p:clrMapOvr>
     <a:masterClrMapping/>
   </p:clrMapOvr>
-  <p:timing>
-    <p:tnLst>
-      <p:par>
-        <p:cTn id="1" dur="indefinite" restart="never" nodeType="tmRoot"/>
-      </p:par>
-    </p:tnLst>
-  </p:timing>
 </p:sld>
 </file>
 
@@ -11986,12 +13567,12 @@
       </p:grpSpPr>
       <p:sp>
         <p:nvSpPr>
-          <p:cNvPr id="5" name="Título 4"/>
+          <p:cNvPr id="2" name="Título 1"/>
           <p:cNvSpPr>
             <a:spLocks noGrp="1"/>
           </p:cNvSpPr>
           <p:nvPr>
-            <p:ph type="title"/>
+            <p:ph type="ctrTitle"/>
           </p:nvPr>
         </p:nvSpPr>
         <p:spPr/>
@@ -12000,20 +13581,25 @@
           <a:lstStyle/>
           <a:p>
             <a:r>
-              <a:rPr lang="pt-BR" dirty="0"/>
-              <a:t>Operadores em Java</a:t>
-            </a:r>
-          </a:p>
-        </p:txBody>
-      </p:sp>
-      <p:sp>
-        <p:nvSpPr>
-          <p:cNvPr id="6" name="Espaço Reservado para Conteúdo 5"/>
+              <a:rPr lang="pt-BR" dirty="0" smtClean="0"/>
+              <a:t>Usando </a:t>
+            </a:r>
+            <a:r>
+              <a:rPr lang="pt-BR" dirty="0" err="1" smtClean="0"/>
+              <a:t>Arrays</a:t>
+            </a:r>
+            <a:endParaRPr lang="pt-BR" dirty="0"/>
+          </a:p>
+        </p:txBody>
+      </p:sp>
+      <p:sp>
+        <p:nvSpPr>
+          <p:cNvPr id="3" name="Subtítulo 2"/>
           <p:cNvSpPr>
             <a:spLocks noGrp="1"/>
           </p:cNvSpPr>
           <p:nvPr>
-            <p:ph idx="1"/>
+            <p:ph type="subTitle" idx="1"/>
           </p:nvPr>
         </p:nvSpPr>
         <p:spPr/>
@@ -12023,89 +13609,31 @@
           <a:p>
             <a:r>
               <a:rPr lang="pt-BR" dirty="0" smtClean="0"/>
-              <a:t>Operadores de Atribuição</a:t>
-            </a:r>
-          </a:p>
-          <a:p>
-            <a:pPr lvl="1"/>
-            <a:r>
-              <a:rPr lang="pt-BR" dirty="0" smtClean="0"/>
-              <a:t>Operadores compostos de Atribuição</a:t>
-            </a:r>
-          </a:p>
-          <a:p>
-            <a:r>
-              <a:rPr lang="pt-BR" dirty="0" smtClean="0"/>
-              <a:t>Operadores Relacionais</a:t>
-            </a:r>
-          </a:p>
-          <a:p>
-            <a:pPr lvl="1"/>
-            <a:r>
-              <a:rPr lang="pt-BR" dirty="0" smtClean="0"/>
-              <a:t>Operador de “igualdade”</a:t>
-            </a:r>
-          </a:p>
-          <a:p>
-            <a:pPr lvl="1"/>
-            <a:r>
-              <a:rPr lang="pt-BR" dirty="0" smtClean="0"/>
-              <a:t>Igualdade para primitivos</a:t>
-            </a:r>
-          </a:p>
-          <a:p>
-            <a:pPr lvl="1"/>
-            <a:r>
-              <a:rPr lang="pt-BR" dirty="0" smtClean="0"/>
-              <a:t>Igualdade para variáveis de referência</a:t>
-            </a:r>
-          </a:p>
-          <a:p>
-            <a:pPr lvl="1"/>
-            <a:r>
-              <a:rPr lang="pt-BR" dirty="0" smtClean="0"/>
-              <a:t>Igualdade para </a:t>
+              <a:t>OCA </a:t>
             </a:r>
             <a:r>
               <a:rPr lang="pt-BR" dirty="0" err="1" smtClean="0"/>
-              <a:t>Strings</a:t>
-            </a:r>
-            <a:r>
-              <a:rPr lang="pt-BR" dirty="0" smtClean="0"/>
-              <a:t> e </a:t>
+              <a:t>Objectives</a:t>
+            </a:r>
+            <a:r>
+              <a:rPr lang="pt-BR" dirty="0" smtClean="0"/>
+              <a:t> 4.1 </a:t>
             </a:r>
             <a:r>
               <a:rPr lang="pt-BR" dirty="0" err="1" smtClean="0"/>
-              <a:t>java.lang.Object.equals</a:t>
-            </a:r>
-            <a:r>
-              <a:rPr lang="pt-BR" dirty="0" smtClean="0"/>
-              <a:t>()</a:t>
-            </a:r>
-          </a:p>
-          <a:p>
-            <a:r>
-              <a:rPr lang="pt-BR" dirty="0" smtClean="0"/>
-              <a:t>Comparador </a:t>
-            </a:r>
-            <a:r>
-              <a:rPr lang="pt-BR" dirty="0" err="1" smtClean="0"/>
-              <a:t>instanceof</a:t>
-            </a:r>
-            <a:endParaRPr lang="pt-BR" dirty="0" smtClean="0"/>
-          </a:p>
-          <a:p>
-            <a:endParaRPr lang="pt-BR" dirty="0" smtClean="0"/>
-          </a:p>
-          <a:p>
-            <a:pPr lvl="1"/>
+              <a:t>and</a:t>
+            </a:r>
+            <a:r>
+              <a:rPr lang="pt-BR" dirty="0" smtClean="0"/>
+              <a:t> 4.2</a:t>
+            </a:r>
             <a:endParaRPr lang="pt-BR" dirty="0"/>
           </a:p>
         </p:txBody>
       </p:sp>
       <p:sp>
         <p:nvSpPr>
-          <p:cNvPr id="7" name="Espaço Reservado para Rodapé 3"/>
+          <p:cNvPr id="5" name="Espaço Reservado para Rodapé 3"/>
           <p:cNvSpPr txBox="1">
             <a:spLocks noGrp="1"/>
           </p:cNvSpPr>
@@ -12115,7 +13643,7 @@
         </p:nvSpPr>
         <p:spPr>
           <a:xfrm>
-            <a:off x="3028950" y="6356350"/>
+            <a:off x="3028950" y="6356351"/>
             <a:ext cx="3086100" cy="365125"/>
           </a:xfrm>
           <a:prstGeom prst="rect">
@@ -12231,16 +13759,50 @@
               </a:defRPr>
             </a:pPr>
             <a:r>
-              <a:rPr lang="pt-BR" sz="1200" dirty="0" smtClean="0">
+              <a:rPr lang="pt-BR" dirty="0"/>
+              <a:t>Trabalhando com </a:t>
+            </a:r>
+            <a:r>
+              <a:rPr lang="pt-BR" dirty="0" err="1"/>
+              <a:t>Strings</a:t>
+            </a:r>
+            <a:r>
+              <a:rPr lang="pt-BR" dirty="0"/>
+              <a:t>, </a:t>
+            </a:r>
+            <a:r>
+              <a:rPr lang="pt-BR" dirty="0" err="1"/>
+              <a:t>Arrays</a:t>
+            </a:r>
+            <a:r>
+              <a:rPr lang="pt-BR" dirty="0"/>
+              <a:t> e </a:t>
+            </a:r>
+            <a:r>
+              <a:rPr lang="pt-BR" dirty="0" err="1"/>
+              <a:t>ArrayLists</a:t>
+            </a:r>
+            <a:endParaRPr lang="pt-BR" dirty="0"/>
+          </a:p>
+          <a:p>
+            <a:pPr algn="ctr">
+              <a:defRPr sz="1200">
                 <a:solidFill>
                   <a:srgbClr val="8C8C8C"/>
                 </a:solidFill>
                 <a:latin typeface="Tw Cen MT" charset="0"/>
                 <a:ea typeface="Calibri" charset="0"/>
                 <a:cs typeface="Calibri" charset="0"/>
-              </a:rPr>
-              <a:t>Operadores</a:t>
-            </a:r>
+              </a:defRPr>
+            </a:pPr>
+            <a:endParaRPr lang="pt-BR" sz="1200" dirty="0" smtClean="0">
+              <a:solidFill>
+                <a:srgbClr val="8C8C8C"/>
+              </a:solidFill>
+              <a:latin typeface="Tw Cen MT" charset="0"/>
+              <a:ea typeface="Calibri" charset="0"/>
+              <a:cs typeface="Calibri" charset="0"/>
+            </a:endParaRPr>
           </a:p>
           <a:p>
             <a:pPr algn="ctr">
@@ -12267,13 +13829,20 @@
     </p:spTree>
     <p:extLst>
       <p:ext uri="{BB962C8B-B14F-4D97-AF65-F5344CB8AC3E}">
-        <p14:creationId xmlns:p14="http://schemas.microsoft.com/office/powerpoint/2010/main" val="2662573922"/>
+        <p14:creationId xmlns:p14="http://schemas.microsoft.com/office/powerpoint/2010/main" val="1389997935"/>
       </p:ext>
     </p:extLst>
   </p:cSld>
   <p:clrMapOvr>
     <a:masterClrMapping/>
   </p:clrMapOvr>
+  <p:timing>
+    <p:tnLst>
+      <p:par>
+        <p:cTn id="1" dur="indefinite" restart="never" nodeType="tmRoot"/>
+      </p:par>
+    </p:tnLst>
+  </p:timing>
 </p:sld>
 </file>
 
@@ -12296,7 +13865,7 @@
       </p:grpSpPr>
       <p:sp>
         <p:nvSpPr>
-          <p:cNvPr id="2" name="Título 1"/>
+          <p:cNvPr id="5" name="Título 4"/>
           <p:cNvSpPr>
             <a:spLocks noGrp="1"/>
           </p:cNvSpPr>
@@ -12311,14 +13880,19 @@
           <a:p>
             <a:r>
               <a:rPr lang="pt-BR" dirty="0"/>
-              <a:t>Operadores em Java</a:t>
-            </a:r>
-          </a:p>
-        </p:txBody>
-      </p:sp>
-      <p:sp>
-        <p:nvSpPr>
-          <p:cNvPr id="3" name="Espaço Reservado para Conteúdo 2"/>
+              <a:t>Usando </a:t>
+            </a:r>
+            <a:r>
+              <a:rPr lang="pt-BR" dirty="0" err="1"/>
+              <a:t>Arrays</a:t>
+            </a:r>
+            <a:endParaRPr lang="pt-BR" dirty="0"/>
+          </a:p>
+        </p:txBody>
+      </p:sp>
+      <p:sp>
+        <p:nvSpPr>
+          <p:cNvPr id="6" name="Espaço Reservado para Conteúdo 5"/>
           <p:cNvSpPr>
             <a:spLocks noGrp="1"/>
           </p:cNvSpPr>
@@ -12326,96 +13900,231 @@
             <p:ph idx="1"/>
           </p:nvPr>
         </p:nvSpPr>
-        <p:spPr/>
+        <p:spPr>
+          <a:xfrm>
+            <a:off x="628650" y="1484784"/>
+            <a:ext cx="7886700" cy="4680520"/>
+          </a:xfrm>
+        </p:spPr>
         <p:txBody>
           <a:bodyPr/>
           <a:lstStyle/>
           <a:p>
             <a:r>
-              <a:rPr lang="pt-BR" dirty="0" smtClean="0"/>
-              <a:t>Operadores Aritméticos</a:t>
-            </a:r>
+              <a:rPr lang="pt-BR" sz="2000" dirty="0" smtClean="0"/>
+              <a:t>Conceito</a:t>
+            </a:r>
+          </a:p>
+          <a:p>
+            <a:r>
+              <a:rPr lang="pt-BR" sz="2000" dirty="0" smtClean="0"/>
+              <a:t>Declarando um </a:t>
+            </a:r>
+            <a:r>
+              <a:rPr lang="pt-BR" sz="2000" dirty="0" err="1" smtClean="0"/>
+              <a:t>Array</a:t>
+            </a:r>
+            <a:endParaRPr lang="pt-BR" sz="2000" dirty="0" smtClean="0"/>
+          </a:p>
+          <a:p>
+            <a:r>
+              <a:rPr lang="pt-BR" sz="2000" dirty="0" smtClean="0"/>
+              <a:t>Construindo um </a:t>
+            </a:r>
+            <a:r>
+              <a:rPr lang="pt-BR" sz="2000" dirty="0" err="1" smtClean="0"/>
+              <a:t>Array</a:t>
+            </a:r>
+            <a:endParaRPr lang="pt-BR" sz="2000" dirty="0" smtClean="0"/>
           </a:p>
           <a:p>
             <a:pPr lvl="1"/>
             <a:r>
-              <a:rPr lang="pt-BR" dirty="0" smtClean="0"/>
-              <a:t>Operador de sobra (ou módulo)</a:t>
+              <a:rPr lang="pt-BR" sz="1800" dirty="0" err="1" smtClean="0"/>
+              <a:t>Contruindo</a:t>
+            </a:r>
+            <a:r>
+              <a:rPr lang="pt-BR" sz="1800" dirty="0" smtClean="0"/>
+              <a:t> um </a:t>
+            </a:r>
+            <a:r>
+              <a:rPr lang="pt-BR" sz="1800" dirty="0" err="1" smtClean="0"/>
+              <a:t>Array</a:t>
+            </a:r>
+            <a:r>
+              <a:rPr lang="pt-BR" sz="1800" dirty="0" smtClean="0"/>
+              <a:t> unidimensional</a:t>
             </a:r>
           </a:p>
           <a:p>
             <a:pPr lvl="1"/>
             <a:r>
-              <a:rPr lang="pt-BR" dirty="0" smtClean="0"/>
-              <a:t>Operador de concatenação de </a:t>
-            </a:r>
-            <a:r>
-              <a:rPr lang="pt-BR" dirty="0" err="1" smtClean="0"/>
-              <a:t>String</a:t>
-            </a:r>
-            <a:endParaRPr lang="pt-BR" dirty="0" smtClean="0"/>
+              <a:rPr lang="pt-BR" sz="1800" dirty="0" smtClean="0"/>
+              <a:t>Construindo um </a:t>
+            </a:r>
+            <a:r>
+              <a:rPr lang="pt-BR" sz="1800" dirty="0" err="1" smtClean="0"/>
+              <a:t>Array</a:t>
+            </a:r>
+            <a:r>
+              <a:rPr lang="pt-BR" sz="1800" dirty="0" smtClean="0"/>
+              <a:t> multidimensional</a:t>
+            </a:r>
+          </a:p>
+          <a:p>
+            <a:r>
+              <a:rPr lang="pt-BR" sz="2000" dirty="0" smtClean="0"/>
+              <a:t>Inicializando um </a:t>
+            </a:r>
+            <a:r>
+              <a:rPr lang="pt-BR" sz="2000" dirty="0" err="1" smtClean="0"/>
+              <a:t>Array</a:t>
+            </a:r>
+            <a:endParaRPr lang="pt-BR" sz="2000" dirty="0" smtClean="0"/>
           </a:p>
           <a:p>
             <a:pPr lvl="1"/>
             <a:r>
-              <a:rPr lang="pt-BR" dirty="0" smtClean="0"/>
-              <a:t>Operadores de incremento e decremento</a:t>
-            </a:r>
-          </a:p>
-          <a:p>
-            <a:r>
-              <a:rPr lang="pt-BR" dirty="0" smtClean="0"/>
-              <a:t>Operadores Condicionais</a:t>
-            </a:r>
-          </a:p>
-          <a:p>
-            <a:r>
-              <a:rPr lang="pt-BR" dirty="0" smtClean="0"/>
-              <a:t>Operadores Lógicos</a:t>
+              <a:rPr lang="pt-BR" sz="1800" dirty="0" smtClean="0"/>
+              <a:t>Inicializando elementos em um loop</a:t>
             </a:r>
           </a:p>
           <a:p>
             <a:pPr lvl="1"/>
             <a:r>
-              <a:rPr lang="pt-BR" dirty="0" smtClean="0"/>
-              <a:t>Operadores lógicos de curto-circuito</a:t>
+              <a:rPr lang="pt-BR" sz="1800" dirty="0" smtClean="0"/>
+              <a:t>Declarando, construindo e inicializando em uma linha</a:t>
             </a:r>
           </a:p>
           <a:p>
             <a:pPr lvl="1"/>
             <a:r>
-              <a:rPr lang="pt-BR" dirty="0" smtClean="0"/>
-              <a:t>Operadores lógicos de não-curto-circuito</a:t>
-            </a:r>
+              <a:rPr lang="pt-BR" sz="1800" dirty="0" smtClean="0"/>
+              <a:t>Construindo e inicializando um </a:t>
+            </a:r>
+            <a:r>
+              <a:rPr lang="pt-BR" sz="1800" dirty="0" err="1" smtClean="0"/>
+              <a:t>Array</a:t>
+            </a:r>
+            <a:r>
+              <a:rPr lang="pt-BR" sz="1800" dirty="0" smtClean="0"/>
+              <a:t> </a:t>
+            </a:r>
+            <a:r>
+              <a:rPr lang="pt-BR" sz="1800" dirty="0" err="1" smtClean="0"/>
+              <a:t>Anonimo</a:t>
+            </a:r>
+            <a:endParaRPr lang="pt-BR" sz="1800" dirty="0" smtClean="0"/>
           </a:p>
           <a:p>
             <a:pPr lvl="1"/>
             <a:r>
-              <a:rPr lang="pt-BR" dirty="0" smtClean="0"/>
-              <a:t>Operadores lógicos ^ e !</a:t>
+              <a:rPr lang="pt-BR" sz="1800" dirty="0" smtClean="0"/>
+              <a:t>Atribuições de elementos de </a:t>
+            </a:r>
+            <a:r>
+              <a:rPr lang="pt-BR" sz="1800" dirty="0" err="1" smtClean="0"/>
+              <a:t>Array</a:t>
+            </a:r>
+            <a:r>
+              <a:rPr lang="pt-BR" sz="1800" dirty="0" smtClean="0"/>
+              <a:t> válidos</a:t>
             </a:r>
           </a:p>
           <a:p>
             <a:pPr lvl="1"/>
-            <a:endParaRPr lang="pt-BR" dirty="0" smtClean="0"/>
+            <a:r>
+              <a:rPr lang="pt-BR" sz="1800" dirty="0" err="1" smtClean="0"/>
+              <a:t>Array</a:t>
+            </a:r>
+            <a:r>
+              <a:rPr lang="pt-BR" sz="1800" dirty="0" smtClean="0"/>
+              <a:t> de primitivos</a:t>
+            </a:r>
           </a:p>
           <a:p>
             <a:pPr lvl="1"/>
-            <a:endParaRPr lang="pt-BR" dirty="0"/>
-          </a:p>
-        </p:txBody>
-      </p:sp>
-      <p:sp>
-        <p:nvSpPr>
-          <p:cNvPr id="5" name="Espaço Reservado para Rodapé 3"/>
+            <a:r>
+              <a:rPr lang="pt-BR" sz="1800" dirty="0" err="1" smtClean="0"/>
+              <a:t>Array</a:t>
+            </a:r>
+            <a:r>
+              <a:rPr lang="pt-BR" sz="1800" dirty="0" smtClean="0"/>
+              <a:t> de referência de Objeto</a:t>
+            </a:r>
+          </a:p>
+          <a:p>
+            <a:pPr lvl="1"/>
+            <a:r>
+              <a:rPr lang="pt-BR" sz="1800" dirty="0" smtClean="0"/>
+              <a:t>Atribuições de </a:t>
+            </a:r>
+            <a:r>
+              <a:rPr lang="pt-BR" sz="1800" dirty="0" err="1" smtClean="0"/>
+              <a:t>Array</a:t>
+            </a:r>
+            <a:r>
+              <a:rPr lang="pt-BR" sz="1800" dirty="0" smtClean="0"/>
+              <a:t> para referência, em </a:t>
+            </a:r>
+            <a:r>
+              <a:rPr lang="pt-BR" sz="1800" dirty="0" err="1" smtClean="0"/>
+              <a:t>Array</a:t>
+            </a:r>
+            <a:r>
+              <a:rPr lang="pt-BR" sz="1800" dirty="0" smtClean="0"/>
+              <a:t> unidimensional</a:t>
+            </a:r>
+          </a:p>
+          <a:p>
+            <a:pPr lvl="1"/>
+            <a:r>
+              <a:rPr lang="pt-BR" sz="1800" dirty="0"/>
+              <a:t>Atribuições de </a:t>
+            </a:r>
+            <a:r>
+              <a:rPr lang="pt-BR" sz="1800" dirty="0" err="1"/>
+              <a:t>Array</a:t>
+            </a:r>
+            <a:r>
+              <a:rPr lang="pt-BR" sz="1800" dirty="0"/>
+              <a:t> para referência, em </a:t>
+            </a:r>
+            <a:r>
+              <a:rPr lang="pt-BR" sz="1800" dirty="0" err="1"/>
+              <a:t>Array</a:t>
+            </a:r>
+            <a:r>
+              <a:rPr lang="pt-BR" sz="1800" dirty="0"/>
+              <a:t> </a:t>
+            </a:r>
+            <a:r>
+              <a:rPr lang="pt-BR" sz="1800" dirty="0" smtClean="0"/>
+              <a:t>multidimensional</a:t>
+            </a:r>
+            <a:endParaRPr lang="pt-BR" sz="1800" dirty="0"/>
+          </a:p>
+          <a:p>
+            <a:pPr lvl="1"/>
+            <a:endParaRPr lang="pt-BR" sz="1800" dirty="0"/>
+          </a:p>
+        </p:txBody>
+      </p:sp>
+      <p:sp>
+        <p:nvSpPr>
+          <p:cNvPr id="7" name="Espaço Reservado para Rodapé 3"/>
           <p:cNvSpPr txBox="1">
             <a:spLocks noGrp="1"/>
           </p:cNvSpPr>
           <p:nvPr>
-            <p:ph type="ftr" sz="quarter" idx="13"/>
+            <p:ph type="ftr" sz="quarter" idx="4294967295"/>
           </p:nvPr>
         </p:nvSpPr>
         <p:spPr>
+          <a:xfrm>
+            <a:off x="3028950" y="6356351"/>
+            <a:ext cx="3086100" cy="365125"/>
+          </a:xfrm>
           <a:prstGeom prst="rect">
             <a:avLst/>
           </a:prstGeom>
@@ -12529,16 +14238,50 @@
               </a:defRPr>
             </a:pPr>
             <a:r>
-              <a:rPr lang="pt-BR" sz="1200" dirty="0" smtClean="0">
+              <a:rPr lang="pt-BR" dirty="0"/>
+              <a:t>Trabalhando com </a:t>
+            </a:r>
+            <a:r>
+              <a:rPr lang="pt-BR" dirty="0" err="1"/>
+              <a:t>Strings</a:t>
+            </a:r>
+            <a:r>
+              <a:rPr lang="pt-BR" dirty="0"/>
+              <a:t>, </a:t>
+            </a:r>
+            <a:r>
+              <a:rPr lang="pt-BR" dirty="0" err="1"/>
+              <a:t>Arrays</a:t>
+            </a:r>
+            <a:r>
+              <a:rPr lang="pt-BR" dirty="0"/>
+              <a:t> e </a:t>
+            </a:r>
+            <a:r>
+              <a:rPr lang="pt-BR" dirty="0" err="1"/>
+              <a:t>ArrayLists</a:t>
+            </a:r>
+            <a:endParaRPr lang="pt-BR" dirty="0"/>
+          </a:p>
+          <a:p>
+            <a:pPr algn="ctr">
+              <a:defRPr sz="1200">
                 <a:solidFill>
                   <a:srgbClr val="8C8C8C"/>
                 </a:solidFill>
                 <a:latin typeface="Tw Cen MT" charset="0"/>
                 <a:ea typeface="Calibri" charset="0"/>
                 <a:cs typeface="Calibri" charset="0"/>
-              </a:rPr>
-              <a:t>Operadores</a:t>
-            </a:r>
+              </a:defRPr>
+            </a:pPr>
+            <a:endParaRPr lang="pt-BR" sz="1200" dirty="0" smtClean="0">
+              <a:solidFill>
+                <a:srgbClr val="8C8C8C"/>
+              </a:solidFill>
+              <a:latin typeface="Tw Cen MT" charset="0"/>
+              <a:ea typeface="Calibri" charset="0"/>
+              <a:cs typeface="Calibri" charset="0"/>
+            </a:endParaRPr>
           </a:p>
           <a:p>
             <a:pPr algn="ctr">
@@ -12565,7 +14308,7 @@
     </p:spTree>
     <p:extLst>
       <p:ext uri="{BB962C8B-B14F-4D97-AF65-F5344CB8AC3E}">
-        <p14:creationId xmlns:p14="http://schemas.microsoft.com/office/powerpoint/2010/main" val="2162196913"/>
+        <p14:creationId xmlns:p14="http://schemas.microsoft.com/office/powerpoint/2010/main" val="222251435"/>
       </p:ext>
     </p:extLst>
   </p:cSld>
@@ -12613,15 +14356,7 @@
             </a:r>
             <a:r>
               <a:rPr lang="pt-BR" dirty="0" err="1" smtClean="0"/>
-              <a:t>Strings</a:t>
-            </a:r>
-            <a:r>
-              <a:rPr lang="pt-BR" dirty="0" smtClean="0"/>
-              <a:t> e </a:t>
-            </a:r>
-            <a:r>
-              <a:rPr lang="pt-BR" dirty="0" err="1" smtClean="0"/>
-              <a:t>StringBuilder</a:t>
+              <a:t>ArrayList</a:t>
             </a:r>
             <a:endParaRPr lang="pt-BR" dirty="0"/>
           </a:p>
@@ -12648,19 +14383,11 @@
             </a:r>
             <a:r>
               <a:rPr lang="pt-BR" dirty="0" err="1" smtClean="0"/>
-              <a:t>Objectives</a:t>
-            </a:r>
-            <a:r>
-              <a:rPr lang="pt-BR" dirty="0" smtClean="0"/>
-              <a:t> 2.7 </a:t>
-            </a:r>
-            <a:r>
-              <a:rPr lang="pt-BR" dirty="0" err="1" smtClean="0"/>
-              <a:t>and</a:t>
-            </a:r>
-            <a:r>
-              <a:rPr lang="pt-BR" dirty="0" smtClean="0"/>
-              <a:t> 2.6</a:t>
+              <a:t>Objective</a:t>
+            </a:r>
+            <a:r>
+              <a:rPr lang="pt-BR" dirty="0" smtClean="0"/>
+              <a:t> 4.3</a:t>
             </a:r>
             <a:endParaRPr lang="pt-BR" dirty="0"/>
           </a:p>
@@ -12864,7 +14591,7 @@
     </p:spTree>
     <p:extLst>
       <p:ext uri="{BB962C8B-B14F-4D97-AF65-F5344CB8AC3E}">
-        <p14:creationId xmlns:p14="http://schemas.microsoft.com/office/powerpoint/2010/main" val="1074513946"/>
+        <p14:creationId xmlns:p14="http://schemas.microsoft.com/office/powerpoint/2010/main" val="2158061903"/>
       </p:ext>
     </p:extLst>
   </p:cSld>
@@ -12919,15 +14646,7 @@
             </a:r>
             <a:r>
               <a:rPr lang="pt-BR" dirty="0" err="1"/>
-              <a:t>Strings</a:t>
-            </a:r>
-            <a:r>
-              <a:rPr lang="pt-BR" dirty="0"/>
-              <a:t> e </a:t>
-            </a:r>
-            <a:r>
-              <a:rPr lang="pt-BR" dirty="0" err="1"/>
-              <a:t>StringBuilder</a:t>
+              <a:t>ArrayList</a:t>
             </a:r>
             <a:endParaRPr lang="pt-BR" dirty="0"/>
           </a:p>
@@ -12950,114 +14669,43 @@
           <a:p>
             <a:r>
               <a:rPr lang="pt-BR" dirty="0" smtClean="0"/>
-              <a:t>A classe </a:t>
+              <a:t>Quando usar </a:t>
             </a:r>
             <a:r>
               <a:rPr lang="pt-BR" dirty="0" err="1" smtClean="0"/>
-              <a:t>String</a:t>
+              <a:t>ArrayLists</a:t>
             </a:r>
             <a:endParaRPr lang="pt-BR" dirty="0" smtClean="0"/>
           </a:p>
           <a:p>
             <a:pPr lvl="1"/>
             <a:r>
-              <a:rPr lang="pt-BR" dirty="0" smtClean="0"/>
-              <a:t>Imutabilidade de </a:t>
-            </a:r>
-            <a:r>
               <a:rPr lang="pt-BR" dirty="0" err="1" smtClean="0"/>
-              <a:t>Strings</a:t>
-            </a:r>
-            <a:endParaRPr lang="pt-BR" dirty="0" smtClean="0"/>
-          </a:p>
-          <a:p>
-            <a:r>
-              <a:rPr lang="pt-BR" dirty="0" smtClean="0"/>
-              <a:t>Fatos importantes sobre </a:t>
+              <a:t>ArraysLists</a:t>
+            </a:r>
+            <a:r>
+              <a:rPr lang="pt-BR" dirty="0" smtClean="0"/>
+              <a:t> e duplicatas</a:t>
+            </a:r>
+          </a:p>
+          <a:p>
+            <a:r>
+              <a:rPr lang="pt-BR" dirty="0" smtClean="0"/>
+              <a:t>Métodos importantes de </a:t>
             </a:r>
             <a:r>
               <a:rPr lang="pt-BR" dirty="0" err="1" smtClean="0"/>
-              <a:t>String</a:t>
-            </a:r>
-            <a:r>
-              <a:rPr lang="pt-BR" dirty="0" smtClean="0"/>
-              <a:t> e memória</a:t>
-            </a:r>
-          </a:p>
-          <a:p>
-            <a:pPr lvl="1"/>
-            <a:r>
-              <a:rPr lang="pt-BR" dirty="0" smtClean="0"/>
-              <a:t>Criando novas </a:t>
-            </a:r>
-            <a:r>
-              <a:rPr lang="pt-BR" dirty="0" err="1" smtClean="0"/>
-              <a:t>Strings</a:t>
-            </a:r>
-            <a:endParaRPr lang="pt-BR" dirty="0" smtClean="0"/>
-          </a:p>
-          <a:p>
-            <a:r>
-              <a:rPr lang="pt-BR" dirty="0" smtClean="0"/>
-              <a:t>Métodos importantes na classe </a:t>
-            </a:r>
-            <a:r>
-              <a:rPr lang="pt-BR" dirty="0" err="1" smtClean="0"/>
-              <a:t>String</a:t>
-            </a:r>
-            <a:endParaRPr lang="pt-BR" dirty="0" smtClean="0"/>
-          </a:p>
-          <a:p>
-            <a:r>
-              <a:rPr lang="pt-BR" dirty="0" smtClean="0"/>
-              <a:t>A classe </a:t>
-            </a:r>
-            <a:r>
-              <a:rPr lang="pt-BR" dirty="0" err="1" smtClean="0"/>
-              <a:t>StringBuilder</a:t>
-            </a:r>
-            <a:endParaRPr lang="pt-BR" dirty="0" smtClean="0"/>
-          </a:p>
-          <a:p>
-            <a:pPr lvl="1"/>
-            <a:r>
-              <a:rPr lang="pt-BR" dirty="0" smtClean="0"/>
-              <a:t>Preferência de </a:t>
-            </a:r>
-            <a:r>
-              <a:rPr lang="pt-BR" dirty="0" err="1" smtClean="0"/>
-              <a:t>StringBuilder</a:t>
-            </a:r>
-            <a:r>
-              <a:rPr lang="pt-BR" dirty="0" smtClean="0"/>
-              <a:t> sobre </a:t>
-            </a:r>
-            <a:r>
-              <a:rPr lang="pt-BR" dirty="0" err="1" smtClean="0"/>
-              <a:t>StringBuffer</a:t>
-            </a:r>
-            <a:endParaRPr lang="pt-BR" dirty="0" smtClean="0"/>
-          </a:p>
-          <a:p>
-            <a:pPr lvl="1"/>
-            <a:r>
-              <a:rPr lang="pt-BR" dirty="0" smtClean="0"/>
-              <a:t>Usando </a:t>
-            </a:r>
-            <a:r>
-              <a:rPr lang="pt-BR" dirty="0" err="1" smtClean="0"/>
-              <a:t>StringBuilder</a:t>
-            </a:r>
-            <a:endParaRPr lang="pt-BR" dirty="0" smtClean="0"/>
-          </a:p>
-          <a:p>
-            <a:r>
-              <a:rPr lang="pt-BR" dirty="0" smtClean="0"/>
-              <a:t>Métodos importantes na classe </a:t>
-            </a:r>
-            <a:r>
-              <a:rPr lang="pt-BR" dirty="0" err="1" smtClean="0"/>
-              <a:t>StringBuilder</a:t>
+              <a:t>ArrayList</a:t>
+            </a:r>
+            <a:r>
+              <a:rPr lang="pt-BR" dirty="0" smtClean="0"/>
+              <a:t> </a:t>
+            </a:r>
+          </a:p>
+          <a:p>
+            <a:r>
+              <a:rPr lang="pt-BR" dirty="0" smtClean="0"/>
+              <a:t>Encapsulamento para variáveis de referência</a:t>
             </a:r>
             <a:endParaRPr lang="pt-BR" dirty="0"/>
           </a:p>
@@ -13065,7 +14713,7 @@
       </p:sp>
       <p:sp>
         <p:nvSpPr>
-          <p:cNvPr id="8" name="Espaço Reservado para Rodapé 3"/>
+          <p:cNvPr id="7" name="Espaço Reservado para Rodapé 3"/>
           <p:cNvSpPr txBox="1">
             <a:spLocks noGrp="1"/>
           </p:cNvSpPr>
@@ -13261,7 +14909,7 @@
     </p:spTree>
     <p:extLst>
       <p:ext uri="{BB962C8B-B14F-4D97-AF65-F5344CB8AC3E}">
-        <p14:creationId xmlns:p14="http://schemas.microsoft.com/office/powerpoint/2010/main" val="1541038056"/>
+        <p14:creationId xmlns:p14="http://schemas.microsoft.com/office/powerpoint/2010/main" val="3738884704"/>
       </p:ext>
     </p:extLst>
   </p:cSld>
@@ -13309,7 +14957,11 @@
             </a:r>
             <a:r>
               <a:rPr lang="pt-BR" dirty="0" err="1" smtClean="0"/>
-              <a:t>Arrays</a:t>
+              <a:t>if</a:t>
+            </a:r>
+            <a:r>
+              <a:rPr lang="pt-BR" dirty="0" smtClean="0"/>
+              <a:t> e switch</a:t>
             </a:r>
             <a:endParaRPr lang="pt-BR" dirty="0"/>
           </a:p>
@@ -13340,15 +14992,7 @@
             </a:r>
             <a:r>
               <a:rPr lang="pt-BR" dirty="0" smtClean="0"/>
-              <a:t> 4.1 </a:t>
-            </a:r>
-            <a:r>
-              <a:rPr lang="pt-BR" dirty="0" err="1" smtClean="0"/>
-              <a:t>and</a:t>
-            </a:r>
-            <a:r>
-              <a:rPr lang="pt-BR" dirty="0" smtClean="0"/>
-              <a:t> 4.2</a:t>
+              <a:t> 3.4, 3.5 e 1.1 upgrade</a:t>
             </a:r>
             <a:endParaRPr lang="pt-BR" dirty="0"/>
           </a:p>
@@ -13482,28 +15126,8 @@
               </a:defRPr>
             </a:pPr>
             <a:r>
-              <a:rPr lang="pt-BR" dirty="0"/>
-              <a:t>Trabalhando com </a:t>
-            </a:r>
-            <a:r>
-              <a:rPr lang="pt-BR" dirty="0" err="1"/>
-              <a:t>Strings</a:t>
-            </a:r>
-            <a:r>
-              <a:rPr lang="pt-BR" dirty="0"/>
-              <a:t>, </a:t>
-            </a:r>
-            <a:r>
-              <a:rPr lang="pt-BR" dirty="0" err="1"/>
-              <a:t>Arrays</a:t>
-            </a:r>
-            <a:r>
-              <a:rPr lang="pt-BR" dirty="0"/>
-              <a:t> e </a:t>
-            </a:r>
-            <a:r>
-              <a:rPr lang="pt-BR" dirty="0" err="1"/>
-              <a:t>ArrayLists</a:t>
+              <a:rPr lang="pt-BR" dirty="0" smtClean="0"/>
+              <a:t>Controle de Fluxo e Exceções</a:t>
             </a:r>
             <a:endParaRPr lang="pt-BR" dirty="0"/>
           </a:p>
@@ -13552,7 +15176,7 @@
     </p:spTree>
     <p:extLst>
       <p:ext uri="{BB962C8B-B14F-4D97-AF65-F5344CB8AC3E}">
-        <p14:creationId xmlns:p14="http://schemas.microsoft.com/office/powerpoint/2010/main" val="1389997935"/>
+        <p14:creationId xmlns:p14="http://schemas.microsoft.com/office/powerpoint/2010/main" val="532384450"/>
       </p:ext>
     </p:extLst>
   </p:cSld>
@@ -13607,9 +15231,12 @@
             </a:r>
             <a:r>
               <a:rPr lang="pt-BR" dirty="0" err="1"/>
-              <a:t>Arrays</a:t>
-            </a:r>
-            <a:endParaRPr lang="pt-BR" dirty="0"/>
+              <a:t>if</a:t>
+            </a:r>
+            <a:r>
+              <a:rPr lang="pt-BR" dirty="0"/>
+              <a:t> e switch</a:t>
+            </a:r>
           </a:p>
         </p:txBody>
       </p:sp>
@@ -13623,213 +15250,89 @@
             <p:ph idx="1"/>
           </p:nvPr>
         </p:nvSpPr>
-        <p:spPr>
-          <a:xfrm>
-            <a:off x="628650" y="1484784"/>
-            <a:ext cx="7886700" cy="4680520"/>
-          </a:xfrm>
-        </p:spPr>
+        <p:spPr/>
         <p:txBody>
           <a:bodyPr/>
           <a:lstStyle/>
           <a:p>
             <a:r>
-              <a:rPr lang="pt-BR" sz="2000" dirty="0" smtClean="0"/>
-              <a:t>Conceito</a:t>
-            </a:r>
-          </a:p>
-          <a:p>
-            <a:r>
-              <a:rPr lang="pt-BR" sz="2000" dirty="0" smtClean="0"/>
-              <a:t>Declarando um </a:t>
-            </a:r>
-            <a:r>
-              <a:rPr lang="pt-BR" sz="2000" dirty="0" err="1" smtClean="0"/>
-              <a:t>Array</a:t>
-            </a:r>
-            <a:endParaRPr lang="pt-BR" sz="2000" dirty="0" smtClean="0"/>
-          </a:p>
-          <a:p>
-            <a:r>
-              <a:rPr lang="pt-BR" sz="2000" dirty="0" smtClean="0"/>
-              <a:t>Construindo um </a:t>
-            </a:r>
-            <a:r>
-              <a:rPr lang="pt-BR" sz="2000" dirty="0" err="1" smtClean="0"/>
-              <a:t>Array</a:t>
-            </a:r>
-            <a:endParaRPr lang="pt-BR" sz="2000" dirty="0" smtClean="0"/>
+              <a:rPr lang="pt-BR" dirty="0" err="1" smtClean="0"/>
+              <a:t>Branching</a:t>
+            </a:r>
+            <a:r>
+              <a:rPr lang="pt-BR" dirty="0" smtClean="0"/>
+              <a:t> </a:t>
+            </a:r>
+            <a:r>
+              <a:rPr lang="pt-BR" dirty="0" err="1" smtClean="0"/>
+              <a:t>if-else</a:t>
+            </a:r>
+            <a:endParaRPr lang="pt-BR" dirty="0" smtClean="0"/>
           </a:p>
           <a:p>
             <a:pPr lvl="1"/>
             <a:r>
-              <a:rPr lang="pt-BR" sz="1800" dirty="0" err="1" smtClean="0"/>
-              <a:t>Contruindo</a:t>
-            </a:r>
-            <a:r>
-              <a:rPr lang="pt-BR" sz="1800" dirty="0" smtClean="0"/>
-              <a:t> um </a:t>
-            </a:r>
-            <a:r>
-              <a:rPr lang="pt-BR" sz="1800" dirty="0" err="1" smtClean="0"/>
-              <a:t>Array</a:t>
-            </a:r>
-            <a:r>
-              <a:rPr lang="pt-BR" sz="1800" dirty="0" smtClean="0"/>
-              <a:t> unidimensional</a:t>
+              <a:rPr lang="pt-BR" dirty="0" smtClean="0"/>
+              <a:t>Expressões válidas para as cláusulas </a:t>
+            </a:r>
+            <a:r>
+              <a:rPr lang="pt-BR" dirty="0" err="1" smtClean="0"/>
+              <a:t>if</a:t>
+            </a:r>
+            <a:endParaRPr lang="pt-BR" dirty="0" smtClean="0"/>
+          </a:p>
+          <a:p>
+            <a:r>
+              <a:rPr lang="pt-BR" dirty="0" smtClean="0"/>
+              <a:t>Cláusulas switch</a:t>
             </a:r>
           </a:p>
           <a:p>
             <a:pPr lvl="1"/>
             <a:r>
-              <a:rPr lang="pt-BR" sz="1800" dirty="0" smtClean="0"/>
-              <a:t>Construindo um </a:t>
-            </a:r>
-            <a:r>
-              <a:rPr lang="pt-BR" sz="1800" dirty="0" err="1" smtClean="0"/>
-              <a:t>Array</a:t>
-            </a:r>
-            <a:r>
-              <a:rPr lang="pt-BR" sz="1800" dirty="0" smtClean="0"/>
-              <a:t> multidimensional</a:t>
-            </a:r>
-          </a:p>
-          <a:p>
-            <a:r>
-              <a:rPr lang="pt-BR" sz="2000" dirty="0" smtClean="0"/>
-              <a:t>Inicializando um </a:t>
-            </a:r>
-            <a:r>
-              <a:rPr lang="pt-BR" sz="2000" dirty="0" err="1" smtClean="0"/>
-              <a:t>Array</a:t>
-            </a:r>
-            <a:endParaRPr lang="pt-BR" sz="2000" dirty="0" smtClean="0"/>
+              <a:rPr lang="pt-BR" dirty="0" smtClean="0"/>
+              <a:t>Expressões válidas para switch e case</a:t>
+            </a:r>
           </a:p>
           <a:p>
             <a:pPr lvl="1"/>
             <a:r>
-              <a:rPr lang="pt-BR" sz="1800" dirty="0" smtClean="0"/>
-              <a:t>Inicializando elementos em um loop</a:t>
-            </a:r>
+              <a:rPr lang="pt-BR" dirty="0" smtClean="0"/>
+              <a:t>Uma introdução para a “igualdade” em </a:t>
+            </a:r>
+            <a:r>
+              <a:rPr lang="pt-BR" dirty="0" err="1" smtClean="0"/>
+              <a:t>Strings</a:t>
+            </a:r>
+            <a:endParaRPr lang="pt-BR" dirty="0" smtClean="0"/>
           </a:p>
           <a:p>
             <a:pPr lvl="1"/>
             <a:r>
-              <a:rPr lang="pt-BR" sz="1800" dirty="0" smtClean="0"/>
-              <a:t>Declarando, construindo e inicializando em uma linha</a:t>
+              <a:rPr lang="pt-BR" dirty="0" smtClean="0"/>
+              <a:t>Break e </a:t>
+            </a:r>
+            <a:r>
+              <a:rPr lang="pt-BR" dirty="0" err="1" smtClean="0"/>
+              <a:t>cascateamento</a:t>
+            </a:r>
+            <a:r>
+              <a:rPr lang="pt-BR" dirty="0" smtClean="0"/>
+              <a:t> nos blocos switch</a:t>
             </a:r>
           </a:p>
           <a:p>
             <a:pPr lvl="1"/>
             <a:r>
-              <a:rPr lang="pt-BR" sz="1800" dirty="0" smtClean="0"/>
-              <a:t>Construindo e inicializando um </a:t>
-            </a:r>
-            <a:r>
-              <a:rPr lang="pt-BR" sz="1800" dirty="0" err="1" smtClean="0"/>
-              <a:t>Array</a:t>
-            </a:r>
-            <a:r>
-              <a:rPr lang="pt-BR" sz="1800" dirty="0" smtClean="0"/>
-              <a:t> </a:t>
-            </a:r>
-            <a:r>
-              <a:rPr lang="pt-BR" sz="1800" dirty="0" err="1" smtClean="0"/>
-              <a:t>Anonimo</a:t>
-            </a:r>
-            <a:endParaRPr lang="pt-BR" sz="1800" dirty="0" smtClean="0"/>
-          </a:p>
-          <a:p>
-            <a:pPr lvl="1"/>
-            <a:r>
-              <a:rPr lang="pt-BR" sz="1800" dirty="0" smtClean="0"/>
-              <a:t>Atribuições de elementos de </a:t>
-            </a:r>
-            <a:r>
-              <a:rPr lang="pt-BR" sz="1800" dirty="0" err="1" smtClean="0"/>
-              <a:t>Array</a:t>
-            </a:r>
-            <a:r>
-              <a:rPr lang="pt-BR" sz="1800" dirty="0" smtClean="0"/>
-              <a:t> válidos</a:t>
-            </a:r>
-          </a:p>
-          <a:p>
-            <a:pPr lvl="1"/>
-            <a:r>
-              <a:rPr lang="pt-BR" sz="1800" dirty="0" err="1" smtClean="0"/>
-              <a:t>Array</a:t>
-            </a:r>
-            <a:r>
-              <a:rPr lang="pt-BR" sz="1800" dirty="0" smtClean="0"/>
-              <a:t> de primitivos</a:t>
-            </a:r>
-          </a:p>
-          <a:p>
-            <a:pPr lvl="1"/>
-            <a:r>
-              <a:rPr lang="pt-BR" sz="1800" dirty="0" err="1" smtClean="0"/>
-              <a:t>Array</a:t>
-            </a:r>
-            <a:r>
-              <a:rPr lang="pt-BR" sz="1800" dirty="0" smtClean="0"/>
-              <a:t> de referência de Objeto</a:t>
-            </a:r>
-          </a:p>
-          <a:p>
-            <a:pPr lvl="1"/>
-            <a:r>
-              <a:rPr lang="pt-BR" sz="1800" dirty="0" smtClean="0"/>
-              <a:t>Atribuições de </a:t>
-            </a:r>
-            <a:r>
-              <a:rPr lang="pt-BR" sz="1800" dirty="0" err="1" smtClean="0"/>
-              <a:t>Array</a:t>
-            </a:r>
-            <a:r>
-              <a:rPr lang="pt-BR" sz="1800" dirty="0" smtClean="0"/>
-              <a:t> para referência, em </a:t>
-            </a:r>
-            <a:r>
-              <a:rPr lang="pt-BR" sz="1800" dirty="0" err="1" smtClean="0"/>
-              <a:t>Array</a:t>
-            </a:r>
-            <a:r>
-              <a:rPr lang="pt-BR" sz="1800" dirty="0" smtClean="0"/>
-              <a:t> unidimensional</a:t>
-            </a:r>
-          </a:p>
-          <a:p>
-            <a:pPr lvl="1"/>
-            <a:r>
-              <a:rPr lang="pt-BR" sz="1800" dirty="0"/>
-              <a:t>Atribuições de </a:t>
-            </a:r>
-            <a:r>
-              <a:rPr lang="pt-BR" sz="1800" dirty="0" err="1"/>
-              <a:t>Array</a:t>
-            </a:r>
-            <a:r>
-              <a:rPr lang="pt-BR" sz="1800" dirty="0"/>
-              <a:t> para referência, em </a:t>
-            </a:r>
-            <a:r>
-              <a:rPr lang="pt-BR" sz="1800" dirty="0" err="1"/>
-              <a:t>Array</a:t>
-            </a:r>
-            <a:r>
-              <a:rPr lang="pt-BR" sz="1800" dirty="0"/>
-              <a:t> </a:t>
-            </a:r>
-            <a:r>
-              <a:rPr lang="pt-BR" sz="1800" dirty="0" smtClean="0"/>
-              <a:t>multidimensional</a:t>
-            </a:r>
-            <a:endParaRPr lang="pt-BR" sz="1800" dirty="0"/>
-          </a:p>
-          <a:p>
-            <a:pPr lvl="1"/>
-            <a:endParaRPr lang="pt-BR" sz="1800" dirty="0"/>
+              <a:rPr lang="pt-BR" dirty="0" smtClean="0"/>
+              <a:t>O case default</a:t>
+            </a:r>
+          </a:p>
+          <a:p>
+            <a:pPr marL="457200" lvl="1" indent="0">
+              <a:buNone/>
+            </a:pPr>
+            <a:endParaRPr lang="pt-BR" dirty="0"/>
           </a:p>
         </p:txBody>
       </p:sp>
@@ -13961,28 +15464,8 @@
               </a:defRPr>
             </a:pPr>
             <a:r>
-              <a:rPr lang="pt-BR" dirty="0"/>
-              <a:t>Trabalhando com </a:t>
-            </a:r>
-            <a:r>
-              <a:rPr lang="pt-BR" dirty="0" err="1"/>
-              <a:t>Strings</a:t>
-            </a:r>
-            <a:r>
-              <a:rPr lang="pt-BR" dirty="0"/>
-              <a:t>, </a:t>
-            </a:r>
-            <a:r>
-              <a:rPr lang="pt-BR" dirty="0" err="1"/>
-              <a:t>Arrays</a:t>
-            </a:r>
-            <a:r>
-              <a:rPr lang="pt-BR" dirty="0"/>
-              <a:t> e </a:t>
-            </a:r>
-            <a:r>
-              <a:rPr lang="pt-BR" dirty="0" err="1"/>
-              <a:t>ArrayLists</a:t>
+              <a:rPr lang="pt-BR" dirty="0" smtClean="0"/>
+              <a:t>Controle de Fluxo e Exceções</a:t>
             </a:r>
             <a:endParaRPr lang="pt-BR" dirty="0"/>
           </a:p>
@@ -14031,7 +15514,7 @@
     </p:spTree>
     <p:extLst>
       <p:ext uri="{BB962C8B-B14F-4D97-AF65-F5344CB8AC3E}">
-        <p14:creationId xmlns:p14="http://schemas.microsoft.com/office/powerpoint/2010/main" val="222251435"/>
+        <p14:creationId xmlns:p14="http://schemas.microsoft.com/office/powerpoint/2010/main" val="3663202734"/>
       </p:ext>
     </p:extLst>
   </p:cSld>
@@ -14075,11 +15558,7 @@
           <a:p>
             <a:r>
               <a:rPr lang="pt-BR" dirty="0" smtClean="0"/>
-              <a:t>Usando </a:t>
-            </a:r>
-            <a:r>
-              <a:rPr lang="pt-BR" dirty="0" err="1" smtClean="0"/>
-              <a:t>ArrayList</a:t>
+              <a:t>Criando Loops</a:t>
             </a:r>
             <a:endParaRPr lang="pt-BR" dirty="0"/>
           </a:p>
@@ -14106,11 +15585,19 @@
             </a:r>
             <a:r>
               <a:rPr lang="pt-BR" dirty="0" err="1" smtClean="0"/>
-              <a:t>Objective</a:t>
-            </a:r>
-            <a:r>
-              <a:rPr lang="pt-BR" dirty="0" smtClean="0"/>
-              <a:t> 4.3</a:t>
+              <a:t>Objectives</a:t>
+            </a:r>
+            <a:r>
+              <a:rPr lang="pt-BR" dirty="0" smtClean="0"/>
+              <a:t> 5.1, 5.2, 5.3, 5.4 </a:t>
+            </a:r>
+            <a:r>
+              <a:rPr lang="pt-BR" dirty="0" err="1" smtClean="0"/>
+              <a:t>and</a:t>
+            </a:r>
+            <a:r>
+              <a:rPr lang="pt-BR" dirty="0" smtClean="0"/>
+              <a:t> 5.5</a:t>
             </a:r>
             <a:endParaRPr lang="pt-BR" dirty="0"/>
           </a:p>
@@ -14244,28 +15731,8 @@
               </a:defRPr>
             </a:pPr>
             <a:r>
-              <a:rPr lang="pt-BR" dirty="0"/>
-              <a:t>Trabalhando com </a:t>
-            </a:r>
-            <a:r>
-              <a:rPr lang="pt-BR" dirty="0" err="1"/>
-              <a:t>Strings</a:t>
-            </a:r>
-            <a:r>
-              <a:rPr lang="pt-BR" dirty="0"/>
-              <a:t>, </a:t>
-            </a:r>
-            <a:r>
-              <a:rPr lang="pt-BR" dirty="0" err="1"/>
-              <a:t>Arrays</a:t>
-            </a:r>
-            <a:r>
-              <a:rPr lang="pt-BR" dirty="0"/>
-              <a:t> e </a:t>
-            </a:r>
-            <a:r>
-              <a:rPr lang="pt-BR" dirty="0" err="1"/>
-              <a:t>ArrayLists</a:t>
+              <a:rPr lang="pt-BR" dirty="0" smtClean="0"/>
+              <a:t>Controle de Fluxo e Exceções</a:t>
             </a:r>
             <a:endParaRPr lang="pt-BR" dirty="0"/>
           </a:p>
@@ -14314,7 +15781,7 @@
     </p:spTree>
     <p:extLst>
       <p:ext uri="{BB962C8B-B14F-4D97-AF65-F5344CB8AC3E}">
-        <p14:creationId xmlns:p14="http://schemas.microsoft.com/office/powerpoint/2010/main" val="2158061903"/>
+        <p14:creationId xmlns:p14="http://schemas.microsoft.com/office/powerpoint/2010/main" val="2470865896"/>
       </p:ext>
     </p:extLst>
   </p:cSld>
@@ -14365,13 +15832,8 @@
           <a:p>
             <a:r>
               <a:rPr lang="pt-BR" dirty="0"/>
-              <a:t>Usando </a:t>
-            </a:r>
-            <a:r>
-              <a:rPr lang="pt-BR" dirty="0" err="1"/>
-              <a:t>ArrayList</a:t>
-            </a:r>
-            <a:endParaRPr lang="pt-BR" dirty="0"/>
+              <a:t>Criando Loops</a:t>
+            </a:r>
           </a:p>
         </p:txBody>
       </p:sp>
@@ -14391,46 +15853,93 @@
           <a:lstStyle/>
           <a:p>
             <a:r>
-              <a:rPr lang="pt-BR" dirty="0" smtClean="0"/>
-              <a:t>Quando usar </a:t>
-            </a:r>
-            <a:r>
-              <a:rPr lang="pt-BR" dirty="0" err="1" smtClean="0"/>
-              <a:t>ArrayLists</a:t>
-            </a:r>
-            <a:endParaRPr lang="pt-BR" dirty="0" smtClean="0"/>
+              <a:rPr lang="pt-BR" sz="2400" dirty="0" smtClean="0"/>
+              <a:t>Usando loop </a:t>
+            </a:r>
+            <a:r>
+              <a:rPr lang="pt-BR" sz="2400" dirty="0" err="1" smtClean="0"/>
+              <a:t>while</a:t>
+            </a:r>
+            <a:endParaRPr lang="pt-BR" sz="2400" dirty="0" smtClean="0"/>
+          </a:p>
+          <a:p>
+            <a:r>
+              <a:rPr lang="pt-BR" sz="2400" dirty="0" smtClean="0"/>
+              <a:t>Usando loop do</a:t>
+            </a:r>
+          </a:p>
+          <a:p>
+            <a:r>
+              <a:rPr lang="pt-BR" sz="2400" dirty="0" smtClean="0"/>
+              <a:t>Usando loop for</a:t>
+            </a:r>
           </a:p>
           <a:p>
             <a:pPr lvl="1"/>
             <a:r>
-              <a:rPr lang="pt-BR" dirty="0" err="1" smtClean="0"/>
-              <a:t>ArraysLists</a:t>
-            </a:r>
-            <a:r>
-              <a:rPr lang="pt-BR" dirty="0" smtClean="0"/>
-              <a:t> e duplicatas</a:t>
-            </a:r>
-          </a:p>
-          <a:p>
-            <a:r>
-              <a:rPr lang="pt-BR" dirty="0" smtClean="0"/>
-              <a:t>Métodos importantes de </a:t>
-            </a:r>
-            <a:r>
-              <a:rPr lang="pt-BR" dirty="0" err="1" smtClean="0"/>
-              <a:t>ArrayList</a:t>
-            </a:r>
-            <a:r>
-              <a:rPr lang="pt-BR" dirty="0" smtClean="0"/>
-              <a:t> </a:t>
-            </a:r>
-          </a:p>
-          <a:p>
-            <a:r>
-              <a:rPr lang="pt-BR" dirty="0" smtClean="0"/>
-              <a:t>Encapsulamento para variáveis de referência</a:t>
-            </a:r>
-            <a:endParaRPr lang="pt-BR" dirty="0"/>
+              <a:rPr lang="pt-BR" sz="2000" dirty="0" smtClean="0"/>
+              <a:t>Sobre o loop for Básico</a:t>
+            </a:r>
+          </a:p>
+          <a:p>
+            <a:pPr lvl="1"/>
+            <a:r>
+              <a:rPr lang="pt-BR" sz="2000" dirty="0" smtClean="0"/>
+              <a:t>Declaração e inicialização de loop for básico</a:t>
+            </a:r>
+          </a:p>
+          <a:p>
+            <a:pPr lvl="1"/>
+            <a:r>
+              <a:rPr lang="pt-BR" sz="2000" dirty="0" smtClean="0"/>
+              <a:t>Expressões condicionais no loop for básico</a:t>
+            </a:r>
+          </a:p>
+          <a:p>
+            <a:pPr lvl="1"/>
+            <a:r>
+              <a:rPr lang="pt-BR" sz="2000" dirty="0" smtClean="0"/>
+              <a:t>Expressões de iteração no loop for básico</a:t>
+            </a:r>
+          </a:p>
+          <a:p>
+            <a:pPr lvl="1"/>
+            <a:r>
+              <a:rPr lang="pt-BR" sz="2000" dirty="0" smtClean="0"/>
+              <a:t>Considerações sobre loop for básico</a:t>
+            </a:r>
+          </a:p>
+          <a:p>
+            <a:pPr lvl="1"/>
+            <a:r>
+              <a:rPr lang="pt-BR" sz="2000" dirty="0" smtClean="0"/>
+              <a:t>Sobre o loop for Aprimorado</a:t>
+            </a:r>
+          </a:p>
+          <a:p>
+            <a:r>
+              <a:rPr lang="pt-BR" sz="2400" dirty="0" smtClean="0"/>
+              <a:t>Cláusulas </a:t>
+            </a:r>
+            <a:r>
+              <a:rPr lang="pt-BR" sz="2400" dirty="0" err="1" smtClean="0"/>
+              <a:t>Unlabeled</a:t>
+            </a:r>
+            <a:endParaRPr lang="pt-BR" sz="2400" dirty="0" smtClean="0"/>
+          </a:p>
+          <a:p>
+            <a:r>
+              <a:rPr lang="pt-BR" sz="2400" dirty="0" smtClean="0"/>
+              <a:t>Cláusulas </a:t>
+            </a:r>
+            <a:r>
+              <a:rPr lang="pt-BR" sz="2400" dirty="0" err="1" smtClean="0"/>
+              <a:t>Labeled</a:t>
+            </a:r>
+            <a:endParaRPr lang="pt-BR" sz="2400" dirty="0" smtClean="0"/>
+          </a:p>
+          <a:p>
+            <a:endParaRPr lang="pt-BR" sz="2400" dirty="0"/>
           </a:p>
         </p:txBody>
       </p:sp>
@@ -14562,28 +16071,8 @@
               </a:defRPr>
             </a:pPr>
             <a:r>
-              <a:rPr lang="pt-BR" dirty="0"/>
-              <a:t>Trabalhando com </a:t>
-            </a:r>
-            <a:r>
-              <a:rPr lang="pt-BR" dirty="0" err="1"/>
-              <a:t>Strings</a:t>
-            </a:r>
-            <a:r>
-              <a:rPr lang="pt-BR" dirty="0"/>
-              <a:t>, </a:t>
-            </a:r>
-            <a:r>
-              <a:rPr lang="pt-BR" dirty="0" err="1"/>
-              <a:t>Arrays</a:t>
-            </a:r>
-            <a:r>
-              <a:rPr lang="pt-BR" dirty="0"/>
-              <a:t> e </a:t>
-            </a:r>
-            <a:r>
-              <a:rPr lang="pt-BR" dirty="0" err="1"/>
-              <a:t>ArrayLists</a:t>
+              <a:rPr lang="pt-BR" dirty="0" smtClean="0"/>
+              <a:t>Controle de Fluxo e Exceções</a:t>
             </a:r>
             <a:endParaRPr lang="pt-BR" dirty="0"/>
           </a:p>
@@ -14632,7 +16121,7 @@
     </p:spTree>
     <p:extLst>
       <p:ext uri="{BB962C8B-B14F-4D97-AF65-F5344CB8AC3E}">
-        <p14:creationId xmlns:p14="http://schemas.microsoft.com/office/powerpoint/2010/main" val="3738884704"/>
+        <p14:creationId xmlns:p14="http://schemas.microsoft.com/office/powerpoint/2010/main" val="2111532211"/>
       </p:ext>
     </p:extLst>
   </p:cSld>
@@ -14669,7 +16158,12 @@
             <p:ph type="ctrTitle"/>
           </p:nvPr>
         </p:nvSpPr>
-        <p:spPr/>
+        <p:spPr>
+          <a:xfrm>
+            <a:off x="1941910" y="2514601"/>
+            <a:ext cx="6686549" cy="914399"/>
+          </a:xfrm>
+        </p:spPr>
         <p:txBody>
           <a:bodyPr/>
           <a:lstStyle/>
@@ -14696,34 +16190,41 @@
             <p:ph type="subTitle" idx="1"/>
           </p:nvPr>
         </p:nvSpPr>
-        <p:spPr/>
+        <p:spPr>
+          <a:xfrm>
+            <a:off x="1941910" y="3429000"/>
+            <a:ext cx="6686549" cy="2474663"/>
+          </a:xfrm>
+        </p:spPr>
         <p:txBody>
           <a:bodyPr/>
           <a:lstStyle/>
           <a:p>
             <a:r>
-              <a:rPr lang="pt-BR" dirty="0"/>
+              <a:rPr lang="pt-BR" sz="2000" b="1" dirty="0"/>
               <a:t>OCA </a:t>
             </a:r>
             <a:r>
-              <a:rPr lang="pt-BR" dirty="0" err="1"/>
+              <a:rPr lang="pt-BR" sz="2000" b="1" dirty="0" err="1" smtClean="0"/>
               <a:t>Objectives</a:t>
             </a:r>
-            <a:r>
-              <a:rPr lang="pt-BR" dirty="0"/>
-              <a:t> 1.2 </a:t>
-            </a:r>
-            <a:r>
-              <a:rPr lang="pt-BR" dirty="0" err="1"/>
-              <a:t>and</a:t>
-            </a:r>
-            <a:r>
-              <a:rPr lang="pt-BR" dirty="0"/>
-              <a:t> 2.1</a:t>
-            </a:r>
-          </a:p>
-          <a:p>
-            <a:endParaRPr lang="pt-BR" dirty="0"/>
+            <a:endParaRPr lang="pt-BR" sz="2000" b="1" dirty="0" smtClean="0"/>
+          </a:p>
+          <a:p>
+            <a:r>
+              <a:rPr lang="pt-BR" sz="2000" dirty="0" smtClean="0"/>
+              <a:t>1.2 Definir a estrutura de uma classe Java</a:t>
+            </a:r>
+          </a:p>
+          <a:p>
+            <a:r>
+              <a:rPr lang="pt-BR" sz="2000" dirty="0" smtClean="0"/>
+              <a:t>2.1 Declarar e inicializar variáveis</a:t>
+            </a:r>
+            <a:endParaRPr lang="pt-BR" sz="2000" dirty="0"/>
+          </a:p>
+          <a:p>
+            <a:endParaRPr lang="pt-BR" sz="2000" dirty="0"/>
           </a:p>
         </p:txBody>
       </p:sp>
@@ -14826,15 +16327,7 @@
           <a:p>
             <a:r>
               <a:rPr lang="pt-BR" dirty="0" smtClean="0"/>
-              <a:t>Usando </a:t>
-            </a:r>
-            <a:r>
-              <a:rPr lang="pt-BR" dirty="0" err="1" smtClean="0"/>
-              <a:t>if</a:t>
-            </a:r>
-            <a:r>
-              <a:rPr lang="pt-BR" dirty="0" smtClean="0"/>
-              <a:t> e switch</a:t>
+              <a:t>Manipulando Exceções</a:t>
             </a:r>
             <a:endParaRPr lang="pt-BR" dirty="0"/>
           </a:p>
@@ -14865,191 +16358,24 @@
             </a:r>
             <a:r>
               <a:rPr lang="pt-BR" dirty="0" smtClean="0"/>
-              <a:t> 3.4, 3.5 e 1.1 upgrade</a:t>
+              <a:t> 8.1, 8.2, 8.3 </a:t>
+            </a:r>
+            <a:r>
+              <a:rPr lang="pt-BR" dirty="0" err="1" smtClean="0"/>
+              <a:t>and</a:t>
+            </a:r>
+            <a:r>
+              <a:rPr lang="pt-BR" dirty="0" smtClean="0"/>
+              <a:t> 8.4</a:t>
             </a:r>
             <a:endParaRPr lang="pt-BR" dirty="0"/>
-          </a:p>
-        </p:txBody>
-      </p:sp>
-      <p:sp>
-        <p:nvSpPr>
-          <p:cNvPr id="5" name="Espaço Reservado para Rodapé 3"/>
-          <p:cNvSpPr txBox="1">
-            <a:spLocks noGrp="1"/>
-          </p:cNvSpPr>
-          <p:nvPr>
-            <p:ph type="ftr" sz="quarter" idx="4294967295"/>
-          </p:nvPr>
-        </p:nvSpPr>
-        <p:spPr>
-          <a:xfrm>
-            <a:off x="3028950" y="6356351"/>
-            <a:ext cx="3086100" cy="365125"/>
-          </a:xfrm>
-          <a:prstGeom prst="rect">
-            <a:avLst/>
-          </a:prstGeom>
-        </p:spPr>
-        <p:txBody>
-          <a:bodyPr/>
-          <a:lstStyle>
-            <a:defPPr>
-              <a:defRPr lang="pt-BR"/>
-            </a:defPPr>
-            <a:lvl1pPr marL="0" algn="l" defTabSz="914400" rtl="0" eaLnBrk="1" latinLnBrk="0" hangingPunct="1">
-              <a:defRPr sz="1800" kern="1200">
-                <a:solidFill>
-                  <a:schemeClr val="tx1"/>
-                </a:solidFill>
-                <a:latin typeface="+mn-lt"/>
-                <a:ea typeface="+mn-ea"/>
-                <a:cs typeface="+mn-cs"/>
-              </a:defRPr>
-            </a:lvl1pPr>
-            <a:lvl2pPr marL="457200" algn="l" defTabSz="914400" rtl="0" eaLnBrk="1" latinLnBrk="0" hangingPunct="1">
-              <a:defRPr sz="1800" kern="1200">
-                <a:solidFill>
-                  <a:schemeClr val="tx1"/>
-                </a:solidFill>
-                <a:latin typeface="+mn-lt"/>
-                <a:ea typeface="+mn-ea"/>
-                <a:cs typeface="+mn-cs"/>
-              </a:defRPr>
-            </a:lvl2pPr>
-            <a:lvl3pPr marL="914400" algn="l" defTabSz="914400" rtl="0" eaLnBrk="1" latinLnBrk="0" hangingPunct="1">
-              <a:defRPr sz="1800" kern="1200">
-                <a:solidFill>
-                  <a:schemeClr val="tx1"/>
-                </a:solidFill>
-                <a:latin typeface="+mn-lt"/>
-                <a:ea typeface="+mn-ea"/>
-                <a:cs typeface="+mn-cs"/>
-              </a:defRPr>
-            </a:lvl3pPr>
-            <a:lvl4pPr marL="1371600" algn="l" defTabSz="914400" rtl="0" eaLnBrk="1" latinLnBrk="0" hangingPunct="1">
-              <a:defRPr sz="1800" kern="1200">
-                <a:solidFill>
-                  <a:schemeClr val="tx1"/>
-                </a:solidFill>
-                <a:latin typeface="+mn-lt"/>
-                <a:ea typeface="+mn-ea"/>
-                <a:cs typeface="+mn-cs"/>
-              </a:defRPr>
-            </a:lvl4pPr>
-            <a:lvl5pPr marL="1828800" algn="l" defTabSz="914400" rtl="0" eaLnBrk="1" latinLnBrk="0" hangingPunct="1">
-              <a:defRPr sz="1800" kern="1200">
-                <a:solidFill>
-                  <a:schemeClr val="tx1"/>
-                </a:solidFill>
-                <a:latin typeface="+mn-lt"/>
-                <a:ea typeface="+mn-ea"/>
-                <a:cs typeface="+mn-cs"/>
-              </a:defRPr>
-            </a:lvl5pPr>
-            <a:lvl6pPr marL="2286000" algn="l" defTabSz="914400" rtl="0" eaLnBrk="1" latinLnBrk="0" hangingPunct="1">
-              <a:defRPr sz="1800" kern="1200">
-                <a:solidFill>
-                  <a:schemeClr val="tx1"/>
-                </a:solidFill>
-                <a:latin typeface="+mn-lt"/>
-                <a:ea typeface="+mn-ea"/>
-                <a:cs typeface="+mn-cs"/>
-              </a:defRPr>
-            </a:lvl6pPr>
-            <a:lvl7pPr marL="2743200" algn="l" defTabSz="914400" rtl="0" eaLnBrk="1" latinLnBrk="0" hangingPunct="1">
-              <a:defRPr sz="1800" kern="1200">
-                <a:solidFill>
-                  <a:schemeClr val="tx1"/>
-                </a:solidFill>
-                <a:latin typeface="+mn-lt"/>
-                <a:ea typeface="+mn-ea"/>
-                <a:cs typeface="+mn-cs"/>
-              </a:defRPr>
-            </a:lvl7pPr>
-            <a:lvl8pPr marL="3200400" algn="l" defTabSz="914400" rtl="0" eaLnBrk="1" latinLnBrk="0" hangingPunct="1">
-              <a:defRPr sz="1800" kern="1200">
-                <a:solidFill>
-                  <a:schemeClr val="tx1"/>
-                </a:solidFill>
-                <a:latin typeface="+mn-lt"/>
-                <a:ea typeface="+mn-ea"/>
-                <a:cs typeface="+mn-cs"/>
-              </a:defRPr>
-            </a:lvl8pPr>
-            <a:lvl9pPr marL="3657600" algn="l" defTabSz="914400" rtl="0" eaLnBrk="1" latinLnBrk="0" hangingPunct="1">
-              <a:defRPr sz="1800" kern="1200">
-                <a:solidFill>
-                  <a:schemeClr val="tx1"/>
-                </a:solidFill>
-                <a:latin typeface="+mn-lt"/>
-                <a:ea typeface="+mn-ea"/>
-                <a:cs typeface="+mn-cs"/>
-              </a:defRPr>
-            </a:lvl9pPr>
-          </a:lstStyle>
-          <a:p>
-            <a:pPr algn="ctr">
-              <a:defRPr sz="1200">
-                <a:solidFill>
-                  <a:srgbClr val="8C8C8C"/>
-                </a:solidFill>
-                <a:latin typeface="Tw Cen MT" charset="0"/>
-                <a:ea typeface="Calibri" charset="0"/>
-                <a:cs typeface="Calibri" charset="0"/>
-              </a:defRPr>
-            </a:pPr>
-            <a:r>
-              <a:rPr lang="pt-BR" dirty="0" smtClean="0"/>
-              <a:t>Controle de Fluxo e Exceções</a:t>
-            </a:r>
-            <a:endParaRPr lang="pt-BR" dirty="0"/>
-          </a:p>
-          <a:p>
-            <a:pPr algn="ctr">
-              <a:defRPr sz="1200">
-                <a:solidFill>
-                  <a:srgbClr val="8C8C8C"/>
-                </a:solidFill>
-                <a:latin typeface="Tw Cen MT" charset="0"/>
-                <a:ea typeface="Calibri" charset="0"/>
-                <a:cs typeface="Calibri" charset="0"/>
-              </a:defRPr>
-            </a:pPr>
-            <a:endParaRPr lang="pt-BR" sz="1200" dirty="0" smtClean="0">
-              <a:solidFill>
-                <a:srgbClr val="8C8C8C"/>
-              </a:solidFill>
-              <a:latin typeface="Tw Cen MT" charset="0"/>
-              <a:ea typeface="Calibri" charset="0"/>
-              <a:cs typeface="Calibri" charset="0"/>
-            </a:endParaRPr>
-          </a:p>
-          <a:p>
-            <a:pPr algn="ctr">
-              <a:defRPr sz="1200">
-                <a:solidFill>
-                  <a:srgbClr val="8C8C8C"/>
-                </a:solidFill>
-                <a:latin typeface="Tw Cen MT" charset="0"/>
-                <a:ea typeface="Calibri" charset="0"/>
-                <a:cs typeface="Calibri" charset="0"/>
-              </a:defRPr>
-            </a:pPr>
-            <a:endParaRPr lang="pt-BR" sz="1200" dirty="0">
-              <a:solidFill>
-                <a:srgbClr val="8C8C8C"/>
-              </a:solidFill>
-              <a:latin typeface="Tw Cen MT" charset="0"/>
-              <a:ea typeface="Calibri" charset="0"/>
-              <a:cs typeface="Calibri" charset="0"/>
-            </a:endParaRPr>
           </a:p>
         </p:txBody>
       </p:sp>
     </p:spTree>
     <p:extLst>
       <p:ext uri="{BB962C8B-B14F-4D97-AF65-F5344CB8AC3E}">
-        <p14:creationId xmlns:p14="http://schemas.microsoft.com/office/powerpoint/2010/main" val="532384450"/>
+        <p14:creationId xmlns:p14="http://schemas.microsoft.com/office/powerpoint/2010/main" val="3021261354"/>
       </p:ext>
     </p:extLst>
   </p:cSld>
@@ -15100,15 +16426,7 @@
           <a:p>
             <a:r>
               <a:rPr lang="pt-BR" dirty="0"/>
-              <a:t>Usando </a:t>
-            </a:r>
-            <a:r>
-              <a:rPr lang="pt-BR" dirty="0" err="1"/>
-              <a:t>if</a:t>
-            </a:r>
-            <a:r>
-              <a:rPr lang="pt-BR" dirty="0"/>
-              <a:t> e switch</a:t>
+              <a:t>Manipulando Exceções</a:t>
             </a:r>
           </a:p>
         </p:txBody>
@@ -15129,83 +16447,75 @@
           <a:lstStyle/>
           <a:p>
             <a:r>
-              <a:rPr lang="pt-BR" dirty="0" err="1" smtClean="0"/>
-              <a:t>Branching</a:t>
-            </a:r>
-            <a:r>
-              <a:rPr lang="pt-BR" dirty="0" smtClean="0"/>
-              <a:t> </a:t>
-            </a:r>
-            <a:r>
-              <a:rPr lang="pt-BR" dirty="0" err="1" smtClean="0"/>
-              <a:t>if-else</a:t>
-            </a:r>
-            <a:endParaRPr lang="pt-BR" dirty="0" smtClean="0"/>
-          </a:p>
-          <a:p>
-            <a:pPr lvl="1"/>
-            <a:r>
-              <a:rPr lang="pt-BR" dirty="0" smtClean="0"/>
-              <a:t>Expressões válidas para as cláusulas </a:t>
-            </a:r>
-            <a:r>
-              <a:rPr lang="pt-BR" dirty="0" err="1" smtClean="0"/>
-              <a:t>if</a:t>
-            </a:r>
-            <a:endParaRPr lang="pt-BR" dirty="0" smtClean="0"/>
-          </a:p>
-          <a:p>
-            <a:r>
-              <a:rPr lang="pt-BR" dirty="0" smtClean="0"/>
-              <a:t>Cláusulas switch</a:t>
-            </a:r>
-          </a:p>
-          <a:p>
-            <a:pPr lvl="1"/>
-            <a:r>
-              <a:rPr lang="pt-BR" dirty="0" smtClean="0"/>
-              <a:t>Expressões válidas para switch e case</a:t>
-            </a:r>
-          </a:p>
-          <a:p>
-            <a:pPr lvl="1"/>
-            <a:r>
-              <a:rPr lang="pt-BR" dirty="0" smtClean="0"/>
-              <a:t>Uma introdução para a “igualdade” em </a:t>
-            </a:r>
-            <a:r>
-              <a:rPr lang="pt-BR" dirty="0" err="1" smtClean="0"/>
-              <a:t>Strings</a:t>
-            </a:r>
-            <a:endParaRPr lang="pt-BR" dirty="0" smtClean="0"/>
-          </a:p>
-          <a:p>
-            <a:pPr lvl="1"/>
-            <a:r>
-              <a:rPr lang="pt-BR" dirty="0" smtClean="0"/>
-              <a:t>Break e </a:t>
-            </a:r>
-            <a:r>
-              <a:rPr lang="pt-BR" dirty="0" err="1" smtClean="0"/>
-              <a:t>cascateamento</a:t>
-            </a:r>
-            <a:r>
-              <a:rPr lang="pt-BR" dirty="0" smtClean="0"/>
-              <a:t> nos blocos switch</a:t>
-            </a:r>
-          </a:p>
-          <a:p>
-            <a:pPr lvl="1"/>
-            <a:r>
-              <a:rPr lang="pt-BR" dirty="0" smtClean="0"/>
-              <a:t>O case default</a:t>
-            </a:r>
-          </a:p>
-          <a:p>
-            <a:pPr marL="457200" lvl="1" indent="0">
-              <a:buNone/>
-            </a:pPr>
-            <a:endParaRPr lang="pt-BR" dirty="0"/>
+              <a:rPr lang="pt-BR" sz="2400" dirty="0" smtClean="0"/>
+              <a:t>Capturando uma exceção usando </a:t>
+            </a:r>
+            <a:r>
+              <a:rPr lang="pt-BR" sz="2400" dirty="0" err="1" smtClean="0"/>
+              <a:t>try</a:t>
+            </a:r>
+            <a:r>
+              <a:rPr lang="pt-BR" sz="2400" dirty="0" smtClean="0"/>
+              <a:t> e catch</a:t>
+            </a:r>
+          </a:p>
+          <a:p>
+            <a:r>
+              <a:rPr lang="pt-BR" sz="2400" dirty="0" smtClean="0"/>
+              <a:t>Usando </a:t>
+            </a:r>
+            <a:r>
+              <a:rPr lang="pt-BR" sz="2400" dirty="0" err="1" smtClean="0"/>
+              <a:t>finally</a:t>
+            </a:r>
+            <a:endParaRPr lang="pt-BR" sz="2400" dirty="0" smtClean="0"/>
+          </a:p>
+          <a:p>
+            <a:r>
+              <a:rPr lang="pt-BR" sz="2400" dirty="0" smtClean="0"/>
+              <a:t>Propagando exceções não-capturadas</a:t>
+            </a:r>
+          </a:p>
+          <a:p>
+            <a:r>
+              <a:rPr lang="pt-BR" sz="2400" dirty="0" smtClean="0"/>
+              <a:t>Definindo exceções</a:t>
+            </a:r>
+          </a:p>
+          <a:p>
+            <a:r>
+              <a:rPr lang="pt-BR" sz="2400" dirty="0" smtClean="0"/>
+              <a:t>Hierarquia de exceções</a:t>
+            </a:r>
+          </a:p>
+          <a:p>
+            <a:r>
+              <a:rPr lang="pt-BR" sz="2400" dirty="0" smtClean="0"/>
+              <a:t>Manuseando uma hierarquia de classes de exceção</a:t>
+            </a:r>
+          </a:p>
+          <a:p>
+            <a:r>
+              <a:rPr lang="pt-BR" sz="2400" dirty="0" err="1" smtClean="0"/>
+              <a:t>Matching</a:t>
+            </a:r>
+            <a:r>
+              <a:rPr lang="pt-BR" sz="2400" dirty="0" smtClean="0"/>
+              <a:t> de exceção</a:t>
+            </a:r>
+          </a:p>
+          <a:p>
+            <a:r>
+              <a:rPr lang="pt-BR" sz="2400" dirty="0" smtClean="0"/>
+              <a:t>Declaração de exceção e a interface pública</a:t>
+            </a:r>
+          </a:p>
+          <a:p>
+            <a:r>
+              <a:rPr lang="pt-BR" sz="2400" dirty="0" smtClean="0"/>
+              <a:t>Relançando a mesma exceção</a:t>
+            </a:r>
+            <a:endParaRPr lang="pt-BR" sz="2400" dirty="0"/>
           </a:p>
         </p:txBody>
       </p:sp>
@@ -15387,7 +16697,7 @@
     </p:spTree>
     <p:extLst>
       <p:ext uri="{BB962C8B-B14F-4D97-AF65-F5344CB8AC3E}">
-        <p14:creationId xmlns:p14="http://schemas.microsoft.com/office/powerpoint/2010/main" val="3663202734"/>
+        <p14:creationId xmlns:p14="http://schemas.microsoft.com/office/powerpoint/2010/main" val="119400205"/>
       </p:ext>
     </p:extLst>
   </p:cSld>
@@ -15431,7 +16741,11 @@
           <a:p>
             <a:r>
               <a:rPr lang="pt-BR" dirty="0" smtClean="0"/>
-              <a:t>Criando Loops</a:t>
+              <a:t>Exceções Comuns e </a:t>
+            </a:r>
+            <a:r>
+              <a:rPr lang="pt-BR" dirty="0" err="1" smtClean="0"/>
+              <a:t>Errors</a:t>
             </a:r>
             <a:endParaRPr lang="pt-BR" dirty="0"/>
           </a:p>
@@ -15458,19 +16772,11 @@
             </a:r>
             <a:r>
               <a:rPr lang="pt-BR" dirty="0" err="1" smtClean="0"/>
-              <a:t>Objectives</a:t>
-            </a:r>
-            <a:r>
-              <a:rPr lang="pt-BR" dirty="0" smtClean="0"/>
-              <a:t> 5.1, 5.2, 5.3, 5.4 </a:t>
-            </a:r>
-            <a:r>
-              <a:rPr lang="pt-BR" dirty="0" err="1" smtClean="0"/>
-              <a:t>and</a:t>
-            </a:r>
-            <a:r>
-              <a:rPr lang="pt-BR" dirty="0" smtClean="0"/>
-              <a:t> 5.5</a:t>
+              <a:t>Objective</a:t>
+            </a:r>
+            <a:r>
+              <a:rPr lang="pt-BR" dirty="0" smtClean="0"/>
+              <a:t> 8.5</a:t>
             </a:r>
             <a:endParaRPr lang="pt-BR" dirty="0"/>
           </a:p>
@@ -15654,7 +16960,7 @@
     </p:spTree>
     <p:extLst>
       <p:ext uri="{BB962C8B-B14F-4D97-AF65-F5344CB8AC3E}">
-        <p14:creationId xmlns:p14="http://schemas.microsoft.com/office/powerpoint/2010/main" val="2470865896"/>
+        <p14:creationId xmlns:p14="http://schemas.microsoft.com/office/powerpoint/2010/main" val="3694482267"/>
       </p:ext>
     </p:extLst>
   </p:cSld>
@@ -15705,1023 +17011,6 @@
           <a:p>
             <a:r>
               <a:rPr lang="pt-BR" dirty="0"/>
-              <a:t>Criando Loops</a:t>
-            </a:r>
-          </a:p>
-        </p:txBody>
-      </p:sp>
-      <p:sp>
-        <p:nvSpPr>
-          <p:cNvPr id="6" name="Espaço Reservado para Conteúdo 5"/>
-          <p:cNvSpPr>
-            <a:spLocks noGrp="1"/>
-          </p:cNvSpPr>
-          <p:nvPr>
-            <p:ph idx="1"/>
-          </p:nvPr>
-        </p:nvSpPr>
-        <p:spPr/>
-        <p:txBody>
-          <a:bodyPr/>
-          <a:lstStyle/>
-          <a:p>
-            <a:r>
-              <a:rPr lang="pt-BR" sz="2400" dirty="0" smtClean="0"/>
-              <a:t>Usando loop </a:t>
-            </a:r>
-            <a:r>
-              <a:rPr lang="pt-BR" sz="2400" dirty="0" err="1" smtClean="0"/>
-              <a:t>while</a:t>
-            </a:r>
-            <a:endParaRPr lang="pt-BR" sz="2400" dirty="0" smtClean="0"/>
-          </a:p>
-          <a:p>
-            <a:r>
-              <a:rPr lang="pt-BR" sz="2400" dirty="0" smtClean="0"/>
-              <a:t>Usando loop do</a:t>
-            </a:r>
-          </a:p>
-          <a:p>
-            <a:r>
-              <a:rPr lang="pt-BR" sz="2400" dirty="0" smtClean="0"/>
-              <a:t>Usando loop for</a:t>
-            </a:r>
-          </a:p>
-          <a:p>
-            <a:pPr lvl="1"/>
-            <a:r>
-              <a:rPr lang="pt-BR" sz="2000" dirty="0" smtClean="0"/>
-              <a:t>Sobre o loop for Básico</a:t>
-            </a:r>
-          </a:p>
-          <a:p>
-            <a:pPr lvl="1"/>
-            <a:r>
-              <a:rPr lang="pt-BR" sz="2000" dirty="0" smtClean="0"/>
-              <a:t>Declaração e inicialização de loop for básico</a:t>
-            </a:r>
-          </a:p>
-          <a:p>
-            <a:pPr lvl="1"/>
-            <a:r>
-              <a:rPr lang="pt-BR" sz="2000" dirty="0" smtClean="0"/>
-              <a:t>Expressões condicionais no loop for básico</a:t>
-            </a:r>
-          </a:p>
-          <a:p>
-            <a:pPr lvl="1"/>
-            <a:r>
-              <a:rPr lang="pt-BR" sz="2000" dirty="0" smtClean="0"/>
-              <a:t>Expressões de iteração no loop for básico</a:t>
-            </a:r>
-          </a:p>
-          <a:p>
-            <a:pPr lvl="1"/>
-            <a:r>
-              <a:rPr lang="pt-BR" sz="2000" dirty="0" smtClean="0"/>
-              <a:t>Considerações sobre loop for básico</a:t>
-            </a:r>
-          </a:p>
-          <a:p>
-            <a:pPr lvl="1"/>
-            <a:r>
-              <a:rPr lang="pt-BR" sz="2000" dirty="0" smtClean="0"/>
-              <a:t>Sobre o loop for Aprimorado</a:t>
-            </a:r>
-          </a:p>
-          <a:p>
-            <a:r>
-              <a:rPr lang="pt-BR" sz="2400" dirty="0" smtClean="0"/>
-              <a:t>Cláusulas </a:t>
-            </a:r>
-            <a:r>
-              <a:rPr lang="pt-BR" sz="2400" dirty="0" err="1" smtClean="0"/>
-              <a:t>Unlabeled</a:t>
-            </a:r>
-            <a:endParaRPr lang="pt-BR" sz="2400" dirty="0" smtClean="0"/>
-          </a:p>
-          <a:p>
-            <a:r>
-              <a:rPr lang="pt-BR" sz="2400" dirty="0" smtClean="0"/>
-              <a:t>Cláusulas </a:t>
-            </a:r>
-            <a:r>
-              <a:rPr lang="pt-BR" sz="2400" dirty="0" err="1" smtClean="0"/>
-              <a:t>Labeled</a:t>
-            </a:r>
-            <a:endParaRPr lang="pt-BR" sz="2400" dirty="0" smtClean="0"/>
-          </a:p>
-          <a:p>
-            <a:endParaRPr lang="pt-BR" sz="2400" dirty="0"/>
-          </a:p>
-        </p:txBody>
-      </p:sp>
-      <p:sp>
-        <p:nvSpPr>
-          <p:cNvPr id="7" name="Espaço Reservado para Rodapé 3"/>
-          <p:cNvSpPr txBox="1">
-            <a:spLocks noGrp="1"/>
-          </p:cNvSpPr>
-          <p:nvPr>
-            <p:ph type="ftr" sz="quarter" idx="4294967295"/>
-          </p:nvPr>
-        </p:nvSpPr>
-        <p:spPr>
-          <a:xfrm>
-            <a:off x="3028950" y="6356351"/>
-            <a:ext cx="3086100" cy="365125"/>
-          </a:xfrm>
-          <a:prstGeom prst="rect">
-            <a:avLst/>
-          </a:prstGeom>
-        </p:spPr>
-        <p:txBody>
-          <a:bodyPr/>
-          <a:lstStyle>
-            <a:defPPr>
-              <a:defRPr lang="pt-BR"/>
-            </a:defPPr>
-            <a:lvl1pPr marL="0" algn="l" defTabSz="914400" rtl="0" eaLnBrk="1" latinLnBrk="0" hangingPunct="1">
-              <a:defRPr sz="1800" kern="1200">
-                <a:solidFill>
-                  <a:schemeClr val="tx1"/>
-                </a:solidFill>
-                <a:latin typeface="+mn-lt"/>
-                <a:ea typeface="+mn-ea"/>
-                <a:cs typeface="+mn-cs"/>
-              </a:defRPr>
-            </a:lvl1pPr>
-            <a:lvl2pPr marL="457200" algn="l" defTabSz="914400" rtl="0" eaLnBrk="1" latinLnBrk="0" hangingPunct="1">
-              <a:defRPr sz="1800" kern="1200">
-                <a:solidFill>
-                  <a:schemeClr val="tx1"/>
-                </a:solidFill>
-                <a:latin typeface="+mn-lt"/>
-                <a:ea typeface="+mn-ea"/>
-                <a:cs typeface="+mn-cs"/>
-              </a:defRPr>
-            </a:lvl2pPr>
-            <a:lvl3pPr marL="914400" algn="l" defTabSz="914400" rtl="0" eaLnBrk="1" latinLnBrk="0" hangingPunct="1">
-              <a:defRPr sz="1800" kern="1200">
-                <a:solidFill>
-                  <a:schemeClr val="tx1"/>
-                </a:solidFill>
-                <a:latin typeface="+mn-lt"/>
-                <a:ea typeface="+mn-ea"/>
-                <a:cs typeface="+mn-cs"/>
-              </a:defRPr>
-            </a:lvl3pPr>
-            <a:lvl4pPr marL="1371600" algn="l" defTabSz="914400" rtl="0" eaLnBrk="1" latinLnBrk="0" hangingPunct="1">
-              <a:defRPr sz="1800" kern="1200">
-                <a:solidFill>
-                  <a:schemeClr val="tx1"/>
-                </a:solidFill>
-                <a:latin typeface="+mn-lt"/>
-                <a:ea typeface="+mn-ea"/>
-                <a:cs typeface="+mn-cs"/>
-              </a:defRPr>
-            </a:lvl4pPr>
-            <a:lvl5pPr marL="1828800" algn="l" defTabSz="914400" rtl="0" eaLnBrk="1" latinLnBrk="0" hangingPunct="1">
-              <a:defRPr sz="1800" kern="1200">
-                <a:solidFill>
-                  <a:schemeClr val="tx1"/>
-                </a:solidFill>
-                <a:latin typeface="+mn-lt"/>
-                <a:ea typeface="+mn-ea"/>
-                <a:cs typeface="+mn-cs"/>
-              </a:defRPr>
-            </a:lvl5pPr>
-            <a:lvl6pPr marL="2286000" algn="l" defTabSz="914400" rtl="0" eaLnBrk="1" latinLnBrk="0" hangingPunct="1">
-              <a:defRPr sz="1800" kern="1200">
-                <a:solidFill>
-                  <a:schemeClr val="tx1"/>
-                </a:solidFill>
-                <a:latin typeface="+mn-lt"/>
-                <a:ea typeface="+mn-ea"/>
-                <a:cs typeface="+mn-cs"/>
-              </a:defRPr>
-            </a:lvl6pPr>
-            <a:lvl7pPr marL="2743200" algn="l" defTabSz="914400" rtl="0" eaLnBrk="1" latinLnBrk="0" hangingPunct="1">
-              <a:defRPr sz="1800" kern="1200">
-                <a:solidFill>
-                  <a:schemeClr val="tx1"/>
-                </a:solidFill>
-                <a:latin typeface="+mn-lt"/>
-                <a:ea typeface="+mn-ea"/>
-                <a:cs typeface="+mn-cs"/>
-              </a:defRPr>
-            </a:lvl7pPr>
-            <a:lvl8pPr marL="3200400" algn="l" defTabSz="914400" rtl="0" eaLnBrk="1" latinLnBrk="0" hangingPunct="1">
-              <a:defRPr sz="1800" kern="1200">
-                <a:solidFill>
-                  <a:schemeClr val="tx1"/>
-                </a:solidFill>
-                <a:latin typeface="+mn-lt"/>
-                <a:ea typeface="+mn-ea"/>
-                <a:cs typeface="+mn-cs"/>
-              </a:defRPr>
-            </a:lvl8pPr>
-            <a:lvl9pPr marL="3657600" algn="l" defTabSz="914400" rtl="0" eaLnBrk="1" latinLnBrk="0" hangingPunct="1">
-              <a:defRPr sz="1800" kern="1200">
-                <a:solidFill>
-                  <a:schemeClr val="tx1"/>
-                </a:solidFill>
-                <a:latin typeface="+mn-lt"/>
-                <a:ea typeface="+mn-ea"/>
-                <a:cs typeface="+mn-cs"/>
-              </a:defRPr>
-            </a:lvl9pPr>
-          </a:lstStyle>
-          <a:p>
-            <a:pPr algn="ctr">
-              <a:defRPr sz="1200">
-                <a:solidFill>
-                  <a:srgbClr val="8C8C8C"/>
-                </a:solidFill>
-                <a:latin typeface="Tw Cen MT" charset="0"/>
-                <a:ea typeface="Calibri" charset="0"/>
-                <a:cs typeface="Calibri" charset="0"/>
-              </a:defRPr>
-            </a:pPr>
-            <a:r>
-              <a:rPr lang="pt-BR" dirty="0" smtClean="0"/>
-              <a:t>Controle de Fluxo e Exceções</a:t>
-            </a:r>
-            <a:endParaRPr lang="pt-BR" dirty="0"/>
-          </a:p>
-          <a:p>
-            <a:pPr algn="ctr">
-              <a:defRPr sz="1200">
-                <a:solidFill>
-                  <a:srgbClr val="8C8C8C"/>
-                </a:solidFill>
-                <a:latin typeface="Tw Cen MT" charset="0"/>
-                <a:ea typeface="Calibri" charset="0"/>
-                <a:cs typeface="Calibri" charset="0"/>
-              </a:defRPr>
-            </a:pPr>
-            <a:endParaRPr lang="pt-BR" sz="1200" dirty="0" smtClean="0">
-              <a:solidFill>
-                <a:srgbClr val="8C8C8C"/>
-              </a:solidFill>
-              <a:latin typeface="Tw Cen MT" charset="0"/>
-              <a:ea typeface="Calibri" charset="0"/>
-              <a:cs typeface="Calibri" charset="0"/>
-            </a:endParaRPr>
-          </a:p>
-          <a:p>
-            <a:pPr algn="ctr">
-              <a:defRPr sz="1200">
-                <a:solidFill>
-                  <a:srgbClr val="8C8C8C"/>
-                </a:solidFill>
-                <a:latin typeface="Tw Cen MT" charset="0"/>
-                <a:ea typeface="Calibri" charset="0"/>
-                <a:cs typeface="Calibri" charset="0"/>
-              </a:defRPr>
-            </a:pPr>
-            <a:endParaRPr lang="pt-BR" sz="1200" dirty="0">
-              <a:solidFill>
-                <a:srgbClr val="8C8C8C"/>
-              </a:solidFill>
-              <a:latin typeface="Tw Cen MT" charset="0"/>
-              <a:ea typeface="Calibri" charset="0"/>
-              <a:cs typeface="Calibri" charset="0"/>
-            </a:endParaRPr>
-          </a:p>
-        </p:txBody>
-      </p:sp>
-    </p:spTree>
-    <p:extLst>
-      <p:ext uri="{BB962C8B-B14F-4D97-AF65-F5344CB8AC3E}">
-        <p14:creationId xmlns:p14="http://schemas.microsoft.com/office/powerpoint/2010/main" val="2111532211"/>
-      </p:ext>
-    </p:extLst>
-  </p:cSld>
-  <p:clrMapOvr>
-    <a:masterClrMapping/>
-  </p:clrMapOvr>
-</p:sld>
-</file>
-
-<file path=ppt/slides/slide64.xml><?xml version="1.0" encoding="utf-8"?>
-<p:sld xmlns:a="http://schemas.openxmlformats.org/drawingml/2006/main" xmlns:r="http://schemas.openxmlformats.org/officeDocument/2006/relationships" xmlns:p="http://schemas.openxmlformats.org/presentationml/2006/main">
-  <p:cSld>
-    <p:spTree>
-      <p:nvGrpSpPr>
-        <p:cNvPr id="1" name=""/>
-        <p:cNvGrpSpPr/>
-        <p:nvPr/>
-      </p:nvGrpSpPr>
-      <p:grpSpPr>
-        <a:xfrm>
-          <a:off x="0" y="0"/>
-          <a:ext cx="0" cy="0"/>
-          <a:chOff x="0" y="0"/>
-          <a:chExt cx="0" cy="0"/>
-        </a:xfrm>
-      </p:grpSpPr>
-      <p:sp>
-        <p:nvSpPr>
-          <p:cNvPr id="2" name="Título 1"/>
-          <p:cNvSpPr>
-            <a:spLocks noGrp="1"/>
-          </p:cNvSpPr>
-          <p:nvPr>
-            <p:ph type="ctrTitle"/>
-          </p:nvPr>
-        </p:nvSpPr>
-        <p:spPr/>
-        <p:txBody>
-          <a:bodyPr/>
-          <a:lstStyle/>
-          <a:p>
-            <a:r>
-              <a:rPr lang="pt-BR" dirty="0" smtClean="0"/>
-              <a:t>Manipulando Exceções</a:t>
-            </a:r>
-            <a:endParaRPr lang="pt-BR" dirty="0"/>
-          </a:p>
-        </p:txBody>
-      </p:sp>
-      <p:sp>
-        <p:nvSpPr>
-          <p:cNvPr id="3" name="Subtítulo 2"/>
-          <p:cNvSpPr>
-            <a:spLocks noGrp="1"/>
-          </p:cNvSpPr>
-          <p:nvPr>
-            <p:ph type="subTitle" idx="1"/>
-          </p:nvPr>
-        </p:nvSpPr>
-        <p:spPr/>
-        <p:txBody>
-          <a:bodyPr/>
-          <a:lstStyle/>
-          <a:p>
-            <a:r>
-              <a:rPr lang="pt-BR" dirty="0" smtClean="0"/>
-              <a:t>OCA </a:t>
-            </a:r>
-            <a:r>
-              <a:rPr lang="pt-BR" dirty="0" err="1" smtClean="0"/>
-              <a:t>Objectives</a:t>
-            </a:r>
-            <a:r>
-              <a:rPr lang="pt-BR" dirty="0" smtClean="0"/>
-              <a:t> 8.1, 8.2, 8.3 </a:t>
-            </a:r>
-            <a:r>
-              <a:rPr lang="pt-BR" dirty="0" err="1" smtClean="0"/>
-              <a:t>and</a:t>
-            </a:r>
-            <a:r>
-              <a:rPr lang="pt-BR" dirty="0" smtClean="0"/>
-              <a:t> 8.4</a:t>
-            </a:r>
-            <a:endParaRPr lang="pt-BR" dirty="0"/>
-          </a:p>
-        </p:txBody>
-      </p:sp>
-    </p:spTree>
-    <p:extLst>
-      <p:ext uri="{BB962C8B-B14F-4D97-AF65-F5344CB8AC3E}">
-        <p14:creationId xmlns:p14="http://schemas.microsoft.com/office/powerpoint/2010/main" val="3021261354"/>
-      </p:ext>
-    </p:extLst>
-  </p:cSld>
-  <p:clrMapOvr>
-    <a:masterClrMapping/>
-  </p:clrMapOvr>
-  <p:timing>
-    <p:tnLst>
-      <p:par>
-        <p:cTn id="1" dur="indefinite" restart="never" nodeType="tmRoot"/>
-      </p:par>
-    </p:tnLst>
-  </p:timing>
-</p:sld>
-</file>
-
-<file path=ppt/slides/slide65.xml><?xml version="1.0" encoding="utf-8"?>
-<p:sld xmlns:a="http://schemas.openxmlformats.org/drawingml/2006/main" xmlns:r="http://schemas.openxmlformats.org/officeDocument/2006/relationships" xmlns:p="http://schemas.openxmlformats.org/presentationml/2006/main">
-  <p:cSld>
-    <p:spTree>
-      <p:nvGrpSpPr>
-        <p:cNvPr id="1" name=""/>
-        <p:cNvGrpSpPr/>
-        <p:nvPr/>
-      </p:nvGrpSpPr>
-      <p:grpSpPr>
-        <a:xfrm>
-          <a:off x="0" y="0"/>
-          <a:ext cx="0" cy="0"/>
-          <a:chOff x="0" y="0"/>
-          <a:chExt cx="0" cy="0"/>
-        </a:xfrm>
-      </p:grpSpPr>
-      <p:sp>
-        <p:nvSpPr>
-          <p:cNvPr id="5" name="Título 4"/>
-          <p:cNvSpPr>
-            <a:spLocks noGrp="1"/>
-          </p:cNvSpPr>
-          <p:nvPr>
-            <p:ph type="title"/>
-          </p:nvPr>
-        </p:nvSpPr>
-        <p:spPr/>
-        <p:txBody>
-          <a:bodyPr/>
-          <a:lstStyle/>
-          <a:p>
-            <a:r>
-              <a:rPr lang="pt-BR" dirty="0"/>
-              <a:t>Manipulando Exceções</a:t>
-            </a:r>
-          </a:p>
-        </p:txBody>
-      </p:sp>
-      <p:sp>
-        <p:nvSpPr>
-          <p:cNvPr id="6" name="Espaço Reservado para Conteúdo 5"/>
-          <p:cNvSpPr>
-            <a:spLocks noGrp="1"/>
-          </p:cNvSpPr>
-          <p:nvPr>
-            <p:ph idx="1"/>
-          </p:nvPr>
-        </p:nvSpPr>
-        <p:spPr/>
-        <p:txBody>
-          <a:bodyPr/>
-          <a:lstStyle/>
-          <a:p>
-            <a:r>
-              <a:rPr lang="pt-BR" sz="2400" dirty="0" smtClean="0"/>
-              <a:t>Capturando uma exceção usando </a:t>
-            </a:r>
-            <a:r>
-              <a:rPr lang="pt-BR" sz="2400" dirty="0" err="1" smtClean="0"/>
-              <a:t>try</a:t>
-            </a:r>
-            <a:r>
-              <a:rPr lang="pt-BR" sz="2400" dirty="0" smtClean="0"/>
-              <a:t> e catch</a:t>
-            </a:r>
-          </a:p>
-          <a:p>
-            <a:r>
-              <a:rPr lang="pt-BR" sz="2400" dirty="0" smtClean="0"/>
-              <a:t>Usando </a:t>
-            </a:r>
-            <a:r>
-              <a:rPr lang="pt-BR" sz="2400" dirty="0" err="1" smtClean="0"/>
-              <a:t>finally</a:t>
-            </a:r>
-            <a:endParaRPr lang="pt-BR" sz="2400" dirty="0" smtClean="0"/>
-          </a:p>
-          <a:p>
-            <a:r>
-              <a:rPr lang="pt-BR" sz="2400" dirty="0" smtClean="0"/>
-              <a:t>Propagando exceções não-capturadas</a:t>
-            </a:r>
-          </a:p>
-          <a:p>
-            <a:r>
-              <a:rPr lang="pt-BR" sz="2400" dirty="0" smtClean="0"/>
-              <a:t>Definindo exceções</a:t>
-            </a:r>
-          </a:p>
-          <a:p>
-            <a:r>
-              <a:rPr lang="pt-BR" sz="2400" dirty="0" smtClean="0"/>
-              <a:t>Hierarquia de exceções</a:t>
-            </a:r>
-          </a:p>
-          <a:p>
-            <a:r>
-              <a:rPr lang="pt-BR" sz="2400" dirty="0" smtClean="0"/>
-              <a:t>Manuseando uma hierarquia de classes de exceção</a:t>
-            </a:r>
-          </a:p>
-          <a:p>
-            <a:r>
-              <a:rPr lang="pt-BR" sz="2400" dirty="0" err="1" smtClean="0"/>
-              <a:t>Matching</a:t>
-            </a:r>
-            <a:r>
-              <a:rPr lang="pt-BR" sz="2400" dirty="0" smtClean="0"/>
-              <a:t> de exceção</a:t>
-            </a:r>
-          </a:p>
-          <a:p>
-            <a:r>
-              <a:rPr lang="pt-BR" sz="2400" dirty="0" smtClean="0"/>
-              <a:t>Declaração de exceção e a interface pública</a:t>
-            </a:r>
-          </a:p>
-          <a:p>
-            <a:r>
-              <a:rPr lang="pt-BR" sz="2400" dirty="0" smtClean="0"/>
-              <a:t>Relançando a mesma exceção</a:t>
-            </a:r>
-            <a:endParaRPr lang="pt-BR" sz="2400" dirty="0"/>
-          </a:p>
-        </p:txBody>
-      </p:sp>
-      <p:sp>
-        <p:nvSpPr>
-          <p:cNvPr id="7" name="Espaço Reservado para Rodapé 3"/>
-          <p:cNvSpPr txBox="1">
-            <a:spLocks noGrp="1"/>
-          </p:cNvSpPr>
-          <p:nvPr>
-            <p:ph type="ftr" sz="quarter" idx="4294967295"/>
-          </p:nvPr>
-        </p:nvSpPr>
-        <p:spPr>
-          <a:xfrm>
-            <a:off x="3028950" y="6356351"/>
-            <a:ext cx="3086100" cy="365125"/>
-          </a:xfrm>
-          <a:prstGeom prst="rect">
-            <a:avLst/>
-          </a:prstGeom>
-        </p:spPr>
-        <p:txBody>
-          <a:bodyPr/>
-          <a:lstStyle>
-            <a:defPPr>
-              <a:defRPr lang="pt-BR"/>
-            </a:defPPr>
-            <a:lvl1pPr marL="0" algn="l" defTabSz="914400" rtl="0" eaLnBrk="1" latinLnBrk="0" hangingPunct="1">
-              <a:defRPr sz="1800" kern="1200">
-                <a:solidFill>
-                  <a:schemeClr val="tx1"/>
-                </a:solidFill>
-                <a:latin typeface="+mn-lt"/>
-                <a:ea typeface="+mn-ea"/>
-                <a:cs typeface="+mn-cs"/>
-              </a:defRPr>
-            </a:lvl1pPr>
-            <a:lvl2pPr marL="457200" algn="l" defTabSz="914400" rtl="0" eaLnBrk="1" latinLnBrk="0" hangingPunct="1">
-              <a:defRPr sz="1800" kern="1200">
-                <a:solidFill>
-                  <a:schemeClr val="tx1"/>
-                </a:solidFill>
-                <a:latin typeface="+mn-lt"/>
-                <a:ea typeface="+mn-ea"/>
-                <a:cs typeface="+mn-cs"/>
-              </a:defRPr>
-            </a:lvl2pPr>
-            <a:lvl3pPr marL="914400" algn="l" defTabSz="914400" rtl="0" eaLnBrk="1" latinLnBrk="0" hangingPunct="1">
-              <a:defRPr sz="1800" kern="1200">
-                <a:solidFill>
-                  <a:schemeClr val="tx1"/>
-                </a:solidFill>
-                <a:latin typeface="+mn-lt"/>
-                <a:ea typeface="+mn-ea"/>
-                <a:cs typeface="+mn-cs"/>
-              </a:defRPr>
-            </a:lvl3pPr>
-            <a:lvl4pPr marL="1371600" algn="l" defTabSz="914400" rtl="0" eaLnBrk="1" latinLnBrk="0" hangingPunct="1">
-              <a:defRPr sz="1800" kern="1200">
-                <a:solidFill>
-                  <a:schemeClr val="tx1"/>
-                </a:solidFill>
-                <a:latin typeface="+mn-lt"/>
-                <a:ea typeface="+mn-ea"/>
-                <a:cs typeface="+mn-cs"/>
-              </a:defRPr>
-            </a:lvl4pPr>
-            <a:lvl5pPr marL="1828800" algn="l" defTabSz="914400" rtl="0" eaLnBrk="1" latinLnBrk="0" hangingPunct="1">
-              <a:defRPr sz="1800" kern="1200">
-                <a:solidFill>
-                  <a:schemeClr val="tx1"/>
-                </a:solidFill>
-                <a:latin typeface="+mn-lt"/>
-                <a:ea typeface="+mn-ea"/>
-                <a:cs typeface="+mn-cs"/>
-              </a:defRPr>
-            </a:lvl5pPr>
-            <a:lvl6pPr marL="2286000" algn="l" defTabSz="914400" rtl="0" eaLnBrk="1" latinLnBrk="0" hangingPunct="1">
-              <a:defRPr sz="1800" kern="1200">
-                <a:solidFill>
-                  <a:schemeClr val="tx1"/>
-                </a:solidFill>
-                <a:latin typeface="+mn-lt"/>
-                <a:ea typeface="+mn-ea"/>
-                <a:cs typeface="+mn-cs"/>
-              </a:defRPr>
-            </a:lvl6pPr>
-            <a:lvl7pPr marL="2743200" algn="l" defTabSz="914400" rtl="0" eaLnBrk="1" latinLnBrk="0" hangingPunct="1">
-              <a:defRPr sz="1800" kern="1200">
-                <a:solidFill>
-                  <a:schemeClr val="tx1"/>
-                </a:solidFill>
-                <a:latin typeface="+mn-lt"/>
-                <a:ea typeface="+mn-ea"/>
-                <a:cs typeface="+mn-cs"/>
-              </a:defRPr>
-            </a:lvl7pPr>
-            <a:lvl8pPr marL="3200400" algn="l" defTabSz="914400" rtl="0" eaLnBrk="1" latinLnBrk="0" hangingPunct="1">
-              <a:defRPr sz="1800" kern="1200">
-                <a:solidFill>
-                  <a:schemeClr val="tx1"/>
-                </a:solidFill>
-                <a:latin typeface="+mn-lt"/>
-                <a:ea typeface="+mn-ea"/>
-                <a:cs typeface="+mn-cs"/>
-              </a:defRPr>
-            </a:lvl8pPr>
-            <a:lvl9pPr marL="3657600" algn="l" defTabSz="914400" rtl="0" eaLnBrk="1" latinLnBrk="0" hangingPunct="1">
-              <a:defRPr sz="1800" kern="1200">
-                <a:solidFill>
-                  <a:schemeClr val="tx1"/>
-                </a:solidFill>
-                <a:latin typeface="+mn-lt"/>
-                <a:ea typeface="+mn-ea"/>
-                <a:cs typeface="+mn-cs"/>
-              </a:defRPr>
-            </a:lvl9pPr>
-          </a:lstStyle>
-          <a:p>
-            <a:pPr algn="ctr">
-              <a:defRPr sz="1200">
-                <a:solidFill>
-                  <a:srgbClr val="8C8C8C"/>
-                </a:solidFill>
-                <a:latin typeface="Tw Cen MT" charset="0"/>
-                <a:ea typeface="Calibri" charset="0"/>
-                <a:cs typeface="Calibri" charset="0"/>
-              </a:defRPr>
-            </a:pPr>
-            <a:r>
-              <a:rPr lang="pt-BR" dirty="0" smtClean="0"/>
-              <a:t>Controle de Fluxo e Exceções</a:t>
-            </a:r>
-            <a:endParaRPr lang="pt-BR" dirty="0"/>
-          </a:p>
-          <a:p>
-            <a:pPr algn="ctr">
-              <a:defRPr sz="1200">
-                <a:solidFill>
-                  <a:srgbClr val="8C8C8C"/>
-                </a:solidFill>
-                <a:latin typeface="Tw Cen MT" charset="0"/>
-                <a:ea typeface="Calibri" charset="0"/>
-                <a:cs typeface="Calibri" charset="0"/>
-              </a:defRPr>
-            </a:pPr>
-            <a:endParaRPr lang="pt-BR" sz="1200" dirty="0" smtClean="0">
-              <a:solidFill>
-                <a:srgbClr val="8C8C8C"/>
-              </a:solidFill>
-              <a:latin typeface="Tw Cen MT" charset="0"/>
-              <a:ea typeface="Calibri" charset="0"/>
-              <a:cs typeface="Calibri" charset="0"/>
-            </a:endParaRPr>
-          </a:p>
-          <a:p>
-            <a:pPr algn="ctr">
-              <a:defRPr sz="1200">
-                <a:solidFill>
-                  <a:srgbClr val="8C8C8C"/>
-                </a:solidFill>
-                <a:latin typeface="Tw Cen MT" charset="0"/>
-                <a:ea typeface="Calibri" charset="0"/>
-                <a:cs typeface="Calibri" charset="0"/>
-              </a:defRPr>
-            </a:pPr>
-            <a:endParaRPr lang="pt-BR" sz="1200" dirty="0">
-              <a:solidFill>
-                <a:srgbClr val="8C8C8C"/>
-              </a:solidFill>
-              <a:latin typeface="Tw Cen MT" charset="0"/>
-              <a:ea typeface="Calibri" charset="0"/>
-              <a:cs typeface="Calibri" charset="0"/>
-            </a:endParaRPr>
-          </a:p>
-        </p:txBody>
-      </p:sp>
-    </p:spTree>
-    <p:extLst>
-      <p:ext uri="{BB962C8B-B14F-4D97-AF65-F5344CB8AC3E}">
-        <p14:creationId xmlns:p14="http://schemas.microsoft.com/office/powerpoint/2010/main" val="119400205"/>
-      </p:ext>
-    </p:extLst>
-  </p:cSld>
-  <p:clrMapOvr>
-    <a:masterClrMapping/>
-  </p:clrMapOvr>
-</p:sld>
-</file>
-
-<file path=ppt/slides/slide66.xml><?xml version="1.0" encoding="utf-8"?>
-<p:sld xmlns:a="http://schemas.openxmlformats.org/drawingml/2006/main" xmlns:r="http://schemas.openxmlformats.org/officeDocument/2006/relationships" xmlns:p="http://schemas.openxmlformats.org/presentationml/2006/main">
-  <p:cSld>
-    <p:spTree>
-      <p:nvGrpSpPr>
-        <p:cNvPr id="1" name=""/>
-        <p:cNvGrpSpPr/>
-        <p:nvPr/>
-      </p:nvGrpSpPr>
-      <p:grpSpPr>
-        <a:xfrm>
-          <a:off x="0" y="0"/>
-          <a:ext cx="0" cy="0"/>
-          <a:chOff x="0" y="0"/>
-          <a:chExt cx="0" cy="0"/>
-        </a:xfrm>
-      </p:grpSpPr>
-      <p:sp>
-        <p:nvSpPr>
-          <p:cNvPr id="2" name="Título 1"/>
-          <p:cNvSpPr>
-            <a:spLocks noGrp="1"/>
-          </p:cNvSpPr>
-          <p:nvPr>
-            <p:ph type="ctrTitle"/>
-          </p:nvPr>
-        </p:nvSpPr>
-        <p:spPr/>
-        <p:txBody>
-          <a:bodyPr/>
-          <a:lstStyle/>
-          <a:p>
-            <a:r>
-              <a:rPr lang="pt-BR" dirty="0" smtClean="0"/>
-              <a:t>Exceções Comuns e </a:t>
-            </a:r>
-            <a:r>
-              <a:rPr lang="pt-BR" dirty="0" err="1" smtClean="0"/>
-              <a:t>Errors</a:t>
-            </a:r>
-            <a:endParaRPr lang="pt-BR" dirty="0"/>
-          </a:p>
-        </p:txBody>
-      </p:sp>
-      <p:sp>
-        <p:nvSpPr>
-          <p:cNvPr id="3" name="Subtítulo 2"/>
-          <p:cNvSpPr>
-            <a:spLocks noGrp="1"/>
-          </p:cNvSpPr>
-          <p:nvPr>
-            <p:ph type="subTitle" idx="1"/>
-          </p:nvPr>
-        </p:nvSpPr>
-        <p:spPr/>
-        <p:txBody>
-          <a:bodyPr/>
-          <a:lstStyle/>
-          <a:p>
-            <a:r>
-              <a:rPr lang="pt-BR" dirty="0" smtClean="0"/>
-              <a:t>OCA </a:t>
-            </a:r>
-            <a:r>
-              <a:rPr lang="pt-BR" dirty="0" err="1" smtClean="0"/>
-              <a:t>Objective</a:t>
-            </a:r>
-            <a:r>
-              <a:rPr lang="pt-BR" dirty="0" smtClean="0"/>
-              <a:t> 8.5</a:t>
-            </a:r>
-            <a:endParaRPr lang="pt-BR" dirty="0"/>
-          </a:p>
-        </p:txBody>
-      </p:sp>
-      <p:sp>
-        <p:nvSpPr>
-          <p:cNvPr id="5" name="Espaço Reservado para Rodapé 3"/>
-          <p:cNvSpPr txBox="1">
-            <a:spLocks noGrp="1"/>
-          </p:cNvSpPr>
-          <p:nvPr>
-            <p:ph type="ftr" sz="quarter" idx="4294967295"/>
-          </p:nvPr>
-        </p:nvSpPr>
-        <p:spPr>
-          <a:xfrm>
-            <a:off x="3028950" y="6356351"/>
-            <a:ext cx="3086100" cy="365125"/>
-          </a:xfrm>
-          <a:prstGeom prst="rect">
-            <a:avLst/>
-          </a:prstGeom>
-        </p:spPr>
-        <p:txBody>
-          <a:bodyPr/>
-          <a:lstStyle>
-            <a:defPPr>
-              <a:defRPr lang="pt-BR"/>
-            </a:defPPr>
-            <a:lvl1pPr marL="0" algn="l" defTabSz="914400" rtl="0" eaLnBrk="1" latinLnBrk="0" hangingPunct="1">
-              <a:defRPr sz="1800" kern="1200">
-                <a:solidFill>
-                  <a:schemeClr val="tx1"/>
-                </a:solidFill>
-                <a:latin typeface="+mn-lt"/>
-                <a:ea typeface="+mn-ea"/>
-                <a:cs typeface="+mn-cs"/>
-              </a:defRPr>
-            </a:lvl1pPr>
-            <a:lvl2pPr marL="457200" algn="l" defTabSz="914400" rtl="0" eaLnBrk="1" latinLnBrk="0" hangingPunct="1">
-              <a:defRPr sz="1800" kern="1200">
-                <a:solidFill>
-                  <a:schemeClr val="tx1"/>
-                </a:solidFill>
-                <a:latin typeface="+mn-lt"/>
-                <a:ea typeface="+mn-ea"/>
-                <a:cs typeface="+mn-cs"/>
-              </a:defRPr>
-            </a:lvl2pPr>
-            <a:lvl3pPr marL="914400" algn="l" defTabSz="914400" rtl="0" eaLnBrk="1" latinLnBrk="0" hangingPunct="1">
-              <a:defRPr sz="1800" kern="1200">
-                <a:solidFill>
-                  <a:schemeClr val="tx1"/>
-                </a:solidFill>
-                <a:latin typeface="+mn-lt"/>
-                <a:ea typeface="+mn-ea"/>
-                <a:cs typeface="+mn-cs"/>
-              </a:defRPr>
-            </a:lvl3pPr>
-            <a:lvl4pPr marL="1371600" algn="l" defTabSz="914400" rtl="0" eaLnBrk="1" latinLnBrk="0" hangingPunct="1">
-              <a:defRPr sz="1800" kern="1200">
-                <a:solidFill>
-                  <a:schemeClr val="tx1"/>
-                </a:solidFill>
-                <a:latin typeface="+mn-lt"/>
-                <a:ea typeface="+mn-ea"/>
-                <a:cs typeface="+mn-cs"/>
-              </a:defRPr>
-            </a:lvl4pPr>
-            <a:lvl5pPr marL="1828800" algn="l" defTabSz="914400" rtl="0" eaLnBrk="1" latinLnBrk="0" hangingPunct="1">
-              <a:defRPr sz="1800" kern="1200">
-                <a:solidFill>
-                  <a:schemeClr val="tx1"/>
-                </a:solidFill>
-                <a:latin typeface="+mn-lt"/>
-                <a:ea typeface="+mn-ea"/>
-                <a:cs typeface="+mn-cs"/>
-              </a:defRPr>
-            </a:lvl5pPr>
-            <a:lvl6pPr marL="2286000" algn="l" defTabSz="914400" rtl="0" eaLnBrk="1" latinLnBrk="0" hangingPunct="1">
-              <a:defRPr sz="1800" kern="1200">
-                <a:solidFill>
-                  <a:schemeClr val="tx1"/>
-                </a:solidFill>
-                <a:latin typeface="+mn-lt"/>
-                <a:ea typeface="+mn-ea"/>
-                <a:cs typeface="+mn-cs"/>
-              </a:defRPr>
-            </a:lvl6pPr>
-            <a:lvl7pPr marL="2743200" algn="l" defTabSz="914400" rtl="0" eaLnBrk="1" latinLnBrk="0" hangingPunct="1">
-              <a:defRPr sz="1800" kern="1200">
-                <a:solidFill>
-                  <a:schemeClr val="tx1"/>
-                </a:solidFill>
-                <a:latin typeface="+mn-lt"/>
-                <a:ea typeface="+mn-ea"/>
-                <a:cs typeface="+mn-cs"/>
-              </a:defRPr>
-            </a:lvl7pPr>
-            <a:lvl8pPr marL="3200400" algn="l" defTabSz="914400" rtl="0" eaLnBrk="1" latinLnBrk="0" hangingPunct="1">
-              <a:defRPr sz="1800" kern="1200">
-                <a:solidFill>
-                  <a:schemeClr val="tx1"/>
-                </a:solidFill>
-                <a:latin typeface="+mn-lt"/>
-                <a:ea typeface="+mn-ea"/>
-                <a:cs typeface="+mn-cs"/>
-              </a:defRPr>
-            </a:lvl8pPr>
-            <a:lvl9pPr marL="3657600" algn="l" defTabSz="914400" rtl="0" eaLnBrk="1" latinLnBrk="0" hangingPunct="1">
-              <a:defRPr sz="1800" kern="1200">
-                <a:solidFill>
-                  <a:schemeClr val="tx1"/>
-                </a:solidFill>
-                <a:latin typeface="+mn-lt"/>
-                <a:ea typeface="+mn-ea"/>
-                <a:cs typeface="+mn-cs"/>
-              </a:defRPr>
-            </a:lvl9pPr>
-          </a:lstStyle>
-          <a:p>
-            <a:pPr algn="ctr">
-              <a:defRPr sz="1200">
-                <a:solidFill>
-                  <a:srgbClr val="8C8C8C"/>
-                </a:solidFill>
-                <a:latin typeface="Tw Cen MT" charset="0"/>
-                <a:ea typeface="Calibri" charset="0"/>
-                <a:cs typeface="Calibri" charset="0"/>
-              </a:defRPr>
-            </a:pPr>
-            <a:r>
-              <a:rPr lang="pt-BR" dirty="0" smtClean="0"/>
-              <a:t>Controle de Fluxo e Exceções</a:t>
-            </a:r>
-            <a:endParaRPr lang="pt-BR" dirty="0"/>
-          </a:p>
-          <a:p>
-            <a:pPr algn="ctr">
-              <a:defRPr sz="1200">
-                <a:solidFill>
-                  <a:srgbClr val="8C8C8C"/>
-                </a:solidFill>
-                <a:latin typeface="Tw Cen MT" charset="0"/>
-                <a:ea typeface="Calibri" charset="0"/>
-                <a:cs typeface="Calibri" charset="0"/>
-              </a:defRPr>
-            </a:pPr>
-            <a:endParaRPr lang="pt-BR" sz="1200" dirty="0" smtClean="0">
-              <a:solidFill>
-                <a:srgbClr val="8C8C8C"/>
-              </a:solidFill>
-              <a:latin typeface="Tw Cen MT" charset="0"/>
-              <a:ea typeface="Calibri" charset="0"/>
-              <a:cs typeface="Calibri" charset="0"/>
-            </a:endParaRPr>
-          </a:p>
-          <a:p>
-            <a:pPr algn="ctr">
-              <a:defRPr sz="1200">
-                <a:solidFill>
-                  <a:srgbClr val="8C8C8C"/>
-                </a:solidFill>
-                <a:latin typeface="Tw Cen MT" charset="0"/>
-                <a:ea typeface="Calibri" charset="0"/>
-                <a:cs typeface="Calibri" charset="0"/>
-              </a:defRPr>
-            </a:pPr>
-            <a:endParaRPr lang="pt-BR" sz="1200" dirty="0">
-              <a:solidFill>
-                <a:srgbClr val="8C8C8C"/>
-              </a:solidFill>
-              <a:latin typeface="Tw Cen MT" charset="0"/>
-              <a:ea typeface="Calibri" charset="0"/>
-              <a:cs typeface="Calibri" charset="0"/>
-            </a:endParaRPr>
-          </a:p>
-        </p:txBody>
-      </p:sp>
-    </p:spTree>
-    <p:extLst>
-      <p:ext uri="{BB962C8B-B14F-4D97-AF65-F5344CB8AC3E}">
-        <p14:creationId xmlns:p14="http://schemas.microsoft.com/office/powerpoint/2010/main" val="3694482267"/>
-      </p:ext>
-    </p:extLst>
-  </p:cSld>
-  <p:clrMapOvr>
-    <a:masterClrMapping/>
-  </p:clrMapOvr>
-  <p:timing>
-    <p:tnLst>
-      <p:par>
-        <p:cTn id="1" dur="indefinite" restart="never" nodeType="tmRoot"/>
-      </p:par>
-    </p:tnLst>
-  </p:timing>
-</p:sld>
-</file>
-
-<file path=ppt/slides/slide67.xml><?xml version="1.0" encoding="utf-8"?>
-<p:sld xmlns:a="http://schemas.openxmlformats.org/drawingml/2006/main" xmlns:r="http://schemas.openxmlformats.org/officeDocument/2006/relationships" xmlns:p="http://schemas.openxmlformats.org/presentationml/2006/main">
-  <p:cSld>
-    <p:spTree>
-      <p:nvGrpSpPr>
-        <p:cNvPr id="1" name=""/>
-        <p:cNvGrpSpPr/>
-        <p:nvPr/>
-      </p:nvGrpSpPr>
-      <p:grpSpPr>
-        <a:xfrm>
-          <a:off x="0" y="0"/>
-          <a:ext cx="0" cy="0"/>
-          <a:chOff x="0" y="0"/>
-          <a:chExt cx="0" cy="0"/>
-        </a:xfrm>
-      </p:grpSpPr>
-      <p:sp>
-        <p:nvSpPr>
-          <p:cNvPr id="5" name="Título 4"/>
-          <p:cNvSpPr>
-            <a:spLocks noGrp="1"/>
-          </p:cNvSpPr>
-          <p:nvPr>
-            <p:ph type="title"/>
-          </p:nvPr>
-        </p:nvSpPr>
-        <p:spPr/>
-        <p:txBody>
-          <a:bodyPr/>
-          <a:lstStyle/>
-          <a:p>
-            <a:r>
-              <a:rPr lang="pt-BR" dirty="0"/>
               <a:t>Exceções Comuns e </a:t>
             </a:r>
             <a:r>
@@ -17015,11 +17304,13 @@
           <a:p>
             <a:r>
               <a:rPr lang="pt-BR" dirty="0" smtClean="0"/>
-              <a:t>Legal </a:t>
-            </a:r>
-            <a:r>
-              <a:rPr lang="pt-BR" dirty="0" err="1" smtClean="0"/>
-              <a:t>Identifiers</a:t>
+              <a:t>Conceito</a:t>
+            </a:r>
+          </a:p>
+          <a:p>
+            <a:r>
+              <a:rPr lang="pt-BR" dirty="0" smtClean="0"/>
+              <a:t>Identificadores válidos</a:t>
             </a:r>
             <a:endParaRPr lang="pt-BR" dirty="0" smtClean="0"/>
           </a:p>
@@ -17035,6 +17326,46 @@
             <a:r>
               <a:rPr lang="pt-BR" dirty="0" smtClean="0"/>
               <a:t>)</a:t>
+            </a:r>
+          </a:p>
+          <a:p>
+            <a:pPr lvl="1"/>
+            <a:r>
+              <a:rPr lang="pt-BR" dirty="0" smtClean="0"/>
+              <a:t>Convenção para classes</a:t>
+            </a:r>
+          </a:p>
+          <a:p>
+            <a:pPr lvl="1"/>
+            <a:r>
+              <a:rPr lang="pt-BR" dirty="0"/>
+              <a:t>Convenção </a:t>
+            </a:r>
+            <a:r>
+              <a:rPr lang="pt-BR" dirty="0" smtClean="0"/>
+              <a:t>para métodos</a:t>
+            </a:r>
+          </a:p>
+          <a:p>
+            <a:pPr lvl="1"/>
+            <a:r>
+              <a:rPr lang="pt-BR" dirty="0"/>
+              <a:t>Convenção </a:t>
+            </a:r>
+            <a:r>
+              <a:rPr lang="pt-BR" dirty="0" smtClean="0"/>
+              <a:t>para variáveis</a:t>
+            </a:r>
+          </a:p>
+          <a:p>
+            <a:pPr lvl="1"/>
+            <a:r>
+              <a:rPr lang="pt-BR" dirty="0"/>
+              <a:t>Convenção </a:t>
+            </a:r>
+            <a:r>
+              <a:rPr lang="pt-BR" dirty="0" smtClean="0"/>
+              <a:t>para constantes</a:t>
             </a:r>
             <a:endParaRPr lang="pt-BR" dirty="0"/>
           </a:p>
@@ -17125,7 +17456,12 @@
             <p:ph type="ctrTitle"/>
           </p:nvPr>
         </p:nvSpPr>
-        <p:spPr/>
+        <p:spPr>
+          <a:xfrm>
+            <a:off x="1941910" y="2514601"/>
+            <a:ext cx="6686549" cy="914399"/>
+          </a:xfrm>
+        </p:spPr>
         <p:txBody>
           <a:bodyPr/>
           <a:lstStyle/>
@@ -17148,32 +17484,73 @@
             <p:ph type="subTitle" idx="1"/>
           </p:nvPr>
         </p:nvSpPr>
-        <p:spPr/>
+        <p:spPr>
+          <a:xfrm>
+            <a:off x="1941910" y="3429000"/>
+            <a:ext cx="6686549" cy="2474663"/>
+          </a:xfrm>
+        </p:spPr>
         <p:txBody>
           <a:bodyPr/>
           <a:lstStyle/>
           <a:p>
             <a:r>
-              <a:rPr lang="pt-BR" dirty="0" smtClean="0"/>
+              <a:rPr lang="pt-BR" sz="2000" b="1" dirty="0" smtClean="0"/>
               <a:t>OCA </a:t>
             </a:r>
             <a:r>
-              <a:rPr lang="pt-BR" dirty="0" err="1" smtClean="0"/>
+              <a:rPr lang="pt-BR" sz="2000" b="1" dirty="0" err="1" smtClean="0"/>
               <a:t>Objectives</a:t>
             </a:r>
             <a:r>
-              <a:rPr lang="pt-BR" dirty="0" smtClean="0"/>
-              <a:t> 1.2, 1.3, 1.4, 6.6 </a:t>
-            </a:r>
-            <a:r>
-              <a:rPr lang="pt-BR" dirty="0" err="1" smtClean="0"/>
-              <a:t>and</a:t>
-            </a:r>
-            <a:r>
-              <a:rPr lang="pt-BR" dirty="0" smtClean="0"/>
-              <a:t> 7.6</a:t>
-            </a:r>
-            <a:endParaRPr lang="pt-BR" dirty="0"/>
+              <a:rPr lang="pt-BR" sz="2000" b="1" dirty="0" smtClean="0"/>
+              <a:t> </a:t>
+            </a:r>
+            <a:endParaRPr lang="pt-BR" sz="2000" b="1" dirty="0" smtClean="0"/>
+          </a:p>
+          <a:p>
+            <a:r>
+              <a:rPr lang="pt-BR" sz="2000" dirty="0" smtClean="0"/>
+              <a:t>1.2 Definir a estrutura de uma classe Java</a:t>
+            </a:r>
+          </a:p>
+          <a:p>
+            <a:r>
+              <a:rPr lang="pt-BR" sz="2000" dirty="0" smtClean="0"/>
+              <a:t>1.3  Criar aplicações Java executáveis com um método </a:t>
+            </a:r>
+            <a:r>
+              <a:rPr lang="pt-BR" sz="2000" dirty="0" err="1" smtClean="0"/>
+              <a:t>main</a:t>
+            </a:r>
+            <a:endParaRPr lang="pt-BR" sz="2000" dirty="0" smtClean="0"/>
+          </a:p>
+          <a:p>
+            <a:r>
+              <a:rPr lang="pt-BR" sz="2000" dirty="0" smtClean="0"/>
+              <a:t>1.4 Importar </a:t>
+            </a:r>
+            <a:r>
+              <a:rPr lang="pt-BR" sz="2000" dirty="0" err="1" smtClean="0"/>
+              <a:t>packages</a:t>
+            </a:r>
+            <a:r>
+              <a:rPr lang="pt-BR" sz="2000" dirty="0" smtClean="0"/>
+              <a:t> Java para fazê-los acessíveis ao código</a:t>
+            </a:r>
+          </a:p>
+          <a:p>
+            <a:r>
+              <a:rPr lang="pt-BR" sz="2000" dirty="0" smtClean="0"/>
+              <a:t>6.6 Aplicar modificadores de acesso</a:t>
+            </a:r>
+          </a:p>
+          <a:p>
+            <a:r>
+              <a:rPr lang="pt-BR" sz="2000" dirty="0" smtClean="0"/>
+              <a:t>7.6 Usar classes abstratas e interfaces</a:t>
+            </a:r>
+            <a:endParaRPr lang="pt-BR" sz="2000" b="1" dirty="0"/>
           </a:p>
         </p:txBody>
       </p:sp>
@@ -17305,106 +17682,202 @@
           <a:lstStyle/>
           <a:p>
             <a:r>
-              <a:rPr lang="pt-BR" dirty="0" smtClean="0"/>
-              <a:t>Regras de Declaração de Arquivo-Fonte</a:t>
-            </a:r>
-          </a:p>
-          <a:p>
-            <a:r>
-              <a:rPr lang="pt-BR" dirty="0" smtClean="0"/>
+              <a:rPr lang="pt-BR" sz="2400" dirty="0" smtClean="0"/>
+              <a:t>Conceito</a:t>
+            </a:r>
+          </a:p>
+          <a:p>
+            <a:r>
+              <a:rPr lang="pt-BR" sz="2400" dirty="0" smtClean="0"/>
+              <a:t>Regras </a:t>
+            </a:r>
+            <a:r>
+              <a:rPr lang="pt-BR" sz="2400" dirty="0" smtClean="0"/>
+              <a:t>de Declaração de Arquivo-Fonte</a:t>
+            </a:r>
+          </a:p>
+          <a:p>
+            <a:r>
+              <a:rPr lang="pt-BR" sz="2400" dirty="0" smtClean="0"/>
               <a:t>Utilização dos comandos </a:t>
             </a:r>
             <a:r>
-              <a:rPr lang="pt-BR" dirty="0" err="1" smtClean="0"/>
+              <a:rPr lang="pt-BR" sz="2400" dirty="0" err="1" smtClean="0"/>
               <a:t>javac</a:t>
             </a:r>
             <a:r>
-              <a:rPr lang="pt-BR" dirty="0" smtClean="0"/>
+              <a:rPr lang="pt-BR" sz="2400" dirty="0" smtClean="0"/>
               <a:t> e </a:t>
             </a:r>
             <a:r>
-              <a:rPr lang="pt-BR" dirty="0" err="1" smtClean="0"/>
+              <a:rPr lang="pt-BR" sz="2400" dirty="0" err="1" smtClean="0"/>
               <a:t>java</a:t>
             </a:r>
-            <a:endParaRPr lang="pt-BR" dirty="0" smtClean="0"/>
-          </a:p>
-          <a:p>
-            <a:r>
-              <a:rPr lang="pt-BR" dirty="0" smtClean="0"/>
+            <a:endParaRPr lang="pt-BR" sz="2400" dirty="0" smtClean="0"/>
+          </a:p>
+          <a:p>
+            <a:pPr lvl="1"/>
+            <a:r>
+              <a:rPr lang="pt-BR" sz="2000" dirty="0" smtClean="0"/>
+              <a:t>Compilando com </a:t>
+            </a:r>
+            <a:r>
+              <a:rPr lang="pt-BR" sz="2000" dirty="0" err="1" smtClean="0"/>
+              <a:t>javac</a:t>
+            </a:r>
+            <a:endParaRPr lang="pt-BR" sz="2000" dirty="0" smtClean="0"/>
+          </a:p>
+          <a:p>
+            <a:pPr lvl="1"/>
+            <a:r>
+              <a:rPr lang="pt-BR" sz="2000" dirty="0" smtClean="0"/>
               <a:t>Executando uma aplicação com método </a:t>
             </a:r>
             <a:r>
-              <a:rPr lang="pt-BR" dirty="0" err="1" smtClean="0"/>
+              <a:rPr lang="pt-BR" sz="2000" dirty="0" err="1" smtClean="0"/>
               <a:t>main</a:t>
             </a:r>
-            <a:endParaRPr lang="pt-BR" dirty="0" smtClean="0"/>
-          </a:p>
-          <a:p>
-            <a:r>
-              <a:rPr lang="pt-BR" dirty="0" smtClean="0"/>
-              <a:t>Declaração de </a:t>
-            </a:r>
-            <a:r>
-              <a:rPr lang="pt-BR" dirty="0" err="1" smtClean="0"/>
+            <a:endParaRPr lang="pt-BR" sz="2000" dirty="0" smtClean="0"/>
+          </a:p>
+          <a:p>
+            <a:r>
+              <a:rPr lang="pt-BR" sz="2400" dirty="0" smtClean="0"/>
+              <a:t>Usando </a:t>
+            </a:r>
+            <a:r>
+              <a:rPr lang="pt-BR" sz="2400" dirty="0" err="1" smtClean="0"/>
+              <a:t>public</a:t>
+            </a:r>
+            <a:r>
+              <a:rPr lang="pt-BR" sz="2400" dirty="0" smtClean="0"/>
+              <a:t> </a:t>
+            </a:r>
+            <a:r>
+              <a:rPr lang="pt-BR" sz="2400" dirty="0" err="1" smtClean="0"/>
+              <a:t>static</a:t>
+            </a:r>
+            <a:r>
+              <a:rPr lang="pt-BR" sz="2400" dirty="0" smtClean="0"/>
+              <a:t> </a:t>
+            </a:r>
+            <a:r>
+              <a:rPr lang="pt-BR" sz="2400" dirty="0" err="1" smtClean="0"/>
+              <a:t>void</a:t>
+            </a:r>
+            <a:r>
+              <a:rPr lang="pt-BR" sz="2400" dirty="0" smtClean="0"/>
+              <a:t> </a:t>
+            </a:r>
+            <a:r>
+              <a:rPr lang="pt-BR" sz="2400" dirty="0" err="1" smtClean="0"/>
+              <a:t>main</a:t>
+            </a:r>
+            <a:r>
+              <a:rPr lang="pt-BR" sz="2400" dirty="0" smtClean="0"/>
+              <a:t>(</a:t>
+            </a:r>
+            <a:r>
+              <a:rPr lang="pt-BR" sz="2400" dirty="0" err="1" smtClean="0"/>
+              <a:t>String</a:t>
+            </a:r>
+            <a:r>
+              <a:rPr lang="pt-BR" sz="2400" dirty="0" smtClean="0"/>
+              <a:t>[] </a:t>
+            </a:r>
+            <a:r>
+              <a:rPr lang="pt-BR" sz="2400" dirty="0" err="1" smtClean="0"/>
+              <a:t>args</a:t>
+            </a:r>
+            <a:r>
+              <a:rPr lang="pt-BR" sz="2400" dirty="0" smtClean="0"/>
+              <a:t>)</a:t>
+            </a:r>
+            <a:endParaRPr lang="pt-BR" sz="2400" dirty="0" smtClean="0"/>
+          </a:p>
+          <a:p>
+            <a:r>
+              <a:rPr lang="pt-BR" sz="2400" dirty="0" smtClean="0"/>
+              <a:t>Cláusulas </a:t>
+            </a:r>
+            <a:r>
+              <a:rPr lang="pt-BR" sz="2400" dirty="0" smtClean="0"/>
+              <a:t>de </a:t>
+            </a:r>
+            <a:r>
+              <a:rPr lang="pt-BR" sz="2400" dirty="0" err="1" smtClean="0"/>
               <a:t>Imports</a:t>
             </a:r>
             <a:r>
-              <a:rPr lang="pt-BR" dirty="0" smtClean="0"/>
-              <a:t> (Java API)</a:t>
-            </a:r>
-          </a:p>
-          <a:p>
-            <a:r>
-              <a:rPr lang="pt-BR" dirty="0" smtClean="0"/>
-              <a:t>Declaração de </a:t>
-            </a:r>
-            <a:r>
-              <a:rPr lang="pt-BR" dirty="0" err="1" smtClean="0"/>
+              <a:rPr lang="pt-BR" sz="2400" dirty="0" smtClean="0"/>
+              <a:t> </a:t>
+            </a:r>
+            <a:r>
+              <a:rPr lang="pt-BR" sz="2400" dirty="0" smtClean="0"/>
+              <a:t>e Java API</a:t>
+            </a:r>
+            <a:endParaRPr lang="pt-BR" sz="2400" dirty="0" smtClean="0"/>
+          </a:p>
+          <a:p>
+            <a:r>
+              <a:rPr lang="pt-BR" sz="2400" dirty="0"/>
+              <a:t>Cláusulas </a:t>
+            </a:r>
+            <a:r>
+              <a:rPr lang="pt-BR" sz="2400" dirty="0" smtClean="0"/>
+              <a:t>de </a:t>
+            </a:r>
+            <a:r>
+              <a:rPr lang="pt-BR" sz="2400" dirty="0" err="1" smtClean="0"/>
               <a:t>Imports</a:t>
             </a:r>
             <a:r>
-              <a:rPr lang="pt-BR" dirty="0" smtClean="0"/>
+              <a:rPr lang="pt-BR" sz="2400" dirty="0" smtClean="0"/>
               <a:t> estáticos</a:t>
             </a:r>
           </a:p>
           <a:p>
             <a:r>
-              <a:rPr lang="pt-BR" dirty="0" smtClean="0"/>
-              <a:t>Declaração de Classes e Modificadores de Acesso</a:t>
-            </a:r>
+              <a:rPr lang="pt-BR" sz="2400" dirty="0" smtClean="0"/>
+              <a:t>Declaração de Classes e </a:t>
+            </a:r>
+            <a:r>
+              <a:rPr lang="pt-BR" sz="2400" dirty="0" smtClean="0"/>
+              <a:t>Modificadores</a:t>
+            </a:r>
+            <a:endParaRPr lang="pt-BR" sz="2400" dirty="0" smtClean="0"/>
           </a:p>
           <a:p>
             <a:pPr lvl="1"/>
             <a:r>
-              <a:rPr lang="pt-BR" dirty="0" smtClean="0"/>
+              <a:rPr lang="pt-BR" sz="2000" dirty="0" smtClean="0"/>
               <a:t>Modificador de Acesso Default e </a:t>
             </a:r>
             <a:r>
-              <a:rPr lang="pt-BR" dirty="0" err="1" smtClean="0"/>
+              <a:rPr lang="pt-BR" sz="2000" dirty="0" err="1" smtClean="0"/>
               <a:t>Public</a:t>
             </a:r>
-            <a:endParaRPr lang="pt-BR" dirty="0" smtClean="0"/>
+            <a:endParaRPr lang="pt-BR" sz="2000" dirty="0" smtClean="0"/>
           </a:p>
           <a:p>
             <a:pPr lvl="1"/>
             <a:r>
-              <a:rPr lang="pt-BR" dirty="0" smtClean="0"/>
+              <a:rPr lang="pt-BR" sz="2000" dirty="0" smtClean="0"/>
               <a:t>Modificadores de Não-Acesso Final, Abstract e </a:t>
             </a:r>
             <a:r>
-              <a:rPr lang="pt-BR" dirty="0" err="1" smtClean="0"/>
+              <a:rPr lang="pt-BR" sz="2000" dirty="0" err="1" smtClean="0"/>
               <a:t>Strictfp</a:t>
             </a:r>
-            <a:endParaRPr lang="pt-BR" dirty="0" smtClean="0"/>
-          </a:p>
-          <a:p>
-            <a:endParaRPr lang="pt-BR" dirty="0" smtClean="0"/>
-          </a:p>
-          <a:p>
-            <a:endParaRPr lang="pt-BR" dirty="0"/>
-          </a:p>
-          <a:p>
-            <a:endParaRPr lang="pt-BR" dirty="0"/>
+            <a:endParaRPr lang="pt-BR" sz="2000" dirty="0" smtClean="0"/>
+          </a:p>
+          <a:p>
+            <a:endParaRPr lang="pt-BR" sz="2400" dirty="0" smtClean="0"/>
+          </a:p>
+          <a:p>
+            <a:endParaRPr lang="pt-BR" sz="2400" dirty="0"/>
+          </a:p>
+          <a:p>
+            <a:endParaRPr lang="pt-BR" sz="2400" dirty="0"/>
           </a:p>
         </p:txBody>
       </p:sp>

--- a/TreinamentoJavaSeOca/documentos/apresentação/OCA.pptx
+++ b/TreinamentoJavaSeOca/documentos/apresentação/OCA.pptx
@@ -5,10 +5,10 @@
     <p:sldMasterId id="2147483661" r:id="rId1"/>
   </p:sldMasterIdLst>
   <p:notesMasterIdLst>
-    <p:notesMasterId r:id="rId65"/>
+    <p:notesMasterId r:id="rId64"/>
   </p:notesMasterIdLst>
   <p:handoutMasterIdLst>
-    <p:handoutMasterId r:id="rId66"/>
+    <p:handoutMasterId r:id="rId65"/>
   </p:handoutMasterIdLst>
   <p:sldIdLst>
     <p:sldId id="1140" r:id="rId2"/>
@@ -49,31 +49,30 @@
     <p:sldId id="1240" r:id="rId37"/>
     <p:sldId id="1243" r:id="rId38"/>
     <p:sldId id="1176" r:id="rId39"/>
-    <p:sldId id="1244" r:id="rId40"/>
-    <p:sldId id="1177" r:id="rId41"/>
-    <p:sldId id="1245" r:id="rId42"/>
-    <p:sldId id="1178" r:id="rId43"/>
-    <p:sldId id="1246" r:id="rId44"/>
-    <p:sldId id="1179" r:id="rId45"/>
-    <p:sldId id="1247" r:id="rId46"/>
-    <p:sldId id="1248" r:id="rId47"/>
-    <p:sldId id="1180" r:id="rId48"/>
-    <p:sldId id="1249" r:id="rId49"/>
-    <p:sldId id="1250" r:id="rId50"/>
-    <p:sldId id="1181" r:id="rId51"/>
-    <p:sldId id="1251" r:id="rId52"/>
-    <p:sldId id="1182" r:id="rId53"/>
-    <p:sldId id="1252" r:id="rId54"/>
-    <p:sldId id="1183" r:id="rId55"/>
-    <p:sldId id="1253" r:id="rId56"/>
-    <p:sldId id="1184" r:id="rId57"/>
-    <p:sldId id="1255" r:id="rId58"/>
-    <p:sldId id="1185" r:id="rId59"/>
-    <p:sldId id="1256" r:id="rId60"/>
-    <p:sldId id="1186" r:id="rId61"/>
-    <p:sldId id="1257" r:id="rId62"/>
-    <p:sldId id="1187" r:id="rId63"/>
-    <p:sldId id="1258" r:id="rId64"/>
+    <p:sldId id="1177" r:id="rId40"/>
+    <p:sldId id="1245" r:id="rId41"/>
+    <p:sldId id="1178" r:id="rId42"/>
+    <p:sldId id="1246" r:id="rId43"/>
+    <p:sldId id="1179" r:id="rId44"/>
+    <p:sldId id="1247" r:id="rId45"/>
+    <p:sldId id="1248" r:id="rId46"/>
+    <p:sldId id="1180" r:id="rId47"/>
+    <p:sldId id="1249" r:id="rId48"/>
+    <p:sldId id="1250" r:id="rId49"/>
+    <p:sldId id="1181" r:id="rId50"/>
+    <p:sldId id="1251" r:id="rId51"/>
+    <p:sldId id="1182" r:id="rId52"/>
+    <p:sldId id="1252" r:id="rId53"/>
+    <p:sldId id="1183" r:id="rId54"/>
+    <p:sldId id="1253" r:id="rId55"/>
+    <p:sldId id="1184" r:id="rId56"/>
+    <p:sldId id="1255" r:id="rId57"/>
+    <p:sldId id="1185" r:id="rId58"/>
+    <p:sldId id="1256" r:id="rId59"/>
+    <p:sldId id="1186" r:id="rId60"/>
+    <p:sldId id="1257" r:id="rId61"/>
+    <p:sldId id="1187" r:id="rId62"/>
+    <p:sldId id="1258" r:id="rId63"/>
   </p:sldIdLst>
   <p:sldSz cx="9144000" cy="6858000" type="screen4x3"/>
   <p:notesSz cx="6797675" cy="9928225"/>
@@ -738,7 +737,7 @@
             <a:spLocks noGrp="1" noChangeArrowheads="1"/>
             <a:extLst>
               <a:ext uri="smNativeData">
-                <pr:smNativeData xmlns="" xmlns:pr="smNativeData" val="SMDATA_12_7hxgVxMAAAAlAAAAZAAAAA0AAAAAkAAAAEgAAACQAAAASAAAAAAAAAAAAAAAAAAAAAEAAABQAAAAAAAAAAAA4D8AAAAAAADgPwAAAAAAAOA/AAAAAAAA4D8AAAAAAADgPwAAAAAAAOA/AAAAAAAA4D8AAAAAAADgPwAAAAAAAOA/AAAAAAAA4D8CAAAAjAAAAAAAAAAAAAAA////DP///wgAAAAAAAAAAAAAAAAAAAAAAAAAAAAAAAAAAAAAZAAAAAEAAABAAAAAAAAAAAAAAAAAAAAAAAAAAAAAAAAAAAAAAAAAAAAAAAAAAAAAAAAAAAAAAAAAAAAAAAAAAAAAAAAAAAAAAAAAAAAAAAAAAAAAAAAAAAAAAAAAAAAAFAAAADwAAAAAAAAAAAAAAAZJjAkUAAAAAQAAABQAAAAUAAAAFAAAAAEAAAAAAAAAZAAAAGQAAAAAAAAAZAAAAGQAAAAVAAAAYAAAAAAAAAAAAAAADwAAACADAAAAAAAAAAAAAAEAAACgMgAAVgcAAKr4//8BAAAAf39/AAEAAABkAAAAAAAAABQAAABAHwAAAAAAACYAAAAAAAAAwOD//wAAAAAmAAAAZAAAABYAAABMAAAAAAAAAAAAAAAEAAAAAAAAAAEAAACWlpYKAAAAACgAAAAoAAAAZAAAAGQAAAAAAAAAzMzMAAAAAABQAAAAUAAAAGQAAABkAAAAAAAAABcAAAAUAAAAAAAAAAAAAAD/fwAA/38AAAAAAAAJAAAABAAAAAAAAAAMAAAAEAAAAAAAAAAAAAAAAAAAAAAAAAAeAAAAaAAAAAAAAAAAAAAAAAAAAAAAAAAAAAAAECcAABAnAAAAAAAAAAAAAAAAAAAAAAAAAAAAAAAAAAAAAAAAAAAAABQAAAAAAAAAwMD/AAAAAABkAAAAMgAAAAAAAABkAAAAAAAAAH9/fwAKAAAAHwAAAFQAAAAAAAAFAAAAAQAAAAAAAAAAAAAAAAAAAAAAAAAAAAAAAAAAAAAAAAAAAAAAAn9/fwAAAAADzMzMAMDA/wB/f38AAAAAAAAAAAAAAAAAAAAAAAAAAAAhAAAAGAAAABQAAAA4BAAAwAMAANAvAAAIBwAAEAAAAA=="/>
+                <pr:smNativeData xmlns:pr="smNativeData" xmlns="" val="SMDATA_12_7hxgVxMAAAAlAAAAZAAAAA0AAAAAkAAAAEgAAACQAAAASAAAAAAAAAAAAAAAAAAAAAEAAABQAAAAAAAAAAAA4D8AAAAAAADgPwAAAAAAAOA/AAAAAAAA4D8AAAAAAADgPwAAAAAAAOA/AAAAAAAA4D8AAAAAAADgPwAAAAAAAOA/AAAAAAAA4D8CAAAAjAAAAAAAAAAAAAAA////DP///wgAAAAAAAAAAAAAAAAAAAAAAAAAAAAAAAAAAAAAZAAAAAEAAABAAAAAAAAAAAAAAAAAAAAAAAAAAAAAAAAAAAAAAAAAAAAAAAAAAAAAAAAAAAAAAAAAAAAAAAAAAAAAAAAAAAAAAAAAAAAAAAAAAAAAAAAAAAAAAAAAAAAAFAAAADwAAAAAAAAAAAAAAAZJjAkUAAAAAQAAABQAAAAUAAAAFAAAAAEAAAAAAAAAZAAAAGQAAAAAAAAAZAAAAGQAAAAVAAAAYAAAAAAAAAAAAAAADwAAACADAAAAAAAAAAAAAAEAAACgMgAAVgcAAKr4//8BAAAAf39/AAEAAABkAAAAAAAAABQAAABAHwAAAAAAACYAAAAAAAAAwOD//wAAAAAmAAAAZAAAABYAAABMAAAAAAAAAAAAAAAEAAAAAAAAAAEAAACWlpYKAAAAACgAAAAoAAAAZAAAAGQAAAAAAAAAzMzMAAAAAABQAAAAUAAAAGQAAABkAAAAAAAAABcAAAAUAAAAAAAAAAAAAAD/fwAA/38AAAAAAAAJAAAABAAAAAAAAAAMAAAAEAAAAAAAAAAAAAAAAAAAAAAAAAAeAAAAaAAAAAAAAAAAAAAAAAAAAAAAAAAAAAAAECcAABAnAAAAAAAAAAAAAAAAAAAAAAAAAAAAAAAAAAAAAAAAAAAAABQAAAAAAAAAwMD/AAAAAABkAAAAMgAAAAAAAABkAAAAAAAAAH9/fwAKAAAAHwAAAFQAAAAAAAAFAAAAAQAAAAAAAAAAAAAAAAAAAAAAAAAAAAAAAAAAAAAAAAAAAAAAAn9/fwAAAAADzMzMAMDA/wB/f38AAAAAAAAAAAAAAAAAAAAAAAAAAAAhAAAAGAAAABQAAAA4BAAAwAMAANAvAAAIBwAAEAAAAA=="/>
               </a:ext>
             </a:extLst>
           </p:cNvSpPr>
@@ -1632,7 +1631,7 @@
             <a:spLocks noGrp="1" noChangeArrowheads="1"/>
             <a:extLst>
               <a:ext uri="smNativeData">
-                <pr:smNativeData xmlns="" xmlns:pr="smNativeData" val="SMDATA_12_7hxgVxMAAAAlAAAAZAAAAA0AAAAAkAAAAEgAAACQAAAASAAAAAAAAAABAAAAAAAAAAEAAABQAAAAAAAAAAAA4D8AAAAAAADgPwAAAAAAAOA/AAAAAAAA4D8AAAAAAADgPwAAAAAAAOA/AAAAAAAA4D8AAAAAAADgPwAAAAAAAOA/AAAAAAAA4D8CAAAAjAAAAAAAAAAAAAAA////AP///wgAAAAAAAAAAAAAAAAAAAAAAAAAAAAAAAAAAAAAeAAAAAEAAABAAAAAAAAAAAAAAABaAAAAAAAAAAAAAAAAAAAAAAAAAAAAAAAAAAAAAAAAAAAAAAAAAAAAAAAAAAAAAAAAAAAAAAAAAAAAAAAAAAAAAAAAAAAAAAAAAAAAFAAAADwAAAAAAAAAAAAAAAAAAAAPAAAAAQAAACMAAAAjAAAAIwAAAB4AAAAAAAAAZAAAAGQAAAAAAAAAZAAAAGQAAAAVAAAAYAAAAAAAAAAAAAAADwAAACADAAAAAAAAAAAAAAEAAACgMgAAVgcAAKr4//8BAAAAf39/AAEAAABkAAAAAAAAABQAAABAHwAAAAAAACYAAAAAAAAAwOD//wAAAAAmAAAAZAAAABYAAABMAAAAAAAAAAAAAAAEAAAAAAAAAAEAAADn5uYKAAAAACgAAAAoAAAAZAAAAGQAAAAAAAAAzMzMAAAAAABQAAAAUAAAAGQAAABkAAAAAAAAABcAAAAUAAAAAAAAAAAAAAD/fwAA/38AAAAAAAAJAAAABAAAAAAAAAAMAAAAEAAAAAAAAAAAAAAAAAAAAAAAAAAeAAAAaAAAAAAAAAAAAAAAAAAAAAAAAAAAAAAAECcAABAnAAAAAAAAAAAAAAAAAAAAAAAAAAAAAAAAAAAAAAAAAAAAABQAAAAAAAAAwMD/AAAAAABkAAAAMgAAAAAAAABkAAAAAAAAAH9/fwAKAAAAHwAAAFQAAAD///8AAAAAAQAAAAAAAAAAAAAAAAAAAAAAAAAAAAAAAAAAAAAAAAAAAAAAAH9/fwAAAAADzMzMAMDA/wB/f38AAAAAAAAAAAAAAAAAAAAAAAAAAAAhAAAAGAAAABQAAAAoBQAAPwIAANhFAABnCgAAEAAAAA=="/>
+                <pr:smNativeData xmlns:pr="smNativeData" xmlns="" val="SMDATA_12_7hxgVxMAAAAlAAAAZAAAAA0AAAAAkAAAAEgAAACQAAAASAAAAAAAAAABAAAAAAAAAAEAAABQAAAAAAAAAAAA4D8AAAAAAADgPwAAAAAAAOA/AAAAAAAA4D8AAAAAAADgPwAAAAAAAOA/AAAAAAAA4D8AAAAAAADgPwAAAAAAAOA/AAAAAAAA4D8CAAAAjAAAAAAAAAAAAAAA////AP///wgAAAAAAAAAAAAAAAAAAAAAAAAAAAAAAAAAAAAAeAAAAAEAAABAAAAAAAAAAAAAAABaAAAAAAAAAAAAAAAAAAAAAAAAAAAAAAAAAAAAAAAAAAAAAAAAAAAAAAAAAAAAAAAAAAAAAAAAAAAAAAAAAAAAAAAAAAAAAAAAAAAAFAAAADwAAAAAAAAAAAAAAAAAAAAPAAAAAQAAACMAAAAjAAAAIwAAAB4AAAAAAAAAZAAAAGQAAAAAAAAAZAAAAGQAAAAVAAAAYAAAAAAAAAAAAAAADwAAACADAAAAAAAAAAAAAAEAAACgMgAAVgcAAKr4//8BAAAAf39/AAEAAABkAAAAAAAAABQAAABAHwAAAAAAACYAAAAAAAAAwOD//wAAAAAmAAAAZAAAABYAAABMAAAAAAAAAAAAAAAEAAAAAAAAAAEAAADn5uYKAAAAACgAAAAoAAAAZAAAAGQAAAAAAAAAzMzMAAAAAABQAAAAUAAAAGQAAABkAAAAAAAAABcAAAAUAAAAAAAAAAAAAAD/fwAA/38AAAAAAAAJAAAABAAAAAAAAAAMAAAAEAAAAAAAAAAAAAAAAAAAAAAAAAAeAAAAaAAAAAAAAAAAAAAAAAAAAAAAAAAAAAAAECcAABAnAAAAAAAAAAAAAAAAAAAAAAAAAAAAAAAAAAAAAAAAAAAAABQAAAAAAAAAwMD/AAAAAABkAAAAMgAAAAAAAABkAAAAAAAAAH9/fwAKAAAAHwAAAFQAAAD///8AAAAAAQAAAAAAAAAAAAAAAAAAAAAAAAAAAAAAAAAAAAAAAAAAAAAAAH9/fwAAAAADzMzMAMDA/wB/f38AAAAAAAAAAAAAAAAAAAAAAAAAAAAhAAAAGAAAABQAAAAoBQAAPwIAANhFAABnCgAAEAAAAA=="/>
               </a:ext>
             </a:extLst>
           </p:cNvSpPr>
@@ -1679,7 +1678,7 @@
             <a:spLocks noGrp="1" noChangeArrowheads="1"/>
             <a:extLst>
               <a:ext uri="smNativeData">
-                <pr:smNativeData xmlns="" xmlns:pr="smNativeData" val="SMDATA_12_7hxgVxMAAAAlAAAAZAAAAA0AAAAAkAAAAEgAAACQAAAASAAAAAAAAAAAAAAAAAAAAAEAAABQAAAAAAAAAAAA4D8AAAAAAADgPwAAAAAAAOA/AAAAAAAA4D8AAAAAAADgPwAAAAAAAOA/AAAAAAAA4D8AAAAAAADgPwAAAAAAAOA/AAAAAAAA4D8CAAAAjAAAAAAAAAAAAAAA////AP///wgAAAAAAAAAAAAAAAAAAAAAAAAAAAAAAAAAAAAAeAAAAAEAAABAAAAAAAAAAAAAAABaAAAAAAAAAAAAAAAAAAAAAAAAAAAAAAAAAAAAAAAAAAAAAAAAAAAAAAAAAAAAAAAAAAAAAAAAAAAAAAAAAAAAAAAAAAAAAAAAAAAAFAAAADwAAAAAAAAAAAAAAAAAAAAPAAAAAQAAACMAAAAjAAAAIwAAAB4AAAAAAAAAZAAAAGQAAAAAAAAAZAAAAGQAAAAVAAAAYAAAAAAAAAAAAAAADwAAACADAAAAAAAAAAAAAAEAAACgMgAAVgcAAKr4//8BAAAAf39/AAEAAABkAAAAAAAAABQAAABAHwAAAAAAACYAAAAAAAAAwOD//wAAAAAmAAAAZAAAABYAAABMAAAAAAAAAAAAAAAEAAAAAAAAAAEAAADn5uYKAAAAACgAAAAoAAAAZAAAAGQAAAAAAAAAzMzMAAAAAABQAAAAUAAAAGQAAABkAAAAAAAAABcAAAAUAAAAAAAAAAAAAAD/fwAA/38AAAAAAAAJAAAABAAAAAAAAAAMAAAAEAAAAAAAAAAAAAAAAAAAAAAAAAAeAAAAaAAAAAAAAAAAAAAAAAAAAAAAAAAAAAAAECcAABAnAAAAAAAAAAAAAAAAAAAAAAAAAAAAAAAAAAAAAAAAAAAAABQAAAAAAAAAwMD/AAAAAABkAAAAMgAAAAAAAABkAAAAAAAAAH9/fwAKAAAAHwAAAFQAAAD///8AAAAAAQAAAAAAAAAAAAAAAAAAAAAAAAAAAAAAAAAAAAAAAAAAAAAAAH9/fwAAAAADzMzMAMDA/wB/f38AAAAAAAAAAAAAAAAAAAAAAAAAAAAhAAAAGAAAABQAAAAoBQAAOwsAANhFAAAAJgAAEAAAAA=="/>
+                <pr:smNativeData xmlns:pr="smNativeData" xmlns="" val="SMDATA_12_7hxgVxMAAAAlAAAAZAAAAA0AAAAAkAAAAEgAAACQAAAASAAAAAAAAAAAAAAAAAAAAAEAAABQAAAAAAAAAAAA4D8AAAAAAADgPwAAAAAAAOA/AAAAAAAA4D8AAAAAAADgPwAAAAAAAOA/AAAAAAAA4D8AAAAAAADgPwAAAAAAAOA/AAAAAAAA4D8CAAAAjAAAAAAAAAAAAAAA////AP///wgAAAAAAAAAAAAAAAAAAAAAAAAAAAAAAAAAAAAAeAAAAAEAAABAAAAAAAAAAAAAAABaAAAAAAAAAAAAAAAAAAAAAAAAAAAAAAAAAAAAAAAAAAAAAAAAAAAAAAAAAAAAAAAAAAAAAAAAAAAAAAAAAAAAAAAAAAAAAAAAAAAAFAAAADwAAAAAAAAAAAAAAAAAAAAPAAAAAQAAACMAAAAjAAAAIwAAAB4AAAAAAAAAZAAAAGQAAAAAAAAAZAAAAGQAAAAVAAAAYAAAAAAAAAAAAAAADwAAACADAAAAAAAAAAAAAAEAAACgMgAAVgcAAKr4//8BAAAAf39/AAEAAABkAAAAAAAAABQAAABAHwAAAAAAACYAAAAAAAAAwOD//wAAAAAmAAAAZAAAABYAAABMAAAAAAAAAAAAAAAEAAAAAAAAAAEAAADn5uYKAAAAACgAAAAoAAAAZAAAAGQAAAAAAAAAzMzMAAAAAABQAAAAUAAAAGQAAABkAAAAAAAAABcAAAAUAAAAAAAAAAAAAAD/fwAA/38AAAAAAAAJAAAABAAAAAAAAAAMAAAAEAAAAAAAAAAAAAAAAAAAAAAAAAAeAAAAaAAAAAAAAAAAAAAAAAAAAAAAAAAAAAAAECcAABAnAAAAAAAAAAAAAAAAAAAAAAAAAAAAAAAAAAAAAAAAAAAAABQAAAAAAAAAwMD/AAAAAABkAAAAMgAAAAAAAABkAAAAAAAAAH9/fwAKAAAAHwAAAFQAAAD///8AAAAAAQAAAAAAAAAAAAAAAAAAAAAAAAAAAAAAAAAAAAAAAAAAAAAAAH9/fwAAAAADzMzMAMDA/wB/f38AAAAAAAAAAAAAAAAAAAAAAAAAAAAhAAAAGAAAABQAAAAoBQAAOwsAANhFAAAAJgAAEAAAAA=="/>
               </a:ext>
             </a:extLst>
           </p:cNvSpPr>
@@ -1726,7 +1725,7 @@
             <a:spLocks noGrp="1" noChangeArrowheads="1"/>
             <a:extLst>
               <a:ext uri="smNativeData">
-                <pr:smNativeData xmlns="" xmlns:pr="smNativeData" val="SMDATA_12_7hxgVxMAAAAlAAAAZAAAAA0AAAAAkAAAAEgAAACQAAAASAAAAAAAAAABAAAAAAAAAAEAAABQAAAAAAAAAAAA4D8AAAAAAADgPwAAAAAAAOA/AAAAAAAA4D8AAAAAAADgPwAAAAAAAOA/AAAAAAAA4D8AAAAAAADgPwAAAAAAAOA/AAAAAAAA4D8CAAAAjAAAAAAAAAAAAAAA////AP///wgAAAAAAAAAAAAAAAAAAAAAAAAAAAAAAAAAAAAAeAAAAAEAAABAAAAAAAAAAAAAAABaAAAAAAAAAAAAAAAAAAAAAAAAAAAAAAAAAAAAAAAAAAAAAAAAAAAAAAAAAAAAAAAAAAAAAAAAAAAAAAAAAAAAAAAAAAAAAAAAAAAAFAAAADwAAAAAAAAAAAAAAAAAAAAPAAAAAQAAACMAAAAjAAAAIwAAAB4AAAAAAAAAZAAAAGQAAAAAAAAAZAAAAGQAAAAVAAAAYAAAAAAAAAAAAAAADwAAACADAAAAAAAAAAAAAAEAAACgMgAAVgcAAKr4//8BAAAAf39/AAEAAABkAAAAAAAAABQAAABAHwAAAAAAACYAAAAAAAAAwOD//wAAAAAmAAAAZAAAABYAAABMAAAAAAAAAAAAAAAEAAAAAAAAAAEAAADn5uYKAAAAACgAAAAoAAAAZAAAAGQAAAAAAAAAzMzMAAAAAABQAAAAUAAAAGQAAABkAAAAAAAAABcAAAAUAAAAAAAAAAAAAAD/fwAA/38AAAAAAAAJAAAABAAAAAAAAAAMAAAAEAAAAAAAAAAAAAAAAAAAAAAAAAAeAAAAaAAAAAAAAAAAAAAAAAAAAAAAAAAAAAAAECcAABAnAAAAAAAAAAAAAAAAAAAAAAAAAAAAAAAAAAAAAAAAAAAAABQAAAAAAAAAwMD/AAAAAABkAAAAMgAAAAAAAABkAAAAAAAAAH9/fwAKAAAAHwAAAFQAAAD///8A////AQAAAAAAAAAAAAAAAAAAAAAAAAAAAAAAAAAAAAAAAAAAAAAAAH9/fwDn5uYDzMzMAMDA/wB/f38AAAAAAAAAAAAAAAAAAAAAAAAAAAAhAAAAGAAAABQAAAD4NAAAGicAANhFAABZKQAAEAAAAA=="/>
+                <pr:smNativeData xmlns:pr="smNativeData" xmlns="" val="SMDATA_12_7hxgVxMAAAAlAAAAZAAAAA0AAAAAkAAAAEgAAACQAAAASAAAAAAAAAABAAAAAAAAAAEAAABQAAAAAAAAAAAA4D8AAAAAAADgPwAAAAAAAOA/AAAAAAAA4D8AAAAAAADgPwAAAAAAAOA/AAAAAAAA4D8AAAAAAADgPwAAAAAAAOA/AAAAAAAA4D8CAAAAjAAAAAAAAAAAAAAA////AP///wgAAAAAAAAAAAAAAAAAAAAAAAAAAAAAAAAAAAAAeAAAAAEAAABAAAAAAAAAAAAAAABaAAAAAAAAAAAAAAAAAAAAAAAAAAAAAAAAAAAAAAAAAAAAAAAAAAAAAAAAAAAAAAAAAAAAAAAAAAAAAAAAAAAAAAAAAAAAAAAAAAAAFAAAADwAAAAAAAAAAAAAAAAAAAAPAAAAAQAAACMAAAAjAAAAIwAAAB4AAAAAAAAAZAAAAGQAAAAAAAAAZAAAAGQAAAAVAAAAYAAAAAAAAAAAAAAADwAAACADAAAAAAAAAAAAAAEAAACgMgAAVgcAAKr4//8BAAAAf39/AAEAAABkAAAAAAAAABQAAABAHwAAAAAAACYAAAAAAAAAwOD//wAAAAAmAAAAZAAAABYAAABMAAAAAAAAAAAAAAAEAAAAAAAAAAEAAADn5uYKAAAAACgAAAAoAAAAZAAAAGQAAAAAAAAAzMzMAAAAAABQAAAAUAAAAGQAAABkAAAAAAAAABcAAAAUAAAAAAAAAAAAAAD/fwAA/38AAAAAAAAJAAAABAAAAAAAAAAMAAAAEAAAAAAAAAAAAAAAAAAAAAAAAAAeAAAAaAAAAAAAAAAAAAAAAAAAAAAAAAAAAAAAECcAABAnAAAAAAAAAAAAAAAAAAAAAAAAAAAAAAAAAAAAAAAAAAAAABQAAAAAAAAAwMD/AAAAAABkAAAAMgAAAAAAAABkAAAAAAAAAH9/fwAKAAAAHwAAAFQAAAD///8A////AQAAAAAAAAAAAAAAAAAAAAAAAAAAAAAAAAAAAAAAAAAAAAAAAH9/fwDn5uYDzMzMAMDA/wB/f38AAAAAAAAAAAAAAAAAAAAAAAAAAAAhAAAAGAAAABQAAAD4NAAAGicAANhFAABZKQAAEAAAAA=="/>
               </a:ext>
             </a:extLst>
           </p:cNvSpPr>
@@ -1783,7 +1782,7 @@
             <a:spLocks noGrp="1" noChangeArrowheads="1"/>
             <a:extLst>
               <a:ext uri="smNativeData">
-                <pr:smNativeData xmlns="" xmlns:pr="smNativeData" val="SMDATA_12_7hxgVxMAAAAlAAAAZAAAAA0AAAAAkAAAAEgAAACQAAAASAAAAAAAAAABAAAAAAAAAAEAAABQAAAAAAAAAAAA4D8AAAAAAADgPwAAAAAAAOA/AAAAAAAA4D8AAAAAAADgPwAAAAAAAOA/AAAAAAAA4D8AAAAAAADgPwAAAAAAAOA/AAAAAAAA4D8CAAAAjAAAAAAAAAAAAAAA////AP///wgAAAAAAAAAAAAAAAAAAAAAAAAAAAAAAAAAAAAAeAAAAAEAAABAAAAAAAAAAAAAAABaAAAAAAAAAAAAAAAAAAAAAAAAAAAAAAAAAAAAAAAAAAAAAAAAAAAAAAAAAAAAAAAAAAAAAAAAAAAAAAAAAAAAAAAAAAAAAAAAAAAAFAAAADwAAAAAAAAAAAAAAAAAAAAPAAAAAQAAACMAAAAjAAAAIwAAAB4AAAAAAAAAZAAAAGQAAAAAAAAAZAAAAGQAAAAVAAAAYAAAAAAAAAAAAAAADwAAACADAAAAAAAAAAAAAAEAAACgMgAAVgcAAKr4//8BAAAAf39/AAEAAABkAAAAAAAAABQAAABAHwAAAAAAACYAAAAAAAAAwOD//wAAAAAmAAAAZAAAABYAAABMAAAAAAAAAAAAAAAEAAAAAAAAAAEAAADn5uYKAAAAACgAAAAoAAAAZAAAAGQAAAAAAAAAzMzMAAAAAABQAAAAUAAAAGQAAABkAAAAAAAAABcAAAAUAAAAAAAAAAAAAAD/fwAA/38AAAAAAAAJAAAABAAAAAAAAAAMAAAAEAAAAAAAAAAAAAAAAAAAAAAAAAAeAAAAaAAAAAAAAAAAAAAAAAAAAAAAAAAAAAAAECcAABAnAAAAAAAAAAAAAAAAAAAAAAAAAAAAAAAAAAAAAAAAAAAAABQAAAAAAAAAwMD/AAAAAABkAAAAMgAAAAAAAABkAAAAAAAAAH9/fwAKAAAAHwAAAFQAAAD///8A////AQAAAAAAAAAAAAAAAAAAAAAAAAAAAAAAAAAAAAAAAAAAAAAAAH9/fwDn5uYDzMzMAMDA/wB/f38AAAAAAAAAAAAAAAAAAAAAAAAAAAAhAAAAGAAAABQAAADYGAAAGicAACgyAABZKQAAEAAAAA=="/>
+                <pr:smNativeData xmlns:pr="smNativeData" xmlns="" val="SMDATA_12_7hxgVxMAAAAlAAAAZAAAAA0AAAAAkAAAAEgAAACQAAAASAAAAAAAAAABAAAAAAAAAAEAAABQAAAAAAAAAAAA4D8AAAAAAADgPwAAAAAAAOA/AAAAAAAA4D8AAAAAAADgPwAAAAAAAOA/AAAAAAAA4D8AAAAAAADgPwAAAAAAAOA/AAAAAAAA4D8CAAAAjAAAAAAAAAAAAAAA////AP///wgAAAAAAAAAAAAAAAAAAAAAAAAAAAAAAAAAAAAAeAAAAAEAAABAAAAAAAAAAAAAAABaAAAAAAAAAAAAAAAAAAAAAAAAAAAAAAAAAAAAAAAAAAAAAAAAAAAAAAAAAAAAAAAAAAAAAAAAAAAAAAAAAAAAAAAAAAAAAAAAAAAAFAAAADwAAAAAAAAAAAAAAAAAAAAPAAAAAQAAACMAAAAjAAAAIwAAAB4AAAAAAAAAZAAAAGQAAAAAAAAAZAAAAGQAAAAVAAAAYAAAAAAAAAAAAAAADwAAACADAAAAAAAAAAAAAAEAAACgMgAAVgcAAKr4//8BAAAAf39/AAEAAABkAAAAAAAAABQAAABAHwAAAAAAACYAAAAAAAAAwOD//wAAAAAmAAAAZAAAABYAAABMAAAAAAAAAAAAAAAEAAAAAAAAAAEAAADn5uYKAAAAACgAAAAoAAAAZAAAAGQAAAAAAAAAzMzMAAAAAABQAAAAUAAAAGQAAABkAAAAAAAAABcAAAAUAAAAAAAAAAAAAAD/fwAA/38AAAAAAAAJAAAABAAAAAAAAAAMAAAAEAAAAAAAAAAAAAAAAAAAAAAAAAAeAAAAaAAAAAAAAAAAAAAAAAAAAAAAAAAAAAAAECcAABAnAAAAAAAAAAAAAAAAAAAAAAAAAAAAAAAAAAAAAAAAAAAAABQAAAAAAAAAwMD/AAAAAABkAAAAMgAAAAAAAABkAAAAAAAAAH9/fwAKAAAAHwAAAFQAAAD///8A////AQAAAAAAAAAAAAAAAAAAAAAAAAAAAAAAAAAAAAAAAAAAAAAAAH9/fwDn5uYDzMzMAMDA/wB/f38AAAAAAAAAAAAAAAAAAAAAAAAAAAAhAAAAGAAAABQAAADYGAAAGicAACgyAABZKQAAEAAAAA=="/>
               </a:ext>
             </a:extLst>
           </p:cNvSpPr>
@@ -1837,7 +1836,7 @@
             <a:spLocks noGrp="1" noChangeArrowheads="1"/>
             <a:extLst>
               <a:ext uri="smNativeData">
-                <pr:smNativeData xmlns="" xmlns:pr="smNativeData" val="SMDATA_12_7hxgVxMAAAAlAAAAZAAAAA0AAAAAkAAAAEgAAACQAAAASAAAAAAAAAABAAAAAAAAAAEAAABQAAAAAAAAAAAA4D8AAAAAAADgPwAAAAAAAOA/AAAAAAAA4D8AAAAAAADgPwAAAAAAAOA/AAAAAAAA4D8AAAAAAADgPwAAAAAAAOA/AAAAAAAA4D8CAAAAjAAAAAAAAAAAAAAA////AP///wgAAAAAAAAAAAAAAAAAAAAAAAAAAAAAAAAAAAAAeAAAAAEAAABAAAAAAAAAAAAAAABaAAAAAAAAAAAAAAAAAAAAAAAAAAAAAAAAAAAAAAAAAAAAAAAAAAAAAAAAAAAAAAAAAAAAAAAAAAAAAAAAAAAAAAAAAAAAAAAAAAAAFAAAADwAAAAAAAAAAAAAAAAAAAAPAAAAAQAAACMAAAAjAAAAIwAAAB4AAAAAAAAAZAAAAGQAAAAAAAAAZAAAAGQAAAAVAAAAYAAAAAAAAAAAAAAADwAAACADAAAAAAAAAAAAAAEAAACgMgAAVgcAAKr4//8BAAAAf39/AAEAAABkAAAAAAAAABQAAABAHwAAAAAAACYAAAAAAAAAwOD//wAAAAAmAAAAZAAAABYAAABMAAAAAAAAAAAAAAAEAAAAAAAAAAEAAADn5uYKAAAAACgAAAAoAAAAZAAAAGQAAAAAAAAAzMzMAAAAAABQAAAAUAAAAGQAAABkAAAAAAAAABcAAAAUAAAAAAAAAAAAAAD/fwAA/38AAAAAAAAJAAAABAAAAAAAAAAMAAAAEAAAAAAAAAAAAAAAAAAAAAAAAAAeAAAAaAAAAAAAAAAAAAAAAAAAAAAAAAAAAAAAECcAABAnAAAAAAAAAAAAAAAAAAAAAAAAAAAAAAAAAAAAAAAAAAAAABQAAAAAAAAAwMD/AAAAAABkAAAAMgAAAAAAAABkAAAAAAAAAH9/fwAKAAAAHwAAAFQAAAD///8A////AQAAAAAAAAAAAAAAAAAAAAAAAAAAAAAAAAAAAAAAAAAAAAAAAH9/fwDn5uYDzMzMAMDA/wB/f38AAAAAAAAAAAAAAAAAAAAAAAAAAAAhAAAAGAAAABQAAAAoBQAAGicAAAgWAABZKQAAEAAAAA=="/>
+                <pr:smNativeData xmlns:pr="smNativeData" xmlns="" val="SMDATA_12_7hxgVxMAAAAlAAAAZAAAAA0AAAAAkAAAAEgAAACQAAAASAAAAAAAAAABAAAAAAAAAAEAAABQAAAAAAAAAAAA4D8AAAAAAADgPwAAAAAAAOA/AAAAAAAA4D8AAAAAAADgPwAAAAAAAOA/AAAAAAAA4D8AAAAAAADgPwAAAAAAAOA/AAAAAAAA4D8CAAAAjAAAAAAAAAAAAAAA////AP///wgAAAAAAAAAAAAAAAAAAAAAAAAAAAAAAAAAAAAAeAAAAAEAAABAAAAAAAAAAAAAAABaAAAAAAAAAAAAAAAAAAAAAAAAAAAAAAAAAAAAAAAAAAAAAAAAAAAAAAAAAAAAAAAAAAAAAAAAAAAAAAAAAAAAAAAAAAAAAAAAAAAAFAAAADwAAAAAAAAAAAAAAAAAAAAPAAAAAQAAACMAAAAjAAAAIwAAAB4AAAAAAAAAZAAAAGQAAAAAAAAAZAAAAGQAAAAVAAAAYAAAAAAAAAAAAAAADwAAACADAAAAAAAAAAAAAAEAAACgMgAAVgcAAKr4//8BAAAAf39/AAEAAABkAAAAAAAAABQAAABAHwAAAAAAACYAAAAAAAAAwOD//wAAAAAmAAAAZAAAABYAAABMAAAAAAAAAAAAAAAEAAAAAAAAAAEAAADn5uYKAAAAACgAAAAoAAAAZAAAAGQAAAAAAAAAzMzMAAAAAABQAAAAUAAAAGQAAABkAAAAAAAAABcAAAAUAAAAAAAAAAAAAAD/fwAA/38AAAAAAAAJAAAABAAAAAAAAAAMAAAAEAAAAAAAAAAAAAAAAAAAAAAAAAAeAAAAaAAAAAAAAAAAAAAAAAAAAAAAAAAAAAAAECcAABAnAAAAAAAAAAAAAAAAAAAAAAAAAAAAAAAAAAAAAAAAAAAAABQAAAAAAAAAwMD/AAAAAABkAAAAMgAAAAAAAABkAAAAAAAAAH9/fwAKAAAAHwAAAFQAAAD///8A////AQAAAAAAAAAAAAAAAAAAAAAAAAAAAAAAAAAAAAAAAAAAAAAAAH9/fwDn5uYDzMzMAMDA/wB/f38AAAAAAAAAAAAAAAAAAAAAAAAAAAAhAAAAGAAAABQAAAAoBQAAGicAAAgWAABZKQAAEAAAAA=="/>
               </a:ext>
             </a:extLst>
           </p:cNvSpPr>
@@ -2636,7 +2635,7 @@
           <p:cNvGrpSpPr>
             <a:extLst>
               <a:ext uri="smNativeData">
-                <pr:smNativeData xmlns="" xmlns:pr="smNativeData" val="SMDATA_6_7hxgVxMAAAAlAAAAAQAAAA8BAAAAkAAAAEgAAACQAAAASAAAAAAAAAAAAAAAAAAAABcAAAAUAAAAAAAAAAAAAAD/fwAA/38AAAAAAAAJAAAABAAAAAAAAAAMAAAAEAAAAAAAAAAAAAAAAAAAAAAAAAAfAAAAVAAAAAAAAAAAAAAAAAAAAAAAAAAAAAAAAAAAAAAAAAAAAAAAAAAAAAAAAAAAAAAAAAAAAAAAAAAAAAAAAAAAAAAAAAAAAAAAAAAAAAAAAAAAAAAAAAAAACEAAAAYAAAAFAAAAAAAAACEIQAAAEsAAEMmAAAQAAAA"/>
+                <pr:smNativeData xmlns:pr="smNativeData" xmlns="" val="SMDATA_6_7hxgVxMAAAAlAAAAAQAAAA8BAAAAkAAAAEgAAACQAAAASAAAAAAAAAAAAAAAAAAAABcAAAAUAAAAAAAAAAAAAAD/fwAA/38AAAAAAAAJAAAABAAAAAAAAAAMAAAAEAAAAAAAAAAAAAAAAAAAAAAAAAAfAAAAVAAAAAAAAAAAAAAAAAAAAAAAAAAAAAAAAAAAAAAAAAAAAAAAAAAAAAAAAAAAAAAAAAAAAAAAAAAAAAAAAAAAAAAAAAAAAAAAAAAAAAAAAAAAAAAAAAAAACEAAAAYAAAAFAAAAAAAAACEIQAAAEsAAEMmAAAQAAAA"/>
               </a:ext>
             </a:extLst>
           </p:cNvGrpSpPr>
@@ -2686,7 +2685,7 @@
             <p:cNvSpPr>
               <a:extLst>
                 <a:ext uri="smNativeData">
-                  <pr:smNativeData xmlns="" xmlns:pr="smNativeData" val="SMDATA_12_7hxgVxMAAAAlAAAAZAAAAA0AAAAAkAAAAEgAAACQAAAASAAAAAAAAAABAAAAAAAAAAEAAABQAAAAAAAAAAAA4D8AAAAAAADgPwAAAAAAAOA/AAAAAAAA4D8AAAAAAADgPwAAAAAAAOA/AAAAAAAA4D8AAAAAAADgPwAAAAAAAOA/AAAAAAAA4D8CAAAAjAAAAAEAAAAAAAAAVII1AP///wgAAAAAAAAAAAAAAAAAAAAAAAAAAAAAAAAAAAAAeAAAAAEAAABAAAAAAAAAAAAAAABaAAAAAAAAAAAAAAAAAAAAAAAAAAAAAAAAAAAAAAAAAAAAAAAAAAAAAAAAAAAAAAAAAAAAAAAAAAAAAAAAAAAAAAAAAAAAAAAAAAAAFAAAADwAAAAAAAAAAAAAAAZJjAkUAAAAAQAAABQAAAAUAAAAFAAAAAEAAAAAAAAAZAAAAGQAAAAAAAAAZAAAAGQAAAAVAAAAYAAAAAAAAAAAAAAADwAAACADAAAAAAAAAAAAAAEAAACgMgAAVgcAAKr4//8BAAAAf39/AAEAAABkAAAAAAAAABQAAABAHwAAAAAAACYAAAAAAAAAwOD//wAAAAAmAAAAZAAAABYAAABMAAAAAAAAAAAAAAAEAAAAAAAAAAEAAACWlpYKAAAAACgAAAAoAAAAZAAAAGQAAAAAAAAAzMzMAAAAAABQAAAAUAAAAGQAAABkAAAAAAAAABcAAAAUAAAAAAAAAAAAAAD/fwAA/38AAAAAAAAJAAAABAAAAAAAAAAMAAAAEAAAAAAAAAAAAAAAAAAAAAAAAAAeAAAAaAAAAAAAAAAAAAAAAAAAAAAAAAAAAAAAECcAABAnAAAAAAAAAAAAAAAAAAAAAAAAAAAAAAAAAAAAAAAAAAAAABQAAAAAAAAAwMD/AAAAAABkAAAAMgAAAAAAAABkAAAAAAAAAH9/fwAKAAAAHwAAAFQAAABUgjUA////AQAAAAAAAAAAAAAAAAAAAAAAAAAAAAAAAAAAAAAAAAAAAAAAAn9/fwDn5uYDzMzMAMDA/wB/f38AAAAAAAAAAAAAAAAAAAAAAAAAAAAhAAAAGAAAABQAAADLEgAAhiEAAABLAABDJgAAAAAAAA=="/>
+                  <pr:smNativeData xmlns:pr="smNativeData" xmlns="" val="SMDATA_12_7hxgVxMAAAAlAAAAZAAAAA0AAAAAkAAAAEgAAACQAAAASAAAAAAAAAABAAAAAAAAAAEAAABQAAAAAAAAAAAA4D8AAAAAAADgPwAAAAAAAOA/AAAAAAAA4D8AAAAAAADgPwAAAAAAAOA/AAAAAAAA4D8AAAAAAADgPwAAAAAAAOA/AAAAAAAA4D8CAAAAjAAAAAEAAAAAAAAAVII1AP///wgAAAAAAAAAAAAAAAAAAAAAAAAAAAAAAAAAAAAAeAAAAAEAAABAAAAAAAAAAAAAAABaAAAAAAAAAAAAAAAAAAAAAAAAAAAAAAAAAAAAAAAAAAAAAAAAAAAAAAAAAAAAAAAAAAAAAAAAAAAAAAAAAAAAAAAAAAAAAAAAAAAAFAAAADwAAAAAAAAAAAAAAAZJjAkUAAAAAQAAABQAAAAUAAAAFAAAAAEAAAAAAAAAZAAAAGQAAAAAAAAAZAAAAGQAAAAVAAAAYAAAAAAAAAAAAAAADwAAACADAAAAAAAAAAAAAAEAAACgMgAAVgcAAKr4//8BAAAAf39/AAEAAABkAAAAAAAAABQAAABAHwAAAAAAACYAAAAAAAAAwOD//wAAAAAmAAAAZAAAABYAAABMAAAAAAAAAAAAAAAEAAAAAAAAAAEAAACWlpYKAAAAACgAAAAoAAAAZAAAAGQAAAAAAAAAzMzMAAAAAABQAAAAUAAAAGQAAABkAAAAAAAAABcAAAAUAAAAAAAAAAAAAAD/fwAA/38AAAAAAAAJAAAABAAAAAAAAAAMAAAAEAAAAAAAAAAAAAAAAAAAAAAAAAAeAAAAaAAAAAAAAAAAAAAAAAAAAAAAAAAAAAAAECcAABAnAAAAAAAAAAAAAAAAAAAAAAAAAAAAAAAAAAAAAAAAAAAAABQAAAAAAAAAwMD/AAAAAABkAAAAMgAAAAAAAABkAAAAAAAAAH9/fwAKAAAAHwAAAFQAAABUgjUA////AQAAAAAAAAAAAAAAAAAAAAAAAAAAAAAAAAAAAAAAAAAAAAAAAn9/fwDn5uYDzMzMAMDA/wB/f38AAAAAAAAAAAAAAAAAAAAAAAAAAAAhAAAAGAAAABQAAADLEgAAhiEAAABLAABDJgAAAAAAAA=="/>
                 </a:ext>
               </a:extLst>
             </p:cNvSpPr>
@@ -2837,7 +2836,7 @@
             <p:cNvSpPr>
               <a:extLst>
                 <a:ext uri="smNativeData">
-                  <pr:smNativeData xmlns="" xmlns:pr="smNativeData" val="SMDATA_12_7hxgVxMAAAAlAAAAZAAAAA0AAAAAkAAAAEgAAACQAAAASAAAAAAAAAABAAAAAAAAAAEAAABQAAAAAAAAAAAA4D8AAAAAAADgPwAAAAAAAOA/AAAAAAAA4D8AAAAAAADgPwAAAAAAAOA/AAAAAAAA4D8AAAAAAADgPwAAAAAAAOA/AAAAAAAA4D8CAAAAjAAAAAEAAAAAAAAA/8AAAP///wgAAAAAAAAAAAAAAAAAAAAAAAAAAAAAAAAAAAAAeAAAAAEAAABAAAAAAAAAAAAAAABaAAAAAAAAAAAAAAAAAAAAAAAAAAAAAAAAAAAAAAAAAAAAAAAAAAAAAAAAAAAAAAAAAAAAAAAAAAAAAAAAAAAAAAAAAAAAAAAAAAAAFAAAADwAAAAAAAAAAAAAAAZJjAkUAAAAAQAAABQAAAAUAAAAFAAAAAEAAAAAAAAAZAAAAGQAAAAAAAAAZAAAAGQAAAAVAAAAYAAAAAAAAAAAAAAADwAAACADAAAAAAAAAAAAAAEAAACgMgAAVgcAAKr4//8BAAAAf39/AAEAAABkAAAAAAAAABQAAABAHwAAAAAAACYAAAAAAAAAwOD//wAAAAAmAAAAZAAAABYAAABMAAAAAAAAAAAAAAAEAAAAAAAAAAEAAACWlpYKAAAAACgAAAAoAAAAZAAAAGQAAAAAAAAAzMzMAAAAAABQAAAAUAAAAGQAAABkAAAAAAAAABcAAAAUAAAAAAAAAAAAAAD/fwAA/38AAAAAAAAJAAAABAAAAAAAAAAMAAAAEAAAAAAAAAAAAAAAAAAAAAAAAAAeAAAAaAAAAAAAAAAAAAAAAAAAAAAAAAAAAAAAECcAABAnAAAAAAAAAAAAAAAAAAAAAAAAAAAAAAAAAAAAAAAAAAAAABQAAAAAAAAAwMD/AAAAAABkAAAAMgAAAAAAAABkAAAAAAAAAH9/fwAKAAAAHwAAAFQAAAD/wAAA////AQAAAAAAAAAAAAAAAAAAAAAAAAAAAAAAAAAAAAAAAAAAAAAAAn9/fwDn5uYDzMzMAMDA/wB/f38AAAAAAAAAAAAAAAAAAAAAAAAAAAAhAAAAGAAAABQAAAAAAAAAhCEAAMsSAABBJgAAAAAAAA=="/>
+                  <pr:smNativeData xmlns:pr="smNativeData" xmlns="" val="SMDATA_12_7hxgVxMAAAAlAAAAZAAAAA0AAAAAkAAAAEgAAACQAAAASAAAAAAAAAABAAAAAAAAAAEAAABQAAAAAAAAAAAA4D8AAAAAAADgPwAAAAAAAOA/AAAAAAAA4D8AAAAAAADgPwAAAAAAAOA/AAAAAAAA4D8AAAAAAADgPwAAAAAAAOA/AAAAAAAA4D8CAAAAjAAAAAEAAAAAAAAA/8AAAP///wgAAAAAAAAAAAAAAAAAAAAAAAAAAAAAAAAAAAAAeAAAAAEAAABAAAAAAAAAAAAAAABaAAAAAAAAAAAAAAAAAAAAAAAAAAAAAAAAAAAAAAAAAAAAAAAAAAAAAAAAAAAAAAAAAAAAAAAAAAAAAAAAAAAAAAAAAAAAAAAAAAAAFAAAADwAAAAAAAAAAAAAAAZJjAkUAAAAAQAAABQAAAAUAAAAFAAAAAEAAAAAAAAAZAAAAGQAAAAAAAAAZAAAAGQAAAAVAAAAYAAAAAAAAAAAAAAADwAAACADAAAAAAAAAAAAAAEAAACgMgAAVgcAAKr4//8BAAAAf39/AAEAAABkAAAAAAAAABQAAABAHwAAAAAAACYAAAAAAAAAwOD//wAAAAAmAAAAZAAAABYAAABMAAAAAAAAAAAAAAAEAAAAAAAAAAEAAACWlpYKAAAAACgAAAAoAAAAZAAAAGQAAAAAAAAAzMzMAAAAAABQAAAAUAAAAGQAAABkAAAAAAAAABcAAAAUAAAAAAAAAAAAAAD/fwAA/38AAAAAAAAJAAAABAAAAAAAAAAMAAAAEAAAAAAAAAAAAAAAAAAAAAAAAAAeAAAAaAAAAAAAAAAAAAAAAAAAAAAAAAAAAAAAECcAABAnAAAAAAAAAAAAAAAAAAAAAAAAAAAAAAAAAAAAAAAAAAAAABQAAAAAAAAAwMD/AAAAAABkAAAAMgAAAAAAAABkAAAAAAAAAH9/fwAKAAAAHwAAAFQAAAD/wAAA////AQAAAAAAAAAAAAAAAAAAAAAAAAAAAAAAAAAAAAAAAAAAAAAAAn9/fwDn5uYDzMzMAMDA/wB/f38AAAAAAAAAAAAAAAAAAAAAAAAAAAAhAAAAGAAAABQAAAAAAAAAhCEAAMsSAABBJgAAAAAAAA=="/>
                 </a:ext>
               </a:extLst>
             </p:cNvSpPr>
@@ -2990,7 +2989,7 @@
             <a:spLocks noGrp="1" noChangeArrowheads="1"/>
             <a:extLst>
               <a:ext uri="smNativeData">
-                <pr:smNativeData xmlns="" xmlns:pr="smNativeData" val="SMDATA_12_7hxgVxMAAAAlAAAAZAAAAA0AAAAAkAAAAEgAAACQAAAASAAAAAAAAAACAAAAAAAAAAEAAABQAAAAAAAAAAAA4D8AAAAAAADgPwAAAAAAAOA/AAAAAAAA4D8AAAAAAADgPwAAAAAAAOA/AAAAAAAA4D8AAAAAAADgPwAAAAAAAOA/AAAAAAAA4D8CAAAAjAAAAAAAAAAAAAAA////DP///wgAAAAAAAAAAAAAAAAAAAAAAAAAAAAAAAAAAAAAZAAAAAEAAABAAAAAAAAAAAAAAAAAAAAAAAAAAAAAAAAAAAAAAAAAAAAAAAAAAAAAAAAAAAAAAAAAAAAAAAAAAAAAAAAAAAAAAAAAAAAAAAAAAAAAAAAAAAAAAAAAAAAAFAAAADwAAAAAAAAAAAAAAAZJjAkUAAAAAQAAABQAAAAUAAAAFAAAAAEAAAAAAAAAZAAAAGQAAAAAAAAAZAAAAGQAAAAVAAAAYAAAAAAAAAAAAAAADwAAACADAAAAAAAAAAAAAAEAAACgMgAAVgcAAKr4//8BAAAAf39/AAEAAABkAAAAAAAAABQAAABAHwAAAAAAACYAAAAAAAAAwOD//wAAAAAmAAAAZAAAABYAAABMAAAAAAAAAAAAAAAEAAAAAAAAAAEAAACWlpYKAAAAACgAAAAoAAAAZAAAAGQAAAAAAAAAzMzMAAAAAABQAAAAUAAAAGQAAABkAAAAAAAAABcAAAAUAAAAAAAAAAAAAAD/fwAA/38AAAAAAAAJAAAABAAAAAAAAAAMAAAAEAAAAAAAAAAAAAAAAAAAAAAAAAAeAAAAaAAAAAAAAAAAAAAAAAAAAAAAAAAAAAAAECcAABAnAAAAAAAAAAAAAAAAAAAAAAAAAAAAAAAAAAAAAAAAAAAAABQAAAAAAAAAwMD/AAAAAABkAAAAMgAAAAAAAABkAAAAAAAAAH9/fwAKAAAAHwAAAFQAAABbm9UF////AQAAAAAAAAAAAAAAAAAAAAAAAAAAAAAAAAAAAAAAAAAAAAAAAn9/fwDn5uYDzMzMAMDA/wB/f38AAAAAAAAAAAAAAAAAAAAAAAAAAAAhAAAAGAAAABQAAADLEgAAFQkAAItHAABTHgAAAAAAAA=="/>
+                <pr:smNativeData xmlns:pr="smNativeData" xmlns="" val="SMDATA_12_7hxgVxMAAAAlAAAAZAAAAA0AAAAAkAAAAEgAAACQAAAASAAAAAAAAAACAAAAAAAAAAEAAABQAAAAAAAAAAAA4D8AAAAAAADgPwAAAAAAAOA/AAAAAAAA4D8AAAAAAADgPwAAAAAAAOA/AAAAAAAA4D8AAAAAAADgPwAAAAAAAOA/AAAAAAAA4D8CAAAAjAAAAAAAAAAAAAAA////DP///wgAAAAAAAAAAAAAAAAAAAAAAAAAAAAAAAAAAAAAZAAAAAEAAABAAAAAAAAAAAAAAAAAAAAAAAAAAAAAAAAAAAAAAAAAAAAAAAAAAAAAAAAAAAAAAAAAAAAAAAAAAAAAAAAAAAAAAAAAAAAAAAAAAAAAAAAAAAAAAAAAAAAAFAAAADwAAAAAAAAAAAAAAAZJjAkUAAAAAQAAABQAAAAUAAAAFAAAAAEAAAAAAAAAZAAAAGQAAAAAAAAAZAAAAGQAAAAVAAAAYAAAAAAAAAAAAAAADwAAACADAAAAAAAAAAAAAAEAAACgMgAAVgcAAKr4//8BAAAAf39/AAEAAABkAAAAAAAAABQAAABAHwAAAAAAACYAAAAAAAAAwOD//wAAAAAmAAAAZAAAABYAAABMAAAAAAAAAAAAAAAEAAAAAAAAAAEAAACWlpYKAAAAACgAAAAoAAAAZAAAAGQAAAAAAAAAzMzMAAAAAABQAAAAUAAAAGQAAABkAAAAAAAAABcAAAAUAAAAAAAAAAAAAAD/fwAA/38AAAAAAAAJAAAABAAAAAAAAAAMAAAAEAAAAAAAAAAAAAAAAAAAAAAAAAAeAAAAaAAAAAAAAAAAAAAAAAAAAAAAAAAAAAAAECcAABAnAAAAAAAAAAAAAAAAAAAAAAAAAAAAAAAAAAAAAAAAAAAAABQAAAAAAAAAwMD/AAAAAABkAAAAMgAAAAAAAABkAAAAAAAAAH9/fwAKAAAAHwAAAFQAAABbm9UF////AQAAAAAAAAAAAAAAAAAAAAAAAAAAAAAAAAAAAAAAAAAAAAAAAn9/fwDn5uYDzMzMAMDA/wB/f38AAAAAAAAAAAAAAAAAAAAAAAAAAAAhAAAAGAAAABQAAADLEgAAFQkAAItHAABTHgAAAAAAAA=="/>
               </a:ext>
             </a:extLst>
           </p:cNvSpPr>
@@ -3053,7 +3052,7 @@
             <a:spLocks noGrp="1" noChangeArrowheads="1"/>
             <a:extLst>
               <a:ext uri="smNativeData">
-                <pr:smNativeData xmlns="" xmlns:pr="smNativeData" val="SMDATA_12_7hxgVxMAAAAlAAAAZAAAAA0AAAAAkAAAAEgAAACQAAAASAAAAAAAAAAAAAAAAAAAAAEAAABQAAAAAAAAAAAA4D8AAAAAAADgPwAAAAAAAOA/AAAAAAAA4D8AAAAAAADgPwAAAAAAAOA/AAAAAAAA4D8AAAAAAADgPwAAAAAAAOA/AAAAAAAA4D8CAAAAjAAAAAAAAAAAAAAA////DP///wgAAAAAAAAAAAAAAAAAAAAAAAAAAAAAAAAAAAAAZAAAAAEAAABAAAAAAAAAAAAAAAAAAAAAAAAAAAAAAAAAAAAAAAAAAAAAAAAAAAAAAAAAAAAAAAAAAAAAAAAAAAAAAAAAAAAAAAAAAAAAAAAAAAAAAAAAAAAAAAAAAAAAFAAAADwAAAAAAAAAAAAAAAZJjAkUAAAAAQAAABQAAAAUAAAAFAAAAAEAAAAAAAAAZAAAAGQAAAAAAAAAZAAAAGQAAAAVAAAAYAAAAAAAAAAAAAAADwAAACADAAAAAAAAAAAAAAEAAACgMgAAVgcAAKr4//8BAAAAf39/AAEAAABkAAAAAAAAABQAAABAHwAAAAAAACYAAAAAAAAAwOD//wAAAAAmAAAAZAAAABYAAABMAAAAAAAAAAAAAAAEAAAAAAAAAAEAAACWlpYKAAAAACgAAAAoAAAAZAAAAGQAAAAAAAAAzMzMAAAAAABQAAAAUAAAAGQAAABkAAAAAAAAABcAAAAUAAAAAAAAAAAAAAD/fwAA/38AAAAAAAAJAAAABAAAAAAAAAAMAAAAEAAAAAAAAAAAAAAAAAAAAAAAAAAeAAAAaAAAAAAAAAAAAAAAAAAAAAAAAAAAAAAAECcAABAnAAAAAAAAAAAAAAAAAAAAAAAAAAAAAAAAAAAAAAAAAAAAABQAAAAAAAAAwMD/AAAAAABkAAAAMgAAAAAAAABkAAAAAAAAAH9/fwAKAAAAHwAAAFQAAABbm9UF////AQAAAAAAAAAAAAAAAAAAAAAAAAAAAAAAAAAAAAAAAAAAAAAAAn9/fwDn5uYDzMzMAMDA/wB/f38AAAAAAAAAAAAAAAAAAAAAAAAAAAAhAAAAGAAAABQAAADAEgAAzyEAAABLAAAWJgAAEAAAAA=="/>
+                <pr:smNativeData xmlns:pr="smNativeData" xmlns="" val="SMDATA_12_7hxgVxMAAAAlAAAAZAAAAA0AAAAAkAAAAEgAAACQAAAASAAAAAAAAAAAAAAAAAAAAAEAAABQAAAAAAAAAAAA4D8AAAAAAADgPwAAAAAAAOA/AAAAAAAA4D8AAAAAAADgPwAAAAAAAOA/AAAAAAAA4D8AAAAAAADgPwAAAAAAAOA/AAAAAAAA4D8CAAAAjAAAAAAAAAAAAAAA////DP///wgAAAAAAAAAAAAAAAAAAAAAAAAAAAAAAAAAAAAAZAAAAAEAAABAAAAAAAAAAAAAAAAAAAAAAAAAAAAAAAAAAAAAAAAAAAAAAAAAAAAAAAAAAAAAAAAAAAAAAAAAAAAAAAAAAAAAAAAAAAAAAAAAAAAAAAAAAAAAAAAAAAAAFAAAADwAAAAAAAAAAAAAAAZJjAkUAAAAAQAAABQAAAAUAAAAFAAAAAEAAAAAAAAAZAAAAGQAAAAAAAAAZAAAAGQAAAAVAAAAYAAAAAAAAAAAAAAADwAAACADAAAAAAAAAAAAAAEAAACgMgAAVgcAAKr4//8BAAAAf39/AAEAAABkAAAAAAAAABQAAABAHwAAAAAAACYAAAAAAAAAwOD//wAAAAAmAAAAZAAAABYAAABMAAAAAAAAAAAAAAAEAAAAAAAAAAEAAACWlpYKAAAAACgAAAAoAAAAZAAAAGQAAAAAAAAAzMzMAAAAAABQAAAAUAAAAGQAAABkAAAAAAAAABcAAAAUAAAAAAAAAAAAAAD/fwAA/38AAAAAAAAJAAAABAAAAAAAAAAMAAAAEAAAAAAAAAAAAAAAAAAAAAAAAAAeAAAAaAAAAAAAAAAAAAAAAAAAAAAAAAAAAAAAECcAABAnAAAAAAAAAAAAAAAAAAAAAAAAAAAAAAAAAAAAAAAAAAAAABQAAAAAAAAAwMD/AAAAAABkAAAAMgAAAAAAAABkAAAAAAAAAH9/fwAKAAAAHwAAAFQAAABbm9UF////AQAAAAAAAAAAAAAAAAAAAAAAAAAAAAAAAAAAAAAAAAAAAAAAAn9/fwDn5uYDzMzMAMDA/wB/f38AAAAAAAAAAAAAAAAAAAAAAAAAAAAhAAAAGAAAABQAAADAEgAAzyEAAABLAAAWJgAAEAAAAA=="/>
               </a:ext>
             </a:extLst>
           </p:cNvSpPr>
@@ -3711,11 +3710,7 @@
           <a:p>
             <a:r>
               <a:rPr lang="pt-BR" dirty="0" smtClean="0"/>
-              <a:t>Declarando </a:t>
-            </a:r>
-            <a:r>
-              <a:rPr lang="pt-BR" dirty="0" smtClean="0"/>
-              <a:t>uma Interface</a:t>
+              <a:t>Declarando uma Interface</a:t>
             </a:r>
           </a:p>
           <a:p>
@@ -4062,29 +4057,7 @@
                             </a:schemeClr>
                           </a:solidFill>
                         </a:rPr>
-                        <a:t>2.3 ler e escrever para </a:t>
-                      </a:r>
-                      <a:r>
-                        <a:rPr lang="pt-BR" sz="1600" b="0" dirty="0" smtClean="0">
-                          <a:solidFill>
-                            <a:schemeClr val="tx1">
-                              <a:lumMod val="65000"/>
-                              <a:lumOff val="35000"/>
-                            </a:schemeClr>
-                          </a:solidFill>
-                        </a:rPr>
-                        <a:t>atributos</a:t>
-                      </a:r>
-                      <a:r>
-                        <a:rPr lang="pt-BR" sz="1600" b="0" dirty="0" smtClean="0">
-                          <a:solidFill>
-                            <a:schemeClr val="tx1">
-                              <a:lumMod val="65000"/>
-                              <a:lumOff val="35000"/>
-                            </a:schemeClr>
-                          </a:solidFill>
-                        </a:rPr>
-                        <a:t> de objeto</a:t>
+                        <a:t>2.3 ler e escrever para atributos de objeto</a:t>
                       </a:r>
                       <a:endParaRPr lang="pt-BR" sz="1600" b="0" dirty="0">
                         <a:solidFill>
@@ -4257,18 +4230,7 @@
                             </a:schemeClr>
                           </a:solidFill>
                         </a:rPr>
-                        <a:t>4.2</a:t>
-                      </a:r>
-                      <a:r>
-                        <a:rPr lang="pt-BR" sz="1600" b="0" dirty="0" smtClean="0">
-                          <a:solidFill>
-                            <a:schemeClr val="tx1">
-                              <a:lumMod val="65000"/>
-                              <a:lumOff val="35000"/>
-                            </a:schemeClr>
-                          </a:solidFill>
-                        </a:rPr>
-                        <a:t>Declarar, instanciar, inicializar e usar um </a:t>
+                        <a:t>4.2Declarar, instanciar, inicializar e usar um </a:t>
                       </a:r>
                       <a:r>
                         <a:rPr lang="pt-BR" sz="1600" b="0" dirty="0" err="1" smtClean="0">
@@ -4539,11 +4501,7 @@
           <a:p>
             <a:r>
               <a:rPr lang="pt-BR" sz="2400" dirty="0" smtClean="0"/>
-              <a:t>Modificadores </a:t>
-            </a:r>
-            <a:r>
-              <a:rPr lang="pt-BR" sz="2400" dirty="0" smtClean="0"/>
-              <a:t>de Acesso</a:t>
+              <a:t>Modificadores de Acesso</a:t>
             </a:r>
           </a:p>
           <a:p>
@@ -5184,11 +5142,7 @@
             <a:pPr lvl="1"/>
             <a:r>
               <a:rPr lang="pt-BR" dirty="0" smtClean="0"/>
-              <a:t>Declarando construtores, Métodos e Variáveis em </a:t>
-            </a:r>
-            <a:r>
-              <a:rPr lang="pt-BR" dirty="0" smtClean="0"/>
-              <a:t>um </a:t>
+              <a:t>Declarando construtores, Métodos e Variáveis em um </a:t>
             </a:r>
             <a:r>
               <a:rPr lang="pt-BR" dirty="0" err="1" smtClean="0"/>
@@ -5728,13 +5682,8 @@
           <a:p>
             <a:r>
               <a:rPr lang="pt-BR" sz="2000" dirty="0" smtClean="0"/>
-              <a:t>7.2 Desenvolver código qu</a:t>
-            </a:r>
-            <a:r>
-              <a:rPr lang="pt-BR" sz="2000" dirty="0" smtClean="0"/>
-              <a:t>e demonstre o uso do polimorfismo</a:t>
-            </a:r>
-            <a:endParaRPr lang="pt-BR" sz="2000" dirty="0" smtClean="0"/>
+              <a:t>7.2 Desenvolver código que demonstre o uso do polimorfismo</a:t>
+            </a:r>
           </a:p>
           <a:p>
             <a:r>
@@ -5881,15 +5830,7 @@
           <a:p>
             <a:r>
               <a:rPr lang="pt-BR" dirty="0" smtClean="0"/>
-              <a:t>É-UM </a:t>
-            </a:r>
-            <a:r>
-              <a:rPr lang="pt-BR" dirty="0" smtClean="0"/>
-              <a:t>e </a:t>
-            </a:r>
-            <a:r>
-              <a:rPr lang="pt-BR" dirty="0" smtClean="0"/>
-              <a:t>TEM-UM conceitual</a:t>
+              <a:t>É-UM e TEM-UM conceitual</a:t>
             </a:r>
             <a:endParaRPr lang="pt-BR" dirty="0"/>
           </a:p>
@@ -6339,7 +6280,6 @@
               <a:rPr lang="pt-BR" sz="2000" dirty="0"/>
               <a:t>entre tipo de uma referência e o tipo de um objeto</a:t>
             </a:r>
-            <a:endParaRPr lang="pt-BR" sz="2000" dirty="0"/>
           </a:p>
         </p:txBody>
       </p:sp>
@@ -6485,11 +6425,7 @@
             <a:pPr algn="just"/>
             <a:r>
               <a:rPr lang="pt-BR" dirty="0" smtClean="0"/>
-              <a:t>Métodos </a:t>
-            </a:r>
-            <a:r>
-              <a:rPr lang="pt-BR" dirty="0" smtClean="0"/>
-              <a:t>Sobrescritos</a:t>
+              <a:t>Métodos Sobrescritos</a:t>
             </a:r>
           </a:p>
           <a:p>
@@ -6532,13 +6468,8 @@
             <a:pPr lvl="1" algn="just"/>
             <a:r>
               <a:rPr lang="pt-BR" dirty="0" smtClean="0"/>
-              <a:t>Polimorfismo em Métodos </a:t>
-            </a:r>
-            <a:r>
-              <a:rPr lang="pt-BR" dirty="0" smtClean="0"/>
-              <a:t>sobrescritos e sobrecarregados</a:t>
-            </a:r>
-            <a:endParaRPr lang="pt-BR" dirty="0" smtClean="0"/>
+              <a:t>Polimorfismo em Métodos sobrescritos e sobrecarregados</a:t>
+            </a:r>
           </a:p>
           <a:p>
             <a:pPr lvl="1" algn="just"/>
@@ -6822,11 +6753,7 @@
           <a:p>
             <a:r>
               <a:rPr lang="pt-BR" dirty="0" smtClean="0"/>
-              <a:t>(CONCEITO) Implementando </a:t>
-            </a:r>
-            <a:r>
-              <a:rPr lang="pt-BR" dirty="0" smtClean="0"/>
-              <a:t>Interfaces</a:t>
+              <a:t>(CONCEITO) Implementando Interfaces</a:t>
             </a:r>
             <a:endParaRPr lang="pt-BR" dirty="0"/>
           </a:p>
@@ -7183,11 +7110,7 @@
           <a:p>
             <a:r>
               <a:rPr lang="pt-BR" dirty="0" smtClean="0"/>
-              <a:t>Declarações </a:t>
-            </a:r>
-            <a:r>
-              <a:rPr lang="pt-BR" dirty="0" smtClean="0"/>
-              <a:t>de Tipos de Retorno</a:t>
+              <a:t>Declarações de Tipos de Retorno</a:t>
             </a:r>
           </a:p>
           <a:p>
@@ -7205,11 +7128,7 @@
             </a:r>
             <a:r>
               <a:rPr lang="pt-BR" dirty="0" smtClean="0"/>
-              <a:t> </a:t>
-            </a:r>
-            <a:r>
-              <a:rPr lang="pt-BR" dirty="0" smtClean="0"/>
-              <a:t>e Tipos de Retorno e retornos </a:t>
+              <a:t> e Tipos de Retorno e retornos </a:t>
             </a:r>
             <a:r>
               <a:rPr lang="pt-BR" i="1" dirty="0" err="1" smtClean="0"/>
@@ -7728,7 +7647,6 @@
               <a:rPr lang="pt-BR" dirty="0" smtClean="0"/>
               <a:t>Conceito</a:t>
             </a:r>
-            <a:endParaRPr lang="pt-BR" dirty="0" smtClean="0"/>
           </a:p>
           <a:p>
             <a:pPr algn="just"/>
@@ -7886,7 +7804,12 @@
             <p:ph type="ctrTitle"/>
           </p:nvPr>
         </p:nvSpPr>
-        <p:spPr/>
+        <p:spPr>
+          <a:xfrm>
+            <a:off x="1941910" y="2514601"/>
+            <a:ext cx="6686549" cy="914399"/>
+          </a:xfrm>
+        </p:spPr>
         <p:txBody>
           <a:bodyPr/>
           <a:lstStyle/>
@@ -7909,24 +7832,48 @@
             <p:ph type="subTitle" idx="1"/>
           </p:nvPr>
         </p:nvSpPr>
-        <p:spPr/>
+        <p:spPr>
+          <a:xfrm>
+            <a:off x="1941910" y="3429000"/>
+            <a:ext cx="6686549" cy="2474663"/>
+          </a:xfrm>
+        </p:spPr>
         <p:txBody>
           <a:bodyPr/>
           <a:lstStyle/>
           <a:p>
             <a:r>
-              <a:rPr lang="pt-BR" dirty="0" smtClean="0"/>
+              <a:rPr lang="pt-BR" sz="2000" b="1" dirty="0" smtClean="0"/>
               <a:t>OCA </a:t>
             </a:r>
             <a:r>
-              <a:rPr lang="pt-BR" dirty="0" err="1" smtClean="0"/>
-              <a:t>Objectives</a:t>
-            </a:r>
-            <a:r>
-              <a:rPr lang="pt-BR" dirty="0" smtClean="0"/>
-              <a:t> 6.2</a:t>
-            </a:r>
-            <a:endParaRPr lang="pt-BR" dirty="0"/>
+              <a:rPr lang="pt-BR" sz="2000" b="1" dirty="0" err="1" smtClean="0"/>
+              <a:t>Objective</a:t>
+            </a:r>
+            <a:endParaRPr lang="pt-BR" sz="2000" b="1" dirty="0" smtClean="0"/>
+          </a:p>
+          <a:p>
+            <a:r>
+              <a:rPr lang="pt-BR" sz="2000" dirty="0" smtClean="0"/>
+              <a:t>6.2 Aplicar </a:t>
+            </a:r>
+            <a:r>
+              <a:rPr lang="pt-BR" sz="2000" dirty="0" err="1" smtClean="0"/>
+              <a:t>keyword</a:t>
+            </a:r>
+            <a:r>
+              <a:rPr lang="pt-BR" sz="2000" dirty="0" smtClean="0"/>
+              <a:t> </a:t>
+            </a:r>
+            <a:r>
+              <a:rPr lang="pt-BR" sz="2000" dirty="0" err="1" smtClean="0"/>
+              <a:t>static</a:t>
+            </a:r>
+            <a:r>
+              <a:rPr lang="pt-BR" sz="2000" dirty="0" smtClean="0"/>
+              <a:t> para métodos e atributos</a:t>
+            </a:r>
+            <a:endParaRPr lang="pt-BR" sz="2000" dirty="0"/>
           </a:p>
         </p:txBody>
       </p:sp>
@@ -8060,8 +8007,22 @@
           <a:lstStyle/>
           <a:p>
             <a:r>
-              <a:rPr lang="pt-BR" dirty="0" smtClean="0"/>
-              <a:t>Métodos e Variáveis Estáticas</a:t>
+              <a:rPr lang="pt-BR" dirty="0"/>
+              <a:t>C</a:t>
+            </a:r>
+            <a:r>
+              <a:rPr lang="pt-BR" dirty="0" smtClean="0"/>
+              <a:t>onceito</a:t>
+            </a:r>
+          </a:p>
+          <a:p>
+            <a:r>
+              <a:rPr lang="pt-BR" dirty="0" smtClean="0"/>
+              <a:t>Métodos </a:t>
+            </a:r>
+            <a:r>
+              <a:rPr lang="pt-BR" dirty="0" smtClean="0"/>
+              <a:t>e Variáveis Estáticas</a:t>
             </a:r>
           </a:p>
           <a:p>
@@ -8305,7 +8266,12 @@
             <p:ph type="ctrTitle"/>
           </p:nvPr>
         </p:nvSpPr>
-        <p:spPr/>
+        <p:spPr>
+          <a:xfrm>
+            <a:off x="1941910" y="2514601"/>
+            <a:ext cx="6686549" cy="914399"/>
+          </a:xfrm>
+        </p:spPr>
         <p:txBody>
           <a:bodyPr>
             <a:normAutofit/>
@@ -8338,32 +8304,43 @@
             <p:ph type="subTitle" idx="1"/>
           </p:nvPr>
         </p:nvSpPr>
-        <p:spPr/>
+        <p:spPr>
+          <a:xfrm>
+            <a:off x="1941910" y="3429000"/>
+            <a:ext cx="6686549" cy="2474663"/>
+          </a:xfrm>
+        </p:spPr>
         <p:txBody>
           <a:bodyPr/>
           <a:lstStyle/>
           <a:p>
             <a:r>
-              <a:rPr lang="pt-BR" dirty="0" smtClean="0"/>
+              <a:rPr lang="pt-BR" sz="2000" b="1" dirty="0" smtClean="0"/>
               <a:t>OCA </a:t>
             </a:r>
             <a:r>
-              <a:rPr lang="pt-BR" dirty="0" err="1" smtClean="0"/>
+              <a:rPr lang="pt-BR" sz="2000" b="1" dirty="0" err="1" smtClean="0"/>
               <a:t>Objectives</a:t>
             </a:r>
-            <a:r>
-              <a:rPr lang="pt-BR" dirty="0" smtClean="0"/>
-              <a:t> 2.1, 2.2, 2.3 </a:t>
-            </a:r>
-            <a:r>
-              <a:rPr lang="pt-BR" dirty="0" err="1" smtClean="0"/>
-              <a:t>and</a:t>
-            </a:r>
-            <a:r>
-              <a:rPr lang="pt-BR" dirty="0" smtClean="0"/>
-              <a:t> 1.2 upgrade</a:t>
-            </a:r>
-            <a:endParaRPr lang="pt-BR" dirty="0"/>
+            <a:endParaRPr lang="pt-BR" sz="2000" b="1" dirty="0" smtClean="0"/>
+          </a:p>
+          <a:p>
+            <a:r>
+              <a:rPr lang="pt-BR" sz="2000" dirty="0" smtClean="0"/>
+              <a:t>2.1 Declarar e inicializar variáveis</a:t>
+            </a:r>
+          </a:p>
+          <a:p>
+            <a:r>
+              <a:rPr lang="pt-BR" sz="2000" dirty="0" smtClean="0"/>
+              <a:t>2.2 Diferenciar entre referência a objeto e primitivo</a:t>
+            </a:r>
+          </a:p>
+          <a:p>
+            <a:r>
+              <a:rPr lang="pt-BR" sz="2000" dirty="0" smtClean="0"/>
+              <a:t>2.3 Ler e escrever para atributos de objeto</a:t>
+            </a:r>
           </a:p>
         </p:txBody>
       </p:sp>
@@ -8617,106 +8594,116 @@
           <a:lstStyle/>
           <a:p>
             <a:r>
-              <a:rPr lang="pt-BR" dirty="0" smtClean="0"/>
-              <a:t>Valores Literais para todos os tipos primitivos</a:t>
+              <a:rPr lang="pt-BR" sz="2400" dirty="0" smtClean="0"/>
+              <a:t>Conceito</a:t>
+            </a:r>
+          </a:p>
+          <a:p>
+            <a:r>
+              <a:rPr lang="pt-BR" sz="2400" dirty="0" smtClean="0"/>
+              <a:t>Valores </a:t>
+            </a:r>
+            <a:r>
+              <a:rPr lang="pt-BR" sz="2400" dirty="0" smtClean="0"/>
+              <a:t>Literais para todos os tipos primitivos</a:t>
             </a:r>
           </a:p>
           <a:p>
             <a:pPr lvl="1"/>
             <a:r>
-              <a:rPr lang="pt-BR" dirty="0" smtClean="0"/>
+              <a:rPr lang="pt-BR" sz="2000" dirty="0" smtClean="0"/>
               <a:t>Literal </a:t>
             </a:r>
             <a:r>
-              <a:rPr lang="pt-BR" dirty="0" err="1" smtClean="0"/>
+              <a:rPr lang="pt-BR" sz="2000" dirty="0" err="1" smtClean="0"/>
               <a:t>Integer</a:t>
             </a:r>
-            <a:endParaRPr lang="pt-BR" dirty="0"/>
+            <a:endParaRPr lang="pt-BR" sz="2000" dirty="0"/>
           </a:p>
           <a:p>
             <a:pPr lvl="1"/>
             <a:r>
-              <a:rPr lang="pt-BR" dirty="0" err="1" smtClean="0"/>
+              <a:rPr lang="pt-BR" sz="2000" dirty="0" err="1" smtClean="0"/>
               <a:t>Underscore</a:t>
             </a:r>
             <a:r>
-              <a:rPr lang="pt-BR" dirty="0" smtClean="0"/>
+              <a:rPr lang="pt-BR" sz="2000" dirty="0" smtClean="0"/>
               <a:t> e numéricos</a:t>
             </a:r>
           </a:p>
           <a:p>
             <a:pPr lvl="1"/>
             <a:r>
-              <a:rPr lang="pt-BR" dirty="0" smtClean="0"/>
+              <a:rPr lang="pt-BR" sz="2000" dirty="0" smtClean="0"/>
               <a:t>Literal Decimal</a:t>
             </a:r>
           </a:p>
           <a:p>
             <a:pPr lvl="1"/>
             <a:r>
-              <a:rPr lang="pt-BR" dirty="0" smtClean="0"/>
+              <a:rPr lang="pt-BR" sz="2000" dirty="0" smtClean="0"/>
               <a:t>Literal binário</a:t>
             </a:r>
           </a:p>
           <a:p>
             <a:pPr lvl="1"/>
             <a:r>
-              <a:rPr lang="pt-BR" dirty="0" smtClean="0"/>
+              <a:rPr lang="pt-BR" sz="2000" dirty="0" smtClean="0"/>
               <a:t>Literal Octal</a:t>
             </a:r>
           </a:p>
           <a:p>
             <a:pPr lvl="1"/>
             <a:r>
-              <a:rPr lang="pt-BR" dirty="0" smtClean="0"/>
+              <a:rPr lang="pt-BR" sz="2000" dirty="0" smtClean="0"/>
               <a:t>Literal Hexadecimal</a:t>
             </a:r>
           </a:p>
           <a:p>
             <a:pPr lvl="1"/>
             <a:r>
-              <a:rPr lang="pt-BR" dirty="0" smtClean="0"/>
+              <a:rPr lang="pt-BR" sz="2000" dirty="0" smtClean="0"/>
               <a:t>Literal Floating-point</a:t>
             </a:r>
           </a:p>
           <a:p>
             <a:pPr lvl="1"/>
             <a:r>
-              <a:rPr lang="pt-BR" dirty="0" smtClean="0"/>
+              <a:rPr lang="pt-BR" sz="2000" dirty="0" smtClean="0"/>
               <a:t>Literal </a:t>
             </a:r>
             <a:r>
-              <a:rPr lang="pt-BR" dirty="0" err="1" smtClean="0"/>
+              <a:rPr lang="pt-BR" sz="2000" dirty="0" err="1" smtClean="0"/>
               <a:t>Boolean</a:t>
             </a:r>
-            <a:endParaRPr lang="pt-BR" dirty="0" smtClean="0"/>
+            <a:endParaRPr lang="pt-BR" sz="2000" dirty="0" smtClean="0"/>
           </a:p>
           <a:p>
             <a:pPr lvl="1"/>
             <a:r>
-              <a:rPr lang="pt-BR" dirty="0" smtClean="0"/>
+              <a:rPr lang="pt-BR" sz="2000" dirty="0" smtClean="0"/>
               <a:t>Literal </a:t>
             </a:r>
             <a:r>
-              <a:rPr lang="pt-BR" dirty="0" err="1" smtClean="0"/>
+              <a:rPr lang="pt-BR" sz="2000" dirty="0" err="1" smtClean="0"/>
               <a:t>Character</a:t>
             </a:r>
-            <a:endParaRPr lang="pt-BR" dirty="0" smtClean="0"/>
+            <a:endParaRPr lang="pt-BR" sz="2000" dirty="0" smtClean="0"/>
           </a:p>
           <a:p>
             <a:pPr lvl="1"/>
             <a:r>
-              <a:rPr lang="pt-BR" dirty="0" smtClean="0"/>
+              <a:rPr lang="pt-BR" sz="2000" dirty="0" smtClean="0"/>
               <a:t>Literal </a:t>
             </a:r>
             <a:r>
-              <a:rPr lang="pt-BR" dirty="0" err="1" smtClean="0"/>
+              <a:rPr lang="pt-BR" sz="2000" dirty="0" err="1" smtClean="0"/>
               <a:t>String</a:t>
             </a:r>
-            <a:endParaRPr lang="pt-BR" dirty="0" smtClean="0"/>
-          </a:p>
-          <a:p>
-            <a:endParaRPr lang="pt-BR" dirty="0"/>
+            <a:endParaRPr lang="pt-BR" sz="2000" dirty="0" smtClean="0"/>
+          </a:p>
+          <a:p>
+            <a:endParaRPr lang="pt-BR" sz="2400" dirty="0"/>
           </a:p>
         </p:txBody>
       </p:sp>
@@ -9221,14 +9208,19 @@
             <p:ph type="ctrTitle"/>
           </p:nvPr>
         </p:nvSpPr>
-        <p:spPr/>
+        <p:spPr>
+          <a:xfrm>
+            <a:off x="1941910" y="2514601"/>
+            <a:ext cx="6686549" cy="914399"/>
+          </a:xfrm>
+        </p:spPr>
         <p:txBody>
           <a:bodyPr/>
           <a:lstStyle/>
           <a:p>
             <a:r>
               <a:rPr lang="pt-BR" dirty="0" smtClean="0"/>
-              <a:t>Escopo</a:t>
+              <a:t>(CONCEITO) Escopo</a:t>
             </a:r>
             <a:endParaRPr lang="pt-BR" dirty="0"/>
           </a:p>
@@ -9244,32 +9236,38 @@
             <p:ph type="subTitle" idx="1"/>
           </p:nvPr>
         </p:nvSpPr>
-        <p:spPr/>
+        <p:spPr>
+          <a:xfrm>
+            <a:off x="1941910" y="3429000"/>
+            <a:ext cx="6686549" cy="2474663"/>
+          </a:xfrm>
+        </p:spPr>
         <p:txBody>
           <a:bodyPr/>
           <a:lstStyle/>
           <a:p>
             <a:r>
-              <a:rPr lang="pt-BR" dirty="0" smtClean="0"/>
+              <a:rPr lang="pt-BR" sz="2000" b="1" dirty="0" smtClean="0"/>
               <a:t>OCA </a:t>
             </a:r>
             <a:r>
-              <a:rPr lang="pt-BR" dirty="0" err="1" smtClean="0"/>
+              <a:rPr lang="pt-BR" sz="2000" b="1" dirty="0" err="1" smtClean="0"/>
               <a:t>Objectives</a:t>
             </a:r>
-            <a:r>
-              <a:rPr lang="pt-BR" dirty="0" smtClean="0"/>
-              <a:t> 1.1 </a:t>
-            </a:r>
-            <a:r>
-              <a:rPr lang="pt-BR" dirty="0" err="1" smtClean="0"/>
-              <a:t>and</a:t>
-            </a:r>
-            <a:r>
-              <a:rPr lang="pt-BR" dirty="0" smtClean="0"/>
-              <a:t> 2.5</a:t>
-            </a:r>
-            <a:endParaRPr lang="pt-BR" dirty="0"/>
+            <a:endParaRPr lang="pt-BR" sz="2000" b="1" dirty="0" smtClean="0"/>
+          </a:p>
+          <a:p>
+            <a:r>
+              <a:rPr lang="pt-BR" sz="2000" dirty="0" smtClean="0"/>
+              <a:t>1.1 Determinar o escopo de variáveis</a:t>
+            </a:r>
+          </a:p>
+          <a:p>
+            <a:r>
+              <a:rPr lang="pt-BR" sz="2000" dirty="0" smtClean="0"/>
+              <a:t>2.5 Invocar métodos em objetos</a:t>
+            </a:r>
+            <a:endParaRPr lang="pt-BR" sz="2000" dirty="0"/>
           </a:p>
         </p:txBody>
       </p:sp>
@@ -9481,57 +9479,79 @@
       </p:grpSpPr>
       <p:sp>
         <p:nvSpPr>
-          <p:cNvPr id="5" name="Título 4"/>
+          <p:cNvPr id="2" name="Título 1"/>
           <p:cNvSpPr>
             <a:spLocks noGrp="1"/>
           </p:cNvSpPr>
           <p:nvPr>
-            <p:ph type="title"/>
-          </p:nvPr>
-        </p:nvSpPr>
-        <p:spPr/>
+            <p:ph type="ctrTitle"/>
+          </p:nvPr>
+        </p:nvSpPr>
+        <p:spPr>
+          <a:xfrm>
+            <a:off x="1941910" y="2514601"/>
+            <a:ext cx="6686549" cy="914399"/>
+          </a:xfrm>
+        </p:spPr>
         <p:txBody>
           <a:bodyPr/>
           <a:lstStyle/>
           <a:p>
             <a:r>
-              <a:rPr lang="pt-BR" dirty="0"/>
-              <a:t>Escopo</a:t>
-            </a:r>
-          </a:p>
-        </p:txBody>
-      </p:sp>
-      <p:sp>
-        <p:nvSpPr>
-          <p:cNvPr id="6" name="Espaço Reservado para Conteúdo 5"/>
+              <a:rPr lang="pt-BR" dirty="0" smtClean="0"/>
+              <a:t>Inicialização de Variáveis</a:t>
+            </a:r>
+            <a:endParaRPr lang="pt-BR" dirty="0"/>
+          </a:p>
+        </p:txBody>
+      </p:sp>
+      <p:sp>
+        <p:nvSpPr>
+          <p:cNvPr id="3" name="Subtítulo 2"/>
           <p:cNvSpPr>
             <a:spLocks noGrp="1"/>
           </p:cNvSpPr>
           <p:nvPr>
-            <p:ph idx="1"/>
-          </p:nvPr>
-        </p:nvSpPr>
-        <p:spPr/>
+            <p:ph type="subTitle" idx="1"/>
+          </p:nvPr>
+        </p:nvSpPr>
+        <p:spPr>
+          <a:xfrm>
+            <a:off x="1941910" y="3429000"/>
+            <a:ext cx="6686549" cy="2474663"/>
+          </a:xfrm>
+        </p:spPr>
         <p:txBody>
           <a:bodyPr/>
           <a:lstStyle/>
           <a:p>
             <a:r>
-              <a:rPr lang="pt-BR" dirty="0" smtClean="0"/>
-              <a:t>Escopo de Variáveis</a:t>
-            </a:r>
-            <a:endParaRPr lang="pt-BR" dirty="0"/>
-          </a:p>
-        </p:txBody>
-      </p:sp>
-      <p:sp>
-        <p:nvSpPr>
-          <p:cNvPr id="8" name="Espaço Reservado para Rodapé 3"/>
+              <a:rPr lang="pt-BR" sz="2000" b="1" dirty="0" smtClean="0"/>
+              <a:t>OCA </a:t>
+            </a:r>
+            <a:r>
+              <a:rPr lang="pt-BR" sz="2000" b="1" dirty="0" err="1" smtClean="0"/>
+              <a:t>Objective</a:t>
+            </a:r>
+            <a:endParaRPr lang="pt-BR" sz="2000" b="1" dirty="0" smtClean="0"/>
+          </a:p>
+          <a:p>
+            <a:r>
+              <a:rPr lang="pt-BR" sz="2000" dirty="0" smtClean="0"/>
+              <a:t>2.1 Declarar e inicializar variáveis</a:t>
+            </a:r>
+            <a:endParaRPr lang="pt-BR" sz="2000" dirty="0"/>
+          </a:p>
+        </p:txBody>
+      </p:sp>
+      <p:sp>
+        <p:nvSpPr>
+          <p:cNvPr id="5" name="Espaço Reservado para Rodapé 3"/>
           <p:cNvSpPr txBox="1">
             <a:spLocks noGrp="1"/>
           </p:cNvSpPr>
           <p:nvPr>
-            <p:ph type="ftr" sz="quarter" idx="13"/>
+            <p:ph type="ftr" sz="quarter" idx="4294967295"/>
           </p:nvPr>
         </p:nvSpPr>
         <p:spPr>
@@ -9696,13 +9716,20 @@
     </p:spTree>
     <p:extLst>
       <p:ext uri="{BB962C8B-B14F-4D97-AF65-F5344CB8AC3E}">
-        <p14:creationId xmlns:p14="http://schemas.microsoft.com/office/powerpoint/2010/main" val="3832681138"/>
+        <p14:creationId xmlns:p14="http://schemas.microsoft.com/office/powerpoint/2010/main" val="3261889034"/>
       </p:ext>
     </p:extLst>
   </p:cSld>
   <p:clrMapOvr>
     <a:masterClrMapping/>
   </p:clrMapOvr>
+  <p:timing>
+    <p:tnLst>
+      <p:par>
+        <p:cTn id="1" dur="indefinite" restart="never" nodeType="tmRoot"/>
+      </p:par>
+    </p:tnLst>
+  </p:timing>
 </p:sld>
 </file>
 
@@ -9962,12 +9989,12 @@
       </p:grpSpPr>
       <p:sp>
         <p:nvSpPr>
-          <p:cNvPr id="2" name="Título 1"/>
+          <p:cNvPr id="5" name="Título 4"/>
           <p:cNvSpPr>
             <a:spLocks noGrp="1"/>
           </p:cNvSpPr>
           <p:nvPr>
-            <p:ph type="ctrTitle"/>
+            <p:ph type="title"/>
           </p:nvPr>
         </p:nvSpPr>
         <p:spPr/>
@@ -9976,21 +10003,20 @@
           <a:lstStyle/>
           <a:p>
             <a:r>
-              <a:rPr lang="pt-BR" dirty="0" smtClean="0"/>
+              <a:rPr lang="pt-BR" dirty="0"/>
               <a:t>Inicialização de Variáveis</a:t>
             </a:r>
-            <a:endParaRPr lang="pt-BR" dirty="0"/>
-          </a:p>
-        </p:txBody>
-      </p:sp>
-      <p:sp>
-        <p:nvSpPr>
-          <p:cNvPr id="3" name="Subtítulo 2"/>
+          </a:p>
+        </p:txBody>
+      </p:sp>
+      <p:sp>
+        <p:nvSpPr>
+          <p:cNvPr id="6" name="Espaço Reservado para Conteúdo 5"/>
           <p:cNvSpPr>
             <a:spLocks noGrp="1"/>
           </p:cNvSpPr>
           <p:nvPr>
-            <p:ph type="subTitle" idx="1"/>
+            <p:ph idx="1"/>
           </p:nvPr>
         </p:nvSpPr>
         <p:spPr/>
@@ -9998,30 +10024,129 @@
           <a:bodyPr/>
           <a:lstStyle/>
           <a:p>
-            <a:r>
-              <a:rPr lang="pt-BR" dirty="0" smtClean="0"/>
-              <a:t>OCA </a:t>
-            </a:r>
-            <a:r>
-              <a:rPr lang="pt-BR" dirty="0" err="1" smtClean="0"/>
-              <a:t>Objective</a:t>
-            </a:r>
-            <a:r>
-              <a:rPr lang="pt-BR" dirty="0" smtClean="0"/>
-              <a:t> 2.1</a:t>
-            </a:r>
-            <a:endParaRPr lang="pt-BR" dirty="0"/>
-          </a:p>
-        </p:txBody>
-      </p:sp>
-      <p:sp>
-        <p:nvSpPr>
-          <p:cNvPr id="5" name="Espaço Reservado para Rodapé 3"/>
+            <a:pPr algn="just"/>
+            <a:r>
+              <a:rPr lang="pt-BR" sz="2400" dirty="0" smtClean="0"/>
+              <a:t>Conceito</a:t>
+            </a:r>
+          </a:p>
+          <a:p>
+            <a:pPr algn="just"/>
+            <a:r>
+              <a:rPr lang="pt-BR" sz="2400" dirty="0" smtClean="0"/>
+              <a:t>Usando </a:t>
+            </a:r>
+            <a:r>
+              <a:rPr lang="pt-BR" sz="2400" dirty="0" smtClean="0"/>
+              <a:t>uma variável ou </a:t>
+            </a:r>
+            <a:r>
+              <a:rPr lang="pt-BR" sz="2400" dirty="0" err="1" smtClean="0"/>
+              <a:t>array</a:t>
+            </a:r>
+            <a:r>
+              <a:rPr lang="pt-BR" sz="2400" dirty="0" smtClean="0"/>
+              <a:t> que está não-inicializado ou não-assinalado</a:t>
+            </a:r>
+          </a:p>
+          <a:p>
+            <a:pPr marL="685800" lvl="2" algn="just">
+              <a:spcBef>
+                <a:spcPts val="1000"/>
+              </a:spcBef>
+            </a:pPr>
+            <a:r>
+              <a:rPr lang="pt-BR" dirty="0"/>
+              <a:t>Variáveis primitiva de instância de objeto</a:t>
+            </a:r>
+          </a:p>
+          <a:p>
+            <a:pPr lvl="1" algn="just"/>
+            <a:r>
+              <a:rPr lang="pt-BR" sz="2000" dirty="0" smtClean="0"/>
+              <a:t>Variáveis de instância de objeto</a:t>
+            </a:r>
+          </a:p>
+          <a:p>
+            <a:pPr lvl="1" algn="just"/>
+            <a:r>
+              <a:rPr lang="pt-BR" sz="2000" dirty="0" smtClean="0"/>
+              <a:t>Variáveis </a:t>
+            </a:r>
+            <a:r>
+              <a:rPr lang="pt-BR" sz="2000" dirty="0" err="1" smtClean="0"/>
+              <a:t>Array</a:t>
+            </a:r>
+            <a:r>
+              <a:rPr lang="pt-BR" sz="2000" dirty="0" smtClean="0"/>
+              <a:t> de instância de objeto</a:t>
+            </a:r>
+          </a:p>
+          <a:p>
+            <a:pPr algn="just"/>
+            <a:r>
+              <a:rPr lang="pt-BR" sz="2400" dirty="0" smtClean="0"/>
+              <a:t>Objetos </a:t>
+            </a:r>
+            <a:r>
+              <a:rPr lang="pt-BR" sz="2400" dirty="0" smtClean="0"/>
+              <a:t>e Primitivos Locais</a:t>
+            </a:r>
+          </a:p>
+          <a:p>
+            <a:pPr lvl="1" algn="just"/>
+            <a:r>
+              <a:rPr lang="pt-BR" sz="2000" dirty="0" smtClean="0"/>
+              <a:t>Primitivo local</a:t>
+            </a:r>
+          </a:p>
+          <a:p>
+            <a:pPr lvl="1" algn="just"/>
+            <a:r>
+              <a:rPr lang="pt-BR" sz="2000" dirty="0" smtClean="0"/>
+              <a:t>Referência à objeto local</a:t>
+            </a:r>
+          </a:p>
+          <a:p>
+            <a:pPr lvl="1" algn="just"/>
+            <a:r>
+              <a:rPr lang="pt-BR" sz="2000" dirty="0" err="1" smtClean="0"/>
+              <a:t>Array</a:t>
+            </a:r>
+            <a:r>
+              <a:rPr lang="pt-BR" sz="2000" dirty="0" smtClean="0"/>
+              <a:t> local</a:t>
+            </a:r>
+          </a:p>
+          <a:p>
+            <a:pPr lvl="1" algn="just"/>
+            <a:r>
+              <a:rPr lang="pt-BR" sz="2000" dirty="0" smtClean="0"/>
+              <a:t>Assinalando uma variável de referência à outra</a:t>
+            </a:r>
+          </a:p>
+          <a:p>
+            <a:pPr marL="457200" lvl="1" indent="0" algn="just">
+              <a:buNone/>
+            </a:pPr>
+            <a:endParaRPr lang="pt-BR" sz="2000" dirty="0"/>
+          </a:p>
+          <a:p>
+            <a:pPr marL="457200" lvl="1" indent="0" algn="just">
+              <a:buNone/>
+            </a:pPr>
+            <a:endParaRPr lang="pt-BR" sz="2000" dirty="0"/>
+          </a:p>
+        </p:txBody>
+      </p:sp>
+      <p:sp>
+        <p:nvSpPr>
+          <p:cNvPr id="7" name="Espaço Reservado para Rodapé 3"/>
           <p:cNvSpPr txBox="1">
             <a:spLocks noGrp="1"/>
           </p:cNvSpPr>
           <p:nvPr>
-            <p:ph type="ftr" sz="quarter" idx="4294967295"/>
+            <p:ph type="ftr" sz="quarter" idx="13"/>
           </p:nvPr>
         </p:nvSpPr>
         <p:spPr>
@@ -10186,20 +10311,13 @@
     </p:spTree>
     <p:extLst>
       <p:ext uri="{BB962C8B-B14F-4D97-AF65-F5344CB8AC3E}">
-        <p14:creationId xmlns:p14="http://schemas.microsoft.com/office/powerpoint/2010/main" val="3261889034"/>
+        <p14:creationId xmlns:p14="http://schemas.microsoft.com/office/powerpoint/2010/main" val="989134168"/>
       </p:ext>
     </p:extLst>
   </p:cSld>
   <p:clrMapOvr>
     <a:masterClrMapping/>
   </p:clrMapOvr>
-  <p:timing>
-    <p:tnLst>
-      <p:par>
-        <p:cTn id="1" dur="indefinite" restart="never" nodeType="tmRoot"/>
-      </p:par>
-    </p:tnLst>
-  </p:timing>
 </p:sld>
 </file>
 
@@ -10222,12 +10340,12 @@
       </p:grpSpPr>
       <p:sp>
         <p:nvSpPr>
-          <p:cNvPr id="5" name="Título 4"/>
+          <p:cNvPr id="2" name="Título 1"/>
           <p:cNvSpPr>
             <a:spLocks noGrp="1"/>
           </p:cNvSpPr>
           <p:nvPr>
-            <p:ph type="title"/>
+            <p:ph type="ctrTitle"/>
           </p:nvPr>
         </p:nvSpPr>
         <p:spPr/>
@@ -10236,20 +10354,21 @@
           <a:lstStyle/>
           <a:p>
             <a:r>
-              <a:rPr lang="pt-BR" dirty="0"/>
-              <a:t>Inicialização de Variáveis</a:t>
-            </a:r>
-          </a:p>
-        </p:txBody>
-      </p:sp>
-      <p:sp>
-        <p:nvSpPr>
-          <p:cNvPr id="6" name="Espaço Reservado para Conteúdo 5"/>
+              <a:rPr lang="pt-BR" dirty="0" smtClean="0"/>
+              <a:t>Passando Variáveis para Métodos</a:t>
+            </a:r>
+            <a:endParaRPr lang="pt-BR" dirty="0"/>
+          </a:p>
+        </p:txBody>
+      </p:sp>
+      <p:sp>
+        <p:nvSpPr>
+          <p:cNvPr id="3" name="Subtítulo 2"/>
           <p:cNvSpPr>
             <a:spLocks noGrp="1"/>
           </p:cNvSpPr>
           <p:nvPr>
-            <p:ph idx="1"/>
+            <p:ph type="subTitle" idx="1"/>
           </p:nvPr>
         </p:nvSpPr>
         <p:spPr/>
@@ -10257,118 +10376,30 @@
           <a:bodyPr/>
           <a:lstStyle/>
           <a:p>
-            <a:pPr algn="just"/>
-            <a:r>
-              <a:rPr lang="pt-BR" dirty="0" smtClean="0"/>
-              <a:t>Usando uma variável ou </a:t>
+            <a:r>
+              <a:rPr lang="pt-BR" dirty="0" smtClean="0"/>
+              <a:t>OCA </a:t>
             </a:r>
             <a:r>
               <a:rPr lang="pt-BR" dirty="0" err="1" smtClean="0"/>
-              <a:t>array</a:t>
-            </a:r>
-            <a:r>
-              <a:rPr lang="pt-BR" dirty="0" smtClean="0"/>
-              <a:t> que está não-inicializado ou não-assinalado</a:t>
-            </a:r>
-          </a:p>
-          <a:p>
-            <a:pPr marL="685800" lvl="2" algn="just">
-              <a:spcBef>
-                <a:spcPts val="1000"/>
-              </a:spcBef>
-            </a:pPr>
-            <a:r>
-              <a:rPr lang="pt-BR" sz="2400" dirty="0"/>
-              <a:t>Variáveis primitiva de instância de objeto</a:t>
-            </a:r>
-          </a:p>
-          <a:p>
-            <a:pPr lvl="1" algn="just"/>
-            <a:r>
-              <a:rPr lang="pt-BR" dirty="0" smtClean="0"/>
-              <a:t>Variáveis de instância de objeto</a:t>
-            </a:r>
-          </a:p>
-          <a:p>
-            <a:pPr lvl="1" algn="just"/>
-            <a:r>
-              <a:rPr lang="pt-BR" dirty="0" smtClean="0"/>
-              <a:t>Variáveis </a:t>
-            </a:r>
-            <a:r>
-              <a:rPr lang="pt-BR" dirty="0" err="1" smtClean="0"/>
-              <a:t>Array</a:t>
-            </a:r>
-            <a:r>
-              <a:rPr lang="pt-BR" dirty="0" smtClean="0"/>
-              <a:t> de instância de objeto</a:t>
-            </a:r>
-          </a:p>
-          <a:p>
-            <a:pPr lvl="1" algn="just"/>
+              <a:t>Objective</a:t>
+            </a:r>
+            <a:r>
+              <a:rPr lang="pt-BR" dirty="0" smtClean="0"/>
+              <a:t> 6.8</a:t>
+            </a:r>
             <a:endParaRPr lang="pt-BR" dirty="0"/>
           </a:p>
-          <a:p>
-            <a:pPr algn="just"/>
-            <a:r>
-              <a:rPr lang="pt-BR" dirty="0" smtClean="0"/>
-              <a:t>Objetos e Primitivos Locais</a:t>
-            </a:r>
-          </a:p>
-          <a:p>
-            <a:pPr lvl="1" algn="just"/>
-            <a:r>
-              <a:rPr lang="pt-BR" dirty="0" smtClean="0"/>
-              <a:t>Primitivo local</a:t>
-            </a:r>
-          </a:p>
-          <a:p>
-            <a:pPr lvl="1" algn="just"/>
-            <a:r>
-              <a:rPr lang="pt-BR" dirty="0" smtClean="0"/>
-              <a:t>Referência à objeto local</a:t>
-            </a:r>
-          </a:p>
-          <a:p>
-            <a:pPr lvl="1" algn="just"/>
-            <a:r>
-              <a:rPr lang="pt-BR" dirty="0" err="1" smtClean="0"/>
-              <a:t>Array</a:t>
-            </a:r>
-            <a:r>
-              <a:rPr lang="pt-BR" dirty="0" smtClean="0"/>
-              <a:t> local</a:t>
-            </a:r>
-          </a:p>
-          <a:p>
-            <a:pPr lvl="1" algn="just"/>
-            <a:r>
-              <a:rPr lang="pt-BR" dirty="0" smtClean="0"/>
-              <a:t>Assinalando uma variável de referência à outra</a:t>
-            </a:r>
-          </a:p>
-          <a:p>
-            <a:pPr marL="457200" lvl="1" indent="0" algn="just">
-              <a:buNone/>
-            </a:pPr>
-            <a:endParaRPr lang="pt-BR" dirty="0"/>
-          </a:p>
-          <a:p>
-            <a:pPr marL="457200" lvl="1" indent="0" algn="just">
-              <a:buNone/>
-            </a:pPr>
-            <a:endParaRPr lang="pt-BR" dirty="0"/>
-          </a:p>
-        </p:txBody>
-      </p:sp>
-      <p:sp>
-        <p:nvSpPr>
-          <p:cNvPr id="7" name="Espaço Reservado para Rodapé 3"/>
+        </p:txBody>
+      </p:sp>
+      <p:sp>
+        <p:nvSpPr>
+          <p:cNvPr id="5" name="Espaço Reservado para Rodapé 3"/>
           <p:cNvSpPr txBox="1">
             <a:spLocks noGrp="1"/>
           </p:cNvSpPr>
           <p:nvPr>
-            <p:ph type="ftr" sz="quarter" idx="13"/>
+            <p:ph type="ftr" sz="quarter" idx="4294967295"/>
           </p:nvPr>
         </p:nvSpPr>
         <p:spPr>
@@ -10533,13 +10564,20 @@
     </p:spTree>
     <p:extLst>
       <p:ext uri="{BB962C8B-B14F-4D97-AF65-F5344CB8AC3E}">
-        <p14:creationId xmlns:p14="http://schemas.microsoft.com/office/powerpoint/2010/main" val="989134168"/>
+        <p14:creationId xmlns:p14="http://schemas.microsoft.com/office/powerpoint/2010/main" val="2287116038"/>
       </p:ext>
     </p:extLst>
   </p:cSld>
   <p:clrMapOvr>
     <a:masterClrMapping/>
   </p:clrMapOvr>
+  <p:timing>
+    <p:tnLst>
+      <p:par>
+        <p:cTn id="1" dur="indefinite" restart="never" nodeType="tmRoot"/>
+      </p:par>
+    </p:tnLst>
+  </p:timing>
 </p:sld>
 </file>
 
@@ -10562,12 +10600,12 @@
       </p:grpSpPr>
       <p:sp>
         <p:nvSpPr>
-          <p:cNvPr id="2" name="Título 1"/>
+          <p:cNvPr id="5" name="Título 4"/>
           <p:cNvSpPr>
             <a:spLocks noGrp="1"/>
           </p:cNvSpPr>
           <p:nvPr>
-            <p:ph type="ctrTitle"/>
+            <p:ph type="title"/>
           </p:nvPr>
         </p:nvSpPr>
         <p:spPr/>
@@ -10576,21 +10614,20 @@
           <a:lstStyle/>
           <a:p>
             <a:r>
-              <a:rPr lang="pt-BR" dirty="0" smtClean="0"/>
+              <a:rPr lang="pt-BR" dirty="0"/>
               <a:t>Passando Variáveis para Métodos</a:t>
             </a:r>
-            <a:endParaRPr lang="pt-BR" dirty="0"/>
-          </a:p>
-        </p:txBody>
-      </p:sp>
-      <p:sp>
-        <p:nvSpPr>
-          <p:cNvPr id="3" name="Subtítulo 2"/>
+          </a:p>
+        </p:txBody>
+      </p:sp>
+      <p:sp>
+        <p:nvSpPr>
+          <p:cNvPr id="6" name="Espaço Reservado para Conteúdo 5"/>
           <p:cNvSpPr>
             <a:spLocks noGrp="1"/>
           </p:cNvSpPr>
           <p:nvPr>
-            <p:ph type="subTitle" idx="1"/>
+            <p:ph idx="1"/>
           </p:nvPr>
         </p:nvSpPr>
         <p:spPr/>
@@ -10600,15 +10637,19 @@
           <a:p>
             <a:r>
               <a:rPr lang="pt-BR" dirty="0" smtClean="0"/>
-              <a:t>OCA </a:t>
-            </a:r>
-            <a:r>
-              <a:rPr lang="pt-BR" dirty="0" err="1" smtClean="0"/>
-              <a:t>Objective</a:t>
-            </a:r>
-            <a:r>
-              <a:rPr lang="pt-BR" dirty="0" smtClean="0"/>
-              <a:t> 6.8</a:t>
+              <a:t>Passando Variáveis de Referência à Objeto</a:t>
+            </a:r>
+          </a:p>
+          <a:p>
+            <a:r>
+              <a:rPr lang="pt-BR" dirty="0" smtClean="0"/>
+              <a:t>Java usa semântica de passagem-por-valor?</a:t>
+            </a:r>
+          </a:p>
+          <a:p>
+            <a:r>
+              <a:rPr lang="pt-BR" dirty="0" smtClean="0"/>
+              <a:t>Passando variáveis primitivas</a:t>
             </a:r>
             <a:endParaRPr lang="pt-BR" dirty="0"/>
           </a:p>
@@ -10616,12 +10657,12 @@
       </p:sp>
       <p:sp>
         <p:nvSpPr>
-          <p:cNvPr id="5" name="Espaço Reservado para Rodapé 3"/>
+          <p:cNvPr id="7" name="Espaço Reservado para Rodapé 3"/>
           <p:cNvSpPr txBox="1">
             <a:spLocks noGrp="1"/>
           </p:cNvSpPr>
           <p:nvPr>
-            <p:ph type="ftr" sz="quarter" idx="4294967295"/>
+            <p:ph type="ftr" sz="quarter" idx="13"/>
           </p:nvPr>
         </p:nvSpPr>
         <p:spPr>
@@ -10786,20 +10827,13 @@
     </p:spTree>
     <p:extLst>
       <p:ext uri="{BB962C8B-B14F-4D97-AF65-F5344CB8AC3E}">
-        <p14:creationId xmlns:p14="http://schemas.microsoft.com/office/powerpoint/2010/main" val="2287116038"/>
+        <p14:creationId xmlns:p14="http://schemas.microsoft.com/office/powerpoint/2010/main" val="21654153"/>
       </p:ext>
     </p:extLst>
   </p:cSld>
   <p:clrMapOvr>
     <a:masterClrMapping/>
   </p:clrMapOvr>
-  <p:timing>
-    <p:tnLst>
-      <p:par>
-        <p:cTn id="1" dur="indefinite" restart="never" nodeType="tmRoot"/>
-      </p:par>
-    </p:tnLst>
-  </p:timing>
 </p:sld>
 </file>
 
@@ -10822,12 +10856,12 @@
       </p:grpSpPr>
       <p:sp>
         <p:nvSpPr>
-          <p:cNvPr id="5" name="Título 4"/>
+          <p:cNvPr id="2" name="Título 1"/>
           <p:cNvSpPr>
             <a:spLocks noGrp="1"/>
           </p:cNvSpPr>
           <p:nvPr>
-            <p:ph type="title"/>
+            <p:ph type="ctrTitle"/>
           </p:nvPr>
         </p:nvSpPr>
         <p:spPr/>
@@ -10836,20 +10870,21 @@
           <a:lstStyle/>
           <a:p>
             <a:r>
-              <a:rPr lang="pt-BR" dirty="0"/>
-              <a:t>Passando Variáveis para Métodos</a:t>
-            </a:r>
-          </a:p>
-        </p:txBody>
-      </p:sp>
-      <p:sp>
-        <p:nvSpPr>
-          <p:cNvPr id="6" name="Espaço Reservado para Conteúdo 5"/>
+              <a:rPr lang="pt-BR" dirty="0" smtClean="0"/>
+              <a:t>Coletor de Lixo</a:t>
+            </a:r>
+            <a:endParaRPr lang="pt-BR" dirty="0"/>
+          </a:p>
+        </p:txBody>
+      </p:sp>
+      <p:sp>
+        <p:nvSpPr>
+          <p:cNvPr id="3" name="Subtítulo 2"/>
           <p:cNvSpPr>
             <a:spLocks noGrp="1"/>
           </p:cNvSpPr>
           <p:nvPr>
-            <p:ph idx="1"/>
+            <p:ph type="subTitle" idx="1"/>
           </p:nvPr>
         </p:nvSpPr>
         <p:spPr/>
@@ -10859,19 +10894,15 @@
           <a:p>
             <a:r>
               <a:rPr lang="pt-BR" dirty="0" smtClean="0"/>
-              <a:t>Passando Variáveis de Referência à Objeto</a:t>
-            </a:r>
-          </a:p>
-          <a:p>
-            <a:r>
-              <a:rPr lang="pt-BR" dirty="0" smtClean="0"/>
-              <a:t>Java usa semântica de passagem-por-valor?</a:t>
-            </a:r>
-          </a:p>
-          <a:p>
-            <a:r>
-              <a:rPr lang="pt-BR" dirty="0" smtClean="0"/>
-              <a:t>Passando variáveis primitivas</a:t>
+              <a:t>OCA </a:t>
+            </a:r>
+            <a:r>
+              <a:rPr lang="pt-BR" dirty="0" err="1" smtClean="0"/>
+              <a:t>Objective</a:t>
+            </a:r>
+            <a:r>
+              <a:rPr lang="pt-BR" dirty="0" smtClean="0"/>
+              <a:t> 2.4</a:t>
             </a:r>
             <a:endParaRPr lang="pt-BR" dirty="0"/>
           </a:p>
@@ -10879,12 +10910,12 @@
       </p:sp>
       <p:sp>
         <p:nvSpPr>
-          <p:cNvPr id="7" name="Espaço Reservado para Rodapé 3"/>
+          <p:cNvPr id="5" name="Espaço Reservado para Rodapé 3"/>
           <p:cNvSpPr txBox="1">
             <a:spLocks noGrp="1"/>
           </p:cNvSpPr>
           <p:nvPr>
-            <p:ph type="ftr" sz="quarter" idx="13"/>
+            <p:ph type="ftr" sz="quarter" idx="4294967295"/>
           </p:nvPr>
         </p:nvSpPr>
         <p:spPr>
@@ -11049,13 +11080,20 @@
     </p:spTree>
     <p:extLst>
       <p:ext uri="{BB962C8B-B14F-4D97-AF65-F5344CB8AC3E}">
-        <p14:creationId xmlns:p14="http://schemas.microsoft.com/office/powerpoint/2010/main" val="21654153"/>
+        <p14:creationId xmlns:p14="http://schemas.microsoft.com/office/powerpoint/2010/main" val="1564616669"/>
       </p:ext>
     </p:extLst>
   </p:cSld>
   <p:clrMapOvr>
     <a:masterClrMapping/>
   </p:clrMapOvr>
+  <p:timing>
+    <p:tnLst>
+      <p:par>
+        <p:cTn id="1" dur="indefinite" restart="never" nodeType="tmRoot"/>
+      </p:par>
+    </p:tnLst>
+  </p:timing>
 </p:sld>
 </file>
 
@@ -11078,12 +11116,12 @@
       </p:grpSpPr>
       <p:sp>
         <p:nvSpPr>
-          <p:cNvPr id="2" name="Título 1"/>
+          <p:cNvPr id="5" name="Título 4"/>
           <p:cNvSpPr>
             <a:spLocks noGrp="1"/>
           </p:cNvSpPr>
           <p:nvPr>
-            <p:ph type="ctrTitle"/>
+            <p:ph type="title"/>
           </p:nvPr>
         </p:nvSpPr>
         <p:spPr/>
@@ -11092,21 +11130,20 @@
           <a:lstStyle/>
           <a:p>
             <a:r>
-              <a:rPr lang="pt-BR" dirty="0" smtClean="0"/>
+              <a:rPr lang="pt-BR" dirty="0"/>
               <a:t>Coletor de Lixo</a:t>
             </a:r>
-            <a:endParaRPr lang="pt-BR" dirty="0"/>
-          </a:p>
-        </p:txBody>
-      </p:sp>
-      <p:sp>
-        <p:nvSpPr>
-          <p:cNvPr id="3" name="Subtítulo 2"/>
+          </a:p>
+        </p:txBody>
+      </p:sp>
+      <p:sp>
+        <p:nvSpPr>
+          <p:cNvPr id="6" name="Espaço Reservado para Conteúdo 5"/>
           <p:cNvSpPr>
             <a:spLocks noGrp="1"/>
           </p:cNvSpPr>
           <p:nvPr>
-            <p:ph type="subTitle" idx="1"/>
+            <p:ph idx="1"/>
           </p:nvPr>
         </p:nvSpPr>
         <p:spPr/>
@@ -11114,30 +11151,85 @@
           <a:bodyPr/>
           <a:lstStyle/>
           <a:p>
-            <a:r>
-              <a:rPr lang="pt-BR" dirty="0" smtClean="0"/>
-              <a:t>OCA </a:t>
-            </a:r>
+            <a:pPr algn="just"/>
+            <a:r>
+              <a:rPr lang="pt-BR" dirty="0" smtClean="0"/>
+              <a:t>Overview de Gerenciamento de Memória e Coletor de Lixo</a:t>
+            </a:r>
+          </a:p>
+          <a:p>
+            <a:pPr lvl="1" algn="just"/>
+            <a:r>
+              <a:rPr lang="pt-BR" dirty="0" smtClean="0"/>
+              <a:t>Quando o Coletor de Lixo roda?</a:t>
+            </a:r>
+          </a:p>
+          <a:p>
+            <a:pPr lvl="1" algn="just"/>
+            <a:r>
+              <a:rPr lang="pt-BR" dirty="0" smtClean="0"/>
+              <a:t>Como o Coletor de Lixo trabalha?</a:t>
+            </a:r>
+          </a:p>
+          <a:p>
+            <a:pPr algn="just"/>
+            <a:r>
+              <a:rPr lang="pt-BR" dirty="0" smtClean="0"/>
+              <a:t>Escrevendo código que explicitamente torne objetos elegíveis para limpeza</a:t>
+            </a:r>
+          </a:p>
+          <a:p>
+            <a:pPr lvl="1" algn="just"/>
+            <a:r>
+              <a:rPr lang="pt-BR" dirty="0" smtClean="0"/>
+              <a:t>Anulando uma referência</a:t>
+            </a:r>
+          </a:p>
+          <a:p>
+            <a:pPr lvl="1" algn="just"/>
             <a:r>
               <a:rPr lang="pt-BR" dirty="0" err="1" smtClean="0"/>
-              <a:t>Objective</a:t>
-            </a:r>
-            <a:r>
-              <a:rPr lang="pt-BR" dirty="0" smtClean="0"/>
-              <a:t> 2.4</a:t>
-            </a:r>
+              <a:t>Reassinalando</a:t>
+            </a:r>
+            <a:r>
+              <a:rPr lang="pt-BR" dirty="0" smtClean="0"/>
+              <a:t> uma variável de referência</a:t>
+            </a:r>
+          </a:p>
+          <a:p>
+            <a:pPr lvl="1" algn="just"/>
+            <a:r>
+              <a:rPr lang="pt-BR" dirty="0" smtClean="0"/>
+              <a:t>Isolando uma referência</a:t>
+            </a:r>
+          </a:p>
+          <a:p>
+            <a:pPr lvl="1" algn="just"/>
+            <a:r>
+              <a:rPr lang="pt-BR" dirty="0" smtClean="0"/>
+              <a:t>Forçando chamada do coletor de lixo</a:t>
+            </a:r>
+          </a:p>
+          <a:p>
+            <a:pPr marL="457200" lvl="1" indent="0" algn="just">
+              <a:buNone/>
+            </a:pPr>
+            <a:endParaRPr lang="pt-BR" dirty="0" smtClean="0"/>
+          </a:p>
+          <a:p>
+            <a:pPr algn="just"/>
             <a:endParaRPr lang="pt-BR" dirty="0"/>
           </a:p>
         </p:txBody>
       </p:sp>
       <p:sp>
         <p:nvSpPr>
-          <p:cNvPr id="5" name="Espaço Reservado para Rodapé 3"/>
+          <p:cNvPr id="7" name="Espaço Reservado para Rodapé 3"/>
           <p:cNvSpPr txBox="1">
             <a:spLocks noGrp="1"/>
           </p:cNvSpPr>
           <p:nvPr>
-            <p:ph type="ftr" sz="quarter" idx="4294967295"/>
+            <p:ph type="ftr" sz="quarter" idx="13"/>
           </p:nvPr>
         </p:nvSpPr>
         <p:spPr>
@@ -11302,20 +11394,13 @@
     </p:spTree>
     <p:extLst>
       <p:ext uri="{BB962C8B-B14F-4D97-AF65-F5344CB8AC3E}">
-        <p14:creationId xmlns:p14="http://schemas.microsoft.com/office/powerpoint/2010/main" val="1564616669"/>
+        <p14:creationId xmlns:p14="http://schemas.microsoft.com/office/powerpoint/2010/main" val="1279183301"/>
       </p:ext>
     </p:extLst>
   </p:cSld>
   <p:clrMapOvr>
     <a:masterClrMapping/>
   </p:clrMapOvr>
-  <p:timing>
-    <p:tnLst>
-      <p:par>
-        <p:cTn id="1" dur="indefinite" restart="never" nodeType="tmRoot"/>
-      </p:par>
-    </p:tnLst>
-  </p:timing>
 </p:sld>
 </file>
 
@@ -11338,115 +11423,53 @@
       </p:grpSpPr>
       <p:sp>
         <p:nvSpPr>
-          <p:cNvPr id="5" name="Título 4"/>
+          <p:cNvPr id="3" name="Espaço Reservado para Conteúdo 2"/>
           <p:cNvSpPr>
             <a:spLocks noGrp="1"/>
           </p:cNvSpPr>
           <p:nvPr>
-            <p:ph type="title"/>
-          </p:nvPr>
-        </p:nvSpPr>
-        <p:spPr/>
+            <p:ph idx="1"/>
+          </p:nvPr>
+        </p:nvSpPr>
+        <p:spPr>
+          <a:xfrm>
+            <a:off x="628650" y="2113658"/>
+            <a:ext cx="7886700" cy="3907630"/>
+          </a:xfrm>
+        </p:spPr>
         <p:txBody>
           <a:bodyPr/>
           <a:lstStyle/>
           <a:p>
-            <a:r>
-              <a:rPr lang="pt-BR" dirty="0"/>
-              <a:t>Coletor de Lixo</a:t>
-            </a:r>
-          </a:p>
-        </p:txBody>
-      </p:sp>
-      <p:sp>
-        <p:nvSpPr>
-          <p:cNvPr id="6" name="Espaço Reservado para Conteúdo 5"/>
-          <p:cNvSpPr>
-            <a:spLocks noGrp="1"/>
-          </p:cNvSpPr>
-          <p:nvPr>
-            <p:ph idx="1"/>
-          </p:nvPr>
-        </p:nvSpPr>
-        <p:spPr/>
-        <p:txBody>
-          <a:bodyPr/>
-          <a:lstStyle/>
-          <a:p>
-            <a:pPr algn="just"/>
-            <a:r>
-              <a:rPr lang="pt-BR" dirty="0" smtClean="0"/>
-              <a:t>Overview de Gerenciamento de Memória e Coletor de Lixo</a:t>
-            </a:r>
-          </a:p>
-          <a:p>
-            <a:pPr lvl="1" algn="just"/>
-            <a:r>
-              <a:rPr lang="pt-BR" dirty="0" smtClean="0"/>
-              <a:t>Quando o Coletor de Lixo roda?</a:t>
-            </a:r>
-          </a:p>
-          <a:p>
-            <a:pPr lvl="1" algn="just"/>
-            <a:r>
-              <a:rPr lang="pt-BR" dirty="0" smtClean="0"/>
-              <a:t>Como o Coletor de Lixo trabalha?</a:t>
-            </a:r>
-          </a:p>
-          <a:p>
-            <a:pPr algn="just"/>
-            <a:r>
-              <a:rPr lang="pt-BR" dirty="0" smtClean="0"/>
-              <a:t>Escrevendo código que explicitamente torne objetos elegíveis para limpeza</a:t>
-            </a:r>
-          </a:p>
-          <a:p>
-            <a:pPr lvl="1" algn="just"/>
-            <a:r>
-              <a:rPr lang="pt-BR" dirty="0" smtClean="0"/>
-              <a:t>Anulando uma referência</a:t>
-            </a:r>
-          </a:p>
-          <a:p>
-            <a:pPr lvl="1" algn="just"/>
-            <a:r>
-              <a:rPr lang="pt-BR" dirty="0" err="1" smtClean="0"/>
-              <a:t>Reassinalando</a:t>
-            </a:r>
-            <a:r>
-              <a:rPr lang="pt-BR" dirty="0" smtClean="0"/>
-              <a:t> uma variável de referência</a:t>
-            </a:r>
-          </a:p>
-          <a:p>
-            <a:pPr lvl="1" algn="just"/>
-            <a:r>
-              <a:rPr lang="pt-BR" dirty="0" smtClean="0"/>
-              <a:t>Isolando uma referência</a:t>
-            </a:r>
-          </a:p>
-          <a:p>
-            <a:pPr lvl="1" algn="just"/>
-            <a:r>
-              <a:rPr lang="pt-BR" dirty="0" smtClean="0"/>
-              <a:t>Forçando chamada do coletor de lixo</a:t>
-            </a:r>
-          </a:p>
-          <a:p>
-            <a:pPr marL="457200" lvl="1" indent="0" algn="just">
+            <a:pPr marL="0" indent="0" algn="r">
               <a:buNone/>
             </a:pPr>
-            <a:endParaRPr lang="pt-BR" dirty="0" smtClean="0"/>
-          </a:p>
-          <a:p>
-            <a:pPr algn="just"/>
-            <a:endParaRPr lang="pt-BR" dirty="0"/>
-          </a:p>
-        </p:txBody>
-      </p:sp>
-      <p:sp>
-        <p:nvSpPr>
-          <p:cNvPr id="7" name="Espaço Reservado para Rodapé 3"/>
+            <a:endParaRPr lang="pt-BR" sz="6600" dirty="0" smtClean="0"/>
+          </a:p>
+          <a:p>
+            <a:pPr marL="0" indent="0" algn="r">
+              <a:buNone/>
+            </a:pPr>
+            <a:r>
+              <a:rPr lang="pt-BR" sz="6600" dirty="0" smtClean="0"/>
+              <a:t>Alguns exercícios </a:t>
+            </a:r>
+          </a:p>
+          <a:p>
+            <a:pPr marL="0" indent="0" algn="r">
+              <a:buNone/>
+            </a:pPr>
+            <a:r>
+              <a:rPr lang="pt-BR" sz="6600" dirty="0" smtClean="0"/>
+              <a:t>para fixação...</a:t>
+            </a:r>
+            <a:endParaRPr lang="pt-BR" sz="6600" dirty="0"/>
+          </a:p>
+        </p:txBody>
+      </p:sp>
+      <p:sp>
+        <p:nvSpPr>
+          <p:cNvPr id="4" name="Espaço Reservado para Rodapé 3"/>
           <p:cNvSpPr txBox="1">
             <a:spLocks noGrp="1"/>
           </p:cNvSpPr>
@@ -11616,13 +11639,20 @@
     </p:spTree>
     <p:extLst>
       <p:ext uri="{BB962C8B-B14F-4D97-AF65-F5344CB8AC3E}">
-        <p14:creationId xmlns:p14="http://schemas.microsoft.com/office/powerpoint/2010/main" val="1279183301"/>
+        <p14:creationId xmlns:p14="http://schemas.microsoft.com/office/powerpoint/2010/main" val="1595718594"/>
       </p:ext>
     </p:extLst>
   </p:cSld>
   <p:clrMapOvr>
     <a:masterClrMapping/>
   </p:clrMapOvr>
+  <p:timing>
+    <p:tnLst>
+      <p:par>
+        <p:cTn id="1" dur="indefinite" restart="never" nodeType="tmRoot"/>
+      </p:par>
+    </p:tnLst>
+  </p:timing>
 </p:sld>
 </file>
 
@@ -11645,58 +11675,74 @@
       </p:grpSpPr>
       <p:sp>
         <p:nvSpPr>
-          <p:cNvPr id="3" name="Espaço Reservado para Conteúdo 2"/>
+          <p:cNvPr id="2" name="Título 1"/>
           <p:cNvSpPr>
             <a:spLocks noGrp="1"/>
           </p:cNvSpPr>
           <p:nvPr>
-            <p:ph idx="1"/>
-          </p:nvPr>
-        </p:nvSpPr>
-        <p:spPr>
-          <a:xfrm>
-            <a:off x="628650" y="2113658"/>
-            <a:ext cx="7886700" cy="3907630"/>
-          </a:xfrm>
-        </p:spPr>
+            <p:ph type="ctrTitle"/>
+          </p:nvPr>
+        </p:nvSpPr>
+        <p:spPr/>
         <p:txBody>
           <a:bodyPr/>
           <a:lstStyle/>
           <a:p>
-            <a:pPr marL="0" indent="0" algn="r">
-              <a:buNone/>
-            </a:pPr>
-            <a:endParaRPr lang="pt-BR" sz="6600" dirty="0" smtClean="0"/>
-          </a:p>
-          <a:p>
-            <a:pPr marL="0" indent="0" algn="r">
-              <a:buNone/>
-            </a:pPr>
-            <a:r>
-              <a:rPr lang="pt-BR" sz="6600" dirty="0" smtClean="0"/>
-              <a:t>Alguns exercícios </a:t>
-            </a:r>
-          </a:p>
-          <a:p>
-            <a:pPr marL="0" indent="0" algn="r">
-              <a:buNone/>
-            </a:pPr>
-            <a:r>
-              <a:rPr lang="pt-BR" sz="6600" dirty="0" smtClean="0"/>
-              <a:t>para fixação...</a:t>
-            </a:r>
-            <a:endParaRPr lang="pt-BR" sz="6600" dirty="0"/>
-          </a:p>
-        </p:txBody>
-      </p:sp>
-      <p:sp>
-        <p:nvSpPr>
-          <p:cNvPr id="4" name="Espaço Reservado para Rodapé 3"/>
+            <a:r>
+              <a:rPr lang="pt-BR" dirty="0" smtClean="0"/>
+              <a:t>Operadores em Java</a:t>
+            </a:r>
+            <a:endParaRPr lang="pt-BR" dirty="0"/>
+          </a:p>
+        </p:txBody>
+      </p:sp>
+      <p:sp>
+        <p:nvSpPr>
+          <p:cNvPr id="3" name="Subtítulo 2"/>
+          <p:cNvSpPr>
+            <a:spLocks noGrp="1"/>
+          </p:cNvSpPr>
+          <p:nvPr>
+            <p:ph type="subTitle" idx="1"/>
+          </p:nvPr>
+        </p:nvSpPr>
+        <p:spPr/>
+        <p:txBody>
+          <a:bodyPr/>
+          <a:lstStyle/>
+          <a:p>
+            <a:r>
+              <a:rPr lang="pt-BR" dirty="0" smtClean="0"/>
+              <a:t>OCA </a:t>
+            </a:r>
+            <a:r>
+              <a:rPr lang="pt-BR" dirty="0" err="1" smtClean="0"/>
+              <a:t>Objectives</a:t>
+            </a:r>
+            <a:r>
+              <a:rPr lang="pt-BR" dirty="0" smtClean="0"/>
+              <a:t> 3.1, 3.2 </a:t>
+            </a:r>
+            <a:r>
+              <a:rPr lang="pt-BR" dirty="0" err="1" smtClean="0"/>
+              <a:t>and</a:t>
+            </a:r>
+            <a:r>
+              <a:rPr lang="pt-BR" dirty="0" smtClean="0"/>
+              <a:t> 3.3</a:t>
+            </a:r>
+            <a:endParaRPr lang="pt-BR" dirty="0"/>
+          </a:p>
+        </p:txBody>
+      </p:sp>
+      <p:sp>
+        <p:nvSpPr>
+          <p:cNvPr id="5" name="Espaço Reservado para Rodapé 3"/>
           <p:cNvSpPr txBox="1">
             <a:spLocks noGrp="1"/>
           </p:cNvSpPr>
           <p:nvPr>
-            <p:ph type="ftr" sz="quarter" idx="13"/>
+            <p:ph type="ftr" sz="quarter" idx="4294967295"/>
           </p:nvPr>
         </p:nvSpPr>
         <p:spPr>
@@ -11817,7 +11863,7 @@
               </a:defRPr>
             </a:pPr>
             <a:r>
-              <a:rPr lang="pt-BR" sz="1200" dirty="0" err="1" smtClean="0">
+              <a:rPr lang="pt-BR" sz="1200" dirty="0" smtClean="0">
                 <a:solidFill>
                   <a:srgbClr val="8C8C8C"/>
                 </a:solidFill>
@@ -11825,16 +11871,8 @@
                 <a:ea typeface="Calibri" charset="0"/>
                 <a:cs typeface="Calibri" charset="0"/>
               </a:rPr>
-              <a:t>Assignments</a:t>
-            </a:r>
-            <a:endParaRPr lang="pt-BR" sz="1200" dirty="0" smtClean="0">
-              <a:solidFill>
-                <a:srgbClr val="8C8C8C"/>
-              </a:solidFill>
-              <a:latin typeface="Tw Cen MT" charset="0"/>
-              <a:ea typeface="Calibri" charset="0"/>
-              <a:cs typeface="Calibri" charset="0"/>
-            </a:endParaRPr>
+              <a:t>Operadores</a:t>
+            </a:r>
           </a:p>
           <a:p>
             <a:pPr algn="ctr">
@@ -11861,7 +11899,7 @@
     </p:spTree>
     <p:extLst>
       <p:ext uri="{BB962C8B-B14F-4D97-AF65-F5344CB8AC3E}">
-        <p14:creationId xmlns:p14="http://schemas.microsoft.com/office/powerpoint/2010/main" val="1595718594"/>
+        <p14:creationId xmlns:p14="http://schemas.microsoft.com/office/powerpoint/2010/main" val="1039160923"/>
       </p:ext>
     </p:extLst>
   </p:cSld>
@@ -11897,12 +11935,12 @@
       </p:grpSpPr>
       <p:sp>
         <p:nvSpPr>
-          <p:cNvPr id="2" name="Título 1"/>
+          <p:cNvPr id="5" name="Título 4"/>
           <p:cNvSpPr>
             <a:spLocks noGrp="1"/>
           </p:cNvSpPr>
           <p:nvPr>
-            <p:ph type="ctrTitle"/>
+            <p:ph type="title"/>
           </p:nvPr>
         </p:nvSpPr>
         <p:spPr/>
@@ -11911,21 +11949,20 @@
           <a:lstStyle/>
           <a:p>
             <a:r>
-              <a:rPr lang="pt-BR" dirty="0" smtClean="0"/>
+              <a:rPr lang="pt-BR" dirty="0"/>
               <a:t>Operadores em Java</a:t>
             </a:r>
-            <a:endParaRPr lang="pt-BR" dirty="0"/>
-          </a:p>
-        </p:txBody>
-      </p:sp>
-      <p:sp>
-        <p:nvSpPr>
-          <p:cNvPr id="3" name="Subtítulo 2"/>
+          </a:p>
+        </p:txBody>
+      </p:sp>
+      <p:sp>
+        <p:nvSpPr>
+          <p:cNvPr id="6" name="Espaço Reservado para Conteúdo 5"/>
           <p:cNvSpPr>
             <a:spLocks noGrp="1"/>
           </p:cNvSpPr>
           <p:nvPr>
-            <p:ph type="subTitle" idx="1"/>
+            <p:ph idx="1"/>
           </p:nvPr>
         </p:nvSpPr>
         <p:spPr/>
@@ -11935,31 +11972,89 @@
           <a:p>
             <a:r>
               <a:rPr lang="pt-BR" dirty="0" smtClean="0"/>
-              <a:t>OCA </a:t>
+              <a:t>Operadores de Atribuição</a:t>
+            </a:r>
+          </a:p>
+          <a:p>
+            <a:pPr lvl="1"/>
+            <a:r>
+              <a:rPr lang="pt-BR" dirty="0" smtClean="0"/>
+              <a:t>Operadores compostos de Atribuição</a:t>
+            </a:r>
+          </a:p>
+          <a:p>
+            <a:r>
+              <a:rPr lang="pt-BR" dirty="0" smtClean="0"/>
+              <a:t>Operadores Relacionais</a:t>
+            </a:r>
+          </a:p>
+          <a:p>
+            <a:pPr lvl="1"/>
+            <a:r>
+              <a:rPr lang="pt-BR" dirty="0" smtClean="0"/>
+              <a:t>Operador de “igualdade”</a:t>
+            </a:r>
+          </a:p>
+          <a:p>
+            <a:pPr lvl="1"/>
+            <a:r>
+              <a:rPr lang="pt-BR" dirty="0" smtClean="0"/>
+              <a:t>Igualdade para primitivos</a:t>
+            </a:r>
+          </a:p>
+          <a:p>
+            <a:pPr lvl="1"/>
+            <a:r>
+              <a:rPr lang="pt-BR" dirty="0" smtClean="0"/>
+              <a:t>Igualdade para variáveis de referência</a:t>
+            </a:r>
+          </a:p>
+          <a:p>
+            <a:pPr lvl="1"/>
+            <a:r>
+              <a:rPr lang="pt-BR" dirty="0" smtClean="0"/>
+              <a:t>Igualdade para </a:t>
             </a:r>
             <a:r>
               <a:rPr lang="pt-BR" dirty="0" err="1" smtClean="0"/>
-              <a:t>Objectives</a:t>
-            </a:r>
-            <a:r>
-              <a:rPr lang="pt-BR" dirty="0" smtClean="0"/>
-              <a:t> 3.1, 3.2 </a:t>
+              <a:t>Strings</a:t>
+            </a:r>
+            <a:r>
+              <a:rPr lang="pt-BR" dirty="0" smtClean="0"/>
+              <a:t> e </a:t>
             </a:r>
             <a:r>
               <a:rPr lang="pt-BR" dirty="0" err="1" smtClean="0"/>
-              <a:t>and</a:t>
-            </a:r>
-            <a:r>
-              <a:rPr lang="pt-BR" dirty="0" smtClean="0"/>
-              <a:t> 3.3</a:t>
-            </a:r>
+              <a:t>java.lang.Object.equals</a:t>
+            </a:r>
+            <a:r>
+              <a:rPr lang="pt-BR" dirty="0" smtClean="0"/>
+              <a:t>()</a:t>
+            </a:r>
+          </a:p>
+          <a:p>
+            <a:r>
+              <a:rPr lang="pt-BR" dirty="0" smtClean="0"/>
+              <a:t>Comparador </a:t>
+            </a:r>
+            <a:r>
+              <a:rPr lang="pt-BR" dirty="0" err="1" smtClean="0"/>
+              <a:t>instanceof</a:t>
+            </a:r>
+            <a:endParaRPr lang="pt-BR" dirty="0" smtClean="0"/>
+          </a:p>
+          <a:p>
+            <a:endParaRPr lang="pt-BR" dirty="0" smtClean="0"/>
+          </a:p>
+          <a:p>
+            <a:pPr lvl="1"/>
             <a:endParaRPr lang="pt-BR" dirty="0"/>
           </a:p>
         </p:txBody>
       </p:sp>
       <p:sp>
         <p:nvSpPr>
-          <p:cNvPr id="5" name="Espaço Reservado para Rodapé 3"/>
+          <p:cNvPr id="7" name="Espaço Reservado para Rodapé 3"/>
           <p:cNvSpPr txBox="1">
             <a:spLocks noGrp="1"/>
           </p:cNvSpPr>
@@ -12121,20 +12216,13 @@
     </p:spTree>
     <p:extLst>
       <p:ext uri="{BB962C8B-B14F-4D97-AF65-F5344CB8AC3E}">
-        <p14:creationId xmlns:p14="http://schemas.microsoft.com/office/powerpoint/2010/main" val="1039160923"/>
+        <p14:creationId xmlns:p14="http://schemas.microsoft.com/office/powerpoint/2010/main" val="2662573922"/>
       </p:ext>
     </p:extLst>
   </p:cSld>
   <p:clrMapOvr>
     <a:masterClrMapping/>
   </p:clrMapOvr>
-  <p:timing>
-    <p:tnLst>
-      <p:par>
-        <p:cTn id="1" dur="indefinite" restart="never" nodeType="tmRoot"/>
-      </p:par>
-    </p:tnLst>
-  </p:timing>
 </p:sld>
 </file>
 
@@ -12157,7 +12245,7 @@
       </p:grpSpPr>
       <p:sp>
         <p:nvSpPr>
-          <p:cNvPr id="5" name="Título 4"/>
+          <p:cNvPr id="2" name="Título 1"/>
           <p:cNvSpPr>
             <a:spLocks noGrp="1"/>
           </p:cNvSpPr>
@@ -12179,7 +12267,7 @@
       </p:sp>
       <p:sp>
         <p:nvSpPr>
-          <p:cNvPr id="6" name="Espaço Reservado para Conteúdo 5"/>
+          <p:cNvPr id="3" name="Espaço Reservado para Conteúdo 2"/>
           <p:cNvSpPr>
             <a:spLocks noGrp="1"/>
           </p:cNvSpPr>
@@ -12194,78 +12282,70 @@
           <a:p>
             <a:r>
               <a:rPr lang="pt-BR" dirty="0" smtClean="0"/>
-              <a:t>Operadores de Atribuição</a:t>
+              <a:t>Operadores Aritméticos</a:t>
             </a:r>
           </a:p>
           <a:p>
             <a:pPr lvl="1"/>
             <a:r>
               <a:rPr lang="pt-BR" dirty="0" smtClean="0"/>
-              <a:t>Operadores compostos de Atribuição</a:t>
-            </a:r>
-          </a:p>
-          <a:p>
-            <a:r>
-              <a:rPr lang="pt-BR" dirty="0" smtClean="0"/>
-              <a:t>Operadores Relacionais</a:t>
+              <a:t>Operador de sobra (ou módulo)</a:t>
             </a:r>
           </a:p>
           <a:p>
             <a:pPr lvl="1"/>
             <a:r>
               <a:rPr lang="pt-BR" dirty="0" smtClean="0"/>
-              <a:t>Operador de “igualdade”</a:t>
-            </a:r>
+              <a:t>Operador de concatenação de </a:t>
+            </a:r>
+            <a:r>
+              <a:rPr lang="pt-BR" dirty="0" err="1" smtClean="0"/>
+              <a:t>String</a:t>
+            </a:r>
+            <a:endParaRPr lang="pt-BR" dirty="0" smtClean="0"/>
           </a:p>
           <a:p>
             <a:pPr lvl="1"/>
             <a:r>
               <a:rPr lang="pt-BR" dirty="0" smtClean="0"/>
-              <a:t>Igualdade para primitivos</a:t>
+              <a:t>Operadores de incremento e decremento</a:t>
+            </a:r>
+          </a:p>
+          <a:p>
+            <a:r>
+              <a:rPr lang="pt-BR" dirty="0" smtClean="0"/>
+              <a:t>Operadores Condicionais</a:t>
+            </a:r>
+          </a:p>
+          <a:p>
+            <a:r>
+              <a:rPr lang="pt-BR" dirty="0" smtClean="0"/>
+              <a:t>Operadores Lógicos</a:t>
             </a:r>
           </a:p>
           <a:p>
             <a:pPr lvl="1"/>
             <a:r>
               <a:rPr lang="pt-BR" dirty="0" smtClean="0"/>
-              <a:t>Igualdade para variáveis de referência</a:t>
+              <a:t>Operadores lógicos de curto-circuito</a:t>
             </a:r>
           </a:p>
           <a:p>
             <a:pPr lvl="1"/>
             <a:r>
               <a:rPr lang="pt-BR" dirty="0" smtClean="0"/>
-              <a:t>Igualdade para </a:t>
-            </a:r>
-            <a:r>
-              <a:rPr lang="pt-BR" dirty="0" err="1" smtClean="0"/>
-              <a:t>Strings</a:t>
-            </a:r>
-            <a:r>
-              <a:rPr lang="pt-BR" dirty="0" smtClean="0"/>
-              <a:t> e </a:t>
-            </a:r>
-            <a:r>
-              <a:rPr lang="pt-BR" dirty="0" err="1" smtClean="0"/>
-              <a:t>java.lang.Object.equals</a:t>
-            </a:r>
-            <a:r>
-              <a:rPr lang="pt-BR" dirty="0" smtClean="0"/>
-              <a:t>()</a:t>
-            </a:r>
-          </a:p>
-          <a:p>
-            <a:r>
-              <a:rPr lang="pt-BR" dirty="0" smtClean="0"/>
-              <a:t>Comparador </a:t>
-            </a:r>
-            <a:r>
-              <a:rPr lang="pt-BR" dirty="0" err="1" smtClean="0"/>
-              <a:t>instanceof</a:t>
-            </a:r>
-            <a:endParaRPr lang="pt-BR" dirty="0" smtClean="0"/>
-          </a:p>
-          <a:p>
+              <a:t>Operadores lógicos de não-curto-circuito</a:t>
+            </a:r>
+          </a:p>
+          <a:p>
+            <a:pPr lvl="1"/>
+            <a:r>
+              <a:rPr lang="pt-BR" dirty="0" smtClean="0"/>
+              <a:t>Operadores lógicos ^ e !</a:t>
+            </a:r>
+          </a:p>
+          <a:p>
+            <a:pPr lvl="1"/>
             <a:endParaRPr lang="pt-BR" dirty="0" smtClean="0"/>
           </a:p>
           <a:p>
@@ -12276,19 +12356,15 @@
       </p:sp>
       <p:sp>
         <p:nvSpPr>
-          <p:cNvPr id="7" name="Espaço Reservado para Rodapé 3"/>
+          <p:cNvPr id="5" name="Espaço Reservado para Rodapé 3"/>
           <p:cNvSpPr txBox="1">
             <a:spLocks noGrp="1"/>
           </p:cNvSpPr>
           <p:nvPr>
-            <p:ph type="ftr" sz="quarter" idx="4294967295"/>
+            <p:ph type="ftr" sz="quarter" idx="13"/>
           </p:nvPr>
         </p:nvSpPr>
         <p:spPr>
-          <a:xfrm>
-            <a:off x="3028950" y="6356350"/>
-            <a:ext cx="3086100" cy="365125"/>
-          </a:xfrm>
           <a:prstGeom prst="rect">
             <a:avLst/>
           </a:prstGeom>
@@ -12438,7 +12514,7 @@
     </p:spTree>
     <p:extLst>
       <p:ext uri="{BB962C8B-B14F-4D97-AF65-F5344CB8AC3E}">
-        <p14:creationId xmlns:p14="http://schemas.microsoft.com/office/powerpoint/2010/main" val="2662573922"/>
+        <p14:creationId xmlns:p14="http://schemas.microsoft.com/office/powerpoint/2010/main" val="2162196913"/>
       </p:ext>
     </p:extLst>
   </p:cSld>
@@ -12472,7 +12548,7 @@
             <a:spLocks noGrp="1"/>
           </p:cNvSpPr>
           <p:nvPr>
-            <p:ph type="title"/>
+            <p:ph type="ctrTitle"/>
           </p:nvPr>
         </p:nvSpPr>
         <p:spPr/>
@@ -12481,20 +12557,33 @@
           <a:lstStyle/>
           <a:p>
             <a:r>
-              <a:rPr lang="pt-BR" dirty="0"/>
-              <a:t>Operadores em Java</a:t>
-            </a:r>
-          </a:p>
-        </p:txBody>
-      </p:sp>
-      <p:sp>
-        <p:nvSpPr>
-          <p:cNvPr id="3" name="Espaço Reservado para Conteúdo 2"/>
+              <a:rPr lang="pt-BR" dirty="0" smtClean="0"/>
+              <a:t>Usando </a:t>
+            </a:r>
+            <a:r>
+              <a:rPr lang="pt-BR" dirty="0" err="1" smtClean="0"/>
+              <a:t>Strings</a:t>
+            </a:r>
+            <a:r>
+              <a:rPr lang="pt-BR" dirty="0" smtClean="0"/>
+              <a:t> e </a:t>
+            </a:r>
+            <a:r>
+              <a:rPr lang="pt-BR" dirty="0" err="1" smtClean="0"/>
+              <a:t>StringBuilder</a:t>
+            </a:r>
+            <a:endParaRPr lang="pt-BR" dirty="0"/>
+          </a:p>
+        </p:txBody>
+      </p:sp>
+      <p:sp>
+        <p:nvSpPr>
+          <p:cNvPr id="3" name="Subtítulo 2"/>
           <p:cNvSpPr>
             <a:spLocks noGrp="1"/>
           </p:cNvSpPr>
           <p:nvPr>
-            <p:ph idx="1"/>
+            <p:ph type="subTitle" idx="1"/>
           </p:nvPr>
         </p:nvSpPr>
         <p:spPr/>
@@ -12504,74 +12593,24 @@
           <a:p>
             <a:r>
               <a:rPr lang="pt-BR" dirty="0" smtClean="0"/>
-              <a:t>Operadores Aritméticos</a:t>
-            </a:r>
-          </a:p>
-          <a:p>
-            <a:pPr lvl="1"/>
-            <a:r>
-              <a:rPr lang="pt-BR" dirty="0" smtClean="0"/>
-              <a:t>Operador de sobra (ou módulo)</a:t>
-            </a:r>
-          </a:p>
-          <a:p>
-            <a:pPr lvl="1"/>
-            <a:r>
-              <a:rPr lang="pt-BR" dirty="0" smtClean="0"/>
-              <a:t>Operador de concatenação de </a:t>
+              <a:t>OCA </a:t>
             </a:r>
             <a:r>
               <a:rPr lang="pt-BR" dirty="0" err="1" smtClean="0"/>
-              <a:t>String</a:t>
-            </a:r>
-            <a:endParaRPr lang="pt-BR" dirty="0" smtClean="0"/>
-          </a:p>
-          <a:p>
-            <a:pPr lvl="1"/>
-            <a:r>
-              <a:rPr lang="pt-BR" dirty="0" smtClean="0"/>
-              <a:t>Operadores de incremento e decremento</a:t>
-            </a:r>
-          </a:p>
-          <a:p>
-            <a:r>
-              <a:rPr lang="pt-BR" dirty="0" smtClean="0"/>
-              <a:t>Operadores Condicionais</a:t>
-            </a:r>
-          </a:p>
-          <a:p>
-            <a:r>
-              <a:rPr lang="pt-BR" dirty="0" smtClean="0"/>
-              <a:t>Operadores Lógicos</a:t>
-            </a:r>
-          </a:p>
-          <a:p>
-            <a:pPr lvl="1"/>
-            <a:r>
-              <a:rPr lang="pt-BR" dirty="0" smtClean="0"/>
-              <a:t>Operadores lógicos de curto-circuito</a:t>
-            </a:r>
-          </a:p>
-          <a:p>
-            <a:pPr lvl="1"/>
-            <a:r>
-              <a:rPr lang="pt-BR" dirty="0" smtClean="0"/>
-              <a:t>Operadores lógicos de não-curto-circuito</a:t>
-            </a:r>
-          </a:p>
-          <a:p>
-            <a:pPr lvl="1"/>
-            <a:r>
-              <a:rPr lang="pt-BR" dirty="0" smtClean="0"/>
-              <a:t>Operadores lógicos ^ e !</a:t>
-            </a:r>
-          </a:p>
-          <a:p>
-            <a:pPr lvl="1"/>
-            <a:endParaRPr lang="pt-BR" dirty="0" smtClean="0"/>
-          </a:p>
-          <a:p>
-            <a:pPr lvl="1"/>
+              <a:t>Objectives</a:t>
+            </a:r>
+            <a:r>
+              <a:rPr lang="pt-BR" dirty="0" smtClean="0"/>
+              <a:t> 2.7 </a:t>
+            </a:r>
+            <a:r>
+              <a:rPr lang="pt-BR" dirty="0" err="1" smtClean="0"/>
+              <a:t>and</a:t>
+            </a:r>
+            <a:r>
+              <a:rPr lang="pt-BR" dirty="0" smtClean="0"/>
+              <a:t> 2.6</a:t>
+            </a:r>
             <a:endParaRPr lang="pt-BR" dirty="0"/>
           </a:p>
         </p:txBody>
@@ -12583,10 +12622,14 @@
             <a:spLocks noGrp="1"/>
           </p:cNvSpPr>
           <p:nvPr>
-            <p:ph type="ftr" sz="quarter" idx="13"/>
+            <p:ph type="ftr" sz="quarter" idx="4294967295"/>
           </p:nvPr>
         </p:nvSpPr>
         <p:spPr>
+          <a:xfrm>
+            <a:off x="3028950" y="6356351"/>
+            <a:ext cx="3086100" cy="365125"/>
+          </a:xfrm>
           <a:prstGeom prst="rect">
             <a:avLst/>
           </a:prstGeom>
@@ -12700,16 +12743,50 @@
               </a:defRPr>
             </a:pPr>
             <a:r>
-              <a:rPr lang="pt-BR" sz="1200" dirty="0" smtClean="0">
+              <a:rPr lang="pt-BR" dirty="0"/>
+              <a:t>Trabalhando com </a:t>
+            </a:r>
+            <a:r>
+              <a:rPr lang="pt-BR" dirty="0" err="1"/>
+              <a:t>Strings</a:t>
+            </a:r>
+            <a:r>
+              <a:rPr lang="pt-BR" dirty="0"/>
+              <a:t>, </a:t>
+            </a:r>
+            <a:r>
+              <a:rPr lang="pt-BR" dirty="0" err="1"/>
+              <a:t>Arrays</a:t>
+            </a:r>
+            <a:r>
+              <a:rPr lang="pt-BR" dirty="0"/>
+              <a:t> e </a:t>
+            </a:r>
+            <a:r>
+              <a:rPr lang="pt-BR" dirty="0" err="1"/>
+              <a:t>ArrayLists</a:t>
+            </a:r>
+            <a:endParaRPr lang="pt-BR" dirty="0"/>
+          </a:p>
+          <a:p>
+            <a:pPr algn="ctr">
+              <a:defRPr sz="1200">
                 <a:solidFill>
                   <a:srgbClr val="8C8C8C"/>
                 </a:solidFill>
                 <a:latin typeface="Tw Cen MT" charset="0"/>
                 <a:ea typeface="Calibri" charset="0"/>
                 <a:cs typeface="Calibri" charset="0"/>
-              </a:rPr>
-              <a:t>Operadores</a:t>
-            </a:r>
+              </a:defRPr>
+            </a:pPr>
+            <a:endParaRPr lang="pt-BR" sz="1200" dirty="0" smtClean="0">
+              <a:solidFill>
+                <a:srgbClr val="8C8C8C"/>
+              </a:solidFill>
+              <a:latin typeface="Tw Cen MT" charset="0"/>
+              <a:ea typeface="Calibri" charset="0"/>
+              <a:cs typeface="Calibri" charset="0"/>
+            </a:endParaRPr>
           </a:p>
           <a:p>
             <a:pPr algn="ctr">
@@ -12736,13 +12813,20 @@
     </p:spTree>
     <p:extLst>
       <p:ext uri="{BB962C8B-B14F-4D97-AF65-F5344CB8AC3E}">
-        <p14:creationId xmlns:p14="http://schemas.microsoft.com/office/powerpoint/2010/main" val="2162196913"/>
+        <p14:creationId xmlns:p14="http://schemas.microsoft.com/office/powerpoint/2010/main" val="1074513946"/>
       </p:ext>
     </p:extLst>
   </p:cSld>
   <p:clrMapOvr>
     <a:masterClrMapping/>
   </p:clrMapOvr>
+  <p:timing>
+    <p:tnLst>
+      <p:par>
+        <p:cTn id="1" dur="indefinite" restart="never" nodeType="tmRoot"/>
+      </p:par>
+    </p:tnLst>
+  </p:timing>
 </p:sld>
 </file>
 
@@ -12871,12 +12955,12 @@
       </p:grpSpPr>
       <p:sp>
         <p:nvSpPr>
-          <p:cNvPr id="2" name="Título 1"/>
+          <p:cNvPr id="5" name="Título 4"/>
           <p:cNvSpPr>
             <a:spLocks noGrp="1"/>
           </p:cNvSpPr>
           <p:nvPr>
-            <p:ph type="ctrTitle"/>
+            <p:ph type="title"/>
           </p:nvPr>
         </p:nvSpPr>
         <p:spPr/>
@@ -12885,67 +12969,158 @@
           <a:lstStyle/>
           <a:p>
             <a:r>
-              <a:rPr lang="pt-BR" dirty="0" smtClean="0"/>
+              <a:rPr lang="pt-BR" dirty="0"/>
               <a:t>Usando </a:t>
+            </a:r>
+            <a:r>
+              <a:rPr lang="pt-BR" dirty="0" err="1"/>
+              <a:t>Strings</a:t>
+            </a:r>
+            <a:r>
+              <a:rPr lang="pt-BR" dirty="0"/>
+              <a:t> e </a:t>
+            </a:r>
+            <a:r>
+              <a:rPr lang="pt-BR" dirty="0" err="1"/>
+              <a:t>StringBuilder</a:t>
+            </a:r>
+            <a:endParaRPr lang="pt-BR" dirty="0"/>
+          </a:p>
+        </p:txBody>
+      </p:sp>
+      <p:sp>
+        <p:nvSpPr>
+          <p:cNvPr id="6" name="Espaço Reservado para Conteúdo 5"/>
+          <p:cNvSpPr>
+            <a:spLocks noGrp="1"/>
+          </p:cNvSpPr>
+          <p:nvPr>
+            <p:ph idx="1"/>
+          </p:nvPr>
+        </p:nvSpPr>
+        <p:spPr/>
+        <p:txBody>
+          <a:bodyPr/>
+          <a:lstStyle/>
+          <a:p>
+            <a:r>
+              <a:rPr lang="pt-BR" dirty="0" smtClean="0"/>
+              <a:t>A classe </a:t>
+            </a:r>
+            <a:r>
+              <a:rPr lang="pt-BR" dirty="0" err="1" smtClean="0"/>
+              <a:t>String</a:t>
+            </a:r>
+            <a:endParaRPr lang="pt-BR" dirty="0" smtClean="0"/>
+          </a:p>
+          <a:p>
+            <a:pPr lvl="1"/>
+            <a:r>
+              <a:rPr lang="pt-BR" dirty="0" smtClean="0"/>
+              <a:t>Imutabilidade de </a:t>
             </a:r>
             <a:r>
               <a:rPr lang="pt-BR" dirty="0" err="1" smtClean="0"/>
               <a:t>Strings</a:t>
             </a:r>
-            <a:r>
-              <a:rPr lang="pt-BR" dirty="0" smtClean="0"/>
-              <a:t> e </a:t>
+            <a:endParaRPr lang="pt-BR" dirty="0" smtClean="0"/>
+          </a:p>
+          <a:p>
+            <a:r>
+              <a:rPr lang="pt-BR" dirty="0" smtClean="0"/>
+              <a:t>Fatos importantes sobre </a:t>
+            </a:r>
+            <a:r>
+              <a:rPr lang="pt-BR" dirty="0" err="1" smtClean="0"/>
+              <a:t>String</a:t>
+            </a:r>
+            <a:r>
+              <a:rPr lang="pt-BR" dirty="0" smtClean="0"/>
+              <a:t> e memória</a:t>
+            </a:r>
+          </a:p>
+          <a:p>
+            <a:pPr lvl="1"/>
+            <a:r>
+              <a:rPr lang="pt-BR" dirty="0" smtClean="0"/>
+              <a:t>Criando novas </a:t>
+            </a:r>
+            <a:r>
+              <a:rPr lang="pt-BR" dirty="0" err="1" smtClean="0"/>
+              <a:t>Strings</a:t>
+            </a:r>
+            <a:endParaRPr lang="pt-BR" dirty="0" smtClean="0"/>
+          </a:p>
+          <a:p>
+            <a:r>
+              <a:rPr lang="pt-BR" dirty="0" smtClean="0"/>
+              <a:t>Métodos importantes na classe </a:t>
+            </a:r>
+            <a:r>
+              <a:rPr lang="pt-BR" dirty="0" err="1" smtClean="0"/>
+              <a:t>String</a:t>
+            </a:r>
+            <a:endParaRPr lang="pt-BR" dirty="0" smtClean="0"/>
+          </a:p>
+          <a:p>
+            <a:r>
+              <a:rPr lang="pt-BR" dirty="0" smtClean="0"/>
+              <a:t>A classe </a:t>
             </a:r>
             <a:r>
               <a:rPr lang="pt-BR" dirty="0" err="1" smtClean="0"/>
               <a:t>StringBuilder</a:t>
             </a:r>
+            <a:endParaRPr lang="pt-BR" dirty="0" smtClean="0"/>
+          </a:p>
+          <a:p>
+            <a:pPr lvl="1"/>
+            <a:r>
+              <a:rPr lang="pt-BR" dirty="0" smtClean="0"/>
+              <a:t>Preferência de </a:t>
+            </a:r>
+            <a:r>
+              <a:rPr lang="pt-BR" dirty="0" err="1" smtClean="0"/>
+              <a:t>StringBuilder</a:t>
+            </a:r>
+            <a:r>
+              <a:rPr lang="pt-BR" dirty="0" smtClean="0"/>
+              <a:t> sobre </a:t>
+            </a:r>
+            <a:r>
+              <a:rPr lang="pt-BR" dirty="0" err="1" smtClean="0"/>
+              <a:t>StringBuffer</a:t>
+            </a:r>
+            <a:endParaRPr lang="pt-BR" dirty="0" smtClean="0"/>
+          </a:p>
+          <a:p>
+            <a:pPr lvl="1"/>
+            <a:r>
+              <a:rPr lang="pt-BR" dirty="0" smtClean="0"/>
+              <a:t>Usando </a:t>
+            </a:r>
+            <a:r>
+              <a:rPr lang="pt-BR" dirty="0" err="1" smtClean="0"/>
+              <a:t>StringBuilder</a:t>
+            </a:r>
+            <a:endParaRPr lang="pt-BR" dirty="0" smtClean="0"/>
+          </a:p>
+          <a:p>
+            <a:r>
+              <a:rPr lang="pt-BR" dirty="0" smtClean="0"/>
+              <a:t>Métodos importantes na classe </a:t>
+            </a:r>
+            <a:r>
+              <a:rPr lang="pt-BR" dirty="0" err="1" smtClean="0"/>
+              <a:t>StringBuilder</a:t>
+            </a:r>
             <a:endParaRPr lang="pt-BR" dirty="0"/>
           </a:p>
         </p:txBody>
       </p:sp>
       <p:sp>
         <p:nvSpPr>
-          <p:cNvPr id="3" name="Subtítulo 2"/>
-          <p:cNvSpPr>
-            <a:spLocks noGrp="1"/>
-          </p:cNvSpPr>
-          <p:nvPr>
-            <p:ph type="subTitle" idx="1"/>
-          </p:nvPr>
-        </p:nvSpPr>
-        <p:spPr/>
-        <p:txBody>
-          <a:bodyPr/>
-          <a:lstStyle/>
-          <a:p>
-            <a:r>
-              <a:rPr lang="pt-BR" dirty="0" smtClean="0"/>
-              <a:t>OCA </a:t>
-            </a:r>
-            <a:r>
-              <a:rPr lang="pt-BR" dirty="0" err="1" smtClean="0"/>
-              <a:t>Objectives</a:t>
-            </a:r>
-            <a:r>
-              <a:rPr lang="pt-BR" dirty="0" smtClean="0"/>
-              <a:t> 2.7 </a:t>
-            </a:r>
-            <a:r>
-              <a:rPr lang="pt-BR" dirty="0" err="1" smtClean="0"/>
-              <a:t>and</a:t>
-            </a:r>
-            <a:r>
-              <a:rPr lang="pt-BR" dirty="0" smtClean="0"/>
-              <a:t> 2.6</a:t>
-            </a:r>
-            <a:endParaRPr lang="pt-BR" dirty="0"/>
-          </a:p>
-        </p:txBody>
-      </p:sp>
-      <p:sp>
-        <p:nvSpPr>
-          <p:cNvPr id="5" name="Espaço Reservado para Rodapé 3"/>
+          <p:cNvPr id="8" name="Espaço Reservado para Rodapé 3"/>
           <p:cNvSpPr txBox="1">
             <a:spLocks noGrp="1"/>
           </p:cNvSpPr>
@@ -13141,20 +13316,13 @@
     </p:spTree>
     <p:extLst>
       <p:ext uri="{BB962C8B-B14F-4D97-AF65-F5344CB8AC3E}">
-        <p14:creationId xmlns:p14="http://schemas.microsoft.com/office/powerpoint/2010/main" val="1074513946"/>
+        <p14:creationId xmlns:p14="http://schemas.microsoft.com/office/powerpoint/2010/main" val="1541038056"/>
       </p:ext>
     </p:extLst>
   </p:cSld>
   <p:clrMapOvr>
     <a:masterClrMapping/>
   </p:clrMapOvr>
-  <p:timing>
-    <p:tnLst>
-      <p:par>
-        <p:cTn id="1" dur="indefinite" restart="never" nodeType="tmRoot"/>
-      </p:par>
-    </p:tnLst>
-  </p:timing>
 </p:sld>
 </file>
 
@@ -13177,12 +13345,12 @@
       </p:grpSpPr>
       <p:sp>
         <p:nvSpPr>
-          <p:cNvPr id="5" name="Título 4"/>
+          <p:cNvPr id="2" name="Título 1"/>
           <p:cNvSpPr>
             <a:spLocks noGrp="1"/>
           </p:cNvSpPr>
           <p:nvPr>
-            <p:ph type="title"/>
+            <p:ph type="ctrTitle"/>
           </p:nvPr>
         </p:nvSpPr>
         <p:spPr/>
@@ -13191,20 +13359,12 @@
           <a:lstStyle/>
           <a:p>
             <a:r>
-              <a:rPr lang="pt-BR" dirty="0"/>
+              <a:rPr lang="pt-BR" dirty="0" smtClean="0"/>
               <a:t>Usando </a:t>
             </a:r>
             <a:r>
-              <a:rPr lang="pt-BR" dirty="0" err="1"/>
-              <a:t>Strings</a:t>
-            </a:r>
-            <a:r>
-              <a:rPr lang="pt-BR" dirty="0"/>
-              <a:t> e </a:t>
-            </a:r>
-            <a:r>
-              <a:rPr lang="pt-BR" dirty="0" err="1"/>
-              <a:t>StringBuilder</a:t>
+              <a:rPr lang="pt-BR" dirty="0" err="1" smtClean="0"/>
+              <a:t>Arrays</a:t>
             </a:r>
             <a:endParaRPr lang="pt-BR" dirty="0"/>
           </a:p>
@@ -13212,12 +13372,12 @@
       </p:sp>
       <p:sp>
         <p:nvSpPr>
-          <p:cNvPr id="6" name="Espaço Reservado para Conteúdo 5"/>
+          <p:cNvPr id="3" name="Subtítulo 2"/>
           <p:cNvSpPr>
             <a:spLocks noGrp="1"/>
           </p:cNvSpPr>
           <p:nvPr>
-            <p:ph idx="1"/>
+            <p:ph type="subTitle" idx="1"/>
           </p:nvPr>
         </p:nvSpPr>
         <p:spPr/>
@@ -13227,114 +13387,23 @@
           <a:p>
             <a:r>
               <a:rPr lang="pt-BR" dirty="0" smtClean="0"/>
-              <a:t>A classe </a:t>
+              <a:t>OCA </a:t>
             </a:r>
             <a:r>
               <a:rPr lang="pt-BR" dirty="0" err="1" smtClean="0"/>
-              <a:t>String</a:t>
-            </a:r>
-            <a:endParaRPr lang="pt-BR" dirty="0" smtClean="0"/>
-          </a:p>
-          <a:p>
-            <a:pPr lvl="1"/>
-            <a:r>
-              <a:rPr lang="pt-BR" dirty="0" smtClean="0"/>
-              <a:t>Imutabilidade de </a:t>
+              <a:t>Objectives</a:t>
+            </a:r>
+            <a:r>
+              <a:rPr lang="pt-BR" dirty="0" smtClean="0"/>
+              <a:t> 4.1 </a:t>
             </a:r>
             <a:r>
               <a:rPr lang="pt-BR" dirty="0" err="1" smtClean="0"/>
-              <a:t>Strings</a:t>
-            </a:r>
-            <a:endParaRPr lang="pt-BR" dirty="0" smtClean="0"/>
-          </a:p>
-          <a:p>
-            <a:r>
-              <a:rPr lang="pt-BR" dirty="0" smtClean="0"/>
-              <a:t>Fatos importantes sobre </a:t>
-            </a:r>
-            <a:r>
-              <a:rPr lang="pt-BR" dirty="0" err="1" smtClean="0"/>
-              <a:t>String</a:t>
-            </a:r>
-            <a:r>
-              <a:rPr lang="pt-BR" dirty="0" smtClean="0"/>
-              <a:t> e memória</a:t>
-            </a:r>
-          </a:p>
-          <a:p>
-            <a:pPr lvl="1"/>
-            <a:r>
-              <a:rPr lang="pt-BR" dirty="0" smtClean="0"/>
-              <a:t>Criando novas </a:t>
-            </a:r>
-            <a:r>
-              <a:rPr lang="pt-BR" dirty="0" err="1" smtClean="0"/>
-              <a:t>Strings</a:t>
-            </a:r>
-            <a:endParaRPr lang="pt-BR" dirty="0" smtClean="0"/>
-          </a:p>
-          <a:p>
-            <a:r>
-              <a:rPr lang="pt-BR" dirty="0" smtClean="0"/>
-              <a:t>Métodos importantes na classe </a:t>
-            </a:r>
-            <a:r>
-              <a:rPr lang="pt-BR" dirty="0" err="1" smtClean="0"/>
-              <a:t>String</a:t>
-            </a:r>
-            <a:endParaRPr lang="pt-BR" dirty="0" smtClean="0"/>
-          </a:p>
-          <a:p>
-            <a:r>
-              <a:rPr lang="pt-BR" dirty="0" smtClean="0"/>
-              <a:t>A classe </a:t>
-            </a:r>
-            <a:r>
-              <a:rPr lang="pt-BR" dirty="0" err="1" smtClean="0"/>
-              <a:t>StringBuilder</a:t>
-            </a:r>
-            <a:endParaRPr lang="pt-BR" dirty="0" smtClean="0"/>
-          </a:p>
-          <a:p>
-            <a:pPr lvl="1"/>
-            <a:r>
-              <a:rPr lang="pt-BR" dirty="0" smtClean="0"/>
-              <a:t>Preferência de </a:t>
-            </a:r>
-            <a:r>
-              <a:rPr lang="pt-BR" dirty="0" err="1" smtClean="0"/>
-              <a:t>StringBuilder</a:t>
-            </a:r>
-            <a:r>
-              <a:rPr lang="pt-BR" dirty="0" smtClean="0"/>
-              <a:t> sobre </a:t>
-            </a:r>
-            <a:r>
-              <a:rPr lang="pt-BR" dirty="0" err="1" smtClean="0"/>
-              <a:t>StringBuffer</a:t>
-            </a:r>
-            <a:endParaRPr lang="pt-BR" dirty="0" smtClean="0"/>
-          </a:p>
-          <a:p>
-            <a:pPr lvl="1"/>
-            <a:r>
-              <a:rPr lang="pt-BR" dirty="0" smtClean="0"/>
-              <a:t>Usando </a:t>
-            </a:r>
-            <a:r>
-              <a:rPr lang="pt-BR" dirty="0" err="1" smtClean="0"/>
-              <a:t>StringBuilder</a:t>
-            </a:r>
-            <a:endParaRPr lang="pt-BR" dirty="0" smtClean="0"/>
-          </a:p>
-          <a:p>
-            <a:r>
-              <a:rPr lang="pt-BR" dirty="0" smtClean="0"/>
-              <a:t>Métodos importantes na classe </a:t>
-            </a:r>
-            <a:r>
-              <a:rPr lang="pt-BR" dirty="0" err="1" smtClean="0"/>
-              <a:t>StringBuilder</a:t>
+              <a:t>and</a:t>
+            </a:r>
+            <a:r>
+              <a:rPr lang="pt-BR" dirty="0" smtClean="0"/>
+              <a:t> 4.2</a:t>
             </a:r>
             <a:endParaRPr lang="pt-BR" dirty="0"/>
           </a:p>
@@ -13342,7 +13411,7 @@
       </p:sp>
       <p:sp>
         <p:nvSpPr>
-          <p:cNvPr id="8" name="Espaço Reservado para Rodapé 3"/>
+          <p:cNvPr id="5" name="Espaço Reservado para Rodapé 3"/>
           <p:cNvSpPr txBox="1">
             <a:spLocks noGrp="1"/>
           </p:cNvSpPr>
@@ -13538,13 +13607,20 @@
     </p:spTree>
     <p:extLst>
       <p:ext uri="{BB962C8B-B14F-4D97-AF65-F5344CB8AC3E}">
-        <p14:creationId xmlns:p14="http://schemas.microsoft.com/office/powerpoint/2010/main" val="1541038056"/>
+        <p14:creationId xmlns:p14="http://schemas.microsoft.com/office/powerpoint/2010/main" val="1389997935"/>
       </p:ext>
     </p:extLst>
   </p:cSld>
   <p:clrMapOvr>
     <a:masterClrMapping/>
   </p:clrMapOvr>
+  <p:timing>
+    <p:tnLst>
+      <p:par>
+        <p:cTn id="1" dur="indefinite" restart="never" nodeType="tmRoot"/>
+      </p:par>
+    </p:tnLst>
+  </p:timing>
 </p:sld>
 </file>
 
@@ -13567,12 +13643,12 @@
       </p:grpSpPr>
       <p:sp>
         <p:nvSpPr>
-          <p:cNvPr id="2" name="Título 1"/>
+          <p:cNvPr id="5" name="Título 4"/>
           <p:cNvSpPr>
             <a:spLocks noGrp="1"/>
           </p:cNvSpPr>
           <p:nvPr>
-            <p:ph type="ctrTitle"/>
+            <p:ph type="title"/>
           </p:nvPr>
         </p:nvSpPr>
         <p:spPr/>
@@ -13581,11 +13657,11 @@
           <a:lstStyle/>
           <a:p>
             <a:r>
-              <a:rPr lang="pt-BR" dirty="0" smtClean="0"/>
+              <a:rPr lang="pt-BR" dirty="0"/>
               <a:t>Usando </a:t>
             </a:r>
             <a:r>
-              <a:rPr lang="pt-BR" dirty="0" err="1" smtClean="0"/>
+              <a:rPr lang="pt-BR" dirty="0" err="1"/>
               <a:t>Arrays</a:t>
             </a:r>
             <a:endParaRPr lang="pt-BR" dirty="0"/>
@@ -13594,46 +13670,227 @@
       </p:sp>
       <p:sp>
         <p:nvSpPr>
-          <p:cNvPr id="3" name="Subtítulo 2"/>
+          <p:cNvPr id="6" name="Espaço Reservado para Conteúdo 5"/>
           <p:cNvSpPr>
             <a:spLocks noGrp="1"/>
           </p:cNvSpPr>
           <p:nvPr>
-            <p:ph type="subTitle" idx="1"/>
-          </p:nvPr>
-        </p:nvSpPr>
-        <p:spPr/>
+            <p:ph idx="1"/>
+          </p:nvPr>
+        </p:nvSpPr>
+        <p:spPr>
+          <a:xfrm>
+            <a:off x="628650" y="1484784"/>
+            <a:ext cx="7886700" cy="4680520"/>
+          </a:xfrm>
+        </p:spPr>
         <p:txBody>
           <a:bodyPr/>
           <a:lstStyle/>
           <a:p>
             <a:r>
-              <a:rPr lang="pt-BR" dirty="0" smtClean="0"/>
-              <a:t>OCA </a:t>
-            </a:r>
-            <a:r>
-              <a:rPr lang="pt-BR" dirty="0" err="1" smtClean="0"/>
-              <a:t>Objectives</a:t>
-            </a:r>
-            <a:r>
-              <a:rPr lang="pt-BR" dirty="0" smtClean="0"/>
-              <a:t> 4.1 </a:t>
-            </a:r>
-            <a:r>
-              <a:rPr lang="pt-BR" dirty="0" err="1" smtClean="0"/>
-              <a:t>and</a:t>
-            </a:r>
-            <a:r>
-              <a:rPr lang="pt-BR" dirty="0" smtClean="0"/>
-              <a:t> 4.2</a:t>
-            </a:r>
-            <a:endParaRPr lang="pt-BR" dirty="0"/>
-          </a:p>
-        </p:txBody>
-      </p:sp>
-      <p:sp>
-        <p:nvSpPr>
-          <p:cNvPr id="5" name="Espaço Reservado para Rodapé 3"/>
+              <a:rPr lang="pt-BR" sz="2000" dirty="0" smtClean="0"/>
+              <a:t>Conceito</a:t>
+            </a:r>
+          </a:p>
+          <a:p>
+            <a:r>
+              <a:rPr lang="pt-BR" sz="2000" dirty="0" smtClean="0"/>
+              <a:t>Declarando um </a:t>
+            </a:r>
+            <a:r>
+              <a:rPr lang="pt-BR" sz="2000" dirty="0" err="1" smtClean="0"/>
+              <a:t>Array</a:t>
+            </a:r>
+            <a:endParaRPr lang="pt-BR" sz="2000" dirty="0" smtClean="0"/>
+          </a:p>
+          <a:p>
+            <a:r>
+              <a:rPr lang="pt-BR" sz="2000" dirty="0" smtClean="0"/>
+              <a:t>Construindo um </a:t>
+            </a:r>
+            <a:r>
+              <a:rPr lang="pt-BR" sz="2000" dirty="0" err="1" smtClean="0"/>
+              <a:t>Array</a:t>
+            </a:r>
+            <a:endParaRPr lang="pt-BR" sz="2000" dirty="0" smtClean="0"/>
+          </a:p>
+          <a:p>
+            <a:pPr lvl="1"/>
+            <a:r>
+              <a:rPr lang="pt-BR" sz="1800" dirty="0" err="1" smtClean="0"/>
+              <a:t>Contruindo</a:t>
+            </a:r>
+            <a:r>
+              <a:rPr lang="pt-BR" sz="1800" dirty="0" smtClean="0"/>
+              <a:t> um </a:t>
+            </a:r>
+            <a:r>
+              <a:rPr lang="pt-BR" sz="1800" dirty="0" err="1" smtClean="0"/>
+              <a:t>Array</a:t>
+            </a:r>
+            <a:r>
+              <a:rPr lang="pt-BR" sz="1800" dirty="0" smtClean="0"/>
+              <a:t> unidimensional</a:t>
+            </a:r>
+          </a:p>
+          <a:p>
+            <a:pPr lvl="1"/>
+            <a:r>
+              <a:rPr lang="pt-BR" sz="1800" dirty="0" smtClean="0"/>
+              <a:t>Construindo um </a:t>
+            </a:r>
+            <a:r>
+              <a:rPr lang="pt-BR" sz="1800" dirty="0" err="1" smtClean="0"/>
+              <a:t>Array</a:t>
+            </a:r>
+            <a:r>
+              <a:rPr lang="pt-BR" sz="1800" dirty="0" smtClean="0"/>
+              <a:t> multidimensional</a:t>
+            </a:r>
+          </a:p>
+          <a:p>
+            <a:r>
+              <a:rPr lang="pt-BR" sz="2000" dirty="0" smtClean="0"/>
+              <a:t>Inicializando um </a:t>
+            </a:r>
+            <a:r>
+              <a:rPr lang="pt-BR" sz="2000" dirty="0" err="1" smtClean="0"/>
+              <a:t>Array</a:t>
+            </a:r>
+            <a:endParaRPr lang="pt-BR" sz="2000" dirty="0" smtClean="0"/>
+          </a:p>
+          <a:p>
+            <a:pPr lvl="1"/>
+            <a:r>
+              <a:rPr lang="pt-BR" sz="1800" dirty="0" smtClean="0"/>
+              <a:t>Inicializando elementos em um loop</a:t>
+            </a:r>
+          </a:p>
+          <a:p>
+            <a:pPr lvl="1"/>
+            <a:r>
+              <a:rPr lang="pt-BR" sz="1800" dirty="0" smtClean="0"/>
+              <a:t>Declarando, construindo e inicializando em uma linha</a:t>
+            </a:r>
+          </a:p>
+          <a:p>
+            <a:pPr lvl="1"/>
+            <a:r>
+              <a:rPr lang="pt-BR" sz="1800" dirty="0" smtClean="0"/>
+              <a:t>Construindo e inicializando um </a:t>
+            </a:r>
+            <a:r>
+              <a:rPr lang="pt-BR" sz="1800" dirty="0" err="1" smtClean="0"/>
+              <a:t>Array</a:t>
+            </a:r>
+            <a:r>
+              <a:rPr lang="pt-BR" sz="1800" dirty="0" smtClean="0"/>
+              <a:t> </a:t>
+            </a:r>
+            <a:r>
+              <a:rPr lang="pt-BR" sz="1800" dirty="0" err="1" smtClean="0"/>
+              <a:t>Anonimo</a:t>
+            </a:r>
+            <a:endParaRPr lang="pt-BR" sz="1800" dirty="0" smtClean="0"/>
+          </a:p>
+          <a:p>
+            <a:pPr lvl="1"/>
+            <a:r>
+              <a:rPr lang="pt-BR" sz="1800" dirty="0" smtClean="0"/>
+              <a:t>Atribuições de elementos de </a:t>
+            </a:r>
+            <a:r>
+              <a:rPr lang="pt-BR" sz="1800" dirty="0" err="1" smtClean="0"/>
+              <a:t>Array</a:t>
+            </a:r>
+            <a:r>
+              <a:rPr lang="pt-BR" sz="1800" dirty="0" smtClean="0"/>
+              <a:t> válidos</a:t>
+            </a:r>
+          </a:p>
+          <a:p>
+            <a:pPr lvl="1"/>
+            <a:r>
+              <a:rPr lang="pt-BR" sz="1800" dirty="0" err="1" smtClean="0"/>
+              <a:t>Array</a:t>
+            </a:r>
+            <a:r>
+              <a:rPr lang="pt-BR" sz="1800" dirty="0" smtClean="0"/>
+              <a:t> de primitivos</a:t>
+            </a:r>
+          </a:p>
+          <a:p>
+            <a:pPr lvl="1"/>
+            <a:r>
+              <a:rPr lang="pt-BR" sz="1800" dirty="0" err="1" smtClean="0"/>
+              <a:t>Array</a:t>
+            </a:r>
+            <a:r>
+              <a:rPr lang="pt-BR" sz="1800" dirty="0" smtClean="0"/>
+              <a:t> de referência de Objeto</a:t>
+            </a:r>
+          </a:p>
+          <a:p>
+            <a:pPr lvl="1"/>
+            <a:r>
+              <a:rPr lang="pt-BR" sz="1800" dirty="0" smtClean="0"/>
+              <a:t>Atribuições de </a:t>
+            </a:r>
+            <a:r>
+              <a:rPr lang="pt-BR" sz="1800" dirty="0" err="1" smtClean="0"/>
+              <a:t>Array</a:t>
+            </a:r>
+            <a:r>
+              <a:rPr lang="pt-BR" sz="1800" dirty="0" smtClean="0"/>
+              <a:t> para referência, em </a:t>
+            </a:r>
+            <a:r>
+              <a:rPr lang="pt-BR" sz="1800" dirty="0" err="1" smtClean="0"/>
+              <a:t>Array</a:t>
+            </a:r>
+            <a:r>
+              <a:rPr lang="pt-BR" sz="1800" dirty="0" smtClean="0"/>
+              <a:t> unidimensional</a:t>
+            </a:r>
+          </a:p>
+          <a:p>
+            <a:pPr lvl="1"/>
+            <a:r>
+              <a:rPr lang="pt-BR" sz="1800" dirty="0"/>
+              <a:t>Atribuições de </a:t>
+            </a:r>
+            <a:r>
+              <a:rPr lang="pt-BR" sz="1800" dirty="0" err="1"/>
+              <a:t>Array</a:t>
+            </a:r>
+            <a:r>
+              <a:rPr lang="pt-BR" sz="1800" dirty="0"/>
+              <a:t> para referência, em </a:t>
+            </a:r>
+            <a:r>
+              <a:rPr lang="pt-BR" sz="1800" dirty="0" err="1"/>
+              <a:t>Array</a:t>
+            </a:r>
+            <a:r>
+              <a:rPr lang="pt-BR" sz="1800" dirty="0"/>
+              <a:t> </a:t>
+            </a:r>
+            <a:r>
+              <a:rPr lang="pt-BR" sz="1800" dirty="0" smtClean="0"/>
+              <a:t>multidimensional</a:t>
+            </a:r>
+            <a:endParaRPr lang="pt-BR" sz="1800" dirty="0"/>
+          </a:p>
+          <a:p>
+            <a:pPr lvl="1"/>
+            <a:endParaRPr lang="pt-BR" sz="1800" dirty="0"/>
+          </a:p>
+        </p:txBody>
+      </p:sp>
+      <p:sp>
+        <p:nvSpPr>
+          <p:cNvPr id="7" name="Espaço Reservado para Rodapé 3"/>
           <p:cNvSpPr txBox="1">
             <a:spLocks noGrp="1"/>
           </p:cNvSpPr>
@@ -13829,20 +14086,13 @@
     </p:spTree>
     <p:extLst>
       <p:ext uri="{BB962C8B-B14F-4D97-AF65-F5344CB8AC3E}">
-        <p14:creationId xmlns:p14="http://schemas.microsoft.com/office/powerpoint/2010/main" val="1389997935"/>
+        <p14:creationId xmlns:p14="http://schemas.microsoft.com/office/powerpoint/2010/main" val="222251435"/>
       </p:ext>
     </p:extLst>
   </p:cSld>
   <p:clrMapOvr>
     <a:masterClrMapping/>
   </p:clrMapOvr>
-  <p:timing>
-    <p:tnLst>
-      <p:par>
-        <p:cTn id="1" dur="indefinite" restart="never" nodeType="tmRoot"/>
-      </p:par>
-    </p:tnLst>
-  </p:timing>
 </p:sld>
 </file>
 
@@ -13865,12 +14115,12 @@
       </p:grpSpPr>
       <p:sp>
         <p:nvSpPr>
-          <p:cNvPr id="5" name="Título 4"/>
+          <p:cNvPr id="2" name="Título 1"/>
           <p:cNvSpPr>
             <a:spLocks noGrp="1"/>
           </p:cNvSpPr>
           <p:nvPr>
-            <p:ph type="title"/>
+            <p:ph type="ctrTitle"/>
           </p:nvPr>
         </p:nvSpPr>
         <p:spPr/>
@@ -13879,12 +14129,12 @@
           <a:lstStyle/>
           <a:p>
             <a:r>
-              <a:rPr lang="pt-BR" dirty="0"/>
+              <a:rPr lang="pt-BR" dirty="0" smtClean="0"/>
               <a:t>Usando </a:t>
             </a:r>
             <a:r>
-              <a:rPr lang="pt-BR" dirty="0" err="1"/>
-              <a:t>Arrays</a:t>
+              <a:rPr lang="pt-BR" dirty="0" err="1" smtClean="0"/>
+              <a:t>ArrayList</a:t>
             </a:r>
             <a:endParaRPr lang="pt-BR" dirty="0"/>
           </a:p>
@@ -13892,227 +14142,38 @@
       </p:sp>
       <p:sp>
         <p:nvSpPr>
-          <p:cNvPr id="6" name="Espaço Reservado para Conteúdo 5"/>
+          <p:cNvPr id="3" name="Subtítulo 2"/>
           <p:cNvSpPr>
             <a:spLocks noGrp="1"/>
           </p:cNvSpPr>
           <p:nvPr>
-            <p:ph idx="1"/>
-          </p:nvPr>
-        </p:nvSpPr>
-        <p:spPr>
-          <a:xfrm>
-            <a:off x="628650" y="1484784"/>
-            <a:ext cx="7886700" cy="4680520"/>
-          </a:xfrm>
-        </p:spPr>
+            <p:ph type="subTitle" idx="1"/>
+          </p:nvPr>
+        </p:nvSpPr>
+        <p:spPr/>
         <p:txBody>
           <a:bodyPr/>
           <a:lstStyle/>
           <a:p>
             <a:r>
-              <a:rPr lang="pt-BR" sz="2000" dirty="0" smtClean="0"/>
-              <a:t>Conceito</a:t>
-            </a:r>
-          </a:p>
-          <a:p>
-            <a:r>
-              <a:rPr lang="pt-BR" sz="2000" dirty="0" smtClean="0"/>
-              <a:t>Declarando um </a:t>
-            </a:r>
-            <a:r>
-              <a:rPr lang="pt-BR" sz="2000" dirty="0" err="1" smtClean="0"/>
-              <a:t>Array</a:t>
-            </a:r>
-            <a:endParaRPr lang="pt-BR" sz="2000" dirty="0" smtClean="0"/>
-          </a:p>
-          <a:p>
-            <a:r>
-              <a:rPr lang="pt-BR" sz="2000" dirty="0" smtClean="0"/>
-              <a:t>Construindo um </a:t>
-            </a:r>
-            <a:r>
-              <a:rPr lang="pt-BR" sz="2000" dirty="0" err="1" smtClean="0"/>
-              <a:t>Array</a:t>
-            </a:r>
-            <a:endParaRPr lang="pt-BR" sz="2000" dirty="0" smtClean="0"/>
-          </a:p>
-          <a:p>
-            <a:pPr lvl="1"/>
-            <a:r>
-              <a:rPr lang="pt-BR" sz="1800" dirty="0" err="1" smtClean="0"/>
-              <a:t>Contruindo</a:t>
-            </a:r>
-            <a:r>
-              <a:rPr lang="pt-BR" sz="1800" dirty="0" smtClean="0"/>
-              <a:t> um </a:t>
-            </a:r>
-            <a:r>
-              <a:rPr lang="pt-BR" sz="1800" dirty="0" err="1" smtClean="0"/>
-              <a:t>Array</a:t>
-            </a:r>
-            <a:r>
-              <a:rPr lang="pt-BR" sz="1800" dirty="0" smtClean="0"/>
-              <a:t> unidimensional</a:t>
-            </a:r>
-          </a:p>
-          <a:p>
-            <a:pPr lvl="1"/>
-            <a:r>
-              <a:rPr lang="pt-BR" sz="1800" dirty="0" smtClean="0"/>
-              <a:t>Construindo um </a:t>
-            </a:r>
-            <a:r>
-              <a:rPr lang="pt-BR" sz="1800" dirty="0" err="1" smtClean="0"/>
-              <a:t>Array</a:t>
-            </a:r>
-            <a:r>
-              <a:rPr lang="pt-BR" sz="1800" dirty="0" smtClean="0"/>
-              <a:t> multidimensional</a:t>
-            </a:r>
-          </a:p>
-          <a:p>
-            <a:r>
-              <a:rPr lang="pt-BR" sz="2000" dirty="0" smtClean="0"/>
-              <a:t>Inicializando um </a:t>
-            </a:r>
-            <a:r>
-              <a:rPr lang="pt-BR" sz="2000" dirty="0" err="1" smtClean="0"/>
-              <a:t>Array</a:t>
-            </a:r>
-            <a:endParaRPr lang="pt-BR" sz="2000" dirty="0" smtClean="0"/>
-          </a:p>
-          <a:p>
-            <a:pPr lvl="1"/>
-            <a:r>
-              <a:rPr lang="pt-BR" sz="1800" dirty="0" smtClean="0"/>
-              <a:t>Inicializando elementos em um loop</a:t>
-            </a:r>
-          </a:p>
-          <a:p>
-            <a:pPr lvl="1"/>
-            <a:r>
-              <a:rPr lang="pt-BR" sz="1800" dirty="0" smtClean="0"/>
-              <a:t>Declarando, construindo e inicializando em uma linha</a:t>
-            </a:r>
-          </a:p>
-          <a:p>
-            <a:pPr lvl="1"/>
-            <a:r>
-              <a:rPr lang="pt-BR" sz="1800" dirty="0" smtClean="0"/>
-              <a:t>Construindo e inicializando um </a:t>
-            </a:r>
-            <a:r>
-              <a:rPr lang="pt-BR" sz="1800" dirty="0" err="1" smtClean="0"/>
-              <a:t>Array</a:t>
-            </a:r>
-            <a:r>
-              <a:rPr lang="pt-BR" sz="1800" dirty="0" smtClean="0"/>
-              <a:t> </a:t>
-            </a:r>
-            <a:r>
-              <a:rPr lang="pt-BR" sz="1800" dirty="0" err="1" smtClean="0"/>
-              <a:t>Anonimo</a:t>
-            </a:r>
-            <a:endParaRPr lang="pt-BR" sz="1800" dirty="0" smtClean="0"/>
-          </a:p>
-          <a:p>
-            <a:pPr lvl="1"/>
-            <a:r>
-              <a:rPr lang="pt-BR" sz="1800" dirty="0" smtClean="0"/>
-              <a:t>Atribuições de elementos de </a:t>
-            </a:r>
-            <a:r>
-              <a:rPr lang="pt-BR" sz="1800" dirty="0" err="1" smtClean="0"/>
-              <a:t>Array</a:t>
-            </a:r>
-            <a:r>
-              <a:rPr lang="pt-BR" sz="1800" dirty="0" smtClean="0"/>
-              <a:t> válidos</a:t>
-            </a:r>
-          </a:p>
-          <a:p>
-            <a:pPr lvl="1"/>
-            <a:r>
-              <a:rPr lang="pt-BR" sz="1800" dirty="0" err="1" smtClean="0"/>
-              <a:t>Array</a:t>
-            </a:r>
-            <a:r>
-              <a:rPr lang="pt-BR" sz="1800" dirty="0" smtClean="0"/>
-              <a:t> de primitivos</a:t>
-            </a:r>
-          </a:p>
-          <a:p>
-            <a:pPr lvl="1"/>
-            <a:r>
-              <a:rPr lang="pt-BR" sz="1800" dirty="0" err="1" smtClean="0"/>
-              <a:t>Array</a:t>
-            </a:r>
-            <a:r>
-              <a:rPr lang="pt-BR" sz="1800" dirty="0" smtClean="0"/>
-              <a:t> de referência de Objeto</a:t>
-            </a:r>
-          </a:p>
-          <a:p>
-            <a:pPr lvl="1"/>
-            <a:r>
-              <a:rPr lang="pt-BR" sz="1800" dirty="0" smtClean="0"/>
-              <a:t>Atribuições de </a:t>
-            </a:r>
-            <a:r>
-              <a:rPr lang="pt-BR" sz="1800" dirty="0" err="1" smtClean="0"/>
-              <a:t>Array</a:t>
-            </a:r>
-            <a:r>
-              <a:rPr lang="pt-BR" sz="1800" dirty="0" smtClean="0"/>
-              <a:t> para referência, em </a:t>
-            </a:r>
-            <a:r>
-              <a:rPr lang="pt-BR" sz="1800" dirty="0" err="1" smtClean="0"/>
-              <a:t>Array</a:t>
-            </a:r>
-            <a:r>
-              <a:rPr lang="pt-BR" sz="1800" dirty="0" smtClean="0"/>
-              <a:t> unidimensional</a:t>
-            </a:r>
-          </a:p>
-          <a:p>
-            <a:pPr lvl="1"/>
-            <a:r>
-              <a:rPr lang="pt-BR" sz="1800" dirty="0"/>
-              <a:t>Atribuições de </a:t>
-            </a:r>
-            <a:r>
-              <a:rPr lang="pt-BR" sz="1800" dirty="0" err="1"/>
-              <a:t>Array</a:t>
-            </a:r>
-            <a:r>
-              <a:rPr lang="pt-BR" sz="1800" dirty="0"/>
-              <a:t> para referência, em </a:t>
-            </a:r>
-            <a:r>
-              <a:rPr lang="pt-BR" sz="1800" dirty="0" err="1"/>
-              <a:t>Array</a:t>
-            </a:r>
-            <a:r>
-              <a:rPr lang="pt-BR" sz="1800" dirty="0"/>
-              <a:t> </a:t>
-            </a:r>
-            <a:r>
-              <a:rPr lang="pt-BR" sz="1800" dirty="0" smtClean="0"/>
-              <a:t>multidimensional</a:t>
-            </a:r>
-            <a:endParaRPr lang="pt-BR" sz="1800" dirty="0"/>
-          </a:p>
-          <a:p>
-            <a:pPr lvl="1"/>
-            <a:endParaRPr lang="pt-BR" sz="1800" dirty="0"/>
-          </a:p>
-        </p:txBody>
-      </p:sp>
-      <p:sp>
-        <p:nvSpPr>
-          <p:cNvPr id="7" name="Espaço Reservado para Rodapé 3"/>
+              <a:rPr lang="pt-BR" dirty="0" smtClean="0"/>
+              <a:t>OCA </a:t>
+            </a:r>
+            <a:r>
+              <a:rPr lang="pt-BR" dirty="0" err="1" smtClean="0"/>
+              <a:t>Objective</a:t>
+            </a:r>
+            <a:r>
+              <a:rPr lang="pt-BR" dirty="0" smtClean="0"/>
+              <a:t> 4.3</a:t>
+            </a:r>
+            <a:endParaRPr lang="pt-BR" dirty="0"/>
+          </a:p>
+        </p:txBody>
+      </p:sp>
+      <p:sp>
+        <p:nvSpPr>
+          <p:cNvPr id="5" name="Espaço Reservado para Rodapé 3"/>
           <p:cNvSpPr txBox="1">
             <a:spLocks noGrp="1"/>
           </p:cNvSpPr>
@@ -14308,13 +14369,20 @@
     </p:spTree>
     <p:extLst>
       <p:ext uri="{BB962C8B-B14F-4D97-AF65-F5344CB8AC3E}">
-        <p14:creationId xmlns:p14="http://schemas.microsoft.com/office/powerpoint/2010/main" val="222251435"/>
+        <p14:creationId xmlns:p14="http://schemas.microsoft.com/office/powerpoint/2010/main" val="2158061903"/>
       </p:ext>
     </p:extLst>
   </p:cSld>
   <p:clrMapOvr>
     <a:masterClrMapping/>
   </p:clrMapOvr>
+  <p:timing>
+    <p:tnLst>
+      <p:par>
+        <p:cTn id="1" dur="indefinite" restart="never" nodeType="tmRoot"/>
+      </p:par>
+    </p:tnLst>
+  </p:timing>
 </p:sld>
 </file>
 
@@ -14337,12 +14405,12 @@
       </p:grpSpPr>
       <p:sp>
         <p:nvSpPr>
-          <p:cNvPr id="2" name="Título 1"/>
+          <p:cNvPr id="5" name="Título 4"/>
           <p:cNvSpPr>
             <a:spLocks noGrp="1"/>
           </p:cNvSpPr>
           <p:nvPr>
-            <p:ph type="ctrTitle"/>
+            <p:ph type="title"/>
           </p:nvPr>
         </p:nvSpPr>
         <p:spPr/>
@@ -14351,51 +14419,79 @@
           <a:lstStyle/>
           <a:p>
             <a:r>
-              <a:rPr lang="pt-BR" dirty="0" smtClean="0"/>
+              <a:rPr lang="pt-BR" dirty="0"/>
               <a:t>Usando </a:t>
+            </a:r>
+            <a:r>
+              <a:rPr lang="pt-BR" dirty="0" err="1"/>
+              <a:t>ArrayList</a:t>
+            </a:r>
+            <a:endParaRPr lang="pt-BR" dirty="0"/>
+          </a:p>
+        </p:txBody>
+      </p:sp>
+      <p:sp>
+        <p:nvSpPr>
+          <p:cNvPr id="6" name="Espaço Reservado para Conteúdo 5"/>
+          <p:cNvSpPr>
+            <a:spLocks noGrp="1"/>
+          </p:cNvSpPr>
+          <p:nvPr>
+            <p:ph idx="1"/>
+          </p:nvPr>
+        </p:nvSpPr>
+        <p:spPr/>
+        <p:txBody>
+          <a:bodyPr/>
+          <a:lstStyle/>
+          <a:p>
+            <a:r>
+              <a:rPr lang="pt-BR" dirty="0" smtClean="0"/>
+              <a:t>Quando usar </a:t>
+            </a:r>
+            <a:r>
+              <a:rPr lang="pt-BR" dirty="0" err="1" smtClean="0"/>
+              <a:t>ArrayLists</a:t>
+            </a:r>
+            <a:endParaRPr lang="pt-BR" dirty="0" smtClean="0"/>
+          </a:p>
+          <a:p>
+            <a:pPr lvl="1"/>
+            <a:r>
+              <a:rPr lang="pt-BR" dirty="0" err="1" smtClean="0"/>
+              <a:t>ArraysLists</a:t>
+            </a:r>
+            <a:r>
+              <a:rPr lang="pt-BR" dirty="0" smtClean="0"/>
+              <a:t> e duplicatas</a:t>
+            </a:r>
+          </a:p>
+          <a:p>
+            <a:r>
+              <a:rPr lang="pt-BR" dirty="0" smtClean="0"/>
+              <a:t>Métodos importantes de </a:t>
             </a:r>
             <a:r>
               <a:rPr lang="pt-BR" dirty="0" err="1" smtClean="0"/>
               <a:t>ArrayList</a:t>
             </a:r>
+            <a:r>
+              <a:rPr lang="pt-BR" dirty="0" smtClean="0"/>
+              <a:t> </a:t>
+            </a:r>
+          </a:p>
+          <a:p>
+            <a:r>
+              <a:rPr lang="pt-BR" dirty="0" smtClean="0"/>
+              <a:t>Encapsulamento para variáveis de referência</a:t>
+            </a:r>
             <a:endParaRPr lang="pt-BR" dirty="0"/>
           </a:p>
         </p:txBody>
       </p:sp>
       <p:sp>
         <p:nvSpPr>
-          <p:cNvPr id="3" name="Subtítulo 2"/>
-          <p:cNvSpPr>
-            <a:spLocks noGrp="1"/>
-          </p:cNvSpPr>
-          <p:nvPr>
-            <p:ph type="subTitle" idx="1"/>
-          </p:nvPr>
-        </p:nvSpPr>
-        <p:spPr/>
-        <p:txBody>
-          <a:bodyPr/>
-          <a:lstStyle/>
-          <a:p>
-            <a:r>
-              <a:rPr lang="pt-BR" dirty="0" smtClean="0"/>
-              <a:t>OCA </a:t>
-            </a:r>
-            <a:r>
-              <a:rPr lang="pt-BR" dirty="0" err="1" smtClean="0"/>
-              <a:t>Objective</a:t>
-            </a:r>
-            <a:r>
-              <a:rPr lang="pt-BR" dirty="0" smtClean="0"/>
-              <a:t> 4.3</a:t>
-            </a:r>
-            <a:endParaRPr lang="pt-BR" dirty="0"/>
-          </a:p>
-        </p:txBody>
-      </p:sp>
-      <p:sp>
-        <p:nvSpPr>
-          <p:cNvPr id="5" name="Espaço Reservado para Rodapé 3"/>
+          <p:cNvPr id="7" name="Espaço Reservado para Rodapé 3"/>
           <p:cNvSpPr txBox="1">
             <a:spLocks noGrp="1"/>
           </p:cNvSpPr>
@@ -14591,20 +14687,13 @@
     </p:spTree>
     <p:extLst>
       <p:ext uri="{BB962C8B-B14F-4D97-AF65-F5344CB8AC3E}">
-        <p14:creationId xmlns:p14="http://schemas.microsoft.com/office/powerpoint/2010/main" val="2158061903"/>
+        <p14:creationId xmlns:p14="http://schemas.microsoft.com/office/powerpoint/2010/main" val="3738884704"/>
       </p:ext>
     </p:extLst>
   </p:cSld>
   <p:clrMapOvr>
     <a:masterClrMapping/>
   </p:clrMapOvr>
-  <p:timing>
-    <p:tnLst>
-      <p:par>
-        <p:cTn id="1" dur="indefinite" restart="never" nodeType="tmRoot"/>
-      </p:par>
-    </p:tnLst>
-  </p:timing>
 </p:sld>
 </file>
 
@@ -14627,12 +14716,12 @@
       </p:grpSpPr>
       <p:sp>
         <p:nvSpPr>
-          <p:cNvPr id="5" name="Título 4"/>
+          <p:cNvPr id="2" name="Título 1"/>
           <p:cNvSpPr>
             <a:spLocks noGrp="1"/>
           </p:cNvSpPr>
           <p:nvPr>
-            <p:ph type="title"/>
+            <p:ph type="ctrTitle"/>
           </p:nvPr>
         </p:nvSpPr>
         <p:spPr/>
@@ -14641,12 +14730,16 @@
           <a:lstStyle/>
           <a:p>
             <a:r>
-              <a:rPr lang="pt-BR" dirty="0"/>
+              <a:rPr lang="pt-BR" dirty="0" smtClean="0"/>
               <a:t>Usando </a:t>
             </a:r>
             <a:r>
-              <a:rPr lang="pt-BR" dirty="0" err="1"/>
-              <a:t>ArrayList</a:t>
+              <a:rPr lang="pt-BR" dirty="0" err="1" smtClean="0"/>
+              <a:t>if</a:t>
+            </a:r>
+            <a:r>
+              <a:rPr lang="pt-BR" dirty="0" smtClean="0"/>
+              <a:t> e switch</a:t>
             </a:r>
             <a:endParaRPr lang="pt-BR" dirty="0"/>
           </a:p>
@@ -14654,12 +14747,12 @@
       </p:sp>
       <p:sp>
         <p:nvSpPr>
-          <p:cNvPr id="6" name="Espaço Reservado para Conteúdo 5"/>
+          <p:cNvPr id="3" name="Subtítulo 2"/>
           <p:cNvSpPr>
             <a:spLocks noGrp="1"/>
           </p:cNvSpPr>
           <p:nvPr>
-            <p:ph idx="1"/>
+            <p:ph type="subTitle" idx="1"/>
           </p:nvPr>
         </p:nvSpPr>
         <p:spPr/>
@@ -14669,43 +14762,15 @@
           <a:p>
             <a:r>
               <a:rPr lang="pt-BR" dirty="0" smtClean="0"/>
-              <a:t>Quando usar </a:t>
+              <a:t>OCA </a:t>
             </a:r>
             <a:r>
               <a:rPr lang="pt-BR" dirty="0" err="1" smtClean="0"/>
-              <a:t>ArrayLists</a:t>
-            </a:r>
-            <a:endParaRPr lang="pt-BR" dirty="0" smtClean="0"/>
-          </a:p>
-          <a:p>
-            <a:pPr lvl="1"/>
-            <a:r>
-              <a:rPr lang="pt-BR" dirty="0" err="1" smtClean="0"/>
-              <a:t>ArraysLists</a:t>
-            </a:r>
-            <a:r>
-              <a:rPr lang="pt-BR" dirty="0" smtClean="0"/>
-              <a:t> e duplicatas</a:t>
-            </a:r>
-          </a:p>
-          <a:p>
-            <a:r>
-              <a:rPr lang="pt-BR" dirty="0" smtClean="0"/>
-              <a:t>Métodos importantes de </a:t>
-            </a:r>
-            <a:r>
-              <a:rPr lang="pt-BR" dirty="0" err="1" smtClean="0"/>
-              <a:t>ArrayList</a:t>
-            </a:r>
-            <a:r>
-              <a:rPr lang="pt-BR" dirty="0" smtClean="0"/>
-              <a:t> </a:t>
-            </a:r>
-          </a:p>
-          <a:p>
-            <a:r>
-              <a:rPr lang="pt-BR" dirty="0" smtClean="0"/>
-              <a:t>Encapsulamento para variáveis de referência</a:t>
+              <a:t>Objectives</a:t>
+            </a:r>
+            <a:r>
+              <a:rPr lang="pt-BR" dirty="0" smtClean="0"/>
+              <a:t> 3.4, 3.5 e 1.1 upgrade</a:t>
             </a:r>
             <a:endParaRPr lang="pt-BR" dirty="0"/>
           </a:p>
@@ -14713,7 +14778,7 @@
       </p:sp>
       <p:sp>
         <p:nvSpPr>
-          <p:cNvPr id="7" name="Espaço Reservado para Rodapé 3"/>
+          <p:cNvPr id="5" name="Espaço Reservado para Rodapé 3"/>
           <p:cNvSpPr txBox="1">
             <a:spLocks noGrp="1"/>
           </p:cNvSpPr>
@@ -14839,28 +14904,8 @@
               </a:defRPr>
             </a:pPr>
             <a:r>
-              <a:rPr lang="pt-BR" dirty="0"/>
-              <a:t>Trabalhando com </a:t>
-            </a:r>
-            <a:r>
-              <a:rPr lang="pt-BR" dirty="0" err="1"/>
-              <a:t>Strings</a:t>
-            </a:r>
-            <a:r>
-              <a:rPr lang="pt-BR" dirty="0"/>
-              <a:t>, </a:t>
-            </a:r>
-            <a:r>
-              <a:rPr lang="pt-BR" dirty="0" err="1"/>
-              <a:t>Arrays</a:t>
-            </a:r>
-            <a:r>
-              <a:rPr lang="pt-BR" dirty="0"/>
-              <a:t> e </a:t>
-            </a:r>
-            <a:r>
-              <a:rPr lang="pt-BR" dirty="0" err="1"/>
-              <a:t>ArrayLists</a:t>
+              <a:rPr lang="pt-BR" dirty="0" smtClean="0"/>
+              <a:t>Controle de Fluxo e Exceções</a:t>
             </a:r>
             <a:endParaRPr lang="pt-BR" dirty="0"/>
           </a:p>
@@ -14909,13 +14954,20 @@
     </p:spTree>
     <p:extLst>
       <p:ext uri="{BB962C8B-B14F-4D97-AF65-F5344CB8AC3E}">
-        <p14:creationId xmlns:p14="http://schemas.microsoft.com/office/powerpoint/2010/main" val="3738884704"/>
+        <p14:creationId xmlns:p14="http://schemas.microsoft.com/office/powerpoint/2010/main" val="532384450"/>
       </p:ext>
     </p:extLst>
   </p:cSld>
   <p:clrMapOvr>
     <a:masterClrMapping/>
   </p:clrMapOvr>
+  <p:timing>
+    <p:tnLst>
+      <p:par>
+        <p:cTn id="1" dur="indefinite" restart="never" nodeType="tmRoot"/>
+      </p:par>
+    </p:tnLst>
+  </p:timing>
 </p:sld>
 </file>
 
@@ -14938,12 +14990,12 @@
       </p:grpSpPr>
       <p:sp>
         <p:nvSpPr>
-          <p:cNvPr id="2" name="Título 1"/>
+          <p:cNvPr id="5" name="Título 4"/>
           <p:cNvSpPr>
             <a:spLocks noGrp="1"/>
           </p:cNvSpPr>
           <p:nvPr>
-            <p:ph type="ctrTitle"/>
+            <p:ph type="title"/>
           </p:nvPr>
         </p:nvSpPr>
         <p:spPr/>
@@ -14952,55 +15004,119 @@
           <a:lstStyle/>
           <a:p>
             <a:r>
-              <a:rPr lang="pt-BR" dirty="0" smtClean="0"/>
+              <a:rPr lang="pt-BR" dirty="0"/>
               <a:t>Usando </a:t>
+            </a:r>
+            <a:r>
+              <a:rPr lang="pt-BR" dirty="0" err="1"/>
+              <a:t>if</a:t>
+            </a:r>
+            <a:r>
+              <a:rPr lang="pt-BR" dirty="0"/>
+              <a:t> e switch</a:t>
+            </a:r>
+          </a:p>
+        </p:txBody>
+      </p:sp>
+      <p:sp>
+        <p:nvSpPr>
+          <p:cNvPr id="6" name="Espaço Reservado para Conteúdo 5"/>
+          <p:cNvSpPr>
+            <a:spLocks noGrp="1"/>
+          </p:cNvSpPr>
+          <p:nvPr>
+            <p:ph idx="1"/>
+          </p:nvPr>
+        </p:nvSpPr>
+        <p:spPr/>
+        <p:txBody>
+          <a:bodyPr/>
+          <a:lstStyle/>
+          <a:p>
+            <a:r>
+              <a:rPr lang="pt-BR" dirty="0" err="1" smtClean="0"/>
+              <a:t>Branching</a:t>
+            </a:r>
+            <a:r>
+              <a:rPr lang="pt-BR" dirty="0" smtClean="0"/>
+              <a:t> </a:t>
+            </a:r>
+            <a:r>
+              <a:rPr lang="pt-BR" dirty="0" err="1" smtClean="0"/>
+              <a:t>if-else</a:t>
+            </a:r>
+            <a:endParaRPr lang="pt-BR" dirty="0" smtClean="0"/>
+          </a:p>
+          <a:p>
+            <a:pPr lvl="1"/>
+            <a:r>
+              <a:rPr lang="pt-BR" dirty="0" smtClean="0"/>
+              <a:t>Expressões válidas para as cláusulas </a:t>
             </a:r>
             <a:r>
               <a:rPr lang="pt-BR" dirty="0" err="1" smtClean="0"/>
               <a:t>if</a:t>
             </a:r>
-            <a:r>
-              <a:rPr lang="pt-BR" dirty="0" smtClean="0"/>
-              <a:t> e switch</a:t>
-            </a:r>
+            <a:endParaRPr lang="pt-BR" dirty="0" smtClean="0"/>
+          </a:p>
+          <a:p>
+            <a:r>
+              <a:rPr lang="pt-BR" dirty="0" smtClean="0"/>
+              <a:t>Cláusulas switch</a:t>
+            </a:r>
+          </a:p>
+          <a:p>
+            <a:pPr lvl="1"/>
+            <a:r>
+              <a:rPr lang="pt-BR" dirty="0" smtClean="0"/>
+              <a:t>Expressões válidas para switch e case</a:t>
+            </a:r>
+          </a:p>
+          <a:p>
+            <a:pPr lvl="1"/>
+            <a:r>
+              <a:rPr lang="pt-BR" dirty="0" smtClean="0"/>
+              <a:t>Uma introdução para a “igualdade” em </a:t>
+            </a:r>
+            <a:r>
+              <a:rPr lang="pt-BR" dirty="0" err="1" smtClean="0"/>
+              <a:t>Strings</a:t>
+            </a:r>
+            <a:endParaRPr lang="pt-BR" dirty="0" smtClean="0"/>
+          </a:p>
+          <a:p>
+            <a:pPr lvl="1"/>
+            <a:r>
+              <a:rPr lang="pt-BR" dirty="0" smtClean="0"/>
+              <a:t>Break e </a:t>
+            </a:r>
+            <a:r>
+              <a:rPr lang="pt-BR" dirty="0" err="1" smtClean="0"/>
+              <a:t>cascateamento</a:t>
+            </a:r>
+            <a:r>
+              <a:rPr lang="pt-BR" dirty="0" smtClean="0"/>
+              <a:t> nos blocos switch</a:t>
+            </a:r>
+          </a:p>
+          <a:p>
+            <a:pPr lvl="1"/>
+            <a:r>
+              <a:rPr lang="pt-BR" dirty="0" smtClean="0"/>
+              <a:t>O case default</a:t>
+            </a:r>
+          </a:p>
+          <a:p>
+            <a:pPr marL="457200" lvl="1" indent="0">
+              <a:buNone/>
+            </a:pPr>
             <a:endParaRPr lang="pt-BR" dirty="0"/>
           </a:p>
         </p:txBody>
       </p:sp>
       <p:sp>
         <p:nvSpPr>
-          <p:cNvPr id="3" name="Subtítulo 2"/>
-          <p:cNvSpPr>
-            <a:spLocks noGrp="1"/>
-          </p:cNvSpPr>
-          <p:nvPr>
-            <p:ph type="subTitle" idx="1"/>
-          </p:nvPr>
-        </p:nvSpPr>
-        <p:spPr/>
-        <p:txBody>
-          <a:bodyPr/>
-          <a:lstStyle/>
-          <a:p>
-            <a:r>
-              <a:rPr lang="pt-BR" dirty="0" smtClean="0"/>
-              <a:t>OCA </a:t>
-            </a:r>
-            <a:r>
-              <a:rPr lang="pt-BR" dirty="0" err="1" smtClean="0"/>
-              <a:t>Objectives</a:t>
-            </a:r>
-            <a:r>
-              <a:rPr lang="pt-BR" dirty="0" smtClean="0"/>
-              <a:t> 3.4, 3.5 e 1.1 upgrade</a:t>
-            </a:r>
-            <a:endParaRPr lang="pt-BR" dirty="0"/>
-          </a:p>
-        </p:txBody>
-      </p:sp>
-      <p:sp>
-        <p:nvSpPr>
-          <p:cNvPr id="5" name="Espaço Reservado para Rodapé 3"/>
+          <p:cNvPr id="7" name="Espaço Reservado para Rodapé 3"/>
           <p:cNvSpPr txBox="1">
             <a:spLocks noGrp="1"/>
           </p:cNvSpPr>
@@ -15176,20 +15292,13 @@
     </p:spTree>
     <p:extLst>
       <p:ext uri="{BB962C8B-B14F-4D97-AF65-F5344CB8AC3E}">
-        <p14:creationId xmlns:p14="http://schemas.microsoft.com/office/powerpoint/2010/main" val="532384450"/>
+        <p14:creationId xmlns:p14="http://schemas.microsoft.com/office/powerpoint/2010/main" val="3663202734"/>
       </p:ext>
     </p:extLst>
   </p:cSld>
   <p:clrMapOvr>
     <a:masterClrMapping/>
   </p:clrMapOvr>
-  <p:timing>
-    <p:tnLst>
-      <p:par>
-        <p:cTn id="1" dur="indefinite" restart="never" nodeType="tmRoot"/>
-      </p:par>
-    </p:tnLst>
-  </p:timing>
 </p:sld>
 </file>
 
@@ -15212,12 +15321,12 @@
       </p:grpSpPr>
       <p:sp>
         <p:nvSpPr>
-          <p:cNvPr id="5" name="Título 4"/>
+          <p:cNvPr id="2" name="Título 1"/>
           <p:cNvSpPr>
             <a:spLocks noGrp="1"/>
           </p:cNvSpPr>
           <p:nvPr>
-            <p:ph type="title"/>
+            <p:ph type="ctrTitle"/>
           </p:nvPr>
         </p:nvSpPr>
         <p:spPr/>
@@ -15226,28 +15335,21 @@
           <a:lstStyle/>
           <a:p>
             <a:r>
-              <a:rPr lang="pt-BR" dirty="0"/>
-              <a:t>Usando </a:t>
-            </a:r>
-            <a:r>
-              <a:rPr lang="pt-BR" dirty="0" err="1"/>
-              <a:t>if</a:t>
-            </a:r>
-            <a:r>
-              <a:rPr lang="pt-BR" dirty="0"/>
-              <a:t> e switch</a:t>
-            </a:r>
-          </a:p>
-        </p:txBody>
-      </p:sp>
-      <p:sp>
-        <p:nvSpPr>
-          <p:cNvPr id="6" name="Espaço Reservado para Conteúdo 5"/>
+              <a:rPr lang="pt-BR" dirty="0" smtClean="0"/>
+              <a:t>Criando Loops</a:t>
+            </a:r>
+            <a:endParaRPr lang="pt-BR" dirty="0"/>
+          </a:p>
+        </p:txBody>
+      </p:sp>
+      <p:sp>
+        <p:nvSpPr>
+          <p:cNvPr id="3" name="Subtítulo 2"/>
           <p:cNvSpPr>
             <a:spLocks noGrp="1"/>
           </p:cNvSpPr>
           <p:nvPr>
-            <p:ph idx="1"/>
+            <p:ph type="subTitle" idx="1"/>
           </p:nvPr>
         </p:nvSpPr>
         <p:spPr/>
@@ -15256,89 +15358,32 @@
           <a:lstStyle/>
           <a:p>
             <a:r>
+              <a:rPr lang="pt-BR" dirty="0" smtClean="0"/>
+              <a:t>OCA </a:t>
+            </a:r>
+            <a:r>
               <a:rPr lang="pt-BR" dirty="0" err="1" smtClean="0"/>
-              <a:t>Branching</a:t>
-            </a:r>
-            <a:r>
-              <a:rPr lang="pt-BR" dirty="0" smtClean="0"/>
-              <a:t> </a:t>
+              <a:t>Objectives</a:t>
+            </a:r>
+            <a:r>
+              <a:rPr lang="pt-BR" dirty="0" smtClean="0"/>
+              <a:t> 5.1, 5.2, 5.3, 5.4 </a:t>
             </a:r>
             <a:r>
               <a:rPr lang="pt-BR" dirty="0" err="1" smtClean="0"/>
-              <a:t>if-else</a:t>
-            </a:r>
-            <a:endParaRPr lang="pt-BR" dirty="0" smtClean="0"/>
-          </a:p>
-          <a:p>
-            <a:pPr lvl="1"/>
-            <a:r>
-              <a:rPr lang="pt-BR" dirty="0" smtClean="0"/>
-              <a:t>Expressões válidas para as cláusulas </a:t>
-            </a:r>
-            <a:r>
-              <a:rPr lang="pt-BR" dirty="0" err="1" smtClean="0"/>
-              <a:t>if</a:t>
-            </a:r>
-            <a:endParaRPr lang="pt-BR" dirty="0" smtClean="0"/>
-          </a:p>
-          <a:p>
-            <a:r>
-              <a:rPr lang="pt-BR" dirty="0" smtClean="0"/>
-              <a:t>Cláusulas switch</a:t>
-            </a:r>
-          </a:p>
-          <a:p>
-            <a:pPr lvl="1"/>
-            <a:r>
-              <a:rPr lang="pt-BR" dirty="0" smtClean="0"/>
-              <a:t>Expressões válidas para switch e case</a:t>
-            </a:r>
-          </a:p>
-          <a:p>
-            <a:pPr lvl="1"/>
-            <a:r>
-              <a:rPr lang="pt-BR" dirty="0" smtClean="0"/>
-              <a:t>Uma introdução para a “igualdade” em </a:t>
-            </a:r>
-            <a:r>
-              <a:rPr lang="pt-BR" dirty="0" err="1" smtClean="0"/>
-              <a:t>Strings</a:t>
-            </a:r>
-            <a:endParaRPr lang="pt-BR" dirty="0" smtClean="0"/>
-          </a:p>
-          <a:p>
-            <a:pPr lvl="1"/>
-            <a:r>
-              <a:rPr lang="pt-BR" dirty="0" smtClean="0"/>
-              <a:t>Break e </a:t>
-            </a:r>
-            <a:r>
-              <a:rPr lang="pt-BR" dirty="0" err="1" smtClean="0"/>
-              <a:t>cascateamento</a:t>
-            </a:r>
-            <a:r>
-              <a:rPr lang="pt-BR" dirty="0" smtClean="0"/>
-              <a:t> nos blocos switch</a:t>
-            </a:r>
-          </a:p>
-          <a:p>
-            <a:pPr lvl="1"/>
-            <a:r>
-              <a:rPr lang="pt-BR" dirty="0" smtClean="0"/>
-              <a:t>O case default</a:t>
-            </a:r>
-          </a:p>
-          <a:p>
-            <a:pPr marL="457200" lvl="1" indent="0">
-              <a:buNone/>
-            </a:pPr>
+              <a:t>and</a:t>
+            </a:r>
+            <a:r>
+              <a:rPr lang="pt-BR" dirty="0" smtClean="0"/>
+              <a:t> 5.5</a:t>
+            </a:r>
             <a:endParaRPr lang="pt-BR" dirty="0"/>
           </a:p>
         </p:txBody>
       </p:sp>
       <p:sp>
         <p:nvSpPr>
-          <p:cNvPr id="7" name="Espaço Reservado para Rodapé 3"/>
+          <p:cNvPr id="5" name="Espaço Reservado para Rodapé 3"/>
           <p:cNvSpPr txBox="1">
             <a:spLocks noGrp="1"/>
           </p:cNvSpPr>
@@ -15514,13 +15559,20 @@
     </p:spTree>
     <p:extLst>
       <p:ext uri="{BB962C8B-B14F-4D97-AF65-F5344CB8AC3E}">
-        <p14:creationId xmlns:p14="http://schemas.microsoft.com/office/powerpoint/2010/main" val="3663202734"/>
+        <p14:creationId xmlns:p14="http://schemas.microsoft.com/office/powerpoint/2010/main" val="2470865896"/>
       </p:ext>
     </p:extLst>
   </p:cSld>
   <p:clrMapOvr>
     <a:masterClrMapping/>
   </p:clrMapOvr>
+  <p:timing>
+    <p:tnLst>
+      <p:par>
+        <p:cTn id="1" dur="indefinite" restart="never" nodeType="tmRoot"/>
+      </p:par>
+    </p:tnLst>
+  </p:timing>
 </p:sld>
 </file>
 
@@ -15543,12 +15595,12 @@
       </p:grpSpPr>
       <p:sp>
         <p:nvSpPr>
-          <p:cNvPr id="2" name="Título 1"/>
+          <p:cNvPr id="5" name="Título 4"/>
           <p:cNvSpPr>
             <a:spLocks noGrp="1"/>
           </p:cNvSpPr>
           <p:nvPr>
-            <p:ph type="ctrTitle"/>
+            <p:ph type="title"/>
           </p:nvPr>
         </p:nvSpPr>
         <p:spPr/>
@@ -15557,21 +15609,20 @@
           <a:lstStyle/>
           <a:p>
             <a:r>
-              <a:rPr lang="pt-BR" dirty="0" smtClean="0"/>
+              <a:rPr lang="pt-BR" dirty="0"/>
               <a:t>Criando Loops</a:t>
             </a:r>
-            <a:endParaRPr lang="pt-BR" dirty="0"/>
-          </a:p>
-        </p:txBody>
-      </p:sp>
-      <p:sp>
-        <p:nvSpPr>
-          <p:cNvPr id="3" name="Subtítulo 2"/>
+          </a:p>
+        </p:txBody>
+      </p:sp>
+      <p:sp>
+        <p:nvSpPr>
+          <p:cNvPr id="6" name="Espaço Reservado para Conteúdo 5"/>
           <p:cNvSpPr>
             <a:spLocks noGrp="1"/>
           </p:cNvSpPr>
           <p:nvPr>
-            <p:ph type="subTitle" idx="1"/>
+            <p:ph idx="1"/>
           </p:nvPr>
         </p:nvSpPr>
         <p:spPr/>
@@ -15580,32 +15631,99 @@
           <a:lstStyle/>
           <a:p>
             <a:r>
-              <a:rPr lang="pt-BR" dirty="0" smtClean="0"/>
-              <a:t>OCA </a:t>
-            </a:r>
-            <a:r>
-              <a:rPr lang="pt-BR" dirty="0" err="1" smtClean="0"/>
-              <a:t>Objectives</a:t>
-            </a:r>
-            <a:r>
-              <a:rPr lang="pt-BR" dirty="0" smtClean="0"/>
-              <a:t> 5.1, 5.2, 5.3, 5.4 </a:t>
-            </a:r>
-            <a:r>
-              <a:rPr lang="pt-BR" dirty="0" err="1" smtClean="0"/>
-              <a:t>and</a:t>
-            </a:r>
-            <a:r>
-              <a:rPr lang="pt-BR" dirty="0" smtClean="0"/>
-              <a:t> 5.5</a:t>
-            </a:r>
-            <a:endParaRPr lang="pt-BR" dirty="0"/>
-          </a:p>
-        </p:txBody>
-      </p:sp>
-      <p:sp>
-        <p:nvSpPr>
-          <p:cNvPr id="5" name="Espaço Reservado para Rodapé 3"/>
+              <a:rPr lang="pt-BR" sz="2400" dirty="0" smtClean="0"/>
+              <a:t>Usando loop </a:t>
+            </a:r>
+            <a:r>
+              <a:rPr lang="pt-BR" sz="2400" dirty="0" err="1" smtClean="0"/>
+              <a:t>while</a:t>
+            </a:r>
+            <a:endParaRPr lang="pt-BR" sz="2400" dirty="0" smtClean="0"/>
+          </a:p>
+          <a:p>
+            <a:r>
+              <a:rPr lang="pt-BR" sz="2400" dirty="0" smtClean="0"/>
+              <a:t>Usando loop do</a:t>
+            </a:r>
+          </a:p>
+          <a:p>
+            <a:r>
+              <a:rPr lang="pt-BR" sz="2400" dirty="0" smtClean="0"/>
+              <a:t>Usando loop for</a:t>
+            </a:r>
+          </a:p>
+          <a:p>
+            <a:pPr lvl="1"/>
+            <a:r>
+              <a:rPr lang="pt-BR" sz="2000" dirty="0" smtClean="0"/>
+              <a:t>Sobre o loop for Básico</a:t>
+            </a:r>
+          </a:p>
+          <a:p>
+            <a:pPr lvl="1"/>
+            <a:r>
+              <a:rPr lang="pt-BR" sz="2000" dirty="0" smtClean="0"/>
+              <a:t>Declaração e inicialização de loop for básico</a:t>
+            </a:r>
+          </a:p>
+          <a:p>
+            <a:pPr lvl="1"/>
+            <a:r>
+              <a:rPr lang="pt-BR" sz="2000" dirty="0" smtClean="0"/>
+              <a:t>Expressões condicionais no loop for básico</a:t>
+            </a:r>
+          </a:p>
+          <a:p>
+            <a:pPr lvl="1"/>
+            <a:r>
+              <a:rPr lang="pt-BR" sz="2000" dirty="0" smtClean="0"/>
+              <a:t>Expressões de iteração no loop for básico</a:t>
+            </a:r>
+          </a:p>
+          <a:p>
+            <a:pPr lvl="1"/>
+            <a:r>
+              <a:rPr lang="pt-BR" sz="2000" dirty="0" smtClean="0"/>
+              <a:t>Considerações sobre loop for básico</a:t>
+            </a:r>
+          </a:p>
+          <a:p>
+            <a:pPr lvl="1"/>
+            <a:r>
+              <a:rPr lang="pt-BR" sz="2000" dirty="0" smtClean="0"/>
+              <a:t>Sobre o loop for Aprimorado</a:t>
+            </a:r>
+          </a:p>
+          <a:p>
+            <a:r>
+              <a:rPr lang="pt-BR" sz="2400" dirty="0" smtClean="0"/>
+              <a:t>Cláusulas </a:t>
+            </a:r>
+            <a:r>
+              <a:rPr lang="pt-BR" sz="2400" dirty="0" err="1" smtClean="0"/>
+              <a:t>Unlabeled</a:t>
+            </a:r>
+            <a:endParaRPr lang="pt-BR" sz="2400" dirty="0" smtClean="0"/>
+          </a:p>
+          <a:p>
+            <a:r>
+              <a:rPr lang="pt-BR" sz="2400" dirty="0" smtClean="0"/>
+              <a:t>Cláusulas </a:t>
+            </a:r>
+            <a:r>
+              <a:rPr lang="pt-BR" sz="2400" dirty="0" err="1" smtClean="0"/>
+              <a:t>Labeled</a:t>
+            </a:r>
+            <a:endParaRPr lang="pt-BR" sz="2400" dirty="0" smtClean="0"/>
+          </a:p>
+          <a:p>
+            <a:endParaRPr lang="pt-BR" sz="2400" dirty="0"/>
+          </a:p>
+        </p:txBody>
+      </p:sp>
+      <p:sp>
+        <p:nvSpPr>
+          <p:cNvPr id="7" name="Espaço Reservado para Rodapé 3"/>
           <p:cNvSpPr txBox="1">
             <a:spLocks noGrp="1"/>
           </p:cNvSpPr>
@@ -15781,20 +15899,13 @@
     </p:spTree>
     <p:extLst>
       <p:ext uri="{BB962C8B-B14F-4D97-AF65-F5344CB8AC3E}">
-        <p14:creationId xmlns:p14="http://schemas.microsoft.com/office/powerpoint/2010/main" val="2470865896"/>
+        <p14:creationId xmlns:p14="http://schemas.microsoft.com/office/powerpoint/2010/main" val="2111532211"/>
       </p:ext>
     </p:extLst>
   </p:cSld>
   <p:clrMapOvr>
     <a:masterClrMapping/>
   </p:clrMapOvr>
-  <p:timing>
-    <p:tnLst>
-      <p:par>
-        <p:cTn id="1" dur="indefinite" restart="never" nodeType="tmRoot"/>
-      </p:par>
-    </p:tnLst>
-  </p:timing>
 </p:sld>
 </file>
 
@@ -15817,12 +15928,12 @@
       </p:grpSpPr>
       <p:sp>
         <p:nvSpPr>
-          <p:cNvPr id="5" name="Título 4"/>
+          <p:cNvPr id="2" name="Título 1"/>
           <p:cNvSpPr>
             <a:spLocks noGrp="1"/>
           </p:cNvSpPr>
           <p:nvPr>
-            <p:ph type="title"/>
+            <p:ph type="ctrTitle"/>
           </p:nvPr>
         </p:nvSpPr>
         <p:spPr/>
@@ -15831,20 +15942,21 @@
           <a:lstStyle/>
           <a:p>
             <a:r>
-              <a:rPr lang="pt-BR" dirty="0"/>
-              <a:t>Criando Loops</a:t>
-            </a:r>
-          </a:p>
-        </p:txBody>
-      </p:sp>
-      <p:sp>
-        <p:nvSpPr>
-          <p:cNvPr id="6" name="Espaço Reservado para Conteúdo 5"/>
+              <a:rPr lang="pt-BR" dirty="0" smtClean="0"/>
+              <a:t>Manipulando Exceções</a:t>
+            </a:r>
+            <a:endParaRPr lang="pt-BR" dirty="0"/>
+          </a:p>
+        </p:txBody>
+      </p:sp>
+      <p:sp>
+        <p:nvSpPr>
+          <p:cNvPr id="3" name="Subtítulo 2"/>
           <p:cNvSpPr>
             <a:spLocks noGrp="1"/>
           </p:cNvSpPr>
           <p:nvPr>
-            <p:ph idx="1"/>
+            <p:ph type="subTitle" idx="1"/>
           </p:nvPr>
         </p:nvSpPr>
         <p:spPr/>
@@ -15853,281 +15965,46 @@
           <a:lstStyle/>
           <a:p>
             <a:r>
-              <a:rPr lang="pt-BR" sz="2400" dirty="0" smtClean="0"/>
-              <a:t>Usando loop </a:t>
-            </a:r>
-            <a:r>
-              <a:rPr lang="pt-BR" sz="2400" dirty="0" err="1" smtClean="0"/>
-              <a:t>while</a:t>
-            </a:r>
-            <a:endParaRPr lang="pt-BR" sz="2400" dirty="0" smtClean="0"/>
-          </a:p>
-          <a:p>
-            <a:r>
-              <a:rPr lang="pt-BR" sz="2400" dirty="0" smtClean="0"/>
-              <a:t>Usando loop do</a:t>
-            </a:r>
-          </a:p>
-          <a:p>
-            <a:r>
-              <a:rPr lang="pt-BR" sz="2400" dirty="0" smtClean="0"/>
-              <a:t>Usando loop for</a:t>
-            </a:r>
-          </a:p>
-          <a:p>
-            <a:pPr lvl="1"/>
-            <a:r>
-              <a:rPr lang="pt-BR" sz="2000" dirty="0" smtClean="0"/>
-              <a:t>Sobre o loop for Básico</a:t>
-            </a:r>
-          </a:p>
-          <a:p>
-            <a:pPr lvl="1"/>
-            <a:r>
-              <a:rPr lang="pt-BR" sz="2000" dirty="0" smtClean="0"/>
-              <a:t>Declaração e inicialização de loop for básico</a:t>
-            </a:r>
-          </a:p>
-          <a:p>
-            <a:pPr lvl="1"/>
-            <a:r>
-              <a:rPr lang="pt-BR" sz="2000" dirty="0" smtClean="0"/>
-              <a:t>Expressões condicionais no loop for básico</a:t>
-            </a:r>
-          </a:p>
-          <a:p>
-            <a:pPr lvl="1"/>
-            <a:r>
-              <a:rPr lang="pt-BR" sz="2000" dirty="0" smtClean="0"/>
-              <a:t>Expressões de iteração no loop for básico</a:t>
-            </a:r>
-          </a:p>
-          <a:p>
-            <a:pPr lvl="1"/>
-            <a:r>
-              <a:rPr lang="pt-BR" sz="2000" dirty="0" smtClean="0"/>
-              <a:t>Considerações sobre loop for básico</a:t>
-            </a:r>
-          </a:p>
-          <a:p>
-            <a:pPr lvl="1"/>
-            <a:r>
-              <a:rPr lang="pt-BR" sz="2000" dirty="0" smtClean="0"/>
-              <a:t>Sobre o loop for Aprimorado</a:t>
-            </a:r>
-          </a:p>
-          <a:p>
-            <a:r>
-              <a:rPr lang="pt-BR" sz="2400" dirty="0" smtClean="0"/>
-              <a:t>Cláusulas </a:t>
-            </a:r>
-            <a:r>
-              <a:rPr lang="pt-BR" sz="2400" dirty="0" err="1" smtClean="0"/>
-              <a:t>Unlabeled</a:t>
-            </a:r>
-            <a:endParaRPr lang="pt-BR" sz="2400" dirty="0" smtClean="0"/>
-          </a:p>
-          <a:p>
-            <a:r>
-              <a:rPr lang="pt-BR" sz="2400" dirty="0" smtClean="0"/>
-              <a:t>Cláusulas </a:t>
-            </a:r>
-            <a:r>
-              <a:rPr lang="pt-BR" sz="2400" dirty="0" err="1" smtClean="0"/>
-              <a:t>Labeled</a:t>
-            </a:r>
-            <a:endParaRPr lang="pt-BR" sz="2400" dirty="0" smtClean="0"/>
-          </a:p>
-          <a:p>
-            <a:endParaRPr lang="pt-BR" sz="2400" dirty="0"/>
-          </a:p>
-        </p:txBody>
-      </p:sp>
-      <p:sp>
-        <p:nvSpPr>
-          <p:cNvPr id="7" name="Espaço Reservado para Rodapé 3"/>
-          <p:cNvSpPr txBox="1">
-            <a:spLocks noGrp="1"/>
-          </p:cNvSpPr>
-          <p:nvPr>
-            <p:ph type="ftr" sz="quarter" idx="4294967295"/>
-          </p:nvPr>
-        </p:nvSpPr>
-        <p:spPr>
-          <a:xfrm>
-            <a:off x="3028950" y="6356351"/>
-            <a:ext cx="3086100" cy="365125"/>
-          </a:xfrm>
-          <a:prstGeom prst="rect">
-            <a:avLst/>
-          </a:prstGeom>
-        </p:spPr>
-        <p:txBody>
-          <a:bodyPr/>
-          <a:lstStyle>
-            <a:defPPr>
-              <a:defRPr lang="pt-BR"/>
-            </a:defPPr>
-            <a:lvl1pPr marL="0" algn="l" defTabSz="914400" rtl="0" eaLnBrk="1" latinLnBrk="0" hangingPunct="1">
-              <a:defRPr sz="1800" kern="1200">
-                <a:solidFill>
-                  <a:schemeClr val="tx1"/>
-                </a:solidFill>
-                <a:latin typeface="+mn-lt"/>
-                <a:ea typeface="+mn-ea"/>
-                <a:cs typeface="+mn-cs"/>
-              </a:defRPr>
-            </a:lvl1pPr>
-            <a:lvl2pPr marL="457200" algn="l" defTabSz="914400" rtl="0" eaLnBrk="1" latinLnBrk="0" hangingPunct="1">
-              <a:defRPr sz="1800" kern="1200">
-                <a:solidFill>
-                  <a:schemeClr val="tx1"/>
-                </a:solidFill>
-                <a:latin typeface="+mn-lt"/>
-                <a:ea typeface="+mn-ea"/>
-                <a:cs typeface="+mn-cs"/>
-              </a:defRPr>
-            </a:lvl2pPr>
-            <a:lvl3pPr marL="914400" algn="l" defTabSz="914400" rtl="0" eaLnBrk="1" latinLnBrk="0" hangingPunct="1">
-              <a:defRPr sz="1800" kern="1200">
-                <a:solidFill>
-                  <a:schemeClr val="tx1"/>
-                </a:solidFill>
-                <a:latin typeface="+mn-lt"/>
-                <a:ea typeface="+mn-ea"/>
-                <a:cs typeface="+mn-cs"/>
-              </a:defRPr>
-            </a:lvl3pPr>
-            <a:lvl4pPr marL="1371600" algn="l" defTabSz="914400" rtl="0" eaLnBrk="1" latinLnBrk="0" hangingPunct="1">
-              <a:defRPr sz="1800" kern="1200">
-                <a:solidFill>
-                  <a:schemeClr val="tx1"/>
-                </a:solidFill>
-                <a:latin typeface="+mn-lt"/>
-                <a:ea typeface="+mn-ea"/>
-                <a:cs typeface="+mn-cs"/>
-              </a:defRPr>
-            </a:lvl4pPr>
-            <a:lvl5pPr marL="1828800" algn="l" defTabSz="914400" rtl="0" eaLnBrk="1" latinLnBrk="0" hangingPunct="1">
-              <a:defRPr sz="1800" kern="1200">
-                <a:solidFill>
-                  <a:schemeClr val="tx1"/>
-                </a:solidFill>
-                <a:latin typeface="+mn-lt"/>
-                <a:ea typeface="+mn-ea"/>
-                <a:cs typeface="+mn-cs"/>
-              </a:defRPr>
-            </a:lvl5pPr>
-            <a:lvl6pPr marL="2286000" algn="l" defTabSz="914400" rtl="0" eaLnBrk="1" latinLnBrk="0" hangingPunct="1">
-              <a:defRPr sz="1800" kern="1200">
-                <a:solidFill>
-                  <a:schemeClr val="tx1"/>
-                </a:solidFill>
-                <a:latin typeface="+mn-lt"/>
-                <a:ea typeface="+mn-ea"/>
-                <a:cs typeface="+mn-cs"/>
-              </a:defRPr>
-            </a:lvl6pPr>
-            <a:lvl7pPr marL="2743200" algn="l" defTabSz="914400" rtl="0" eaLnBrk="1" latinLnBrk="0" hangingPunct="1">
-              <a:defRPr sz="1800" kern="1200">
-                <a:solidFill>
-                  <a:schemeClr val="tx1"/>
-                </a:solidFill>
-                <a:latin typeface="+mn-lt"/>
-                <a:ea typeface="+mn-ea"/>
-                <a:cs typeface="+mn-cs"/>
-              </a:defRPr>
-            </a:lvl7pPr>
-            <a:lvl8pPr marL="3200400" algn="l" defTabSz="914400" rtl="0" eaLnBrk="1" latinLnBrk="0" hangingPunct="1">
-              <a:defRPr sz="1800" kern="1200">
-                <a:solidFill>
-                  <a:schemeClr val="tx1"/>
-                </a:solidFill>
-                <a:latin typeface="+mn-lt"/>
-                <a:ea typeface="+mn-ea"/>
-                <a:cs typeface="+mn-cs"/>
-              </a:defRPr>
-            </a:lvl8pPr>
-            <a:lvl9pPr marL="3657600" algn="l" defTabSz="914400" rtl="0" eaLnBrk="1" latinLnBrk="0" hangingPunct="1">
-              <a:defRPr sz="1800" kern="1200">
-                <a:solidFill>
-                  <a:schemeClr val="tx1"/>
-                </a:solidFill>
-                <a:latin typeface="+mn-lt"/>
-                <a:ea typeface="+mn-ea"/>
-                <a:cs typeface="+mn-cs"/>
-              </a:defRPr>
-            </a:lvl9pPr>
-          </a:lstStyle>
-          <a:p>
-            <a:pPr algn="ctr">
-              <a:defRPr sz="1200">
-                <a:solidFill>
-                  <a:srgbClr val="8C8C8C"/>
-                </a:solidFill>
-                <a:latin typeface="Tw Cen MT" charset="0"/>
-                <a:ea typeface="Calibri" charset="0"/>
-                <a:cs typeface="Calibri" charset="0"/>
-              </a:defRPr>
-            </a:pPr>
-            <a:r>
-              <a:rPr lang="pt-BR" dirty="0" smtClean="0"/>
-              <a:t>Controle de Fluxo e Exceções</a:t>
+              <a:rPr lang="pt-BR" dirty="0" smtClean="0"/>
+              <a:t>OCA </a:t>
+            </a:r>
+            <a:r>
+              <a:rPr lang="pt-BR" dirty="0" err="1" smtClean="0"/>
+              <a:t>Objectives</a:t>
+            </a:r>
+            <a:r>
+              <a:rPr lang="pt-BR" dirty="0" smtClean="0"/>
+              <a:t> 8.1, 8.2, 8.3 </a:t>
+            </a:r>
+            <a:r>
+              <a:rPr lang="pt-BR" dirty="0" err="1" smtClean="0"/>
+              <a:t>and</a:t>
+            </a:r>
+            <a:r>
+              <a:rPr lang="pt-BR" dirty="0" smtClean="0"/>
+              <a:t> 8.4</a:t>
             </a:r>
             <a:endParaRPr lang="pt-BR" dirty="0"/>
-          </a:p>
-          <a:p>
-            <a:pPr algn="ctr">
-              <a:defRPr sz="1200">
-                <a:solidFill>
-                  <a:srgbClr val="8C8C8C"/>
-                </a:solidFill>
-                <a:latin typeface="Tw Cen MT" charset="0"/>
-                <a:ea typeface="Calibri" charset="0"/>
-                <a:cs typeface="Calibri" charset="0"/>
-              </a:defRPr>
-            </a:pPr>
-            <a:endParaRPr lang="pt-BR" sz="1200" dirty="0" smtClean="0">
-              <a:solidFill>
-                <a:srgbClr val="8C8C8C"/>
-              </a:solidFill>
-              <a:latin typeface="Tw Cen MT" charset="0"/>
-              <a:ea typeface="Calibri" charset="0"/>
-              <a:cs typeface="Calibri" charset="0"/>
-            </a:endParaRPr>
-          </a:p>
-          <a:p>
-            <a:pPr algn="ctr">
-              <a:defRPr sz="1200">
-                <a:solidFill>
-                  <a:srgbClr val="8C8C8C"/>
-                </a:solidFill>
-                <a:latin typeface="Tw Cen MT" charset="0"/>
-                <a:ea typeface="Calibri" charset="0"/>
-                <a:cs typeface="Calibri" charset="0"/>
-              </a:defRPr>
-            </a:pPr>
-            <a:endParaRPr lang="pt-BR" sz="1200" dirty="0">
-              <a:solidFill>
-                <a:srgbClr val="8C8C8C"/>
-              </a:solidFill>
-              <a:latin typeface="Tw Cen MT" charset="0"/>
-              <a:ea typeface="Calibri" charset="0"/>
-              <a:cs typeface="Calibri" charset="0"/>
-            </a:endParaRPr>
           </a:p>
         </p:txBody>
       </p:sp>
     </p:spTree>
     <p:extLst>
       <p:ext uri="{BB962C8B-B14F-4D97-AF65-F5344CB8AC3E}">
-        <p14:creationId xmlns:p14="http://schemas.microsoft.com/office/powerpoint/2010/main" val="2111532211"/>
+        <p14:creationId xmlns:p14="http://schemas.microsoft.com/office/powerpoint/2010/main" val="3021261354"/>
       </p:ext>
     </p:extLst>
   </p:cSld>
   <p:clrMapOvr>
     <a:masterClrMapping/>
   </p:clrMapOvr>
+  <p:timing>
+    <p:tnLst>
+      <p:par>
+        <p:cTn id="1" dur="indefinite" restart="never" nodeType="tmRoot"/>
+      </p:par>
+    </p:tnLst>
+  </p:timing>
 </p:sld>
 </file>
 
@@ -16312,12 +16189,12 @@
       </p:grpSpPr>
       <p:sp>
         <p:nvSpPr>
-          <p:cNvPr id="2" name="Título 1"/>
+          <p:cNvPr id="5" name="Título 4"/>
           <p:cNvSpPr>
             <a:spLocks noGrp="1"/>
           </p:cNvSpPr>
           <p:nvPr>
-            <p:ph type="ctrTitle"/>
+            <p:ph type="title"/>
           </p:nvPr>
         </p:nvSpPr>
         <p:spPr/>
@@ -16326,21 +16203,20 @@
           <a:lstStyle/>
           <a:p>
             <a:r>
-              <a:rPr lang="pt-BR" dirty="0" smtClean="0"/>
+              <a:rPr lang="pt-BR" dirty="0"/>
               <a:t>Manipulando Exceções</a:t>
             </a:r>
-            <a:endParaRPr lang="pt-BR" dirty="0"/>
-          </a:p>
-        </p:txBody>
-      </p:sp>
-      <p:sp>
-        <p:nvSpPr>
-          <p:cNvPr id="3" name="Subtítulo 2"/>
+          </a:p>
+        </p:txBody>
+      </p:sp>
+      <p:sp>
+        <p:nvSpPr>
+          <p:cNvPr id="6" name="Espaço Reservado para Conteúdo 5"/>
           <p:cNvSpPr>
             <a:spLocks noGrp="1"/>
           </p:cNvSpPr>
           <p:nvPr>
-            <p:ph type="subTitle" idx="1"/>
+            <p:ph idx="1"/>
           </p:nvPr>
         </p:nvSpPr>
         <p:spPr/>
@@ -16349,46 +16225,263 @@
           <a:lstStyle/>
           <a:p>
             <a:r>
-              <a:rPr lang="pt-BR" dirty="0" smtClean="0"/>
-              <a:t>OCA </a:t>
-            </a:r>
-            <a:r>
-              <a:rPr lang="pt-BR" dirty="0" err="1" smtClean="0"/>
-              <a:t>Objectives</a:t>
-            </a:r>
-            <a:r>
-              <a:rPr lang="pt-BR" dirty="0" smtClean="0"/>
-              <a:t> 8.1, 8.2, 8.3 </a:t>
-            </a:r>
-            <a:r>
-              <a:rPr lang="pt-BR" dirty="0" err="1" smtClean="0"/>
-              <a:t>and</a:t>
-            </a:r>
-            <a:r>
-              <a:rPr lang="pt-BR" dirty="0" smtClean="0"/>
-              <a:t> 8.4</a:t>
+              <a:rPr lang="pt-BR" sz="2400" dirty="0" smtClean="0"/>
+              <a:t>Capturando uma exceção usando </a:t>
+            </a:r>
+            <a:r>
+              <a:rPr lang="pt-BR" sz="2400" dirty="0" err="1" smtClean="0"/>
+              <a:t>try</a:t>
+            </a:r>
+            <a:r>
+              <a:rPr lang="pt-BR" sz="2400" dirty="0" smtClean="0"/>
+              <a:t> e catch</a:t>
+            </a:r>
+          </a:p>
+          <a:p>
+            <a:r>
+              <a:rPr lang="pt-BR" sz="2400" dirty="0" smtClean="0"/>
+              <a:t>Usando </a:t>
+            </a:r>
+            <a:r>
+              <a:rPr lang="pt-BR" sz="2400" dirty="0" err="1" smtClean="0"/>
+              <a:t>finally</a:t>
+            </a:r>
+            <a:endParaRPr lang="pt-BR" sz="2400" dirty="0" smtClean="0"/>
+          </a:p>
+          <a:p>
+            <a:r>
+              <a:rPr lang="pt-BR" sz="2400" dirty="0" smtClean="0"/>
+              <a:t>Propagando exceções não-capturadas</a:t>
+            </a:r>
+          </a:p>
+          <a:p>
+            <a:r>
+              <a:rPr lang="pt-BR" sz="2400" dirty="0" smtClean="0"/>
+              <a:t>Definindo exceções</a:t>
+            </a:r>
+          </a:p>
+          <a:p>
+            <a:r>
+              <a:rPr lang="pt-BR" sz="2400" dirty="0" smtClean="0"/>
+              <a:t>Hierarquia de exceções</a:t>
+            </a:r>
+          </a:p>
+          <a:p>
+            <a:r>
+              <a:rPr lang="pt-BR" sz="2400" dirty="0" smtClean="0"/>
+              <a:t>Manuseando uma hierarquia de classes de exceção</a:t>
+            </a:r>
+          </a:p>
+          <a:p>
+            <a:r>
+              <a:rPr lang="pt-BR" sz="2400" dirty="0" err="1" smtClean="0"/>
+              <a:t>Matching</a:t>
+            </a:r>
+            <a:r>
+              <a:rPr lang="pt-BR" sz="2400" dirty="0" smtClean="0"/>
+              <a:t> de exceção</a:t>
+            </a:r>
+          </a:p>
+          <a:p>
+            <a:r>
+              <a:rPr lang="pt-BR" sz="2400" dirty="0" smtClean="0"/>
+              <a:t>Declaração de exceção e a interface pública</a:t>
+            </a:r>
+          </a:p>
+          <a:p>
+            <a:r>
+              <a:rPr lang="pt-BR" sz="2400" dirty="0" smtClean="0"/>
+              <a:t>Relançando a mesma exceção</a:t>
+            </a:r>
+            <a:endParaRPr lang="pt-BR" sz="2400" dirty="0"/>
+          </a:p>
+        </p:txBody>
+      </p:sp>
+      <p:sp>
+        <p:nvSpPr>
+          <p:cNvPr id="7" name="Espaço Reservado para Rodapé 3"/>
+          <p:cNvSpPr txBox="1">
+            <a:spLocks noGrp="1"/>
+          </p:cNvSpPr>
+          <p:nvPr>
+            <p:ph type="ftr" sz="quarter" idx="4294967295"/>
+          </p:nvPr>
+        </p:nvSpPr>
+        <p:spPr>
+          <a:xfrm>
+            <a:off x="3028950" y="6356351"/>
+            <a:ext cx="3086100" cy="365125"/>
+          </a:xfrm>
+          <a:prstGeom prst="rect">
+            <a:avLst/>
+          </a:prstGeom>
+        </p:spPr>
+        <p:txBody>
+          <a:bodyPr/>
+          <a:lstStyle>
+            <a:defPPr>
+              <a:defRPr lang="pt-BR"/>
+            </a:defPPr>
+            <a:lvl1pPr marL="0" algn="l" defTabSz="914400" rtl="0" eaLnBrk="1" latinLnBrk="0" hangingPunct="1">
+              <a:defRPr sz="1800" kern="1200">
+                <a:solidFill>
+                  <a:schemeClr val="tx1"/>
+                </a:solidFill>
+                <a:latin typeface="+mn-lt"/>
+                <a:ea typeface="+mn-ea"/>
+                <a:cs typeface="+mn-cs"/>
+              </a:defRPr>
+            </a:lvl1pPr>
+            <a:lvl2pPr marL="457200" algn="l" defTabSz="914400" rtl="0" eaLnBrk="1" latinLnBrk="0" hangingPunct="1">
+              <a:defRPr sz="1800" kern="1200">
+                <a:solidFill>
+                  <a:schemeClr val="tx1"/>
+                </a:solidFill>
+                <a:latin typeface="+mn-lt"/>
+                <a:ea typeface="+mn-ea"/>
+                <a:cs typeface="+mn-cs"/>
+              </a:defRPr>
+            </a:lvl2pPr>
+            <a:lvl3pPr marL="914400" algn="l" defTabSz="914400" rtl="0" eaLnBrk="1" latinLnBrk="0" hangingPunct="1">
+              <a:defRPr sz="1800" kern="1200">
+                <a:solidFill>
+                  <a:schemeClr val="tx1"/>
+                </a:solidFill>
+                <a:latin typeface="+mn-lt"/>
+                <a:ea typeface="+mn-ea"/>
+                <a:cs typeface="+mn-cs"/>
+              </a:defRPr>
+            </a:lvl3pPr>
+            <a:lvl4pPr marL="1371600" algn="l" defTabSz="914400" rtl="0" eaLnBrk="1" latinLnBrk="0" hangingPunct="1">
+              <a:defRPr sz="1800" kern="1200">
+                <a:solidFill>
+                  <a:schemeClr val="tx1"/>
+                </a:solidFill>
+                <a:latin typeface="+mn-lt"/>
+                <a:ea typeface="+mn-ea"/>
+                <a:cs typeface="+mn-cs"/>
+              </a:defRPr>
+            </a:lvl4pPr>
+            <a:lvl5pPr marL="1828800" algn="l" defTabSz="914400" rtl="0" eaLnBrk="1" latinLnBrk="0" hangingPunct="1">
+              <a:defRPr sz="1800" kern="1200">
+                <a:solidFill>
+                  <a:schemeClr val="tx1"/>
+                </a:solidFill>
+                <a:latin typeface="+mn-lt"/>
+                <a:ea typeface="+mn-ea"/>
+                <a:cs typeface="+mn-cs"/>
+              </a:defRPr>
+            </a:lvl5pPr>
+            <a:lvl6pPr marL="2286000" algn="l" defTabSz="914400" rtl="0" eaLnBrk="1" latinLnBrk="0" hangingPunct="1">
+              <a:defRPr sz="1800" kern="1200">
+                <a:solidFill>
+                  <a:schemeClr val="tx1"/>
+                </a:solidFill>
+                <a:latin typeface="+mn-lt"/>
+                <a:ea typeface="+mn-ea"/>
+                <a:cs typeface="+mn-cs"/>
+              </a:defRPr>
+            </a:lvl6pPr>
+            <a:lvl7pPr marL="2743200" algn="l" defTabSz="914400" rtl="0" eaLnBrk="1" latinLnBrk="0" hangingPunct="1">
+              <a:defRPr sz="1800" kern="1200">
+                <a:solidFill>
+                  <a:schemeClr val="tx1"/>
+                </a:solidFill>
+                <a:latin typeface="+mn-lt"/>
+                <a:ea typeface="+mn-ea"/>
+                <a:cs typeface="+mn-cs"/>
+              </a:defRPr>
+            </a:lvl7pPr>
+            <a:lvl8pPr marL="3200400" algn="l" defTabSz="914400" rtl="0" eaLnBrk="1" latinLnBrk="0" hangingPunct="1">
+              <a:defRPr sz="1800" kern="1200">
+                <a:solidFill>
+                  <a:schemeClr val="tx1"/>
+                </a:solidFill>
+                <a:latin typeface="+mn-lt"/>
+                <a:ea typeface="+mn-ea"/>
+                <a:cs typeface="+mn-cs"/>
+              </a:defRPr>
+            </a:lvl8pPr>
+            <a:lvl9pPr marL="3657600" algn="l" defTabSz="914400" rtl="0" eaLnBrk="1" latinLnBrk="0" hangingPunct="1">
+              <a:defRPr sz="1800" kern="1200">
+                <a:solidFill>
+                  <a:schemeClr val="tx1"/>
+                </a:solidFill>
+                <a:latin typeface="+mn-lt"/>
+                <a:ea typeface="+mn-ea"/>
+                <a:cs typeface="+mn-cs"/>
+              </a:defRPr>
+            </a:lvl9pPr>
+          </a:lstStyle>
+          <a:p>
+            <a:pPr algn="ctr">
+              <a:defRPr sz="1200">
+                <a:solidFill>
+                  <a:srgbClr val="8C8C8C"/>
+                </a:solidFill>
+                <a:latin typeface="Tw Cen MT" charset="0"/>
+                <a:ea typeface="Calibri" charset="0"/>
+                <a:cs typeface="Calibri" charset="0"/>
+              </a:defRPr>
+            </a:pPr>
+            <a:r>
+              <a:rPr lang="pt-BR" dirty="0" smtClean="0"/>
+              <a:t>Controle de Fluxo e Exceções</a:t>
             </a:r>
             <a:endParaRPr lang="pt-BR" dirty="0"/>
+          </a:p>
+          <a:p>
+            <a:pPr algn="ctr">
+              <a:defRPr sz="1200">
+                <a:solidFill>
+                  <a:srgbClr val="8C8C8C"/>
+                </a:solidFill>
+                <a:latin typeface="Tw Cen MT" charset="0"/>
+                <a:ea typeface="Calibri" charset="0"/>
+                <a:cs typeface="Calibri" charset="0"/>
+              </a:defRPr>
+            </a:pPr>
+            <a:endParaRPr lang="pt-BR" sz="1200" dirty="0" smtClean="0">
+              <a:solidFill>
+                <a:srgbClr val="8C8C8C"/>
+              </a:solidFill>
+              <a:latin typeface="Tw Cen MT" charset="0"/>
+              <a:ea typeface="Calibri" charset="0"/>
+              <a:cs typeface="Calibri" charset="0"/>
+            </a:endParaRPr>
+          </a:p>
+          <a:p>
+            <a:pPr algn="ctr">
+              <a:defRPr sz="1200">
+                <a:solidFill>
+                  <a:srgbClr val="8C8C8C"/>
+                </a:solidFill>
+                <a:latin typeface="Tw Cen MT" charset="0"/>
+                <a:ea typeface="Calibri" charset="0"/>
+                <a:cs typeface="Calibri" charset="0"/>
+              </a:defRPr>
+            </a:pPr>
+            <a:endParaRPr lang="pt-BR" sz="1200" dirty="0">
+              <a:solidFill>
+                <a:srgbClr val="8C8C8C"/>
+              </a:solidFill>
+              <a:latin typeface="Tw Cen MT" charset="0"/>
+              <a:ea typeface="Calibri" charset="0"/>
+              <a:cs typeface="Calibri" charset="0"/>
+            </a:endParaRPr>
           </a:p>
         </p:txBody>
       </p:sp>
     </p:spTree>
     <p:extLst>
       <p:ext uri="{BB962C8B-B14F-4D97-AF65-F5344CB8AC3E}">
-        <p14:creationId xmlns:p14="http://schemas.microsoft.com/office/powerpoint/2010/main" val="3021261354"/>
+        <p14:creationId xmlns:p14="http://schemas.microsoft.com/office/powerpoint/2010/main" val="119400205"/>
       </p:ext>
     </p:extLst>
   </p:cSld>
   <p:clrMapOvr>
     <a:masterClrMapping/>
   </p:clrMapOvr>
-  <p:timing>
-    <p:tnLst>
-      <p:par>
-        <p:cTn id="1" dur="indefinite" restart="never" nodeType="tmRoot"/>
-      </p:par>
-    </p:tnLst>
-  </p:timing>
 </p:sld>
 </file>
 
@@ -16411,321 +16504,6 @@
       </p:grpSpPr>
       <p:sp>
         <p:nvSpPr>
-          <p:cNvPr id="5" name="Título 4"/>
-          <p:cNvSpPr>
-            <a:spLocks noGrp="1"/>
-          </p:cNvSpPr>
-          <p:nvPr>
-            <p:ph type="title"/>
-          </p:nvPr>
-        </p:nvSpPr>
-        <p:spPr/>
-        <p:txBody>
-          <a:bodyPr/>
-          <a:lstStyle/>
-          <a:p>
-            <a:r>
-              <a:rPr lang="pt-BR" dirty="0"/>
-              <a:t>Manipulando Exceções</a:t>
-            </a:r>
-          </a:p>
-        </p:txBody>
-      </p:sp>
-      <p:sp>
-        <p:nvSpPr>
-          <p:cNvPr id="6" name="Espaço Reservado para Conteúdo 5"/>
-          <p:cNvSpPr>
-            <a:spLocks noGrp="1"/>
-          </p:cNvSpPr>
-          <p:nvPr>
-            <p:ph idx="1"/>
-          </p:nvPr>
-        </p:nvSpPr>
-        <p:spPr/>
-        <p:txBody>
-          <a:bodyPr/>
-          <a:lstStyle/>
-          <a:p>
-            <a:r>
-              <a:rPr lang="pt-BR" sz="2400" dirty="0" smtClean="0"/>
-              <a:t>Capturando uma exceção usando </a:t>
-            </a:r>
-            <a:r>
-              <a:rPr lang="pt-BR" sz="2400" dirty="0" err="1" smtClean="0"/>
-              <a:t>try</a:t>
-            </a:r>
-            <a:r>
-              <a:rPr lang="pt-BR" sz="2400" dirty="0" smtClean="0"/>
-              <a:t> e catch</a:t>
-            </a:r>
-          </a:p>
-          <a:p>
-            <a:r>
-              <a:rPr lang="pt-BR" sz="2400" dirty="0" smtClean="0"/>
-              <a:t>Usando </a:t>
-            </a:r>
-            <a:r>
-              <a:rPr lang="pt-BR" sz="2400" dirty="0" err="1" smtClean="0"/>
-              <a:t>finally</a:t>
-            </a:r>
-            <a:endParaRPr lang="pt-BR" sz="2400" dirty="0" smtClean="0"/>
-          </a:p>
-          <a:p>
-            <a:r>
-              <a:rPr lang="pt-BR" sz="2400" dirty="0" smtClean="0"/>
-              <a:t>Propagando exceções não-capturadas</a:t>
-            </a:r>
-          </a:p>
-          <a:p>
-            <a:r>
-              <a:rPr lang="pt-BR" sz="2400" dirty="0" smtClean="0"/>
-              <a:t>Definindo exceções</a:t>
-            </a:r>
-          </a:p>
-          <a:p>
-            <a:r>
-              <a:rPr lang="pt-BR" sz="2400" dirty="0" smtClean="0"/>
-              <a:t>Hierarquia de exceções</a:t>
-            </a:r>
-          </a:p>
-          <a:p>
-            <a:r>
-              <a:rPr lang="pt-BR" sz="2400" dirty="0" smtClean="0"/>
-              <a:t>Manuseando uma hierarquia de classes de exceção</a:t>
-            </a:r>
-          </a:p>
-          <a:p>
-            <a:r>
-              <a:rPr lang="pt-BR" sz="2400" dirty="0" err="1" smtClean="0"/>
-              <a:t>Matching</a:t>
-            </a:r>
-            <a:r>
-              <a:rPr lang="pt-BR" sz="2400" dirty="0" smtClean="0"/>
-              <a:t> de exceção</a:t>
-            </a:r>
-          </a:p>
-          <a:p>
-            <a:r>
-              <a:rPr lang="pt-BR" sz="2400" dirty="0" smtClean="0"/>
-              <a:t>Declaração de exceção e a interface pública</a:t>
-            </a:r>
-          </a:p>
-          <a:p>
-            <a:r>
-              <a:rPr lang="pt-BR" sz="2400" dirty="0" smtClean="0"/>
-              <a:t>Relançando a mesma exceção</a:t>
-            </a:r>
-            <a:endParaRPr lang="pt-BR" sz="2400" dirty="0"/>
-          </a:p>
-        </p:txBody>
-      </p:sp>
-      <p:sp>
-        <p:nvSpPr>
-          <p:cNvPr id="7" name="Espaço Reservado para Rodapé 3"/>
-          <p:cNvSpPr txBox="1">
-            <a:spLocks noGrp="1"/>
-          </p:cNvSpPr>
-          <p:nvPr>
-            <p:ph type="ftr" sz="quarter" idx="4294967295"/>
-          </p:nvPr>
-        </p:nvSpPr>
-        <p:spPr>
-          <a:xfrm>
-            <a:off x="3028950" y="6356351"/>
-            <a:ext cx="3086100" cy="365125"/>
-          </a:xfrm>
-          <a:prstGeom prst="rect">
-            <a:avLst/>
-          </a:prstGeom>
-        </p:spPr>
-        <p:txBody>
-          <a:bodyPr/>
-          <a:lstStyle>
-            <a:defPPr>
-              <a:defRPr lang="pt-BR"/>
-            </a:defPPr>
-            <a:lvl1pPr marL="0" algn="l" defTabSz="914400" rtl="0" eaLnBrk="1" latinLnBrk="0" hangingPunct="1">
-              <a:defRPr sz="1800" kern="1200">
-                <a:solidFill>
-                  <a:schemeClr val="tx1"/>
-                </a:solidFill>
-                <a:latin typeface="+mn-lt"/>
-                <a:ea typeface="+mn-ea"/>
-                <a:cs typeface="+mn-cs"/>
-              </a:defRPr>
-            </a:lvl1pPr>
-            <a:lvl2pPr marL="457200" algn="l" defTabSz="914400" rtl="0" eaLnBrk="1" latinLnBrk="0" hangingPunct="1">
-              <a:defRPr sz="1800" kern="1200">
-                <a:solidFill>
-                  <a:schemeClr val="tx1"/>
-                </a:solidFill>
-                <a:latin typeface="+mn-lt"/>
-                <a:ea typeface="+mn-ea"/>
-                <a:cs typeface="+mn-cs"/>
-              </a:defRPr>
-            </a:lvl2pPr>
-            <a:lvl3pPr marL="914400" algn="l" defTabSz="914400" rtl="0" eaLnBrk="1" latinLnBrk="0" hangingPunct="1">
-              <a:defRPr sz="1800" kern="1200">
-                <a:solidFill>
-                  <a:schemeClr val="tx1"/>
-                </a:solidFill>
-                <a:latin typeface="+mn-lt"/>
-                <a:ea typeface="+mn-ea"/>
-                <a:cs typeface="+mn-cs"/>
-              </a:defRPr>
-            </a:lvl3pPr>
-            <a:lvl4pPr marL="1371600" algn="l" defTabSz="914400" rtl="0" eaLnBrk="1" latinLnBrk="0" hangingPunct="1">
-              <a:defRPr sz="1800" kern="1200">
-                <a:solidFill>
-                  <a:schemeClr val="tx1"/>
-                </a:solidFill>
-                <a:latin typeface="+mn-lt"/>
-                <a:ea typeface="+mn-ea"/>
-                <a:cs typeface="+mn-cs"/>
-              </a:defRPr>
-            </a:lvl4pPr>
-            <a:lvl5pPr marL="1828800" algn="l" defTabSz="914400" rtl="0" eaLnBrk="1" latinLnBrk="0" hangingPunct="1">
-              <a:defRPr sz="1800" kern="1200">
-                <a:solidFill>
-                  <a:schemeClr val="tx1"/>
-                </a:solidFill>
-                <a:latin typeface="+mn-lt"/>
-                <a:ea typeface="+mn-ea"/>
-                <a:cs typeface="+mn-cs"/>
-              </a:defRPr>
-            </a:lvl5pPr>
-            <a:lvl6pPr marL="2286000" algn="l" defTabSz="914400" rtl="0" eaLnBrk="1" latinLnBrk="0" hangingPunct="1">
-              <a:defRPr sz="1800" kern="1200">
-                <a:solidFill>
-                  <a:schemeClr val="tx1"/>
-                </a:solidFill>
-                <a:latin typeface="+mn-lt"/>
-                <a:ea typeface="+mn-ea"/>
-                <a:cs typeface="+mn-cs"/>
-              </a:defRPr>
-            </a:lvl6pPr>
-            <a:lvl7pPr marL="2743200" algn="l" defTabSz="914400" rtl="0" eaLnBrk="1" latinLnBrk="0" hangingPunct="1">
-              <a:defRPr sz="1800" kern="1200">
-                <a:solidFill>
-                  <a:schemeClr val="tx1"/>
-                </a:solidFill>
-                <a:latin typeface="+mn-lt"/>
-                <a:ea typeface="+mn-ea"/>
-                <a:cs typeface="+mn-cs"/>
-              </a:defRPr>
-            </a:lvl7pPr>
-            <a:lvl8pPr marL="3200400" algn="l" defTabSz="914400" rtl="0" eaLnBrk="1" latinLnBrk="0" hangingPunct="1">
-              <a:defRPr sz="1800" kern="1200">
-                <a:solidFill>
-                  <a:schemeClr val="tx1"/>
-                </a:solidFill>
-                <a:latin typeface="+mn-lt"/>
-                <a:ea typeface="+mn-ea"/>
-                <a:cs typeface="+mn-cs"/>
-              </a:defRPr>
-            </a:lvl8pPr>
-            <a:lvl9pPr marL="3657600" algn="l" defTabSz="914400" rtl="0" eaLnBrk="1" latinLnBrk="0" hangingPunct="1">
-              <a:defRPr sz="1800" kern="1200">
-                <a:solidFill>
-                  <a:schemeClr val="tx1"/>
-                </a:solidFill>
-                <a:latin typeface="+mn-lt"/>
-                <a:ea typeface="+mn-ea"/>
-                <a:cs typeface="+mn-cs"/>
-              </a:defRPr>
-            </a:lvl9pPr>
-          </a:lstStyle>
-          <a:p>
-            <a:pPr algn="ctr">
-              <a:defRPr sz="1200">
-                <a:solidFill>
-                  <a:srgbClr val="8C8C8C"/>
-                </a:solidFill>
-                <a:latin typeface="Tw Cen MT" charset="0"/>
-                <a:ea typeface="Calibri" charset="0"/>
-                <a:cs typeface="Calibri" charset="0"/>
-              </a:defRPr>
-            </a:pPr>
-            <a:r>
-              <a:rPr lang="pt-BR" dirty="0" smtClean="0"/>
-              <a:t>Controle de Fluxo e Exceções</a:t>
-            </a:r>
-            <a:endParaRPr lang="pt-BR" dirty="0"/>
-          </a:p>
-          <a:p>
-            <a:pPr algn="ctr">
-              <a:defRPr sz="1200">
-                <a:solidFill>
-                  <a:srgbClr val="8C8C8C"/>
-                </a:solidFill>
-                <a:latin typeface="Tw Cen MT" charset="0"/>
-                <a:ea typeface="Calibri" charset="0"/>
-                <a:cs typeface="Calibri" charset="0"/>
-              </a:defRPr>
-            </a:pPr>
-            <a:endParaRPr lang="pt-BR" sz="1200" dirty="0" smtClean="0">
-              <a:solidFill>
-                <a:srgbClr val="8C8C8C"/>
-              </a:solidFill>
-              <a:latin typeface="Tw Cen MT" charset="0"/>
-              <a:ea typeface="Calibri" charset="0"/>
-              <a:cs typeface="Calibri" charset="0"/>
-            </a:endParaRPr>
-          </a:p>
-          <a:p>
-            <a:pPr algn="ctr">
-              <a:defRPr sz="1200">
-                <a:solidFill>
-                  <a:srgbClr val="8C8C8C"/>
-                </a:solidFill>
-                <a:latin typeface="Tw Cen MT" charset="0"/>
-                <a:ea typeface="Calibri" charset="0"/>
-                <a:cs typeface="Calibri" charset="0"/>
-              </a:defRPr>
-            </a:pPr>
-            <a:endParaRPr lang="pt-BR" sz="1200" dirty="0">
-              <a:solidFill>
-                <a:srgbClr val="8C8C8C"/>
-              </a:solidFill>
-              <a:latin typeface="Tw Cen MT" charset="0"/>
-              <a:ea typeface="Calibri" charset="0"/>
-              <a:cs typeface="Calibri" charset="0"/>
-            </a:endParaRPr>
-          </a:p>
-        </p:txBody>
-      </p:sp>
-    </p:spTree>
-    <p:extLst>
-      <p:ext uri="{BB962C8B-B14F-4D97-AF65-F5344CB8AC3E}">
-        <p14:creationId xmlns:p14="http://schemas.microsoft.com/office/powerpoint/2010/main" val="119400205"/>
-      </p:ext>
-    </p:extLst>
-  </p:cSld>
-  <p:clrMapOvr>
-    <a:masterClrMapping/>
-  </p:clrMapOvr>
-</p:sld>
-</file>
-
-<file path=ppt/slides/slide62.xml><?xml version="1.0" encoding="utf-8"?>
-<p:sld xmlns:a="http://schemas.openxmlformats.org/drawingml/2006/main" xmlns:r="http://schemas.openxmlformats.org/officeDocument/2006/relationships" xmlns:p="http://schemas.openxmlformats.org/presentationml/2006/main">
-  <p:cSld>
-    <p:spTree>
-      <p:nvGrpSpPr>
-        <p:cNvPr id="1" name=""/>
-        <p:cNvGrpSpPr/>
-        <p:nvPr/>
-      </p:nvGrpSpPr>
-      <p:grpSpPr>
-        <a:xfrm>
-          <a:off x="0" y="0"/>
-          <a:ext cx="0" cy="0"/>
-          <a:chOff x="0" y="0"/>
-          <a:chExt cx="0" cy="0"/>
-        </a:xfrm>
-      </p:grpSpPr>
-      <p:sp>
-        <p:nvSpPr>
           <p:cNvPr id="2" name="Título 1"/>
           <p:cNvSpPr>
             <a:spLocks noGrp="1"/>
@@ -16977,7 +16755,7 @@
 </p:sld>
 </file>
 
-<file path=ppt/slides/slide63.xml><?xml version="1.0" encoding="utf-8"?>
+<file path=ppt/slides/slide62.xml><?xml version="1.0" encoding="utf-8"?>
 <p:sld xmlns:a="http://schemas.openxmlformats.org/drawingml/2006/main" xmlns:r="http://schemas.openxmlformats.org/officeDocument/2006/relationships" xmlns:p="http://schemas.openxmlformats.org/presentationml/2006/main">
   <p:cSld>
     <p:spTree>
@@ -17312,7 +17090,6 @@
               <a:rPr lang="pt-BR" dirty="0" smtClean="0"/>
               <a:t>Identificadores válidos</a:t>
             </a:r>
-            <a:endParaRPr lang="pt-BR" dirty="0" smtClean="0"/>
           </a:p>
           <a:p>
             <a:r>
@@ -17506,7 +17283,6 @@
               <a:rPr lang="pt-BR" sz="2000" b="1" dirty="0" smtClean="0"/>
               <a:t> </a:t>
             </a:r>
-            <a:endParaRPr lang="pt-BR" sz="2000" b="1" dirty="0" smtClean="0"/>
           </a:p>
           <a:p>
             <a:r>
@@ -17689,11 +17465,7 @@
           <a:p>
             <a:r>
               <a:rPr lang="pt-BR" sz="2400" dirty="0" smtClean="0"/>
-              <a:t>Regras </a:t>
-            </a:r>
-            <a:r>
-              <a:rPr lang="pt-BR" sz="2400" dirty="0" smtClean="0"/>
-              <a:t>de Declaração de Arquivo-Fonte</a:t>
+              <a:t>Regras de Declaração de Arquivo-Fonte</a:t>
             </a:r>
           </a:p>
           <a:p>
@@ -17792,11 +17564,24 @@
               <a:rPr lang="pt-BR" sz="2400" dirty="0" smtClean="0"/>
               <a:t>)</a:t>
             </a:r>
-            <a:endParaRPr lang="pt-BR" sz="2400" dirty="0" smtClean="0"/>
           </a:p>
           <a:p>
             <a:r>
               <a:rPr lang="pt-BR" sz="2400" dirty="0" smtClean="0"/>
+              <a:t>Cláusulas de </a:t>
+            </a:r>
+            <a:r>
+              <a:rPr lang="pt-BR" sz="2400" dirty="0" err="1" smtClean="0"/>
+              <a:t>Imports</a:t>
+            </a:r>
+            <a:r>
+              <a:rPr lang="pt-BR" sz="2400" dirty="0" smtClean="0"/>
+              <a:t> e Java API</a:t>
+            </a:r>
+          </a:p>
+          <a:p>
+            <a:r>
+              <a:rPr lang="pt-BR" sz="2400" dirty="0"/>
               <a:t>Cláusulas </a:t>
             </a:r>
             <a:r>
@@ -17809,42 +17594,14 @@
             </a:r>
             <a:r>
               <a:rPr lang="pt-BR" sz="2400" dirty="0" smtClean="0"/>
-              <a:t> </a:t>
-            </a:r>
+              <a:t> estáticos</a:t>
+            </a:r>
+          </a:p>
+          <a:p>
             <a:r>
               <a:rPr lang="pt-BR" sz="2400" dirty="0" smtClean="0"/>
-              <a:t>e Java API</a:t>
-            </a:r>
-            <a:endParaRPr lang="pt-BR" sz="2400" dirty="0" smtClean="0"/>
-          </a:p>
-          <a:p>
-            <a:r>
-              <a:rPr lang="pt-BR" sz="2400" dirty="0"/>
-              <a:t>Cláusulas </a:t>
-            </a:r>
-            <a:r>
-              <a:rPr lang="pt-BR" sz="2400" dirty="0" smtClean="0"/>
-              <a:t>de </a:t>
-            </a:r>
-            <a:r>
-              <a:rPr lang="pt-BR" sz="2400" dirty="0" err="1" smtClean="0"/>
-              <a:t>Imports</a:t>
-            </a:r>
-            <a:r>
-              <a:rPr lang="pt-BR" sz="2400" dirty="0" smtClean="0"/>
-              <a:t> estáticos</a:t>
-            </a:r>
-          </a:p>
-          <a:p>
-            <a:r>
-              <a:rPr lang="pt-BR" sz="2400" dirty="0" smtClean="0"/>
-              <a:t>Declaração de Classes e </a:t>
-            </a:r>
-            <a:r>
-              <a:rPr lang="pt-BR" sz="2400" dirty="0" smtClean="0"/>
-              <a:t>Modificadores</a:t>
-            </a:r>
-            <a:endParaRPr lang="pt-BR" sz="2400" dirty="0" smtClean="0"/>
+              <a:t>Declaração de Classes e Modificadores</a:t>
+            </a:r>
           </a:p>
           <a:p>
             <a:pPr lvl="1"/>

--- a/TreinamentoJavaSeOca/documentos/apresentação/OCA.pptx
+++ b/TreinamentoJavaSeOca/documentos/apresentação/OCA.pptx
@@ -32,47 +32,47 @@
     <p:sldId id="1202" r:id="rId20"/>
     <p:sldId id="1166" r:id="rId21"/>
     <p:sldId id="1167" r:id="rId22"/>
-    <p:sldId id="1232" r:id="rId23"/>
-    <p:sldId id="1168" r:id="rId24"/>
-    <p:sldId id="1169" r:id="rId25"/>
-    <p:sldId id="1234" r:id="rId26"/>
-    <p:sldId id="1170" r:id="rId27"/>
-    <p:sldId id="1171" r:id="rId28"/>
-    <p:sldId id="1172" r:id="rId29"/>
-    <p:sldId id="1237" r:id="rId30"/>
-    <p:sldId id="1173" r:id="rId31"/>
-    <p:sldId id="1238" r:id="rId32"/>
-    <p:sldId id="1174" r:id="rId33"/>
-    <p:sldId id="1239" r:id="rId34"/>
-    <p:sldId id="1221" r:id="rId35"/>
-    <p:sldId id="1175" r:id="rId36"/>
-    <p:sldId id="1240" r:id="rId37"/>
-    <p:sldId id="1243" r:id="rId38"/>
-    <p:sldId id="1176" r:id="rId39"/>
-    <p:sldId id="1177" r:id="rId40"/>
-    <p:sldId id="1245" r:id="rId41"/>
-    <p:sldId id="1178" r:id="rId42"/>
-    <p:sldId id="1246" r:id="rId43"/>
-    <p:sldId id="1179" r:id="rId44"/>
-    <p:sldId id="1247" r:id="rId45"/>
-    <p:sldId id="1248" r:id="rId46"/>
-    <p:sldId id="1180" r:id="rId47"/>
-    <p:sldId id="1249" r:id="rId48"/>
-    <p:sldId id="1250" r:id="rId49"/>
-    <p:sldId id="1181" r:id="rId50"/>
-    <p:sldId id="1251" r:id="rId51"/>
-    <p:sldId id="1182" r:id="rId52"/>
-    <p:sldId id="1252" r:id="rId53"/>
-    <p:sldId id="1183" r:id="rId54"/>
-    <p:sldId id="1253" r:id="rId55"/>
-    <p:sldId id="1184" r:id="rId56"/>
-    <p:sldId id="1255" r:id="rId57"/>
-    <p:sldId id="1185" r:id="rId58"/>
-    <p:sldId id="1256" r:id="rId59"/>
-    <p:sldId id="1186" r:id="rId60"/>
-    <p:sldId id="1257" r:id="rId61"/>
-    <p:sldId id="1187" r:id="rId62"/>
-    <p:sldId id="1258" r:id="rId63"/>
+    <p:sldId id="1168" r:id="rId23"/>
+    <p:sldId id="1169" r:id="rId24"/>
+    <p:sldId id="1234" r:id="rId25"/>
+    <p:sldId id="1170" r:id="rId26"/>
+    <p:sldId id="1171" r:id="rId27"/>
+    <p:sldId id="1172" r:id="rId28"/>
+    <p:sldId id="1237" r:id="rId29"/>
+    <p:sldId id="1173" r:id="rId30"/>
+    <p:sldId id="1238" r:id="rId31"/>
+    <p:sldId id="1174" r:id="rId32"/>
+    <p:sldId id="1239" r:id="rId33"/>
+    <p:sldId id="1221" r:id="rId34"/>
+    <p:sldId id="1175" r:id="rId35"/>
+    <p:sldId id="1240" r:id="rId36"/>
+    <p:sldId id="1243" r:id="rId37"/>
+    <p:sldId id="1176" r:id="rId38"/>
+    <p:sldId id="1177" r:id="rId39"/>
+    <p:sldId id="1245" r:id="rId40"/>
+    <p:sldId id="1178" r:id="rId41"/>
+    <p:sldId id="1246" r:id="rId42"/>
+    <p:sldId id="1179" r:id="rId43"/>
+    <p:sldId id="1247" r:id="rId44"/>
+    <p:sldId id="1248" r:id="rId45"/>
+    <p:sldId id="1180" r:id="rId46"/>
+    <p:sldId id="1249" r:id="rId47"/>
+    <p:sldId id="1250" r:id="rId48"/>
+    <p:sldId id="1181" r:id="rId49"/>
+    <p:sldId id="1251" r:id="rId50"/>
+    <p:sldId id="1182" r:id="rId51"/>
+    <p:sldId id="1252" r:id="rId52"/>
+    <p:sldId id="1183" r:id="rId53"/>
+    <p:sldId id="1253" r:id="rId54"/>
+    <p:sldId id="1184" r:id="rId55"/>
+    <p:sldId id="1255" r:id="rId56"/>
+    <p:sldId id="1185" r:id="rId57"/>
+    <p:sldId id="1256" r:id="rId58"/>
+    <p:sldId id="1186" r:id="rId59"/>
+    <p:sldId id="1257" r:id="rId60"/>
+    <p:sldId id="1187" r:id="rId61"/>
+    <p:sldId id="1258" r:id="rId62"/>
+    <p:sldId id="1259" r:id="rId63"/>
   </p:sldIdLst>
   <p:sldSz cx="9144000" cy="6858000" type="screen4x3"/>
   <p:notesSz cx="6797675" cy="9928225"/>
@@ -737,7 +737,7 @@
             <a:spLocks noGrp="1" noChangeArrowheads="1"/>
             <a:extLst>
               <a:ext uri="smNativeData">
-                <pr:smNativeData xmlns:pr="smNativeData" xmlns="" val="SMDATA_12_7hxgVxMAAAAlAAAAZAAAAA0AAAAAkAAAAEgAAACQAAAASAAAAAAAAAAAAAAAAAAAAAEAAABQAAAAAAAAAAAA4D8AAAAAAADgPwAAAAAAAOA/AAAAAAAA4D8AAAAAAADgPwAAAAAAAOA/AAAAAAAA4D8AAAAAAADgPwAAAAAAAOA/AAAAAAAA4D8CAAAAjAAAAAAAAAAAAAAA////DP///wgAAAAAAAAAAAAAAAAAAAAAAAAAAAAAAAAAAAAAZAAAAAEAAABAAAAAAAAAAAAAAAAAAAAAAAAAAAAAAAAAAAAAAAAAAAAAAAAAAAAAAAAAAAAAAAAAAAAAAAAAAAAAAAAAAAAAAAAAAAAAAAAAAAAAAAAAAAAAAAAAAAAAFAAAADwAAAAAAAAAAAAAAAZJjAkUAAAAAQAAABQAAAAUAAAAFAAAAAEAAAAAAAAAZAAAAGQAAAAAAAAAZAAAAGQAAAAVAAAAYAAAAAAAAAAAAAAADwAAACADAAAAAAAAAAAAAAEAAACgMgAAVgcAAKr4//8BAAAAf39/AAEAAABkAAAAAAAAABQAAABAHwAAAAAAACYAAAAAAAAAwOD//wAAAAAmAAAAZAAAABYAAABMAAAAAAAAAAAAAAAEAAAAAAAAAAEAAACWlpYKAAAAACgAAAAoAAAAZAAAAGQAAAAAAAAAzMzMAAAAAABQAAAAUAAAAGQAAABkAAAAAAAAABcAAAAUAAAAAAAAAAAAAAD/fwAA/38AAAAAAAAJAAAABAAAAAAAAAAMAAAAEAAAAAAAAAAAAAAAAAAAAAAAAAAeAAAAaAAAAAAAAAAAAAAAAAAAAAAAAAAAAAAAECcAABAnAAAAAAAAAAAAAAAAAAAAAAAAAAAAAAAAAAAAAAAAAAAAABQAAAAAAAAAwMD/AAAAAABkAAAAMgAAAAAAAABkAAAAAAAAAH9/fwAKAAAAHwAAAFQAAAAAAAAFAAAAAQAAAAAAAAAAAAAAAAAAAAAAAAAAAAAAAAAAAAAAAAAAAAAAAn9/fwAAAAADzMzMAMDA/wB/f38AAAAAAAAAAAAAAAAAAAAAAAAAAAAhAAAAGAAAABQAAAA4BAAAwAMAANAvAAAIBwAAEAAAAA=="/>
+                <pr:smNativeData xmlns="" xmlns:pr="smNativeData" val="SMDATA_12_7hxgVxMAAAAlAAAAZAAAAA0AAAAAkAAAAEgAAACQAAAASAAAAAAAAAAAAAAAAAAAAAEAAABQAAAAAAAAAAAA4D8AAAAAAADgPwAAAAAAAOA/AAAAAAAA4D8AAAAAAADgPwAAAAAAAOA/AAAAAAAA4D8AAAAAAADgPwAAAAAAAOA/AAAAAAAA4D8CAAAAjAAAAAAAAAAAAAAA////DP///wgAAAAAAAAAAAAAAAAAAAAAAAAAAAAAAAAAAAAAZAAAAAEAAABAAAAAAAAAAAAAAAAAAAAAAAAAAAAAAAAAAAAAAAAAAAAAAAAAAAAAAAAAAAAAAAAAAAAAAAAAAAAAAAAAAAAAAAAAAAAAAAAAAAAAAAAAAAAAAAAAAAAAFAAAADwAAAAAAAAAAAAAAAZJjAkUAAAAAQAAABQAAAAUAAAAFAAAAAEAAAAAAAAAZAAAAGQAAAAAAAAAZAAAAGQAAAAVAAAAYAAAAAAAAAAAAAAADwAAACADAAAAAAAAAAAAAAEAAACgMgAAVgcAAKr4//8BAAAAf39/AAEAAABkAAAAAAAAABQAAABAHwAAAAAAACYAAAAAAAAAwOD//wAAAAAmAAAAZAAAABYAAABMAAAAAAAAAAAAAAAEAAAAAAAAAAEAAACWlpYKAAAAACgAAAAoAAAAZAAAAGQAAAAAAAAAzMzMAAAAAABQAAAAUAAAAGQAAABkAAAAAAAAABcAAAAUAAAAAAAAAAAAAAD/fwAA/38AAAAAAAAJAAAABAAAAAAAAAAMAAAAEAAAAAAAAAAAAAAAAAAAAAAAAAAeAAAAaAAAAAAAAAAAAAAAAAAAAAAAAAAAAAAAECcAABAnAAAAAAAAAAAAAAAAAAAAAAAAAAAAAAAAAAAAAAAAAAAAABQAAAAAAAAAwMD/AAAAAABkAAAAMgAAAAAAAABkAAAAAAAAAH9/fwAKAAAAHwAAAFQAAAAAAAAFAAAAAQAAAAAAAAAAAAAAAAAAAAAAAAAAAAAAAAAAAAAAAAAAAAAAAn9/fwAAAAADzMzMAMDA/wB/f38AAAAAAAAAAAAAAAAAAAAAAAAAAAAhAAAAGAAAABQAAAA4BAAAwAMAANAvAAAIBwAAEAAAAA=="/>
               </a:ext>
             </a:extLst>
           </p:cNvSpPr>
@@ -1631,7 +1631,7 @@
             <a:spLocks noGrp="1" noChangeArrowheads="1"/>
             <a:extLst>
               <a:ext uri="smNativeData">
-                <pr:smNativeData xmlns:pr="smNativeData" xmlns="" val="SMDATA_12_7hxgVxMAAAAlAAAAZAAAAA0AAAAAkAAAAEgAAACQAAAASAAAAAAAAAABAAAAAAAAAAEAAABQAAAAAAAAAAAA4D8AAAAAAADgPwAAAAAAAOA/AAAAAAAA4D8AAAAAAADgPwAAAAAAAOA/AAAAAAAA4D8AAAAAAADgPwAAAAAAAOA/AAAAAAAA4D8CAAAAjAAAAAAAAAAAAAAA////AP///wgAAAAAAAAAAAAAAAAAAAAAAAAAAAAAAAAAAAAAeAAAAAEAAABAAAAAAAAAAAAAAABaAAAAAAAAAAAAAAAAAAAAAAAAAAAAAAAAAAAAAAAAAAAAAAAAAAAAAAAAAAAAAAAAAAAAAAAAAAAAAAAAAAAAAAAAAAAAAAAAAAAAFAAAADwAAAAAAAAAAAAAAAAAAAAPAAAAAQAAACMAAAAjAAAAIwAAAB4AAAAAAAAAZAAAAGQAAAAAAAAAZAAAAGQAAAAVAAAAYAAAAAAAAAAAAAAADwAAACADAAAAAAAAAAAAAAEAAACgMgAAVgcAAKr4//8BAAAAf39/AAEAAABkAAAAAAAAABQAAABAHwAAAAAAACYAAAAAAAAAwOD//wAAAAAmAAAAZAAAABYAAABMAAAAAAAAAAAAAAAEAAAAAAAAAAEAAADn5uYKAAAAACgAAAAoAAAAZAAAAGQAAAAAAAAAzMzMAAAAAABQAAAAUAAAAGQAAABkAAAAAAAAABcAAAAUAAAAAAAAAAAAAAD/fwAA/38AAAAAAAAJAAAABAAAAAAAAAAMAAAAEAAAAAAAAAAAAAAAAAAAAAAAAAAeAAAAaAAAAAAAAAAAAAAAAAAAAAAAAAAAAAAAECcAABAnAAAAAAAAAAAAAAAAAAAAAAAAAAAAAAAAAAAAAAAAAAAAABQAAAAAAAAAwMD/AAAAAABkAAAAMgAAAAAAAABkAAAAAAAAAH9/fwAKAAAAHwAAAFQAAAD///8AAAAAAQAAAAAAAAAAAAAAAAAAAAAAAAAAAAAAAAAAAAAAAAAAAAAAAH9/fwAAAAADzMzMAMDA/wB/f38AAAAAAAAAAAAAAAAAAAAAAAAAAAAhAAAAGAAAABQAAAAoBQAAPwIAANhFAABnCgAAEAAAAA=="/>
+                <pr:smNativeData xmlns="" xmlns:pr="smNativeData" val="SMDATA_12_7hxgVxMAAAAlAAAAZAAAAA0AAAAAkAAAAEgAAACQAAAASAAAAAAAAAABAAAAAAAAAAEAAABQAAAAAAAAAAAA4D8AAAAAAADgPwAAAAAAAOA/AAAAAAAA4D8AAAAAAADgPwAAAAAAAOA/AAAAAAAA4D8AAAAAAADgPwAAAAAAAOA/AAAAAAAA4D8CAAAAjAAAAAAAAAAAAAAA////AP///wgAAAAAAAAAAAAAAAAAAAAAAAAAAAAAAAAAAAAAeAAAAAEAAABAAAAAAAAAAAAAAABaAAAAAAAAAAAAAAAAAAAAAAAAAAAAAAAAAAAAAAAAAAAAAAAAAAAAAAAAAAAAAAAAAAAAAAAAAAAAAAAAAAAAAAAAAAAAAAAAAAAAFAAAADwAAAAAAAAAAAAAAAAAAAAPAAAAAQAAACMAAAAjAAAAIwAAAB4AAAAAAAAAZAAAAGQAAAAAAAAAZAAAAGQAAAAVAAAAYAAAAAAAAAAAAAAADwAAACADAAAAAAAAAAAAAAEAAACgMgAAVgcAAKr4//8BAAAAf39/AAEAAABkAAAAAAAAABQAAABAHwAAAAAAACYAAAAAAAAAwOD//wAAAAAmAAAAZAAAABYAAABMAAAAAAAAAAAAAAAEAAAAAAAAAAEAAADn5uYKAAAAACgAAAAoAAAAZAAAAGQAAAAAAAAAzMzMAAAAAABQAAAAUAAAAGQAAABkAAAAAAAAABcAAAAUAAAAAAAAAAAAAAD/fwAA/38AAAAAAAAJAAAABAAAAAAAAAAMAAAAEAAAAAAAAAAAAAAAAAAAAAAAAAAeAAAAaAAAAAAAAAAAAAAAAAAAAAAAAAAAAAAAECcAABAnAAAAAAAAAAAAAAAAAAAAAAAAAAAAAAAAAAAAAAAAAAAAABQAAAAAAAAAwMD/AAAAAABkAAAAMgAAAAAAAABkAAAAAAAAAH9/fwAKAAAAHwAAAFQAAAD///8AAAAAAQAAAAAAAAAAAAAAAAAAAAAAAAAAAAAAAAAAAAAAAAAAAAAAAH9/fwAAAAADzMzMAMDA/wB/f38AAAAAAAAAAAAAAAAAAAAAAAAAAAAhAAAAGAAAABQAAAAoBQAAPwIAANhFAABnCgAAEAAAAA=="/>
               </a:ext>
             </a:extLst>
           </p:cNvSpPr>
@@ -1678,7 +1678,7 @@
             <a:spLocks noGrp="1" noChangeArrowheads="1"/>
             <a:extLst>
               <a:ext uri="smNativeData">
-                <pr:smNativeData xmlns:pr="smNativeData" xmlns="" val="SMDATA_12_7hxgVxMAAAAlAAAAZAAAAA0AAAAAkAAAAEgAAACQAAAASAAAAAAAAAAAAAAAAAAAAAEAAABQAAAAAAAAAAAA4D8AAAAAAADgPwAAAAAAAOA/AAAAAAAA4D8AAAAAAADgPwAAAAAAAOA/AAAAAAAA4D8AAAAAAADgPwAAAAAAAOA/AAAAAAAA4D8CAAAAjAAAAAAAAAAAAAAA////AP///wgAAAAAAAAAAAAAAAAAAAAAAAAAAAAAAAAAAAAAeAAAAAEAAABAAAAAAAAAAAAAAABaAAAAAAAAAAAAAAAAAAAAAAAAAAAAAAAAAAAAAAAAAAAAAAAAAAAAAAAAAAAAAAAAAAAAAAAAAAAAAAAAAAAAAAAAAAAAAAAAAAAAFAAAADwAAAAAAAAAAAAAAAAAAAAPAAAAAQAAACMAAAAjAAAAIwAAAB4AAAAAAAAAZAAAAGQAAAAAAAAAZAAAAGQAAAAVAAAAYAAAAAAAAAAAAAAADwAAACADAAAAAAAAAAAAAAEAAACgMgAAVgcAAKr4//8BAAAAf39/AAEAAABkAAAAAAAAABQAAABAHwAAAAAAACYAAAAAAAAAwOD//wAAAAAmAAAAZAAAABYAAABMAAAAAAAAAAAAAAAEAAAAAAAAAAEAAADn5uYKAAAAACgAAAAoAAAAZAAAAGQAAAAAAAAAzMzMAAAAAABQAAAAUAAAAGQAAABkAAAAAAAAABcAAAAUAAAAAAAAAAAAAAD/fwAA/38AAAAAAAAJAAAABAAAAAAAAAAMAAAAEAAAAAAAAAAAAAAAAAAAAAAAAAAeAAAAaAAAAAAAAAAAAAAAAAAAAAAAAAAAAAAAECcAABAnAAAAAAAAAAAAAAAAAAAAAAAAAAAAAAAAAAAAAAAAAAAAABQAAAAAAAAAwMD/AAAAAABkAAAAMgAAAAAAAABkAAAAAAAAAH9/fwAKAAAAHwAAAFQAAAD///8AAAAAAQAAAAAAAAAAAAAAAAAAAAAAAAAAAAAAAAAAAAAAAAAAAAAAAH9/fwAAAAADzMzMAMDA/wB/f38AAAAAAAAAAAAAAAAAAAAAAAAAAAAhAAAAGAAAABQAAAAoBQAAOwsAANhFAAAAJgAAEAAAAA=="/>
+                <pr:smNativeData xmlns="" xmlns:pr="smNativeData" val="SMDATA_12_7hxgVxMAAAAlAAAAZAAAAA0AAAAAkAAAAEgAAACQAAAASAAAAAAAAAAAAAAAAAAAAAEAAABQAAAAAAAAAAAA4D8AAAAAAADgPwAAAAAAAOA/AAAAAAAA4D8AAAAAAADgPwAAAAAAAOA/AAAAAAAA4D8AAAAAAADgPwAAAAAAAOA/AAAAAAAA4D8CAAAAjAAAAAAAAAAAAAAA////AP///wgAAAAAAAAAAAAAAAAAAAAAAAAAAAAAAAAAAAAAeAAAAAEAAABAAAAAAAAAAAAAAABaAAAAAAAAAAAAAAAAAAAAAAAAAAAAAAAAAAAAAAAAAAAAAAAAAAAAAAAAAAAAAAAAAAAAAAAAAAAAAAAAAAAAAAAAAAAAAAAAAAAAFAAAADwAAAAAAAAAAAAAAAAAAAAPAAAAAQAAACMAAAAjAAAAIwAAAB4AAAAAAAAAZAAAAGQAAAAAAAAAZAAAAGQAAAAVAAAAYAAAAAAAAAAAAAAADwAAACADAAAAAAAAAAAAAAEAAACgMgAAVgcAAKr4//8BAAAAf39/AAEAAABkAAAAAAAAABQAAABAHwAAAAAAACYAAAAAAAAAwOD//wAAAAAmAAAAZAAAABYAAABMAAAAAAAAAAAAAAAEAAAAAAAAAAEAAADn5uYKAAAAACgAAAAoAAAAZAAAAGQAAAAAAAAAzMzMAAAAAABQAAAAUAAAAGQAAABkAAAAAAAAABcAAAAUAAAAAAAAAAAAAAD/fwAA/38AAAAAAAAJAAAABAAAAAAAAAAMAAAAEAAAAAAAAAAAAAAAAAAAAAAAAAAeAAAAaAAAAAAAAAAAAAAAAAAAAAAAAAAAAAAAECcAABAnAAAAAAAAAAAAAAAAAAAAAAAAAAAAAAAAAAAAAAAAAAAAABQAAAAAAAAAwMD/AAAAAABkAAAAMgAAAAAAAABkAAAAAAAAAH9/fwAKAAAAHwAAAFQAAAD///8AAAAAAQAAAAAAAAAAAAAAAAAAAAAAAAAAAAAAAAAAAAAAAAAAAAAAAH9/fwAAAAADzMzMAMDA/wB/f38AAAAAAAAAAAAAAAAAAAAAAAAAAAAhAAAAGAAAABQAAAAoBQAAOwsAANhFAAAAJgAAEAAAAA=="/>
               </a:ext>
             </a:extLst>
           </p:cNvSpPr>
@@ -1725,7 +1725,7 @@
             <a:spLocks noGrp="1" noChangeArrowheads="1"/>
             <a:extLst>
               <a:ext uri="smNativeData">
-                <pr:smNativeData xmlns:pr="smNativeData" xmlns="" val="SMDATA_12_7hxgVxMAAAAlAAAAZAAAAA0AAAAAkAAAAEgAAACQAAAASAAAAAAAAAABAAAAAAAAAAEAAABQAAAAAAAAAAAA4D8AAAAAAADgPwAAAAAAAOA/AAAAAAAA4D8AAAAAAADgPwAAAAAAAOA/AAAAAAAA4D8AAAAAAADgPwAAAAAAAOA/AAAAAAAA4D8CAAAAjAAAAAAAAAAAAAAA////AP///wgAAAAAAAAAAAAAAAAAAAAAAAAAAAAAAAAAAAAAeAAAAAEAAABAAAAAAAAAAAAAAABaAAAAAAAAAAAAAAAAAAAAAAAAAAAAAAAAAAAAAAAAAAAAAAAAAAAAAAAAAAAAAAAAAAAAAAAAAAAAAAAAAAAAAAAAAAAAAAAAAAAAFAAAADwAAAAAAAAAAAAAAAAAAAAPAAAAAQAAACMAAAAjAAAAIwAAAB4AAAAAAAAAZAAAAGQAAAAAAAAAZAAAAGQAAAAVAAAAYAAAAAAAAAAAAAAADwAAACADAAAAAAAAAAAAAAEAAACgMgAAVgcAAKr4//8BAAAAf39/AAEAAABkAAAAAAAAABQAAABAHwAAAAAAACYAAAAAAAAAwOD//wAAAAAmAAAAZAAAABYAAABMAAAAAAAAAAAAAAAEAAAAAAAAAAEAAADn5uYKAAAAACgAAAAoAAAAZAAAAGQAAAAAAAAAzMzMAAAAAABQAAAAUAAAAGQAAABkAAAAAAAAABcAAAAUAAAAAAAAAAAAAAD/fwAA/38AAAAAAAAJAAAABAAAAAAAAAAMAAAAEAAAAAAAAAAAAAAAAAAAAAAAAAAeAAAAaAAAAAAAAAAAAAAAAAAAAAAAAAAAAAAAECcAABAnAAAAAAAAAAAAAAAAAAAAAAAAAAAAAAAAAAAAAAAAAAAAABQAAAAAAAAAwMD/AAAAAABkAAAAMgAAAAAAAABkAAAAAAAAAH9/fwAKAAAAHwAAAFQAAAD///8A////AQAAAAAAAAAAAAAAAAAAAAAAAAAAAAAAAAAAAAAAAAAAAAAAAH9/fwDn5uYDzMzMAMDA/wB/f38AAAAAAAAAAAAAAAAAAAAAAAAAAAAhAAAAGAAAABQAAAD4NAAAGicAANhFAABZKQAAEAAAAA=="/>
+                <pr:smNativeData xmlns="" xmlns:pr="smNativeData" val="SMDATA_12_7hxgVxMAAAAlAAAAZAAAAA0AAAAAkAAAAEgAAACQAAAASAAAAAAAAAABAAAAAAAAAAEAAABQAAAAAAAAAAAA4D8AAAAAAADgPwAAAAAAAOA/AAAAAAAA4D8AAAAAAADgPwAAAAAAAOA/AAAAAAAA4D8AAAAAAADgPwAAAAAAAOA/AAAAAAAA4D8CAAAAjAAAAAAAAAAAAAAA////AP///wgAAAAAAAAAAAAAAAAAAAAAAAAAAAAAAAAAAAAAeAAAAAEAAABAAAAAAAAAAAAAAABaAAAAAAAAAAAAAAAAAAAAAAAAAAAAAAAAAAAAAAAAAAAAAAAAAAAAAAAAAAAAAAAAAAAAAAAAAAAAAAAAAAAAAAAAAAAAAAAAAAAAFAAAADwAAAAAAAAAAAAAAAAAAAAPAAAAAQAAACMAAAAjAAAAIwAAAB4AAAAAAAAAZAAAAGQAAAAAAAAAZAAAAGQAAAAVAAAAYAAAAAAAAAAAAAAADwAAACADAAAAAAAAAAAAAAEAAACgMgAAVgcAAKr4//8BAAAAf39/AAEAAABkAAAAAAAAABQAAABAHwAAAAAAACYAAAAAAAAAwOD//wAAAAAmAAAAZAAAABYAAABMAAAAAAAAAAAAAAAEAAAAAAAAAAEAAADn5uYKAAAAACgAAAAoAAAAZAAAAGQAAAAAAAAAzMzMAAAAAABQAAAAUAAAAGQAAABkAAAAAAAAABcAAAAUAAAAAAAAAAAAAAD/fwAA/38AAAAAAAAJAAAABAAAAAAAAAAMAAAAEAAAAAAAAAAAAAAAAAAAAAAAAAAeAAAAaAAAAAAAAAAAAAAAAAAAAAAAAAAAAAAAECcAABAnAAAAAAAAAAAAAAAAAAAAAAAAAAAAAAAAAAAAAAAAAAAAABQAAAAAAAAAwMD/AAAAAABkAAAAMgAAAAAAAABkAAAAAAAAAH9/fwAKAAAAHwAAAFQAAAD///8A////AQAAAAAAAAAAAAAAAAAAAAAAAAAAAAAAAAAAAAAAAAAAAAAAAH9/fwDn5uYDzMzMAMDA/wB/f38AAAAAAAAAAAAAAAAAAAAAAAAAAAAhAAAAGAAAABQAAAD4NAAAGicAANhFAABZKQAAEAAAAA=="/>
               </a:ext>
             </a:extLst>
           </p:cNvSpPr>
@@ -1782,7 +1782,7 @@
             <a:spLocks noGrp="1" noChangeArrowheads="1"/>
             <a:extLst>
               <a:ext uri="smNativeData">
-                <pr:smNativeData xmlns:pr="smNativeData" xmlns="" val="SMDATA_12_7hxgVxMAAAAlAAAAZAAAAA0AAAAAkAAAAEgAAACQAAAASAAAAAAAAAABAAAAAAAAAAEAAABQAAAAAAAAAAAA4D8AAAAAAADgPwAAAAAAAOA/AAAAAAAA4D8AAAAAAADgPwAAAAAAAOA/AAAAAAAA4D8AAAAAAADgPwAAAAAAAOA/AAAAAAAA4D8CAAAAjAAAAAAAAAAAAAAA////AP///wgAAAAAAAAAAAAAAAAAAAAAAAAAAAAAAAAAAAAAeAAAAAEAAABAAAAAAAAAAAAAAABaAAAAAAAAAAAAAAAAAAAAAAAAAAAAAAAAAAAAAAAAAAAAAAAAAAAAAAAAAAAAAAAAAAAAAAAAAAAAAAAAAAAAAAAAAAAAAAAAAAAAFAAAADwAAAAAAAAAAAAAAAAAAAAPAAAAAQAAACMAAAAjAAAAIwAAAB4AAAAAAAAAZAAAAGQAAAAAAAAAZAAAAGQAAAAVAAAAYAAAAAAAAAAAAAAADwAAACADAAAAAAAAAAAAAAEAAACgMgAAVgcAAKr4//8BAAAAf39/AAEAAABkAAAAAAAAABQAAABAHwAAAAAAACYAAAAAAAAAwOD//wAAAAAmAAAAZAAAABYAAABMAAAAAAAAAAAAAAAEAAAAAAAAAAEAAADn5uYKAAAAACgAAAAoAAAAZAAAAGQAAAAAAAAAzMzMAAAAAABQAAAAUAAAAGQAAABkAAAAAAAAABcAAAAUAAAAAAAAAAAAAAD/fwAA/38AAAAAAAAJAAAABAAAAAAAAAAMAAAAEAAAAAAAAAAAAAAAAAAAAAAAAAAeAAAAaAAAAAAAAAAAAAAAAAAAAAAAAAAAAAAAECcAABAnAAAAAAAAAAAAAAAAAAAAAAAAAAAAAAAAAAAAAAAAAAAAABQAAAAAAAAAwMD/AAAAAABkAAAAMgAAAAAAAABkAAAAAAAAAH9/fwAKAAAAHwAAAFQAAAD///8A////AQAAAAAAAAAAAAAAAAAAAAAAAAAAAAAAAAAAAAAAAAAAAAAAAH9/fwDn5uYDzMzMAMDA/wB/f38AAAAAAAAAAAAAAAAAAAAAAAAAAAAhAAAAGAAAABQAAADYGAAAGicAACgyAABZKQAAEAAAAA=="/>
+                <pr:smNativeData xmlns="" xmlns:pr="smNativeData" val="SMDATA_12_7hxgVxMAAAAlAAAAZAAAAA0AAAAAkAAAAEgAAACQAAAASAAAAAAAAAABAAAAAAAAAAEAAABQAAAAAAAAAAAA4D8AAAAAAADgPwAAAAAAAOA/AAAAAAAA4D8AAAAAAADgPwAAAAAAAOA/AAAAAAAA4D8AAAAAAADgPwAAAAAAAOA/AAAAAAAA4D8CAAAAjAAAAAAAAAAAAAAA////AP///wgAAAAAAAAAAAAAAAAAAAAAAAAAAAAAAAAAAAAAeAAAAAEAAABAAAAAAAAAAAAAAABaAAAAAAAAAAAAAAAAAAAAAAAAAAAAAAAAAAAAAAAAAAAAAAAAAAAAAAAAAAAAAAAAAAAAAAAAAAAAAAAAAAAAAAAAAAAAAAAAAAAAFAAAADwAAAAAAAAAAAAAAAAAAAAPAAAAAQAAACMAAAAjAAAAIwAAAB4AAAAAAAAAZAAAAGQAAAAAAAAAZAAAAGQAAAAVAAAAYAAAAAAAAAAAAAAADwAAACADAAAAAAAAAAAAAAEAAACgMgAAVgcAAKr4//8BAAAAf39/AAEAAABkAAAAAAAAABQAAABAHwAAAAAAACYAAAAAAAAAwOD//wAAAAAmAAAAZAAAABYAAABMAAAAAAAAAAAAAAAEAAAAAAAAAAEAAADn5uYKAAAAACgAAAAoAAAAZAAAAGQAAAAAAAAAzMzMAAAAAABQAAAAUAAAAGQAAABkAAAAAAAAABcAAAAUAAAAAAAAAAAAAAD/fwAA/38AAAAAAAAJAAAABAAAAAAAAAAMAAAAEAAAAAAAAAAAAAAAAAAAAAAAAAAeAAAAaAAAAAAAAAAAAAAAAAAAAAAAAAAAAAAAECcAABAnAAAAAAAAAAAAAAAAAAAAAAAAAAAAAAAAAAAAAAAAAAAAABQAAAAAAAAAwMD/AAAAAABkAAAAMgAAAAAAAABkAAAAAAAAAH9/fwAKAAAAHwAAAFQAAAD///8A////AQAAAAAAAAAAAAAAAAAAAAAAAAAAAAAAAAAAAAAAAAAAAAAAAH9/fwDn5uYDzMzMAMDA/wB/f38AAAAAAAAAAAAAAAAAAAAAAAAAAAAhAAAAGAAAABQAAADYGAAAGicAACgyAABZKQAAEAAAAA=="/>
               </a:ext>
             </a:extLst>
           </p:cNvSpPr>
@@ -1836,7 +1836,7 @@
             <a:spLocks noGrp="1" noChangeArrowheads="1"/>
             <a:extLst>
               <a:ext uri="smNativeData">
-                <pr:smNativeData xmlns:pr="smNativeData" xmlns="" val="SMDATA_12_7hxgVxMAAAAlAAAAZAAAAA0AAAAAkAAAAEgAAACQAAAASAAAAAAAAAABAAAAAAAAAAEAAABQAAAAAAAAAAAA4D8AAAAAAADgPwAAAAAAAOA/AAAAAAAA4D8AAAAAAADgPwAAAAAAAOA/AAAAAAAA4D8AAAAAAADgPwAAAAAAAOA/AAAAAAAA4D8CAAAAjAAAAAAAAAAAAAAA////AP///wgAAAAAAAAAAAAAAAAAAAAAAAAAAAAAAAAAAAAAeAAAAAEAAABAAAAAAAAAAAAAAABaAAAAAAAAAAAAAAAAAAAAAAAAAAAAAAAAAAAAAAAAAAAAAAAAAAAAAAAAAAAAAAAAAAAAAAAAAAAAAAAAAAAAAAAAAAAAAAAAAAAAFAAAADwAAAAAAAAAAAAAAAAAAAAPAAAAAQAAACMAAAAjAAAAIwAAAB4AAAAAAAAAZAAAAGQAAAAAAAAAZAAAAGQAAAAVAAAAYAAAAAAAAAAAAAAADwAAACADAAAAAAAAAAAAAAEAAACgMgAAVgcAAKr4//8BAAAAf39/AAEAAABkAAAAAAAAABQAAABAHwAAAAAAACYAAAAAAAAAwOD//wAAAAAmAAAAZAAAABYAAABMAAAAAAAAAAAAAAAEAAAAAAAAAAEAAADn5uYKAAAAACgAAAAoAAAAZAAAAGQAAAAAAAAAzMzMAAAAAABQAAAAUAAAAGQAAABkAAAAAAAAABcAAAAUAAAAAAAAAAAAAAD/fwAA/38AAAAAAAAJAAAABAAAAAAAAAAMAAAAEAAAAAAAAAAAAAAAAAAAAAAAAAAeAAAAaAAAAAAAAAAAAAAAAAAAAAAAAAAAAAAAECcAABAnAAAAAAAAAAAAAAAAAAAAAAAAAAAAAAAAAAAAAAAAAAAAABQAAAAAAAAAwMD/AAAAAABkAAAAMgAAAAAAAABkAAAAAAAAAH9/fwAKAAAAHwAAAFQAAAD///8A////AQAAAAAAAAAAAAAAAAAAAAAAAAAAAAAAAAAAAAAAAAAAAAAAAH9/fwDn5uYDzMzMAMDA/wB/f38AAAAAAAAAAAAAAAAAAAAAAAAAAAAhAAAAGAAAABQAAAAoBQAAGicAAAgWAABZKQAAEAAAAA=="/>
+                <pr:smNativeData xmlns="" xmlns:pr="smNativeData" val="SMDATA_12_7hxgVxMAAAAlAAAAZAAAAA0AAAAAkAAAAEgAAACQAAAASAAAAAAAAAABAAAAAAAAAAEAAABQAAAAAAAAAAAA4D8AAAAAAADgPwAAAAAAAOA/AAAAAAAA4D8AAAAAAADgPwAAAAAAAOA/AAAAAAAA4D8AAAAAAADgPwAAAAAAAOA/AAAAAAAA4D8CAAAAjAAAAAAAAAAAAAAA////AP///wgAAAAAAAAAAAAAAAAAAAAAAAAAAAAAAAAAAAAAeAAAAAEAAABAAAAAAAAAAAAAAABaAAAAAAAAAAAAAAAAAAAAAAAAAAAAAAAAAAAAAAAAAAAAAAAAAAAAAAAAAAAAAAAAAAAAAAAAAAAAAAAAAAAAAAAAAAAAAAAAAAAAFAAAADwAAAAAAAAAAAAAAAAAAAAPAAAAAQAAACMAAAAjAAAAIwAAAB4AAAAAAAAAZAAAAGQAAAAAAAAAZAAAAGQAAAAVAAAAYAAAAAAAAAAAAAAADwAAACADAAAAAAAAAAAAAAEAAACgMgAAVgcAAKr4//8BAAAAf39/AAEAAABkAAAAAAAAABQAAABAHwAAAAAAACYAAAAAAAAAwOD//wAAAAAmAAAAZAAAABYAAABMAAAAAAAAAAAAAAAEAAAAAAAAAAEAAADn5uYKAAAAACgAAAAoAAAAZAAAAGQAAAAAAAAAzMzMAAAAAABQAAAAUAAAAGQAAABkAAAAAAAAABcAAAAUAAAAAAAAAAAAAAD/fwAA/38AAAAAAAAJAAAABAAAAAAAAAAMAAAAEAAAAAAAAAAAAAAAAAAAAAAAAAAeAAAAaAAAAAAAAAAAAAAAAAAAAAAAAAAAAAAAECcAABAnAAAAAAAAAAAAAAAAAAAAAAAAAAAAAAAAAAAAAAAAAAAAABQAAAAAAAAAwMD/AAAAAABkAAAAMgAAAAAAAABkAAAAAAAAAH9/fwAKAAAAHwAAAFQAAAD///8A////AQAAAAAAAAAAAAAAAAAAAAAAAAAAAAAAAAAAAAAAAAAAAAAAAH9/fwDn5uYDzMzMAMDA/wB/f38AAAAAAAAAAAAAAAAAAAAAAAAAAAAhAAAAGAAAABQAAAAoBQAAGicAAAgWAABZKQAAEAAAAA=="/>
               </a:ext>
             </a:extLst>
           </p:cNvSpPr>
@@ -2635,7 +2635,7 @@
           <p:cNvGrpSpPr>
             <a:extLst>
               <a:ext uri="smNativeData">
-                <pr:smNativeData xmlns:pr="smNativeData" xmlns="" val="SMDATA_6_7hxgVxMAAAAlAAAAAQAAAA8BAAAAkAAAAEgAAACQAAAASAAAAAAAAAAAAAAAAAAAABcAAAAUAAAAAAAAAAAAAAD/fwAA/38AAAAAAAAJAAAABAAAAAAAAAAMAAAAEAAAAAAAAAAAAAAAAAAAAAAAAAAfAAAAVAAAAAAAAAAAAAAAAAAAAAAAAAAAAAAAAAAAAAAAAAAAAAAAAAAAAAAAAAAAAAAAAAAAAAAAAAAAAAAAAAAAAAAAAAAAAAAAAAAAAAAAAAAAAAAAAAAAACEAAAAYAAAAFAAAAAAAAACEIQAAAEsAAEMmAAAQAAAA"/>
+                <pr:smNativeData xmlns="" xmlns:pr="smNativeData" val="SMDATA_6_7hxgVxMAAAAlAAAAAQAAAA8BAAAAkAAAAEgAAACQAAAASAAAAAAAAAAAAAAAAAAAABcAAAAUAAAAAAAAAAAAAAD/fwAA/38AAAAAAAAJAAAABAAAAAAAAAAMAAAAEAAAAAAAAAAAAAAAAAAAAAAAAAAfAAAAVAAAAAAAAAAAAAAAAAAAAAAAAAAAAAAAAAAAAAAAAAAAAAAAAAAAAAAAAAAAAAAAAAAAAAAAAAAAAAAAAAAAAAAAAAAAAAAAAAAAAAAAAAAAAAAAAAAAACEAAAAYAAAAFAAAAAAAAACEIQAAAEsAAEMmAAAQAAAA"/>
               </a:ext>
             </a:extLst>
           </p:cNvGrpSpPr>
@@ -2685,7 +2685,7 @@
             <p:cNvSpPr>
               <a:extLst>
                 <a:ext uri="smNativeData">
-                  <pr:smNativeData xmlns:pr="smNativeData" xmlns="" val="SMDATA_12_7hxgVxMAAAAlAAAAZAAAAA0AAAAAkAAAAEgAAACQAAAASAAAAAAAAAABAAAAAAAAAAEAAABQAAAAAAAAAAAA4D8AAAAAAADgPwAAAAAAAOA/AAAAAAAA4D8AAAAAAADgPwAAAAAAAOA/AAAAAAAA4D8AAAAAAADgPwAAAAAAAOA/AAAAAAAA4D8CAAAAjAAAAAEAAAAAAAAAVII1AP///wgAAAAAAAAAAAAAAAAAAAAAAAAAAAAAAAAAAAAAeAAAAAEAAABAAAAAAAAAAAAAAABaAAAAAAAAAAAAAAAAAAAAAAAAAAAAAAAAAAAAAAAAAAAAAAAAAAAAAAAAAAAAAAAAAAAAAAAAAAAAAAAAAAAAAAAAAAAAAAAAAAAAFAAAADwAAAAAAAAAAAAAAAZJjAkUAAAAAQAAABQAAAAUAAAAFAAAAAEAAAAAAAAAZAAAAGQAAAAAAAAAZAAAAGQAAAAVAAAAYAAAAAAAAAAAAAAADwAAACADAAAAAAAAAAAAAAEAAACgMgAAVgcAAKr4//8BAAAAf39/AAEAAABkAAAAAAAAABQAAABAHwAAAAAAACYAAAAAAAAAwOD//wAAAAAmAAAAZAAAABYAAABMAAAAAAAAAAAAAAAEAAAAAAAAAAEAAACWlpYKAAAAACgAAAAoAAAAZAAAAGQAAAAAAAAAzMzMAAAAAABQAAAAUAAAAGQAAABkAAAAAAAAABcAAAAUAAAAAAAAAAAAAAD/fwAA/38AAAAAAAAJAAAABAAAAAAAAAAMAAAAEAAAAAAAAAAAAAAAAAAAAAAAAAAeAAAAaAAAAAAAAAAAAAAAAAAAAAAAAAAAAAAAECcAABAnAAAAAAAAAAAAAAAAAAAAAAAAAAAAAAAAAAAAAAAAAAAAABQAAAAAAAAAwMD/AAAAAABkAAAAMgAAAAAAAABkAAAAAAAAAH9/fwAKAAAAHwAAAFQAAABUgjUA////AQAAAAAAAAAAAAAAAAAAAAAAAAAAAAAAAAAAAAAAAAAAAAAAAn9/fwDn5uYDzMzMAMDA/wB/f38AAAAAAAAAAAAAAAAAAAAAAAAAAAAhAAAAGAAAABQAAADLEgAAhiEAAABLAABDJgAAAAAAAA=="/>
+                  <pr:smNativeData xmlns="" xmlns:pr="smNativeData" val="SMDATA_12_7hxgVxMAAAAlAAAAZAAAAA0AAAAAkAAAAEgAAACQAAAASAAAAAAAAAABAAAAAAAAAAEAAABQAAAAAAAAAAAA4D8AAAAAAADgPwAAAAAAAOA/AAAAAAAA4D8AAAAAAADgPwAAAAAAAOA/AAAAAAAA4D8AAAAAAADgPwAAAAAAAOA/AAAAAAAA4D8CAAAAjAAAAAEAAAAAAAAAVII1AP///wgAAAAAAAAAAAAAAAAAAAAAAAAAAAAAAAAAAAAAeAAAAAEAAABAAAAAAAAAAAAAAABaAAAAAAAAAAAAAAAAAAAAAAAAAAAAAAAAAAAAAAAAAAAAAAAAAAAAAAAAAAAAAAAAAAAAAAAAAAAAAAAAAAAAAAAAAAAAAAAAAAAAFAAAADwAAAAAAAAAAAAAAAZJjAkUAAAAAQAAABQAAAAUAAAAFAAAAAEAAAAAAAAAZAAAAGQAAAAAAAAAZAAAAGQAAAAVAAAAYAAAAAAAAAAAAAAADwAAACADAAAAAAAAAAAAAAEAAACgMgAAVgcAAKr4//8BAAAAf39/AAEAAABkAAAAAAAAABQAAABAHwAAAAAAACYAAAAAAAAAwOD//wAAAAAmAAAAZAAAABYAAABMAAAAAAAAAAAAAAAEAAAAAAAAAAEAAACWlpYKAAAAACgAAAAoAAAAZAAAAGQAAAAAAAAAzMzMAAAAAABQAAAAUAAAAGQAAABkAAAAAAAAABcAAAAUAAAAAAAAAAAAAAD/fwAA/38AAAAAAAAJAAAABAAAAAAAAAAMAAAAEAAAAAAAAAAAAAAAAAAAAAAAAAAeAAAAaAAAAAAAAAAAAAAAAAAAAAAAAAAAAAAAECcAABAnAAAAAAAAAAAAAAAAAAAAAAAAAAAAAAAAAAAAAAAAAAAAABQAAAAAAAAAwMD/AAAAAABkAAAAMgAAAAAAAABkAAAAAAAAAH9/fwAKAAAAHwAAAFQAAABUgjUA////AQAAAAAAAAAAAAAAAAAAAAAAAAAAAAAAAAAAAAAAAAAAAAAAAn9/fwDn5uYDzMzMAMDA/wB/f38AAAAAAAAAAAAAAAAAAAAAAAAAAAAhAAAAGAAAABQAAADLEgAAhiEAAABLAABDJgAAAAAAAA=="/>
                 </a:ext>
               </a:extLst>
             </p:cNvSpPr>
@@ -2836,7 +2836,7 @@
             <p:cNvSpPr>
               <a:extLst>
                 <a:ext uri="smNativeData">
-                  <pr:smNativeData xmlns:pr="smNativeData" xmlns="" val="SMDATA_12_7hxgVxMAAAAlAAAAZAAAAA0AAAAAkAAAAEgAAACQAAAASAAAAAAAAAABAAAAAAAAAAEAAABQAAAAAAAAAAAA4D8AAAAAAADgPwAAAAAAAOA/AAAAAAAA4D8AAAAAAADgPwAAAAAAAOA/AAAAAAAA4D8AAAAAAADgPwAAAAAAAOA/AAAAAAAA4D8CAAAAjAAAAAEAAAAAAAAA/8AAAP///wgAAAAAAAAAAAAAAAAAAAAAAAAAAAAAAAAAAAAAeAAAAAEAAABAAAAAAAAAAAAAAABaAAAAAAAAAAAAAAAAAAAAAAAAAAAAAAAAAAAAAAAAAAAAAAAAAAAAAAAAAAAAAAAAAAAAAAAAAAAAAAAAAAAAAAAAAAAAAAAAAAAAFAAAADwAAAAAAAAAAAAAAAZJjAkUAAAAAQAAABQAAAAUAAAAFAAAAAEAAAAAAAAAZAAAAGQAAAAAAAAAZAAAAGQAAAAVAAAAYAAAAAAAAAAAAAAADwAAACADAAAAAAAAAAAAAAEAAACgMgAAVgcAAKr4//8BAAAAf39/AAEAAABkAAAAAAAAABQAAABAHwAAAAAAACYAAAAAAAAAwOD//wAAAAAmAAAAZAAAABYAAABMAAAAAAAAAAAAAAAEAAAAAAAAAAEAAACWlpYKAAAAACgAAAAoAAAAZAAAAGQAAAAAAAAAzMzMAAAAAABQAAAAUAAAAGQAAABkAAAAAAAAABcAAAAUAAAAAAAAAAAAAAD/fwAA/38AAAAAAAAJAAAABAAAAAAAAAAMAAAAEAAAAAAAAAAAAAAAAAAAAAAAAAAeAAAAaAAAAAAAAAAAAAAAAAAAAAAAAAAAAAAAECcAABAnAAAAAAAAAAAAAAAAAAAAAAAAAAAAAAAAAAAAAAAAAAAAABQAAAAAAAAAwMD/AAAAAABkAAAAMgAAAAAAAABkAAAAAAAAAH9/fwAKAAAAHwAAAFQAAAD/wAAA////AQAAAAAAAAAAAAAAAAAAAAAAAAAAAAAAAAAAAAAAAAAAAAAAAn9/fwDn5uYDzMzMAMDA/wB/f38AAAAAAAAAAAAAAAAAAAAAAAAAAAAhAAAAGAAAABQAAAAAAAAAhCEAAMsSAABBJgAAAAAAAA=="/>
+                  <pr:smNativeData xmlns="" xmlns:pr="smNativeData" val="SMDATA_12_7hxgVxMAAAAlAAAAZAAAAA0AAAAAkAAAAEgAAACQAAAASAAAAAAAAAABAAAAAAAAAAEAAABQAAAAAAAAAAAA4D8AAAAAAADgPwAAAAAAAOA/AAAAAAAA4D8AAAAAAADgPwAAAAAAAOA/AAAAAAAA4D8AAAAAAADgPwAAAAAAAOA/AAAAAAAA4D8CAAAAjAAAAAEAAAAAAAAA/8AAAP///wgAAAAAAAAAAAAAAAAAAAAAAAAAAAAAAAAAAAAAeAAAAAEAAABAAAAAAAAAAAAAAABaAAAAAAAAAAAAAAAAAAAAAAAAAAAAAAAAAAAAAAAAAAAAAAAAAAAAAAAAAAAAAAAAAAAAAAAAAAAAAAAAAAAAAAAAAAAAAAAAAAAAFAAAADwAAAAAAAAAAAAAAAZJjAkUAAAAAQAAABQAAAAUAAAAFAAAAAEAAAAAAAAAZAAAAGQAAAAAAAAAZAAAAGQAAAAVAAAAYAAAAAAAAAAAAAAADwAAACADAAAAAAAAAAAAAAEAAACgMgAAVgcAAKr4//8BAAAAf39/AAEAAABkAAAAAAAAABQAAABAHwAAAAAAACYAAAAAAAAAwOD//wAAAAAmAAAAZAAAABYAAABMAAAAAAAAAAAAAAAEAAAAAAAAAAEAAACWlpYKAAAAACgAAAAoAAAAZAAAAGQAAAAAAAAAzMzMAAAAAABQAAAAUAAAAGQAAABkAAAAAAAAABcAAAAUAAAAAAAAAAAAAAD/fwAA/38AAAAAAAAJAAAABAAAAAAAAAAMAAAAEAAAAAAAAAAAAAAAAAAAAAAAAAAeAAAAaAAAAAAAAAAAAAAAAAAAAAAAAAAAAAAAECcAABAnAAAAAAAAAAAAAAAAAAAAAAAAAAAAAAAAAAAAAAAAAAAAABQAAAAAAAAAwMD/AAAAAABkAAAAMgAAAAAAAABkAAAAAAAAAH9/fwAKAAAAHwAAAFQAAAD/wAAA////AQAAAAAAAAAAAAAAAAAAAAAAAAAAAAAAAAAAAAAAAAAAAAAAAn9/fwDn5uYDzMzMAMDA/wB/f38AAAAAAAAAAAAAAAAAAAAAAAAAAAAhAAAAGAAAABQAAAAAAAAAhCEAAMsSAABBJgAAAAAAAA=="/>
                 </a:ext>
               </a:extLst>
             </p:cNvSpPr>
@@ -2989,7 +2989,7 @@
             <a:spLocks noGrp="1" noChangeArrowheads="1"/>
             <a:extLst>
               <a:ext uri="smNativeData">
-                <pr:smNativeData xmlns:pr="smNativeData" xmlns="" val="SMDATA_12_7hxgVxMAAAAlAAAAZAAAAA0AAAAAkAAAAEgAAACQAAAASAAAAAAAAAACAAAAAAAAAAEAAABQAAAAAAAAAAAA4D8AAAAAAADgPwAAAAAAAOA/AAAAAAAA4D8AAAAAAADgPwAAAAAAAOA/AAAAAAAA4D8AAAAAAADgPwAAAAAAAOA/AAAAAAAA4D8CAAAAjAAAAAAAAAAAAAAA////DP///wgAAAAAAAAAAAAAAAAAAAAAAAAAAAAAAAAAAAAAZAAAAAEAAABAAAAAAAAAAAAAAAAAAAAAAAAAAAAAAAAAAAAAAAAAAAAAAAAAAAAAAAAAAAAAAAAAAAAAAAAAAAAAAAAAAAAAAAAAAAAAAAAAAAAAAAAAAAAAAAAAAAAAFAAAADwAAAAAAAAAAAAAAAZJjAkUAAAAAQAAABQAAAAUAAAAFAAAAAEAAAAAAAAAZAAAAGQAAAAAAAAAZAAAAGQAAAAVAAAAYAAAAAAAAAAAAAAADwAAACADAAAAAAAAAAAAAAEAAACgMgAAVgcAAKr4//8BAAAAf39/AAEAAABkAAAAAAAAABQAAABAHwAAAAAAACYAAAAAAAAAwOD//wAAAAAmAAAAZAAAABYAAABMAAAAAAAAAAAAAAAEAAAAAAAAAAEAAACWlpYKAAAAACgAAAAoAAAAZAAAAGQAAAAAAAAAzMzMAAAAAABQAAAAUAAAAGQAAABkAAAAAAAAABcAAAAUAAAAAAAAAAAAAAD/fwAA/38AAAAAAAAJAAAABAAAAAAAAAAMAAAAEAAAAAAAAAAAAAAAAAAAAAAAAAAeAAAAaAAAAAAAAAAAAAAAAAAAAAAAAAAAAAAAECcAABAnAAAAAAAAAAAAAAAAAAAAAAAAAAAAAAAAAAAAAAAAAAAAABQAAAAAAAAAwMD/AAAAAABkAAAAMgAAAAAAAABkAAAAAAAAAH9/fwAKAAAAHwAAAFQAAABbm9UF////AQAAAAAAAAAAAAAAAAAAAAAAAAAAAAAAAAAAAAAAAAAAAAAAAn9/fwDn5uYDzMzMAMDA/wB/f38AAAAAAAAAAAAAAAAAAAAAAAAAAAAhAAAAGAAAABQAAADLEgAAFQkAAItHAABTHgAAAAAAAA=="/>
+                <pr:smNativeData xmlns="" xmlns:pr="smNativeData" val="SMDATA_12_7hxgVxMAAAAlAAAAZAAAAA0AAAAAkAAAAEgAAACQAAAASAAAAAAAAAACAAAAAAAAAAEAAABQAAAAAAAAAAAA4D8AAAAAAADgPwAAAAAAAOA/AAAAAAAA4D8AAAAAAADgPwAAAAAAAOA/AAAAAAAA4D8AAAAAAADgPwAAAAAAAOA/AAAAAAAA4D8CAAAAjAAAAAAAAAAAAAAA////DP///wgAAAAAAAAAAAAAAAAAAAAAAAAAAAAAAAAAAAAAZAAAAAEAAABAAAAAAAAAAAAAAAAAAAAAAAAAAAAAAAAAAAAAAAAAAAAAAAAAAAAAAAAAAAAAAAAAAAAAAAAAAAAAAAAAAAAAAAAAAAAAAAAAAAAAAAAAAAAAAAAAAAAAFAAAADwAAAAAAAAAAAAAAAZJjAkUAAAAAQAAABQAAAAUAAAAFAAAAAEAAAAAAAAAZAAAAGQAAAAAAAAAZAAAAGQAAAAVAAAAYAAAAAAAAAAAAAAADwAAACADAAAAAAAAAAAAAAEAAACgMgAAVgcAAKr4//8BAAAAf39/AAEAAABkAAAAAAAAABQAAABAHwAAAAAAACYAAAAAAAAAwOD//wAAAAAmAAAAZAAAABYAAABMAAAAAAAAAAAAAAAEAAAAAAAAAAEAAACWlpYKAAAAACgAAAAoAAAAZAAAAGQAAAAAAAAAzMzMAAAAAABQAAAAUAAAAGQAAABkAAAAAAAAABcAAAAUAAAAAAAAAAAAAAD/fwAA/38AAAAAAAAJAAAABAAAAAAAAAAMAAAAEAAAAAAAAAAAAAAAAAAAAAAAAAAeAAAAaAAAAAAAAAAAAAAAAAAAAAAAAAAAAAAAECcAABAnAAAAAAAAAAAAAAAAAAAAAAAAAAAAAAAAAAAAAAAAAAAAABQAAAAAAAAAwMD/AAAAAABkAAAAMgAAAAAAAABkAAAAAAAAAH9/fwAKAAAAHwAAAFQAAABbm9UF////AQAAAAAAAAAAAAAAAAAAAAAAAAAAAAAAAAAAAAAAAAAAAAAAAn9/fwDn5uYDzMzMAMDA/wB/f38AAAAAAAAAAAAAAAAAAAAAAAAAAAAhAAAAGAAAABQAAADLEgAAFQkAAItHAABTHgAAAAAAAA=="/>
               </a:ext>
             </a:extLst>
           </p:cNvSpPr>
@@ -3052,7 +3052,7 @@
             <a:spLocks noGrp="1" noChangeArrowheads="1"/>
             <a:extLst>
               <a:ext uri="smNativeData">
-                <pr:smNativeData xmlns:pr="smNativeData" xmlns="" val="SMDATA_12_7hxgVxMAAAAlAAAAZAAAAA0AAAAAkAAAAEgAAACQAAAASAAAAAAAAAAAAAAAAAAAAAEAAABQAAAAAAAAAAAA4D8AAAAAAADgPwAAAAAAAOA/AAAAAAAA4D8AAAAAAADgPwAAAAAAAOA/AAAAAAAA4D8AAAAAAADgPwAAAAAAAOA/AAAAAAAA4D8CAAAAjAAAAAAAAAAAAAAA////DP///wgAAAAAAAAAAAAAAAAAAAAAAAAAAAAAAAAAAAAAZAAAAAEAAABAAAAAAAAAAAAAAAAAAAAAAAAAAAAAAAAAAAAAAAAAAAAAAAAAAAAAAAAAAAAAAAAAAAAAAAAAAAAAAAAAAAAAAAAAAAAAAAAAAAAAAAAAAAAAAAAAAAAAFAAAADwAAAAAAAAAAAAAAAZJjAkUAAAAAQAAABQAAAAUAAAAFAAAAAEAAAAAAAAAZAAAAGQAAAAAAAAAZAAAAGQAAAAVAAAAYAAAAAAAAAAAAAAADwAAACADAAAAAAAAAAAAAAEAAACgMgAAVgcAAKr4//8BAAAAf39/AAEAAABkAAAAAAAAABQAAABAHwAAAAAAACYAAAAAAAAAwOD//wAAAAAmAAAAZAAAABYAAABMAAAAAAAAAAAAAAAEAAAAAAAAAAEAAACWlpYKAAAAACgAAAAoAAAAZAAAAGQAAAAAAAAAzMzMAAAAAABQAAAAUAAAAGQAAABkAAAAAAAAABcAAAAUAAAAAAAAAAAAAAD/fwAA/38AAAAAAAAJAAAABAAAAAAAAAAMAAAAEAAAAAAAAAAAAAAAAAAAAAAAAAAeAAAAaAAAAAAAAAAAAAAAAAAAAAAAAAAAAAAAECcAABAnAAAAAAAAAAAAAAAAAAAAAAAAAAAAAAAAAAAAAAAAAAAAABQAAAAAAAAAwMD/AAAAAABkAAAAMgAAAAAAAABkAAAAAAAAAH9/fwAKAAAAHwAAAFQAAABbm9UF////AQAAAAAAAAAAAAAAAAAAAAAAAAAAAAAAAAAAAAAAAAAAAAAAAn9/fwDn5uYDzMzMAMDA/wB/f38AAAAAAAAAAAAAAAAAAAAAAAAAAAAhAAAAGAAAABQAAADAEgAAzyEAAABLAAAWJgAAEAAAAA=="/>
+                <pr:smNativeData xmlns="" xmlns:pr="smNativeData" val="SMDATA_12_7hxgVxMAAAAlAAAAZAAAAA0AAAAAkAAAAEgAAACQAAAASAAAAAAAAAAAAAAAAAAAAAEAAABQAAAAAAAAAAAA4D8AAAAAAADgPwAAAAAAAOA/AAAAAAAA4D8AAAAAAADgPwAAAAAAAOA/AAAAAAAA4D8AAAAAAADgPwAAAAAAAOA/AAAAAAAA4D8CAAAAjAAAAAAAAAAAAAAA////DP///wgAAAAAAAAAAAAAAAAAAAAAAAAAAAAAAAAAAAAAZAAAAAEAAABAAAAAAAAAAAAAAAAAAAAAAAAAAAAAAAAAAAAAAAAAAAAAAAAAAAAAAAAAAAAAAAAAAAAAAAAAAAAAAAAAAAAAAAAAAAAAAAAAAAAAAAAAAAAAAAAAAAAAFAAAADwAAAAAAAAAAAAAAAZJjAkUAAAAAQAAABQAAAAUAAAAFAAAAAEAAAAAAAAAZAAAAGQAAAAAAAAAZAAAAGQAAAAVAAAAYAAAAAAAAAAAAAAADwAAACADAAAAAAAAAAAAAAEAAACgMgAAVgcAAKr4//8BAAAAf39/AAEAAABkAAAAAAAAABQAAABAHwAAAAAAACYAAAAAAAAAwOD//wAAAAAmAAAAZAAAABYAAABMAAAAAAAAAAAAAAAEAAAAAAAAAAEAAACWlpYKAAAAACgAAAAoAAAAZAAAAGQAAAAAAAAAzMzMAAAAAABQAAAAUAAAAGQAAABkAAAAAAAAABcAAAAUAAAAAAAAAAAAAAD/fwAA/38AAAAAAAAJAAAABAAAAAAAAAAMAAAAEAAAAAAAAAAAAAAAAAAAAAAAAAAeAAAAaAAAAAAAAAAAAAAAAAAAAAAAAAAAAAAAECcAABAnAAAAAAAAAAAAAAAAAAAAAAAAAAAAAAAAAAAAAAAAAAAAABQAAAAAAAAAwMD/AAAAAABkAAAAMgAAAAAAAABkAAAAAAAAAH9/fwAKAAAAHwAAAFQAAABbm9UF////AQAAAAAAAAAAAAAAAAAAAAAAAAAAAAAAAAAAAAAAAAAAAAAAAn9/fwDn5uYDzMzMAMDA/wB/f38AAAAAAAAAAAAAAAAAAAAAAAAAAAAhAAAAGAAAABQAAADAEgAAzyEAAABLAAAWJgAAEAAAAA=="/>
               </a:ext>
             </a:extLst>
           </p:cNvSpPr>
@@ -3317,36 +3317,40 @@
               <a:buAutoNum type="arabicPeriod"/>
             </a:pPr>
             <a:r>
-              <a:rPr lang="pt-BR" dirty="0" smtClean="0"/>
+              <a:rPr lang="pt-BR" sz="2300" dirty="0" smtClean="0"/>
               <a:t>Crie uma classe abstrata </a:t>
             </a:r>
             <a:r>
-              <a:rPr lang="pt-BR" dirty="0"/>
+              <a:rPr lang="pt-BR" sz="2300" dirty="0"/>
               <a:t>com modificador</a:t>
             </a:r>
             <a:r>
-              <a:rPr lang="pt-BR" dirty="0" smtClean="0"/>
+              <a:rPr lang="pt-BR" sz="2300" dirty="0" smtClean="0"/>
               <a:t> </a:t>
             </a:r>
             <a:r>
-              <a:rPr lang="pt-BR" i="1" dirty="0" err="1" smtClean="0"/>
+              <a:rPr lang="pt-BR" sz="2300" i="1" dirty="0" err="1" smtClean="0"/>
               <a:t>public</a:t>
             </a:r>
             <a:r>
-              <a:rPr lang="pt-BR" i="1" dirty="0" smtClean="0"/>
+              <a:rPr lang="pt-BR" sz="2300" i="1" dirty="0" smtClean="0"/>
               <a:t> </a:t>
             </a:r>
             <a:r>
-              <a:rPr lang="pt-BR" dirty="0" smtClean="0"/>
+              <a:rPr lang="pt-BR" sz="2300" dirty="0" smtClean="0"/>
               <a:t>dentro de um </a:t>
             </a:r>
             <a:r>
-              <a:rPr lang="pt-BR" dirty="0" err="1" smtClean="0"/>
+              <a:rPr lang="pt-BR" sz="2300" dirty="0" err="1" smtClean="0"/>
               <a:t>package</a:t>
             </a:r>
             <a:r>
-              <a:rPr lang="pt-BR" dirty="0" smtClean="0"/>
-              <a:t> não-default</a:t>
+              <a:rPr lang="pt-BR" sz="2300" dirty="0" smtClean="0"/>
+              <a:t> </a:t>
+            </a:r>
+            <a:r>
+              <a:rPr lang="pt-BR" sz="2300" dirty="0" smtClean="0"/>
+              <a:t>não-default</a:t>
             </a:r>
           </a:p>
           <a:p>
@@ -3354,26 +3358,7 @@
               <a:buFont typeface="+mj-lt"/>
               <a:buAutoNum type="arabicPeriod"/>
             </a:pPr>
-            <a:r>
-              <a:rPr lang="pt-BR" dirty="0" smtClean="0"/>
-              <a:t>Crie uma classe concreta com modificador </a:t>
-            </a:r>
-            <a:r>
-              <a:rPr lang="pt-BR" i="1" dirty="0" smtClean="0"/>
-              <a:t>default</a:t>
-            </a:r>
-            <a:r>
-              <a:rPr lang="pt-BR" dirty="0" smtClean="0"/>
-              <a:t>, que estenda a classe abstrata criada acima, dentro do </a:t>
-            </a:r>
-            <a:r>
-              <a:rPr lang="pt-BR" dirty="0" err="1" smtClean="0"/>
-              <a:t>package</a:t>
-            </a:r>
-            <a:r>
-              <a:rPr lang="pt-BR" dirty="0" smtClean="0"/>
-              <a:t> default</a:t>
-            </a:r>
+            <a:endParaRPr lang="pt-BR" sz="2300" dirty="0" smtClean="0"/>
           </a:p>
           <a:p>
             <a:pPr marL="514350" indent="-514350" algn="just">
@@ -3381,24 +3366,28 @@
               <a:buAutoNum type="arabicPeriod"/>
             </a:pPr>
             <a:r>
-              <a:rPr lang="pt-BR" dirty="0" smtClean="0"/>
-              <a:t>Crie um diretório fora do </a:t>
-            </a:r>
-            <a:r>
-              <a:rPr lang="pt-BR" dirty="0" err="1" smtClean="0"/>
-              <a:t>classpath</a:t>
-            </a:r>
-            <a:r>
-              <a:rPr lang="pt-BR" dirty="0" smtClean="0"/>
-              <a:t> da aplicação/projeto, com o mesmo nome do </a:t>
-            </a:r>
-            <a:r>
-              <a:rPr lang="pt-BR" dirty="0" err="1" smtClean="0"/>
+              <a:rPr lang="pt-BR" sz="2300" dirty="0" smtClean="0"/>
+              <a:t>Crie uma classe concreta com modificador </a:t>
+            </a:r>
+            <a:r>
+              <a:rPr lang="pt-BR" sz="2300" i="1" dirty="0" smtClean="0"/>
+              <a:t>default</a:t>
+            </a:r>
+            <a:r>
+              <a:rPr lang="pt-BR" sz="2300" dirty="0" smtClean="0"/>
+              <a:t>, que estenda a classe abstrata criada acima, dentro do </a:t>
+            </a:r>
+            <a:r>
+              <a:rPr lang="pt-BR" sz="2300" dirty="0" err="1" smtClean="0"/>
               <a:t>package</a:t>
             </a:r>
             <a:r>
-              <a:rPr lang="pt-BR" dirty="0" smtClean="0"/>
-              <a:t> criado na etapa 1</a:t>
+              <a:rPr lang="pt-BR" sz="2300" dirty="0" smtClean="0"/>
+              <a:t> </a:t>
+            </a:r>
+            <a:r>
+              <a:rPr lang="pt-BR" sz="2300" dirty="0" smtClean="0"/>
+              <a:t>default</a:t>
             </a:r>
           </a:p>
           <a:p>
@@ -3406,15 +3395,59 @@
               <a:buFont typeface="+mj-lt"/>
               <a:buAutoNum type="arabicPeriod"/>
             </a:pPr>
-            <a:r>
-              <a:rPr lang="pt-BR" dirty="0" smtClean="0"/>
+            <a:endParaRPr lang="pt-BR" sz="2300" dirty="0" smtClean="0"/>
+          </a:p>
+          <a:p>
+            <a:pPr marL="514350" indent="-514350" algn="just">
+              <a:buFont typeface="+mj-lt"/>
+              <a:buAutoNum type="arabicPeriod"/>
+            </a:pPr>
+            <a:r>
+              <a:rPr lang="pt-BR" sz="2300" dirty="0" smtClean="0"/>
+              <a:t>Crie um diretório fora do </a:t>
+            </a:r>
+            <a:r>
+              <a:rPr lang="pt-BR" sz="2300" dirty="0" err="1" smtClean="0"/>
+              <a:t>classpath</a:t>
+            </a:r>
+            <a:r>
+              <a:rPr lang="pt-BR" sz="2300" dirty="0" smtClean="0"/>
+              <a:t> da aplicação/projeto, com o mesmo nome do </a:t>
+            </a:r>
+            <a:r>
+              <a:rPr lang="pt-BR" sz="2300" dirty="0" err="1" smtClean="0"/>
+              <a:t>package</a:t>
+            </a:r>
+            <a:r>
+              <a:rPr lang="pt-BR" sz="2300" dirty="0" smtClean="0"/>
+              <a:t> criado na etapa </a:t>
+            </a:r>
+            <a:r>
+              <a:rPr lang="pt-BR" sz="2300" dirty="0" smtClean="0"/>
+              <a:t>1</a:t>
+            </a:r>
+          </a:p>
+          <a:p>
+            <a:pPr marL="514350" indent="-514350" algn="just">
+              <a:buFont typeface="+mj-lt"/>
+              <a:buAutoNum type="arabicPeriod"/>
+            </a:pPr>
+            <a:endParaRPr lang="pt-BR" sz="2300" dirty="0" smtClean="0"/>
+          </a:p>
+          <a:p>
+            <a:pPr marL="514350" indent="-514350" algn="just">
+              <a:buFont typeface="+mj-lt"/>
+              <a:buAutoNum type="arabicPeriod"/>
+            </a:pPr>
+            <a:r>
+              <a:rPr lang="pt-BR" sz="2300" dirty="0" smtClean="0"/>
               <a:t>Compile ambas as classes utilizando </a:t>
             </a:r>
             <a:r>
-              <a:rPr lang="pt-BR" dirty="0" err="1" smtClean="0"/>
+              <a:rPr lang="pt-BR" sz="2300" dirty="0" err="1" smtClean="0"/>
               <a:t>javac</a:t>
             </a:r>
-            <a:endParaRPr lang="pt-BR" dirty="0"/>
+            <a:endParaRPr lang="pt-BR" sz="2300" dirty="0"/>
           </a:p>
         </p:txBody>
       </p:sp>
@@ -4862,7 +4895,7 @@
       </p:sp>
       <p:sp>
         <p:nvSpPr>
-          <p:cNvPr id="4" name="Espaço Reservado para Rodapé 3"/>
+          <p:cNvPr id="5" name="Espaço Reservado para Rodapé 3"/>
           <p:cNvSpPr>
             <a:spLocks noGrp="1"/>
           </p:cNvSpPr>
@@ -4870,7 +4903,11 @@
             <p:ph type="ftr" sz="quarter" idx="13"/>
           </p:nvPr>
         </p:nvSpPr>
-        <p:spPr/>
+        <p:spPr>
+          <a:prstGeom prst="rect">
+            <a:avLst/>
+          </a:prstGeom>
+        </p:spPr>
         <p:txBody>
           <a:bodyPr/>
           <a:lstStyle/>
@@ -4885,7 +4922,23 @@
                 <a:cs typeface="Calibri" charset="0"/>
               </a:defRPr>
             </a:pPr>
-            <a:endParaRPr lang="pt-BR"/>
+            <a:r>
+              <a:rPr lang="pt-BR" dirty="0"/>
+              <a:t>Declarações e Controle de Acesso</a:t>
+            </a:r>
+          </a:p>
+          <a:p>
+            <a:pPr algn="ctr">
+              <a:defRPr sz="1200">
+                <a:solidFill>
+                  <a:srgbClr val="8C8C8C"/>
+                </a:solidFill>
+                <a:latin typeface="Tw Cen MT" charset="0"/>
+                <a:ea typeface="Calibri" charset="0"/>
+                <a:cs typeface="Calibri" charset="0"/>
+              </a:defRPr>
+            </a:pPr>
+            <a:endParaRPr lang="pt-BR" dirty="0"/>
           </a:p>
         </p:txBody>
       </p:sp>
@@ -5632,12 +5685,18 @@
           </a:xfrm>
         </p:spPr>
         <p:txBody>
-          <a:bodyPr/>
+          <a:bodyPr>
+            <a:normAutofit fontScale="90000"/>
+          </a:bodyPr>
           <a:lstStyle/>
           <a:p>
             <a:r>
+              <a:rPr lang="pt-BR" dirty="0"/>
+              <a:t>(CONCEITO) Herança </a:t>
+            </a:r>
+            <a:r>
               <a:rPr lang="pt-BR" dirty="0" smtClean="0"/>
-              <a:t>Herança e Polimorfismo</a:t>
+              <a:t>e Polimorfismo</a:t>
             </a:r>
             <a:endParaRPr lang="pt-BR" dirty="0"/>
           </a:p>
@@ -5787,64 +5846,86 @@
       </p:grpSpPr>
       <p:sp>
         <p:nvSpPr>
-          <p:cNvPr id="5" name="Título 4"/>
+          <p:cNvPr id="2" name="Título 1"/>
           <p:cNvSpPr>
             <a:spLocks noGrp="1"/>
           </p:cNvSpPr>
           <p:nvPr>
-            <p:ph type="title"/>
-          </p:nvPr>
-        </p:nvSpPr>
-        <p:spPr/>
+            <p:ph type="ctrTitle"/>
+          </p:nvPr>
+        </p:nvSpPr>
+        <p:spPr>
+          <a:xfrm>
+            <a:off x="1941910" y="2514601"/>
+            <a:ext cx="6686549" cy="914399"/>
+          </a:xfrm>
+        </p:spPr>
         <p:txBody>
           <a:bodyPr/>
           <a:lstStyle/>
           <a:p>
             <a:r>
-              <a:rPr lang="pt-BR" dirty="0"/>
-              <a:t>Herança e Polimorfismo</a:t>
-            </a:r>
-          </a:p>
-        </p:txBody>
-      </p:sp>
-      <p:sp>
-        <p:nvSpPr>
-          <p:cNvPr id="6" name="Espaço Reservado para Conteúdo 5"/>
+              <a:rPr lang="pt-BR" dirty="0" smtClean="0"/>
+              <a:t>(CONCEITO) Polimorfismo</a:t>
+            </a:r>
+            <a:endParaRPr lang="pt-BR" dirty="0"/>
+          </a:p>
+        </p:txBody>
+      </p:sp>
+      <p:sp>
+        <p:nvSpPr>
+          <p:cNvPr id="3" name="Subtítulo 2"/>
           <p:cNvSpPr>
             <a:spLocks noGrp="1"/>
           </p:cNvSpPr>
           <p:nvPr>
-            <p:ph idx="1"/>
-          </p:nvPr>
-        </p:nvSpPr>
-        <p:spPr/>
+            <p:ph type="subTitle" idx="1"/>
+          </p:nvPr>
+        </p:nvSpPr>
+        <p:spPr>
+          <a:xfrm>
+            <a:off x="1941910" y="3429000"/>
+            <a:ext cx="6686549" cy="2474663"/>
+          </a:xfrm>
+        </p:spPr>
         <p:txBody>
           <a:bodyPr/>
           <a:lstStyle/>
           <a:p>
             <a:r>
-              <a:rPr lang="pt-BR" dirty="0" smtClean="0"/>
-              <a:t>Conceito</a:t>
-            </a:r>
-          </a:p>
-          <a:p>
-            <a:r>
-              <a:rPr lang="pt-BR" dirty="0" smtClean="0"/>
-              <a:t>É-UM e TEM-UM conceitual</a:t>
-            </a:r>
-            <a:endParaRPr lang="pt-BR" dirty="0"/>
-          </a:p>
-        </p:txBody>
-      </p:sp>
-      <p:sp>
-        <p:nvSpPr>
-          <p:cNvPr id="7" name="Espaço Reservado para Rodapé 3"/>
-          <p:cNvSpPr>
-            <a:spLocks noGrp="1"/>
-          </p:cNvSpPr>
-          <p:nvPr>
-            <p:ph type="ftr" sz="quarter" idx="4294967295"/>
-          </p:nvPr>
+              <a:rPr lang="pt-BR" sz="2000" b="1" dirty="0" smtClean="0"/>
+              <a:t>OCA </a:t>
+            </a:r>
+            <a:r>
+              <a:rPr lang="pt-BR" sz="2000" b="1" dirty="0" err="1" smtClean="0"/>
+              <a:t>Objectives</a:t>
+            </a:r>
+            <a:endParaRPr lang="pt-BR" sz="2000" b="1" dirty="0" smtClean="0"/>
+          </a:p>
+          <a:p>
+            <a:r>
+              <a:rPr lang="pt-BR" sz="2000" dirty="0" smtClean="0"/>
+              <a:t>7.2 Desenvolver código que demonstre o uso do polimorfismo</a:t>
+            </a:r>
+          </a:p>
+          <a:p>
+            <a:r>
+              <a:rPr lang="pt-BR" sz="2000" dirty="0"/>
+              <a:t>7.3 7.3 Diferenciar entre tipo de uma referência e o tipo de um objeto</a:t>
+            </a:r>
+          </a:p>
+          <a:p>
+            <a:endParaRPr lang="pt-BR" sz="2000" dirty="0"/>
+          </a:p>
+        </p:txBody>
+      </p:sp>
+      <p:sp>
+        <p:nvSpPr>
+          <p:cNvPr id="5" name="Espaço Reservado para Rodapé 3"/>
+          <p:cNvSpPr txBox="1">
+            <a:spLocks/>
+          </p:cNvSpPr>
+          <p:nvPr/>
         </p:nvSpPr>
         <p:spPr>
           <a:xfrm>
@@ -5857,7 +5938,101 @@
         </p:spPr>
         <p:txBody>
           <a:bodyPr/>
-          <a:lstStyle/>
+          <a:lstStyle>
+            <a:defPPr>
+              <a:defRPr lang="pt-BR"/>
+            </a:defPPr>
+            <a:lvl1pPr marL="0" algn="l" defTabSz="914400" rtl="0" eaLnBrk="1" latinLnBrk="0" hangingPunct="1">
+              <a:defRPr sz="1800" kern="1200">
+                <a:solidFill>
+                  <a:schemeClr val="tx1"/>
+                </a:solidFill>
+                <a:latin typeface="+mn-lt"/>
+                <a:ea typeface="+mn-ea"/>
+                <a:cs typeface="+mn-cs"/>
+              </a:defRPr>
+            </a:lvl1pPr>
+            <a:lvl2pPr marL="457200" algn="l" defTabSz="914400" rtl="0" eaLnBrk="1" latinLnBrk="0" hangingPunct="1">
+              <a:defRPr sz="1800" kern="1200">
+                <a:solidFill>
+                  <a:schemeClr val="tx1"/>
+                </a:solidFill>
+                <a:latin typeface="+mn-lt"/>
+                <a:ea typeface="+mn-ea"/>
+                <a:cs typeface="+mn-cs"/>
+              </a:defRPr>
+            </a:lvl2pPr>
+            <a:lvl3pPr marL="914400" algn="l" defTabSz="914400" rtl="0" eaLnBrk="1" latinLnBrk="0" hangingPunct="1">
+              <a:defRPr sz="1800" kern="1200">
+                <a:solidFill>
+                  <a:schemeClr val="tx1"/>
+                </a:solidFill>
+                <a:latin typeface="+mn-lt"/>
+                <a:ea typeface="+mn-ea"/>
+                <a:cs typeface="+mn-cs"/>
+              </a:defRPr>
+            </a:lvl3pPr>
+            <a:lvl4pPr marL="1371600" algn="l" defTabSz="914400" rtl="0" eaLnBrk="1" latinLnBrk="0" hangingPunct="1">
+              <a:defRPr sz="1800" kern="1200">
+                <a:solidFill>
+                  <a:schemeClr val="tx1"/>
+                </a:solidFill>
+                <a:latin typeface="+mn-lt"/>
+                <a:ea typeface="+mn-ea"/>
+                <a:cs typeface="+mn-cs"/>
+              </a:defRPr>
+            </a:lvl4pPr>
+            <a:lvl5pPr marL="1828800" algn="l" defTabSz="914400" rtl="0" eaLnBrk="1" latinLnBrk="0" hangingPunct="1">
+              <a:defRPr sz="1800" kern="1200">
+                <a:solidFill>
+                  <a:schemeClr val="tx1"/>
+                </a:solidFill>
+                <a:latin typeface="+mn-lt"/>
+                <a:ea typeface="+mn-ea"/>
+                <a:cs typeface="+mn-cs"/>
+              </a:defRPr>
+            </a:lvl5pPr>
+            <a:lvl6pPr marL="2286000" algn="l" defTabSz="914400" rtl="0" eaLnBrk="1" latinLnBrk="0" hangingPunct="1">
+              <a:defRPr sz="1800" kern="1200">
+                <a:solidFill>
+                  <a:schemeClr val="tx1"/>
+                </a:solidFill>
+                <a:latin typeface="+mn-lt"/>
+                <a:ea typeface="+mn-ea"/>
+                <a:cs typeface="+mn-cs"/>
+              </a:defRPr>
+            </a:lvl6pPr>
+            <a:lvl7pPr marL="2743200" algn="l" defTabSz="914400" rtl="0" eaLnBrk="1" latinLnBrk="0" hangingPunct="1">
+              <a:defRPr sz="1800" kern="1200">
+                <a:solidFill>
+                  <a:schemeClr val="tx1"/>
+                </a:solidFill>
+                <a:latin typeface="+mn-lt"/>
+                <a:ea typeface="+mn-ea"/>
+                <a:cs typeface="+mn-cs"/>
+              </a:defRPr>
+            </a:lvl7pPr>
+            <a:lvl8pPr marL="3200400" algn="l" defTabSz="914400" rtl="0" eaLnBrk="1" latinLnBrk="0" hangingPunct="1">
+              <a:defRPr sz="1800" kern="1200">
+                <a:solidFill>
+                  <a:schemeClr val="tx1"/>
+                </a:solidFill>
+                <a:latin typeface="+mn-lt"/>
+                <a:ea typeface="+mn-ea"/>
+                <a:cs typeface="+mn-cs"/>
+              </a:defRPr>
+            </a:lvl8pPr>
+            <a:lvl9pPr marL="3657600" algn="l" defTabSz="914400" rtl="0" eaLnBrk="1" latinLnBrk="0" hangingPunct="1">
+              <a:defRPr sz="1800" kern="1200">
+                <a:solidFill>
+                  <a:schemeClr val="tx1"/>
+                </a:solidFill>
+                <a:latin typeface="+mn-lt"/>
+                <a:ea typeface="+mn-ea"/>
+                <a:cs typeface="+mn-cs"/>
+              </a:defRPr>
+            </a:lvl9pPr>
+          </a:lstStyle>
           <a:p>
             <a:pPr algn="ctr">
               <a:defRPr sz="1200">
@@ -5870,36 +6045,56 @@
               </a:defRPr>
             </a:pPr>
             <a:r>
-              <a:rPr lang="pt-BR" dirty="0" smtClean="0"/>
-              <a:t>Orientação a Objeto</a:t>
-            </a:r>
-            <a:endParaRPr lang="pt-BR" dirty="0"/>
-          </a:p>
-          <a:p>
-            <a:pPr algn="ctr">
-              <a:defRPr sz="1200">
+              <a:rPr lang="pt-BR" sz="1200" smtClean="0">
                 <a:solidFill>
                   <a:srgbClr val="8C8C8C"/>
                 </a:solidFill>
                 <a:latin typeface="Tw Cen MT" charset="0"/>
                 <a:ea typeface="Calibri" charset="0"/>
                 <a:cs typeface="Calibri" charset="0"/>
+              </a:rPr>
+              <a:t>Orientação a Objeto</a:t>
+            </a:r>
+          </a:p>
+          <a:p>
+            <a:pPr algn="ctr">
+              <a:defRPr sz="1200">
+                <a:solidFill>
+                  <a:srgbClr val="8C8C8C"/>
+                </a:solidFill>
+                <a:latin typeface="Tw Cen MT" charset="0"/>
+                <a:ea typeface="Calibri" charset="0"/>
+                <a:cs typeface="Calibri" charset="0"/>
               </a:defRPr>
             </a:pPr>
-            <a:endParaRPr lang="pt-BR" dirty="0"/>
+            <a:endParaRPr lang="pt-BR" sz="1200" dirty="0">
+              <a:solidFill>
+                <a:srgbClr val="8C8C8C"/>
+              </a:solidFill>
+              <a:latin typeface="Tw Cen MT" charset="0"/>
+              <a:ea typeface="Calibri" charset="0"/>
+              <a:cs typeface="Calibri" charset="0"/>
+            </a:endParaRPr>
           </a:p>
         </p:txBody>
       </p:sp>
     </p:spTree>
     <p:extLst>
       <p:ext uri="{BB962C8B-B14F-4D97-AF65-F5344CB8AC3E}">
-        <p14:creationId xmlns:p14="http://schemas.microsoft.com/office/powerpoint/2010/main" val="3036687806"/>
+        <p14:creationId xmlns:p14="http://schemas.microsoft.com/office/powerpoint/2010/main" val="331758530"/>
       </p:ext>
     </p:extLst>
   </p:cSld>
   <p:clrMapOvr>
     <a:masterClrMapping/>
   </p:clrMapOvr>
+  <p:timing>
+    <p:tnLst>
+      <p:par>
+        <p:cTn id="1" dur="indefinite" restart="never" nodeType="tmRoot"/>
+      </p:par>
+    </p:tnLst>
+  </p:timing>
 </p:sld>
 </file>
 
@@ -5942,7 +6137,7 @@
           <a:p>
             <a:r>
               <a:rPr lang="pt-BR" dirty="0" smtClean="0"/>
-              <a:t>(CONCEITO) Polimorfismo</a:t>
+              <a:t>Sobrescrição e Sobrecarga</a:t>
             </a:r>
             <a:endParaRPr lang="pt-BR" dirty="0"/>
           </a:p>
@@ -5981,27 +6176,46 @@
           <a:p>
             <a:r>
               <a:rPr lang="pt-BR" sz="2000" dirty="0" smtClean="0"/>
+              <a:t>6.1 Criar métodos com argumentos e retorno de valores</a:t>
+            </a:r>
+          </a:p>
+          <a:p>
+            <a:r>
+              <a:rPr lang="pt-BR" sz="2000" dirty="0" smtClean="0"/>
+              <a:t>6.3 Criar um método sobrecarregado</a:t>
+            </a:r>
+          </a:p>
+          <a:p>
+            <a:r>
+              <a:rPr lang="pt-BR" sz="2000" dirty="0"/>
               <a:t>7.2 Desenvolver código que demonstre o uso do polimorfismo</a:t>
             </a:r>
           </a:p>
           <a:p>
             <a:r>
               <a:rPr lang="pt-BR" sz="2000" dirty="0"/>
-              <a:t>7.3 7.3 Diferenciar entre tipo de uma referência e o tipo de um objeto</a:t>
-            </a:r>
-          </a:p>
-          <a:p>
-            <a:endParaRPr lang="pt-BR" sz="2000" dirty="0"/>
+              <a:t>7.3 </a:t>
+            </a:r>
+            <a:r>
+              <a:rPr lang="pt-BR" sz="2000" dirty="0" smtClean="0"/>
+              <a:t>Diferenciar </a:t>
+            </a:r>
+            <a:r>
+              <a:rPr lang="pt-BR" sz="2000" dirty="0"/>
+              <a:t>entre tipo de uma referência e o tipo de um objeto</a:t>
+            </a:r>
           </a:p>
         </p:txBody>
       </p:sp>
       <p:sp>
         <p:nvSpPr>
           <p:cNvPr id="5" name="Espaço Reservado para Rodapé 3"/>
-          <p:cNvSpPr txBox="1">
-            <a:spLocks/>
-          </p:cNvSpPr>
-          <p:nvPr/>
+          <p:cNvSpPr>
+            <a:spLocks noGrp="1"/>
+          </p:cNvSpPr>
+          <p:nvPr>
+            <p:ph type="ftr" sz="quarter" idx="4294967295"/>
+          </p:nvPr>
         </p:nvSpPr>
         <p:spPr>
           <a:xfrm>
@@ -6014,101 +6228,7 @@
         </p:spPr>
         <p:txBody>
           <a:bodyPr/>
-          <a:lstStyle>
-            <a:defPPr>
-              <a:defRPr lang="pt-BR"/>
-            </a:defPPr>
-            <a:lvl1pPr marL="0" algn="l" defTabSz="914400" rtl="0" eaLnBrk="1" latinLnBrk="0" hangingPunct="1">
-              <a:defRPr sz="1800" kern="1200">
-                <a:solidFill>
-                  <a:schemeClr val="tx1"/>
-                </a:solidFill>
-                <a:latin typeface="+mn-lt"/>
-                <a:ea typeface="+mn-ea"/>
-                <a:cs typeface="+mn-cs"/>
-              </a:defRPr>
-            </a:lvl1pPr>
-            <a:lvl2pPr marL="457200" algn="l" defTabSz="914400" rtl="0" eaLnBrk="1" latinLnBrk="0" hangingPunct="1">
-              <a:defRPr sz="1800" kern="1200">
-                <a:solidFill>
-                  <a:schemeClr val="tx1"/>
-                </a:solidFill>
-                <a:latin typeface="+mn-lt"/>
-                <a:ea typeface="+mn-ea"/>
-                <a:cs typeface="+mn-cs"/>
-              </a:defRPr>
-            </a:lvl2pPr>
-            <a:lvl3pPr marL="914400" algn="l" defTabSz="914400" rtl="0" eaLnBrk="1" latinLnBrk="0" hangingPunct="1">
-              <a:defRPr sz="1800" kern="1200">
-                <a:solidFill>
-                  <a:schemeClr val="tx1"/>
-                </a:solidFill>
-                <a:latin typeface="+mn-lt"/>
-                <a:ea typeface="+mn-ea"/>
-                <a:cs typeface="+mn-cs"/>
-              </a:defRPr>
-            </a:lvl3pPr>
-            <a:lvl4pPr marL="1371600" algn="l" defTabSz="914400" rtl="0" eaLnBrk="1" latinLnBrk="0" hangingPunct="1">
-              <a:defRPr sz="1800" kern="1200">
-                <a:solidFill>
-                  <a:schemeClr val="tx1"/>
-                </a:solidFill>
-                <a:latin typeface="+mn-lt"/>
-                <a:ea typeface="+mn-ea"/>
-                <a:cs typeface="+mn-cs"/>
-              </a:defRPr>
-            </a:lvl4pPr>
-            <a:lvl5pPr marL="1828800" algn="l" defTabSz="914400" rtl="0" eaLnBrk="1" latinLnBrk="0" hangingPunct="1">
-              <a:defRPr sz="1800" kern="1200">
-                <a:solidFill>
-                  <a:schemeClr val="tx1"/>
-                </a:solidFill>
-                <a:latin typeface="+mn-lt"/>
-                <a:ea typeface="+mn-ea"/>
-                <a:cs typeface="+mn-cs"/>
-              </a:defRPr>
-            </a:lvl5pPr>
-            <a:lvl6pPr marL="2286000" algn="l" defTabSz="914400" rtl="0" eaLnBrk="1" latinLnBrk="0" hangingPunct="1">
-              <a:defRPr sz="1800" kern="1200">
-                <a:solidFill>
-                  <a:schemeClr val="tx1"/>
-                </a:solidFill>
-                <a:latin typeface="+mn-lt"/>
-                <a:ea typeface="+mn-ea"/>
-                <a:cs typeface="+mn-cs"/>
-              </a:defRPr>
-            </a:lvl6pPr>
-            <a:lvl7pPr marL="2743200" algn="l" defTabSz="914400" rtl="0" eaLnBrk="1" latinLnBrk="0" hangingPunct="1">
-              <a:defRPr sz="1800" kern="1200">
-                <a:solidFill>
-                  <a:schemeClr val="tx1"/>
-                </a:solidFill>
-                <a:latin typeface="+mn-lt"/>
-                <a:ea typeface="+mn-ea"/>
-                <a:cs typeface="+mn-cs"/>
-              </a:defRPr>
-            </a:lvl7pPr>
-            <a:lvl8pPr marL="3200400" algn="l" defTabSz="914400" rtl="0" eaLnBrk="1" latinLnBrk="0" hangingPunct="1">
-              <a:defRPr sz="1800" kern="1200">
-                <a:solidFill>
-                  <a:schemeClr val="tx1"/>
-                </a:solidFill>
-                <a:latin typeface="+mn-lt"/>
-                <a:ea typeface="+mn-ea"/>
-                <a:cs typeface="+mn-cs"/>
-              </a:defRPr>
-            </a:lvl8pPr>
-            <a:lvl9pPr marL="3657600" algn="l" defTabSz="914400" rtl="0" eaLnBrk="1" latinLnBrk="0" hangingPunct="1">
-              <a:defRPr sz="1800" kern="1200">
-                <a:solidFill>
-                  <a:schemeClr val="tx1"/>
-                </a:solidFill>
-                <a:latin typeface="+mn-lt"/>
-                <a:ea typeface="+mn-ea"/>
-                <a:cs typeface="+mn-cs"/>
-              </a:defRPr>
-            </a:lvl9pPr>
-          </a:lstStyle>
+          <a:lstStyle/>
           <a:p>
             <a:pPr algn="ctr">
               <a:defRPr sz="1200">
@@ -6121,43 +6241,30 @@
               </a:defRPr>
             </a:pPr>
             <a:r>
-              <a:rPr lang="pt-BR" sz="1200" smtClean="0">
+              <a:rPr lang="pt-BR" dirty="0" smtClean="0"/>
+              <a:t>Orientação a Objeto</a:t>
+            </a:r>
+            <a:endParaRPr lang="pt-BR" dirty="0"/>
+          </a:p>
+          <a:p>
+            <a:pPr algn="ctr">
+              <a:defRPr sz="1200">
                 <a:solidFill>
                   <a:srgbClr val="8C8C8C"/>
                 </a:solidFill>
                 <a:latin typeface="Tw Cen MT" charset="0"/>
                 <a:ea typeface="Calibri" charset="0"/>
                 <a:cs typeface="Calibri" charset="0"/>
-              </a:rPr>
-              <a:t>Orientação a Objeto</a:t>
-            </a:r>
-          </a:p>
-          <a:p>
-            <a:pPr algn="ctr">
-              <a:defRPr sz="1200">
-                <a:solidFill>
-                  <a:srgbClr val="8C8C8C"/>
-                </a:solidFill>
-                <a:latin typeface="Tw Cen MT" charset="0"/>
-                <a:ea typeface="Calibri" charset="0"/>
-                <a:cs typeface="Calibri" charset="0"/>
               </a:defRPr>
             </a:pPr>
-            <a:endParaRPr lang="pt-BR" sz="1200" dirty="0">
-              <a:solidFill>
-                <a:srgbClr val="8C8C8C"/>
-              </a:solidFill>
-              <a:latin typeface="Tw Cen MT" charset="0"/>
-              <a:ea typeface="Calibri" charset="0"/>
-              <a:cs typeface="Calibri" charset="0"/>
-            </a:endParaRPr>
+            <a:endParaRPr lang="pt-BR" dirty="0"/>
           </a:p>
         </p:txBody>
       </p:sp>
     </p:spTree>
     <p:extLst>
       <p:ext uri="{BB962C8B-B14F-4D97-AF65-F5344CB8AC3E}">
-        <p14:creationId xmlns:p14="http://schemas.microsoft.com/office/powerpoint/2010/main" val="331758530"/>
+        <p14:creationId xmlns:p14="http://schemas.microsoft.com/office/powerpoint/2010/main" val="4043444102"/>
       </p:ext>
     </p:extLst>
   </p:cSld>
@@ -6193,99 +6300,110 @@
       </p:grpSpPr>
       <p:sp>
         <p:nvSpPr>
-          <p:cNvPr id="2" name="Título 1"/>
+          <p:cNvPr id="5" name="Título 4"/>
           <p:cNvSpPr>
             <a:spLocks noGrp="1"/>
           </p:cNvSpPr>
           <p:nvPr>
-            <p:ph type="ctrTitle"/>
-          </p:nvPr>
-        </p:nvSpPr>
-        <p:spPr>
-          <a:xfrm>
-            <a:off x="1941910" y="2514601"/>
-            <a:ext cx="6686549" cy="914399"/>
-          </a:xfrm>
-        </p:spPr>
+            <p:ph type="title"/>
+          </p:nvPr>
+        </p:nvSpPr>
+        <p:spPr/>
         <p:txBody>
           <a:bodyPr/>
           <a:lstStyle/>
           <a:p>
             <a:r>
-              <a:rPr lang="pt-BR" dirty="0" smtClean="0"/>
-              <a:t>Sobrescrição e Sobrecarga</a:t>
-            </a:r>
-            <a:endParaRPr lang="pt-BR" dirty="0"/>
-          </a:p>
-        </p:txBody>
-      </p:sp>
-      <p:sp>
-        <p:nvSpPr>
-          <p:cNvPr id="3" name="Subtítulo 2"/>
+              <a:rPr lang="pt-BR" dirty="0" err="1"/>
+              <a:t>Sobrescrição</a:t>
+            </a:r>
+            <a:r>
+              <a:rPr lang="pt-BR" dirty="0"/>
+              <a:t> e Sobrecarga</a:t>
+            </a:r>
+          </a:p>
+        </p:txBody>
+      </p:sp>
+      <p:sp>
+        <p:nvSpPr>
+          <p:cNvPr id="6" name="Espaço Reservado para Conteúdo 5"/>
           <p:cNvSpPr>
             <a:spLocks noGrp="1"/>
           </p:cNvSpPr>
           <p:nvPr>
-            <p:ph type="subTitle" idx="1"/>
-          </p:nvPr>
-        </p:nvSpPr>
-        <p:spPr>
-          <a:xfrm>
-            <a:off x="1941910" y="3429000"/>
-            <a:ext cx="6686549" cy="2474663"/>
-          </a:xfrm>
-        </p:spPr>
+            <p:ph idx="1"/>
+          </p:nvPr>
+        </p:nvSpPr>
+        <p:spPr/>
         <p:txBody>
           <a:bodyPr/>
           <a:lstStyle/>
           <a:p>
-            <a:r>
-              <a:rPr lang="pt-BR" sz="2000" b="1" dirty="0" smtClean="0"/>
-              <a:t>OCA </a:t>
-            </a:r>
-            <a:r>
-              <a:rPr lang="pt-BR" sz="2000" b="1" dirty="0" err="1" smtClean="0"/>
-              <a:t>Objectives</a:t>
-            </a:r>
-            <a:endParaRPr lang="pt-BR" sz="2000" b="1" dirty="0" smtClean="0"/>
-          </a:p>
-          <a:p>
-            <a:r>
-              <a:rPr lang="pt-BR" sz="2000" dirty="0" smtClean="0"/>
-              <a:t>6.1 Criar métodos com argumentos e retorno de valores</a:t>
-            </a:r>
-          </a:p>
-          <a:p>
-            <a:r>
-              <a:rPr lang="pt-BR" sz="2000" dirty="0" smtClean="0"/>
-              <a:t>6.3 Criar um método sobrecarregado</a:t>
-            </a:r>
-          </a:p>
-          <a:p>
-            <a:r>
-              <a:rPr lang="pt-BR" sz="2000" dirty="0"/>
-              <a:t>7.2 Desenvolver código que demonstre o uso do polimorfismo</a:t>
-            </a:r>
-          </a:p>
-          <a:p>
-            <a:r>
-              <a:rPr lang="pt-BR" sz="2000" dirty="0"/>
-              <a:t>7.3 </a:t>
-            </a:r>
-            <a:r>
-              <a:rPr lang="pt-BR" sz="2000" dirty="0" smtClean="0"/>
-              <a:t>Diferenciar </a:t>
-            </a:r>
-            <a:r>
-              <a:rPr lang="pt-BR" sz="2000" dirty="0"/>
-              <a:t>entre tipo de uma referência e o tipo de um objeto</a:t>
-            </a:r>
-          </a:p>
-        </p:txBody>
-      </p:sp>
-      <p:sp>
-        <p:nvSpPr>
-          <p:cNvPr id="5" name="Espaço Reservado para Rodapé 3"/>
+            <a:pPr algn="just"/>
+            <a:r>
+              <a:rPr lang="pt-BR" dirty="0" smtClean="0"/>
+              <a:t>Conceito</a:t>
+            </a:r>
+          </a:p>
+          <a:p>
+            <a:pPr algn="just"/>
+            <a:r>
+              <a:rPr lang="pt-BR" dirty="0" smtClean="0"/>
+              <a:t>Métodos Sobrescritos</a:t>
+            </a:r>
+          </a:p>
+          <a:p>
+            <a:pPr lvl="1" algn="just"/>
+            <a:r>
+              <a:rPr lang="pt-BR" dirty="0" smtClean="0"/>
+              <a:t>Invocando uma versão da </a:t>
+            </a:r>
+            <a:r>
+              <a:rPr lang="pt-BR" dirty="0" err="1" smtClean="0"/>
+              <a:t>superclass</a:t>
+            </a:r>
+            <a:r>
+              <a:rPr lang="pt-BR" dirty="0" smtClean="0"/>
+              <a:t> em um método sobrescrito</a:t>
+            </a:r>
+          </a:p>
+          <a:p>
+            <a:pPr algn="just"/>
+            <a:r>
+              <a:rPr lang="pt-BR" dirty="0" smtClean="0"/>
+              <a:t>Métodos Sobrecarregados</a:t>
+            </a:r>
+          </a:p>
+          <a:p>
+            <a:pPr lvl="1" algn="just"/>
+            <a:r>
+              <a:rPr lang="pt-BR" dirty="0" smtClean="0"/>
+              <a:t>Sobrecargas Válidas</a:t>
+            </a:r>
+          </a:p>
+          <a:p>
+            <a:pPr lvl="1" algn="just"/>
+            <a:r>
+              <a:rPr lang="pt-BR" dirty="0" smtClean="0"/>
+              <a:t>Invocando métodos sobrecarregados</a:t>
+            </a:r>
+          </a:p>
+          <a:p>
+            <a:pPr lvl="1" algn="just"/>
+            <a:r>
+              <a:rPr lang="pt-BR" dirty="0" smtClean="0"/>
+              <a:t>Polimorfismo em Métodos sobrescritos e sobrecarregados</a:t>
+            </a:r>
+          </a:p>
+          <a:p>
+            <a:pPr lvl="1" algn="just"/>
+            <a:endParaRPr lang="pt-BR" dirty="0"/>
+          </a:p>
+        </p:txBody>
+      </p:sp>
+      <p:sp>
+        <p:nvSpPr>
+          <p:cNvPr id="7" name="Espaço Reservado para Rodapé 3"/>
           <p:cNvSpPr>
             <a:spLocks noGrp="1"/>
           </p:cNvSpPr>
@@ -6340,20 +6458,13 @@
     </p:spTree>
     <p:extLst>
       <p:ext uri="{BB962C8B-B14F-4D97-AF65-F5344CB8AC3E}">
-        <p14:creationId xmlns:p14="http://schemas.microsoft.com/office/powerpoint/2010/main" val="4043444102"/>
+        <p14:creationId xmlns:p14="http://schemas.microsoft.com/office/powerpoint/2010/main" val="1077359234"/>
       </p:ext>
     </p:extLst>
   </p:cSld>
   <p:clrMapOvr>
     <a:masterClrMapping/>
   </p:clrMapOvr>
-  <p:timing>
-    <p:tnLst>
-      <p:par>
-        <p:cTn id="1" dur="indefinite" restart="never" nodeType="tmRoot"/>
-      </p:par>
-    </p:tnLst>
-  </p:timing>
 </p:sld>
 </file>
 
@@ -6376,110 +6487,84 @@
       </p:grpSpPr>
       <p:sp>
         <p:nvSpPr>
-          <p:cNvPr id="5" name="Título 4"/>
+          <p:cNvPr id="2" name="Título 1"/>
           <p:cNvSpPr>
             <a:spLocks noGrp="1"/>
           </p:cNvSpPr>
           <p:nvPr>
-            <p:ph type="title"/>
-          </p:nvPr>
-        </p:nvSpPr>
-        <p:spPr/>
+            <p:ph type="ctrTitle"/>
+          </p:nvPr>
+        </p:nvSpPr>
+        <p:spPr>
+          <a:xfrm>
+            <a:off x="1941910" y="2514601"/>
+            <a:ext cx="6686549" cy="914399"/>
+          </a:xfrm>
+        </p:spPr>
         <p:txBody>
           <a:bodyPr/>
           <a:lstStyle/>
           <a:p>
             <a:r>
-              <a:rPr lang="pt-BR" dirty="0" err="1"/>
-              <a:t>Sobrescrição</a:t>
-            </a:r>
-            <a:r>
-              <a:rPr lang="pt-BR" dirty="0"/>
-              <a:t> e Sobrecarga</a:t>
-            </a:r>
-          </a:p>
-        </p:txBody>
-      </p:sp>
-      <p:sp>
-        <p:nvSpPr>
-          <p:cNvPr id="6" name="Espaço Reservado para Conteúdo 5"/>
+              <a:rPr lang="pt-BR" dirty="0" smtClean="0"/>
+              <a:t>(CONCEITO) </a:t>
+            </a:r>
+            <a:r>
+              <a:rPr lang="pt-BR" dirty="0" err="1" smtClean="0"/>
+              <a:t>Casting</a:t>
+            </a:r>
+            <a:endParaRPr lang="pt-BR" dirty="0"/>
+          </a:p>
+        </p:txBody>
+      </p:sp>
+      <p:sp>
+        <p:nvSpPr>
+          <p:cNvPr id="3" name="Subtítulo 2"/>
           <p:cNvSpPr>
             <a:spLocks noGrp="1"/>
           </p:cNvSpPr>
           <p:nvPr>
-            <p:ph idx="1"/>
-          </p:nvPr>
-        </p:nvSpPr>
-        <p:spPr/>
+            <p:ph type="subTitle" idx="1"/>
+          </p:nvPr>
+        </p:nvSpPr>
+        <p:spPr>
+          <a:xfrm>
+            <a:off x="1941910" y="3429000"/>
+            <a:ext cx="6686549" cy="2474663"/>
+          </a:xfrm>
+        </p:spPr>
         <p:txBody>
           <a:bodyPr/>
           <a:lstStyle/>
           <a:p>
-            <a:pPr algn="just"/>
-            <a:r>
-              <a:rPr lang="pt-BR" dirty="0" smtClean="0"/>
-              <a:t>Conceito</a:t>
-            </a:r>
-          </a:p>
-          <a:p>
-            <a:pPr algn="just"/>
-            <a:r>
-              <a:rPr lang="pt-BR" dirty="0" smtClean="0"/>
-              <a:t>Métodos Sobrescritos</a:t>
-            </a:r>
-          </a:p>
-          <a:p>
-            <a:pPr lvl="1" algn="just"/>
-            <a:r>
-              <a:rPr lang="pt-BR" dirty="0" smtClean="0"/>
-              <a:t>Invocando uma versão da </a:t>
-            </a:r>
-            <a:r>
-              <a:rPr lang="pt-BR" dirty="0" err="1" smtClean="0"/>
-              <a:t>superclass</a:t>
-            </a:r>
-            <a:r>
-              <a:rPr lang="pt-BR" dirty="0" smtClean="0"/>
-              <a:t> em um método sobrescrito</a:t>
-            </a:r>
-          </a:p>
-          <a:p>
-            <a:pPr algn="just"/>
-            <a:r>
-              <a:rPr lang="pt-BR" dirty="0" smtClean="0"/>
-              <a:t>Métodos Sobrecarregados</a:t>
-            </a:r>
-          </a:p>
-          <a:p>
-            <a:pPr lvl="1" algn="just"/>
-            <a:r>
-              <a:rPr lang="pt-BR" dirty="0" smtClean="0"/>
-              <a:t>Sobrecargas Válidas</a:t>
-            </a:r>
-          </a:p>
-          <a:p>
-            <a:pPr lvl="1" algn="just"/>
-            <a:r>
-              <a:rPr lang="pt-BR" dirty="0" smtClean="0"/>
-              <a:t>Invocando métodos sobrecarregados</a:t>
-            </a:r>
-          </a:p>
-          <a:p>
-            <a:pPr lvl="1" algn="just"/>
-            <a:r>
-              <a:rPr lang="pt-BR" dirty="0" smtClean="0"/>
-              <a:t>Polimorfismo em Métodos sobrescritos e sobrecarregados</a:t>
-            </a:r>
-          </a:p>
-          <a:p>
-            <a:pPr lvl="1" algn="just"/>
-            <a:endParaRPr lang="pt-BR" dirty="0"/>
-          </a:p>
-        </p:txBody>
-      </p:sp>
-      <p:sp>
-        <p:nvSpPr>
-          <p:cNvPr id="7" name="Espaço Reservado para Rodapé 3"/>
+            <a:r>
+              <a:rPr lang="pt-BR" sz="2000" b="1" dirty="0" smtClean="0"/>
+              <a:t>OCA </a:t>
+            </a:r>
+            <a:r>
+              <a:rPr lang="pt-BR" sz="2000" b="1" dirty="0" err="1" smtClean="0"/>
+              <a:t>Objectives</a:t>
+            </a:r>
+            <a:endParaRPr lang="pt-BR" sz="2000" b="1" dirty="0" smtClean="0"/>
+          </a:p>
+          <a:p>
+            <a:r>
+              <a:rPr lang="pt-BR" sz="2000" dirty="0"/>
+              <a:t>7.3 Diferenciar entre tipo de uma referência e o tipo de um objeto</a:t>
+            </a:r>
+          </a:p>
+          <a:p>
+            <a:r>
+              <a:rPr lang="pt-BR" sz="2000" dirty="0" smtClean="0"/>
+              <a:t>7.4 Determinar quando uma conversão é necessária</a:t>
+            </a:r>
+            <a:endParaRPr lang="pt-BR" sz="2000" dirty="0"/>
+          </a:p>
+        </p:txBody>
+      </p:sp>
+      <p:sp>
+        <p:nvSpPr>
+          <p:cNvPr id="5" name="Espaço Reservado para Rodapé 3"/>
           <p:cNvSpPr>
             <a:spLocks noGrp="1"/>
           </p:cNvSpPr>
@@ -6534,13 +6619,20 @@
     </p:spTree>
     <p:extLst>
       <p:ext uri="{BB962C8B-B14F-4D97-AF65-F5344CB8AC3E}">
-        <p14:creationId xmlns:p14="http://schemas.microsoft.com/office/powerpoint/2010/main" val="1077359234"/>
+        <p14:creationId xmlns:p14="http://schemas.microsoft.com/office/powerpoint/2010/main" val="633171714"/>
       </p:ext>
     </p:extLst>
   </p:cSld>
   <p:clrMapOvr>
     <a:masterClrMapping/>
   </p:clrMapOvr>
+  <p:timing>
+    <p:tnLst>
+      <p:par>
+        <p:cTn id="1" dur="indefinite" restart="never" nodeType="tmRoot"/>
+      </p:par>
+    </p:tnLst>
+  </p:timing>
 </p:sld>
 </file>
 
@@ -6578,16 +6670,14 @@
           </a:xfrm>
         </p:spPr>
         <p:txBody>
-          <a:bodyPr/>
+          <a:bodyPr>
+            <a:normAutofit fontScale="90000"/>
+          </a:bodyPr>
           <a:lstStyle/>
           <a:p>
             <a:r>
               <a:rPr lang="pt-BR" dirty="0" smtClean="0"/>
-              <a:t>(CONCEITO) </a:t>
-            </a:r>
-            <a:r>
-              <a:rPr lang="pt-BR" dirty="0" err="1" smtClean="0"/>
-              <a:t>Casting</a:t>
+              <a:t>(CONCEITO) Implementando Interfaces</a:t>
             </a:r>
             <a:endParaRPr lang="pt-BR" dirty="0"/>
           </a:p>
@@ -6619,20 +6709,14 @@
             </a:r>
             <a:r>
               <a:rPr lang="pt-BR" sz="2000" b="1" dirty="0" err="1" smtClean="0"/>
-              <a:t>Objectives</a:t>
+              <a:t>Objective</a:t>
             </a:r>
             <a:endParaRPr lang="pt-BR" sz="2000" b="1" dirty="0" smtClean="0"/>
           </a:p>
           <a:p>
             <a:r>
-              <a:rPr lang="pt-BR" sz="2000" dirty="0"/>
-              <a:t>7.3 Diferenciar entre tipo de uma referência e o tipo de um objeto</a:t>
-            </a:r>
-          </a:p>
-          <a:p>
-            <a:r>
               <a:rPr lang="pt-BR" sz="2000" dirty="0" smtClean="0"/>
-              <a:t>7.4 Determinar quando uma conversão é necessária</a:t>
+              <a:t>7.6 Uso de classes abstratas e interfaces</a:t>
             </a:r>
             <a:endParaRPr lang="pt-BR" sz="2000" dirty="0"/>
           </a:p>
@@ -6695,7 +6779,7 @@
     </p:spTree>
     <p:extLst>
       <p:ext uri="{BB962C8B-B14F-4D97-AF65-F5344CB8AC3E}">
-        <p14:creationId xmlns:p14="http://schemas.microsoft.com/office/powerpoint/2010/main" val="633171714"/>
+        <p14:creationId xmlns:p14="http://schemas.microsoft.com/office/powerpoint/2010/main" val="375912055"/>
       </p:ext>
     </p:extLst>
   </p:cSld>
@@ -6746,14 +6830,12 @@
           </a:xfrm>
         </p:spPr>
         <p:txBody>
-          <a:bodyPr>
-            <a:normAutofit fontScale="90000"/>
-          </a:bodyPr>
+          <a:bodyPr/>
           <a:lstStyle/>
           <a:p>
             <a:r>
               <a:rPr lang="pt-BR" dirty="0" smtClean="0"/>
-              <a:t>(CONCEITO) Implementando Interfaces</a:t>
+              <a:t>Tipos de Retornos Válidos</a:t>
             </a:r>
             <a:endParaRPr lang="pt-BR" dirty="0"/>
           </a:p>
@@ -6785,14 +6867,32 @@
             </a:r>
             <a:r>
               <a:rPr lang="pt-BR" sz="2000" b="1" dirty="0" err="1" smtClean="0"/>
-              <a:t>Objective</a:t>
+              <a:t>Objectives</a:t>
             </a:r>
             <a:endParaRPr lang="pt-BR" sz="2000" b="1" dirty="0" smtClean="0"/>
           </a:p>
           <a:p>
             <a:r>
               <a:rPr lang="pt-BR" sz="2000" dirty="0" smtClean="0"/>
-              <a:t>7.6 Uso de classes abstratas e interfaces</a:t>
+              <a:t>2.2 Diferenciar entre variável de referência à objeto e primitivas</a:t>
+            </a:r>
+          </a:p>
+          <a:p>
+            <a:r>
+              <a:rPr lang="pt-BR" sz="2000" dirty="0" smtClean="0"/>
+              <a:t>2.5 Invocar métodos em objeto</a:t>
+            </a:r>
+          </a:p>
+          <a:p>
+            <a:r>
+              <a:rPr lang="pt-BR" sz="2000" dirty="0" smtClean="0"/>
+              <a:t>6.1 Criar métodos com argumentos e retorno de valor</a:t>
+            </a:r>
+          </a:p>
+          <a:p>
+            <a:r>
+              <a:rPr lang="pt-BR" sz="2000" dirty="0" smtClean="0"/>
+              <a:t>6.3 Criar um método sobrecarregado</a:t>
             </a:r>
             <a:endParaRPr lang="pt-BR" sz="2000" dirty="0"/>
           </a:p>
@@ -6855,7 +6955,7 @@
     </p:spTree>
     <p:extLst>
       <p:ext uri="{BB962C8B-B14F-4D97-AF65-F5344CB8AC3E}">
-        <p14:creationId xmlns:p14="http://schemas.microsoft.com/office/powerpoint/2010/main" val="375912055"/>
+        <p14:creationId xmlns:p14="http://schemas.microsoft.com/office/powerpoint/2010/main" val="4268053431"/>
       </p:ext>
     </p:extLst>
   </p:cSld>
@@ -6891,92 +6991,89 @@
       </p:grpSpPr>
       <p:sp>
         <p:nvSpPr>
-          <p:cNvPr id="2" name="Título 1"/>
+          <p:cNvPr id="5" name="Título 4"/>
           <p:cNvSpPr>
             <a:spLocks noGrp="1"/>
           </p:cNvSpPr>
           <p:nvPr>
-            <p:ph type="ctrTitle"/>
-          </p:nvPr>
-        </p:nvSpPr>
-        <p:spPr>
-          <a:xfrm>
-            <a:off x="1941910" y="2514601"/>
-            <a:ext cx="6686549" cy="914399"/>
-          </a:xfrm>
-        </p:spPr>
+            <p:ph type="title"/>
+          </p:nvPr>
+        </p:nvSpPr>
+        <p:spPr/>
         <p:txBody>
           <a:bodyPr/>
           <a:lstStyle/>
           <a:p>
             <a:r>
-              <a:rPr lang="pt-BR" dirty="0" smtClean="0"/>
+              <a:rPr lang="pt-BR" dirty="0"/>
               <a:t>Tipos de Retornos Válidos</a:t>
             </a:r>
-            <a:endParaRPr lang="pt-BR" dirty="0"/>
-          </a:p>
-        </p:txBody>
-      </p:sp>
-      <p:sp>
-        <p:nvSpPr>
-          <p:cNvPr id="3" name="Subtítulo 2"/>
+          </a:p>
+        </p:txBody>
+      </p:sp>
+      <p:sp>
+        <p:nvSpPr>
+          <p:cNvPr id="6" name="Espaço Reservado para Conteúdo 5"/>
           <p:cNvSpPr>
             <a:spLocks noGrp="1"/>
           </p:cNvSpPr>
           <p:nvPr>
-            <p:ph type="subTitle" idx="1"/>
-          </p:nvPr>
-        </p:nvSpPr>
-        <p:spPr>
-          <a:xfrm>
-            <a:off x="1941910" y="3429000"/>
-            <a:ext cx="6686549" cy="2474663"/>
-          </a:xfrm>
-        </p:spPr>
+            <p:ph idx="1"/>
+          </p:nvPr>
+        </p:nvSpPr>
+        <p:spPr/>
         <p:txBody>
           <a:bodyPr/>
           <a:lstStyle/>
           <a:p>
             <a:r>
-              <a:rPr lang="pt-BR" sz="2000" b="1" dirty="0" smtClean="0"/>
-              <a:t>OCA </a:t>
-            </a:r>
-            <a:r>
-              <a:rPr lang="pt-BR" sz="2000" b="1" dirty="0" err="1" smtClean="0"/>
-              <a:t>Objectives</a:t>
-            </a:r>
-            <a:endParaRPr lang="pt-BR" sz="2000" b="1" dirty="0" smtClean="0"/>
-          </a:p>
-          <a:p>
-            <a:r>
-              <a:rPr lang="pt-BR" sz="2000" dirty="0" smtClean="0"/>
-              <a:t>2.2 Diferenciar entre variável de referência à objeto e primitivas</a:t>
-            </a:r>
-          </a:p>
-          <a:p>
-            <a:r>
-              <a:rPr lang="pt-BR" sz="2000" dirty="0" smtClean="0"/>
-              <a:t>2.5 Invocar métodos em objeto</a:t>
-            </a:r>
-          </a:p>
-          <a:p>
-            <a:r>
-              <a:rPr lang="pt-BR" sz="2000" dirty="0" smtClean="0"/>
-              <a:t>6.1 Criar métodos com argumentos e retorno de valor</a:t>
-            </a:r>
-          </a:p>
-          <a:p>
-            <a:r>
-              <a:rPr lang="pt-BR" sz="2000" dirty="0" smtClean="0"/>
-              <a:t>6.3 Criar um método sobrecarregado</a:t>
-            </a:r>
-            <a:endParaRPr lang="pt-BR" sz="2000" dirty="0"/>
-          </a:p>
-        </p:txBody>
-      </p:sp>
-      <p:sp>
-        <p:nvSpPr>
-          <p:cNvPr id="5" name="Espaço Reservado para Rodapé 3"/>
+              <a:rPr lang="pt-BR" dirty="0" smtClean="0"/>
+              <a:t>Conceito</a:t>
+            </a:r>
+          </a:p>
+          <a:p>
+            <a:r>
+              <a:rPr lang="pt-BR" dirty="0" smtClean="0"/>
+              <a:t>Declarações de Tipos de Retorno</a:t>
+            </a:r>
+          </a:p>
+          <a:p>
+            <a:pPr lvl="1"/>
+            <a:r>
+              <a:rPr lang="pt-BR" dirty="0" smtClean="0"/>
+              <a:t>Tipos de retorno para métodos sobrecarregados</a:t>
+            </a:r>
+          </a:p>
+          <a:p>
+            <a:pPr lvl="1"/>
+            <a:r>
+              <a:rPr lang="pt-BR" dirty="0" err="1" smtClean="0"/>
+              <a:t>Sobrescrição</a:t>
+            </a:r>
+            <a:r>
+              <a:rPr lang="pt-BR" dirty="0" smtClean="0"/>
+              <a:t> e Tipos de Retorno e retornos </a:t>
+            </a:r>
+            <a:r>
+              <a:rPr lang="pt-BR" i="1" dirty="0" err="1" smtClean="0"/>
+              <a:t>Covariant</a:t>
+            </a:r>
+            <a:endParaRPr lang="pt-BR" i="1" dirty="0" smtClean="0"/>
+          </a:p>
+          <a:p>
+            <a:r>
+              <a:rPr lang="pt-BR" dirty="0" smtClean="0"/>
+              <a:t>Retornando um Valor</a:t>
+            </a:r>
+          </a:p>
+          <a:p>
+            <a:endParaRPr lang="pt-BR" dirty="0"/>
+          </a:p>
+        </p:txBody>
+      </p:sp>
+      <p:sp>
+        <p:nvSpPr>
+          <p:cNvPr id="7" name="Espaço Reservado para Rodapé 3"/>
           <p:cNvSpPr>
             <a:spLocks noGrp="1"/>
           </p:cNvSpPr>
@@ -7031,20 +7128,13 @@
     </p:spTree>
     <p:extLst>
       <p:ext uri="{BB962C8B-B14F-4D97-AF65-F5344CB8AC3E}">
-        <p14:creationId xmlns:p14="http://schemas.microsoft.com/office/powerpoint/2010/main" val="4268053431"/>
+        <p14:creationId xmlns:p14="http://schemas.microsoft.com/office/powerpoint/2010/main" val="4095978862"/>
       </p:ext>
     </p:extLst>
   </p:cSld>
   <p:clrMapOvr>
     <a:masterClrMapping/>
   </p:clrMapOvr>
-  <p:timing>
-    <p:tnLst>
-      <p:par>
-        <p:cTn id="1" dur="indefinite" restart="never" nodeType="tmRoot"/>
-      </p:par>
-    </p:tnLst>
-  </p:timing>
 </p:sld>
 </file>
 
@@ -7067,89 +7157,102 @@
       </p:grpSpPr>
       <p:sp>
         <p:nvSpPr>
-          <p:cNvPr id="5" name="Título 4"/>
+          <p:cNvPr id="2" name="Título 1"/>
           <p:cNvSpPr>
             <a:spLocks noGrp="1"/>
           </p:cNvSpPr>
           <p:nvPr>
-            <p:ph type="title"/>
-          </p:nvPr>
-        </p:nvSpPr>
-        <p:spPr/>
+            <p:ph type="ctrTitle"/>
+          </p:nvPr>
+        </p:nvSpPr>
+        <p:spPr>
+          <a:xfrm>
+            <a:off x="1941910" y="2514601"/>
+            <a:ext cx="6686549" cy="914399"/>
+          </a:xfrm>
+        </p:spPr>
         <p:txBody>
           <a:bodyPr/>
           <a:lstStyle/>
           <a:p>
             <a:r>
-              <a:rPr lang="pt-BR" dirty="0"/>
-              <a:t>Tipos de Retornos Válidos</a:t>
-            </a:r>
-          </a:p>
-        </p:txBody>
-      </p:sp>
-      <p:sp>
-        <p:nvSpPr>
-          <p:cNvPr id="6" name="Espaço Reservado para Conteúdo 5"/>
+              <a:rPr lang="pt-BR" dirty="0" smtClean="0"/>
+              <a:t>Construtores e Instanciação</a:t>
+            </a:r>
+            <a:endParaRPr lang="pt-BR" dirty="0"/>
+          </a:p>
+        </p:txBody>
+      </p:sp>
+      <p:sp>
+        <p:nvSpPr>
+          <p:cNvPr id="3" name="Subtítulo 2"/>
           <p:cNvSpPr>
             <a:spLocks noGrp="1"/>
           </p:cNvSpPr>
           <p:nvPr>
-            <p:ph idx="1"/>
-          </p:nvPr>
-        </p:nvSpPr>
-        <p:spPr/>
+            <p:ph type="subTitle" idx="1"/>
+          </p:nvPr>
+        </p:nvSpPr>
+        <p:spPr>
+          <a:xfrm>
+            <a:off x="1941910" y="3429000"/>
+            <a:ext cx="6686549" cy="2474663"/>
+          </a:xfrm>
+        </p:spPr>
         <p:txBody>
           <a:bodyPr/>
           <a:lstStyle/>
           <a:p>
             <a:r>
-              <a:rPr lang="pt-BR" dirty="0" smtClean="0"/>
-              <a:t>Conceito</a:t>
-            </a:r>
-          </a:p>
-          <a:p>
-            <a:r>
-              <a:rPr lang="pt-BR" dirty="0" smtClean="0"/>
-              <a:t>Declarações de Tipos de Retorno</a:t>
-            </a:r>
-          </a:p>
-          <a:p>
-            <a:pPr lvl="1"/>
-            <a:r>
-              <a:rPr lang="pt-BR" dirty="0" smtClean="0"/>
-              <a:t>Tipos de retorno para métodos sobrecarregados</a:t>
-            </a:r>
-          </a:p>
-          <a:p>
-            <a:pPr lvl="1"/>
-            <a:r>
-              <a:rPr lang="pt-BR" dirty="0" err="1" smtClean="0"/>
-              <a:t>Sobrescrição</a:t>
-            </a:r>
-            <a:r>
-              <a:rPr lang="pt-BR" dirty="0" smtClean="0"/>
-              <a:t> e Tipos de Retorno e retornos </a:t>
-            </a:r>
-            <a:r>
-              <a:rPr lang="pt-BR" i="1" dirty="0" err="1" smtClean="0"/>
-              <a:t>Covariant</a:t>
-            </a:r>
-            <a:endParaRPr lang="pt-BR" i="1" dirty="0" smtClean="0"/>
-          </a:p>
-          <a:p>
-            <a:r>
-              <a:rPr lang="pt-BR" dirty="0" smtClean="0"/>
-              <a:t>Retornando um Valor</a:t>
-            </a:r>
-          </a:p>
-          <a:p>
-            <a:endParaRPr lang="pt-BR" dirty="0"/>
-          </a:p>
-        </p:txBody>
-      </p:sp>
-      <p:sp>
-        <p:nvSpPr>
-          <p:cNvPr id="7" name="Espaço Reservado para Rodapé 3"/>
+              <a:rPr lang="pt-BR" sz="2000" b="1" dirty="0" smtClean="0"/>
+              <a:t>OCA </a:t>
+            </a:r>
+            <a:r>
+              <a:rPr lang="pt-BR" sz="2000" b="1" dirty="0" err="1" smtClean="0"/>
+              <a:t>Objectives</a:t>
+            </a:r>
+            <a:endParaRPr lang="pt-BR" sz="2000" b="1" dirty="0" smtClean="0"/>
+          </a:p>
+          <a:p>
+            <a:r>
+              <a:rPr lang="pt-BR" sz="2000" dirty="0" smtClean="0"/>
+              <a:t>6.4 Diferenciar entre construtor default e definido pelo usuário</a:t>
+            </a:r>
+          </a:p>
+          <a:p>
+            <a:r>
+              <a:rPr lang="pt-BR" sz="2000" dirty="0" smtClean="0"/>
+              <a:t>6.5 Criar e sobrecarregar construtores</a:t>
+            </a:r>
+          </a:p>
+          <a:p>
+            <a:r>
+              <a:rPr lang="pt-BR" sz="2000" dirty="0" smtClean="0"/>
+              <a:t>7.5 Usar </a:t>
+            </a:r>
+            <a:r>
+              <a:rPr lang="pt-BR" sz="2000" dirty="0" err="1" smtClean="0"/>
+              <a:t>super</a:t>
+            </a:r>
+            <a:r>
+              <a:rPr lang="pt-BR" sz="2000" dirty="0" smtClean="0"/>
+              <a:t> e </a:t>
+            </a:r>
+            <a:r>
+              <a:rPr lang="pt-BR" sz="2000" dirty="0" err="1" smtClean="0"/>
+              <a:t>this</a:t>
+            </a:r>
+            <a:r>
+              <a:rPr lang="pt-BR" sz="2000" dirty="0" smtClean="0"/>
+              <a:t> para acessar objetos e construtores</a:t>
+            </a:r>
+            <a:endParaRPr lang="pt-BR" sz="2000" dirty="0"/>
+          </a:p>
+        </p:txBody>
+      </p:sp>
+      <p:sp>
+        <p:nvSpPr>
+          <p:cNvPr id="5" name="Espaço Reservado para Rodapé 3"/>
           <p:cNvSpPr>
             <a:spLocks noGrp="1"/>
           </p:cNvSpPr>
@@ -7204,13 +7307,20 @@
     </p:spTree>
     <p:extLst>
       <p:ext uri="{BB962C8B-B14F-4D97-AF65-F5344CB8AC3E}">
-        <p14:creationId xmlns:p14="http://schemas.microsoft.com/office/powerpoint/2010/main" val="4095978862"/>
+        <p14:creationId xmlns:p14="http://schemas.microsoft.com/office/powerpoint/2010/main" val="2974867849"/>
       </p:ext>
     </p:extLst>
   </p:cSld>
   <p:clrMapOvr>
     <a:masterClrMapping/>
   </p:clrMapOvr>
+  <p:timing>
+    <p:tnLst>
+      <p:par>
+        <p:cTn id="1" dur="indefinite" restart="never" nodeType="tmRoot"/>
+      </p:par>
+    </p:tnLst>
+  </p:timing>
 </p:sld>
 </file>
 
@@ -7290,7 +7400,15 @@
             </a:r>
             <a:r>
               <a:rPr lang="pt-BR" sz="2400" dirty="0" smtClean="0"/>
-              <a:t>– curso modular que visa fornecer aos alunos o caminho de aprendizagem oficial da Oracle</a:t>
+              <a:t>– curso modular que visa </a:t>
+            </a:r>
+            <a:r>
+              <a:rPr lang="pt-BR" sz="2400" dirty="0" smtClean="0"/>
+              <a:t>ofertar </a:t>
+            </a:r>
+            <a:r>
+              <a:rPr lang="pt-BR" sz="2400" dirty="0" smtClean="0"/>
+              <a:t>aos alunos o caminho de aprendizagem oficial da Oracle</a:t>
             </a:r>
           </a:p>
           <a:p>
@@ -7311,33 +7429,26 @@
           <a:p>
             <a:pPr algn="just"/>
             <a:r>
+              <a:rPr lang="pt-BR" sz="2400" dirty="0" err="1" smtClean="0"/>
+              <a:t>Mentorar</a:t>
+            </a:r>
+            <a:r>
               <a:rPr lang="pt-BR" sz="2400" dirty="0" smtClean="0"/>
-              <a:t>Preparar os alunos para obtenção de </a:t>
+              <a:t> </a:t>
+            </a:r>
+            <a:r>
+              <a:rPr lang="pt-BR" sz="2400" dirty="0" smtClean="0"/>
+              <a:t>os alunos para obtenção de </a:t>
             </a:r>
             <a:r>
               <a:rPr lang="pt-BR" sz="2400" b="1" dirty="0" smtClean="0"/>
-              <a:t>certificações oficiais da Oracle</a:t>
-            </a:r>
-            <a:r>
-              <a:rPr lang="pt-BR" sz="2400" dirty="0" smtClean="0"/>
-              <a:t>, através de  </a:t>
-            </a:r>
-            <a:r>
-              <a:rPr lang="pt-BR" sz="2400" dirty="0" err="1" smtClean="0"/>
-              <a:t>mentoring</a:t>
-            </a:r>
-            <a:r>
-              <a:rPr lang="pt-BR" sz="2400" dirty="0" smtClean="0"/>
-              <a:t> e </a:t>
-            </a:r>
-            <a:r>
-              <a:rPr lang="pt-BR" sz="2400" dirty="0" err="1" smtClean="0"/>
-              <a:t>coaching</a:t>
-            </a:r>
-            <a:r>
-              <a:rPr lang="pt-BR" sz="2400" dirty="0" smtClean="0"/>
-              <a:t> aos mesmos</a:t>
-            </a:r>
+              <a:t>certificações oficiais da </a:t>
+            </a:r>
+            <a:r>
+              <a:rPr lang="pt-BR" sz="2400" b="1" dirty="0" smtClean="0"/>
+              <a:t>Oracle</a:t>
+            </a:r>
+            <a:endParaRPr lang="pt-BR" sz="2400" dirty="0" smtClean="0"/>
           </a:p>
           <a:p>
             <a:pPr algn="just"/>
@@ -7421,102 +7532,112 @@
       </p:grpSpPr>
       <p:sp>
         <p:nvSpPr>
-          <p:cNvPr id="2" name="Título 1"/>
+          <p:cNvPr id="5" name="Título 4"/>
           <p:cNvSpPr>
             <a:spLocks noGrp="1"/>
           </p:cNvSpPr>
           <p:nvPr>
-            <p:ph type="ctrTitle"/>
-          </p:nvPr>
-        </p:nvSpPr>
-        <p:spPr>
-          <a:xfrm>
-            <a:off x="1941910" y="2514601"/>
-            <a:ext cx="6686549" cy="914399"/>
-          </a:xfrm>
-        </p:spPr>
+            <p:ph type="title"/>
+          </p:nvPr>
+        </p:nvSpPr>
+        <p:spPr/>
         <p:txBody>
           <a:bodyPr/>
           <a:lstStyle/>
           <a:p>
             <a:r>
-              <a:rPr lang="pt-BR" dirty="0" smtClean="0"/>
+              <a:rPr lang="pt-BR" dirty="0"/>
               <a:t>Construtores e Instanciação</a:t>
             </a:r>
-            <a:endParaRPr lang="pt-BR" dirty="0"/>
-          </a:p>
-        </p:txBody>
-      </p:sp>
-      <p:sp>
-        <p:nvSpPr>
-          <p:cNvPr id="3" name="Subtítulo 2"/>
+          </a:p>
+        </p:txBody>
+      </p:sp>
+      <p:sp>
+        <p:nvSpPr>
+          <p:cNvPr id="6" name="Espaço Reservado para Conteúdo 5"/>
           <p:cNvSpPr>
             <a:spLocks noGrp="1"/>
           </p:cNvSpPr>
           <p:nvPr>
-            <p:ph type="subTitle" idx="1"/>
-          </p:nvPr>
-        </p:nvSpPr>
-        <p:spPr>
-          <a:xfrm>
-            <a:off x="1941910" y="3429000"/>
-            <a:ext cx="6686549" cy="2474663"/>
-          </a:xfrm>
-        </p:spPr>
+            <p:ph idx="1"/>
+          </p:nvPr>
+        </p:nvSpPr>
+        <p:spPr/>
         <p:txBody>
           <a:bodyPr/>
           <a:lstStyle/>
           <a:p>
-            <a:r>
-              <a:rPr lang="pt-BR" sz="2000" b="1" dirty="0" smtClean="0"/>
-              <a:t>OCA </a:t>
-            </a:r>
-            <a:r>
-              <a:rPr lang="pt-BR" sz="2000" b="1" dirty="0" err="1" smtClean="0"/>
-              <a:t>Objectives</a:t>
-            </a:r>
-            <a:endParaRPr lang="pt-BR" sz="2000" b="1" dirty="0" smtClean="0"/>
-          </a:p>
-          <a:p>
-            <a:r>
-              <a:rPr lang="pt-BR" sz="2000" dirty="0" smtClean="0"/>
-              <a:t>6.4 Diferenciar entre construtor default e definido pelo usuário</a:t>
-            </a:r>
-          </a:p>
-          <a:p>
-            <a:r>
-              <a:rPr lang="pt-BR" sz="2000" dirty="0" smtClean="0"/>
-              <a:t>6.5 Criar e sobrecarregar construtores</a:t>
-            </a:r>
-          </a:p>
-          <a:p>
-            <a:r>
-              <a:rPr lang="pt-BR" sz="2000" dirty="0" smtClean="0"/>
-              <a:t>7.5 Usar </a:t>
-            </a:r>
-            <a:r>
-              <a:rPr lang="pt-BR" sz="2000" dirty="0" err="1" smtClean="0"/>
-              <a:t>super</a:t>
-            </a:r>
-            <a:r>
-              <a:rPr lang="pt-BR" sz="2000" dirty="0" smtClean="0"/>
-              <a:t> e </a:t>
-            </a:r>
-            <a:r>
-              <a:rPr lang="pt-BR" sz="2000" dirty="0" err="1" smtClean="0"/>
-              <a:t>this</a:t>
-            </a:r>
-            <a:r>
-              <a:rPr lang="pt-BR" sz="2000" dirty="0" smtClean="0"/>
-              <a:t> para acessar objetos e construtores</a:t>
-            </a:r>
-            <a:endParaRPr lang="pt-BR" sz="2000" dirty="0"/>
-          </a:p>
-        </p:txBody>
-      </p:sp>
-      <p:sp>
-        <p:nvSpPr>
-          <p:cNvPr id="5" name="Espaço Reservado para Rodapé 3"/>
+            <a:pPr algn="just"/>
+            <a:r>
+              <a:rPr lang="pt-BR" dirty="0" smtClean="0"/>
+              <a:t>Conceito</a:t>
+            </a:r>
+          </a:p>
+          <a:p>
+            <a:pPr algn="just"/>
+            <a:r>
+              <a:rPr lang="pt-BR" dirty="0" err="1" smtClean="0"/>
+              <a:t>Chaining</a:t>
+            </a:r>
+            <a:r>
+              <a:rPr lang="pt-BR" dirty="0" smtClean="0"/>
+              <a:t> de </a:t>
+            </a:r>
+            <a:r>
+              <a:rPr lang="pt-BR" dirty="0" err="1" smtClean="0"/>
+              <a:t>Contrutores</a:t>
+            </a:r>
+            <a:endParaRPr lang="pt-BR" dirty="0" smtClean="0"/>
+          </a:p>
+          <a:p>
+            <a:pPr algn="just"/>
+            <a:r>
+              <a:rPr lang="pt-BR" dirty="0" smtClean="0"/>
+              <a:t>Regras para Construtores</a:t>
+            </a:r>
+          </a:p>
+          <a:p>
+            <a:pPr algn="just"/>
+            <a:r>
+              <a:rPr lang="pt-BR" dirty="0" smtClean="0"/>
+              <a:t>Determinando quando um construtor padrão será criado</a:t>
+            </a:r>
+          </a:p>
+          <a:p>
+            <a:pPr lvl="1" algn="just"/>
+            <a:r>
+              <a:rPr lang="pt-BR" dirty="0" smtClean="0"/>
+              <a:t>O que acontece se o construtor da </a:t>
+            </a:r>
+            <a:r>
+              <a:rPr lang="pt-BR" dirty="0" err="1" smtClean="0"/>
+              <a:t>superclass</a:t>
+            </a:r>
+            <a:r>
+              <a:rPr lang="pt-BR" dirty="0" smtClean="0"/>
+              <a:t> tem argumentos?</a:t>
+            </a:r>
+          </a:p>
+          <a:p>
+            <a:pPr algn="just"/>
+            <a:r>
+              <a:rPr lang="pt-BR" dirty="0" smtClean="0"/>
+              <a:t>Sobrecarga de Construtores</a:t>
+            </a:r>
+          </a:p>
+          <a:p>
+            <a:pPr algn="just"/>
+            <a:r>
+              <a:rPr lang="pt-BR" dirty="0" smtClean="0"/>
+              <a:t>Blocos de Inicialização</a:t>
+            </a:r>
+            <a:endParaRPr lang="pt-BR" dirty="0"/>
+          </a:p>
+        </p:txBody>
+      </p:sp>
+      <p:sp>
+        <p:nvSpPr>
+          <p:cNvPr id="7" name="Espaço Reservado para Rodapé 3"/>
           <p:cNvSpPr>
             <a:spLocks noGrp="1"/>
           </p:cNvSpPr>
@@ -7571,20 +7692,13 @@
     </p:spTree>
     <p:extLst>
       <p:ext uri="{BB962C8B-B14F-4D97-AF65-F5344CB8AC3E}">
-        <p14:creationId xmlns:p14="http://schemas.microsoft.com/office/powerpoint/2010/main" val="2974867849"/>
+        <p14:creationId xmlns:p14="http://schemas.microsoft.com/office/powerpoint/2010/main" val="1444076413"/>
       </p:ext>
     </p:extLst>
   </p:cSld>
   <p:clrMapOvr>
     <a:masterClrMapping/>
   </p:clrMapOvr>
-  <p:timing>
-    <p:tnLst>
-      <p:par>
-        <p:cTn id="1" dur="indefinite" restart="never" nodeType="tmRoot"/>
-      </p:par>
-    </p:tnLst>
-  </p:timing>
 </p:sld>
 </file>
 
@@ -7607,112 +7721,90 @@
       </p:grpSpPr>
       <p:sp>
         <p:nvSpPr>
-          <p:cNvPr id="5" name="Título 4"/>
+          <p:cNvPr id="2" name="Título 1"/>
           <p:cNvSpPr>
             <a:spLocks noGrp="1"/>
           </p:cNvSpPr>
           <p:nvPr>
-            <p:ph type="title"/>
-          </p:nvPr>
-        </p:nvSpPr>
-        <p:spPr/>
+            <p:ph type="ctrTitle"/>
+          </p:nvPr>
+        </p:nvSpPr>
+        <p:spPr>
+          <a:xfrm>
+            <a:off x="1941910" y="2514601"/>
+            <a:ext cx="6686549" cy="914399"/>
+          </a:xfrm>
+        </p:spPr>
         <p:txBody>
           <a:bodyPr/>
           <a:lstStyle/>
           <a:p>
             <a:r>
-              <a:rPr lang="pt-BR" dirty="0"/>
-              <a:t>Construtores e Instanciação</a:t>
-            </a:r>
-          </a:p>
-        </p:txBody>
-      </p:sp>
-      <p:sp>
-        <p:nvSpPr>
-          <p:cNvPr id="6" name="Espaço Reservado para Conteúdo 5"/>
+              <a:rPr lang="pt-BR" dirty="0" err="1" smtClean="0"/>
+              <a:t>Static</a:t>
+            </a:r>
+            <a:endParaRPr lang="pt-BR" dirty="0"/>
+          </a:p>
+        </p:txBody>
+      </p:sp>
+      <p:sp>
+        <p:nvSpPr>
+          <p:cNvPr id="3" name="Subtítulo 2"/>
           <p:cNvSpPr>
             <a:spLocks noGrp="1"/>
           </p:cNvSpPr>
           <p:nvPr>
-            <p:ph idx="1"/>
-          </p:nvPr>
-        </p:nvSpPr>
-        <p:spPr/>
+            <p:ph type="subTitle" idx="1"/>
+          </p:nvPr>
+        </p:nvSpPr>
+        <p:spPr>
+          <a:xfrm>
+            <a:off x="1941910" y="3429000"/>
+            <a:ext cx="6686549" cy="2474663"/>
+          </a:xfrm>
+        </p:spPr>
         <p:txBody>
           <a:bodyPr/>
           <a:lstStyle/>
           <a:p>
-            <a:pPr algn="just"/>
-            <a:r>
-              <a:rPr lang="pt-BR" dirty="0" smtClean="0"/>
-              <a:t>Conceito</a:t>
-            </a:r>
-          </a:p>
-          <a:p>
-            <a:pPr algn="just"/>
-            <a:r>
-              <a:rPr lang="pt-BR" dirty="0" err="1" smtClean="0"/>
-              <a:t>Chaining</a:t>
-            </a:r>
-            <a:r>
-              <a:rPr lang="pt-BR" dirty="0" smtClean="0"/>
-              <a:t> de </a:t>
-            </a:r>
-            <a:r>
-              <a:rPr lang="pt-BR" dirty="0" err="1" smtClean="0"/>
-              <a:t>Contrutores</a:t>
-            </a:r>
-            <a:endParaRPr lang="pt-BR" dirty="0" smtClean="0"/>
-          </a:p>
-          <a:p>
-            <a:pPr algn="just"/>
-            <a:r>
-              <a:rPr lang="pt-BR" dirty="0" smtClean="0"/>
-              <a:t>Regras para Construtores</a:t>
-            </a:r>
-          </a:p>
-          <a:p>
-            <a:pPr algn="just"/>
-            <a:r>
-              <a:rPr lang="pt-BR" dirty="0" smtClean="0"/>
-              <a:t>Determinando quando um construtor padrão será criado</a:t>
-            </a:r>
-          </a:p>
-          <a:p>
-            <a:pPr lvl="1" algn="just"/>
-            <a:r>
-              <a:rPr lang="pt-BR" dirty="0" smtClean="0"/>
-              <a:t>O que acontece se o construtor da </a:t>
-            </a:r>
-            <a:r>
-              <a:rPr lang="pt-BR" dirty="0" err="1" smtClean="0"/>
-              <a:t>superclass</a:t>
-            </a:r>
-            <a:r>
-              <a:rPr lang="pt-BR" dirty="0" smtClean="0"/>
-              <a:t> tem argumentos?</a:t>
-            </a:r>
-          </a:p>
-          <a:p>
-            <a:pPr algn="just"/>
-            <a:r>
-              <a:rPr lang="pt-BR" dirty="0" smtClean="0"/>
-              <a:t>Sobrecarga de Construtores</a:t>
-            </a:r>
-          </a:p>
-          <a:p>
-            <a:pPr algn="just"/>
-            <a:r>
-              <a:rPr lang="pt-BR" dirty="0" smtClean="0"/>
-              <a:t>Blocos de Inicialização</a:t>
-            </a:r>
-            <a:endParaRPr lang="pt-BR" dirty="0"/>
-          </a:p>
-        </p:txBody>
-      </p:sp>
-      <p:sp>
-        <p:nvSpPr>
-          <p:cNvPr id="7" name="Espaço Reservado para Rodapé 3"/>
+            <a:r>
+              <a:rPr lang="pt-BR" sz="2000" b="1" dirty="0" smtClean="0"/>
+              <a:t>OCA </a:t>
+            </a:r>
+            <a:r>
+              <a:rPr lang="pt-BR" sz="2000" b="1" dirty="0" err="1" smtClean="0"/>
+              <a:t>Objective</a:t>
+            </a:r>
+            <a:endParaRPr lang="pt-BR" sz="2000" b="1" dirty="0" smtClean="0"/>
+          </a:p>
+          <a:p>
+            <a:r>
+              <a:rPr lang="pt-BR" sz="2000" dirty="0" smtClean="0"/>
+              <a:t>6.2 Aplicar </a:t>
+            </a:r>
+            <a:r>
+              <a:rPr lang="pt-BR" sz="2000" dirty="0" err="1" smtClean="0"/>
+              <a:t>keyword</a:t>
+            </a:r>
+            <a:r>
+              <a:rPr lang="pt-BR" sz="2000" dirty="0" smtClean="0"/>
+              <a:t> </a:t>
+            </a:r>
+            <a:r>
+              <a:rPr lang="pt-BR" sz="2000" dirty="0" err="1" smtClean="0"/>
+              <a:t>static</a:t>
+            </a:r>
+            <a:r>
+              <a:rPr lang="pt-BR" sz="2000" dirty="0" smtClean="0"/>
+              <a:t> para métodos e atributos</a:t>
+            </a:r>
+            <a:endParaRPr lang="pt-BR" sz="2000" dirty="0"/>
+          </a:p>
+        </p:txBody>
+      </p:sp>
+      <p:sp>
+        <p:nvSpPr>
+          <p:cNvPr id="5" name="Espaço Reservado para Rodapé 3"/>
           <p:cNvSpPr>
             <a:spLocks noGrp="1"/>
           </p:cNvSpPr>
@@ -7767,13 +7859,20 @@
     </p:spTree>
     <p:extLst>
       <p:ext uri="{BB962C8B-B14F-4D97-AF65-F5344CB8AC3E}">
-        <p14:creationId xmlns:p14="http://schemas.microsoft.com/office/powerpoint/2010/main" val="1444076413"/>
+        <p14:creationId xmlns:p14="http://schemas.microsoft.com/office/powerpoint/2010/main" val="3849763999"/>
       </p:ext>
     </p:extLst>
   </p:cSld>
   <p:clrMapOvr>
     <a:masterClrMapping/>
   </p:clrMapOvr>
+  <p:timing>
+    <p:tnLst>
+      <p:par>
+        <p:cTn id="1" dur="indefinite" restart="never" nodeType="tmRoot"/>
+      </p:par>
+    </p:tnLst>
+  </p:timing>
 </p:sld>
 </file>
 
@@ -7796,26 +7895,21 @@
       </p:grpSpPr>
       <p:sp>
         <p:nvSpPr>
-          <p:cNvPr id="2" name="Título 1"/>
+          <p:cNvPr id="5" name="Título 4"/>
           <p:cNvSpPr>
             <a:spLocks noGrp="1"/>
           </p:cNvSpPr>
           <p:nvPr>
-            <p:ph type="ctrTitle"/>
-          </p:nvPr>
-        </p:nvSpPr>
-        <p:spPr>
-          <a:xfrm>
-            <a:off x="1941910" y="2514601"/>
-            <a:ext cx="6686549" cy="914399"/>
-          </a:xfrm>
-        </p:spPr>
+            <p:ph type="title"/>
+          </p:nvPr>
+        </p:nvSpPr>
+        <p:spPr/>
         <p:txBody>
           <a:bodyPr/>
           <a:lstStyle/>
           <a:p>
             <a:r>
-              <a:rPr lang="pt-BR" dirty="0" err="1" smtClean="0"/>
+              <a:rPr lang="pt-BR" dirty="0" err="1"/>
               <a:t>Static</a:t>
             </a:r>
             <a:endParaRPr lang="pt-BR" dirty="0"/>
@@ -7824,62 +7918,47 @@
       </p:sp>
       <p:sp>
         <p:nvSpPr>
-          <p:cNvPr id="3" name="Subtítulo 2"/>
+          <p:cNvPr id="6" name="Espaço Reservado para Conteúdo 5"/>
           <p:cNvSpPr>
             <a:spLocks noGrp="1"/>
           </p:cNvSpPr>
           <p:nvPr>
-            <p:ph type="subTitle" idx="1"/>
-          </p:nvPr>
-        </p:nvSpPr>
-        <p:spPr>
-          <a:xfrm>
-            <a:off x="1941910" y="3429000"/>
-            <a:ext cx="6686549" cy="2474663"/>
-          </a:xfrm>
-        </p:spPr>
+            <p:ph idx="1"/>
+          </p:nvPr>
+        </p:nvSpPr>
+        <p:spPr/>
         <p:txBody>
           <a:bodyPr/>
           <a:lstStyle/>
           <a:p>
             <a:r>
-              <a:rPr lang="pt-BR" sz="2000" b="1" dirty="0" smtClean="0"/>
-              <a:t>OCA </a:t>
-            </a:r>
-            <a:r>
-              <a:rPr lang="pt-BR" sz="2000" b="1" dirty="0" err="1" smtClean="0"/>
-              <a:t>Objective</a:t>
-            </a:r>
-            <a:endParaRPr lang="pt-BR" sz="2000" b="1" dirty="0" smtClean="0"/>
-          </a:p>
-          <a:p>
-            <a:r>
-              <a:rPr lang="pt-BR" sz="2000" dirty="0" smtClean="0"/>
-              <a:t>6.2 Aplicar </a:t>
-            </a:r>
-            <a:r>
-              <a:rPr lang="pt-BR" sz="2000" dirty="0" err="1" smtClean="0"/>
-              <a:t>keyword</a:t>
-            </a:r>
-            <a:r>
-              <a:rPr lang="pt-BR" sz="2000" dirty="0" smtClean="0"/>
-              <a:t> </a:t>
-            </a:r>
-            <a:r>
-              <a:rPr lang="pt-BR" sz="2000" dirty="0" err="1" smtClean="0"/>
-              <a:t>static</a:t>
-            </a:r>
-            <a:r>
-              <a:rPr lang="pt-BR" sz="2000" dirty="0" smtClean="0"/>
-              <a:t> para métodos e atributos</a:t>
-            </a:r>
-            <a:endParaRPr lang="pt-BR" sz="2000" dirty="0"/>
-          </a:p>
-        </p:txBody>
-      </p:sp>
-      <p:sp>
-        <p:nvSpPr>
-          <p:cNvPr id="5" name="Espaço Reservado para Rodapé 3"/>
+              <a:rPr lang="pt-BR" dirty="0"/>
+              <a:t>C</a:t>
+            </a:r>
+            <a:r>
+              <a:rPr lang="pt-BR" dirty="0" smtClean="0"/>
+              <a:t>onceito</a:t>
+            </a:r>
+          </a:p>
+          <a:p>
+            <a:r>
+              <a:rPr lang="pt-BR" dirty="0" smtClean="0"/>
+              <a:t>Métodos e Variáveis Estáticas</a:t>
+            </a:r>
+          </a:p>
+          <a:p>
+            <a:pPr lvl="1"/>
+            <a:r>
+              <a:rPr lang="pt-BR" dirty="0" smtClean="0"/>
+              <a:t>Acessando Métodos Estáticos e Variáveis</a:t>
+            </a:r>
+            <a:endParaRPr lang="pt-BR" dirty="0"/>
+          </a:p>
+        </p:txBody>
+      </p:sp>
+      <p:sp>
+        <p:nvSpPr>
+          <p:cNvPr id="7" name="Espaço Reservado para Rodapé 3"/>
           <p:cNvSpPr>
             <a:spLocks noGrp="1"/>
           </p:cNvSpPr>
@@ -7934,20 +8013,13 @@
     </p:spTree>
     <p:extLst>
       <p:ext uri="{BB962C8B-B14F-4D97-AF65-F5344CB8AC3E}">
-        <p14:creationId xmlns:p14="http://schemas.microsoft.com/office/powerpoint/2010/main" val="3849763999"/>
+        <p14:creationId xmlns:p14="http://schemas.microsoft.com/office/powerpoint/2010/main" val="2152137158"/>
       </p:ext>
     </p:extLst>
   </p:cSld>
   <p:clrMapOvr>
     <a:masterClrMapping/>
   </p:clrMapOvr>
-  <p:timing>
-    <p:tnLst>
-      <p:par>
-        <p:cTn id="1" dur="indefinite" restart="never" nodeType="tmRoot"/>
-      </p:par>
-    </p:tnLst>
-  </p:timing>
 </p:sld>
 </file>
 
@@ -7970,68 +8042,47 @@
       </p:grpSpPr>
       <p:sp>
         <p:nvSpPr>
-          <p:cNvPr id="5" name="Título 4"/>
+          <p:cNvPr id="3" name="Espaço Reservado para Conteúdo 2"/>
           <p:cNvSpPr>
             <a:spLocks noGrp="1"/>
           </p:cNvSpPr>
           <p:nvPr>
-            <p:ph type="title"/>
-          </p:nvPr>
-        </p:nvSpPr>
-        <p:spPr/>
+            <p:ph idx="1"/>
+          </p:nvPr>
+        </p:nvSpPr>
+        <p:spPr>
+          <a:xfrm>
+            <a:off x="628650" y="2113658"/>
+            <a:ext cx="7886700" cy="3907630"/>
+          </a:xfrm>
+        </p:spPr>
         <p:txBody>
           <a:bodyPr/>
           <a:lstStyle/>
           <a:p>
-            <a:r>
-              <a:rPr lang="pt-BR" dirty="0" err="1"/>
-              <a:t>Static</a:t>
-            </a:r>
-            <a:endParaRPr lang="pt-BR" dirty="0"/>
-          </a:p>
-        </p:txBody>
-      </p:sp>
-      <p:sp>
-        <p:nvSpPr>
-          <p:cNvPr id="6" name="Espaço Reservado para Conteúdo 5"/>
-          <p:cNvSpPr>
-            <a:spLocks noGrp="1"/>
-          </p:cNvSpPr>
-          <p:nvPr>
-            <p:ph idx="1"/>
-          </p:nvPr>
-        </p:nvSpPr>
-        <p:spPr/>
-        <p:txBody>
-          <a:bodyPr/>
-          <a:lstStyle/>
-          <a:p>
-            <a:r>
-              <a:rPr lang="pt-BR" dirty="0"/>
-              <a:t>C</a:t>
-            </a:r>
-            <a:r>
-              <a:rPr lang="pt-BR" dirty="0" smtClean="0"/>
-              <a:t>onceito</a:t>
-            </a:r>
-          </a:p>
-          <a:p>
-            <a:r>
-              <a:rPr lang="pt-BR" dirty="0" smtClean="0"/>
-              <a:t>Métodos </a:t>
-            </a:r>
-            <a:r>
-              <a:rPr lang="pt-BR" dirty="0" smtClean="0"/>
-              <a:t>e Variáveis Estáticas</a:t>
-            </a:r>
-          </a:p>
-          <a:p>
-            <a:pPr lvl="1"/>
-            <a:r>
-              <a:rPr lang="pt-BR" dirty="0" smtClean="0"/>
-              <a:t>Acessando Métodos Estáticos e Variáveis</a:t>
-            </a:r>
-            <a:endParaRPr lang="pt-BR" dirty="0"/>
+            <a:pPr marL="0" indent="0" algn="r">
+              <a:buNone/>
+            </a:pPr>
+            <a:endParaRPr lang="pt-BR" sz="6600" dirty="0" smtClean="0"/>
+          </a:p>
+          <a:p>
+            <a:pPr marL="0" indent="0" algn="r">
+              <a:buNone/>
+            </a:pPr>
+            <a:r>
+              <a:rPr lang="pt-BR" sz="6600" dirty="0" smtClean="0"/>
+              <a:t>Alguns exercícios </a:t>
+            </a:r>
+          </a:p>
+          <a:p>
+            <a:pPr marL="0" indent="0" algn="r">
+              <a:buNone/>
+            </a:pPr>
+            <a:r>
+              <a:rPr lang="pt-BR" sz="6600" dirty="0" smtClean="0"/>
+              <a:t>para fixação...</a:t>
+            </a:r>
+            <a:endParaRPr lang="pt-BR" sz="6600" dirty="0"/>
           </a:p>
         </p:txBody>
       </p:sp>
@@ -8042,7 +8093,7 @@
             <a:spLocks noGrp="1"/>
           </p:cNvSpPr>
           <p:nvPr>
-            <p:ph type="ftr" sz="quarter" idx="4294967295"/>
+            <p:ph type="ftr" sz="quarter" idx="13"/>
           </p:nvPr>
         </p:nvSpPr>
         <p:spPr>
@@ -8092,13 +8143,20 @@
     </p:spTree>
     <p:extLst>
       <p:ext uri="{BB962C8B-B14F-4D97-AF65-F5344CB8AC3E}">
-        <p14:creationId xmlns:p14="http://schemas.microsoft.com/office/powerpoint/2010/main" val="2152137158"/>
+        <p14:creationId xmlns:p14="http://schemas.microsoft.com/office/powerpoint/2010/main" val="1738440935"/>
       </p:ext>
     </p:extLst>
   </p:cSld>
   <p:clrMapOvr>
     <a:masterClrMapping/>
   </p:clrMapOvr>
+  <p:timing>
+    <p:tnLst>
+      <p:par>
+        <p:cTn id="1" dur="indefinite" restart="never" nodeType="tmRoot"/>
+      </p:par>
+    </p:tnLst>
+  </p:timing>
 </p:sld>
 </file>
 
@@ -8121,59 +8179,99 @@
       </p:grpSpPr>
       <p:sp>
         <p:nvSpPr>
-          <p:cNvPr id="3" name="Espaço Reservado para Conteúdo 2"/>
+          <p:cNvPr id="2" name="Título 1"/>
           <p:cNvSpPr>
             <a:spLocks noGrp="1"/>
           </p:cNvSpPr>
           <p:nvPr>
-            <p:ph idx="1"/>
+            <p:ph type="ctrTitle"/>
           </p:nvPr>
         </p:nvSpPr>
         <p:spPr>
           <a:xfrm>
-            <a:off x="628650" y="2113658"/>
-            <a:ext cx="7886700" cy="3907630"/>
+            <a:off x="1941910" y="2514601"/>
+            <a:ext cx="6686549" cy="914399"/>
           </a:xfrm>
         </p:spPr>
         <p:txBody>
+          <a:bodyPr>
+            <a:normAutofit/>
+          </a:bodyPr>
+          <a:lstStyle/>
+          <a:p>
+            <a:r>
+              <a:rPr lang="pt-BR" sz="3800" dirty="0" smtClean="0"/>
+              <a:t>Literais, </a:t>
+            </a:r>
+            <a:r>
+              <a:rPr lang="pt-BR" sz="3800" dirty="0" err="1" smtClean="0"/>
+              <a:t>Assignments</a:t>
+            </a:r>
+            <a:r>
+              <a:rPr lang="pt-BR" sz="3800" dirty="0" smtClean="0"/>
+              <a:t> e Variáveis</a:t>
+            </a:r>
+            <a:endParaRPr lang="pt-BR" sz="3800" dirty="0"/>
+          </a:p>
+        </p:txBody>
+      </p:sp>
+      <p:sp>
+        <p:nvSpPr>
+          <p:cNvPr id="3" name="Subtítulo 2"/>
+          <p:cNvSpPr>
+            <a:spLocks noGrp="1"/>
+          </p:cNvSpPr>
+          <p:nvPr>
+            <p:ph type="subTitle" idx="1"/>
+          </p:nvPr>
+        </p:nvSpPr>
+        <p:spPr>
+          <a:xfrm>
+            <a:off x="1941910" y="3429000"/>
+            <a:ext cx="6686549" cy="2474663"/>
+          </a:xfrm>
+        </p:spPr>
+        <p:txBody>
           <a:bodyPr/>
           <a:lstStyle/>
           <a:p>
-            <a:pPr marL="0" indent="0" algn="r">
-              <a:buNone/>
-            </a:pPr>
-            <a:endParaRPr lang="pt-BR" sz="6600" dirty="0" smtClean="0"/>
-          </a:p>
-          <a:p>
-            <a:pPr marL="0" indent="0" algn="r">
-              <a:buNone/>
-            </a:pPr>
-            <a:r>
-              <a:rPr lang="pt-BR" sz="6600" dirty="0" smtClean="0"/>
-              <a:t>Alguns exercícios </a:t>
-            </a:r>
-          </a:p>
-          <a:p>
-            <a:pPr marL="0" indent="0" algn="r">
-              <a:buNone/>
-            </a:pPr>
-            <a:r>
-              <a:rPr lang="pt-BR" sz="6600" dirty="0" smtClean="0"/>
-              <a:t>para fixação...</a:t>
-            </a:r>
-            <a:endParaRPr lang="pt-BR" sz="6600" dirty="0"/>
-          </a:p>
-        </p:txBody>
-      </p:sp>
-      <p:sp>
-        <p:nvSpPr>
-          <p:cNvPr id="7" name="Espaço Reservado para Rodapé 3"/>
-          <p:cNvSpPr>
-            <a:spLocks noGrp="1"/>
-          </p:cNvSpPr>
-          <p:nvPr>
-            <p:ph type="ftr" sz="quarter" idx="13"/>
-          </p:nvPr>
+            <a:r>
+              <a:rPr lang="pt-BR" sz="2000" b="1" dirty="0" smtClean="0"/>
+              <a:t>OCA </a:t>
+            </a:r>
+            <a:r>
+              <a:rPr lang="pt-BR" sz="2000" b="1" dirty="0" err="1" smtClean="0"/>
+              <a:t>Objectives</a:t>
+            </a:r>
+            <a:endParaRPr lang="pt-BR" sz="2000" b="1" dirty="0" smtClean="0"/>
+          </a:p>
+          <a:p>
+            <a:r>
+              <a:rPr lang="pt-BR" sz="2000" dirty="0" smtClean="0"/>
+              <a:t>2.1 Declarar e inicializar variáveis</a:t>
+            </a:r>
+          </a:p>
+          <a:p>
+            <a:r>
+              <a:rPr lang="pt-BR" sz="2000" dirty="0" smtClean="0"/>
+              <a:t>2.2 Diferenciar entre referência a objeto e primitivo</a:t>
+            </a:r>
+          </a:p>
+          <a:p>
+            <a:r>
+              <a:rPr lang="pt-BR" sz="2000" dirty="0" smtClean="0"/>
+              <a:t>2.3 Ler e escrever para atributos de objeto</a:t>
+            </a:r>
+          </a:p>
+        </p:txBody>
+      </p:sp>
+      <p:sp>
+        <p:nvSpPr>
+          <p:cNvPr id="5" name="Espaço Reservado para Rodapé 3"/>
+          <p:cNvSpPr txBox="1">
+            <a:spLocks/>
+          </p:cNvSpPr>
+          <p:nvPr/>
         </p:nvSpPr>
         <p:spPr>
           <a:xfrm>
@@ -8186,7 +8284,101 @@
         </p:spPr>
         <p:txBody>
           <a:bodyPr/>
-          <a:lstStyle/>
+          <a:lstStyle>
+            <a:defPPr>
+              <a:defRPr lang="pt-BR"/>
+            </a:defPPr>
+            <a:lvl1pPr marL="0" algn="l" defTabSz="914400" rtl="0" eaLnBrk="1" latinLnBrk="0" hangingPunct="1">
+              <a:defRPr sz="1800" kern="1200">
+                <a:solidFill>
+                  <a:schemeClr val="tx1"/>
+                </a:solidFill>
+                <a:latin typeface="+mn-lt"/>
+                <a:ea typeface="+mn-ea"/>
+                <a:cs typeface="+mn-cs"/>
+              </a:defRPr>
+            </a:lvl1pPr>
+            <a:lvl2pPr marL="457200" algn="l" defTabSz="914400" rtl="0" eaLnBrk="1" latinLnBrk="0" hangingPunct="1">
+              <a:defRPr sz="1800" kern="1200">
+                <a:solidFill>
+                  <a:schemeClr val="tx1"/>
+                </a:solidFill>
+                <a:latin typeface="+mn-lt"/>
+                <a:ea typeface="+mn-ea"/>
+                <a:cs typeface="+mn-cs"/>
+              </a:defRPr>
+            </a:lvl2pPr>
+            <a:lvl3pPr marL="914400" algn="l" defTabSz="914400" rtl="0" eaLnBrk="1" latinLnBrk="0" hangingPunct="1">
+              <a:defRPr sz="1800" kern="1200">
+                <a:solidFill>
+                  <a:schemeClr val="tx1"/>
+                </a:solidFill>
+                <a:latin typeface="+mn-lt"/>
+                <a:ea typeface="+mn-ea"/>
+                <a:cs typeface="+mn-cs"/>
+              </a:defRPr>
+            </a:lvl3pPr>
+            <a:lvl4pPr marL="1371600" algn="l" defTabSz="914400" rtl="0" eaLnBrk="1" latinLnBrk="0" hangingPunct="1">
+              <a:defRPr sz="1800" kern="1200">
+                <a:solidFill>
+                  <a:schemeClr val="tx1"/>
+                </a:solidFill>
+                <a:latin typeface="+mn-lt"/>
+                <a:ea typeface="+mn-ea"/>
+                <a:cs typeface="+mn-cs"/>
+              </a:defRPr>
+            </a:lvl4pPr>
+            <a:lvl5pPr marL="1828800" algn="l" defTabSz="914400" rtl="0" eaLnBrk="1" latinLnBrk="0" hangingPunct="1">
+              <a:defRPr sz="1800" kern="1200">
+                <a:solidFill>
+                  <a:schemeClr val="tx1"/>
+                </a:solidFill>
+                <a:latin typeface="+mn-lt"/>
+                <a:ea typeface="+mn-ea"/>
+                <a:cs typeface="+mn-cs"/>
+              </a:defRPr>
+            </a:lvl5pPr>
+            <a:lvl6pPr marL="2286000" algn="l" defTabSz="914400" rtl="0" eaLnBrk="1" latinLnBrk="0" hangingPunct="1">
+              <a:defRPr sz="1800" kern="1200">
+                <a:solidFill>
+                  <a:schemeClr val="tx1"/>
+                </a:solidFill>
+                <a:latin typeface="+mn-lt"/>
+                <a:ea typeface="+mn-ea"/>
+                <a:cs typeface="+mn-cs"/>
+              </a:defRPr>
+            </a:lvl6pPr>
+            <a:lvl7pPr marL="2743200" algn="l" defTabSz="914400" rtl="0" eaLnBrk="1" latinLnBrk="0" hangingPunct="1">
+              <a:defRPr sz="1800" kern="1200">
+                <a:solidFill>
+                  <a:schemeClr val="tx1"/>
+                </a:solidFill>
+                <a:latin typeface="+mn-lt"/>
+                <a:ea typeface="+mn-ea"/>
+                <a:cs typeface="+mn-cs"/>
+              </a:defRPr>
+            </a:lvl7pPr>
+            <a:lvl8pPr marL="3200400" algn="l" defTabSz="914400" rtl="0" eaLnBrk="1" latinLnBrk="0" hangingPunct="1">
+              <a:defRPr sz="1800" kern="1200">
+                <a:solidFill>
+                  <a:schemeClr val="tx1"/>
+                </a:solidFill>
+                <a:latin typeface="+mn-lt"/>
+                <a:ea typeface="+mn-ea"/>
+                <a:cs typeface="+mn-cs"/>
+              </a:defRPr>
+            </a:lvl8pPr>
+            <a:lvl9pPr marL="3657600" algn="l" defTabSz="914400" rtl="0" eaLnBrk="1" latinLnBrk="0" hangingPunct="1">
+              <a:defRPr sz="1800" kern="1200">
+                <a:solidFill>
+                  <a:schemeClr val="tx1"/>
+                </a:solidFill>
+                <a:latin typeface="+mn-lt"/>
+                <a:ea typeface="+mn-ea"/>
+                <a:cs typeface="+mn-cs"/>
+              </a:defRPr>
+            </a:lvl9pPr>
+          </a:lstStyle>
           <a:p>
             <a:pPr algn="ctr">
               <a:defRPr sz="1200">
@@ -8199,30 +8391,51 @@
               </a:defRPr>
             </a:pPr>
             <a:r>
-              <a:rPr lang="pt-BR" dirty="0" smtClean="0"/>
-              <a:t>Orientação a Objeto</a:t>
-            </a:r>
-            <a:endParaRPr lang="pt-BR" dirty="0"/>
-          </a:p>
-          <a:p>
-            <a:pPr algn="ctr">
-              <a:defRPr sz="1200">
+              <a:rPr lang="pt-BR" sz="1200" dirty="0" err="1" smtClean="0">
                 <a:solidFill>
                   <a:srgbClr val="8C8C8C"/>
                 </a:solidFill>
                 <a:latin typeface="Tw Cen MT" charset="0"/>
                 <a:ea typeface="Calibri" charset="0"/>
                 <a:cs typeface="Calibri" charset="0"/>
+              </a:rPr>
+              <a:t>Assignments</a:t>
+            </a:r>
+            <a:endParaRPr lang="pt-BR" sz="1200" dirty="0" smtClean="0">
+              <a:solidFill>
+                <a:srgbClr val="8C8C8C"/>
+              </a:solidFill>
+              <a:latin typeface="Tw Cen MT" charset="0"/>
+              <a:ea typeface="Calibri" charset="0"/>
+              <a:cs typeface="Calibri" charset="0"/>
+            </a:endParaRPr>
+          </a:p>
+          <a:p>
+            <a:pPr algn="ctr">
+              <a:defRPr sz="1200">
+                <a:solidFill>
+                  <a:srgbClr val="8C8C8C"/>
+                </a:solidFill>
+                <a:latin typeface="Tw Cen MT" charset="0"/>
+                <a:ea typeface="Calibri" charset="0"/>
+                <a:cs typeface="Calibri" charset="0"/>
               </a:defRPr>
             </a:pPr>
-            <a:endParaRPr lang="pt-BR" dirty="0"/>
+            <a:endParaRPr lang="pt-BR" sz="1200" dirty="0">
+              <a:solidFill>
+                <a:srgbClr val="8C8C8C"/>
+              </a:solidFill>
+              <a:latin typeface="Tw Cen MT" charset="0"/>
+              <a:ea typeface="Calibri" charset="0"/>
+              <a:cs typeface="Calibri" charset="0"/>
+            </a:endParaRPr>
           </a:p>
         </p:txBody>
       </p:sp>
     </p:spTree>
     <p:extLst>
       <p:ext uri="{BB962C8B-B14F-4D97-AF65-F5344CB8AC3E}">
-        <p14:creationId xmlns:p14="http://schemas.microsoft.com/office/powerpoint/2010/main" val="1738440935"/>
+        <p14:creationId xmlns:p14="http://schemas.microsoft.com/office/powerpoint/2010/main" val="3169057604"/>
       </p:ext>
     </p:extLst>
   </p:cSld>
@@ -8258,95 +8471,162 @@
       </p:grpSpPr>
       <p:sp>
         <p:nvSpPr>
-          <p:cNvPr id="2" name="Título 1"/>
+          <p:cNvPr id="5" name="Título 4"/>
           <p:cNvSpPr>
             <a:spLocks noGrp="1"/>
           </p:cNvSpPr>
           <p:nvPr>
-            <p:ph type="ctrTitle"/>
-          </p:nvPr>
-        </p:nvSpPr>
-        <p:spPr>
-          <a:xfrm>
-            <a:off x="1941910" y="2514601"/>
-            <a:ext cx="6686549" cy="914399"/>
-          </a:xfrm>
-        </p:spPr>
-        <p:txBody>
-          <a:bodyPr>
-            <a:normAutofit/>
-          </a:bodyPr>
+            <p:ph type="title"/>
+          </p:nvPr>
+        </p:nvSpPr>
+        <p:spPr/>
+        <p:txBody>
+          <a:bodyPr/>
           <a:lstStyle/>
           <a:p>
             <a:r>
-              <a:rPr lang="pt-BR" sz="3800" dirty="0" smtClean="0"/>
+              <a:rPr lang="pt-BR" dirty="0"/>
               <a:t>Literais, </a:t>
             </a:r>
             <a:r>
-              <a:rPr lang="pt-BR" sz="3800" dirty="0" err="1" smtClean="0"/>
+              <a:rPr lang="pt-BR" dirty="0" err="1"/>
               <a:t>Assignments</a:t>
             </a:r>
             <a:r>
-              <a:rPr lang="pt-BR" sz="3800" dirty="0" smtClean="0"/>
+              <a:rPr lang="pt-BR" dirty="0"/>
               <a:t> e Variáveis</a:t>
             </a:r>
-            <a:endParaRPr lang="pt-BR" sz="3800" dirty="0"/>
-          </a:p>
-        </p:txBody>
-      </p:sp>
-      <p:sp>
-        <p:nvSpPr>
-          <p:cNvPr id="3" name="Subtítulo 2"/>
+          </a:p>
+        </p:txBody>
+      </p:sp>
+      <p:sp>
+        <p:nvSpPr>
+          <p:cNvPr id="6" name="Espaço Reservado para Conteúdo 5"/>
           <p:cNvSpPr>
             <a:spLocks noGrp="1"/>
           </p:cNvSpPr>
           <p:nvPr>
-            <p:ph type="subTitle" idx="1"/>
-          </p:nvPr>
-        </p:nvSpPr>
-        <p:spPr>
-          <a:xfrm>
-            <a:off x="1941910" y="3429000"/>
-            <a:ext cx="6686549" cy="2474663"/>
-          </a:xfrm>
-        </p:spPr>
+            <p:ph idx="1"/>
+          </p:nvPr>
+        </p:nvSpPr>
+        <p:spPr/>
         <p:txBody>
           <a:bodyPr/>
           <a:lstStyle/>
           <a:p>
             <a:r>
-              <a:rPr lang="pt-BR" sz="2000" b="1" dirty="0" smtClean="0"/>
-              <a:t>OCA </a:t>
-            </a:r>
-            <a:r>
-              <a:rPr lang="pt-BR" sz="2000" b="1" dirty="0" err="1" smtClean="0"/>
-              <a:t>Objectives</a:t>
-            </a:r>
-            <a:endParaRPr lang="pt-BR" sz="2000" b="1" dirty="0" smtClean="0"/>
-          </a:p>
-          <a:p>
+              <a:rPr lang="pt-BR" sz="2400" dirty="0" smtClean="0"/>
+              <a:t>Conceito</a:t>
+            </a:r>
+          </a:p>
+          <a:p>
+            <a:r>
+              <a:rPr lang="pt-BR" sz="2400" dirty="0" smtClean="0"/>
+              <a:t>Valores Literais para todos os tipos primitivos</a:t>
+            </a:r>
+          </a:p>
+          <a:p>
+            <a:pPr lvl="1"/>
             <a:r>
               <a:rPr lang="pt-BR" sz="2000" dirty="0" smtClean="0"/>
-              <a:t>2.1 Declarar e inicializar variáveis</a:t>
-            </a:r>
-          </a:p>
-          <a:p>
+              <a:t>Literal </a:t>
+            </a:r>
+            <a:r>
+              <a:rPr lang="pt-BR" sz="2000" dirty="0" err="1" smtClean="0"/>
+              <a:t>Integer</a:t>
+            </a:r>
+            <a:endParaRPr lang="pt-BR" sz="2000" dirty="0"/>
+          </a:p>
+          <a:p>
+            <a:pPr lvl="1"/>
+            <a:r>
+              <a:rPr lang="pt-BR" sz="2000" dirty="0" err="1" smtClean="0"/>
+              <a:t>Underscore</a:t>
+            </a:r>
             <a:r>
               <a:rPr lang="pt-BR" sz="2000" dirty="0" smtClean="0"/>
-              <a:t>2.2 Diferenciar entre referência a objeto e primitivo</a:t>
-            </a:r>
-          </a:p>
-          <a:p>
+              <a:t> e numéricos</a:t>
+            </a:r>
+          </a:p>
+          <a:p>
+            <a:pPr lvl="1"/>
             <a:r>
               <a:rPr lang="pt-BR" sz="2000" dirty="0" smtClean="0"/>
-              <a:t>2.3 Ler e escrever para atributos de objeto</a:t>
-            </a:r>
-          </a:p>
-        </p:txBody>
-      </p:sp>
-      <p:sp>
-        <p:nvSpPr>
-          <p:cNvPr id="5" name="Espaço Reservado para Rodapé 3"/>
+              <a:t>Literal Decimal</a:t>
+            </a:r>
+          </a:p>
+          <a:p>
+            <a:pPr lvl="1"/>
+            <a:r>
+              <a:rPr lang="pt-BR" sz="2000" dirty="0" smtClean="0"/>
+              <a:t>Literal binário</a:t>
+            </a:r>
+          </a:p>
+          <a:p>
+            <a:pPr lvl="1"/>
+            <a:r>
+              <a:rPr lang="pt-BR" sz="2000" dirty="0" smtClean="0"/>
+              <a:t>Literal Octal</a:t>
+            </a:r>
+          </a:p>
+          <a:p>
+            <a:pPr lvl="1"/>
+            <a:r>
+              <a:rPr lang="pt-BR" sz="2000" dirty="0" smtClean="0"/>
+              <a:t>Literal Hexadecimal</a:t>
+            </a:r>
+          </a:p>
+          <a:p>
+            <a:pPr lvl="1"/>
+            <a:r>
+              <a:rPr lang="pt-BR" sz="2000" dirty="0" smtClean="0"/>
+              <a:t>Literal Floating-point</a:t>
+            </a:r>
+          </a:p>
+          <a:p>
+            <a:pPr lvl="1"/>
+            <a:r>
+              <a:rPr lang="pt-BR" sz="2000" dirty="0" smtClean="0"/>
+              <a:t>Literal </a:t>
+            </a:r>
+            <a:r>
+              <a:rPr lang="pt-BR" sz="2000" dirty="0" err="1" smtClean="0"/>
+              <a:t>Boolean</a:t>
+            </a:r>
+            <a:endParaRPr lang="pt-BR" sz="2000" dirty="0" smtClean="0"/>
+          </a:p>
+          <a:p>
+            <a:pPr lvl="1"/>
+            <a:r>
+              <a:rPr lang="pt-BR" sz="2000" dirty="0" smtClean="0"/>
+              <a:t>Literal </a:t>
+            </a:r>
+            <a:r>
+              <a:rPr lang="pt-BR" sz="2000" dirty="0" err="1" smtClean="0"/>
+              <a:t>Character</a:t>
+            </a:r>
+            <a:endParaRPr lang="pt-BR" sz="2000" dirty="0" smtClean="0"/>
+          </a:p>
+          <a:p>
+            <a:pPr lvl="1"/>
+            <a:r>
+              <a:rPr lang="pt-BR" sz="2000" dirty="0" smtClean="0"/>
+              <a:t>Literal </a:t>
+            </a:r>
+            <a:r>
+              <a:rPr lang="pt-BR" sz="2000" dirty="0" err="1" smtClean="0"/>
+              <a:t>String</a:t>
+            </a:r>
+            <a:endParaRPr lang="pt-BR" sz="2000" dirty="0" smtClean="0"/>
+          </a:p>
+          <a:p>
+            <a:endParaRPr lang="pt-BR" sz="2400" dirty="0"/>
+          </a:p>
+        </p:txBody>
+      </p:sp>
+      <p:sp>
+        <p:nvSpPr>
+          <p:cNvPr id="7" name="Espaço Reservado para Rodapé 3"/>
           <p:cNvSpPr txBox="1">
             <a:spLocks/>
           </p:cNvSpPr>
@@ -8514,20 +8794,13 @@
     </p:spTree>
     <p:extLst>
       <p:ext uri="{BB962C8B-B14F-4D97-AF65-F5344CB8AC3E}">
-        <p14:creationId xmlns:p14="http://schemas.microsoft.com/office/powerpoint/2010/main" val="3169057604"/>
+        <p14:creationId xmlns:p14="http://schemas.microsoft.com/office/powerpoint/2010/main" val="1719721570"/>
       </p:ext>
     </p:extLst>
   </p:cSld>
   <p:clrMapOvr>
     <a:masterClrMapping/>
   </p:clrMapOvr>
-  <p:timing>
-    <p:tnLst>
-      <p:par>
-        <p:cTn id="1" dur="indefinite" restart="never" nodeType="tmRoot"/>
-      </p:par>
-    </p:tnLst>
-  </p:timing>
 </p:sld>
 </file>
 
@@ -8550,7 +8823,7 @@
       </p:grpSpPr>
       <p:sp>
         <p:nvSpPr>
-          <p:cNvPr id="5" name="Título 4"/>
+          <p:cNvPr id="2" name="Título 1"/>
           <p:cNvSpPr>
             <a:spLocks noGrp="1"/>
           </p:cNvSpPr>
@@ -8580,7 +8853,7 @@
       </p:sp>
       <p:sp>
         <p:nvSpPr>
-          <p:cNvPr id="6" name="Espaço Reservado para Conteúdo 5"/>
+          <p:cNvPr id="3" name="Espaço Reservado para Conteúdo 2"/>
           <p:cNvSpPr>
             <a:spLocks noGrp="1"/>
           </p:cNvSpPr>
@@ -8594,122 +8867,60 @@
           <a:lstStyle/>
           <a:p>
             <a:r>
-              <a:rPr lang="pt-BR" sz="2400" dirty="0" smtClean="0"/>
-              <a:t>Conceito</a:t>
-            </a:r>
-          </a:p>
-          <a:p>
-            <a:r>
-              <a:rPr lang="pt-BR" sz="2400" dirty="0" smtClean="0"/>
-              <a:t>Valores </a:t>
-            </a:r>
-            <a:r>
-              <a:rPr lang="pt-BR" sz="2400" dirty="0" smtClean="0"/>
-              <a:t>Literais para todos os tipos primitivos</a:t>
+              <a:rPr lang="pt-BR" smtClean="0"/>
+              <a:t>Operadores de Atribuição</a:t>
             </a:r>
           </a:p>
           <a:p>
             <a:pPr lvl="1"/>
             <a:r>
-              <a:rPr lang="pt-BR" sz="2000" dirty="0" smtClean="0"/>
-              <a:t>Literal </a:t>
-            </a:r>
-            <a:r>
-              <a:rPr lang="pt-BR" sz="2000" dirty="0" err="1" smtClean="0"/>
-              <a:t>Integer</a:t>
-            </a:r>
-            <a:endParaRPr lang="pt-BR" sz="2000" dirty="0"/>
+              <a:rPr lang="pt-BR" smtClean="0"/>
+              <a:t>Atribuição de primitivos</a:t>
+            </a:r>
           </a:p>
           <a:p>
             <a:pPr lvl="1"/>
             <a:r>
-              <a:rPr lang="pt-BR" sz="2000" dirty="0" err="1" smtClean="0"/>
-              <a:t>Underscore</a:t>
-            </a:r>
-            <a:r>
-              <a:rPr lang="pt-BR" sz="2000" dirty="0" smtClean="0"/>
-              <a:t> e numéricos</a:t>
+              <a:rPr lang="pt-BR" smtClean="0"/>
+              <a:t>Casting em primitivos</a:t>
             </a:r>
           </a:p>
           <a:p>
             <a:pPr lvl="1"/>
             <a:r>
-              <a:rPr lang="pt-BR" sz="2000" dirty="0" smtClean="0"/>
-              <a:t>Literal Decimal</a:t>
+              <a:rPr lang="pt-BR" smtClean="0"/>
+              <a:t>Atribuindo números floating-point</a:t>
             </a:r>
           </a:p>
           <a:p>
             <a:pPr lvl="1"/>
             <a:r>
-              <a:rPr lang="pt-BR" sz="2000" dirty="0" smtClean="0"/>
-              <a:t>Literal binário</a:t>
+              <a:rPr lang="pt-BR" smtClean="0"/>
+              <a:t>Assinalando um literal que tem valor acima para a variável declarada</a:t>
             </a:r>
           </a:p>
           <a:p>
             <a:pPr lvl="1"/>
             <a:r>
-              <a:rPr lang="pt-BR" sz="2000" dirty="0" smtClean="0"/>
-              <a:t>Literal Octal</a:t>
+              <a:rPr lang="pt-BR" smtClean="0"/>
+              <a:t>Assinalando uma variável primitiva para outra variável primitiva</a:t>
             </a:r>
           </a:p>
           <a:p>
             <a:pPr lvl="1"/>
             <a:r>
-              <a:rPr lang="pt-BR" sz="2000" dirty="0" smtClean="0"/>
-              <a:t>Literal Hexadecimal</a:t>
-            </a:r>
-          </a:p>
-          <a:p>
-            <a:pPr lvl="1"/>
-            <a:r>
-              <a:rPr lang="pt-BR" sz="2000" dirty="0" smtClean="0"/>
-              <a:t>Literal Floating-point</a:t>
-            </a:r>
-          </a:p>
-          <a:p>
-            <a:pPr lvl="1"/>
-            <a:r>
-              <a:rPr lang="pt-BR" sz="2000" dirty="0" smtClean="0"/>
-              <a:t>Literal </a:t>
-            </a:r>
-            <a:r>
-              <a:rPr lang="pt-BR" sz="2000" dirty="0" err="1" smtClean="0"/>
-              <a:t>Boolean</a:t>
-            </a:r>
-            <a:endParaRPr lang="pt-BR" sz="2000" dirty="0" smtClean="0"/>
-          </a:p>
-          <a:p>
-            <a:pPr lvl="1"/>
-            <a:r>
-              <a:rPr lang="pt-BR" sz="2000" dirty="0" smtClean="0"/>
-              <a:t>Literal </a:t>
-            </a:r>
-            <a:r>
-              <a:rPr lang="pt-BR" sz="2000" dirty="0" err="1" smtClean="0"/>
-              <a:t>Character</a:t>
-            </a:r>
-            <a:endParaRPr lang="pt-BR" sz="2000" dirty="0" smtClean="0"/>
-          </a:p>
-          <a:p>
-            <a:pPr lvl="1"/>
-            <a:r>
-              <a:rPr lang="pt-BR" sz="2000" dirty="0" smtClean="0"/>
-              <a:t>Literal </a:t>
-            </a:r>
-            <a:r>
-              <a:rPr lang="pt-BR" sz="2000" dirty="0" err="1" smtClean="0"/>
-              <a:t>String</a:t>
-            </a:r>
-            <a:endParaRPr lang="pt-BR" sz="2000" dirty="0" smtClean="0"/>
-          </a:p>
-          <a:p>
-            <a:endParaRPr lang="pt-BR" sz="2400" dirty="0"/>
-          </a:p>
-        </p:txBody>
-      </p:sp>
-      <p:sp>
-        <p:nvSpPr>
-          <p:cNvPr id="7" name="Espaço Reservado para Rodapé 3"/>
+              <a:rPr lang="pt-BR" smtClean="0"/>
+              <a:t>Atribuição de variáveis de Referência</a:t>
+            </a:r>
+          </a:p>
+          <a:p>
+            <a:endParaRPr lang="pt-BR" dirty="0"/>
+          </a:p>
+        </p:txBody>
+      </p:sp>
+      <p:sp>
+        <p:nvSpPr>
+          <p:cNvPr id="6" name="Espaço Reservado para Rodapé 3"/>
           <p:cNvSpPr txBox="1">
             <a:spLocks/>
           </p:cNvSpPr>
@@ -8877,7 +9088,7 @@
     </p:spTree>
     <p:extLst>
       <p:ext uri="{BB962C8B-B14F-4D97-AF65-F5344CB8AC3E}">
-        <p14:creationId xmlns:p14="http://schemas.microsoft.com/office/powerpoint/2010/main" val="1719721570"/>
+        <p14:creationId xmlns:p14="http://schemas.microsoft.com/office/powerpoint/2010/main" val="3855611424"/>
       </p:ext>
     </p:extLst>
   </p:cSld>
@@ -8911,93 +9122,69 @@
             <a:spLocks noGrp="1"/>
           </p:cNvSpPr>
           <p:nvPr>
-            <p:ph type="title"/>
-          </p:nvPr>
-        </p:nvSpPr>
-        <p:spPr/>
+            <p:ph type="ctrTitle"/>
+          </p:nvPr>
+        </p:nvSpPr>
+        <p:spPr>
+          <a:xfrm>
+            <a:off x="1941910" y="2514601"/>
+            <a:ext cx="6686549" cy="914399"/>
+          </a:xfrm>
+        </p:spPr>
         <p:txBody>
           <a:bodyPr/>
           <a:lstStyle/>
           <a:p>
             <a:r>
-              <a:rPr lang="pt-BR" dirty="0"/>
-              <a:t>Literais, </a:t>
-            </a:r>
-            <a:r>
-              <a:rPr lang="pt-BR" dirty="0" err="1"/>
-              <a:t>Assignments</a:t>
-            </a:r>
-            <a:r>
-              <a:rPr lang="pt-BR" dirty="0"/>
-              <a:t> e Variáveis</a:t>
-            </a:r>
-          </a:p>
-        </p:txBody>
-      </p:sp>
-      <p:sp>
-        <p:nvSpPr>
-          <p:cNvPr id="3" name="Espaço Reservado para Conteúdo 2"/>
+              <a:rPr lang="pt-BR" dirty="0" smtClean="0"/>
+              <a:t>(CONCEITO) Escopo</a:t>
+            </a:r>
+            <a:endParaRPr lang="pt-BR" dirty="0"/>
+          </a:p>
+        </p:txBody>
+      </p:sp>
+      <p:sp>
+        <p:nvSpPr>
+          <p:cNvPr id="3" name="Subtítulo 2"/>
           <p:cNvSpPr>
             <a:spLocks noGrp="1"/>
           </p:cNvSpPr>
           <p:nvPr>
-            <p:ph idx="1"/>
-          </p:nvPr>
-        </p:nvSpPr>
-        <p:spPr/>
+            <p:ph type="subTitle" idx="1"/>
+          </p:nvPr>
+        </p:nvSpPr>
+        <p:spPr>
+          <a:xfrm>
+            <a:off x="1941910" y="3429000"/>
+            <a:ext cx="6686549" cy="2474663"/>
+          </a:xfrm>
+        </p:spPr>
         <p:txBody>
           <a:bodyPr/>
           <a:lstStyle/>
           <a:p>
             <a:r>
-              <a:rPr lang="pt-BR" smtClean="0"/>
-              <a:t>Operadores de Atribuição</a:t>
-            </a:r>
-          </a:p>
-          <a:p>
-            <a:pPr lvl="1"/>
-            <a:r>
-              <a:rPr lang="pt-BR" smtClean="0"/>
-              <a:t>Atribuição de primitivos</a:t>
-            </a:r>
-          </a:p>
-          <a:p>
-            <a:pPr lvl="1"/>
-            <a:r>
-              <a:rPr lang="pt-BR" smtClean="0"/>
-              <a:t>Casting em primitivos</a:t>
-            </a:r>
-          </a:p>
-          <a:p>
-            <a:pPr lvl="1"/>
-            <a:r>
-              <a:rPr lang="pt-BR" smtClean="0"/>
-              <a:t>Atribuindo números floating-point</a:t>
-            </a:r>
-          </a:p>
-          <a:p>
-            <a:pPr lvl="1"/>
-            <a:r>
-              <a:rPr lang="pt-BR" smtClean="0"/>
-              <a:t>Assinalando um literal que tem valor acima para a variável declarada</a:t>
-            </a:r>
-          </a:p>
-          <a:p>
-            <a:pPr lvl="1"/>
-            <a:r>
-              <a:rPr lang="pt-BR" smtClean="0"/>
-              <a:t>Assinalando uma variável primitiva para outra variável primitiva</a:t>
-            </a:r>
-          </a:p>
-          <a:p>
-            <a:pPr lvl="1"/>
-            <a:r>
-              <a:rPr lang="pt-BR" smtClean="0"/>
-              <a:t>Atribuição de variáveis de Referência</a:t>
-            </a:r>
-          </a:p>
-          <a:p>
-            <a:endParaRPr lang="pt-BR" dirty="0"/>
+              <a:rPr lang="pt-BR" sz="2000" b="1" dirty="0" smtClean="0"/>
+              <a:t>OCA </a:t>
+            </a:r>
+            <a:r>
+              <a:rPr lang="pt-BR" sz="2000" b="1" dirty="0" err="1" smtClean="0"/>
+              <a:t>Objectives</a:t>
+            </a:r>
+            <a:endParaRPr lang="pt-BR" sz="2000" b="1" dirty="0" smtClean="0"/>
+          </a:p>
+          <a:p>
+            <a:r>
+              <a:rPr lang="pt-BR" sz="2000" dirty="0" smtClean="0"/>
+              <a:t>1.1 Determinar o escopo de variáveis</a:t>
+            </a:r>
+          </a:p>
+          <a:p>
+            <a:r>
+              <a:rPr lang="pt-BR" sz="2000" dirty="0" smtClean="0"/>
+              <a:t>2.5 Invocar métodos em objetos</a:t>
+            </a:r>
+            <a:endParaRPr lang="pt-BR" sz="2000" dirty="0"/>
           </a:p>
         </p:txBody>
       </p:sp>
@@ -9005,13 +9192,15 @@
         <p:nvSpPr>
           <p:cNvPr id="6" name="Espaço Reservado para Rodapé 3"/>
           <p:cNvSpPr txBox="1">
-            <a:spLocks/>
-          </p:cNvSpPr>
-          <p:nvPr/>
+            <a:spLocks noGrp="1"/>
+          </p:cNvSpPr>
+          <p:nvPr>
+            <p:ph type="ftr" sz="quarter" idx="4294967295"/>
+          </p:nvPr>
         </p:nvSpPr>
         <p:spPr>
           <a:xfrm>
-            <a:off x="3028950" y="6356351"/>
+            <a:off x="3028950" y="6356350"/>
             <a:ext cx="3086100" cy="365125"/>
           </a:xfrm>
           <a:prstGeom prst="rect">
@@ -9171,13 +9360,20 @@
     </p:spTree>
     <p:extLst>
       <p:ext uri="{BB962C8B-B14F-4D97-AF65-F5344CB8AC3E}">
-        <p14:creationId xmlns:p14="http://schemas.microsoft.com/office/powerpoint/2010/main" val="3855611424"/>
+        <p14:creationId xmlns:p14="http://schemas.microsoft.com/office/powerpoint/2010/main" val="193317867"/>
       </p:ext>
     </p:extLst>
   </p:cSld>
   <p:clrMapOvr>
     <a:masterClrMapping/>
   </p:clrMapOvr>
+  <p:timing>
+    <p:tnLst>
+      <p:par>
+        <p:cTn id="1" dur="indefinite" restart="never" nodeType="tmRoot"/>
+      </p:par>
+    </p:tnLst>
+  </p:timing>
 </p:sld>
 </file>
 
@@ -9220,7 +9416,7 @@
           <a:p>
             <a:r>
               <a:rPr lang="pt-BR" dirty="0" smtClean="0"/>
-              <a:t>(CONCEITO) Escopo</a:t>
+              <a:t>Inicialização de Variáveis</a:t>
             </a:r>
             <a:endParaRPr lang="pt-BR" dirty="0"/>
           </a:p>
@@ -9252,20 +9448,14 @@
             </a:r>
             <a:r>
               <a:rPr lang="pt-BR" sz="2000" b="1" dirty="0" err="1" smtClean="0"/>
-              <a:t>Objectives</a:t>
+              <a:t>Objective</a:t>
             </a:r>
             <a:endParaRPr lang="pt-BR" sz="2000" b="1" dirty="0" smtClean="0"/>
           </a:p>
           <a:p>
             <a:r>
               <a:rPr lang="pt-BR" sz="2000" dirty="0" smtClean="0"/>
-              <a:t>1.1 Determinar o escopo de variáveis</a:t>
-            </a:r>
-          </a:p>
-          <a:p>
-            <a:r>
-              <a:rPr lang="pt-BR" sz="2000" dirty="0" smtClean="0"/>
-              <a:t>2.5 Invocar métodos em objetos</a:t>
+              <a:t>2.1 Declarar e inicializar variáveis</a:t>
             </a:r>
             <a:endParaRPr lang="pt-BR" sz="2000" dirty="0"/>
           </a:p>
@@ -9273,7 +9463,7 @@
       </p:sp>
       <p:sp>
         <p:nvSpPr>
-          <p:cNvPr id="6" name="Espaço Reservado para Rodapé 3"/>
+          <p:cNvPr id="5" name="Espaço Reservado para Rodapé 3"/>
           <p:cNvSpPr txBox="1">
             <a:spLocks noGrp="1"/>
           </p:cNvSpPr>
@@ -9443,7 +9633,7 @@
     </p:spTree>
     <p:extLst>
       <p:ext uri="{BB962C8B-B14F-4D97-AF65-F5344CB8AC3E}">
-        <p14:creationId xmlns:p14="http://schemas.microsoft.com/office/powerpoint/2010/main" val="193317867"/>
+        <p14:creationId xmlns:p14="http://schemas.microsoft.com/office/powerpoint/2010/main" val="3261889034"/>
       </p:ext>
     </p:extLst>
   </p:cSld>
@@ -9479,79 +9669,156 @@
       </p:grpSpPr>
       <p:sp>
         <p:nvSpPr>
-          <p:cNvPr id="2" name="Título 1"/>
+          <p:cNvPr id="5" name="Título 4"/>
           <p:cNvSpPr>
             <a:spLocks noGrp="1"/>
           </p:cNvSpPr>
           <p:nvPr>
-            <p:ph type="ctrTitle"/>
-          </p:nvPr>
-        </p:nvSpPr>
-        <p:spPr>
-          <a:xfrm>
-            <a:off x="1941910" y="2514601"/>
-            <a:ext cx="6686549" cy="914399"/>
-          </a:xfrm>
-        </p:spPr>
+            <p:ph type="title"/>
+          </p:nvPr>
+        </p:nvSpPr>
+        <p:spPr/>
         <p:txBody>
           <a:bodyPr/>
           <a:lstStyle/>
           <a:p>
             <a:r>
-              <a:rPr lang="pt-BR" dirty="0" smtClean="0"/>
+              <a:rPr lang="pt-BR" dirty="0"/>
               <a:t>Inicialização de Variáveis</a:t>
             </a:r>
-            <a:endParaRPr lang="pt-BR" dirty="0"/>
-          </a:p>
-        </p:txBody>
-      </p:sp>
-      <p:sp>
-        <p:nvSpPr>
-          <p:cNvPr id="3" name="Subtítulo 2"/>
+          </a:p>
+        </p:txBody>
+      </p:sp>
+      <p:sp>
+        <p:nvSpPr>
+          <p:cNvPr id="6" name="Espaço Reservado para Conteúdo 5"/>
           <p:cNvSpPr>
             <a:spLocks noGrp="1"/>
           </p:cNvSpPr>
           <p:nvPr>
-            <p:ph type="subTitle" idx="1"/>
-          </p:nvPr>
-        </p:nvSpPr>
-        <p:spPr>
-          <a:xfrm>
-            <a:off x="1941910" y="3429000"/>
-            <a:ext cx="6686549" cy="2474663"/>
-          </a:xfrm>
-        </p:spPr>
+            <p:ph idx="1"/>
+          </p:nvPr>
+        </p:nvSpPr>
+        <p:spPr/>
         <p:txBody>
           <a:bodyPr/>
           <a:lstStyle/>
           <a:p>
-            <a:r>
-              <a:rPr lang="pt-BR" sz="2000" b="1" dirty="0" smtClean="0"/>
-              <a:t>OCA </a:t>
-            </a:r>
-            <a:r>
-              <a:rPr lang="pt-BR" sz="2000" b="1" dirty="0" err="1" smtClean="0"/>
-              <a:t>Objective</a:t>
-            </a:r>
-            <a:endParaRPr lang="pt-BR" sz="2000" b="1" dirty="0" smtClean="0"/>
-          </a:p>
-          <a:p>
+            <a:pPr algn="just"/>
+            <a:r>
+              <a:rPr lang="pt-BR" sz="2400" dirty="0" smtClean="0"/>
+              <a:t>Conceito</a:t>
+            </a:r>
+          </a:p>
+          <a:p>
+            <a:pPr algn="just"/>
+            <a:r>
+              <a:rPr lang="pt-BR" sz="2400" dirty="0" smtClean="0"/>
+              <a:t>Usando uma variável ou </a:t>
+            </a:r>
+            <a:r>
+              <a:rPr lang="pt-BR" sz="2400" dirty="0" err="1" smtClean="0"/>
+              <a:t>array</a:t>
+            </a:r>
+            <a:r>
+              <a:rPr lang="pt-BR" sz="2400" dirty="0" smtClean="0"/>
+              <a:t> que está não-inicializado ou não-assinalado</a:t>
+            </a:r>
+          </a:p>
+          <a:p>
+            <a:pPr marL="685800" lvl="2" algn="just">
+              <a:spcBef>
+                <a:spcPts val="1000"/>
+              </a:spcBef>
+            </a:pPr>
+            <a:r>
+              <a:rPr lang="pt-BR" dirty="0"/>
+              <a:t>Variáveis primitiva de instância de objeto</a:t>
+            </a:r>
+          </a:p>
+          <a:p>
+            <a:pPr lvl="1" algn="just"/>
             <a:r>
               <a:rPr lang="pt-BR" sz="2000" dirty="0" smtClean="0"/>
-              <a:t>2.1 Declarar e inicializar variáveis</a:t>
-            </a:r>
+              <a:t>Variáveis de instância de objeto</a:t>
+            </a:r>
+          </a:p>
+          <a:p>
+            <a:pPr lvl="1" algn="just"/>
+            <a:r>
+              <a:rPr lang="pt-BR" sz="2000" dirty="0" smtClean="0"/>
+              <a:t>Variáveis </a:t>
+            </a:r>
+            <a:r>
+              <a:rPr lang="pt-BR" sz="2000" dirty="0" err="1" smtClean="0"/>
+              <a:t>Array</a:t>
+            </a:r>
+            <a:r>
+              <a:rPr lang="pt-BR" sz="2000" dirty="0" smtClean="0"/>
+              <a:t> de instância de objeto</a:t>
+            </a:r>
+          </a:p>
+          <a:p>
+            <a:pPr algn="just"/>
+            <a:r>
+              <a:rPr lang="pt-BR" sz="2400" dirty="0" smtClean="0"/>
+              <a:t>Objetos e Primitivos Locais</a:t>
+            </a:r>
+          </a:p>
+          <a:p>
+            <a:pPr lvl="1" algn="just"/>
+            <a:r>
+              <a:rPr lang="pt-BR" sz="2000" dirty="0" smtClean="0"/>
+              <a:t>Primitivo local</a:t>
+            </a:r>
+          </a:p>
+          <a:p>
+            <a:pPr lvl="1" algn="just"/>
+            <a:r>
+              <a:rPr lang="pt-BR" sz="2000" dirty="0" smtClean="0"/>
+              <a:t>Referência à objeto local</a:t>
+            </a:r>
+          </a:p>
+          <a:p>
+            <a:pPr lvl="1" algn="just"/>
+            <a:r>
+              <a:rPr lang="pt-BR" sz="2000" dirty="0" err="1" smtClean="0"/>
+              <a:t>Array</a:t>
+            </a:r>
+            <a:r>
+              <a:rPr lang="pt-BR" sz="2000" dirty="0" smtClean="0"/>
+              <a:t> local</a:t>
+            </a:r>
+          </a:p>
+          <a:p>
+            <a:pPr lvl="1" algn="just"/>
+            <a:r>
+              <a:rPr lang="pt-BR" sz="2000" dirty="0" smtClean="0"/>
+              <a:t>Assinalando uma variável de referência à outra</a:t>
+            </a:r>
+          </a:p>
+          <a:p>
+            <a:pPr marL="457200" lvl="1" indent="0" algn="just">
+              <a:buNone/>
+            </a:pPr>
             <a:endParaRPr lang="pt-BR" sz="2000" dirty="0"/>
           </a:p>
-        </p:txBody>
-      </p:sp>
-      <p:sp>
-        <p:nvSpPr>
-          <p:cNvPr id="5" name="Espaço Reservado para Rodapé 3"/>
+          <a:p>
+            <a:pPr marL="457200" lvl="1" indent="0" algn="just">
+              <a:buNone/>
+            </a:pPr>
+            <a:endParaRPr lang="pt-BR" sz="2000" dirty="0"/>
+          </a:p>
+        </p:txBody>
+      </p:sp>
+      <p:sp>
+        <p:nvSpPr>
+          <p:cNvPr id="7" name="Espaço Reservado para Rodapé 3"/>
           <p:cNvSpPr txBox="1">
             <a:spLocks noGrp="1"/>
           </p:cNvSpPr>
           <p:nvPr>
-            <p:ph type="ftr" sz="quarter" idx="4294967295"/>
+            <p:ph type="ftr" sz="quarter" idx="13"/>
           </p:nvPr>
         </p:nvSpPr>
         <p:spPr>
@@ -9716,20 +9983,13 @@
     </p:spTree>
     <p:extLst>
       <p:ext uri="{BB962C8B-B14F-4D97-AF65-F5344CB8AC3E}">
-        <p14:creationId xmlns:p14="http://schemas.microsoft.com/office/powerpoint/2010/main" val="3261889034"/>
+        <p14:creationId xmlns:p14="http://schemas.microsoft.com/office/powerpoint/2010/main" val="989134168"/>
       </p:ext>
     </p:extLst>
   </p:cSld>
   <p:clrMapOvr>
     <a:masterClrMapping/>
   </p:clrMapOvr>
-  <p:timing>
-    <p:tnLst>
-      <p:par>
-        <p:cTn id="1" dur="indefinite" restart="never" nodeType="tmRoot"/>
-      </p:par>
-    </p:tnLst>
-  </p:timing>
 </p:sld>
 </file>
 
@@ -9989,164 +10249,81 @@
       </p:grpSpPr>
       <p:sp>
         <p:nvSpPr>
-          <p:cNvPr id="5" name="Título 4"/>
+          <p:cNvPr id="2" name="Título 1"/>
           <p:cNvSpPr>
             <a:spLocks noGrp="1"/>
           </p:cNvSpPr>
           <p:nvPr>
-            <p:ph type="title"/>
-          </p:nvPr>
-        </p:nvSpPr>
-        <p:spPr/>
+            <p:ph type="ctrTitle"/>
+          </p:nvPr>
+        </p:nvSpPr>
+        <p:spPr>
+          <a:xfrm>
+            <a:off x="1941910" y="2514601"/>
+            <a:ext cx="6686549" cy="914399"/>
+          </a:xfrm>
+        </p:spPr>
+        <p:txBody>
+          <a:bodyPr>
+            <a:normAutofit fontScale="90000"/>
+          </a:bodyPr>
+          <a:lstStyle/>
+          <a:p>
+            <a:r>
+              <a:rPr lang="pt-BR" dirty="0" smtClean="0"/>
+              <a:t>Passando Variáveis para Métodos</a:t>
+            </a:r>
+            <a:endParaRPr lang="pt-BR" dirty="0"/>
+          </a:p>
+        </p:txBody>
+      </p:sp>
+      <p:sp>
+        <p:nvSpPr>
+          <p:cNvPr id="3" name="Subtítulo 2"/>
+          <p:cNvSpPr>
+            <a:spLocks noGrp="1"/>
+          </p:cNvSpPr>
+          <p:nvPr>
+            <p:ph type="subTitle" idx="1"/>
+          </p:nvPr>
+        </p:nvSpPr>
+        <p:spPr>
+          <a:xfrm>
+            <a:off x="1941910" y="3429000"/>
+            <a:ext cx="6686549" cy="2474663"/>
+          </a:xfrm>
+        </p:spPr>
         <p:txBody>
           <a:bodyPr/>
           <a:lstStyle/>
           <a:p>
             <a:r>
-              <a:rPr lang="pt-BR" dirty="0"/>
-              <a:t>Inicialização de Variáveis</a:t>
-            </a:r>
-          </a:p>
-        </p:txBody>
-      </p:sp>
-      <p:sp>
-        <p:nvSpPr>
-          <p:cNvPr id="6" name="Espaço Reservado para Conteúdo 5"/>
-          <p:cNvSpPr>
-            <a:spLocks noGrp="1"/>
-          </p:cNvSpPr>
-          <p:nvPr>
-            <p:ph idx="1"/>
-          </p:nvPr>
-        </p:nvSpPr>
-        <p:spPr/>
-        <p:txBody>
-          <a:bodyPr/>
-          <a:lstStyle/>
-          <a:p>
-            <a:pPr algn="just"/>
-            <a:r>
-              <a:rPr lang="pt-BR" sz="2400" dirty="0" smtClean="0"/>
-              <a:t>Conceito</a:t>
-            </a:r>
-          </a:p>
-          <a:p>
-            <a:pPr algn="just"/>
-            <a:r>
-              <a:rPr lang="pt-BR" sz="2400" dirty="0" smtClean="0"/>
-              <a:t>Usando </a:t>
-            </a:r>
-            <a:r>
-              <a:rPr lang="pt-BR" sz="2400" dirty="0" smtClean="0"/>
-              <a:t>uma variável ou </a:t>
-            </a:r>
-            <a:r>
-              <a:rPr lang="pt-BR" sz="2400" dirty="0" err="1" smtClean="0"/>
-              <a:t>array</a:t>
-            </a:r>
-            <a:r>
-              <a:rPr lang="pt-BR" sz="2400" dirty="0" smtClean="0"/>
-              <a:t> que está não-inicializado ou não-assinalado</a:t>
-            </a:r>
-          </a:p>
-          <a:p>
-            <a:pPr marL="685800" lvl="2" algn="just">
-              <a:spcBef>
-                <a:spcPts val="1000"/>
-              </a:spcBef>
-            </a:pPr>
-            <a:r>
-              <a:rPr lang="pt-BR" dirty="0"/>
-              <a:t>Variáveis primitiva de instância de objeto</a:t>
-            </a:r>
-          </a:p>
-          <a:p>
-            <a:pPr lvl="1" algn="just"/>
+              <a:rPr lang="pt-BR" sz="2000" b="1" dirty="0" smtClean="0"/>
+              <a:t>OCA </a:t>
+            </a:r>
+            <a:r>
+              <a:rPr lang="pt-BR" sz="2000" b="1" dirty="0" err="1" smtClean="0"/>
+              <a:t>Objective</a:t>
+            </a:r>
+            <a:endParaRPr lang="pt-BR" sz="2000" b="1" dirty="0" smtClean="0"/>
+          </a:p>
+          <a:p>
             <a:r>
               <a:rPr lang="pt-BR" sz="2000" dirty="0" smtClean="0"/>
-              <a:t>Variáveis de instância de objeto</a:t>
-            </a:r>
-          </a:p>
-          <a:p>
-            <a:pPr lvl="1" algn="just"/>
-            <a:r>
-              <a:rPr lang="pt-BR" sz="2000" dirty="0" smtClean="0"/>
-              <a:t>Variáveis </a:t>
-            </a:r>
-            <a:r>
-              <a:rPr lang="pt-BR" sz="2000" dirty="0" err="1" smtClean="0"/>
-              <a:t>Array</a:t>
-            </a:r>
-            <a:r>
-              <a:rPr lang="pt-BR" sz="2000" dirty="0" smtClean="0"/>
-              <a:t> de instância de objeto</a:t>
-            </a:r>
-          </a:p>
-          <a:p>
-            <a:pPr algn="just"/>
-            <a:r>
-              <a:rPr lang="pt-BR" sz="2400" dirty="0" smtClean="0"/>
-              <a:t>Objetos </a:t>
-            </a:r>
-            <a:r>
-              <a:rPr lang="pt-BR" sz="2400" dirty="0" smtClean="0"/>
-              <a:t>e Primitivos Locais</a:t>
-            </a:r>
-          </a:p>
-          <a:p>
-            <a:pPr lvl="1" algn="just"/>
-            <a:r>
-              <a:rPr lang="pt-BR" sz="2000" dirty="0" smtClean="0"/>
-              <a:t>Primitivo local</a:t>
-            </a:r>
-          </a:p>
-          <a:p>
-            <a:pPr lvl="1" algn="just"/>
-            <a:r>
-              <a:rPr lang="pt-BR" sz="2000" dirty="0" smtClean="0"/>
-              <a:t>Referência à objeto local</a:t>
-            </a:r>
-          </a:p>
-          <a:p>
-            <a:pPr lvl="1" algn="just"/>
-            <a:r>
-              <a:rPr lang="pt-BR" sz="2000" dirty="0" err="1" smtClean="0"/>
-              <a:t>Array</a:t>
-            </a:r>
-            <a:r>
-              <a:rPr lang="pt-BR" sz="2000" dirty="0" smtClean="0"/>
-              <a:t> local</a:t>
-            </a:r>
-          </a:p>
-          <a:p>
-            <a:pPr lvl="1" algn="just"/>
-            <a:r>
-              <a:rPr lang="pt-BR" sz="2000" dirty="0" smtClean="0"/>
-              <a:t>Assinalando uma variável de referência à outra</a:t>
-            </a:r>
-          </a:p>
-          <a:p>
-            <a:pPr marL="457200" lvl="1" indent="0" algn="just">
-              <a:buNone/>
-            </a:pPr>
+              <a:t>6.8 Determinar o efeito sobre valores nas referencia a objeto e primitivo quando eles são passados para métodos que mudam o valor</a:t>
+            </a:r>
             <a:endParaRPr lang="pt-BR" sz="2000" dirty="0"/>
           </a:p>
-          <a:p>
-            <a:pPr marL="457200" lvl="1" indent="0" algn="just">
-              <a:buNone/>
-            </a:pPr>
-            <a:endParaRPr lang="pt-BR" sz="2000" dirty="0"/>
-          </a:p>
-        </p:txBody>
-      </p:sp>
-      <p:sp>
-        <p:nvSpPr>
-          <p:cNvPr id="7" name="Espaço Reservado para Rodapé 3"/>
+        </p:txBody>
+      </p:sp>
+      <p:sp>
+        <p:nvSpPr>
+          <p:cNvPr id="5" name="Espaço Reservado para Rodapé 3"/>
           <p:cNvSpPr txBox="1">
             <a:spLocks noGrp="1"/>
           </p:cNvSpPr>
           <p:nvPr>
-            <p:ph type="ftr" sz="quarter" idx="13"/>
+            <p:ph type="ftr" sz="quarter" idx="4294967295"/>
           </p:nvPr>
         </p:nvSpPr>
         <p:spPr>
@@ -10311,13 +10488,20 @@
     </p:spTree>
     <p:extLst>
       <p:ext uri="{BB962C8B-B14F-4D97-AF65-F5344CB8AC3E}">
-        <p14:creationId xmlns:p14="http://schemas.microsoft.com/office/powerpoint/2010/main" val="989134168"/>
+        <p14:creationId xmlns:p14="http://schemas.microsoft.com/office/powerpoint/2010/main" val="2287116038"/>
       </p:ext>
     </p:extLst>
   </p:cSld>
   <p:clrMapOvr>
     <a:masterClrMapping/>
   </p:clrMapOvr>
+  <p:timing>
+    <p:tnLst>
+      <p:par>
+        <p:cTn id="1" dur="indefinite" restart="never" nodeType="tmRoot"/>
+      </p:par>
+    </p:tnLst>
+  </p:timing>
 </p:sld>
 </file>
 
@@ -10340,12 +10524,12 @@
       </p:grpSpPr>
       <p:sp>
         <p:nvSpPr>
-          <p:cNvPr id="2" name="Título 1"/>
+          <p:cNvPr id="5" name="Título 4"/>
           <p:cNvSpPr>
             <a:spLocks noGrp="1"/>
           </p:cNvSpPr>
           <p:nvPr>
-            <p:ph type="ctrTitle"/>
+            <p:ph type="title"/>
           </p:nvPr>
         </p:nvSpPr>
         <p:spPr/>
@@ -10354,21 +10538,20 @@
           <a:lstStyle/>
           <a:p>
             <a:r>
-              <a:rPr lang="pt-BR" dirty="0" smtClean="0"/>
+              <a:rPr lang="pt-BR" dirty="0"/>
               <a:t>Passando Variáveis para Métodos</a:t>
             </a:r>
-            <a:endParaRPr lang="pt-BR" dirty="0"/>
-          </a:p>
-        </p:txBody>
-      </p:sp>
-      <p:sp>
-        <p:nvSpPr>
-          <p:cNvPr id="3" name="Subtítulo 2"/>
+          </a:p>
+        </p:txBody>
+      </p:sp>
+      <p:sp>
+        <p:nvSpPr>
+          <p:cNvPr id="6" name="Espaço Reservado para Conteúdo 5"/>
           <p:cNvSpPr>
             <a:spLocks noGrp="1"/>
           </p:cNvSpPr>
           <p:nvPr>
-            <p:ph type="subTitle" idx="1"/>
+            <p:ph idx="1"/>
           </p:nvPr>
         </p:nvSpPr>
         <p:spPr/>
@@ -10378,15 +10561,47 @@
           <a:p>
             <a:r>
               <a:rPr lang="pt-BR" dirty="0" smtClean="0"/>
-              <a:t>OCA </a:t>
+              <a:t>Conceito</a:t>
+            </a:r>
+          </a:p>
+          <a:p>
+            <a:r>
+              <a:rPr lang="pt-BR" dirty="0" smtClean="0"/>
+              <a:t>Passando </a:t>
+            </a:r>
+            <a:r>
+              <a:rPr lang="pt-BR" dirty="0" smtClean="0"/>
+              <a:t>Variáveis de Referência à Objeto</a:t>
+            </a:r>
+          </a:p>
+          <a:p>
+            <a:r>
+              <a:rPr lang="pt-BR" dirty="0" smtClean="0"/>
+              <a:t>Java usa semântica de passagem-por-valor?</a:t>
+            </a:r>
+          </a:p>
+          <a:p>
+            <a:r>
+              <a:rPr lang="pt-BR" dirty="0" smtClean="0"/>
+              <a:t>Passando variáveis </a:t>
+            </a:r>
+            <a:r>
+              <a:rPr lang="pt-BR" dirty="0" smtClean="0"/>
+              <a:t>primitivas</a:t>
+            </a:r>
+          </a:p>
+          <a:p>
+            <a:r>
+              <a:rPr lang="pt-BR" dirty="0" smtClean="0"/>
+              <a:t>Sombreamento de variável (</a:t>
             </a:r>
             <a:r>
               <a:rPr lang="pt-BR" dirty="0" err="1" smtClean="0"/>
-              <a:t>Objective</a:t>
+              <a:t>shadowy</a:t>
             </a:r>
             <a:r>
               <a:rPr lang="pt-BR" dirty="0" smtClean="0"/>
-              <a:t> 6.8</a:t>
+              <a:t>)</a:t>
             </a:r>
             <a:endParaRPr lang="pt-BR" dirty="0"/>
           </a:p>
@@ -10394,12 +10609,12 @@
       </p:sp>
       <p:sp>
         <p:nvSpPr>
-          <p:cNvPr id="5" name="Espaço Reservado para Rodapé 3"/>
+          <p:cNvPr id="7" name="Espaço Reservado para Rodapé 3"/>
           <p:cNvSpPr txBox="1">
             <a:spLocks noGrp="1"/>
           </p:cNvSpPr>
           <p:nvPr>
-            <p:ph type="ftr" sz="quarter" idx="4294967295"/>
+            <p:ph type="ftr" sz="quarter" idx="13"/>
           </p:nvPr>
         </p:nvSpPr>
         <p:spPr>
@@ -10564,20 +10779,13 @@
     </p:spTree>
     <p:extLst>
       <p:ext uri="{BB962C8B-B14F-4D97-AF65-F5344CB8AC3E}">
-        <p14:creationId xmlns:p14="http://schemas.microsoft.com/office/powerpoint/2010/main" val="2287116038"/>
+        <p14:creationId xmlns:p14="http://schemas.microsoft.com/office/powerpoint/2010/main" val="21654153"/>
       </p:ext>
     </p:extLst>
   </p:cSld>
   <p:clrMapOvr>
     <a:masterClrMapping/>
   </p:clrMapOvr>
-  <p:timing>
-    <p:tnLst>
-      <p:par>
-        <p:cTn id="1" dur="indefinite" restart="never" nodeType="tmRoot"/>
-      </p:par>
-    </p:tnLst>
-  </p:timing>
 </p:sld>
 </file>
 
@@ -10600,69 +10808,83 @@
       </p:grpSpPr>
       <p:sp>
         <p:nvSpPr>
-          <p:cNvPr id="5" name="Título 4"/>
+          <p:cNvPr id="2" name="Título 1"/>
           <p:cNvSpPr>
             <a:spLocks noGrp="1"/>
           </p:cNvSpPr>
           <p:nvPr>
-            <p:ph type="title"/>
-          </p:nvPr>
-        </p:nvSpPr>
-        <p:spPr/>
+            <p:ph type="ctrTitle"/>
+          </p:nvPr>
+        </p:nvSpPr>
+        <p:spPr>
+          <a:xfrm>
+            <a:off x="1941910" y="2514601"/>
+            <a:ext cx="6686549" cy="914399"/>
+          </a:xfrm>
+        </p:spPr>
         <p:txBody>
           <a:bodyPr/>
           <a:lstStyle/>
           <a:p>
             <a:r>
-              <a:rPr lang="pt-BR" dirty="0"/>
-              <a:t>Passando Variáveis para Métodos</a:t>
-            </a:r>
-          </a:p>
-        </p:txBody>
-      </p:sp>
-      <p:sp>
-        <p:nvSpPr>
-          <p:cNvPr id="6" name="Espaço Reservado para Conteúdo 5"/>
+              <a:rPr lang="pt-BR" dirty="0" smtClean="0"/>
+              <a:t>Coletor de </a:t>
+            </a:r>
+            <a:r>
+              <a:rPr lang="pt-BR" dirty="0" smtClean="0"/>
+              <a:t>Lixo (GC)</a:t>
+            </a:r>
+            <a:endParaRPr lang="pt-BR" dirty="0"/>
+          </a:p>
+        </p:txBody>
+      </p:sp>
+      <p:sp>
+        <p:nvSpPr>
+          <p:cNvPr id="3" name="Subtítulo 2"/>
           <p:cNvSpPr>
             <a:spLocks noGrp="1"/>
           </p:cNvSpPr>
           <p:nvPr>
-            <p:ph idx="1"/>
-          </p:nvPr>
-        </p:nvSpPr>
-        <p:spPr/>
+            <p:ph type="subTitle" idx="1"/>
+          </p:nvPr>
+        </p:nvSpPr>
+        <p:spPr>
+          <a:xfrm>
+            <a:off x="1941910" y="3429000"/>
+            <a:ext cx="6686549" cy="2474663"/>
+          </a:xfrm>
+        </p:spPr>
         <p:txBody>
           <a:bodyPr/>
           <a:lstStyle/>
           <a:p>
             <a:r>
-              <a:rPr lang="pt-BR" dirty="0" smtClean="0"/>
-              <a:t>Passando Variáveis de Referência à Objeto</a:t>
-            </a:r>
-          </a:p>
-          <a:p>
-            <a:r>
-              <a:rPr lang="pt-BR" dirty="0" smtClean="0"/>
-              <a:t>Java usa semântica de passagem-por-valor?</a:t>
-            </a:r>
-          </a:p>
-          <a:p>
-            <a:r>
-              <a:rPr lang="pt-BR" dirty="0" smtClean="0"/>
-              <a:t>Passando variáveis primitivas</a:t>
-            </a:r>
-            <a:endParaRPr lang="pt-BR" dirty="0"/>
-          </a:p>
-        </p:txBody>
-      </p:sp>
-      <p:sp>
-        <p:nvSpPr>
-          <p:cNvPr id="7" name="Espaço Reservado para Rodapé 3"/>
+              <a:rPr lang="pt-BR" sz="2000" b="1" dirty="0" smtClean="0"/>
+              <a:t>OCA </a:t>
+            </a:r>
+            <a:r>
+              <a:rPr lang="pt-BR" sz="2000" b="1" dirty="0" err="1" smtClean="0"/>
+              <a:t>Objective</a:t>
+            </a:r>
+            <a:endParaRPr lang="pt-BR" sz="2000" b="1" dirty="0" smtClean="0"/>
+          </a:p>
+          <a:p>
+            <a:r>
+              <a:rPr lang="pt-BR" sz="2000" dirty="0" smtClean="0"/>
+              <a:t>2.4 Explicar um ciclo de vida de um objeto</a:t>
+            </a:r>
+            <a:endParaRPr lang="pt-BR" sz="2000" dirty="0"/>
+          </a:p>
+        </p:txBody>
+      </p:sp>
+      <p:sp>
+        <p:nvSpPr>
+          <p:cNvPr id="5" name="Espaço Reservado para Rodapé 3"/>
           <p:cNvSpPr txBox="1">
             <a:spLocks noGrp="1"/>
           </p:cNvSpPr>
           <p:nvPr>
-            <p:ph type="ftr" sz="quarter" idx="13"/>
+            <p:ph type="ftr" sz="quarter" idx="4294967295"/>
           </p:nvPr>
         </p:nvSpPr>
         <p:spPr>
@@ -10827,13 +11049,20 @@
     </p:spTree>
     <p:extLst>
       <p:ext uri="{BB962C8B-B14F-4D97-AF65-F5344CB8AC3E}">
-        <p14:creationId xmlns:p14="http://schemas.microsoft.com/office/powerpoint/2010/main" val="21654153"/>
+        <p14:creationId xmlns:p14="http://schemas.microsoft.com/office/powerpoint/2010/main" val="1564616669"/>
       </p:ext>
     </p:extLst>
   </p:cSld>
   <p:clrMapOvr>
     <a:masterClrMapping/>
   </p:clrMapOvr>
+  <p:timing>
+    <p:tnLst>
+      <p:par>
+        <p:cTn id="1" dur="indefinite" restart="never" nodeType="tmRoot"/>
+      </p:par>
+    </p:tnLst>
+  </p:timing>
 </p:sld>
 </file>
 
@@ -10856,12 +11085,12 @@
       </p:grpSpPr>
       <p:sp>
         <p:nvSpPr>
-          <p:cNvPr id="2" name="Título 1"/>
+          <p:cNvPr id="5" name="Título 4"/>
           <p:cNvSpPr>
             <a:spLocks noGrp="1"/>
           </p:cNvSpPr>
           <p:nvPr>
-            <p:ph type="ctrTitle"/>
+            <p:ph type="title"/>
           </p:nvPr>
         </p:nvSpPr>
         <p:spPr/>
@@ -10870,21 +11099,20 @@
           <a:lstStyle/>
           <a:p>
             <a:r>
-              <a:rPr lang="pt-BR" dirty="0" smtClean="0"/>
+              <a:rPr lang="pt-BR" dirty="0"/>
               <a:t>Coletor de Lixo</a:t>
             </a:r>
-            <a:endParaRPr lang="pt-BR" dirty="0"/>
-          </a:p>
-        </p:txBody>
-      </p:sp>
-      <p:sp>
-        <p:nvSpPr>
-          <p:cNvPr id="3" name="Subtítulo 2"/>
+          </a:p>
+        </p:txBody>
+      </p:sp>
+      <p:sp>
+        <p:nvSpPr>
+          <p:cNvPr id="6" name="Espaço Reservado para Conteúdo 5"/>
           <p:cNvSpPr>
             <a:spLocks noGrp="1"/>
           </p:cNvSpPr>
           <p:nvPr>
-            <p:ph type="subTitle" idx="1"/>
+            <p:ph idx="1"/>
           </p:nvPr>
         </p:nvSpPr>
         <p:spPr/>
@@ -10892,30 +11120,91 @@
           <a:bodyPr/>
           <a:lstStyle/>
           <a:p>
-            <a:r>
-              <a:rPr lang="pt-BR" dirty="0" smtClean="0"/>
-              <a:t>OCA </a:t>
-            </a:r>
-            <a:r>
-              <a:rPr lang="pt-BR" dirty="0" err="1" smtClean="0"/>
-              <a:t>Objective</a:t>
-            </a:r>
-            <a:r>
-              <a:rPr lang="pt-BR" dirty="0" smtClean="0"/>
-              <a:t> 2.4</a:t>
-            </a:r>
-            <a:endParaRPr lang="pt-BR" dirty="0"/>
-          </a:p>
-        </p:txBody>
-      </p:sp>
-      <p:sp>
-        <p:nvSpPr>
-          <p:cNvPr id="5" name="Espaço Reservado para Rodapé 3"/>
+            <a:pPr algn="just"/>
+            <a:r>
+              <a:rPr lang="pt-BR" sz="2400" dirty="0" smtClean="0"/>
+              <a:t>Conceito</a:t>
+            </a:r>
+          </a:p>
+          <a:p>
+            <a:pPr algn="just"/>
+            <a:r>
+              <a:rPr lang="pt-BR" sz="2400" dirty="0" smtClean="0"/>
+              <a:t>Overview </a:t>
+            </a:r>
+            <a:r>
+              <a:rPr lang="pt-BR" sz="2400" dirty="0" smtClean="0"/>
+              <a:t>de Gerenciamento de Memória e Coletor de Lixo</a:t>
+            </a:r>
+          </a:p>
+          <a:p>
+            <a:pPr lvl="1" algn="just"/>
+            <a:r>
+              <a:rPr lang="pt-BR" sz="2000" dirty="0" smtClean="0"/>
+              <a:t>Quando o Coletor de Lixo roda?</a:t>
+            </a:r>
+          </a:p>
+          <a:p>
+            <a:pPr lvl="1" algn="just"/>
+            <a:r>
+              <a:rPr lang="pt-BR" sz="2000" dirty="0" smtClean="0"/>
+              <a:t>Como o Coletor de Lixo trabalha?</a:t>
+            </a:r>
+          </a:p>
+          <a:p>
+            <a:pPr algn="just"/>
+            <a:r>
+              <a:rPr lang="pt-BR" sz="2400" dirty="0" smtClean="0"/>
+              <a:t>Escrevendo código que explicitamente torne objetos elegíveis para limpeza</a:t>
+            </a:r>
+          </a:p>
+          <a:p>
+            <a:pPr lvl="1" algn="just"/>
+            <a:r>
+              <a:rPr lang="pt-BR" sz="2000" dirty="0" smtClean="0"/>
+              <a:t>Anulando uma referência</a:t>
+            </a:r>
+          </a:p>
+          <a:p>
+            <a:pPr lvl="1" algn="just"/>
+            <a:r>
+              <a:rPr lang="pt-BR" sz="2000" dirty="0" err="1" smtClean="0"/>
+              <a:t>Reassinalando</a:t>
+            </a:r>
+            <a:r>
+              <a:rPr lang="pt-BR" sz="2000" dirty="0" smtClean="0"/>
+              <a:t> uma variável de referência</a:t>
+            </a:r>
+          </a:p>
+          <a:p>
+            <a:pPr lvl="1" algn="just"/>
+            <a:r>
+              <a:rPr lang="pt-BR" sz="2000" dirty="0" smtClean="0"/>
+              <a:t>Isolando uma referência</a:t>
+            </a:r>
+          </a:p>
+          <a:p>
+            <a:pPr algn="just"/>
+            <a:r>
+              <a:rPr lang="pt-BR" sz="2400" dirty="0" smtClean="0"/>
+              <a:t>Limpando antes do Coletor de Lixo: método finalize()</a:t>
+            </a:r>
+            <a:endParaRPr lang="pt-BR" sz="2400" dirty="0" smtClean="0"/>
+          </a:p>
+          <a:p>
+            <a:pPr algn="just"/>
+            <a:endParaRPr lang="pt-BR" sz="2400" dirty="0"/>
+          </a:p>
+        </p:txBody>
+      </p:sp>
+      <p:sp>
+        <p:nvSpPr>
+          <p:cNvPr id="7" name="Espaço Reservado para Rodapé 3"/>
           <p:cNvSpPr txBox="1">
             <a:spLocks noGrp="1"/>
           </p:cNvSpPr>
           <p:nvPr>
-            <p:ph type="ftr" sz="quarter" idx="4294967295"/>
+            <p:ph type="ftr" sz="quarter" idx="13"/>
           </p:nvPr>
         </p:nvSpPr>
         <p:spPr>
@@ -11080,20 +11369,13 @@
     </p:spTree>
     <p:extLst>
       <p:ext uri="{BB962C8B-B14F-4D97-AF65-F5344CB8AC3E}">
-        <p14:creationId xmlns:p14="http://schemas.microsoft.com/office/powerpoint/2010/main" val="1564616669"/>
+        <p14:creationId xmlns:p14="http://schemas.microsoft.com/office/powerpoint/2010/main" val="1279183301"/>
       </p:ext>
     </p:extLst>
   </p:cSld>
   <p:clrMapOvr>
     <a:masterClrMapping/>
   </p:clrMapOvr>
-  <p:timing>
-    <p:tnLst>
-      <p:par>
-        <p:cTn id="1" dur="indefinite" restart="never" nodeType="tmRoot"/>
-      </p:par>
-    </p:tnLst>
-  </p:timing>
 </p:sld>
 </file>
 
@@ -11116,115 +11398,53 @@
       </p:grpSpPr>
       <p:sp>
         <p:nvSpPr>
-          <p:cNvPr id="5" name="Título 4"/>
+          <p:cNvPr id="3" name="Espaço Reservado para Conteúdo 2"/>
           <p:cNvSpPr>
             <a:spLocks noGrp="1"/>
           </p:cNvSpPr>
           <p:nvPr>
-            <p:ph type="title"/>
-          </p:nvPr>
-        </p:nvSpPr>
-        <p:spPr/>
+            <p:ph idx="1"/>
+          </p:nvPr>
+        </p:nvSpPr>
+        <p:spPr>
+          <a:xfrm>
+            <a:off x="628650" y="2113658"/>
+            <a:ext cx="7886700" cy="3907630"/>
+          </a:xfrm>
+        </p:spPr>
         <p:txBody>
           <a:bodyPr/>
           <a:lstStyle/>
           <a:p>
-            <a:r>
-              <a:rPr lang="pt-BR" dirty="0"/>
-              <a:t>Coletor de Lixo</a:t>
-            </a:r>
-          </a:p>
-        </p:txBody>
-      </p:sp>
-      <p:sp>
-        <p:nvSpPr>
-          <p:cNvPr id="6" name="Espaço Reservado para Conteúdo 5"/>
-          <p:cNvSpPr>
-            <a:spLocks noGrp="1"/>
-          </p:cNvSpPr>
-          <p:nvPr>
-            <p:ph idx="1"/>
-          </p:nvPr>
-        </p:nvSpPr>
-        <p:spPr/>
-        <p:txBody>
-          <a:bodyPr/>
-          <a:lstStyle/>
-          <a:p>
-            <a:pPr algn="just"/>
-            <a:r>
-              <a:rPr lang="pt-BR" dirty="0" smtClean="0"/>
-              <a:t>Overview de Gerenciamento de Memória e Coletor de Lixo</a:t>
-            </a:r>
-          </a:p>
-          <a:p>
-            <a:pPr lvl="1" algn="just"/>
-            <a:r>
-              <a:rPr lang="pt-BR" dirty="0" smtClean="0"/>
-              <a:t>Quando o Coletor de Lixo roda?</a:t>
-            </a:r>
-          </a:p>
-          <a:p>
-            <a:pPr lvl="1" algn="just"/>
-            <a:r>
-              <a:rPr lang="pt-BR" dirty="0" smtClean="0"/>
-              <a:t>Como o Coletor de Lixo trabalha?</a:t>
-            </a:r>
-          </a:p>
-          <a:p>
-            <a:pPr algn="just"/>
-            <a:r>
-              <a:rPr lang="pt-BR" dirty="0" smtClean="0"/>
-              <a:t>Escrevendo código que explicitamente torne objetos elegíveis para limpeza</a:t>
-            </a:r>
-          </a:p>
-          <a:p>
-            <a:pPr lvl="1" algn="just"/>
-            <a:r>
-              <a:rPr lang="pt-BR" dirty="0" smtClean="0"/>
-              <a:t>Anulando uma referência</a:t>
-            </a:r>
-          </a:p>
-          <a:p>
-            <a:pPr lvl="1" algn="just"/>
-            <a:r>
-              <a:rPr lang="pt-BR" dirty="0" err="1" smtClean="0"/>
-              <a:t>Reassinalando</a:t>
-            </a:r>
-            <a:r>
-              <a:rPr lang="pt-BR" dirty="0" smtClean="0"/>
-              <a:t> uma variável de referência</a:t>
-            </a:r>
-          </a:p>
-          <a:p>
-            <a:pPr lvl="1" algn="just"/>
-            <a:r>
-              <a:rPr lang="pt-BR" dirty="0" smtClean="0"/>
-              <a:t>Isolando uma referência</a:t>
-            </a:r>
-          </a:p>
-          <a:p>
-            <a:pPr lvl="1" algn="just"/>
-            <a:r>
-              <a:rPr lang="pt-BR" dirty="0" smtClean="0"/>
-              <a:t>Forçando chamada do coletor de lixo</a:t>
-            </a:r>
-          </a:p>
-          <a:p>
-            <a:pPr marL="457200" lvl="1" indent="0" algn="just">
+            <a:pPr marL="0" indent="0" algn="r">
               <a:buNone/>
             </a:pPr>
-            <a:endParaRPr lang="pt-BR" dirty="0" smtClean="0"/>
-          </a:p>
-          <a:p>
-            <a:pPr algn="just"/>
-            <a:endParaRPr lang="pt-BR" dirty="0"/>
-          </a:p>
-        </p:txBody>
-      </p:sp>
-      <p:sp>
-        <p:nvSpPr>
-          <p:cNvPr id="7" name="Espaço Reservado para Rodapé 3"/>
+            <a:endParaRPr lang="pt-BR" sz="6600" dirty="0" smtClean="0"/>
+          </a:p>
+          <a:p>
+            <a:pPr marL="0" indent="0" algn="r">
+              <a:buNone/>
+            </a:pPr>
+            <a:r>
+              <a:rPr lang="pt-BR" sz="6600" dirty="0" smtClean="0"/>
+              <a:t>Alguns exercícios </a:t>
+            </a:r>
+          </a:p>
+          <a:p>
+            <a:pPr marL="0" indent="0" algn="r">
+              <a:buNone/>
+            </a:pPr>
+            <a:r>
+              <a:rPr lang="pt-BR" sz="6600" dirty="0" smtClean="0"/>
+              <a:t>para fixação...</a:t>
+            </a:r>
+            <a:endParaRPr lang="pt-BR" sz="6600" dirty="0"/>
+          </a:p>
+        </p:txBody>
+      </p:sp>
+      <p:sp>
+        <p:nvSpPr>
+          <p:cNvPr id="4" name="Espaço Reservado para Rodapé 3"/>
           <p:cNvSpPr txBox="1">
             <a:spLocks noGrp="1"/>
           </p:cNvSpPr>
@@ -11394,13 +11614,20 @@
     </p:spTree>
     <p:extLst>
       <p:ext uri="{BB962C8B-B14F-4D97-AF65-F5344CB8AC3E}">
-        <p14:creationId xmlns:p14="http://schemas.microsoft.com/office/powerpoint/2010/main" val="1279183301"/>
+        <p14:creationId xmlns:p14="http://schemas.microsoft.com/office/powerpoint/2010/main" val="1595718594"/>
       </p:ext>
     </p:extLst>
   </p:cSld>
   <p:clrMapOvr>
     <a:masterClrMapping/>
   </p:clrMapOvr>
+  <p:timing>
+    <p:tnLst>
+      <p:par>
+        <p:cTn id="1" dur="indefinite" restart="never" nodeType="tmRoot"/>
+      </p:par>
+    </p:tnLst>
+  </p:timing>
 </p:sld>
 </file>
 
@@ -11423,58 +11650,107 @@
       </p:grpSpPr>
       <p:sp>
         <p:nvSpPr>
-          <p:cNvPr id="3" name="Espaço Reservado para Conteúdo 2"/>
+          <p:cNvPr id="2" name="Título 1"/>
           <p:cNvSpPr>
             <a:spLocks noGrp="1"/>
           </p:cNvSpPr>
           <p:nvPr>
-            <p:ph idx="1"/>
+            <p:ph type="ctrTitle"/>
           </p:nvPr>
         </p:nvSpPr>
         <p:spPr>
           <a:xfrm>
-            <a:off x="628650" y="2113658"/>
-            <a:ext cx="7886700" cy="3907630"/>
+            <a:off x="1941910" y="2514601"/>
+            <a:ext cx="6686549" cy="914399"/>
           </a:xfrm>
         </p:spPr>
         <p:txBody>
           <a:bodyPr/>
           <a:lstStyle/>
           <a:p>
-            <a:pPr marL="0" indent="0" algn="r">
-              <a:buNone/>
-            </a:pPr>
-            <a:endParaRPr lang="pt-BR" sz="6600" dirty="0" smtClean="0"/>
-          </a:p>
-          <a:p>
-            <a:pPr marL="0" indent="0" algn="r">
-              <a:buNone/>
-            </a:pPr>
-            <a:r>
-              <a:rPr lang="pt-BR" sz="6600" dirty="0" smtClean="0"/>
-              <a:t>Alguns exercícios </a:t>
-            </a:r>
-          </a:p>
-          <a:p>
-            <a:pPr marL="0" indent="0" algn="r">
-              <a:buNone/>
-            </a:pPr>
-            <a:r>
-              <a:rPr lang="pt-BR" sz="6600" dirty="0" smtClean="0"/>
-              <a:t>para fixação...</a:t>
-            </a:r>
-            <a:endParaRPr lang="pt-BR" sz="6600" dirty="0"/>
-          </a:p>
-        </p:txBody>
-      </p:sp>
-      <p:sp>
-        <p:nvSpPr>
-          <p:cNvPr id="4" name="Espaço Reservado para Rodapé 3"/>
+            <a:r>
+              <a:rPr lang="pt-BR" dirty="0" smtClean="0"/>
+              <a:t>Operadores em Java</a:t>
+            </a:r>
+            <a:endParaRPr lang="pt-BR" dirty="0"/>
+          </a:p>
+        </p:txBody>
+      </p:sp>
+      <p:sp>
+        <p:nvSpPr>
+          <p:cNvPr id="3" name="Subtítulo 2"/>
+          <p:cNvSpPr>
+            <a:spLocks noGrp="1"/>
+          </p:cNvSpPr>
+          <p:nvPr>
+            <p:ph type="subTitle" idx="1"/>
+          </p:nvPr>
+        </p:nvSpPr>
+        <p:spPr>
+          <a:xfrm>
+            <a:off x="1941910" y="3429000"/>
+            <a:ext cx="6686549" cy="2474663"/>
+          </a:xfrm>
+        </p:spPr>
+        <p:txBody>
+          <a:bodyPr/>
+          <a:lstStyle/>
+          <a:p>
+            <a:r>
+              <a:rPr lang="pt-BR" sz="2000" b="1" dirty="0" smtClean="0"/>
+              <a:t>OCA </a:t>
+            </a:r>
+            <a:r>
+              <a:rPr lang="pt-BR" sz="2000" b="1" dirty="0" err="1" smtClean="0"/>
+              <a:t>Objectives</a:t>
+            </a:r>
+            <a:endParaRPr lang="pt-BR" sz="2000" b="1" dirty="0" smtClean="0"/>
+          </a:p>
+          <a:p>
+            <a:r>
+              <a:rPr lang="pt-BR" sz="2000" dirty="0" smtClean="0"/>
+              <a:t>3.1 Usar operadores Java</a:t>
+            </a:r>
+          </a:p>
+          <a:p>
+            <a:r>
+              <a:rPr lang="pt-BR" sz="2000" dirty="0" smtClean="0"/>
+              <a:t>3.2 Usar parênteses para sobrescrever precedência de operadores</a:t>
+            </a:r>
+          </a:p>
+          <a:p>
+            <a:r>
+              <a:rPr lang="pt-BR" sz="2000" dirty="0" smtClean="0"/>
+              <a:t>3.3 Igualdade de teste entre </a:t>
+            </a:r>
+            <a:r>
+              <a:rPr lang="pt-BR" sz="2000" dirty="0" err="1" smtClean="0"/>
+              <a:t>strings</a:t>
+            </a:r>
+            <a:r>
+              <a:rPr lang="pt-BR" sz="2000" dirty="0" smtClean="0"/>
+              <a:t> e outros objetos usando == e </a:t>
+            </a:r>
+            <a:r>
+              <a:rPr lang="pt-BR" sz="2000" dirty="0" err="1" smtClean="0"/>
+              <a:t>equals</a:t>
+            </a:r>
+            <a:r>
+              <a:rPr lang="pt-BR" sz="2000" dirty="0" smtClean="0"/>
+              <a:t>()</a:t>
+            </a:r>
+            <a:endParaRPr lang="pt-BR" sz="2000" dirty="0"/>
+          </a:p>
+        </p:txBody>
+      </p:sp>
+      <p:sp>
+        <p:nvSpPr>
+          <p:cNvPr id="5" name="Espaço Reservado para Rodapé 3"/>
           <p:cNvSpPr txBox="1">
             <a:spLocks noGrp="1"/>
           </p:cNvSpPr>
           <p:nvPr>
-            <p:ph type="ftr" sz="quarter" idx="13"/>
+            <p:ph type="ftr" sz="quarter" idx="4294967295"/>
           </p:nvPr>
         </p:nvSpPr>
         <p:spPr>
@@ -11595,7 +11871,7 @@
               </a:defRPr>
             </a:pPr>
             <a:r>
-              <a:rPr lang="pt-BR" sz="1200" dirty="0" err="1" smtClean="0">
+              <a:rPr lang="pt-BR" sz="1200" dirty="0" smtClean="0">
                 <a:solidFill>
                   <a:srgbClr val="8C8C8C"/>
                 </a:solidFill>
@@ -11603,16 +11879,8 @@
                 <a:ea typeface="Calibri" charset="0"/>
                 <a:cs typeface="Calibri" charset="0"/>
               </a:rPr>
-              <a:t>Assignments</a:t>
-            </a:r>
-            <a:endParaRPr lang="pt-BR" sz="1200" dirty="0" smtClean="0">
-              <a:solidFill>
-                <a:srgbClr val="8C8C8C"/>
-              </a:solidFill>
-              <a:latin typeface="Tw Cen MT" charset="0"/>
-              <a:ea typeface="Calibri" charset="0"/>
-              <a:cs typeface="Calibri" charset="0"/>
-            </a:endParaRPr>
+              <a:t>Operadores</a:t>
+            </a:r>
           </a:p>
           <a:p>
             <a:pPr algn="ctr">
@@ -11639,7 +11907,7 @@
     </p:spTree>
     <p:extLst>
       <p:ext uri="{BB962C8B-B14F-4D97-AF65-F5344CB8AC3E}">
-        <p14:creationId xmlns:p14="http://schemas.microsoft.com/office/powerpoint/2010/main" val="1595718594"/>
+        <p14:creationId xmlns:p14="http://schemas.microsoft.com/office/powerpoint/2010/main" val="1039160923"/>
       </p:ext>
     </p:extLst>
   </p:cSld>
@@ -11675,12 +11943,12 @@
       </p:grpSpPr>
       <p:sp>
         <p:nvSpPr>
-          <p:cNvPr id="2" name="Título 1"/>
+          <p:cNvPr id="5" name="Título 4"/>
           <p:cNvSpPr>
             <a:spLocks noGrp="1"/>
           </p:cNvSpPr>
           <p:nvPr>
-            <p:ph type="ctrTitle"/>
+            <p:ph type="title"/>
           </p:nvPr>
         </p:nvSpPr>
         <p:spPr/>
@@ -11689,21 +11957,20 @@
           <a:lstStyle/>
           <a:p>
             <a:r>
-              <a:rPr lang="pt-BR" dirty="0" smtClean="0"/>
+              <a:rPr lang="pt-BR" dirty="0"/>
               <a:t>Operadores em Java</a:t>
             </a:r>
-            <a:endParaRPr lang="pt-BR" dirty="0"/>
-          </a:p>
-        </p:txBody>
-      </p:sp>
-      <p:sp>
-        <p:nvSpPr>
-          <p:cNvPr id="3" name="Subtítulo 2"/>
+          </a:p>
+        </p:txBody>
+      </p:sp>
+      <p:sp>
+        <p:nvSpPr>
+          <p:cNvPr id="6" name="Espaço Reservado para Conteúdo 5"/>
           <p:cNvSpPr>
             <a:spLocks noGrp="1"/>
           </p:cNvSpPr>
           <p:nvPr>
-            <p:ph type="subTitle" idx="1"/>
+            <p:ph idx="1"/>
           </p:nvPr>
         </p:nvSpPr>
         <p:spPr/>
@@ -11713,31 +11980,99 @@
           <a:p>
             <a:r>
               <a:rPr lang="pt-BR" dirty="0" smtClean="0"/>
-              <a:t>OCA </a:t>
+              <a:t>Conceito</a:t>
+            </a:r>
+          </a:p>
+          <a:p>
+            <a:r>
+              <a:rPr lang="pt-BR" dirty="0" smtClean="0"/>
+              <a:t>Operadores </a:t>
+            </a:r>
+            <a:r>
+              <a:rPr lang="pt-BR" dirty="0" smtClean="0"/>
+              <a:t>de Atribuição</a:t>
+            </a:r>
+          </a:p>
+          <a:p>
+            <a:pPr lvl="1"/>
+            <a:r>
+              <a:rPr lang="pt-BR" dirty="0" smtClean="0"/>
+              <a:t>Operadores compostos de Atribuição</a:t>
+            </a:r>
+          </a:p>
+          <a:p>
+            <a:r>
+              <a:rPr lang="pt-BR" dirty="0" smtClean="0"/>
+              <a:t>Operadores Relacionais</a:t>
+            </a:r>
+          </a:p>
+          <a:p>
+            <a:pPr lvl="1"/>
+            <a:r>
+              <a:rPr lang="pt-BR" dirty="0" smtClean="0"/>
+              <a:t>Operador de “igualdade”</a:t>
+            </a:r>
+          </a:p>
+          <a:p>
+            <a:pPr lvl="1"/>
+            <a:r>
+              <a:rPr lang="pt-BR" dirty="0" smtClean="0"/>
+              <a:t>Igualdade para primitivos</a:t>
+            </a:r>
+          </a:p>
+          <a:p>
+            <a:pPr lvl="1"/>
+            <a:r>
+              <a:rPr lang="pt-BR" dirty="0" smtClean="0"/>
+              <a:t>Igualdade para variáveis de referência</a:t>
+            </a:r>
+          </a:p>
+          <a:p>
+            <a:pPr lvl="1"/>
+            <a:r>
+              <a:rPr lang="pt-BR" dirty="0" smtClean="0"/>
+              <a:t>Igualdade para </a:t>
             </a:r>
             <a:r>
               <a:rPr lang="pt-BR" dirty="0" err="1" smtClean="0"/>
-              <a:t>Objectives</a:t>
+              <a:t>Strings</a:t>
             </a:r>
             <a:r>
               <a:rPr lang="pt-BR" dirty="0" smtClean="0"/>
-              <a:t> 3.1, 3.2 </a:t>
+              <a:t> e </a:t>
             </a:r>
             <a:r>
               <a:rPr lang="pt-BR" dirty="0" err="1" smtClean="0"/>
-              <a:t>and</a:t>
+              <a:t>java.lang.Object.equals</a:t>
             </a:r>
             <a:r>
               <a:rPr lang="pt-BR" dirty="0" smtClean="0"/>
-              <a:t> 3.3</a:t>
-            </a:r>
+              <a:t>()</a:t>
+            </a:r>
+          </a:p>
+          <a:p>
+            <a:r>
+              <a:rPr lang="pt-BR" dirty="0" smtClean="0"/>
+              <a:t>Comparador </a:t>
+            </a:r>
+            <a:r>
+              <a:rPr lang="pt-BR" dirty="0" err="1" smtClean="0"/>
+              <a:t>instanceof</a:t>
+            </a:r>
+            <a:endParaRPr lang="pt-BR" dirty="0" smtClean="0"/>
+          </a:p>
+          <a:p>
+            <a:endParaRPr lang="pt-BR" dirty="0" smtClean="0"/>
+          </a:p>
+          <a:p>
+            <a:pPr lvl="1"/>
             <a:endParaRPr lang="pt-BR" dirty="0"/>
           </a:p>
         </p:txBody>
       </p:sp>
       <p:sp>
         <p:nvSpPr>
-          <p:cNvPr id="5" name="Espaço Reservado para Rodapé 3"/>
+          <p:cNvPr id="7" name="Espaço Reservado para Rodapé 3"/>
           <p:cNvSpPr txBox="1">
             <a:spLocks noGrp="1"/>
           </p:cNvSpPr>
@@ -11899,20 +12234,13 @@
     </p:spTree>
     <p:extLst>
       <p:ext uri="{BB962C8B-B14F-4D97-AF65-F5344CB8AC3E}">
-        <p14:creationId xmlns:p14="http://schemas.microsoft.com/office/powerpoint/2010/main" val="1039160923"/>
+        <p14:creationId xmlns:p14="http://schemas.microsoft.com/office/powerpoint/2010/main" val="2662573922"/>
       </p:ext>
     </p:extLst>
   </p:cSld>
   <p:clrMapOvr>
     <a:masterClrMapping/>
   </p:clrMapOvr>
-  <p:timing>
-    <p:tnLst>
-      <p:par>
-        <p:cTn id="1" dur="indefinite" restart="never" nodeType="tmRoot"/>
-      </p:par>
-    </p:tnLst>
-  </p:timing>
 </p:sld>
 </file>
 
@@ -11935,7 +12263,7 @@
       </p:grpSpPr>
       <p:sp>
         <p:nvSpPr>
-          <p:cNvPr id="5" name="Título 4"/>
+          <p:cNvPr id="2" name="Título 1"/>
           <p:cNvSpPr>
             <a:spLocks noGrp="1"/>
           </p:cNvSpPr>
@@ -11957,7 +12285,7 @@
       </p:sp>
       <p:sp>
         <p:nvSpPr>
-          <p:cNvPr id="6" name="Espaço Reservado para Conteúdo 5"/>
+          <p:cNvPr id="3" name="Espaço Reservado para Conteúdo 2"/>
           <p:cNvSpPr>
             <a:spLocks noGrp="1"/>
           </p:cNvSpPr>
@@ -11972,78 +12300,70 @@
           <a:p>
             <a:r>
               <a:rPr lang="pt-BR" dirty="0" smtClean="0"/>
-              <a:t>Operadores de Atribuição</a:t>
+              <a:t>Operadores Aritméticos</a:t>
             </a:r>
           </a:p>
           <a:p>
             <a:pPr lvl="1"/>
             <a:r>
               <a:rPr lang="pt-BR" dirty="0" smtClean="0"/>
-              <a:t>Operadores compostos de Atribuição</a:t>
-            </a:r>
-          </a:p>
-          <a:p>
+              <a:t>Operador de sobra (ou módulo)</a:t>
+            </a:r>
+          </a:p>
+          <a:p>
+            <a:pPr lvl="1"/>
             <a:r>
               <a:rPr lang="pt-BR" dirty="0" smtClean="0"/>
-              <a:t>Operadores Relacionais</a:t>
-            </a:r>
+              <a:t>Operador de concatenação de </a:t>
+            </a:r>
+            <a:r>
+              <a:rPr lang="pt-BR" dirty="0" err="1" smtClean="0"/>
+              <a:t>String</a:t>
+            </a:r>
+            <a:endParaRPr lang="pt-BR" dirty="0" smtClean="0"/>
           </a:p>
           <a:p>
             <a:pPr lvl="1"/>
             <a:r>
               <a:rPr lang="pt-BR" dirty="0" smtClean="0"/>
-              <a:t>Operador de “igualdade”</a:t>
+              <a:t>Operadores de incremento e decremento</a:t>
+            </a:r>
+          </a:p>
+          <a:p>
+            <a:r>
+              <a:rPr lang="pt-BR" dirty="0" smtClean="0"/>
+              <a:t>Operadores Condicionais</a:t>
+            </a:r>
+          </a:p>
+          <a:p>
+            <a:r>
+              <a:rPr lang="pt-BR" dirty="0" smtClean="0"/>
+              <a:t>Operadores Lógicos</a:t>
             </a:r>
           </a:p>
           <a:p>
             <a:pPr lvl="1"/>
             <a:r>
               <a:rPr lang="pt-BR" dirty="0" smtClean="0"/>
-              <a:t>Igualdade para primitivos</a:t>
+              <a:t>Operadores lógicos de curto-circuito</a:t>
             </a:r>
           </a:p>
           <a:p>
             <a:pPr lvl="1"/>
             <a:r>
               <a:rPr lang="pt-BR" dirty="0" smtClean="0"/>
-              <a:t>Igualdade para variáveis de referência</a:t>
+              <a:t>Operadores lógicos de não-curto-circuito</a:t>
             </a:r>
           </a:p>
           <a:p>
             <a:pPr lvl="1"/>
             <a:r>
               <a:rPr lang="pt-BR" dirty="0" smtClean="0"/>
-              <a:t>Igualdade para </a:t>
-            </a:r>
-            <a:r>
-              <a:rPr lang="pt-BR" dirty="0" err="1" smtClean="0"/>
-              <a:t>Strings</a:t>
-            </a:r>
-            <a:r>
-              <a:rPr lang="pt-BR" dirty="0" smtClean="0"/>
-              <a:t> e </a:t>
-            </a:r>
-            <a:r>
-              <a:rPr lang="pt-BR" dirty="0" err="1" smtClean="0"/>
-              <a:t>java.lang.Object.equals</a:t>
-            </a:r>
-            <a:r>
-              <a:rPr lang="pt-BR" dirty="0" smtClean="0"/>
-              <a:t>()</a:t>
-            </a:r>
-          </a:p>
-          <a:p>
-            <a:r>
-              <a:rPr lang="pt-BR" dirty="0" smtClean="0"/>
-              <a:t>Comparador </a:t>
-            </a:r>
-            <a:r>
-              <a:rPr lang="pt-BR" dirty="0" err="1" smtClean="0"/>
-              <a:t>instanceof</a:t>
-            </a:r>
-            <a:endParaRPr lang="pt-BR" dirty="0" smtClean="0"/>
-          </a:p>
-          <a:p>
+              <a:t>Operadores lógicos ^ e !</a:t>
+            </a:r>
+          </a:p>
+          <a:p>
+            <a:pPr lvl="1"/>
             <a:endParaRPr lang="pt-BR" dirty="0" smtClean="0"/>
           </a:p>
           <a:p>
@@ -12054,19 +12374,15 @@
       </p:sp>
       <p:sp>
         <p:nvSpPr>
-          <p:cNvPr id="7" name="Espaço Reservado para Rodapé 3"/>
+          <p:cNvPr id="5" name="Espaço Reservado para Rodapé 3"/>
           <p:cNvSpPr txBox="1">
             <a:spLocks noGrp="1"/>
           </p:cNvSpPr>
           <p:nvPr>
-            <p:ph type="ftr" sz="quarter" idx="4294967295"/>
+            <p:ph type="ftr" sz="quarter" idx="13"/>
           </p:nvPr>
         </p:nvSpPr>
         <p:spPr>
-          <a:xfrm>
-            <a:off x="3028950" y="6356350"/>
-            <a:ext cx="3086100" cy="365125"/>
-          </a:xfrm>
           <a:prstGeom prst="rect">
             <a:avLst/>
           </a:prstGeom>
@@ -12216,7 +12532,7 @@
     </p:spTree>
     <p:extLst>
       <p:ext uri="{BB962C8B-B14F-4D97-AF65-F5344CB8AC3E}">
-        <p14:creationId xmlns:p14="http://schemas.microsoft.com/office/powerpoint/2010/main" val="2662573922"/>
+        <p14:creationId xmlns:p14="http://schemas.microsoft.com/office/powerpoint/2010/main" val="2162196913"/>
       </p:ext>
     </p:extLst>
   </p:cSld>
@@ -12250,107 +12566,94 @@
             <a:spLocks noGrp="1"/>
           </p:cNvSpPr>
           <p:nvPr>
-            <p:ph type="title"/>
-          </p:nvPr>
-        </p:nvSpPr>
-        <p:spPr/>
+            <p:ph type="ctrTitle"/>
+          </p:nvPr>
+        </p:nvSpPr>
+        <p:spPr>
+          <a:xfrm>
+            <a:off x="1941910" y="2514601"/>
+            <a:ext cx="6686549" cy="914399"/>
+          </a:xfrm>
+        </p:spPr>
         <p:txBody>
           <a:bodyPr/>
           <a:lstStyle/>
           <a:p>
             <a:r>
-              <a:rPr lang="pt-BR" dirty="0"/>
-              <a:t>Operadores em Java</a:t>
-            </a:r>
-          </a:p>
-        </p:txBody>
-      </p:sp>
-      <p:sp>
-        <p:nvSpPr>
-          <p:cNvPr id="3" name="Espaço Reservado para Conteúdo 2"/>
+              <a:rPr lang="pt-BR" dirty="0" smtClean="0"/>
+              <a:t>Usando </a:t>
+            </a:r>
+            <a:r>
+              <a:rPr lang="pt-BR" dirty="0" err="1" smtClean="0"/>
+              <a:t>Strings</a:t>
+            </a:r>
+            <a:r>
+              <a:rPr lang="pt-BR" dirty="0" smtClean="0"/>
+              <a:t> e </a:t>
+            </a:r>
+            <a:r>
+              <a:rPr lang="pt-BR" dirty="0" err="1" smtClean="0"/>
+              <a:t>StringBuilder</a:t>
+            </a:r>
+            <a:endParaRPr lang="pt-BR" dirty="0"/>
+          </a:p>
+        </p:txBody>
+      </p:sp>
+      <p:sp>
+        <p:nvSpPr>
+          <p:cNvPr id="3" name="Subtítulo 2"/>
           <p:cNvSpPr>
             <a:spLocks noGrp="1"/>
           </p:cNvSpPr>
           <p:nvPr>
-            <p:ph idx="1"/>
-          </p:nvPr>
-        </p:nvSpPr>
-        <p:spPr/>
+            <p:ph type="subTitle" idx="1"/>
+          </p:nvPr>
+        </p:nvSpPr>
+        <p:spPr>
+          <a:xfrm>
+            <a:off x="1941910" y="3429000"/>
+            <a:ext cx="6686549" cy="2474663"/>
+          </a:xfrm>
+        </p:spPr>
         <p:txBody>
           <a:bodyPr/>
           <a:lstStyle/>
           <a:p>
             <a:r>
-              <a:rPr lang="pt-BR" dirty="0" smtClean="0"/>
-              <a:t>Operadores Aritméticos</a:t>
-            </a:r>
-          </a:p>
-          <a:p>
-            <a:pPr lvl="1"/>
-            <a:r>
-              <a:rPr lang="pt-BR" dirty="0" smtClean="0"/>
-              <a:t>Operador de sobra (ou módulo)</a:t>
-            </a:r>
-          </a:p>
-          <a:p>
-            <a:pPr lvl="1"/>
-            <a:r>
-              <a:rPr lang="pt-BR" dirty="0" smtClean="0"/>
-              <a:t>Operador de concatenação de </a:t>
-            </a:r>
-            <a:r>
-              <a:rPr lang="pt-BR" dirty="0" err="1" smtClean="0"/>
-              <a:t>String</a:t>
-            </a:r>
-            <a:endParaRPr lang="pt-BR" dirty="0" smtClean="0"/>
-          </a:p>
-          <a:p>
-            <a:pPr lvl="1"/>
-            <a:r>
-              <a:rPr lang="pt-BR" dirty="0" smtClean="0"/>
-              <a:t>Operadores de incremento e decremento</a:t>
-            </a:r>
-          </a:p>
-          <a:p>
-            <a:r>
-              <a:rPr lang="pt-BR" dirty="0" smtClean="0"/>
-              <a:t>Operadores Condicionais</a:t>
-            </a:r>
-          </a:p>
-          <a:p>
-            <a:r>
-              <a:rPr lang="pt-BR" dirty="0" smtClean="0"/>
-              <a:t>Operadores Lógicos</a:t>
-            </a:r>
-          </a:p>
-          <a:p>
-            <a:pPr lvl="1"/>
-            <a:r>
-              <a:rPr lang="pt-BR" dirty="0" smtClean="0"/>
-              <a:t>Operadores lógicos de curto-circuito</a:t>
-            </a:r>
-          </a:p>
-          <a:p>
-            <a:pPr lvl="1"/>
-            <a:r>
-              <a:rPr lang="pt-BR" dirty="0" smtClean="0"/>
-              <a:t>Operadores lógicos de não-curto-circuito</a:t>
-            </a:r>
-          </a:p>
-          <a:p>
-            <a:pPr lvl="1"/>
-            <a:r>
-              <a:rPr lang="pt-BR" dirty="0" smtClean="0"/>
-              <a:t>Operadores lógicos ^ e !</a:t>
-            </a:r>
-          </a:p>
-          <a:p>
-            <a:pPr lvl="1"/>
-            <a:endParaRPr lang="pt-BR" dirty="0" smtClean="0"/>
-          </a:p>
-          <a:p>
-            <a:pPr lvl="1"/>
-            <a:endParaRPr lang="pt-BR" dirty="0"/>
+              <a:rPr lang="pt-BR" sz="2000" b="1" dirty="0" smtClean="0"/>
+              <a:t>OCA </a:t>
+            </a:r>
+            <a:r>
+              <a:rPr lang="pt-BR" sz="2000" b="1" dirty="0" err="1" smtClean="0"/>
+              <a:t>Objectives</a:t>
+            </a:r>
+            <a:endParaRPr lang="pt-BR" sz="2000" b="1" dirty="0" smtClean="0"/>
+          </a:p>
+          <a:p>
+            <a:r>
+              <a:rPr lang="pt-BR" sz="2000" dirty="0" smtClean="0"/>
+              <a:t>2.7 Criar a manipular </a:t>
+            </a:r>
+            <a:r>
+              <a:rPr lang="pt-BR" sz="2000" dirty="0" err="1" smtClean="0"/>
+              <a:t>strings</a:t>
+            </a:r>
+            <a:endParaRPr lang="pt-BR" sz="2000" dirty="0" smtClean="0"/>
+          </a:p>
+          <a:p>
+            <a:r>
+              <a:rPr lang="pt-BR" sz="2000" dirty="0" smtClean="0"/>
+              <a:t>2.6 Manipular dados usando </a:t>
+            </a:r>
+            <a:r>
+              <a:rPr lang="pt-BR" sz="2000" dirty="0" err="1" smtClean="0"/>
+              <a:t>StringBuilder</a:t>
+            </a:r>
+            <a:r>
+              <a:rPr lang="pt-BR" sz="2000" dirty="0" smtClean="0"/>
+              <a:t> e seus métodos</a:t>
+            </a:r>
+            <a:endParaRPr lang="pt-BR" sz="2000" dirty="0"/>
           </a:p>
         </p:txBody>
       </p:sp>
@@ -12361,10 +12664,14 @@
             <a:spLocks noGrp="1"/>
           </p:cNvSpPr>
           <p:nvPr>
-            <p:ph type="ftr" sz="quarter" idx="13"/>
+            <p:ph type="ftr" sz="quarter" idx="4294967295"/>
           </p:nvPr>
         </p:nvSpPr>
         <p:spPr>
+          <a:xfrm>
+            <a:off x="3028950" y="6356351"/>
+            <a:ext cx="3086100" cy="365125"/>
+          </a:xfrm>
           <a:prstGeom prst="rect">
             <a:avLst/>
           </a:prstGeom>
@@ -12478,16 +12785,50 @@
               </a:defRPr>
             </a:pPr>
             <a:r>
-              <a:rPr lang="pt-BR" sz="1200" dirty="0" smtClean="0">
+              <a:rPr lang="pt-BR" dirty="0"/>
+              <a:t>Trabalhando com </a:t>
+            </a:r>
+            <a:r>
+              <a:rPr lang="pt-BR" dirty="0" err="1"/>
+              <a:t>Strings</a:t>
+            </a:r>
+            <a:r>
+              <a:rPr lang="pt-BR" dirty="0"/>
+              <a:t>, </a:t>
+            </a:r>
+            <a:r>
+              <a:rPr lang="pt-BR" dirty="0" err="1"/>
+              <a:t>Arrays</a:t>
+            </a:r>
+            <a:r>
+              <a:rPr lang="pt-BR" dirty="0"/>
+              <a:t> e </a:t>
+            </a:r>
+            <a:r>
+              <a:rPr lang="pt-BR" dirty="0" err="1"/>
+              <a:t>ArrayLists</a:t>
+            </a:r>
+            <a:endParaRPr lang="pt-BR" dirty="0"/>
+          </a:p>
+          <a:p>
+            <a:pPr algn="ctr">
+              <a:defRPr sz="1200">
                 <a:solidFill>
                   <a:srgbClr val="8C8C8C"/>
                 </a:solidFill>
                 <a:latin typeface="Tw Cen MT" charset="0"/>
                 <a:ea typeface="Calibri" charset="0"/>
                 <a:cs typeface="Calibri" charset="0"/>
-              </a:rPr>
-              <a:t>Operadores</a:t>
-            </a:r>
+              </a:defRPr>
+            </a:pPr>
+            <a:endParaRPr lang="pt-BR" sz="1200" dirty="0" smtClean="0">
+              <a:solidFill>
+                <a:srgbClr val="8C8C8C"/>
+              </a:solidFill>
+              <a:latin typeface="Tw Cen MT" charset="0"/>
+              <a:ea typeface="Calibri" charset="0"/>
+              <a:cs typeface="Calibri" charset="0"/>
+            </a:endParaRPr>
           </a:p>
           <a:p>
             <a:pPr algn="ctr">
@@ -12514,13 +12855,20 @@
     </p:spTree>
     <p:extLst>
       <p:ext uri="{BB962C8B-B14F-4D97-AF65-F5344CB8AC3E}">
-        <p14:creationId xmlns:p14="http://schemas.microsoft.com/office/powerpoint/2010/main" val="2162196913"/>
+        <p14:creationId xmlns:p14="http://schemas.microsoft.com/office/powerpoint/2010/main" val="1074513946"/>
       </p:ext>
     </p:extLst>
   </p:cSld>
   <p:clrMapOvr>
     <a:masterClrMapping/>
   </p:clrMapOvr>
+  <p:timing>
+    <p:tnLst>
+      <p:par>
+        <p:cTn id="1" dur="indefinite" restart="never" nodeType="tmRoot"/>
+      </p:par>
+    </p:tnLst>
+  </p:timing>
 </p:sld>
 </file>
 
@@ -12543,12 +12891,12 @@
       </p:grpSpPr>
       <p:sp>
         <p:nvSpPr>
-          <p:cNvPr id="2" name="Título 1"/>
+          <p:cNvPr id="5" name="Título 4"/>
           <p:cNvSpPr>
             <a:spLocks noGrp="1"/>
           </p:cNvSpPr>
           <p:nvPr>
-            <p:ph type="ctrTitle"/>
+            <p:ph type="title"/>
           </p:nvPr>
         </p:nvSpPr>
         <p:spPr/>
@@ -12557,19 +12905,19 @@
           <a:lstStyle/>
           <a:p>
             <a:r>
-              <a:rPr lang="pt-BR" dirty="0" smtClean="0"/>
+              <a:rPr lang="pt-BR" dirty="0"/>
               <a:t>Usando </a:t>
             </a:r>
             <a:r>
-              <a:rPr lang="pt-BR" dirty="0" err="1" smtClean="0"/>
+              <a:rPr lang="pt-BR" dirty="0" err="1"/>
               <a:t>Strings</a:t>
             </a:r>
             <a:r>
-              <a:rPr lang="pt-BR" dirty="0" smtClean="0"/>
+              <a:rPr lang="pt-BR" dirty="0"/>
               <a:t> e </a:t>
             </a:r>
             <a:r>
-              <a:rPr lang="pt-BR" dirty="0" err="1" smtClean="0"/>
+              <a:rPr lang="pt-BR" dirty="0" err="1"/>
               <a:t>StringBuilder</a:t>
             </a:r>
             <a:endParaRPr lang="pt-BR" dirty="0"/>
@@ -12578,12 +12926,12 @@
       </p:sp>
       <p:sp>
         <p:nvSpPr>
-          <p:cNvPr id="3" name="Subtítulo 2"/>
+          <p:cNvPr id="6" name="Espaço Reservado para Conteúdo 5"/>
           <p:cNvSpPr>
             <a:spLocks noGrp="1"/>
           </p:cNvSpPr>
           <p:nvPr>
-            <p:ph type="subTitle" idx="1"/>
+            <p:ph idx="1"/>
           </p:nvPr>
         </p:nvSpPr>
         <p:spPr/>
@@ -12592,32 +12940,133 @@
           <a:lstStyle/>
           <a:p>
             <a:r>
-              <a:rPr lang="pt-BR" dirty="0" smtClean="0"/>
-              <a:t>OCA </a:t>
-            </a:r>
-            <a:r>
-              <a:rPr lang="pt-BR" dirty="0" err="1" smtClean="0"/>
-              <a:t>Objectives</a:t>
-            </a:r>
-            <a:r>
-              <a:rPr lang="pt-BR" dirty="0" smtClean="0"/>
-              <a:t> 2.7 </a:t>
-            </a:r>
-            <a:r>
-              <a:rPr lang="pt-BR" dirty="0" err="1" smtClean="0"/>
-              <a:t>and</a:t>
-            </a:r>
-            <a:r>
-              <a:rPr lang="pt-BR" dirty="0" smtClean="0"/>
-              <a:t> 2.6</a:t>
-            </a:r>
-            <a:endParaRPr lang="pt-BR" dirty="0"/>
-          </a:p>
-        </p:txBody>
-      </p:sp>
-      <p:sp>
-        <p:nvSpPr>
-          <p:cNvPr id="5" name="Espaço Reservado para Rodapé 3"/>
+              <a:rPr lang="pt-BR" sz="2400" dirty="0" smtClean="0"/>
+              <a:t>Conceito</a:t>
+            </a:r>
+          </a:p>
+          <a:p>
+            <a:r>
+              <a:rPr lang="pt-BR" sz="2400" dirty="0" smtClean="0"/>
+              <a:t>A </a:t>
+            </a:r>
+            <a:r>
+              <a:rPr lang="pt-BR" sz="2400" dirty="0" smtClean="0"/>
+              <a:t>classe </a:t>
+            </a:r>
+            <a:r>
+              <a:rPr lang="pt-BR" sz="2400" dirty="0" err="1" smtClean="0"/>
+              <a:t>String</a:t>
+            </a:r>
+            <a:endParaRPr lang="pt-BR" sz="2400" dirty="0" smtClean="0"/>
+          </a:p>
+          <a:p>
+            <a:pPr lvl="1"/>
+            <a:r>
+              <a:rPr lang="pt-BR" sz="2000" dirty="0" smtClean="0"/>
+              <a:t>Imutabilidade de </a:t>
+            </a:r>
+            <a:r>
+              <a:rPr lang="pt-BR" sz="2000" dirty="0" err="1" smtClean="0"/>
+              <a:t>Strings</a:t>
+            </a:r>
+            <a:endParaRPr lang="pt-BR" sz="2000" dirty="0" smtClean="0"/>
+          </a:p>
+          <a:p>
+            <a:r>
+              <a:rPr lang="pt-BR" sz="2400" dirty="0" smtClean="0"/>
+              <a:t>Fatos importantes sobre </a:t>
+            </a:r>
+            <a:r>
+              <a:rPr lang="pt-BR" sz="2400" dirty="0" err="1" smtClean="0"/>
+              <a:t>String</a:t>
+            </a:r>
+            <a:r>
+              <a:rPr lang="pt-BR" sz="2400" dirty="0" smtClean="0"/>
+              <a:t> e memória</a:t>
+            </a:r>
+          </a:p>
+          <a:p>
+            <a:pPr lvl="1"/>
+            <a:r>
+              <a:rPr lang="pt-BR" sz="2000" dirty="0" smtClean="0"/>
+              <a:t>Criando novas </a:t>
+            </a:r>
+            <a:r>
+              <a:rPr lang="pt-BR" sz="2000" dirty="0" err="1" smtClean="0"/>
+              <a:t>Strings</a:t>
+            </a:r>
+            <a:endParaRPr lang="pt-BR" sz="2000" dirty="0" smtClean="0"/>
+          </a:p>
+          <a:p>
+            <a:r>
+              <a:rPr lang="pt-BR" sz="2400" dirty="0" smtClean="0"/>
+              <a:t>Métodos importantes na classe </a:t>
+            </a:r>
+            <a:r>
+              <a:rPr lang="pt-BR" sz="2400" dirty="0" err="1" smtClean="0"/>
+              <a:t>String</a:t>
+            </a:r>
+            <a:endParaRPr lang="pt-BR" sz="2400" dirty="0" smtClean="0"/>
+          </a:p>
+          <a:p>
+            <a:r>
+              <a:rPr lang="pt-BR" sz="2400" dirty="0" smtClean="0"/>
+              <a:t>A classe </a:t>
+            </a:r>
+            <a:r>
+              <a:rPr lang="pt-BR" sz="2400" dirty="0" err="1" smtClean="0"/>
+              <a:t>StringBuilder</a:t>
+            </a:r>
+            <a:endParaRPr lang="pt-BR" sz="2400" dirty="0" smtClean="0"/>
+          </a:p>
+          <a:p>
+            <a:pPr lvl="1"/>
+            <a:r>
+              <a:rPr lang="pt-BR" sz="2000" dirty="0" smtClean="0"/>
+              <a:t>Preferência de </a:t>
+            </a:r>
+            <a:r>
+              <a:rPr lang="pt-BR" sz="2000" dirty="0" err="1" smtClean="0"/>
+              <a:t>StringBuilder</a:t>
+            </a:r>
+            <a:r>
+              <a:rPr lang="pt-BR" sz="2000" dirty="0" smtClean="0"/>
+              <a:t> sobre </a:t>
+            </a:r>
+            <a:r>
+              <a:rPr lang="pt-BR" sz="2000" dirty="0" err="1" smtClean="0"/>
+              <a:t>StringBuffer</a:t>
+            </a:r>
+            <a:endParaRPr lang="pt-BR" sz="2000" dirty="0" smtClean="0"/>
+          </a:p>
+          <a:p>
+            <a:pPr lvl="1"/>
+            <a:r>
+              <a:rPr lang="pt-BR" sz="2000" dirty="0" smtClean="0"/>
+              <a:t>Usando </a:t>
+            </a:r>
+            <a:r>
+              <a:rPr lang="pt-BR" sz="2000" dirty="0" err="1" smtClean="0"/>
+              <a:t>StringBuilder</a:t>
+            </a:r>
+            <a:endParaRPr lang="pt-BR" sz="2000" dirty="0" smtClean="0"/>
+          </a:p>
+          <a:p>
+            <a:r>
+              <a:rPr lang="pt-BR" sz="2400" dirty="0" smtClean="0"/>
+              <a:t>Métodos importantes na classe </a:t>
+            </a:r>
+            <a:r>
+              <a:rPr lang="pt-BR" sz="2400" dirty="0" err="1" smtClean="0"/>
+              <a:t>StringBuilder</a:t>
+            </a:r>
+            <a:endParaRPr lang="pt-BR" sz="2400" dirty="0"/>
+          </a:p>
+        </p:txBody>
+      </p:sp>
+      <p:sp>
+        <p:nvSpPr>
+          <p:cNvPr id="8" name="Espaço Reservado para Rodapé 3"/>
           <p:cNvSpPr txBox="1">
             <a:spLocks noGrp="1"/>
           </p:cNvSpPr>
@@ -12813,20 +13262,13 @@
     </p:spTree>
     <p:extLst>
       <p:ext uri="{BB962C8B-B14F-4D97-AF65-F5344CB8AC3E}">
-        <p14:creationId xmlns:p14="http://schemas.microsoft.com/office/powerpoint/2010/main" val="1074513946"/>
+        <p14:creationId xmlns:p14="http://schemas.microsoft.com/office/powerpoint/2010/main" val="1541038056"/>
       </p:ext>
     </p:extLst>
   </p:cSld>
   <p:clrMapOvr>
     <a:masterClrMapping/>
   </p:clrMapOvr>
-  <p:timing>
-    <p:tnLst>
-      <p:par>
-        <p:cTn id="1" dur="indefinite" restart="never" nodeType="tmRoot"/>
-      </p:par>
-    </p:tnLst>
-  </p:timing>
 </p:sld>
 </file>
 
@@ -12955,34 +13397,31 @@
       </p:grpSpPr>
       <p:sp>
         <p:nvSpPr>
-          <p:cNvPr id="5" name="Título 4"/>
+          <p:cNvPr id="2" name="Título 1"/>
           <p:cNvSpPr>
             <a:spLocks noGrp="1"/>
           </p:cNvSpPr>
           <p:nvPr>
-            <p:ph type="title"/>
-          </p:nvPr>
-        </p:nvSpPr>
-        <p:spPr/>
+            <p:ph type="ctrTitle"/>
+          </p:nvPr>
+        </p:nvSpPr>
+        <p:spPr>
+          <a:xfrm>
+            <a:off x="1941910" y="2514601"/>
+            <a:ext cx="6686549" cy="914399"/>
+          </a:xfrm>
+        </p:spPr>
         <p:txBody>
           <a:bodyPr/>
           <a:lstStyle/>
           <a:p>
             <a:r>
-              <a:rPr lang="pt-BR" dirty="0"/>
+              <a:rPr lang="pt-BR" dirty="0" smtClean="0"/>
               <a:t>Usando </a:t>
             </a:r>
             <a:r>
-              <a:rPr lang="pt-BR" dirty="0" err="1"/>
-              <a:t>Strings</a:t>
-            </a:r>
-            <a:r>
-              <a:rPr lang="pt-BR" dirty="0"/>
-              <a:t> e </a:t>
-            </a:r>
-            <a:r>
-              <a:rPr lang="pt-BR" dirty="0" err="1"/>
-              <a:t>StringBuilder</a:t>
+              <a:rPr lang="pt-BR" dirty="0" err="1" smtClean="0"/>
+              <a:t>Arrays</a:t>
             </a:r>
             <a:endParaRPr lang="pt-BR" dirty="0"/>
           </a:p>
@@ -12990,137 +13429,75 @@
       </p:sp>
       <p:sp>
         <p:nvSpPr>
-          <p:cNvPr id="6" name="Espaço Reservado para Conteúdo 5"/>
+          <p:cNvPr id="3" name="Subtítulo 2"/>
           <p:cNvSpPr>
             <a:spLocks noGrp="1"/>
           </p:cNvSpPr>
           <p:nvPr>
-            <p:ph idx="1"/>
-          </p:nvPr>
-        </p:nvSpPr>
-        <p:spPr/>
+            <p:ph type="subTitle" idx="1"/>
+          </p:nvPr>
+        </p:nvSpPr>
+        <p:spPr>
+          <a:xfrm>
+            <a:off x="1941910" y="3429000"/>
+            <a:ext cx="6686549" cy="2474663"/>
+          </a:xfrm>
+        </p:spPr>
         <p:txBody>
           <a:bodyPr/>
           <a:lstStyle/>
           <a:p>
-            <a:r>
-              <a:rPr lang="pt-BR" dirty="0" smtClean="0"/>
-              <a:t>A classe </a:t>
-            </a:r>
-            <a:r>
-              <a:rPr lang="pt-BR" dirty="0" err="1" smtClean="0"/>
-              <a:t>String</a:t>
-            </a:r>
-            <a:endParaRPr lang="pt-BR" dirty="0" smtClean="0"/>
-          </a:p>
-          <a:p>
-            <a:pPr lvl="1"/>
-            <a:r>
-              <a:rPr lang="pt-BR" dirty="0" smtClean="0"/>
-              <a:t>Imutabilidade de </a:t>
-            </a:r>
-            <a:r>
-              <a:rPr lang="pt-BR" dirty="0" err="1" smtClean="0"/>
-              <a:t>Strings</a:t>
-            </a:r>
-            <a:endParaRPr lang="pt-BR" dirty="0" smtClean="0"/>
-          </a:p>
-          <a:p>
-            <a:r>
-              <a:rPr lang="pt-BR" dirty="0" smtClean="0"/>
-              <a:t>Fatos importantes sobre </a:t>
-            </a:r>
-            <a:r>
-              <a:rPr lang="pt-BR" dirty="0" err="1" smtClean="0"/>
-              <a:t>String</a:t>
-            </a:r>
-            <a:r>
-              <a:rPr lang="pt-BR" dirty="0" smtClean="0"/>
-              <a:t> e memória</a:t>
-            </a:r>
-          </a:p>
-          <a:p>
-            <a:pPr lvl="1"/>
-            <a:r>
-              <a:rPr lang="pt-BR" dirty="0" smtClean="0"/>
-              <a:t>Criando novas </a:t>
-            </a:r>
-            <a:r>
-              <a:rPr lang="pt-BR" dirty="0" err="1" smtClean="0"/>
-              <a:t>Strings</a:t>
-            </a:r>
-            <a:endParaRPr lang="pt-BR" dirty="0" smtClean="0"/>
-          </a:p>
-          <a:p>
-            <a:r>
-              <a:rPr lang="pt-BR" dirty="0" smtClean="0"/>
-              <a:t>Métodos importantes na classe </a:t>
-            </a:r>
-            <a:r>
-              <a:rPr lang="pt-BR" dirty="0" err="1" smtClean="0"/>
-              <a:t>String</a:t>
-            </a:r>
-            <a:endParaRPr lang="pt-BR" dirty="0" smtClean="0"/>
-          </a:p>
-          <a:p>
-            <a:r>
-              <a:rPr lang="pt-BR" dirty="0" smtClean="0"/>
-              <a:t>A classe </a:t>
-            </a:r>
-            <a:r>
-              <a:rPr lang="pt-BR" dirty="0" err="1" smtClean="0"/>
-              <a:t>StringBuilder</a:t>
-            </a:r>
-            <a:endParaRPr lang="pt-BR" dirty="0" smtClean="0"/>
-          </a:p>
-          <a:p>
-            <a:pPr lvl="1"/>
-            <a:r>
-              <a:rPr lang="pt-BR" dirty="0" smtClean="0"/>
-              <a:t>Preferência de </a:t>
-            </a:r>
-            <a:r>
-              <a:rPr lang="pt-BR" dirty="0" err="1" smtClean="0"/>
-              <a:t>StringBuilder</a:t>
-            </a:r>
-            <a:r>
-              <a:rPr lang="pt-BR" dirty="0" smtClean="0"/>
-              <a:t> sobre </a:t>
-            </a:r>
-            <a:r>
-              <a:rPr lang="pt-BR" dirty="0" err="1" smtClean="0"/>
-              <a:t>StringBuffer</a:t>
-            </a:r>
-            <a:endParaRPr lang="pt-BR" dirty="0" smtClean="0"/>
-          </a:p>
-          <a:p>
-            <a:pPr lvl="1"/>
-            <a:r>
-              <a:rPr lang="pt-BR" dirty="0" smtClean="0"/>
-              <a:t>Usando </a:t>
-            </a:r>
-            <a:r>
-              <a:rPr lang="pt-BR" dirty="0" err="1" smtClean="0"/>
-              <a:t>StringBuilder</a:t>
-            </a:r>
-            <a:endParaRPr lang="pt-BR" dirty="0" smtClean="0"/>
-          </a:p>
-          <a:p>
-            <a:r>
-              <a:rPr lang="pt-BR" dirty="0" smtClean="0"/>
-              <a:t>Métodos importantes na classe </a:t>
-            </a:r>
-            <a:r>
-              <a:rPr lang="pt-BR" dirty="0" err="1" smtClean="0"/>
-              <a:t>StringBuilder</a:t>
-            </a:r>
-            <a:endParaRPr lang="pt-BR" dirty="0"/>
-          </a:p>
-        </p:txBody>
-      </p:sp>
-      <p:sp>
-        <p:nvSpPr>
-          <p:cNvPr id="8" name="Espaço Reservado para Rodapé 3"/>
+            <a:pPr algn="just"/>
+            <a:r>
+              <a:rPr lang="pt-BR" sz="2000" b="1" dirty="0" smtClean="0"/>
+              <a:t>OCA </a:t>
+            </a:r>
+            <a:r>
+              <a:rPr lang="pt-BR" sz="2000" b="1" dirty="0" err="1" smtClean="0"/>
+              <a:t>Objectives</a:t>
+            </a:r>
+            <a:endParaRPr lang="pt-BR" sz="2000" b="1" dirty="0" smtClean="0"/>
+          </a:p>
+          <a:p>
+            <a:pPr algn="just"/>
+            <a:r>
+              <a:rPr lang="pt-BR" sz="2000" dirty="0" smtClean="0"/>
+              <a:t>4.1 Declarar, instanciar, inicializar e usar um </a:t>
+            </a:r>
+            <a:r>
+              <a:rPr lang="pt-BR" sz="2000" dirty="0" err="1" smtClean="0"/>
+              <a:t>array</a:t>
+            </a:r>
+            <a:r>
+              <a:rPr lang="pt-BR" sz="2000" dirty="0" smtClean="0"/>
+              <a:t> unidimensional</a:t>
+            </a:r>
+          </a:p>
+          <a:p>
+            <a:pPr algn="just"/>
+            <a:r>
+              <a:rPr lang="pt-BR" sz="2000" dirty="0"/>
+              <a:t>4.2 Declarar, instanciar, inicializar e usar um </a:t>
+            </a:r>
+            <a:r>
+              <a:rPr lang="pt-BR" sz="2000" dirty="0" err="1" smtClean="0"/>
+              <a:t>array</a:t>
+            </a:r>
+            <a:r>
+              <a:rPr lang="pt-BR" sz="2000" dirty="0" smtClean="0"/>
+              <a:t> multidimensional</a:t>
+            </a:r>
+            <a:endParaRPr lang="pt-BR" sz="2000" dirty="0"/>
+          </a:p>
+          <a:p>
+            <a:pPr algn="just"/>
+            <a:endParaRPr lang="pt-BR" sz="2000" dirty="0"/>
+          </a:p>
+        </p:txBody>
+      </p:sp>
+      <p:sp>
+        <p:nvSpPr>
+          <p:cNvPr id="5" name="Espaço Reservado para Rodapé 3"/>
           <p:cNvSpPr txBox="1">
             <a:spLocks noGrp="1"/>
           </p:cNvSpPr>
@@ -13316,13 +13693,20 @@
     </p:spTree>
     <p:extLst>
       <p:ext uri="{BB962C8B-B14F-4D97-AF65-F5344CB8AC3E}">
-        <p14:creationId xmlns:p14="http://schemas.microsoft.com/office/powerpoint/2010/main" val="1541038056"/>
+        <p14:creationId xmlns:p14="http://schemas.microsoft.com/office/powerpoint/2010/main" val="1389997935"/>
       </p:ext>
     </p:extLst>
   </p:cSld>
   <p:clrMapOvr>
     <a:masterClrMapping/>
   </p:clrMapOvr>
+  <p:timing>
+    <p:tnLst>
+      <p:par>
+        <p:cTn id="1" dur="indefinite" restart="never" nodeType="tmRoot"/>
+      </p:par>
+    </p:tnLst>
+  </p:timing>
 </p:sld>
 </file>
 
@@ -13345,12 +13729,12 @@
       </p:grpSpPr>
       <p:sp>
         <p:nvSpPr>
-          <p:cNvPr id="2" name="Título 1"/>
+          <p:cNvPr id="5" name="Título 4"/>
           <p:cNvSpPr>
             <a:spLocks noGrp="1"/>
           </p:cNvSpPr>
           <p:nvPr>
-            <p:ph type="ctrTitle"/>
+            <p:ph type="title"/>
           </p:nvPr>
         </p:nvSpPr>
         <p:spPr/>
@@ -13359,11 +13743,11 @@
           <a:lstStyle/>
           <a:p>
             <a:r>
-              <a:rPr lang="pt-BR" dirty="0" smtClean="0"/>
+              <a:rPr lang="pt-BR" dirty="0"/>
               <a:t>Usando </a:t>
             </a:r>
             <a:r>
-              <a:rPr lang="pt-BR" dirty="0" err="1" smtClean="0"/>
+              <a:rPr lang="pt-BR" dirty="0" err="1"/>
               <a:t>Arrays</a:t>
             </a:r>
             <a:endParaRPr lang="pt-BR" dirty="0"/>
@@ -13372,46 +13756,227 @@
       </p:sp>
       <p:sp>
         <p:nvSpPr>
-          <p:cNvPr id="3" name="Subtítulo 2"/>
+          <p:cNvPr id="6" name="Espaço Reservado para Conteúdo 5"/>
           <p:cNvSpPr>
             <a:spLocks noGrp="1"/>
           </p:cNvSpPr>
           <p:nvPr>
-            <p:ph type="subTitle" idx="1"/>
-          </p:nvPr>
-        </p:nvSpPr>
-        <p:spPr/>
+            <p:ph idx="1"/>
+          </p:nvPr>
+        </p:nvSpPr>
+        <p:spPr>
+          <a:xfrm>
+            <a:off x="628650" y="1484784"/>
+            <a:ext cx="7886700" cy="4680520"/>
+          </a:xfrm>
+        </p:spPr>
         <p:txBody>
           <a:bodyPr/>
           <a:lstStyle/>
           <a:p>
             <a:r>
-              <a:rPr lang="pt-BR" dirty="0" smtClean="0"/>
-              <a:t>OCA </a:t>
-            </a:r>
-            <a:r>
-              <a:rPr lang="pt-BR" dirty="0" err="1" smtClean="0"/>
-              <a:t>Objectives</a:t>
-            </a:r>
-            <a:r>
-              <a:rPr lang="pt-BR" dirty="0" smtClean="0"/>
-              <a:t> 4.1 </a:t>
-            </a:r>
-            <a:r>
-              <a:rPr lang="pt-BR" dirty="0" err="1" smtClean="0"/>
-              <a:t>and</a:t>
-            </a:r>
-            <a:r>
-              <a:rPr lang="pt-BR" dirty="0" smtClean="0"/>
-              <a:t> 4.2</a:t>
-            </a:r>
-            <a:endParaRPr lang="pt-BR" dirty="0"/>
-          </a:p>
-        </p:txBody>
-      </p:sp>
-      <p:sp>
-        <p:nvSpPr>
-          <p:cNvPr id="5" name="Espaço Reservado para Rodapé 3"/>
+              <a:rPr lang="pt-BR" sz="2000" dirty="0" smtClean="0"/>
+              <a:t>Conceito</a:t>
+            </a:r>
+          </a:p>
+          <a:p>
+            <a:r>
+              <a:rPr lang="pt-BR" sz="2000" dirty="0" smtClean="0"/>
+              <a:t>Declarando um </a:t>
+            </a:r>
+            <a:r>
+              <a:rPr lang="pt-BR" sz="2000" dirty="0" err="1" smtClean="0"/>
+              <a:t>Array</a:t>
+            </a:r>
+            <a:endParaRPr lang="pt-BR" sz="2000" dirty="0" smtClean="0"/>
+          </a:p>
+          <a:p>
+            <a:r>
+              <a:rPr lang="pt-BR" sz="2000" dirty="0" smtClean="0"/>
+              <a:t>Construindo um </a:t>
+            </a:r>
+            <a:r>
+              <a:rPr lang="pt-BR" sz="2000" dirty="0" err="1" smtClean="0"/>
+              <a:t>Array</a:t>
+            </a:r>
+            <a:endParaRPr lang="pt-BR" sz="2000" dirty="0" smtClean="0"/>
+          </a:p>
+          <a:p>
+            <a:pPr lvl="1"/>
+            <a:r>
+              <a:rPr lang="pt-BR" sz="1800" dirty="0" err="1" smtClean="0"/>
+              <a:t>Contruindo</a:t>
+            </a:r>
+            <a:r>
+              <a:rPr lang="pt-BR" sz="1800" dirty="0" smtClean="0"/>
+              <a:t> um </a:t>
+            </a:r>
+            <a:r>
+              <a:rPr lang="pt-BR" sz="1800" dirty="0" err="1" smtClean="0"/>
+              <a:t>Array</a:t>
+            </a:r>
+            <a:r>
+              <a:rPr lang="pt-BR" sz="1800" dirty="0" smtClean="0"/>
+              <a:t> unidimensional</a:t>
+            </a:r>
+          </a:p>
+          <a:p>
+            <a:pPr lvl="1"/>
+            <a:r>
+              <a:rPr lang="pt-BR" sz="1800" dirty="0" smtClean="0"/>
+              <a:t>Construindo um </a:t>
+            </a:r>
+            <a:r>
+              <a:rPr lang="pt-BR" sz="1800" dirty="0" err="1" smtClean="0"/>
+              <a:t>Array</a:t>
+            </a:r>
+            <a:r>
+              <a:rPr lang="pt-BR" sz="1800" dirty="0" smtClean="0"/>
+              <a:t> multidimensional</a:t>
+            </a:r>
+          </a:p>
+          <a:p>
+            <a:r>
+              <a:rPr lang="pt-BR" sz="2000" dirty="0" smtClean="0"/>
+              <a:t>Inicializando um </a:t>
+            </a:r>
+            <a:r>
+              <a:rPr lang="pt-BR" sz="2000" dirty="0" err="1" smtClean="0"/>
+              <a:t>Array</a:t>
+            </a:r>
+            <a:endParaRPr lang="pt-BR" sz="2000" dirty="0" smtClean="0"/>
+          </a:p>
+          <a:p>
+            <a:pPr lvl="1"/>
+            <a:r>
+              <a:rPr lang="pt-BR" sz="1800" dirty="0" smtClean="0"/>
+              <a:t>Inicializando elementos em um loop</a:t>
+            </a:r>
+          </a:p>
+          <a:p>
+            <a:pPr lvl="1"/>
+            <a:r>
+              <a:rPr lang="pt-BR" sz="1800" dirty="0" smtClean="0"/>
+              <a:t>Declarando, construindo e inicializando em uma linha</a:t>
+            </a:r>
+          </a:p>
+          <a:p>
+            <a:pPr lvl="1"/>
+            <a:r>
+              <a:rPr lang="pt-BR" sz="1800" dirty="0" smtClean="0"/>
+              <a:t>Construindo e inicializando um </a:t>
+            </a:r>
+            <a:r>
+              <a:rPr lang="pt-BR" sz="1800" dirty="0" err="1" smtClean="0"/>
+              <a:t>Array</a:t>
+            </a:r>
+            <a:r>
+              <a:rPr lang="pt-BR" sz="1800" dirty="0" smtClean="0"/>
+              <a:t> </a:t>
+            </a:r>
+            <a:r>
+              <a:rPr lang="pt-BR" sz="1800" dirty="0" err="1" smtClean="0"/>
+              <a:t>Anonimo</a:t>
+            </a:r>
+            <a:endParaRPr lang="pt-BR" sz="1800" dirty="0" smtClean="0"/>
+          </a:p>
+          <a:p>
+            <a:pPr lvl="1"/>
+            <a:r>
+              <a:rPr lang="pt-BR" sz="1800" dirty="0" smtClean="0"/>
+              <a:t>Atribuições de elementos de </a:t>
+            </a:r>
+            <a:r>
+              <a:rPr lang="pt-BR" sz="1800" dirty="0" err="1" smtClean="0"/>
+              <a:t>Array</a:t>
+            </a:r>
+            <a:r>
+              <a:rPr lang="pt-BR" sz="1800" dirty="0" smtClean="0"/>
+              <a:t> válidos</a:t>
+            </a:r>
+          </a:p>
+          <a:p>
+            <a:pPr lvl="1"/>
+            <a:r>
+              <a:rPr lang="pt-BR" sz="1800" dirty="0" err="1" smtClean="0"/>
+              <a:t>Array</a:t>
+            </a:r>
+            <a:r>
+              <a:rPr lang="pt-BR" sz="1800" dirty="0" smtClean="0"/>
+              <a:t> de primitivos</a:t>
+            </a:r>
+          </a:p>
+          <a:p>
+            <a:pPr lvl="1"/>
+            <a:r>
+              <a:rPr lang="pt-BR" sz="1800" dirty="0" err="1" smtClean="0"/>
+              <a:t>Array</a:t>
+            </a:r>
+            <a:r>
+              <a:rPr lang="pt-BR" sz="1800" dirty="0" smtClean="0"/>
+              <a:t> de referência de Objeto</a:t>
+            </a:r>
+          </a:p>
+          <a:p>
+            <a:pPr lvl="1"/>
+            <a:r>
+              <a:rPr lang="pt-BR" sz="1800" dirty="0" smtClean="0"/>
+              <a:t>Atribuições de </a:t>
+            </a:r>
+            <a:r>
+              <a:rPr lang="pt-BR" sz="1800" dirty="0" err="1" smtClean="0"/>
+              <a:t>Array</a:t>
+            </a:r>
+            <a:r>
+              <a:rPr lang="pt-BR" sz="1800" dirty="0" smtClean="0"/>
+              <a:t> para referência, em </a:t>
+            </a:r>
+            <a:r>
+              <a:rPr lang="pt-BR" sz="1800" dirty="0" err="1" smtClean="0"/>
+              <a:t>Array</a:t>
+            </a:r>
+            <a:r>
+              <a:rPr lang="pt-BR" sz="1800" dirty="0" smtClean="0"/>
+              <a:t> unidimensional</a:t>
+            </a:r>
+          </a:p>
+          <a:p>
+            <a:pPr lvl="1"/>
+            <a:r>
+              <a:rPr lang="pt-BR" sz="1800" dirty="0"/>
+              <a:t>Atribuições de </a:t>
+            </a:r>
+            <a:r>
+              <a:rPr lang="pt-BR" sz="1800" dirty="0" err="1"/>
+              <a:t>Array</a:t>
+            </a:r>
+            <a:r>
+              <a:rPr lang="pt-BR" sz="1800" dirty="0"/>
+              <a:t> para referência, em </a:t>
+            </a:r>
+            <a:r>
+              <a:rPr lang="pt-BR" sz="1800" dirty="0" err="1"/>
+              <a:t>Array</a:t>
+            </a:r>
+            <a:r>
+              <a:rPr lang="pt-BR" sz="1800" dirty="0"/>
+              <a:t> </a:t>
+            </a:r>
+            <a:r>
+              <a:rPr lang="pt-BR" sz="1800" dirty="0" smtClean="0"/>
+              <a:t>multidimensional</a:t>
+            </a:r>
+            <a:endParaRPr lang="pt-BR" sz="1800" dirty="0"/>
+          </a:p>
+          <a:p>
+            <a:pPr lvl="1"/>
+            <a:endParaRPr lang="pt-BR" sz="1800" dirty="0"/>
+          </a:p>
+        </p:txBody>
+      </p:sp>
+      <p:sp>
+        <p:nvSpPr>
+          <p:cNvPr id="7" name="Espaço Reservado para Rodapé 3"/>
           <p:cNvSpPr txBox="1">
             <a:spLocks noGrp="1"/>
           </p:cNvSpPr>
@@ -13607,20 +14172,13 @@
     </p:spTree>
     <p:extLst>
       <p:ext uri="{BB962C8B-B14F-4D97-AF65-F5344CB8AC3E}">
-        <p14:creationId xmlns:p14="http://schemas.microsoft.com/office/powerpoint/2010/main" val="1389997935"/>
+        <p14:creationId xmlns:p14="http://schemas.microsoft.com/office/powerpoint/2010/main" val="222251435"/>
       </p:ext>
     </p:extLst>
   </p:cSld>
   <p:clrMapOvr>
     <a:masterClrMapping/>
   </p:clrMapOvr>
-  <p:timing>
-    <p:tnLst>
-      <p:par>
-        <p:cTn id="1" dur="indefinite" restart="never" nodeType="tmRoot"/>
-      </p:par>
-    </p:tnLst>
-  </p:timing>
 </p:sld>
 </file>
 
@@ -13643,26 +14201,31 @@
       </p:grpSpPr>
       <p:sp>
         <p:nvSpPr>
-          <p:cNvPr id="5" name="Título 4"/>
+          <p:cNvPr id="2" name="Título 1"/>
           <p:cNvSpPr>
             <a:spLocks noGrp="1"/>
           </p:cNvSpPr>
           <p:nvPr>
-            <p:ph type="title"/>
-          </p:nvPr>
-        </p:nvSpPr>
-        <p:spPr/>
+            <p:ph type="ctrTitle"/>
+          </p:nvPr>
+        </p:nvSpPr>
+        <p:spPr>
+          <a:xfrm>
+            <a:off x="1941910" y="2514601"/>
+            <a:ext cx="6686549" cy="914399"/>
+          </a:xfrm>
+        </p:spPr>
         <p:txBody>
           <a:bodyPr/>
           <a:lstStyle/>
           <a:p>
             <a:r>
-              <a:rPr lang="pt-BR" dirty="0"/>
+              <a:rPr lang="pt-BR" dirty="0" smtClean="0"/>
               <a:t>Usando </a:t>
             </a:r>
             <a:r>
-              <a:rPr lang="pt-BR" dirty="0" err="1"/>
-              <a:t>Arrays</a:t>
+              <a:rPr lang="pt-BR" dirty="0" err="1" smtClean="0"/>
+              <a:t>ArrayList</a:t>
             </a:r>
             <a:endParaRPr lang="pt-BR" dirty="0"/>
           </a:p>
@@ -13670,18 +14233,18 @@
       </p:sp>
       <p:sp>
         <p:nvSpPr>
-          <p:cNvPr id="6" name="Espaço Reservado para Conteúdo 5"/>
+          <p:cNvPr id="3" name="Subtítulo 2"/>
           <p:cNvSpPr>
             <a:spLocks noGrp="1"/>
           </p:cNvSpPr>
           <p:nvPr>
-            <p:ph idx="1"/>
+            <p:ph type="subTitle" idx="1"/>
           </p:nvPr>
         </p:nvSpPr>
         <p:spPr>
           <a:xfrm>
-            <a:off x="628650" y="1484784"/>
-            <a:ext cx="7886700" cy="4680520"/>
+            <a:off x="1941910" y="3429000"/>
+            <a:ext cx="6686549" cy="2474663"/>
           </a:xfrm>
         </p:spPr>
         <p:txBody>
@@ -13689,208 +14252,31 @@
           <a:lstStyle/>
           <a:p>
             <a:r>
+              <a:rPr lang="pt-BR" sz="2000" b="1" dirty="0" smtClean="0"/>
+              <a:t>OCA </a:t>
+            </a:r>
+            <a:r>
+              <a:rPr lang="pt-BR" sz="2000" b="1" dirty="0" err="1" smtClean="0"/>
+              <a:t>Objective</a:t>
+            </a:r>
+            <a:endParaRPr lang="pt-BR" sz="2000" b="1" dirty="0" smtClean="0"/>
+          </a:p>
+          <a:p>
+            <a:r>
               <a:rPr lang="pt-BR" sz="2000" dirty="0" smtClean="0"/>
-              <a:t>Conceito</a:t>
-            </a:r>
-          </a:p>
-          <a:p>
-            <a:r>
-              <a:rPr lang="pt-BR" sz="2000" dirty="0" smtClean="0"/>
-              <a:t>Declarando um </a:t>
+              <a:t>4.3 Declarar e usar um </a:t>
             </a:r>
             <a:r>
               <a:rPr lang="pt-BR" sz="2000" dirty="0" err="1" smtClean="0"/>
-              <a:t>Array</a:t>
-            </a:r>
-            <a:endParaRPr lang="pt-BR" sz="2000" dirty="0" smtClean="0"/>
-          </a:p>
-          <a:p>
-            <a:r>
-              <a:rPr lang="pt-BR" sz="2000" dirty="0" smtClean="0"/>
-              <a:t>Construindo um </a:t>
-            </a:r>
-            <a:r>
-              <a:rPr lang="pt-BR" sz="2000" dirty="0" err="1" smtClean="0"/>
-              <a:t>Array</a:t>
-            </a:r>
-            <a:endParaRPr lang="pt-BR" sz="2000" dirty="0" smtClean="0"/>
-          </a:p>
-          <a:p>
-            <a:pPr lvl="1"/>
-            <a:r>
-              <a:rPr lang="pt-BR" sz="1800" dirty="0" err="1" smtClean="0"/>
-              <a:t>Contruindo</a:t>
-            </a:r>
-            <a:r>
-              <a:rPr lang="pt-BR" sz="1800" dirty="0" smtClean="0"/>
-              <a:t> um </a:t>
-            </a:r>
-            <a:r>
-              <a:rPr lang="pt-BR" sz="1800" dirty="0" err="1" smtClean="0"/>
-              <a:t>Array</a:t>
-            </a:r>
-            <a:r>
-              <a:rPr lang="pt-BR" sz="1800" dirty="0" smtClean="0"/>
-              <a:t> unidimensional</a:t>
-            </a:r>
-          </a:p>
-          <a:p>
-            <a:pPr lvl="1"/>
-            <a:r>
-              <a:rPr lang="pt-BR" sz="1800" dirty="0" smtClean="0"/>
-              <a:t>Construindo um </a:t>
-            </a:r>
-            <a:r>
-              <a:rPr lang="pt-BR" sz="1800" dirty="0" err="1" smtClean="0"/>
-              <a:t>Array</a:t>
-            </a:r>
-            <a:r>
-              <a:rPr lang="pt-BR" sz="1800" dirty="0" smtClean="0"/>
-              <a:t> multidimensional</a:t>
-            </a:r>
-          </a:p>
-          <a:p>
-            <a:r>
-              <a:rPr lang="pt-BR" sz="2000" dirty="0" smtClean="0"/>
-              <a:t>Inicializando um </a:t>
-            </a:r>
-            <a:r>
-              <a:rPr lang="pt-BR" sz="2000" dirty="0" err="1" smtClean="0"/>
-              <a:t>Array</a:t>
-            </a:r>
-            <a:endParaRPr lang="pt-BR" sz="2000" dirty="0" smtClean="0"/>
-          </a:p>
-          <a:p>
-            <a:pPr lvl="1"/>
-            <a:r>
-              <a:rPr lang="pt-BR" sz="1800" dirty="0" smtClean="0"/>
-              <a:t>Inicializando elementos em um loop</a:t>
-            </a:r>
-          </a:p>
-          <a:p>
-            <a:pPr lvl="1"/>
-            <a:r>
-              <a:rPr lang="pt-BR" sz="1800" dirty="0" smtClean="0"/>
-              <a:t>Declarando, construindo e inicializando em uma linha</a:t>
-            </a:r>
-          </a:p>
-          <a:p>
-            <a:pPr lvl="1"/>
-            <a:r>
-              <a:rPr lang="pt-BR" sz="1800" dirty="0" smtClean="0"/>
-              <a:t>Construindo e inicializando um </a:t>
-            </a:r>
-            <a:r>
-              <a:rPr lang="pt-BR" sz="1800" dirty="0" err="1" smtClean="0"/>
-              <a:t>Array</a:t>
-            </a:r>
-            <a:r>
-              <a:rPr lang="pt-BR" sz="1800" dirty="0" smtClean="0"/>
-              <a:t> </a:t>
-            </a:r>
-            <a:r>
-              <a:rPr lang="pt-BR" sz="1800" dirty="0" err="1" smtClean="0"/>
-              <a:t>Anonimo</a:t>
-            </a:r>
-            <a:endParaRPr lang="pt-BR" sz="1800" dirty="0" smtClean="0"/>
-          </a:p>
-          <a:p>
-            <a:pPr lvl="1"/>
-            <a:r>
-              <a:rPr lang="pt-BR" sz="1800" dirty="0" smtClean="0"/>
-              <a:t>Atribuições de elementos de </a:t>
-            </a:r>
-            <a:r>
-              <a:rPr lang="pt-BR" sz="1800" dirty="0" err="1" smtClean="0"/>
-              <a:t>Array</a:t>
-            </a:r>
-            <a:r>
-              <a:rPr lang="pt-BR" sz="1800" dirty="0" smtClean="0"/>
-              <a:t> válidos</a:t>
-            </a:r>
-          </a:p>
-          <a:p>
-            <a:pPr lvl="1"/>
-            <a:r>
-              <a:rPr lang="pt-BR" sz="1800" dirty="0" err="1" smtClean="0"/>
-              <a:t>Array</a:t>
-            </a:r>
-            <a:r>
-              <a:rPr lang="pt-BR" sz="1800" dirty="0" smtClean="0"/>
-              <a:t> de primitivos</a:t>
-            </a:r>
-          </a:p>
-          <a:p>
-            <a:pPr lvl="1"/>
-            <a:r>
-              <a:rPr lang="pt-BR" sz="1800" dirty="0" err="1" smtClean="0"/>
-              <a:t>Array</a:t>
-            </a:r>
-            <a:r>
-              <a:rPr lang="pt-BR" sz="1800" dirty="0" smtClean="0"/>
-              <a:t> de referência de Objeto</a:t>
-            </a:r>
-          </a:p>
-          <a:p>
-            <a:pPr lvl="1"/>
-            <a:r>
-              <a:rPr lang="pt-BR" sz="1800" dirty="0" smtClean="0"/>
-              <a:t>Atribuições de </a:t>
-            </a:r>
-            <a:r>
-              <a:rPr lang="pt-BR" sz="1800" dirty="0" err="1" smtClean="0"/>
-              <a:t>Array</a:t>
-            </a:r>
-            <a:r>
-              <a:rPr lang="pt-BR" sz="1800" dirty="0" smtClean="0"/>
-              <a:t> para referência, em </a:t>
-            </a:r>
-            <a:r>
-              <a:rPr lang="pt-BR" sz="1800" dirty="0" err="1" smtClean="0"/>
-              <a:t>Array</a:t>
-            </a:r>
-            <a:r>
-              <a:rPr lang="pt-BR" sz="1800" dirty="0" smtClean="0"/>
-              <a:t> unidimensional</a:t>
-            </a:r>
-          </a:p>
-          <a:p>
-            <a:pPr lvl="1"/>
-            <a:r>
-              <a:rPr lang="pt-BR" sz="1800" dirty="0"/>
-              <a:t>Atribuições de </a:t>
-            </a:r>
-            <a:r>
-              <a:rPr lang="pt-BR" sz="1800" dirty="0" err="1"/>
-              <a:t>Array</a:t>
-            </a:r>
-            <a:r>
-              <a:rPr lang="pt-BR" sz="1800" dirty="0"/>
-              <a:t> para referência, em </a:t>
-            </a:r>
-            <a:r>
-              <a:rPr lang="pt-BR" sz="1800" dirty="0" err="1"/>
-              <a:t>Array</a:t>
-            </a:r>
-            <a:r>
-              <a:rPr lang="pt-BR" sz="1800" dirty="0"/>
-              <a:t> </a:t>
-            </a:r>
-            <a:r>
-              <a:rPr lang="pt-BR" sz="1800" dirty="0" smtClean="0"/>
-              <a:t>multidimensional</a:t>
-            </a:r>
-            <a:endParaRPr lang="pt-BR" sz="1800" dirty="0"/>
-          </a:p>
-          <a:p>
-            <a:pPr lvl="1"/>
-            <a:endParaRPr lang="pt-BR" sz="1800" dirty="0"/>
-          </a:p>
-        </p:txBody>
-      </p:sp>
-      <p:sp>
-        <p:nvSpPr>
-          <p:cNvPr id="7" name="Espaço Reservado para Rodapé 3"/>
+              <a:t>ArrayList</a:t>
+            </a:r>
+            <a:endParaRPr lang="pt-BR" sz="2000" dirty="0"/>
+          </a:p>
+        </p:txBody>
+      </p:sp>
+      <p:sp>
+        <p:nvSpPr>
+          <p:cNvPr id="5" name="Espaço Reservado para Rodapé 3"/>
           <p:cNvSpPr txBox="1">
             <a:spLocks noGrp="1"/>
           </p:cNvSpPr>
@@ -14086,13 +14472,20 @@
     </p:spTree>
     <p:extLst>
       <p:ext uri="{BB962C8B-B14F-4D97-AF65-F5344CB8AC3E}">
-        <p14:creationId xmlns:p14="http://schemas.microsoft.com/office/powerpoint/2010/main" val="222251435"/>
+        <p14:creationId xmlns:p14="http://schemas.microsoft.com/office/powerpoint/2010/main" val="2158061903"/>
       </p:ext>
     </p:extLst>
   </p:cSld>
   <p:clrMapOvr>
     <a:masterClrMapping/>
   </p:clrMapOvr>
+  <p:timing>
+    <p:tnLst>
+      <p:par>
+        <p:cTn id="1" dur="indefinite" restart="never" nodeType="tmRoot"/>
+      </p:par>
+    </p:tnLst>
+  </p:timing>
 </p:sld>
 </file>
 
@@ -14115,12 +14508,12 @@
       </p:grpSpPr>
       <p:sp>
         <p:nvSpPr>
-          <p:cNvPr id="2" name="Título 1"/>
+          <p:cNvPr id="5" name="Título 4"/>
           <p:cNvSpPr>
             <a:spLocks noGrp="1"/>
           </p:cNvSpPr>
           <p:nvPr>
-            <p:ph type="ctrTitle"/>
+            <p:ph type="title"/>
           </p:nvPr>
         </p:nvSpPr>
         <p:spPr/>
@@ -14129,51 +14522,89 @@
           <a:lstStyle/>
           <a:p>
             <a:r>
+              <a:rPr lang="pt-BR" dirty="0"/>
+              <a:t>Usando </a:t>
+            </a:r>
+            <a:r>
+              <a:rPr lang="pt-BR" dirty="0" err="1"/>
+              <a:t>ArrayList</a:t>
+            </a:r>
+            <a:endParaRPr lang="pt-BR" dirty="0"/>
+          </a:p>
+        </p:txBody>
+      </p:sp>
+      <p:sp>
+        <p:nvSpPr>
+          <p:cNvPr id="6" name="Espaço Reservado para Conteúdo 5"/>
+          <p:cNvSpPr>
+            <a:spLocks noGrp="1"/>
+          </p:cNvSpPr>
+          <p:nvPr>
+            <p:ph idx="1"/>
+          </p:nvPr>
+        </p:nvSpPr>
+        <p:spPr/>
+        <p:txBody>
+          <a:bodyPr/>
+          <a:lstStyle/>
+          <a:p>
+            <a:r>
               <a:rPr lang="pt-BR" dirty="0" smtClean="0"/>
-              <a:t>Usando </a:t>
+              <a:t>Conceito</a:t>
+            </a:r>
+          </a:p>
+          <a:p>
+            <a:r>
+              <a:rPr lang="pt-BR" dirty="0" smtClean="0"/>
+              <a:t>Quando </a:t>
+            </a:r>
+            <a:r>
+              <a:rPr lang="pt-BR" dirty="0" smtClean="0"/>
+              <a:t>usar </a:t>
+            </a:r>
+            <a:r>
+              <a:rPr lang="pt-BR" dirty="0" err="1" smtClean="0"/>
+              <a:t>ArrayLists</a:t>
+            </a:r>
+            <a:endParaRPr lang="pt-BR" dirty="0" smtClean="0"/>
+          </a:p>
+          <a:p>
+            <a:pPr lvl="1"/>
+            <a:r>
+              <a:rPr lang="pt-BR" dirty="0" err="1" smtClean="0"/>
+              <a:t>ArraysLists</a:t>
+            </a:r>
+            <a:r>
+              <a:rPr lang="pt-BR" dirty="0" smtClean="0"/>
+              <a:t> e duplicatas</a:t>
+            </a:r>
+          </a:p>
+          <a:p>
+            <a:r>
+              <a:rPr lang="pt-BR" dirty="0" smtClean="0"/>
+              <a:t>Métodos importantes de </a:t>
             </a:r>
             <a:r>
               <a:rPr lang="pt-BR" dirty="0" err="1" smtClean="0"/>
               <a:t>ArrayList</a:t>
             </a:r>
+            <a:r>
+              <a:rPr lang="pt-BR" dirty="0" smtClean="0"/>
+              <a:t> </a:t>
+            </a:r>
+          </a:p>
+          <a:p>
+            <a:r>
+              <a:rPr lang="pt-BR" dirty="0" smtClean="0"/>
+              <a:t>Encapsulamento para variáveis de referência</a:t>
+            </a:r>
             <a:endParaRPr lang="pt-BR" dirty="0"/>
           </a:p>
         </p:txBody>
       </p:sp>
       <p:sp>
         <p:nvSpPr>
-          <p:cNvPr id="3" name="Subtítulo 2"/>
-          <p:cNvSpPr>
-            <a:spLocks noGrp="1"/>
-          </p:cNvSpPr>
-          <p:nvPr>
-            <p:ph type="subTitle" idx="1"/>
-          </p:nvPr>
-        </p:nvSpPr>
-        <p:spPr/>
-        <p:txBody>
-          <a:bodyPr/>
-          <a:lstStyle/>
-          <a:p>
-            <a:r>
-              <a:rPr lang="pt-BR" dirty="0" smtClean="0"/>
-              <a:t>OCA </a:t>
-            </a:r>
-            <a:r>
-              <a:rPr lang="pt-BR" dirty="0" err="1" smtClean="0"/>
-              <a:t>Objective</a:t>
-            </a:r>
-            <a:r>
-              <a:rPr lang="pt-BR" dirty="0" smtClean="0"/>
-              <a:t> 4.3</a:t>
-            </a:r>
-            <a:endParaRPr lang="pt-BR" dirty="0"/>
-          </a:p>
-        </p:txBody>
-      </p:sp>
-      <p:sp>
-        <p:nvSpPr>
-          <p:cNvPr id="5" name="Espaço Reservado para Rodapé 3"/>
+          <p:cNvPr id="7" name="Espaço Reservado para Rodapé 3"/>
           <p:cNvSpPr txBox="1">
             <a:spLocks noGrp="1"/>
           </p:cNvSpPr>
@@ -14369,20 +14800,13 @@
     </p:spTree>
     <p:extLst>
       <p:ext uri="{BB962C8B-B14F-4D97-AF65-F5344CB8AC3E}">
-        <p14:creationId xmlns:p14="http://schemas.microsoft.com/office/powerpoint/2010/main" val="2158061903"/>
+        <p14:creationId xmlns:p14="http://schemas.microsoft.com/office/powerpoint/2010/main" val="3738884704"/>
       </p:ext>
     </p:extLst>
   </p:cSld>
   <p:clrMapOvr>
     <a:masterClrMapping/>
   </p:clrMapOvr>
-  <p:timing>
-    <p:tnLst>
-      <p:par>
-        <p:cTn id="1" dur="indefinite" restart="never" nodeType="tmRoot"/>
-      </p:par>
-    </p:tnLst>
-  </p:timing>
 </p:sld>
 </file>
 
@@ -14405,26 +14829,35 @@
       </p:grpSpPr>
       <p:sp>
         <p:nvSpPr>
-          <p:cNvPr id="5" name="Título 4"/>
+          <p:cNvPr id="2" name="Título 1"/>
           <p:cNvSpPr>
             <a:spLocks noGrp="1"/>
           </p:cNvSpPr>
           <p:nvPr>
-            <p:ph type="title"/>
-          </p:nvPr>
-        </p:nvSpPr>
-        <p:spPr/>
+            <p:ph type="ctrTitle"/>
+          </p:nvPr>
+        </p:nvSpPr>
+        <p:spPr>
+          <a:xfrm>
+            <a:off x="1941910" y="2514601"/>
+            <a:ext cx="6686549" cy="914399"/>
+          </a:xfrm>
+        </p:spPr>
         <p:txBody>
           <a:bodyPr/>
           <a:lstStyle/>
           <a:p>
             <a:r>
-              <a:rPr lang="pt-BR" dirty="0"/>
+              <a:rPr lang="pt-BR" dirty="0" smtClean="0"/>
               <a:t>Usando </a:t>
             </a:r>
             <a:r>
-              <a:rPr lang="pt-BR" dirty="0" err="1"/>
-              <a:t>ArrayList</a:t>
+              <a:rPr lang="pt-BR" dirty="0" err="1" smtClean="0"/>
+              <a:t>if</a:t>
+            </a:r>
+            <a:r>
+              <a:rPr lang="pt-BR" dirty="0" smtClean="0"/>
+              <a:t> e switch</a:t>
             </a:r>
             <a:endParaRPr lang="pt-BR" dirty="0"/>
           </a:p>
@@ -14432,66 +14865,64 @@
       </p:sp>
       <p:sp>
         <p:nvSpPr>
-          <p:cNvPr id="6" name="Espaço Reservado para Conteúdo 5"/>
+          <p:cNvPr id="3" name="Subtítulo 2"/>
           <p:cNvSpPr>
             <a:spLocks noGrp="1"/>
           </p:cNvSpPr>
           <p:nvPr>
-            <p:ph idx="1"/>
-          </p:nvPr>
-        </p:nvSpPr>
-        <p:spPr/>
+            <p:ph type="subTitle" idx="1"/>
+          </p:nvPr>
+        </p:nvSpPr>
+        <p:spPr>
+          <a:xfrm>
+            <a:off x="1941910" y="3429000"/>
+            <a:ext cx="6686549" cy="2474663"/>
+          </a:xfrm>
+        </p:spPr>
         <p:txBody>
           <a:bodyPr/>
           <a:lstStyle/>
           <a:p>
             <a:r>
-              <a:rPr lang="pt-BR" dirty="0" smtClean="0"/>
-              <a:t>Quando usar </a:t>
-            </a:r>
-            <a:r>
-              <a:rPr lang="pt-BR" dirty="0" err="1" smtClean="0"/>
-              <a:t>ArrayLists</a:t>
-            </a:r>
-            <a:endParaRPr lang="pt-BR" dirty="0" smtClean="0"/>
-          </a:p>
-          <a:p>
-            <a:pPr lvl="1"/>
-            <a:r>
-              <a:rPr lang="pt-BR" dirty="0" err="1" smtClean="0"/>
-              <a:t>ArraysLists</a:t>
-            </a:r>
-            <a:r>
-              <a:rPr lang="pt-BR" dirty="0" smtClean="0"/>
-              <a:t> e duplicatas</a:t>
-            </a:r>
-          </a:p>
-          <a:p>
-            <a:r>
-              <a:rPr lang="pt-BR" dirty="0" smtClean="0"/>
-              <a:t>Métodos importantes de </a:t>
-            </a:r>
-            <a:r>
-              <a:rPr lang="pt-BR" dirty="0" err="1" smtClean="0"/>
-              <a:t>ArrayList</a:t>
-            </a:r>
-            <a:r>
-              <a:rPr lang="pt-BR" dirty="0" smtClean="0"/>
-              <a:t> </a:t>
-            </a:r>
-          </a:p>
-          <a:p>
-            <a:r>
-              <a:rPr lang="pt-BR" dirty="0" smtClean="0"/>
-              <a:t>Encapsulamento para variáveis de referência</a:t>
-            </a:r>
-            <a:endParaRPr lang="pt-BR" dirty="0"/>
-          </a:p>
-        </p:txBody>
-      </p:sp>
-      <p:sp>
-        <p:nvSpPr>
-          <p:cNvPr id="7" name="Espaço Reservado para Rodapé 3"/>
+              <a:rPr lang="pt-BR" sz="2000" b="1" dirty="0" smtClean="0"/>
+              <a:t>OCA </a:t>
+            </a:r>
+            <a:r>
+              <a:rPr lang="pt-BR" sz="2000" b="1" dirty="0" err="1" smtClean="0"/>
+              <a:t>Objectives</a:t>
+            </a:r>
+            <a:endParaRPr lang="pt-BR" sz="2000" b="1" dirty="0" smtClean="0"/>
+          </a:p>
+          <a:p>
+            <a:r>
+              <a:rPr lang="pt-BR" sz="2000" dirty="0" smtClean="0"/>
+              <a:t>3.4 Criar blocos </a:t>
+            </a:r>
+            <a:r>
+              <a:rPr lang="pt-BR" sz="2000" dirty="0" err="1" smtClean="0"/>
+              <a:t>if</a:t>
+            </a:r>
+            <a:r>
+              <a:rPr lang="pt-BR" sz="2000" dirty="0" smtClean="0"/>
+              <a:t> e </a:t>
+            </a:r>
+            <a:r>
+              <a:rPr lang="pt-BR" sz="2000" dirty="0" err="1" smtClean="0"/>
+              <a:t>if-else</a:t>
+            </a:r>
+            <a:endParaRPr lang="pt-BR" sz="2000" dirty="0" smtClean="0"/>
+          </a:p>
+          <a:p>
+            <a:r>
+              <a:rPr lang="pt-BR" sz="2000" dirty="0" smtClean="0"/>
+              <a:t>3.5 Usar um bloco switch</a:t>
+            </a:r>
+          </a:p>
+        </p:txBody>
+      </p:sp>
+      <p:sp>
+        <p:nvSpPr>
+          <p:cNvPr id="5" name="Espaço Reservado para Rodapé 3"/>
           <p:cNvSpPr txBox="1">
             <a:spLocks noGrp="1"/>
           </p:cNvSpPr>
@@ -14617,28 +15048,8 @@
               </a:defRPr>
             </a:pPr>
             <a:r>
-              <a:rPr lang="pt-BR" dirty="0"/>
-              <a:t>Trabalhando com </a:t>
-            </a:r>
-            <a:r>
-              <a:rPr lang="pt-BR" dirty="0" err="1"/>
-              <a:t>Strings</a:t>
-            </a:r>
-            <a:r>
-              <a:rPr lang="pt-BR" dirty="0"/>
-              <a:t>, </a:t>
-            </a:r>
-            <a:r>
-              <a:rPr lang="pt-BR" dirty="0" err="1"/>
-              <a:t>Arrays</a:t>
-            </a:r>
-            <a:r>
-              <a:rPr lang="pt-BR" dirty="0"/>
-              <a:t> e </a:t>
-            </a:r>
-            <a:r>
-              <a:rPr lang="pt-BR" dirty="0" err="1"/>
-              <a:t>ArrayLists</a:t>
+              <a:rPr lang="pt-BR" dirty="0" smtClean="0"/>
+              <a:t>Controle de Fluxo e Exceções</a:t>
             </a:r>
             <a:endParaRPr lang="pt-BR" dirty="0"/>
           </a:p>
@@ -14687,13 +15098,20 @@
     </p:spTree>
     <p:extLst>
       <p:ext uri="{BB962C8B-B14F-4D97-AF65-F5344CB8AC3E}">
-        <p14:creationId xmlns:p14="http://schemas.microsoft.com/office/powerpoint/2010/main" val="3738884704"/>
+        <p14:creationId xmlns:p14="http://schemas.microsoft.com/office/powerpoint/2010/main" val="532384450"/>
       </p:ext>
     </p:extLst>
   </p:cSld>
   <p:clrMapOvr>
     <a:masterClrMapping/>
   </p:clrMapOvr>
+  <p:timing>
+    <p:tnLst>
+      <p:par>
+        <p:cTn id="1" dur="indefinite" restart="never" nodeType="tmRoot"/>
+      </p:par>
+    </p:tnLst>
+  </p:timing>
 </p:sld>
 </file>
 
@@ -14716,12 +15134,12 @@
       </p:grpSpPr>
       <p:sp>
         <p:nvSpPr>
-          <p:cNvPr id="2" name="Título 1"/>
+          <p:cNvPr id="5" name="Título 4"/>
           <p:cNvSpPr>
             <a:spLocks noGrp="1"/>
           </p:cNvSpPr>
           <p:nvPr>
-            <p:ph type="ctrTitle"/>
+            <p:ph type="title"/>
           </p:nvPr>
         </p:nvSpPr>
         <p:spPr/>
@@ -14730,55 +15148,125 @@
           <a:lstStyle/>
           <a:p>
             <a:r>
+              <a:rPr lang="pt-BR" dirty="0"/>
+              <a:t>Usando </a:t>
+            </a:r>
+            <a:r>
+              <a:rPr lang="pt-BR" dirty="0" err="1"/>
+              <a:t>if</a:t>
+            </a:r>
+            <a:r>
+              <a:rPr lang="pt-BR" dirty="0"/>
+              <a:t> e switch</a:t>
+            </a:r>
+          </a:p>
+        </p:txBody>
+      </p:sp>
+      <p:sp>
+        <p:nvSpPr>
+          <p:cNvPr id="6" name="Espaço Reservado para Conteúdo 5"/>
+          <p:cNvSpPr>
+            <a:spLocks noGrp="1"/>
+          </p:cNvSpPr>
+          <p:nvPr>
+            <p:ph idx="1"/>
+          </p:nvPr>
+        </p:nvSpPr>
+        <p:spPr/>
+        <p:txBody>
+          <a:bodyPr/>
+          <a:lstStyle/>
+          <a:p>
+            <a:r>
               <a:rPr lang="pt-BR" dirty="0" smtClean="0"/>
-              <a:t>Usando </a:t>
+              <a:t>Conceito</a:t>
+            </a:r>
+          </a:p>
+          <a:p>
+            <a:r>
+              <a:rPr lang="pt-BR" dirty="0" err="1" smtClean="0"/>
+              <a:t>Branching</a:t>
+            </a:r>
+            <a:r>
+              <a:rPr lang="pt-BR" dirty="0" smtClean="0"/>
+              <a:t> </a:t>
+            </a:r>
+            <a:r>
+              <a:rPr lang="pt-BR" dirty="0" err="1" smtClean="0"/>
+              <a:t>if-else</a:t>
+            </a:r>
+            <a:endParaRPr lang="pt-BR" dirty="0" smtClean="0"/>
+          </a:p>
+          <a:p>
+            <a:pPr lvl="1"/>
+            <a:r>
+              <a:rPr lang="pt-BR" dirty="0" smtClean="0"/>
+              <a:t>Expressões válidas para as cláusulas </a:t>
             </a:r>
             <a:r>
               <a:rPr lang="pt-BR" dirty="0" err="1" smtClean="0"/>
               <a:t>if</a:t>
             </a:r>
+            <a:endParaRPr lang="pt-BR" dirty="0" smtClean="0"/>
+          </a:p>
+          <a:p>
             <a:r>
               <a:rPr lang="pt-BR" dirty="0" smtClean="0"/>
-              <a:t> e switch</a:t>
-            </a:r>
+              <a:t>Cláusulas switch</a:t>
+            </a:r>
+          </a:p>
+          <a:p>
+            <a:pPr lvl="1"/>
+            <a:r>
+              <a:rPr lang="pt-BR" dirty="0" smtClean="0"/>
+              <a:t>Expressões válidas para switch e case</a:t>
+            </a:r>
+          </a:p>
+          <a:p>
+            <a:pPr lvl="1"/>
+            <a:r>
+              <a:rPr lang="pt-BR" dirty="0" smtClean="0"/>
+              <a:t>Uma introdução para a “igualdade” em </a:t>
+            </a:r>
+            <a:r>
+              <a:rPr lang="pt-BR" dirty="0" err="1" smtClean="0"/>
+              <a:t>Strings</a:t>
+            </a:r>
+            <a:endParaRPr lang="pt-BR" dirty="0" smtClean="0"/>
+          </a:p>
+          <a:p>
+            <a:pPr lvl="1"/>
+            <a:r>
+              <a:rPr lang="pt-BR" dirty="0" smtClean="0"/>
+              <a:t>Break e </a:t>
+            </a:r>
+            <a:r>
+              <a:rPr lang="pt-BR" dirty="0" err="1" smtClean="0"/>
+              <a:t>cascateamento</a:t>
+            </a:r>
+            <a:r>
+              <a:rPr lang="pt-BR" dirty="0" smtClean="0"/>
+              <a:t> nos blocos switch</a:t>
+            </a:r>
+          </a:p>
+          <a:p>
+            <a:pPr lvl="1"/>
+            <a:r>
+              <a:rPr lang="pt-BR" dirty="0" smtClean="0"/>
+              <a:t>O case default</a:t>
+            </a:r>
+          </a:p>
+          <a:p>
+            <a:pPr marL="457200" lvl="1" indent="0">
+              <a:buNone/>
+            </a:pPr>
             <a:endParaRPr lang="pt-BR" dirty="0"/>
           </a:p>
         </p:txBody>
       </p:sp>
       <p:sp>
         <p:nvSpPr>
-          <p:cNvPr id="3" name="Subtítulo 2"/>
-          <p:cNvSpPr>
-            <a:spLocks noGrp="1"/>
-          </p:cNvSpPr>
-          <p:nvPr>
-            <p:ph type="subTitle" idx="1"/>
-          </p:nvPr>
-        </p:nvSpPr>
-        <p:spPr/>
-        <p:txBody>
-          <a:bodyPr/>
-          <a:lstStyle/>
-          <a:p>
-            <a:r>
-              <a:rPr lang="pt-BR" dirty="0" smtClean="0"/>
-              <a:t>OCA </a:t>
-            </a:r>
-            <a:r>
-              <a:rPr lang="pt-BR" dirty="0" err="1" smtClean="0"/>
-              <a:t>Objectives</a:t>
-            </a:r>
-            <a:r>
-              <a:rPr lang="pt-BR" dirty="0" smtClean="0"/>
-              <a:t> 3.4, 3.5 e 1.1 upgrade</a:t>
-            </a:r>
-            <a:endParaRPr lang="pt-BR" dirty="0"/>
-          </a:p>
-        </p:txBody>
-      </p:sp>
-      <p:sp>
-        <p:nvSpPr>
-          <p:cNvPr id="5" name="Espaço Reservado para Rodapé 3"/>
+          <p:cNvPr id="7" name="Espaço Reservado para Rodapé 3"/>
           <p:cNvSpPr txBox="1">
             <a:spLocks noGrp="1"/>
           </p:cNvSpPr>
@@ -14954,20 +15442,13 @@
     </p:spTree>
     <p:extLst>
       <p:ext uri="{BB962C8B-B14F-4D97-AF65-F5344CB8AC3E}">
-        <p14:creationId xmlns:p14="http://schemas.microsoft.com/office/powerpoint/2010/main" val="532384450"/>
+        <p14:creationId xmlns:p14="http://schemas.microsoft.com/office/powerpoint/2010/main" val="3663202734"/>
       </p:ext>
     </p:extLst>
   </p:cSld>
   <p:clrMapOvr>
     <a:masterClrMapping/>
   </p:clrMapOvr>
-  <p:timing>
-    <p:tnLst>
-      <p:par>
-        <p:cTn id="1" dur="indefinite" restart="never" nodeType="tmRoot"/>
-      </p:par>
-    </p:tnLst>
-  </p:timing>
 </p:sld>
 </file>
 
@@ -14990,133 +15471,111 @@
       </p:grpSpPr>
       <p:sp>
         <p:nvSpPr>
-          <p:cNvPr id="5" name="Título 4"/>
+          <p:cNvPr id="2" name="Título 1"/>
           <p:cNvSpPr>
             <a:spLocks noGrp="1"/>
           </p:cNvSpPr>
           <p:nvPr>
-            <p:ph type="title"/>
-          </p:nvPr>
-        </p:nvSpPr>
-        <p:spPr/>
+            <p:ph type="ctrTitle"/>
+          </p:nvPr>
+        </p:nvSpPr>
+        <p:spPr>
+          <a:xfrm>
+            <a:off x="1941910" y="2514601"/>
+            <a:ext cx="6686549" cy="914399"/>
+          </a:xfrm>
+        </p:spPr>
         <p:txBody>
           <a:bodyPr/>
           <a:lstStyle/>
           <a:p>
             <a:r>
-              <a:rPr lang="pt-BR" dirty="0"/>
-              <a:t>Usando </a:t>
-            </a:r>
-            <a:r>
-              <a:rPr lang="pt-BR" dirty="0" err="1"/>
-              <a:t>if</a:t>
-            </a:r>
-            <a:r>
-              <a:rPr lang="pt-BR" dirty="0"/>
-              <a:t> e switch</a:t>
-            </a:r>
-          </a:p>
-        </p:txBody>
-      </p:sp>
-      <p:sp>
-        <p:nvSpPr>
-          <p:cNvPr id="6" name="Espaço Reservado para Conteúdo 5"/>
+              <a:rPr lang="pt-BR" dirty="0" smtClean="0"/>
+              <a:t>Criando Loops</a:t>
+            </a:r>
+            <a:endParaRPr lang="pt-BR" dirty="0"/>
+          </a:p>
+        </p:txBody>
+      </p:sp>
+      <p:sp>
+        <p:nvSpPr>
+          <p:cNvPr id="3" name="Subtítulo 2"/>
           <p:cNvSpPr>
             <a:spLocks noGrp="1"/>
           </p:cNvSpPr>
           <p:nvPr>
-            <p:ph idx="1"/>
-          </p:nvPr>
-        </p:nvSpPr>
-        <p:spPr/>
+            <p:ph type="subTitle" idx="1"/>
+          </p:nvPr>
+        </p:nvSpPr>
+        <p:spPr>
+          <a:xfrm>
+            <a:off x="1941910" y="3429000"/>
+            <a:ext cx="6686549" cy="2474663"/>
+          </a:xfrm>
+        </p:spPr>
         <p:txBody>
           <a:bodyPr/>
           <a:lstStyle/>
           <a:p>
             <a:r>
-              <a:rPr lang="pt-BR" dirty="0" err="1" smtClean="0"/>
-              <a:t>Branching</a:t>
-            </a:r>
-            <a:r>
-              <a:rPr lang="pt-BR" dirty="0" smtClean="0"/>
-              <a:t> </a:t>
-            </a:r>
-            <a:r>
-              <a:rPr lang="pt-BR" dirty="0" err="1" smtClean="0"/>
-              <a:t>if-else</a:t>
-            </a:r>
-            <a:endParaRPr lang="pt-BR" dirty="0" smtClean="0"/>
-          </a:p>
-          <a:p>
-            <a:pPr lvl="1"/>
-            <a:r>
-              <a:rPr lang="pt-BR" dirty="0" smtClean="0"/>
-              <a:t>Expressões válidas para as cláusulas </a:t>
-            </a:r>
-            <a:r>
-              <a:rPr lang="pt-BR" dirty="0" err="1" smtClean="0"/>
-              <a:t>if</a:t>
-            </a:r>
-            <a:endParaRPr lang="pt-BR" dirty="0" smtClean="0"/>
-          </a:p>
-          <a:p>
-            <a:r>
-              <a:rPr lang="pt-BR" dirty="0" smtClean="0"/>
-              <a:t>Cláusulas switch</a:t>
-            </a:r>
-          </a:p>
-          <a:p>
-            <a:pPr lvl="1"/>
-            <a:r>
-              <a:rPr lang="pt-BR" dirty="0" smtClean="0"/>
-              <a:t>Expressões válidas para switch e case</a:t>
-            </a:r>
-          </a:p>
-          <a:p>
-            <a:pPr lvl="1"/>
-            <a:r>
-              <a:rPr lang="pt-BR" dirty="0" smtClean="0"/>
-              <a:t>Uma introdução para a “igualdade” em </a:t>
-            </a:r>
-            <a:r>
-              <a:rPr lang="pt-BR" dirty="0" err="1" smtClean="0"/>
-              <a:t>Strings</a:t>
-            </a:r>
-            <a:endParaRPr lang="pt-BR" dirty="0" smtClean="0"/>
-          </a:p>
-          <a:p>
-            <a:pPr lvl="1"/>
-            <a:r>
-              <a:rPr lang="pt-BR" dirty="0" smtClean="0"/>
-              <a:t>Break e </a:t>
-            </a:r>
-            <a:r>
-              <a:rPr lang="pt-BR" dirty="0" err="1" smtClean="0"/>
-              <a:t>cascateamento</a:t>
-            </a:r>
-            <a:r>
-              <a:rPr lang="pt-BR" dirty="0" smtClean="0"/>
-              <a:t> nos blocos switch</a:t>
-            </a:r>
-          </a:p>
-          <a:p>
-            <a:pPr lvl="1"/>
-            <a:r>
-              <a:rPr lang="pt-BR" dirty="0" smtClean="0"/>
-              <a:t>O case default</a:t>
-            </a:r>
-          </a:p>
-          <a:p>
-            <a:pPr marL="457200" lvl="1" indent="0">
-              <a:buNone/>
-            </a:pPr>
-            <a:endParaRPr lang="pt-BR" dirty="0"/>
-          </a:p>
-        </p:txBody>
-      </p:sp>
-      <p:sp>
-        <p:nvSpPr>
-          <p:cNvPr id="7" name="Espaço Reservado para Rodapé 3"/>
+              <a:rPr lang="pt-BR" sz="2000" b="1" dirty="0" smtClean="0"/>
+              <a:t>OCA </a:t>
+            </a:r>
+            <a:r>
+              <a:rPr lang="pt-BR" sz="2000" b="1" dirty="0" err="1" smtClean="0"/>
+              <a:t>Objectives</a:t>
+            </a:r>
+            <a:endParaRPr lang="pt-BR" sz="2000" b="1" dirty="0" smtClean="0"/>
+          </a:p>
+          <a:p>
+            <a:r>
+              <a:rPr lang="pt-BR" sz="2000" dirty="0" smtClean="0"/>
+              <a:t>5.1 Criar e usar loop </a:t>
+            </a:r>
+            <a:r>
+              <a:rPr lang="pt-BR" sz="2000" dirty="0" err="1" smtClean="0"/>
+              <a:t>while</a:t>
+            </a:r>
+            <a:endParaRPr lang="pt-BR" sz="2000" dirty="0" smtClean="0"/>
+          </a:p>
+          <a:p>
+            <a:r>
+              <a:rPr lang="pt-BR" sz="2000" dirty="0" smtClean="0"/>
+              <a:t>5.2 Criar e usar loop for, incluindo o aprimorado</a:t>
+            </a:r>
+          </a:p>
+          <a:p>
+            <a:r>
+              <a:rPr lang="pt-BR" sz="2000" dirty="0" smtClean="0"/>
+              <a:t>5.3 Criar e usar do-</a:t>
+            </a:r>
+            <a:r>
+              <a:rPr lang="pt-BR" sz="2000" dirty="0" err="1" smtClean="0"/>
+              <a:t>while</a:t>
+            </a:r>
+            <a:r>
+              <a:rPr lang="pt-BR" sz="2000" dirty="0" smtClean="0"/>
+              <a:t> loop</a:t>
+            </a:r>
+          </a:p>
+          <a:p>
+            <a:r>
+              <a:rPr lang="pt-BR" sz="2000" dirty="0" smtClean="0"/>
+              <a:t>5.4 Comparar blocos loop</a:t>
+            </a:r>
+          </a:p>
+          <a:p>
+            <a:r>
+              <a:rPr lang="pt-BR" sz="2000" dirty="0" smtClean="0"/>
+              <a:t>5.5 Usar break e continue</a:t>
+            </a:r>
+            <a:endParaRPr lang="pt-BR" sz="2000" dirty="0"/>
+          </a:p>
+        </p:txBody>
+      </p:sp>
+      <p:sp>
+        <p:nvSpPr>
+          <p:cNvPr id="5" name="Espaço Reservado para Rodapé 3"/>
           <p:cNvSpPr txBox="1">
             <a:spLocks noGrp="1"/>
           </p:cNvSpPr>
@@ -15292,13 +15751,20 @@
     </p:spTree>
     <p:extLst>
       <p:ext uri="{BB962C8B-B14F-4D97-AF65-F5344CB8AC3E}">
-        <p14:creationId xmlns:p14="http://schemas.microsoft.com/office/powerpoint/2010/main" val="3663202734"/>
+        <p14:creationId xmlns:p14="http://schemas.microsoft.com/office/powerpoint/2010/main" val="2470865896"/>
       </p:ext>
     </p:extLst>
   </p:cSld>
   <p:clrMapOvr>
     <a:masterClrMapping/>
   </p:clrMapOvr>
+  <p:timing>
+    <p:tnLst>
+      <p:par>
+        <p:cTn id="1" dur="indefinite" restart="never" nodeType="tmRoot"/>
+      </p:par>
+    </p:tnLst>
+  </p:timing>
 </p:sld>
 </file>
 
@@ -15321,12 +15787,12 @@
       </p:grpSpPr>
       <p:sp>
         <p:nvSpPr>
-          <p:cNvPr id="2" name="Título 1"/>
+          <p:cNvPr id="5" name="Título 4"/>
           <p:cNvSpPr>
             <a:spLocks noGrp="1"/>
           </p:cNvSpPr>
           <p:nvPr>
-            <p:ph type="ctrTitle"/>
+            <p:ph type="title"/>
           </p:nvPr>
         </p:nvSpPr>
         <p:spPr/>
@@ -15335,21 +15801,20 @@
           <a:lstStyle/>
           <a:p>
             <a:r>
-              <a:rPr lang="pt-BR" dirty="0" smtClean="0"/>
+              <a:rPr lang="pt-BR" dirty="0"/>
               <a:t>Criando Loops</a:t>
             </a:r>
-            <a:endParaRPr lang="pt-BR" dirty="0"/>
-          </a:p>
-        </p:txBody>
-      </p:sp>
-      <p:sp>
-        <p:nvSpPr>
-          <p:cNvPr id="3" name="Subtítulo 2"/>
+          </a:p>
+        </p:txBody>
+      </p:sp>
+      <p:sp>
+        <p:nvSpPr>
+          <p:cNvPr id="6" name="Espaço Reservado para Conteúdo 5"/>
           <p:cNvSpPr>
             <a:spLocks noGrp="1"/>
           </p:cNvSpPr>
           <p:nvPr>
-            <p:ph type="subTitle" idx="1"/>
+            <p:ph idx="1"/>
           </p:nvPr>
         </p:nvSpPr>
         <p:spPr/>
@@ -15358,32 +15823,109 @@
           <a:lstStyle/>
           <a:p>
             <a:r>
-              <a:rPr lang="pt-BR" dirty="0" smtClean="0"/>
-              <a:t>OCA </a:t>
-            </a:r>
-            <a:r>
-              <a:rPr lang="pt-BR" dirty="0" err="1" smtClean="0"/>
-              <a:t>Objectives</a:t>
-            </a:r>
-            <a:r>
-              <a:rPr lang="pt-BR" dirty="0" smtClean="0"/>
-              <a:t> 5.1, 5.2, 5.3, 5.4 </a:t>
-            </a:r>
-            <a:r>
-              <a:rPr lang="pt-BR" dirty="0" err="1" smtClean="0"/>
-              <a:t>and</a:t>
-            </a:r>
-            <a:r>
-              <a:rPr lang="pt-BR" dirty="0" smtClean="0"/>
-              <a:t> 5.5</a:t>
-            </a:r>
-            <a:endParaRPr lang="pt-BR" dirty="0"/>
-          </a:p>
-        </p:txBody>
-      </p:sp>
-      <p:sp>
-        <p:nvSpPr>
-          <p:cNvPr id="5" name="Espaço Reservado para Rodapé 3"/>
+              <a:rPr lang="pt-BR" sz="2000" dirty="0" smtClean="0"/>
+              <a:t>Conceito</a:t>
+            </a:r>
+          </a:p>
+          <a:p>
+            <a:r>
+              <a:rPr lang="pt-BR" sz="2000" dirty="0" smtClean="0"/>
+              <a:t>Usando </a:t>
+            </a:r>
+            <a:r>
+              <a:rPr lang="pt-BR" sz="2000" dirty="0" smtClean="0"/>
+              <a:t>loop </a:t>
+            </a:r>
+            <a:r>
+              <a:rPr lang="pt-BR" sz="2000" dirty="0" err="1" smtClean="0"/>
+              <a:t>while</a:t>
+            </a:r>
+            <a:endParaRPr lang="pt-BR" sz="2000" dirty="0" smtClean="0"/>
+          </a:p>
+          <a:p>
+            <a:r>
+              <a:rPr lang="pt-BR" sz="2000" dirty="0" smtClean="0"/>
+              <a:t>Usando loop do</a:t>
+            </a:r>
+          </a:p>
+          <a:p>
+            <a:r>
+              <a:rPr lang="pt-BR" sz="2000" dirty="0" smtClean="0"/>
+              <a:t>Usando loop for</a:t>
+            </a:r>
+          </a:p>
+          <a:p>
+            <a:pPr lvl="1"/>
+            <a:r>
+              <a:rPr lang="pt-BR" sz="1800" dirty="0" smtClean="0"/>
+              <a:t>Sobre o loop for Básico</a:t>
+            </a:r>
+          </a:p>
+          <a:p>
+            <a:pPr lvl="1"/>
+            <a:r>
+              <a:rPr lang="pt-BR" sz="1800" dirty="0" smtClean="0"/>
+              <a:t>Declaração e inicialização de loop for básico</a:t>
+            </a:r>
+          </a:p>
+          <a:p>
+            <a:pPr lvl="1"/>
+            <a:r>
+              <a:rPr lang="pt-BR" sz="1800" dirty="0" smtClean="0"/>
+              <a:t>Expressões condicionais no loop for básico</a:t>
+            </a:r>
+          </a:p>
+          <a:p>
+            <a:pPr lvl="1"/>
+            <a:r>
+              <a:rPr lang="pt-BR" sz="1800" dirty="0" smtClean="0"/>
+              <a:t>Expressões de iteração no loop for básico</a:t>
+            </a:r>
+          </a:p>
+          <a:p>
+            <a:pPr lvl="1"/>
+            <a:r>
+              <a:rPr lang="pt-BR" sz="1800" dirty="0" smtClean="0"/>
+              <a:t>Considerações sobre loop for básico</a:t>
+            </a:r>
+          </a:p>
+          <a:p>
+            <a:pPr lvl="1"/>
+            <a:r>
+              <a:rPr lang="pt-BR" sz="1800" dirty="0" smtClean="0"/>
+              <a:t>Sobre o loop for Aprimorado</a:t>
+            </a:r>
+          </a:p>
+          <a:p>
+            <a:r>
+              <a:rPr lang="pt-BR" sz="2000" dirty="0" smtClean="0"/>
+              <a:t>Cláusulas </a:t>
+            </a:r>
+            <a:r>
+              <a:rPr lang="pt-BR" sz="2000" dirty="0" err="1" smtClean="0"/>
+              <a:t>Unlabeled</a:t>
+            </a:r>
+            <a:endParaRPr lang="pt-BR" sz="2000" dirty="0" smtClean="0"/>
+          </a:p>
+          <a:p>
+            <a:r>
+              <a:rPr lang="pt-BR" sz="2000" dirty="0" smtClean="0"/>
+              <a:t>Cláusulas </a:t>
+            </a:r>
+            <a:r>
+              <a:rPr lang="pt-BR" sz="2000" dirty="0" err="1" smtClean="0"/>
+              <a:t>Labeled</a:t>
+            </a:r>
+            <a:endParaRPr lang="pt-BR" sz="2000" dirty="0" smtClean="0"/>
+          </a:p>
+          <a:p>
+            <a:endParaRPr lang="pt-BR" sz="2000" dirty="0"/>
+          </a:p>
+        </p:txBody>
+      </p:sp>
+      <p:sp>
+        <p:nvSpPr>
+          <p:cNvPr id="7" name="Espaço Reservado para Rodapé 3"/>
           <p:cNvSpPr txBox="1">
             <a:spLocks noGrp="1"/>
           </p:cNvSpPr>
@@ -15559,20 +16101,13 @@
     </p:spTree>
     <p:extLst>
       <p:ext uri="{BB962C8B-B14F-4D97-AF65-F5344CB8AC3E}">
-        <p14:creationId xmlns:p14="http://schemas.microsoft.com/office/powerpoint/2010/main" val="2470865896"/>
+        <p14:creationId xmlns:p14="http://schemas.microsoft.com/office/powerpoint/2010/main" val="2111532211"/>
       </p:ext>
     </p:extLst>
   </p:cSld>
   <p:clrMapOvr>
     <a:masterClrMapping/>
   </p:clrMapOvr>
-  <p:timing>
-    <p:tnLst>
-      <p:par>
-        <p:cTn id="1" dur="indefinite" restart="never" nodeType="tmRoot"/>
-      </p:par>
-    </p:tnLst>
-  </p:timing>
 </p:sld>
 </file>
 
@@ -15595,135 +16130,113 @@
       </p:grpSpPr>
       <p:sp>
         <p:nvSpPr>
-          <p:cNvPr id="5" name="Título 4"/>
+          <p:cNvPr id="2" name="Título 1"/>
           <p:cNvSpPr>
             <a:spLocks noGrp="1"/>
           </p:cNvSpPr>
           <p:nvPr>
-            <p:ph type="title"/>
-          </p:nvPr>
-        </p:nvSpPr>
-        <p:spPr/>
+            <p:ph type="ctrTitle"/>
+          </p:nvPr>
+        </p:nvSpPr>
+        <p:spPr>
+          <a:xfrm>
+            <a:off x="1941910" y="2514601"/>
+            <a:ext cx="6686549" cy="914399"/>
+          </a:xfrm>
+        </p:spPr>
         <p:txBody>
           <a:bodyPr/>
           <a:lstStyle/>
           <a:p>
             <a:r>
-              <a:rPr lang="pt-BR" dirty="0"/>
-              <a:t>Criando Loops</a:t>
-            </a:r>
-          </a:p>
-        </p:txBody>
-      </p:sp>
-      <p:sp>
-        <p:nvSpPr>
-          <p:cNvPr id="6" name="Espaço Reservado para Conteúdo 5"/>
+              <a:rPr lang="pt-BR" dirty="0" smtClean="0"/>
+              <a:t>Manipulando Exceções</a:t>
+            </a:r>
+            <a:endParaRPr lang="pt-BR" dirty="0"/>
+          </a:p>
+        </p:txBody>
+      </p:sp>
+      <p:sp>
+        <p:nvSpPr>
+          <p:cNvPr id="3" name="Subtítulo 2"/>
           <p:cNvSpPr>
             <a:spLocks noGrp="1"/>
           </p:cNvSpPr>
           <p:nvPr>
-            <p:ph idx="1"/>
-          </p:nvPr>
-        </p:nvSpPr>
-        <p:spPr/>
+            <p:ph type="subTitle" idx="1"/>
+          </p:nvPr>
+        </p:nvSpPr>
+        <p:spPr>
+          <a:xfrm>
+            <a:off x="1941910" y="3429000"/>
+            <a:ext cx="6686549" cy="2474663"/>
+          </a:xfrm>
+        </p:spPr>
         <p:txBody>
           <a:bodyPr/>
           <a:lstStyle/>
           <a:p>
             <a:r>
-              <a:rPr lang="pt-BR" sz="2400" dirty="0" smtClean="0"/>
-              <a:t>Usando loop </a:t>
-            </a:r>
-            <a:r>
-              <a:rPr lang="pt-BR" sz="2400" dirty="0" err="1" smtClean="0"/>
-              <a:t>while</a:t>
-            </a:r>
-            <a:endParaRPr lang="pt-BR" sz="2400" dirty="0" smtClean="0"/>
-          </a:p>
-          <a:p>
-            <a:r>
-              <a:rPr lang="pt-BR" sz="2400" dirty="0" smtClean="0"/>
-              <a:t>Usando loop do</a:t>
-            </a:r>
-          </a:p>
-          <a:p>
-            <a:r>
-              <a:rPr lang="pt-BR" sz="2400" dirty="0" smtClean="0"/>
-              <a:t>Usando loop for</a:t>
-            </a:r>
-          </a:p>
-          <a:p>
-            <a:pPr lvl="1"/>
+              <a:rPr lang="pt-BR" sz="2000" b="1" dirty="0" smtClean="0"/>
+              <a:t>OCA </a:t>
+            </a:r>
+            <a:r>
+              <a:rPr lang="pt-BR" sz="2000" b="1" dirty="0" err="1" smtClean="0"/>
+              <a:t>Objectives</a:t>
+            </a:r>
+            <a:endParaRPr lang="pt-BR" sz="2000" b="1" dirty="0" smtClean="0"/>
+          </a:p>
+          <a:p>
             <a:r>
               <a:rPr lang="pt-BR" sz="2000" dirty="0" smtClean="0"/>
-              <a:t>Sobre o loop for Básico</a:t>
-            </a:r>
-          </a:p>
-          <a:p>
-            <a:pPr lvl="1"/>
+              <a:t>8.1 Diferenciar entre os tipos de exceções checadas, </a:t>
+            </a:r>
+            <a:r>
+              <a:rPr lang="pt-BR" sz="2000" dirty="0" err="1" smtClean="0"/>
+              <a:t>RuntimeException</a:t>
+            </a:r>
             <a:r>
               <a:rPr lang="pt-BR" sz="2000" dirty="0" smtClean="0"/>
-              <a:t>Declaração e inicialização de loop for básico</a:t>
-            </a:r>
-          </a:p>
-          <a:p>
-            <a:pPr lvl="1"/>
+              <a:t> e </a:t>
+            </a:r>
+            <a:r>
+              <a:rPr lang="pt-BR" sz="2000" dirty="0" err="1" smtClean="0"/>
+              <a:t>errors</a:t>
+            </a:r>
+            <a:endParaRPr lang="pt-BR" sz="2000" dirty="0" smtClean="0"/>
+          </a:p>
+          <a:p>
             <a:r>
               <a:rPr lang="pt-BR" sz="2000" dirty="0" smtClean="0"/>
-              <a:t>Expressões condicionais no loop for básico</a:t>
-            </a:r>
-          </a:p>
-          <a:p>
-            <a:pPr lvl="1"/>
+              <a:t>8.2 Criar um </a:t>
+            </a:r>
+            <a:r>
+              <a:rPr lang="pt-BR" sz="2000" dirty="0" err="1" smtClean="0"/>
+              <a:t>try</a:t>
+            </a:r>
             <a:r>
               <a:rPr lang="pt-BR" sz="2000" dirty="0" smtClean="0"/>
-              <a:t>Expressões de iteração no loop for básico</a:t>
-            </a:r>
-          </a:p>
-          <a:p>
-            <a:pPr lvl="1"/>
+              <a:t>-catch e determinar como exceções alteram o fluxo normal do programa</a:t>
+            </a:r>
+          </a:p>
+          <a:p>
             <a:r>
               <a:rPr lang="pt-BR" sz="2000" dirty="0" smtClean="0"/>
-              <a:t>Considerações sobre loop for básico</a:t>
-            </a:r>
-          </a:p>
-          <a:p>
-            <a:pPr lvl="1"/>
+              <a:t>8.3 Descrever quais exceções são usadas em Java</a:t>
+            </a:r>
+          </a:p>
+          <a:p>
             <a:r>
               <a:rPr lang="pt-BR" sz="2000" dirty="0" smtClean="0"/>
-              <a:t>Sobre o loop for Aprimorado</a:t>
-            </a:r>
-          </a:p>
-          <a:p>
-            <a:r>
-              <a:rPr lang="pt-BR" sz="2400" dirty="0" smtClean="0"/>
-              <a:t>Cláusulas </a:t>
-            </a:r>
-            <a:r>
-              <a:rPr lang="pt-BR" sz="2400" dirty="0" err="1" smtClean="0"/>
-              <a:t>Unlabeled</a:t>
-            </a:r>
-            <a:endParaRPr lang="pt-BR" sz="2400" dirty="0" smtClean="0"/>
-          </a:p>
-          <a:p>
-            <a:r>
-              <a:rPr lang="pt-BR" sz="2400" dirty="0" smtClean="0"/>
-              <a:t>Cláusulas </a:t>
-            </a:r>
-            <a:r>
-              <a:rPr lang="pt-BR" sz="2400" dirty="0" err="1" smtClean="0"/>
-              <a:t>Labeled</a:t>
-            </a:r>
-            <a:endParaRPr lang="pt-BR" sz="2400" dirty="0" smtClean="0"/>
-          </a:p>
-          <a:p>
-            <a:endParaRPr lang="pt-BR" sz="2400" dirty="0"/>
-          </a:p>
-        </p:txBody>
-      </p:sp>
-      <p:sp>
-        <p:nvSpPr>
-          <p:cNvPr id="7" name="Espaço Reservado para Rodapé 3"/>
+              <a:t>8.4 Invocar um método que lance uma exceção</a:t>
+            </a:r>
+            <a:endParaRPr lang="pt-BR" sz="2000" dirty="0"/>
+          </a:p>
+        </p:txBody>
+      </p:sp>
+      <p:sp>
+        <p:nvSpPr>
+          <p:cNvPr id="4" name="Espaço Reservado para Rodapé 3"/>
           <p:cNvSpPr txBox="1">
             <a:spLocks noGrp="1"/>
           </p:cNvSpPr>
@@ -15899,13 +16412,20 @@
     </p:spTree>
     <p:extLst>
       <p:ext uri="{BB962C8B-B14F-4D97-AF65-F5344CB8AC3E}">
-        <p14:creationId xmlns:p14="http://schemas.microsoft.com/office/powerpoint/2010/main" val="2111532211"/>
+        <p14:creationId xmlns:p14="http://schemas.microsoft.com/office/powerpoint/2010/main" val="3021261354"/>
       </p:ext>
     </p:extLst>
   </p:cSld>
   <p:clrMapOvr>
     <a:masterClrMapping/>
   </p:clrMapOvr>
+  <p:timing>
+    <p:tnLst>
+      <p:par>
+        <p:cTn id="1" dur="indefinite" restart="never" nodeType="tmRoot"/>
+      </p:par>
+    </p:tnLst>
+  </p:timing>
 </p:sld>
 </file>
 
@@ -15928,12 +16448,12 @@
       </p:grpSpPr>
       <p:sp>
         <p:nvSpPr>
-          <p:cNvPr id="2" name="Título 1"/>
+          <p:cNvPr id="5" name="Título 4"/>
           <p:cNvSpPr>
             <a:spLocks noGrp="1"/>
           </p:cNvSpPr>
           <p:nvPr>
-            <p:ph type="ctrTitle"/>
+            <p:ph type="title"/>
           </p:nvPr>
         </p:nvSpPr>
         <p:spPr/>
@@ -15942,21 +16462,20 @@
           <a:lstStyle/>
           <a:p>
             <a:r>
-              <a:rPr lang="pt-BR" dirty="0" smtClean="0"/>
+              <a:rPr lang="pt-BR" dirty="0"/>
               <a:t>Manipulando Exceções</a:t>
             </a:r>
-            <a:endParaRPr lang="pt-BR" dirty="0"/>
-          </a:p>
-        </p:txBody>
-      </p:sp>
-      <p:sp>
-        <p:nvSpPr>
-          <p:cNvPr id="3" name="Subtítulo 2"/>
+          </a:p>
+        </p:txBody>
+      </p:sp>
+      <p:sp>
+        <p:nvSpPr>
+          <p:cNvPr id="6" name="Espaço Reservado para Conteúdo 5"/>
           <p:cNvSpPr>
             <a:spLocks noGrp="1"/>
           </p:cNvSpPr>
           <p:nvPr>
-            <p:ph type="subTitle" idx="1"/>
+            <p:ph idx="1"/>
           </p:nvPr>
         </p:nvSpPr>
         <p:spPr/>
@@ -15965,46 +16484,273 @@
           <a:lstStyle/>
           <a:p>
             <a:r>
+              <a:rPr lang="pt-BR" sz="2000" dirty="0" smtClean="0"/>
+              <a:t>Conceito</a:t>
+            </a:r>
+          </a:p>
+          <a:p>
+            <a:r>
+              <a:rPr lang="pt-BR" sz="2000" dirty="0" smtClean="0"/>
+              <a:t>Capturando </a:t>
+            </a:r>
+            <a:r>
+              <a:rPr lang="pt-BR" sz="2000" dirty="0" smtClean="0"/>
+              <a:t>uma exceção usando </a:t>
+            </a:r>
+            <a:r>
+              <a:rPr lang="pt-BR" sz="2000" dirty="0" err="1" smtClean="0"/>
+              <a:t>try</a:t>
+            </a:r>
+            <a:r>
+              <a:rPr lang="pt-BR" sz="2000" dirty="0" smtClean="0"/>
+              <a:t> e catch</a:t>
+            </a:r>
+          </a:p>
+          <a:p>
+            <a:r>
+              <a:rPr lang="pt-BR" sz="2000" dirty="0" smtClean="0"/>
+              <a:t>Usando </a:t>
+            </a:r>
+            <a:r>
+              <a:rPr lang="pt-BR" sz="2000" dirty="0" err="1" smtClean="0"/>
+              <a:t>finally</a:t>
+            </a:r>
+            <a:endParaRPr lang="pt-BR" sz="2000" dirty="0" smtClean="0"/>
+          </a:p>
+          <a:p>
+            <a:r>
+              <a:rPr lang="pt-BR" sz="2000" dirty="0" smtClean="0"/>
+              <a:t>Propagando exceções não-capturadas</a:t>
+            </a:r>
+          </a:p>
+          <a:p>
+            <a:r>
+              <a:rPr lang="pt-BR" sz="2000" dirty="0" smtClean="0"/>
+              <a:t>Definindo exceções</a:t>
+            </a:r>
+          </a:p>
+          <a:p>
+            <a:r>
+              <a:rPr lang="pt-BR" sz="2000" dirty="0" smtClean="0"/>
+              <a:t>Hierarquia de exceções</a:t>
+            </a:r>
+          </a:p>
+          <a:p>
+            <a:r>
+              <a:rPr lang="pt-BR" sz="2000" dirty="0" smtClean="0"/>
+              <a:t>Manuseando uma hierarquia de classes de exceção</a:t>
+            </a:r>
+          </a:p>
+          <a:p>
+            <a:r>
+              <a:rPr lang="pt-BR" sz="2000" dirty="0" err="1" smtClean="0"/>
+              <a:t>Matching</a:t>
+            </a:r>
+            <a:r>
+              <a:rPr lang="pt-BR" sz="2000" dirty="0" smtClean="0"/>
+              <a:t> de exceção</a:t>
+            </a:r>
+          </a:p>
+          <a:p>
+            <a:r>
+              <a:rPr lang="pt-BR" sz="2000" dirty="0" smtClean="0"/>
+              <a:t>Declaração de exceção e a interface pública</a:t>
+            </a:r>
+          </a:p>
+          <a:p>
+            <a:r>
+              <a:rPr lang="pt-BR" sz="2000" dirty="0" smtClean="0"/>
+              <a:t>Relançando a mesma exceção</a:t>
+            </a:r>
+            <a:endParaRPr lang="pt-BR" sz="2000" dirty="0"/>
+          </a:p>
+        </p:txBody>
+      </p:sp>
+      <p:sp>
+        <p:nvSpPr>
+          <p:cNvPr id="7" name="Espaço Reservado para Rodapé 3"/>
+          <p:cNvSpPr txBox="1">
+            <a:spLocks noGrp="1"/>
+          </p:cNvSpPr>
+          <p:nvPr>
+            <p:ph type="ftr" sz="quarter" idx="4294967295"/>
+          </p:nvPr>
+        </p:nvSpPr>
+        <p:spPr>
+          <a:xfrm>
+            <a:off x="3028950" y="6356351"/>
+            <a:ext cx="3086100" cy="365125"/>
+          </a:xfrm>
+          <a:prstGeom prst="rect">
+            <a:avLst/>
+          </a:prstGeom>
+        </p:spPr>
+        <p:txBody>
+          <a:bodyPr/>
+          <a:lstStyle>
+            <a:defPPr>
+              <a:defRPr lang="pt-BR"/>
+            </a:defPPr>
+            <a:lvl1pPr marL="0" algn="l" defTabSz="914400" rtl="0" eaLnBrk="1" latinLnBrk="0" hangingPunct="1">
+              <a:defRPr sz="1800" kern="1200">
+                <a:solidFill>
+                  <a:schemeClr val="tx1"/>
+                </a:solidFill>
+                <a:latin typeface="+mn-lt"/>
+                <a:ea typeface="+mn-ea"/>
+                <a:cs typeface="+mn-cs"/>
+              </a:defRPr>
+            </a:lvl1pPr>
+            <a:lvl2pPr marL="457200" algn="l" defTabSz="914400" rtl="0" eaLnBrk="1" latinLnBrk="0" hangingPunct="1">
+              <a:defRPr sz="1800" kern="1200">
+                <a:solidFill>
+                  <a:schemeClr val="tx1"/>
+                </a:solidFill>
+                <a:latin typeface="+mn-lt"/>
+                <a:ea typeface="+mn-ea"/>
+                <a:cs typeface="+mn-cs"/>
+              </a:defRPr>
+            </a:lvl2pPr>
+            <a:lvl3pPr marL="914400" algn="l" defTabSz="914400" rtl="0" eaLnBrk="1" latinLnBrk="0" hangingPunct="1">
+              <a:defRPr sz="1800" kern="1200">
+                <a:solidFill>
+                  <a:schemeClr val="tx1"/>
+                </a:solidFill>
+                <a:latin typeface="+mn-lt"/>
+                <a:ea typeface="+mn-ea"/>
+                <a:cs typeface="+mn-cs"/>
+              </a:defRPr>
+            </a:lvl3pPr>
+            <a:lvl4pPr marL="1371600" algn="l" defTabSz="914400" rtl="0" eaLnBrk="1" latinLnBrk="0" hangingPunct="1">
+              <a:defRPr sz="1800" kern="1200">
+                <a:solidFill>
+                  <a:schemeClr val="tx1"/>
+                </a:solidFill>
+                <a:latin typeface="+mn-lt"/>
+                <a:ea typeface="+mn-ea"/>
+                <a:cs typeface="+mn-cs"/>
+              </a:defRPr>
+            </a:lvl4pPr>
+            <a:lvl5pPr marL="1828800" algn="l" defTabSz="914400" rtl="0" eaLnBrk="1" latinLnBrk="0" hangingPunct="1">
+              <a:defRPr sz="1800" kern="1200">
+                <a:solidFill>
+                  <a:schemeClr val="tx1"/>
+                </a:solidFill>
+                <a:latin typeface="+mn-lt"/>
+                <a:ea typeface="+mn-ea"/>
+                <a:cs typeface="+mn-cs"/>
+              </a:defRPr>
+            </a:lvl5pPr>
+            <a:lvl6pPr marL="2286000" algn="l" defTabSz="914400" rtl="0" eaLnBrk="1" latinLnBrk="0" hangingPunct="1">
+              <a:defRPr sz="1800" kern="1200">
+                <a:solidFill>
+                  <a:schemeClr val="tx1"/>
+                </a:solidFill>
+                <a:latin typeface="+mn-lt"/>
+                <a:ea typeface="+mn-ea"/>
+                <a:cs typeface="+mn-cs"/>
+              </a:defRPr>
+            </a:lvl6pPr>
+            <a:lvl7pPr marL="2743200" algn="l" defTabSz="914400" rtl="0" eaLnBrk="1" latinLnBrk="0" hangingPunct="1">
+              <a:defRPr sz="1800" kern="1200">
+                <a:solidFill>
+                  <a:schemeClr val="tx1"/>
+                </a:solidFill>
+                <a:latin typeface="+mn-lt"/>
+                <a:ea typeface="+mn-ea"/>
+                <a:cs typeface="+mn-cs"/>
+              </a:defRPr>
+            </a:lvl7pPr>
+            <a:lvl8pPr marL="3200400" algn="l" defTabSz="914400" rtl="0" eaLnBrk="1" latinLnBrk="0" hangingPunct="1">
+              <a:defRPr sz="1800" kern="1200">
+                <a:solidFill>
+                  <a:schemeClr val="tx1"/>
+                </a:solidFill>
+                <a:latin typeface="+mn-lt"/>
+                <a:ea typeface="+mn-ea"/>
+                <a:cs typeface="+mn-cs"/>
+              </a:defRPr>
+            </a:lvl8pPr>
+            <a:lvl9pPr marL="3657600" algn="l" defTabSz="914400" rtl="0" eaLnBrk="1" latinLnBrk="0" hangingPunct="1">
+              <a:defRPr sz="1800" kern="1200">
+                <a:solidFill>
+                  <a:schemeClr val="tx1"/>
+                </a:solidFill>
+                <a:latin typeface="+mn-lt"/>
+                <a:ea typeface="+mn-ea"/>
+                <a:cs typeface="+mn-cs"/>
+              </a:defRPr>
+            </a:lvl9pPr>
+          </a:lstStyle>
+          <a:p>
+            <a:pPr algn="ctr">
+              <a:defRPr sz="1200">
+                <a:solidFill>
+                  <a:srgbClr val="8C8C8C"/>
+                </a:solidFill>
+                <a:latin typeface="Tw Cen MT" charset="0"/>
+                <a:ea typeface="Calibri" charset="0"/>
+                <a:cs typeface="Calibri" charset="0"/>
+              </a:defRPr>
+            </a:pPr>
+            <a:r>
               <a:rPr lang="pt-BR" dirty="0" smtClean="0"/>
-              <a:t>OCA </a:t>
-            </a:r>
-            <a:r>
-              <a:rPr lang="pt-BR" dirty="0" err="1" smtClean="0"/>
-              <a:t>Objectives</a:t>
-            </a:r>
-            <a:r>
-              <a:rPr lang="pt-BR" dirty="0" smtClean="0"/>
-              <a:t> 8.1, 8.2, 8.3 </a:t>
-            </a:r>
-            <a:r>
-              <a:rPr lang="pt-BR" dirty="0" err="1" smtClean="0"/>
-              <a:t>and</a:t>
-            </a:r>
-            <a:r>
-              <a:rPr lang="pt-BR" dirty="0" smtClean="0"/>
-              <a:t> 8.4</a:t>
+              <a:t>Controle de Fluxo e Exceções</a:t>
             </a:r>
             <a:endParaRPr lang="pt-BR" dirty="0"/>
+          </a:p>
+          <a:p>
+            <a:pPr algn="ctr">
+              <a:defRPr sz="1200">
+                <a:solidFill>
+                  <a:srgbClr val="8C8C8C"/>
+                </a:solidFill>
+                <a:latin typeface="Tw Cen MT" charset="0"/>
+                <a:ea typeface="Calibri" charset="0"/>
+                <a:cs typeface="Calibri" charset="0"/>
+              </a:defRPr>
+            </a:pPr>
+            <a:endParaRPr lang="pt-BR" sz="1200" dirty="0" smtClean="0">
+              <a:solidFill>
+                <a:srgbClr val="8C8C8C"/>
+              </a:solidFill>
+              <a:latin typeface="Tw Cen MT" charset="0"/>
+              <a:ea typeface="Calibri" charset="0"/>
+              <a:cs typeface="Calibri" charset="0"/>
+            </a:endParaRPr>
+          </a:p>
+          <a:p>
+            <a:pPr algn="ctr">
+              <a:defRPr sz="1200">
+                <a:solidFill>
+                  <a:srgbClr val="8C8C8C"/>
+                </a:solidFill>
+                <a:latin typeface="Tw Cen MT" charset="0"/>
+                <a:ea typeface="Calibri" charset="0"/>
+                <a:cs typeface="Calibri" charset="0"/>
+              </a:defRPr>
+            </a:pPr>
+            <a:endParaRPr lang="pt-BR" sz="1200" dirty="0">
+              <a:solidFill>
+                <a:srgbClr val="8C8C8C"/>
+              </a:solidFill>
+              <a:latin typeface="Tw Cen MT" charset="0"/>
+              <a:ea typeface="Calibri" charset="0"/>
+              <a:cs typeface="Calibri" charset="0"/>
+            </a:endParaRPr>
           </a:p>
         </p:txBody>
       </p:sp>
     </p:spTree>
     <p:extLst>
       <p:ext uri="{BB962C8B-B14F-4D97-AF65-F5344CB8AC3E}">
-        <p14:creationId xmlns:p14="http://schemas.microsoft.com/office/powerpoint/2010/main" val="3021261354"/>
+        <p14:creationId xmlns:p14="http://schemas.microsoft.com/office/powerpoint/2010/main" val="119400205"/>
       </p:ext>
     </p:extLst>
   </p:cSld>
   <p:clrMapOvr>
     <a:masterClrMapping/>
   </p:clrMapOvr>
-  <p:timing>
-    <p:tnLst>
-      <p:par>
-        <p:cTn id="1" dur="indefinite" restart="never" nodeType="tmRoot"/>
-      </p:par>
-    </p:tnLst>
-  </p:timing>
 </p:sld>
 </file>
 
@@ -16189,117 +16935,78 @@
       </p:grpSpPr>
       <p:sp>
         <p:nvSpPr>
-          <p:cNvPr id="5" name="Título 4"/>
+          <p:cNvPr id="2" name="Título 1"/>
           <p:cNvSpPr>
             <a:spLocks noGrp="1"/>
           </p:cNvSpPr>
           <p:nvPr>
-            <p:ph type="title"/>
-          </p:nvPr>
-        </p:nvSpPr>
-        <p:spPr/>
+            <p:ph type="ctrTitle"/>
+          </p:nvPr>
+        </p:nvSpPr>
+        <p:spPr>
+          <a:xfrm>
+            <a:off x="1941910" y="2514601"/>
+            <a:ext cx="6686549" cy="914399"/>
+          </a:xfrm>
+        </p:spPr>
         <p:txBody>
           <a:bodyPr/>
           <a:lstStyle/>
           <a:p>
             <a:r>
-              <a:rPr lang="pt-BR" dirty="0"/>
-              <a:t>Manipulando Exceções</a:t>
-            </a:r>
-          </a:p>
-        </p:txBody>
-      </p:sp>
-      <p:sp>
-        <p:nvSpPr>
-          <p:cNvPr id="6" name="Espaço Reservado para Conteúdo 5"/>
+              <a:rPr lang="pt-BR" dirty="0" smtClean="0"/>
+              <a:t>Exceções Comuns e </a:t>
+            </a:r>
+            <a:r>
+              <a:rPr lang="pt-BR" dirty="0" err="1" smtClean="0"/>
+              <a:t>Errors</a:t>
+            </a:r>
+            <a:endParaRPr lang="pt-BR" dirty="0"/>
+          </a:p>
+        </p:txBody>
+      </p:sp>
+      <p:sp>
+        <p:nvSpPr>
+          <p:cNvPr id="3" name="Subtítulo 2"/>
           <p:cNvSpPr>
             <a:spLocks noGrp="1"/>
           </p:cNvSpPr>
           <p:nvPr>
-            <p:ph idx="1"/>
-          </p:nvPr>
-        </p:nvSpPr>
-        <p:spPr/>
+            <p:ph type="subTitle" idx="1"/>
+          </p:nvPr>
+        </p:nvSpPr>
+        <p:spPr>
+          <a:xfrm>
+            <a:off x="1941910" y="3429000"/>
+            <a:ext cx="6686549" cy="2474663"/>
+          </a:xfrm>
+        </p:spPr>
         <p:txBody>
           <a:bodyPr/>
           <a:lstStyle/>
           <a:p>
             <a:r>
-              <a:rPr lang="pt-BR" sz="2400" dirty="0" smtClean="0"/>
-              <a:t>Capturando uma exceção usando </a:t>
-            </a:r>
-            <a:r>
-              <a:rPr lang="pt-BR" sz="2400" dirty="0" err="1" smtClean="0"/>
-              <a:t>try</a:t>
-            </a:r>
-            <a:r>
-              <a:rPr lang="pt-BR" sz="2400" dirty="0" smtClean="0"/>
-              <a:t> e catch</a:t>
-            </a:r>
-          </a:p>
-          <a:p>
-            <a:r>
-              <a:rPr lang="pt-BR" sz="2400" dirty="0" smtClean="0"/>
-              <a:t>Usando </a:t>
-            </a:r>
-            <a:r>
-              <a:rPr lang="pt-BR" sz="2400" dirty="0" err="1" smtClean="0"/>
-              <a:t>finally</a:t>
-            </a:r>
-            <a:endParaRPr lang="pt-BR" sz="2400" dirty="0" smtClean="0"/>
-          </a:p>
-          <a:p>
-            <a:r>
-              <a:rPr lang="pt-BR" sz="2400" dirty="0" smtClean="0"/>
-              <a:t>Propagando exceções não-capturadas</a:t>
-            </a:r>
-          </a:p>
-          <a:p>
-            <a:r>
-              <a:rPr lang="pt-BR" sz="2400" dirty="0" smtClean="0"/>
-              <a:t>Definindo exceções</a:t>
-            </a:r>
-          </a:p>
-          <a:p>
-            <a:r>
-              <a:rPr lang="pt-BR" sz="2400" dirty="0" smtClean="0"/>
-              <a:t>Hierarquia de exceções</a:t>
-            </a:r>
-          </a:p>
-          <a:p>
-            <a:r>
-              <a:rPr lang="pt-BR" sz="2400" dirty="0" smtClean="0"/>
-              <a:t>Manuseando uma hierarquia de classes de exceção</a:t>
-            </a:r>
-          </a:p>
-          <a:p>
-            <a:r>
-              <a:rPr lang="pt-BR" sz="2400" dirty="0" err="1" smtClean="0"/>
-              <a:t>Matching</a:t>
-            </a:r>
-            <a:r>
-              <a:rPr lang="pt-BR" sz="2400" dirty="0" smtClean="0"/>
-              <a:t> de exceção</a:t>
-            </a:r>
-          </a:p>
-          <a:p>
-            <a:r>
-              <a:rPr lang="pt-BR" sz="2400" dirty="0" smtClean="0"/>
-              <a:t>Declaração de exceção e a interface pública</a:t>
-            </a:r>
-          </a:p>
-          <a:p>
-            <a:r>
-              <a:rPr lang="pt-BR" sz="2400" dirty="0" smtClean="0"/>
-              <a:t>Relançando a mesma exceção</a:t>
-            </a:r>
-            <a:endParaRPr lang="pt-BR" sz="2400" dirty="0"/>
-          </a:p>
-        </p:txBody>
-      </p:sp>
-      <p:sp>
-        <p:nvSpPr>
-          <p:cNvPr id="7" name="Espaço Reservado para Rodapé 3"/>
+              <a:rPr lang="pt-BR" sz="2000" b="1" dirty="0" smtClean="0"/>
+              <a:t>OCA </a:t>
+            </a:r>
+            <a:r>
+              <a:rPr lang="pt-BR" sz="2000" b="1" dirty="0" err="1" smtClean="0"/>
+              <a:t>Objective</a:t>
+            </a:r>
+            <a:endParaRPr lang="pt-BR" sz="2000" b="1" dirty="0" smtClean="0"/>
+          </a:p>
+          <a:p>
+            <a:r>
+              <a:rPr lang="pt-BR" sz="2000" dirty="0" smtClean="0"/>
+              <a:t>8.5 Reconhecer classes e categorias de exceções comuns</a:t>
+            </a:r>
+            <a:endParaRPr lang="pt-BR" sz="2000" dirty="0"/>
+          </a:p>
+        </p:txBody>
+      </p:sp>
+      <p:sp>
+        <p:nvSpPr>
+          <p:cNvPr id="5" name="Espaço Reservado para Rodapé 3"/>
           <p:cNvSpPr txBox="1">
             <a:spLocks noGrp="1"/>
           </p:cNvSpPr>
@@ -16475,13 +17182,20 @@
     </p:spTree>
     <p:extLst>
       <p:ext uri="{BB962C8B-B14F-4D97-AF65-F5344CB8AC3E}">
-        <p14:creationId xmlns:p14="http://schemas.microsoft.com/office/powerpoint/2010/main" val="119400205"/>
+        <p14:creationId xmlns:p14="http://schemas.microsoft.com/office/powerpoint/2010/main" val="3694482267"/>
       </p:ext>
     </p:extLst>
   </p:cSld>
   <p:clrMapOvr>
     <a:masterClrMapping/>
   </p:clrMapOvr>
+  <p:timing>
+    <p:tnLst>
+      <p:par>
+        <p:cTn id="1" dur="indefinite" restart="never" nodeType="tmRoot"/>
+      </p:par>
+    </p:tnLst>
+  </p:timing>
 </p:sld>
 </file>
 
@@ -16504,12 +17218,12 @@
       </p:grpSpPr>
       <p:sp>
         <p:nvSpPr>
-          <p:cNvPr id="2" name="Título 1"/>
+          <p:cNvPr id="5" name="Título 4"/>
           <p:cNvSpPr>
             <a:spLocks noGrp="1"/>
           </p:cNvSpPr>
           <p:nvPr>
-            <p:ph type="ctrTitle"/>
+            <p:ph type="title"/>
           </p:nvPr>
         </p:nvSpPr>
         <p:spPr/>
@@ -16518,11 +17232,11 @@
           <a:lstStyle/>
           <a:p>
             <a:r>
-              <a:rPr lang="pt-BR" dirty="0" smtClean="0"/>
+              <a:rPr lang="pt-BR" dirty="0"/>
               <a:t>Exceções Comuns e </a:t>
             </a:r>
             <a:r>
-              <a:rPr lang="pt-BR" dirty="0" err="1" smtClean="0"/>
+              <a:rPr lang="pt-BR" dirty="0" err="1"/>
               <a:t>Errors</a:t>
             </a:r>
             <a:endParaRPr lang="pt-BR" dirty="0"/>
@@ -16531,12 +17245,12 @@
       </p:sp>
       <p:sp>
         <p:nvSpPr>
-          <p:cNvPr id="3" name="Subtítulo 2"/>
+          <p:cNvPr id="6" name="Espaço Reservado para Conteúdo 5"/>
           <p:cNvSpPr>
             <a:spLocks noGrp="1"/>
           </p:cNvSpPr>
           <p:nvPr>
-            <p:ph type="subTitle" idx="1"/>
+            <p:ph idx="1"/>
           </p:nvPr>
         </p:nvSpPr>
         <p:spPr/>
@@ -16546,23 +17260,36 @@
           <a:p>
             <a:r>
               <a:rPr lang="pt-BR" dirty="0" smtClean="0"/>
-              <a:t>OCA </a:t>
-            </a:r>
-            <a:r>
-              <a:rPr lang="pt-BR" dirty="0" err="1" smtClean="0"/>
-              <a:t>Objective</a:t>
-            </a:r>
+              <a:t>Conceito</a:t>
+            </a:r>
+          </a:p>
+          <a:p>
             <a:r>
               <a:rPr lang="pt-BR" dirty="0" smtClean="0"/>
-              <a:t> 8.5</a:t>
-            </a:r>
-            <a:endParaRPr lang="pt-BR" dirty="0"/>
-          </a:p>
-        </p:txBody>
-      </p:sp>
-      <p:sp>
-        <p:nvSpPr>
-          <p:cNvPr id="5" name="Espaço Reservado para Rodapé 3"/>
+              <a:t>De </a:t>
+            </a:r>
+            <a:r>
+              <a:rPr lang="pt-BR" dirty="0" smtClean="0"/>
+              <a:t>onde exceções vem</a:t>
+            </a:r>
+          </a:p>
+          <a:p>
+            <a:r>
+              <a:rPr lang="pt-BR" dirty="0" smtClean="0"/>
+              <a:t>Exceções lançadas pela JVM</a:t>
+            </a:r>
+          </a:p>
+          <a:p>
+            <a:r>
+              <a:rPr lang="pt-BR" dirty="0" smtClean="0"/>
+              <a:t>Exceções lançadas programaticamente</a:t>
+            </a:r>
+          </a:p>
+        </p:txBody>
+      </p:sp>
+      <p:sp>
+        <p:nvSpPr>
+          <p:cNvPr id="7" name="Espaço Reservado para Rodapé 3"/>
           <p:cNvSpPr txBox="1">
             <a:spLocks noGrp="1"/>
           </p:cNvSpPr>
@@ -16738,20 +17465,13 @@
     </p:spTree>
     <p:extLst>
       <p:ext uri="{BB962C8B-B14F-4D97-AF65-F5344CB8AC3E}">
-        <p14:creationId xmlns:p14="http://schemas.microsoft.com/office/powerpoint/2010/main" val="3694482267"/>
+        <p14:creationId xmlns:p14="http://schemas.microsoft.com/office/powerpoint/2010/main" val="743465611"/>
       </p:ext>
     </p:extLst>
   </p:cSld>
   <p:clrMapOvr>
     <a:masterClrMapping/>
   </p:clrMapOvr>
-  <p:timing>
-    <p:tnLst>
-      <p:par>
-        <p:cTn id="1" dur="indefinite" restart="never" nodeType="tmRoot"/>
-      </p:par>
-    </p:tnLst>
-  </p:timing>
 </p:sld>
 </file>
 
@@ -16774,181 +17494,55 @@
       </p:grpSpPr>
       <p:sp>
         <p:nvSpPr>
-          <p:cNvPr id="5" name="Título 4"/>
+          <p:cNvPr id="3" name="Espaço Reservado para Conteúdo 2"/>
           <p:cNvSpPr>
             <a:spLocks noGrp="1"/>
           </p:cNvSpPr>
           <p:nvPr>
-            <p:ph type="title"/>
-          </p:nvPr>
-        </p:nvSpPr>
-        <p:spPr/>
+            <p:ph idx="1"/>
+          </p:nvPr>
+        </p:nvSpPr>
+        <p:spPr>
+          <a:xfrm>
+            <a:off x="628650" y="2113658"/>
+            <a:ext cx="7886700" cy="3907630"/>
+          </a:xfrm>
+        </p:spPr>
         <p:txBody>
           <a:bodyPr/>
           <a:lstStyle/>
           <a:p>
-            <a:r>
-              <a:rPr lang="pt-BR" dirty="0"/>
-              <a:t>Exceções Comuns e </a:t>
-            </a:r>
-            <a:r>
-              <a:rPr lang="pt-BR" dirty="0" err="1"/>
-              <a:t>Errors</a:t>
-            </a:r>
-            <a:endParaRPr lang="pt-BR" dirty="0"/>
-          </a:p>
-        </p:txBody>
-      </p:sp>
-      <p:sp>
-        <p:nvSpPr>
-          <p:cNvPr id="6" name="Espaço Reservado para Conteúdo 5"/>
+            <a:pPr marL="0" indent="0" algn="r">
+              <a:buNone/>
+            </a:pPr>
+            <a:endParaRPr lang="pt-BR" sz="6600" dirty="0" smtClean="0"/>
+          </a:p>
+          <a:p>
+            <a:pPr marL="0" indent="0" algn="r">
+              <a:buNone/>
+            </a:pPr>
+            <a:r>
+              <a:rPr lang="pt-BR" sz="6600" dirty="0" smtClean="0"/>
+              <a:t>Simulado OCA</a:t>
+            </a:r>
+            <a:endParaRPr lang="pt-BR" sz="6600" dirty="0"/>
+          </a:p>
+        </p:txBody>
+      </p:sp>
+      <p:sp>
+        <p:nvSpPr>
+          <p:cNvPr id="4" name="Espaço Reservado para Rodapé 3"/>
           <p:cNvSpPr>
             <a:spLocks noGrp="1"/>
           </p:cNvSpPr>
           <p:nvPr>
-            <p:ph idx="1"/>
+            <p:ph type="ftr" sz="quarter" idx="13"/>
           </p:nvPr>
         </p:nvSpPr>
         <p:spPr/>
         <p:txBody>
           <a:bodyPr/>
           <a:lstStyle/>
-          <a:p>
-            <a:r>
-              <a:rPr lang="pt-BR" dirty="0" smtClean="0"/>
-              <a:t>De onde exceções vem</a:t>
-            </a:r>
-          </a:p>
-          <a:p>
-            <a:r>
-              <a:rPr lang="pt-BR" dirty="0" smtClean="0"/>
-              <a:t>Exceções lançadas pela JVM</a:t>
-            </a:r>
-          </a:p>
-          <a:p>
-            <a:r>
-              <a:rPr lang="pt-BR" dirty="0" smtClean="0"/>
-              <a:t>Exceções lançadas programaticamente</a:t>
-            </a:r>
-          </a:p>
-        </p:txBody>
-      </p:sp>
-      <p:sp>
-        <p:nvSpPr>
-          <p:cNvPr id="7" name="Espaço Reservado para Rodapé 3"/>
-          <p:cNvSpPr txBox="1">
-            <a:spLocks noGrp="1"/>
-          </p:cNvSpPr>
-          <p:nvPr>
-            <p:ph type="ftr" sz="quarter" idx="4294967295"/>
-          </p:nvPr>
-        </p:nvSpPr>
-        <p:spPr>
-          <a:xfrm>
-            <a:off x="3028950" y="6356351"/>
-            <a:ext cx="3086100" cy="365125"/>
-          </a:xfrm>
-          <a:prstGeom prst="rect">
-            <a:avLst/>
-          </a:prstGeom>
-        </p:spPr>
-        <p:txBody>
-          <a:bodyPr/>
-          <a:lstStyle>
-            <a:defPPr>
-              <a:defRPr lang="pt-BR"/>
-            </a:defPPr>
-            <a:lvl1pPr marL="0" algn="l" defTabSz="914400" rtl="0" eaLnBrk="1" latinLnBrk="0" hangingPunct="1">
-              <a:defRPr sz="1800" kern="1200">
-                <a:solidFill>
-                  <a:schemeClr val="tx1"/>
-                </a:solidFill>
-                <a:latin typeface="+mn-lt"/>
-                <a:ea typeface="+mn-ea"/>
-                <a:cs typeface="+mn-cs"/>
-              </a:defRPr>
-            </a:lvl1pPr>
-            <a:lvl2pPr marL="457200" algn="l" defTabSz="914400" rtl="0" eaLnBrk="1" latinLnBrk="0" hangingPunct="1">
-              <a:defRPr sz="1800" kern="1200">
-                <a:solidFill>
-                  <a:schemeClr val="tx1"/>
-                </a:solidFill>
-                <a:latin typeface="+mn-lt"/>
-                <a:ea typeface="+mn-ea"/>
-                <a:cs typeface="+mn-cs"/>
-              </a:defRPr>
-            </a:lvl2pPr>
-            <a:lvl3pPr marL="914400" algn="l" defTabSz="914400" rtl="0" eaLnBrk="1" latinLnBrk="0" hangingPunct="1">
-              <a:defRPr sz="1800" kern="1200">
-                <a:solidFill>
-                  <a:schemeClr val="tx1"/>
-                </a:solidFill>
-                <a:latin typeface="+mn-lt"/>
-                <a:ea typeface="+mn-ea"/>
-                <a:cs typeface="+mn-cs"/>
-              </a:defRPr>
-            </a:lvl3pPr>
-            <a:lvl4pPr marL="1371600" algn="l" defTabSz="914400" rtl="0" eaLnBrk="1" latinLnBrk="0" hangingPunct="1">
-              <a:defRPr sz="1800" kern="1200">
-                <a:solidFill>
-                  <a:schemeClr val="tx1"/>
-                </a:solidFill>
-                <a:latin typeface="+mn-lt"/>
-                <a:ea typeface="+mn-ea"/>
-                <a:cs typeface="+mn-cs"/>
-              </a:defRPr>
-            </a:lvl4pPr>
-            <a:lvl5pPr marL="1828800" algn="l" defTabSz="914400" rtl="0" eaLnBrk="1" latinLnBrk="0" hangingPunct="1">
-              <a:defRPr sz="1800" kern="1200">
-                <a:solidFill>
-                  <a:schemeClr val="tx1"/>
-                </a:solidFill>
-                <a:latin typeface="+mn-lt"/>
-                <a:ea typeface="+mn-ea"/>
-                <a:cs typeface="+mn-cs"/>
-              </a:defRPr>
-            </a:lvl5pPr>
-            <a:lvl6pPr marL="2286000" algn="l" defTabSz="914400" rtl="0" eaLnBrk="1" latinLnBrk="0" hangingPunct="1">
-              <a:defRPr sz="1800" kern="1200">
-                <a:solidFill>
-                  <a:schemeClr val="tx1"/>
-                </a:solidFill>
-                <a:latin typeface="+mn-lt"/>
-                <a:ea typeface="+mn-ea"/>
-                <a:cs typeface="+mn-cs"/>
-              </a:defRPr>
-            </a:lvl6pPr>
-            <a:lvl7pPr marL="2743200" algn="l" defTabSz="914400" rtl="0" eaLnBrk="1" latinLnBrk="0" hangingPunct="1">
-              <a:defRPr sz="1800" kern="1200">
-                <a:solidFill>
-                  <a:schemeClr val="tx1"/>
-                </a:solidFill>
-                <a:latin typeface="+mn-lt"/>
-                <a:ea typeface="+mn-ea"/>
-                <a:cs typeface="+mn-cs"/>
-              </a:defRPr>
-            </a:lvl7pPr>
-            <a:lvl8pPr marL="3200400" algn="l" defTabSz="914400" rtl="0" eaLnBrk="1" latinLnBrk="0" hangingPunct="1">
-              <a:defRPr sz="1800" kern="1200">
-                <a:solidFill>
-                  <a:schemeClr val="tx1"/>
-                </a:solidFill>
-                <a:latin typeface="+mn-lt"/>
-                <a:ea typeface="+mn-ea"/>
-                <a:cs typeface="+mn-cs"/>
-              </a:defRPr>
-            </a:lvl8pPr>
-            <a:lvl9pPr marL="3657600" algn="l" defTabSz="914400" rtl="0" eaLnBrk="1" latinLnBrk="0" hangingPunct="1">
-              <a:defRPr sz="1800" kern="1200">
-                <a:solidFill>
-                  <a:schemeClr val="tx1"/>
-                </a:solidFill>
-                <a:latin typeface="+mn-lt"/>
-                <a:ea typeface="+mn-ea"/>
-                <a:cs typeface="+mn-cs"/>
-              </a:defRPr>
-            </a:lvl9pPr>
-          </a:lstStyle>
           <a:p>
             <a:pPr algn="ctr">
               <a:defRPr sz="1200">
@@ -16962,62 +17556,29 @@
             </a:pPr>
             <a:r>
               <a:rPr lang="pt-BR" dirty="0" smtClean="0"/>
-              <a:t>Controle de Fluxo e Exceções</a:t>
+              <a:t>Simulado</a:t>
             </a:r>
             <a:endParaRPr lang="pt-BR" dirty="0"/>
-          </a:p>
-          <a:p>
-            <a:pPr algn="ctr">
-              <a:defRPr sz="1200">
-                <a:solidFill>
-                  <a:srgbClr val="8C8C8C"/>
-                </a:solidFill>
-                <a:latin typeface="Tw Cen MT" charset="0"/>
-                <a:ea typeface="Calibri" charset="0"/>
-                <a:cs typeface="Calibri" charset="0"/>
-              </a:defRPr>
-            </a:pPr>
-            <a:endParaRPr lang="pt-BR" sz="1200" dirty="0" smtClean="0">
-              <a:solidFill>
-                <a:srgbClr val="8C8C8C"/>
-              </a:solidFill>
-              <a:latin typeface="Tw Cen MT" charset="0"/>
-              <a:ea typeface="Calibri" charset="0"/>
-              <a:cs typeface="Calibri" charset="0"/>
-            </a:endParaRPr>
-          </a:p>
-          <a:p>
-            <a:pPr algn="ctr">
-              <a:defRPr sz="1200">
-                <a:solidFill>
-                  <a:srgbClr val="8C8C8C"/>
-                </a:solidFill>
-                <a:latin typeface="Tw Cen MT" charset="0"/>
-                <a:ea typeface="Calibri" charset="0"/>
-                <a:cs typeface="Calibri" charset="0"/>
-              </a:defRPr>
-            </a:pPr>
-            <a:endParaRPr lang="pt-BR" sz="1200" dirty="0">
-              <a:solidFill>
-                <a:srgbClr val="8C8C8C"/>
-              </a:solidFill>
-              <a:latin typeface="Tw Cen MT" charset="0"/>
-              <a:ea typeface="Calibri" charset="0"/>
-              <a:cs typeface="Calibri" charset="0"/>
-            </a:endParaRPr>
           </a:p>
         </p:txBody>
       </p:sp>
     </p:spTree>
     <p:extLst>
       <p:ext uri="{BB962C8B-B14F-4D97-AF65-F5344CB8AC3E}">
-        <p14:creationId xmlns:p14="http://schemas.microsoft.com/office/powerpoint/2010/main" val="743465611"/>
+        <p14:creationId xmlns:p14="http://schemas.microsoft.com/office/powerpoint/2010/main" val="4278038073"/>
       </p:ext>
     </p:extLst>
   </p:cSld>
   <p:clrMapOvr>
     <a:masterClrMapping/>
   </p:clrMapOvr>
+  <p:timing>
+    <p:tnLst>
+      <p:par>
+        <p:cTn id="1" dur="indefinite" restart="never" nodeType="tmRoot"/>
+      </p:par>
+    </p:tnLst>
+  </p:timing>
 </p:sld>
 </file>
 

--- a/TreinamentoJavaSeOca/documentos/apresentação/OCA.pptx
+++ b/TreinamentoJavaSeOca/documentos/apresentação/OCA.pptx
@@ -744,7 +744,7 @@
             <a:spLocks noGrp="1" noChangeArrowheads="1"/>
             <a:extLst>
               <a:ext uri="smNativeData">
-                <pr:smNativeData xmlns="" xmlns:pr="smNativeData" val="SMDATA_12_7hxgVxMAAAAlAAAAZAAAAA0AAAAAkAAAAEgAAACQAAAASAAAAAAAAAAAAAAAAAAAAAEAAABQAAAAAAAAAAAA4D8AAAAAAADgPwAAAAAAAOA/AAAAAAAA4D8AAAAAAADgPwAAAAAAAOA/AAAAAAAA4D8AAAAAAADgPwAAAAAAAOA/AAAAAAAA4D8CAAAAjAAAAAAAAAAAAAAA////DP///wgAAAAAAAAAAAAAAAAAAAAAAAAAAAAAAAAAAAAAZAAAAAEAAABAAAAAAAAAAAAAAAAAAAAAAAAAAAAAAAAAAAAAAAAAAAAAAAAAAAAAAAAAAAAAAAAAAAAAAAAAAAAAAAAAAAAAAAAAAAAAAAAAAAAAAAAAAAAAAAAAAAAAFAAAADwAAAAAAAAAAAAAAAZJjAkUAAAAAQAAABQAAAAUAAAAFAAAAAEAAAAAAAAAZAAAAGQAAAAAAAAAZAAAAGQAAAAVAAAAYAAAAAAAAAAAAAAADwAAACADAAAAAAAAAAAAAAEAAACgMgAAVgcAAKr4//8BAAAAf39/AAEAAABkAAAAAAAAABQAAABAHwAAAAAAACYAAAAAAAAAwOD//wAAAAAmAAAAZAAAABYAAABMAAAAAAAAAAAAAAAEAAAAAAAAAAEAAACWlpYKAAAAACgAAAAoAAAAZAAAAGQAAAAAAAAAzMzMAAAAAABQAAAAUAAAAGQAAABkAAAAAAAAABcAAAAUAAAAAAAAAAAAAAD/fwAA/38AAAAAAAAJAAAABAAAAAAAAAAMAAAAEAAAAAAAAAAAAAAAAAAAAAAAAAAeAAAAaAAAAAAAAAAAAAAAAAAAAAAAAAAAAAAAECcAABAnAAAAAAAAAAAAAAAAAAAAAAAAAAAAAAAAAAAAAAAAAAAAABQAAAAAAAAAwMD/AAAAAABkAAAAMgAAAAAAAABkAAAAAAAAAH9/fwAKAAAAHwAAAFQAAAAAAAAFAAAAAQAAAAAAAAAAAAAAAAAAAAAAAAAAAAAAAAAAAAAAAAAAAAAAAn9/fwAAAAADzMzMAMDA/wB/f38AAAAAAAAAAAAAAAAAAAAAAAAAAAAhAAAAGAAAABQAAAA4BAAAwAMAANAvAAAIBwAAEAAAAA=="/>
+                <pr:smNativeData xmlns:pr="smNativeData" xmlns="" val="SMDATA_12_7hxgVxMAAAAlAAAAZAAAAA0AAAAAkAAAAEgAAACQAAAASAAAAAAAAAAAAAAAAAAAAAEAAABQAAAAAAAAAAAA4D8AAAAAAADgPwAAAAAAAOA/AAAAAAAA4D8AAAAAAADgPwAAAAAAAOA/AAAAAAAA4D8AAAAAAADgPwAAAAAAAOA/AAAAAAAA4D8CAAAAjAAAAAAAAAAAAAAA////DP///wgAAAAAAAAAAAAAAAAAAAAAAAAAAAAAAAAAAAAAZAAAAAEAAABAAAAAAAAAAAAAAAAAAAAAAAAAAAAAAAAAAAAAAAAAAAAAAAAAAAAAAAAAAAAAAAAAAAAAAAAAAAAAAAAAAAAAAAAAAAAAAAAAAAAAAAAAAAAAAAAAAAAAFAAAADwAAAAAAAAAAAAAAAZJjAkUAAAAAQAAABQAAAAUAAAAFAAAAAEAAAAAAAAAZAAAAGQAAAAAAAAAZAAAAGQAAAAVAAAAYAAAAAAAAAAAAAAADwAAACADAAAAAAAAAAAAAAEAAACgMgAAVgcAAKr4//8BAAAAf39/AAEAAABkAAAAAAAAABQAAABAHwAAAAAAACYAAAAAAAAAwOD//wAAAAAmAAAAZAAAABYAAABMAAAAAAAAAAAAAAAEAAAAAAAAAAEAAACWlpYKAAAAACgAAAAoAAAAZAAAAGQAAAAAAAAAzMzMAAAAAABQAAAAUAAAAGQAAABkAAAAAAAAABcAAAAUAAAAAAAAAAAAAAD/fwAA/38AAAAAAAAJAAAABAAAAAAAAAAMAAAAEAAAAAAAAAAAAAAAAAAAAAAAAAAeAAAAaAAAAAAAAAAAAAAAAAAAAAAAAAAAAAAAECcAABAnAAAAAAAAAAAAAAAAAAAAAAAAAAAAAAAAAAAAAAAAAAAAABQAAAAAAAAAwMD/AAAAAABkAAAAMgAAAAAAAABkAAAAAAAAAH9/fwAKAAAAHwAAAFQAAAAAAAAFAAAAAQAAAAAAAAAAAAAAAAAAAAAAAAAAAAAAAAAAAAAAAAAAAAAAAn9/fwAAAAADzMzMAMDA/wB/f38AAAAAAAAAAAAAAAAAAAAAAAAAAAAhAAAAGAAAABQAAAA4BAAAwAMAANAvAAAIBwAAEAAAAA=="/>
               </a:ext>
             </a:extLst>
           </p:cNvSpPr>
@@ -1638,7 +1638,7 @@
             <a:spLocks noGrp="1" noChangeArrowheads="1"/>
             <a:extLst>
               <a:ext uri="smNativeData">
-                <pr:smNativeData xmlns="" xmlns:pr="smNativeData" val="SMDATA_12_7hxgVxMAAAAlAAAAZAAAAA0AAAAAkAAAAEgAAACQAAAASAAAAAAAAAABAAAAAAAAAAEAAABQAAAAAAAAAAAA4D8AAAAAAADgPwAAAAAAAOA/AAAAAAAA4D8AAAAAAADgPwAAAAAAAOA/AAAAAAAA4D8AAAAAAADgPwAAAAAAAOA/AAAAAAAA4D8CAAAAjAAAAAAAAAAAAAAA////AP///wgAAAAAAAAAAAAAAAAAAAAAAAAAAAAAAAAAAAAAeAAAAAEAAABAAAAAAAAAAAAAAABaAAAAAAAAAAAAAAAAAAAAAAAAAAAAAAAAAAAAAAAAAAAAAAAAAAAAAAAAAAAAAAAAAAAAAAAAAAAAAAAAAAAAAAAAAAAAAAAAAAAAFAAAADwAAAAAAAAAAAAAAAAAAAAPAAAAAQAAACMAAAAjAAAAIwAAAB4AAAAAAAAAZAAAAGQAAAAAAAAAZAAAAGQAAAAVAAAAYAAAAAAAAAAAAAAADwAAACADAAAAAAAAAAAAAAEAAACgMgAAVgcAAKr4//8BAAAAf39/AAEAAABkAAAAAAAAABQAAABAHwAAAAAAACYAAAAAAAAAwOD//wAAAAAmAAAAZAAAABYAAABMAAAAAAAAAAAAAAAEAAAAAAAAAAEAAADn5uYKAAAAACgAAAAoAAAAZAAAAGQAAAAAAAAAzMzMAAAAAABQAAAAUAAAAGQAAABkAAAAAAAAABcAAAAUAAAAAAAAAAAAAAD/fwAA/38AAAAAAAAJAAAABAAAAAAAAAAMAAAAEAAAAAAAAAAAAAAAAAAAAAAAAAAeAAAAaAAAAAAAAAAAAAAAAAAAAAAAAAAAAAAAECcAABAnAAAAAAAAAAAAAAAAAAAAAAAAAAAAAAAAAAAAAAAAAAAAABQAAAAAAAAAwMD/AAAAAABkAAAAMgAAAAAAAABkAAAAAAAAAH9/fwAKAAAAHwAAAFQAAAD///8AAAAAAQAAAAAAAAAAAAAAAAAAAAAAAAAAAAAAAAAAAAAAAAAAAAAAAH9/fwAAAAADzMzMAMDA/wB/f38AAAAAAAAAAAAAAAAAAAAAAAAAAAAhAAAAGAAAABQAAAAoBQAAPwIAANhFAABnCgAAEAAAAA=="/>
+                <pr:smNativeData xmlns:pr="smNativeData" xmlns="" val="SMDATA_12_7hxgVxMAAAAlAAAAZAAAAA0AAAAAkAAAAEgAAACQAAAASAAAAAAAAAABAAAAAAAAAAEAAABQAAAAAAAAAAAA4D8AAAAAAADgPwAAAAAAAOA/AAAAAAAA4D8AAAAAAADgPwAAAAAAAOA/AAAAAAAA4D8AAAAAAADgPwAAAAAAAOA/AAAAAAAA4D8CAAAAjAAAAAAAAAAAAAAA////AP///wgAAAAAAAAAAAAAAAAAAAAAAAAAAAAAAAAAAAAAeAAAAAEAAABAAAAAAAAAAAAAAABaAAAAAAAAAAAAAAAAAAAAAAAAAAAAAAAAAAAAAAAAAAAAAAAAAAAAAAAAAAAAAAAAAAAAAAAAAAAAAAAAAAAAAAAAAAAAAAAAAAAAFAAAADwAAAAAAAAAAAAAAAAAAAAPAAAAAQAAACMAAAAjAAAAIwAAAB4AAAAAAAAAZAAAAGQAAAAAAAAAZAAAAGQAAAAVAAAAYAAAAAAAAAAAAAAADwAAACADAAAAAAAAAAAAAAEAAACgMgAAVgcAAKr4//8BAAAAf39/AAEAAABkAAAAAAAAABQAAABAHwAAAAAAACYAAAAAAAAAwOD//wAAAAAmAAAAZAAAABYAAABMAAAAAAAAAAAAAAAEAAAAAAAAAAEAAADn5uYKAAAAACgAAAAoAAAAZAAAAGQAAAAAAAAAzMzMAAAAAABQAAAAUAAAAGQAAABkAAAAAAAAABcAAAAUAAAAAAAAAAAAAAD/fwAA/38AAAAAAAAJAAAABAAAAAAAAAAMAAAAEAAAAAAAAAAAAAAAAAAAAAAAAAAeAAAAaAAAAAAAAAAAAAAAAAAAAAAAAAAAAAAAECcAABAnAAAAAAAAAAAAAAAAAAAAAAAAAAAAAAAAAAAAAAAAAAAAABQAAAAAAAAAwMD/AAAAAABkAAAAMgAAAAAAAABkAAAAAAAAAH9/fwAKAAAAHwAAAFQAAAD///8AAAAAAQAAAAAAAAAAAAAAAAAAAAAAAAAAAAAAAAAAAAAAAAAAAAAAAH9/fwAAAAADzMzMAMDA/wB/f38AAAAAAAAAAAAAAAAAAAAAAAAAAAAhAAAAGAAAABQAAAAoBQAAPwIAANhFAABnCgAAEAAAAA=="/>
               </a:ext>
             </a:extLst>
           </p:cNvSpPr>
@@ -1685,7 +1685,7 @@
             <a:spLocks noGrp="1" noChangeArrowheads="1"/>
             <a:extLst>
               <a:ext uri="smNativeData">
-                <pr:smNativeData xmlns="" xmlns:pr="smNativeData" val="SMDATA_12_7hxgVxMAAAAlAAAAZAAAAA0AAAAAkAAAAEgAAACQAAAASAAAAAAAAAAAAAAAAAAAAAEAAABQAAAAAAAAAAAA4D8AAAAAAADgPwAAAAAAAOA/AAAAAAAA4D8AAAAAAADgPwAAAAAAAOA/AAAAAAAA4D8AAAAAAADgPwAAAAAAAOA/AAAAAAAA4D8CAAAAjAAAAAAAAAAAAAAA////AP///wgAAAAAAAAAAAAAAAAAAAAAAAAAAAAAAAAAAAAAeAAAAAEAAABAAAAAAAAAAAAAAABaAAAAAAAAAAAAAAAAAAAAAAAAAAAAAAAAAAAAAAAAAAAAAAAAAAAAAAAAAAAAAAAAAAAAAAAAAAAAAAAAAAAAAAAAAAAAAAAAAAAAFAAAADwAAAAAAAAAAAAAAAAAAAAPAAAAAQAAACMAAAAjAAAAIwAAAB4AAAAAAAAAZAAAAGQAAAAAAAAAZAAAAGQAAAAVAAAAYAAAAAAAAAAAAAAADwAAACADAAAAAAAAAAAAAAEAAACgMgAAVgcAAKr4//8BAAAAf39/AAEAAABkAAAAAAAAABQAAABAHwAAAAAAACYAAAAAAAAAwOD//wAAAAAmAAAAZAAAABYAAABMAAAAAAAAAAAAAAAEAAAAAAAAAAEAAADn5uYKAAAAACgAAAAoAAAAZAAAAGQAAAAAAAAAzMzMAAAAAABQAAAAUAAAAGQAAABkAAAAAAAAABcAAAAUAAAAAAAAAAAAAAD/fwAA/38AAAAAAAAJAAAABAAAAAAAAAAMAAAAEAAAAAAAAAAAAAAAAAAAAAAAAAAeAAAAaAAAAAAAAAAAAAAAAAAAAAAAAAAAAAAAECcAABAnAAAAAAAAAAAAAAAAAAAAAAAAAAAAAAAAAAAAAAAAAAAAABQAAAAAAAAAwMD/AAAAAABkAAAAMgAAAAAAAABkAAAAAAAAAH9/fwAKAAAAHwAAAFQAAAD///8AAAAAAQAAAAAAAAAAAAAAAAAAAAAAAAAAAAAAAAAAAAAAAAAAAAAAAH9/fwAAAAADzMzMAMDA/wB/f38AAAAAAAAAAAAAAAAAAAAAAAAAAAAhAAAAGAAAABQAAAAoBQAAOwsAANhFAAAAJgAAEAAAAA=="/>
+                <pr:smNativeData xmlns:pr="smNativeData" xmlns="" val="SMDATA_12_7hxgVxMAAAAlAAAAZAAAAA0AAAAAkAAAAEgAAACQAAAASAAAAAAAAAAAAAAAAAAAAAEAAABQAAAAAAAAAAAA4D8AAAAAAADgPwAAAAAAAOA/AAAAAAAA4D8AAAAAAADgPwAAAAAAAOA/AAAAAAAA4D8AAAAAAADgPwAAAAAAAOA/AAAAAAAA4D8CAAAAjAAAAAAAAAAAAAAA////AP///wgAAAAAAAAAAAAAAAAAAAAAAAAAAAAAAAAAAAAAeAAAAAEAAABAAAAAAAAAAAAAAABaAAAAAAAAAAAAAAAAAAAAAAAAAAAAAAAAAAAAAAAAAAAAAAAAAAAAAAAAAAAAAAAAAAAAAAAAAAAAAAAAAAAAAAAAAAAAAAAAAAAAFAAAADwAAAAAAAAAAAAAAAAAAAAPAAAAAQAAACMAAAAjAAAAIwAAAB4AAAAAAAAAZAAAAGQAAAAAAAAAZAAAAGQAAAAVAAAAYAAAAAAAAAAAAAAADwAAACADAAAAAAAAAAAAAAEAAACgMgAAVgcAAKr4//8BAAAAf39/AAEAAABkAAAAAAAAABQAAABAHwAAAAAAACYAAAAAAAAAwOD//wAAAAAmAAAAZAAAABYAAABMAAAAAAAAAAAAAAAEAAAAAAAAAAEAAADn5uYKAAAAACgAAAAoAAAAZAAAAGQAAAAAAAAAzMzMAAAAAABQAAAAUAAAAGQAAABkAAAAAAAAABcAAAAUAAAAAAAAAAAAAAD/fwAA/38AAAAAAAAJAAAABAAAAAAAAAAMAAAAEAAAAAAAAAAAAAAAAAAAAAAAAAAeAAAAaAAAAAAAAAAAAAAAAAAAAAAAAAAAAAAAECcAABAnAAAAAAAAAAAAAAAAAAAAAAAAAAAAAAAAAAAAAAAAAAAAABQAAAAAAAAAwMD/AAAAAABkAAAAMgAAAAAAAABkAAAAAAAAAH9/fwAKAAAAHwAAAFQAAAD///8AAAAAAQAAAAAAAAAAAAAAAAAAAAAAAAAAAAAAAAAAAAAAAAAAAAAAAH9/fwAAAAADzMzMAMDA/wB/f38AAAAAAAAAAAAAAAAAAAAAAAAAAAAhAAAAGAAAABQAAAAoBQAAOwsAANhFAAAAJgAAEAAAAA=="/>
               </a:ext>
             </a:extLst>
           </p:cNvSpPr>
@@ -1732,7 +1732,7 @@
             <a:spLocks noGrp="1" noChangeArrowheads="1"/>
             <a:extLst>
               <a:ext uri="smNativeData">
-                <pr:smNativeData xmlns="" xmlns:pr="smNativeData" val="SMDATA_12_7hxgVxMAAAAlAAAAZAAAAA0AAAAAkAAAAEgAAACQAAAASAAAAAAAAAABAAAAAAAAAAEAAABQAAAAAAAAAAAA4D8AAAAAAADgPwAAAAAAAOA/AAAAAAAA4D8AAAAAAADgPwAAAAAAAOA/AAAAAAAA4D8AAAAAAADgPwAAAAAAAOA/AAAAAAAA4D8CAAAAjAAAAAAAAAAAAAAA////AP///wgAAAAAAAAAAAAAAAAAAAAAAAAAAAAAAAAAAAAAeAAAAAEAAABAAAAAAAAAAAAAAABaAAAAAAAAAAAAAAAAAAAAAAAAAAAAAAAAAAAAAAAAAAAAAAAAAAAAAAAAAAAAAAAAAAAAAAAAAAAAAAAAAAAAAAAAAAAAAAAAAAAAFAAAADwAAAAAAAAAAAAAAAAAAAAPAAAAAQAAACMAAAAjAAAAIwAAAB4AAAAAAAAAZAAAAGQAAAAAAAAAZAAAAGQAAAAVAAAAYAAAAAAAAAAAAAAADwAAACADAAAAAAAAAAAAAAEAAACgMgAAVgcAAKr4//8BAAAAf39/AAEAAABkAAAAAAAAABQAAABAHwAAAAAAACYAAAAAAAAAwOD//wAAAAAmAAAAZAAAABYAAABMAAAAAAAAAAAAAAAEAAAAAAAAAAEAAADn5uYKAAAAACgAAAAoAAAAZAAAAGQAAAAAAAAAzMzMAAAAAABQAAAAUAAAAGQAAABkAAAAAAAAABcAAAAUAAAAAAAAAAAAAAD/fwAA/38AAAAAAAAJAAAABAAAAAAAAAAMAAAAEAAAAAAAAAAAAAAAAAAAAAAAAAAeAAAAaAAAAAAAAAAAAAAAAAAAAAAAAAAAAAAAECcAABAnAAAAAAAAAAAAAAAAAAAAAAAAAAAAAAAAAAAAAAAAAAAAABQAAAAAAAAAwMD/AAAAAABkAAAAMgAAAAAAAABkAAAAAAAAAH9/fwAKAAAAHwAAAFQAAAD///8A////AQAAAAAAAAAAAAAAAAAAAAAAAAAAAAAAAAAAAAAAAAAAAAAAAH9/fwDn5uYDzMzMAMDA/wB/f38AAAAAAAAAAAAAAAAAAAAAAAAAAAAhAAAAGAAAABQAAAD4NAAAGicAANhFAABZKQAAEAAAAA=="/>
+                <pr:smNativeData xmlns:pr="smNativeData" xmlns="" val="SMDATA_12_7hxgVxMAAAAlAAAAZAAAAA0AAAAAkAAAAEgAAACQAAAASAAAAAAAAAABAAAAAAAAAAEAAABQAAAAAAAAAAAA4D8AAAAAAADgPwAAAAAAAOA/AAAAAAAA4D8AAAAAAADgPwAAAAAAAOA/AAAAAAAA4D8AAAAAAADgPwAAAAAAAOA/AAAAAAAA4D8CAAAAjAAAAAAAAAAAAAAA////AP///wgAAAAAAAAAAAAAAAAAAAAAAAAAAAAAAAAAAAAAeAAAAAEAAABAAAAAAAAAAAAAAABaAAAAAAAAAAAAAAAAAAAAAAAAAAAAAAAAAAAAAAAAAAAAAAAAAAAAAAAAAAAAAAAAAAAAAAAAAAAAAAAAAAAAAAAAAAAAAAAAAAAAFAAAADwAAAAAAAAAAAAAAAAAAAAPAAAAAQAAACMAAAAjAAAAIwAAAB4AAAAAAAAAZAAAAGQAAAAAAAAAZAAAAGQAAAAVAAAAYAAAAAAAAAAAAAAADwAAACADAAAAAAAAAAAAAAEAAACgMgAAVgcAAKr4//8BAAAAf39/AAEAAABkAAAAAAAAABQAAABAHwAAAAAAACYAAAAAAAAAwOD//wAAAAAmAAAAZAAAABYAAABMAAAAAAAAAAAAAAAEAAAAAAAAAAEAAADn5uYKAAAAACgAAAAoAAAAZAAAAGQAAAAAAAAAzMzMAAAAAABQAAAAUAAAAGQAAABkAAAAAAAAABcAAAAUAAAAAAAAAAAAAAD/fwAA/38AAAAAAAAJAAAABAAAAAAAAAAMAAAAEAAAAAAAAAAAAAAAAAAAAAAAAAAeAAAAaAAAAAAAAAAAAAAAAAAAAAAAAAAAAAAAECcAABAnAAAAAAAAAAAAAAAAAAAAAAAAAAAAAAAAAAAAAAAAAAAAABQAAAAAAAAAwMD/AAAAAABkAAAAMgAAAAAAAABkAAAAAAAAAH9/fwAKAAAAHwAAAFQAAAD///8A////AQAAAAAAAAAAAAAAAAAAAAAAAAAAAAAAAAAAAAAAAAAAAAAAAH9/fwDn5uYDzMzMAMDA/wB/f38AAAAAAAAAAAAAAAAAAAAAAAAAAAAhAAAAGAAAABQAAAD4NAAAGicAANhFAABZKQAAEAAAAA=="/>
               </a:ext>
             </a:extLst>
           </p:cNvSpPr>
@@ -1789,7 +1789,7 @@
             <a:spLocks noGrp="1" noChangeArrowheads="1"/>
             <a:extLst>
               <a:ext uri="smNativeData">
-                <pr:smNativeData xmlns="" xmlns:pr="smNativeData" val="SMDATA_12_7hxgVxMAAAAlAAAAZAAAAA0AAAAAkAAAAEgAAACQAAAASAAAAAAAAAABAAAAAAAAAAEAAABQAAAAAAAAAAAA4D8AAAAAAADgPwAAAAAAAOA/AAAAAAAA4D8AAAAAAADgPwAAAAAAAOA/AAAAAAAA4D8AAAAAAADgPwAAAAAAAOA/AAAAAAAA4D8CAAAAjAAAAAAAAAAAAAAA////AP///wgAAAAAAAAAAAAAAAAAAAAAAAAAAAAAAAAAAAAAeAAAAAEAAABAAAAAAAAAAAAAAABaAAAAAAAAAAAAAAAAAAAAAAAAAAAAAAAAAAAAAAAAAAAAAAAAAAAAAAAAAAAAAAAAAAAAAAAAAAAAAAAAAAAAAAAAAAAAAAAAAAAAFAAAADwAAAAAAAAAAAAAAAAAAAAPAAAAAQAAACMAAAAjAAAAIwAAAB4AAAAAAAAAZAAAAGQAAAAAAAAAZAAAAGQAAAAVAAAAYAAAAAAAAAAAAAAADwAAACADAAAAAAAAAAAAAAEAAACgMgAAVgcAAKr4//8BAAAAf39/AAEAAABkAAAAAAAAABQAAABAHwAAAAAAACYAAAAAAAAAwOD//wAAAAAmAAAAZAAAABYAAABMAAAAAAAAAAAAAAAEAAAAAAAAAAEAAADn5uYKAAAAACgAAAAoAAAAZAAAAGQAAAAAAAAAzMzMAAAAAABQAAAAUAAAAGQAAABkAAAAAAAAABcAAAAUAAAAAAAAAAAAAAD/fwAA/38AAAAAAAAJAAAABAAAAAAAAAAMAAAAEAAAAAAAAAAAAAAAAAAAAAAAAAAeAAAAaAAAAAAAAAAAAAAAAAAAAAAAAAAAAAAAECcAABAnAAAAAAAAAAAAAAAAAAAAAAAAAAAAAAAAAAAAAAAAAAAAABQAAAAAAAAAwMD/AAAAAABkAAAAMgAAAAAAAABkAAAAAAAAAH9/fwAKAAAAHwAAAFQAAAD///8A////AQAAAAAAAAAAAAAAAAAAAAAAAAAAAAAAAAAAAAAAAAAAAAAAAH9/fwDn5uYDzMzMAMDA/wB/f38AAAAAAAAAAAAAAAAAAAAAAAAAAAAhAAAAGAAAABQAAADYGAAAGicAACgyAABZKQAAEAAAAA=="/>
+                <pr:smNativeData xmlns:pr="smNativeData" xmlns="" val="SMDATA_12_7hxgVxMAAAAlAAAAZAAAAA0AAAAAkAAAAEgAAACQAAAASAAAAAAAAAABAAAAAAAAAAEAAABQAAAAAAAAAAAA4D8AAAAAAADgPwAAAAAAAOA/AAAAAAAA4D8AAAAAAADgPwAAAAAAAOA/AAAAAAAA4D8AAAAAAADgPwAAAAAAAOA/AAAAAAAA4D8CAAAAjAAAAAAAAAAAAAAA////AP///wgAAAAAAAAAAAAAAAAAAAAAAAAAAAAAAAAAAAAAeAAAAAEAAABAAAAAAAAAAAAAAABaAAAAAAAAAAAAAAAAAAAAAAAAAAAAAAAAAAAAAAAAAAAAAAAAAAAAAAAAAAAAAAAAAAAAAAAAAAAAAAAAAAAAAAAAAAAAAAAAAAAAFAAAADwAAAAAAAAAAAAAAAAAAAAPAAAAAQAAACMAAAAjAAAAIwAAAB4AAAAAAAAAZAAAAGQAAAAAAAAAZAAAAGQAAAAVAAAAYAAAAAAAAAAAAAAADwAAACADAAAAAAAAAAAAAAEAAACgMgAAVgcAAKr4//8BAAAAf39/AAEAAABkAAAAAAAAABQAAABAHwAAAAAAACYAAAAAAAAAwOD//wAAAAAmAAAAZAAAABYAAABMAAAAAAAAAAAAAAAEAAAAAAAAAAEAAADn5uYKAAAAACgAAAAoAAAAZAAAAGQAAAAAAAAAzMzMAAAAAABQAAAAUAAAAGQAAABkAAAAAAAAABcAAAAUAAAAAAAAAAAAAAD/fwAA/38AAAAAAAAJAAAABAAAAAAAAAAMAAAAEAAAAAAAAAAAAAAAAAAAAAAAAAAeAAAAaAAAAAAAAAAAAAAAAAAAAAAAAAAAAAAAECcAABAnAAAAAAAAAAAAAAAAAAAAAAAAAAAAAAAAAAAAAAAAAAAAABQAAAAAAAAAwMD/AAAAAABkAAAAMgAAAAAAAABkAAAAAAAAAH9/fwAKAAAAHwAAAFQAAAD///8A////AQAAAAAAAAAAAAAAAAAAAAAAAAAAAAAAAAAAAAAAAAAAAAAAAH9/fwDn5uYDzMzMAMDA/wB/f38AAAAAAAAAAAAAAAAAAAAAAAAAAAAhAAAAGAAAABQAAADYGAAAGicAACgyAABZKQAAEAAAAA=="/>
               </a:ext>
             </a:extLst>
           </p:cNvSpPr>
@@ -1843,7 +1843,7 @@
             <a:spLocks noGrp="1" noChangeArrowheads="1"/>
             <a:extLst>
               <a:ext uri="smNativeData">
-                <pr:smNativeData xmlns="" xmlns:pr="smNativeData" val="SMDATA_12_7hxgVxMAAAAlAAAAZAAAAA0AAAAAkAAAAEgAAACQAAAASAAAAAAAAAABAAAAAAAAAAEAAABQAAAAAAAAAAAA4D8AAAAAAADgPwAAAAAAAOA/AAAAAAAA4D8AAAAAAADgPwAAAAAAAOA/AAAAAAAA4D8AAAAAAADgPwAAAAAAAOA/AAAAAAAA4D8CAAAAjAAAAAAAAAAAAAAA////AP///wgAAAAAAAAAAAAAAAAAAAAAAAAAAAAAAAAAAAAAeAAAAAEAAABAAAAAAAAAAAAAAABaAAAAAAAAAAAAAAAAAAAAAAAAAAAAAAAAAAAAAAAAAAAAAAAAAAAAAAAAAAAAAAAAAAAAAAAAAAAAAAAAAAAAAAAAAAAAAAAAAAAAFAAAADwAAAAAAAAAAAAAAAAAAAAPAAAAAQAAACMAAAAjAAAAIwAAAB4AAAAAAAAAZAAAAGQAAAAAAAAAZAAAAGQAAAAVAAAAYAAAAAAAAAAAAAAADwAAACADAAAAAAAAAAAAAAEAAACgMgAAVgcAAKr4//8BAAAAf39/AAEAAABkAAAAAAAAABQAAABAHwAAAAAAACYAAAAAAAAAwOD//wAAAAAmAAAAZAAAABYAAABMAAAAAAAAAAAAAAAEAAAAAAAAAAEAAADn5uYKAAAAACgAAAAoAAAAZAAAAGQAAAAAAAAAzMzMAAAAAABQAAAAUAAAAGQAAABkAAAAAAAAABcAAAAUAAAAAAAAAAAAAAD/fwAA/38AAAAAAAAJAAAABAAAAAAAAAAMAAAAEAAAAAAAAAAAAAAAAAAAAAAAAAAeAAAAaAAAAAAAAAAAAAAAAAAAAAAAAAAAAAAAECcAABAnAAAAAAAAAAAAAAAAAAAAAAAAAAAAAAAAAAAAAAAAAAAAABQAAAAAAAAAwMD/AAAAAABkAAAAMgAAAAAAAABkAAAAAAAAAH9/fwAKAAAAHwAAAFQAAAD///8A////AQAAAAAAAAAAAAAAAAAAAAAAAAAAAAAAAAAAAAAAAAAAAAAAAH9/fwDn5uYDzMzMAMDA/wB/f38AAAAAAAAAAAAAAAAAAAAAAAAAAAAhAAAAGAAAABQAAAAoBQAAGicAAAgWAABZKQAAEAAAAA=="/>
+                <pr:smNativeData xmlns:pr="smNativeData" xmlns="" val="SMDATA_12_7hxgVxMAAAAlAAAAZAAAAA0AAAAAkAAAAEgAAACQAAAASAAAAAAAAAABAAAAAAAAAAEAAABQAAAAAAAAAAAA4D8AAAAAAADgPwAAAAAAAOA/AAAAAAAA4D8AAAAAAADgPwAAAAAAAOA/AAAAAAAA4D8AAAAAAADgPwAAAAAAAOA/AAAAAAAA4D8CAAAAjAAAAAAAAAAAAAAA////AP///wgAAAAAAAAAAAAAAAAAAAAAAAAAAAAAAAAAAAAAeAAAAAEAAABAAAAAAAAAAAAAAABaAAAAAAAAAAAAAAAAAAAAAAAAAAAAAAAAAAAAAAAAAAAAAAAAAAAAAAAAAAAAAAAAAAAAAAAAAAAAAAAAAAAAAAAAAAAAAAAAAAAAFAAAADwAAAAAAAAAAAAAAAAAAAAPAAAAAQAAACMAAAAjAAAAIwAAAB4AAAAAAAAAZAAAAGQAAAAAAAAAZAAAAGQAAAAVAAAAYAAAAAAAAAAAAAAADwAAACADAAAAAAAAAAAAAAEAAACgMgAAVgcAAKr4//8BAAAAf39/AAEAAABkAAAAAAAAABQAAABAHwAAAAAAACYAAAAAAAAAwOD//wAAAAAmAAAAZAAAABYAAABMAAAAAAAAAAAAAAAEAAAAAAAAAAEAAADn5uYKAAAAACgAAAAoAAAAZAAAAGQAAAAAAAAAzMzMAAAAAABQAAAAUAAAAGQAAABkAAAAAAAAABcAAAAUAAAAAAAAAAAAAAD/fwAA/38AAAAAAAAJAAAABAAAAAAAAAAMAAAAEAAAAAAAAAAAAAAAAAAAAAAAAAAeAAAAaAAAAAAAAAAAAAAAAAAAAAAAAAAAAAAAECcAABAnAAAAAAAAAAAAAAAAAAAAAAAAAAAAAAAAAAAAAAAAAAAAABQAAAAAAAAAwMD/AAAAAABkAAAAMgAAAAAAAABkAAAAAAAAAH9/fwAKAAAAHwAAAFQAAAD///8A////AQAAAAAAAAAAAAAAAAAAAAAAAAAAAAAAAAAAAAAAAAAAAAAAAH9/fwDn5uYDzMzMAMDA/wB/f38AAAAAAAAAAAAAAAAAAAAAAAAAAAAhAAAAGAAAABQAAAAoBQAAGicAAAgWAABZKQAAEAAAAA=="/>
               </a:ext>
             </a:extLst>
           </p:cNvSpPr>
@@ -2642,7 +2642,7 @@
           <p:cNvGrpSpPr>
             <a:extLst>
               <a:ext uri="smNativeData">
-                <pr:smNativeData xmlns="" xmlns:pr="smNativeData" val="SMDATA_6_7hxgVxMAAAAlAAAAAQAAAA8BAAAAkAAAAEgAAACQAAAASAAAAAAAAAAAAAAAAAAAABcAAAAUAAAAAAAAAAAAAAD/fwAA/38AAAAAAAAJAAAABAAAAAAAAAAMAAAAEAAAAAAAAAAAAAAAAAAAAAAAAAAfAAAAVAAAAAAAAAAAAAAAAAAAAAAAAAAAAAAAAAAAAAAAAAAAAAAAAAAAAAAAAAAAAAAAAAAAAAAAAAAAAAAAAAAAAAAAAAAAAAAAAAAAAAAAAAAAAAAAAAAAACEAAAAYAAAAFAAAAAAAAACEIQAAAEsAAEMmAAAQAAAA"/>
+                <pr:smNativeData xmlns:pr="smNativeData" xmlns="" val="SMDATA_6_7hxgVxMAAAAlAAAAAQAAAA8BAAAAkAAAAEgAAACQAAAASAAAAAAAAAAAAAAAAAAAABcAAAAUAAAAAAAAAAAAAAD/fwAA/38AAAAAAAAJAAAABAAAAAAAAAAMAAAAEAAAAAAAAAAAAAAAAAAAAAAAAAAfAAAAVAAAAAAAAAAAAAAAAAAAAAAAAAAAAAAAAAAAAAAAAAAAAAAAAAAAAAAAAAAAAAAAAAAAAAAAAAAAAAAAAAAAAAAAAAAAAAAAAAAAAAAAAAAAAAAAAAAAACEAAAAYAAAAFAAAAAAAAACEIQAAAEsAAEMmAAAQAAAA"/>
               </a:ext>
             </a:extLst>
           </p:cNvGrpSpPr>
@@ -2692,7 +2692,7 @@
             <p:cNvSpPr>
               <a:extLst>
                 <a:ext uri="smNativeData">
-                  <pr:smNativeData xmlns="" xmlns:pr="smNativeData" val="SMDATA_12_7hxgVxMAAAAlAAAAZAAAAA0AAAAAkAAAAEgAAACQAAAASAAAAAAAAAABAAAAAAAAAAEAAABQAAAAAAAAAAAA4D8AAAAAAADgPwAAAAAAAOA/AAAAAAAA4D8AAAAAAADgPwAAAAAAAOA/AAAAAAAA4D8AAAAAAADgPwAAAAAAAOA/AAAAAAAA4D8CAAAAjAAAAAEAAAAAAAAAVII1AP///wgAAAAAAAAAAAAAAAAAAAAAAAAAAAAAAAAAAAAAeAAAAAEAAABAAAAAAAAAAAAAAABaAAAAAAAAAAAAAAAAAAAAAAAAAAAAAAAAAAAAAAAAAAAAAAAAAAAAAAAAAAAAAAAAAAAAAAAAAAAAAAAAAAAAAAAAAAAAAAAAAAAAFAAAADwAAAAAAAAAAAAAAAZJjAkUAAAAAQAAABQAAAAUAAAAFAAAAAEAAAAAAAAAZAAAAGQAAAAAAAAAZAAAAGQAAAAVAAAAYAAAAAAAAAAAAAAADwAAACADAAAAAAAAAAAAAAEAAACgMgAAVgcAAKr4//8BAAAAf39/AAEAAABkAAAAAAAAABQAAABAHwAAAAAAACYAAAAAAAAAwOD//wAAAAAmAAAAZAAAABYAAABMAAAAAAAAAAAAAAAEAAAAAAAAAAEAAACWlpYKAAAAACgAAAAoAAAAZAAAAGQAAAAAAAAAzMzMAAAAAABQAAAAUAAAAGQAAABkAAAAAAAAABcAAAAUAAAAAAAAAAAAAAD/fwAA/38AAAAAAAAJAAAABAAAAAAAAAAMAAAAEAAAAAAAAAAAAAAAAAAAAAAAAAAeAAAAaAAAAAAAAAAAAAAAAAAAAAAAAAAAAAAAECcAABAnAAAAAAAAAAAAAAAAAAAAAAAAAAAAAAAAAAAAAAAAAAAAABQAAAAAAAAAwMD/AAAAAABkAAAAMgAAAAAAAABkAAAAAAAAAH9/fwAKAAAAHwAAAFQAAABUgjUA////AQAAAAAAAAAAAAAAAAAAAAAAAAAAAAAAAAAAAAAAAAAAAAAAAn9/fwDn5uYDzMzMAMDA/wB/f38AAAAAAAAAAAAAAAAAAAAAAAAAAAAhAAAAGAAAABQAAADLEgAAhiEAAABLAABDJgAAAAAAAA=="/>
+                  <pr:smNativeData xmlns:pr="smNativeData" xmlns="" val="SMDATA_12_7hxgVxMAAAAlAAAAZAAAAA0AAAAAkAAAAEgAAACQAAAASAAAAAAAAAABAAAAAAAAAAEAAABQAAAAAAAAAAAA4D8AAAAAAADgPwAAAAAAAOA/AAAAAAAA4D8AAAAAAADgPwAAAAAAAOA/AAAAAAAA4D8AAAAAAADgPwAAAAAAAOA/AAAAAAAA4D8CAAAAjAAAAAEAAAAAAAAAVII1AP///wgAAAAAAAAAAAAAAAAAAAAAAAAAAAAAAAAAAAAAeAAAAAEAAABAAAAAAAAAAAAAAABaAAAAAAAAAAAAAAAAAAAAAAAAAAAAAAAAAAAAAAAAAAAAAAAAAAAAAAAAAAAAAAAAAAAAAAAAAAAAAAAAAAAAAAAAAAAAAAAAAAAAFAAAADwAAAAAAAAAAAAAAAZJjAkUAAAAAQAAABQAAAAUAAAAFAAAAAEAAAAAAAAAZAAAAGQAAAAAAAAAZAAAAGQAAAAVAAAAYAAAAAAAAAAAAAAADwAAACADAAAAAAAAAAAAAAEAAACgMgAAVgcAAKr4//8BAAAAf39/AAEAAABkAAAAAAAAABQAAABAHwAAAAAAACYAAAAAAAAAwOD//wAAAAAmAAAAZAAAABYAAABMAAAAAAAAAAAAAAAEAAAAAAAAAAEAAACWlpYKAAAAACgAAAAoAAAAZAAAAGQAAAAAAAAAzMzMAAAAAABQAAAAUAAAAGQAAABkAAAAAAAAABcAAAAUAAAAAAAAAAAAAAD/fwAA/38AAAAAAAAJAAAABAAAAAAAAAAMAAAAEAAAAAAAAAAAAAAAAAAAAAAAAAAeAAAAaAAAAAAAAAAAAAAAAAAAAAAAAAAAAAAAECcAABAnAAAAAAAAAAAAAAAAAAAAAAAAAAAAAAAAAAAAAAAAAAAAABQAAAAAAAAAwMD/AAAAAABkAAAAMgAAAAAAAABkAAAAAAAAAH9/fwAKAAAAHwAAAFQAAABUgjUA////AQAAAAAAAAAAAAAAAAAAAAAAAAAAAAAAAAAAAAAAAAAAAAAAAn9/fwDn5uYDzMzMAMDA/wB/f38AAAAAAAAAAAAAAAAAAAAAAAAAAAAhAAAAGAAAABQAAADLEgAAhiEAAABLAABDJgAAAAAAAA=="/>
                 </a:ext>
               </a:extLst>
             </p:cNvSpPr>
@@ -2843,7 +2843,7 @@
             <p:cNvSpPr>
               <a:extLst>
                 <a:ext uri="smNativeData">
-                  <pr:smNativeData xmlns="" xmlns:pr="smNativeData" val="SMDATA_12_7hxgVxMAAAAlAAAAZAAAAA0AAAAAkAAAAEgAAACQAAAASAAAAAAAAAABAAAAAAAAAAEAAABQAAAAAAAAAAAA4D8AAAAAAADgPwAAAAAAAOA/AAAAAAAA4D8AAAAAAADgPwAAAAAAAOA/AAAAAAAA4D8AAAAAAADgPwAAAAAAAOA/AAAAAAAA4D8CAAAAjAAAAAEAAAAAAAAA/8AAAP///wgAAAAAAAAAAAAAAAAAAAAAAAAAAAAAAAAAAAAAeAAAAAEAAABAAAAAAAAAAAAAAABaAAAAAAAAAAAAAAAAAAAAAAAAAAAAAAAAAAAAAAAAAAAAAAAAAAAAAAAAAAAAAAAAAAAAAAAAAAAAAAAAAAAAAAAAAAAAAAAAAAAAFAAAADwAAAAAAAAAAAAAAAZJjAkUAAAAAQAAABQAAAAUAAAAFAAAAAEAAAAAAAAAZAAAAGQAAAAAAAAAZAAAAGQAAAAVAAAAYAAAAAAAAAAAAAAADwAAACADAAAAAAAAAAAAAAEAAACgMgAAVgcAAKr4//8BAAAAf39/AAEAAABkAAAAAAAAABQAAABAHwAAAAAAACYAAAAAAAAAwOD//wAAAAAmAAAAZAAAABYAAABMAAAAAAAAAAAAAAAEAAAAAAAAAAEAAACWlpYKAAAAACgAAAAoAAAAZAAAAGQAAAAAAAAAzMzMAAAAAABQAAAAUAAAAGQAAABkAAAAAAAAABcAAAAUAAAAAAAAAAAAAAD/fwAA/38AAAAAAAAJAAAABAAAAAAAAAAMAAAAEAAAAAAAAAAAAAAAAAAAAAAAAAAeAAAAaAAAAAAAAAAAAAAAAAAAAAAAAAAAAAAAECcAABAnAAAAAAAAAAAAAAAAAAAAAAAAAAAAAAAAAAAAAAAAAAAAABQAAAAAAAAAwMD/AAAAAABkAAAAMgAAAAAAAABkAAAAAAAAAH9/fwAKAAAAHwAAAFQAAAD/wAAA////AQAAAAAAAAAAAAAAAAAAAAAAAAAAAAAAAAAAAAAAAAAAAAAAAn9/fwDn5uYDzMzMAMDA/wB/f38AAAAAAAAAAAAAAAAAAAAAAAAAAAAhAAAAGAAAABQAAAAAAAAAhCEAAMsSAABBJgAAAAAAAA=="/>
+                  <pr:smNativeData xmlns:pr="smNativeData" xmlns="" val="SMDATA_12_7hxgVxMAAAAlAAAAZAAAAA0AAAAAkAAAAEgAAACQAAAASAAAAAAAAAABAAAAAAAAAAEAAABQAAAAAAAAAAAA4D8AAAAAAADgPwAAAAAAAOA/AAAAAAAA4D8AAAAAAADgPwAAAAAAAOA/AAAAAAAA4D8AAAAAAADgPwAAAAAAAOA/AAAAAAAA4D8CAAAAjAAAAAEAAAAAAAAA/8AAAP///wgAAAAAAAAAAAAAAAAAAAAAAAAAAAAAAAAAAAAAeAAAAAEAAABAAAAAAAAAAAAAAABaAAAAAAAAAAAAAAAAAAAAAAAAAAAAAAAAAAAAAAAAAAAAAAAAAAAAAAAAAAAAAAAAAAAAAAAAAAAAAAAAAAAAAAAAAAAAAAAAAAAAFAAAADwAAAAAAAAAAAAAAAZJjAkUAAAAAQAAABQAAAAUAAAAFAAAAAEAAAAAAAAAZAAAAGQAAAAAAAAAZAAAAGQAAAAVAAAAYAAAAAAAAAAAAAAADwAAACADAAAAAAAAAAAAAAEAAACgMgAAVgcAAKr4//8BAAAAf39/AAEAAABkAAAAAAAAABQAAABAHwAAAAAAACYAAAAAAAAAwOD//wAAAAAmAAAAZAAAABYAAABMAAAAAAAAAAAAAAAEAAAAAAAAAAEAAACWlpYKAAAAACgAAAAoAAAAZAAAAGQAAAAAAAAAzMzMAAAAAABQAAAAUAAAAGQAAABkAAAAAAAAABcAAAAUAAAAAAAAAAAAAAD/fwAA/38AAAAAAAAJAAAABAAAAAAAAAAMAAAAEAAAAAAAAAAAAAAAAAAAAAAAAAAeAAAAaAAAAAAAAAAAAAAAAAAAAAAAAAAAAAAAECcAABAnAAAAAAAAAAAAAAAAAAAAAAAAAAAAAAAAAAAAAAAAAAAAABQAAAAAAAAAwMD/AAAAAABkAAAAMgAAAAAAAABkAAAAAAAAAH9/fwAKAAAAHwAAAFQAAAD/wAAA////AQAAAAAAAAAAAAAAAAAAAAAAAAAAAAAAAAAAAAAAAAAAAAAAAn9/fwDn5uYDzMzMAMDA/wB/f38AAAAAAAAAAAAAAAAAAAAAAAAAAAAhAAAAGAAAABQAAAAAAAAAhCEAAMsSAABBJgAAAAAAAA=="/>
                 </a:ext>
               </a:extLst>
             </p:cNvSpPr>
@@ -2996,7 +2996,7 @@
             <a:spLocks noGrp="1" noChangeArrowheads="1"/>
             <a:extLst>
               <a:ext uri="smNativeData">
-                <pr:smNativeData xmlns="" xmlns:pr="smNativeData" val="SMDATA_12_7hxgVxMAAAAlAAAAZAAAAA0AAAAAkAAAAEgAAACQAAAASAAAAAAAAAACAAAAAAAAAAEAAABQAAAAAAAAAAAA4D8AAAAAAADgPwAAAAAAAOA/AAAAAAAA4D8AAAAAAADgPwAAAAAAAOA/AAAAAAAA4D8AAAAAAADgPwAAAAAAAOA/AAAAAAAA4D8CAAAAjAAAAAAAAAAAAAAA////DP///wgAAAAAAAAAAAAAAAAAAAAAAAAAAAAAAAAAAAAAZAAAAAEAAABAAAAAAAAAAAAAAAAAAAAAAAAAAAAAAAAAAAAAAAAAAAAAAAAAAAAAAAAAAAAAAAAAAAAAAAAAAAAAAAAAAAAAAAAAAAAAAAAAAAAAAAAAAAAAAAAAAAAAFAAAADwAAAAAAAAAAAAAAAZJjAkUAAAAAQAAABQAAAAUAAAAFAAAAAEAAAAAAAAAZAAAAGQAAAAAAAAAZAAAAGQAAAAVAAAAYAAAAAAAAAAAAAAADwAAACADAAAAAAAAAAAAAAEAAACgMgAAVgcAAKr4//8BAAAAf39/AAEAAABkAAAAAAAAABQAAABAHwAAAAAAACYAAAAAAAAAwOD//wAAAAAmAAAAZAAAABYAAABMAAAAAAAAAAAAAAAEAAAAAAAAAAEAAACWlpYKAAAAACgAAAAoAAAAZAAAAGQAAAAAAAAAzMzMAAAAAABQAAAAUAAAAGQAAABkAAAAAAAAABcAAAAUAAAAAAAAAAAAAAD/fwAA/38AAAAAAAAJAAAABAAAAAAAAAAMAAAAEAAAAAAAAAAAAAAAAAAAAAAAAAAeAAAAaAAAAAAAAAAAAAAAAAAAAAAAAAAAAAAAECcAABAnAAAAAAAAAAAAAAAAAAAAAAAAAAAAAAAAAAAAAAAAAAAAABQAAAAAAAAAwMD/AAAAAABkAAAAMgAAAAAAAABkAAAAAAAAAH9/fwAKAAAAHwAAAFQAAABbm9UF////AQAAAAAAAAAAAAAAAAAAAAAAAAAAAAAAAAAAAAAAAAAAAAAAAn9/fwDn5uYDzMzMAMDA/wB/f38AAAAAAAAAAAAAAAAAAAAAAAAAAAAhAAAAGAAAABQAAADLEgAAFQkAAItHAABTHgAAAAAAAA=="/>
+                <pr:smNativeData xmlns:pr="smNativeData" xmlns="" val="SMDATA_12_7hxgVxMAAAAlAAAAZAAAAA0AAAAAkAAAAEgAAACQAAAASAAAAAAAAAACAAAAAAAAAAEAAABQAAAAAAAAAAAA4D8AAAAAAADgPwAAAAAAAOA/AAAAAAAA4D8AAAAAAADgPwAAAAAAAOA/AAAAAAAA4D8AAAAAAADgPwAAAAAAAOA/AAAAAAAA4D8CAAAAjAAAAAAAAAAAAAAA////DP///wgAAAAAAAAAAAAAAAAAAAAAAAAAAAAAAAAAAAAAZAAAAAEAAABAAAAAAAAAAAAAAAAAAAAAAAAAAAAAAAAAAAAAAAAAAAAAAAAAAAAAAAAAAAAAAAAAAAAAAAAAAAAAAAAAAAAAAAAAAAAAAAAAAAAAAAAAAAAAAAAAAAAAFAAAADwAAAAAAAAAAAAAAAZJjAkUAAAAAQAAABQAAAAUAAAAFAAAAAEAAAAAAAAAZAAAAGQAAAAAAAAAZAAAAGQAAAAVAAAAYAAAAAAAAAAAAAAADwAAACADAAAAAAAAAAAAAAEAAACgMgAAVgcAAKr4//8BAAAAf39/AAEAAABkAAAAAAAAABQAAABAHwAAAAAAACYAAAAAAAAAwOD//wAAAAAmAAAAZAAAABYAAABMAAAAAAAAAAAAAAAEAAAAAAAAAAEAAACWlpYKAAAAACgAAAAoAAAAZAAAAGQAAAAAAAAAzMzMAAAAAABQAAAAUAAAAGQAAABkAAAAAAAAABcAAAAUAAAAAAAAAAAAAAD/fwAA/38AAAAAAAAJAAAABAAAAAAAAAAMAAAAEAAAAAAAAAAAAAAAAAAAAAAAAAAeAAAAaAAAAAAAAAAAAAAAAAAAAAAAAAAAAAAAECcAABAnAAAAAAAAAAAAAAAAAAAAAAAAAAAAAAAAAAAAAAAAAAAAABQAAAAAAAAAwMD/AAAAAABkAAAAMgAAAAAAAABkAAAAAAAAAH9/fwAKAAAAHwAAAFQAAABbm9UF////AQAAAAAAAAAAAAAAAAAAAAAAAAAAAAAAAAAAAAAAAAAAAAAAAn9/fwDn5uYDzMzMAMDA/wB/f38AAAAAAAAAAAAAAAAAAAAAAAAAAAAhAAAAGAAAABQAAADLEgAAFQkAAItHAABTHgAAAAAAAA=="/>
               </a:ext>
             </a:extLst>
           </p:cNvSpPr>
@@ -3059,7 +3059,7 @@
             <a:spLocks noGrp="1" noChangeArrowheads="1"/>
             <a:extLst>
               <a:ext uri="smNativeData">
-                <pr:smNativeData xmlns="" xmlns:pr="smNativeData" val="SMDATA_12_7hxgVxMAAAAlAAAAZAAAAA0AAAAAkAAAAEgAAACQAAAASAAAAAAAAAAAAAAAAAAAAAEAAABQAAAAAAAAAAAA4D8AAAAAAADgPwAAAAAAAOA/AAAAAAAA4D8AAAAAAADgPwAAAAAAAOA/AAAAAAAA4D8AAAAAAADgPwAAAAAAAOA/AAAAAAAA4D8CAAAAjAAAAAAAAAAAAAAA////DP///wgAAAAAAAAAAAAAAAAAAAAAAAAAAAAAAAAAAAAAZAAAAAEAAABAAAAAAAAAAAAAAAAAAAAAAAAAAAAAAAAAAAAAAAAAAAAAAAAAAAAAAAAAAAAAAAAAAAAAAAAAAAAAAAAAAAAAAAAAAAAAAAAAAAAAAAAAAAAAAAAAAAAAFAAAADwAAAAAAAAAAAAAAAZJjAkUAAAAAQAAABQAAAAUAAAAFAAAAAEAAAAAAAAAZAAAAGQAAAAAAAAAZAAAAGQAAAAVAAAAYAAAAAAAAAAAAAAADwAAACADAAAAAAAAAAAAAAEAAACgMgAAVgcAAKr4//8BAAAAf39/AAEAAABkAAAAAAAAABQAAABAHwAAAAAAACYAAAAAAAAAwOD//wAAAAAmAAAAZAAAABYAAABMAAAAAAAAAAAAAAAEAAAAAAAAAAEAAACWlpYKAAAAACgAAAAoAAAAZAAAAGQAAAAAAAAAzMzMAAAAAABQAAAAUAAAAGQAAABkAAAAAAAAABcAAAAUAAAAAAAAAAAAAAD/fwAA/38AAAAAAAAJAAAABAAAAAAAAAAMAAAAEAAAAAAAAAAAAAAAAAAAAAAAAAAeAAAAaAAAAAAAAAAAAAAAAAAAAAAAAAAAAAAAECcAABAnAAAAAAAAAAAAAAAAAAAAAAAAAAAAAAAAAAAAAAAAAAAAABQAAAAAAAAAwMD/AAAAAABkAAAAMgAAAAAAAABkAAAAAAAAAH9/fwAKAAAAHwAAAFQAAABbm9UF////AQAAAAAAAAAAAAAAAAAAAAAAAAAAAAAAAAAAAAAAAAAAAAAAAn9/fwDn5uYDzMzMAMDA/wB/f38AAAAAAAAAAAAAAAAAAAAAAAAAAAAhAAAAGAAAABQAAADAEgAAzyEAAABLAAAWJgAAEAAAAA=="/>
+                <pr:smNativeData xmlns:pr="smNativeData" xmlns="" val="SMDATA_12_7hxgVxMAAAAlAAAAZAAAAA0AAAAAkAAAAEgAAACQAAAASAAAAAAAAAAAAAAAAAAAAAEAAABQAAAAAAAAAAAA4D8AAAAAAADgPwAAAAAAAOA/AAAAAAAA4D8AAAAAAADgPwAAAAAAAOA/AAAAAAAA4D8AAAAAAADgPwAAAAAAAOA/AAAAAAAA4D8CAAAAjAAAAAAAAAAAAAAA////DP///wgAAAAAAAAAAAAAAAAAAAAAAAAAAAAAAAAAAAAAZAAAAAEAAABAAAAAAAAAAAAAAAAAAAAAAAAAAAAAAAAAAAAAAAAAAAAAAAAAAAAAAAAAAAAAAAAAAAAAAAAAAAAAAAAAAAAAAAAAAAAAAAAAAAAAAAAAAAAAAAAAAAAAFAAAADwAAAAAAAAAAAAAAAZJjAkUAAAAAQAAABQAAAAUAAAAFAAAAAEAAAAAAAAAZAAAAGQAAAAAAAAAZAAAAGQAAAAVAAAAYAAAAAAAAAAAAAAADwAAACADAAAAAAAAAAAAAAEAAACgMgAAVgcAAKr4//8BAAAAf39/AAEAAABkAAAAAAAAABQAAABAHwAAAAAAACYAAAAAAAAAwOD//wAAAAAmAAAAZAAAABYAAABMAAAAAAAAAAAAAAAEAAAAAAAAAAEAAACWlpYKAAAAACgAAAAoAAAAZAAAAGQAAAAAAAAAzMzMAAAAAABQAAAAUAAAAGQAAABkAAAAAAAAABcAAAAUAAAAAAAAAAAAAAD/fwAA/38AAAAAAAAJAAAABAAAAAAAAAAMAAAAEAAAAAAAAAAAAAAAAAAAAAAAAAAeAAAAaAAAAAAAAAAAAAAAAAAAAAAAAAAAAAAAECcAABAnAAAAAAAAAAAAAAAAAAAAAAAAAAAAAAAAAAAAAAAAAAAAABQAAAAAAAAAwMD/AAAAAABkAAAAMgAAAAAAAABkAAAAAAAAAH9/fwAKAAAAHwAAAFQAAABbm9UF////AQAAAAAAAAAAAAAAAAAAAAAAAAAAAAAAAAAAAAAAAAAAAAAAAn9/fwDn5uYDzMzMAMDA/wB/f38AAAAAAAAAAAAAAAAAAAAAAAAAAAAhAAAAGAAAABQAAADAEgAAzyEAAABLAAAWJgAAEAAAAA=="/>
               </a:ext>
             </a:extLst>
           </p:cNvSpPr>
@@ -3665,24 +3665,24 @@
           <a:lstStyle/>
           <a:p>
             <a:r>
-              <a:rPr lang="pt-BR" sz="2000" dirty="0" smtClean="0"/>
+              <a:rPr lang="pt-BR" sz="2400" dirty="0" smtClean="0"/>
               <a:t>Conceito</a:t>
             </a:r>
           </a:p>
           <a:p>
             <a:r>
-              <a:rPr lang="pt-BR" sz="2000" dirty="0" smtClean="0"/>
+              <a:rPr lang="pt-BR" sz="2400" dirty="0" smtClean="0"/>
               <a:t>Declarando uma Interface</a:t>
             </a:r>
           </a:p>
           <a:p>
             <a:r>
-              <a:rPr lang="pt-BR" sz="2000" dirty="0" smtClean="0"/>
+              <a:rPr lang="pt-BR" sz="2400" dirty="0" smtClean="0"/>
               <a:t>Declarando Constantes de Interface</a:t>
             </a:r>
           </a:p>
           <a:p>
-            <a:endParaRPr lang="pt-BR" sz="2000" dirty="0"/>
+            <a:endParaRPr lang="pt-BR" sz="2400" dirty="0"/>
           </a:p>
         </p:txBody>
       </p:sp>
@@ -5651,7 +5651,6 @@
               <a:rPr lang="pt-BR" sz="2000" dirty="0"/>
               <a:t>Sobre a Certificação OCA</a:t>
             </a:r>
-            <a:endParaRPr lang="pt-BR" sz="2000" dirty="0"/>
           </a:p>
         </p:txBody>
       </p:sp>
